--- a/Bases de Datos/1º Evaluación/Ejercicios/Ejercicio2/Explotación de bases de datos Big Data.pptx
+++ b/Bases de Datos/1º Evaluación/Ejercicios/Ejercicio2/Explotación de bases de datos Big Data.pptx
@@ -4,6 +4,9 @@
   <p:sldMasterIdLst>
     <p:sldMasterId id="2147483788" r:id="rId1"/>
   </p:sldMasterIdLst>
+  <p:sldIdLst>
+    <p:sldId id="258" r:id="rId2"/>
+  </p:sldIdLst>
   <p:sldSz cx="12192000" cy="6858000"/>
   <p:notesSz cx="6858000" cy="9144000"/>
   <p:defaultTextStyle>
@@ -109,8 +112,92 @@
 </p:presentation>
 </file>
 
+<file path=ppt/revisionInfo.xml><?xml version="1.0" encoding="utf-8"?>
+<p1510:revInfo xmlns:a="http://schemas.openxmlformats.org/drawingml/2006/main" xmlns:r="http://schemas.openxmlformats.org/officeDocument/2006/relationships" xmlns:p1510="http://schemas.microsoft.com/office/powerpoint/2015/10/main">
+  <p1510:revLst>
+    <p1510:client id="{8949363F-F8E8-445A-B74B-030214F69C19}" v="3" dt="2022-09-29T08:48:11.610"/>
+    <p1510:client id="{8DBECE07-87A8-466E-856F-FB6462FBA726}" v="6" dt="2022-09-29T08:14:34.153"/>
+  </p1510:revLst>
+</p1510:revInfo>
+</file>
+
 <file path=ppt/changesInfos/changesInfo1.xml><?xml version="1.0" encoding="utf-8"?>
 <pc:chgInfo xmlns:a="http://schemas.openxmlformats.org/drawingml/2006/main" xmlns:r="http://schemas.openxmlformats.org/officeDocument/2006/relationships" xmlns:ac="http://schemas.microsoft.com/office/drawing/2013/main/command" xmlns:pc="http://schemas.microsoft.com/office/powerpoint/2013/main/command">
+  <pc:docChgLst>
+    <pc:chgData name="Eduardo Martín-Sonseca.Alonso" userId="044a8a39323ca9b2" providerId="Windows Live" clId="Web-{8DBECE07-87A8-466E-856F-FB6462FBA726}"/>
+    <pc:docChg chg="delSld">
+      <pc:chgData name="Eduardo Martín-Sonseca.Alonso" userId="044a8a39323ca9b2" providerId="Windows Live" clId="Web-{8DBECE07-87A8-466E-856F-FB6462FBA726}" dt="2022-09-29T08:14:34.153" v="5"/>
+      <pc:docMkLst>
+        <pc:docMk/>
+      </pc:docMkLst>
+      <pc:sldChg chg="del">
+        <pc:chgData name="Eduardo Martín-Sonseca.Alonso" userId="044a8a39323ca9b2" providerId="Windows Live" clId="Web-{8DBECE07-87A8-466E-856F-FB6462FBA726}" dt="2022-09-29T08:14:34.153" v="5"/>
+        <pc:sldMkLst>
+          <pc:docMk/>
+          <pc:sldMk cId="2184046427" sldId="257"/>
+        </pc:sldMkLst>
+      </pc:sldChg>
+      <pc:sldChg chg="del">
+        <pc:chgData name="Eduardo Martín-Sonseca.Alonso" userId="044a8a39323ca9b2" providerId="Windows Live" clId="Web-{8DBECE07-87A8-466E-856F-FB6462FBA726}" dt="2022-09-29T08:14:32.872" v="4"/>
+        <pc:sldMkLst>
+          <pc:docMk/>
+          <pc:sldMk cId="811467687" sldId="259"/>
+        </pc:sldMkLst>
+      </pc:sldChg>
+      <pc:sldChg chg="del">
+        <pc:chgData name="Eduardo Martín-Sonseca.Alonso" userId="044a8a39323ca9b2" providerId="Windows Live" clId="Web-{8DBECE07-87A8-466E-856F-FB6462FBA726}" dt="2022-09-29T08:14:31.935" v="3"/>
+        <pc:sldMkLst>
+          <pc:docMk/>
+          <pc:sldMk cId="2467411564" sldId="260"/>
+        </pc:sldMkLst>
+      </pc:sldChg>
+      <pc:sldChg chg="del">
+        <pc:chgData name="Eduardo Martín-Sonseca.Alonso" userId="044a8a39323ca9b2" providerId="Windows Live" clId="Web-{8DBECE07-87A8-466E-856F-FB6462FBA726}" dt="2022-09-29T08:14:30.466" v="1"/>
+        <pc:sldMkLst>
+          <pc:docMk/>
+          <pc:sldMk cId="1395609140" sldId="261"/>
+        </pc:sldMkLst>
+      </pc:sldChg>
+      <pc:sldChg chg="del">
+        <pc:chgData name="Eduardo Martín-Sonseca.Alonso" userId="044a8a39323ca9b2" providerId="Windows Live" clId="Web-{8DBECE07-87A8-466E-856F-FB6462FBA726}" dt="2022-09-29T08:14:31.325" v="2"/>
+        <pc:sldMkLst>
+          <pc:docMk/>
+          <pc:sldMk cId="3457248673" sldId="262"/>
+        </pc:sldMkLst>
+      </pc:sldChg>
+      <pc:sldChg chg="del">
+        <pc:chgData name="Eduardo Martín-Sonseca.Alonso" userId="044a8a39323ca9b2" providerId="Windows Live" clId="Web-{8DBECE07-87A8-466E-856F-FB6462FBA726}" dt="2022-09-29T08:14:29.372" v="0"/>
+        <pc:sldMkLst>
+          <pc:docMk/>
+          <pc:sldMk cId="436996647" sldId="263"/>
+        </pc:sldMkLst>
+      </pc:sldChg>
+    </pc:docChg>
+  </pc:docChgLst>
+  <pc:docChgLst>
+    <pc:chgData name="Eduardo Martín-Sonseca.Alonso" userId="044a8a39323ca9b2" providerId="Windows Live" clId="Web-{8949363F-F8E8-445A-B74B-030214F69C19}"/>
+    <pc:docChg chg="modSld">
+      <pc:chgData name="Eduardo Martín-Sonseca.Alonso" userId="044a8a39323ca9b2" providerId="Windows Live" clId="Web-{8949363F-F8E8-445A-B74B-030214F69C19}" dt="2022-09-29T08:48:11.610" v="2" actId="20577"/>
+      <pc:docMkLst>
+        <pc:docMk/>
+      </pc:docMkLst>
+      <pc:sldChg chg="modSp">
+        <pc:chgData name="Eduardo Martín-Sonseca.Alonso" userId="044a8a39323ca9b2" providerId="Windows Live" clId="Web-{8949363F-F8E8-445A-B74B-030214F69C19}" dt="2022-09-29T08:48:11.610" v="2" actId="20577"/>
+        <pc:sldMkLst>
+          <pc:docMk/>
+          <pc:sldMk cId="1479924629" sldId="258"/>
+        </pc:sldMkLst>
+        <pc:spChg chg="mod">
+          <ac:chgData name="Eduardo Martín-Sonseca.Alonso" userId="044a8a39323ca9b2" providerId="Windows Live" clId="Web-{8949363F-F8E8-445A-B74B-030214F69C19}" dt="2022-09-29T08:48:11.610" v="2" actId="20577"/>
+          <ac:spMkLst>
+            <pc:docMk/>
+            <pc:sldMk cId="1479924629" sldId="258"/>
+            <ac:spMk id="7" creationId="{5B41D51C-D08B-3EFA-1F77-001EE791B2E3}"/>
+          </ac:spMkLst>
+        </pc:spChg>
+      </pc:sldChg>
+    </pc:docChg>
+  </pc:docChgLst>
   <pc:docChgLst>
     <pc:chgData name="Eduardo Martín-Sonseca.Alonso" userId="044a8a39323ca9b2" providerId="LiveId" clId="{88BFF241-8797-48AB-88EF-E6D786ABB885}"/>
     <pc:docChg chg="undo redo custSel addSld delSld modSld addMainMaster delMainMaster">
@@ -4273,6 +4360,312 @@
 </p:sldMaster>
 </file>
 
+<file path=ppt/slides/slide1.xml><?xml version="1.0" encoding="utf-8"?>
+<p:sld xmlns:a="http://schemas.openxmlformats.org/drawingml/2006/main" xmlns:r="http://schemas.openxmlformats.org/officeDocument/2006/relationships" xmlns:p="http://schemas.openxmlformats.org/presentationml/2006/main">
+  <p:cSld>
+    <p:spTree>
+      <p:nvGrpSpPr>
+        <p:cNvPr id="1" name=""/>
+        <p:cNvGrpSpPr/>
+        <p:nvPr/>
+      </p:nvGrpSpPr>
+      <p:grpSpPr>
+        <a:xfrm>
+          <a:off x="0" y="0"/>
+          <a:ext cx="0" cy="0"/>
+          <a:chOff x="0" y="0"/>
+          <a:chExt cx="0" cy="0"/>
+        </a:xfrm>
+      </p:grpSpPr>
+      <p:sp>
+        <p:nvSpPr>
+          <p:cNvPr id="2" name="Título 1">
+            <a:extLst>
+              <a:ext uri="{FF2B5EF4-FFF2-40B4-BE49-F238E27FC236}">
+                <a16:creationId xmlns:a16="http://schemas.microsoft.com/office/drawing/2014/main" id="{ED99DBDA-B49D-9CE5-B7A0-3B4E389D673C}"/>
+              </a:ext>
+            </a:extLst>
+          </p:cNvPr>
+          <p:cNvSpPr>
+            <a:spLocks noGrp="1"/>
+          </p:cNvSpPr>
+          <p:nvPr>
+            <p:ph type="ctrTitle"/>
+          </p:nvPr>
+        </p:nvSpPr>
+        <p:spPr/>
+        <p:txBody>
+          <a:bodyPr/>
+          <a:lstStyle/>
+          <a:p>
+            <a:r>
+              <a:rPr lang="es-ES" dirty="0"/>
+              <a:t>PORTADA</a:t>
+            </a:r>
+          </a:p>
+        </p:txBody>
+      </p:sp>
+      <p:sp>
+        <p:nvSpPr>
+          <p:cNvPr id="6" name="Subtítulo 5">
+            <a:extLst>
+              <a:ext uri="{FF2B5EF4-FFF2-40B4-BE49-F238E27FC236}">
+                <a16:creationId xmlns:a16="http://schemas.microsoft.com/office/drawing/2014/main" id="{FFE44297-5AAD-CA6F-4064-C2621A1C9AF8}"/>
+              </a:ext>
+            </a:extLst>
+          </p:cNvPr>
+          <p:cNvSpPr>
+            <a:spLocks noGrp="1"/>
+          </p:cNvSpPr>
+          <p:nvPr>
+            <p:ph type="subTitle" idx="1"/>
+          </p:nvPr>
+        </p:nvSpPr>
+        <p:spPr/>
+        <p:txBody>
+          <a:bodyPr/>
+          <a:lstStyle/>
+          <a:p>
+            <a:endParaRPr lang="es-ES"/>
+          </a:p>
+        </p:txBody>
+      </p:sp>
+      <p:sp>
+        <p:nvSpPr>
+          <p:cNvPr id="7" name="Subtítulo 2">
+            <a:extLst>
+              <a:ext uri="{FF2B5EF4-FFF2-40B4-BE49-F238E27FC236}">
+                <a16:creationId xmlns:a16="http://schemas.microsoft.com/office/drawing/2014/main" id="{5B41D51C-D08B-3EFA-1F77-001EE791B2E3}"/>
+              </a:ext>
+            </a:extLst>
+          </p:cNvPr>
+          <p:cNvSpPr txBox="1">
+            <a:spLocks noGrp="1" noRot="1" noMove="1" noResize="1" noEditPoints="1" noAdjustHandles="1" noChangeArrowheads="1" noChangeShapeType="1"/>
+          </p:cNvSpPr>
+          <p:nvPr/>
+        </p:nvSpPr>
+        <p:spPr>
+          <a:xfrm>
+            <a:off x="7013448" y="5684585"/>
+            <a:ext cx="5062728" cy="1173415"/>
+          </a:xfrm>
+          <a:prstGeom prst="rect">
+            <a:avLst/>
+          </a:prstGeom>
+        </p:spPr>
+        <p:txBody>
+          <a:bodyPr vert="horz" lIns="91440" tIns="45720" rIns="91440" bIns="45720" rtlCol="0" anchor="t">
+            <a:normAutofit/>
+          </a:bodyPr>
+          <a:lstStyle>
+            <a:lvl1pPr marL="228600" indent="-228600" algn="l" defTabSz="914400" rtl="0" eaLnBrk="1" latinLnBrk="0" hangingPunct="1">
+              <a:lnSpc>
+                <a:spcPct val="90000"/>
+              </a:lnSpc>
+              <a:spcBef>
+                <a:spcPts val="1000"/>
+              </a:spcBef>
+              <a:buFont typeface="Arial" panose="020B0604020202020204" pitchFamily="34" charset="0"/>
+              <a:buChar char="•"/>
+              <a:defRPr sz="2800" kern="1200">
+                <a:solidFill>
+                  <a:schemeClr val="tx1"/>
+                </a:solidFill>
+                <a:latin typeface="+mn-lt"/>
+                <a:ea typeface="+mn-ea"/>
+                <a:cs typeface="+mn-cs"/>
+              </a:defRPr>
+            </a:lvl1pPr>
+            <a:lvl2pPr marL="685800" indent="-228600" algn="l" defTabSz="914400" rtl="0" eaLnBrk="1" latinLnBrk="0" hangingPunct="1">
+              <a:lnSpc>
+                <a:spcPct val="90000"/>
+              </a:lnSpc>
+              <a:spcBef>
+                <a:spcPts val="500"/>
+              </a:spcBef>
+              <a:buFont typeface="Arial" panose="020B0604020202020204" pitchFamily="34" charset="0"/>
+              <a:buChar char="•"/>
+              <a:defRPr sz="2400" kern="1200">
+                <a:solidFill>
+                  <a:schemeClr val="tx1"/>
+                </a:solidFill>
+                <a:latin typeface="+mn-lt"/>
+                <a:ea typeface="+mn-ea"/>
+                <a:cs typeface="+mn-cs"/>
+              </a:defRPr>
+            </a:lvl2pPr>
+            <a:lvl3pPr marL="1143000" indent="-228600" algn="l" defTabSz="914400" rtl="0" eaLnBrk="1" latinLnBrk="0" hangingPunct="1">
+              <a:lnSpc>
+                <a:spcPct val="90000"/>
+              </a:lnSpc>
+              <a:spcBef>
+                <a:spcPts val="500"/>
+              </a:spcBef>
+              <a:buFont typeface="Arial" panose="020B0604020202020204" pitchFamily="34" charset="0"/>
+              <a:buChar char="•"/>
+              <a:defRPr sz="2000" kern="1200">
+                <a:solidFill>
+                  <a:schemeClr val="tx1"/>
+                </a:solidFill>
+                <a:latin typeface="+mn-lt"/>
+                <a:ea typeface="+mn-ea"/>
+                <a:cs typeface="+mn-cs"/>
+              </a:defRPr>
+            </a:lvl3pPr>
+            <a:lvl4pPr marL="1600200" indent="-228600" algn="l" defTabSz="914400" rtl="0" eaLnBrk="1" latinLnBrk="0" hangingPunct="1">
+              <a:lnSpc>
+                <a:spcPct val="90000"/>
+              </a:lnSpc>
+              <a:spcBef>
+                <a:spcPts val="500"/>
+              </a:spcBef>
+              <a:buFont typeface="Arial" panose="020B0604020202020204" pitchFamily="34" charset="0"/>
+              <a:buChar char="•"/>
+              <a:defRPr sz="1800" kern="1200">
+                <a:solidFill>
+                  <a:schemeClr val="tx1"/>
+                </a:solidFill>
+                <a:latin typeface="+mn-lt"/>
+                <a:ea typeface="+mn-ea"/>
+                <a:cs typeface="+mn-cs"/>
+              </a:defRPr>
+            </a:lvl4pPr>
+            <a:lvl5pPr marL="2057400" indent="-228600" algn="l" defTabSz="914400" rtl="0" eaLnBrk="1" latinLnBrk="0" hangingPunct="1">
+              <a:lnSpc>
+                <a:spcPct val="90000"/>
+              </a:lnSpc>
+              <a:spcBef>
+                <a:spcPts val="500"/>
+              </a:spcBef>
+              <a:buFont typeface="Arial" panose="020B0604020202020204" pitchFamily="34" charset="0"/>
+              <a:buChar char="•"/>
+              <a:defRPr sz="1800" kern="1200">
+                <a:solidFill>
+                  <a:schemeClr val="tx1"/>
+                </a:solidFill>
+                <a:latin typeface="+mn-lt"/>
+                <a:ea typeface="+mn-ea"/>
+                <a:cs typeface="+mn-cs"/>
+              </a:defRPr>
+            </a:lvl5pPr>
+            <a:lvl6pPr marL="2514600" indent="-228600" algn="l" defTabSz="914400" rtl="0" eaLnBrk="1" latinLnBrk="0" hangingPunct="1">
+              <a:lnSpc>
+                <a:spcPct val="90000"/>
+              </a:lnSpc>
+              <a:spcBef>
+                <a:spcPts val="500"/>
+              </a:spcBef>
+              <a:buFont typeface="Arial" panose="020B0604020202020204" pitchFamily="34" charset="0"/>
+              <a:buChar char="•"/>
+              <a:defRPr sz="1800" kern="1200">
+                <a:solidFill>
+                  <a:schemeClr val="tx1"/>
+                </a:solidFill>
+                <a:latin typeface="+mn-lt"/>
+                <a:ea typeface="+mn-ea"/>
+                <a:cs typeface="+mn-cs"/>
+              </a:defRPr>
+            </a:lvl6pPr>
+            <a:lvl7pPr marL="2971800" indent="-228600" algn="l" defTabSz="914400" rtl="0" eaLnBrk="1" latinLnBrk="0" hangingPunct="1">
+              <a:lnSpc>
+                <a:spcPct val="90000"/>
+              </a:lnSpc>
+              <a:spcBef>
+                <a:spcPts val="500"/>
+              </a:spcBef>
+              <a:buFont typeface="Arial" panose="020B0604020202020204" pitchFamily="34" charset="0"/>
+              <a:buChar char="•"/>
+              <a:defRPr sz="1800" kern="1200">
+                <a:solidFill>
+                  <a:schemeClr val="tx1"/>
+                </a:solidFill>
+                <a:latin typeface="+mn-lt"/>
+                <a:ea typeface="+mn-ea"/>
+                <a:cs typeface="+mn-cs"/>
+              </a:defRPr>
+            </a:lvl7pPr>
+            <a:lvl8pPr marL="3429000" indent="-228600" algn="l" defTabSz="914400" rtl="0" eaLnBrk="1" latinLnBrk="0" hangingPunct="1">
+              <a:lnSpc>
+                <a:spcPct val="90000"/>
+              </a:lnSpc>
+              <a:spcBef>
+                <a:spcPts val="500"/>
+              </a:spcBef>
+              <a:buFont typeface="Arial" panose="020B0604020202020204" pitchFamily="34" charset="0"/>
+              <a:buChar char="•"/>
+              <a:defRPr sz="1800" kern="1200">
+                <a:solidFill>
+                  <a:schemeClr val="tx1"/>
+                </a:solidFill>
+                <a:latin typeface="+mn-lt"/>
+                <a:ea typeface="+mn-ea"/>
+                <a:cs typeface="+mn-cs"/>
+              </a:defRPr>
+            </a:lvl8pPr>
+            <a:lvl9pPr marL="3886200" indent="-228600" algn="l" defTabSz="914400" rtl="0" eaLnBrk="1" latinLnBrk="0" hangingPunct="1">
+              <a:lnSpc>
+                <a:spcPct val="90000"/>
+              </a:lnSpc>
+              <a:spcBef>
+                <a:spcPts val="500"/>
+              </a:spcBef>
+              <a:buFont typeface="Arial" panose="020B0604020202020204" pitchFamily="34" charset="0"/>
+              <a:buChar char="•"/>
+              <a:defRPr sz="1800" kern="1200">
+                <a:solidFill>
+                  <a:schemeClr val="tx1"/>
+                </a:solidFill>
+                <a:latin typeface="+mn-lt"/>
+                <a:ea typeface="+mn-ea"/>
+                <a:cs typeface="+mn-cs"/>
+              </a:defRPr>
+            </a:lvl9pPr>
+          </a:lstStyle>
+          <a:p>
+            <a:pPr marL="0" indent="0" algn="ctr">
+              <a:buNone/>
+            </a:pPr>
+            <a:r>
+              <a:rPr lang="es-ES" sz="1700" dirty="0"/>
+              <a:t>EDUARDO MARTÍN-SONSECA </a:t>
+            </a:r>
+          </a:p>
+          <a:p>
+            <a:pPr marL="0" indent="0" algn="ctr">
+              <a:buNone/>
+            </a:pPr>
+            <a:r>
+              <a:rPr lang="es-ES" sz="1700"/>
+              <a:t>LUIS FERNÁNDEZ CASTELO</a:t>
+            </a:r>
+            <a:endParaRPr lang="es-ES" sz="1700">
+              <a:cs typeface="Calibri"/>
+            </a:endParaRPr>
+          </a:p>
+          <a:p>
+            <a:pPr marL="0" indent="0" algn="ctr">
+              <a:buNone/>
+            </a:pPr>
+            <a:r>
+              <a:rPr lang="es-ES" sz="1700" dirty="0"/>
+              <a:t>1º DESARROLLO DE APLICACIONES MULTIPLATAFORMA</a:t>
+            </a:r>
+          </a:p>
+        </p:txBody>
+      </p:sp>
+    </p:spTree>
+    <p:extLst>
+      <p:ext uri="{BB962C8B-B14F-4D97-AF65-F5344CB8AC3E}">
+        <p14:creationId xmlns:p14="http://schemas.microsoft.com/office/powerpoint/2010/main" val="1479924629"/>
+      </p:ext>
+    </p:extLst>
+  </p:cSld>
+  <p:clrMapOvr>
+    <a:masterClrMapping/>
+  </p:clrMapOvr>
+</p:sld>
+</file>
+
 <file path=ppt/theme/theme1.xml><?xml version="1.0" encoding="utf-8"?>
 <a:theme xmlns:a="http://schemas.openxmlformats.org/drawingml/2006/main" name="Tema de Office">
   <a:themeElements>

--- a/Bases de Datos/1º Evaluación/Ejercicios/Ejercicio2/Explotación de bases de datos Big Data.pptx
+++ b/Bases de Datos/1º Evaluación/Ejercicios/Ejercicio2/Explotación de bases de datos Big Data.pptx
@@ -6,6 +6,12 @@
   </p:sldMasterIdLst>
   <p:sldIdLst>
     <p:sldId id="258" r:id="rId2"/>
+    <p:sldId id="259" r:id="rId3"/>
+    <p:sldId id="260" r:id="rId4"/>
+    <p:sldId id="261" r:id="rId5"/>
+    <p:sldId id="262" r:id="rId6"/>
+    <p:sldId id="263" r:id="rId7"/>
+    <p:sldId id="264" r:id="rId8"/>
   </p:sldIdLst>
   <p:sldSz cx="12192000" cy="6858000"/>
   <p:notesSz cx="6858000" cy="9144000"/>
@@ -115,8 +121,14 @@
 <file path=ppt/revisionInfo.xml><?xml version="1.0" encoding="utf-8"?>
 <p1510:revInfo xmlns:a="http://schemas.openxmlformats.org/drawingml/2006/main" xmlns:r="http://schemas.openxmlformats.org/officeDocument/2006/relationships" xmlns:p1510="http://schemas.microsoft.com/office/powerpoint/2015/10/main">
   <p1510:revLst>
+    <p1510:client id="{290CB0A9-894B-4DAB-8123-A605B9345043}" v="1" dt="2022-10-04T09:46:36.949"/>
+    <p1510:client id="{3DB5D27C-DA39-4C1F-A2BB-D0A24BA8D7DA}" v="644" dt="2022-10-04T09:45:20.733"/>
+    <p1510:client id="{68748E30-2FBD-43B0-B824-A092A60EA4E9}" v="304" dt="2022-10-04T10:20:30.556"/>
     <p1510:client id="{8949363F-F8E8-445A-B74B-030214F69C19}" v="3" dt="2022-09-29T08:48:11.610"/>
     <p1510:client id="{8DBECE07-87A8-466E-856F-FB6462FBA726}" v="6" dt="2022-09-29T08:14:34.153"/>
+    <p1510:client id="{BC188AD2-9AFC-4294-89AA-68D6E215ABF9}" v="1" dt="2022-10-04T08:17:34.273"/>
+    <p1510:client id="{C190444C-DE63-4BE0-9A75-B7D0A850D412}" v="11" dt="2022-10-04T08:16:13.346"/>
+    <p1510:client id="{DBA603C0-A459-4D80-9237-AE2C2946D226}" v="1" dt="2022-10-04T08:20:45.180"/>
   </p1510:revLst>
 </p1510:revInfo>
 </file>
@@ -175,6 +187,987 @@
     </pc:docChg>
   </pc:docChgLst>
   <pc:docChgLst>
+    <pc:chgData name="luis fernandez" userId="7ba62ef74e42bc87" providerId="Windows Live" clId="Web-{290CB0A9-894B-4DAB-8123-A605B9345043}"/>
+    <pc:docChg chg="modSld">
+      <pc:chgData name="luis fernandez" userId="7ba62ef74e42bc87" providerId="Windows Live" clId="Web-{290CB0A9-894B-4DAB-8123-A605B9345043}" dt="2022-10-04T09:46:36.949" v="0"/>
+      <pc:docMkLst>
+        <pc:docMk/>
+      </pc:docMkLst>
+      <pc:sldChg chg="modAnim">
+        <pc:chgData name="luis fernandez" userId="7ba62ef74e42bc87" providerId="Windows Live" clId="Web-{290CB0A9-894B-4DAB-8123-A605B9345043}" dt="2022-10-04T09:46:36.949" v="0"/>
+        <pc:sldMkLst>
+          <pc:docMk/>
+          <pc:sldMk cId="992274193" sldId="259"/>
+        </pc:sldMkLst>
+      </pc:sldChg>
+    </pc:docChg>
+  </pc:docChgLst>
+  <pc:docChgLst>
+    <pc:chgData name="Eduardo Martín-Sonseca.Alonso" userId="044a8a39323ca9b2" providerId="Windows Live" clId="Web-{3DB5D27C-DA39-4C1F-A2BB-D0A24BA8D7DA}"/>
+    <pc:docChg chg="addSld delSld modSld">
+      <pc:chgData name="Eduardo Martín-Sonseca.Alonso" userId="044a8a39323ca9b2" providerId="Windows Live" clId="Web-{3DB5D27C-DA39-4C1F-A2BB-D0A24BA8D7DA}" dt="2022-10-04T09:45:20.733" v="658"/>
+      <pc:docMkLst>
+        <pc:docMk/>
+      </pc:docMkLst>
+      <pc:sldChg chg="addSp delSp modSp mod modTransition setBg addAnim modAnim setClrOvrMap">
+        <pc:chgData name="Eduardo Martín-Sonseca.Alonso" userId="044a8a39323ca9b2" providerId="Windows Live" clId="Web-{3DB5D27C-DA39-4C1F-A2BB-D0A24BA8D7DA}" dt="2022-10-04T09:45:20.733" v="658"/>
+        <pc:sldMkLst>
+          <pc:docMk/>
+          <pc:sldMk cId="1479924629" sldId="258"/>
+        </pc:sldMkLst>
+        <pc:spChg chg="del mod">
+          <ac:chgData name="Eduardo Martín-Sonseca.Alonso" userId="044a8a39323ca9b2" providerId="Windows Live" clId="Web-{3DB5D27C-DA39-4C1F-A2BB-D0A24BA8D7DA}" dt="2022-10-04T08:32:57.662" v="238"/>
+          <ac:spMkLst>
+            <pc:docMk/>
+            <pc:sldMk cId="1479924629" sldId="258"/>
+            <ac:spMk id="2" creationId="{ED99DBDA-B49D-9CE5-B7A0-3B4E389D673C}"/>
+          </ac:spMkLst>
+        </pc:spChg>
+        <pc:spChg chg="add del mod">
+          <ac:chgData name="Eduardo Martín-Sonseca.Alonso" userId="044a8a39323ca9b2" providerId="Windows Live" clId="Web-{3DB5D27C-DA39-4C1F-A2BB-D0A24BA8D7DA}" dt="2022-10-04T08:33:28.866" v="242"/>
+          <ac:spMkLst>
+            <pc:docMk/>
+            <pc:sldMk cId="1479924629" sldId="258"/>
+            <ac:spMk id="4" creationId="{099F7900-D976-8A58-3FBD-73DF7565EC35}"/>
+          </ac:spMkLst>
+        </pc:spChg>
+        <pc:spChg chg="mod">
+          <ac:chgData name="Eduardo Martín-Sonseca.Alonso" userId="044a8a39323ca9b2" providerId="Windows Live" clId="Web-{3DB5D27C-DA39-4C1F-A2BB-D0A24BA8D7DA}" dt="2022-10-04T08:36:52.155" v="295"/>
+          <ac:spMkLst>
+            <pc:docMk/>
+            <pc:sldMk cId="1479924629" sldId="258"/>
+            <ac:spMk id="6" creationId="{FFE44297-5AAD-CA6F-4064-C2621A1C9AF8}"/>
+          </ac:spMkLst>
+        </pc:spChg>
+        <pc:spChg chg="add mod ord">
+          <ac:chgData name="Eduardo Martín-Sonseca.Alonso" userId="044a8a39323ca9b2" providerId="Windows Live" clId="Web-{3DB5D27C-DA39-4C1F-A2BB-D0A24BA8D7DA}" dt="2022-10-04T08:37:25.469" v="296" actId="1076"/>
+          <ac:spMkLst>
+            <pc:docMk/>
+            <pc:sldMk cId="1479924629" sldId="258"/>
+            <ac:spMk id="7" creationId="{949D14D1-5131-7F2A-F1F0-BA10D62CBED1}"/>
+          </ac:spMkLst>
+        </pc:spChg>
+        <pc:spChg chg="add del mod">
+          <ac:chgData name="Eduardo Martín-Sonseca.Alonso" userId="044a8a39323ca9b2" providerId="Windows Live" clId="Web-{3DB5D27C-DA39-4C1F-A2BB-D0A24BA8D7DA}" dt="2022-10-04T08:34:26.712" v="276"/>
+          <ac:spMkLst>
+            <pc:docMk/>
+            <pc:sldMk cId="1479924629" sldId="258"/>
+            <ac:spMk id="9" creationId="{65D7B81C-7BA2-AD35-679B-7E93FCB824A0}"/>
+          </ac:spMkLst>
+        </pc:spChg>
+        <pc:spChg chg="add del">
+          <ac:chgData name="Eduardo Martín-Sonseca.Alonso" userId="044a8a39323ca9b2" providerId="Windows Live" clId="Web-{3DB5D27C-DA39-4C1F-A2BB-D0A24BA8D7DA}" dt="2022-10-04T08:36:30.482" v="284"/>
+          <ac:spMkLst>
+            <pc:docMk/>
+            <pc:sldMk cId="1479924629" sldId="258"/>
+            <ac:spMk id="15" creationId="{E91DC736-0EF8-4F87-9146-EBF1D2EE4D3D}"/>
+          </ac:spMkLst>
+        </pc:spChg>
+        <pc:spChg chg="add del">
+          <ac:chgData name="Eduardo Martín-Sonseca.Alonso" userId="044a8a39323ca9b2" providerId="Windows Live" clId="Web-{3DB5D27C-DA39-4C1F-A2BB-D0A24BA8D7DA}" dt="2022-10-04T08:36:30.482" v="284"/>
+          <ac:spMkLst>
+            <pc:docMk/>
+            <pc:sldMk cId="1479924629" sldId="258"/>
+            <ac:spMk id="17" creationId="{097CD68E-23E3-4007-8847-CD0944C4F7BE}"/>
+          </ac:spMkLst>
+        </pc:spChg>
+        <pc:spChg chg="add del">
+          <ac:chgData name="Eduardo Martín-Sonseca.Alonso" userId="044a8a39323ca9b2" providerId="Windows Live" clId="Web-{3DB5D27C-DA39-4C1F-A2BB-D0A24BA8D7DA}" dt="2022-10-04T08:36:30.482" v="284"/>
+          <ac:spMkLst>
+            <pc:docMk/>
+            <pc:sldMk cId="1479924629" sldId="258"/>
+            <ac:spMk id="19" creationId="{AF2F604E-43BE-4DC3-B983-E071523364F8}"/>
+          </ac:spMkLst>
+        </pc:spChg>
+        <pc:spChg chg="add del">
+          <ac:chgData name="Eduardo Martín-Sonseca.Alonso" userId="044a8a39323ca9b2" providerId="Windows Live" clId="Web-{3DB5D27C-DA39-4C1F-A2BB-D0A24BA8D7DA}" dt="2022-10-04T08:36:30.482" v="284"/>
+          <ac:spMkLst>
+            <pc:docMk/>
+            <pc:sldMk cId="1479924629" sldId="258"/>
+            <ac:spMk id="21" creationId="{08C9B587-E65E-4B52-B37C-ABEBB6E87928}"/>
+          </ac:spMkLst>
+        </pc:spChg>
+        <pc:spChg chg="add del">
+          <ac:chgData name="Eduardo Martín-Sonseca.Alonso" userId="044a8a39323ca9b2" providerId="Windows Live" clId="Web-{3DB5D27C-DA39-4C1F-A2BB-D0A24BA8D7DA}" dt="2022-10-04T08:36:37.483" v="286"/>
+          <ac:spMkLst>
+            <pc:docMk/>
+            <pc:sldMk cId="1479924629" sldId="258"/>
+            <ac:spMk id="23" creationId="{71B2258F-86CA-4D4D-8270-BC05FCDEBFB3}"/>
+          </ac:spMkLst>
+        </pc:spChg>
+        <pc:spChg chg="add del">
+          <ac:chgData name="Eduardo Martín-Sonseca.Alonso" userId="044a8a39323ca9b2" providerId="Windows Live" clId="Web-{3DB5D27C-DA39-4C1F-A2BB-D0A24BA8D7DA}" dt="2022-10-04T08:36:44.827" v="288"/>
+          <ac:spMkLst>
+            <pc:docMk/>
+            <pc:sldMk cId="1479924629" sldId="258"/>
+            <ac:spMk id="25" creationId="{0671A8AE-40A1-4631-A6B8-581AFF065482}"/>
+          </ac:spMkLst>
+        </pc:spChg>
+        <pc:spChg chg="add del">
+          <ac:chgData name="Eduardo Martín-Sonseca.Alonso" userId="044a8a39323ca9b2" providerId="Windows Live" clId="Web-{3DB5D27C-DA39-4C1F-A2BB-D0A24BA8D7DA}" dt="2022-10-04T08:36:44.827" v="288"/>
+          <ac:spMkLst>
+            <pc:docMk/>
+            <pc:sldMk cId="1479924629" sldId="258"/>
+            <ac:spMk id="26" creationId="{AB58EF07-17C2-48CF-ABB0-EEF1F17CB8F0}"/>
+          </ac:spMkLst>
+        </pc:spChg>
+        <pc:spChg chg="add del">
+          <ac:chgData name="Eduardo Martín-Sonseca.Alonso" userId="044a8a39323ca9b2" providerId="Windows Live" clId="Web-{3DB5D27C-DA39-4C1F-A2BB-D0A24BA8D7DA}" dt="2022-10-04T08:36:44.827" v="288"/>
+          <ac:spMkLst>
+            <pc:docMk/>
+            <pc:sldMk cId="1479924629" sldId="258"/>
+            <ac:spMk id="27" creationId="{AF2F604E-43BE-4DC3-B983-E071523364F8}"/>
+          </ac:spMkLst>
+        </pc:spChg>
+        <pc:spChg chg="add del">
+          <ac:chgData name="Eduardo Martín-Sonseca.Alonso" userId="044a8a39323ca9b2" providerId="Windows Live" clId="Web-{3DB5D27C-DA39-4C1F-A2BB-D0A24BA8D7DA}" dt="2022-10-04T08:36:44.827" v="288"/>
+          <ac:spMkLst>
+            <pc:docMk/>
+            <pc:sldMk cId="1479924629" sldId="258"/>
+            <ac:spMk id="28" creationId="{08C9B587-E65E-4B52-B37C-ABEBB6E87928}"/>
+          </ac:spMkLst>
+        </pc:spChg>
+        <pc:spChg chg="add del">
+          <ac:chgData name="Eduardo Martín-Sonseca.Alonso" userId="044a8a39323ca9b2" providerId="Windows Live" clId="Web-{3DB5D27C-DA39-4C1F-A2BB-D0A24BA8D7DA}" dt="2022-10-04T08:36:46.967" v="290"/>
+          <ac:spMkLst>
+            <pc:docMk/>
+            <pc:sldMk cId="1479924629" sldId="258"/>
+            <ac:spMk id="29" creationId="{89AFE9DD-0792-4B98-B4EB-97ACA17E6AA8}"/>
+          </ac:spMkLst>
+        </pc:spChg>
+        <pc:spChg chg="add del">
+          <ac:chgData name="Eduardo Martín-Sonseca.Alonso" userId="044a8a39323ca9b2" providerId="Windows Live" clId="Web-{3DB5D27C-DA39-4C1F-A2BB-D0A24BA8D7DA}" dt="2022-10-04T08:36:46.967" v="290"/>
+          <ac:spMkLst>
+            <pc:docMk/>
+            <pc:sldMk cId="1479924629" sldId="258"/>
+            <ac:spMk id="30" creationId="{07322A9E-F1EC-405E-8971-BA906EFFCCB8}"/>
+          </ac:spMkLst>
+        </pc:spChg>
+        <pc:spChg chg="add del">
+          <ac:chgData name="Eduardo Martín-Sonseca.Alonso" userId="044a8a39323ca9b2" providerId="Windows Live" clId="Web-{3DB5D27C-DA39-4C1F-A2BB-D0A24BA8D7DA}" dt="2022-10-04T08:36:46.967" v="290"/>
+          <ac:spMkLst>
+            <pc:docMk/>
+            <pc:sldMk cId="1479924629" sldId="258"/>
+            <ac:spMk id="31" creationId="{3981F5C4-9AE1-404E-AF44-A4E6DB374F9D}"/>
+          </ac:spMkLst>
+        </pc:spChg>
+        <pc:spChg chg="add del">
+          <ac:chgData name="Eduardo Martín-Sonseca.Alonso" userId="044a8a39323ca9b2" providerId="Windows Live" clId="Web-{3DB5D27C-DA39-4C1F-A2BB-D0A24BA8D7DA}" dt="2022-10-04T08:36:46.967" v="290"/>
+          <ac:spMkLst>
+            <pc:docMk/>
+            <pc:sldMk cId="1479924629" sldId="258"/>
+            <ac:spMk id="32" creationId="{A5704422-1118-4FD1-95AD-29A064EB80D9}"/>
+          </ac:spMkLst>
+        </pc:spChg>
+        <pc:spChg chg="add del">
+          <ac:chgData name="Eduardo Martín-Sonseca.Alonso" userId="044a8a39323ca9b2" providerId="Windows Live" clId="Web-{3DB5D27C-DA39-4C1F-A2BB-D0A24BA8D7DA}" dt="2022-10-04T08:36:46.967" v="290"/>
+          <ac:spMkLst>
+            <pc:docMk/>
+            <pc:sldMk cId="1479924629" sldId="258"/>
+            <ac:spMk id="33" creationId="{763C1781-8726-4FAC-8C45-FF40376BE409}"/>
+          </ac:spMkLst>
+        </pc:spChg>
+        <pc:spChg chg="add del">
+          <ac:chgData name="Eduardo Martín-Sonseca.Alonso" userId="044a8a39323ca9b2" providerId="Windows Live" clId="Web-{3DB5D27C-DA39-4C1F-A2BB-D0A24BA8D7DA}" dt="2022-10-04T08:36:46.967" v="290"/>
+          <ac:spMkLst>
+            <pc:docMk/>
+            <pc:sldMk cId="1479924629" sldId="258"/>
+            <ac:spMk id="34" creationId="{A88B2AAA-B805-498E-A9E6-98B885855498}"/>
+          </ac:spMkLst>
+        </pc:spChg>
+        <pc:spChg chg="add del">
+          <ac:chgData name="Eduardo Martín-Sonseca.Alonso" userId="044a8a39323ca9b2" providerId="Windows Live" clId="Web-{3DB5D27C-DA39-4C1F-A2BB-D0A24BA8D7DA}" dt="2022-10-04T08:36:46.967" v="290"/>
+          <ac:spMkLst>
+            <pc:docMk/>
+            <pc:sldMk cId="1479924629" sldId="258"/>
+            <ac:spMk id="35" creationId="{301491B5-56C7-43DC-A3D9-861EECCA056A}"/>
+          </ac:spMkLst>
+        </pc:spChg>
+        <pc:spChg chg="add del">
+          <ac:chgData name="Eduardo Martín-Sonseca.Alonso" userId="044a8a39323ca9b2" providerId="Windows Live" clId="Web-{3DB5D27C-DA39-4C1F-A2BB-D0A24BA8D7DA}" dt="2022-10-04T08:36:46.967" v="290"/>
+          <ac:spMkLst>
+            <pc:docMk/>
+            <pc:sldMk cId="1479924629" sldId="258"/>
+            <ac:spMk id="36" creationId="{9B8051E0-19D7-43E1-BFD9-E6DBFEB3A3F1}"/>
+          </ac:spMkLst>
+        </pc:spChg>
+        <pc:spChg chg="add del">
+          <ac:chgData name="Eduardo Martín-Sonseca.Alonso" userId="044a8a39323ca9b2" providerId="Windows Live" clId="Web-{3DB5D27C-DA39-4C1F-A2BB-D0A24BA8D7DA}" dt="2022-10-04T08:36:46.967" v="290"/>
+          <ac:spMkLst>
+            <pc:docMk/>
+            <pc:sldMk cId="1479924629" sldId="258"/>
+            <ac:spMk id="37" creationId="{237E2353-22DF-46E0-A200-FB30F8F394E2}"/>
+          </ac:spMkLst>
+        </pc:spChg>
+        <pc:spChg chg="add del">
+          <ac:chgData name="Eduardo Martín-Sonseca.Alonso" userId="044a8a39323ca9b2" providerId="Windows Live" clId="Web-{3DB5D27C-DA39-4C1F-A2BB-D0A24BA8D7DA}" dt="2022-10-04T08:36:46.967" v="290"/>
+          <ac:spMkLst>
+            <pc:docMk/>
+            <pc:sldMk cId="1479924629" sldId="258"/>
+            <ac:spMk id="38" creationId="{4EDB2B02-86A2-46F5-A4BE-B7D9B10411D6}"/>
+          </ac:spMkLst>
+        </pc:spChg>
+        <pc:spChg chg="add del">
+          <ac:chgData name="Eduardo Martín-Sonseca.Alonso" userId="044a8a39323ca9b2" providerId="Windows Live" clId="Web-{3DB5D27C-DA39-4C1F-A2BB-D0A24BA8D7DA}" dt="2022-10-04T08:36:46.967" v="290"/>
+          <ac:spMkLst>
+            <pc:docMk/>
+            <pc:sldMk cId="1479924629" sldId="258"/>
+            <ac:spMk id="39" creationId="{DD6138DB-057B-45F7-A5F4-E7BFDA20D02C}"/>
+          </ac:spMkLst>
+        </pc:spChg>
+        <pc:spChg chg="add del">
+          <ac:chgData name="Eduardo Martín-Sonseca.Alonso" userId="044a8a39323ca9b2" providerId="Windows Live" clId="Web-{3DB5D27C-DA39-4C1F-A2BB-D0A24BA8D7DA}" dt="2022-10-04T08:36:46.967" v="290"/>
+          <ac:spMkLst>
+            <pc:docMk/>
+            <pc:sldMk cId="1479924629" sldId="258"/>
+            <ac:spMk id="40" creationId="{43954639-FB5D-41F4-9560-6F6DFE778425}"/>
+          </ac:spMkLst>
+        </pc:spChg>
+        <pc:spChg chg="add del">
+          <ac:chgData name="Eduardo Martín-Sonseca.Alonso" userId="044a8a39323ca9b2" providerId="Windows Live" clId="Web-{3DB5D27C-DA39-4C1F-A2BB-D0A24BA8D7DA}" dt="2022-10-04T08:36:46.967" v="290"/>
+          <ac:spMkLst>
+            <pc:docMk/>
+            <pc:sldMk cId="1479924629" sldId="258"/>
+            <ac:spMk id="41" creationId="{79A54AB1-B64F-4843-BFAB-81CB74E66B65}"/>
+          </ac:spMkLst>
+        </pc:spChg>
+        <pc:spChg chg="add del">
+          <ac:chgData name="Eduardo Martín-Sonseca.Alonso" userId="044a8a39323ca9b2" providerId="Windows Live" clId="Web-{3DB5D27C-DA39-4C1F-A2BB-D0A24BA8D7DA}" dt="2022-10-04T08:36:46.967" v="290"/>
+          <ac:spMkLst>
+            <pc:docMk/>
+            <pc:sldMk cId="1479924629" sldId="258"/>
+            <ac:spMk id="42" creationId="{E898931C-0323-41FA-A036-20F818B1FF81}"/>
+          </ac:spMkLst>
+        </pc:spChg>
+        <pc:spChg chg="add del">
+          <ac:chgData name="Eduardo Martín-Sonseca.Alonso" userId="044a8a39323ca9b2" providerId="Windows Live" clId="Web-{3DB5D27C-DA39-4C1F-A2BB-D0A24BA8D7DA}" dt="2022-10-04T08:36:49.858" v="292"/>
+          <ac:spMkLst>
+            <pc:docMk/>
+            <pc:sldMk cId="1479924629" sldId="258"/>
+            <ac:spMk id="44" creationId="{0671A8AE-40A1-4631-A6B8-581AFF065482}"/>
+          </ac:spMkLst>
+        </pc:spChg>
+        <pc:spChg chg="add del">
+          <ac:chgData name="Eduardo Martín-Sonseca.Alonso" userId="044a8a39323ca9b2" providerId="Windows Live" clId="Web-{3DB5D27C-DA39-4C1F-A2BB-D0A24BA8D7DA}" dt="2022-10-04T08:36:49.858" v="292"/>
+          <ac:spMkLst>
+            <pc:docMk/>
+            <pc:sldMk cId="1479924629" sldId="258"/>
+            <ac:spMk id="45" creationId="{AB58EF07-17C2-48CF-ABB0-EEF1F17CB8F0}"/>
+          </ac:spMkLst>
+        </pc:spChg>
+        <pc:spChg chg="add del">
+          <ac:chgData name="Eduardo Martín-Sonseca.Alonso" userId="044a8a39323ca9b2" providerId="Windows Live" clId="Web-{3DB5D27C-DA39-4C1F-A2BB-D0A24BA8D7DA}" dt="2022-10-04T08:36:49.858" v="292"/>
+          <ac:spMkLst>
+            <pc:docMk/>
+            <pc:sldMk cId="1479924629" sldId="258"/>
+            <ac:spMk id="46" creationId="{AF2F604E-43BE-4DC3-B983-E071523364F8}"/>
+          </ac:spMkLst>
+        </pc:spChg>
+        <pc:spChg chg="add del">
+          <ac:chgData name="Eduardo Martín-Sonseca.Alonso" userId="044a8a39323ca9b2" providerId="Windows Live" clId="Web-{3DB5D27C-DA39-4C1F-A2BB-D0A24BA8D7DA}" dt="2022-10-04T08:36:49.858" v="292"/>
+          <ac:spMkLst>
+            <pc:docMk/>
+            <pc:sldMk cId="1479924629" sldId="258"/>
+            <ac:spMk id="47" creationId="{08C9B587-E65E-4B52-B37C-ABEBB6E87928}"/>
+          </ac:spMkLst>
+        </pc:spChg>
+        <pc:spChg chg="add del">
+          <ac:chgData name="Eduardo Martín-Sonseca.Alonso" userId="044a8a39323ca9b2" providerId="Windows Live" clId="Web-{3DB5D27C-DA39-4C1F-A2BB-D0A24BA8D7DA}" dt="2022-10-04T08:36:52.155" v="294"/>
+          <ac:spMkLst>
+            <pc:docMk/>
+            <pc:sldMk cId="1479924629" sldId="258"/>
+            <ac:spMk id="49" creationId="{07322A9E-F1EC-405E-8971-BA906EFFCCB8}"/>
+          </ac:spMkLst>
+        </pc:spChg>
+        <pc:spChg chg="add del">
+          <ac:chgData name="Eduardo Martín-Sonseca.Alonso" userId="044a8a39323ca9b2" providerId="Windows Live" clId="Web-{3DB5D27C-DA39-4C1F-A2BB-D0A24BA8D7DA}" dt="2022-10-04T08:36:52.155" v="294"/>
+          <ac:spMkLst>
+            <pc:docMk/>
+            <pc:sldMk cId="1479924629" sldId="258"/>
+            <ac:spMk id="50" creationId="{A5704422-1118-4FD1-95AD-29A064EB80D9}"/>
+          </ac:spMkLst>
+        </pc:spChg>
+        <pc:spChg chg="add del">
+          <ac:chgData name="Eduardo Martín-Sonseca.Alonso" userId="044a8a39323ca9b2" providerId="Windows Live" clId="Web-{3DB5D27C-DA39-4C1F-A2BB-D0A24BA8D7DA}" dt="2022-10-04T08:36:52.155" v="294"/>
+          <ac:spMkLst>
+            <pc:docMk/>
+            <pc:sldMk cId="1479924629" sldId="258"/>
+            <ac:spMk id="51" creationId="{A88B2AAA-B805-498E-A9E6-98B885855498}"/>
+          </ac:spMkLst>
+        </pc:spChg>
+        <pc:spChg chg="add del">
+          <ac:chgData name="Eduardo Martín-Sonseca.Alonso" userId="044a8a39323ca9b2" providerId="Windows Live" clId="Web-{3DB5D27C-DA39-4C1F-A2BB-D0A24BA8D7DA}" dt="2022-10-04T08:36:52.155" v="294"/>
+          <ac:spMkLst>
+            <pc:docMk/>
+            <pc:sldMk cId="1479924629" sldId="258"/>
+            <ac:spMk id="52" creationId="{9B8051E0-19D7-43E1-BFD9-E6DBFEB3A3F1}"/>
+          </ac:spMkLst>
+        </pc:spChg>
+        <pc:spChg chg="add del">
+          <ac:chgData name="Eduardo Martín-Sonseca.Alonso" userId="044a8a39323ca9b2" providerId="Windows Live" clId="Web-{3DB5D27C-DA39-4C1F-A2BB-D0A24BA8D7DA}" dt="2022-10-04T08:36:52.155" v="294"/>
+          <ac:spMkLst>
+            <pc:docMk/>
+            <pc:sldMk cId="1479924629" sldId="258"/>
+            <ac:spMk id="53" creationId="{4EDB2B02-86A2-46F5-A4BE-B7D9B10411D6}"/>
+          </ac:spMkLst>
+        </pc:spChg>
+        <pc:spChg chg="add del">
+          <ac:chgData name="Eduardo Martín-Sonseca.Alonso" userId="044a8a39323ca9b2" providerId="Windows Live" clId="Web-{3DB5D27C-DA39-4C1F-A2BB-D0A24BA8D7DA}" dt="2022-10-04T08:36:52.155" v="294"/>
+          <ac:spMkLst>
+            <pc:docMk/>
+            <pc:sldMk cId="1479924629" sldId="258"/>
+            <ac:spMk id="54" creationId="{43954639-FB5D-41F4-9560-6F6DFE778425}"/>
+          </ac:spMkLst>
+        </pc:spChg>
+        <pc:spChg chg="add del">
+          <ac:chgData name="Eduardo Martín-Sonseca.Alonso" userId="044a8a39323ca9b2" providerId="Windows Live" clId="Web-{3DB5D27C-DA39-4C1F-A2BB-D0A24BA8D7DA}" dt="2022-10-04T08:36:52.155" v="294"/>
+          <ac:spMkLst>
+            <pc:docMk/>
+            <pc:sldMk cId="1479924629" sldId="258"/>
+            <ac:spMk id="55" creationId="{E898931C-0323-41FA-A036-20F818B1FF81}"/>
+          </ac:spMkLst>
+        </pc:spChg>
+        <pc:spChg chg="add del">
+          <ac:chgData name="Eduardo Martín-Sonseca.Alonso" userId="044a8a39323ca9b2" providerId="Windows Live" clId="Web-{3DB5D27C-DA39-4C1F-A2BB-D0A24BA8D7DA}" dt="2022-10-04T08:36:52.155" v="294"/>
+          <ac:spMkLst>
+            <pc:docMk/>
+            <pc:sldMk cId="1479924629" sldId="258"/>
+            <ac:spMk id="56" creationId="{89AFE9DD-0792-4B98-B4EB-97ACA17E6AA8}"/>
+          </ac:spMkLst>
+        </pc:spChg>
+        <pc:spChg chg="add del">
+          <ac:chgData name="Eduardo Martín-Sonseca.Alonso" userId="044a8a39323ca9b2" providerId="Windows Live" clId="Web-{3DB5D27C-DA39-4C1F-A2BB-D0A24BA8D7DA}" dt="2022-10-04T08:36:52.155" v="294"/>
+          <ac:spMkLst>
+            <pc:docMk/>
+            <pc:sldMk cId="1479924629" sldId="258"/>
+            <ac:spMk id="57" creationId="{3981F5C4-9AE1-404E-AF44-A4E6DB374F9D}"/>
+          </ac:spMkLst>
+        </pc:spChg>
+        <pc:spChg chg="add del">
+          <ac:chgData name="Eduardo Martín-Sonseca.Alonso" userId="044a8a39323ca9b2" providerId="Windows Live" clId="Web-{3DB5D27C-DA39-4C1F-A2BB-D0A24BA8D7DA}" dt="2022-10-04T08:36:52.155" v="294"/>
+          <ac:spMkLst>
+            <pc:docMk/>
+            <pc:sldMk cId="1479924629" sldId="258"/>
+            <ac:spMk id="58" creationId="{763C1781-8726-4FAC-8C45-FF40376BE409}"/>
+          </ac:spMkLst>
+        </pc:spChg>
+        <pc:spChg chg="add del">
+          <ac:chgData name="Eduardo Martín-Sonseca.Alonso" userId="044a8a39323ca9b2" providerId="Windows Live" clId="Web-{3DB5D27C-DA39-4C1F-A2BB-D0A24BA8D7DA}" dt="2022-10-04T08:36:52.155" v="294"/>
+          <ac:spMkLst>
+            <pc:docMk/>
+            <pc:sldMk cId="1479924629" sldId="258"/>
+            <ac:spMk id="59" creationId="{301491B5-56C7-43DC-A3D9-861EECCA056A}"/>
+          </ac:spMkLst>
+        </pc:spChg>
+        <pc:spChg chg="add del">
+          <ac:chgData name="Eduardo Martín-Sonseca.Alonso" userId="044a8a39323ca9b2" providerId="Windows Live" clId="Web-{3DB5D27C-DA39-4C1F-A2BB-D0A24BA8D7DA}" dt="2022-10-04T08:36:52.155" v="294"/>
+          <ac:spMkLst>
+            <pc:docMk/>
+            <pc:sldMk cId="1479924629" sldId="258"/>
+            <ac:spMk id="60" creationId="{237E2353-22DF-46E0-A200-FB30F8F394E2}"/>
+          </ac:spMkLst>
+        </pc:spChg>
+        <pc:spChg chg="add del">
+          <ac:chgData name="Eduardo Martín-Sonseca.Alonso" userId="044a8a39323ca9b2" providerId="Windows Live" clId="Web-{3DB5D27C-DA39-4C1F-A2BB-D0A24BA8D7DA}" dt="2022-10-04T08:36:52.155" v="294"/>
+          <ac:spMkLst>
+            <pc:docMk/>
+            <pc:sldMk cId="1479924629" sldId="258"/>
+            <ac:spMk id="61" creationId="{DD6138DB-057B-45F7-A5F4-E7BFDA20D02C}"/>
+          </ac:spMkLst>
+        </pc:spChg>
+        <pc:spChg chg="add del">
+          <ac:chgData name="Eduardo Martín-Sonseca.Alonso" userId="044a8a39323ca9b2" providerId="Windows Live" clId="Web-{3DB5D27C-DA39-4C1F-A2BB-D0A24BA8D7DA}" dt="2022-10-04T08:36:52.155" v="294"/>
+          <ac:spMkLst>
+            <pc:docMk/>
+            <pc:sldMk cId="1479924629" sldId="258"/>
+            <ac:spMk id="62" creationId="{79A54AB1-B64F-4843-BFAB-81CB74E66B65}"/>
+          </ac:spMkLst>
+        </pc:spChg>
+        <pc:spChg chg="add">
+          <ac:chgData name="Eduardo Martín-Sonseca.Alonso" userId="044a8a39323ca9b2" providerId="Windows Live" clId="Web-{3DB5D27C-DA39-4C1F-A2BB-D0A24BA8D7DA}" dt="2022-10-04T08:36:52.155" v="295"/>
+          <ac:spMkLst>
+            <pc:docMk/>
+            <pc:sldMk cId="1479924629" sldId="258"/>
+            <ac:spMk id="64" creationId="{0671A8AE-40A1-4631-A6B8-581AFF065482}"/>
+          </ac:spMkLst>
+        </pc:spChg>
+        <pc:spChg chg="add">
+          <ac:chgData name="Eduardo Martín-Sonseca.Alonso" userId="044a8a39323ca9b2" providerId="Windows Live" clId="Web-{3DB5D27C-DA39-4C1F-A2BB-D0A24BA8D7DA}" dt="2022-10-04T08:36:52.155" v="295"/>
+          <ac:spMkLst>
+            <pc:docMk/>
+            <pc:sldMk cId="1479924629" sldId="258"/>
+            <ac:spMk id="65" creationId="{AB58EF07-17C2-48CF-ABB0-EEF1F17CB8F0}"/>
+          </ac:spMkLst>
+        </pc:spChg>
+        <pc:spChg chg="add">
+          <ac:chgData name="Eduardo Martín-Sonseca.Alonso" userId="044a8a39323ca9b2" providerId="Windows Live" clId="Web-{3DB5D27C-DA39-4C1F-A2BB-D0A24BA8D7DA}" dt="2022-10-04T08:36:52.155" v="295"/>
+          <ac:spMkLst>
+            <pc:docMk/>
+            <pc:sldMk cId="1479924629" sldId="258"/>
+            <ac:spMk id="66" creationId="{AF2F604E-43BE-4DC3-B983-E071523364F8}"/>
+          </ac:spMkLst>
+        </pc:spChg>
+        <pc:spChg chg="add">
+          <ac:chgData name="Eduardo Martín-Sonseca.Alonso" userId="044a8a39323ca9b2" providerId="Windows Live" clId="Web-{3DB5D27C-DA39-4C1F-A2BB-D0A24BA8D7DA}" dt="2022-10-04T08:36:52.155" v="295"/>
+          <ac:spMkLst>
+            <pc:docMk/>
+            <pc:sldMk cId="1479924629" sldId="258"/>
+            <ac:spMk id="67" creationId="{08C9B587-E65E-4B52-B37C-ABEBB6E87928}"/>
+          </ac:spMkLst>
+        </pc:spChg>
+        <pc:picChg chg="add mod ord">
+          <ac:chgData name="Eduardo Martín-Sonseca.Alonso" userId="044a8a39323ca9b2" providerId="Windows Live" clId="Web-{3DB5D27C-DA39-4C1F-A2BB-D0A24BA8D7DA}" dt="2022-10-04T08:36:52.155" v="295"/>
+          <ac:picMkLst>
+            <pc:docMk/>
+            <pc:sldMk cId="1479924629" sldId="258"/>
+            <ac:picMk id="10" creationId="{76BF477E-1037-8DBF-F6EA-9F38B8FBEE29}"/>
+          </ac:picMkLst>
+        </pc:picChg>
+      </pc:sldChg>
+      <pc:sldChg chg="addSp delSp modSp del mod modTransition setBg modClrScheme addAnim delAnim modAnim setClrOvrMap chgLayout">
+        <pc:chgData name="Eduardo Martín-Sonseca.Alonso" userId="044a8a39323ca9b2" providerId="Windows Live" clId="Web-{3DB5D27C-DA39-4C1F-A2BB-D0A24BA8D7DA}" dt="2022-10-04T09:30:36.196" v="474"/>
+        <pc:sldMkLst>
+          <pc:docMk/>
+          <pc:sldMk cId="664690385" sldId="259"/>
+        </pc:sldMkLst>
+        <pc:spChg chg="mod ord">
+          <ac:chgData name="Eduardo Martín-Sonseca.Alonso" userId="044a8a39323ca9b2" providerId="Windows Live" clId="Web-{3DB5D27C-DA39-4C1F-A2BB-D0A24BA8D7DA}" dt="2022-10-04T09:29:59.929" v="453"/>
+          <ac:spMkLst>
+            <pc:docMk/>
+            <pc:sldMk cId="664690385" sldId="259"/>
+            <ac:spMk id="2" creationId="{347A5558-8480-13F1-CD14-1959AACEA1DB}"/>
+          </ac:spMkLst>
+        </pc:spChg>
+        <pc:spChg chg="del">
+          <ac:chgData name="Eduardo Martín-Sonseca.Alonso" userId="044a8a39323ca9b2" providerId="Windows Live" clId="Web-{3DB5D27C-DA39-4C1F-A2BB-D0A24BA8D7DA}" dt="2022-10-04T08:21:49.950" v="6"/>
+          <ac:spMkLst>
+            <pc:docMk/>
+            <pc:sldMk cId="664690385" sldId="259"/>
+            <ac:spMk id="3" creationId="{0D56F1E8-C824-D2D6-366B-C2E4105FE660}"/>
+          </ac:spMkLst>
+        </pc:spChg>
+        <pc:spChg chg="add del mod">
+          <ac:chgData name="Eduardo Martín-Sonseca.Alonso" userId="044a8a39323ca9b2" providerId="Windows Live" clId="Web-{3DB5D27C-DA39-4C1F-A2BB-D0A24BA8D7DA}" dt="2022-10-04T09:29:38.241" v="446"/>
+          <ac:spMkLst>
+            <pc:docMk/>
+            <pc:sldMk cId="664690385" sldId="259"/>
+            <ac:spMk id="4" creationId="{310FB64A-D901-BF8D-4737-8F6355359EAF}"/>
+          </ac:spMkLst>
+        </pc:spChg>
+        <pc:spChg chg="add del mod">
+          <ac:chgData name="Eduardo Martín-Sonseca.Alonso" userId="044a8a39323ca9b2" providerId="Windows Live" clId="Web-{3DB5D27C-DA39-4C1F-A2BB-D0A24BA8D7DA}" dt="2022-10-04T08:31:38.300" v="232"/>
+          <ac:spMkLst>
+            <pc:docMk/>
+            <pc:sldMk cId="664690385" sldId="259"/>
+            <ac:spMk id="5" creationId="{A24ED7ED-3181-8FE6-5904-0F72C9B45BE2}"/>
+          </ac:spMkLst>
+        </pc:spChg>
+        <pc:spChg chg="add del mod ord">
+          <ac:chgData name="Eduardo Martín-Sonseca.Alonso" userId="044a8a39323ca9b2" providerId="Windows Live" clId="Web-{3DB5D27C-DA39-4C1F-A2BB-D0A24BA8D7DA}" dt="2022-10-04T08:29:33.670" v="167"/>
+          <ac:spMkLst>
+            <pc:docMk/>
+            <pc:sldMk cId="664690385" sldId="259"/>
+            <ac:spMk id="6" creationId="{11B11A92-3F87-2483-6447-E69EA1221E80}"/>
+          </ac:spMkLst>
+        </pc:spChg>
+        <pc:spChg chg="add del mod">
+          <ac:chgData name="Eduardo Martín-Sonseca.Alonso" userId="044a8a39323ca9b2" providerId="Windows Live" clId="Web-{3DB5D27C-DA39-4C1F-A2BB-D0A24BA8D7DA}" dt="2022-10-04T09:29:45.851" v="452"/>
+          <ac:spMkLst>
+            <pc:docMk/>
+            <pc:sldMk cId="664690385" sldId="259"/>
+            <ac:spMk id="6" creationId="{79373AC9-D8A0-41EA-67FD-FF24547C7CDE}"/>
+          </ac:spMkLst>
+        </pc:spChg>
+        <pc:spChg chg="add del mod ord">
+          <ac:chgData name="Eduardo Martín-Sonseca.Alonso" userId="044a8a39323ca9b2" providerId="Windows Live" clId="Web-{3DB5D27C-DA39-4C1F-A2BB-D0A24BA8D7DA}" dt="2022-10-04T09:29:38.273" v="451"/>
+          <ac:spMkLst>
+            <pc:docMk/>
+            <pc:sldMk cId="664690385" sldId="259"/>
+            <ac:spMk id="7" creationId="{5DABDB96-B2BC-99D9-3166-6D7C10A74767}"/>
+          </ac:spMkLst>
+        </pc:spChg>
+        <pc:spChg chg="add del mod ord">
+          <ac:chgData name="Eduardo Martín-Sonseca.Alonso" userId="044a8a39323ca9b2" providerId="Windows Live" clId="Web-{3DB5D27C-DA39-4C1F-A2BB-D0A24BA8D7DA}" dt="2022-10-04T09:30:31.102" v="473"/>
+          <ac:spMkLst>
+            <pc:docMk/>
+            <pc:sldMk cId="664690385" sldId="259"/>
+            <ac:spMk id="8" creationId="{B5174CF6-B32D-5AEF-E143-55A5893BB673}"/>
+          </ac:spMkLst>
+        </pc:spChg>
+        <pc:spChg chg="add del mod ord">
+          <ac:chgData name="Eduardo Martín-Sonseca.Alonso" userId="044a8a39323ca9b2" providerId="Windows Live" clId="Web-{3DB5D27C-DA39-4C1F-A2BB-D0A24BA8D7DA}" dt="2022-10-04T08:29:46.124" v="169"/>
+          <ac:spMkLst>
+            <pc:docMk/>
+            <pc:sldMk cId="664690385" sldId="259"/>
+            <ac:spMk id="8" creationId="{C22ADDB3-60BE-2EE2-13EB-790121EB496D}"/>
+          </ac:spMkLst>
+        </pc:spChg>
+        <pc:spChg chg="add del mod">
+          <ac:chgData name="Eduardo Martín-Sonseca.Alonso" userId="044a8a39323ca9b2" providerId="Windows Live" clId="Web-{3DB5D27C-DA39-4C1F-A2BB-D0A24BA8D7DA}" dt="2022-10-04T08:37:32.891" v="297"/>
+          <ac:spMkLst>
+            <pc:docMk/>
+            <pc:sldMk cId="664690385" sldId="259"/>
+            <ac:spMk id="10" creationId="{A06A0080-B19D-70EB-32D9-ECC69C79D62D}"/>
+          </ac:spMkLst>
+        </pc:spChg>
+        <pc:spChg chg="add mod">
+          <ac:chgData name="Eduardo Martín-Sonseca.Alonso" userId="044a8a39323ca9b2" providerId="Windows Live" clId="Web-{3DB5D27C-DA39-4C1F-A2BB-D0A24BA8D7DA}" dt="2022-10-04T09:30:31.102" v="473"/>
+          <ac:spMkLst>
+            <pc:docMk/>
+            <pc:sldMk cId="664690385" sldId="259"/>
+            <ac:spMk id="10" creationId="{C456538A-FF3D-65C1-B852-96A36E93D112}"/>
+          </ac:spMkLst>
+        </pc:spChg>
+        <pc:spChg chg="add del">
+          <ac:chgData name="Eduardo Martín-Sonseca.Alonso" userId="044a8a39323ca9b2" providerId="Windows Live" clId="Web-{3DB5D27C-DA39-4C1F-A2BB-D0A24BA8D7DA}" dt="2022-10-04T08:38:16.236" v="301"/>
+          <ac:spMkLst>
+            <pc:docMk/>
+            <pc:sldMk cId="664690385" sldId="259"/>
+            <ac:spMk id="13" creationId="{F609FF9A-4FCE-468E-A86A-C9AB525EAE71}"/>
+          </ac:spMkLst>
+        </pc:spChg>
+        <pc:spChg chg="add del">
+          <ac:chgData name="Eduardo Martín-Sonseca.Alonso" userId="044a8a39323ca9b2" providerId="Windows Live" clId="Web-{3DB5D27C-DA39-4C1F-A2BB-D0A24BA8D7DA}" dt="2022-10-04T08:38:43.972" v="307"/>
+          <ac:spMkLst>
+            <pc:docMk/>
+            <pc:sldMk cId="664690385" sldId="259"/>
+            <ac:spMk id="14" creationId="{A3363022-C969-41E9-8EB2-E4C94908C1FA}"/>
+          </ac:spMkLst>
+        </pc:spChg>
+        <pc:spChg chg="add del">
+          <ac:chgData name="Eduardo Martín-Sonseca.Alonso" userId="044a8a39323ca9b2" providerId="Windows Live" clId="Web-{3DB5D27C-DA39-4C1F-A2BB-D0A24BA8D7DA}" dt="2022-10-04T08:38:16.236" v="301"/>
+          <ac:spMkLst>
+            <pc:docMk/>
+            <pc:sldMk cId="664690385" sldId="259"/>
+            <ac:spMk id="15" creationId="{021E12D4-3A88-428D-8E5E-AF1AFD923D63}"/>
+          </ac:spMkLst>
+        </pc:spChg>
+        <pc:spChg chg="add del">
+          <ac:chgData name="Eduardo Martín-Sonseca.Alonso" userId="044a8a39323ca9b2" providerId="Windows Live" clId="Web-{3DB5D27C-DA39-4C1F-A2BB-D0A24BA8D7DA}" dt="2022-10-04T08:38:43.972" v="307"/>
+          <ac:spMkLst>
+            <pc:docMk/>
+            <pc:sldMk cId="664690385" sldId="259"/>
+            <ac:spMk id="16" creationId="{8D1AD6B3-BE88-4CEB-BA17-790657CC4729}"/>
+          </ac:spMkLst>
+        </pc:spChg>
+        <pc:spChg chg="add del">
+          <ac:chgData name="Eduardo Martín-Sonseca.Alonso" userId="044a8a39323ca9b2" providerId="Windows Live" clId="Web-{3DB5D27C-DA39-4C1F-A2BB-D0A24BA8D7DA}" dt="2022-10-04T08:38:18.658" v="303"/>
+          <ac:spMkLst>
+            <pc:docMk/>
+            <pc:sldMk cId="664690385" sldId="259"/>
+            <ac:spMk id="17" creationId="{71B2258F-86CA-4D4D-8270-BC05FCDEBFB3}"/>
+          </ac:spMkLst>
+        </pc:spChg>
+        <pc:spChg chg="add del">
+          <ac:chgData name="Eduardo Martín-Sonseca.Alonso" userId="044a8a39323ca9b2" providerId="Windows Live" clId="Web-{3DB5D27C-DA39-4C1F-A2BB-D0A24BA8D7DA}" dt="2022-10-04T08:38:25.596" v="305"/>
+          <ac:spMkLst>
+            <pc:docMk/>
+            <pc:sldMk cId="664690385" sldId="259"/>
+            <ac:spMk id="19" creationId="{08C9B587-E65E-4B52-B37C-ABEBB6E87928}"/>
+          </ac:spMkLst>
+        </pc:spChg>
+        <pc:spChg chg="add del">
+          <ac:chgData name="Eduardo Martín-Sonseca.Alonso" userId="044a8a39323ca9b2" providerId="Windows Live" clId="Web-{3DB5D27C-DA39-4C1F-A2BB-D0A24BA8D7DA}" dt="2022-10-04T08:38:25.596" v="305"/>
+          <ac:spMkLst>
+            <pc:docMk/>
+            <pc:sldMk cId="664690385" sldId="259"/>
+            <ac:spMk id="20" creationId="{0671A8AE-40A1-4631-A6B8-581AFF065482}"/>
+          </ac:spMkLst>
+        </pc:spChg>
+        <pc:spChg chg="add del">
+          <ac:chgData name="Eduardo Martín-Sonseca.Alonso" userId="044a8a39323ca9b2" providerId="Windows Live" clId="Web-{3DB5D27C-DA39-4C1F-A2BB-D0A24BA8D7DA}" dt="2022-10-04T08:38:25.596" v="305"/>
+          <ac:spMkLst>
+            <pc:docMk/>
+            <pc:sldMk cId="664690385" sldId="259"/>
+            <ac:spMk id="22" creationId="{AB58EF07-17C2-48CF-ABB0-EEF1F17CB8F0}"/>
+          </ac:spMkLst>
+        </pc:spChg>
+        <pc:spChg chg="add del">
+          <ac:chgData name="Eduardo Martín-Sonseca.Alonso" userId="044a8a39323ca9b2" providerId="Windows Live" clId="Web-{3DB5D27C-DA39-4C1F-A2BB-D0A24BA8D7DA}" dt="2022-10-04T08:38:25.596" v="305"/>
+          <ac:spMkLst>
+            <pc:docMk/>
+            <pc:sldMk cId="664690385" sldId="259"/>
+            <ac:spMk id="23" creationId="{AF2F604E-43BE-4DC3-B983-E071523364F8}"/>
+          </ac:spMkLst>
+        </pc:spChg>
+        <pc:spChg chg="add">
+          <ac:chgData name="Eduardo Martín-Sonseca.Alonso" userId="044a8a39323ca9b2" providerId="Windows Live" clId="Web-{3DB5D27C-DA39-4C1F-A2BB-D0A24BA8D7DA}" dt="2022-10-04T08:42:59.325" v="319"/>
+          <ac:spMkLst>
+            <pc:docMk/>
+            <pc:sldMk cId="664690385" sldId="259"/>
+            <ac:spMk id="30" creationId="{B1F0B3DA-ADA1-AF40-35DC-21D4F8C4D449}"/>
+          </ac:spMkLst>
+        </pc:spChg>
+        <pc:spChg chg="add del mod">
+          <ac:chgData name="Eduardo Martín-Sonseca.Alonso" userId="044a8a39323ca9b2" providerId="Windows Live" clId="Web-{3DB5D27C-DA39-4C1F-A2BB-D0A24BA8D7DA}" dt="2022-10-04T09:29:38.257" v="450"/>
+          <ac:spMkLst>
+            <pc:docMk/>
+            <pc:sldMk cId="664690385" sldId="259"/>
+            <ac:spMk id="32" creationId="{7C741C8B-EE03-2603-749C-D458FC0C1F83}"/>
+          </ac:spMkLst>
+        </pc:spChg>
+        <pc:spChg chg="add del mod">
+          <ac:chgData name="Eduardo Martín-Sonseca.Alonso" userId="044a8a39323ca9b2" providerId="Windows Live" clId="Web-{3DB5D27C-DA39-4C1F-A2BB-D0A24BA8D7DA}" dt="2022-10-04T09:29:38.257" v="449"/>
+          <ac:spMkLst>
+            <pc:docMk/>
+            <pc:sldMk cId="664690385" sldId="259"/>
+            <ac:spMk id="34" creationId="{D3648D91-FD0B-486B-029C-23A53425C1A8}"/>
+          </ac:spMkLst>
+        </pc:spChg>
+        <pc:spChg chg="add del mod">
+          <ac:chgData name="Eduardo Martín-Sonseca.Alonso" userId="044a8a39323ca9b2" providerId="Windows Live" clId="Web-{3DB5D27C-DA39-4C1F-A2BB-D0A24BA8D7DA}" dt="2022-10-04T09:29:38.257" v="448"/>
+          <ac:spMkLst>
+            <pc:docMk/>
+            <pc:sldMk cId="664690385" sldId="259"/>
+            <ac:spMk id="36" creationId="{60E3645F-04E2-EFF0-7532-7CD44CDE5736}"/>
+          </ac:spMkLst>
+        </pc:spChg>
+        <pc:spChg chg="add del mod">
+          <ac:chgData name="Eduardo Martín-Sonseca.Alonso" userId="044a8a39323ca9b2" providerId="Windows Live" clId="Web-{3DB5D27C-DA39-4C1F-A2BB-D0A24BA8D7DA}" dt="2022-10-04T09:29:38.241" v="447"/>
+          <ac:spMkLst>
+            <pc:docMk/>
+            <pc:sldMk cId="664690385" sldId="259"/>
+            <ac:spMk id="38" creationId="{7209BE06-DB48-BD37-A1EF-B0B3EF817210}"/>
+          </ac:spMkLst>
+        </pc:spChg>
+        <pc:grpChg chg="add del">
+          <ac:chgData name="Eduardo Martín-Sonseca.Alonso" userId="044a8a39323ca9b2" providerId="Windows Live" clId="Web-{3DB5D27C-DA39-4C1F-A2BB-D0A24BA8D7DA}" dt="2022-10-04T08:38:43.972" v="307"/>
+          <ac:grpSpMkLst>
+            <pc:docMk/>
+            <pc:sldMk cId="664690385" sldId="259"/>
+            <ac:grpSpMk id="26" creationId="{89D1390B-7E13-4B4F-9CB2-391063412E54}"/>
+          </ac:grpSpMkLst>
+        </pc:grpChg>
+        <pc:picChg chg="add del">
+          <ac:chgData name="Eduardo Martín-Sonseca.Alonso" userId="044a8a39323ca9b2" providerId="Windows Live" clId="Web-{3DB5D27C-DA39-4C1F-A2BB-D0A24BA8D7DA}" dt="2022-10-04T08:38:16.236" v="301"/>
+          <ac:picMkLst>
+            <pc:docMk/>
+            <pc:sldMk cId="664690385" sldId="259"/>
+            <ac:picMk id="9" creationId="{2AF8FAF0-CD2B-96A9-D9AE-ABCD6964992D}"/>
+          </ac:picMkLst>
+        </pc:picChg>
+        <pc:picChg chg="add del mod">
+          <ac:chgData name="Eduardo Martín-Sonseca.Alonso" userId="044a8a39323ca9b2" providerId="Windows Live" clId="Web-{3DB5D27C-DA39-4C1F-A2BB-D0A24BA8D7DA}" dt="2022-10-04T08:38:02.454" v="299"/>
+          <ac:picMkLst>
+            <pc:docMk/>
+            <pc:sldMk cId="664690385" sldId="259"/>
+            <ac:picMk id="11" creationId="{A3A20A93-F372-4485-70E1-C1A33B7D8AD6}"/>
+          </ac:picMkLst>
+        </pc:picChg>
+        <pc:picChg chg="add del mod">
+          <ac:chgData name="Eduardo Martín-Sonseca.Alonso" userId="044a8a39323ca9b2" providerId="Windows Live" clId="Web-{3DB5D27C-DA39-4C1F-A2BB-D0A24BA8D7DA}" dt="2022-10-04T08:42:44.652" v="318"/>
+          <ac:picMkLst>
+            <pc:docMk/>
+            <pc:sldMk cId="664690385" sldId="259"/>
+            <ac:picMk id="12" creationId="{181644C5-2673-BBB0-B22D-A7AA83661C7A}"/>
+          </ac:picMkLst>
+        </pc:picChg>
+        <pc:picChg chg="add del">
+          <ac:chgData name="Eduardo Martín-Sonseca.Alonso" userId="044a8a39323ca9b2" providerId="Windows Live" clId="Web-{3DB5D27C-DA39-4C1F-A2BB-D0A24BA8D7DA}" dt="2022-10-04T08:38:18.658" v="303"/>
+          <ac:picMkLst>
+            <pc:docMk/>
+            <pc:sldMk cId="664690385" sldId="259"/>
+            <ac:picMk id="18" creationId="{A48AABDC-22AE-F272-7C4C-48F06A43A7A2}"/>
+          </ac:picMkLst>
+        </pc:picChg>
+        <pc:picChg chg="add del">
+          <ac:chgData name="Eduardo Martín-Sonseca.Alonso" userId="044a8a39323ca9b2" providerId="Windows Live" clId="Web-{3DB5D27C-DA39-4C1F-A2BB-D0A24BA8D7DA}" dt="2022-10-04T08:38:25.596" v="305"/>
+          <ac:picMkLst>
+            <pc:docMk/>
+            <pc:sldMk cId="664690385" sldId="259"/>
+            <ac:picMk id="21" creationId="{5B27B451-A199-FFD2-443E-81B9BF125C2A}"/>
+          </ac:picMkLst>
+        </pc:picChg>
+        <pc:picChg chg="add del">
+          <ac:chgData name="Eduardo Martín-Sonseca.Alonso" userId="044a8a39323ca9b2" providerId="Windows Live" clId="Web-{3DB5D27C-DA39-4C1F-A2BB-D0A24BA8D7DA}" dt="2022-10-04T08:38:43.972" v="307"/>
+          <ac:picMkLst>
+            <pc:docMk/>
+            <pc:sldMk cId="664690385" sldId="259"/>
+            <ac:picMk id="25" creationId="{21B3C996-6FD0-C57B-130D-A8C5E43B019D}"/>
+          </ac:picMkLst>
+        </pc:picChg>
+      </pc:sldChg>
+      <pc:sldChg chg="addSp delSp modSp new mod setBg addAnim delAnim modAnim">
+        <pc:chgData name="Eduardo Martín-Sonseca.Alonso" userId="044a8a39323ca9b2" providerId="Windows Live" clId="Web-{3DB5D27C-DA39-4C1F-A2BB-D0A24BA8D7DA}" dt="2022-10-04T09:45:03.405" v="656"/>
+        <pc:sldMkLst>
+          <pc:docMk/>
+          <pc:sldMk cId="992274193" sldId="259"/>
+        </pc:sldMkLst>
+        <pc:spChg chg="mod">
+          <ac:chgData name="Eduardo Martín-Sonseca.Alonso" userId="044a8a39323ca9b2" providerId="Windows Live" clId="Web-{3DB5D27C-DA39-4C1F-A2BB-D0A24BA8D7DA}" dt="2022-10-04T09:31:25.775" v="492"/>
+          <ac:spMkLst>
+            <pc:docMk/>
+            <pc:sldMk cId="992274193" sldId="259"/>
+            <ac:spMk id="2" creationId="{628FDEE3-6B92-DAEF-19AC-BCA134854A22}"/>
+          </ac:spMkLst>
+        </pc:spChg>
+        <pc:spChg chg="del mod">
+          <ac:chgData name="Eduardo Martín-Sonseca.Alonso" userId="044a8a39323ca9b2" providerId="Windows Live" clId="Web-{3DB5D27C-DA39-4C1F-A2BB-D0A24BA8D7DA}" dt="2022-10-04T09:31:31.510" v="494"/>
+          <ac:spMkLst>
+            <pc:docMk/>
+            <pc:sldMk cId="992274193" sldId="259"/>
+            <ac:spMk id="3" creationId="{90AB1F7C-AE74-9297-3060-C24E087A9FBC}"/>
+          </ac:spMkLst>
+        </pc:spChg>
+        <pc:spChg chg="add del mod">
+          <ac:chgData name="Eduardo Martín-Sonseca.Alonso" userId="044a8a39323ca9b2" providerId="Windows Live" clId="Web-{3DB5D27C-DA39-4C1F-A2BB-D0A24BA8D7DA}" dt="2022-10-04T09:31:38.338" v="497"/>
+          <ac:spMkLst>
+            <pc:docMk/>
+            <pc:sldMk cId="992274193" sldId="259"/>
+            <ac:spMk id="6" creationId="{A3CEC7FB-ADA3-C5BA-C955-F08652C7E81E}"/>
+          </ac:spMkLst>
+        </pc:spChg>
+        <pc:spChg chg="add del">
+          <ac:chgData name="Eduardo Martín-Sonseca.Alonso" userId="044a8a39323ca9b2" providerId="Windows Live" clId="Web-{3DB5D27C-DA39-4C1F-A2BB-D0A24BA8D7DA}" dt="2022-10-04T09:31:36.182" v="496"/>
+          <ac:spMkLst>
+            <pc:docMk/>
+            <pc:sldMk cId="992274193" sldId="259"/>
+            <ac:spMk id="7" creationId="{FA23A446-CB6D-A042-D756-40314FFFE12C}"/>
+          </ac:spMkLst>
+        </pc:spChg>
+        <pc:spChg chg="add del">
+          <ac:chgData name="Eduardo Martín-Sonseca.Alonso" userId="044a8a39323ca9b2" providerId="Windows Live" clId="Web-{3DB5D27C-DA39-4C1F-A2BB-D0A24BA8D7DA}" dt="2022-10-04T09:31:36.182" v="496"/>
+          <ac:spMkLst>
+            <pc:docMk/>
+            <pc:sldMk cId="992274193" sldId="259"/>
+            <ac:spMk id="8" creationId="{4B70A7EA-F873-D9FD-CDD0-A7508CCCA5DE}"/>
+          </ac:spMkLst>
+        </pc:spChg>
+        <pc:spChg chg="add del">
+          <ac:chgData name="Eduardo Martín-Sonseca.Alonso" userId="044a8a39323ca9b2" providerId="Windows Live" clId="Web-{3DB5D27C-DA39-4C1F-A2BB-D0A24BA8D7DA}" dt="2022-10-04T09:31:36.182" v="496"/>
+          <ac:spMkLst>
+            <pc:docMk/>
+            <pc:sldMk cId="992274193" sldId="259"/>
+            <ac:spMk id="10" creationId="{B1F54E8F-AC31-D349-7620-BA9B125D7610}"/>
+          </ac:spMkLst>
+        </pc:spChg>
+        <pc:spChg chg="add del">
+          <ac:chgData name="Eduardo Martín-Sonseca.Alonso" userId="044a8a39323ca9b2" providerId="Windows Live" clId="Web-{3DB5D27C-DA39-4C1F-A2BB-D0A24BA8D7DA}" dt="2022-10-04T09:31:36.182" v="496"/>
+          <ac:spMkLst>
+            <pc:docMk/>
+            <pc:sldMk cId="992274193" sldId="259"/>
+            <ac:spMk id="11" creationId="{14349A02-2576-62C1-ABCD-5F8CACABF3A1}"/>
+          </ac:spMkLst>
+        </pc:spChg>
+        <pc:spChg chg="add del">
+          <ac:chgData name="Eduardo Martín-Sonseca.Alonso" userId="044a8a39323ca9b2" providerId="Windows Live" clId="Web-{3DB5D27C-DA39-4C1F-A2BB-D0A24BA8D7DA}" dt="2022-10-04T09:31:36.182" v="496"/>
+          <ac:spMkLst>
+            <pc:docMk/>
+            <pc:sldMk cId="992274193" sldId="259"/>
+            <ac:spMk id="12" creationId="{2F209A0D-138C-8F00-F43D-5283A80B7F0F}"/>
+          </ac:spMkLst>
+        </pc:spChg>
+        <pc:spChg chg="add del">
+          <ac:chgData name="Eduardo Martín-Sonseca.Alonso" userId="044a8a39323ca9b2" providerId="Windows Live" clId="Web-{3DB5D27C-DA39-4C1F-A2BB-D0A24BA8D7DA}" dt="2022-10-04T09:31:36.182" v="496"/>
+          <ac:spMkLst>
+            <pc:docMk/>
+            <pc:sldMk cId="992274193" sldId="259"/>
+            <ac:spMk id="13" creationId="{FD23A6C7-23D4-3E1C-B449-4ECA694B34AD}"/>
+          </ac:spMkLst>
+        </pc:spChg>
+        <pc:spChg chg="add del mod">
+          <ac:chgData name="Eduardo Martín-Sonseca.Alonso" userId="044a8a39323ca9b2" providerId="Windows Live" clId="Web-{3DB5D27C-DA39-4C1F-A2BB-D0A24BA8D7DA}" dt="2022-10-04T09:34:43.718" v="528"/>
+          <ac:spMkLst>
+            <pc:docMk/>
+            <pc:sldMk cId="992274193" sldId="259"/>
+            <ac:spMk id="14" creationId="{FA23A446-CB6D-A042-D756-40314FFFE12C}"/>
+          </ac:spMkLst>
+        </pc:spChg>
+        <pc:spChg chg="add del mod">
+          <ac:chgData name="Eduardo Martín-Sonseca.Alonso" userId="044a8a39323ca9b2" providerId="Windows Live" clId="Web-{3DB5D27C-DA39-4C1F-A2BB-D0A24BA8D7DA}" dt="2022-10-04T09:32:31.402" v="508"/>
+          <ac:spMkLst>
+            <pc:docMk/>
+            <pc:sldMk cId="992274193" sldId="259"/>
+            <ac:spMk id="15" creationId="{4B70A7EA-F873-D9FD-CDD0-A7508CCCA5DE}"/>
+          </ac:spMkLst>
+        </pc:spChg>
+        <pc:spChg chg="add del mod">
+          <ac:chgData name="Eduardo Martín-Sonseca.Alonso" userId="044a8a39323ca9b2" providerId="Windows Live" clId="Web-{3DB5D27C-DA39-4C1F-A2BB-D0A24BA8D7DA}" dt="2022-10-04T09:32:27.918" v="507"/>
+          <ac:spMkLst>
+            <pc:docMk/>
+            <pc:sldMk cId="992274193" sldId="259"/>
+            <ac:spMk id="16" creationId="{B1F54E8F-AC31-D349-7620-BA9B125D7610}"/>
+          </ac:spMkLst>
+        </pc:spChg>
+        <pc:spChg chg="add del mod">
+          <ac:chgData name="Eduardo Martín-Sonseca.Alonso" userId="044a8a39323ca9b2" providerId="Windows Live" clId="Web-{3DB5D27C-DA39-4C1F-A2BB-D0A24BA8D7DA}" dt="2022-10-04T09:32:38.090" v="510"/>
+          <ac:spMkLst>
+            <pc:docMk/>
+            <pc:sldMk cId="992274193" sldId="259"/>
+            <ac:spMk id="17" creationId="{14349A02-2576-62C1-ABCD-5F8CACABF3A1}"/>
+          </ac:spMkLst>
+        </pc:spChg>
+        <pc:spChg chg="add del mod">
+          <ac:chgData name="Eduardo Martín-Sonseca.Alonso" userId="044a8a39323ca9b2" providerId="Windows Live" clId="Web-{3DB5D27C-DA39-4C1F-A2BB-D0A24BA8D7DA}" dt="2022-10-04T09:32:33.668" v="509"/>
+          <ac:spMkLst>
+            <pc:docMk/>
+            <pc:sldMk cId="992274193" sldId="259"/>
+            <ac:spMk id="18" creationId="{2F209A0D-138C-8F00-F43D-5283A80B7F0F}"/>
+          </ac:spMkLst>
+        </pc:spChg>
+        <pc:spChg chg="add del mod">
+          <ac:chgData name="Eduardo Martín-Sonseca.Alonso" userId="044a8a39323ca9b2" providerId="Windows Live" clId="Web-{3DB5D27C-DA39-4C1F-A2BB-D0A24BA8D7DA}" dt="2022-10-04T09:32:40.715" v="511"/>
+          <ac:spMkLst>
+            <pc:docMk/>
+            <pc:sldMk cId="992274193" sldId="259"/>
+            <ac:spMk id="19" creationId="{FD23A6C7-23D4-3E1C-B449-4ECA694B34AD}"/>
+          </ac:spMkLst>
+        </pc:spChg>
+        <pc:spChg chg="add mod">
+          <ac:chgData name="Eduardo Martín-Sonseca.Alonso" userId="044a8a39323ca9b2" providerId="Windows Live" clId="Web-{3DB5D27C-DA39-4C1F-A2BB-D0A24BA8D7DA}" dt="2022-10-04T09:44:43.248" v="643" actId="1076"/>
+          <ac:spMkLst>
+            <pc:docMk/>
+            <pc:sldMk cId="992274193" sldId="259"/>
+            <ac:spMk id="20" creationId="{8CFEDB9E-B427-3CF6-2E99-4BECD19CA775}"/>
+          </ac:spMkLst>
+        </pc:spChg>
+        <pc:spChg chg="add mod">
+          <ac:chgData name="Eduardo Martín-Sonseca.Alonso" userId="044a8a39323ca9b2" providerId="Windows Live" clId="Web-{3DB5D27C-DA39-4C1F-A2BB-D0A24BA8D7DA}" dt="2022-10-04T09:40:44.727" v="607" actId="1076"/>
+          <ac:spMkLst>
+            <pc:docMk/>
+            <pc:sldMk cId="992274193" sldId="259"/>
+            <ac:spMk id="21" creationId="{21A386AB-C18D-BC64-063B-3AFE29BF8A08}"/>
+          </ac:spMkLst>
+        </pc:spChg>
+        <pc:spChg chg="add mod">
+          <ac:chgData name="Eduardo Martín-Sonseca.Alonso" userId="044a8a39323ca9b2" providerId="Windows Live" clId="Web-{3DB5D27C-DA39-4C1F-A2BB-D0A24BA8D7DA}" dt="2022-10-04T09:44:45.779" v="644" actId="1076"/>
+          <ac:spMkLst>
+            <pc:docMk/>
+            <pc:sldMk cId="992274193" sldId="259"/>
+            <ac:spMk id="22" creationId="{B7C2F746-E774-2736-EAF4-5B45C160D561}"/>
+          </ac:spMkLst>
+        </pc:spChg>
+        <pc:spChg chg="add del">
+          <ac:chgData name="Eduardo Martín-Sonseca.Alonso" userId="044a8a39323ca9b2" providerId="Windows Live" clId="Web-{3DB5D27C-DA39-4C1F-A2BB-D0A24BA8D7DA}" dt="2022-10-04T09:35:55.970" v="550"/>
+          <ac:spMkLst>
+            <pc:docMk/>
+            <pc:sldMk cId="992274193" sldId="259"/>
+            <ac:spMk id="23" creationId="{324B7BAD-9CB2-7958-EFC0-53CF32C6B97B}"/>
+          </ac:spMkLst>
+        </pc:spChg>
+        <pc:spChg chg="add mod">
+          <ac:chgData name="Eduardo Martín-Sonseca.Alonso" userId="044a8a39323ca9b2" providerId="Windows Live" clId="Web-{3DB5D27C-DA39-4C1F-A2BB-D0A24BA8D7DA}" dt="2022-10-04T09:40:50.789" v="608" actId="1076"/>
+          <ac:spMkLst>
+            <pc:docMk/>
+            <pc:sldMk cId="992274193" sldId="259"/>
+            <ac:spMk id="24" creationId="{66F25F73-9EC2-2F10-8F63-4E4BC279D6FB}"/>
+          </ac:spMkLst>
+        </pc:spChg>
+        <pc:spChg chg="add mod">
+          <ac:chgData name="Eduardo Martín-Sonseca.Alonso" userId="044a8a39323ca9b2" providerId="Windows Live" clId="Web-{3DB5D27C-DA39-4C1F-A2BB-D0A24BA8D7DA}" dt="2022-10-04T09:44:38.061" v="641" actId="1076"/>
+          <ac:spMkLst>
+            <pc:docMk/>
+            <pc:sldMk cId="992274193" sldId="259"/>
+            <ac:spMk id="25" creationId="{BFED4D29-C50E-6B24-3F8C-1704D1089DD8}"/>
+          </ac:spMkLst>
+        </pc:spChg>
+        <pc:spChg chg="add mod">
+          <ac:chgData name="Eduardo Martín-Sonseca.Alonso" userId="044a8a39323ca9b2" providerId="Windows Live" clId="Web-{3DB5D27C-DA39-4C1F-A2BB-D0A24BA8D7DA}" dt="2022-10-04T09:44:40.404" v="642" actId="1076"/>
+          <ac:spMkLst>
+            <pc:docMk/>
+            <pc:sldMk cId="992274193" sldId="259"/>
+            <ac:spMk id="26" creationId="{7C8434F3-8A38-DCBB-AA79-8A5A8F9B6E20}"/>
+          </ac:spMkLst>
+        </pc:spChg>
+        <pc:picChg chg="add">
+          <ac:chgData name="Eduardo Martín-Sonseca.Alonso" userId="044a8a39323ca9b2" providerId="Windows Live" clId="Web-{3DB5D27C-DA39-4C1F-A2BB-D0A24BA8D7DA}" dt="2022-10-04T09:31:25.775" v="492"/>
+          <ac:picMkLst>
+            <pc:docMk/>
+            <pc:sldMk cId="992274193" sldId="259"/>
+            <ac:picMk id="5" creationId="{5B36CB43-E7A6-BD76-CCF3-C4308F7F9EF4}"/>
+          </ac:picMkLst>
+        </pc:picChg>
+        <pc:cxnChg chg="add">
+          <ac:chgData name="Eduardo Martín-Sonseca.Alonso" userId="044a8a39323ca9b2" providerId="Windows Live" clId="Web-{3DB5D27C-DA39-4C1F-A2BB-D0A24BA8D7DA}" dt="2022-10-04T09:31:25.775" v="492"/>
+          <ac:cxnSpMkLst>
+            <pc:docMk/>
+            <pc:sldMk cId="992274193" sldId="259"/>
+            <ac:cxnSpMk id="9" creationId="{A7F400EE-A8A5-48AF-B4D6-291B52C6F0B0}"/>
+          </ac:cxnSpMkLst>
+        </pc:cxnChg>
+      </pc:sldChg>
+      <pc:sldChg chg="addSp delSp modSp new del mod modClrScheme chgLayout">
+        <pc:chgData name="Eduardo Martín-Sonseca.Alonso" userId="044a8a39323ca9b2" providerId="Windows Live" clId="Web-{3DB5D27C-DA39-4C1F-A2BB-D0A24BA8D7DA}" dt="2022-10-04T08:40:05.725" v="311"/>
+        <pc:sldMkLst>
+          <pc:docMk/>
+          <pc:sldMk cId="3769203154" sldId="260"/>
+        </pc:sldMkLst>
+        <pc:spChg chg="mod ord">
+          <ac:chgData name="Eduardo Martín-Sonseca.Alonso" userId="044a8a39323ca9b2" providerId="Windows Live" clId="Web-{3DB5D27C-DA39-4C1F-A2BB-D0A24BA8D7DA}" dt="2022-10-04T08:24:54.082" v="22"/>
+          <ac:spMkLst>
+            <pc:docMk/>
+            <pc:sldMk cId="3769203154" sldId="260"/>
+            <ac:spMk id="2" creationId="{957F4B2D-2131-6D1C-F16A-FA8351BC2D8F}"/>
+          </ac:spMkLst>
+        </pc:spChg>
+        <pc:spChg chg="del mod ord">
+          <ac:chgData name="Eduardo Martín-Sonseca.Alonso" userId="044a8a39323ca9b2" providerId="Windows Live" clId="Web-{3DB5D27C-DA39-4C1F-A2BB-D0A24BA8D7DA}" dt="2022-10-04T08:39:29.645" v="309"/>
+          <ac:spMkLst>
+            <pc:docMk/>
+            <pc:sldMk cId="3769203154" sldId="260"/>
+            <ac:spMk id="3" creationId="{1484801D-8388-A8E7-CA9B-33285A6A8258}"/>
+          </ac:spMkLst>
+        </pc:spChg>
+        <pc:spChg chg="add del mod">
+          <ac:chgData name="Eduardo Martín-Sonseca.Alonso" userId="044a8a39323ca9b2" providerId="Windows Live" clId="Web-{3DB5D27C-DA39-4C1F-A2BB-D0A24BA8D7DA}" dt="2022-10-04T08:25:22.645" v="33"/>
+          <ac:spMkLst>
+            <pc:docMk/>
+            <pc:sldMk cId="3769203154" sldId="260"/>
+            <ac:spMk id="4" creationId="{466B855B-5B76-826A-0E11-2F6DBF7907AF}"/>
+          </ac:spMkLst>
+        </pc:spChg>
+        <pc:spChg chg="add del mod">
+          <ac:chgData name="Eduardo Martín-Sonseca.Alonso" userId="044a8a39323ca9b2" providerId="Windows Live" clId="Web-{3DB5D27C-DA39-4C1F-A2BB-D0A24BA8D7DA}" dt="2022-10-04T08:33:04.693" v="240"/>
+          <ac:spMkLst>
+            <pc:docMk/>
+            <pc:sldMk cId="3769203154" sldId="260"/>
+            <ac:spMk id="6" creationId="{D950787E-2C5D-6BC6-9E6F-E1D9AE053562}"/>
+          </ac:spMkLst>
+        </pc:spChg>
+        <pc:spChg chg="add">
+          <ac:chgData name="Eduardo Martín-Sonseca.Alonso" userId="044a8a39323ca9b2" providerId="Windows Live" clId="Web-{3DB5D27C-DA39-4C1F-A2BB-D0A24BA8D7DA}" dt="2022-10-04T08:33:05.725" v="241"/>
+          <ac:spMkLst>
+            <pc:docMk/>
+            <pc:sldMk cId="3769203154" sldId="260"/>
+            <ac:spMk id="8" creationId="{070736F9-43D1-9B24-3513-DC40CDD54107}"/>
+          </ac:spMkLst>
+        </pc:spChg>
+        <pc:spChg chg="add mod">
+          <ac:chgData name="Eduardo Martín-Sonseca.Alonso" userId="044a8a39323ca9b2" providerId="Windows Live" clId="Web-{3DB5D27C-DA39-4C1F-A2BB-D0A24BA8D7DA}" dt="2022-10-04T08:39:29.645" v="309"/>
+          <ac:spMkLst>
+            <pc:docMk/>
+            <pc:sldMk cId="3769203154" sldId="260"/>
+            <ac:spMk id="10" creationId="{13917325-BCBC-17D5-771D-EB5170CE2D37}"/>
+          </ac:spMkLst>
+        </pc:spChg>
+      </pc:sldChg>
+    </pc:docChg>
+  </pc:docChgLst>
+  <pc:docChgLst>
+    <pc:chgData name="luis fernandez" userId="7ba62ef74e42bc87" providerId="Windows Live" clId="Web-{DBA603C0-A459-4D80-9237-AE2C2946D226}"/>
+    <pc:docChg chg="modSld">
+      <pc:chgData name="luis fernandez" userId="7ba62ef74e42bc87" providerId="Windows Live" clId="Web-{DBA603C0-A459-4D80-9237-AE2C2946D226}" dt="2022-10-04T08:20:45.180" v="0"/>
+      <pc:docMkLst>
+        <pc:docMk/>
+      </pc:docMkLst>
+      <pc:sldChg chg="delSp">
+        <pc:chgData name="luis fernandez" userId="7ba62ef74e42bc87" providerId="Windows Live" clId="Web-{DBA603C0-A459-4D80-9237-AE2C2946D226}" dt="2022-10-04T08:20:45.180" v="0"/>
+        <pc:sldMkLst>
+          <pc:docMk/>
+          <pc:sldMk cId="1479924629" sldId="258"/>
+        </pc:sldMkLst>
+        <pc:spChg chg="del">
+          <ac:chgData name="luis fernandez" userId="7ba62ef74e42bc87" providerId="Windows Live" clId="Web-{DBA603C0-A459-4D80-9237-AE2C2946D226}" dt="2022-10-04T08:20:45.180" v="0"/>
+          <ac:spMkLst>
+            <pc:docMk/>
+            <pc:sldMk cId="1479924629" sldId="258"/>
+            <ac:spMk id="7" creationId="{5B41D51C-D08B-3EFA-1F77-001EE791B2E3}"/>
+          </ac:spMkLst>
+        </pc:spChg>
+      </pc:sldChg>
+    </pc:docChg>
+  </pc:docChgLst>
+  <pc:docChgLst>
     <pc:chgData name="Eduardo Martín-Sonseca.Alonso" userId="044a8a39323ca9b2" providerId="Windows Live" clId="Web-{8949363F-F8E8-445A-B74B-030214F69C19}"/>
     <pc:docChg chg="modSld">
       <pc:chgData name="Eduardo Martín-Sonseca.Alonso" userId="044a8a39323ca9b2" providerId="Windows Live" clId="Web-{8949363F-F8E8-445A-B74B-030214F69C19}" dt="2022-09-29T08:48:11.610" v="2" actId="20577"/>
@@ -193,6 +1186,46 @@
             <pc:docMk/>
             <pc:sldMk cId="1479924629" sldId="258"/>
             <ac:spMk id="7" creationId="{5B41D51C-D08B-3EFA-1F77-001EE791B2E3}"/>
+          </ac:spMkLst>
+        </pc:spChg>
+      </pc:sldChg>
+    </pc:docChg>
+  </pc:docChgLst>
+  <pc:docChgLst>
+    <pc:chgData name="Eduardo Martín-Sonseca.Alonso" userId="044a8a39323ca9b2" providerId="Windows Live" clId="Web-{BC188AD2-9AFC-4294-89AA-68D6E215ABF9}"/>
+    <pc:docChg chg="addSld">
+      <pc:chgData name="Eduardo Martín-Sonseca.Alonso" userId="044a8a39323ca9b2" providerId="Windows Live" clId="Web-{BC188AD2-9AFC-4294-89AA-68D6E215ABF9}" dt="2022-10-04T08:17:34.273" v="0"/>
+      <pc:docMkLst>
+        <pc:docMk/>
+      </pc:docMkLst>
+      <pc:sldChg chg="new">
+        <pc:chgData name="Eduardo Martín-Sonseca.Alonso" userId="044a8a39323ca9b2" providerId="Windows Live" clId="Web-{BC188AD2-9AFC-4294-89AA-68D6E215ABF9}" dt="2022-10-04T08:17:34.273" v="0"/>
+        <pc:sldMkLst>
+          <pc:docMk/>
+          <pc:sldMk cId="664690385" sldId="259"/>
+        </pc:sldMkLst>
+      </pc:sldChg>
+    </pc:docChg>
+  </pc:docChgLst>
+  <pc:docChgLst>
+    <pc:chgData name="Eduardo Martín-Sonseca.Alonso" userId="044a8a39323ca9b2" providerId="Windows Live" clId="Web-{C190444C-DE63-4BE0-9A75-B7D0A850D412}"/>
+    <pc:docChg chg="modSld">
+      <pc:chgData name="Eduardo Martín-Sonseca.Alonso" userId="044a8a39323ca9b2" providerId="Windows Live" clId="Web-{C190444C-DE63-4BE0-9A75-B7D0A850D412}" dt="2022-10-04T08:16:13.346" v="9" actId="20577"/>
+      <pc:docMkLst>
+        <pc:docMk/>
+      </pc:docMkLst>
+      <pc:sldChg chg="modSp">
+        <pc:chgData name="Eduardo Martín-Sonseca.Alonso" userId="044a8a39323ca9b2" providerId="Windows Live" clId="Web-{C190444C-DE63-4BE0-9A75-B7D0A850D412}" dt="2022-10-04T08:16:13.346" v="9" actId="20577"/>
+        <pc:sldMkLst>
+          <pc:docMk/>
+          <pc:sldMk cId="1479924629" sldId="258"/>
+        </pc:sldMkLst>
+        <pc:spChg chg="mod">
+          <ac:chgData name="Eduardo Martín-Sonseca.Alonso" userId="044a8a39323ca9b2" providerId="Windows Live" clId="Web-{C190444C-DE63-4BE0-9A75-B7D0A850D412}" dt="2022-10-04T08:16:13.346" v="9" actId="20577"/>
+          <ac:spMkLst>
+            <pc:docMk/>
+            <pc:sldMk cId="1479924629" sldId="258"/>
+            <ac:spMk id="6" creationId="{FFE44297-5AAD-CA6F-4064-C2621A1C9AF8}"/>
           </ac:spMkLst>
         </pc:spChg>
       </pc:sldChg>
@@ -1074,6 +2107,156 @@
           </pc:sldLayoutMkLst>
         </pc:sldLayoutChg>
       </pc:sldMasterChg>
+    </pc:docChg>
+  </pc:docChgLst>
+  <pc:docChgLst>
+    <pc:chgData name="Eduardo Martín-Sonseca.Alonso" userId="044a8a39323ca9b2" providerId="Windows Live" clId="Web-{68748E30-2FBD-43B0-B824-A092A60EA4E9}"/>
+    <pc:docChg chg="addSld modSld">
+      <pc:chgData name="Eduardo Martín-Sonseca.Alonso" userId="044a8a39323ca9b2" providerId="Windows Live" clId="Web-{68748E30-2FBD-43B0-B824-A092A60EA4E9}" dt="2022-10-04T10:20:30.556" v="305" actId="14100"/>
+      <pc:docMkLst>
+        <pc:docMk/>
+      </pc:docMkLst>
+      <pc:sldChg chg="modSp">
+        <pc:chgData name="Eduardo Martín-Sonseca.Alonso" userId="044a8a39323ca9b2" providerId="Windows Live" clId="Web-{68748E30-2FBD-43B0-B824-A092A60EA4E9}" dt="2022-10-04T10:04:49.319" v="3" actId="20577"/>
+        <pc:sldMkLst>
+          <pc:docMk/>
+          <pc:sldMk cId="1479924629" sldId="258"/>
+        </pc:sldMkLst>
+        <pc:spChg chg="mod">
+          <ac:chgData name="Eduardo Martín-Sonseca.Alonso" userId="044a8a39323ca9b2" providerId="Windows Live" clId="Web-{68748E30-2FBD-43B0-B824-A092A60EA4E9}" dt="2022-10-04T10:04:49.319" v="3" actId="20577"/>
+          <ac:spMkLst>
+            <pc:docMk/>
+            <pc:sldMk cId="1479924629" sldId="258"/>
+            <ac:spMk id="9" creationId="{2E119BA4-44C4-4FFE-81D8-1B5FE1ABFCE7}"/>
+          </ac:spMkLst>
+        </pc:spChg>
+      </pc:sldChg>
+      <pc:sldChg chg="modSp">
+        <pc:chgData name="Eduardo Martín-Sonseca.Alonso" userId="044a8a39323ca9b2" providerId="Windows Live" clId="Web-{68748E30-2FBD-43B0-B824-A092A60EA4E9}" dt="2022-10-04T10:04:42.943" v="2" actId="20577"/>
+        <pc:sldMkLst>
+          <pc:docMk/>
+          <pc:sldMk cId="992274193" sldId="259"/>
+        </pc:sldMkLst>
+        <pc:spChg chg="mod">
+          <ac:chgData name="Eduardo Martín-Sonseca.Alonso" userId="044a8a39323ca9b2" providerId="Windows Live" clId="Web-{68748E30-2FBD-43B0-B824-A092A60EA4E9}" dt="2022-10-04T10:04:42.943" v="2" actId="20577"/>
+          <ac:spMkLst>
+            <pc:docMk/>
+            <pc:sldMk cId="992274193" sldId="259"/>
+            <ac:spMk id="13" creationId="{35C1D9B5-DA02-41E3-BF4D-64BEF0C2B5F1}"/>
+          </ac:spMkLst>
+        </pc:spChg>
+      </pc:sldChg>
+      <pc:sldChg chg="addSp delSp modSp new mod setBg setClrOvrMap">
+        <pc:chgData name="Eduardo Martín-Sonseca.Alonso" userId="044a8a39323ca9b2" providerId="Windows Live" clId="Web-{68748E30-2FBD-43B0-B824-A092A60EA4E9}" dt="2022-10-04T10:20:30.556" v="305" actId="14100"/>
+        <pc:sldMkLst>
+          <pc:docMk/>
+          <pc:sldMk cId="3613378253" sldId="260"/>
+        </pc:sldMkLst>
+        <pc:spChg chg="mod">
+          <ac:chgData name="Eduardo Martín-Sonseca.Alonso" userId="044a8a39323ca9b2" providerId="Windows Live" clId="Web-{68748E30-2FBD-43B0-B824-A092A60EA4E9}" dt="2022-10-04T10:18:29.345" v="281"/>
+          <ac:spMkLst>
+            <pc:docMk/>
+            <pc:sldMk cId="3613378253" sldId="260"/>
+            <ac:spMk id="2" creationId="{4AFA984B-9B6C-188A-245A-53C0CE93CEFC}"/>
+          </ac:spMkLst>
+        </pc:spChg>
+        <pc:spChg chg="mod">
+          <ac:chgData name="Eduardo Martín-Sonseca.Alonso" userId="044a8a39323ca9b2" providerId="Windows Live" clId="Web-{68748E30-2FBD-43B0-B824-A092A60EA4E9}" dt="2022-10-04T10:20:05.961" v="302" actId="14100"/>
+          <ac:spMkLst>
+            <pc:docMk/>
+            <pc:sldMk cId="3613378253" sldId="260"/>
+            <ac:spMk id="3" creationId="{0B689B0C-0352-F4BE-7C0D-2367A8469F10}"/>
+          </ac:spMkLst>
+        </pc:spChg>
+        <pc:spChg chg="add del mod">
+          <ac:chgData name="Eduardo Martín-Sonseca.Alonso" userId="044a8a39323ca9b2" providerId="Windows Live" clId="Web-{68748E30-2FBD-43B0-B824-A092A60EA4E9}" dt="2022-10-04T10:18:13.437" v="280"/>
+          <ac:spMkLst>
+            <pc:docMk/>
+            <pc:sldMk cId="3613378253" sldId="260"/>
+            <ac:spMk id="5" creationId="{ACC7B7C9-72CE-7662-D030-F2102ED7FF7F}"/>
+          </ac:spMkLst>
+        </pc:spChg>
+        <pc:spChg chg="add del mod">
+          <ac:chgData name="Eduardo Martín-Sonseca.Alonso" userId="044a8a39323ca9b2" providerId="Windows Live" clId="Web-{68748E30-2FBD-43B0-B824-A092A60EA4E9}" dt="2022-10-04T10:18:13.437" v="279"/>
+          <ac:spMkLst>
+            <pc:docMk/>
+            <pc:sldMk cId="3613378253" sldId="260"/>
+            <ac:spMk id="7" creationId="{C8C50503-10E6-253E-5268-0C6AF672FA34}"/>
+          </ac:spMkLst>
+        </pc:spChg>
+        <pc:spChg chg="add del">
+          <ac:chgData name="Eduardo Martín-Sonseca.Alonso" userId="044a8a39323ca9b2" providerId="Windows Live" clId="Web-{68748E30-2FBD-43B0-B824-A092A60EA4E9}" dt="2022-10-04T10:18:37.173" v="283"/>
+          <ac:spMkLst>
+            <pc:docMk/>
+            <pc:sldMk cId="3613378253" sldId="260"/>
+            <ac:spMk id="8" creationId="{76275126-45BA-6A76-5623-AF9CD62282F8}"/>
+          </ac:spMkLst>
+        </pc:spChg>
+        <pc:spChg chg="add">
+          <ac:chgData name="Eduardo Martín-Sonseca.Alonso" userId="044a8a39323ca9b2" providerId="Windows Live" clId="Web-{68748E30-2FBD-43B0-B824-A092A60EA4E9}" dt="2022-10-04T10:18:29.345" v="281"/>
+          <ac:spMkLst>
+            <pc:docMk/>
+            <pc:sldMk cId="3613378253" sldId="260"/>
+            <ac:spMk id="9" creationId="{9AA72BD9-2C5A-4EDC-931F-5AA08EACA0F3}"/>
+          </ac:spMkLst>
+        </pc:spChg>
+        <pc:spChg chg="add del">
+          <ac:chgData name="Eduardo Martín-Sonseca.Alonso" userId="044a8a39323ca9b2" providerId="Windows Live" clId="Web-{68748E30-2FBD-43B0-B824-A092A60EA4E9}" dt="2022-10-04T10:18:37.173" v="283"/>
+          <ac:spMkLst>
+            <pc:docMk/>
+            <pc:sldMk cId="3613378253" sldId="260"/>
+            <ac:spMk id="10" creationId="{406D5093-AC3A-9236-0CCE-F99A15DD90EE}"/>
+          </ac:spMkLst>
+        </pc:spChg>
+        <pc:spChg chg="add">
+          <ac:chgData name="Eduardo Martín-Sonseca.Alonso" userId="044a8a39323ca9b2" providerId="Windows Live" clId="Web-{68748E30-2FBD-43B0-B824-A092A60EA4E9}" dt="2022-10-04T10:18:29.345" v="281"/>
+          <ac:spMkLst>
+            <pc:docMk/>
+            <pc:sldMk cId="3613378253" sldId="260"/>
+            <ac:spMk id="11" creationId="{DD3981AC-7B61-4947-BCF3-F7AA7FA385B9}"/>
+          </ac:spMkLst>
+        </pc:spChg>
+        <pc:spChg chg="add mod">
+          <ac:chgData name="Eduardo Martín-Sonseca.Alonso" userId="044a8a39323ca9b2" providerId="Windows Live" clId="Web-{68748E30-2FBD-43B0-B824-A092A60EA4E9}" dt="2022-10-04T10:20:30.556" v="305" actId="14100"/>
+          <ac:spMkLst>
+            <pc:docMk/>
+            <pc:sldMk cId="3613378253" sldId="260"/>
+            <ac:spMk id="12" creationId="{76275126-45BA-6A76-5623-AF9CD62282F8}"/>
+          </ac:spMkLst>
+        </pc:spChg>
+        <pc:spChg chg="add">
+          <ac:chgData name="Eduardo Martín-Sonseca.Alonso" userId="044a8a39323ca9b2" providerId="Windows Live" clId="Web-{68748E30-2FBD-43B0-B824-A092A60EA4E9}" dt="2022-10-04T10:18:29.345" v="281"/>
+          <ac:spMkLst>
+            <pc:docMk/>
+            <pc:sldMk cId="3613378253" sldId="260"/>
+            <ac:spMk id="13" creationId="{55D4142C-5077-457F-A6AD-3FECFDB39685}"/>
+          </ac:spMkLst>
+        </pc:spChg>
+        <pc:spChg chg="add mod">
+          <ac:chgData name="Eduardo Martín-Sonseca.Alonso" userId="044a8a39323ca9b2" providerId="Windows Live" clId="Web-{68748E30-2FBD-43B0-B824-A092A60EA4E9}" dt="2022-10-04T10:20:16.415" v="303" actId="14100"/>
+          <ac:spMkLst>
+            <pc:docMk/>
+            <pc:sldMk cId="3613378253" sldId="260"/>
+            <ac:spMk id="14" creationId="{406D5093-AC3A-9236-0CCE-F99A15DD90EE}"/>
+          </ac:spMkLst>
+        </pc:spChg>
+        <pc:spChg chg="add">
+          <ac:chgData name="Eduardo Martín-Sonseca.Alonso" userId="044a8a39323ca9b2" providerId="Windows Live" clId="Web-{68748E30-2FBD-43B0-B824-A092A60EA4E9}" dt="2022-10-04T10:18:29.345" v="281"/>
+          <ac:spMkLst>
+            <pc:docMk/>
+            <pc:sldMk cId="3613378253" sldId="260"/>
+            <ac:spMk id="15" creationId="{7A5F0580-5EE9-419F-96EE-B6529EF6E7D0}"/>
+          </ac:spMkLst>
+        </pc:spChg>
+        <pc:picChg chg="add mod">
+          <ac:chgData name="Eduardo Martín-Sonseca.Alonso" userId="044a8a39323ca9b2" providerId="Windows Live" clId="Web-{68748E30-2FBD-43B0-B824-A092A60EA4E9}" dt="2022-10-04T10:19:27.771" v="296" actId="1076"/>
+          <ac:picMkLst>
+            <pc:docMk/>
+            <pc:sldMk cId="3613378253" sldId="260"/>
+            <ac:picMk id="6" creationId="{5796F568-A919-5CD1-743C-7ED9D36AB8D1}"/>
+          </ac:picMkLst>
+        </pc:picChg>
+      </pc:sldChg>
     </pc:docChg>
   </pc:docChgLst>
 </pc:chgInfo>
@@ -1227,9 +2410,9 @@
             <a:fld id="{8256C2ED-54A4-480D-B5C8-65C0D62359B9}" type="datetime2">
               <a:rPr lang="en-US" smtClean="0"/>
               <a:pPr/>
-              <a:t>Thursday, September 29, 2022</a:t>
+              <a:t>Tuesday, October 4, 2022</a:t>
             </a:fld>
-            <a:endParaRPr lang="en-US" dirty="0"/>
+            <a:endParaRPr lang="en-US"/>
           </a:p>
         </p:txBody>
       </p:sp>
@@ -1258,7 +2441,6 @@
               <a:rPr lang="en-US" spc="200"/>
               <a:t>Sample Footer Text</a:t>
             </a:r>
-            <a:endParaRPr lang="en-US" spc="200" dirty="0"/>
           </a:p>
         </p:txBody>
       </p:sp>
@@ -1288,7 +2470,7 @@
               <a:pPr/>
               <a:t>‹Nº›</a:t>
             </a:fld>
-            <a:endParaRPr lang="en-US" dirty="0"/>
+            <a:endParaRPr lang="en-US"/>
           </a:p>
         </p:txBody>
       </p:sp>
@@ -1432,9 +2614,9 @@
             <a:fld id="{8256C2ED-54A4-480D-B5C8-65C0D62359B9}" type="datetime2">
               <a:rPr lang="en-US" smtClean="0"/>
               <a:pPr/>
-              <a:t>Thursday, September 29, 2022</a:t>
+              <a:t>Tuesday, October 4, 2022</a:t>
             </a:fld>
-            <a:endParaRPr lang="en-US" dirty="0"/>
+            <a:endParaRPr lang="en-US"/>
           </a:p>
         </p:txBody>
       </p:sp>
@@ -1463,7 +2645,6 @@
               <a:rPr lang="en-US" spc="200"/>
               <a:t>Sample Footer Text</a:t>
             </a:r>
-            <a:endParaRPr lang="en-US" spc="200" dirty="0"/>
           </a:p>
         </p:txBody>
       </p:sp>
@@ -1493,7 +2674,7 @@
               <a:pPr/>
               <a:t>‹Nº›</a:t>
             </a:fld>
-            <a:endParaRPr lang="en-US" dirty="0"/>
+            <a:endParaRPr lang="en-US"/>
           </a:p>
         </p:txBody>
       </p:sp>
@@ -1647,9 +2828,9 @@
             <a:fld id="{8256C2ED-54A4-480D-B5C8-65C0D62359B9}" type="datetime2">
               <a:rPr lang="en-US" smtClean="0"/>
               <a:pPr/>
-              <a:t>Thursday, September 29, 2022</a:t>
+              <a:t>Tuesday, October 4, 2022</a:t>
             </a:fld>
-            <a:endParaRPr lang="en-US" dirty="0"/>
+            <a:endParaRPr lang="en-US"/>
           </a:p>
         </p:txBody>
       </p:sp>
@@ -1678,7 +2859,6 @@
               <a:rPr lang="en-US" spc="200"/>
               <a:t>Sample Footer Text</a:t>
             </a:r>
-            <a:endParaRPr lang="en-US" spc="200" dirty="0"/>
           </a:p>
         </p:txBody>
       </p:sp>
@@ -1708,7 +2888,7 @@
               <a:pPr/>
               <a:t>‹Nº›</a:t>
             </a:fld>
-            <a:endParaRPr lang="en-US" dirty="0"/>
+            <a:endParaRPr lang="en-US"/>
           </a:p>
         </p:txBody>
       </p:sp>
@@ -1852,9 +3032,9 @@
             <a:fld id="{8256C2ED-54A4-480D-B5C8-65C0D62359B9}" type="datetime2">
               <a:rPr lang="en-US" smtClean="0"/>
               <a:pPr/>
-              <a:t>Thursday, September 29, 2022</a:t>
+              <a:t>Tuesday, October 4, 2022</a:t>
             </a:fld>
-            <a:endParaRPr lang="en-US" dirty="0"/>
+            <a:endParaRPr lang="en-US"/>
           </a:p>
         </p:txBody>
       </p:sp>
@@ -1883,7 +3063,6 @@
               <a:rPr lang="en-US" spc="200"/>
               <a:t>Sample Footer Text</a:t>
             </a:r>
-            <a:endParaRPr lang="en-US" spc="200" dirty="0"/>
           </a:p>
         </p:txBody>
       </p:sp>
@@ -1913,7 +3092,7 @@
               <a:pPr/>
               <a:t>‹Nº›</a:t>
             </a:fld>
-            <a:endParaRPr lang="en-US" dirty="0"/>
+            <a:endParaRPr lang="en-US"/>
           </a:p>
         </p:txBody>
       </p:sp>
@@ -2134,9 +3313,9 @@
             <a:fld id="{8256C2ED-54A4-480D-B5C8-65C0D62359B9}" type="datetime2">
               <a:rPr lang="en-US" smtClean="0"/>
               <a:pPr/>
-              <a:t>Thursday, September 29, 2022</a:t>
+              <a:t>Tuesday, October 4, 2022</a:t>
             </a:fld>
-            <a:endParaRPr lang="en-US" dirty="0"/>
+            <a:endParaRPr lang="en-US"/>
           </a:p>
         </p:txBody>
       </p:sp>
@@ -2165,7 +3344,6 @@
               <a:rPr lang="en-US" spc="200"/>
               <a:t>Sample Footer Text</a:t>
             </a:r>
-            <a:endParaRPr lang="en-US" spc="200" dirty="0"/>
           </a:p>
         </p:txBody>
       </p:sp>
@@ -2195,7 +3373,7 @@
               <a:pPr/>
               <a:t>‹Nº›</a:t>
             </a:fld>
-            <a:endParaRPr lang="en-US" dirty="0"/>
+            <a:endParaRPr lang="en-US"/>
           </a:p>
         </p:txBody>
       </p:sp>
@@ -2406,9 +3584,9 @@
             <a:fld id="{8256C2ED-54A4-480D-B5C8-65C0D62359B9}" type="datetime2">
               <a:rPr lang="en-US" smtClean="0"/>
               <a:pPr/>
-              <a:t>Thursday, September 29, 2022</a:t>
+              <a:t>Tuesday, October 4, 2022</a:t>
             </a:fld>
-            <a:endParaRPr lang="en-US" dirty="0"/>
+            <a:endParaRPr lang="en-US"/>
           </a:p>
         </p:txBody>
       </p:sp>
@@ -2437,7 +3615,6 @@
               <a:rPr lang="en-US" spc="200"/>
               <a:t>Sample Footer Text</a:t>
             </a:r>
-            <a:endParaRPr lang="en-US" spc="200" dirty="0"/>
           </a:p>
         </p:txBody>
       </p:sp>
@@ -2467,7 +3644,7 @@
               <a:pPr/>
               <a:t>‹Nº›</a:t>
             </a:fld>
-            <a:endParaRPr lang="en-US" dirty="0"/>
+            <a:endParaRPr lang="en-US"/>
           </a:p>
         </p:txBody>
       </p:sp>
@@ -2825,9 +4002,9 @@
             <a:fld id="{8256C2ED-54A4-480D-B5C8-65C0D62359B9}" type="datetime2">
               <a:rPr lang="en-US" smtClean="0"/>
               <a:pPr/>
-              <a:t>Thursday, September 29, 2022</a:t>
+              <a:t>Tuesday, October 4, 2022</a:t>
             </a:fld>
-            <a:endParaRPr lang="en-US" dirty="0"/>
+            <a:endParaRPr lang="en-US"/>
           </a:p>
         </p:txBody>
       </p:sp>
@@ -2856,7 +4033,6 @@
               <a:rPr lang="en-US" spc="200"/>
               <a:t>Sample Footer Text</a:t>
             </a:r>
-            <a:endParaRPr lang="en-US" spc="200" dirty="0"/>
           </a:p>
         </p:txBody>
       </p:sp>
@@ -2886,7 +4062,7 @@
               <a:pPr/>
               <a:t>‹Nº›</a:t>
             </a:fld>
-            <a:endParaRPr lang="en-US" dirty="0"/>
+            <a:endParaRPr lang="en-US"/>
           </a:p>
         </p:txBody>
       </p:sp>
@@ -2973,9 +4149,9 @@
             <a:fld id="{8256C2ED-54A4-480D-B5C8-65C0D62359B9}" type="datetime2">
               <a:rPr lang="en-US" smtClean="0"/>
               <a:pPr/>
-              <a:t>Thursday, September 29, 2022</a:t>
+              <a:t>Tuesday, October 4, 2022</a:t>
             </a:fld>
-            <a:endParaRPr lang="en-US" dirty="0"/>
+            <a:endParaRPr lang="en-US"/>
           </a:p>
         </p:txBody>
       </p:sp>
@@ -3004,7 +4180,6 @@
               <a:rPr lang="en-US" spc="200"/>
               <a:t>Sample Footer Text</a:t>
             </a:r>
-            <a:endParaRPr lang="en-US" spc="200" dirty="0"/>
           </a:p>
         </p:txBody>
       </p:sp>
@@ -3034,7 +4209,7 @@
               <a:pPr/>
               <a:t>‹Nº›</a:t>
             </a:fld>
-            <a:endParaRPr lang="en-US" dirty="0"/>
+            <a:endParaRPr lang="en-US"/>
           </a:p>
         </p:txBody>
       </p:sp>
@@ -3093,9 +4268,9 @@
             <a:fld id="{8256C2ED-54A4-480D-B5C8-65C0D62359B9}" type="datetime2">
               <a:rPr lang="en-US" smtClean="0"/>
               <a:pPr/>
-              <a:t>Thursday, September 29, 2022</a:t>
+              <a:t>Tuesday, October 4, 2022</a:t>
             </a:fld>
-            <a:endParaRPr lang="en-US" dirty="0"/>
+            <a:endParaRPr lang="en-US"/>
           </a:p>
         </p:txBody>
       </p:sp>
@@ -3124,7 +4299,6 @@
               <a:rPr lang="en-US" spc="200"/>
               <a:t>Sample Footer Text</a:t>
             </a:r>
-            <a:endParaRPr lang="en-US" spc="200" dirty="0"/>
           </a:p>
         </p:txBody>
       </p:sp>
@@ -3154,7 +4328,7 @@
               <a:pPr/>
               <a:t>‹Nº›</a:t>
             </a:fld>
-            <a:endParaRPr lang="en-US" dirty="0"/>
+            <a:endParaRPr lang="en-US"/>
           </a:p>
         </p:txBody>
       </p:sp>
@@ -3411,9 +4585,9 @@
             <a:fld id="{8256C2ED-54A4-480D-B5C8-65C0D62359B9}" type="datetime2">
               <a:rPr lang="en-US" smtClean="0"/>
               <a:pPr/>
-              <a:t>Thursday, September 29, 2022</a:t>
+              <a:t>Tuesday, October 4, 2022</a:t>
             </a:fld>
-            <a:endParaRPr lang="en-US" dirty="0"/>
+            <a:endParaRPr lang="en-US"/>
           </a:p>
         </p:txBody>
       </p:sp>
@@ -3442,7 +4616,6 @@
               <a:rPr lang="en-US" spc="200"/>
               <a:t>Sample Footer Text</a:t>
             </a:r>
-            <a:endParaRPr lang="en-US" spc="200" dirty="0"/>
           </a:p>
         </p:txBody>
       </p:sp>
@@ -3472,7 +4645,7 @@
               <a:pPr/>
               <a:t>‹Nº›</a:t>
             </a:fld>
-            <a:endParaRPr lang="en-US" dirty="0"/>
+            <a:endParaRPr lang="en-US"/>
           </a:p>
         </p:txBody>
       </p:sp>
@@ -3706,9 +4879,9 @@
             <a:fld id="{8256C2ED-54A4-480D-B5C8-65C0D62359B9}" type="datetime2">
               <a:rPr lang="en-US" smtClean="0"/>
               <a:pPr/>
-              <a:t>Thursday, September 29, 2022</a:t>
+              <a:t>Tuesday, October 4, 2022</a:t>
             </a:fld>
-            <a:endParaRPr lang="en-US" dirty="0"/>
+            <a:endParaRPr lang="en-US"/>
           </a:p>
         </p:txBody>
       </p:sp>
@@ -3737,7 +4910,6 @@
               <a:rPr lang="en-US" spc="200"/>
               <a:t>Sample Footer Text</a:t>
             </a:r>
-            <a:endParaRPr lang="en-US" spc="200" dirty="0"/>
           </a:p>
         </p:txBody>
       </p:sp>
@@ -3767,7 +4939,7 @@
               <a:pPr/>
               <a:t>‹Nº›</a:t>
             </a:fld>
-            <a:endParaRPr lang="en-US" dirty="0"/>
+            <a:endParaRPr lang="en-US"/>
           </a:p>
         </p:txBody>
       </p:sp>
@@ -3954,9 +5126,9 @@
             <a:fld id="{8256C2ED-54A4-480D-B5C8-65C0D62359B9}" type="datetime2">
               <a:rPr lang="en-US" smtClean="0"/>
               <a:pPr/>
-              <a:t>Thursday, September 29, 2022</a:t>
+              <a:t>Tuesday, October 4, 2022</a:t>
             </a:fld>
-            <a:endParaRPr lang="en-US" dirty="0"/>
+            <a:endParaRPr lang="en-US"/>
           </a:p>
         </p:txBody>
       </p:sp>
@@ -4003,7 +5175,6 @@
               <a:rPr lang="en-US" spc="200"/>
               <a:t>Sample Footer Text</a:t>
             </a:r>
-            <a:endParaRPr lang="en-US" spc="200" dirty="0"/>
           </a:p>
         </p:txBody>
       </p:sp>
@@ -4051,7 +5222,7 @@
               <a:pPr/>
               <a:t>‹Nº›</a:t>
             </a:fld>
-            <a:endParaRPr lang="en-US" dirty="0"/>
+            <a:endParaRPr lang="en-US"/>
           </a:p>
         </p:txBody>
       </p:sp>
@@ -4363,6 +5534,637 @@
 <file path=ppt/slides/slide1.xml><?xml version="1.0" encoding="utf-8"?>
 <p:sld xmlns:a="http://schemas.openxmlformats.org/drawingml/2006/main" xmlns:r="http://schemas.openxmlformats.org/officeDocument/2006/relationships" xmlns:p="http://schemas.openxmlformats.org/presentationml/2006/main">
   <p:cSld>
+    <p:bg>
+      <p:bgPr>
+        <a:solidFill>
+          <a:schemeClr val="bg1"/>
+        </a:solidFill>
+        <a:effectLst/>
+      </p:bgPr>
+    </p:bg>
+    <p:spTree>
+      <p:nvGrpSpPr>
+        <p:cNvPr id="1" name=""/>
+        <p:cNvGrpSpPr/>
+        <p:nvPr/>
+      </p:nvGrpSpPr>
+      <p:grpSpPr>
+        <a:xfrm>
+          <a:off x="0" y="0"/>
+          <a:ext cx="0" cy="0"/>
+          <a:chOff x="0" y="0"/>
+          <a:chExt cx="0" cy="0"/>
+        </a:xfrm>
+      </p:grpSpPr>
+      <p:sp useBgFill="1">
+        <p:nvSpPr>
+          <p:cNvPr id="64" name="Rectangle 14">
+            <a:extLst>
+              <a:ext uri="{FF2B5EF4-FFF2-40B4-BE49-F238E27FC236}">
+                <a16:creationId xmlns:a16="http://schemas.microsoft.com/office/drawing/2014/main" id="{0671A8AE-40A1-4631-A6B8-581AFF065482}"/>
+              </a:ext>
+              <a:ext uri="{C183D7F6-B498-43B3-948B-1728B52AA6E4}">
+                <adec:decorative xmlns:adec="http://schemas.microsoft.com/office/drawing/2017/decorative" val="1"/>
+              </a:ext>
+            </a:extLst>
+          </p:cNvPr>
+          <p:cNvSpPr>
+            <a:spLocks noGrp="1" noRot="1" noChangeAspect="1" noMove="1" noResize="1" noEditPoints="1" noAdjustHandles="1" noChangeArrowheads="1" noChangeShapeType="1" noTextEdit="1"/>
+          </p:cNvSpPr>
+          <p:nvPr>
+            <p:extLst>
+              <p:ext uri="{386F3935-93C4-4BCD-93E2-E3B085C9AB24}">
+                <p16:designElem xmlns:p16="http://schemas.microsoft.com/office/powerpoint/2015/main" val="1"/>
+              </p:ext>
+            </p:extLst>
+          </p:nvPr>
+        </p:nvSpPr>
+        <p:spPr>
+          <a:xfrm>
+            <a:off x="0" y="0"/>
+            <a:ext cx="12192000" cy="6858000"/>
+          </a:xfrm>
+          <a:prstGeom prst="rect">
+            <a:avLst/>
+          </a:prstGeom>
+          <a:ln>
+            <a:noFill/>
+          </a:ln>
+        </p:spPr>
+        <p:style>
+          <a:lnRef idx="2">
+            <a:schemeClr val="accent1">
+              <a:shade val="50000"/>
+            </a:schemeClr>
+          </a:lnRef>
+          <a:fillRef idx="1">
+            <a:schemeClr val="accent1"/>
+          </a:fillRef>
+          <a:effectRef idx="0">
+            <a:schemeClr val="accent1"/>
+          </a:effectRef>
+          <a:fontRef idx="minor">
+            <a:schemeClr val="lt1"/>
+          </a:fontRef>
+        </p:style>
+        <p:txBody>
+          <a:bodyPr rtlCol="0" anchor="ctr"/>
+          <a:lstStyle/>
+          <a:p>
+            <a:pPr algn="ctr"/>
+            <a:endParaRPr lang="en-US"/>
+          </a:p>
+        </p:txBody>
+      </p:sp>
+      <p:pic>
+        <p:nvPicPr>
+          <p:cNvPr id="10" name="Imagen 10">
+            <a:extLst>
+              <a:ext uri="{FF2B5EF4-FFF2-40B4-BE49-F238E27FC236}">
+                <a16:creationId xmlns:a16="http://schemas.microsoft.com/office/drawing/2014/main" id="{76BF477E-1037-8DBF-F6EA-9F38B8FBEE29}"/>
+              </a:ext>
+            </a:extLst>
+          </p:cNvPr>
+          <p:cNvPicPr>
+            <a:picLocks noChangeAspect="1"/>
+          </p:cNvPicPr>
+          <p:nvPr/>
+        </p:nvPicPr>
+        <p:blipFill rotWithShape="1">
+          <a:blip r:embed="rId2"/>
+          <a:srcRect t="9091" r="23585"/>
+          <a:stretch/>
+        </p:blipFill>
+        <p:spPr>
+          <a:xfrm>
+            <a:off x="3523488" y="10"/>
+            <a:ext cx="8668512" cy="6857990"/>
+          </a:xfrm>
+          <a:prstGeom prst="rect">
+            <a:avLst/>
+          </a:prstGeom>
+        </p:spPr>
+      </p:pic>
+      <p:sp>
+        <p:nvSpPr>
+          <p:cNvPr id="65" name="Rectangle 16">
+            <a:extLst>
+              <a:ext uri="{FF2B5EF4-FFF2-40B4-BE49-F238E27FC236}">
+                <a16:creationId xmlns:a16="http://schemas.microsoft.com/office/drawing/2014/main" id="{AB58EF07-17C2-48CF-ABB0-EEF1F17CB8F0}"/>
+              </a:ext>
+              <a:ext uri="{C183D7F6-B498-43B3-948B-1728B52AA6E4}">
+                <adec:decorative xmlns:adec="http://schemas.microsoft.com/office/drawing/2017/decorative" val="1"/>
+              </a:ext>
+            </a:extLst>
+          </p:cNvPr>
+          <p:cNvSpPr>
+            <a:spLocks noGrp="1" noRot="1" noChangeAspect="1" noMove="1" noResize="1" noEditPoints="1" noAdjustHandles="1" noChangeArrowheads="1" noChangeShapeType="1" noTextEdit="1"/>
+          </p:cNvSpPr>
+          <p:nvPr>
+            <p:extLst>
+              <p:ext uri="{386F3935-93C4-4BCD-93E2-E3B085C9AB24}">
+                <p16:designElem xmlns:p16="http://schemas.microsoft.com/office/powerpoint/2015/main" val="1"/>
+              </p:ext>
+            </p:extLst>
+          </p:nvPr>
+        </p:nvSpPr>
+        <p:spPr>
+          <a:xfrm>
+            <a:off x="3" y="0"/>
+            <a:ext cx="9339206" cy="6858000"/>
+          </a:xfrm>
+          <a:prstGeom prst="rect">
+            <a:avLst/>
+          </a:prstGeom>
+          <a:gradFill>
+            <a:gsLst>
+              <a:gs pos="58000">
+                <a:schemeClr val="bg1"/>
+              </a:gs>
+              <a:gs pos="33000">
+                <a:schemeClr val="bg1">
+                  <a:alpha val="64000"/>
+                </a:schemeClr>
+              </a:gs>
+              <a:gs pos="0">
+                <a:schemeClr val="bg1">
+                  <a:alpha val="0"/>
+                </a:schemeClr>
+              </a:gs>
+              <a:gs pos="100000">
+                <a:schemeClr val="bg1"/>
+              </a:gs>
+            </a:gsLst>
+            <a:lin ang="10800000" scaled="0"/>
+          </a:gradFill>
+          <a:ln>
+            <a:noFill/>
+          </a:ln>
+        </p:spPr>
+        <p:style>
+          <a:lnRef idx="2">
+            <a:schemeClr val="accent1">
+              <a:shade val="50000"/>
+            </a:schemeClr>
+          </a:lnRef>
+          <a:fillRef idx="1">
+            <a:schemeClr val="accent1"/>
+          </a:fillRef>
+          <a:effectRef idx="0">
+            <a:schemeClr val="accent1"/>
+          </a:effectRef>
+          <a:fontRef idx="minor">
+            <a:schemeClr val="lt1"/>
+          </a:fontRef>
+        </p:style>
+        <p:txBody>
+          <a:bodyPr rtlCol="0" anchor="ctr"/>
+          <a:lstStyle/>
+          <a:p>
+            <a:pPr algn="ctr"/>
+            <a:endParaRPr lang="en-US"/>
+          </a:p>
+        </p:txBody>
+      </p:sp>
+      <p:sp>
+        <p:nvSpPr>
+          <p:cNvPr id="6" name="Subtítulo 5">
+            <a:extLst>
+              <a:ext uri="{FF2B5EF4-FFF2-40B4-BE49-F238E27FC236}">
+                <a16:creationId xmlns:a16="http://schemas.microsoft.com/office/drawing/2014/main" id="{FFE44297-5AAD-CA6F-4064-C2621A1C9AF8}"/>
+              </a:ext>
+            </a:extLst>
+          </p:cNvPr>
+          <p:cNvSpPr>
+            <a:spLocks noGrp="1"/>
+          </p:cNvSpPr>
+          <p:nvPr>
+            <p:ph type="subTitle" idx="1"/>
+          </p:nvPr>
+        </p:nvSpPr>
+        <p:spPr>
+          <a:xfrm>
+            <a:off x="477980" y="4872922"/>
+            <a:ext cx="4023359" cy="1208141"/>
+          </a:xfrm>
+        </p:spPr>
+        <p:txBody>
+          <a:bodyPr vert="horz" lIns="91440" tIns="45720" rIns="91440" bIns="45720" rtlCol="0">
+            <a:normAutofit/>
+          </a:bodyPr>
+          <a:lstStyle/>
+          <a:p>
+            <a:pPr algn="l"/>
+            <a:r>
+              <a:rPr lang="en-US" sz="2000" dirty="0"/>
+              <a:t>EXPLOTACIÓN DE LAS BASES DE DATOS</a:t>
+            </a:r>
+          </a:p>
+          <a:p>
+            <a:pPr algn="l"/>
+            <a:r>
+              <a:rPr lang="en-US" sz="2000" dirty="0"/>
+              <a:t>BIG DATA</a:t>
+            </a:r>
+          </a:p>
+        </p:txBody>
+      </p:sp>
+      <p:sp>
+        <p:nvSpPr>
+          <p:cNvPr id="66" name="Rectangle 18">
+            <a:extLst>
+              <a:ext uri="{FF2B5EF4-FFF2-40B4-BE49-F238E27FC236}">
+                <a16:creationId xmlns:a16="http://schemas.microsoft.com/office/drawing/2014/main" id="{AF2F604E-43BE-4DC3-B983-E071523364F8}"/>
+              </a:ext>
+              <a:ext uri="{C183D7F6-B498-43B3-948B-1728B52AA6E4}">
+                <adec:decorative xmlns:adec="http://schemas.microsoft.com/office/drawing/2017/decorative" val="1"/>
+              </a:ext>
+            </a:extLst>
+          </p:cNvPr>
+          <p:cNvSpPr>
+            <a:spLocks noGrp="1" noRot="1" noChangeAspect="1" noMove="1" noResize="1" noEditPoints="1" noAdjustHandles="1" noChangeArrowheads="1" noChangeShapeType="1" noTextEdit="1"/>
+          </p:cNvSpPr>
+          <p:nvPr>
+            <p:extLst>
+              <p:ext uri="{386F3935-93C4-4BCD-93E2-E3B085C9AB24}">
+                <p16:designElem xmlns:p16="http://schemas.microsoft.com/office/powerpoint/2015/main" val="1"/>
+              </p:ext>
+            </p:extLst>
+          </p:nvPr>
+        </p:nvSpPr>
+        <p:spPr>
+          <a:xfrm rot="5400000">
+            <a:off x="759921" y="346791"/>
+            <a:ext cx="146304" cy="704088"/>
+          </a:xfrm>
+          <a:prstGeom prst="rect">
+            <a:avLst/>
+          </a:prstGeom>
+          <a:solidFill>
+            <a:schemeClr val="accent2"/>
+          </a:solidFill>
+          <a:ln>
+            <a:noFill/>
+          </a:ln>
+        </p:spPr>
+        <p:style>
+          <a:lnRef idx="2">
+            <a:schemeClr val="accent1">
+              <a:shade val="50000"/>
+            </a:schemeClr>
+          </a:lnRef>
+          <a:fillRef idx="1">
+            <a:schemeClr val="accent1"/>
+          </a:fillRef>
+          <a:effectRef idx="0">
+            <a:schemeClr val="accent1"/>
+          </a:effectRef>
+          <a:fontRef idx="minor">
+            <a:schemeClr val="lt1"/>
+          </a:fontRef>
+        </p:style>
+        <p:txBody>
+          <a:bodyPr rtlCol="0" anchor="ctr"/>
+          <a:lstStyle/>
+          <a:p>
+            <a:pPr algn="ctr"/>
+            <a:endParaRPr lang="en-US">
+              <a:solidFill>
+                <a:prstClr val="white"/>
+              </a:solidFill>
+              <a:latin typeface="Calibri" panose="020F0502020204030204"/>
+            </a:endParaRPr>
+          </a:p>
+        </p:txBody>
+      </p:sp>
+      <p:sp>
+        <p:nvSpPr>
+          <p:cNvPr id="67" name="Rectangle 20">
+            <a:extLst>
+              <a:ext uri="{FF2B5EF4-FFF2-40B4-BE49-F238E27FC236}">
+                <a16:creationId xmlns:a16="http://schemas.microsoft.com/office/drawing/2014/main" id="{08C9B587-E65E-4B52-B37C-ABEBB6E87928}"/>
+              </a:ext>
+              <a:ext uri="{C183D7F6-B498-43B3-948B-1728B52AA6E4}">
+                <adec:decorative xmlns:adec="http://schemas.microsoft.com/office/drawing/2017/decorative" val="1"/>
+              </a:ext>
+            </a:extLst>
+          </p:cNvPr>
+          <p:cNvSpPr>
+            <a:spLocks noGrp="1" noRot="1" noChangeAspect="1" noMove="1" noResize="1" noEditPoints="1" noAdjustHandles="1" noChangeArrowheads="1" noChangeShapeType="1" noTextEdit="1"/>
+          </p:cNvSpPr>
+          <p:nvPr>
+            <p:extLst>
+              <p:ext uri="{386F3935-93C4-4BCD-93E2-E3B085C9AB24}">
+                <p16:designElem xmlns:p16="http://schemas.microsoft.com/office/powerpoint/2015/main" val="1"/>
+              </p:ext>
+            </p:extLst>
+          </p:nvPr>
+        </p:nvSpPr>
+        <p:spPr>
+          <a:xfrm>
+            <a:off x="481029" y="4546920"/>
+            <a:ext cx="3977640" cy="18288"/>
+          </a:xfrm>
+          <a:prstGeom prst="rect">
+            <a:avLst/>
+          </a:prstGeom>
+          <a:solidFill>
+            <a:schemeClr val="tx1"/>
+          </a:solidFill>
+          <a:ln w="3175">
+            <a:noFill/>
+          </a:ln>
+          <a:effectLst/>
+        </p:spPr>
+        <p:style>
+          <a:lnRef idx="2">
+            <a:schemeClr val="accent1">
+              <a:shade val="50000"/>
+            </a:schemeClr>
+          </a:lnRef>
+          <a:fillRef idx="1">
+            <a:schemeClr val="accent1"/>
+          </a:fillRef>
+          <a:effectRef idx="0">
+            <a:schemeClr val="accent1"/>
+          </a:effectRef>
+          <a:fontRef idx="minor">
+            <a:schemeClr val="lt1"/>
+          </a:fontRef>
+        </p:style>
+        <p:txBody>
+          <a:bodyPr rtlCol="0" anchor="ctr"/>
+          <a:lstStyle/>
+          <a:p>
+            <a:pPr marL="0" marR="0" lvl="0" indent="0" algn="ctr" defTabSz="914400" rtl="0" eaLnBrk="1" fontAlgn="auto" latinLnBrk="0" hangingPunct="1">
+              <a:lnSpc>
+                <a:spcPct val="100000"/>
+              </a:lnSpc>
+              <a:spcBef>
+                <a:spcPts val="0"/>
+              </a:spcBef>
+              <a:spcAft>
+                <a:spcPts val="0"/>
+              </a:spcAft>
+              <a:buClrTx/>
+              <a:buSzTx/>
+              <a:buFontTx/>
+              <a:buNone/>
+              <a:tabLst/>
+              <a:defRPr/>
+            </a:pPr>
+            <a:endParaRPr kumimoji="0" lang="en-US" sz="1800" b="0" i="0" u="none" strike="noStrike" kern="1200" cap="none" spc="0" normalizeH="0" baseline="0" noProof="0">
+              <a:ln>
+                <a:noFill/>
+              </a:ln>
+              <a:solidFill>
+                <a:prstClr val="white"/>
+              </a:solidFill>
+              <a:effectLst/>
+              <a:uLnTx/>
+              <a:uFillTx/>
+              <a:latin typeface="Calibri" panose="020F0502020204030204"/>
+              <a:ea typeface="+mn-ea"/>
+              <a:cs typeface="+mn-cs"/>
+            </a:endParaRPr>
+          </a:p>
+        </p:txBody>
+      </p:sp>
+      <p:sp>
+        <p:nvSpPr>
+          <p:cNvPr id="9" name="Título 1">
+            <a:extLst>
+              <a:ext uri="{FF2B5EF4-FFF2-40B4-BE49-F238E27FC236}">
+                <a16:creationId xmlns:a16="http://schemas.microsoft.com/office/drawing/2014/main" id="{2E119BA4-44C4-4FFE-81D8-1B5FE1ABFCE7}"/>
+              </a:ext>
+            </a:extLst>
+          </p:cNvPr>
+          <p:cNvSpPr txBox="1">
+            <a:spLocks/>
+          </p:cNvSpPr>
+          <p:nvPr/>
+        </p:nvSpPr>
+        <p:spPr>
+          <a:xfrm>
+            <a:off x="6893043" y="5816630"/>
+            <a:ext cx="5298957" cy="906733"/>
+          </a:xfrm>
+          <a:prstGeom prst="rect">
+            <a:avLst/>
+          </a:prstGeom>
+        </p:spPr>
+        <p:txBody>
+          <a:bodyPr vert="horz" lIns="91440" tIns="45720" rIns="91440" bIns="45720" rtlCol="0" anchor="b">
+            <a:noAutofit/>
+          </a:bodyPr>
+          <a:lstStyle>
+            <a:lvl1pPr algn="l" defTabSz="914400" rtl="0" eaLnBrk="1" latinLnBrk="0" hangingPunct="1">
+              <a:lnSpc>
+                <a:spcPct val="90000"/>
+              </a:lnSpc>
+              <a:spcBef>
+                <a:spcPct val="0"/>
+              </a:spcBef>
+              <a:buNone/>
+              <a:defRPr sz="4400" kern="1200">
+                <a:solidFill>
+                  <a:schemeClr val="tx1"/>
+                </a:solidFill>
+                <a:latin typeface="+mj-lt"/>
+                <a:ea typeface="+mj-ea"/>
+                <a:cs typeface="+mj-cs"/>
+              </a:defRPr>
+            </a:lvl1pPr>
+          </a:lstStyle>
+          <a:p>
+            <a:pPr algn="ctr">
+              <a:spcAft>
+                <a:spcPts val="600"/>
+              </a:spcAft>
+            </a:pPr>
+            <a:r>
+              <a:rPr lang="es-ES" sz="1600" b="1" dirty="0">
+                <a:cs typeface="Calibri Light" panose="020F0302020204030204"/>
+              </a:rPr>
+              <a:t>EDUARDO MARTÍN-SONSECA</a:t>
+            </a:r>
+            <a:br>
+              <a:rPr lang="es-ES" sz="1600" b="1" dirty="0">
+                <a:cs typeface="Calibri Light" panose="020F0302020204030204"/>
+              </a:rPr>
+            </a:br>
+            <a:r>
+              <a:rPr lang="es-ES" sz="1600" b="1" dirty="0">
+                <a:cs typeface="Calibri Light" panose="020F0302020204030204"/>
+              </a:rPr>
+              <a:t>LUIS FERNANDEZ CASTELO</a:t>
+            </a:r>
+            <a:br>
+              <a:rPr lang="es-ES" sz="1600" b="1" dirty="0">
+                <a:cs typeface="Calibri Light" panose="020F0302020204030204"/>
+              </a:rPr>
+            </a:br>
+            <a:r>
+              <a:rPr lang="es-ES" sz="1600" b="1" dirty="0">
+                <a:cs typeface="Calibri Light" panose="020F0302020204030204"/>
+              </a:rPr>
+              <a:t>1º DESARROLLO DE APLICACIONES MULTIPLATAFORMA</a:t>
+            </a:r>
+            <a:endParaRPr lang="es-ES" sz="1600" dirty="0">
+              <a:cs typeface="Calibri Light"/>
+            </a:endParaRPr>
+          </a:p>
+        </p:txBody>
+      </p:sp>
+    </p:spTree>
+    <p:extLst>
+      <p:ext uri="{BB962C8B-B14F-4D97-AF65-F5344CB8AC3E}">
+        <p14:creationId xmlns:p14="http://schemas.microsoft.com/office/powerpoint/2010/main" val="1479924629"/>
+      </p:ext>
+    </p:extLst>
+  </p:cSld>
+  <p:clrMapOvr>
+    <a:overrideClrMapping bg1="dk1" tx1="lt1" bg2="dk2" tx2="lt2" accent1="accent1" accent2="accent2" accent3="accent3" accent4="accent4" accent5="accent5" accent6="accent6" hlink="hlink" folHlink="folHlink"/>
+  </p:clrMapOvr>
+  <p:timing>
+    <p:tnLst>
+      <p:par>
+        <p:cTn id="1" dur="indefinite" restart="never" nodeType="tmRoot">
+          <p:childTnLst>
+            <p:seq concurrent="1" nextAc="seek">
+              <p:cTn id="2" dur="indefinite" nodeType="mainSeq">
+                <p:childTnLst>
+                  <p:par>
+                    <p:cTn id="3" fill="hold">
+                      <p:stCondLst>
+                        <p:cond delay="indefinite"/>
+                        <p:cond evt="onBegin" delay="0">
+                          <p:tn val="2"/>
+                        </p:cond>
+                      </p:stCondLst>
+                      <p:childTnLst>
+                        <p:par>
+                          <p:cTn id="4" fill="hold">
+                            <p:stCondLst>
+                              <p:cond delay="0"/>
+                            </p:stCondLst>
+                            <p:childTnLst>
+                              <p:par>
+                                <p:cTn id="5" presetID="16" presetClass="entr" presetSubtype="21" fill="hold" grpId="0" nodeType="withEffect">
+                                  <p:stCondLst>
+                                    <p:cond delay="0"/>
+                                  </p:stCondLst>
+                                  <p:childTnLst>
+                                    <p:set>
+                                      <p:cBhvr>
+                                        <p:cTn id="6" dur="1" fill="hold">
+                                          <p:stCondLst>
+                                            <p:cond delay="0"/>
+                                          </p:stCondLst>
+                                        </p:cTn>
+                                        <p:tgtEl>
+                                          <p:spTgt spid="6"/>
+                                        </p:tgtEl>
+                                        <p:attrNameLst>
+                                          <p:attrName>style.visibility</p:attrName>
+                                        </p:attrNameLst>
+                                      </p:cBhvr>
+                                      <p:to>
+                                        <p:strVal val="visible"/>
+                                      </p:to>
+                                    </p:set>
+                                    <p:animEffect transition="in" filter="barn(inVertical)">
+                                      <p:cBhvr>
+                                        <p:cTn id="7" dur="2000"/>
+                                        <p:tgtEl>
+                                          <p:spTgt spid="6"/>
+                                        </p:tgtEl>
+                                      </p:cBhvr>
+                                    </p:animEffect>
+                                  </p:childTnLst>
+                                </p:cTn>
+                              </p:par>
+                              <p:par>
+                                <p:cTn id="8" presetID="10" presetClass="entr" presetSubtype="0" fill="hold" grpId="0" nodeType="withEffect">
+                                  <p:stCondLst>
+                                    <p:cond delay="0"/>
+                                  </p:stCondLst>
+                                  <p:childTnLst>
+                                    <p:set>
+                                      <p:cBhvr>
+                                        <p:cTn id="9" dur="1" fill="hold">
+                                          <p:stCondLst>
+                                            <p:cond delay="0"/>
+                                          </p:stCondLst>
+                                        </p:cTn>
+                                        <p:tgtEl>
+                                          <p:spTgt spid="9"/>
+                                        </p:tgtEl>
+                                        <p:attrNameLst>
+                                          <p:attrName>style.visibility</p:attrName>
+                                        </p:attrNameLst>
+                                      </p:cBhvr>
+                                      <p:to>
+                                        <p:strVal val="visible"/>
+                                      </p:to>
+                                    </p:set>
+                                    <p:animEffect transition="in" filter="fade">
+                                      <p:cBhvr>
+                                        <p:cTn id="10" dur="2000"/>
+                                        <p:tgtEl>
+                                          <p:spTgt spid="9"/>
+                                        </p:tgtEl>
+                                      </p:cBhvr>
+                                    </p:animEffect>
+                                  </p:childTnLst>
+                                </p:cTn>
+                              </p:par>
+                            </p:childTnLst>
+                          </p:cTn>
+                        </p:par>
+                      </p:childTnLst>
+                    </p:cTn>
+                  </p:par>
+                </p:childTnLst>
+              </p:cTn>
+              <p:prevCondLst>
+                <p:cond evt="onPrev" delay="0">
+                  <p:tgtEl>
+                    <p:sldTgt/>
+                  </p:tgtEl>
+                </p:cond>
+              </p:prevCondLst>
+              <p:nextCondLst>
+                <p:cond evt="onNext" delay="0">
+                  <p:tgtEl>
+                    <p:sldTgt/>
+                  </p:tgtEl>
+                </p:cond>
+              </p:nextCondLst>
+            </p:seq>
+          </p:childTnLst>
+        </p:cTn>
+      </p:par>
+    </p:tnLst>
+    <p:bldLst>
+      <p:bldP spid="6" grpId="0"/>
+      <p:bldP spid="9" grpId="0"/>
+    </p:bldLst>
+  </p:timing>
+</p:sld>
+</file>
+
+<file path=ppt/slides/slide2.xml><?xml version="1.0" encoding="utf-8"?>
+<p:sld xmlns:a="http://schemas.openxmlformats.org/drawingml/2006/main" xmlns:r="http://schemas.openxmlformats.org/officeDocument/2006/relationships" xmlns:p="http://schemas.openxmlformats.org/presentationml/2006/main">
+  <p:cSld>
+    <p:bg>
+      <p:bgPr>
+        <a:solidFill>
+          <a:schemeClr val="bg1"/>
+        </a:solidFill>
+        <a:effectLst/>
+      </p:bgPr>
+    </p:bg>
     <p:spTree>
       <p:nvGrpSpPr>
         <p:cNvPr id="1" name=""/>
@@ -4382,7 +6184,7 @@
           <p:cNvPr id="2" name="Título 1">
             <a:extLst>
               <a:ext uri="{FF2B5EF4-FFF2-40B4-BE49-F238E27FC236}">
-                <a16:creationId xmlns:a16="http://schemas.microsoft.com/office/drawing/2014/main" id="{ED99DBDA-B49D-9CE5-B7A0-3B4E389D673C}"/>
+                <a16:creationId xmlns:a16="http://schemas.microsoft.com/office/drawing/2014/main" id="{628FDEE3-6B92-DAEF-19AC-BCA134854A22}"/>
               </a:ext>
             </a:extLst>
           </p:cNvPr>
@@ -4390,64 +6192,131 @@
             <a:spLocks noGrp="1"/>
           </p:cNvSpPr>
           <p:nvPr>
-            <p:ph type="ctrTitle"/>
+            <p:ph type="title"/>
           </p:nvPr>
         </p:nvSpPr>
-        <p:spPr/>
+        <p:spPr>
+          <a:xfrm>
+            <a:off x="4965430" y="629268"/>
+            <a:ext cx="6586491" cy="1286160"/>
+          </a:xfrm>
+        </p:spPr>
         <p:txBody>
-          <a:bodyPr/>
+          <a:bodyPr anchor="b">
+            <a:normAutofit/>
+          </a:bodyPr>
           <a:lstStyle/>
           <a:p>
             <a:r>
-              <a:rPr lang="es-ES" dirty="0"/>
-              <a:t>PORTADA</a:t>
+              <a:rPr lang="es-ES" dirty="0">
+                <a:cs typeface="Calibri Light"/>
+              </a:rPr>
+              <a:t>INDICE</a:t>
             </a:r>
           </a:p>
         </p:txBody>
       </p:sp>
+      <p:pic>
+        <p:nvPicPr>
+          <p:cNvPr id="5" name="Picture 4" descr="Visualizar con gráficos de mercado de valores">
+            <a:extLst>
+              <a:ext uri="{FF2B5EF4-FFF2-40B4-BE49-F238E27FC236}">
+                <a16:creationId xmlns:a16="http://schemas.microsoft.com/office/drawing/2014/main" id="{5B36CB43-E7A6-BD76-CCF3-C4308F7F9EF4}"/>
+              </a:ext>
+            </a:extLst>
+          </p:cNvPr>
+          <p:cNvPicPr>
+            <a:picLocks noChangeAspect="1"/>
+          </p:cNvPicPr>
+          <p:nvPr/>
+        </p:nvPicPr>
+        <p:blipFill rotWithShape="1">
+          <a:blip r:embed="rId2"/>
+          <a:srcRect l="37723" r="17161" b="4"/>
+          <a:stretch/>
+        </p:blipFill>
+        <p:spPr>
+          <a:xfrm>
+            <a:off x="20" y="10"/>
+            <a:ext cx="4635571" cy="6857990"/>
+          </a:xfrm>
+          <a:prstGeom prst="rect">
+            <a:avLst/>
+          </a:prstGeom>
+          <a:effectLst/>
+        </p:spPr>
+      </p:pic>
+      <p:cxnSp>
+        <p:nvCxnSpPr>
+          <p:cNvPr id="9" name="Straight Connector 8">
+            <a:extLst>
+              <a:ext uri="{FF2B5EF4-FFF2-40B4-BE49-F238E27FC236}">
+                <a16:creationId xmlns:a16="http://schemas.microsoft.com/office/drawing/2014/main" id="{A7F400EE-A8A5-48AF-B4D6-291B52C6F0B0}"/>
+              </a:ext>
+              <a:ext uri="{C183D7F6-B498-43B3-948B-1728B52AA6E4}">
+                <adec:decorative xmlns:adec="http://schemas.microsoft.com/office/drawing/2017/decorative" val="1"/>
+              </a:ext>
+            </a:extLst>
+          </p:cNvPr>
+          <p:cNvCxnSpPr>
+            <a:cxnSpLocks noGrp="1" noRot="1" noChangeAspect="1" noMove="1" noResize="1" noEditPoints="1" noAdjustHandles="1" noChangeArrowheads="1" noChangeShapeType="1"/>
+          </p:cNvCxnSpPr>
+          <p:nvPr>
+            <p:extLst>
+              <p:ext uri="{386F3935-93C4-4BCD-93E2-E3B085C9AB24}">
+                <p16:designElem xmlns:p16="http://schemas.microsoft.com/office/powerpoint/2015/main" val="1"/>
+              </p:ext>
+            </p:extLst>
+          </p:nvPr>
+        </p:nvCxnSpPr>
+        <p:spPr>
+          <a:xfrm>
+            <a:off x="5080934" y="2115117"/>
+            <a:ext cx="6309360" cy="0"/>
+          </a:xfrm>
+          <a:prstGeom prst="line">
+            <a:avLst/>
+          </a:prstGeom>
+          <a:ln w="19050">
+            <a:solidFill>
+              <a:srgbClr val="DF9826"/>
+            </a:solidFill>
+          </a:ln>
+        </p:spPr>
+        <p:style>
+          <a:lnRef idx="1">
+            <a:schemeClr val="accent1"/>
+          </a:lnRef>
+          <a:fillRef idx="0">
+            <a:schemeClr val="accent1"/>
+          </a:fillRef>
+          <a:effectRef idx="0">
+            <a:schemeClr val="accent1"/>
+          </a:effectRef>
+          <a:fontRef idx="minor">
+            <a:schemeClr val="tx1"/>
+          </a:fontRef>
+        </p:style>
+      </p:cxnSp>
       <p:sp>
         <p:nvSpPr>
-          <p:cNvPr id="6" name="Subtítulo 5">
+          <p:cNvPr id="20" name="Marcador de contenido 6">
+            <a:hlinkClick r:id="rId3" action="ppaction://hlinksldjump"/>
             <a:extLst>
               <a:ext uri="{FF2B5EF4-FFF2-40B4-BE49-F238E27FC236}">
-                <a16:creationId xmlns:a16="http://schemas.microsoft.com/office/drawing/2014/main" id="{FFE44297-5AAD-CA6F-4064-C2621A1C9AF8}"/>
+                <a16:creationId xmlns:a16="http://schemas.microsoft.com/office/drawing/2014/main" id="{8CFEDB9E-B427-3CF6-2E99-4BECD19CA775}"/>
               </a:ext>
             </a:extLst>
           </p:cNvPr>
           <p:cNvSpPr>
             <a:spLocks noGrp="1"/>
           </p:cNvSpPr>
-          <p:nvPr>
-            <p:ph type="subTitle" idx="1"/>
-          </p:nvPr>
-        </p:nvSpPr>
-        <p:spPr/>
-        <p:txBody>
-          <a:bodyPr/>
-          <a:lstStyle/>
-          <a:p>
-            <a:endParaRPr lang="es-ES"/>
-          </a:p>
-        </p:txBody>
-      </p:sp>
-      <p:sp>
-        <p:nvSpPr>
-          <p:cNvPr id="7" name="Subtítulo 2">
-            <a:extLst>
-              <a:ext uri="{FF2B5EF4-FFF2-40B4-BE49-F238E27FC236}">
-                <a16:creationId xmlns:a16="http://schemas.microsoft.com/office/drawing/2014/main" id="{5B41D51C-D08B-3EFA-1F77-001EE791B2E3}"/>
-              </a:ext>
-            </a:extLst>
-          </p:cNvPr>
-          <p:cNvSpPr txBox="1">
-            <a:spLocks noGrp="1" noRot="1" noMove="1" noResize="1" noEditPoints="1" noAdjustHandles="1" noChangeArrowheads="1" noChangeShapeType="1"/>
-          </p:cNvSpPr>
           <p:nvPr/>
         </p:nvSpPr>
         <p:spPr>
           <a:xfrm>
-            <a:off x="7013448" y="5684585"/>
-            <a:ext cx="5062728" cy="1173415"/>
+            <a:off x="5078621" y="2917405"/>
+            <a:ext cx="3628846" cy="570094"/>
           </a:xfrm>
           <a:prstGeom prst="rect">
             <a:avLst/>
@@ -4622,41 +6491,4563 @@
             </a:lvl9pPr>
           </a:lstStyle>
           <a:p>
-            <a:pPr marL="0" indent="0" algn="ctr">
+            <a:r>
+              <a:rPr lang="es-ES" dirty="0">
+                <a:cs typeface="Calibri"/>
+              </a:rPr>
+              <a:t>LAS CINCO V</a:t>
+            </a:r>
+          </a:p>
+        </p:txBody>
+      </p:sp>
+      <p:sp>
+        <p:nvSpPr>
+          <p:cNvPr id="21" name="Marcador de contenido 6">
+            <a:extLst>
+              <a:ext uri="{FF2B5EF4-FFF2-40B4-BE49-F238E27FC236}">
+                <a16:creationId xmlns:a16="http://schemas.microsoft.com/office/drawing/2014/main" id="{21A386AB-C18D-BC64-063B-3AFE29BF8A08}"/>
+              </a:ext>
+            </a:extLst>
+          </p:cNvPr>
+          <p:cNvSpPr>
+            <a:spLocks noGrp="1"/>
+          </p:cNvSpPr>
+          <p:nvPr/>
+        </p:nvSpPr>
+        <p:spPr>
+          <a:xfrm>
+            <a:off x="5078622" y="3434990"/>
+            <a:ext cx="3628846" cy="570094"/>
+          </a:xfrm>
+          <a:prstGeom prst="rect">
+            <a:avLst/>
+          </a:prstGeom>
+        </p:spPr>
+        <p:txBody>
+          <a:bodyPr vert="horz" lIns="91440" tIns="45720" rIns="91440" bIns="45720" rtlCol="0" anchor="t">
+            <a:normAutofit/>
+          </a:bodyPr>
+          <a:lstStyle>
+            <a:lvl1pPr marL="228600" indent="-228600" algn="l" defTabSz="914400" rtl="0" eaLnBrk="1" latinLnBrk="0" hangingPunct="1">
+              <a:lnSpc>
+                <a:spcPct val="90000"/>
+              </a:lnSpc>
+              <a:spcBef>
+                <a:spcPts val="1000"/>
+              </a:spcBef>
+              <a:buFont typeface="Arial" panose="020B0604020202020204" pitchFamily="34" charset="0"/>
+              <a:buChar char="•"/>
+              <a:defRPr sz="2800" kern="1200">
+                <a:solidFill>
+                  <a:schemeClr val="tx1"/>
+                </a:solidFill>
+                <a:latin typeface="+mn-lt"/>
+                <a:ea typeface="+mn-ea"/>
+                <a:cs typeface="+mn-cs"/>
+              </a:defRPr>
+            </a:lvl1pPr>
+            <a:lvl2pPr marL="685800" indent="-228600" algn="l" defTabSz="914400" rtl="0" eaLnBrk="1" latinLnBrk="0" hangingPunct="1">
+              <a:lnSpc>
+                <a:spcPct val="90000"/>
+              </a:lnSpc>
+              <a:spcBef>
+                <a:spcPts val="500"/>
+              </a:spcBef>
+              <a:buFont typeface="Arial" panose="020B0604020202020204" pitchFamily="34" charset="0"/>
+              <a:buChar char="•"/>
+              <a:defRPr sz="2400" kern="1200">
+                <a:solidFill>
+                  <a:schemeClr val="tx1"/>
+                </a:solidFill>
+                <a:latin typeface="+mn-lt"/>
+                <a:ea typeface="+mn-ea"/>
+                <a:cs typeface="+mn-cs"/>
+              </a:defRPr>
+            </a:lvl2pPr>
+            <a:lvl3pPr marL="1143000" indent="-228600" algn="l" defTabSz="914400" rtl="0" eaLnBrk="1" latinLnBrk="0" hangingPunct="1">
+              <a:lnSpc>
+                <a:spcPct val="90000"/>
+              </a:lnSpc>
+              <a:spcBef>
+                <a:spcPts val="500"/>
+              </a:spcBef>
+              <a:buFont typeface="Arial" panose="020B0604020202020204" pitchFamily="34" charset="0"/>
+              <a:buChar char="•"/>
+              <a:defRPr sz="2000" kern="1200">
+                <a:solidFill>
+                  <a:schemeClr val="tx1"/>
+                </a:solidFill>
+                <a:latin typeface="+mn-lt"/>
+                <a:ea typeface="+mn-ea"/>
+                <a:cs typeface="+mn-cs"/>
+              </a:defRPr>
+            </a:lvl3pPr>
+            <a:lvl4pPr marL="1600200" indent="-228600" algn="l" defTabSz="914400" rtl="0" eaLnBrk="1" latinLnBrk="0" hangingPunct="1">
+              <a:lnSpc>
+                <a:spcPct val="90000"/>
+              </a:lnSpc>
+              <a:spcBef>
+                <a:spcPts val="500"/>
+              </a:spcBef>
+              <a:buFont typeface="Arial" panose="020B0604020202020204" pitchFamily="34" charset="0"/>
+              <a:buChar char="•"/>
+              <a:defRPr sz="1800" kern="1200">
+                <a:solidFill>
+                  <a:schemeClr val="tx1"/>
+                </a:solidFill>
+                <a:latin typeface="+mn-lt"/>
+                <a:ea typeface="+mn-ea"/>
+                <a:cs typeface="+mn-cs"/>
+              </a:defRPr>
+            </a:lvl4pPr>
+            <a:lvl5pPr marL="2057400" indent="-228600" algn="l" defTabSz="914400" rtl="0" eaLnBrk="1" latinLnBrk="0" hangingPunct="1">
+              <a:lnSpc>
+                <a:spcPct val="90000"/>
+              </a:lnSpc>
+              <a:spcBef>
+                <a:spcPts val="500"/>
+              </a:spcBef>
+              <a:buFont typeface="Arial" panose="020B0604020202020204" pitchFamily="34" charset="0"/>
+              <a:buChar char="•"/>
+              <a:defRPr sz="1800" kern="1200">
+                <a:solidFill>
+                  <a:schemeClr val="tx1"/>
+                </a:solidFill>
+                <a:latin typeface="+mn-lt"/>
+                <a:ea typeface="+mn-ea"/>
+                <a:cs typeface="+mn-cs"/>
+              </a:defRPr>
+            </a:lvl5pPr>
+            <a:lvl6pPr marL="2514600" indent="-228600" algn="l" defTabSz="914400" rtl="0" eaLnBrk="1" latinLnBrk="0" hangingPunct="1">
+              <a:lnSpc>
+                <a:spcPct val="90000"/>
+              </a:lnSpc>
+              <a:spcBef>
+                <a:spcPts val="500"/>
+              </a:spcBef>
+              <a:buFont typeface="Arial" panose="020B0604020202020204" pitchFamily="34" charset="0"/>
+              <a:buChar char="•"/>
+              <a:defRPr sz="1800" kern="1200">
+                <a:solidFill>
+                  <a:schemeClr val="tx1"/>
+                </a:solidFill>
+                <a:latin typeface="+mn-lt"/>
+                <a:ea typeface="+mn-ea"/>
+                <a:cs typeface="+mn-cs"/>
+              </a:defRPr>
+            </a:lvl6pPr>
+            <a:lvl7pPr marL="2971800" indent="-228600" algn="l" defTabSz="914400" rtl="0" eaLnBrk="1" latinLnBrk="0" hangingPunct="1">
+              <a:lnSpc>
+                <a:spcPct val="90000"/>
+              </a:lnSpc>
+              <a:spcBef>
+                <a:spcPts val="500"/>
+              </a:spcBef>
+              <a:buFont typeface="Arial" panose="020B0604020202020204" pitchFamily="34" charset="0"/>
+              <a:buChar char="•"/>
+              <a:defRPr sz="1800" kern="1200">
+                <a:solidFill>
+                  <a:schemeClr val="tx1"/>
+                </a:solidFill>
+                <a:latin typeface="+mn-lt"/>
+                <a:ea typeface="+mn-ea"/>
+                <a:cs typeface="+mn-cs"/>
+              </a:defRPr>
+            </a:lvl7pPr>
+            <a:lvl8pPr marL="3429000" indent="-228600" algn="l" defTabSz="914400" rtl="0" eaLnBrk="1" latinLnBrk="0" hangingPunct="1">
+              <a:lnSpc>
+                <a:spcPct val="90000"/>
+              </a:lnSpc>
+              <a:spcBef>
+                <a:spcPts val="500"/>
+              </a:spcBef>
+              <a:buFont typeface="Arial" panose="020B0604020202020204" pitchFamily="34" charset="0"/>
+              <a:buChar char="•"/>
+              <a:defRPr sz="1800" kern="1200">
+                <a:solidFill>
+                  <a:schemeClr val="tx1"/>
+                </a:solidFill>
+                <a:latin typeface="+mn-lt"/>
+                <a:ea typeface="+mn-ea"/>
+                <a:cs typeface="+mn-cs"/>
+              </a:defRPr>
+            </a:lvl8pPr>
+            <a:lvl9pPr marL="3886200" indent="-228600" algn="l" defTabSz="914400" rtl="0" eaLnBrk="1" latinLnBrk="0" hangingPunct="1">
+              <a:lnSpc>
+                <a:spcPct val="90000"/>
+              </a:lnSpc>
+              <a:spcBef>
+                <a:spcPts val="500"/>
+              </a:spcBef>
+              <a:buFont typeface="Arial" panose="020B0604020202020204" pitchFamily="34" charset="0"/>
+              <a:buChar char="•"/>
+              <a:defRPr sz="1800" kern="1200">
+                <a:solidFill>
+                  <a:schemeClr val="tx1"/>
+                </a:solidFill>
+                <a:latin typeface="+mn-lt"/>
+                <a:ea typeface="+mn-ea"/>
+                <a:cs typeface="+mn-cs"/>
+              </a:defRPr>
+            </a:lvl9pPr>
+          </a:lstStyle>
+          <a:p>
+            <a:r>
+              <a:rPr lang="es-ES" dirty="0">
+                <a:cs typeface="Calibri"/>
+              </a:rPr>
+              <a:t>FUNCIONAMIENTO</a:t>
+            </a:r>
+            <a:endParaRPr lang="es-ES" dirty="0"/>
+          </a:p>
+        </p:txBody>
+      </p:sp>
+      <p:sp>
+        <p:nvSpPr>
+          <p:cNvPr id="22" name="Marcador de contenido 6">
+            <a:hlinkClick r:id="rId4" action="ppaction://hlinksldjump"/>
+            <a:extLst>
+              <a:ext uri="{FF2B5EF4-FFF2-40B4-BE49-F238E27FC236}">
+                <a16:creationId xmlns:a16="http://schemas.microsoft.com/office/drawing/2014/main" id="{B7C2F746-E774-2736-EAF4-5B45C160D561}"/>
+              </a:ext>
+            </a:extLst>
+          </p:cNvPr>
+          <p:cNvSpPr>
+            <a:spLocks noGrp="1"/>
+          </p:cNvSpPr>
+          <p:nvPr/>
+        </p:nvSpPr>
+        <p:spPr>
+          <a:xfrm>
+            <a:off x="5078620" y="2414197"/>
+            <a:ext cx="3628846" cy="570094"/>
+          </a:xfrm>
+          <a:prstGeom prst="rect">
+            <a:avLst/>
+          </a:prstGeom>
+        </p:spPr>
+        <p:txBody>
+          <a:bodyPr vert="horz" lIns="91440" tIns="45720" rIns="91440" bIns="45720" rtlCol="0" anchor="t">
+            <a:normAutofit/>
+          </a:bodyPr>
+          <a:lstStyle>
+            <a:lvl1pPr marL="228600" indent="-228600" algn="l" defTabSz="914400" rtl="0" eaLnBrk="1" latinLnBrk="0" hangingPunct="1">
+              <a:lnSpc>
+                <a:spcPct val="90000"/>
+              </a:lnSpc>
+              <a:spcBef>
+                <a:spcPts val="1000"/>
+              </a:spcBef>
+              <a:buFont typeface="Arial" panose="020B0604020202020204" pitchFamily="34" charset="0"/>
+              <a:buChar char="•"/>
+              <a:defRPr sz="2800" kern="1200">
+                <a:solidFill>
+                  <a:schemeClr val="tx1"/>
+                </a:solidFill>
+                <a:latin typeface="+mn-lt"/>
+                <a:ea typeface="+mn-ea"/>
+                <a:cs typeface="+mn-cs"/>
+              </a:defRPr>
+            </a:lvl1pPr>
+            <a:lvl2pPr marL="685800" indent="-228600" algn="l" defTabSz="914400" rtl="0" eaLnBrk="1" latinLnBrk="0" hangingPunct="1">
+              <a:lnSpc>
+                <a:spcPct val="90000"/>
+              </a:lnSpc>
+              <a:spcBef>
+                <a:spcPts val="500"/>
+              </a:spcBef>
+              <a:buFont typeface="Arial" panose="020B0604020202020204" pitchFamily="34" charset="0"/>
+              <a:buChar char="•"/>
+              <a:defRPr sz="2400" kern="1200">
+                <a:solidFill>
+                  <a:schemeClr val="tx1"/>
+                </a:solidFill>
+                <a:latin typeface="+mn-lt"/>
+                <a:ea typeface="+mn-ea"/>
+                <a:cs typeface="+mn-cs"/>
+              </a:defRPr>
+            </a:lvl2pPr>
+            <a:lvl3pPr marL="1143000" indent="-228600" algn="l" defTabSz="914400" rtl="0" eaLnBrk="1" latinLnBrk="0" hangingPunct="1">
+              <a:lnSpc>
+                <a:spcPct val="90000"/>
+              </a:lnSpc>
+              <a:spcBef>
+                <a:spcPts val="500"/>
+              </a:spcBef>
+              <a:buFont typeface="Arial" panose="020B0604020202020204" pitchFamily="34" charset="0"/>
+              <a:buChar char="•"/>
+              <a:defRPr sz="2000" kern="1200">
+                <a:solidFill>
+                  <a:schemeClr val="tx1"/>
+                </a:solidFill>
+                <a:latin typeface="+mn-lt"/>
+                <a:ea typeface="+mn-ea"/>
+                <a:cs typeface="+mn-cs"/>
+              </a:defRPr>
+            </a:lvl3pPr>
+            <a:lvl4pPr marL="1600200" indent="-228600" algn="l" defTabSz="914400" rtl="0" eaLnBrk="1" latinLnBrk="0" hangingPunct="1">
+              <a:lnSpc>
+                <a:spcPct val="90000"/>
+              </a:lnSpc>
+              <a:spcBef>
+                <a:spcPts val="500"/>
+              </a:spcBef>
+              <a:buFont typeface="Arial" panose="020B0604020202020204" pitchFamily="34" charset="0"/>
+              <a:buChar char="•"/>
+              <a:defRPr sz="1800" kern="1200">
+                <a:solidFill>
+                  <a:schemeClr val="tx1"/>
+                </a:solidFill>
+                <a:latin typeface="+mn-lt"/>
+                <a:ea typeface="+mn-ea"/>
+                <a:cs typeface="+mn-cs"/>
+              </a:defRPr>
+            </a:lvl4pPr>
+            <a:lvl5pPr marL="2057400" indent="-228600" algn="l" defTabSz="914400" rtl="0" eaLnBrk="1" latinLnBrk="0" hangingPunct="1">
+              <a:lnSpc>
+                <a:spcPct val="90000"/>
+              </a:lnSpc>
+              <a:spcBef>
+                <a:spcPts val="500"/>
+              </a:spcBef>
+              <a:buFont typeface="Arial" panose="020B0604020202020204" pitchFamily="34" charset="0"/>
+              <a:buChar char="•"/>
+              <a:defRPr sz="1800" kern="1200">
+                <a:solidFill>
+                  <a:schemeClr val="tx1"/>
+                </a:solidFill>
+                <a:latin typeface="+mn-lt"/>
+                <a:ea typeface="+mn-ea"/>
+                <a:cs typeface="+mn-cs"/>
+              </a:defRPr>
+            </a:lvl5pPr>
+            <a:lvl6pPr marL="2514600" indent="-228600" algn="l" defTabSz="914400" rtl="0" eaLnBrk="1" latinLnBrk="0" hangingPunct="1">
+              <a:lnSpc>
+                <a:spcPct val="90000"/>
+              </a:lnSpc>
+              <a:spcBef>
+                <a:spcPts val="500"/>
+              </a:spcBef>
+              <a:buFont typeface="Arial" panose="020B0604020202020204" pitchFamily="34" charset="0"/>
+              <a:buChar char="•"/>
+              <a:defRPr sz="1800" kern="1200">
+                <a:solidFill>
+                  <a:schemeClr val="tx1"/>
+                </a:solidFill>
+                <a:latin typeface="+mn-lt"/>
+                <a:ea typeface="+mn-ea"/>
+                <a:cs typeface="+mn-cs"/>
+              </a:defRPr>
+            </a:lvl6pPr>
+            <a:lvl7pPr marL="2971800" indent="-228600" algn="l" defTabSz="914400" rtl="0" eaLnBrk="1" latinLnBrk="0" hangingPunct="1">
+              <a:lnSpc>
+                <a:spcPct val="90000"/>
+              </a:lnSpc>
+              <a:spcBef>
+                <a:spcPts val="500"/>
+              </a:spcBef>
+              <a:buFont typeface="Arial" panose="020B0604020202020204" pitchFamily="34" charset="0"/>
+              <a:buChar char="•"/>
+              <a:defRPr sz="1800" kern="1200">
+                <a:solidFill>
+                  <a:schemeClr val="tx1"/>
+                </a:solidFill>
+                <a:latin typeface="+mn-lt"/>
+                <a:ea typeface="+mn-ea"/>
+                <a:cs typeface="+mn-cs"/>
+              </a:defRPr>
+            </a:lvl7pPr>
+            <a:lvl8pPr marL="3429000" indent="-228600" algn="l" defTabSz="914400" rtl="0" eaLnBrk="1" latinLnBrk="0" hangingPunct="1">
+              <a:lnSpc>
+                <a:spcPct val="90000"/>
+              </a:lnSpc>
+              <a:spcBef>
+                <a:spcPts val="500"/>
+              </a:spcBef>
+              <a:buFont typeface="Arial" panose="020B0604020202020204" pitchFamily="34" charset="0"/>
+              <a:buChar char="•"/>
+              <a:defRPr sz="1800" kern="1200">
+                <a:solidFill>
+                  <a:schemeClr val="tx1"/>
+                </a:solidFill>
+                <a:latin typeface="+mn-lt"/>
+                <a:ea typeface="+mn-ea"/>
+                <a:cs typeface="+mn-cs"/>
+              </a:defRPr>
+            </a:lvl8pPr>
+            <a:lvl9pPr marL="3886200" indent="-228600" algn="l" defTabSz="914400" rtl="0" eaLnBrk="1" latinLnBrk="0" hangingPunct="1">
+              <a:lnSpc>
+                <a:spcPct val="90000"/>
+              </a:lnSpc>
+              <a:spcBef>
+                <a:spcPts val="500"/>
+              </a:spcBef>
+              <a:buFont typeface="Arial" panose="020B0604020202020204" pitchFamily="34" charset="0"/>
+              <a:buChar char="•"/>
+              <a:defRPr sz="1800" kern="1200">
+                <a:solidFill>
+                  <a:schemeClr val="tx1"/>
+                </a:solidFill>
+                <a:latin typeface="+mn-lt"/>
+                <a:ea typeface="+mn-ea"/>
+                <a:cs typeface="+mn-cs"/>
+              </a:defRPr>
+            </a:lvl9pPr>
+          </a:lstStyle>
+          <a:p>
+            <a:r>
+              <a:rPr lang="es-ES" dirty="0">
+                <a:cs typeface="Calibri"/>
+              </a:rPr>
+              <a:t>¿QUÉ ES EL BIG DATA?</a:t>
+            </a:r>
+          </a:p>
+        </p:txBody>
+      </p:sp>
+      <p:sp>
+        <p:nvSpPr>
+          <p:cNvPr id="24" name="Marcador de contenido 6">
+            <a:extLst>
+              <a:ext uri="{FF2B5EF4-FFF2-40B4-BE49-F238E27FC236}">
+                <a16:creationId xmlns:a16="http://schemas.microsoft.com/office/drawing/2014/main" id="{66F25F73-9EC2-2F10-8F63-4E4BC279D6FB}"/>
+              </a:ext>
+            </a:extLst>
+          </p:cNvPr>
+          <p:cNvSpPr>
+            <a:spLocks noGrp="1"/>
+          </p:cNvSpPr>
+          <p:nvPr/>
+        </p:nvSpPr>
+        <p:spPr>
+          <a:xfrm>
+            <a:off x="5078622" y="4010084"/>
+            <a:ext cx="4218317" cy="570094"/>
+          </a:xfrm>
+          <a:prstGeom prst="rect">
+            <a:avLst/>
+          </a:prstGeom>
+        </p:spPr>
+        <p:txBody>
+          <a:bodyPr vert="horz" lIns="91440" tIns="45720" rIns="91440" bIns="45720" rtlCol="0" anchor="t">
+            <a:normAutofit/>
+          </a:bodyPr>
+          <a:lstStyle>
+            <a:lvl1pPr marL="228600" indent="-228600" algn="l" defTabSz="914400" rtl="0" eaLnBrk="1" latinLnBrk="0" hangingPunct="1">
+              <a:lnSpc>
+                <a:spcPct val="90000"/>
+              </a:lnSpc>
+              <a:spcBef>
+                <a:spcPts val="1000"/>
+              </a:spcBef>
+              <a:buFont typeface="Arial" panose="020B0604020202020204" pitchFamily="34" charset="0"/>
+              <a:buChar char="•"/>
+              <a:defRPr sz="2800" kern="1200">
+                <a:solidFill>
+                  <a:schemeClr val="tx1"/>
+                </a:solidFill>
+                <a:latin typeface="+mn-lt"/>
+                <a:ea typeface="+mn-ea"/>
+                <a:cs typeface="+mn-cs"/>
+              </a:defRPr>
+            </a:lvl1pPr>
+            <a:lvl2pPr marL="685800" indent="-228600" algn="l" defTabSz="914400" rtl="0" eaLnBrk="1" latinLnBrk="0" hangingPunct="1">
+              <a:lnSpc>
+                <a:spcPct val="90000"/>
+              </a:lnSpc>
+              <a:spcBef>
+                <a:spcPts val="500"/>
+              </a:spcBef>
+              <a:buFont typeface="Arial" panose="020B0604020202020204" pitchFamily="34" charset="0"/>
+              <a:buChar char="•"/>
+              <a:defRPr sz="2400" kern="1200">
+                <a:solidFill>
+                  <a:schemeClr val="tx1"/>
+                </a:solidFill>
+                <a:latin typeface="+mn-lt"/>
+                <a:ea typeface="+mn-ea"/>
+                <a:cs typeface="+mn-cs"/>
+              </a:defRPr>
+            </a:lvl2pPr>
+            <a:lvl3pPr marL="1143000" indent="-228600" algn="l" defTabSz="914400" rtl="0" eaLnBrk="1" latinLnBrk="0" hangingPunct="1">
+              <a:lnSpc>
+                <a:spcPct val="90000"/>
+              </a:lnSpc>
+              <a:spcBef>
+                <a:spcPts val="500"/>
+              </a:spcBef>
+              <a:buFont typeface="Arial" panose="020B0604020202020204" pitchFamily="34" charset="0"/>
+              <a:buChar char="•"/>
+              <a:defRPr sz="2000" kern="1200">
+                <a:solidFill>
+                  <a:schemeClr val="tx1"/>
+                </a:solidFill>
+                <a:latin typeface="+mn-lt"/>
+                <a:ea typeface="+mn-ea"/>
+                <a:cs typeface="+mn-cs"/>
+              </a:defRPr>
+            </a:lvl3pPr>
+            <a:lvl4pPr marL="1600200" indent="-228600" algn="l" defTabSz="914400" rtl="0" eaLnBrk="1" latinLnBrk="0" hangingPunct="1">
+              <a:lnSpc>
+                <a:spcPct val="90000"/>
+              </a:lnSpc>
+              <a:spcBef>
+                <a:spcPts val="500"/>
+              </a:spcBef>
+              <a:buFont typeface="Arial" panose="020B0604020202020204" pitchFamily="34" charset="0"/>
+              <a:buChar char="•"/>
+              <a:defRPr sz="1800" kern="1200">
+                <a:solidFill>
+                  <a:schemeClr val="tx1"/>
+                </a:solidFill>
+                <a:latin typeface="+mn-lt"/>
+                <a:ea typeface="+mn-ea"/>
+                <a:cs typeface="+mn-cs"/>
+              </a:defRPr>
+            </a:lvl4pPr>
+            <a:lvl5pPr marL="2057400" indent="-228600" algn="l" defTabSz="914400" rtl="0" eaLnBrk="1" latinLnBrk="0" hangingPunct="1">
+              <a:lnSpc>
+                <a:spcPct val="90000"/>
+              </a:lnSpc>
+              <a:spcBef>
+                <a:spcPts val="500"/>
+              </a:spcBef>
+              <a:buFont typeface="Arial" panose="020B0604020202020204" pitchFamily="34" charset="0"/>
+              <a:buChar char="•"/>
+              <a:defRPr sz="1800" kern="1200">
+                <a:solidFill>
+                  <a:schemeClr val="tx1"/>
+                </a:solidFill>
+                <a:latin typeface="+mn-lt"/>
+                <a:ea typeface="+mn-ea"/>
+                <a:cs typeface="+mn-cs"/>
+              </a:defRPr>
+            </a:lvl5pPr>
+            <a:lvl6pPr marL="2514600" indent="-228600" algn="l" defTabSz="914400" rtl="0" eaLnBrk="1" latinLnBrk="0" hangingPunct="1">
+              <a:lnSpc>
+                <a:spcPct val="90000"/>
+              </a:lnSpc>
+              <a:spcBef>
+                <a:spcPts val="500"/>
+              </a:spcBef>
+              <a:buFont typeface="Arial" panose="020B0604020202020204" pitchFamily="34" charset="0"/>
+              <a:buChar char="•"/>
+              <a:defRPr sz="1800" kern="1200">
+                <a:solidFill>
+                  <a:schemeClr val="tx1"/>
+                </a:solidFill>
+                <a:latin typeface="+mn-lt"/>
+                <a:ea typeface="+mn-ea"/>
+                <a:cs typeface="+mn-cs"/>
+              </a:defRPr>
+            </a:lvl6pPr>
+            <a:lvl7pPr marL="2971800" indent="-228600" algn="l" defTabSz="914400" rtl="0" eaLnBrk="1" latinLnBrk="0" hangingPunct="1">
+              <a:lnSpc>
+                <a:spcPct val="90000"/>
+              </a:lnSpc>
+              <a:spcBef>
+                <a:spcPts val="500"/>
+              </a:spcBef>
+              <a:buFont typeface="Arial" panose="020B0604020202020204" pitchFamily="34" charset="0"/>
+              <a:buChar char="•"/>
+              <a:defRPr sz="1800" kern="1200">
+                <a:solidFill>
+                  <a:schemeClr val="tx1"/>
+                </a:solidFill>
+                <a:latin typeface="+mn-lt"/>
+                <a:ea typeface="+mn-ea"/>
+                <a:cs typeface="+mn-cs"/>
+              </a:defRPr>
+            </a:lvl7pPr>
+            <a:lvl8pPr marL="3429000" indent="-228600" algn="l" defTabSz="914400" rtl="0" eaLnBrk="1" latinLnBrk="0" hangingPunct="1">
+              <a:lnSpc>
+                <a:spcPct val="90000"/>
+              </a:lnSpc>
+              <a:spcBef>
+                <a:spcPts val="500"/>
+              </a:spcBef>
+              <a:buFont typeface="Arial" panose="020B0604020202020204" pitchFamily="34" charset="0"/>
+              <a:buChar char="•"/>
+              <a:defRPr sz="1800" kern="1200">
+                <a:solidFill>
+                  <a:schemeClr val="tx1"/>
+                </a:solidFill>
+                <a:latin typeface="+mn-lt"/>
+                <a:ea typeface="+mn-ea"/>
+                <a:cs typeface="+mn-cs"/>
+              </a:defRPr>
+            </a:lvl8pPr>
+            <a:lvl9pPr marL="3886200" indent="-228600" algn="l" defTabSz="914400" rtl="0" eaLnBrk="1" latinLnBrk="0" hangingPunct="1">
+              <a:lnSpc>
+                <a:spcPct val="90000"/>
+              </a:lnSpc>
+              <a:spcBef>
+                <a:spcPts val="500"/>
+              </a:spcBef>
+              <a:buFont typeface="Arial" panose="020B0604020202020204" pitchFamily="34" charset="0"/>
+              <a:buChar char="•"/>
+              <a:defRPr sz="1800" kern="1200">
+                <a:solidFill>
+                  <a:schemeClr val="tx1"/>
+                </a:solidFill>
+                <a:latin typeface="+mn-lt"/>
+                <a:ea typeface="+mn-ea"/>
+                <a:cs typeface="+mn-cs"/>
+              </a:defRPr>
+            </a:lvl9pPr>
+          </a:lstStyle>
+          <a:p>
+            <a:r>
+              <a:rPr lang="es-ES" dirty="0">
+                <a:cs typeface="Calibri"/>
+              </a:rPr>
+              <a:t>BENEFICIOS DEL BIG DATA</a:t>
+            </a:r>
+          </a:p>
+        </p:txBody>
+      </p:sp>
+      <p:sp>
+        <p:nvSpPr>
+          <p:cNvPr id="25" name="Marcador de contenido 6">
+            <a:extLst>
+              <a:ext uri="{FF2B5EF4-FFF2-40B4-BE49-F238E27FC236}">
+                <a16:creationId xmlns:a16="http://schemas.microsoft.com/office/drawing/2014/main" id="{BFED4D29-C50E-6B24-3F8C-1704D1089DD8}"/>
+              </a:ext>
+            </a:extLst>
+          </p:cNvPr>
+          <p:cNvSpPr>
+            <a:spLocks noGrp="1"/>
+          </p:cNvSpPr>
+          <p:nvPr/>
+        </p:nvSpPr>
+        <p:spPr>
+          <a:xfrm>
+            <a:off x="5078622" y="4527669"/>
+            <a:ext cx="3628846" cy="570094"/>
+          </a:xfrm>
+          <a:prstGeom prst="rect">
+            <a:avLst/>
+          </a:prstGeom>
+        </p:spPr>
+        <p:txBody>
+          <a:bodyPr vert="horz" lIns="91440" tIns="45720" rIns="91440" bIns="45720" rtlCol="0" anchor="t">
+            <a:normAutofit/>
+          </a:bodyPr>
+          <a:lstStyle>
+            <a:lvl1pPr marL="228600" indent="-228600" algn="l" defTabSz="914400" rtl="0" eaLnBrk="1" latinLnBrk="0" hangingPunct="1">
+              <a:lnSpc>
+                <a:spcPct val="90000"/>
+              </a:lnSpc>
+              <a:spcBef>
+                <a:spcPts val="1000"/>
+              </a:spcBef>
+              <a:buFont typeface="Arial" panose="020B0604020202020204" pitchFamily="34" charset="0"/>
+              <a:buChar char="•"/>
+              <a:defRPr sz="2800" kern="1200">
+                <a:solidFill>
+                  <a:schemeClr val="tx1"/>
+                </a:solidFill>
+                <a:latin typeface="+mn-lt"/>
+                <a:ea typeface="+mn-ea"/>
+                <a:cs typeface="+mn-cs"/>
+              </a:defRPr>
+            </a:lvl1pPr>
+            <a:lvl2pPr marL="685800" indent="-228600" algn="l" defTabSz="914400" rtl="0" eaLnBrk="1" latinLnBrk="0" hangingPunct="1">
+              <a:lnSpc>
+                <a:spcPct val="90000"/>
+              </a:lnSpc>
+              <a:spcBef>
+                <a:spcPts val="500"/>
+              </a:spcBef>
+              <a:buFont typeface="Arial" panose="020B0604020202020204" pitchFamily="34" charset="0"/>
+              <a:buChar char="•"/>
+              <a:defRPr sz="2400" kern="1200">
+                <a:solidFill>
+                  <a:schemeClr val="tx1"/>
+                </a:solidFill>
+                <a:latin typeface="+mn-lt"/>
+                <a:ea typeface="+mn-ea"/>
+                <a:cs typeface="+mn-cs"/>
+              </a:defRPr>
+            </a:lvl2pPr>
+            <a:lvl3pPr marL="1143000" indent="-228600" algn="l" defTabSz="914400" rtl="0" eaLnBrk="1" latinLnBrk="0" hangingPunct="1">
+              <a:lnSpc>
+                <a:spcPct val="90000"/>
+              </a:lnSpc>
+              <a:spcBef>
+                <a:spcPts val="500"/>
+              </a:spcBef>
+              <a:buFont typeface="Arial" panose="020B0604020202020204" pitchFamily="34" charset="0"/>
+              <a:buChar char="•"/>
+              <a:defRPr sz="2000" kern="1200">
+                <a:solidFill>
+                  <a:schemeClr val="tx1"/>
+                </a:solidFill>
+                <a:latin typeface="+mn-lt"/>
+                <a:ea typeface="+mn-ea"/>
+                <a:cs typeface="+mn-cs"/>
+              </a:defRPr>
+            </a:lvl3pPr>
+            <a:lvl4pPr marL="1600200" indent="-228600" algn="l" defTabSz="914400" rtl="0" eaLnBrk="1" latinLnBrk="0" hangingPunct="1">
+              <a:lnSpc>
+                <a:spcPct val="90000"/>
+              </a:lnSpc>
+              <a:spcBef>
+                <a:spcPts val="500"/>
+              </a:spcBef>
+              <a:buFont typeface="Arial" panose="020B0604020202020204" pitchFamily="34" charset="0"/>
+              <a:buChar char="•"/>
+              <a:defRPr sz="1800" kern="1200">
+                <a:solidFill>
+                  <a:schemeClr val="tx1"/>
+                </a:solidFill>
+                <a:latin typeface="+mn-lt"/>
+                <a:ea typeface="+mn-ea"/>
+                <a:cs typeface="+mn-cs"/>
+              </a:defRPr>
+            </a:lvl4pPr>
+            <a:lvl5pPr marL="2057400" indent="-228600" algn="l" defTabSz="914400" rtl="0" eaLnBrk="1" latinLnBrk="0" hangingPunct="1">
+              <a:lnSpc>
+                <a:spcPct val="90000"/>
+              </a:lnSpc>
+              <a:spcBef>
+                <a:spcPts val="500"/>
+              </a:spcBef>
+              <a:buFont typeface="Arial" panose="020B0604020202020204" pitchFamily="34" charset="0"/>
+              <a:buChar char="•"/>
+              <a:defRPr sz="1800" kern="1200">
+                <a:solidFill>
+                  <a:schemeClr val="tx1"/>
+                </a:solidFill>
+                <a:latin typeface="+mn-lt"/>
+                <a:ea typeface="+mn-ea"/>
+                <a:cs typeface="+mn-cs"/>
+              </a:defRPr>
+            </a:lvl5pPr>
+            <a:lvl6pPr marL="2514600" indent="-228600" algn="l" defTabSz="914400" rtl="0" eaLnBrk="1" latinLnBrk="0" hangingPunct="1">
+              <a:lnSpc>
+                <a:spcPct val="90000"/>
+              </a:lnSpc>
+              <a:spcBef>
+                <a:spcPts val="500"/>
+              </a:spcBef>
+              <a:buFont typeface="Arial" panose="020B0604020202020204" pitchFamily="34" charset="0"/>
+              <a:buChar char="•"/>
+              <a:defRPr sz="1800" kern="1200">
+                <a:solidFill>
+                  <a:schemeClr val="tx1"/>
+                </a:solidFill>
+                <a:latin typeface="+mn-lt"/>
+                <a:ea typeface="+mn-ea"/>
+                <a:cs typeface="+mn-cs"/>
+              </a:defRPr>
+            </a:lvl6pPr>
+            <a:lvl7pPr marL="2971800" indent="-228600" algn="l" defTabSz="914400" rtl="0" eaLnBrk="1" latinLnBrk="0" hangingPunct="1">
+              <a:lnSpc>
+                <a:spcPct val="90000"/>
+              </a:lnSpc>
+              <a:spcBef>
+                <a:spcPts val="500"/>
+              </a:spcBef>
+              <a:buFont typeface="Arial" panose="020B0604020202020204" pitchFamily="34" charset="0"/>
+              <a:buChar char="•"/>
+              <a:defRPr sz="1800" kern="1200">
+                <a:solidFill>
+                  <a:schemeClr val="tx1"/>
+                </a:solidFill>
+                <a:latin typeface="+mn-lt"/>
+                <a:ea typeface="+mn-ea"/>
+                <a:cs typeface="+mn-cs"/>
+              </a:defRPr>
+            </a:lvl7pPr>
+            <a:lvl8pPr marL="3429000" indent="-228600" algn="l" defTabSz="914400" rtl="0" eaLnBrk="1" latinLnBrk="0" hangingPunct="1">
+              <a:lnSpc>
+                <a:spcPct val="90000"/>
+              </a:lnSpc>
+              <a:spcBef>
+                <a:spcPts val="500"/>
+              </a:spcBef>
+              <a:buFont typeface="Arial" panose="020B0604020202020204" pitchFamily="34" charset="0"/>
+              <a:buChar char="•"/>
+              <a:defRPr sz="1800" kern="1200">
+                <a:solidFill>
+                  <a:schemeClr val="tx1"/>
+                </a:solidFill>
+                <a:latin typeface="+mn-lt"/>
+                <a:ea typeface="+mn-ea"/>
+                <a:cs typeface="+mn-cs"/>
+              </a:defRPr>
+            </a:lvl8pPr>
+            <a:lvl9pPr marL="3886200" indent="-228600" algn="l" defTabSz="914400" rtl="0" eaLnBrk="1" latinLnBrk="0" hangingPunct="1">
+              <a:lnSpc>
+                <a:spcPct val="90000"/>
+              </a:lnSpc>
+              <a:spcBef>
+                <a:spcPts val="500"/>
+              </a:spcBef>
+              <a:buFont typeface="Arial" panose="020B0604020202020204" pitchFamily="34" charset="0"/>
+              <a:buChar char="•"/>
+              <a:defRPr sz="1800" kern="1200">
+                <a:solidFill>
+                  <a:schemeClr val="tx1"/>
+                </a:solidFill>
+                <a:latin typeface="+mn-lt"/>
+                <a:ea typeface="+mn-ea"/>
+                <a:cs typeface="+mn-cs"/>
+              </a:defRPr>
+            </a:lvl9pPr>
+          </a:lstStyle>
+          <a:p>
+            <a:r>
+              <a:rPr lang="es-ES" dirty="0">
+                <a:cs typeface="Calibri"/>
+              </a:rPr>
+              <a:t>DESAFIOS</a:t>
+            </a:r>
+          </a:p>
+        </p:txBody>
+      </p:sp>
+      <p:sp>
+        <p:nvSpPr>
+          <p:cNvPr id="26" name="Marcador de contenido 6">
+            <a:extLst>
+              <a:ext uri="{FF2B5EF4-FFF2-40B4-BE49-F238E27FC236}">
+                <a16:creationId xmlns:a16="http://schemas.microsoft.com/office/drawing/2014/main" id="{7C8434F3-8A38-DCBB-AA79-8A5A8F9B6E20}"/>
+              </a:ext>
+            </a:extLst>
+          </p:cNvPr>
+          <p:cNvSpPr>
+            <a:spLocks noGrp="1"/>
+          </p:cNvSpPr>
+          <p:nvPr/>
+        </p:nvSpPr>
+        <p:spPr>
+          <a:xfrm>
+            <a:off x="5078621" y="5246536"/>
+            <a:ext cx="3628846" cy="570094"/>
+          </a:xfrm>
+          <a:prstGeom prst="rect">
+            <a:avLst/>
+          </a:prstGeom>
+        </p:spPr>
+        <p:txBody>
+          <a:bodyPr vert="horz" lIns="91440" tIns="45720" rIns="91440" bIns="45720" rtlCol="0" anchor="t">
+            <a:normAutofit/>
+          </a:bodyPr>
+          <a:lstStyle>
+            <a:lvl1pPr marL="228600" indent="-228600" algn="l" defTabSz="914400" rtl="0" eaLnBrk="1" latinLnBrk="0" hangingPunct="1">
+              <a:lnSpc>
+                <a:spcPct val="90000"/>
+              </a:lnSpc>
+              <a:spcBef>
+                <a:spcPts val="1000"/>
+              </a:spcBef>
+              <a:buFont typeface="Arial" panose="020B0604020202020204" pitchFamily="34" charset="0"/>
+              <a:buChar char="•"/>
+              <a:defRPr sz="2800" kern="1200">
+                <a:solidFill>
+                  <a:schemeClr val="tx1"/>
+                </a:solidFill>
+                <a:latin typeface="+mn-lt"/>
+                <a:ea typeface="+mn-ea"/>
+                <a:cs typeface="+mn-cs"/>
+              </a:defRPr>
+            </a:lvl1pPr>
+            <a:lvl2pPr marL="685800" indent="-228600" algn="l" defTabSz="914400" rtl="0" eaLnBrk="1" latinLnBrk="0" hangingPunct="1">
+              <a:lnSpc>
+                <a:spcPct val="90000"/>
+              </a:lnSpc>
+              <a:spcBef>
+                <a:spcPts val="500"/>
+              </a:spcBef>
+              <a:buFont typeface="Arial" panose="020B0604020202020204" pitchFamily="34" charset="0"/>
+              <a:buChar char="•"/>
+              <a:defRPr sz="2400" kern="1200">
+                <a:solidFill>
+                  <a:schemeClr val="tx1"/>
+                </a:solidFill>
+                <a:latin typeface="+mn-lt"/>
+                <a:ea typeface="+mn-ea"/>
+                <a:cs typeface="+mn-cs"/>
+              </a:defRPr>
+            </a:lvl2pPr>
+            <a:lvl3pPr marL="1143000" indent="-228600" algn="l" defTabSz="914400" rtl="0" eaLnBrk="1" latinLnBrk="0" hangingPunct="1">
+              <a:lnSpc>
+                <a:spcPct val="90000"/>
+              </a:lnSpc>
+              <a:spcBef>
+                <a:spcPts val="500"/>
+              </a:spcBef>
+              <a:buFont typeface="Arial" panose="020B0604020202020204" pitchFamily="34" charset="0"/>
+              <a:buChar char="•"/>
+              <a:defRPr sz="2000" kern="1200">
+                <a:solidFill>
+                  <a:schemeClr val="tx1"/>
+                </a:solidFill>
+                <a:latin typeface="+mn-lt"/>
+                <a:ea typeface="+mn-ea"/>
+                <a:cs typeface="+mn-cs"/>
+              </a:defRPr>
+            </a:lvl3pPr>
+            <a:lvl4pPr marL="1600200" indent="-228600" algn="l" defTabSz="914400" rtl="0" eaLnBrk="1" latinLnBrk="0" hangingPunct="1">
+              <a:lnSpc>
+                <a:spcPct val="90000"/>
+              </a:lnSpc>
+              <a:spcBef>
+                <a:spcPts val="500"/>
+              </a:spcBef>
+              <a:buFont typeface="Arial" panose="020B0604020202020204" pitchFamily="34" charset="0"/>
+              <a:buChar char="•"/>
+              <a:defRPr sz="1800" kern="1200">
+                <a:solidFill>
+                  <a:schemeClr val="tx1"/>
+                </a:solidFill>
+                <a:latin typeface="+mn-lt"/>
+                <a:ea typeface="+mn-ea"/>
+                <a:cs typeface="+mn-cs"/>
+              </a:defRPr>
+            </a:lvl4pPr>
+            <a:lvl5pPr marL="2057400" indent="-228600" algn="l" defTabSz="914400" rtl="0" eaLnBrk="1" latinLnBrk="0" hangingPunct="1">
+              <a:lnSpc>
+                <a:spcPct val="90000"/>
+              </a:lnSpc>
+              <a:spcBef>
+                <a:spcPts val="500"/>
+              </a:spcBef>
+              <a:buFont typeface="Arial" panose="020B0604020202020204" pitchFamily="34" charset="0"/>
+              <a:buChar char="•"/>
+              <a:defRPr sz="1800" kern="1200">
+                <a:solidFill>
+                  <a:schemeClr val="tx1"/>
+                </a:solidFill>
+                <a:latin typeface="+mn-lt"/>
+                <a:ea typeface="+mn-ea"/>
+                <a:cs typeface="+mn-cs"/>
+              </a:defRPr>
+            </a:lvl5pPr>
+            <a:lvl6pPr marL="2514600" indent="-228600" algn="l" defTabSz="914400" rtl="0" eaLnBrk="1" latinLnBrk="0" hangingPunct="1">
+              <a:lnSpc>
+                <a:spcPct val="90000"/>
+              </a:lnSpc>
+              <a:spcBef>
+                <a:spcPts val="500"/>
+              </a:spcBef>
+              <a:buFont typeface="Arial" panose="020B0604020202020204" pitchFamily="34" charset="0"/>
+              <a:buChar char="•"/>
+              <a:defRPr sz="1800" kern="1200">
+                <a:solidFill>
+                  <a:schemeClr val="tx1"/>
+                </a:solidFill>
+                <a:latin typeface="+mn-lt"/>
+                <a:ea typeface="+mn-ea"/>
+                <a:cs typeface="+mn-cs"/>
+              </a:defRPr>
+            </a:lvl6pPr>
+            <a:lvl7pPr marL="2971800" indent="-228600" algn="l" defTabSz="914400" rtl="0" eaLnBrk="1" latinLnBrk="0" hangingPunct="1">
+              <a:lnSpc>
+                <a:spcPct val="90000"/>
+              </a:lnSpc>
+              <a:spcBef>
+                <a:spcPts val="500"/>
+              </a:spcBef>
+              <a:buFont typeface="Arial" panose="020B0604020202020204" pitchFamily="34" charset="0"/>
+              <a:buChar char="•"/>
+              <a:defRPr sz="1800" kern="1200">
+                <a:solidFill>
+                  <a:schemeClr val="tx1"/>
+                </a:solidFill>
+                <a:latin typeface="+mn-lt"/>
+                <a:ea typeface="+mn-ea"/>
+                <a:cs typeface="+mn-cs"/>
+              </a:defRPr>
+            </a:lvl7pPr>
+            <a:lvl8pPr marL="3429000" indent="-228600" algn="l" defTabSz="914400" rtl="0" eaLnBrk="1" latinLnBrk="0" hangingPunct="1">
+              <a:lnSpc>
+                <a:spcPct val="90000"/>
+              </a:lnSpc>
+              <a:spcBef>
+                <a:spcPts val="500"/>
+              </a:spcBef>
+              <a:buFont typeface="Arial" panose="020B0604020202020204" pitchFamily="34" charset="0"/>
+              <a:buChar char="•"/>
+              <a:defRPr sz="1800" kern="1200">
+                <a:solidFill>
+                  <a:schemeClr val="tx1"/>
+                </a:solidFill>
+                <a:latin typeface="+mn-lt"/>
+                <a:ea typeface="+mn-ea"/>
+                <a:cs typeface="+mn-cs"/>
+              </a:defRPr>
+            </a:lvl8pPr>
+            <a:lvl9pPr marL="3886200" indent="-228600" algn="l" defTabSz="914400" rtl="0" eaLnBrk="1" latinLnBrk="0" hangingPunct="1">
+              <a:lnSpc>
+                <a:spcPct val="90000"/>
+              </a:lnSpc>
+              <a:spcBef>
+                <a:spcPts val="500"/>
+              </a:spcBef>
+              <a:buFont typeface="Arial" panose="020B0604020202020204" pitchFamily="34" charset="0"/>
+              <a:buChar char="•"/>
+              <a:defRPr sz="1800" kern="1200">
+                <a:solidFill>
+                  <a:schemeClr val="tx1"/>
+                </a:solidFill>
+                <a:latin typeface="+mn-lt"/>
+                <a:ea typeface="+mn-ea"/>
+                <a:cs typeface="+mn-cs"/>
+              </a:defRPr>
+            </a:lvl9pPr>
+          </a:lstStyle>
+          <a:p>
+            <a:r>
+              <a:rPr lang="es-ES" dirty="0">
+                <a:cs typeface="Calibri"/>
+              </a:rPr>
+              <a:t>MEJORES PRACTICAS</a:t>
+            </a:r>
+            <a:endParaRPr lang="es-ES" dirty="0"/>
+          </a:p>
+        </p:txBody>
+      </p:sp>
+      <p:sp>
+        <p:nvSpPr>
+          <p:cNvPr id="12" name="CuadroTexto 11">
+            <a:extLst>
+              <a:ext uri="{FF2B5EF4-FFF2-40B4-BE49-F238E27FC236}">
+                <a16:creationId xmlns:a16="http://schemas.microsoft.com/office/drawing/2014/main" id="{59EB4599-F4F2-4A57-B6B1-57BB748A7F4B}"/>
+              </a:ext>
+            </a:extLst>
+          </p:cNvPr>
+          <p:cNvSpPr txBox="1"/>
+          <p:nvPr/>
+        </p:nvSpPr>
+        <p:spPr>
+          <a:xfrm>
+            <a:off x="7187780" y="6154549"/>
+            <a:ext cx="6098344" cy="369332"/>
+          </a:xfrm>
+          <a:prstGeom prst="rect">
+            <a:avLst/>
+          </a:prstGeom>
+          <a:noFill/>
+        </p:spPr>
+        <p:txBody>
+          <a:bodyPr wrap="square">
+            <a:spAutoFit/>
+          </a:bodyPr>
+          <a:lstStyle/>
+          <a:p>
+            <a:r>
+              <a:rPr lang="es-ES" dirty="0"/>
+              <a:t> </a:t>
+            </a:r>
+          </a:p>
+        </p:txBody>
+      </p:sp>
+      <p:sp>
+        <p:nvSpPr>
+          <p:cNvPr id="13" name="Título 1">
+            <a:extLst>
+              <a:ext uri="{FF2B5EF4-FFF2-40B4-BE49-F238E27FC236}">
+                <a16:creationId xmlns:a16="http://schemas.microsoft.com/office/drawing/2014/main" id="{35C1D9B5-DA02-41E3-BF4D-64BEF0C2B5F1}"/>
+              </a:ext>
+            </a:extLst>
+          </p:cNvPr>
+          <p:cNvSpPr txBox="1">
+            <a:spLocks/>
+          </p:cNvSpPr>
+          <p:nvPr/>
+        </p:nvSpPr>
+        <p:spPr>
+          <a:xfrm>
+            <a:off x="6893043" y="5816630"/>
+            <a:ext cx="5298957" cy="906733"/>
+          </a:xfrm>
+          <a:prstGeom prst="rect">
+            <a:avLst/>
+          </a:prstGeom>
+        </p:spPr>
+        <p:txBody>
+          <a:bodyPr vert="horz" lIns="91440" tIns="45720" rIns="91440" bIns="45720" rtlCol="0" anchor="b">
+            <a:noAutofit/>
+          </a:bodyPr>
+          <a:lstStyle>
+            <a:lvl1pPr algn="l" defTabSz="914400" rtl="0" eaLnBrk="1" latinLnBrk="0" hangingPunct="1">
+              <a:lnSpc>
+                <a:spcPct val="90000"/>
+              </a:lnSpc>
+              <a:spcBef>
+                <a:spcPct val="0"/>
+              </a:spcBef>
               <a:buNone/>
+              <a:defRPr sz="4400" kern="1200">
+                <a:solidFill>
+                  <a:schemeClr val="tx1"/>
+                </a:solidFill>
+                <a:latin typeface="+mj-lt"/>
+                <a:ea typeface="+mj-ea"/>
+                <a:cs typeface="+mj-cs"/>
+              </a:defRPr>
+            </a:lvl1pPr>
+          </a:lstStyle>
+          <a:p>
+            <a:pPr algn="ctr">
+              <a:spcAft>
+                <a:spcPts val="600"/>
+              </a:spcAft>
             </a:pPr>
             <a:r>
-              <a:rPr lang="es-ES" sz="1700" dirty="0"/>
-              <a:t>EDUARDO MARTÍN-SONSECA </a:t>
-            </a:r>
-          </a:p>
-          <a:p>
-            <a:pPr marL="0" indent="0" algn="ctr">
-              <a:buNone/>
-            </a:pPr>
-            <a:r>
-              <a:rPr lang="es-ES" sz="1700"/>
-              <a:t>LUIS FERNÁNDEZ CASTELO</a:t>
-            </a:r>
-            <a:endParaRPr lang="es-ES" sz="1700">
-              <a:cs typeface="Calibri"/>
+              <a:rPr lang="es-ES" sz="1600" b="1" dirty="0">
+                <a:cs typeface="Calibri Light" panose="020F0302020204030204"/>
+              </a:rPr>
+              <a:t>EDUARDO MARTÍN-SONSECA</a:t>
+            </a:r>
+            <a:br>
+              <a:rPr lang="es-ES" sz="1600" b="1" dirty="0">
+                <a:cs typeface="Calibri Light" panose="020F0302020204030204"/>
+              </a:rPr>
+            </a:br>
+            <a:r>
+              <a:rPr lang="es-ES" sz="1600" b="1" dirty="0">
+                <a:cs typeface="Calibri Light" panose="020F0302020204030204"/>
+              </a:rPr>
+              <a:t>LUIS FERNANDEZ CASTELO</a:t>
+            </a:r>
+            <a:br>
+              <a:rPr lang="es-ES" sz="1600" b="1" dirty="0">
+                <a:cs typeface="Calibri Light" panose="020F0302020204030204"/>
+              </a:rPr>
+            </a:br>
+            <a:r>
+              <a:rPr lang="es-ES" sz="1600" b="1" dirty="0">
+                <a:cs typeface="Calibri Light" panose="020F0302020204030204"/>
+              </a:rPr>
+              <a:t>1º DESARROLLO DE APLICACIONES MULTIPLATAFORMA</a:t>
+            </a:r>
+            <a:endParaRPr lang="es-ES" sz="1600" dirty="0">
+              <a:cs typeface="Calibri Light"/>
             </a:endParaRPr>
-          </a:p>
-          <a:p>
-            <a:pPr marL="0" indent="0" algn="ctr">
-              <a:buNone/>
-            </a:pPr>
-            <a:r>
-              <a:rPr lang="es-ES" sz="1700" dirty="0"/>
-              <a:t>1º DESARROLLO DE APLICACIONES MULTIPLATAFORMA</a:t>
-            </a:r>
           </a:p>
         </p:txBody>
       </p:sp>
     </p:spTree>
     <p:extLst>
       <p:ext uri="{BB962C8B-B14F-4D97-AF65-F5344CB8AC3E}">
-        <p14:creationId xmlns:p14="http://schemas.microsoft.com/office/powerpoint/2010/main" val="1479924629"/>
+        <p14:creationId xmlns:p14="http://schemas.microsoft.com/office/powerpoint/2010/main" val="992274193"/>
+      </p:ext>
+    </p:extLst>
+  </p:cSld>
+  <p:clrMapOvr>
+    <a:masterClrMapping/>
+  </p:clrMapOvr>
+  <p:timing>
+    <p:tnLst>
+      <p:par>
+        <p:cTn id="1" dur="indefinite" restart="never" nodeType="tmRoot">
+          <p:childTnLst>
+            <p:seq concurrent="1" nextAc="seek">
+              <p:cTn id="2" dur="indefinite" nodeType="mainSeq">
+                <p:childTnLst>
+                  <p:par>
+                    <p:cTn id="3" fill="hold">
+                      <p:stCondLst>
+                        <p:cond delay="indefinite"/>
+                      </p:stCondLst>
+                      <p:childTnLst>
+                        <p:par>
+                          <p:cTn id="4" fill="hold">
+                            <p:stCondLst>
+                              <p:cond delay="0"/>
+                            </p:stCondLst>
+                            <p:childTnLst>
+                              <p:par>
+                                <p:cTn id="5" presetID="10" presetClass="entr" presetSubtype="0" fill="hold" grpId="0" nodeType="clickEffect">
+                                  <p:stCondLst>
+                                    <p:cond delay="0"/>
+                                  </p:stCondLst>
+                                  <p:iterate>
+                                    <p:tmPct val="10000"/>
+                                  </p:iterate>
+                                  <p:childTnLst>
+                                    <p:set>
+                                      <p:cBhvr>
+                                        <p:cTn id="6" dur="1" fill="hold">
+                                          <p:stCondLst>
+                                            <p:cond delay="0"/>
+                                          </p:stCondLst>
+                                        </p:cTn>
+                                        <p:tgtEl>
+                                          <p:spTgt spid="2"/>
+                                        </p:tgtEl>
+                                        <p:attrNameLst>
+                                          <p:attrName>style.visibility</p:attrName>
+                                        </p:attrNameLst>
+                                      </p:cBhvr>
+                                      <p:to>
+                                        <p:strVal val="visible"/>
+                                      </p:to>
+                                    </p:set>
+                                    <p:animEffect transition="in" filter="fade">
+                                      <p:cBhvr>
+                                        <p:cTn id="7" dur="700"/>
+                                        <p:tgtEl>
+                                          <p:spTgt spid="2"/>
+                                        </p:tgtEl>
+                                      </p:cBhvr>
+                                    </p:animEffect>
+                                  </p:childTnLst>
+                                </p:cTn>
+                              </p:par>
+                              <p:par>
+                                <p:cTn id="8" presetID="10" presetClass="entr" presetSubtype="0" fill="hold" grpId="0" nodeType="withEffect">
+                                  <p:stCondLst>
+                                    <p:cond delay="0"/>
+                                  </p:stCondLst>
+                                  <p:childTnLst>
+                                    <p:set>
+                                      <p:cBhvr>
+                                        <p:cTn id="9" dur="1" fill="hold">
+                                          <p:stCondLst>
+                                            <p:cond delay="0"/>
+                                          </p:stCondLst>
+                                        </p:cTn>
+                                        <p:tgtEl>
+                                          <p:spTgt spid="13"/>
+                                        </p:tgtEl>
+                                        <p:attrNameLst>
+                                          <p:attrName>style.visibility</p:attrName>
+                                        </p:attrNameLst>
+                                      </p:cBhvr>
+                                      <p:to>
+                                        <p:strVal val="visible"/>
+                                      </p:to>
+                                    </p:set>
+                                    <p:animEffect transition="in" filter="fade">
+                                      <p:cBhvr>
+                                        <p:cTn id="10" dur="2000"/>
+                                        <p:tgtEl>
+                                          <p:spTgt spid="13"/>
+                                        </p:tgtEl>
+                                      </p:cBhvr>
+                                    </p:animEffect>
+                                  </p:childTnLst>
+                                </p:cTn>
+                              </p:par>
+                            </p:childTnLst>
+                          </p:cTn>
+                        </p:par>
+                      </p:childTnLst>
+                    </p:cTn>
+                  </p:par>
+                  <p:par>
+                    <p:cTn id="11" fill="hold">
+                      <p:stCondLst>
+                        <p:cond delay="indefinite"/>
+                      </p:stCondLst>
+                      <p:childTnLst>
+                        <p:par>
+                          <p:cTn id="12" fill="hold">
+                            <p:stCondLst>
+                              <p:cond delay="0"/>
+                            </p:stCondLst>
+                            <p:childTnLst>
+                              <p:par>
+                                <p:cTn id="13" presetID="26" presetClass="entr" presetSubtype="0" fill="hold" grpId="0" nodeType="clickEffect">
+                                  <p:stCondLst>
+                                    <p:cond delay="0"/>
+                                  </p:stCondLst>
+                                  <p:childTnLst>
+                                    <p:set>
+                                      <p:cBhvr>
+                                        <p:cTn id="14" dur="1" fill="hold">
+                                          <p:stCondLst>
+                                            <p:cond delay="0"/>
+                                          </p:stCondLst>
+                                        </p:cTn>
+                                        <p:tgtEl>
+                                          <p:spTgt spid="22"/>
+                                        </p:tgtEl>
+                                        <p:attrNameLst>
+                                          <p:attrName>style.visibility</p:attrName>
+                                        </p:attrNameLst>
+                                      </p:cBhvr>
+                                      <p:to>
+                                        <p:strVal val="visible"/>
+                                      </p:to>
+                                    </p:set>
+                                    <p:animEffect transition="in" filter="wipe(down)">
+                                      <p:cBhvr>
+                                        <p:cTn id="15" dur="580">
+                                          <p:stCondLst>
+                                            <p:cond delay="0"/>
+                                          </p:stCondLst>
+                                        </p:cTn>
+                                        <p:tgtEl>
+                                          <p:spTgt spid="22"/>
+                                        </p:tgtEl>
+                                      </p:cBhvr>
+                                    </p:animEffect>
+                                    <p:anim calcmode="lin" valueType="num">
+                                      <p:cBhvr>
+                                        <p:cTn id="16" dur="1822" tmFilter="0,0; 0.14,0.36; 0.43,0.73; 0.71,0.91; 1.0,1.0">
+                                          <p:stCondLst>
+                                            <p:cond delay="0"/>
+                                          </p:stCondLst>
+                                        </p:cTn>
+                                        <p:tgtEl>
+                                          <p:spTgt spid="22"/>
+                                        </p:tgtEl>
+                                        <p:attrNameLst>
+                                          <p:attrName>ppt_x</p:attrName>
+                                        </p:attrNameLst>
+                                      </p:cBhvr>
+                                      <p:tavLst>
+                                        <p:tav tm="0">
+                                          <p:val>
+                                            <p:strVal val="#ppt_x-0.25"/>
+                                          </p:val>
+                                        </p:tav>
+                                        <p:tav tm="100000">
+                                          <p:val>
+                                            <p:strVal val="#ppt_x"/>
+                                          </p:val>
+                                        </p:tav>
+                                      </p:tavLst>
+                                    </p:anim>
+                                    <p:anim calcmode="lin" valueType="num">
+                                      <p:cBhvr>
+                                        <p:cTn id="17" dur="664" tmFilter="0.0,0.0; 0.25,0.07; 0.50,0.2; 0.75,0.467; 1.0,1.0">
+                                          <p:stCondLst>
+                                            <p:cond delay="0"/>
+                                          </p:stCondLst>
+                                        </p:cTn>
+                                        <p:tgtEl>
+                                          <p:spTgt spid="22"/>
+                                        </p:tgtEl>
+                                        <p:attrNameLst>
+                                          <p:attrName>ppt_y</p:attrName>
+                                        </p:attrNameLst>
+                                      </p:cBhvr>
+                                      <p:tavLst>
+                                        <p:tav tm="0" fmla="#ppt_y-sin(pi*$)/3">
+                                          <p:val>
+                                            <p:fltVal val="0.5"/>
+                                          </p:val>
+                                        </p:tav>
+                                        <p:tav tm="100000">
+                                          <p:val>
+                                            <p:fltVal val="1"/>
+                                          </p:val>
+                                        </p:tav>
+                                      </p:tavLst>
+                                    </p:anim>
+                                    <p:anim calcmode="lin" valueType="num">
+                                      <p:cBhvr>
+                                        <p:cTn id="18" dur="664" tmFilter="0, 0; 0.125,0.2665; 0.25,0.4; 0.375,0.465; 0.5,0.5;  0.625,0.535; 0.75,0.6; 0.875,0.7335; 1,1">
+                                          <p:stCondLst>
+                                            <p:cond delay="664"/>
+                                          </p:stCondLst>
+                                        </p:cTn>
+                                        <p:tgtEl>
+                                          <p:spTgt spid="22"/>
+                                        </p:tgtEl>
+                                        <p:attrNameLst>
+                                          <p:attrName>ppt_y</p:attrName>
+                                        </p:attrNameLst>
+                                      </p:cBhvr>
+                                      <p:tavLst>
+                                        <p:tav tm="0" fmla="#ppt_y-sin(pi*$)/9">
+                                          <p:val>
+                                            <p:fltVal val="0"/>
+                                          </p:val>
+                                        </p:tav>
+                                        <p:tav tm="100000">
+                                          <p:val>
+                                            <p:fltVal val="1"/>
+                                          </p:val>
+                                        </p:tav>
+                                      </p:tavLst>
+                                    </p:anim>
+                                    <p:anim calcmode="lin" valueType="num">
+                                      <p:cBhvr>
+                                        <p:cTn id="19" dur="332" tmFilter="0, 0; 0.125,0.2665; 0.25,0.4; 0.375,0.465; 0.5,0.5;  0.625,0.535; 0.75,0.6; 0.875,0.7335; 1,1">
+                                          <p:stCondLst>
+                                            <p:cond delay="1324"/>
+                                          </p:stCondLst>
+                                        </p:cTn>
+                                        <p:tgtEl>
+                                          <p:spTgt spid="22"/>
+                                        </p:tgtEl>
+                                        <p:attrNameLst>
+                                          <p:attrName>ppt_y</p:attrName>
+                                        </p:attrNameLst>
+                                      </p:cBhvr>
+                                      <p:tavLst>
+                                        <p:tav tm="0" fmla="#ppt_y-sin(pi*$)/27">
+                                          <p:val>
+                                            <p:fltVal val="0"/>
+                                          </p:val>
+                                        </p:tav>
+                                        <p:tav tm="100000">
+                                          <p:val>
+                                            <p:fltVal val="1"/>
+                                          </p:val>
+                                        </p:tav>
+                                      </p:tavLst>
+                                    </p:anim>
+                                    <p:anim calcmode="lin" valueType="num">
+                                      <p:cBhvr>
+                                        <p:cTn id="20" dur="164" tmFilter="0, 0; 0.125,0.2665; 0.25,0.4; 0.375,0.465; 0.5,0.5;  0.625,0.535; 0.75,0.6; 0.875,0.7335; 1,1">
+                                          <p:stCondLst>
+                                            <p:cond delay="1656"/>
+                                          </p:stCondLst>
+                                        </p:cTn>
+                                        <p:tgtEl>
+                                          <p:spTgt spid="22"/>
+                                        </p:tgtEl>
+                                        <p:attrNameLst>
+                                          <p:attrName>ppt_y</p:attrName>
+                                        </p:attrNameLst>
+                                      </p:cBhvr>
+                                      <p:tavLst>
+                                        <p:tav tm="0" fmla="#ppt_y-sin(pi*$)/81">
+                                          <p:val>
+                                            <p:fltVal val="0"/>
+                                          </p:val>
+                                        </p:tav>
+                                        <p:tav tm="100000">
+                                          <p:val>
+                                            <p:fltVal val="1"/>
+                                          </p:val>
+                                        </p:tav>
+                                      </p:tavLst>
+                                    </p:anim>
+                                    <p:animScale>
+                                      <p:cBhvr>
+                                        <p:cTn id="21" dur="26">
+                                          <p:stCondLst>
+                                            <p:cond delay="650"/>
+                                          </p:stCondLst>
+                                        </p:cTn>
+                                        <p:tgtEl>
+                                          <p:spTgt spid="22"/>
+                                        </p:tgtEl>
+                                      </p:cBhvr>
+                                      <p:to x="100000" y="60000"/>
+                                    </p:animScale>
+                                    <p:animScale>
+                                      <p:cBhvr>
+                                        <p:cTn id="22" dur="166" decel="50000">
+                                          <p:stCondLst>
+                                            <p:cond delay="676"/>
+                                          </p:stCondLst>
+                                        </p:cTn>
+                                        <p:tgtEl>
+                                          <p:spTgt spid="22"/>
+                                        </p:tgtEl>
+                                      </p:cBhvr>
+                                      <p:to x="100000" y="100000"/>
+                                    </p:animScale>
+                                    <p:animScale>
+                                      <p:cBhvr>
+                                        <p:cTn id="23" dur="26">
+                                          <p:stCondLst>
+                                            <p:cond delay="1312"/>
+                                          </p:stCondLst>
+                                        </p:cTn>
+                                        <p:tgtEl>
+                                          <p:spTgt spid="22"/>
+                                        </p:tgtEl>
+                                      </p:cBhvr>
+                                      <p:to x="100000" y="80000"/>
+                                    </p:animScale>
+                                    <p:animScale>
+                                      <p:cBhvr>
+                                        <p:cTn id="24" dur="166" decel="50000">
+                                          <p:stCondLst>
+                                            <p:cond delay="1338"/>
+                                          </p:stCondLst>
+                                        </p:cTn>
+                                        <p:tgtEl>
+                                          <p:spTgt spid="22"/>
+                                        </p:tgtEl>
+                                      </p:cBhvr>
+                                      <p:to x="100000" y="100000"/>
+                                    </p:animScale>
+                                    <p:animScale>
+                                      <p:cBhvr>
+                                        <p:cTn id="25" dur="26">
+                                          <p:stCondLst>
+                                            <p:cond delay="1642"/>
+                                          </p:stCondLst>
+                                        </p:cTn>
+                                        <p:tgtEl>
+                                          <p:spTgt spid="22"/>
+                                        </p:tgtEl>
+                                      </p:cBhvr>
+                                      <p:to x="100000" y="90000"/>
+                                    </p:animScale>
+                                    <p:animScale>
+                                      <p:cBhvr>
+                                        <p:cTn id="26" dur="166" decel="50000">
+                                          <p:stCondLst>
+                                            <p:cond delay="1668"/>
+                                          </p:stCondLst>
+                                        </p:cTn>
+                                        <p:tgtEl>
+                                          <p:spTgt spid="22"/>
+                                        </p:tgtEl>
+                                      </p:cBhvr>
+                                      <p:to x="100000" y="100000"/>
+                                    </p:animScale>
+                                    <p:animScale>
+                                      <p:cBhvr>
+                                        <p:cTn id="27" dur="26">
+                                          <p:stCondLst>
+                                            <p:cond delay="1808"/>
+                                          </p:stCondLst>
+                                        </p:cTn>
+                                        <p:tgtEl>
+                                          <p:spTgt spid="22"/>
+                                        </p:tgtEl>
+                                      </p:cBhvr>
+                                      <p:to x="100000" y="95000"/>
+                                    </p:animScale>
+                                    <p:animScale>
+                                      <p:cBhvr>
+                                        <p:cTn id="28" dur="166" decel="50000">
+                                          <p:stCondLst>
+                                            <p:cond delay="1834"/>
+                                          </p:stCondLst>
+                                        </p:cTn>
+                                        <p:tgtEl>
+                                          <p:spTgt spid="22"/>
+                                        </p:tgtEl>
+                                      </p:cBhvr>
+                                      <p:to x="100000" y="100000"/>
+                                    </p:animScale>
+                                  </p:childTnLst>
+                                </p:cTn>
+                              </p:par>
+                            </p:childTnLst>
+                          </p:cTn>
+                        </p:par>
+                      </p:childTnLst>
+                    </p:cTn>
+                  </p:par>
+                  <p:par>
+                    <p:cTn id="29" fill="hold">
+                      <p:stCondLst>
+                        <p:cond delay="indefinite"/>
+                      </p:stCondLst>
+                      <p:childTnLst>
+                        <p:par>
+                          <p:cTn id="30" fill="hold">
+                            <p:stCondLst>
+                              <p:cond delay="0"/>
+                            </p:stCondLst>
+                            <p:childTnLst>
+                              <p:par>
+                                <p:cTn id="31" presetID="26" presetClass="entr" presetSubtype="0" fill="hold" grpId="0" nodeType="clickEffect">
+                                  <p:stCondLst>
+                                    <p:cond delay="0"/>
+                                  </p:stCondLst>
+                                  <p:childTnLst>
+                                    <p:set>
+                                      <p:cBhvr>
+                                        <p:cTn id="32" dur="1" fill="hold">
+                                          <p:stCondLst>
+                                            <p:cond delay="0"/>
+                                          </p:stCondLst>
+                                        </p:cTn>
+                                        <p:tgtEl>
+                                          <p:spTgt spid="20"/>
+                                        </p:tgtEl>
+                                        <p:attrNameLst>
+                                          <p:attrName>style.visibility</p:attrName>
+                                        </p:attrNameLst>
+                                      </p:cBhvr>
+                                      <p:to>
+                                        <p:strVal val="visible"/>
+                                      </p:to>
+                                    </p:set>
+                                    <p:animEffect transition="in" filter="wipe(down)">
+                                      <p:cBhvr>
+                                        <p:cTn id="33" dur="580">
+                                          <p:stCondLst>
+                                            <p:cond delay="0"/>
+                                          </p:stCondLst>
+                                        </p:cTn>
+                                        <p:tgtEl>
+                                          <p:spTgt spid="20"/>
+                                        </p:tgtEl>
+                                      </p:cBhvr>
+                                    </p:animEffect>
+                                    <p:anim calcmode="lin" valueType="num">
+                                      <p:cBhvr>
+                                        <p:cTn id="34" dur="1822" tmFilter="0,0; 0.14,0.36; 0.43,0.73; 0.71,0.91; 1.0,1.0">
+                                          <p:stCondLst>
+                                            <p:cond delay="0"/>
+                                          </p:stCondLst>
+                                        </p:cTn>
+                                        <p:tgtEl>
+                                          <p:spTgt spid="20"/>
+                                        </p:tgtEl>
+                                        <p:attrNameLst>
+                                          <p:attrName>ppt_x</p:attrName>
+                                        </p:attrNameLst>
+                                      </p:cBhvr>
+                                      <p:tavLst>
+                                        <p:tav tm="0">
+                                          <p:val>
+                                            <p:strVal val="#ppt_x-0.25"/>
+                                          </p:val>
+                                        </p:tav>
+                                        <p:tav tm="100000">
+                                          <p:val>
+                                            <p:strVal val="#ppt_x"/>
+                                          </p:val>
+                                        </p:tav>
+                                      </p:tavLst>
+                                    </p:anim>
+                                    <p:anim calcmode="lin" valueType="num">
+                                      <p:cBhvr>
+                                        <p:cTn id="35" dur="664" tmFilter="0.0,0.0; 0.25,0.07; 0.50,0.2; 0.75,0.467; 1.0,1.0">
+                                          <p:stCondLst>
+                                            <p:cond delay="0"/>
+                                          </p:stCondLst>
+                                        </p:cTn>
+                                        <p:tgtEl>
+                                          <p:spTgt spid="20"/>
+                                        </p:tgtEl>
+                                        <p:attrNameLst>
+                                          <p:attrName>ppt_y</p:attrName>
+                                        </p:attrNameLst>
+                                      </p:cBhvr>
+                                      <p:tavLst>
+                                        <p:tav tm="0" fmla="#ppt_y-sin(pi*$)/3">
+                                          <p:val>
+                                            <p:fltVal val="0.5"/>
+                                          </p:val>
+                                        </p:tav>
+                                        <p:tav tm="100000">
+                                          <p:val>
+                                            <p:fltVal val="1"/>
+                                          </p:val>
+                                        </p:tav>
+                                      </p:tavLst>
+                                    </p:anim>
+                                    <p:anim calcmode="lin" valueType="num">
+                                      <p:cBhvr>
+                                        <p:cTn id="36" dur="664" tmFilter="0, 0; 0.125,0.2665; 0.25,0.4; 0.375,0.465; 0.5,0.5;  0.625,0.535; 0.75,0.6; 0.875,0.7335; 1,1">
+                                          <p:stCondLst>
+                                            <p:cond delay="664"/>
+                                          </p:stCondLst>
+                                        </p:cTn>
+                                        <p:tgtEl>
+                                          <p:spTgt spid="20"/>
+                                        </p:tgtEl>
+                                        <p:attrNameLst>
+                                          <p:attrName>ppt_y</p:attrName>
+                                        </p:attrNameLst>
+                                      </p:cBhvr>
+                                      <p:tavLst>
+                                        <p:tav tm="0" fmla="#ppt_y-sin(pi*$)/9">
+                                          <p:val>
+                                            <p:fltVal val="0"/>
+                                          </p:val>
+                                        </p:tav>
+                                        <p:tav tm="100000">
+                                          <p:val>
+                                            <p:fltVal val="1"/>
+                                          </p:val>
+                                        </p:tav>
+                                      </p:tavLst>
+                                    </p:anim>
+                                    <p:anim calcmode="lin" valueType="num">
+                                      <p:cBhvr>
+                                        <p:cTn id="37" dur="332" tmFilter="0, 0; 0.125,0.2665; 0.25,0.4; 0.375,0.465; 0.5,0.5;  0.625,0.535; 0.75,0.6; 0.875,0.7335; 1,1">
+                                          <p:stCondLst>
+                                            <p:cond delay="1324"/>
+                                          </p:stCondLst>
+                                        </p:cTn>
+                                        <p:tgtEl>
+                                          <p:spTgt spid="20"/>
+                                        </p:tgtEl>
+                                        <p:attrNameLst>
+                                          <p:attrName>ppt_y</p:attrName>
+                                        </p:attrNameLst>
+                                      </p:cBhvr>
+                                      <p:tavLst>
+                                        <p:tav tm="0" fmla="#ppt_y-sin(pi*$)/27">
+                                          <p:val>
+                                            <p:fltVal val="0"/>
+                                          </p:val>
+                                        </p:tav>
+                                        <p:tav tm="100000">
+                                          <p:val>
+                                            <p:fltVal val="1"/>
+                                          </p:val>
+                                        </p:tav>
+                                      </p:tavLst>
+                                    </p:anim>
+                                    <p:anim calcmode="lin" valueType="num">
+                                      <p:cBhvr>
+                                        <p:cTn id="38" dur="164" tmFilter="0, 0; 0.125,0.2665; 0.25,0.4; 0.375,0.465; 0.5,0.5;  0.625,0.535; 0.75,0.6; 0.875,0.7335; 1,1">
+                                          <p:stCondLst>
+                                            <p:cond delay="1656"/>
+                                          </p:stCondLst>
+                                        </p:cTn>
+                                        <p:tgtEl>
+                                          <p:spTgt spid="20"/>
+                                        </p:tgtEl>
+                                        <p:attrNameLst>
+                                          <p:attrName>ppt_y</p:attrName>
+                                        </p:attrNameLst>
+                                      </p:cBhvr>
+                                      <p:tavLst>
+                                        <p:tav tm="0" fmla="#ppt_y-sin(pi*$)/81">
+                                          <p:val>
+                                            <p:fltVal val="0"/>
+                                          </p:val>
+                                        </p:tav>
+                                        <p:tav tm="100000">
+                                          <p:val>
+                                            <p:fltVal val="1"/>
+                                          </p:val>
+                                        </p:tav>
+                                      </p:tavLst>
+                                    </p:anim>
+                                    <p:animScale>
+                                      <p:cBhvr>
+                                        <p:cTn id="39" dur="26">
+                                          <p:stCondLst>
+                                            <p:cond delay="650"/>
+                                          </p:stCondLst>
+                                        </p:cTn>
+                                        <p:tgtEl>
+                                          <p:spTgt spid="20"/>
+                                        </p:tgtEl>
+                                      </p:cBhvr>
+                                      <p:to x="100000" y="60000"/>
+                                    </p:animScale>
+                                    <p:animScale>
+                                      <p:cBhvr>
+                                        <p:cTn id="40" dur="166" decel="50000">
+                                          <p:stCondLst>
+                                            <p:cond delay="676"/>
+                                          </p:stCondLst>
+                                        </p:cTn>
+                                        <p:tgtEl>
+                                          <p:spTgt spid="20"/>
+                                        </p:tgtEl>
+                                      </p:cBhvr>
+                                      <p:to x="100000" y="100000"/>
+                                    </p:animScale>
+                                    <p:animScale>
+                                      <p:cBhvr>
+                                        <p:cTn id="41" dur="26">
+                                          <p:stCondLst>
+                                            <p:cond delay="1312"/>
+                                          </p:stCondLst>
+                                        </p:cTn>
+                                        <p:tgtEl>
+                                          <p:spTgt spid="20"/>
+                                        </p:tgtEl>
+                                      </p:cBhvr>
+                                      <p:to x="100000" y="80000"/>
+                                    </p:animScale>
+                                    <p:animScale>
+                                      <p:cBhvr>
+                                        <p:cTn id="42" dur="166" decel="50000">
+                                          <p:stCondLst>
+                                            <p:cond delay="1338"/>
+                                          </p:stCondLst>
+                                        </p:cTn>
+                                        <p:tgtEl>
+                                          <p:spTgt spid="20"/>
+                                        </p:tgtEl>
+                                      </p:cBhvr>
+                                      <p:to x="100000" y="100000"/>
+                                    </p:animScale>
+                                    <p:animScale>
+                                      <p:cBhvr>
+                                        <p:cTn id="43" dur="26">
+                                          <p:stCondLst>
+                                            <p:cond delay="1642"/>
+                                          </p:stCondLst>
+                                        </p:cTn>
+                                        <p:tgtEl>
+                                          <p:spTgt spid="20"/>
+                                        </p:tgtEl>
+                                      </p:cBhvr>
+                                      <p:to x="100000" y="90000"/>
+                                    </p:animScale>
+                                    <p:animScale>
+                                      <p:cBhvr>
+                                        <p:cTn id="44" dur="166" decel="50000">
+                                          <p:stCondLst>
+                                            <p:cond delay="1668"/>
+                                          </p:stCondLst>
+                                        </p:cTn>
+                                        <p:tgtEl>
+                                          <p:spTgt spid="20"/>
+                                        </p:tgtEl>
+                                      </p:cBhvr>
+                                      <p:to x="100000" y="100000"/>
+                                    </p:animScale>
+                                    <p:animScale>
+                                      <p:cBhvr>
+                                        <p:cTn id="45" dur="26">
+                                          <p:stCondLst>
+                                            <p:cond delay="1808"/>
+                                          </p:stCondLst>
+                                        </p:cTn>
+                                        <p:tgtEl>
+                                          <p:spTgt spid="20"/>
+                                        </p:tgtEl>
+                                      </p:cBhvr>
+                                      <p:to x="100000" y="95000"/>
+                                    </p:animScale>
+                                    <p:animScale>
+                                      <p:cBhvr>
+                                        <p:cTn id="46" dur="166" decel="50000">
+                                          <p:stCondLst>
+                                            <p:cond delay="1834"/>
+                                          </p:stCondLst>
+                                        </p:cTn>
+                                        <p:tgtEl>
+                                          <p:spTgt spid="20"/>
+                                        </p:tgtEl>
+                                      </p:cBhvr>
+                                      <p:to x="100000" y="100000"/>
+                                    </p:animScale>
+                                  </p:childTnLst>
+                                </p:cTn>
+                              </p:par>
+                            </p:childTnLst>
+                          </p:cTn>
+                        </p:par>
+                      </p:childTnLst>
+                    </p:cTn>
+                  </p:par>
+                  <p:par>
+                    <p:cTn id="47" fill="hold">
+                      <p:stCondLst>
+                        <p:cond delay="indefinite"/>
+                      </p:stCondLst>
+                      <p:childTnLst>
+                        <p:par>
+                          <p:cTn id="48" fill="hold">
+                            <p:stCondLst>
+                              <p:cond delay="0"/>
+                            </p:stCondLst>
+                            <p:childTnLst>
+                              <p:par>
+                                <p:cTn id="49" presetID="26" presetClass="entr" presetSubtype="0" fill="hold" grpId="0" nodeType="clickEffect">
+                                  <p:stCondLst>
+                                    <p:cond delay="0"/>
+                                  </p:stCondLst>
+                                  <p:childTnLst>
+                                    <p:set>
+                                      <p:cBhvr>
+                                        <p:cTn id="50" dur="1" fill="hold">
+                                          <p:stCondLst>
+                                            <p:cond delay="0"/>
+                                          </p:stCondLst>
+                                        </p:cTn>
+                                        <p:tgtEl>
+                                          <p:spTgt spid="21"/>
+                                        </p:tgtEl>
+                                        <p:attrNameLst>
+                                          <p:attrName>style.visibility</p:attrName>
+                                        </p:attrNameLst>
+                                      </p:cBhvr>
+                                      <p:to>
+                                        <p:strVal val="visible"/>
+                                      </p:to>
+                                    </p:set>
+                                    <p:animEffect transition="in" filter="wipe(down)">
+                                      <p:cBhvr>
+                                        <p:cTn id="51" dur="580">
+                                          <p:stCondLst>
+                                            <p:cond delay="0"/>
+                                          </p:stCondLst>
+                                        </p:cTn>
+                                        <p:tgtEl>
+                                          <p:spTgt spid="21"/>
+                                        </p:tgtEl>
+                                      </p:cBhvr>
+                                    </p:animEffect>
+                                    <p:anim calcmode="lin" valueType="num">
+                                      <p:cBhvr>
+                                        <p:cTn id="52" dur="1822" tmFilter="0,0; 0.14,0.36; 0.43,0.73; 0.71,0.91; 1.0,1.0">
+                                          <p:stCondLst>
+                                            <p:cond delay="0"/>
+                                          </p:stCondLst>
+                                        </p:cTn>
+                                        <p:tgtEl>
+                                          <p:spTgt spid="21"/>
+                                        </p:tgtEl>
+                                        <p:attrNameLst>
+                                          <p:attrName>ppt_x</p:attrName>
+                                        </p:attrNameLst>
+                                      </p:cBhvr>
+                                      <p:tavLst>
+                                        <p:tav tm="0">
+                                          <p:val>
+                                            <p:strVal val="#ppt_x-0.25"/>
+                                          </p:val>
+                                        </p:tav>
+                                        <p:tav tm="100000">
+                                          <p:val>
+                                            <p:strVal val="#ppt_x"/>
+                                          </p:val>
+                                        </p:tav>
+                                      </p:tavLst>
+                                    </p:anim>
+                                    <p:anim calcmode="lin" valueType="num">
+                                      <p:cBhvr>
+                                        <p:cTn id="53" dur="664" tmFilter="0.0,0.0; 0.25,0.07; 0.50,0.2; 0.75,0.467; 1.0,1.0">
+                                          <p:stCondLst>
+                                            <p:cond delay="0"/>
+                                          </p:stCondLst>
+                                        </p:cTn>
+                                        <p:tgtEl>
+                                          <p:spTgt spid="21"/>
+                                        </p:tgtEl>
+                                        <p:attrNameLst>
+                                          <p:attrName>ppt_y</p:attrName>
+                                        </p:attrNameLst>
+                                      </p:cBhvr>
+                                      <p:tavLst>
+                                        <p:tav tm="0" fmla="#ppt_y-sin(pi*$)/3">
+                                          <p:val>
+                                            <p:fltVal val="0.5"/>
+                                          </p:val>
+                                        </p:tav>
+                                        <p:tav tm="100000">
+                                          <p:val>
+                                            <p:fltVal val="1"/>
+                                          </p:val>
+                                        </p:tav>
+                                      </p:tavLst>
+                                    </p:anim>
+                                    <p:anim calcmode="lin" valueType="num">
+                                      <p:cBhvr>
+                                        <p:cTn id="54" dur="664" tmFilter="0, 0; 0.125,0.2665; 0.25,0.4; 0.375,0.465; 0.5,0.5;  0.625,0.535; 0.75,0.6; 0.875,0.7335; 1,1">
+                                          <p:stCondLst>
+                                            <p:cond delay="664"/>
+                                          </p:stCondLst>
+                                        </p:cTn>
+                                        <p:tgtEl>
+                                          <p:spTgt spid="21"/>
+                                        </p:tgtEl>
+                                        <p:attrNameLst>
+                                          <p:attrName>ppt_y</p:attrName>
+                                        </p:attrNameLst>
+                                      </p:cBhvr>
+                                      <p:tavLst>
+                                        <p:tav tm="0" fmla="#ppt_y-sin(pi*$)/9">
+                                          <p:val>
+                                            <p:fltVal val="0"/>
+                                          </p:val>
+                                        </p:tav>
+                                        <p:tav tm="100000">
+                                          <p:val>
+                                            <p:fltVal val="1"/>
+                                          </p:val>
+                                        </p:tav>
+                                      </p:tavLst>
+                                    </p:anim>
+                                    <p:anim calcmode="lin" valueType="num">
+                                      <p:cBhvr>
+                                        <p:cTn id="55" dur="332" tmFilter="0, 0; 0.125,0.2665; 0.25,0.4; 0.375,0.465; 0.5,0.5;  0.625,0.535; 0.75,0.6; 0.875,0.7335; 1,1">
+                                          <p:stCondLst>
+                                            <p:cond delay="1324"/>
+                                          </p:stCondLst>
+                                        </p:cTn>
+                                        <p:tgtEl>
+                                          <p:spTgt spid="21"/>
+                                        </p:tgtEl>
+                                        <p:attrNameLst>
+                                          <p:attrName>ppt_y</p:attrName>
+                                        </p:attrNameLst>
+                                      </p:cBhvr>
+                                      <p:tavLst>
+                                        <p:tav tm="0" fmla="#ppt_y-sin(pi*$)/27">
+                                          <p:val>
+                                            <p:fltVal val="0"/>
+                                          </p:val>
+                                        </p:tav>
+                                        <p:tav tm="100000">
+                                          <p:val>
+                                            <p:fltVal val="1"/>
+                                          </p:val>
+                                        </p:tav>
+                                      </p:tavLst>
+                                    </p:anim>
+                                    <p:anim calcmode="lin" valueType="num">
+                                      <p:cBhvr>
+                                        <p:cTn id="56" dur="164" tmFilter="0, 0; 0.125,0.2665; 0.25,0.4; 0.375,0.465; 0.5,0.5;  0.625,0.535; 0.75,0.6; 0.875,0.7335; 1,1">
+                                          <p:stCondLst>
+                                            <p:cond delay="1656"/>
+                                          </p:stCondLst>
+                                        </p:cTn>
+                                        <p:tgtEl>
+                                          <p:spTgt spid="21"/>
+                                        </p:tgtEl>
+                                        <p:attrNameLst>
+                                          <p:attrName>ppt_y</p:attrName>
+                                        </p:attrNameLst>
+                                      </p:cBhvr>
+                                      <p:tavLst>
+                                        <p:tav tm="0" fmla="#ppt_y-sin(pi*$)/81">
+                                          <p:val>
+                                            <p:fltVal val="0"/>
+                                          </p:val>
+                                        </p:tav>
+                                        <p:tav tm="100000">
+                                          <p:val>
+                                            <p:fltVal val="1"/>
+                                          </p:val>
+                                        </p:tav>
+                                      </p:tavLst>
+                                    </p:anim>
+                                    <p:animScale>
+                                      <p:cBhvr>
+                                        <p:cTn id="57" dur="26">
+                                          <p:stCondLst>
+                                            <p:cond delay="650"/>
+                                          </p:stCondLst>
+                                        </p:cTn>
+                                        <p:tgtEl>
+                                          <p:spTgt spid="21"/>
+                                        </p:tgtEl>
+                                      </p:cBhvr>
+                                      <p:to x="100000" y="60000"/>
+                                    </p:animScale>
+                                    <p:animScale>
+                                      <p:cBhvr>
+                                        <p:cTn id="58" dur="166" decel="50000">
+                                          <p:stCondLst>
+                                            <p:cond delay="676"/>
+                                          </p:stCondLst>
+                                        </p:cTn>
+                                        <p:tgtEl>
+                                          <p:spTgt spid="21"/>
+                                        </p:tgtEl>
+                                      </p:cBhvr>
+                                      <p:to x="100000" y="100000"/>
+                                    </p:animScale>
+                                    <p:animScale>
+                                      <p:cBhvr>
+                                        <p:cTn id="59" dur="26">
+                                          <p:stCondLst>
+                                            <p:cond delay="1312"/>
+                                          </p:stCondLst>
+                                        </p:cTn>
+                                        <p:tgtEl>
+                                          <p:spTgt spid="21"/>
+                                        </p:tgtEl>
+                                      </p:cBhvr>
+                                      <p:to x="100000" y="80000"/>
+                                    </p:animScale>
+                                    <p:animScale>
+                                      <p:cBhvr>
+                                        <p:cTn id="60" dur="166" decel="50000">
+                                          <p:stCondLst>
+                                            <p:cond delay="1338"/>
+                                          </p:stCondLst>
+                                        </p:cTn>
+                                        <p:tgtEl>
+                                          <p:spTgt spid="21"/>
+                                        </p:tgtEl>
+                                      </p:cBhvr>
+                                      <p:to x="100000" y="100000"/>
+                                    </p:animScale>
+                                    <p:animScale>
+                                      <p:cBhvr>
+                                        <p:cTn id="61" dur="26">
+                                          <p:stCondLst>
+                                            <p:cond delay="1642"/>
+                                          </p:stCondLst>
+                                        </p:cTn>
+                                        <p:tgtEl>
+                                          <p:spTgt spid="21"/>
+                                        </p:tgtEl>
+                                      </p:cBhvr>
+                                      <p:to x="100000" y="90000"/>
+                                    </p:animScale>
+                                    <p:animScale>
+                                      <p:cBhvr>
+                                        <p:cTn id="62" dur="166" decel="50000">
+                                          <p:stCondLst>
+                                            <p:cond delay="1668"/>
+                                          </p:stCondLst>
+                                        </p:cTn>
+                                        <p:tgtEl>
+                                          <p:spTgt spid="21"/>
+                                        </p:tgtEl>
+                                      </p:cBhvr>
+                                      <p:to x="100000" y="100000"/>
+                                    </p:animScale>
+                                    <p:animScale>
+                                      <p:cBhvr>
+                                        <p:cTn id="63" dur="26">
+                                          <p:stCondLst>
+                                            <p:cond delay="1808"/>
+                                          </p:stCondLst>
+                                        </p:cTn>
+                                        <p:tgtEl>
+                                          <p:spTgt spid="21"/>
+                                        </p:tgtEl>
+                                      </p:cBhvr>
+                                      <p:to x="100000" y="95000"/>
+                                    </p:animScale>
+                                    <p:animScale>
+                                      <p:cBhvr>
+                                        <p:cTn id="64" dur="166" decel="50000">
+                                          <p:stCondLst>
+                                            <p:cond delay="1834"/>
+                                          </p:stCondLst>
+                                        </p:cTn>
+                                        <p:tgtEl>
+                                          <p:spTgt spid="21"/>
+                                        </p:tgtEl>
+                                      </p:cBhvr>
+                                      <p:to x="100000" y="100000"/>
+                                    </p:animScale>
+                                  </p:childTnLst>
+                                </p:cTn>
+                              </p:par>
+                            </p:childTnLst>
+                          </p:cTn>
+                        </p:par>
+                      </p:childTnLst>
+                    </p:cTn>
+                  </p:par>
+                  <p:par>
+                    <p:cTn id="65" fill="hold">
+                      <p:stCondLst>
+                        <p:cond delay="indefinite"/>
+                      </p:stCondLst>
+                      <p:childTnLst>
+                        <p:par>
+                          <p:cTn id="66" fill="hold">
+                            <p:stCondLst>
+                              <p:cond delay="0"/>
+                            </p:stCondLst>
+                            <p:childTnLst>
+                              <p:par>
+                                <p:cTn id="67" presetID="26" presetClass="entr" presetSubtype="0" fill="hold" grpId="0" nodeType="clickEffect">
+                                  <p:stCondLst>
+                                    <p:cond delay="0"/>
+                                  </p:stCondLst>
+                                  <p:childTnLst>
+                                    <p:set>
+                                      <p:cBhvr>
+                                        <p:cTn id="68" dur="1" fill="hold">
+                                          <p:stCondLst>
+                                            <p:cond delay="0"/>
+                                          </p:stCondLst>
+                                        </p:cTn>
+                                        <p:tgtEl>
+                                          <p:spTgt spid="24"/>
+                                        </p:tgtEl>
+                                        <p:attrNameLst>
+                                          <p:attrName>style.visibility</p:attrName>
+                                        </p:attrNameLst>
+                                      </p:cBhvr>
+                                      <p:to>
+                                        <p:strVal val="visible"/>
+                                      </p:to>
+                                    </p:set>
+                                    <p:animEffect transition="in" filter="wipe(down)">
+                                      <p:cBhvr>
+                                        <p:cTn id="69" dur="580">
+                                          <p:stCondLst>
+                                            <p:cond delay="0"/>
+                                          </p:stCondLst>
+                                        </p:cTn>
+                                        <p:tgtEl>
+                                          <p:spTgt spid="24"/>
+                                        </p:tgtEl>
+                                      </p:cBhvr>
+                                    </p:animEffect>
+                                    <p:anim calcmode="lin" valueType="num">
+                                      <p:cBhvr>
+                                        <p:cTn id="70" dur="1822" tmFilter="0,0; 0.14,0.36; 0.43,0.73; 0.71,0.91; 1.0,1.0">
+                                          <p:stCondLst>
+                                            <p:cond delay="0"/>
+                                          </p:stCondLst>
+                                        </p:cTn>
+                                        <p:tgtEl>
+                                          <p:spTgt spid="24"/>
+                                        </p:tgtEl>
+                                        <p:attrNameLst>
+                                          <p:attrName>ppt_x</p:attrName>
+                                        </p:attrNameLst>
+                                      </p:cBhvr>
+                                      <p:tavLst>
+                                        <p:tav tm="0">
+                                          <p:val>
+                                            <p:strVal val="#ppt_x-0.25"/>
+                                          </p:val>
+                                        </p:tav>
+                                        <p:tav tm="100000">
+                                          <p:val>
+                                            <p:strVal val="#ppt_x"/>
+                                          </p:val>
+                                        </p:tav>
+                                      </p:tavLst>
+                                    </p:anim>
+                                    <p:anim calcmode="lin" valueType="num">
+                                      <p:cBhvr>
+                                        <p:cTn id="71" dur="664" tmFilter="0.0,0.0; 0.25,0.07; 0.50,0.2; 0.75,0.467; 1.0,1.0">
+                                          <p:stCondLst>
+                                            <p:cond delay="0"/>
+                                          </p:stCondLst>
+                                        </p:cTn>
+                                        <p:tgtEl>
+                                          <p:spTgt spid="24"/>
+                                        </p:tgtEl>
+                                        <p:attrNameLst>
+                                          <p:attrName>ppt_y</p:attrName>
+                                        </p:attrNameLst>
+                                      </p:cBhvr>
+                                      <p:tavLst>
+                                        <p:tav tm="0" fmla="#ppt_y-sin(pi*$)/3">
+                                          <p:val>
+                                            <p:fltVal val="0.5"/>
+                                          </p:val>
+                                        </p:tav>
+                                        <p:tav tm="100000">
+                                          <p:val>
+                                            <p:fltVal val="1"/>
+                                          </p:val>
+                                        </p:tav>
+                                      </p:tavLst>
+                                    </p:anim>
+                                    <p:anim calcmode="lin" valueType="num">
+                                      <p:cBhvr>
+                                        <p:cTn id="72" dur="664" tmFilter="0, 0; 0.125,0.2665; 0.25,0.4; 0.375,0.465; 0.5,0.5;  0.625,0.535; 0.75,0.6; 0.875,0.7335; 1,1">
+                                          <p:stCondLst>
+                                            <p:cond delay="664"/>
+                                          </p:stCondLst>
+                                        </p:cTn>
+                                        <p:tgtEl>
+                                          <p:spTgt spid="24"/>
+                                        </p:tgtEl>
+                                        <p:attrNameLst>
+                                          <p:attrName>ppt_y</p:attrName>
+                                        </p:attrNameLst>
+                                      </p:cBhvr>
+                                      <p:tavLst>
+                                        <p:tav tm="0" fmla="#ppt_y-sin(pi*$)/9">
+                                          <p:val>
+                                            <p:fltVal val="0"/>
+                                          </p:val>
+                                        </p:tav>
+                                        <p:tav tm="100000">
+                                          <p:val>
+                                            <p:fltVal val="1"/>
+                                          </p:val>
+                                        </p:tav>
+                                      </p:tavLst>
+                                    </p:anim>
+                                    <p:anim calcmode="lin" valueType="num">
+                                      <p:cBhvr>
+                                        <p:cTn id="73" dur="332" tmFilter="0, 0; 0.125,0.2665; 0.25,0.4; 0.375,0.465; 0.5,0.5;  0.625,0.535; 0.75,0.6; 0.875,0.7335; 1,1">
+                                          <p:stCondLst>
+                                            <p:cond delay="1324"/>
+                                          </p:stCondLst>
+                                        </p:cTn>
+                                        <p:tgtEl>
+                                          <p:spTgt spid="24"/>
+                                        </p:tgtEl>
+                                        <p:attrNameLst>
+                                          <p:attrName>ppt_y</p:attrName>
+                                        </p:attrNameLst>
+                                      </p:cBhvr>
+                                      <p:tavLst>
+                                        <p:tav tm="0" fmla="#ppt_y-sin(pi*$)/27">
+                                          <p:val>
+                                            <p:fltVal val="0"/>
+                                          </p:val>
+                                        </p:tav>
+                                        <p:tav tm="100000">
+                                          <p:val>
+                                            <p:fltVal val="1"/>
+                                          </p:val>
+                                        </p:tav>
+                                      </p:tavLst>
+                                    </p:anim>
+                                    <p:anim calcmode="lin" valueType="num">
+                                      <p:cBhvr>
+                                        <p:cTn id="74" dur="164" tmFilter="0, 0; 0.125,0.2665; 0.25,0.4; 0.375,0.465; 0.5,0.5;  0.625,0.535; 0.75,0.6; 0.875,0.7335; 1,1">
+                                          <p:stCondLst>
+                                            <p:cond delay="1656"/>
+                                          </p:stCondLst>
+                                        </p:cTn>
+                                        <p:tgtEl>
+                                          <p:spTgt spid="24"/>
+                                        </p:tgtEl>
+                                        <p:attrNameLst>
+                                          <p:attrName>ppt_y</p:attrName>
+                                        </p:attrNameLst>
+                                      </p:cBhvr>
+                                      <p:tavLst>
+                                        <p:tav tm="0" fmla="#ppt_y-sin(pi*$)/81">
+                                          <p:val>
+                                            <p:fltVal val="0"/>
+                                          </p:val>
+                                        </p:tav>
+                                        <p:tav tm="100000">
+                                          <p:val>
+                                            <p:fltVal val="1"/>
+                                          </p:val>
+                                        </p:tav>
+                                      </p:tavLst>
+                                    </p:anim>
+                                    <p:animScale>
+                                      <p:cBhvr>
+                                        <p:cTn id="75" dur="26">
+                                          <p:stCondLst>
+                                            <p:cond delay="650"/>
+                                          </p:stCondLst>
+                                        </p:cTn>
+                                        <p:tgtEl>
+                                          <p:spTgt spid="24"/>
+                                        </p:tgtEl>
+                                      </p:cBhvr>
+                                      <p:to x="100000" y="60000"/>
+                                    </p:animScale>
+                                    <p:animScale>
+                                      <p:cBhvr>
+                                        <p:cTn id="76" dur="166" decel="50000">
+                                          <p:stCondLst>
+                                            <p:cond delay="676"/>
+                                          </p:stCondLst>
+                                        </p:cTn>
+                                        <p:tgtEl>
+                                          <p:spTgt spid="24"/>
+                                        </p:tgtEl>
+                                      </p:cBhvr>
+                                      <p:to x="100000" y="100000"/>
+                                    </p:animScale>
+                                    <p:animScale>
+                                      <p:cBhvr>
+                                        <p:cTn id="77" dur="26">
+                                          <p:stCondLst>
+                                            <p:cond delay="1312"/>
+                                          </p:stCondLst>
+                                        </p:cTn>
+                                        <p:tgtEl>
+                                          <p:spTgt spid="24"/>
+                                        </p:tgtEl>
+                                      </p:cBhvr>
+                                      <p:to x="100000" y="80000"/>
+                                    </p:animScale>
+                                    <p:animScale>
+                                      <p:cBhvr>
+                                        <p:cTn id="78" dur="166" decel="50000">
+                                          <p:stCondLst>
+                                            <p:cond delay="1338"/>
+                                          </p:stCondLst>
+                                        </p:cTn>
+                                        <p:tgtEl>
+                                          <p:spTgt spid="24"/>
+                                        </p:tgtEl>
+                                      </p:cBhvr>
+                                      <p:to x="100000" y="100000"/>
+                                    </p:animScale>
+                                    <p:animScale>
+                                      <p:cBhvr>
+                                        <p:cTn id="79" dur="26">
+                                          <p:stCondLst>
+                                            <p:cond delay="1642"/>
+                                          </p:stCondLst>
+                                        </p:cTn>
+                                        <p:tgtEl>
+                                          <p:spTgt spid="24"/>
+                                        </p:tgtEl>
+                                      </p:cBhvr>
+                                      <p:to x="100000" y="90000"/>
+                                    </p:animScale>
+                                    <p:animScale>
+                                      <p:cBhvr>
+                                        <p:cTn id="80" dur="166" decel="50000">
+                                          <p:stCondLst>
+                                            <p:cond delay="1668"/>
+                                          </p:stCondLst>
+                                        </p:cTn>
+                                        <p:tgtEl>
+                                          <p:spTgt spid="24"/>
+                                        </p:tgtEl>
+                                      </p:cBhvr>
+                                      <p:to x="100000" y="100000"/>
+                                    </p:animScale>
+                                    <p:animScale>
+                                      <p:cBhvr>
+                                        <p:cTn id="81" dur="26">
+                                          <p:stCondLst>
+                                            <p:cond delay="1808"/>
+                                          </p:stCondLst>
+                                        </p:cTn>
+                                        <p:tgtEl>
+                                          <p:spTgt spid="24"/>
+                                        </p:tgtEl>
+                                      </p:cBhvr>
+                                      <p:to x="100000" y="95000"/>
+                                    </p:animScale>
+                                    <p:animScale>
+                                      <p:cBhvr>
+                                        <p:cTn id="82" dur="166" decel="50000">
+                                          <p:stCondLst>
+                                            <p:cond delay="1834"/>
+                                          </p:stCondLst>
+                                        </p:cTn>
+                                        <p:tgtEl>
+                                          <p:spTgt spid="24"/>
+                                        </p:tgtEl>
+                                      </p:cBhvr>
+                                      <p:to x="100000" y="100000"/>
+                                    </p:animScale>
+                                  </p:childTnLst>
+                                </p:cTn>
+                              </p:par>
+                            </p:childTnLst>
+                          </p:cTn>
+                        </p:par>
+                      </p:childTnLst>
+                    </p:cTn>
+                  </p:par>
+                  <p:par>
+                    <p:cTn id="83" fill="hold">
+                      <p:stCondLst>
+                        <p:cond delay="indefinite"/>
+                      </p:stCondLst>
+                      <p:childTnLst>
+                        <p:par>
+                          <p:cTn id="84" fill="hold">
+                            <p:stCondLst>
+                              <p:cond delay="0"/>
+                            </p:stCondLst>
+                            <p:childTnLst>
+                              <p:par>
+                                <p:cTn id="85" presetID="26" presetClass="entr" presetSubtype="0" fill="hold" grpId="0" nodeType="clickEffect">
+                                  <p:stCondLst>
+                                    <p:cond delay="0"/>
+                                  </p:stCondLst>
+                                  <p:childTnLst>
+                                    <p:set>
+                                      <p:cBhvr>
+                                        <p:cTn id="86" dur="1" fill="hold">
+                                          <p:stCondLst>
+                                            <p:cond delay="0"/>
+                                          </p:stCondLst>
+                                        </p:cTn>
+                                        <p:tgtEl>
+                                          <p:spTgt spid="25"/>
+                                        </p:tgtEl>
+                                        <p:attrNameLst>
+                                          <p:attrName>style.visibility</p:attrName>
+                                        </p:attrNameLst>
+                                      </p:cBhvr>
+                                      <p:to>
+                                        <p:strVal val="visible"/>
+                                      </p:to>
+                                    </p:set>
+                                    <p:animEffect transition="in" filter="wipe(down)">
+                                      <p:cBhvr>
+                                        <p:cTn id="87" dur="580">
+                                          <p:stCondLst>
+                                            <p:cond delay="0"/>
+                                          </p:stCondLst>
+                                        </p:cTn>
+                                        <p:tgtEl>
+                                          <p:spTgt spid="25"/>
+                                        </p:tgtEl>
+                                      </p:cBhvr>
+                                    </p:animEffect>
+                                    <p:anim calcmode="lin" valueType="num">
+                                      <p:cBhvr>
+                                        <p:cTn id="88" dur="1822" tmFilter="0,0; 0.14,0.36; 0.43,0.73; 0.71,0.91; 1.0,1.0">
+                                          <p:stCondLst>
+                                            <p:cond delay="0"/>
+                                          </p:stCondLst>
+                                        </p:cTn>
+                                        <p:tgtEl>
+                                          <p:spTgt spid="25"/>
+                                        </p:tgtEl>
+                                        <p:attrNameLst>
+                                          <p:attrName>ppt_x</p:attrName>
+                                        </p:attrNameLst>
+                                      </p:cBhvr>
+                                      <p:tavLst>
+                                        <p:tav tm="0">
+                                          <p:val>
+                                            <p:strVal val="#ppt_x-0.25"/>
+                                          </p:val>
+                                        </p:tav>
+                                        <p:tav tm="100000">
+                                          <p:val>
+                                            <p:strVal val="#ppt_x"/>
+                                          </p:val>
+                                        </p:tav>
+                                      </p:tavLst>
+                                    </p:anim>
+                                    <p:anim calcmode="lin" valueType="num">
+                                      <p:cBhvr>
+                                        <p:cTn id="89" dur="664" tmFilter="0.0,0.0; 0.25,0.07; 0.50,0.2; 0.75,0.467; 1.0,1.0">
+                                          <p:stCondLst>
+                                            <p:cond delay="0"/>
+                                          </p:stCondLst>
+                                        </p:cTn>
+                                        <p:tgtEl>
+                                          <p:spTgt spid="25"/>
+                                        </p:tgtEl>
+                                        <p:attrNameLst>
+                                          <p:attrName>ppt_y</p:attrName>
+                                        </p:attrNameLst>
+                                      </p:cBhvr>
+                                      <p:tavLst>
+                                        <p:tav tm="0" fmla="#ppt_y-sin(pi*$)/3">
+                                          <p:val>
+                                            <p:fltVal val="0.5"/>
+                                          </p:val>
+                                        </p:tav>
+                                        <p:tav tm="100000">
+                                          <p:val>
+                                            <p:fltVal val="1"/>
+                                          </p:val>
+                                        </p:tav>
+                                      </p:tavLst>
+                                    </p:anim>
+                                    <p:anim calcmode="lin" valueType="num">
+                                      <p:cBhvr>
+                                        <p:cTn id="90" dur="664" tmFilter="0, 0; 0.125,0.2665; 0.25,0.4; 0.375,0.465; 0.5,0.5;  0.625,0.535; 0.75,0.6; 0.875,0.7335; 1,1">
+                                          <p:stCondLst>
+                                            <p:cond delay="664"/>
+                                          </p:stCondLst>
+                                        </p:cTn>
+                                        <p:tgtEl>
+                                          <p:spTgt spid="25"/>
+                                        </p:tgtEl>
+                                        <p:attrNameLst>
+                                          <p:attrName>ppt_y</p:attrName>
+                                        </p:attrNameLst>
+                                      </p:cBhvr>
+                                      <p:tavLst>
+                                        <p:tav tm="0" fmla="#ppt_y-sin(pi*$)/9">
+                                          <p:val>
+                                            <p:fltVal val="0"/>
+                                          </p:val>
+                                        </p:tav>
+                                        <p:tav tm="100000">
+                                          <p:val>
+                                            <p:fltVal val="1"/>
+                                          </p:val>
+                                        </p:tav>
+                                      </p:tavLst>
+                                    </p:anim>
+                                    <p:anim calcmode="lin" valueType="num">
+                                      <p:cBhvr>
+                                        <p:cTn id="91" dur="332" tmFilter="0, 0; 0.125,0.2665; 0.25,0.4; 0.375,0.465; 0.5,0.5;  0.625,0.535; 0.75,0.6; 0.875,0.7335; 1,1">
+                                          <p:stCondLst>
+                                            <p:cond delay="1324"/>
+                                          </p:stCondLst>
+                                        </p:cTn>
+                                        <p:tgtEl>
+                                          <p:spTgt spid="25"/>
+                                        </p:tgtEl>
+                                        <p:attrNameLst>
+                                          <p:attrName>ppt_y</p:attrName>
+                                        </p:attrNameLst>
+                                      </p:cBhvr>
+                                      <p:tavLst>
+                                        <p:tav tm="0" fmla="#ppt_y-sin(pi*$)/27">
+                                          <p:val>
+                                            <p:fltVal val="0"/>
+                                          </p:val>
+                                        </p:tav>
+                                        <p:tav tm="100000">
+                                          <p:val>
+                                            <p:fltVal val="1"/>
+                                          </p:val>
+                                        </p:tav>
+                                      </p:tavLst>
+                                    </p:anim>
+                                    <p:anim calcmode="lin" valueType="num">
+                                      <p:cBhvr>
+                                        <p:cTn id="92" dur="164" tmFilter="0, 0; 0.125,0.2665; 0.25,0.4; 0.375,0.465; 0.5,0.5;  0.625,0.535; 0.75,0.6; 0.875,0.7335; 1,1">
+                                          <p:stCondLst>
+                                            <p:cond delay="1656"/>
+                                          </p:stCondLst>
+                                        </p:cTn>
+                                        <p:tgtEl>
+                                          <p:spTgt spid="25"/>
+                                        </p:tgtEl>
+                                        <p:attrNameLst>
+                                          <p:attrName>ppt_y</p:attrName>
+                                        </p:attrNameLst>
+                                      </p:cBhvr>
+                                      <p:tavLst>
+                                        <p:tav tm="0" fmla="#ppt_y-sin(pi*$)/81">
+                                          <p:val>
+                                            <p:fltVal val="0"/>
+                                          </p:val>
+                                        </p:tav>
+                                        <p:tav tm="100000">
+                                          <p:val>
+                                            <p:fltVal val="1"/>
+                                          </p:val>
+                                        </p:tav>
+                                      </p:tavLst>
+                                    </p:anim>
+                                    <p:animScale>
+                                      <p:cBhvr>
+                                        <p:cTn id="93" dur="26">
+                                          <p:stCondLst>
+                                            <p:cond delay="650"/>
+                                          </p:stCondLst>
+                                        </p:cTn>
+                                        <p:tgtEl>
+                                          <p:spTgt spid="25"/>
+                                        </p:tgtEl>
+                                      </p:cBhvr>
+                                      <p:to x="100000" y="60000"/>
+                                    </p:animScale>
+                                    <p:animScale>
+                                      <p:cBhvr>
+                                        <p:cTn id="94" dur="166" decel="50000">
+                                          <p:stCondLst>
+                                            <p:cond delay="676"/>
+                                          </p:stCondLst>
+                                        </p:cTn>
+                                        <p:tgtEl>
+                                          <p:spTgt spid="25"/>
+                                        </p:tgtEl>
+                                      </p:cBhvr>
+                                      <p:to x="100000" y="100000"/>
+                                    </p:animScale>
+                                    <p:animScale>
+                                      <p:cBhvr>
+                                        <p:cTn id="95" dur="26">
+                                          <p:stCondLst>
+                                            <p:cond delay="1312"/>
+                                          </p:stCondLst>
+                                        </p:cTn>
+                                        <p:tgtEl>
+                                          <p:spTgt spid="25"/>
+                                        </p:tgtEl>
+                                      </p:cBhvr>
+                                      <p:to x="100000" y="80000"/>
+                                    </p:animScale>
+                                    <p:animScale>
+                                      <p:cBhvr>
+                                        <p:cTn id="96" dur="166" decel="50000">
+                                          <p:stCondLst>
+                                            <p:cond delay="1338"/>
+                                          </p:stCondLst>
+                                        </p:cTn>
+                                        <p:tgtEl>
+                                          <p:spTgt spid="25"/>
+                                        </p:tgtEl>
+                                      </p:cBhvr>
+                                      <p:to x="100000" y="100000"/>
+                                    </p:animScale>
+                                    <p:animScale>
+                                      <p:cBhvr>
+                                        <p:cTn id="97" dur="26">
+                                          <p:stCondLst>
+                                            <p:cond delay="1642"/>
+                                          </p:stCondLst>
+                                        </p:cTn>
+                                        <p:tgtEl>
+                                          <p:spTgt spid="25"/>
+                                        </p:tgtEl>
+                                      </p:cBhvr>
+                                      <p:to x="100000" y="90000"/>
+                                    </p:animScale>
+                                    <p:animScale>
+                                      <p:cBhvr>
+                                        <p:cTn id="98" dur="166" decel="50000">
+                                          <p:stCondLst>
+                                            <p:cond delay="1668"/>
+                                          </p:stCondLst>
+                                        </p:cTn>
+                                        <p:tgtEl>
+                                          <p:spTgt spid="25"/>
+                                        </p:tgtEl>
+                                      </p:cBhvr>
+                                      <p:to x="100000" y="100000"/>
+                                    </p:animScale>
+                                    <p:animScale>
+                                      <p:cBhvr>
+                                        <p:cTn id="99" dur="26">
+                                          <p:stCondLst>
+                                            <p:cond delay="1808"/>
+                                          </p:stCondLst>
+                                        </p:cTn>
+                                        <p:tgtEl>
+                                          <p:spTgt spid="25"/>
+                                        </p:tgtEl>
+                                      </p:cBhvr>
+                                      <p:to x="100000" y="95000"/>
+                                    </p:animScale>
+                                    <p:animScale>
+                                      <p:cBhvr>
+                                        <p:cTn id="100" dur="166" decel="50000">
+                                          <p:stCondLst>
+                                            <p:cond delay="1834"/>
+                                          </p:stCondLst>
+                                        </p:cTn>
+                                        <p:tgtEl>
+                                          <p:spTgt spid="25"/>
+                                        </p:tgtEl>
+                                      </p:cBhvr>
+                                      <p:to x="100000" y="100000"/>
+                                    </p:animScale>
+                                  </p:childTnLst>
+                                </p:cTn>
+                              </p:par>
+                            </p:childTnLst>
+                          </p:cTn>
+                        </p:par>
+                      </p:childTnLst>
+                    </p:cTn>
+                  </p:par>
+                  <p:par>
+                    <p:cTn id="101" fill="hold">
+                      <p:stCondLst>
+                        <p:cond delay="indefinite"/>
+                      </p:stCondLst>
+                      <p:childTnLst>
+                        <p:par>
+                          <p:cTn id="102" fill="hold">
+                            <p:stCondLst>
+                              <p:cond delay="0"/>
+                            </p:stCondLst>
+                            <p:childTnLst>
+                              <p:par>
+                                <p:cTn id="103" presetID="26" presetClass="entr" presetSubtype="0" fill="hold" grpId="0" nodeType="clickEffect">
+                                  <p:stCondLst>
+                                    <p:cond delay="0"/>
+                                  </p:stCondLst>
+                                  <p:childTnLst>
+                                    <p:set>
+                                      <p:cBhvr>
+                                        <p:cTn id="104" dur="1" fill="hold">
+                                          <p:stCondLst>
+                                            <p:cond delay="0"/>
+                                          </p:stCondLst>
+                                        </p:cTn>
+                                        <p:tgtEl>
+                                          <p:spTgt spid="26"/>
+                                        </p:tgtEl>
+                                        <p:attrNameLst>
+                                          <p:attrName>style.visibility</p:attrName>
+                                        </p:attrNameLst>
+                                      </p:cBhvr>
+                                      <p:to>
+                                        <p:strVal val="visible"/>
+                                      </p:to>
+                                    </p:set>
+                                    <p:animEffect transition="in" filter="wipe(down)">
+                                      <p:cBhvr>
+                                        <p:cTn id="105" dur="580">
+                                          <p:stCondLst>
+                                            <p:cond delay="0"/>
+                                          </p:stCondLst>
+                                        </p:cTn>
+                                        <p:tgtEl>
+                                          <p:spTgt spid="26"/>
+                                        </p:tgtEl>
+                                      </p:cBhvr>
+                                    </p:animEffect>
+                                    <p:anim calcmode="lin" valueType="num">
+                                      <p:cBhvr>
+                                        <p:cTn id="106" dur="1822" tmFilter="0,0; 0.14,0.36; 0.43,0.73; 0.71,0.91; 1.0,1.0">
+                                          <p:stCondLst>
+                                            <p:cond delay="0"/>
+                                          </p:stCondLst>
+                                        </p:cTn>
+                                        <p:tgtEl>
+                                          <p:spTgt spid="26"/>
+                                        </p:tgtEl>
+                                        <p:attrNameLst>
+                                          <p:attrName>ppt_x</p:attrName>
+                                        </p:attrNameLst>
+                                      </p:cBhvr>
+                                      <p:tavLst>
+                                        <p:tav tm="0">
+                                          <p:val>
+                                            <p:strVal val="#ppt_x-0.25"/>
+                                          </p:val>
+                                        </p:tav>
+                                        <p:tav tm="100000">
+                                          <p:val>
+                                            <p:strVal val="#ppt_x"/>
+                                          </p:val>
+                                        </p:tav>
+                                      </p:tavLst>
+                                    </p:anim>
+                                    <p:anim calcmode="lin" valueType="num">
+                                      <p:cBhvr>
+                                        <p:cTn id="107" dur="664" tmFilter="0.0,0.0; 0.25,0.07; 0.50,0.2; 0.75,0.467; 1.0,1.0">
+                                          <p:stCondLst>
+                                            <p:cond delay="0"/>
+                                          </p:stCondLst>
+                                        </p:cTn>
+                                        <p:tgtEl>
+                                          <p:spTgt spid="26"/>
+                                        </p:tgtEl>
+                                        <p:attrNameLst>
+                                          <p:attrName>ppt_y</p:attrName>
+                                        </p:attrNameLst>
+                                      </p:cBhvr>
+                                      <p:tavLst>
+                                        <p:tav tm="0" fmla="#ppt_y-sin(pi*$)/3">
+                                          <p:val>
+                                            <p:fltVal val="0.5"/>
+                                          </p:val>
+                                        </p:tav>
+                                        <p:tav tm="100000">
+                                          <p:val>
+                                            <p:fltVal val="1"/>
+                                          </p:val>
+                                        </p:tav>
+                                      </p:tavLst>
+                                    </p:anim>
+                                    <p:anim calcmode="lin" valueType="num">
+                                      <p:cBhvr>
+                                        <p:cTn id="108" dur="664" tmFilter="0, 0; 0.125,0.2665; 0.25,0.4; 0.375,0.465; 0.5,0.5;  0.625,0.535; 0.75,0.6; 0.875,0.7335; 1,1">
+                                          <p:stCondLst>
+                                            <p:cond delay="664"/>
+                                          </p:stCondLst>
+                                        </p:cTn>
+                                        <p:tgtEl>
+                                          <p:spTgt spid="26"/>
+                                        </p:tgtEl>
+                                        <p:attrNameLst>
+                                          <p:attrName>ppt_y</p:attrName>
+                                        </p:attrNameLst>
+                                      </p:cBhvr>
+                                      <p:tavLst>
+                                        <p:tav tm="0" fmla="#ppt_y-sin(pi*$)/9">
+                                          <p:val>
+                                            <p:fltVal val="0"/>
+                                          </p:val>
+                                        </p:tav>
+                                        <p:tav tm="100000">
+                                          <p:val>
+                                            <p:fltVal val="1"/>
+                                          </p:val>
+                                        </p:tav>
+                                      </p:tavLst>
+                                    </p:anim>
+                                    <p:anim calcmode="lin" valueType="num">
+                                      <p:cBhvr>
+                                        <p:cTn id="109" dur="332" tmFilter="0, 0; 0.125,0.2665; 0.25,0.4; 0.375,0.465; 0.5,0.5;  0.625,0.535; 0.75,0.6; 0.875,0.7335; 1,1">
+                                          <p:stCondLst>
+                                            <p:cond delay="1324"/>
+                                          </p:stCondLst>
+                                        </p:cTn>
+                                        <p:tgtEl>
+                                          <p:spTgt spid="26"/>
+                                        </p:tgtEl>
+                                        <p:attrNameLst>
+                                          <p:attrName>ppt_y</p:attrName>
+                                        </p:attrNameLst>
+                                      </p:cBhvr>
+                                      <p:tavLst>
+                                        <p:tav tm="0" fmla="#ppt_y-sin(pi*$)/27">
+                                          <p:val>
+                                            <p:fltVal val="0"/>
+                                          </p:val>
+                                        </p:tav>
+                                        <p:tav tm="100000">
+                                          <p:val>
+                                            <p:fltVal val="1"/>
+                                          </p:val>
+                                        </p:tav>
+                                      </p:tavLst>
+                                    </p:anim>
+                                    <p:anim calcmode="lin" valueType="num">
+                                      <p:cBhvr>
+                                        <p:cTn id="110" dur="164" tmFilter="0, 0; 0.125,0.2665; 0.25,0.4; 0.375,0.465; 0.5,0.5;  0.625,0.535; 0.75,0.6; 0.875,0.7335; 1,1">
+                                          <p:stCondLst>
+                                            <p:cond delay="1656"/>
+                                          </p:stCondLst>
+                                        </p:cTn>
+                                        <p:tgtEl>
+                                          <p:spTgt spid="26"/>
+                                        </p:tgtEl>
+                                        <p:attrNameLst>
+                                          <p:attrName>ppt_y</p:attrName>
+                                        </p:attrNameLst>
+                                      </p:cBhvr>
+                                      <p:tavLst>
+                                        <p:tav tm="0" fmla="#ppt_y-sin(pi*$)/81">
+                                          <p:val>
+                                            <p:fltVal val="0"/>
+                                          </p:val>
+                                        </p:tav>
+                                        <p:tav tm="100000">
+                                          <p:val>
+                                            <p:fltVal val="1"/>
+                                          </p:val>
+                                        </p:tav>
+                                      </p:tavLst>
+                                    </p:anim>
+                                    <p:animScale>
+                                      <p:cBhvr>
+                                        <p:cTn id="111" dur="26">
+                                          <p:stCondLst>
+                                            <p:cond delay="650"/>
+                                          </p:stCondLst>
+                                        </p:cTn>
+                                        <p:tgtEl>
+                                          <p:spTgt spid="26"/>
+                                        </p:tgtEl>
+                                      </p:cBhvr>
+                                      <p:to x="100000" y="60000"/>
+                                    </p:animScale>
+                                    <p:animScale>
+                                      <p:cBhvr>
+                                        <p:cTn id="112" dur="166" decel="50000">
+                                          <p:stCondLst>
+                                            <p:cond delay="676"/>
+                                          </p:stCondLst>
+                                        </p:cTn>
+                                        <p:tgtEl>
+                                          <p:spTgt spid="26"/>
+                                        </p:tgtEl>
+                                      </p:cBhvr>
+                                      <p:to x="100000" y="100000"/>
+                                    </p:animScale>
+                                    <p:animScale>
+                                      <p:cBhvr>
+                                        <p:cTn id="113" dur="26">
+                                          <p:stCondLst>
+                                            <p:cond delay="1312"/>
+                                          </p:stCondLst>
+                                        </p:cTn>
+                                        <p:tgtEl>
+                                          <p:spTgt spid="26"/>
+                                        </p:tgtEl>
+                                      </p:cBhvr>
+                                      <p:to x="100000" y="80000"/>
+                                    </p:animScale>
+                                    <p:animScale>
+                                      <p:cBhvr>
+                                        <p:cTn id="114" dur="166" decel="50000">
+                                          <p:stCondLst>
+                                            <p:cond delay="1338"/>
+                                          </p:stCondLst>
+                                        </p:cTn>
+                                        <p:tgtEl>
+                                          <p:spTgt spid="26"/>
+                                        </p:tgtEl>
+                                      </p:cBhvr>
+                                      <p:to x="100000" y="100000"/>
+                                    </p:animScale>
+                                    <p:animScale>
+                                      <p:cBhvr>
+                                        <p:cTn id="115" dur="26">
+                                          <p:stCondLst>
+                                            <p:cond delay="1642"/>
+                                          </p:stCondLst>
+                                        </p:cTn>
+                                        <p:tgtEl>
+                                          <p:spTgt spid="26"/>
+                                        </p:tgtEl>
+                                      </p:cBhvr>
+                                      <p:to x="100000" y="90000"/>
+                                    </p:animScale>
+                                    <p:animScale>
+                                      <p:cBhvr>
+                                        <p:cTn id="116" dur="166" decel="50000">
+                                          <p:stCondLst>
+                                            <p:cond delay="1668"/>
+                                          </p:stCondLst>
+                                        </p:cTn>
+                                        <p:tgtEl>
+                                          <p:spTgt spid="26"/>
+                                        </p:tgtEl>
+                                      </p:cBhvr>
+                                      <p:to x="100000" y="100000"/>
+                                    </p:animScale>
+                                    <p:animScale>
+                                      <p:cBhvr>
+                                        <p:cTn id="117" dur="26">
+                                          <p:stCondLst>
+                                            <p:cond delay="1808"/>
+                                          </p:stCondLst>
+                                        </p:cTn>
+                                        <p:tgtEl>
+                                          <p:spTgt spid="26"/>
+                                        </p:tgtEl>
+                                      </p:cBhvr>
+                                      <p:to x="100000" y="95000"/>
+                                    </p:animScale>
+                                    <p:animScale>
+                                      <p:cBhvr>
+                                        <p:cTn id="118" dur="166" decel="50000">
+                                          <p:stCondLst>
+                                            <p:cond delay="1834"/>
+                                          </p:stCondLst>
+                                        </p:cTn>
+                                        <p:tgtEl>
+                                          <p:spTgt spid="26"/>
+                                        </p:tgtEl>
+                                      </p:cBhvr>
+                                      <p:to x="100000" y="100000"/>
+                                    </p:animScale>
+                                  </p:childTnLst>
+                                </p:cTn>
+                              </p:par>
+                            </p:childTnLst>
+                          </p:cTn>
+                        </p:par>
+                      </p:childTnLst>
+                    </p:cTn>
+                  </p:par>
+                </p:childTnLst>
+              </p:cTn>
+              <p:prevCondLst>
+                <p:cond evt="onPrev" delay="0">
+                  <p:tgtEl>
+                    <p:sldTgt/>
+                  </p:tgtEl>
+                </p:cond>
+              </p:prevCondLst>
+              <p:nextCondLst>
+                <p:cond evt="onNext" delay="0">
+                  <p:tgtEl>
+                    <p:sldTgt/>
+                  </p:tgtEl>
+                </p:cond>
+              </p:nextCondLst>
+            </p:seq>
+          </p:childTnLst>
+        </p:cTn>
+      </p:par>
+    </p:tnLst>
+    <p:bldLst>
+      <p:bldP spid="2" grpId="0"/>
+      <p:bldP spid="20" grpId="0"/>
+      <p:bldP spid="21" grpId="0"/>
+      <p:bldP spid="22" grpId="0"/>
+      <p:bldP spid="24" grpId="0"/>
+      <p:bldP spid="25" grpId="0"/>
+      <p:bldP spid="26" grpId="0"/>
+      <p:bldP spid="13" grpId="0"/>
+    </p:bldLst>
+  </p:timing>
+</p:sld>
+</file>
+
+<file path=ppt/slides/slide3.xml><?xml version="1.0" encoding="utf-8"?>
+<p:sld xmlns:a="http://schemas.openxmlformats.org/drawingml/2006/main" xmlns:r="http://schemas.openxmlformats.org/officeDocument/2006/relationships" xmlns:p="http://schemas.openxmlformats.org/presentationml/2006/main">
+  <p:cSld>
+    <p:bg>
+      <p:bgPr>
+        <a:solidFill>
+          <a:schemeClr val="bg1"/>
+        </a:solidFill>
+        <a:effectLst/>
+      </p:bgPr>
+    </p:bg>
+    <p:spTree>
+      <p:nvGrpSpPr>
+        <p:cNvPr id="1" name=""/>
+        <p:cNvGrpSpPr/>
+        <p:nvPr/>
+      </p:nvGrpSpPr>
+      <p:grpSpPr>
+        <a:xfrm>
+          <a:off x="0" y="0"/>
+          <a:ext cx="0" cy="0"/>
+          <a:chOff x="0" y="0"/>
+          <a:chExt cx="0" cy="0"/>
+        </a:xfrm>
+      </p:grpSpPr>
+      <p:sp useBgFill="1">
+        <p:nvSpPr>
+          <p:cNvPr id="9" name="Rectangle 8">
+            <a:extLst>
+              <a:ext uri="{FF2B5EF4-FFF2-40B4-BE49-F238E27FC236}">
+                <a16:creationId xmlns:a16="http://schemas.microsoft.com/office/drawing/2014/main" id="{9AA72BD9-2C5A-4EDC-931F-5AA08EACA0F3}"/>
+              </a:ext>
+              <a:ext uri="{C183D7F6-B498-43B3-948B-1728B52AA6E4}">
+                <adec:decorative xmlns:adec="http://schemas.microsoft.com/office/drawing/2017/decorative" val="1"/>
+              </a:ext>
+            </a:extLst>
+          </p:cNvPr>
+          <p:cNvSpPr>
+            <a:spLocks noGrp="1" noRot="1" noChangeAspect="1" noMove="1" noResize="1" noEditPoints="1" noAdjustHandles="1" noChangeArrowheads="1" noChangeShapeType="1" noTextEdit="1"/>
+          </p:cNvSpPr>
+          <p:nvPr>
+            <p:extLst>
+              <p:ext uri="{386F3935-93C4-4BCD-93E2-E3B085C9AB24}">
+                <p16:designElem xmlns:p16="http://schemas.microsoft.com/office/powerpoint/2015/main" val="1"/>
+              </p:ext>
+            </p:extLst>
+          </p:nvPr>
+        </p:nvSpPr>
+        <p:spPr>
+          <a:xfrm>
+            <a:off x="0" y="0"/>
+            <a:ext cx="12192000" cy="6858000"/>
+          </a:xfrm>
+          <a:prstGeom prst="rect">
+            <a:avLst/>
+          </a:prstGeom>
+          <a:ln>
+            <a:noFill/>
+          </a:ln>
+        </p:spPr>
+        <p:style>
+          <a:lnRef idx="2">
+            <a:schemeClr val="accent1">
+              <a:shade val="50000"/>
+            </a:schemeClr>
+          </a:lnRef>
+          <a:fillRef idx="1">
+            <a:schemeClr val="accent1"/>
+          </a:fillRef>
+          <a:effectRef idx="0">
+            <a:schemeClr val="accent1"/>
+          </a:effectRef>
+          <a:fontRef idx="minor">
+            <a:schemeClr val="lt1"/>
+          </a:fontRef>
+        </p:style>
+        <p:txBody>
+          <a:bodyPr rtlCol="0" anchor="ctr"/>
+          <a:lstStyle/>
+          <a:p>
+            <a:pPr algn="ctr"/>
+            <a:endParaRPr lang="en-US"/>
+          </a:p>
+        </p:txBody>
+      </p:sp>
+      <p:pic>
+        <p:nvPicPr>
+          <p:cNvPr id="6" name="Picture 4" descr="Gráficas financieras en una pantalla oscura">
+            <a:extLst>
+              <a:ext uri="{FF2B5EF4-FFF2-40B4-BE49-F238E27FC236}">
+                <a16:creationId xmlns:a16="http://schemas.microsoft.com/office/drawing/2014/main" id="{5796F568-A919-5CD1-743C-7ED9D36AB8D1}"/>
+              </a:ext>
+            </a:extLst>
+          </p:cNvPr>
+          <p:cNvPicPr>
+            <a:picLocks noChangeAspect="1"/>
+          </p:cNvPicPr>
+          <p:nvPr/>
+        </p:nvPicPr>
+        <p:blipFill rotWithShape="1">
+          <a:blip r:embed="rId2"/>
+          <a:srcRect l="676" t="9090" r="27502" b="7"/>
+          <a:stretch/>
+        </p:blipFill>
+        <p:spPr>
+          <a:xfrm>
+            <a:off x="3522466" y="5354"/>
+            <a:ext cx="8669532" cy="6857990"/>
+          </a:xfrm>
+          <a:prstGeom prst="rect">
+            <a:avLst/>
+          </a:prstGeom>
+        </p:spPr>
+      </p:pic>
+      <p:sp>
+        <p:nvSpPr>
+          <p:cNvPr id="11" name="Rectangle 10">
+            <a:extLst>
+              <a:ext uri="{FF2B5EF4-FFF2-40B4-BE49-F238E27FC236}">
+                <a16:creationId xmlns:a16="http://schemas.microsoft.com/office/drawing/2014/main" id="{DD3981AC-7B61-4947-BCF3-F7AA7FA385B9}"/>
+              </a:ext>
+              <a:ext uri="{C183D7F6-B498-43B3-948B-1728B52AA6E4}">
+                <adec:decorative xmlns:adec="http://schemas.microsoft.com/office/drawing/2017/decorative" val="1"/>
+              </a:ext>
+            </a:extLst>
+          </p:cNvPr>
+          <p:cNvSpPr>
+            <a:spLocks noGrp="1" noRot="1" noChangeAspect="1" noMove="1" noResize="1" noEditPoints="1" noAdjustHandles="1" noChangeArrowheads="1" noChangeShapeType="1" noTextEdit="1"/>
+          </p:cNvSpPr>
+          <p:nvPr>
+            <p:extLst>
+              <p:ext uri="{386F3935-93C4-4BCD-93E2-E3B085C9AB24}">
+                <p16:designElem xmlns:p16="http://schemas.microsoft.com/office/powerpoint/2015/main" val="1"/>
+              </p:ext>
+            </p:extLst>
+          </p:nvPr>
+        </p:nvSpPr>
+        <p:spPr>
+          <a:xfrm>
+            <a:off x="2" y="0"/>
+            <a:ext cx="9756601" cy="6858000"/>
+          </a:xfrm>
+          <a:prstGeom prst="rect">
+            <a:avLst/>
+          </a:prstGeom>
+          <a:gradFill>
+            <a:gsLst>
+              <a:gs pos="58000">
+                <a:schemeClr val="bg1"/>
+              </a:gs>
+              <a:gs pos="35000">
+                <a:schemeClr val="bg1">
+                  <a:alpha val="78000"/>
+                </a:schemeClr>
+              </a:gs>
+              <a:gs pos="19000">
+                <a:schemeClr val="bg1">
+                  <a:alpha val="38000"/>
+                </a:schemeClr>
+              </a:gs>
+              <a:gs pos="0">
+                <a:schemeClr val="bg1">
+                  <a:alpha val="0"/>
+                </a:schemeClr>
+              </a:gs>
+              <a:gs pos="100000">
+                <a:schemeClr val="bg1"/>
+              </a:gs>
+            </a:gsLst>
+            <a:lin ang="10800000" scaled="0"/>
+          </a:gradFill>
+          <a:ln>
+            <a:noFill/>
+          </a:ln>
+        </p:spPr>
+        <p:style>
+          <a:lnRef idx="2">
+            <a:schemeClr val="accent1">
+              <a:shade val="50000"/>
+            </a:schemeClr>
+          </a:lnRef>
+          <a:fillRef idx="1">
+            <a:schemeClr val="accent1"/>
+          </a:fillRef>
+          <a:effectRef idx="0">
+            <a:schemeClr val="accent1"/>
+          </a:effectRef>
+          <a:fontRef idx="minor">
+            <a:schemeClr val="lt1"/>
+          </a:fontRef>
+        </p:style>
+        <p:txBody>
+          <a:bodyPr rtlCol="0" anchor="ctr"/>
+          <a:lstStyle/>
+          <a:p>
+            <a:pPr algn="ctr"/>
+            <a:endParaRPr lang="en-US" dirty="0"/>
+          </a:p>
+        </p:txBody>
+      </p:sp>
+      <p:sp>
+        <p:nvSpPr>
+          <p:cNvPr id="2" name="Título 1">
+            <a:extLst>
+              <a:ext uri="{FF2B5EF4-FFF2-40B4-BE49-F238E27FC236}">
+                <a16:creationId xmlns:a16="http://schemas.microsoft.com/office/drawing/2014/main" id="{4AFA984B-9B6C-188A-245A-53C0CE93CEFC}"/>
+              </a:ext>
+            </a:extLst>
+          </p:cNvPr>
+          <p:cNvSpPr>
+            <a:spLocks noGrp="1"/>
+          </p:cNvSpPr>
+          <p:nvPr>
+            <p:ph type="title"/>
+          </p:nvPr>
+        </p:nvSpPr>
+        <p:spPr>
+          <a:xfrm>
+            <a:off x="371094" y="1161288"/>
+            <a:ext cx="3438144" cy="1124712"/>
+          </a:xfrm>
+        </p:spPr>
+        <p:txBody>
+          <a:bodyPr anchor="b">
+            <a:normAutofit/>
+          </a:bodyPr>
+          <a:lstStyle/>
+          <a:p>
+            <a:r>
+              <a:rPr lang="es-ES" sz="2800">
+                <a:cs typeface="Calibri Light" panose="020F0302020204030204"/>
+              </a:rPr>
+              <a:t>¿QUE ES EL BIG DATA?</a:t>
+            </a:r>
+          </a:p>
+        </p:txBody>
+      </p:sp>
+      <p:sp>
+        <p:nvSpPr>
+          <p:cNvPr id="13" name="Rectangle 12">
+            <a:extLst>
+              <a:ext uri="{FF2B5EF4-FFF2-40B4-BE49-F238E27FC236}">
+                <a16:creationId xmlns:a16="http://schemas.microsoft.com/office/drawing/2014/main" id="{55D4142C-5077-457F-A6AD-3FECFDB39685}"/>
+              </a:ext>
+              <a:ext uri="{C183D7F6-B498-43B3-948B-1728B52AA6E4}">
+                <adec:decorative xmlns:adec="http://schemas.microsoft.com/office/drawing/2017/decorative" val="1"/>
+              </a:ext>
+            </a:extLst>
+          </p:cNvPr>
+          <p:cNvSpPr>
+            <a:spLocks noGrp="1" noRot="1" noChangeAspect="1" noMove="1" noResize="1" noEditPoints="1" noAdjustHandles="1" noChangeArrowheads="1" noChangeShapeType="1" noTextEdit="1"/>
+          </p:cNvSpPr>
+          <p:nvPr>
+            <p:extLst>
+              <p:ext uri="{386F3935-93C4-4BCD-93E2-E3B085C9AB24}">
+                <p16:designElem xmlns:p16="http://schemas.microsoft.com/office/powerpoint/2015/main" val="1"/>
+              </p:ext>
+            </p:extLst>
+          </p:nvPr>
+        </p:nvSpPr>
+        <p:spPr>
+          <a:xfrm rot="5400000">
+            <a:off x="662559" y="605790"/>
+            <a:ext cx="73152" cy="548640"/>
+          </a:xfrm>
+          <a:prstGeom prst="rect">
+            <a:avLst/>
+          </a:prstGeom>
+          <a:solidFill>
+            <a:schemeClr val="accent2"/>
+          </a:solidFill>
+          <a:ln>
+            <a:noFill/>
+          </a:ln>
+        </p:spPr>
+        <p:style>
+          <a:lnRef idx="2">
+            <a:schemeClr val="accent1">
+              <a:shade val="50000"/>
+            </a:schemeClr>
+          </a:lnRef>
+          <a:fillRef idx="1">
+            <a:schemeClr val="accent1"/>
+          </a:fillRef>
+          <a:effectRef idx="0">
+            <a:schemeClr val="accent1"/>
+          </a:effectRef>
+          <a:fontRef idx="minor">
+            <a:schemeClr val="lt1"/>
+          </a:fontRef>
+        </p:style>
+        <p:txBody>
+          <a:bodyPr rtlCol="0" anchor="ctr"/>
+          <a:lstStyle/>
+          <a:p>
+            <a:pPr algn="ctr"/>
+            <a:endParaRPr lang="en-US">
+              <a:solidFill>
+                <a:prstClr val="white"/>
+              </a:solidFill>
+              <a:latin typeface="Calibri" panose="020F0502020204030204"/>
+            </a:endParaRPr>
+          </a:p>
+        </p:txBody>
+      </p:sp>
+      <p:sp>
+        <p:nvSpPr>
+          <p:cNvPr id="15" name="Rectangle 14">
+            <a:extLst>
+              <a:ext uri="{FF2B5EF4-FFF2-40B4-BE49-F238E27FC236}">
+                <a16:creationId xmlns:a16="http://schemas.microsoft.com/office/drawing/2014/main" id="{7A5F0580-5EE9-419F-96EE-B6529EF6E7D0}"/>
+              </a:ext>
+              <a:ext uri="{C183D7F6-B498-43B3-948B-1728B52AA6E4}">
+                <adec:decorative xmlns:adec="http://schemas.microsoft.com/office/drawing/2017/decorative" val="1"/>
+              </a:ext>
+            </a:extLst>
+          </p:cNvPr>
+          <p:cNvSpPr>
+            <a:spLocks noGrp="1" noRot="1" noChangeAspect="1" noMove="1" noResize="1" noEditPoints="1" noAdjustHandles="1" noChangeArrowheads="1" noChangeShapeType="1" noTextEdit="1"/>
+          </p:cNvSpPr>
+          <p:nvPr>
+            <p:extLst>
+              <p:ext uri="{386F3935-93C4-4BCD-93E2-E3B085C9AB24}">
+                <p16:designElem xmlns:p16="http://schemas.microsoft.com/office/powerpoint/2015/main" val="1"/>
+              </p:ext>
+            </p:extLst>
+          </p:nvPr>
+        </p:nvSpPr>
+        <p:spPr>
+          <a:xfrm>
+            <a:off x="428244" y="2443480"/>
+            <a:ext cx="3300984" cy="18288"/>
+          </a:xfrm>
+          <a:prstGeom prst="rect">
+            <a:avLst/>
+          </a:prstGeom>
+          <a:solidFill>
+            <a:schemeClr val="tx1"/>
+          </a:solidFill>
+          <a:ln w="3175">
+            <a:noFill/>
+          </a:ln>
+          <a:effectLst/>
+        </p:spPr>
+        <p:style>
+          <a:lnRef idx="2">
+            <a:schemeClr val="accent1">
+              <a:shade val="50000"/>
+            </a:schemeClr>
+          </a:lnRef>
+          <a:fillRef idx="1">
+            <a:schemeClr val="accent1"/>
+          </a:fillRef>
+          <a:effectRef idx="0">
+            <a:schemeClr val="accent1"/>
+          </a:effectRef>
+          <a:fontRef idx="minor">
+            <a:schemeClr val="lt1"/>
+          </a:fontRef>
+        </p:style>
+        <p:txBody>
+          <a:bodyPr rtlCol="0" anchor="ctr"/>
+          <a:lstStyle/>
+          <a:p>
+            <a:pPr marL="0" marR="0" lvl="0" indent="0" algn="ctr" defTabSz="914400" rtl="0" eaLnBrk="1" fontAlgn="auto" latinLnBrk="0" hangingPunct="1">
+              <a:lnSpc>
+                <a:spcPct val="100000"/>
+              </a:lnSpc>
+              <a:spcBef>
+                <a:spcPts val="0"/>
+              </a:spcBef>
+              <a:spcAft>
+                <a:spcPts val="0"/>
+              </a:spcAft>
+              <a:buClrTx/>
+              <a:buSzTx/>
+              <a:buFontTx/>
+              <a:buNone/>
+              <a:tabLst/>
+              <a:defRPr/>
+            </a:pPr>
+            <a:endParaRPr kumimoji="0" lang="en-US" sz="1800" b="0" i="0" u="none" strike="noStrike" kern="1200" cap="none" spc="0" normalizeH="0" baseline="0" noProof="0">
+              <a:ln>
+                <a:noFill/>
+              </a:ln>
+              <a:solidFill>
+                <a:prstClr val="white"/>
+              </a:solidFill>
+              <a:effectLst/>
+              <a:uLnTx/>
+              <a:uFillTx/>
+              <a:latin typeface="Calibri" panose="020F0502020204030204"/>
+              <a:ea typeface="+mn-ea"/>
+              <a:cs typeface="+mn-cs"/>
+            </a:endParaRPr>
+          </a:p>
+        </p:txBody>
+      </p:sp>
+      <p:sp>
+        <p:nvSpPr>
+          <p:cNvPr id="3" name="Marcador de contenido 2">
+            <a:extLst>
+              <a:ext uri="{FF2B5EF4-FFF2-40B4-BE49-F238E27FC236}">
+                <a16:creationId xmlns:a16="http://schemas.microsoft.com/office/drawing/2014/main" id="{0B689B0C-0352-F4BE-7C0D-2367A8469F10}"/>
+              </a:ext>
+            </a:extLst>
+          </p:cNvPr>
+          <p:cNvSpPr>
+            <a:spLocks noGrp="1"/>
+          </p:cNvSpPr>
+          <p:nvPr>
+            <p:ph idx="1"/>
+          </p:nvPr>
+        </p:nvSpPr>
+        <p:spPr>
+          <a:xfrm>
+            <a:off x="371094" y="2718054"/>
+            <a:ext cx="10225019" cy="705598"/>
+          </a:xfrm>
+        </p:spPr>
+        <p:txBody>
+          <a:bodyPr vert="horz" lIns="91440" tIns="45720" rIns="91440" bIns="45720" rtlCol="0" anchor="t">
+            <a:normAutofit/>
+          </a:bodyPr>
+          <a:lstStyle/>
+          <a:p>
+            <a:r>
+              <a:rPr lang="es-ES" sz="1700" dirty="0">
+                <a:cs typeface="Calibri"/>
+              </a:rPr>
+              <a:t>El término </a:t>
+            </a:r>
+            <a:r>
+              <a:rPr lang="es-ES" sz="1700" b="1" dirty="0">
+                <a:cs typeface="Calibri"/>
+              </a:rPr>
+              <a:t>"</a:t>
+            </a:r>
+            <a:r>
+              <a:rPr lang="es-ES" sz="1700" b="1" dirty="0" err="1">
+                <a:cs typeface="Calibri"/>
+              </a:rPr>
+              <a:t>big</a:t>
+            </a:r>
+            <a:r>
+              <a:rPr lang="es-ES" sz="1700" b="1" dirty="0">
+                <a:cs typeface="Calibri"/>
+              </a:rPr>
+              <a:t> data"</a:t>
+            </a:r>
+            <a:r>
+              <a:rPr lang="es-ES" sz="1700" dirty="0">
+                <a:cs typeface="Calibri"/>
+              </a:rPr>
+              <a:t> representa una gran variedad de datos recopilados en grandes volúmenes a una velocidad superior</a:t>
+            </a:r>
+            <a:endParaRPr lang="es-ES" dirty="0">
+              <a:cs typeface="Calibri" panose="020F0502020204030204"/>
+            </a:endParaRPr>
+          </a:p>
+        </p:txBody>
+      </p:sp>
+      <p:sp>
+        <p:nvSpPr>
+          <p:cNvPr id="12" name="Marcador de contenido 2">
+            <a:extLst>
+              <a:ext uri="{FF2B5EF4-FFF2-40B4-BE49-F238E27FC236}">
+                <a16:creationId xmlns:a16="http://schemas.microsoft.com/office/drawing/2014/main" id="{76275126-45BA-6A76-5623-AF9CD62282F8}"/>
+              </a:ext>
+            </a:extLst>
+          </p:cNvPr>
+          <p:cNvSpPr txBox="1">
+            <a:spLocks/>
+          </p:cNvSpPr>
+          <p:nvPr/>
+        </p:nvSpPr>
+        <p:spPr>
+          <a:xfrm>
+            <a:off x="371475" y="4435654"/>
+            <a:ext cx="10228053" cy="670735"/>
+          </a:xfrm>
+          <a:prstGeom prst="rect">
+            <a:avLst/>
+          </a:prstGeom>
+        </p:spPr>
+        <p:txBody>
+          <a:bodyPr vert="horz" lIns="91440" tIns="45720" rIns="91440" bIns="45720" rtlCol="0" anchor="t">
+            <a:normAutofit/>
+          </a:bodyPr>
+          <a:lstStyle>
+            <a:defPPr>
+              <a:defRPr lang="es-ES"/>
+            </a:defPPr>
+            <a:lvl1pPr marL="0" algn="l" defTabSz="914400" rtl="0" eaLnBrk="1" latinLnBrk="0" hangingPunct="1">
+              <a:defRPr sz="1800" kern="1200">
+                <a:solidFill>
+                  <a:schemeClr val="tx1"/>
+                </a:solidFill>
+                <a:latin typeface="+mn-lt"/>
+                <a:ea typeface="+mn-ea"/>
+                <a:cs typeface="+mn-cs"/>
+              </a:defRPr>
+            </a:lvl1pPr>
+            <a:lvl2pPr marL="457200" algn="l" defTabSz="914400" rtl="0" eaLnBrk="1" latinLnBrk="0" hangingPunct="1">
+              <a:defRPr sz="1800" kern="1200">
+                <a:solidFill>
+                  <a:schemeClr val="tx1"/>
+                </a:solidFill>
+                <a:latin typeface="+mn-lt"/>
+                <a:ea typeface="+mn-ea"/>
+                <a:cs typeface="+mn-cs"/>
+              </a:defRPr>
+            </a:lvl2pPr>
+            <a:lvl3pPr marL="914400" algn="l" defTabSz="914400" rtl="0" eaLnBrk="1" latinLnBrk="0" hangingPunct="1">
+              <a:defRPr sz="1800" kern="1200">
+                <a:solidFill>
+                  <a:schemeClr val="tx1"/>
+                </a:solidFill>
+                <a:latin typeface="+mn-lt"/>
+                <a:ea typeface="+mn-ea"/>
+                <a:cs typeface="+mn-cs"/>
+              </a:defRPr>
+            </a:lvl3pPr>
+            <a:lvl4pPr marL="1371600" algn="l" defTabSz="914400" rtl="0" eaLnBrk="1" latinLnBrk="0" hangingPunct="1">
+              <a:defRPr sz="1800" kern="1200">
+                <a:solidFill>
+                  <a:schemeClr val="tx1"/>
+                </a:solidFill>
+                <a:latin typeface="+mn-lt"/>
+                <a:ea typeface="+mn-ea"/>
+                <a:cs typeface="+mn-cs"/>
+              </a:defRPr>
+            </a:lvl4pPr>
+            <a:lvl5pPr marL="1828800" algn="l" defTabSz="914400" rtl="0" eaLnBrk="1" latinLnBrk="0" hangingPunct="1">
+              <a:defRPr sz="1800" kern="1200">
+                <a:solidFill>
+                  <a:schemeClr val="tx1"/>
+                </a:solidFill>
+                <a:latin typeface="+mn-lt"/>
+                <a:ea typeface="+mn-ea"/>
+                <a:cs typeface="+mn-cs"/>
+              </a:defRPr>
+            </a:lvl5pPr>
+            <a:lvl6pPr marL="2286000" algn="l" defTabSz="914400" rtl="0" eaLnBrk="1" latinLnBrk="0" hangingPunct="1">
+              <a:defRPr sz="1800" kern="1200">
+                <a:solidFill>
+                  <a:schemeClr val="tx1"/>
+                </a:solidFill>
+                <a:latin typeface="+mn-lt"/>
+                <a:ea typeface="+mn-ea"/>
+                <a:cs typeface="+mn-cs"/>
+              </a:defRPr>
+            </a:lvl6pPr>
+            <a:lvl7pPr marL="2743200" algn="l" defTabSz="914400" rtl="0" eaLnBrk="1" latinLnBrk="0" hangingPunct="1">
+              <a:defRPr sz="1800" kern="1200">
+                <a:solidFill>
+                  <a:schemeClr val="tx1"/>
+                </a:solidFill>
+                <a:latin typeface="+mn-lt"/>
+                <a:ea typeface="+mn-ea"/>
+                <a:cs typeface="+mn-cs"/>
+              </a:defRPr>
+            </a:lvl7pPr>
+            <a:lvl8pPr marL="3200400" algn="l" defTabSz="914400" rtl="0" eaLnBrk="1" latinLnBrk="0" hangingPunct="1">
+              <a:defRPr sz="1800" kern="1200">
+                <a:solidFill>
+                  <a:schemeClr val="tx1"/>
+                </a:solidFill>
+                <a:latin typeface="+mn-lt"/>
+                <a:ea typeface="+mn-ea"/>
+                <a:cs typeface="+mn-cs"/>
+              </a:defRPr>
+            </a:lvl8pPr>
+            <a:lvl9pPr marL="3657600" algn="l" defTabSz="914400" rtl="0" eaLnBrk="1" latinLnBrk="0" hangingPunct="1">
+              <a:defRPr sz="1800" kern="1200">
+                <a:solidFill>
+                  <a:schemeClr val="tx1"/>
+                </a:solidFill>
+                <a:latin typeface="+mn-lt"/>
+                <a:ea typeface="+mn-ea"/>
+                <a:cs typeface="+mn-cs"/>
+              </a:defRPr>
+            </a:lvl9pPr>
+          </a:lstStyle>
+          <a:p>
+            <a:pPr marL="285750" indent="-285750">
+              <a:buFont typeface="Arial"/>
+              <a:buChar char="•"/>
+            </a:pPr>
+            <a:r>
+              <a:rPr lang="es-ES" dirty="0">
+                <a:cs typeface="Calibri"/>
+              </a:rPr>
+              <a:t>El </a:t>
+            </a:r>
+            <a:r>
+              <a:rPr lang="es-ES" dirty="0" err="1">
+                <a:cs typeface="Calibri"/>
+              </a:rPr>
+              <a:t>big</a:t>
+            </a:r>
+            <a:r>
+              <a:rPr lang="es-ES" dirty="0">
+                <a:cs typeface="Calibri"/>
+              </a:rPr>
+              <a:t> data son conjuntos de datos, los cuales son tan grandes como un software de procesamiento de datos, estos datos pueden ser utilizados para resolver problemas.</a:t>
+            </a:r>
+            <a:endParaRPr lang="es-ES"/>
+          </a:p>
+        </p:txBody>
+      </p:sp>
+      <p:sp>
+        <p:nvSpPr>
+          <p:cNvPr id="14" name="Marcador de contenido 2">
+            <a:extLst>
+              <a:ext uri="{FF2B5EF4-FFF2-40B4-BE49-F238E27FC236}">
+                <a16:creationId xmlns:a16="http://schemas.microsoft.com/office/drawing/2014/main" id="{406D5093-AC3A-9236-0CCE-F99A15DD90EE}"/>
+              </a:ext>
+            </a:extLst>
+          </p:cNvPr>
+          <p:cNvSpPr txBox="1">
+            <a:spLocks/>
+          </p:cNvSpPr>
+          <p:nvPr/>
+        </p:nvSpPr>
+        <p:spPr>
+          <a:xfrm>
+            <a:off x="371476" y="3587389"/>
+            <a:ext cx="10515600" cy="598848"/>
+          </a:xfrm>
+          <a:prstGeom prst="rect">
+            <a:avLst/>
+          </a:prstGeom>
+        </p:spPr>
+        <p:txBody>
+          <a:bodyPr vert="horz" lIns="91440" tIns="45720" rIns="91440" bIns="45720" rtlCol="0" anchor="t">
+            <a:normAutofit lnSpcReduction="10000"/>
+          </a:bodyPr>
+          <a:lstStyle>
+            <a:defPPr>
+              <a:defRPr lang="es-ES"/>
+            </a:defPPr>
+            <a:lvl1pPr marL="0" algn="l" defTabSz="914400" rtl="0" eaLnBrk="1" latinLnBrk="0" hangingPunct="1">
+              <a:defRPr sz="1800" kern="1200">
+                <a:solidFill>
+                  <a:schemeClr val="tx1"/>
+                </a:solidFill>
+                <a:latin typeface="+mn-lt"/>
+                <a:ea typeface="+mn-ea"/>
+                <a:cs typeface="+mn-cs"/>
+              </a:defRPr>
+            </a:lvl1pPr>
+            <a:lvl2pPr marL="457200" algn="l" defTabSz="914400" rtl="0" eaLnBrk="1" latinLnBrk="0" hangingPunct="1">
+              <a:defRPr sz="1800" kern="1200">
+                <a:solidFill>
+                  <a:schemeClr val="tx1"/>
+                </a:solidFill>
+                <a:latin typeface="+mn-lt"/>
+                <a:ea typeface="+mn-ea"/>
+                <a:cs typeface="+mn-cs"/>
+              </a:defRPr>
+            </a:lvl2pPr>
+            <a:lvl3pPr marL="914400" algn="l" defTabSz="914400" rtl="0" eaLnBrk="1" latinLnBrk="0" hangingPunct="1">
+              <a:defRPr sz="1800" kern="1200">
+                <a:solidFill>
+                  <a:schemeClr val="tx1"/>
+                </a:solidFill>
+                <a:latin typeface="+mn-lt"/>
+                <a:ea typeface="+mn-ea"/>
+                <a:cs typeface="+mn-cs"/>
+              </a:defRPr>
+            </a:lvl3pPr>
+            <a:lvl4pPr marL="1371600" algn="l" defTabSz="914400" rtl="0" eaLnBrk="1" latinLnBrk="0" hangingPunct="1">
+              <a:defRPr sz="1800" kern="1200">
+                <a:solidFill>
+                  <a:schemeClr val="tx1"/>
+                </a:solidFill>
+                <a:latin typeface="+mn-lt"/>
+                <a:ea typeface="+mn-ea"/>
+                <a:cs typeface="+mn-cs"/>
+              </a:defRPr>
+            </a:lvl4pPr>
+            <a:lvl5pPr marL="1828800" algn="l" defTabSz="914400" rtl="0" eaLnBrk="1" latinLnBrk="0" hangingPunct="1">
+              <a:defRPr sz="1800" kern="1200">
+                <a:solidFill>
+                  <a:schemeClr val="tx1"/>
+                </a:solidFill>
+                <a:latin typeface="+mn-lt"/>
+                <a:ea typeface="+mn-ea"/>
+                <a:cs typeface="+mn-cs"/>
+              </a:defRPr>
+            </a:lvl5pPr>
+            <a:lvl6pPr marL="2286000" algn="l" defTabSz="914400" rtl="0" eaLnBrk="1" latinLnBrk="0" hangingPunct="1">
+              <a:defRPr sz="1800" kern="1200">
+                <a:solidFill>
+                  <a:schemeClr val="tx1"/>
+                </a:solidFill>
+                <a:latin typeface="+mn-lt"/>
+                <a:ea typeface="+mn-ea"/>
+                <a:cs typeface="+mn-cs"/>
+              </a:defRPr>
+            </a:lvl6pPr>
+            <a:lvl7pPr marL="2743200" algn="l" defTabSz="914400" rtl="0" eaLnBrk="1" latinLnBrk="0" hangingPunct="1">
+              <a:defRPr sz="1800" kern="1200">
+                <a:solidFill>
+                  <a:schemeClr val="tx1"/>
+                </a:solidFill>
+                <a:latin typeface="+mn-lt"/>
+                <a:ea typeface="+mn-ea"/>
+                <a:cs typeface="+mn-cs"/>
+              </a:defRPr>
+            </a:lvl7pPr>
+            <a:lvl8pPr marL="3200400" algn="l" defTabSz="914400" rtl="0" eaLnBrk="1" latinLnBrk="0" hangingPunct="1">
+              <a:defRPr sz="1800" kern="1200">
+                <a:solidFill>
+                  <a:schemeClr val="tx1"/>
+                </a:solidFill>
+                <a:latin typeface="+mn-lt"/>
+                <a:ea typeface="+mn-ea"/>
+                <a:cs typeface="+mn-cs"/>
+              </a:defRPr>
+            </a:lvl8pPr>
+            <a:lvl9pPr marL="3657600" algn="l" defTabSz="914400" rtl="0" eaLnBrk="1" latinLnBrk="0" hangingPunct="1">
+              <a:defRPr sz="1800" kern="1200">
+                <a:solidFill>
+                  <a:schemeClr val="tx1"/>
+                </a:solidFill>
+                <a:latin typeface="+mn-lt"/>
+                <a:ea typeface="+mn-ea"/>
+                <a:cs typeface="+mn-cs"/>
+              </a:defRPr>
+            </a:lvl9pPr>
+          </a:lstStyle>
+          <a:p>
+            <a:pPr marL="285750" indent="-285750">
+              <a:buFont typeface="Arial"/>
+              <a:buChar char="•"/>
+            </a:pPr>
+            <a:r>
+              <a:rPr lang="es-ES" dirty="0">
+                <a:cs typeface="Calibri"/>
+              </a:rPr>
+              <a:t>Es decir, el big data se compone de grupos de datos de gran tamaño y complejidad, sobre todo cuando hay nuevas fuentes de datos</a:t>
+            </a:r>
+          </a:p>
+        </p:txBody>
+      </p:sp>
+    </p:spTree>
+    <p:extLst>
+      <p:ext uri="{BB962C8B-B14F-4D97-AF65-F5344CB8AC3E}">
+        <p14:creationId xmlns:p14="http://schemas.microsoft.com/office/powerpoint/2010/main" val="3613378253"/>
+      </p:ext>
+    </p:extLst>
+  </p:cSld>
+  <p:clrMapOvr>
+    <a:overrideClrMapping bg1="dk1" tx1="lt1" bg2="dk2" tx2="lt2" accent1="accent1" accent2="accent2" accent3="accent3" accent4="accent4" accent5="accent5" accent6="accent6" hlink="hlink" folHlink="folHlink"/>
+  </p:clrMapOvr>
+</p:sld>
+</file>
+
+<file path=ppt/slides/slide4.xml><?xml version="1.0" encoding="utf-8"?>
+<p:sld xmlns:a="http://schemas.openxmlformats.org/drawingml/2006/main" xmlns:r="http://schemas.openxmlformats.org/officeDocument/2006/relationships" xmlns:p="http://schemas.openxmlformats.org/presentationml/2006/main">
+  <p:cSld>
+    <p:spTree>
+      <p:nvGrpSpPr>
+        <p:cNvPr id="1" name=""/>
+        <p:cNvGrpSpPr/>
+        <p:nvPr/>
+      </p:nvGrpSpPr>
+      <p:grpSpPr>
+        <a:xfrm>
+          <a:off x="0" y="0"/>
+          <a:ext cx="0" cy="0"/>
+          <a:chOff x="0" y="0"/>
+          <a:chExt cx="0" cy="0"/>
+        </a:xfrm>
+      </p:grpSpPr>
+      <p:sp>
+        <p:nvSpPr>
+          <p:cNvPr id="2" name="Título 1">
+            <a:extLst>
+              <a:ext uri="{FF2B5EF4-FFF2-40B4-BE49-F238E27FC236}">
+                <a16:creationId xmlns:a16="http://schemas.microsoft.com/office/drawing/2014/main" id="{71AEC653-CF21-4A83-8228-4AB13A9E6A67}"/>
+              </a:ext>
+            </a:extLst>
+          </p:cNvPr>
+          <p:cNvSpPr>
+            <a:spLocks noGrp="1"/>
+          </p:cNvSpPr>
+          <p:nvPr>
+            <p:ph type="title"/>
+          </p:nvPr>
+        </p:nvSpPr>
+        <p:spPr/>
+        <p:txBody>
+          <a:bodyPr/>
+          <a:lstStyle/>
+          <a:p>
+            <a:pPr algn="ctr"/>
+            <a:r>
+              <a:rPr lang="es-ES" dirty="0"/>
+              <a:t>VOLUMEN</a:t>
+            </a:r>
+          </a:p>
+        </p:txBody>
+      </p:sp>
+      <p:sp>
+        <p:nvSpPr>
+          <p:cNvPr id="3" name="Marcador de contenido 2">
+            <a:extLst>
+              <a:ext uri="{FF2B5EF4-FFF2-40B4-BE49-F238E27FC236}">
+                <a16:creationId xmlns:a16="http://schemas.microsoft.com/office/drawing/2014/main" id="{FDA276B4-AFA8-445E-BF46-D797C1B3F0B0}"/>
+              </a:ext>
+            </a:extLst>
+          </p:cNvPr>
+          <p:cNvSpPr>
+            <a:spLocks noGrp="1"/>
+          </p:cNvSpPr>
+          <p:nvPr>
+            <p:ph idx="1"/>
+          </p:nvPr>
+        </p:nvSpPr>
+        <p:spPr>
+          <a:xfrm>
+            <a:off x="838200" y="1825625"/>
+            <a:ext cx="10515600" cy="1786255"/>
+          </a:xfrm>
+        </p:spPr>
+        <p:txBody>
+          <a:bodyPr>
+            <a:normAutofit/>
+          </a:bodyPr>
+          <a:lstStyle/>
+          <a:p>
+            <a:r>
+              <a:rPr lang="es-ES" b="1" dirty="0"/>
+              <a:t>Volumen</a:t>
+            </a:r>
+            <a:r>
+              <a:rPr lang="es-ES" dirty="0"/>
+              <a:t>: El </a:t>
+            </a:r>
+            <a:r>
+              <a:rPr lang="es-ES" dirty="0" err="1"/>
+              <a:t>big</a:t>
+            </a:r>
+            <a:r>
+              <a:rPr lang="es-ES" dirty="0"/>
+              <a:t> data procesa grandes volúmenes de datos no estructurados, la procedencia de esos daros, es desconocida (</a:t>
+            </a:r>
+            <a:r>
+              <a:rPr lang="es-ES" dirty="0" err="1"/>
+              <a:t>p.e</a:t>
+            </a:r>
+            <a:r>
+              <a:rPr lang="es-ES" dirty="0"/>
+              <a:t>. las </a:t>
+            </a:r>
+            <a:r>
+              <a:rPr lang="es-ES" dirty="0" err="1"/>
+              <a:t>feeds</a:t>
+            </a:r>
+            <a:r>
+              <a:rPr lang="es-ES" dirty="0"/>
+              <a:t> de Twitter). Esta característica para las organizaciones, supone un reto para almacenar y analizar los datos</a:t>
+            </a:r>
+            <a:endParaRPr lang="es-ES" b="1" dirty="0"/>
+          </a:p>
+        </p:txBody>
+      </p:sp>
+    </p:spTree>
+    <p:extLst>
+      <p:ext uri="{BB962C8B-B14F-4D97-AF65-F5344CB8AC3E}">
+        <p14:creationId xmlns:p14="http://schemas.microsoft.com/office/powerpoint/2010/main" val="1106986487"/>
+      </p:ext>
+    </p:extLst>
+  </p:cSld>
+  <p:clrMapOvr>
+    <a:masterClrMapping/>
+  </p:clrMapOvr>
+</p:sld>
+</file>
+
+<file path=ppt/slides/slide5.xml><?xml version="1.0" encoding="utf-8"?>
+<p:sld xmlns:a="http://schemas.openxmlformats.org/drawingml/2006/main" xmlns:r="http://schemas.openxmlformats.org/officeDocument/2006/relationships" xmlns:p="http://schemas.openxmlformats.org/presentationml/2006/main">
+  <p:cSld>
+    <p:spTree>
+      <p:nvGrpSpPr>
+        <p:cNvPr id="1" name=""/>
+        <p:cNvGrpSpPr/>
+        <p:nvPr/>
+      </p:nvGrpSpPr>
+      <p:grpSpPr>
+        <a:xfrm>
+          <a:off x="0" y="0"/>
+          <a:ext cx="0" cy="0"/>
+          <a:chOff x="0" y="0"/>
+          <a:chExt cx="0" cy="0"/>
+        </a:xfrm>
+      </p:grpSpPr>
+      <p:sp>
+        <p:nvSpPr>
+          <p:cNvPr id="2" name="Título 1">
+            <a:extLst>
+              <a:ext uri="{FF2B5EF4-FFF2-40B4-BE49-F238E27FC236}">
+                <a16:creationId xmlns:a16="http://schemas.microsoft.com/office/drawing/2014/main" id="{EEFFF1FB-241B-4CF4-A2C7-CFE2DA1A9AD1}"/>
+              </a:ext>
+            </a:extLst>
+          </p:cNvPr>
+          <p:cNvSpPr>
+            <a:spLocks noGrp="1"/>
+          </p:cNvSpPr>
+          <p:nvPr>
+            <p:ph type="title"/>
+          </p:nvPr>
+        </p:nvSpPr>
+        <p:spPr/>
+        <p:txBody>
+          <a:bodyPr/>
+          <a:lstStyle/>
+          <a:p>
+            <a:pPr algn="ctr"/>
+            <a:r>
+              <a:rPr lang="es-ES" dirty="0"/>
+              <a:t>VELOCIDAD</a:t>
+            </a:r>
+          </a:p>
+        </p:txBody>
+      </p:sp>
+      <p:sp>
+        <p:nvSpPr>
+          <p:cNvPr id="4" name="Marcador de contenido 2">
+            <a:extLst>
+              <a:ext uri="{FF2B5EF4-FFF2-40B4-BE49-F238E27FC236}">
+                <a16:creationId xmlns:a16="http://schemas.microsoft.com/office/drawing/2014/main" id="{547BDE46-D058-433A-9BA3-B8680CF7D8BA}"/>
+              </a:ext>
+            </a:extLst>
+          </p:cNvPr>
+          <p:cNvSpPr txBox="1">
+            <a:spLocks/>
+          </p:cNvSpPr>
+          <p:nvPr/>
+        </p:nvSpPr>
+        <p:spPr>
+          <a:xfrm>
+            <a:off x="838200" y="1690688"/>
+            <a:ext cx="10515600" cy="2012632"/>
+          </a:xfrm>
+          <a:prstGeom prst="rect">
+            <a:avLst/>
+          </a:prstGeom>
+        </p:spPr>
+        <p:txBody>
+          <a:bodyPr vert="horz" lIns="91440" tIns="45720" rIns="91440" bIns="45720" rtlCol="0">
+            <a:normAutofit/>
+          </a:bodyPr>
+          <a:lstStyle>
+            <a:lvl1pPr marL="228600" indent="-228600" algn="l" defTabSz="914400" rtl="0" eaLnBrk="1" latinLnBrk="0" hangingPunct="1">
+              <a:lnSpc>
+                <a:spcPct val="90000"/>
+              </a:lnSpc>
+              <a:spcBef>
+                <a:spcPts val="1000"/>
+              </a:spcBef>
+              <a:buFont typeface="Arial" panose="020B0604020202020204" pitchFamily="34" charset="0"/>
+              <a:buChar char="•"/>
+              <a:defRPr sz="2800" kern="1200">
+                <a:solidFill>
+                  <a:schemeClr val="tx1"/>
+                </a:solidFill>
+                <a:latin typeface="+mn-lt"/>
+                <a:ea typeface="+mn-ea"/>
+                <a:cs typeface="+mn-cs"/>
+              </a:defRPr>
+            </a:lvl1pPr>
+            <a:lvl2pPr marL="685800" indent="-228600" algn="l" defTabSz="914400" rtl="0" eaLnBrk="1" latinLnBrk="0" hangingPunct="1">
+              <a:lnSpc>
+                <a:spcPct val="90000"/>
+              </a:lnSpc>
+              <a:spcBef>
+                <a:spcPts val="500"/>
+              </a:spcBef>
+              <a:buFont typeface="Arial" panose="020B0604020202020204" pitchFamily="34" charset="0"/>
+              <a:buChar char="•"/>
+              <a:defRPr sz="2400" kern="1200">
+                <a:solidFill>
+                  <a:schemeClr val="tx1"/>
+                </a:solidFill>
+                <a:latin typeface="+mn-lt"/>
+                <a:ea typeface="+mn-ea"/>
+                <a:cs typeface="+mn-cs"/>
+              </a:defRPr>
+            </a:lvl2pPr>
+            <a:lvl3pPr marL="1143000" indent="-228600" algn="l" defTabSz="914400" rtl="0" eaLnBrk="1" latinLnBrk="0" hangingPunct="1">
+              <a:lnSpc>
+                <a:spcPct val="90000"/>
+              </a:lnSpc>
+              <a:spcBef>
+                <a:spcPts val="500"/>
+              </a:spcBef>
+              <a:buFont typeface="Arial" panose="020B0604020202020204" pitchFamily="34" charset="0"/>
+              <a:buChar char="•"/>
+              <a:defRPr sz="2000" kern="1200">
+                <a:solidFill>
+                  <a:schemeClr val="tx1"/>
+                </a:solidFill>
+                <a:latin typeface="+mn-lt"/>
+                <a:ea typeface="+mn-ea"/>
+                <a:cs typeface="+mn-cs"/>
+              </a:defRPr>
+            </a:lvl3pPr>
+            <a:lvl4pPr marL="1600200" indent="-228600" algn="l" defTabSz="914400" rtl="0" eaLnBrk="1" latinLnBrk="0" hangingPunct="1">
+              <a:lnSpc>
+                <a:spcPct val="90000"/>
+              </a:lnSpc>
+              <a:spcBef>
+                <a:spcPts val="500"/>
+              </a:spcBef>
+              <a:buFont typeface="Arial" panose="020B0604020202020204" pitchFamily="34" charset="0"/>
+              <a:buChar char="•"/>
+              <a:defRPr sz="1800" kern="1200">
+                <a:solidFill>
+                  <a:schemeClr val="tx1"/>
+                </a:solidFill>
+                <a:latin typeface="+mn-lt"/>
+                <a:ea typeface="+mn-ea"/>
+                <a:cs typeface="+mn-cs"/>
+              </a:defRPr>
+            </a:lvl4pPr>
+            <a:lvl5pPr marL="2057400" indent="-228600" algn="l" defTabSz="914400" rtl="0" eaLnBrk="1" latinLnBrk="0" hangingPunct="1">
+              <a:lnSpc>
+                <a:spcPct val="90000"/>
+              </a:lnSpc>
+              <a:spcBef>
+                <a:spcPts val="500"/>
+              </a:spcBef>
+              <a:buFont typeface="Arial" panose="020B0604020202020204" pitchFamily="34" charset="0"/>
+              <a:buChar char="•"/>
+              <a:defRPr sz="1800" kern="1200">
+                <a:solidFill>
+                  <a:schemeClr val="tx1"/>
+                </a:solidFill>
+                <a:latin typeface="+mn-lt"/>
+                <a:ea typeface="+mn-ea"/>
+                <a:cs typeface="+mn-cs"/>
+              </a:defRPr>
+            </a:lvl5pPr>
+            <a:lvl6pPr marL="2514600" indent="-228600" algn="l" defTabSz="914400" rtl="0" eaLnBrk="1" latinLnBrk="0" hangingPunct="1">
+              <a:lnSpc>
+                <a:spcPct val="90000"/>
+              </a:lnSpc>
+              <a:spcBef>
+                <a:spcPts val="500"/>
+              </a:spcBef>
+              <a:buFont typeface="Arial" panose="020B0604020202020204" pitchFamily="34" charset="0"/>
+              <a:buChar char="•"/>
+              <a:defRPr sz="1800" kern="1200">
+                <a:solidFill>
+                  <a:schemeClr val="tx1"/>
+                </a:solidFill>
+                <a:latin typeface="+mn-lt"/>
+                <a:ea typeface="+mn-ea"/>
+                <a:cs typeface="+mn-cs"/>
+              </a:defRPr>
+            </a:lvl6pPr>
+            <a:lvl7pPr marL="2971800" indent="-228600" algn="l" defTabSz="914400" rtl="0" eaLnBrk="1" latinLnBrk="0" hangingPunct="1">
+              <a:lnSpc>
+                <a:spcPct val="90000"/>
+              </a:lnSpc>
+              <a:spcBef>
+                <a:spcPts val="500"/>
+              </a:spcBef>
+              <a:buFont typeface="Arial" panose="020B0604020202020204" pitchFamily="34" charset="0"/>
+              <a:buChar char="•"/>
+              <a:defRPr sz="1800" kern="1200">
+                <a:solidFill>
+                  <a:schemeClr val="tx1"/>
+                </a:solidFill>
+                <a:latin typeface="+mn-lt"/>
+                <a:ea typeface="+mn-ea"/>
+                <a:cs typeface="+mn-cs"/>
+              </a:defRPr>
+            </a:lvl7pPr>
+            <a:lvl8pPr marL="3429000" indent="-228600" algn="l" defTabSz="914400" rtl="0" eaLnBrk="1" latinLnBrk="0" hangingPunct="1">
+              <a:lnSpc>
+                <a:spcPct val="90000"/>
+              </a:lnSpc>
+              <a:spcBef>
+                <a:spcPts val="500"/>
+              </a:spcBef>
+              <a:buFont typeface="Arial" panose="020B0604020202020204" pitchFamily="34" charset="0"/>
+              <a:buChar char="•"/>
+              <a:defRPr sz="1800" kern="1200">
+                <a:solidFill>
+                  <a:schemeClr val="tx1"/>
+                </a:solidFill>
+                <a:latin typeface="+mn-lt"/>
+                <a:ea typeface="+mn-ea"/>
+                <a:cs typeface="+mn-cs"/>
+              </a:defRPr>
+            </a:lvl8pPr>
+            <a:lvl9pPr marL="3886200" indent="-228600" algn="l" defTabSz="914400" rtl="0" eaLnBrk="1" latinLnBrk="0" hangingPunct="1">
+              <a:lnSpc>
+                <a:spcPct val="90000"/>
+              </a:lnSpc>
+              <a:spcBef>
+                <a:spcPts val="500"/>
+              </a:spcBef>
+              <a:buFont typeface="Arial" panose="020B0604020202020204" pitchFamily="34" charset="0"/>
+              <a:buChar char="•"/>
+              <a:defRPr sz="1800" kern="1200">
+                <a:solidFill>
+                  <a:schemeClr val="tx1"/>
+                </a:solidFill>
+                <a:latin typeface="+mn-lt"/>
+                <a:ea typeface="+mn-ea"/>
+                <a:cs typeface="+mn-cs"/>
+              </a:defRPr>
+            </a:lvl9pPr>
+          </a:lstStyle>
+          <a:p>
+            <a:r>
+              <a:rPr lang="es-ES" b="1" dirty="0"/>
+              <a:t>Velocidad</a:t>
+            </a:r>
+            <a:r>
+              <a:rPr lang="es-ES" dirty="0"/>
+              <a:t>: Los datos se generan más rápido, haciendo necesaria, una respuesta rápida, requiere tiempo para el procesamiento, análisis de los datos y gestión de al información. Los datos de mayor velocidad se transmiten directamente a la memoria.</a:t>
+            </a:r>
+            <a:endParaRPr lang="es-ES" b="1" dirty="0"/>
+          </a:p>
+        </p:txBody>
+      </p:sp>
+    </p:spTree>
+    <p:extLst>
+      <p:ext uri="{BB962C8B-B14F-4D97-AF65-F5344CB8AC3E}">
+        <p14:creationId xmlns:p14="http://schemas.microsoft.com/office/powerpoint/2010/main" val="1015946967"/>
+      </p:ext>
+    </p:extLst>
+  </p:cSld>
+  <p:clrMapOvr>
+    <a:masterClrMapping/>
+  </p:clrMapOvr>
+</p:sld>
+</file>
+
+<file path=ppt/slides/slide6.xml><?xml version="1.0" encoding="utf-8"?>
+<p:sld xmlns:a="http://schemas.openxmlformats.org/drawingml/2006/main" xmlns:r="http://schemas.openxmlformats.org/officeDocument/2006/relationships" xmlns:p="http://schemas.openxmlformats.org/presentationml/2006/main">
+  <p:cSld>
+    <p:spTree>
+      <p:nvGrpSpPr>
+        <p:cNvPr id="1" name=""/>
+        <p:cNvGrpSpPr/>
+        <p:nvPr/>
+      </p:nvGrpSpPr>
+      <p:grpSpPr>
+        <a:xfrm>
+          <a:off x="0" y="0"/>
+          <a:ext cx="0" cy="0"/>
+          <a:chOff x="0" y="0"/>
+          <a:chExt cx="0" cy="0"/>
+        </a:xfrm>
+      </p:grpSpPr>
+      <p:sp>
+        <p:nvSpPr>
+          <p:cNvPr id="2" name="Título 1">
+            <a:extLst>
+              <a:ext uri="{FF2B5EF4-FFF2-40B4-BE49-F238E27FC236}">
+                <a16:creationId xmlns:a16="http://schemas.microsoft.com/office/drawing/2014/main" id="{0CD28B4F-CA59-40E4-9706-0BB2A315AE0A}"/>
+              </a:ext>
+            </a:extLst>
+          </p:cNvPr>
+          <p:cNvSpPr>
+            <a:spLocks noGrp="1"/>
+          </p:cNvSpPr>
+          <p:nvPr>
+            <p:ph type="title"/>
+          </p:nvPr>
+        </p:nvSpPr>
+        <p:spPr/>
+        <p:txBody>
+          <a:bodyPr/>
+          <a:lstStyle/>
+          <a:p>
+            <a:pPr algn="ctr"/>
+            <a:r>
+              <a:rPr lang="es-ES" dirty="0"/>
+              <a:t>VARIEDAD</a:t>
+            </a:r>
+          </a:p>
+        </p:txBody>
+      </p:sp>
+      <p:sp>
+        <p:nvSpPr>
+          <p:cNvPr id="4" name="Marcador de contenido 2">
+            <a:extLst>
+              <a:ext uri="{FF2B5EF4-FFF2-40B4-BE49-F238E27FC236}">
+                <a16:creationId xmlns:a16="http://schemas.microsoft.com/office/drawing/2014/main" id="{A779A601-EB60-48FD-93E8-41E0FF30C6FB}"/>
+              </a:ext>
+            </a:extLst>
+          </p:cNvPr>
+          <p:cNvSpPr txBox="1">
+            <a:spLocks/>
+          </p:cNvSpPr>
+          <p:nvPr/>
+        </p:nvSpPr>
+        <p:spPr>
+          <a:xfrm>
+            <a:off x="838200" y="1690689"/>
+            <a:ext cx="10515600" cy="2172652"/>
+          </a:xfrm>
+          <a:prstGeom prst="rect">
+            <a:avLst/>
+          </a:prstGeom>
+        </p:spPr>
+        <p:txBody>
+          <a:bodyPr vert="horz" lIns="91440" tIns="45720" rIns="91440" bIns="45720" rtlCol="0">
+            <a:normAutofit/>
+          </a:bodyPr>
+          <a:lstStyle>
+            <a:lvl1pPr marL="228600" indent="-228600" algn="l" defTabSz="914400" rtl="0" eaLnBrk="1" latinLnBrk="0" hangingPunct="1">
+              <a:lnSpc>
+                <a:spcPct val="90000"/>
+              </a:lnSpc>
+              <a:spcBef>
+                <a:spcPts val="1000"/>
+              </a:spcBef>
+              <a:buFont typeface="Arial" panose="020B0604020202020204" pitchFamily="34" charset="0"/>
+              <a:buChar char="•"/>
+              <a:defRPr sz="2800" kern="1200">
+                <a:solidFill>
+                  <a:schemeClr val="tx1"/>
+                </a:solidFill>
+                <a:latin typeface="+mn-lt"/>
+                <a:ea typeface="+mn-ea"/>
+                <a:cs typeface="+mn-cs"/>
+              </a:defRPr>
+            </a:lvl1pPr>
+            <a:lvl2pPr marL="685800" indent="-228600" algn="l" defTabSz="914400" rtl="0" eaLnBrk="1" latinLnBrk="0" hangingPunct="1">
+              <a:lnSpc>
+                <a:spcPct val="90000"/>
+              </a:lnSpc>
+              <a:spcBef>
+                <a:spcPts val="500"/>
+              </a:spcBef>
+              <a:buFont typeface="Arial" panose="020B0604020202020204" pitchFamily="34" charset="0"/>
+              <a:buChar char="•"/>
+              <a:defRPr sz="2400" kern="1200">
+                <a:solidFill>
+                  <a:schemeClr val="tx1"/>
+                </a:solidFill>
+                <a:latin typeface="+mn-lt"/>
+                <a:ea typeface="+mn-ea"/>
+                <a:cs typeface="+mn-cs"/>
+              </a:defRPr>
+            </a:lvl2pPr>
+            <a:lvl3pPr marL="1143000" indent="-228600" algn="l" defTabSz="914400" rtl="0" eaLnBrk="1" latinLnBrk="0" hangingPunct="1">
+              <a:lnSpc>
+                <a:spcPct val="90000"/>
+              </a:lnSpc>
+              <a:spcBef>
+                <a:spcPts val="500"/>
+              </a:spcBef>
+              <a:buFont typeface="Arial" panose="020B0604020202020204" pitchFamily="34" charset="0"/>
+              <a:buChar char="•"/>
+              <a:defRPr sz="2000" kern="1200">
+                <a:solidFill>
+                  <a:schemeClr val="tx1"/>
+                </a:solidFill>
+                <a:latin typeface="+mn-lt"/>
+                <a:ea typeface="+mn-ea"/>
+                <a:cs typeface="+mn-cs"/>
+              </a:defRPr>
+            </a:lvl3pPr>
+            <a:lvl4pPr marL="1600200" indent="-228600" algn="l" defTabSz="914400" rtl="0" eaLnBrk="1" latinLnBrk="0" hangingPunct="1">
+              <a:lnSpc>
+                <a:spcPct val="90000"/>
+              </a:lnSpc>
+              <a:spcBef>
+                <a:spcPts val="500"/>
+              </a:spcBef>
+              <a:buFont typeface="Arial" panose="020B0604020202020204" pitchFamily="34" charset="0"/>
+              <a:buChar char="•"/>
+              <a:defRPr sz="1800" kern="1200">
+                <a:solidFill>
+                  <a:schemeClr val="tx1"/>
+                </a:solidFill>
+                <a:latin typeface="+mn-lt"/>
+                <a:ea typeface="+mn-ea"/>
+                <a:cs typeface="+mn-cs"/>
+              </a:defRPr>
+            </a:lvl4pPr>
+            <a:lvl5pPr marL="2057400" indent="-228600" algn="l" defTabSz="914400" rtl="0" eaLnBrk="1" latinLnBrk="0" hangingPunct="1">
+              <a:lnSpc>
+                <a:spcPct val="90000"/>
+              </a:lnSpc>
+              <a:spcBef>
+                <a:spcPts val="500"/>
+              </a:spcBef>
+              <a:buFont typeface="Arial" panose="020B0604020202020204" pitchFamily="34" charset="0"/>
+              <a:buChar char="•"/>
+              <a:defRPr sz="1800" kern="1200">
+                <a:solidFill>
+                  <a:schemeClr val="tx1"/>
+                </a:solidFill>
+                <a:latin typeface="+mn-lt"/>
+                <a:ea typeface="+mn-ea"/>
+                <a:cs typeface="+mn-cs"/>
+              </a:defRPr>
+            </a:lvl5pPr>
+            <a:lvl6pPr marL="2514600" indent="-228600" algn="l" defTabSz="914400" rtl="0" eaLnBrk="1" latinLnBrk="0" hangingPunct="1">
+              <a:lnSpc>
+                <a:spcPct val="90000"/>
+              </a:lnSpc>
+              <a:spcBef>
+                <a:spcPts val="500"/>
+              </a:spcBef>
+              <a:buFont typeface="Arial" panose="020B0604020202020204" pitchFamily="34" charset="0"/>
+              <a:buChar char="•"/>
+              <a:defRPr sz="1800" kern="1200">
+                <a:solidFill>
+                  <a:schemeClr val="tx1"/>
+                </a:solidFill>
+                <a:latin typeface="+mn-lt"/>
+                <a:ea typeface="+mn-ea"/>
+                <a:cs typeface="+mn-cs"/>
+              </a:defRPr>
+            </a:lvl6pPr>
+            <a:lvl7pPr marL="2971800" indent="-228600" algn="l" defTabSz="914400" rtl="0" eaLnBrk="1" latinLnBrk="0" hangingPunct="1">
+              <a:lnSpc>
+                <a:spcPct val="90000"/>
+              </a:lnSpc>
+              <a:spcBef>
+                <a:spcPts val="500"/>
+              </a:spcBef>
+              <a:buFont typeface="Arial" panose="020B0604020202020204" pitchFamily="34" charset="0"/>
+              <a:buChar char="•"/>
+              <a:defRPr sz="1800" kern="1200">
+                <a:solidFill>
+                  <a:schemeClr val="tx1"/>
+                </a:solidFill>
+                <a:latin typeface="+mn-lt"/>
+                <a:ea typeface="+mn-ea"/>
+                <a:cs typeface="+mn-cs"/>
+              </a:defRPr>
+            </a:lvl7pPr>
+            <a:lvl8pPr marL="3429000" indent="-228600" algn="l" defTabSz="914400" rtl="0" eaLnBrk="1" latinLnBrk="0" hangingPunct="1">
+              <a:lnSpc>
+                <a:spcPct val="90000"/>
+              </a:lnSpc>
+              <a:spcBef>
+                <a:spcPts val="500"/>
+              </a:spcBef>
+              <a:buFont typeface="Arial" panose="020B0604020202020204" pitchFamily="34" charset="0"/>
+              <a:buChar char="•"/>
+              <a:defRPr sz="1800" kern="1200">
+                <a:solidFill>
+                  <a:schemeClr val="tx1"/>
+                </a:solidFill>
+                <a:latin typeface="+mn-lt"/>
+                <a:ea typeface="+mn-ea"/>
+                <a:cs typeface="+mn-cs"/>
+              </a:defRPr>
+            </a:lvl8pPr>
+            <a:lvl9pPr marL="3886200" indent="-228600" algn="l" defTabSz="914400" rtl="0" eaLnBrk="1" latinLnBrk="0" hangingPunct="1">
+              <a:lnSpc>
+                <a:spcPct val="90000"/>
+              </a:lnSpc>
+              <a:spcBef>
+                <a:spcPts val="500"/>
+              </a:spcBef>
+              <a:buFont typeface="Arial" panose="020B0604020202020204" pitchFamily="34" charset="0"/>
+              <a:buChar char="•"/>
+              <a:defRPr sz="1800" kern="1200">
+                <a:solidFill>
+                  <a:schemeClr val="tx1"/>
+                </a:solidFill>
+                <a:latin typeface="+mn-lt"/>
+                <a:ea typeface="+mn-ea"/>
+                <a:cs typeface="+mn-cs"/>
+              </a:defRPr>
+            </a:lvl9pPr>
+          </a:lstStyle>
+          <a:p>
+            <a:r>
+              <a:rPr lang="es-ES" sz="2600" b="1" dirty="0"/>
+              <a:t>Variedad</a:t>
+            </a:r>
+            <a:r>
+              <a:rPr lang="es-ES" dirty="0"/>
+              <a:t>:  Los datos convencionales eran estructurados y podían organizarse en una base de datos relacional, los tipos de datos no estructurado(texto, audio…)  aumentaban su complejidad de su almacenamiento y análisis, debido a que requieren un procesamiento adicional para obtener significado y habilitar metadatos</a:t>
+            </a:r>
+            <a:endParaRPr lang="es-ES" b="1" dirty="0"/>
+          </a:p>
+        </p:txBody>
+      </p:sp>
+    </p:spTree>
+    <p:extLst>
+      <p:ext uri="{BB962C8B-B14F-4D97-AF65-F5344CB8AC3E}">
+        <p14:creationId xmlns:p14="http://schemas.microsoft.com/office/powerpoint/2010/main" val="3858405899"/>
+      </p:ext>
+    </p:extLst>
+  </p:cSld>
+  <p:clrMapOvr>
+    <a:masterClrMapping/>
+  </p:clrMapOvr>
+</p:sld>
+</file>
+
+<file path=ppt/slides/slide7.xml><?xml version="1.0" encoding="utf-8"?>
+<p:sld xmlns:a="http://schemas.openxmlformats.org/drawingml/2006/main" xmlns:r="http://schemas.openxmlformats.org/officeDocument/2006/relationships" xmlns:p="http://schemas.openxmlformats.org/presentationml/2006/main">
+  <p:cSld>
+    <p:spTree>
+      <p:nvGrpSpPr>
+        <p:cNvPr id="1" name=""/>
+        <p:cNvGrpSpPr/>
+        <p:nvPr/>
+      </p:nvGrpSpPr>
+      <p:grpSpPr>
+        <a:xfrm>
+          <a:off x="0" y="0"/>
+          <a:ext cx="0" cy="0"/>
+          <a:chOff x="0" y="0"/>
+          <a:chExt cx="0" cy="0"/>
+        </a:xfrm>
+      </p:grpSpPr>
+      <p:sp>
+        <p:nvSpPr>
+          <p:cNvPr id="2" name="Título 1">
+            <a:extLst>
+              <a:ext uri="{FF2B5EF4-FFF2-40B4-BE49-F238E27FC236}">
+                <a16:creationId xmlns:a16="http://schemas.microsoft.com/office/drawing/2014/main" id="{8BC7EFD9-5CAF-431F-A9FF-09DE566F3543}"/>
+              </a:ext>
+            </a:extLst>
+          </p:cNvPr>
+          <p:cNvSpPr>
+            <a:spLocks noGrp="1"/>
+          </p:cNvSpPr>
+          <p:nvPr>
+            <p:ph type="title"/>
+          </p:nvPr>
+        </p:nvSpPr>
+        <p:spPr/>
+        <p:txBody>
+          <a:bodyPr/>
+          <a:lstStyle/>
+          <a:p>
+            <a:pPr algn="ctr"/>
+            <a:r>
+              <a:rPr lang="es-ES" dirty="0"/>
+              <a:t>VERACIDAD</a:t>
+            </a:r>
+          </a:p>
+        </p:txBody>
+      </p:sp>
+      <p:sp>
+        <p:nvSpPr>
+          <p:cNvPr id="3" name="Marcador de contenido 2">
+            <a:extLst>
+              <a:ext uri="{FF2B5EF4-FFF2-40B4-BE49-F238E27FC236}">
+                <a16:creationId xmlns:a16="http://schemas.microsoft.com/office/drawing/2014/main" id="{29A8ECE2-FE08-4C93-9877-2C065094BC53}"/>
+              </a:ext>
+            </a:extLst>
+          </p:cNvPr>
+          <p:cNvSpPr>
+            <a:spLocks noGrp="1"/>
+          </p:cNvSpPr>
+          <p:nvPr>
+            <p:ph idx="1"/>
+          </p:nvPr>
+        </p:nvSpPr>
+        <p:spPr>
+          <a:xfrm>
+            <a:off x="838200" y="1825625"/>
+            <a:ext cx="10515600" cy="2197735"/>
+          </a:xfrm>
+        </p:spPr>
+        <p:txBody>
+          <a:bodyPr>
+            <a:normAutofit/>
+          </a:bodyPr>
+          <a:lstStyle/>
+          <a:p>
+            <a:r>
+              <a:rPr lang="es-ES" b="1" dirty="0"/>
+              <a:t>Veracidad</a:t>
+            </a:r>
+            <a:r>
+              <a:rPr lang="es-ES" dirty="0"/>
+              <a:t>: La confianza de los datos, debe de ser alta, con resultados verificables y de calidad, muchos datos llegan incompletos y para ello, se invierte tiempo, y dinero en la búsqueda de datos, para poder desarrollar y aplicar soluciones y métodos capaces de eliminar los errores.</a:t>
+            </a:r>
+            <a:endParaRPr lang="es-ES" b="1" dirty="0"/>
+          </a:p>
+        </p:txBody>
+      </p:sp>
+    </p:spTree>
+    <p:extLst>
+      <p:ext uri="{BB962C8B-B14F-4D97-AF65-F5344CB8AC3E}">
+        <p14:creationId xmlns:p14="http://schemas.microsoft.com/office/powerpoint/2010/main" val="3580276719"/>
       </p:ext>
     </p:extLst>
   </p:cSld>

--- a/Bases de Datos/1º Evaluación/Ejercicios/Ejercicio2/Explotación de bases de datos Big Data.pptx
+++ b/Bases de Datos/1º Evaluación/Ejercicios/Ejercicio2/Explotación de bases de datos Big Data.pptx
@@ -12,6 +12,7 @@
     <p:sldId id="262" r:id="rId6"/>
     <p:sldId id="263" r:id="rId7"/>
     <p:sldId id="264" r:id="rId8"/>
+    <p:sldId id="265" r:id="rId9"/>
   </p:sldIdLst>
   <p:sldSz cx="12192000" cy="6858000"/>
   <p:notesSz cx="6858000" cy="9144000"/>
@@ -129,6 +130,7 @@
     <p1510:client id="{BC188AD2-9AFC-4294-89AA-68D6E215ABF9}" v="1" dt="2022-10-04T08:17:34.273"/>
     <p1510:client id="{C190444C-DE63-4BE0-9A75-B7D0A850D412}" v="11" dt="2022-10-04T08:16:13.346"/>
     <p1510:client id="{DBA603C0-A459-4D80-9237-AE2C2946D226}" v="1" dt="2022-10-04T08:20:45.180"/>
+    <p1510:client id="{FF7F459F-C0C5-489C-9C21-CFBC7B56CB8A}" v="58" dt="2022-10-04T11:33:19.174"/>
   </p1510:revLst>
 </p1510:revInfo>
 </file>
@@ -2104,6 +2106,859 @@
             <pc:docMk/>
             <pc:sldMasterMk cId="1664194090" sldId="2147483787"/>
             <pc:sldLayoutMk cId="982622909" sldId="2147483786"/>
+          </pc:sldLayoutMkLst>
+        </pc:sldLayoutChg>
+      </pc:sldMasterChg>
+    </pc:docChg>
+  </pc:docChgLst>
+  <pc:docChgLst>
+    <pc:chgData name="Eduardo Martín-Sonseca.Alonso" userId="044a8a39323ca9b2" providerId="Windows Live" clId="Web-{FF7F459F-C0C5-489C-9C21-CFBC7B56CB8A}"/>
+    <pc:docChg chg="addSld modSld addMainMaster delMainMaster">
+      <pc:chgData name="Eduardo Martín-Sonseca.Alonso" userId="044a8a39323ca9b2" providerId="Windows Live" clId="Web-{FF7F459F-C0C5-489C-9C21-CFBC7B56CB8A}" dt="2022-10-04T11:33:19.174" v="59" actId="14100"/>
+      <pc:docMkLst>
+        <pc:docMk/>
+      </pc:docMkLst>
+      <pc:sldChg chg="addSp delSp modSp mod modClrScheme delDesignElem chgLayout">
+        <pc:chgData name="Eduardo Martín-Sonseca.Alonso" userId="044a8a39323ca9b2" providerId="Windows Live" clId="Web-{FF7F459F-C0C5-489C-9C21-CFBC7B56CB8A}" dt="2022-10-04T11:32:21.469" v="49"/>
+        <pc:sldMkLst>
+          <pc:docMk/>
+          <pc:sldMk cId="1479924629" sldId="258"/>
+        </pc:sldMkLst>
+        <pc:spChg chg="mod ord">
+          <ac:chgData name="Eduardo Martín-Sonseca.Alonso" userId="044a8a39323ca9b2" providerId="Windows Live" clId="Web-{FF7F459F-C0C5-489C-9C21-CFBC7B56CB8A}" dt="2022-10-04T11:32:21.469" v="49"/>
+          <ac:spMkLst>
+            <pc:docMk/>
+            <pc:sldMk cId="1479924629" sldId="258"/>
+            <ac:spMk id="6" creationId="{FFE44297-5AAD-CA6F-4064-C2621A1C9AF8}"/>
+          </ac:spMkLst>
+        </pc:spChg>
+        <pc:spChg chg="add del">
+          <ac:chgData name="Eduardo Martín-Sonseca.Alonso" userId="044a8a39323ca9b2" providerId="Windows Live" clId="Web-{FF7F459F-C0C5-489C-9C21-CFBC7B56CB8A}" dt="2022-10-04T11:32:21.469" v="49"/>
+          <ac:spMkLst>
+            <pc:docMk/>
+            <pc:sldMk cId="1479924629" sldId="258"/>
+            <ac:spMk id="64" creationId="{0671A8AE-40A1-4631-A6B8-581AFF065482}"/>
+          </ac:spMkLst>
+        </pc:spChg>
+        <pc:spChg chg="add del">
+          <ac:chgData name="Eduardo Martín-Sonseca.Alonso" userId="044a8a39323ca9b2" providerId="Windows Live" clId="Web-{FF7F459F-C0C5-489C-9C21-CFBC7B56CB8A}" dt="2022-10-04T11:32:21.469" v="49"/>
+          <ac:spMkLst>
+            <pc:docMk/>
+            <pc:sldMk cId="1479924629" sldId="258"/>
+            <ac:spMk id="65" creationId="{AB58EF07-17C2-48CF-ABB0-EEF1F17CB8F0}"/>
+          </ac:spMkLst>
+        </pc:spChg>
+        <pc:spChg chg="add del">
+          <ac:chgData name="Eduardo Martín-Sonseca.Alonso" userId="044a8a39323ca9b2" providerId="Windows Live" clId="Web-{FF7F459F-C0C5-489C-9C21-CFBC7B56CB8A}" dt="2022-10-04T11:32:21.469" v="49"/>
+          <ac:spMkLst>
+            <pc:docMk/>
+            <pc:sldMk cId="1479924629" sldId="258"/>
+            <ac:spMk id="66" creationId="{AF2F604E-43BE-4DC3-B983-E071523364F8}"/>
+          </ac:spMkLst>
+        </pc:spChg>
+        <pc:spChg chg="add del">
+          <ac:chgData name="Eduardo Martín-Sonseca.Alonso" userId="044a8a39323ca9b2" providerId="Windows Live" clId="Web-{FF7F459F-C0C5-489C-9C21-CFBC7B56CB8A}" dt="2022-10-04T11:32:21.469" v="49"/>
+          <ac:spMkLst>
+            <pc:docMk/>
+            <pc:sldMk cId="1479924629" sldId="258"/>
+            <ac:spMk id="67" creationId="{08C9B587-E65E-4B52-B37C-ABEBB6E87928}"/>
+          </ac:spMkLst>
+        </pc:spChg>
+      </pc:sldChg>
+      <pc:sldChg chg="addSp delSp modSp mod modClrScheme delDesignElem chgLayout">
+        <pc:chgData name="Eduardo Martín-Sonseca.Alonso" userId="044a8a39323ca9b2" providerId="Windows Live" clId="Web-{FF7F459F-C0C5-489C-9C21-CFBC7B56CB8A}" dt="2022-10-04T11:32:21.469" v="49"/>
+        <pc:sldMkLst>
+          <pc:docMk/>
+          <pc:sldMk cId="992274193" sldId="259"/>
+        </pc:sldMkLst>
+        <pc:spChg chg="mod ord">
+          <ac:chgData name="Eduardo Martín-Sonseca.Alonso" userId="044a8a39323ca9b2" providerId="Windows Live" clId="Web-{FF7F459F-C0C5-489C-9C21-CFBC7B56CB8A}" dt="2022-10-04T11:32:21.469" v="49"/>
+          <ac:spMkLst>
+            <pc:docMk/>
+            <pc:sldMk cId="992274193" sldId="259"/>
+            <ac:spMk id="2" creationId="{628FDEE3-6B92-DAEF-19AC-BCA134854A22}"/>
+          </ac:spMkLst>
+        </pc:spChg>
+        <pc:cxnChg chg="add del">
+          <ac:chgData name="Eduardo Martín-Sonseca.Alonso" userId="044a8a39323ca9b2" providerId="Windows Live" clId="Web-{FF7F459F-C0C5-489C-9C21-CFBC7B56CB8A}" dt="2022-10-04T11:32:21.469" v="49"/>
+          <ac:cxnSpMkLst>
+            <pc:docMk/>
+            <pc:sldMk cId="992274193" sldId="259"/>
+            <ac:cxnSpMk id="9" creationId="{A7F400EE-A8A5-48AF-B4D6-291B52C6F0B0}"/>
+          </ac:cxnSpMkLst>
+        </pc:cxnChg>
+      </pc:sldChg>
+      <pc:sldChg chg="addSp delSp modSp mod modClrScheme addAnim setClrOvrMap delDesignElem chgLayout">
+        <pc:chgData name="Eduardo Martín-Sonseca.Alonso" userId="044a8a39323ca9b2" providerId="Windows Live" clId="Web-{FF7F459F-C0C5-489C-9C21-CFBC7B56CB8A}" dt="2022-10-04T11:32:21.469" v="49"/>
+        <pc:sldMkLst>
+          <pc:docMk/>
+          <pc:sldMk cId="3613378253" sldId="260"/>
+        </pc:sldMkLst>
+        <pc:spChg chg="mod ord">
+          <ac:chgData name="Eduardo Martín-Sonseca.Alonso" userId="044a8a39323ca9b2" providerId="Windows Live" clId="Web-{FF7F459F-C0C5-489C-9C21-CFBC7B56CB8A}" dt="2022-10-04T11:32:21.469" v="49"/>
+          <ac:spMkLst>
+            <pc:docMk/>
+            <pc:sldMk cId="3613378253" sldId="260"/>
+            <ac:spMk id="2" creationId="{4AFA984B-9B6C-188A-245A-53C0CE93CEFC}"/>
+          </ac:spMkLst>
+        </pc:spChg>
+        <pc:spChg chg="mod ord">
+          <ac:chgData name="Eduardo Martín-Sonseca.Alonso" userId="044a8a39323ca9b2" providerId="Windows Live" clId="Web-{FF7F459F-C0C5-489C-9C21-CFBC7B56CB8A}" dt="2022-10-04T11:32:21.469" v="49"/>
+          <ac:spMkLst>
+            <pc:docMk/>
+            <pc:sldMk cId="3613378253" sldId="260"/>
+            <ac:spMk id="3" creationId="{0B689B0C-0352-F4BE-7C0D-2367A8469F10}"/>
+          </ac:spMkLst>
+        </pc:spChg>
+        <pc:spChg chg="add del mod">
+          <ac:chgData name="Eduardo Martín-Sonseca.Alonso" userId="044a8a39323ca9b2" providerId="Windows Live" clId="Web-{FF7F459F-C0C5-489C-9C21-CFBC7B56CB8A}" dt="2022-10-04T11:28:12.243" v="24"/>
+          <ac:spMkLst>
+            <pc:docMk/>
+            <pc:sldMk cId="3613378253" sldId="260"/>
+            <ac:spMk id="4" creationId="{CBF0323E-98F4-604C-6B4D-944BFA69AE10}"/>
+          </ac:spMkLst>
+        </pc:spChg>
+        <pc:spChg chg="add mod">
+          <ac:chgData name="Eduardo Martín-Sonseca.Alonso" userId="044a8a39323ca9b2" providerId="Windows Live" clId="Web-{FF7F459F-C0C5-489C-9C21-CFBC7B56CB8A}" dt="2022-10-04T11:28:42.931" v="29" actId="14100"/>
+          <ac:spMkLst>
+            <pc:docMk/>
+            <pc:sldMk cId="3613378253" sldId="260"/>
+            <ac:spMk id="7" creationId="{2D45CEAC-93C7-0627-350D-E3CBBE52B83F}"/>
+          </ac:spMkLst>
+        </pc:spChg>
+        <pc:spChg chg="del">
+          <ac:chgData name="Eduardo Martín-Sonseca.Alonso" userId="044a8a39323ca9b2" providerId="Windows Live" clId="Web-{FF7F459F-C0C5-489C-9C21-CFBC7B56CB8A}" dt="2022-10-04T11:27:18.882" v="14"/>
+          <ac:spMkLst>
+            <pc:docMk/>
+            <pc:sldMk cId="3613378253" sldId="260"/>
+            <ac:spMk id="9" creationId="{9AA72BD9-2C5A-4EDC-931F-5AA08EACA0F3}"/>
+          </ac:spMkLst>
+        </pc:spChg>
+        <pc:spChg chg="add">
+          <ac:chgData name="Eduardo Martín-Sonseca.Alonso" userId="044a8a39323ca9b2" providerId="Windows Live" clId="Web-{FF7F459F-C0C5-489C-9C21-CFBC7B56CB8A}" dt="2022-10-04T11:29:54.449" v="31"/>
+          <ac:spMkLst>
+            <pc:docMk/>
+            <pc:sldMk cId="3613378253" sldId="260"/>
+            <ac:spMk id="10" creationId="{A793CD3C-BE55-4407-783B-C4B04D1C50A5}"/>
+          </ac:spMkLst>
+        </pc:spChg>
+        <pc:spChg chg="del">
+          <ac:chgData name="Eduardo Martín-Sonseca.Alonso" userId="044a8a39323ca9b2" providerId="Windows Live" clId="Web-{FF7F459F-C0C5-489C-9C21-CFBC7B56CB8A}" dt="2022-10-04T11:27:18.882" v="14"/>
+          <ac:spMkLst>
+            <pc:docMk/>
+            <pc:sldMk cId="3613378253" sldId="260"/>
+            <ac:spMk id="11" creationId="{DD3981AC-7B61-4947-BCF3-F7AA7FA385B9}"/>
+          </ac:spMkLst>
+        </pc:spChg>
+        <pc:spChg chg="add del mod">
+          <ac:chgData name="Eduardo Martín-Sonseca.Alonso" userId="044a8a39323ca9b2" providerId="Windows Live" clId="Web-{FF7F459F-C0C5-489C-9C21-CFBC7B56CB8A}" dt="2022-10-04T11:28:50.134" v="30" actId="14100"/>
+          <ac:spMkLst>
+            <pc:docMk/>
+            <pc:sldMk cId="3613378253" sldId="260"/>
+            <ac:spMk id="12" creationId="{76275126-45BA-6A76-5623-AF9CD62282F8}"/>
+          </ac:spMkLst>
+        </pc:spChg>
+        <pc:spChg chg="del">
+          <ac:chgData name="Eduardo Martín-Sonseca.Alonso" userId="044a8a39323ca9b2" providerId="Windows Live" clId="Web-{FF7F459F-C0C5-489C-9C21-CFBC7B56CB8A}" dt="2022-10-04T11:27:18.882" v="14"/>
+          <ac:spMkLst>
+            <pc:docMk/>
+            <pc:sldMk cId="3613378253" sldId="260"/>
+            <ac:spMk id="13" creationId="{55D4142C-5077-457F-A6AD-3FECFDB39685}"/>
+          </ac:spMkLst>
+        </pc:spChg>
+        <pc:spChg chg="add del">
+          <ac:chgData name="Eduardo Martín-Sonseca.Alonso" userId="044a8a39323ca9b2" providerId="Windows Live" clId="Web-{FF7F459F-C0C5-489C-9C21-CFBC7B56CB8A}" dt="2022-10-04T11:27:10.397" v="13"/>
+          <ac:spMkLst>
+            <pc:docMk/>
+            <pc:sldMk cId="3613378253" sldId="260"/>
+            <ac:spMk id="14" creationId="{406D5093-AC3A-9236-0CCE-F99A15DD90EE}"/>
+          </ac:spMkLst>
+        </pc:spChg>
+        <pc:spChg chg="del">
+          <ac:chgData name="Eduardo Martín-Sonseca.Alonso" userId="044a8a39323ca9b2" providerId="Windows Live" clId="Web-{FF7F459F-C0C5-489C-9C21-CFBC7B56CB8A}" dt="2022-10-04T11:27:18.882" v="14"/>
+          <ac:spMkLst>
+            <pc:docMk/>
+            <pc:sldMk cId="3613378253" sldId="260"/>
+            <ac:spMk id="15" creationId="{7A5F0580-5EE9-419F-96EE-B6529EF6E7D0}"/>
+          </ac:spMkLst>
+        </pc:spChg>
+        <pc:spChg chg="add del">
+          <ac:chgData name="Eduardo Martín-Sonseca.Alonso" userId="044a8a39323ca9b2" providerId="Windows Live" clId="Web-{FF7F459F-C0C5-489C-9C21-CFBC7B56CB8A}" dt="2022-10-04T11:32:21.469" v="49"/>
+          <ac:spMkLst>
+            <pc:docMk/>
+            <pc:sldMk cId="3613378253" sldId="260"/>
+            <ac:spMk id="20" creationId="{4C608BEB-860E-4094-8511-78603564A75E}"/>
+          </ac:spMkLst>
+        </pc:spChg>
+        <pc:picChg chg="del">
+          <ac:chgData name="Eduardo Martín-Sonseca.Alonso" userId="044a8a39323ca9b2" providerId="Windows Live" clId="Web-{FF7F459F-C0C5-489C-9C21-CFBC7B56CB8A}" dt="2022-10-04T11:26:49.896" v="6"/>
+          <ac:picMkLst>
+            <pc:docMk/>
+            <pc:sldMk cId="3613378253" sldId="260"/>
+            <ac:picMk id="6" creationId="{5796F568-A919-5CD1-743C-7ED9D36AB8D1}"/>
+          </ac:picMkLst>
+        </pc:picChg>
+        <pc:cxnChg chg="add del">
+          <ac:chgData name="Eduardo Martín-Sonseca.Alonso" userId="044a8a39323ca9b2" providerId="Windows Live" clId="Web-{FF7F459F-C0C5-489C-9C21-CFBC7B56CB8A}" dt="2022-10-04T11:32:21.469" v="49"/>
+          <ac:cxnSpMkLst>
+            <pc:docMk/>
+            <pc:sldMk cId="3613378253" sldId="260"/>
+            <ac:cxnSpMk id="22" creationId="{1F16A8D4-FE87-4604-88B2-394B5D1EB437}"/>
+          </ac:cxnSpMkLst>
+        </pc:cxnChg>
+      </pc:sldChg>
+      <pc:sldChg chg="addSp delSp modSp mod setBg modClrScheme addAnim delDesignElem chgLayout">
+        <pc:chgData name="Eduardo Martín-Sonseca.Alonso" userId="044a8a39323ca9b2" providerId="Windows Live" clId="Web-{FF7F459F-C0C5-489C-9C21-CFBC7B56CB8A}" dt="2022-10-04T11:32:21.469" v="49"/>
+        <pc:sldMkLst>
+          <pc:docMk/>
+          <pc:sldMk cId="1106986487" sldId="261"/>
+        </pc:sldMkLst>
+        <pc:spChg chg="mod ord">
+          <ac:chgData name="Eduardo Martín-Sonseca.Alonso" userId="044a8a39323ca9b2" providerId="Windows Live" clId="Web-{FF7F459F-C0C5-489C-9C21-CFBC7B56CB8A}" dt="2022-10-04T11:32:21.469" v="49"/>
+          <ac:spMkLst>
+            <pc:docMk/>
+            <pc:sldMk cId="1106986487" sldId="261"/>
+            <ac:spMk id="2" creationId="{71AEC653-CF21-4A83-8228-4AB13A9E6A67}"/>
+          </ac:spMkLst>
+        </pc:spChg>
+        <pc:spChg chg="mod ord">
+          <ac:chgData name="Eduardo Martín-Sonseca.Alonso" userId="044a8a39323ca9b2" providerId="Windows Live" clId="Web-{FF7F459F-C0C5-489C-9C21-CFBC7B56CB8A}" dt="2022-10-04T11:32:21.469" v="49"/>
+          <ac:spMkLst>
+            <pc:docMk/>
+            <pc:sldMk cId="1106986487" sldId="261"/>
+            <ac:spMk id="3" creationId="{FDA276B4-AFA8-445E-BF46-D797C1B3F0B0}"/>
+          </ac:spMkLst>
+        </pc:spChg>
+        <pc:spChg chg="add mod">
+          <ac:chgData name="Eduardo Martín-Sonseca.Alonso" userId="044a8a39323ca9b2" providerId="Windows Live" clId="Web-{FF7F459F-C0C5-489C-9C21-CFBC7B56CB8A}" dt="2022-10-04T11:30:17.981" v="36" actId="20577"/>
+          <ac:spMkLst>
+            <pc:docMk/>
+            <pc:sldMk cId="1106986487" sldId="261"/>
+            <ac:spMk id="6" creationId="{22E9BD6E-B7AB-7C53-4EB4-0ACEDFFA89B2}"/>
+          </ac:spMkLst>
+        </pc:spChg>
+        <pc:spChg chg="add del">
+          <ac:chgData name="Eduardo Martín-Sonseca.Alonso" userId="044a8a39323ca9b2" providerId="Windows Live" clId="Web-{FF7F459F-C0C5-489C-9C21-CFBC7B56CB8A}" dt="2022-10-04T11:32:21.469" v="49"/>
+          <ac:spMkLst>
+            <pc:docMk/>
+            <pc:sldMk cId="1106986487" sldId="261"/>
+            <ac:spMk id="14" creationId="{F13C74B1-5B17-4795-BED0-7140497B445A}"/>
+          </ac:spMkLst>
+        </pc:spChg>
+        <pc:spChg chg="add del">
+          <ac:chgData name="Eduardo Martín-Sonseca.Alonso" userId="044a8a39323ca9b2" providerId="Windows Live" clId="Web-{FF7F459F-C0C5-489C-9C21-CFBC7B56CB8A}" dt="2022-10-04T11:32:21.469" v="49"/>
+          <ac:spMkLst>
+            <pc:docMk/>
+            <pc:sldMk cId="1106986487" sldId="261"/>
+            <ac:spMk id="16" creationId="{D4974D33-8DC5-464E-8C6D-BE58F0669C17}"/>
+          </ac:spMkLst>
+        </pc:spChg>
+        <pc:picChg chg="add mod">
+          <ac:chgData name="Eduardo Martín-Sonseca.Alonso" userId="044a8a39323ca9b2" providerId="Windows Live" clId="Web-{FF7F459F-C0C5-489C-9C21-CFBC7B56CB8A}" dt="2022-10-04T11:26:30.474" v="4"/>
+          <ac:picMkLst>
+            <pc:docMk/>
+            <pc:sldMk cId="1106986487" sldId="261"/>
+            <ac:picMk id="5" creationId="{21B6396A-5947-91FB-1762-0DA1EB72CEC5}"/>
+          </ac:picMkLst>
+        </pc:picChg>
+        <pc:cxnChg chg="add del">
+          <ac:chgData name="Eduardo Martín-Sonseca.Alonso" userId="044a8a39323ca9b2" providerId="Windows Live" clId="Web-{FF7F459F-C0C5-489C-9C21-CFBC7B56CB8A}" dt="2022-10-04T11:26:30.474" v="4"/>
+          <ac:cxnSpMkLst>
+            <pc:docMk/>
+            <pc:sldMk cId="1106986487" sldId="261"/>
+            <ac:cxnSpMk id="9" creationId="{A7F400EE-A8A5-48AF-B4D6-291B52C6F0B0}"/>
+          </ac:cxnSpMkLst>
+        </pc:cxnChg>
+      </pc:sldChg>
+      <pc:sldChg chg="addSp delSp modSp mod setBg modClrScheme addAnim delDesignElem chgLayout">
+        <pc:chgData name="Eduardo Martín-Sonseca.Alonso" userId="044a8a39323ca9b2" providerId="Windows Live" clId="Web-{FF7F459F-C0C5-489C-9C21-CFBC7B56CB8A}" dt="2022-10-04T11:32:21.469" v="49"/>
+        <pc:sldMkLst>
+          <pc:docMk/>
+          <pc:sldMk cId="1015946967" sldId="262"/>
+        </pc:sldMkLst>
+        <pc:spChg chg="mod ord">
+          <ac:chgData name="Eduardo Martín-Sonseca.Alonso" userId="044a8a39323ca9b2" providerId="Windows Live" clId="Web-{FF7F459F-C0C5-489C-9C21-CFBC7B56CB8A}" dt="2022-10-04T11:32:21.469" v="49"/>
+          <ac:spMkLst>
+            <pc:docMk/>
+            <pc:sldMk cId="1015946967" sldId="262"/>
+            <ac:spMk id="2" creationId="{EEFFF1FB-241B-4CF4-A2C7-CFE2DA1A9AD1}"/>
+          </ac:spMkLst>
+        </pc:spChg>
+        <pc:spChg chg="mod">
+          <ac:chgData name="Eduardo Martín-Sonseca.Alonso" userId="044a8a39323ca9b2" providerId="Windows Live" clId="Web-{FF7F459F-C0C5-489C-9C21-CFBC7B56CB8A}" dt="2022-10-04T11:25:24.394" v="1"/>
+          <ac:spMkLst>
+            <pc:docMk/>
+            <pc:sldMk cId="1015946967" sldId="262"/>
+            <ac:spMk id="4" creationId="{547BDE46-D058-433A-9BA3-B8680CF7D8BA}"/>
+          </ac:spMkLst>
+        </pc:spChg>
+        <pc:spChg chg="add mod">
+          <ac:chgData name="Eduardo Martín-Sonseca.Alonso" userId="044a8a39323ca9b2" providerId="Windows Live" clId="Web-{FF7F459F-C0C5-489C-9C21-CFBC7B56CB8A}" dt="2022-10-04T11:31:08.717" v="41" actId="20577"/>
+          <ac:spMkLst>
+            <pc:docMk/>
+            <pc:sldMk cId="1015946967" sldId="262"/>
+            <ac:spMk id="5" creationId="{2F231072-B2C6-E633-9900-F8FF8ECC359A}"/>
+          </ac:spMkLst>
+        </pc:spChg>
+        <pc:spChg chg="add del">
+          <ac:chgData name="Eduardo Martín-Sonseca.Alonso" userId="044a8a39323ca9b2" providerId="Windows Live" clId="Web-{FF7F459F-C0C5-489C-9C21-CFBC7B56CB8A}" dt="2022-10-04T11:32:21.469" v="49"/>
+          <ac:spMkLst>
+            <pc:docMk/>
+            <pc:sldMk cId="1015946967" sldId="262"/>
+            <ac:spMk id="10" creationId="{F13C74B1-5B17-4795-BED0-7140497B445A}"/>
+          </ac:spMkLst>
+        </pc:spChg>
+        <pc:spChg chg="add del">
+          <ac:chgData name="Eduardo Martín-Sonseca.Alonso" userId="044a8a39323ca9b2" providerId="Windows Live" clId="Web-{FF7F459F-C0C5-489C-9C21-CFBC7B56CB8A}" dt="2022-10-04T11:32:21.469" v="49"/>
+          <ac:spMkLst>
+            <pc:docMk/>
+            <pc:sldMk cId="1015946967" sldId="262"/>
+            <ac:spMk id="12" creationId="{D4974D33-8DC5-464E-8C6D-BE58F0669C17}"/>
+          </ac:spMkLst>
+        </pc:spChg>
+        <pc:picChg chg="add">
+          <ac:chgData name="Eduardo Martín-Sonseca.Alonso" userId="044a8a39323ca9b2" providerId="Windows Live" clId="Web-{FF7F459F-C0C5-489C-9C21-CFBC7B56CB8A}" dt="2022-10-04T11:25:24.394" v="1"/>
+          <ac:picMkLst>
+            <pc:docMk/>
+            <pc:sldMk cId="1015946967" sldId="262"/>
+            <ac:picMk id="6" creationId="{79AA5A64-38BA-1418-E9EA-6EB7A8A88E30}"/>
+          </ac:picMkLst>
+        </pc:picChg>
+      </pc:sldChg>
+      <pc:sldChg chg="addSp delSp modSp mod setBg modClrScheme addAnim delAnim delDesignElem chgLayout">
+        <pc:chgData name="Eduardo Martín-Sonseca.Alonso" userId="044a8a39323ca9b2" providerId="Windows Live" clId="Web-{FF7F459F-C0C5-489C-9C21-CFBC7B56CB8A}" dt="2022-10-04T11:32:21.469" v="49"/>
+        <pc:sldMkLst>
+          <pc:docMk/>
+          <pc:sldMk cId="3858405899" sldId="263"/>
+        </pc:sldMkLst>
+        <pc:spChg chg="mod ord">
+          <ac:chgData name="Eduardo Martín-Sonseca.Alonso" userId="044a8a39323ca9b2" providerId="Windows Live" clId="Web-{FF7F459F-C0C5-489C-9C21-CFBC7B56CB8A}" dt="2022-10-04T11:32:21.469" v="49"/>
+          <ac:spMkLst>
+            <pc:docMk/>
+            <pc:sldMk cId="3858405899" sldId="263"/>
+            <ac:spMk id="2" creationId="{0CD28B4F-CA59-40E4-9706-0BB2A315AE0A}"/>
+          </ac:spMkLst>
+        </pc:spChg>
+        <pc:spChg chg="mod">
+          <ac:chgData name="Eduardo Martín-Sonseca.Alonso" userId="044a8a39323ca9b2" providerId="Windows Live" clId="Web-{FF7F459F-C0C5-489C-9C21-CFBC7B56CB8A}" dt="2022-10-04T11:25:34.191" v="2"/>
+          <ac:spMkLst>
+            <pc:docMk/>
+            <pc:sldMk cId="3858405899" sldId="263"/>
+            <ac:spMk id="4" creationId="{A779A601-EB60-48FD-93E8-41E0FF30C6FB}"/>
+          </ac:spMkLst>
+        </pc:spChg>
+        <pc:spChg chg="add mod">
+          <ac:chgData name="Eduardo Martín-Sonseca.Alonso" userId="044a8a39323ca9b2" providerId="Windows Live" clId="Web-{FF7F459F-C0C5-489C-9C21-CFBC7B56CB8A}" dt="2022-10-04T11:31:24.905" v="43" actId="20577"/>
+          <ac:spMkLst>
+            <pc:docMk/>
+            <pc:sldMk cId="3858405899" sldId="263"/>
+            <ac:spMk id="5" creationId="{4EC31237-2825-272C-F90A-1D1E8B2AA3C2}"/>
+          </ac:spMkLst>
+        </pc:spChg>
+        <pc:spChg chg="add del mod">
+          <ac:chgData name="Eduardo Martín-Sonseca.Alonso" userId="044a8a39323ca9b2" providerId="Windows Live" clId="Web-{FF7F459F-C0C5-489C-9C21-CFBC7B56CB8A}" dt="2022-10-04T11:31:18.998" v="42"/>
+          <ac:spMkLst>
+            <pc:docMk/>
+            <pc:sldMk cId="3858405899" sldId="263"/>
+            <ac:spMk id="8" creationId="{DA4D4A62-D537-3B3D-2E0F-B58A8657ABD3}"/>
+          </ac:spMkLst>
+        </pc:spChg>
+        <pc:spChg chg="add del">
+          <ac:chgData name="Eduardo Martín-Sonseca.Alonso" userId="044a8a39323ca9b2" providerId="Windows Live" clId="Web-{FF7F459F-C0C5-489C-9C21-CFBC7B56CB8A}" dt="2022-10-04T11:32:21.469" v="49"/>
+          <ac:spMkLst>
+            <pc:docMk/>
+            <pc:sldMk cId="3858405899" sldId="263"/>
+            <ac:spMk id="10" creationId="{F13C74B1-5B17-4795-BED0-7140497B445A}"/>
+          </ac:spMkLst>
+        </pc:spChg>
+        <pc:spChg chg="add del">
+          <ac:chgData name="Eduardo Martín-Sonseca.Alonso" userId="044a8a39323ca9b2" providerId="Windows Live" clId="Web-{FF7F459F-C0C5-489C-9C21-CFBC7B56CB8A}" dt="2022-10-04T11:32:21.469" v="49"/>
+          <ac:spMkLst>
+            <pc:docMk/>
+            <pc:sldMk cId="3858405899" sldId="263"/>
+            <ac:spMk id="12" creationId="{D4974D33-8DC5-464E-8C6D-BE58F0669C17}"/>
+          </ac:spMkLst>
+        </pc:spChg>
+        <pc:picChg chg="add">
+          <ac:chgData name="Eduardo Martín-Sonseca.Alonso" userId="044a8a39323ca9b2" providerId="Windows Live" clId="Web-{FF7F459F-C0C5-489C-9C21-CFBC7B56CB8A}" dt="2022-10-04T11:25:34.191" v="2"/>
+          <ac:picMkLst>
+            <pc:docMk/>
+            <pc:sldMk cId="3858405899" sldId="263"/>
+            <ac:picMk id="6" creationId="{C263EEF0-96AD-EB64-177B-B07104601C26}"/>
+          </ac:picMkLst>
+        </pc:picChg>
+      </pc:sldChg>
+      <pc:sldChg chg="addSp delSp modSp mod setBg modClrScheme addAnim delDesignElem chgLayout">
+        <pc:chgData name="Eduardo Martín-Sonseca.Alonso" userId="044a8a39323ca9b2" providerId="Windows Live" clId="Web-{FF7F459F-C0C5-489C-9C21-CFBC7B56CB8A}" dt="2022-10-04T11:32:21.469" v="49"/>
+        <pc:sldMkLst>
+          <pc:docMk/>
+          <pc:sldMk cId="3580276719" sldId="264"/>
+        </pc:sldMkLst>
+        <pc:spChg chg="mod ord">
+          <ac:chgData name="Eduardo Martín-Sonseca.Alonso" userId="044a8a39323ca9b2" providerId="Windows Live" clId="Web-{FF7F459F-C0C5-489C-9C21-CFBC7B56CB8A}" dt="2022-10-04T11:32:21.469" v="49"/>
+          <ac:spMkLst>
+            <pc:docMk/>
+            <pc:sldMk cId="3580276719" sldId="264"/>
+            <ac:spMk id="2" creationId="{8BC7EFD9-5CAF-431F-A9FF-09DE566F3543}"/>
+          </ac:spMkLst>
+        </pc:spChg>
+        <pc:spChg chg="mod ord">
+          <ac:chgData name="Eduardo Martín-Sonseca.Alonso" userId="044a8a39323ca9b2" providerId="Windows Live" clId="Web-{FF7F459F-C0C5-489C-9C21-CFBC7B56CB8A}" dt="2022-10-04T11:32:21.469" v="49"/>
+          <ac:spMkLst>
+            <pc:docMk/>
+            <pc:sldMk cId="3580276719" sldId="264"/>
+            <ac:spMk id="3" creationId="{29A8ECE2-FE08-4C93-9877-2C065094BC53}"/>
+          </ac:spMkLst>
+        </pc:spChg>
+        <pc:spChg chg="add mod">
+          <ac:chgData name="Eduardo Martín-Sonseca.Alonso" userId="044a8a39323ca9b2" providerId="Windows Live" clId="Web-{FF7F459F-C0C5-489C-9C21-CFBC7B56CB8A}" dt="2022-10-04T11:30:35.716" v="37" actId="20577"/>
+          <ac:spMkLst>
+            <pc:docMk/>
+            <pc:sldMk cId="3580276719" sldId="264"/>
+            <ac:spMk id="6" creationId="{B874E851-3741-DC66-BAFA-79EB38E71B4C}"/>
+          </ac:spMkLst>
+        </pc:spChg>
+        <pc:spChg chg="add del">
+          <ac:chgData name="Eduardo Martín-Sonseca.Alonso" userId="044a8a39323ca9b2" providerId="Windows Live" clId="Web-{FF7F459F-C0C5-489C-9C21-CFBC7B56CB8A}" dt="2022-10-04T11:26:36.099" v="5"/>
+          <ac:spMkLst>
+            <pc:docMk/>
+            <pc:sldMk cId="3580276719" sldId="264"/>
+            <ac:spMk id="9" creationId="{E10650BA-D090-4A23-98E3-B48BBAEA9201}"/>
+          </ac:spMkLst>
+        </pc:spChg>
+        <pc:spChg chg="add del">
+          <ac:chgData name="Eduardo Martín-Sonseca.Alonso" userId="044a8a39323ca9b2" providerId="Windows Live" clId="Web-{FF7F459F-C0C5-489C-9C21-CFBC7B56CB8A}" dt="2022-10-04T11:32:21.469" v="49"/>
+          <ac:spMkLst>
+            <pc:docMk/>
+            <pc:sldMk cId="3580276719" sldId="264"/>
+            <ac:spMk id="21" creationId="{F13C74B1-5B17-4795-BED0-7140497B445A}"/>
+          </ac:spMkLst>
+        </pc:spChg>
+        <pc:spChg chg="add del">
+          <ac:chgData name="Eduardo Martín-Sonseca.Alonso" userId="044a8a39323ca9b2" providerId="Windows Live" clId="Web-{FF7F459F-C0C5-489C-9C21-CFBC7B56CB8A}" dt="2022-10-04T11:32:21.469" v="49"/>
+          <ac:spMkLst>
+            <pc:docMk/>
+            <pc:sldMk cId="3580276719" sldId="264"/>
+            <ac:spMk id="23" creationId="{D4974D33-8DC5-464E-8C6D-BE58F0669C17}"/>
+          </ac:spMkLst>
+        </pc:spChg>
+        <pc:grpChg chg="add del">
+          <ac:chgData name="Eduardo Martín-Sonseca.Alonso" userId="044a8a39323ca9b2" providerId="Windows Live" clId="Web-{FF7F459F-C0C5-489C-9C21-CFBC7B56CB8A}" dt="2022-10-04T11:26:36.099" v="5"/>
+          <ac:grpSpMkLst>
+            <pc:docMk/>
+            <pc:sldMk cId="3580276719" sldId="264"/>
+            <ac:grpSpMk id="11" creationId="{FFB939B9-73CE-4644-87BB-72AEBF001142}"/>
+          </ac:grpSpMkLst>
+        </pc:grpChg>
+        <pc:picChg chg="add mod ord">
+          <ac:chgData name="Eduardo Martín-Sonseca.Alonso" userId="044a8a39323ca9b2" providerId="Windows Live" clId="Web-{FF7F459F-C0C5-489C-9C21-CFBC7B56CB8A}" dt="2022-10-04T11:26:36.099" v="5"/>
+          <ac:picMkLst>
+            <pc:docMk/>
+            <pc:sldMk cId="3580276719" sldId="264"/>
+            <ac:picMk id="5" creationId="{5331785D-2CFF-B332-5634-22F0E76967B1}"/>
+          </ac:picMkLst>
+        </pc:picChg>
+      </pc:sldChg>
+      <pc:sldChg chg="modSp new">
+        <pc:chgData name="Eduardo Martín-Sonseca.Alonso" userId="044a8a39323ca9b2" providerId="Windows Live" clId="Web-{FF7F459F-C0C5-489C-9C21-CFBC7B56CB8A}" dt="2022-10-04T11:33:19.174" v="59" actId="14100"/>
+        <pc:sldMkLst>
+          <pc:docMk/>
+          <pc:sldMk cId="4137332662" sldId="265"/>
+        </pc:sldMkLst>
+        <pc:spChg chg="mod">
+          <ac:chgData name="Eduardo Martín-Sonseca.Alonso" userId="044a8a39323ca9b2" providerId="Windows Live" clId="Web-{FF7F459F-C0C5-489C-9C21-CFBC7B56CB8A}" dt="2022-10-04T11:33:12.486" v="58" actId="20577"/>
+          <ac:spMkLst>
+            <pc:docMk/>
+            <pc:sldMk cId="4137332662" sldId="265"/>
+            <ac:spMk id="2" creationId="{2A7DC3FE-66EB-750C-3214-9159D346F772}"/>
+          </ac:spMkLst>
+        </pc:spChg>
+        <pc:spChg chg="mod">
+          <ac:chgData name="Eduardo Martín-Sonseca.Alonso" userId="044a8a39323ca9b2" providerId="Windows Live" clId="Web-{FF7F459F-C0C5-489C-9C21-CFBC7B56CB8A}" dt="2022-10-04T11:33:19.174" v="59" actId="14100"/>
+          <ac:spMkLst>
+            <pc:docMk/>
+            <pc:sldMk cId="4137332662" sldId="265"/>
+            <ac:spMk id="3" creationId="{E7DB1CBC-1C7A-9ED6-3A0E-B1FBBE84F9DB}"/>
+          </ac:spMkLst>
+        </pc:spChg>
+      </pc:sldChg>
+      <pc:sldMasterChg chg="add del addSldLayout delSldLayout">
+        <pc:chgData name="Eduardo Martín-Sonseca.Alonso" userId="044a8a39323ca9b2" providerId="Windows Live" clId="Web-{FF7F459F-C0C5-489C-9C21-CFBC7B56CB8A}" dt="2022-10-04T11:32:21.469" v="49"/>
+        <pc:sldMasterMkLst>
+          <pc:docMk/>
+          <pc:sldMasterMk cId="1205917560" sldId="2147483788"/>
+        </pc:sldMasterMkLst>
+        <pc:sldLayoutChg chg="add del">
+          <pc:chgData name="Eduardo Martín-Sonseca.Alonso" userId="044a8a39323ca9b2" providerId="Windows Live" clId="Web-{FF7F459F-C0C5-489C-9C21-CFBC7B56CB8A}" dt="2022-10-04T11:32:21.469" v="49"/>
+          <pc:sldLayoutMkLst>
+            <pc:docMk/>
+            <pc:sldMasterMk cId="1205917560" sldId="2147483788"/>
+            <pc:sldLayoutMk cId="3012381462" sldId="2147483789"/>
+          </pc:sldLayoutMkLst>
+        </pc:sldLayoutChg>
+        <pc:sldLayoutChg chg="add del">
+          <pc:chgData name="Eduardo Martín-Sonseca.Alonso" userId="044a8a39323ca9b2" providerId="Windows Live" clId="Web-{FF7F459F-C0C5-489C-9C21-CFBC7B56CB8A}" dt="2022-10-04T11:32:21.469" v="49"/>
+          <pc:sldLayoutMkLst>
+            <pc:docMk/>
+            <pc:sldMasterMk cId="1205917560" sldId="2147483788"/>
+            <pc:sldLayoutMk cId="357021676" sldId="2147483790"/>
+          </pc:sldLayoutMkLst>
+        </pc:sldLayoutChg>
+        <pc:sldLayoutChg chg="add del">
+          <pc:chgData name="Eduardo Martín-Sonseca.Alonso" userId="044a8a39323ca9b2" providerId="Windows Live" clId="Web-{FF7F459F-C0C5-489C-9C21-CFBC7B56CB8A}" dt="2022-10-04T11:32:21.469" v="49"/>
+          <pc:sldLayoutMkLst>
+            <pc:docMk/>
+            <pc:sldMasterMk cId="1205917560" sldId="2147483788"/>
+            <pc:sldLayoutMk cId="4104304197" sldId="2147483791"/>
+          </pc:sldLayoutMkLst>
+        </pc:sldLayoutChg>
+        <pc:sldLayoutChg chg="add del">
+          <pc:chgData name="Eduardo Martín-Sonseca.Alonso" userId="044a8a39323ca9b2" providerId="Windows Live" clId="Web-{FF7F459F-C0C5-489C-9C21-CFBC7B56CB8A}" dt="2022-10-04T11:32:21.469" v="49"/>
+          <pc:sldLayoutMkLst>
+            <pc:docMk/>
+            <pc:sldMasterMk cId="1205917560" sldId="2147483788"/>
+            <pc:sldLayoutMk cId="2381794433" sldId="2147483792"/>
+          </pc:sldLayoutMkLst>
+        </pc:sldLayoutChg>
+        <pc:sldLayoutChg chg="add del">
+          <pc:chgData name="Eduardo Martín-Sonseca.Alonso" userId="044a8a39323ca9b2" providerId="Windows Live" clId="Web-{FF7F459F-C0C5-489C-9C21-CFBC7B56CB8A}" dt="2022-10-04T11:32:21.469" v="49"/>
+          <pc:sldLayoutMkLst>
+            <pc:docMk/>
+            <pc:sldMasterMk cId="1205917560" sldId="2147483788"/>
+            <pc:sldLayoutMk cId="2079659331" sldId="2147483793"/>
+          </pc:sldLayoutMkLst>
+        </pc:sldLayoutChg>
+        <pc:sldLayoutChg chg="add del">
+          <pc:chgData name="Eduardo Martín-Sonseca.Alonso" userId="044a8a39323ca9b2" providerId="Windows Live" clId="Web-{FF7F459F-C0C5-489C-9C21-CFBC7B56CB8A}" dt="2022-10-04T11:32:21.469" v="49"/>
+          <pc:sldLayoutMkLst>
+            <pc:docMk/>
+            <pc:sldMasterMk cId="1205917560" sldId="2147483788"/>
+            <pc:sldLayoutMk cId="3727211798" sldId="2147483794"/>
+          </pc:sldLayoutMkLst>
+        </pc:sldLayoutChg>
+        <pc:sldLayoutChg chg="add del">
+          <pc:chgData name="Eduardo Martín-Sonseca.Alonso" userId="044a8a39323ca9b2" providerId="Windows Live" clId="Web-{FF7F459F-C0C5-489C-9C21-CFBC7B56CB8A}" dt="2022-10-04T11:32:21.469" v="49"/>
+          <pc:sldLayoutMkLst>
+            <pc:docMk/>
+            <pc:sldMasterMk cId="1205917560" sldId="2147483788"/>
+            <pc:sldLayoutMk cId="3106048504" sldId="2147483795"/>
+          </pc:sldLayoutMkLst>
+        </pc:sldLayoutChg>
+        <pc:sldLayoutChg chg="add del">
+          <pc:chgData name="Eduardo Martín-Sonseca.Alonso" userId="044a8a39323ca9b2" providerId="Windows Live" clId="Web-{FF7F459F-C0C5-489C-9C21-CFBC7B56CB8A}" dt="2022-10-04T11:32:21.469" v="49"/>
+          <pc:sldLayoutMkLst>
+            <pc:docMk/>
+            <pc:sldMasterMk cId="1205917560" sldId="2147483788"/>
+            <pc:sldLayoutMk cId="1686705761" sldId="2147483796"/>
+          </pc:sldLayoutMkLst>
+        </pc:sldLayoutChg>
+        <pc:sldLayoutChg chg="add del">
+          <pc:chgData name="Eduardo Martín-Sonseca.Alonso" userId="044a8a39323ca9b2" providerId="Windows Live" clId="Web-{FF7F459F-C0C5-489C-9C21-CFBC7B56CB8A}" dt="2022-10-04T11:32:21.469" v="49"/>
+          <pc:sldLayoutMkLst>
+            <pc:docMk/>
+            <pc:sldMasterMk cId="1205917560" sldId="2147483788"/>
+            <pc:sldLayoutMk cId="3474598918" sldId="2147483797"/>
+          </pc:sldLayoutMkLst>
+        </pc:sldLayoutChg>
+        <pc:sldLayoutChg chg="add del">
+          <pc:chgData name="Eduardo Martín-Sonseca.Alonso" userId="044a8a39323ca9b2" providerId="Windows Live" clId="Web-{FF7F459F-C0C5-489C-9C21-CFBC7B56CB8A}" dt="2022-10-04T11:32:21.469" v="49"/>
+          <pc:sldLayoutMkLst>
+            <pc:docMk/>
+            <pc:sldMasterMk cId="1205917560" sldId="2147483788"/>
+            <pc:sldLayoutMk cId="1148505147" sldId="2147483798"/>
+          </pc:sldLayoutMkLst>
+        </pc:sldLayoutChg>
+        <pc:sldLayoutChg chg="add del">
+          <pc:chgData name="Eduardo Martín-Sonseca.Alonso" userId="044a8a39323ca9b2" providerId="Windows Live" clId="Web-{FF7F459F-C0C5-489C-9C21-CFBC7B56CB8A}" dt="2022-10-04T11:32:21.469" v="49"/>
+          <pc:sldLayoutMkLst>
+            <pc:docMk/>
+            <pc:sldMasterMk cId="1205917560" sldId="2147483788"/>
+            <pc:sldLayoutMk cId="473027413" sldId="2147483799"/>
+          </pc:sldLayoutMkLst>
+        </pc:sldLayoutChg>
+      </pc:sldMasterChg>
+      <pc:sldMasterChg chg="add del addSldLayout delSldLayout modSldLayout">
+        <pc:chgData name="Eduardo Martín-Sonseca.Alonso" userId="044a8a39323ca9b2" providerId="Windows Live" clId="Web-{FF7F459F-C0C5-489C-9C21-CFBC7B56CB8A}" dt="2022-10-04T11:32:21.469" v="49"/>
+        <pc:sldMasterMkLst>
+          <pc:docMk/>
+          <pc:sldMasterMk cId="265808583" sldId="2147483800"/>
+        </pc:sldMasterMkLst>
+        <pc:sldLayoutChg chg="add del mod replId">
+          <pc:chgData name="Eduardo Martín-Sonseca.Alonso" userId="044a8a39323ca9b2" providerId="Windows Live" clId="Web-{FF7F459F-C0C5-489C-9C21-CFBC7B56CB8A}" dt="2022-10-04T11:32:21.469" v="49"/>
+          <pc:sldLayoutMkLst>
+            <pc:docMk/>
+            <pc:sldMasterMk cId="265808583" sldId="2147483800"/>
+            <pc:sldLayoutMk cId="2811768358" sldId="2147483801"/>
+          </pc:sldLayoutMkLst>
+        </pc:sldLayoutChg>
+        <pc:sldLayoutChg chg="add del mod replId">
+          <pc:chgData name="Eduardo Martín-Sonseca.Alonso" userId="044a8a39323ca9b2" providerId="Windows Live" clId="Web-{FF7F459F-C0C5-489C-9C21-CFBC7B56CB8A}" dt="2022-10-04T11:32:21.469" v="49"/>
+          <pc:sldLayoutMkLst>
+            <pc:docMk/>
+            <pc:sldMasterMk cId="265808583" sldId="2147483800"/>
+            <pc:sldLayoutMk cId="1987964374" sldId="2147483802"/>
+          </pc:sldLayoutMkLst>
+        </pc:sldLayoutChg>
+        <pc:sldLayoutChg chg="add del mod replId">
+          <pc:chgData name="Eduardo Martín-Sonseca.Alonso" userId="044a8a39323ca9b2" providerId="Windows Live" clId="Web-{FF7F459F-C0C5-489C-9C21-CFBC7B56CB8A}" dt="2022-10-04T11:32:21.469" v="49"/>
+          <pc:sldLayoutMkLst>
+            <pc:docMk/>
+            <pc:sldMasterMk cId="265808583" sldId="2147483800"/>
+            <pc:sldLayoutMk cId="787945337" sldId="2147483803"/>
+          </pc:sldLayoutMkLst>
+        </pc:sldLayoutChg>
+        <pc:sldLayoutChg chg="add del mod replId">
+          <pc:chgData name="Eduardo Martín-Sonseca.Alonso" userId="044a8a39323ca9b2" providerId="Windows Live" clId="Web-{FF7F459F-C0C5-489C-9C21-CFBC7B56CB8A}" dt="2022-10-04T11:32:21.469" v="49"/>
+          <pc:sldLayoutMkLst>
+            <pc:docMk/>
+            <pc:sldMasterMk cId="265808583" sldId="2147483800"/>
+            <pc:sldLayoutMk cId="3997568310" sldId="2147483804"/>
+          </pc:sldLayoutMkLst>
+        </pc:sldLayoutChg>
+        <pc:sldLayoutChg chg="add del mod replId">
+          <pc:chgData name="Eduardo Martín-Sonseca.Alonso" userId="044a8a39323ca9b2" providerId="Windows Live" clId="Web-{FF7F459F-C0C5-489C-9C21-CFBC7B56CB8A}" dt="2022-10-04T11:32:21.469" v="49"/>
+          <pc:sldLayoutMkLst>
+            <pc:docMk/>
+            <pc:sldMasterMk cId="265808583" sldId="2147483800"/>
+            <pc:sldLayoutMk cId="1284615772" sldId="2147483805"/>
+          </pc:sldLayoutMkLst>
+        </pc:sldLayoutChg>
+        <pc:sldLayoutChg chg="add del mod replId">
+          <pc:chgData name="Eduardo Martín-Sonseca.Alonso" userId="044a8a39323ca9b2" providerId="Windows Live" clId="Web-{FF7F459F-C0C5-489C-9C21-CFBC7B56CB8A}" dt="2022-10-04T11:32:21.469" v="49"/>
+          <pc:sldLayoutMkLst>
+            <pc:docMk/>
+            <pc:sldMasterMk cId="265808583" sldId="2147483800"/>
+            <pc:sldLayoutMk cId="3198153845" sldId="2147483806"/>
+          </pc:sldLayoutMkLst>
+        </pc:sldLayoutChg>
+        <pc:sldLayoutChg chg="add del mod replId">
+          <pc:chgData name="Eduardo Martín-Sonseca.Alonso" userId="044a8a39323ca9b2" providerId="Windows Live" clId="Web-{FF7F459F-C0C5-489C-9C21-CFBC7B56CB8A}" dt="2022-10-04T11:32:21.469" v="49"/>
+          <pc:sldLayoutMkLst>
+            <pc:docMk/>
+            <pc:sldMasterMk cId="265808583" sldId="2147483800"/>
+            <pc:sldLayoutMk cId="2929563302" sldId="2147483807"/>
+          </pc:sldLayoutMkLst>
+        </pc:sldLayoutChg>
+        <pc:sldLayoutChg chg="add del mod replId">
+          <pc:chgData name="Eduardo Martín-Sonseca.Alonso" userId="044a8a39323ca9b2" providerId="Windows Live" clId="Web-{FF7F459F-C0C5-489C-9C21-CFBC7B56CB8A}" dt="2022-10-04T11:32:21.469" v="49"/>
+          <pc:sldLayoutMkLst>
+            <pc:docMk/>
+            <pc:sldMasterMk cId="265808583" sldId="2147483800"/>
+            <pc:sldLayoutMk cId="3472562711" sldId="2147483808"/>
+          </pc:sldLayoutMkLst>
+        </pc:sldLayoutChg>
+        <pc:sldLayoutChg chg="add del mod replId">
+          <pc:chgData name="Eduardo Martín-Sonseca.Alonso" userId="044a8a39323ca9b2" providerId="Windows Live" clId="Web-{FF7F459F-C0C5-489C-9C21-CFBC7B56CB8A}" dt="2022-10-04T11:32:21.469" v="49"/>
+          <pc:sldLayoutMkLst>
+            <pc:docMk/>
+            <pc:sldMasterMk cId="265808583" sldId="2147483800"/>
+            <pc:sldLayoutMk cId="2839513260" sldId="2147483809"/>
+          </pc:sldLayoutMkLst>
+        </pc:sldLayoutChg>
+        <pc:sldLayoutChg chg="add del mod replId">
+          <pc:chgData name="Eduardo Martín-Sonseca.Alonso" userId="044a8a39323ca9b2" providerId="Windows Live" clId="Web-{FF7F459F-C0C5-489C-9C21-CFBC7B56CB8A}" dt="2022-10-04T11:32:21.469" v="49"/>
+          <pc:sldLayoutMkLst>
+            <pc:docMk/>
+            <pc:sldMasterMk cId="265808583" sldId="2147483800"/>
+            <pc:sldLayoutMk cId="3218672789" sldId="2147483810"/>
+          </pc:sldLayoutMkLst>
+        </pc:sldLayoutChg>
+        <pc:sldLayoutChg chg="add del mod replId">
+          <pc:chgData name="Eduardo Martín-Sonseca.Alonso" userId="044a8a39323ca9b2" providerId="Windows Live" clId="Web-{FF7F459F-C0C5-489C-9C21-CFBC7B56CB8A}" dt="2022-10-04T11:32:21.469" v="49"/>
+          <pc:sldLayoutMkLst>
+            <pc:docMk/>
+            <pc:sldMasterMk cId="265808583" sldId="2147483800"/>
+            <pc:sldLayoutMk cId="2294596450" sldId="2147483811"/>
+          </pc:sldLayoutMkLst>
+        </pc:sldLayoutChg>
+      </pc:sldMasterChg>
+      <pc:sldMasterChg chg="add del addSldLayout delSldLayout modSldLayout">
+        <pc:chgData name="Eduardo Martín-Sonseca.Alonso" userId="044a8a39323ca9b2" providerId="Windows Live" clId="Web-{FF7F459F-C0C5-489C-9C21-CFBC7B56CB8A}" dt="2022-10-04T11:32:15.516" v="48"/>
+        <pc:sldMasterMkLst>
+          <pc:docMk/>
+          <pc:sldMasterMk cId="1803897833" sldId="2147483812"/>
+        </pc:sldMasterMkLst>
+        <pc:sldLayoutChg chg="add del mod replId">
+          <pc:chgData name="Eduardo Martín-Sonseca.Alonso" userId="044a8a39323ca9b2" providerId="Windows Live" clId="Web-{FF7F459F-C0C5-489C-9C21-CFBC7B56CB8A}" dt="2022-10-04T11:32:15.516" v="48"/>
+          <pc:sldLayoutMkLst>
+            <pc:docMk/>
+            <pc:sldMasterMk cId="1803897833" sldId="2147483812"/>
+            <pc:sldLayoutMk cId="424787055" sldId="2147483813"/>
+          </pc:sldLayoutMkLst>
+        </pc:sldLayoutChg>
+        <pc:sldLayoutChg chg="add del mod replId">
+          <pc:chgData name="Eduardo Martín-Sonseca.Alonso" userId="044a8a39323ca9b2" providerId="Windows Live" clId="Web-{FF7F459F-C0C5-489C-9C21-CFBC7B56CB8A}" dt="2022-10-04T11:32:15.516" v="48"/>
+          <pc:sldLayoutMkLst>
+            <pc:docMk/>
+            <pc:sldMasterMk cId="1803897833" sldId="2147483812"/>
+            <pc:sldLayoutMk cId="261703896" sldId="2147483814"/>
+          </pc:sldLayoutMkLst>
+        </pc:sldLayoutChg>
+        <pc:sldLayoutChg chg="add del mod replId">
+          <pc:chgData name="Eduardo Martín-Sonseca.Alonso" userId="044a8a39323ca9b2" providerId="Windows Live" clId="Web-{FF7F459F-C0C5-489C-9C21-CFBC7B56CB8A}" dt="2022-10-04T11:32:15.516" v="48"/>
+          <pc:sldLayoutMkLst>
+            <pc:docMk/>
+            <pc:sldMasterMk cId="1803897833" sldId="2147483812"/>
+            <pc:sldLayoutMk cId="96301140" sldId="2147483815"/>
+          </pc:sldLayoutMkLst>
+        </pc:sldLayoutChg>
+        <pc:sldLayoutChg chg="add del mod replId">
+          <pc:chgData name="Eduardo Martín-Sonseca.Alonso" userId="044a8a39323ca9b2" providerId="Windows Live" clId="Web-{FF7F459F-C0C5-489C-9C21-CFBC7B56CB8A}" dt="2022-10-04T11:32:15.516" v="48"/>
+          <pc:sldLayoutMkLst>
+            <pc:docMk/>
+            <pc:sldMasterMk cId="1803897833" sldId="2147483812"/>
+            <pc:sldLayoutMk cId="3143717024" sldId="2147483816"/>
+          </pc:sldLayoutMkLst>
+        </pc:sldLayoutChg>
+        <pc:sldLayoutChg chg="add del mod replId">
+          <pc:chgData name="Eduardo Martín-Sonseca.Alonso" userId="044a8a39323ca9b2" providerId="Windows Live" clId="Web-{FF7F459F-C0C5-489C-9C21-CFBC7B56CB8A}" dt="2022-10-04T11:32:15.516" v="48"/>
+          <pc:sldLayoutMkLst>
+            <pc:docMk/>
+            <pc:sldMasterMk cId="1803897833" sldId="2147483812"/>
+            <pc:sldLayoutMk cId="2896566901" sldId="2147483817"/>
+          </pc:sldLayoutMkLst>
+        </pc:sldLayoutChg>
+        <pc:sldLayoutChg chg="add del mod replId">
+          <pc:chgData name="Eduardo Martín-Sonseca.Alonso" userId="044a8a39323ca9b2" providerId="Windows Live" clId="Web-{FF7F459F-C0C5-489C-9C21-CFBC7B56CB8A}" dt="2022-10-04T11:32:15.516" v="48"/>
+          <pc:sldLayoutMkLst>
+            <pc:docMk/>
+            <pc:sldMasterMk cId="1803897833" sldId="2147483812"/>
+            <pc:sldLayoutMk cId="3094981124" sldId="2147483818"/>
+          </pc:sldLayoutMkLst>
+        </pc:sldLayoutChg>
+        <pc:sldLayoutChg chg="add del mod replId">
+          <pc:chgData name="Eduardo Martín-Sonseca.Alonso" userId="044a8a39323ca9b2" providerId="Windows Live" clId="Web-{FF7F459F-C0C5-489C-9C21-CFBC7B56CB8A}" dt="2022-10-04T11:32:15.516" v="48"/>
+          <pc:sldLayoutMkLst>
+            <pc:docMk/>
+            <pc:sldMasterMk cId="1803897833" sldId="2147483812"/>
+            <pc:sldLayoutMk cId="4093723973" sldId="2147483819"/>
+          </pc:sldLayoutMkLst>
+        </pc:sldLayoutChg>
+        <pc:sldLayoutChg chg="add del mod replId">
+          <pc:chgData name="Eduardo Martín-Sonseca.Alonso" userId="044a8a39323ca9b2" providerId="Windows Live" clId="Web-{FF7F459F-C0C5-489C-9C21-CFBC7B56CB8A}" dt="2022-10-04T11:32:15.516" v="48"/>
+          <pc:sldLayoutMkLst>
+            <pc:docMk/>
+            <pc:sldMasterMk cId="1803897833" sldId="2147483812"/>
+            <pc:sldLayoutMk cId="4034946311" sldId="2147483820"/>
+          </pc:sldLayoutMkLst>
+        </pc:sldLayoutChg>
+        <pc:sldLayoutChg chg="add del mod replId">
+          <pc:chgData name="Eduardo Martín-Sonseca.Alonso" userId="044a8a39323ca9b2" providerId="Windows Live" clId="Web-{FF7F459F-C0C5-489C-9C21-CFBC7B56CB8A}" dt="2022-10-04T11:32:15.516" v="48"/>
+          <pc:sldLayoutMkLst>
+            <pc:docMk/>
+            <pc:sldMasterMk cId="1803897833" sldId="2147483812"/>
+            <pc:sldLayoutMk cId="2343210587" sldId="2147483821"/>
+          </pc:sldLayoutMkLst>
+        </pc:sldLayoutChg>
+        <pc:sldLayoutChg chg="add del mod replId">
+          <pc:chgData name="Eduardo Martín-Sonseca.Alonso" userId="044a8a39323ca9b2" providerId="Windows Live" clId="Web-{FF7F459F-C0C5-489C-9C21-CFBC7B56CB8A}" dt="2022-10-04T11:32:15.516" v="48"/>
+          <pc:sldLayoutMkLst>
+            <pc:docMk/>
+            <pc:sldMasterMk cId="1803897833" sldId="2147483812"/>
+            <pc:sldLayoutMk cId="880344305" sldId="2147483822"/>
+          </pc:sldLayoutMkLst>
+        </pc:sldLayoutChg>
+        <pc:sldLayoutChg chg="add del mod replId">
+          <pc:chgData name="Eduardo Martín-Sonseca.Alonso" userId="044a8a39323ca9b2" providerId="Windows Live" clId="Web-{FF7F459F-C0C5-489C-9C21-CFBC7B56CB8A}" dt="2022-10-04T11:32:15.516" v="48"/>
+          <pc:sldLayoutMkLst>
+            <pc:docMk/>
+            <pc:sldMasterMk cId="1803897833" sldId="2147483812"/>
+            <pc:sldLayoutMk cId="3620790868" sldId="2147483823"/>
+          </pc:sldLayoutMkLst>
+        </pc:sldLayoutChg>
+      </pc:sldMasterChg>
+      <pc:sldMasterChg chg="add del addSldLayout delSldLayout modSldLayout">
+        <pc:chgData name="Eduardo Martín-Sonseca.Alonso" userId="044a8a39323ca9b2" providerId="Windows Live" clId="Web-{FF7F459F-C0C5-489C-9C21-CFBC7B56CB8A}" dt="2022-10-04T11:32:11.890" v="47"/>
+        <pc:sldMasterMkLst>
+          <pc:docMk/>
+          <pc:sldMasterMk cId="2621713332" sldId="2147483824"/>
+        </pc:sldMasterMkLst>
+        <pc:sldLayoutChg chg="add del mod replId">
+          <pc:chgData name="Eduardo Martín-Sonseca.Alonso" userId="044a8a39323ca9b2" providerId="Windows Live" clId="Web-{FF7F459F-C0C5-489C-9C21-CFBC7B56CB8A}" dt="2022-10-04T11:32:11.890" v="47"/>
+          <pc:sldLayoutMkLst>
+            <pc:docMk/>
+            <pc:sldMasterMk cId="2621713332" sldId="2147483824"/>
+            <pc:sldLayoutMk cId="3164127980" sldId="2147483825"/>
+          </pc:sldLayoutMkLst>
+        </pc:sldLayoutChg>
+        <pc:sldLayoutChg chg="add del mod replId">
+          <pc:chgData name="Eduardo Martín-Sonseca.Alonso" userId="044a8a39323ca9b2" providerId="Windows Live" clId="Web-{FF7F459F-C0C5-489C-9C21-CFBC7B56CB8A}" dt="2022-10-04T11:32:11.890" v="47"/>
+          <pc:sldLayoutMkLst>
+            <pc:docMk/>
+            <pc:sldMasterMk cId="2621713332" sldId="2147483824"/>
+            <pc:sldLayoutMk cId="3392017605" sldId="2147483826"/>
+          </pc:sldLayoutMkLst>
+        </pc:sldLayoutChg>
+        <pc:sldLayoutChg chg="add del mod replId">
+          <pc:chgData name="Eduardo Martín-Sonseca.Alonso" userId="044a8a39323ca9b2" providerId="Windows Live" clId="Web-{FF7F459F-C0C5-489C-9C21-CFBC7B56CB8A}" dt="2022-10-04T11:32:11.890" v="47"/>
+          <pc:sldLayoutMkLst>
+            <pc:docMk/>
+            <pc:sldMasterMk cId="2621713332" sldId="2147483824"/>
+            <pc:sldLayoutMk cId="1980754366" sldId="2147483827"/>
+          </pc:sldLayoutMkLst>
+        </pc:sldLayoutChg>
+        <pc:sldLayoutChg chg="add del mod replId">
+          <pc:chgData name="Eduardo Martín-Sonseca.Alonso" userId="044a8a39323ca9b2" providerId="Windows Live" clId="Web-{FF7F459F-C0C5-489C-9C21-CFBC7B56CB8A}" dt="2022-10-04T11:32:11.890" v="47"/>
+          <pc:sldLayoutMkLst>
+            <pc:docMk/>
+            <pc:sldMasterMk cId="2621713332" sldId="2147483824"/>
+            <pc:sldLayoutMk cId="3701638341" sldId="2147483828"/>
+          </pc:sldLayoutMkLst>
+        </pc:sldLayoutChg>
+        <pc:sldLayoutChg chg="add del mod replId">
+          <pc:chgData name="Eduardo Martín-Sonseca.Alonso" userId="044a8a39323ca9b2" providerId="Windows Live" clId="Web-{FF7F459F-C0C5-489C-9C21-CFBC7B56CB8A}" dt="2022-10-04T11:32:11.890" v="47"/>
+          <pc:sldLayoutMkLst>
+            <pc:docMk/>
+            <pc:sldMasterMk cId="2621713332" sldId="2147483824"/>
+            <pc:sldLayoutMk cId="4169862701" sldId="2147483829"/>
+          </pc:sldLayoutMkLst>
+        </pc:sldLayoutChg>
+        <pc:sldLayoutChg chg="add del mod replId">
+          <pc:chgData name="Eduardo Martín-Sonseca.Alonso" userId="044a8a39323ca9b2" providerId="Windows Live" clId="Web-{FF7F459F-C0C5-489C-9C21-CFBC7B56CB8A}" dt="2022-10-04T11:32:11.890" v="47"/>
+          <pc:sldLayoutMkLst>
+            <pc:docMk/>
+            <pc:sldMasterMk cId="2621713332" sldId="2147483824"/>
+            <pc:sldLayoutMk cId="1508246956" sldId="2147483830"/>
+          </pc:sldLayoutMkLst>
+        </pc:sldLayoutChg>
+        <pc:sldLayoutChg chg="add del mod replId">
+          <pc:chgData name="Eduardo Martín-Sonseca.Alonso" userId="044a8a39323ca9b2" providerId="Windows Live" clId="Web-{FF7F459F-C0C5-489C-9C21-CFBC7B56CB8A}" dt="2022-10-04T11:32:11.890" v="47"/>
+          <pc:sldLayoutMkLst>
+            <pc:docMk/>
+            <pc:sldMasterMk cId="2621713332" sldId="2147483824"/>
+            <pc:sldLayoutMk cId="1035822049" sldId="2147483831"/>
+          </pc:sldLayoutMkLst>
+        </pc:sldLayoutChg>
+        <pc:sldLayoutChg chg="add del mod replId">
+          <pc:chgData name="Eduardo Martín-Sonseca.Alonso" userId="044a8a39323ca9b2" providerId="Windows Live" clId="Web-{FF7F459F-C0C5-489C-9C21-CFBC7B56CB8A}" dt="2022-10-04T11:32:11.890" v="47"/>
+          <pc:sldLayoutMkLst>
+            <pc:docMk/>
+            <pc:sldMasterMk cId="2621713332" sldId="2147483824"/>
+            <pc:sldLayoutMk cId="377709715" sldId="2147483832"/>
+          </pc:sldLayoutMkLst>
+        </pc:sldLayoutChg>
+        <pc:sldLayoutChg chg="add del mod replId">
+          <pc:chgData name="Eduardo Martín-Sonseca.Alonso" userId="044a8a39323ca9b2" providerId="Windows Live" clId="Web-{FF7F459F-C0C5-489C-9C21-CFBC7B56CB8A}" dt="2022-10-04T11:32:11.890" v="47"/>
+          <pc:sldLayoutMkLst>
+            <pc:docMk/>
+            <pc:sldMasterMk cId="2621713332" sldId="2147483824"/>
+            <pc:sldLayoutMk cId="1789459702" sldId="2147483833"/>
+          </pc:sldLayoutMkLst>
+        </pc:sldLayoutChg>
+        <pc:sldLayoutChg chg="add del mod replId">
+          <pc:chgData name="Eduardo Martín-Sonseca.Alonso" userId="044a8a39323ca9b2" providerId="Windows Live" clId="Web-{FF7F459F-C0C5-489C-9C21-CFBC7B56CB8A}" dt="2022-10-04T11:32:11.890" v="47"/>
+          <pc:sldLayoutMkLst>
+            <pc:docMk/>
+            <pc:sldMasterMk cId="2621713332" sldId="2147483824"/>
+            <pc:sldLayoutMk cId="61645377" sldId="2147483834"/>
+          </pc:sldLayoutMkLst>
+        </pc:sldLayoutChg>
+        <pc:sldLayoutChg chg="add del mod replId">
+          <pc:chgData name="Eduardo Martín-Sonseca.Alonso" userId="044a8a39323ca9b2" providerId="Windows Live" clId="Web-{FF7F459F-C0C5-489C-9C21-CFBC7B56CB8A}" dt="2022-10-04T11:32:11.890" v="47"/>
+          <pc:sldLayoutMkLst>
+            <pc:docMk/>
+            <pc:sldMasterMk cId="2621713332" sldId="2147483824"/>
+            <pc:sldLayoutMk cId="963203533" sldId="2147483835"/>
           </pc:sldLayoutMkLst>
         </pc:sldLayoutChg>
       </pc:sldMasterChg>
@@ -9574,12 +10429,12 @@
           <a:chExt cx="0" cy="0"/>
         </a:xfrm>
       </p:grpSpPr>
-      <p:sp useBgFill="1">
+      <p:sp>
         <p:nvSpPr>
-          <p:cNvPr id="9" name="Rectangle 8">
+          <p:cNvPr id="20" name="Rectangle 19">
             <a:extLst>
               <a:ext uri="{FF2B5EF4-FFF2-40B4-BE49-F238E27FC236}">
-                <a16:creationId xmlns:a16="http://schemas.microsoft.com/office/drawing/2014/main" id="{9AA72BD9-2C5A-4EDC-931F-5AA08EACA0F3}"/>
+                <a16:creationId xmlns:a16="http://schemas.microsoft.com/office/drawing/2014/main" id="{4C608BEB-860E-4094-8511-78603564A75E}"/>
               </a:ext>
               <a:ext uri="{C183D7F6-B498-43B3-948B-1728B52AA6E4}">
                 <adec:decorative xmlns:adec="http://schemas.microsoft.com/office/drawing/2017/decorative" val="1"/>
@@ -9600,298 +10455,17 @@
         <p:spPr>
           <a:xfrm>
             <a:off x="0" y="0"/>
-            <a:ext cx="12192000" cy="6858000"/>
-          </a:xfrm>
-          <a:prstGeom prst="rect">
-            <a:avLst/>
-          </a:prstGeom>
-          <a:ln>
-            <a:noFill/>
-          </a:ln>
-        </p:spPr>
-        <p:style>
-          <a:lnRef idx="2">
-            <a:schemeClr val="accent1">
-              <a:shade val="50000"/>
-            </a:schemeClr>
-          </a:lnRef>
-          <a:fillRef idx="1">
-            <a:schemeClr val="accent1"/>
-          </a:fillRef>
-          <a:effectRef idx="0">
-            <a:schemeClr val="accent1"/>
-          </a:effectRef>
-          <a:fontRef idx="minor">
-            <a:schemeClr val="lt1"/>
-          </a:fontRef>
-        </p:style>
-        <p:txBody>
-          <a:bodyPr rtlCol="0" anchor="ctr"/>
-          <a:lstStyle/>
-          <a:p>
-            <a:pPr algn="ctr"/>
-            <a:endParaRPr lang="en-US"/>
-          </a:p>
-        </p:txBody>
-      </p:sp>
-      <p:pic>
-        <p:nvPicPr>
-          <p:cNvPr id="6" name="Picture 4" descr="Gráficas financieras en una pantalla oscura">
-            <a:extLst>
-              <a:ext uri="{FF2B5EF4-FFF2-40B4-BE49-F238E27FC236}">
-                <a16:creationId xmlns:a16="http://schemas.microsoft.com/office/drawing/2014/main" id="{5796F568-A919-5CD1-743C-7ED9D36AB8D1}"/>
-              </a:ext>
-            </a:extLst>
-          </p:cNvPr>
-          <p:cNvPicPr>
-            <a:picLocks noChangeAspect="1"/>
-          </p:cNvPicPr>
-          <p:nvPr/>
-        </p:nvPicPr>
-        <p:blipFill rotWithShape="1">
-          <a:blip r:embed="rId2"/>
-          <a:srcRect l="676" t="9090" r="27502" b="7"/>
-          <a:stretch/>
-        </p:blipFill>
-        <p:spPr>
-          <a:xfrm>
-            <a:off x="3522466" y="5354"/>
-            <a:ext cx="8669532" cy="6857990"/>
-          </a:xfrm>
-          <a:prstGeom prst="rect">
-            <a:avLst/>
-          </a:prstGeom>
-        </p:spPr>
-      </p:pic>
-      <p:sp>
-        <p:nvSpPr>
-          <p:cNvPr id="11" name="Rectangle 10">
-            <a:extLst>
-              <a:ext uri="{FF2B5EF4-FFF2-40B4-BE49-F238E27FC236}">
-                <a16:creationId xmlns:a16="http://schemas.microsoft.com/office/drawing/2014/main" id="{DD3981AC-7B61-4947-BCF3-F7AA7FA385B9}"/>
-              </a:ext>
-              <a:ext uri="{C183D7F6-B498-43B3-948B-1728B52AA6E4}">
-                <adec:decorative xmlns:adec="http://schemas.microsoft.com/office/drawing/2017/decorative" val="1"/>
-              </a:ext>
-            </a:extLst>
-          </p:cNvPr>
-          <p:cNvSpPr>
-            <a:spLocks noGrp="1" noRot="1" noChangeAspect="1" noMove="1" noResize="1" noEditPoints="1" noAdjustHandles="1" noChangeArrowheads="1" noChangeShapeType="1" noTextEdit="1"/>
-          </p:cNvSpPr>
-          <p:nvPr>
-            <p:extLst>
-              <p:ext uri="{386F3935-93C4-4BCD-93E2-E3B085C9AB24}">
-                <p16:designElem xmlns:p16="http://schemas.microsoft.com/office/powerpoint/2015/main" val="1"/>
-              </p:ext>
-            </p:extLst>
-          </p:nvPr>
-        </p:nvSpPr>
-        <p:spPr>
-          <a:xfrm>
-            <a:off x="2" y="0"/>
-            <a:ext cx="9756601" cy="6858000"/>
-          </a:xfrm>
-          <a:prstGeom prst="rect">
-            <a:avLst/>
-          </a:prstGeom>
-          <a:gradFill>
-            <a:gsLst>
-              <a:gs pos="58000">
-                <a:schemeClr val="bg1"/>
-              </a:gs>
-              <a:gs pos="35000">
-                <a:schemeClr val="bg1">
-                  <a:alpha val="78000"/>
-                </a:schemeClr>
-              </a:gs>
-              <a:gs pos="19000">
-                <a:schemeClr val="bg1">
-                  <a:alpha val="38000"/>
-                </a:schemeClr>
-              </a:gs>
-              <a:gs pos="0">
-                <a:schemeClr val="bg1">
-                  <a:alpha val="0"/>
-                </a:schemeClr>
-              </a:gs>
-              <a:gs pos="100000">
-                <a:schemeClr val="bg1"/>
-              </a:gs>
-            </a:gsLst>
-            <a:lin ang="10800000" scaled="0"/>
-          </a:gradFill>
-          <a:ln>
-            <a:noFill/>
-          </a:ln>
-        </p:spPr>
-        <p:style>
-          <a:lnRef idx="2">
-            <a:schemeClr val="accent1">
-              <a:shade val="50000"/>
-            </a:schemeClr>
-          </a:lnRef>
-          <a:fillRef idx="1">
-            <a:schemeClr val="accent1"/>
-          </a:fillRef>
-          <a:effectRef idx="0">
-            <a:schemeClr val="accent1"/>
-          </a:effectRef>
-          <a:fontRef idx="minor">
-            <a:schemeClr val="lt1"/>
-          </a:fontRef>
-        </p:style>
-        <p:txBody>
-          <a:bodyPr rtlCol="0" anchor="ctr"/>
-          <a:lstStyle/>
-          <a:p>
-            <a:pPr algn="ctr"/>
-            <a:endParaRPr lang="en-US" dirty="0"/>
-          </a:p>
-        </p:txBody>
-      </p:sp>
-      <p:sp>
-        <p:nvSpPr>
-          <p:cNvPr id="2" name="Título 1">
-            <a:extLst>
-              <a:ext uri="{FF2B5EF4-FFF2-40B4-BE49-F238E27FC236}">
-                <a16:creationId xmlns:a16="http://schemas.microsoft.com/office/drawing/2014/main" id="{4AFA984B-9B6C-188A-245A-53C0CE93CEFC}"/>
-              </a:ext>
-            </a:extLst>
-          </p:cNvPr>
-          <p:cNvSpPr>
-            <a:spLocks noGrp="1"/>
-          </p:cNvSpPr>
-          <p:nvPr>
-            <p:ph type="title"/>
-          </p:nvPr>
-        </p:nvSpPr>
-        <p:spPr>
-          <a:xfrm>
-            <a:off x="371094" y="1161288"/>
-            <a:ext cx="3438144" cy="1124712"/>
-          </a:xfrm>
-        </p:spPr>
-        <p:txBody>
-          <a:bodyPr anchor="b">
-            <a:normAutofit/>
-          </a:bodyPr>
-          <a:lstStyle/>
-          <a:p>
-            <a:r>
-              <a:rPr lang="es-ES" sz="2800">
-                <a:cs typeface="Calibri Light" panose="020F0302020204030204"/>
-              </a:rPr>
-              <a:t>¿QUE ES EL BIG DATA?</a:t>
-            </a:r>
-          </a:p>
-        </p:txBody>
-      </p:sp>
-      <p:sp>
-        <p:nvSpPr>
-          <p:cNvPr id="13" name="Rectangle 12">
-            <a:extLst>
-              <a:ext uri="{FF2B5EF4-FFF2-40B4-BE49-F238E27FC236}">
-                <a16:creationId xmlns:a16="http://schemas.microsoft.com/office/drawing/2014/main" id="{55D4142C-5077-457F-A6AD-3FECFDB39685}"/>
-              </a:ext>
-              <a:ext uri="{C183D7F6-B498-43B3-948B-1728B52AA6E4}">
-                <adec:decorative xmlns:adec="http://schemas.microsoft.com/office/drawing/2017/decorative" val="1"/>
-              </a:ext>
-            </a:extLst>
-          </p:cNvPr>
-          <p:cNvSpPr>
-            <a:spLocks noGrp="1" noRot="1" noChangeAspect="1" noMove="1" noResize="1" noEditPoints="1" noAdjustHandles="1" noChangeArrowheads="1" noChangeShapeType="1" noTextEdit="1"/>
-          </p:cNvSpPr>
-          <p:nvPr>
-            <p:extLst>
-              <p:ext uri="{386F3935-93C4-4BCD-93E2-E3B085C9AB24}">
-                <p16:designElem xmlns:p16="http://schemas.microsoft.com/office/powerpoint/2015/main" val="1"/>
-              </p:ext>
-            </p:extLst>
-          </p:nvPr>
-        </p:nvSpPr>
-        <p:spPr>
-          <a:xfrm rot="5400000">
-            <a:off x="662559" y="605790"/>
-            <a:ext cx="73152" cy="548640"/>
+            <a:ext cx="4059050" cy="6858000"/>
           </a:xfrm>
           <a:prstGeom prst="rect">
             <a:avLst/>
           </a:prstGeom>
           <a:solidFill>
-            <a:schemeClr val="accent2"/>
+            <a:srgbClr val="404040"/>
           </a:solidFill>
           <a:ln>
             <a:noFill/>
           </a:ln>
-        </p:spPr>
-        <p:style>
-          <a:lnRef idx="2">
-            <a:schemeClr val="accent1">
-              <a:shade val="50000"/>
-            </a:schemeClr>
-          </a:lnRef>
-          <a:fillRef idx="1">
-            <a:schemeClr val="accent1"/>
-          </a:fillRef>
-          <a:effectRef idx="0">
-            <a:schemeClr val="accent1"/>
-          </a:effectRef>
-          <a:fontRef idx="minor">
-            <a:schemeClr val="lt1"/>
-          </a:fontRef>
-        </p:style>
-        <p:txBody>
-          <a:bodyPr rtlCol="0" anchor="ctr"/>
-          <a:lstStyle/>
-          <a:p>
-            <a:pPr algn="ctr"/>
-            <a:endParaRPr lang="en-US">
-              <a:solidFill>
-                <a:prstClr val="white"/>
-              </a:solidFill>
-              <a:latin typeface="Calibri" panose="020F0502020204030204"/>
-            </a:endParaRPr>
-          </a:p>
-        </p:txBody>
-      </p:sp>
-      <p:sp>
-        <p:nvSpPr>
-          <p:cNvPr id="15" name="Rectangle 14">
-            <a:extLst>
-              <a:ext uri="{FF2B5EF4-FFF2-40B4-BE49-F238E27FC236}">
-                <a16:creationId xmlns:a16="http://schemas.microsoft.com/office/drawing/2014/main" id="{7A5F0580-5EE9-419F-96EE-B6529EF6E7D0}"/>
-              </a:ext>
-              <a:ext uri="{C183D7F6-B498-43B3-948B-1728B52AA6E4}">
-                <adec:decorative xmlns:adec="http://schemas.microsoft.com/office/drawing/2017/decorative" val="1"/>
-              </a:ext>
-            </a:extLst>
-          </p:cNvPr>
-          <p:cNvSpPr>
-            <a:spLocks noGrp="1" noRot="1" noChangeAspect="1" noMove="1" noResize="1" noEditPoints="1" noAdjustHandles="1" noChangeArrowheads="1" noChangeShapeType="1" noTextEdit="1"/>
-          </p:cNvSpPr>
-          <p:nvPr>
-            <p:extLst>
-              <p:ext uri="{386F3935-93C4-4BCD-93E2-E3B085C9AB24}">
-                <p16:designElem xmlns:p16="http://schemas.microsoft.com/office/powerpoint/2015/main" val="1"/>
-              </p:ext>
-            </p:extLst>
-          </p:nvPr>
-        </p:nvSpPr>
-        <p:spPr>
-          <a:xfrm>
-            <a:off x="428244" y="2443480"/>
-            <a:ext cx="3300984" cy="18288"/>
-          </a:xfrm>
-          <a:prstGeom prst="rect">
-            <a:avLst/>
-          </a:prstGeom>
-          <a:solidFill>
-            <a:schemeClr val="tx1"/>
-          </a:solidFill>
-          <a:ln w="3175">
-            <a:noFill/>
-          </a:ln>
-          <a:effectLst/>
         </p:spPr>
         <p:style>
           <a:lnRef idx="2">
@@ -9949,6 +10523,48 @@
       </p:sp>
       <p:sp>
         <p:nvSpPr>
+          <p:cNvPr id="2" name="Título 1">
+            <a:extLst>
+              <a:ext uri="{FF2B5EF4-FFF2-40B4-BE49-F238E27FC236}">
+                <a16:creationId xmlns:a16="http://schemas.microsoft.com/office/drawing/2014/main" id="{4AFA984B-9B6C-188A-245A-53C0CE93CEFC}"/>
+              </a:ext>
+            </a:extLst>
+          </p:cNvPr>
+          <p:cNvSpPr>
+            <a:spLocks noGrp="1"/>
+          </p:cNvSpPr>
+          <p:nvPr>
+            <p:ph type="title"/>
+          </p:nvPr>
+        </p:nvSpPr>
+        <p:spPr>
+          <a:xfrm>
+            <a:off x="838200" y="1412488"/>
+            <a:ext cx="2899189" cy="4363844"/>
+          </a:xfrm>
+        </p:spPr>
+        <p:txBody>
+          <a:bodyPr vert="horz" lIns="91440" tIns="45720" rIns="91440" bIns="45720" rtlCol="0" anchor="t">
+            <a:normAutofit/>
+          </a:bodyPr>
+          <a:lstStyle/>
+          <a:p>
+            <a:r>
+              <a:rPr lang="en-US" sz="4000" kern="1200">
+                <a:solidFill>
+                  <a:srgbClr val="FFFFFF"/>
+                </a:solidFill>
+                <a:latin typeface="+mj-lt"/>
+                <a:ea typeface="+mj-ea"/>
+                <a:cs typeface="+mj-cs"/>
+              </a:rPr>
+              <a:t>¿QUE ES EL BIG DATA?</a:t>
+            </a:r>
+          </a:p>
+        </p:txBody>
+      </p:sp>
+      <p:sp>
+        <p:nvSpPr>
           <p:cNvPr id="3" name="Marcador de contenido 2">
             <a:extLst>
               <a:ext uri="{FF2B5EF4-FFF2-40B4-BE49-F238E27FC236}">
@@ -9965,52 +10581,174 @@
         </p:nvSpPr>
         <p:spPr>
           <a:xfrm>
-            <a:off x="371094" y="2718054"/>
-            <a:ext cx="10225019" cy="705598"/>
+            <a:off x="4380855" y="1412489"/>
+            <a:ext cx="3427283" cy="4363844"/>
           </a:xfrm>
         </p:spPr>
         <p:txBody>
-          <a:bodyPr vert="horz" lIns="91440" tIns="45720" rIns="91440" bIns="45720" rtlCol="0" anchor="t">
+          <a:bodyPr vert="horz" lIns="91440" tIns="45720" rIns="91440" bIns="45720" rtlCol="0">
             <a:normAutofit/>
           </a:bodyPr>
           <a:lstStyle/>
           <a:p>
             <a:r>
-              <a:rPr lang="es-ES" sz="1700" dirty="0">
-                <a:cs typeface="Calibri"/>
-              </a:rPr>
-              <a:t>El término </a:t>
-            </a:r>
-            <a:r>
-              <a:rPr lang="es-ES" sz="1700" b="1" dirty="0">
-                <a:cs typeface="Calibri"/>
-              </a:rPr>
-              <a:t>"</a:t>
-            </a:r>
-            <a:r>
-              <a:rPr lang="es-ES" sz="1700" b="1" dirty="0" err="1">
-                <a:cs typeface="Calibri"/>
-              </a:rPr>
-              <a:t>big</a:t>
-            </a:r>
-            <a:r>
-              <a:rPr lang="es-ES" sz="1700" b="1" dirty="0">
-                <a:cs typeface="Calibri"/>
-              </a:rPr>
-              <a:t> data"</a:t>
-            </a:r>
-            <a:r>
-              <a:rPr lang="es-ES" sz="1700" dirty="0">
-                <a:cs typeface="Calibri"/>
-              </a:rPr>
-              <a:t> representa una gran variedad de datos recopilados en grandes volúmenes a una velocidad superior</a:t>
-            </a:r>
-            <a:endParaRPr lang="es-ES" dirty="0">
-              <a:cs typeface="Calibri" panose="020F0502020204030204"/>
-            </a:endParaRPr>
+              <a:rPr lang="en-US" sz="2000" dirty="0"/>
+              <a:t>El </a:t>
+            </a:r>
+            <a:r>
+              <a:rPr lang="en-US" sz="2000" dirty="0" err="1"/>
+              <a:t>término</a:t>
+            </a:r>
+            <a:r>
+              <a:rPr lang="en-US" sz="2000" dirty="0"/>
+              <a:t> </a:t>
+            </a:r>
+            <a:r>
+              <a:rPr lang="en-US" sz="2000" b="1" dirty="0"/>
+              <a:t>"big data"</a:t>
+            </a:r>
+            <a:r>
+              <a:rPr lang="en-US" sz="2000" dirty="0"/>
+              <a:t> </a:t>
+            </a:r>
+            <a:r>
+              <a:rPr lang="en-US" sz="2000" dirty="0" err="1"/>
+              <a:t>representa</a:t>
+            </a:r>
+            <a:r>
+              <a:rPr lang="en-US" sz="2000" dirty="0"/>
+              <a:t> </a:t>
+            </a:r>
+            <a:r>
+              <a:rPr lang="en-US" sz="2000" dirty="0" err="1"/>
+              <a:t>una</a:t>
+            </a:r>
+            <a:r>
+              <a:rPr lang="en-US" sz="2000" dirty="0"/>
+              <a:t> gran </a:t>
+            </a:r>
+            <a:r>
+              <a:rPr lang="en-US" sz="2000" dirty="0" err="1"/>
+              <a:t>variedad</a:t>
+            </a:r>
+            <a:r>
+              <a:rPr lang="en-US" sz="2000" dirty="0"/>
+              <a:t> de </a:t>
+            </a:r>
+            <a:r>
+              <a:rPr lang="en-US" sz="2000" dirty="0" err="1"/>
+              <a:t>datos</a:t>
+            </a:r>
+            <a:r>
+              <a:rPr lang="en-US" sz="2000" dirty="0"/>
+              <a:t> </a:t>
+            </a:r>
+            <a:r>
+              <a:rPr lang="en-US" sz="2000" dirty="0" err="1"/>
+              <a:t>recopilados</a:t>
+            </a:r>
+            <a:r>
+              <a:rPr lang="en-US" sz="2000" dirty="0"/>
+              <a:t> </a:t>
+            </a:r>
+            <a:r>
+              <a:rPr lang="en-US" sz="2000" dirty="0" err="1"/>
+              <a:t>en</a:t>
+            </a:r>
+            <a:r>
+              <a:rPr lang="en-US" sz="2000" dirty="0"/>
+              <a:t> </a:t>
+            </a:r>
+            <a:r>
+              <a:rPr lang="en-US" sz="2000" dirty="0" err="1"/>
+              <a:t>grandes</a:t>
+            </a:r>
+            <a:r>
+              <a:rPr lang="en-US" sz="2000" dirty="0"/>
+              <a:t> </a:t>
+            </a:r>
+            <a:r>
+              <a:rPr lang="en-US" sz="2000" dirty="0" err="1"/>
+              <a:t>volúmenes</a:t>
+            </a:r>
+            <a:r>
+              <a:rPr lang="en-US" sz="2000" dirty="0"/>
+              <a:t> a </a:t>
+            </a:r>
+            <a:r>
+              <a:rPr lang="en-US" sz="2000" dirty="0" err="1"/>
+              <a:t>una</a:t>
+            </a:r>
+            <a:r>
+              <a:rPr lang="en-US" sz="2000" dirty="0"/>
+              <a:t> </a:t>
+            </a:r>
+            <a:r>
+              <a:rPr lang="en-US" sz="2000" dirty="0" err="1"/>
+              <a:t>velocidad</a:t>
+            </a:r>
+            <a:r>
+              <a:rPr lang="en-US" sz="2000" dirty="0"/>
+              <a:t> superior</a:t>
+            </a:r>
           </a:p>
         </p:txBody>
       </p:sp>
+      <p:cxnSp>
+        <p:nvCxnSpPr>
+          <p:cNvPr id="22" name="Straight Connector 21">
+            <a:extLst>
+              <a:ext uri="{FF2B5EF4-FFF2-40B4-BE49-F238E27FC236}">
+                <a16:creationId xmlns:a16="http://schemas.microsoft.com/office/drawing/2014/main" id="{1F16A8D4-FE87-4604-88B2-394B5D1EB437}"/>
+              </a:ext>
+              <a:ext uri="{C183D7F6-B498-43B3-948B-1728B52AA6E4}">
+                <adec:decorative xmlns:adec="http://schemas.microsoft.com/office/drawing/2017/decorative" val="1"/>
+              </a:ext>
+            </a:extLst>
+          </p:cNvPr>
+          <p:cNvCxnSpPr>
+            <a:cxnSpLocks noGrp="1" noRot="1" noChangeAspect="1" noMove="1" noResize="1" noEditPoints="1" noAdjustHandles="1" noChangeArrowheads="1" noChangeShapeType="1"/>
+          </p:cNvCxnSpPr>
+          <p:nvPr>
+            <p:extLst>
+              <p:ext uri="{386F3935-93C4-4BCD-93E2-E3B085C9AB24}">
+                <p16:designElem xmlns:p16="http://schemas.microsoft.com/office/powerpoint/2015/main" val="1"/>
+              </p:ext>
+            </p:extLst>
+          </p:nvPr>
+        </p:nvCxnSpPr>
+        <p:spPr>
+          <a:xfrm>
+            <a:off x="8129871" y="1412488"/>
+            <a:ext cx="0" cy="3657600"/>
+          </a:xfrm>
+          <a:prstGeom prst="line">
+            <a:avLst/>
+          </a:prstGeom>
+          <a:ln w="12700">
+            <a:solidFill>
+              <a:schemeClr val="tx1">
+                <a:lumMod val="50000"/>
+                <a:lumOff val="50000"/>
+              </a:schemeClr>
+            </a:solidFill>
+          </a:ln>
+        </p:spPr>
+        <p:style>
+          <a:lnRef idx="1">
+            <a:schemeClr val="accent1"/>
+          </a:lnRef>
+          <a:fillRef idx="0">
+            <a:schemeClr val="accent1"/>
+          </a:fillRef>
+          <a:effectRef idx="0">
+            <a:schemeClr val="accent1"/>
+          </a:effectRef>
+          <a:fontRef idx="minor">
+            <a:schemeClr val="tx1"/>
+          </a:fontRef>
+        </p:style>
+      </p:cxnSp>
       <p:sp>
         <p:nvSpPr>
           <p:cNvPr id="12" name="Marcador de contenido 2">
@@ -10027,15 +10765,15 @@
         </p:nvSpPr>
         <p:spPr>
           <a:xfrm>
-            <a:off x="371475" y="4435654"/>
-            <a:ext cx="10228053" cy="670735"/>
+            <a:off x="8451604" y="1412489"/>
+            <a:ext cx="3197701" cy="4378221"/>
           </a:xfrm>
           <a:prstGeom prst="rect">
             <a:avLst/>
           </a:prstGeom>
         </p:spPr>
         <p:txBody>
-          <a:bodyPr vert="horz" lIns="91440" tIns="45720" rIns="91440" bIns="45720" rtlCol="0" anchor="t">
+          <a:bodyPr vert="horz" lIns="91440" tIns="45720" rIns="91440" bIns="45720" rtlCol="0">
             <a:normAutofit/>
           </a:bodyPr>
           <a:lstStyle>
@@ -10134,38 +10872,125 @@
             </a:lvl9pPr>
           </a:lstStyle>
           <a:p>
-            <a:pPr marL="285750" indent="-285750">
-              <a:buFont typeface="Arial"/>
+            <a:pPr marL="285750" indent="-228600">
+              <a:lnSpc>
+                <a:spcPct val="90000"/>
+              </a:lnSpc>
+              <a:spcAft>
+                <a:spcPts val="600"/>
+              </a:spcAft>
+              <a:buFont typeface="Arial" panose="020B0604020202020204" pitchFamily="34" charset="0"/>
               <a:buChar char="•"/>
             </a:pPr>
             <a:r>
-              <a:rPr lang="es-ES" dirty="0">
-                <a:cs typeface="Calibri"/>
-              </a:rPr>
-              <a:t>El </a:t>
-            </a:r>
-            <a:r>
-              <a:rPr lang="es-ES" dirty="0" err="1">
-                <a:cs typeface="Calibri"/>
-              </a:rPr>
-              <a:t>big</a:t>
-            </a:r>
-            <a:r>
-              <a:rPr lang="es-ES" dirty="0">
-                <a:cs typeface="Calibri"/>
-              </a:rPr>
-              <a:t> data son conjuntos de datos, los cuales son tan grandes como un software de procesamiento de datos, estos datos pueden ser utilizados para resolver problemas.</a:t>
-            </a:r>
-            <a:endParaRPr lang="es-ES"/>
+              <a:rPr lang="en-US" sz="2000" dirty="0"/>
+              <a:t>El big data son conjuntos de </a:t>
+            </a:r>
+            <a:r>
+              <a:rPr lang="en-US" sz="2000" dirty="0" err="1"/>
+              <a:t>datos</a:t>
+            </a:r>
+            <a:r>
+              <a:rPr lang="en-US" sz="2000" dirty="0"/>
+              <a:t>, </a:t>
+            </a:r>
+            <a:r>
+              <a:rPr lang="en-US" sz="2000" dirty="0" err="1"/>
+              <a:t>los</a:t>
+            </a:r>
+            <a:r>
+              <a:rPr lang="en-US" sz="2000" dirty="0"/>
+              <a:t> </a:t>
+            </a:r>
+            <a:r>
+              <a:rPr lang="en-US" sz="2000" dirty="0" err="1"/>
+              <a:t>cuales</a:t>
+            </a:r>
+            <a:r>
+              <a:rPr lang="en-US" sz="2000" dirty="0"/>
+              <a:t> son tan </a:t>
+            </a:r>
+            <a:r>
+              <a:rPr lang="en-US" sz="2000" dirty="0" err="1"/>
+              <a:t>grandes</a:t>
+            </a:r>
+            <a:r>
+              <a:rPr lang="en-US" sz="2000" dirty="0"/>
+              <a:t> </a:t>
+            </a:r>
+            <a:r>
+              <a:rPr lang="en-US" sz="2000" dirty="0" err="1"/>
+              <a:t>como</a:t>
+            </a:r>
+            <a:r>
+              <a:rPr lang="en-US" sz="2000" dirty="0"/>
+              <a:t> un software de </a:t>
+            </a:r>
+            <a:r>
+              <a:rPr lang="en-US" sz="2000" dirty="0" err="1"/>
+              <a:t>procesamiento</a:t>
+            </a:r>
+            <a:r>
+              <a:rPr lang="en-US" sz="2000" dirty="0"/>
+              <a:t> de </a:t>
+            </a:r>
+            <a:r>
+              <a:rPr lang="en-US" sz="2000" dirty="0" err="1"/>
+              <a:t>datos</a:t>
+            </a:r>
+            <a:r>
+              <a:rPr lang="en-US" sz="2000" dirty="0"/>
+              <a:t>, </a:t>
+            </a:r>
+            <a:r>
+              <a:rPr lang="en-US" sz="2000" dirty="0" err="1"/>
+              <a:t>estos</a:t>
+            </a:r>
+            <a:r>
+              <a:rPr lang="en-US" sz="2000" dirty="0"/>
+              <a:t> </a:t>
+            </a:r>
+            <a:r>
+              <a:rPr lang="en-US" sz="2000" dirty="0" err="1"/>
+              <a:t>datos</a:t>
+            </a:r>
+            <a:r>
+              <a:rPr lang="en-US" sz="2000" dirty="0"/>
+              <a:t> </a:t>
+            </a:r>
+            <a:r>
+              <a:rPr lang="en-US" sz="2000" dirty="0" err="1"/>
+              <a:t>pueden</a:t>
+            </a:r>
+            <a:r>
+              <a:rPr lang="en-US" sz="2000" dirty="0"/>
+              <a:t> ser </a:t>
+            </a:r>
+            <a:r>
+              <a:rPr lang="en-US" sz="2000" dirty="0" err="1"/>
+              <a:t>utilizados</a:t>
+            </a:r>
+            <a:r>
+              <a:rPr lang="en-US" sz="2000" dirty="0"/>
+              <a:t> para resolver </a:t>
+            </a:r>
+            <a:r>
+              <a:rPr lang="en-US" sz="2000" dirty="0" err="1"/>
+              <a:t>problemas</a:t>
+            </a:r>
+            <a:r>
+              <a:rPr lang="en-US" sz="2000" dirty="0"/>
+              <a:t>.</a:t>
+            </a:r>
           </a:p>
         </p:txBody>
       </p:sp>
       <p:sp>
         <p:nvSpPr>
-          <p:cNvPr id="14" name="Marcador de contenido 2">
+          <p:cNvPr id="7" name="Marcador de contenido 2">
             <a:extLst>
               <a:ext uri="{FF2B5EF4-FFF2-40B4-BE49-F238E27FC236}">
-                <a16:creationId xmlns:a16="http://schemas.microsoft.com/office/drawing/2014/main" id="{406D5093-AC3A-9236-0CCE-F99A15DD90EE}"/>
+                <a16:creationId xmlns:a16="http://schemas.microsoft.com/office/drawing/2014/main" id="{2D45CEAC-93C7-0627-350D-E3CBBE52B83F}"/>
               </a:ext>
             </a:extLst>
           </p:cNvPr>
@@ -10176,8 +11001,8 @@
         </p:nvSpPr>
         <p:spPr>
           <a:xfrm>
-            <a:off x="371476" y="3587389"/>
-            <a:ext cx="10515600" cy="598848"/>
+            <a:off x="4375103" y="3606474"/>
+            <a:ext cx="3427283" cy="2192863"/>
           </a:xfrm>
           <a:prstGeom prst="rect">
             <a:avLst/>
@@ -10185,14 +11010,19 @@
         </p:spPr>
         <p:txBody>
           <a:bodyPr vert="horz" lIns="91440" tIns="45720" rIns="91440" bIns="45720" rtlCol="0" anchor="t">
-            <a:normAutofit lnSpcReduction="10000"/>
+            <a:normAutofit/>
           </a:bodyPr>
           <a:lstStyle>
-            <a:defPPr>
-              <a:defRPr lang="es-ES"/>
-            </a:defPPr>
-            <a:lvl1pPr marL="0" algn="l" defTabSz="914400" rtl="0" eaLnBrk="1" latinLnBrk="0" hangingPunct="1">
-              <a:defRPr sz="1800" kern="1200">
+            <a:lvl1pPr marL="228600" indent="-228600" algn="l" defTabSz="914400" rtl="0" eaLnBrk="1" latinLnBrk="0" hangingPunct="1">
+              <a:lnSpc>
+                <a:spcPct val="90000"/>
+              </a:lnSpc>
+              <a:spcBef>
+                <a:spcPts val="1000"/>
+              </a:spcBef>
+              <a:buFont typeface="Arial" panose="020B0604020202020204" pitchFamily="34" charset="0"/>
+              <a:buChar char="•"/>
+              <a:defRPr sz="2800" kern="1200">
                 <a:solidFill>
                   <a:schemeClr val="tx1"/>
                 </a:solidFill>
@@ -10201,8 +11031,16 @@
                 <a:cs typeface="+mn-cs"/>
               </a:defRPr>
             </a:lvl1pPr>
-            <a:lvl2pPr marL="457200" algn="l" defTabSz="914400" rtl="0" eaLnBrk="1" latinLnBrk="0" hangingPunct="1">
-              <a:defRPr sz="1800" kern="1200">
+            <a:lvl2pPr marL="685800" indent="-228600" algn="l" defTabSz="914400" rtl="0" eaLnBrk="1" latinLnBrk="0" hangingPunct="1">
+              <a:lnSpc>
+                <a:spcPct val="90000"/>
+              </a:lnSpc>
+              <a:spcBef>
+                <a:spcPts val="500"/>
+              </a:spcBef>
+              <a:buFont typeface="Arial" panose="020B0604020202020204" pitchFamily="34" charset="0"/>
+              <a:buChar char="•"/>
+              <a:defRPr sz="2400" kern="1200">
                 <a:solidFill>
                   <a:schemeClr val="tx1"/>
                 </a:solidFill>
@@ -10211,8 +11049,16 @@
                 <a:cs typeface="+mn-cs"/>
               </a:defRPr>
             </a:lvl2pPr>
-            <a:lvl3pPr marL="914400" algn="l" defTabSz="914400" rtl="0" eaLnBrk="1" latinLnBrk="0" hangingPunct="1">
-              <a:defRPr sz="1800" kern="1200">
+            <a:lvl3pPr marL="1143000" indent="-228600" algn="l" defTabSz="914400" rtl="0" eaLnBrk="1" latinLnBrk="0" hangingPunct="1">
+              <a:lnSpc>
+                <a:spcPct val="90000"/>
+              </a:lnSpc>
+              <a:spcBef>
+                <a:spcPts val="500"/>
+              </a:spcBef>
+              <a:buFont typeface="Arial" panose="020B0604020202020204" pitchFamily="34" charset="0"/>
+              <a:buChar char="•"/>
+              <a:defRPr sz="2000" kern="1200">
                 <a:solidFill>
                   <a:schemeClr val="tx1"/>
                 </a:solidFill>
@@ -10221,7 +11067,15 @@
                 <a:cs typeface="+mn-cs"/>
               </a:defRPr>
             </a:lvl3pPr>
-            <a:lvl4pPr marL="1371600" algn="l" defTabSz="914400" rtl="0" eaLnBrk="1" latinLnBrk="0" hangingPunct="1">
+            <a:lvl4pPr marL="1600200" indent="-228600" algn="l" defTabSz="914400" rtl="0" eaLnBrk="1" latinLnBrk="0" hangingPunct="1">
+              <a:lnSpc>
+                <a:spcPct val="90000"/>
+              </a:lnSpc>
+              <a:spcBef>
+                <a:spcPts val="500"/>
+              </a:spcBef>
+              <a:buFont typeface="Arial" panose="020B0604020202020204" pitchFamily="34" charset="0"/>
+              <a:buChar char="•"/>
               <a:defRPr sz="1800" kern="1200">
                 <a:solidFill>
                   <a:schemeClr val="tx1"/>
@@ -10231,7 +11085,15 @@
                 <a:cs typeface="+mn-cs"/>
               </a:defRPr>
             </a:lvl4pPr>
-            <a:lvl5pPr marL="1828800" algn="l" defTabSz="914400" rtl="0" eaLnBrk="1" latinLnBrk="0" hangingPunct="1">
+            <a:lvl5pPr marL="2057400" indent="-228600" algn="l" defTabSz="914400" rtl="0" eaLnBrk="1" latinLnBrk="0" hangingPunct="1">
+              <a:lnSpc>
+                <a:spcPct val="90000"/>
+              </a:lnSpc>
+              <a:spcBef>
+                <a:spcPts val="500"/>
+              </a:spcBef>
+              <a:buFont typeface="Arial" panose="020B0604020202020204" pitchFamily="34" charset="0"/>
+              <a:buChar char="•"/>
               <a:defRPr sz="1800" kern="1200">
                 <a:solidFill>
                   <a:schemeClr val="tx1"/>
@@ -10241,7 +11103,15 @@
                 <a:cs typeface="+mn-cs"/>
               </a:defRPr>
             </a:lvl5pPr>
-            <a:lvl6pPr marL="2286000" algn="l" defTabSz="914400" rtl="0" eaLnBrk="1" latinLnBrk="0" hangingPunct="1">
+            <a:lvl6pPr marL="2514600" indent="-228600" algn="l" defTabSz="914400" rtl="0" eaLnBrk="1" latinLnBrk="0" hangingPunct="1">
+              <a:lnSpc>
+                <a:spcPct val="90000"/>
+              </a:lnSpc>
+              <a:spcBef>
+                <a:spcPts val="500"/>
+              </a:spcBef>
+              <a:buFont typeface="Arial" panose="020B0604020202020204" pitchFamily="34" charset="0"/>
+              <a:buChar char="•"/>
               <a:defRPr sz="1800" kern="1200">
                 <a:solidFill>
                   <a:schemeClr val="tx1"/>
@@ -10251,7 +11121,15 @@
                 <a:cs typeface="+mn-cs"/>
               </a:defRPr>
             </a:lvl6pPr>
-            <a:lvl7pPr marL="2743200" algn="l" defTabSz="914400" rtl="0" eaLnBrk="1" latinLnBrk="0" hangingPunct="1">
+            <a:lvl7pPr marL="2971800" indent="-228600" algn="l" defTabSz="914400" rtl="0" eaLnBrk="1" latinLnBrk="0" hangingPunct="1">
+              <a:lnSpc>
+                <a:spcPct val="90000"/>
+              </a:lnSpc>
+              <a:spcBef>
+                <a:spcPts val="500"/>
+              </a:spcBef>
+              <a:buFont typeface="Arial" panose="020B0604020202020204" pitchFamily="34" charset="0"/>
+              <a:buChar char="•"/>
               <a:defRPr sz="1800" kern="1200">
                 <a:solidFill>
                   <a:schemeClr val="tx1"/>
@@ -10261,7 +11139,15 @@
                 <a:cs typeface="+mn-cs"/>
               </a:defRPr>
             </a:lvl7pPr>
-            <a:lvl8pPr marL="3200400" algn="l" defTabSz="914400" rtl="0" eaLnBrk="1" latinLnBrk="0" hangingPunct="1">
+            <a:lvl8pPr marL="3429000" indent="-228600" algn="l" defTabSz="914400" rtl="0" eaLnBrk="1" latinLnBrk="0" hangingPunct="1">
+              <a:lnSpc>
+                <a:spcPct val="90000"/>
+              </a:lnSpc>
+              <a:spcBef>
+                <a:spcPts val="500"/>
+              </a:spcBef>
+              <a:buFont typeface="Arial" panose="020B0604020202020204" pitchFamily="34" charset="0"/>
+              <a:buChar char="•"/>
               <a:defRPr sz="1800" kern="1200">
                 <a:solidFill>
                   <a:schemeClr val="tx1"/>
@@ -10271,7 +11157,15 @@
                 <a:cs typeface="+mn-cs"/>
               </a:defRPr>
             </a:lvl8pPr>
-            <a:lvl9pPr marL="3657600" algn="l" defTabSz="914400" rtl="0" eaLnBrk="1" latinLnBrk="0" hangingPunct="1">
+            <a:lvl9pPr marL="3886200" indent="-228600" algn="l" defTabSz="914400" rtl="0" eaLnBrk="1" latinLnBrk="0" hangingPunct="1">
+              <a:lnSpc>
+                <a:spcPct val="90000"/>
+              </a:lnSpc>
+              <a:spcBef>
+                <a:spcPts val="500"/>
+              </a:spcBef>
+              <a:buFont typeface="Arial" panose="020B0604020202020204" pitchFamily="34" charset="0"/>
+              <a:buChar char="•"/>
               <a:defRPr sz="1800" kern="1200">
                 <a:solidFill>
                   <a:schemeClr val="tx1"/>
@@ -10284,15 +11178,126 @@
           </a:lstStyle>
           <a:p>
             <a:pPr marL="285750" indent="-285750">
-              <a:buFont typeface="Arial"/>
-              <a:buChar char="•"/>
+              <a:lnSpc>
+                <a:spcPct val="100000"/>
+              </a:lnSpc>
+              <a:spcBef>
+                <a:spcPts val="0"/>
+              </a:spcBef>
+              <a:buFont typeface="Arial,Sans-Serif" panose="020B0604020202020204" pitchFamily="34" charset="0"/>
             </a:pPr>
             <a:r>
-              <a:rPr lang="es-ES" dirty="0">
-                <a:cs typeface="Calibri"/>
+              <a:rPr lang="es-ES" sz="2000" dirty="0">
+                <a:ea typeface="+mn-lt"/>
+                <a:cs typeface="+mn-lt"/>
               </a:rPr>
-              <a:t>Es decir, el big data se compone de grupos de datos de gran tamaño y complejidad, sobre todo cuando hay nuevas fuentes de datos</a:t>
-            </a:r>
+              <a:t>Es decir, el </a:t>
+            </a:r>
+            <a:r>
+              <a:rPr lang="es-ES" sz="2000" dirty="0" err="1">
+                <a:ea typeface="+mn-lt"/>
+                <a:cs typeface="+mn-lt"/>
+              </a:rPr>
+              <a:t>big</a:t>
+            </a:r>
+            <a:r>
+              <a:rPr lang="es-ES" sz="2000" dirty="0">
+                <a:ea typeface="+mn-lt"/>
+                <a:cs typeface="+mn-lt"/>
+              </a:rPr>
+              <a:t> data se compone de grupos de datos de gran tamaño y complejidad, sobre todo cuando hay nuevas fuentes de datos</a:t>
+            </a:r>
+          </a:p>
+          <a:p>
+            <a:endParaRPr lang="en-US" sz="2000" dirty="0">
+              <a:cs typeface="Calibri"/>
+            </a:endParaRPr>
+          </a:p>
+        </p:txBody>
+      </p:sp>
+      <p:sp>
+        <p:nvSpPr>
+          <p:cNvPr id="10" name="Título 1">
+            <a:extLst>
+              <a:ext uri="{FF2B5EF4-FFF2-40B4-BE49-F238E27FC236}">
+                <a16:creationId xmlns:a16="http://schemas.microsoft.com/office/drawing/2014/main" id="{A793CD3C-BE55-4407-783B-C4B04D1C50A5}"/>
+              </a:ext>
+            </a:extLst>
+          </p:cNvPr>
+          <p:cNvSpPr txBox="1">
+            <a:spLocks/>
+          </p:cNvSpPr>
+          <p:nvPr/>
+        </p:nvSpPr>
+        <p:spPr>
+          <a:xfrm>
+            <a:off x="6893043" y="5816630"/>
+            <a:ext cx="5298957" cy="906733"/>
+          </a:xfrm>
+          <a:prstGeom prst="rect">
+            <a:avLst/>
+          </a:prstGeom>
+        </p:spPr>
+        <p:txBody>
+          <a:bodyPr vert="horz" lIns="91440" tIns="45720" rIns="91440" bIns="45720" rtlCol="0" anchor="b">
+            <a:noAutofit/>
+          </a:bodyPr>
+          <a:lstStyle>
+            <a:lvl1pPr algn="l" defTabSz="914400" rtl="0" eaLnBrk="1" latinLnBrk="0" hangingPunct="1">
+              <a:lnSpc>
+                <a:spcPct val="90000"/>
+              </a:lnSpc>
+              <a:spcBef>
+                <a:spcPct val="0"/>
+              </a:spcBef>
+              <a:buNone/>
+              <a:defRPr sz="4400" kern="1200">
+                <a:solidFill>
+                  <a:schemeClr val="tx1"/>
+                </a:solidFill>
+                <a:latin typeface="+mj-lt"/>
+                <a:ea typeface="+mj-ea"/>
+                <a:cs typeface="+mj-cs"/>
+              </a:defRPr>
+            </a:lvl1pPr>
+          </a:lstStyle>
+          <a:p>
+            <a:pPr algn="ctr">
+              <a:spcAft>
+                <a:spcPts val="600"/>
+              </a:spcAft>
+            </a:pPr>
+            <a:r>
+              <a:rPr lang="es-ES" sz="1600" b="1" dirty="0">
+                <a:cs typeface="Calibri Light" panose="020F0302020204030204"/>
+              </a:rPr>
+              <a:t>EDUARDO MARTÍN-SONSECA</a:t>
+            </a:r>
+            <a:br>
+              <a:rPr lang="es-ES" sz="1600" b="1" dirty="0">
+                <a:cs typeface="Calibri Light" panose="020F0302020204030204"/>
+              </a:rPr>
+            </a:br>
+            <a:r>
+              <a:rPr lang="es-ES" sz="1600" b="1" dirty="0">
+                <a:cs typeface="Calibri Light" panose="020F0302020204030204"/>
+              </a:rPr>
+              <a:t>LUIS FERNANDEZ CASTELO</a:t>
+            </a:r>
+            <a:br>
+              <a:rPr lang="es-ES" sz="1600" b="1" dirty="0">
+                <a:cs typeface="Calibri Light" panose="020F0302020204030204"/>
+              </a:rPr>
+            </a:br>
+            <a:r>
+              <a:rPr lang="es-ES" sz="1600" b="1" dirty="0">
+                <a:cs typeface="Calibri Light" panose="020F0302020204030204"/>
+              </a:rPr>
+              <a:t>1º DESARROLLO DE APLICACIONES MULTIPLATAFORMA</a:t>
+            </a:r>
+            <a:endParaRPr lang="es-ES" sz="1600" dirty="0">
+              <a:cs typeface="Calibri Light"/>
+            </a:endParaRPr>
           </a:p>
         </p:txBody>
       </p:sp>
@@ -10304,14 +11309,111 @@
     </p:extLst>
   </p:cSld>
   <p:clrMapOvr>
-    <a:overrideClrMapping bg1="dk1" tx1="lt1" bg2="dk2" tx2="lt2" accent1="accent1" accent2="accent2" accent3="accent3" accent4="accent4" accent5="accent5" accent6="accent6" hlink="hlink" folHlink="folHlink"/>
+    <a:masterClrMapping/>
   </p:clrMapOvr>
+  <p:timing>
+    <p:tnLst>
+      <p:par>
+        <p:cTn id="1" dur="indefinite" restart="never" nodeType="tmRoot">
+          <p:childTnLst>
+            <p:seq concurrent="1" nextAc="seek">
+              <p:cTn id="2" dur="indefinite" nodeType="mainSeq">
+                <p:childTnLst>
+                  <p:par>
+                    <p:cTn id="3" fill="hold">
+                      <p:stCondLst>
+                        <p:cond delay="indefinite"/>
+                        <p:cond evt="onBegin" delay="0">
+                          <p:tn val="2"/>
+                        </p:cond>
+                      </p:stCondLst>
+                      <p:childTnLst>
+                        <p:par>
+                          <p:cTn id="4" fill="hold">
+                            <p:stCondLst>
+                              <p:cond delay="0"/>
+                            </p:stCondLst>
+                            <p:childTnLst>
+                              <p:par>
+                                <p:cTn id="5" presetID="10" presetClass="entr" presetSubtype="0" fill="hold" grpId="0" nodeType="withEffect">
+                                  <p:stCondLst>
+                                    <p:cond delay="0"/>
+                                  </p:stCondLst>
+                                  <p:childTnLst>
+                                    <p:set>
+                                      <p:cBhvr>
+                                        <p:cTn id="6" dur="1" fill="hold">
+                                          <p:stCondLst>
+                                            <p:cond delay="0"/>
+                                          </p:stCondLst>
+                                        </p:cTn>
+                                        <p:tgtEl>
+                                          <p:spTgt spid="10"/>
+                                        </p:tgtEl>
+                                        <p:attrNameLst>
+                                          <p:attrName>style.visibility</p:attrName>
+                                        </p:attrNameLst>
+                                      </p:cBhvr>
+                                      <p:to>
+                                        <p:strVal val="visible"/>
+                                      </p:to>
+                                    </p:set>
+                                    <p:animEffect transition="in" filter="fade">
+                                      <p:cBhvr>
+                                        <p:cTn id="7" dur="2000"/>
+                                        <p:tgtEl>
+                                          <p:spTgt spid="10"/>
+                                        </p:tgtEl>
+                                      </p:cBhvr>
+                                    </p:animEffect>
+                                  </p:childTnLst>
+                                </p:cTn>
+                              </p:par>
+                            </p:childTnLst>
+                          </p:cTn>
+                        </p:par>
+                      </p:childTnLst>
+                    </p:cTn>
+                  </p:par>
+                </p:childTnLst>
+              </p:cTn>
+              <p:prevCondLst>
+                <p:cond evt="onPrev" delay="0">
+                  <p:tgtEl>
+                    <p:sldTgt/>
+                  </p:tgtEl>
+                </p:cond>
+              </p:prevCondLst>
+              <p:nextCondLst>
+                <p:cond evt="onNext" delay="0">
+                  <p:tgtEl>
+                    <p:sldTgt/>
+                  </p:tgtEl>
+                </p:cond>
+              </p:nextCondLst>
+            </p:seq>
+          </p:childTnLst>
+        </p:cTn>
+      </p:par>
+    </p:tnLst>
+    <p:bldLst>
+      <p:bldP spid="10" grpId="0"/>
+    </p:bldLst>
+  </p:timing>
 </p:sld>
 </file>
 
 <file path=ppt/slides/slide4.xml><?xml version="1.0" encoding="utf-8"?>
 <p:sld xmlns:a="http://schemas.openxmlformats.org/drawingml/2006/main" xmlns:r="http://schemas.openxmlformats.org/officeDocument/2006/relationships" xmlns:p="http://schemas.openxmlformats.org/presentationml/2006/main">
   <p:cSld>
+    <p:bg>
+      <p:bgPr>
+        <a:solidFill>
+          <a:schemeClr val="bg1"/>
+        </a:solidFill>
+        <a:effectLst/>
+      </p:bgPr>
+    </p:bg>
     <p:spTree>
       <p:nvGrpSpPr>
         <p:cNvPr id="1" name=""/>
@@ -10326,6 +11428,66 @@
           <a:chExt cx="0" cy="0"/>
         </a:xfrm>
       </p:grpSpPr>
+      <p:sp useBgFill="1">
+        <p:nvSpPr>
+          <p:cNvPr id="14" name="Rectangle 13">
+            <a:extLst>
+              <a:ext uri="{FF2B5EF4-FFF2-40B4-BE49-F238E27FC236}">
+                <a16:creationId xmlns:a16="http://schemas.microsoft.com/office/drawing/2014/main" id="{F13C74B1-5B17-4795-BED0-7140497B445A}"/>
+              </a:ext>
+              <a:ext uri="{C183D7F6-B498-43B3-948B-1728B52AA6E4}">
+                <adec:decorative xmlns:adec="http://schemas.microsoft.com/office/drawing/2017/decorative" val="1"/>
+              </a:ext>
+            </a:extLst>
+          </p:cNvPr>
+          <p:cNvSpPr>
+            <a:spLocks noGrp="1" noRot="1" noChangeAspect="1" noMove="1" noResize="1" noEditPoints="1" noAdjustHandles="1" noChangeArrowheads="1" noChangeShapeType="1" noTextEdit="1"/>
+          </p:cNvSpPr>
+          <p:nvPr>
+            <p:extLst>
+              <p:ext uri="{386F3935-93C4-4BCD-93E2-E3B085C9AB24}">
+                <p16:designElem xmlns:p16="http://schemas.microsoft.com/office/powerpoint/2015/main" val="1"/>
+              </p:ext>
+            </p:extLst>
+          </p:nvPr>
+        </p:nvSpPr>
+        <p:spPr>
+          <a:xfrm>
+            <a:off x="0" y="0"/>
+            <a:ext cx="12188952" cy="6858000"/>
+          </a:xfrm>
+          <a:prstGeom prst="rect">
+            <a:avLst/>
+          </a:prstGeom>
+          <a:ln>
+            <a:noFill/>
+          </a:ln>
+        </p:spPr>
+        <p:style>
+          <a:lnRef idx="2">
+            <a:schemeClr val="accent1">
+              <a:shade val="50000"/>
+            </a:schemeClr>
+          </a:lnRef>
+          <a:fillRef idx="1">
+            <a:schemeClr val="accent1"/>
+          </a:fillRef>
+          <a:effectRef idx="0">
+            <a:schemeClr val="accent1"/>
+          </a:effectRef>
+          <a:fontRef idx="minor">
+            <a:schemeClr val="lt1"/>
+          </a:fontRef>
+        </p:style>
+        <p:txBody>
+          <a:bodyPr rtlCol="0" anchor="ctr"/>
+          <a:lstStyle/>
+          <a:p>
+            <a:pPr algn="ctr"/>
+            <a:endParaRPr lang="en-US"/>
+          </a:p>
+        </p:txBody>
+      </p:sp>
       <p:sp>
         <p:nvSpPr>
           <p:cNvPr id="2" name="Título 1">
@@ -10342,16 +11504,305 @@
             <p:ph type="title"/>
           </p:nvPr>
         </p:nvSpPr>
-        <p:spPr/>
+        <p:spPr>
+          <a:xfrm>
+            <a:off x="640080" y="325369"/>
+            <a:ext cx="4368602" cy="1956841"/>
+          </a:xfrm>
+        </p:spPr>
         <p:txBody>
-          <a:bodyPr/>
+          <a:bodyPr anchor="b">
+            <a:normAutofit/>
+          </a:bodyPr>
+          <a:lstStyle/>
+          <a:p>
+            <a:r>
+              <a:rPr lang="es-ES" sz="5400" dirty="0"/>
+              <a:t>VOLUMEN</a:t>
+            </a:r>
+          </a:p>
+        </p:txBody>
+      </p:sp>
+      <p:sp>
+        <p:nvSpPr>
+          <p:cNvPr id="16" name="sketchy line">
+            <a:extLst>
+              <a:ext uri="{FF2B5EF4-FFF2-40B4-BE49-F238E27FC236}">
+                <a16:creationId xmlns:a16="http://schemas.microsoft.com/office/drawing/2014/main" id="{D4974D33-8DC5-464E-8C6D-BE58F0669C17}"/>
+              </a:ext>
+              <a:ext uri="{C183D7F6-B498-43B3-948B-1728B52AA6E4}">
+                <adec:decorative xmlns:adec="http://schemas.microsoft.com/office/drawing/2017/decorative" val="1"/>
+              </a:ext>
+            </a:extLst>
+          </p:cNvPr>
+          <p:cNvSpPr>
+            <a:spLocks noGrp="1" noRot="1" noChangeAspect="1" noMove="1" noResize="1" noEditPoints="1" noAdjustHandles="1" noChangeArrowheads="1" noChangeShapeType="1" noTextEdit="1"/>
+          </p:cNvSpPr>
+          <p:nvPr>
+            <p:extLst>
+              <p:ext uri="{386F3935-93C4-4BCD-93E2-E3B085C9AB24}">
+                <p16:designElem xmlns:p16="http://schemas.microsoft.com/office/powerpoint/2015/main" val="1"/>
+              </p:ext>
+            </p:extLst>
+          </p:nvPr>
+        </p:nvSpPr>
+        <p:spPr>
+          <a:xfrm>
+            <a:off x="640080" y="2586994"/>
+            <a:ext cx="3474720" cy="18288"/>
+          </a:xfrm>
+          <a:custGeom>
+            <a:avLst/>
+            <a:gdLst>
+              <a:gd name="connsiteX0" fmla="*/ 0 w 3474720"/>
+              <a:gd name="connsiteY0" fmla="*/ 0 h 18288"/>
+              <a:gd name="connsiteX1" fmla="*/ 694944 w 3474720"/>
+              <a:gd name="connsiteY1" fmla="*/ 0 h 18288"/>
+              <a:gd name="connsiteX2" fmla="*/ 1355141 w 3474720"/>
+              <a:gd name="connsiteY2" fmla="*/ 0 h 18288"/>
+              <a:gd name="connsiteX3" fmla="*/ 2015338 w 3474720"/>
+              <a:gd name="connsiteY3" fmla="*/ 0 h 18288"/>
+              <a:gd name="connsiteX4" fmla="*/ 2779776 w 3474720"/>
+              <a:gd name="connsiteY4" fmla="*/ 0 h 18288"/>
+              <a:gd name="connsiteX5" fmla="*/ 3474720 w 3474720"/>
+              <a:gd name="connsiteY5" fmla="*/ 0 h 18288"/>
+              <a:gd name="connsiteX6" fmla="*/ 3474720 w 3474720"/>
+              <a:gd name="connsiteY6" fmla="*/ 18288 h 18288"/>
+              <a:gd name="connsiteX7" fmla="*/ 2779776 w 3474720"/>
+              <a:gd name="connsiteY7" fmla="*/ 18288 h 18288"/>
+              <a:gd name="connsiteX8" fmla="*/ 2189074 w 3474720"/>
+              <a:gd name="connsiteY8" fmla="*/ 18288 h 18288"/>
+              <a:gd name="connsiteX9" fmla="*/ 1528877 w 3474720"/>
+              <a:gd name="connsiteY9" fmla="*/ 18288 h 18288"/>
+              <a:gd name="connsiteX10" fmla="*/ 868680 w 3474720"/>
+              <a:gd name="connsiteY10" fmla="*/ 18288 h 18288"/>
+              <a:gd name="connsiteX11" fmla="*/ 0 w 3474720"/>
+              <a:gd name="connsiteY11" fmla="*/ 18288 h 18288"/>
+              <a:gd name="connsiteX12" fmla="*/ 0 w 3474720"/>
+              <a:gd name="connsiteY12" fmla="*/ 0 h 18288"/>
+            </a:gdLst>
+            <a:ahLst/>
+            <a:cxnLst>
+              <a:cxn ang="0">
+                <a:pos x="connsiteX0" y="connsiteY0"/>
+              </a:cxn>
+              <a:cxn ang="0">
+                <a:pos x="connsiteX1" y="connsiteY1"/>
+              </a:cxn>
+              <a:cxn ang="0">
+                <a:pos x="connsiteX2" y="connsiteY2"/>
+              </a:cxn>
+              <a:cxn ang="0">
+                <a:pos x="connsiteX3" y="connsiteY3"/>
+              </a:cxn>
+              <a:cxn ang="0">
+                <a:pos x="connsiteX4" y="connsiteY4"/>
+              </a:cxn>
+              <a:cxn ang="0">
+                <a:pos x="connsiteX5" y="connsiteY5"/>
+              </a:cxn>
+              <a:cxn ang="0">
+                <a:pos x="connsiteX6" y="connsiteY6"/>
+              </a:cxn>
+              <a:cxn ang="0">
+                <a:pos x="connsiteX7" y="connsiteY7"/>
+              </a:cxn>
+              <a:cxn ang="0">
+                <a:pos x="connsiteX8" y="connsiteY8"/>
+              </a:cxn>
+              <a:cxn ang="0">
+                <a:pos x="connsiteX9" y="connsiteY9"/>
+              </a:cxn>
+              <a:cxn ang="0">
+                <a:pos x="connsiteX10" y="connsiteY10"/>
+              </a:cxn>
+              <a:cxn ang="0">
+                <a:pos x="connsiteX11" y="connsiteY11"/>
+              </a:cxn>
+              <a:cxn ang="0">
+                <a:pos x="connsiteX12" y="connsiteY12"/>
+              </a:cxn>
+            </a:cxnLst>
+            <a:rect l="l" t="t" r="r" b="b"/>
+            <a:pathLst>
+              <a:path w="3474720" h="18288" fill="none" extrusionOk="0">
+                <a:moveTo>
+                  <a:pt x="0" y="0"/>
+                </a:moveTo>
+                <a:cubicBezTo>
+                  <a:pt x="224454" y="-14544"/>
+                  <a:pt x="495407" y="26540"/>
+                  <a:pt x="694944" y="0"/>
+                </a:cubicBezTo>
+                <a:cubicBezTo>
+                  <a:pt x="894481" y="-26540"/>
+                  <a:pt x="1130063" y="24713"/>
+                  <a:pt x="1355141" y="0"/>
+                </a:cubicBezTo>
+                <a:cubicBezTo>
+                  <a:pt x="1580219" y="-24713"/>
+                  <a:pt x="1820099" y="26695"/>
+                  <a:pt x="2015338" y="0"/>
+                </a:cubicBezTo>
+                <a:cubicBezTo>
+                  <a:pt x="2210577" y="-26695"/>
+                  <a:pt x="2402045" y="165"/>
+                  <a:pt x="2779776" y="0"/>
+                </a:cubicBezTo>
+                <a:cubicBezTo>
+                  <a:pt x="3157507" y="-165"/>
+                  <a:pt x="3286859" y="-15571"/>
+                  <a:pt x="3474720" y="0"/>
+                </a:cubicBezTo>
+                <a:cubicBezTo>
+                  <a:pt x="3474286" y="7551"/>
+                  <a:pt x="3474253" y="9822"/>
+                  <a:pt x="3474720" y="18288"/>
+                </a:cubicBezTo>
+                <a:cubicBezTo>
+                  <a:pt x="3233904" y="29845"/>
+                  <a:pt x="2945134" y="-5256"/>
+                  <a:pt x="2779776" y="18288"/>
+                </a:cubicBezTo>
+                <a:cubicBezTo>
+                  <a:pt x="2614418" y="41832"/>
+                  <a:pt x="2339768" y="22709"/>
+                  <a:pt x="2189074" y="18288"/>
+                </a:cubicBezTo>
+                <a:cubicBezTo>
+                  <a:pt x="2038380" y="13867"/>
+                  <a:pt x="1817434" y="-4947"/>
+                  <a:pt x="1528877" y="18288"/>
+                </a:cubicBezTo>
+                <a:cubicBezTo>
+                  <a:pt x="1240320" y="41523"/>
+                  <a:pt x="1042447" y="37198"/>
+                  <a:pt x="868680" y="18288"/>
+                </a:cubicBezTo>
+                <a:cubicBezTo>
+                  <a:pt x="694913" y="-622"/>
+                  <a:pt x="233232" y="44909"/>
+                  <a:pt x="0" y="18288"/>
+                </a:cubicBezTo>
+                <a:cubicBezTo>
+                  <a:pt x="60" y="11696"/>
+                  <a:pt x="66" y="3758"/>
+                  <a:pt x="0" y="0"/>
+                </a:cubicBezTo>
+                <a:close/>
+              </a:path>
+              <a:path w="3474720" h="18288" stroke="0" extrusionOk="0">
+                <a:moveTo>
+                  <a:pt x="0" y="0"/>
+                </a:moveTo>
+                <a:cubicBezTo>
+                  <a:pt x="202328" y="-14716"/>
+                  <a:pt x="332722" y="-11499"/>
+                  <a:pt x="625450" y="0"/>
+                </a:cubicBezTo>
+                <a:cubicBezTo>
+                  <a:pt x="918178" y="11499"/>
+                  <a:pt x="1096688" y="5123"/>
+                  <a:pt x="1389888" y="0"/>
+                </a:cubicBezTo>
+                <a:cubicBezTo>
+                  <a:pt x="1683088" y="-5123"/>
+                  <a:pt x="1835981" y="-14038"/>
+                  <a:pt x="1980590" y="0"/>
+                </a:cubicBezTo>
+                <a:cubicBezTo>
+                  <a:pt x="2125199" y="14038"/>
+                  <a:pt x="2396099" y="-7203"/>
+                  <a:pt x="2571293" y="0"/>
+                </a:cubicBezTo>
+                <a:cubicBezTo>
+                  <a:pt x="2746487" y="7203"/>
+                  <a:pt x="3041609" y="-12036"/>
+                  <a:pt x="3474720" y="0"/>
+                </a:cubicBezTo>
+                <a:cubicBezTo>
+                  <a:pt x="3474638" y="4406"/>
+                  <a:pt x="3474631" y="9982"/>
+                  <a:pt x="3474720" y="18288"/>
+                </a:cubicBezTo>
+                <a:cubicBezTo>
+                  <a:pt x="3324873" y="21876"/>
+                  <a:pt x="3136771" y="12587"/>
+                  <a:pt x="2814523" y="18288"/>
+                </a:cubicBezTo>
+                <a:cubicBezTo>
+                  <a:pt x="2492275" y="23989"/>
+                  <a:pt x="2294402" y="47111"/>
+                  <a:pt x="2154326" y="18288"/>
+                </a:cubicBezTo>
+                <a:cubicBezTo>
+                  <a:pt x="2014250" y="-10535"/>
+                  <a:pt x="1820317" y="33903"/>
+                  <a:pt x="1494130" y="18288"/>
+                </a:cubicBezTo>
+                <a:cubicBezTo>
+                  <a:pt x="1167943" y="2673"/>
+                  <a:pt x="948432" y="14868"/>
+                  <a:pt x="729691" y="18288"/>
+                </a:cubicBezTo>
+                <a:cubicBezTo>
+                  <a:pt x="510950" y="21708"/>
+                  <a:pt x="264032" y="24354"/>
+                  <a:pt x="0" y="18288"/>
+                </a:cubicBezTo>
+                <a:cubicBezTo>
+                  <a:pt x="189" y="14288"/>
+                  <a:pt x="-703" y="3747"/>
+                  <a:pt x="0" y="0"/>
+                </a:cubicBezTo>
+                <a:close/>
+              </a:path>
+            </a:pathLst>
+          </a:custGeom>
+          <a:solidFill>
+            <a:schemeClr val="accent2"/>
+          </a:solidFill>
+          <a:ln w="44450" cap="rnd">
+            <a:solidFill>
+              <a:schemeClr val="accent2"/>
+            </a:solidFill>
+            <a:round/>
+            <a:extLst>
+              <a:ext uri="{C807C97D-BFC1-408E-A445-0C87EB9F89A2}">
+                <ask:lineSketchStyleProps xmlns:ask="http://schemas.microsoft.com/office/drawing/2018/sketchyshapes" sd="2863741219">
+                  <a:prstGeom prst="rect">
+                    <a:avLst/>
+                  </a:prstGeom>
+                  <ask:type>
+                    <ask:lineSketchFreehand/>
+                  </ask:type>
+                </ask:lineSketchStyleProps>
+              </a:ext>
+            </a:extLst>
+          </a:ln>
+        </p:spPr>
+        <p:style>
+          <a:lnRef idx="2">
+            <a:schemeClr val="accent1">
+              <a:shade val="50000"/>
+            </a:schemeClr>
+          </a:lnRef>
+          <a:fillRef idx="1">
+            <a:schemeClr val="accent1"/>
+          </a:fillRef>
+          <a:effectRef idx="0">
+            <a:schemeClr val="accent1"/>
+          </a:effectRef>
+          <a:fontRef idx="minor">
+            <a:schemeClr val="lt1"/>
+          </a:fontRef>
+        </p:style>
+        <p:txBody>
+          <a:bodyPr rtlCol="0" anchor="ctr"/>
           <a:lstStyle/>
           <a:p>
             <a:pPr algn="ctr"/>
-            <a:r>
-              <a:rPr lang="es-ES" dirty="0"/>
-              <a:t>VOLUMEN</a:t>
-            </a:r>
+            <a:endParaRPr lang="en-US"/>
           </a:p>
         </p:txBody>
       </p:sp>
@@ -10373,8 +11824,8 @@
         </p:nvSpPr>
         <p:spPr>
           <a:xfrm>
-            <a:off x="838200" y="1825625"/>
-            <a:ext cx="10515600" cy="1786255"/>
+            <a:off x="640080" y="2872899"/>
+            <a:ext cx="4243589" cy="3320668"/>
           </a:xfrm>
         </p:spPr>
         <p:txBody>
@@ -10384,38 +11835,283 @@
           <a:lstStyle/>
           <a:p>
             <a:r>
-              <a:rPr lang="es-ES" b="1" dirty="0"/>
+              <a:rPr lang="es-ES" sz="2200" b="1" dirty="0"/>
               <a:t>Volumen</a:t>
             </a:r>
             <a:r>
-              <a:rPr lang="es-ES" dirty="0"/>
+              <a:rPr lang="es-ES" sz="2200" dirty="0"/>
               <a:t>: El </a:t>
             </a:r>
             <a:r>
-              <a:rPr lang="es-ES" dirty="0" err="1"/>
+              <a:rPr lang="es-ES" sz="2200" dirty="0" err="1"/>
               <a:t>big</a:t>
             </a:r>
             <a:r>
-              <a:rPr lang="es-ES" dirty="0"/>
+              <a:rPr lang="es-ES" sz="2200" dirty="0"/>
               <a:t> data procesa grandes volúmenes de datos no estructurados, la procedencia de esos daros, es desconocida (</a:t>
             </a:r>
             <a:r>
-              <a:rPr lang="es-ES" dirty="0" err="1"/>
+              <a:rPr lang="es-ES" sz="2200" dirty="0" err="1"/>
               <a:t>p.e</a:t>
             </a:r>
             <a:r>
-              <a:rPr lang="es-ES" dirty="0"/>
+              <a:rPr lang="es-ES" sz="2200" dirty="0"/>
               <a:t>. las </a:t>
             </a:r>
             <a:r>
-              <a:rPr lang="es-ES" dirty="0" err="1"/>
+              <a:rPr lang="es-ES" sz="2200" dirty="0" err="1"/>
               <a:t>feeds</a:t>
             </a:r>
             <a:r>
-              <a:rPr lang="es-ES" dirty="0"/>
+              <a:rPr lang="es-ES" sz="2200" dirty="0"/>
               <a:t> de Twitter). Esta característica para las organizaciones, supone un reto para almacenar y analizar los datos</a:t>
             </a:r>
-            <a:endParaRPr lang="es-ES" b="1" dirty="0"/>
+            <a:endParaRPr lang="es-ES" sz="2200" b="1" dirty="0"/>
+          </a:p>
+        </p:txBody>
+      </p:sp>
+      <p:pic>
+        <p:nvPicPr>
+          <p:cNvPr id="5" name="Picture 4" descr="Gráfico económico digital">
+            <a:extLst>
+              <a:ext uri="{FF2B5EF4-FFF2-40B4-BE49-F238E27FC236}">
+                <a16:creationId xmlns:a16="http://schemas.microsoft.com/office/drawing/2014/main" id="{21B6396A-5947-91FB-1762-0DA1EB72CEC5}"/>
+              </a:ext>
+            </a:extLst>
+          </p:cNvPr>
+          <p:cNvPicPr>
+            <a:picLocks noChangeAspect="1"/>
+          </p:cNvPicPr>
+          <p:nvPr/>
+        </p:nvPicPr>
+        <p:blipFill rotWithShape="1">
+          <a:blip r:embed="rId2"/>
+          <a:srcRect l="26542" r="17037"/>
+          <a:stretch/>
+        </p:blipFill>
+        <p:spPr>
+          <a:xfrm>
+            <a:off x="5311702" y="10"/>
+            <a:ext cx="6878775" cy="6857990"/>
+          </a:xfrm>
+          <a:custGeom>
+            <a:avLst/>
+            <a:gdLst/>
+            <a:ahLst/>
+            <a:cxnLst/>
+            <a:rect l="l" t="t" r="r" b="b"/>
+            <a:pathLst>
+              <a:path w="6878775" h="6858000">
+                <a:moveTo>
+                  <a:pt x="1102973" y="0"/>
+                </a:moveTo>
+                <a:lnTo>
+                  <a:pt x="1160688" y="0"/>
+                </a:lnTo>
+                <a:lnTo>
+                  <a:pt x="983189" y="331786"/>
+                </a:lnTo>
+                <a:cubicBezTo>
+                  <a:pt x="914866" y="469145"/>
+                  <a:pt x="850355" y="608712"/>
+                  <a:pt x="789261" y="750263"/>
+                </a:cubicBezTo>
+                <a:cubicBezTo>
+                  <a:pt x="774307" y="784928"/>
+                  <a:pt x="759992" y="819849"/>
+                  <a:pt x="745295" y="854514"/>
+                </a:cubicBezTo>
+                <a:cubicBezTo>
+                  <a:pt x="756682" y="845393"/>
+                  <a:pt x="765489" y="833492"/>
+                  <a:pt x="770857" y="819975"/>
+                </a:cubicBezTo>
+                <a:cubicBezTo>
+                  <a:pt x="879943" y="589569"/>
+                  <a:pt x="999605" y="365513"/>
+                  <a:pt x="1131329" y="148742"/>
+                </a:cubicBezTo>
+                <a:lnTo>
+                  <a:pt x="1227589" y="0"/>
+                </a:lnTo>
+                <a:lnTo>
+                  <a:pt x="6878775" y="0"/>
+                </a:lnTo>
+                <a:lnTo>
+                  <a:pt x="6878775" y="6858000"/>
+                </a:lnTo>
+                <a:lnTo>
+                  <a:pt x="713521" y="6858000"/>
+                </a:lnTo>
+                <a:lnTo>
+                  <a:pt x="625642" y="6670527"/>
+                </a:lnTo>
+                <a:cubicBezTo>
+                  <a:pt x="507232" y="6398531"/>
+                  <a:pt x="403083" y="6118381"/>
+                  <a:pt x="312785" y="5830359"/>
+                </a:cubicBezTo>
+                <a:cubicBezTo>
+                  <a:pt x="278149" y="5719759"/>
+                  <a:pt x="248879" y="5607635"/>
+                  <a:pt x="212198" y="5480401"/>
+                </a:cubicBezTo>
+                <a:cubicBezTo>
+                  <a:pt x="212208" y="5491601"/>
+                  <a:pt x="212803" y="5502788"/>
+                  <a:pt x="213988" y="5513923"/>
+                </a:cubicBezTo>
+                <a:cubicBezTo>
+                  <a:pt x="264089" y="5723695"/>
+                  <a:pt x="307290" y="5935370"/>
+                  <a:pt x="365826" y="6142729"/>
+                </a:cubicBezTo>
+                <a:cubicBezTo>
+                  <a:pt x="433152" y="6380817"/>
+                  <a:pt x="510068" y="6614016"/>
+                  <a:pt x="597975" y="6841549"/>
+                </a:cubicBezTo>
+                <a:lnTo>
+                  <a:pt x="604824" y="6858000"/>
+                </a:lnTo>
+                <a:lnTo>
+                  <a:pt x="552056" y="6858000"/>
+                </a:lnTo>
+                <a:lnTo>
+                  <a:pt x="539576" y="6828295"/>
+                </a:lnTo>
+                <a:cubicBezTo>
+                  <a:pt x="380597" y="6414594"/>
+                  <a:pt x="260223" y="5988893"/>
+                  <a:pt x="171555" y="5552906"/>
+                </a:cubicBezTo>
+                <a:cubicBezTo>
+                  <a:pt x="91163" y="5157998"/>
+                  <a:pt x="43746" y="4758899"/>
+                  <a:pt x="12305" y="4357388"/>
+                </a:cubicBezTo>
+                <a:cubicBezTo>
+                  <a:pt x="-14281" y="4013908"/>
+                  <a:pt x="4507" y="3672965"/>
+                  <a:pt x="46684" y="3331516"/>
+                </a:cubicBezTo>
+                <a:cubicBezTo>
+                  <a:pt x="127203" y="2664286"/>
+                  <a:pt x="277819" y="2007265"/>
+                  <a:pt x="496065" y="1371196"/>
+                </a:cubicBezTo>
+                <a:cubicBezTo>
+                  <a:pt x="636273" y="966066"/>
+                  <a:pt x="800445" y="573253"/>
+                  <a:pt x="995723" y="196614"/>
+                </a:cubicBezTo>
+                <a:close/>
+              </a:path>
+            </a:pathLst>
+          </a:custGeom>
+        </p:spPr>
+      </p:pic>
+      <p:sp>
+        <p:nvSpPr>
+          <p:cNvPr id="6" name="Título 1">
+            <a:extLst>
+              <a:ext uri="{FF2B5EF4-FFF2-40B4-BE49-F238E27FC236}">
+                <a16:creationId xmlns:a16="http://schemas.microsoft.com/office/drawing/2014/main" id="{22E9BD6E-B7AB-7C53-4EB4-0ACEDFFA89B2}"/>
+              </a:ext>
+            </a:extLst>
+          </p:cNvPr>
+          <p:cNvSpPr txBox="1">
+            <a:spLocks/>
+          </p:cNvSpPr>
+          <p:nvPr/>
+        </p:nvSpPr>
+        <p:spPr>
+          <a:xfrm>
+            <a:off x="6893043" y="5816630"/>
+            <a:ext cx="5298957" cy="906733"/>
+          </a:xfrm>
+          <a:prstGeom prst="rect">
+            <a:avLst/>
+          </a:prstGeom>
+        </p:spPr>
+        <p:txBody>
+          <a:bodyPr vert="horz" lIns="91440" tIns="45720" rIns="91440" bIns="45720" rtlCol="0" anchor="b">
+            <a:noAutofit/>
+          </a:bodyPr>
+          <a:lstStyle>
+            <a:lvl1pPr algn="l" defTabSz="914400" rtl="0" eaLnBrk="1" latinLnBrk="0" hangingPunct="1">
+              <a:lnSpc>
+                <a:spcPct val="90000"/>
+              </a:lnSpc>
+              <a:spcBef>
+                <a:spcPct val="0"/>
+              </a:spcBef>
+              <a:buNone/>
+              <a:defRPr sz="4400" kern="1200">
+                <a:solidFill>
+                  <a:schemeClr val="tx1"/>
+                </a:solidFill>
+                <a:latin typeface="+mj-lt"/>
+                <a:ea typeface="+mj-ea"/>
+                <a:cs typeface="+mj-cs"/>
+              </a:defRPr>
+            </a:lvl1pPr>
+          </a:lstStyle>
+          <a:p>
+            <a:pPr algn="ctr">
+              <a:spcAft>
+                <a:spcPts val="600"/>
+              </a:spcAft>
+            </a:pPr>
+            <a:r>
+              <a:rPr lang="es-ES" sz="1600" b="1" dirty="0">
+                <a:solidFill>
+                  <a:schemeClr val="bg1"/>
+                </a:solidFill>
+                <a:cs typeface="Calibri Light" panose="020F0302020204030204"/>
+              </a:rPr>
+              <a:t>EDUARDO MARTÍN-SONSECA</a:t>
+            </a:r>
+            <a:br>
+              <a:rPr lang="es-ES" sz="1600" b="1" dirty="0">
+                <a:solidFill>
+                  <a:schemeClr val="bg1"/>
+                </a:solidFill>
+                <a:cs typeface="Calibri Light" panose="020F0302020204030204"/>
+              </a:rPr>
+            </a:br>
+            <a:r>
+              <a:rPr lang="es-ES" sz="1600" b="1" dirty="0">
+                <a:solidFill>
+                  <a:schemeClr val="bg1"/>
+                </a:solidFill>
+                <a:cs typeface="Calibri Light" panose="020F0302020204030204"/>
+              </a:rPr>
+              <a:t>LUIS FERNANDEZ CASTELO</a:t>
+            </a:r>
+            <a:br>
+              <a:rPr lang="es-ES" sz="1600" b="1" dirty="0">
+                <a:solidFill>
+                  <a:schemeClr val="bg1"/>
+                </a:solidFill>
+                <a:cs typeface="Calibri Light" panose="020F0302020204030204"/>
+              </a:rPr>
+            </a:br>
+            <a:r>
+              <a:rPr lang="es-ES" sz="1600" b="1" dirty="0">
+                <a:solidFill>
+                  <a:schemeClr val="bg1"/>
+                </a:solidFill>
+                <a:cs typeface="Calibri Light" panose="020F0302020204030204"/>
+              </a:rPr>
+              <a:t>1º DESARROLLO DE APLICACIONES MULTIPLATAFORMA</a:t>
+            </a:r>
+            <a:endParaRPr lang="es-ES" sz="1600" dirty="0">
+              <a:solidFill>
+                <a:schemeClr val="bg1"/>
+              </a:solidFill>
+              <a:cs typeface="Calibri Light"/>
+            </a:endParaRPr>
           </a:p>
         </p:txBody>
       </p:sp>
@@ -10429,12 +12125,109 @@
   <p:clrMapOvr>
     <a:masterClrMapping/>
   </p:clrMapOvr>
+  <p:timing>
+    <p:tnLst>
+      <p:par>
+        <p:cTn id="1" dur="indefinite" restart="never" nodeType="tmRoot">
+          <p:childTnLst>
+            <p:seq concurrent="1" nextAc="seek">
+              <p:cTn id="2" dur="indefinite" nodeType="mainSeq">
+                <p:childTnLst>
+                  <p:par>
+                    <p:cTn id="3" fill="hold">
+                      <p:stCondLst>
+                        <p:cond delay="indefinite"/>
+                        <p:cond evt="onBegin" delay="0">
+                          <p:tn val="2"/>
+                        </p:cond>
+                      </p:stCondLst>
+                      <p:childTnLst>
+                        <p:par>
+                          <p:cTn id="4" fill="hold">
+                            <p:stCondLst>
+                              <p:cond delay="0"/>
+                            </p:stCondLst>
+                            <p:childTnLst>
+                              <p:par>
+                                <p:cTn id="5" presetID="10" presetClass="entr" presetSubtype="0" fill="hold" grpId="0" nodeType="withEffect">
+                                  <p:stCondLst>
+                                    <p:cond delay="0"/>
+                                  </p:stCondLst>
+                                  <p:childTnLst>
+                                    <p:set>
+                                      <p:cBhvr>
+                                        <p:cTn id="6" dur="1" fill="hold">
+                                          <p:stCondLst>
+                                            <p:cond delay="0"/>
+                                          </p:stCondLst>
+                                        </p:cTn>
+                                        <p:tgtEl>
+                                          <p:spTgt spid="6"/>
+                                        </p:tgtEl>
+                                        <p:attrNameLst>
+                                          <p:attrName>style.visibility</p:attrName>
+                                        </p:attrNameLst>
+                                      </p:cBhvr>
+                                      <p:to>
+                                        <p:strVal val="visible"/>
+                                      </p:to>
+                                    </p:set>
+                                    <p:animEffect transition="in" filter="fade">
+                                      <p:cBhvr>
+                                        <p:cTn id="7" dur="2000"/>
+                                        <p:tgtEl>
+                                          <p:spTgt spid="6"/>
+                                        </p:tgtEl>
+                                      </p:cBhvr>
+                                    </p:animEffect>
+                                  </p:childTnLst>
+                                </p:cTn>
+                              </p:par>
+                            </p:childTnLst>
+                          </p:cTn>
+                        </p:par>
+                      </p:childTnLst>
+                    </p:cTn>
+                  </p:par>
+                </p:childTnLst>
+              </p:cTn>
+              <p:prevCondLst>
+                <p:cond evt="onPrev" delay="0">
+                  <p:tgtEl>
+                    <p:sldTgt/>
+                  </p:tgtEl>
+                </p:cond>
+              </p:prevCondLst>
+              <p:nextCondLst>
+                <p:cond evt="onNext" delay="0">
+                  <p:tgtEl>
+                    <p:sldTgt/>
+                  </p:tgtEl>
+                </p:cond>
+              </p:nextCondLst>
+            </p:seq>
+          </p:childTnLst>
+        </p:cTn>
+      </p:par>
+    </p:tnLst>
+    <p:bldLst>
+      <p:bldP spid="6" grpId="0"/>
+    </p:bldLst>
+  </p:timing>
 </p:sld>
 </file>
 
 <file path=ppt/slides/slide5.xml><?xml version="1.0" encoding="utf-8"?>
 <p:sld xmlns:a="http://schemas.openxmlformats.org/drawingml/2006/main" xmlns:r="http://schemas.openxmlformats.org/officeDocument/2006/relationships" xmlns:p="http://schemas.openxmlformats.org/presentationml/2006/main">
   <p:cSld>
+    <p:bg>
+      <p:bgPr>
+        <a:solidFill>
+          <a:schemeClr val="bg1"/>
+        </a:solidFill>
+        <a:effectLst/>
+      </p:bgPr>
+    </p:bg>
     <p:spTree>
       <p:nvGrpSpPr>
         <p:cNvPr id="1" name=""/>
@@ -10449,6 +12242,66 @@
           <a:chExt cx="0" cy="0"/>
         </a:xfrm>
       </p:grpSpPr>
+      <p:sp useBgFill="1">
+        <p:nvSpPr>
+          <p:cNvPr id="10" name="Rectangle 9">
+            <a:extLst>
+              <a:ext uri="{FF2B5EF4-FFF2-40B4-BE49-F238E27FC236}">
+                <a16:creationId xmlns:a16="http://schemas.microsoft.com/office/drawing/2014/main" id="{F13C74B1-5B17-4795-BED0-7140497B445A}"/>
+              </a:ext>
+              <a:ext uri="{C183D7F6-B498-43B3-948B-1728B52AA6E4}">
+                <adec:decorative xmlns:adec="http://schemas.microsoft.com/office/drawing/2017/decorative" val="1"/>
+              </a:ext>
+            </a:extLst>
+          </p:cNvPr>
+          <p:cNvSpPr>
+            <a:spLocks noGrp="1" noRot="1" noChangeAspect="1" noMove="1" noResize="1" noEditPoints="1" noAdjustHandles="1" noChangeArrowheads="1" noChangeShapeType="1" noTextEdit="1"/>
+          </p:cNvSpPr>
+          <p:nvPr>
+            <p:extLst>
+              <p:ext uri="{386F3935-93C4-4BCD-93E2-E3B085C9AB24}">
+                <p16:designElem xmlns:p16="http://schemas.microsoft.com/office/powerpoint/2015/main" val="1"/>
+              </p:ext>
+            </p:extLst>
+          </p:nvPr>
+        </p:nvSpPr>
+        <p:spPr>
+          <a:xfrm>
+            <a:off x="0" y="0"/>
+            <a:ext cx="12188952" cy="6858000"/>
+          </a:xfrm>
+          <a:prstGeom prst="rect">
+            <a:avLst/>
+          </a:prstGeom>
+          <a:ln>
+            <a:noFill/>
+          </a:ln>
+        </p:spPr>
+        <p:style>
+          <a:lnRef idx="2">
+            <a:schemeClr val="accent1">
+              <a:shade val="50000"/>
+            </a:schemeClr>
+          </a:lnRef>
+          <a:fillRef idx="1">
+            <a:schemeClr val="accent1"/>
+          </a:fillRef>
+          <a:effectRef idx="0">
+            <a:schemeClr val="accent1"/>
+          </a:effectRef>
+          <a:fontRef idx="minor">
+            <a:schemeClr val="lt1"/>
+          </a:fontRef>
+        </p:style>
+        <p:txBody>
+          <a:bodyPr rtlCol="0" anchor="ctr"/>
+          <a:lstStyle/>
+          <a:p>
+            <a:pPr algn="ctr"/>
+            <a:endParaRPr lang="en-US"/>
+          </a:p>
+        </p:txBody>
+      </p:sp>
       <p:sp>
         <p:nvSpPr>
           <p:cNvPr id="2" name="Título 1">
@@ -10465,16 +12318,305 @@
             <p:ph type="title"/>
           </p:nvPr>
         </p:nvSpPr>
-        <p:spPr/>
+        <p:spPr>
+          <a:xfrm>
+            <a:off x="640080" y="325369"/>
+            <a:ext cx="4368602" cy="1956841"/>
+          </a:xfrm>
+        </p:spPr>
         <p:txBody>
-          <a:bodyPr/>
+          <a:bodyPr vert="horz" lIns="91440" tIns="45720" rIns="91440" bIns="45720" rtlCol="0" anchor="b">
+            <a:normAutofit/>
+          </a:bodyPr>
+          <a:lstStyle/>
+          <a:p>
+            <a:r>
+              <a:rPr lang="en-US" sz="5400"/>
+              <a:t>VELOCIDAD</a:t>
+            </a:r>
+          </a:p>
+        </p:txBody>
+      </p:sp>
+      <p:sp>
+        <p:nvSpPr>
+          <p:cNvPr id="12" name="sketchy line">
+            <a:extLst>
+              <a:ext uri="{FF2B5EF4-FFF2-40B4-BE49-F238E27FC236}">
+                <a16:creationId xmlns:a16="http://schemas.microsoft.com/office/drawing/2014/main" id="{D4974D33-8DC5-464E-8C6D-BE58F0669C17}"/>
+              </a:ext>
+              <a:ext uri="{C183D7F6-B498-43B3-948B-1728B52AA6E4}">
+                <adec:decorative xmlns:adec="http://schemas.microsoft.com/office/drawing/2017/decorative" val="1"/>
+              </a:ext>
+            </a:extLst>
+          </p:cNvPr>
+          <p:cNvSpPr>
+            <a:spLocks noGrp="1" noRot="1" noChangeAspect="1" noMove="1" noResize="1" noEditPoints="1" noAdjustHandles="1" noChangeArrowheads="1" noChangeShapeType="1" noTextEdit="1"/>
+          </p:cNvSpPr>
+          <p:nvPr>
+            <p:extLst>
+              <p:ext uri="{386F3935-93C4-4BCD-93E2-E3B085C9AB24}">
+                <p16:designElem xmlns:p16="http://schemas.microsoft.com/office/powerpoint/2015/main" val="1"/>
+              </p:ext>
+            </p:extLst>
+          </p:nvPr>
+        </p:nvSpPr>
+        <p:spPr>
+          <a:xfrm>
+            <a:off x="640080" y="2586994"/>
+            <a:ext cx="3474720" cy="18288"/>
+          </a:xfrm>
+          <a:custGeom>
+            <a:avLst/>
+            <a:gdLst>
+              <a:gd name="connsiteX0" fmla="*/ 0 w 3474720"/>
+              <a:gd name="connsiteY0" fmla="*/ 0 h 18288"/>
+              <a:gd name="connsiteX1" fmla="*/ 694944 w 3474720"/>
+              <a:gd name="connsiteY1" fmla="*/ 0 h 18288"/>
+              <a:gd name="connsiteX2" fmla="*/ 1355141 w 3474720"/>
+              <a:gd name="connsiteY2" fmla="*/ 0 h 18288"/>
+              <a:gd name="connsiteX3" fmla="*/ 2015338 w 3474720"/>
+              <a:gd name="connsiteY3" fmla="*/ 0 h 18288"/>
+              <a:gd name="connsiteX4" fmla="*/ 2779776 w 3474720"/>
+              <a:gd name="connsiteY4" fmla="*/ 0 h 18288"/>
+              <a:gd name="connsiteX5" fmla="*/ 3474720 w 3474720"/>
+              <a:gd name="connsiteY5" fmla="*/ 0 h 18288"/>
+              <a:gd name="connsiteX6" fmla="*/ 3474720 w 3474720"/>
+              <a:gd name="connsiteY6" fmla="*/ 18288 h 18288"/>
+              <a:gd name="connsiteX7" fmla="*/ 2779776 w 3474720"/>
+              <a:gd name="connsiteY7" fmla="*/ 18288 h 18288"/>
+              <a:gd name="connsiteX8" fmla="*/ 2189074 w 3474720"/>
+              <a:gd name="connsiteY8" fmla="*/ 18288 h 18288"/>
+              <a:gd name="connsiteX9" fmla="*/ 1528877 w 3474720"/>
+              <a:gd name="connsiteY9" fmla="*/ 18288 h 18288"/>
+              <a:gd name="connsiteX10" fmla="*/ 868680 w 3474720"/>
+              <a:gd name="connsiteY10" fmla="*/ 18288 h 18288"/>
+              <a:gd name="connsiteX11" fmla="*/ 0 w 3474720"/>
+              <a:gd name="connsiteY11" fmla="*/ 18288 h 18288"/>
+              <a:gd name="connsiteX12" fmla="*/ 0 w 3474720"/>
+              <a:gd name="connsiteY12" fmla="*/ 0 h 18288"/>
+            </a:gdLst>
+            <a:ahLst/>
+            <a:cxnLst>
+              <a:cxn ang="0">
+                <a:pos x="connsiteX0" y="connsiteY0"/>
+              </a:cxn>
+              <a:cxn ang="0">
+                <a:pos x="connsiteX1" y="connsiteY1"/>
+              </a:cxn>
+              <a:cxn ang="0">
+                <a:pos x="connsiteX2" y="connsiteY2"/>
+              </a:cxn>
+              <a:cxn ang="0">
+                <a:pos x="connsiteX3" y="connsiteY3"/>
+              </a:cxn>
+              <a:cxn ang="0">
+                <a:pos x="connsiteX4" y="connsiteY4"/>
+              </a:cxn>
+              <a:cxn ang="0">
+                <a:pos x="connsiteX5" y="connsiteY5"/>
+              </a:cxn>
+              <a:cxn ang="0">
+                <a:pos x="connsiteX6" y="connsiteY6"/>
+              </a:cxn>
+              <a:cxn ang="0">
+                <a:pos x="connsiteX7" y="connsiteY7"/>
+              </a:cxn>
+              <a:cxn ang="0">
+                <a:pos x="connsiteX8" y="connsiteY8"/>
+              </a:cxn>
+              <a:cxn ang="0">
+                <a:pos x="connsiteX9" y="connsiteY9"/>
+              </a:cxn>
+              <a:cxn ang="0">
+                <a:pos x="connsiteX10" y="connsiteY10"/>
+              </a:cxn>
+              <a:cxn ang="0">
+                <a:pos x="connsiteX11" y="connsiteY11"/>
+              </a:cxn>
+              <a:cxn ang="0">
+                <a:pos x="connsiteX12" y="connsiteY12"/>
+              </a:cxn>
+            </a:cxnLst>
+            <a:rect l="l" t="t" r="r" b="b"/>
+            <a:pathLst>
+              <a:path w="3474720" h="18288" fill="none" extrusionOk="0">
+                <a:moveTo>
+                  <a:pt x="0" y="0"/>
+                </a:moveTo>
+                <a:cubicBezTo>
+                  <a:pt x="224454" y="-14544"/>
+                  <a:pt x="495407" y="26540"/>
+                  <a:pt x="694944" y="0"/>
+                </a:cubicBezTo>
+                <a:cubicBezTo>
+                  <a:pt x="894481" y="-26540"/>
+                  <a:pt x="1130063" y="24713"/>
+                  <a:pt x="1355141" y="0"/>
+                </a:cubicBezTo>
+                <a:cubicBezTo>
+                  <a:pt x="1580219" y="-24713"/>
+                  <a:pt x="1820099" y="26695"/>
+                  <a:pt x="2015338" y="0"/>
+                </a:cubicBezTo>
+                <a:cubicBezTo>
+                  <a:pt x="2210577" y="-26695"/>
+                  <a:pt x="2402045" y="165"/>
+                  <a:pt x="2779776" y="0"/>
+                </a:cubicBezTo>
+                <a:cubicBezTo>
+                  <a:pt x="3157507" y="-165"/>
+                  <a:pt x="3286859" y="-15571"/>
+                  <a:pt x="3474720" y="0"/>
+                </a:cubicBezTo>
+                <a:cubicBezTo>
+                  <a:pt x="3474286" y="7551"/>
+                  <a:pt x="3474253" y="9822"/>
+                  <a:pt x="3474720" y="18288"/>
+                </a:cubicBezTo>
+                <a:cubicBezTo>
+                  <a:pt x="3233904" y="29845"/>
+                  <a:pt x="2945134" y="-5256"/>
+                  <a:pt x="2779776" y="18288"/>
+                </a:cubicBezTo>
+                <a:cubicBezTo>
+                  <a:pt x="2614418" y="41832"/>
+                  <a:pt x="2339768" y="22709"/>
+                  <a:pt x="2189074" y="18288"/>
+                </a:cubicBezTo>
+                <a:cubicBezTo>
+                  <a:pt x="2038380" y="13867"/>
+                  <a:pt x="1817434" y="-4947"/>
+                  <a:pt x="1528877" y="18288"/>
+                </a:cubicBezTo>
+                <a:cubicBezTo>
+                  <a:pt x="1240320" y="41523"/>
+                  <a:pt x="1042447" y="37198"/>
+                  <a:pt x="868680" y="18288"/>
+                </a:cubicBezTo>
+                <a:cubicBezTo>
+                  <a:pt x="694913" y="-622"/>
+                  <a:pt x="233232" y="44909"/>
+                  <a:pt x="0" y="18288"/>
+                </a:cubicBezTo>
+                <a:cubicBezTo>
+                  <a:pt x="60" y="11696"/>
+                  <a:pt x="66" y="3758"/>
+                  <a:pt x="0" y="0"/>
+                </a:cubicBezTo>
+                <a:close/>
+              </a:path>
+              <a:path w="3474720" h="18288" stroke="0" extrusionOk="0">
+                <a:moveTo>
+                  <a:pt x="0" y="0"/>
+                </a:moveTo>
+                <a:cubicBezTo>
+                  <a:pt x="202328" y="-14716"/>
+                  <a:pt x="332722" y="-11499"/>
+                  <a:pt x="625450" y="0"/>
+                </a:cubicBezTo>
+                <a:cubicBezTo>
+                  <a:pt x="918178" y="11499"/>
+                  <a:pt x="1096688" y="5123"/>
+                  <a:pt x="1389888" y="0"/>
+                </a:cubicBezTo>
+                <a:cubicBezTo>
+                  <a:pt x="1683088" y="-5123"/>
+                  <a:pt x="1835981" y="-14038"/>
+                  <a:pt x="1980590" y="0"/>
+                </a:cubicBezTo>
+                <a:cubicBezTo>
+                  <a:pt x="2125199" y="14038"/>
+                  <a:pt x="2396099" y="-7203"/>
+                  <a:pt x="2571293" y="0"/>
+                </a:cubicBezTo>
+                <a:cubicBezTo>
+                  <a:pt x="2746487" y="7203"/>
+                  <a:pt x="3041609" y="-12036"/>
+                  <a:pt x="3474720" y="0"/>
+                </a:cubicBezTo>
+                <a:cubicBezTo>
+                  <a:pt x="3474638" y="4406"/>
+                  <a:pt x="3474631" y="9982"/>
+                  <a:pt x="3474720" y="18288"/>
+                </a:cubicBezTo>
+                <a:cubicBezTo>
+                  <a:pt x="3324873" y="21876"/>
+                  <a:pt x="3136771" y="12587"/>
+                  <a:pt x="2814523" y="18288"/>
+                </a:cubicBezTo>
+                <a:cubicBezTo>
+                  <a:pt x="2492275" y="23989"/>
+                  <a:pt x="2294402" y="47111"/>
+                  <a:pt x="2154326" y="18288"/>
+                </a:cubicBezTo>
+                <a:cubicBezTo>
+                  <a:pt x="2014250" y="-10535"/>
+                  <a:pt x="1820317" y="33903"/>
+                  <a:pt x="1494130" y="18288"/>
+                </a:cubicBezTo>
+                <a:cubicBezTo>
+                  <a:pt x="1167943" y="2673"/>
+                  <a:pt x="948432" y="14868"/>
+                  <a:pt x="729691" y="18288"/>
+                </a:cubicBezTo>
+                <a:cubicBezTo>
+                  <a:pt x="510950" y="21708"/>
+                  <a:pt x="264032" y="24354"/>
+                  <a:pt x="0" y="18288"/>
+                </a:cubicBezTo>
+                <a:cubicBezTo>
+                  <a:pt x="189" y="14288"/>
+                  <a:pt x="-703" y="3747"/>
+                  <a:pt x="0" y="0"/>
+                </a:cubicBezTo>
+                <a:close/>
+              </a:path>
+            </a:pathLst>
+          </a:custGeom>
+          <a:solidFill>
+            <a:schemeClr val="accent2"/>
+          </a:solidFill>
+          <a:ln w="44450" cap="rnd">
+            <a:solidFill>
+              <a:schemeClr val="accent2"/>
+            </a:solidFill>
+            <a:round/>
+            <a:extLst>
+              <a:ext uri="{C807C97D-BFC1-408E-A445-0C87EB9F89A2}">
+                <ask:lineSketchStyleProps xmlns:ask="http://schemas.microsoft.com/office/drawing/2018/sketchyshapes" sd="2863741219">
+                  <a:prstGeom prst="rect">
+                    <a:avLst/>
+                  </a:prstGeom>
+                  <ask:type>
+                    <ask:lineSketchFreehand/>
+                  </ask:type>
+                </ask:lineSketchStyleProps>
+              </a:ext>
+            </a:extLst>
+          </a:ln>
+        </p:spPr>
+        <p:style>
+          <a:lnRef idx="2">
+            <a:schemeClr val="accent1">
+              <a:shade val="50000"/>
+            </a:schemeClr>
+          </a:lnRef>
+          <a:fillRef idx="1">
+            <a:schemeClr val="accent1"/>
+          </a:fillRef>
+          <a:effectRef idx="0">
+            <a:schemeClr val="accent1"/>
+          </a:effectRef>
+          <a:fontRef idx="minor">
+            <a:schemeClr val="lt1"/>
+          </a:fontRef>
+        </p:style>
+        <p:txBody>
+          <a:bodyPr rtlCol="0" anchor="ctr"/>
           <a:lstStyle/>
           <a:p>
             <a:pPr algn="ctr"/>
-            <a:r>
-              <a:rPr lang="es-ES" dirty="0"/>
-              <a:t>VELOCIDAD</a:t>
-            </a:r>
+            <a:endParaRPr lang="en-US"/>
           </a:p>
         </p:txBody>
       </p:sp>
@@ -10494,8 +12636,8 @@
         </p:nvSpPr>
         <p:spPr>
           <a:xfrm>
-            <a:off x="838200" y="1690688"/>
-            <a:ext cx="10515600" cy="2012632"/>
+            <a:off x="640080" y="2872899"/>
+            <a:ext cx="4243589" cy="3320668"/>
           </a:xfrm>
           <a:prstGeom prst="rect">
             <a:avLst/>
@@ -10671,14 +12813,259 @@
           </a:lstStyle>
           <a:p>
             <a:r>
-              <a:rPr lang="es-ES" b="1" dirty="0"/>
+              <a:rPr lang="en-US" sz="2200" b="1"/>
               <a:t>Velocidad</a:t>
             </a:r>
             <a:r>
-              <a:rPr lang="es-ES" dirty="0"/>
+              <a:rPr lang="en-US" sz="2200"/>
               <a:t>: Los datos se generan más rápido, haciendo necesaria, una respuesta rápida, requiere tiempo para el procesamiento, análisis de los datos y gestión de al información. Los datos de mayor velocidad se transmiten directamente a la memoria.</a:t>
             </a:r>
-            <a:endParaRPr lang="es-ES" b="1" dirty="0"/>
+            <a:endParaRPr lang="en-US" sz="2200" b="1"/>
+          </a:p>
+        </p:txBody>
+      </p:sp>
+      <p:pic>
+        <p:nvPicPr>
+          <p:cNvPr id="6" name="Picture 5" descr="Gráfico económico digital">
+            <a:extLst>
+              <a:ext uri="{FF2B5EF4-FFF2-40B4-BE49-F238E27FC236}">
+                <a16:creationId xmlns:a16="http://schemas.microsoft.com/office/drawing/2014/main" id="{79AA5A64-38BA-1418-E9EA-6EB7A8A88E30}"/>
+              </a:ext>
+            </a:extLst>
+          </p:cNvPr>
+          <p:cNvPicPr>
+            <a:picLocks noChangeAspect="1"/>
+          </p:cNvPicPr>
+          <p:nvPr/>
+        </p:nvPicPr>
+        <p:blipFill rotWithShape="1">
+          <a:blip r:embed="rId2"/>
+          <a:srcRect l="31044" r="12535" b="-2"/>
+          <a:stretch/>
+        </p:blipFill>
+        <p:spPr>
+          <a:xfrm>
+            <a:off x="5311702" y="10"/>
+            <a:ext cx="6878775" cy="6857990"/>
+          </a:xfrm>
+          <a:custGeom>
+            <a:avLst/>
+            <a:gdLst/>
+            <a:ahLst/>
+            <a:cxnLst/>
+            <a:rect l="l" t="t" r="r" b="b"/>
+            <a:pathLst>
+              <a:path w="6878775" h="6858000">
+                <a:moveTo>
+                  <a:pt x="1102973" y="0"/>
+                </a:moveTo>
+                <a:lnTo>
+                  <a:pt x="1160688" y="0"/>
+                </a:lnTo>
+                <a:lnTo>
+                  <a:pt x="983189" y="331786"/>
+                </a:lnTo>
+                <a:cubicBezTo>
+                  <a:pt x="914866" y="469145"/>
+                  <a:pt x="850355" y="608712"/>
+                  <a:pt x="789261" y="750263"/>
+                </a:cubicBezTo>
+                <a:cubicBezTo>
+                  <a:pt x="774307" y="784928"/>
+                  <a:pt x="759992" y="819849"/>
+                  <a:pt x="745295" y="854514"/>
+                </a:cubicBezTo>
+                <a:cubicBezTo>
+                  <a:pt x="756682" y="845393"/>
+                  <a:pt x="765489" y="833492"/>
+                  <a:pt x="770857" y="819975"/>
+                </a:cubicBezTo>
+                <a:cubicBezTo>
+                  <a:pt x="879943" y="589569"/>
+                  <a:pt x="999605" y="365513"/>
+                  <a:pt x="1131329" y="148742"/>
+                </a:cubicBezTo>
+                <a:lnTo>
+                  <a:pt x="1227589" y="0"/>
+                </a:lnTo>
+                <a:lnTo>
+                  <a:pt x="6878775" y="0"/>
+                </a:lnTo>
+                <a:lnTo>
+                  <a:pt x="6878775" y="6858000"/>
+                </a:lnTo>
+                <a:lnTo>
+                  <a:pt x="713521" y="6858000"/>
+                </a:lnTo>
+                <a:lnTo>
+                  <a:pt x="625642" y="6670527"/>
+                </a:lnTo>
+                <a:cubicBezTo>
+                  <a:pt x="507232" y="6398531"/>
+                  <a:pt x="403083" y="6118381"/>
+                  <a:pt x="312785" y="5830359"/>
+                </a:cubicBezTo>
+                <a:cubicBezTo>
+                  <a:pt x="278149" y="5719759"/>
+                  <a:pt x="248879" y="5607635"/>
+                  <a:pt x="212198" y="5480401"/>
+                </a:cubicBezTo>
+                <a:cubicBezTo>
+                  <a:pt x="212208" y="5491601"/>
+                  <a:pt x="212803" y="5502788"/>
+                  <a:pt x="213988" y="5513923"/>
+                </a:cubicBezTo>
+                <a:cubicBezTo>
+                  <a:pt x="264089" y="5723695"/>
+                  <a:pt x="307290" y="5935370"/>
+                  <a:pt x="365826" y="6142729"/>
+                </a:cubicBezTo>
+                <a:cubicBezTo>
+                  <a:pt x="433152" y="6380817"/>
+                  <a:pt x="510068" y="6614016"/>
+                  <a:pt x="597975" y="6841549"/>
+                </a:cubicBezTo>
+                <a:lnTo>
+                  <a:pt x="604824" y="6858000"/>
+                </a:lnTo>
+                <a:lnTo>
+                  <a:pt x="552056" y="6858000"/>
+                </a:lnTo>
+                <a:lnTo>
+                  <a:pt x="539576" y="6828295"/>
+                </a:lnTo>
+                <a:cubicBezTo>
+                  <a:pt x="380597" y="6414594"/>
+                  <a:pt x="260223" y="5988893"/>
+                  <a:pt x="171555" y="5552906"/>
+                </a:cubicBezTo>
+                <a:cubicBezTo>
+                  <a:pt x="91163" y="5157998"/>
+                  <a:pt x="43746" y="4758899"/>
+                  <a:pt x="12305" y="4357388"/>
+                </a:cubicBezTo>
+                <a:cubicBezTo>
+                  <a:pt x="-14281" y="4013908"/>
+                  <a:pt x="4507" y="3672965"/>
+                  <a:pt x="46684" y="3331516"/>
+                </a:cubicBezTo>
+                <a:cubicBezTo>
+                  <a:pt x="127203" y="2664286"/>
+                  <a:pt x="277819" y="2007265"/>
+                  <a:pt x="496065" y="1371196"/>
+                </a:cubicBezTo>
+                <a:cubicBezTo>
+                  <a:pt x="636273" y="966066"/>
+                  <a:pt x="800445" y="573253"/>
+                  <a:pt x="995723" y="196614"/>
+                </a:cubicBezTo>
+                <a:close/>
+              </a:path>
+            </a:pathLst>
+          </a:custGeom>
+        </p:spPr>
+      </p:pic>
+      <p:sp>
+        <p:nvSpPr>
+          <p:cNvPr id="5" name="Título 1">
+            <a:extLst>
+              <a:ext uri="{FF2B5EF4-FFF2-40B4-BE49-F238E27FC236}">
+                <a16:creationId xmlns:a16="http://schemas.microsoft.com/office/drawing/2014/main" id="{2F231072-B2C6-E633-9900-F8FF8ECC359A}"/>
+              </a:ext>
+            </a:extLst>
+          </p:cNvPr>
+          <p:cNvSpPr txBox="1">
+            <a:spLocks/>
+          </p:cNvSpPr>
+          <p:nvPr/>
+        </p:nvSpPr>
+        <p:spPr>
+          <a:xfrm>
+            <a:off x="6893043" y="5816630"/>
+            <a:ext cx="5298957" cy="906733"/>
+          </a:xfrm>
+          <a:prstGeom prst="rect">
+            <a:avLst/>
+          </a:prstGeom>
+        </p:spPr>
+        <p:txBody>
+          <a:bodyPr vert="horz" lIns="91440" tIns="45720" rIns="91440" bIns="45720" rtlCol="0" anchor="b">
+            <a:noAutofit/>
+          </a:bodyPr>
+          <a:lstStyle>
+            <a:lvl1pPr algn="l" defTabSz="914400" rtl="0" eaLnBrk="1" latinLnBrk="0" hangingPunct="1">
+              <a:lnSpc>
+                <a:spcPct val="90000"/>
+              </a:lnSpc>
+              <a:spcBef>
+                <a:spcPct val="0"/>
+              </a:spcBef>
+              <a:buNone/>
+              <a:defRPr sz="4400" kern="1200">
+                <a:solidFill>
+                  <a:schemeClr val="tx1"/>
+                </a:solidFill>
+                <a:latin typeface="+mj-lt"/>
+                <a:ea typeface="+mj-ea"/>
+                <a:cs typeface="+mj-cs"/>
+              </a:defRPr>
+            </a:lvl1pPr>
+          </a:lstStyle>
+          <a:p>
+            <a:pPr algn="ctr">
+              <a:spcAft>
+                <a:spcPts val="600"/>
+              </a:spcAft>
+            </a:pPr>
+            <a:r>
+              <a:rPr lang="es-ES" sz="1600" b="1" dirty="0">
+                <a:solidFill>
+                  <a:schemeClr val="bg1"/>
+                </a:solidFill>
+                <a:cs typeface="Calibri Light" panose="020F0302020204030204"/>
+              </a:rPr>
+              <a:t>EDUARDO MARTÍN-SONSECA</a:t>
+            </a:r>
+            <a:br>
+              <a:rPr lang="es-ES" sz="1600" b="1" dirty="0">
+                <a:solidFill>
+                  <a:schemeClr val="bg1"/>
+                </a:solidFill>
+                <a:cs typeface="Calibri Light" panose="020F0302020204030204"/>
+              </a:rPr>
+            </a:br>
+            <a:r>
+              <a:rPr lang="es-ES" sz="1600" b="1" dirty="0">
+                <a:solidFill>
+                  <a:schemeClr val="bg1"/>
+                </a:solidFill>
+                <a:cs typeface="Calibri Light" panose="020F0302020204030204"/>
+              </a:rPr>
+              <a:t>LUIS FERNANDEZ CASTELO</a:t>
+            </a:r>
+            <a:br>
+              <a:rPr lang="es-ES" sz="1600" b="1" dirty="0">
+                <a:solidFill>
+                  <a:schemeClr val="bg1"/>
+                </a:solidFill>
+                <a:cs typeface="Calibri Light" panose="020F0302020204030204"/>
+              </a:rPr>
+            </a:br>
+            <a:r>
+              <a:rPr lang="es-ES" sz="1600" b="1" dirty="0">
+                <a:solidFill>
+                  <a:schemeClr val="bg1"/>
+                </a:solidFill>
+                <a:cs typeface="Calibri Light" panose="020F0302020204030204"/>
+              </a:rPr>
+              <a:t>1º DESARROLLO DE APLICACIONES MULTIPLATAFORMA</a:t>
+            </a:r>
+            <a:endParaRPr lang="es-ES" sz="1600">
+              <a:solidFill>
+                <a:schemeClr val="bg1"/>
+              </a:solidFill>
+              <a:cs typeface="Calibri Light"/>
+            </a:endParaRPr>
           </a:p>
         </p:txBody>
       </p:sp>
@@ -10692,12 +13079,109 @@
   <p:clrMapOvr>
     <a:masterClrMapping/>
   </p:clrMapOvr>
+  <p:timing>
+    <p:tnLst>
+      <p:par>
+        <p:cTn id="1" dur="indefinite" restart="never" nodeType="tmRoot">
+          <p:childTnLst>
+            <p:seq concurrent="1" nextAc="seek">
+              <p:cTn id="2" dur="indefinite" nodeType="mainSeq">
+                <p:childTnLst>
+                  <p:par>
+                    <p:cTn id="3" fill="hold">
+                      <p:stCondLst>
+                        <p:cond delay="indefinite"/>
+                        <p:cond evt="onBegin" delay="0">
+                          <p:tn val="2"/>
+                        </p:cond>
+                      </p:stCondLst>
+                      <p:childTnLst>
+                        <p:par>
+                          <p:cTn id="4" fill="hold">
+                            <p:stCondLst>
+                              <p:cond delay="0"/>
+                            </p:stCondLst>
+                            <p:childTnLst>
+                              <p:par>
+                                <p:cTn id="5" presetID="10" presetClass="entr" presetSubtype="0" fill="hold" grpId="0" nodeType="withEffect">
+                                  <p:stCondLst>
+                                    <p:cond delay="0"/>
+                                  </p:stCondLst>
+                                  <p:childTnLst>
+                                    <p:set>
+                                      <p:cBhvr>
+                                        <p:cTn id="6" dur="1" fill="hold">
+                                          <p:stCondLst>
+                                            <p:cond delay="0"/>
+                                          </p:stCondLst>
+                                        </p:cTn>
+                                        <p:tgtEl>
+                                          <p:spTgt spid="5"/>
+                                        </p:tgtEl>
+                                        <p:attrNameLst>
+                                          <p:attrName>style.visibility</p:attrName>
+                                        </p:attrNameLst>
+                                      </p:cBhvr>
+                                      <p:to>
+                                        <p:strVal val="visible"/>
+                                      </p:to>
+                                    </p:set>
+                                    <p:animEffect transition="in" filter="fade">
+                                      <p:cBhvr>
+                                        <p:cTn id="7" dur="2000"/>
+                                        <p:tgtEl>
+                                          <p:spTgt spid="5"/>
+                                        </p:tgtEl>
+                                      </p:cBhvr>
+                                    </p:animEffect>
+                                  </p:childTnLst>
+                                </p:cTn>
+                              </p:par>
+                            </p:childTnLst>
+                          </p:cTn>
+                        </p:par>
+                      </p:childTnLst>
+                    </p:cTn>
+                  </p:par>
+                </p:childTnLst>
+              </p:cTn>
+              <p:prevCondLst>
+                <p:cond evt="onPrev" delay="0">
+                  <p:tgtEl>
+                    <p:sldTgt/>
+                  </p:tgtEl>
+                </p:cond>
+              </p:prevCondLst>
+              <p:nextCondLst>
+                <p:cond evt="onNext" delay="0">
+                  <p:tgtEl>
+                    <p:sldTgt/>
+                  </p:tgtEl>
+                </p:cond>
+              </p:nextCondLst>
+            </p:seq>
+          </p:childTnLst>
+        </p:cTn>
+      </p:par>
+    </p:tnLst>
+    <p:bldLst>
+      <p:bldP spid="5" grpId="0"/>
+    </p:bldLst>
+  </p:timing>
 </p:sld>
 </file>
 
 <file path=ppt/slides/slide6.xml><?xml version="1.0" encoding="utf-8"?>
 <p:sld xmlns:a="http://schemas.openxmlformats.org/drawingml/2006/main" xmlns:r="http://schemas.openxmlformats.org/officeDocument/2006/relationships" xmlns:p="http://schemas.openxmlformats.org/presentationml/2006/main">
   <p:cSld>
+    <p:bg>
+      <p:bgPr>
+        <a:solidFill>
+          <a:schemeClr val="bg1"/>
+        </a:solidFill>
+        <a:effectLst/>
+      </p:bgPr>
+    </p:bg>
     <p:spTree>
       <p:nvGrpSpPr>
         <p:cNvPr id="1" name=""/>
@@ -10712,6 +13196,66 @@
           <a:chExt cx="0" cy="0"/>
         </a:xfrm>
       </p:grpSpPr>
+      <p:sp useBgFill="1">
+        <p:nvSpPr>
+          <p:cNvPr id="10" name="Rectangle 9">
+            <a:extLst>
+              <a:ext uri="{FF2B5EF4-FFF2-40B4-BE49-F238E27FC236}">
+                <a16:creationId xmlns:a16="http://schemas.microsoft.com/office/drawing/2014/main" id="{F13C74B1-5B17-4795-BED0-7140497B445A}"/>
+              </a:ext>
+              <a:ext uri="{C183D7F6-B498-43B3-948B-1728B52AA6E4}">
+                <adec:decorative xmlns:adec="http://schemas.microsoft.com/office/drawing/2017/decorative" val="1"/>
+              </a:ext>
+            </a:extLst>
+          </p:cNvPr>
+          <p:cNvSpPr>
+            <a:spLocks noGrp="1" noRot="1" noChangeAspect="1" noMove="1" noResize="1" noEditPoints="1" noAdjustHandles="1" noChangeArrowheads="1" noChangeShapeType="1" noTextEdit="1"/>
+          </p:cNvSpPr>
+          <p:nvPr>
+            <p:extLst>
+              <p:ext uri="{386F3935-93C4-4BCD-93E2-E3B085C9AB24}">
+                <p16:designElem xmlns:p16="http://schemas.microsoft.com/office/powerpoint/2015/main" val="1"/>
+              </p:ext>
+            </p:extLst>
+          </p:nvPr>
+        </p:nvSpPr>
+        <p:spPr>
+          <a:xfrm>
+            <a:off x="0" y="0"/>
+            <a:ext cx="12188952" cy="6858000"/>
+          </a:xfrm>
+          <a:prstGeom prst="rect">
+            <a:avLst/>
+          </a:prstGeom>
+          <a:ln>
+            <a:noFill/>
+          </a:ln>
+        </p:spPr>
+        <p:style>
+          <a:lnRef idx="2">
+            <a:schemeClr val="accent1">
+              <a:shade val="50000"/>
+            </a:schemeClr>
+          </a:lnRef>
+          <a:fillRef idx="1">
+            <a:schemeClr val="accent1"/>
+          </a:fillRef>
+          <a:effectRef idx="0">
+            <a:schemeClr val="accent1"/>
+          </a:effectRef>
+          <a:fontRef idx="minor">
+            <a:schemeClr val="lt1"/>
+          </a:fontRef>
+        </p:style>
+        <p:txBody>
+          <a:bodyPr rtlCol="0" anchor="ctr"/>
+          <a:lstStyle/>
+          <a:p>
+            <a:pPr algn="ctr"/>
+            <a:endParaRPr lang="en-US"/>
+          </a:p>
+        </p:txBody>
+      </p:sp>
       <p:sp>
         <p:nvSpPr>
           <p:cNvPr id="2" name="Título 1">
@@ -10728,16 +13272,305 @@
             <p:ph type="title"/>
           </p:nvPr>
         </p:nvSpPr>
-        <p:spPr/>
+        <p:spPr>
+          <a:xfrm>
+            <a:off x="640080" y="325369"/>
+            <a:ext cx="4368602" cy="1956841"/>
+          </a:xfrm>
+        </p:spPr>
         <p:txBody>
-          <a:bodyPr/>
+          <a:bodyPr vert="horz" lIns="91440" tIns="45720" rIns="91440" bIns="45720" rtlCol="0" anchor="b">
+            <a:normAutofit/>
+          </a:bodyPr>
+          <a:lstStyle/>
+          <a:p>
+            <a:r>
+              <a:rPr lang="en-US" sz="5400"/>
+              <a:t>VARIEDAD</a:t>
+            </a:r>
+          </a:p>
+        </p:txBody>
+      </p:sp>
+      <p:sp>
+        <p:nvSpPr>
+          <p:cNvPr id="12" name="sketchy line">
+            <a:extLst>
+              <a:ext uri="{FF2B5EF4-FFF2-40B4-BE49-F238E27FC236}">
+                <a16:creationId xmlns:a16="http://schemas.microsoft.com/office/drawing/2014/main" id="{D4974D33-8DC5-464E-8C6D-BE58F0669C17}"/>
+              </a:ext>
+              <a:ext uri="{C183D7F6-B498-43B3-948B-1728B52AA6E4}">
+                <adec:decorative xmlns:adec="http://schemas.microsoft.com/office/drawing/2017/decorative" val="1"/>
+              </a:ext>
+            </a:extLst>
+          </p:cNvPr>
+          <p:cNvSpPr>
+            <a:spLocks noGrp="1" noRot="1" noChangeAspect="1" noMove="1" noResize="1" noEditPoints="1" noAdjustHandles="1" noChangeArrowheads="1" noChangeShapeType="1" noTextEdit="1"/>
+          </p:cNvSpPr>
+          <p:nvPr>
+            <p:extLst>
+              <p:ext uri="{386F3935-93C4-4BCD-93E2-E3B085C9AB24}">
+                <p16:designElem xmlns:p16="http://schemas.microsoft.com/office/powerpoint/2015/main" val="1"/>
+              </p:ext>
+            </p:extLst>
+          </p:nvPr>
+        </p:nvSpPr>
+        <p:spPr>
+          <a:xfrm>
+            <a:off x="640080" y="2586994"/>
+            <a:ext cx="3474720" cy="18288"/>
+          </a:xfrm>
+          <a:custGeom>
+            <a:avLst/>
+            <a:gdLst>
+              <a:gd name="connsiteX0" fmla="*/ 0 w 3474720"/>
+              <a:gd name="connsiteY0" fmla="*/ 0 h 18288"/>
+              <a:gd name="connsiteX1" fmla="*/ 694944 w 3474720"/>
+              <a:gd name="connsiteY1" fmla="*/ 0 h 18288"/>
+              <a:gd name="connsiteX2" fmla="*/ 1355141 w 3474720"/>
+              <a:gd name="connsiteY2" fmla="*/ 0 h 18288"/>
+              <a:gd name="connsiteX3" fmla="*/ 2015338 w 3474720"/>
+              <a:gd name="connsiteY3" fmla="*/ 0 h 18288"/>
+              <a:gd name="connsiteX4" fmla="*/ 2779776 w 3474720"/>
+              <a:gd name="connsiteY4" fmla="*/ 0 h 18288"/>
+              <a:gd name="connsiteX5" fmla="*/ 3474720 w 3474720"/>
+              <a:gd name="connsiteY5" fmla="*/ 0 h 18288"/>
+              <a:gd name="connsiteX6" fmla="*/ 3474720 w 3474720"/>
+              <a:gd name="connsiteY6" fmla="*/ 18288 h 18288"/>
+              <a:gd name="connsiteX7" fmla="*/ 2779776 w 3474720"/>
+              <a:gd name="connsiteY7" fmla="*/ 18288 h 18288"/>
+              <a:gd name="connsiteX8" fmla="*/ 2189074 w 3474720"/>
+              <a:gd name="connsiteY8" fmla="*/ 18288 h 18288"/>
+              <a:gd name="connsiteX9" fmla="*/ 1528877 w 3474720"/>
+              <a:gd name="connsiteY9" fmla="*/ 18288 h 18288"/>
+              <a:gd name="connsiteX10" fmla="*/ 868680 w 3474720"/>
+              <a:gd name="connsiteY10" fmla="*/ 18288 h 18288"/>
+              <a:gd name="connsiteX11" fmla="*/ 0 w 3474720"/>
+              <a:gd name="connsiteY11" fmla="*/ 18288 h 18288"/>
+              <a:gd name="connsiteX12" fmla="*/ 0 w 3474720"/>
+              <a:gd name="connsiteY12" fmla="*/ 0 h 18288"/>
+            </a:gdLst>
+            <a:ahLst/>
+            <a:cxnLst>
+              <a:cxn ang="0">
+                <a:pos x="connsiteX0" y="connsiteY0"/>
+              </a:cxn>
+              <a:cxn ang="0">
+                <a:pos x="connsiteX1" y="connsiteY1"/>
+              </a:cxn>
+              <a:cxn ang="0">
+                <a:pos x="connsiteX2" y="connsiteY2"/>
+              </a:cxn>
+              <a:cxn ang="0">
+                <a:pos x="connsiteX3" y="connsiteY3"/>
+              </a:cxn>
+              <a:cxn ang="0">
+                <a:pos x="connsiteX4" y="connsiteY4"/>
+              </a:cxn>
+              <a:cxn ang="0">
+                <a:pos x="connsiteX5" y="connsiteY5"/>
+              </a:cxn>
+              <a:cxn ang="0">
+                <a:pos x="connsiteX6" y="connsiteY6"/>
+              </a:cxn>
+              <a:cxn ang="0">
+                <a:pos x="connsiteX7" y="connsiteY7"/>
+              </a:cxn>
+              <a:cxn ang="0">
+                <a:pos x="connsiteX8" y="connsiteY8"/>
+              </a:cxn>
+              <a:cxn ang="0">
+                <a:pos x="connsiteX9" y="connsiteY9"/>
+              </a:cxn>
+              <a:cxn ang="0">
+                <a:pos x="connsiteX10" y="connsiteY10"/>
+              </a:cxn>
+              <a:cxn ang="0">
+                <a:pos x="connsiteX11" y="connsiteY11"/>
+              </a:cxn>
+              <a:cxn ang="0">
+                <a:pos x="connsiteX12" y="connsiteY12"/>
+              </a:cxn>
+            </a:cxnLst>
+            <a:rect l="l" t="t" r="r" b="b"/>
+            <a:pathLst>
+              <a:path w="3474720" h="18288" fill="none" extrusionOk="0">
+                <a:moveTo>
+                  <a:pt x="0" y="0"/>
+                </a:moveTo>
+                <a:cubicBezTo>
+                  <a:pt x="224454" y="-14544"/>
+                  <a:pt x="495407" y="26540"/>
+                  <a:pt x="694944" y="0"/>
+                </a:cubicBezTo>
+                <a:cubicBezTo>
+                  <a:pt x="894481" y="-26540"/>
+                  <a:pt x="1130063" y="24713"/>
+                  <a:pt x="1355141" y="0"/>
+                </a:cubicBezTo>
+                <a:cubicBezTo>
+                  <a:pt x="1580219" y="-24713"/>
+                  <a:pt x="1820099" y="26695"/>
+                  <a:pt x="2015338" y="0"/>
+                </a:cubicBezTo>
+                <a:cubicBezTo>
+                  <a:pt x="2210577" y="-26695"/>
+                  <a:pt x="2402045" y="165"/>
+                  <a:pt x="2779776" y="0"/>
+                </a:cubicBezTo>
+                <a:cubicBezTo>
+                  <a:pt x="3157507" y="-165"/>
+                  <a:pt x="3286859" y="-15571"/>
+                  <a:pt x="3474720" y="0"/>
+                </a:cubicBezTo>
+                <a:cubicBezTo>
+                  <a:pt x="3474286" y="7551"/>
+                  <a:pt x="3474253" y="9822"/>
+                  <a:pt x="3474720" y="18288"/>
+                </a:cubicBezTo>
+                <a:cubicBezTo>
+                  <a:pt x="3233904" y="29845"/>
+                  <a:pt x="2945134" y="-5256"/>
+                  <a:pt x="2779776" y="18288"/>
+                </a:cubicBezTo>
+                <a:cubicBezTo>
+                  <a:pt x="2614418" y="41832"/>
+                  <a:pt x="2339768" y="22709"/>
+                  <a:pt x="2189074" y="18288"/>
+                </a:cubicBezTo>
+                <a:cubicBezTo>
+                  <a:pt x="2038380" y="13867"/>
+                  <a:pt x="1817434" y="-4947"/>
+                  <a:pt x="1528877" y="18288"/>
+                </a:cubicBezTo>
+                <a:cubicBezTo>
+                  <a:pt x="1240320" y="41523"/>
+                  <a:pt x="1042447" y="37198"/>
+                  <a:pt x="868680" y="18288"/>
+                </a:cubicBezTo>
+                <a:cubicBezTo>
+                  <a:pt x="694913" y="-622"/>
+                  <a:pt x="233232" y="44909"/>
+                  <a:pt x="0" y="18288"/>
+                </a:cubicBezTo>
+                <a:cubicBezTo>
+                  <a:pt x="60" y="11696"/>
+                  <a:pt x="66" y="3758"/>
+                  <a:pt x="0" y="0"/>
+                </a:cubicBezTo>
+                <a:close/>
+              </a:path>
+              <a:path w="3474720" h="18288" stroke="0" extrusionOk="0">
+                <a:moveTo>
+                  <a:pt x="0" y="0"/>
+                </a:moveTo>
+                <a:cubicBezTo>
+                  <a:pt x="202328" y="-14716"/>
+                  <a:pt x="332722" y="-11499"/>
+                  <a:pt x="625450" y="0"/>
+                </a:cubicBezTo>
+                <a:cubicBezTo>
+                  <a:pt x="918178" y="11499"/>
+                  <a:pt x="1096688" y="5123"/>
+                  <a:pt x="1389888" y="0"/>
+                </a:cubicBezTo>
+                <a:cubicBezTo>
+                  <a:pt x="1683088" y="-5123"/>
+                  <a:pt x="1835981" y="-14038"/>
+                  <a:pt x="1980590" y="0"/>
+                </a:cubicBezTo>
+                <a:cubicBezTo>
+                  <a:pt x="2125199" y="14038"/>
+                  <a:pt x="2396099" y="-7203"/>
+                  <a:pt x="2571293" y="0"/>
+                </a:cubicBezTo>
+                <a:cubicBezTo>
+                  <a:pt x="2746487" y="7203"/>
+                  <a:pt x="3041609" y="-12036"/>
+                  <a:pt x="3474720" y="0"/>
+                </a:cubicBezTo>
+                <a:cubicBezTo>
+                  <a:pt x="3474638" y="4406"/>
+                  <a:pt x="3474631" y="9982"/>
+                  <a:pt x="3474720" y="18288"/>
+                </a:cubicBezTo>
+                <a:cubicBezTo>
+                  <a:pt x="3324873" y="21876"/>
+                  <a:pt x="3136771" y="12587"/>
+                  <a:pt x="2814523" y="18288"/>
+                </a:cubicBezTo>
+                <a:cubicBezTo>
+                  <a:pt x="2492275" y="23989"/>
+                  <a:pt x="2294402" y="47111"/>
+                  <a:pt x="2154326" y="18288"/>
+                </a:cubicBezTo>
+                <a:cubicBezTo>
+                  <a:pt x="2014250" y="-10535"/>
+                  <a:pt x="1820317" y="33903"/>
+                  <a:pt x="1494130" y="18288"/>
+                </a:cubicBezTo>
+                <a:cubicBezTo>
+                  <a:pt x="1167943" y="2673"/>
+                  <a:pt x="948432" y="14868"/>
+                  <a:pt x="729691" y="18288"/>
+                </a:cubicBezTo>
+                <a:cubicBezTo>
+                  <a:pt x="510950" y="21708"/>
+                  <a:pt x="264032" y="24354"/>
+                  <a:pt x="0" y="18288"/>
+                </a:cubicBezTo>
+                <a:cubicBezTo>
+                  <a:pt x="189" y="14288"/>
+                  <a:pt x="-703" y="3747"/>
+                  <a:pt x="0" y="0"/>
+                </a:cubicBezTo>
+                <a:close/>
+              </a:path>
+            </a:pathLst>
+          </a:custGeom>
+          <a:solidFill>
+            <a:schemeClr val="accent2"/>
+          </a:solidFill>
+          <a:ln w="44450" cap="rnd">
+            <a:solidFill>
+              <a:schemeClr val="accent2"/>
+            </a:solidFill>
+            <a:round/>
+            <a:extLst>
+              <a:ext uri="{C807C97D-BFC1-408E-A445-0C87EB9F89A2}">
+                <ask:lineSketchStyleProps xmlns:ask="http://schemas.microsoft.com/office/drawing/2018/sketchyshapes" sd="2863741219">
+                  <a:prstGeom prst="rect">
+                    <a:avLst/>
+                  </a:prstGeom>
+                  <ask:type>
+                    <ask:lineSketchFreehand/>
+                  </ask:type>
+                </ask:lineSketchStyleProps>
+              </a:ext>
+            </a:extLst>
+          </a:ln>
+        </p:spPr>
+        <p:style>
+          <a:lnRef idx="2">
+            <a:schemeClr val="accent1">
+              <a:shade val="50000"/>
+            </a:schemeClr>
+          </a:lnRef>
+          <a:fillRef idx="1">
+            <a:schemeClr val="accent1"/>
+          </a:fillRef>
+          <a:effectRef idx="0">
+            <a:schemeClr val="accent1"/>
+          </a:effectRef>
+          <a:fontRef idx="minor">
+            <a:schemeClr val="lt1"/>
+          </a:fontRef>
+        </p:style>
+        <p:txBody>
+          <a:bodyPr rtlCol="0" anchor="ctr"/>
           <a:lstStyle/>
           <a:p>
             <a:pPr algn="ctr"/>
-            <a:r>
-              <a:rPr lang="es-ES" dirty="0"/>
-              <a:t>VARIEDAD</a:t>
-            </a:r>
+            <a:endParaRPr lang="en-US"/>
           </a:p>
         </p:txBody>
       </p:sp>
@@ -10757,8 +13590,8 @@
         </p:nvSpPr>
         <p:spPr>
           <a:xfrm>
-            <a:off x="838200" y="1690689"/>
-            <a:ext cx="10515600" cy="2172652"/>
+            <a:off x="640080" y="2872899"/>
+            <a:ext cx="4243589" cy="3320668"/>
           </a:xfrm>
           <a:prstGeom prst="rect">
             <a:avLst/>
@@ -10934,14 +13767,259 @@
           </a:lstStyle>
           <a:p>
             <a:r>
-              <a:rPr lang="es-ES" sz="2600" b="1" dirty="0"/>
+              <a:rPr lang="en-US" sz="2000" b="1"/>
               <a:t>Variedad</a:t>
             </a:r>
             <a:r>
-              <a:rPr lang="es-ES" dirty="0"/>
+              <a:rPr lang="en-US" sz="2000"/>
               <a:t>:  Los datos convencionales eran estructurados y podían organizarse en una base de datos relacional, los tipos de datos no estructurado(texto, audio…)  aumentaban su complejidad de su almacenamiento y análisis, debido a que requieren un procesamiento adicional para obtener significado y habilitar metadatos</a:t>
             </a:r>
-            <a:endParaRPr lang="es-ES" b="1" dirty="0"/>
+            <a:endParaRPr lang="en-US" sz="2000" b="1"/>
+          </a:p>
+        </p:txBody>
+      </p:sp>
+      <p:pic>
+        <p:nvPicPr>
+          <p:cNvPr id="6" name="Picture 5" descr="Script de ordenador en una pantalla">
+            <a:extLst>
+              <a:ext uri="{FF2B5EF4-FFF2-40B4-BE49-F238E27FC236}">
+                <a16:creationId xmlns:a16="http://schemas.microsoft.com/office/drawing/2014/main" id="{C263EEF0-96AD-EB64-177B-B07104601C26}"/>
+              </a:ext>
+            </a:extLst>
+          </p:cNvPr>
+          <p:cNvPicPr>
+            <a:picLocks noChangeAspect="1"/>
+          </p:cNvPicPr>
+          <p:nvPr/>
+        </p:nvPicPr>
+        <p:blipFill rotWithShape="1">
+          <a:blip r:embed="rId2"/>
+          <a:srcRect r="33145" b="-3"/>
+          <a:stretch/>
+        </p:blipFill>
+        <p:spPr>
+          <a:xfrm>
+            <a:off x="5311702" y="10"/>
+            <a:ext cx="6878775" cy="6857990"/>
+          </a:xfrm>
+          <a:custGeom>
+            <a:avLst/>
+            <a:gdLst/>
+            <a:ahLst/>
+            <a:cxnLst/>
+            <a:rect l="l" t="t" r="r" b="b"/>
+            <a:pathLst>
+              <a:path w="6878775" h="6858000">
+                <a:moveTo>
+                  <a:pt x="1102973" y="0"/>
+                </a:moveTo>
+                <a:lnTo>
+                  <a:pt x="1160688" y="0"/>
+                </a:lnTo>
+                <a:lnTo>
+                  <a:pt x="983189" y="331786"/>
+                </a:lnTo>
+                <a:cubicBezTo>
+                  <a:pt x="914866" y="469145"/>
+                  <a:pt x="850355" y="608712"/>
+                  <a:pt x="789261" y="750263"/>
+                </a:cubicBezTo>
+                <a:cubicBezTo>
+                  <a:pt x="774307" y="784928"/>
+                  <a:pt x="759992" y="819849"/>
+                  <a:pt x="745295" y="854514"/>
+                </a:cubicBezTo>
+                <a:cubicBezTo>
+                  <a:pt x="756682" y="845393"/>
+                  <a:pt x="765489" y="833492"/>
+                  <a:pt x="770857" y="819975"/>
+                </a:cubicBezTo>
+                <a:cubicBezTo>
+                  <a:pt x="879943" y="589569"/>
+                  <a:pt x="999605" y="365513"/>
+                  <a:pt x="1131329" y="148742"/>
+                </a:cubicBezTo>
+                <a:lnTo>
+                  <a:pt x="1227589" y="0"/>
+                </a:lnTo>
+                <a:lnTo>
+                  <a:pt x="6878775" y="0"/>
+                </a:lnTo>
+                <a:lnTo>
+                  <a:pt x="6878775" y="6858000"/>
+                </a:lnTo>
+                <a:lnTo>
+                  <a:pt x="713521" y="6858000"/>
+                </a:lnTo>
+                <a:lnTo>
+                  <a:pt x="625642" y="6670527"/>
+                </a:lnTo>
+                <a:cubicBezTo>
+                  <a:pt x="507232" y="6398531"/>
+                  <a:pt x="403083" y="6118381"/>
+                  <a:pt x="312785" y="5830359"/>
+                </a:cubicBezTo>
+                <a:cubicBezTo>
+                  <a:pt x="278149" y="5719759"/>
+                  <a:pt x="248879" y="5607635"/>
+                  <a:pt x="212198" y="5480401"/>
+                </a:cubicBezTo>
+                <a:cubicBezTo>
+                  <a:pt x="212208" y="5491601"/>
+                  <a:pt x="212803" y="5502788"/>
+                  <a:pt x="213988" y="5513923"/>
+                </a:cubicBezTo>
+                <a:cubicBezTo>
+                  <a:pt x="264089" y="5723695"/>
+                  <a:pt x="307290" y="5935370"/>
+                  <a:pt x="365826" y="6142729"/>
+                </a:cubicBezTo>
+                <a:cubicBezTo>
+                  <a:pt x="433152" y="6380817"/>
+                  <a:pt x="510068" y="6614016"/>
+                  <a:pt x="597975" y="6841549"/>
+                </a:cubicBezTo>
+                <a:lnTo>
+                  <a:pt x="604824" y="6858000"/>
+                </a:lnTo>
+                <a:lnTo>
+                  <a:pt x="552056" y="6858000"/>
+                </a:lnTo>
+                <a:lnTo>
+                  <a:pt x="539576" y="6828295"/>
+                </a:lnTo>
+                <a:cubicBezTo>
+                  <a:pt x="380597" y="6414594"/>
+                  <a:pt x="260223" y="5988893"/>
+                  <a:pt x="171555" y="5552906"/>
+                </a:cubicBezTo>
+                <a:cubicBezTo>
+                  <a:pt x="91163" y="5157998"/>
+                  <a:pt x="43746" y="4758899"/>
+                  <a:pt x="12305" y="4357388"/>
+                </a:cubicBezTo>
+                <a:cubicBezTo>
+                  <a:pt x="-14281" y="4013908"/>
+                  <a:pt x="4507" y="3672965"/>
+                  <a:pt x="46684" y="3331516"/>
+                </a:cubicBezTo>
+                <a:cubicBezTo>
+                  <a:pt x="127203" y="2664286"/>
+                  <a:pt x="277819" y="2007265"/>
+                  <a:pt x="496065" y="1371196"/>
+                </a:cubicBezTo>
+                <a:cubicBezTo>
+                  <a:pt x="636273" y="966066"/>
+                  <a:pt x="800445" y="573253"/>
+                  <a:pt x="995723" y="196614"/>
+                </a:cubicBezTo>
+                <a:close/>
+              </a:path>
+            </a:pathLst>
+          </a:custGeom>
+        </p:spPr>
+      </p:pic>
+      <p:sp>
+        <p:nvSpPr>
+          <p:cNvPr id="5" name="Título 1">
+            <a:extLst>
+              <a:ext uri="{FF2B5EF4-FFF2-40B4-BE49-F238E27FC236}">
+                <a16:creationId xmlns:a16="http://schemas.microsoft.com/office/drawing/2014/main" id="{4EC31237-2825-272C-F90A-1D1E8B2AA3C2}"/>
+              </a:ext>
+            </a:extLst>
+          </p:cNvPr>
+          <p:cNvSpPr txBox="1">
+            <a:spLocks/>
+          </p:cNvSpPr>
+          <p:nvPr/>
+        </p:nvSpPr>
+        <p:spPr>
+          <a:xfrm>
+            <a:off x="6893043" y="5816630"/>
+            <a:ext cx="5298957" cy="906733"/>
+          </a:xfrm>
+          <a:prstGeom prst="rect">
+            <a:avLst/>
+          </a:prstGeom>
+        </p:spPr>
+        <p:txBody>
+          <a:bodyPr vert="horz" lIns="91440" tIns="45720" rIns="91440" bIns="45720" rtlCol="0" anchor="b">
+            <a:noAutofit/>
+          </a:bodyPr>
+          <a:lstStyle>
+            <a:lvl1pPr algn="l" defTabSz="914400" rtl="0" eaLnBrk="1" latinLnBrk="0" hangingPunct="1">
+              <a:lnSpc>
+                <a:spcPct val="90000"/>
+              </a:lnSpc>
+              <a:spcBef>
+                <a:spcPct val="0"/>
+              </a:spcBef>
+              <a:buNone/>
+              <a:defRPr sz="4400" kern="1200">
+                <a:solidFill>
+                  <a:schemeClr val="tx1"/>
+                </a:solidFill>
+                <a:latin typeface="+mj-lt"/>
+                <a:ea typeface="+mj-ea"/>
+                <a:cs typeface="+mj-cs"/>
+              </a:defRPr>
+            </a:lvl1pPr>
+          </a:lstStyle>
+          <a:p>
+            <a:pPr algn="ctr">
+              <a:spcAft>
+                <a:spcPts val="600"/>
+              </a:spcAft>
+            </a:pPr>
+            <a:r>
+              <a:rPr lang="es-ES" sz="1600" b="1" dirty="0">
+                <a:solidFill>
+                  <a:schemeClr val="bg1"/>
+                </a:solidFill>
+                <a:cs typeface="Calibri Light" panose="020F0302020204030204"/>
+              </a:rPr>
+              <a:t>EDUARDO MARTÍN-SONSECA</a:t>
+            </a:r>
+            <a:br>
+              <a:rPr lang="es-ES" sz="1600" b="1" dirty="0">
+                <a:solidFill>
+                  <a:schemeClr val="bg1"/>
+                </a:solidFill>
+                <a:cs typeface="Calibri Light" panose="020F0302020204030204"/>
+              </a:rPr>
+            </a:br>
+            <a:r>
+              <a:rPr lang="es-ES" sz="1600" b="1" dirty="0">
+                <a:solidFill>
+                  <a:schemeClr val="bg1"/>
+                </a:solidFill>
+                <a:cs typeface="Calibri Light" panose="020F0302020204030204"/>
+              </a:rPr>
+              <a:t>LUIS FERNANDEZ CASTELO</a:t>
+            </a:r>
+            <a:br>
+              <a:rPr lang="es-ES" sz="1600" b="1" dirty="0">
+                <a:solidFill>
+                  <a:schemeClr val="bg1"/>
+                </a:solidFill>
+                <a:cs typeface="Calibri Light" panose="020F0302020204030204"/>
+              </a:rPr>
+            </a:br>
+            <a:r>
+              <a:rPr lang="es-ES" sz="1600" b="1" dirty="0">
+                <a:solidFill>
+                  <a:schemeClr val="bg1"/>
+                </a:solidFill>
+                <a:cs typeface="Calibri Light" panose="020F0302020204030204"/>
+              </a:rPr>
+              <a:t>1º DESARROLLO DE APLICACIONES MULTIPLATAFORMA</a:t>
+            </a:r>
+            <a:endParaRPr lang="es-ES" sz="1600">
+              <a:solidFill>
+                <a:schemeClr val="bg1"/>
+              </a:solidFill>
+              <a:cs typeface="Calibri Light"/>
+            </a:endParaRPr>
           </a:p>
         </p:txBody>
       </p:sp>
@@ -10955,10 +14033,889 @@
   <p:clrMapOvr>
     <a:masterClrMapping/>
   </p:clrMapOvr>
+  <p:timing>
+    <p:tnLst>
+      <p:par>
+        <p:cTn id="1" dur="indefinite" restart="never" nodeType="tmRoot">
+          <p:childTnLst>
+            <p:seq concurrent="1" nextAc="seek">
+              <p:cTn id="2" dur="indefinite" nodeType="mainSeq">
+                <p:childTnLst>
+                  <p:par>
+                    <p:cTn id="3" fill="hold">
+                      <p:stCondLst>
+                        <p:cond delay="indefinite"/>
+                        <p:cond evt="onBegin" delay="0">
+                          <p:tn val="2"/>
+                        </p:cond>
+                      </p:stCondLst>
+                      <p:childTnLst>
+                        <p:par>
+                          <p:cTn id="4" fill="hold">
+                            <p:stCondLst>
+                              <p:cond delay="0"/>
+                            </p:stCondLst>
+                            <p:childTnLst>
+                              <p:par>
+                                <p:cTn id="5" presetID="10" presetClass="entr" presetSubtype="0" fill="hold" grpId="0" nodeType="withEffect">
+                                  <p:stCondLst>
+                                    <p:cond delay="0"/>
+                                  </p:stCondLst>
+                                  <p:childTnLst>
+                                    <p:set>
+                                      <p:cBhvr>
+                                        <p:cTn id="6" dur="1" fill="hold">
+                                          <p:stCondLst>
+                                            <p:cond delay="0"/>
+                                          </p:stCondLst>
+                                        </p:cTn>
+                                        <p:tgtEl>
+                                          <p:spTgt spid="5"/>
+                                        </p:tgtEl>
+                                        <p:attrNameLst>
+                                          <p:attrName>style.visibility</p:attrName>
+                                        </p:attrNameLst>
+                                      </p:cBhvr>
+                                      <p:to>
+                                        <p:strVal val="visible"/>
+                                      </p:to>
+                                    </p:set>
+                                    <p:animEffect transition="in" filter="fade">
+                                      <p:cBhvr>
+                                        <p:cTn id="7" dur="2000"/>
+                                        <p:tgtEl>
+                                          <p:spTgt spid="5"/>
+                                        </p:tgtEl>
+                                      </p:cBhvr>
+                                    </p:animEffect>
+                                  </p:childTnLst>
+                                </p:cTn>
+                              </p:par>
+                            </p:childTnLst>
+                          </p:cTn>
+                        </p:par>
+                      </p:childTnLst>
+                    </p:cTn>
+                  </p:par>
+                </p:childTnLst>
+              </p:cTn>
+              <p:prevCondLst>
+                <p:cond evt="onPrev" delay="0">
+                  <p:tgtEl>
+                    <p:sldTgt/>
+                  </p:tgtEl>
+                </p:cond>
+              </p:prevCondLst>
+              <p:nextCondLst>
+                <p:cond evt="onNext" delay="0">
+                  <p:tgtEl>
+                    <p:sldTgt/>
+                  </p:tgtEl>
+                </p:cond>
+              </p:nextCondLst>
+            </p:seq>
+          </p:childTnLst>
+        </p:cTn>
+      </p:par>
+    </p:tnLst>
+    <p:bldLst>
+      <p:bldP spid="5" grpId="0"/>
+    </p:bldLst>
+  </p:timing>
 </p:sld>
 </file>
 
 <file path=ppt/slides/slide7.xml><?xml version="1.0" encoding="utf-8"?>
+<p:sld xmlns:a="http://schemas.openxmlformats.org/drawingml/2006/main" xmlns:r="http://schemas.openxmlformats.org/officeDocument/2006/relationships" xmlns:p="http://schemas.openxmlformats.org/presentationml/2006/main">
+  <p:cSld>
+    <p:bg>
+      <p:bgPr>
+        <a:solidFill>
+          <a:schemeClr val="bg1"/>
+        </a:solidFill>
+        <a:effectLst/>
+      </p:bgPr>
+    </p:bg>
+    <p:spTree>
+      <p:nvGrpSpPr>
+        <p:cNvPr id="1" name=""/>
+        <p:cNvGrpSpPr/>
+        <p:nvPr/>
+      </p:nvGrpSpPr>
+      <p:grpSpPr>
+        <a:xfrm>
+          <a:off x="0" y="0"/>
+          <a:ext cx="0" cy="0"/>
+          <a:chOff x="0" y="0"/>
+          <a:chExt cx="0" cy="0"/>
+        </a:xfrm>
+      </p:grpSpPr>
+      <p:sp useBgFill="1">
+        <p:nvSpPr>
+          <p:cNvPr id="21" name="Rectangle 20">
+            <a:extLst>
+              <a:ext uri="{FF2B5EF4-FFF2-40B4-BE49-F238E27FC236}">
+                <a16:creationId xmlns:a16="http://schemas.microsoft.com/office/drawing/2014/main" id="{F13C74B1-5B17-4795-BED0-7140497B445A}"/>
+              </a:ext>
+              <a:ext uri="{C183D7F6-B498-43B3-948B-1728B52AA6E4}">
+                <adec:decorative xmlns:adec="http://schemas.microsoft.com/office/drawing/2017/decorative" val="1"/>
+              </a:ext>
+            </a:extLst>
+          </p:cNvPr>
+          <p:cNvSpPr>
+            <a:spLocks noGrp="1" noRot="1" noChangeAspect="1" noMove="1" noResize="1" noEditPoints="1" noAdjustHandles="1" noChangeArrowheads="1" noChangeShapeType="1" noTextEdit="1"/>
+          </p:cNvSpPr>
+          <p:nvPr>
+            <p:extLst>
+              <p:ext uri="{386F3935-93C4-4BCD-93E2-E3B085C9AB24}">
+                <p16:designElem xmlns:p16="http://schemas.microsoft.com/office/powerpoint/2015/main" val="1"/>
+              </p:ext>
+            </p:extLst>
+          </p:nvPr>
+        </p:nvSpPr>
+        <p:spPr>
+          <a:xfrm>
+            <a:off x="0" y="0"/>
+            <a:ext cx="12188952" cy="6858000"/>
+          </a:xfrm>
+          <a:prstGeom prst="rect">
+            <a:avLst/>
+          </a:prstGeom>
+          <a:ln>
+            <a:noFill/>
+          </a:ln>
+        </p:spPr>
+        <p:style>
+          <a:lnRef idx="2">
+            <a:schemeClr val="accent1">
+              <a:shade val="50000"/>
+            </a:schemeClr>
+          </a:lnRef>
+          <a:fillRef idx="1">
+            <a:schemeClr val="accent1"/>
+          </a:fillRef>
+          <a:effectRef idx="0">
+            <a:schemeClr val="accent1"/>
+          </a:effectRef>
+          <a:fontRef idx="minor">
+            <a:schemeClr val="lt1"/>
+          </a:fontRef>
+        </p:style>
+        <p:txBody>
+          <a:bodyPr rtlCol="0" anchor="ctr"/>
+          <a:lstStyle/>
+          <a:p>
+            <a:pPr algn="ctr"/>
+            <a:endParaRPr lang="en-US"/>
+          </a:p>
+        </p:txBody>
+      </p:sp>
+      <p:sp>
+        <p:nvSpPr>
+          <p:cNvPr id="2" name="Título 1">
+            <a:extLst>
+              <a:ext uri="{FF2B5EF4-FFF2-40B4-BE49-F238E27FC236}">
+                <a16:creationId xmlns:a16="http://schemas.microsoft.com/office/drawing/2014/main" id="{8BC7EFD9-5CAF-431F-A9FF-09DE566F3543}"/>
+              </a:ext>
+            </a:extLst>
+          </p:cNvPr>
+          <p:cNvSpPr>
+            <a:spLocks noGrp="1"/>
+          </p:cNvSpPr>
+          <p:nvPr>
+            <p:ph type="title"/>
+          </p:nvPr>
+        </p:nvSpPr>
+        <p:spPr>
+          <a:xfrm>
+            <a:off x="640080" y="325369"/>
+            <a:ext cx="4368602" cy="1956841"/>
+          </a:xfrm>
+        </p:spPr>
+        <p:txBody>
+          <a:bodyPr anchor="b">
+            <a:normAutofit/>
+          </a:bodyPr>
+          <a:lstStyle/>
+          <a:p>
+            <a:r>
+              <a:rPr lang="es-ES" sz="5400" dirty="0"/>
+              <a:t>VERACIDAD</a:t>
+            </a:r>
+          </a:p>
+        </p:txBody>
+      </p:sp>
+      <p:sp>
+        <p:nvSpPr>
+          <p:cNvPr id="23" name="sketchy line">
+            <a:extLst>
+              <a:ext uri="{FF2B5EF4-FFF2-40B4-BE49-F238E27FC236}">
+                <a16:creationId xmlns:a16="http://schemas.microsoft.com/office/drawing/2014/main" id="{D4974D33-8DC5-464E-8C6D-BE58F0669C17}"/>
+              </a:ext>
+              <a:ext uri="{C183D7F6-B498-43B3-948B-1728B52AA6E4}">
+                <adec:decorative xmlns:adec="http://schemas.microsoft.com/office/drawing/2017/decorative" val="1"/>
+              </a:ext>
+            </a:extLst>
+          </p:cNvPr>
+          <p:cNvSpPr>
+            <a:spLocks noGrp="1" noRot="1" noChangeAspect="1" noMove="1" noResize="1" noEditPoints="1" noAdjustHandles="1" noChangeArrowheads="1" noChangeShapeType="1" noTextEdit="1"/>
+          </p:cNvSpPr>
+          <p:nvPr>
+            <p:extLst>
+              <p:ext uri="{386F3935-93C4-4BCD-93E2-E3B085C9AB24}">
+                <p16:designElem xmlns:p16="http://schemas.microsoft.com/office/powerpoint/2015/main" val="1"/>
+              </p:ext>
+            </p:extLst>
+          </p:nvPr>
+        </p:nvSpPr>
+        <p:spPr>
+          <a:xfrm>
+            <a:off x="640080" y="2586994"/>
+            <a:ext cx="3474720" cy="18288"/>
+          </a:xfrm>
+          <a:custGeom>
+            <a:avLst/>
+            <a:gdLst>
+              <a:gd name="connsiteX0" fmla="*/ 0 w 3474720"/>
+              <a:gd name="connsiteY0" fmla="*/ 0 h 18288"/>
+              <a:gd name="connsiteX1" fmla="*/ 694944 w 3474720"/>
+              <a:gd name="connsiteY1" fmla="*/ 0 h 18288"/>
+              <a:gd name="connsiteX2" fmla="*/ 1355141 w 3474720"/>
+              <a:gd name="connsiteY2" fmla="*/ 0 h 18288"/>
+              <a:gd name="connsiteX3" fmla="*/ 2015338 w 3474720"/>
+              <a:gd name="connsiteY3" fmla="*/ 0 h 18288"/>
+              <a:gd name="connsiteX4" fmla="*/ 2779776 w 3474720"/>
+              <a:gd name="connsiteY4" fmla="*/ 0 h 18288"/>
+              <a:gd name="connsiteX5" fmla="*/ 3474720 w 3474720"/>
+              <a:gd name="connsiteY5" fmla="*/ 0 h 18288"/>
+              <a:gd name="connsiteX6" fmla="*/ 3474720 w 3474720"/>
+              <a:gd name="connsiteY6" fmla="*/ 18288 h 18288"/>
+              <a:gd name="connsiteX7" fmla="*/ 2779776 w 3474720"/>
+              <a:gd name="connsiteY7" fmla="*/ 18288 h 18288"/>
+              <a:gd name="connsiteX8" fmla="*/ 2189074 w 3474720"/>
+              <a:gd name="connsiteY8" fmla="*/ 18288 h 18288"/>
+              <a:gd name="connsiteX9" fmla="*/ 1528877 w 3474720"/>
+              <a:gd name="connsiteY9" fmla="*/ 18288 h 18288"/>
+              <a:gd name="connsiteX10" fmla="*/ 868680 w 3474720"/>
+              <a:gd name="connsiteY10" fmla="*/ 18288 h 18288"/>
+              <a:gd name="connsiteX11" fmla="*/ 0 w 3474720"/>
+              <a:gd name="connsiteY11" fmla="*/ 18288 h 18288"/>
+              <a:gd name="connsiteX12" fmla="*/ 0 w 3474720"/>
+              <a:gd name="connsiteY12" fmla="*/ 0 h 18288"/>
+            </a:gdLst>
+            <a:ahLst/>
+            <a:cxnLst>
+              <a:cxn ang="0">
+                <a:pos x="connsiteX0" y="connsiteY0"/>
+              </a:cxn>
+              <a:cxn ang="0">
+                <a:pos x="connsiteX1" y="connsiteY1"/>
+              </a:cxn>
+              <a:cxn ang="0">
+                <a:pos x="connsiteX2" y="connsiteY2"/>
+              </a:cxn>
+              <a:cxn ang="0">
+                <a:pos x="connsiteX3" y="connsiteY3"/>
+              </a:cxn>
+              <a:cxn ang="0">
+                <a:pos x="connsiteX4" y="connsiteY4"/>
+              </a:cxn>
+              <a:cxn ang="0">
+                <a:pos x="connsiteX5" y="connsiteY5"/>
+              </a:cxn>
+              <a:cxn ang="0">
+                <a:pos x="connsiteX6" y="connsiteY6"/>
+              </a:cxn>
+              <a:cxn ang="0">
+                <a:pos x="connsiteX7" y="connsiteY7"/>
+              </a:cxn>
+              <a:cxn ang="0">
+                <a:pos x="connsiteX8" y="connsiteY8"/>
+              </a:cxn>
+              <a:cxn ang="0">
+                <a:pos x="connsiteX9" y="connsiteY9"/>
+              </a:cxn>
+              <a:cxn ang="0">
+                <a:pos x="connsiteX10" y="connsiteY10"/>
+              </a:cxn>
+              <a:cxn ang="0">
+                <a:pos x="connsiteX11" y="connsiteY11"/>
+              </a:cxn>
+              <a:cxn ang="0">
+                <a:pos x="connsiteX12" y="connsiteY12"/>
+              </a:cxn>
+            </a:cxnLst>
+            <a:rect l="l" t="t" r="r" b="b"/>
+            <a:pathLst>
+              <a:path w="3474720" h="18288" fill="none" extrusionOk="0">
+                <a:moveTo>
+                  <a:pt x="0" y="0"/>
+                </a:moveTo>
+                <a:cubicBezTo>
+                  <a:pt x="224454" y="-14544"/>
+                  <a:pt x="495407" y="26540"/>
+                  <a:pt x="694944" y="0"/>
+                </a:cubicBezTo>
+                <a:cubicBezTo>
+                  <a:pt x="894481" y="-26540"/>
+                  <a:pt x="1130063" y="24713"/>
+                  <a:pt x="1355141" y="0"/>
+                </a:cubicBezTo>
+                <a:cubicBezTo>
+                  <a:pt x="1580219" y="-24713"/>
+                  <a:pt x="1820099" y="26695"/>
+                  <a:pt x="2015338" y="0"/>
+                </a:cubicBezTo>
+                <a:cubicBezTo>
+                  <a:pt x="2210577" y="-26695"/>
+                  <a:pt x="2402045" y="165"/>
+                  <a:pt x="2779776" y="0"/>
+                </a:cubicBezTo>
+                <a:cubicBezTo>
+                  <a:pt x="3157507" y="-165"/>
+                  <a:pt x="3286859" y="-15571"/>
+                  <a:pt x="3474720" y="0"/>
+                </a:cubicBezTo>
+                <a:cubicBezTo>
+                  <a:pt x="3474286" y="7551"/>
+                  <a:pt x="3474253" y="9822"/>
+                  <a:pt x="3474720" y="18288"/>
+                </a:cubicBezTo>
+                <a:cubicBezTo>
+                  <a:pt x="3233904" y="29845"/>
+                  <a:pt x="2945134" y="-5256"/>
+                  <a:pt x="2779776" y="18288"/>
+                </a:cubicBezTo>
+                <a:cubicBezTo>
+                  <a:pt x="2614418" y="41832"/>
+                  <a:pt x="2339768" y="22709"/>
+                  <a:pt x="2189074" y="18288"/>
+                </a:cubicBezTo>
+                <a:cubicBezTo>
+                  <a:pt x="2038380" y="13867"/>
+                  <a:pt x="1817434" y="-4947"/>
+                  <a:pt x="1528877" y="18288"/>
+                </a:cubicBezTo>
+                <a:cubicBezTo>
+                  <a:pt x="1240320" y="41523"/>
+                  <a:pt x="1042447" y="37198"/>
+                  <a:pt x="868680" y="18288"/>
+                </a:cubicBezTo>
+                <a:cubicBezTo>
+                  <a:pt x="694913" y="-622"/>
+                  <a:pt x="233232" y="44909"/>
+                  <a:pt x="0" y="18288"/>
+                </a:cubicBezTo>
+                <a:cubicBezTo>
+                  <a:pt x="60" y="11696"/>
+                  <a:pt x="66" y="3758"/>
+                  <a:pt x="0" y="0"/>
+                </a:cubicBezTo>
+                <a:close/>
+              </a:path>
+              <a:path w="3474720" h="18288" stroke="0" extrusionOk="0">
+                <a:moveTo>
+                  <a:pt x="0" y="0"/>
+                </a:moveTo>
+                <a:cubicBezTo>
+                  <a:pt x="202328" y="-14716"/>
+                  <a:pt x="332722" y="-11499"/>
+                  <a:pt x="625450" y="0"/>
+                </a:cubicBezTo>
+                <a:cubicBezTo>
+                  <a:pt x="918178" y="11499"/>
+                  <a:pt x="1096688" y="5123"/>
+                  <a:pt x="1389888" y="0"/>
+                </a:cubicBezTo>
+                <a:cubicBezTo>
+                  <a:pt x="1683088" y="-5123"/>
+                  <a:pt x="1835981" y="-14038"/>
+                  <a:pt x="1980590" y="0"/>
+                </a:cubicBezTo>
+                <a:cubicBezTo>
+                  <a:pt x="2125199" y="14038"/>
+                  <a:pt x="2396099" y="-7203"/>
+                  <a:pt x="2571293" y="0"/>
+                </a:cubicBezTo>
+                <a:cubicBezTo>
+                  <a:pt x="2746487" y="7203"/>
+                  <a:pt x="3041609" y="-12036"/>
+                  <a:pt x="3474720" y="0"/>
+                </a:cubicBezTo>
+                <a:cubicBezTo>
+                  <a:pt x="3474638" y="4406"/>
+                  <a:pt x="3474631" y="9982"/>
+                  <a:pt x="3474720" y="18288"/>
+                </a:cubicBezTo>
+                <a:cubicBezTo>
+                  <a:pt x="3324873" y="21876"/>
+                  <a:pt x="3136771" y="12587"/>
+                  <a:pt x="2814523" y="18288"/>
+                </a:cubicBezTo>
+                <a:cubicBezTo>
+                  <a:pt x="2492275" y="23989"/>
+                  <a:pt x="2294402" y="47111"/>
+                  <a:pt x="2154326" y="18288"/>
+                </a:cubicBezTo>
+                <a:cubicBezTo>
+                  <a:pt x="2014250" y="-10535"/>
+                  <a:pt x="1820317" y="33903"/>
+                  <a:pt x="1494130" y="18288"/>
+                </a:cubicBezTo>
+                <a:cubicBezTo>
+                  <a:pt x="1167943" y="2673"/>
+                  <a:pt x="948432" y="14868"/>
+                  <a:pt x="729691" y="18288"/>
+                </a:cubicBezTo>
+                <a:cubicBezTo>
+                  <a:pt x="510950" y="21708"/>
+                  <a:pt x="264032" y="24354"/>
+                  <a:pt x="0" y="18288"/>
+                </a:cubicBezTo>
+                <a:cubicBezTo>
+                  <a:pt x="189" y="14288"/>
+                  <a:pt x="-703" y="3747"/>
+                  <a:pt x="0" y="0"/>
+                </a:cubicBezTo>
+                <a:close/>
+              </a:path>
+            </a:pathLst>
+          </a:custGeom>
+          <a:solidFill>
+            <a:schemeClr val="accent2"/>
+          </a:solidFill>
+          <a:ln w="44450" cap="rnd">
+            <a:solidFill>
+              <a:schemeClr val="accent2"/>
+            </a:solidFill>
+            <a:round/>
+            <a:extLst>
+              <a:ext uri="{C807C97D-BFC1-408E-A445-0C87EB9F89A2}">
+                <ask:lineSketchStyleProps xmlns:ask="http://schemas.microsoft.com/office/drawing/2018/sketchyshapes" sd="2863741219">
+                  <a:prstGeom prst="rect">
+                    <a:avLst/>
+                  </a:prstGeom>
+                  <ask:type>
+                    <ask:lineSketchFreehand/>
+                  </ask:type>
+                </ask:lineSketchStyleProps>
+              </a:ext>
+            </a:extLst>
+          </a:ln>
+        </p:spPr>
+        <p:style>
+          <a:lnRef idx="2">
+            <a:schemeClr val="accent1">
+              <a:shade val="50000"/>
+            </a:schemeClr>
+          </a:lnRef>
+          <a:fillRef idx="1">
+            <a:schemeClr val="accent1"/>
+          </a:fillRef>
+          <a:effectRef idx="0">
+            <a:schemeClr val="accent1"/>
+          </a:effectRef>
+          <a:fontRef idx="minor">
+            <a:schemeClr val="lt1"/>
+          </a:fontRef>
+        </p:style>
+        <p:txBody>
+          <a:bodyPr rtlCol="0" anchor="ctr"/>
+          <a:lstStyle/>
+          <a:p>
+            <a:pPr algn="ctr"/>
+            <a:endParaRPr lang="en-US"/>
+          </a:p>
+        </p:txBody>
+      </p:sp>
+      <p:sp>
+        <p:nvSpPr>
+          <p:cNvPr id="3" name="Marcador de contenido 2">
+            <a:extLst>
+              <a:ext uri="{FF2B5EF4-FFF2-40B4-BE49-F238E27FC236}">
+                <a16:creationId xmlns:a16="http://schemas.microsoft.com/office/drawing/2014/main" id="{29A8ECE2-FE08-4C93-9877-2C065094BC53}"/>
+              </a:ext>
+            </a:extLst>
+          </p:cNvPr>
+          <p:cNvSpPr>
+            <a:spLocks noGrp="1"/>
+          </p:cNvSpPr>
+          <p:nvPr>
+            <p:ph idx="1"/>
+          </p:nvPr>
+        </p:nvSpPr>
+        <p:spPr>
+          <a:xfrm>
+            <a:off x="640080" y="2872899"/>
+            <a:ext cx="4243589" cy="3320668"/>
+          </a:xfrm>
+        </p:spPr>
+        <p:txBody>
+          <a:bodyPr>
+            <a:normAutofit/>
+          </a:bodyPr>
+          <a:lstStyle/>
+          <a:p>
+            <a:r>
+              <a:rPr lang="es-ES" sz="2200" b="1" dirty="0"/>
+              <a:t>Veracidad</a:t>
+            </a:r>
+            <a:r>
+              <a:rPr lang="es-ES" sz="2200" dirty="0"/>
+              <a:t>: La confianza de los datos, debe de ser alta, con resultados verificables y de calidad, muchos datos llegan incompletos y para ello, se invierte tiempo, y dinero en la búsqueda de datos, para poder desarrollar y aplicar soluciones y métodos capaces de eliminar los errores.</a:t>
+            </a:r>
+            <a:endParaRPr lang="es-ES" sz="2200" b="1" dirty="0"/>
+          </a:p>
+        </p:txBody>
+      </p:sp>
+      <p:pic>
+        <p:nvPicPr>
+          <p:cNvPr id="5" name="Picture 4" descr="Números y gráficos digitales">
+            <a:extLst>
+              <a:ext uri="{FF2B5EF4-FFF2-40B4-BE49-F238E27FC236}">
+                <a16:creationId xmlns:a16="http://schemas.microsoft.com/office/drawing/2014/main" id="{5331785D-2CFF-B332-5634-22F0E76967B1}"/>
+              </a:ext>
+            </a:extLst>
+          </p:cNvPr>
+          <p:cNvPicPr>
+            <a:picLocks noChangeAspect="1"/>
+          </p:cNvPicPr>
+          <p:nvPr/>
+        </p:nvPicPr>
+        <p:blipFill rotWithShape="1">
+          <a:blip r:embed="rId2"/>
+          <a:srcRect l="20652" r="12395" b="-1"/>
+          <a:stretch/>
+        </p:blipFill>
+        <p:spPr>
+          <a:xfrm>
+            <a:off x="5311702" y="10"/>
+            <a:ext cx="6878775" cy="6857990"/>
+          </a:xfrm>
+          <a:custGeom>
+            <a:avLst/>
+            <a:gdLst/>
+            <a:ahLst/>
+            <a:cxnLst/>
+            <a:rect l="l" t="t" r="r" b="b"/>
+            <a:pathLst>
+              <a:path w="6878775" h="6858000">
+                <a:moveTo>
+                  <a:pt x="1102973" y="0"/>
+                </a:moveTo>
+                <a:lnTo>
+                  <a:pt x="1160688" y="0"/>
+                </a:lnTo>
+                <a:lnTo>
+                  <a:pt x="983189" y="331786"/>
+                </a:lnTo>
+                <a:cubicBezTo>
+                  <a:pt x="914866" y="469145"/>
+                  <a:pt x="850355" y="608712"/>
+                  <a:pt x="789261" y="750263"/>
+                </a:cubicBezTo>
+                <a:cubicBezTo>
+                  <a:pt x="774307" y="784928"/>
+                  <a:pt x="759992" y="819849"/>
+                  <a:pt x="745295" y="854514"/>
+                </a:cubicBezTo>
+                <a:cubicBezTo>
+                  <a:pt x="756682" y="845393"/>
+                  <a:pt x="765489" y="833492"/>
+                  <a:pt x="770857" y="819975"/>
+                </a:cubicBezTo>
+                <a:cubicBezTo>
+                  <a:pt x="879943" y="589569"/>
+                  <a:pt x="999605" y="365513"/>
+                  <a:pt x="1131329" y="148742"/>
+                </a:cubicBezTo>
+                <a:lnTo>
+                  <a:pt x="1227589" y="0"/>
+                </a:lnTo>
+                <a:lnTo>
+                  <a:pt x="6878775" y="0"/>
+                </a:lnTo>
+                <a:lnTo>
+                  <a:pt x="6878775" y="6858000"/>
+                </a:lnTo>
+                <a:lnTo>
+                  <a:pt x="713521" y="6858000"/>
+                </a:lnTo>
+                <a:lnTo>
+                  <a:pt x="625642" y="6670527"/>
+                </a:lnTo>
+                <a:cubicBezTo>
+                  <a:pt x="507232" y="6398531"/>
+                  <a:pt x="403083" y="6118381"/>
+                  <a:pt x="312785" y="5830359"/>
+                </a:cubicBezTo>
+                <a:cubicBezTo>
+                  <a:pt x="278149" y="5719759"/>
+                  <a:pt x="248879" y="5607635"/>
+                  <a:pt x="212198" y="5480401"/>
+                </a:cubicBezTo>
+                <a:cubicBezTo>
+                  <a:pt x="212208" y="5491601"/>
+                  <a:pt x="212803" y="5502788"/>
+                  <a:pt x="213988" y="5513923"/>
+                </a:cubicBezTo>
+                <a:cubicBezTo>
+                  <a:pt x="264089" y="5723695"/>
+                  <a:pt x="307290" y="5935370"/>
+                  <a:pt x="365826" y="6142729"/>
+                </a:cubicBezTo>
+                <a:cubicBezTo>
+                  <a:pt x="433152" y="6380817"/>
+                  <a:pt x="510068" y="6614016"/>
+                  <a:pt x="597975" y="6841549"/>
+                </a:cubicBezTo>
+                <a:lnTo>
+                  <a:pt x="604824" y="6858000"/>
+                </a:lnTo>
+                <a:lnTo>
+                  <a:pt x="552056" y="6858000"/>
+                </a:lnTo>
+                <a:lnTo>
+                  <a:pt x="539576" y="6828295"/>
+                </a:lnTo>
+                <a:cubicBezTo>
+                  <a:pt x="380597" y="6414594"/>
+                  <a:pt x="260223" y="5988893"/>
+                  <a:pt x="171555" y="5552906"/>
+                </a:cubicBezTo>
+                <a:cubicBezTo>
+                  <a:pt x="91163" y="5157998"/>
+                  <a:pt x="43746" y="4758899"/>
+                  <a:pt x="12305" y="4357388"/>
+                </a:cubicBezTo>
+                <a:cubicBezTo>
+                  <a:pt x="-14281" y="4013908"/>
+                  <a:pt x="4507" y="3672965"/>
+                  <a:pt x="46684" y="3331516"/>
+                </a:cubicBezTo>
+                <a:cubicBezTo>
+                  <a:pt x="127203" y="2664286"/>
+                  <a:pt x="277819" y="2007265"/>
+                  <a:pt x="496065" y="1371196"/>
+                </a:cubicBezTo>
+                <a:cubicBezTo>
+                  <a:pt x="636273" y="966066"/>
+                  <a:pt x="800445" y="573253"/>
+                  <a:pt x="995723" y="196614"/>
+                </a:cubicBezTo>
+                <a:close/>
+              </a:path>
+            </a:pathLst>
+          </a:custGeom>
+        </p:spPr>
+      </p:pic>
+      <p:sp>
+        <p:nvSpPr>
+          <p:cNvPr id="6" name="Título 1">
+            <a:extLst>
+              <a:ext uri="{FF2B5EF4-FFF2-40B4-BE49-F238E27FC236}">
+                <a16:creationId xmlns:a16="http://schemas.microsoft.com/office/drawing/2014/main" id="{B874E851-3741-DC66-BAFA-79EB38E71B4C}"/>
+              </a:ext>
+            </a:extLst>
+          </p:cNvPr>
+          <p:cNvSpPr txBox="1">
+            <a:spLocks/>
+          </p:cNvSpPr>
+          <p:nvPr/>
+        </p:nvSpPr>
+        <p:spPr>
+          <a:xfrm>
+            <a:off x="6893043" y="5816630"/>
+            <a:ext cx="5298957" cy="906733"/>
+          </a:xfrm>
+          <a:prstGeom prst="rect">
+            <a:avLst/>
+          </a:prstGeom>
+        </p:spPr>
+        <p:txBody>
+          <a:bodyPr vert="horz" lIns="91440" tIns="45720" rIns="91440" bIns="45720" rtlCol="0" anchor="b">
+            <a:noAutofit/>
+          </a:bodyPr>
+          <a:lstStyle>
+            <a:lvl1pPr algn="l" defTabSz="914400" rtl="0" eaLnBrk="1" latinLnBrk="0" hangingPunct="1">
+              <a:lnSpc>
+                <a:spcPct val="90000"/>
+              </a:lnSpc>
+              <a:spcBef>
+                <a:spcPct val="0"/>
+              </a:spcBef>
+              <a:buNone/>
+              <a:defRPr sz="4400" kern="1200">
+                <a:solidFill>
+                  <a:schemeClr val="tx1"/>
+                </a:solidFill>
+                <a:latin typeface="+mj-lt"/>
+                <a:ea typeface="+mj-ea"/>
+                <a:cs typeface="+mj-cs"/>
+              </a:defRPr>
+            </a:lvl1pPr>
+          </a:lstStyle>
+          <a:p>
+            <a:pPr algn="ctr">
+              <a:spcAft>
+                <a:spcPts val="600"/>
+              </a:spcAft>
+            </a:pPr>
+            <a:r>
+              <a:rPr lang="es-ES" sz="1600" b="1" dirty="0">
+                <a:solidFill>
+                  <a:schemeClr val="bg1"/>
+                </a:solidFill>
+                <a:cs typeface="Calibri Light" panose="020F0302020204030204"/>
+              </a:rPr>
+              <a:t>EDUARDO MARTÍN-SONSECA</a:t>
+            </a:r>
+            <a:br>
+              <a:rPr lang="es-ES" sz="1600" b="1" dirty="0">
+                <a:solidFill>
+                  <a:schemeClr val="bg1"/>
+                </a:solidFill>
+                <a:cs typeface="Calibri Light" panose="020F0302020204030204"/>
+              </a:rPr>
+            </a:br>
+            <a:r>
+              <a:rPr lang="es-ES" sz="1600" b="1" dirty="0">
+                <a:solidFill>
+                  <a:schemeClr val="bg1"/>
+                </a:solidFill>
+                <a:cs typeface="Calibri Light" panose="020F0302020204030204"/>
+              </a:rPr>
+              <a:t>LUIS FERNANDEZ CASTELO</a:t>
+            </a:r>
+            <a:br>
+              <a:rPr lang="es-ES" sz="1600" b="1" dirty="0">
+                <a:solidFill>
+                  <a:schemeClr val="bg1"/>
+                </a:solidFill>
+                <a:cs typeface="Calibri Light" panose="020F0302020204030204"/>
+              </a:rPr>
+            </a:br>
+            <a:r>
+              <a:rPr lang="es-ES" sz="1600" b="1" dirty="0">
+                <a:solidFill>
+                  <a:schemeClr val="bg1"/>
+                </a:solidFill>
+                <a:cs typeface="Calibri Light" panose="020F0302020204030204"/>
+              </a:rPr>
+              <a:t>1º DESARROLLO DE APLICACIONES MULTIPLATAFORMA</a:t>
+            </a:r>
+            <a:endParaRPr lang="es-ES" sz="1600">
+              <a:solidFill>
+                <a:schemeClr val="bg1"/>
+              </a:solidFill>
+              <a:cs typeface="Calibri Light"/>
+            </a:endParaRPr>
+          </a:p>
+        </p:txBody>
+      </p:sp>
+    </p:spTree>
+    <p:extLst>
+      <p:ext uri="{BB962C8B-B14F-4D97-AF65-F5344CB8AC3E}">
+        <p14:creationId xmlns:p14="http://schemas.microsoft.com/office/powerpoint/2010/main" val="3580276719"/>
+      </p:ext>
+    </p:extLst>
+  </p:cSld>
+  <p:clrMapOvr>
+    <a:masterClrMapping/>
+  </p:clrMapOvr>
+  <p:timing>
+    <p:tnLst>
+      <p:par>
+        <p:cTn id="1" dur="indefinite" restart="never" nodeType="tmRoot">
+          <p:childTnLst>
+            <p:seq concurrent="1" nextAc="seek">
+              <p:cTn id="2" dur="indefinite" nodeType="mainSeq">
+                <p:childTnLst>
+                  <p:par>
+                    <p:cTn id="3" fill="hold">
+                      <p:stCondLst>
+                        <p:cond delay="indefinite"/>
+                        <p:cond evt="onBegin" delay="0">
+                          <p:tn val="2"/>
+                        </p:cond>
+                      </p:stCondLst>
+                      <p:childTnLst>
+                        <p:par>
+                          <p:cTn id="4" fill="hold">
+                            <p:stCondLst>
+                              <p:cond delay="0"/>
+                            </p:stCondLst>
+                            <p:childTnLst>
+                              <p:par>
+                                <p:cTn id="5" presetID="10" presetClass="entr" presetSubtype="0" fill="hold" grpId="0" nodeType="withEffect">
+                                  <p:stCondLst>
+                                    <p:cond delay="0"/>
+                                  </p:stCondLst>
+                                  <p:childTnLst>
+                                    <p:set>
+                                      <p:cBhvr>
+                                        <p:cTn id="6" dur="1" fill="hold">
+                                          <p:stCondLst>
+                                            <p:cond delay="0"/>
+                                          </p:stCondLst>
+                                        </p:cTn>
+                                        <p:tgtEl>
+                                          <p:spTgt spid="6"/>
+                                        </p:tgtEl>
+                                        <p:attrNameLst>
+                                          <p:attrName>style.visibility</p:attrName>
+                                        </p:attrNameLst>
+                                      </p:cBhvr>
+                                      <p:to>
+                                        <p:strVal val="visible"/>
+                                      </p:to>
+                                    </p:set>
+                                    <p:animEffect transition="in" filter="fade">
+                                      <p:cBhvr>
+                                        <p:cTn id="7" dur="2000"/>
+                                        <p:tgtEl>
+                                          <p:spTgt spid="6"/>
+                                        </p:tgtEl>
+                                      </p:cBhvr>
+                                    </p:animEffect>
+                                  </p:childTnLst>
+                                </p:cTn>
+                              </p:par>
+                            </p:childTnLst>
+                          </p:cTn>
+                        </p:par>
+                      </p:childTnLst>
+                    </p:cTn>
+                  </p:par>
+                </p:childTnLst>
+              </p:cTn>
+              <p:prevCondLst>
+                <p:cond evt="onPrev" delay="0">
+                  <p:tgtEl>
+                    <p:sldTgt/>
+                  </p:tgtEl>
+                </p:cond>
+              </p:prevCondLst>
+              <p:nextCondLst>
+                <p:cond evt="onNext" delay="0">
+                  <p:tgtEl>
+                    <p:sldTgt/>
+                  </p:tgtEl>
+                </p:cond>
+              </p:nextCondLst>
+            </p:seq>
+          </p:childTnLst>
+        </p:cTn>
+      </p:par>
+    </p:tnLst>
+    <p:bldLst>
+      <p:bldP spid="6" grpId="0"/>
+    </p:bldLst>
+  </p:timing>
+</p:sld>
+</file>
+
+<file path=ppt/slides/slide8.xml><?xml version="1.0" encoding="utf-8"?>
 <p:sld xmlns:a="http://schemas.openxmlformats.org/drawingml/2006/main" xmlns:r="http://schemas.openxmlformats.org/officeDocument/2006/relationships" xmlns:p="http://schemas.openxmlformats.org/presentationml/2006/main">
   <p:cSld>
     <p:spTree>
@@ -10980,7 +14937,7 @@
           <p:cNvPr id="2" name="Título 1">
             <a:extLst>
               <a:ext uri="{FF2B5EF4-FFF2-40B4-BE49-F238E27FC236}">
-                <a16:creationId xmlns:a16="http://schemas.microsoft.com/office/drawing/2014/main" id="{8BC7EFD9-5CAF-431F-A9FF-09DE566F3543}"/>
+                <a16:creationId xmlns:a16="http://schemas.microsoft.com/office/drawing/2014/main" id="{2A7DC3FE-66EB-750C-3214-9159D346F772}"/>
               </a:ext>
             </a:extLst>
           </p:cNvPr>
@@ -10998,8 +14955,10 @@
           <a:p>
             <a:pPr algn="ctr"/>
             <a:r>
-              <a:rPr lang="es-ES" dirty="0"/>
-              <a:t>VERACIDAD</a:t>
+              <a:rPr lang="es-ES" dirty="0">
+                <a:cs typeface="Calibri Light" panose="020F0302020204030204"/>
+              </a:rPr>
+              <a:t>FUNCIONAMIENTO</a:t>
             </a:r>
           </a:p>
         </p:txBody>
@@ -11009,7 +14968,7 @@
           <p:cNvPr id="3" name="Marcador de contenido 2">
             <a:extLst>
               <a:ext uri="{FF2B5EF4-FFF2-40B4-BE49-F238E27FC236}">
-                <a16:creationId xmlns:a16="http://schemas.microsoft.com/office/drawing/2014/main" id="{29A8ECE2-FE08-4C93-9877-2C065094BC53}"/>
+                <a16:creationId xmlns:a16="http://schemas.microsoft.com/office/drawing/2014/main" id="{E7DB1CBC-1C7A-9ED6-3A0E-B1FBBE84F9DB}"/>
               </a:ext>
             </a:extLst>
           </p:cNvPr>
@@ -11023,31 +14982,21 @@
         <p:spPr>
           <a:xfrm>
             <a:off x="838200" y="1825625"/>
-            <a:ext cx="10515600" cy="2197735"/>
+            <a:ext cx="10515600" cy="1173942"/>
           </a:xfrm>
         </p:spPr>
         <p:txBody>
-          <a:bodyPr>
-            <a:normAutofit/>
-          </a:bodyPr>
+          <a:bodyPr/>
           <a:lstStyle/>
           <a:p>
-            <a:r>
-              <a:rPr lang="es-ES" b="1" dirty="0"/>
-              <a:t>Veracidad</a:t>
-            </a:r>
-            <a:r>
-              <a:rPr lang="es-ES" dirty="0"/>
-              <a:t>: La confianza de los datos, debe de ser alta, con resultados verificables y de calidad, muchos datos llegan incompletos y para ello, se invierte tiempo, y dinero en la búsqueda de datos, para poder desarrollar y aplicar soluciones y métodos capaces de eliminar los errores.</a:t>
-            </a:r>
-            <a:endParaRPr lang="es-ES" b="1" dirty="0"/>
+            <a:endParaRPr lang="es-ES"/>
           </a:p>
         </p:txBody>
       </p:sp>
     </p:spTree>
     <p:extLst>
       <p:ext uri="{BB962C8B-B14F-4D97-AF65-F5344CB8AC3E}">
-        <p14:creationId xmlns:p14="http://schemas.microsoft.com/office/powerpoint/2010/main" val="3580276719"/>
+        <p14:creationId xmlns:p14="http://schemas.microsoft.com/office/powerpoint/2010/main" val="4137332662"/>
       </p:ext>
     </p:extLst>
   </p:cSld>

--- a/Bases de Datos/1º Evaluación/Ejercicios/Ejercicio2/Explotación de bases de datos Big Data.pptx
+++ b/Bases de Datos/1º Evaluación/Ejercicios/Ejercicio2/Explotación de bases de datos Big Data.pptx
@@ -2112,6 +2112,156 @@
     </pc:docChg>
   </pc:docChgLst>
   <pc:docChgLst>
+    <pc:chgData name="Eduardo Martín-Sonseca.Alonso" userId="044a8a39323ca9b2" providerId="Windows Live" clId="Web-{68748E30-2FBD-43B0-B824-A092A60EA4E9}"/>
+    <pc:docChg chg="addSld modSld">
+      <pc:chgData name="Eduardo Martín-Sonseca.Alonso" userId="044a8a39323ca9b2" providerId="Windows Live" clId="Web-{68748E30-2FBD-43B0-B824-A092A60EA4E9}" dt="2022-10-04T10:20:30.556" v="305" actId="14100"/>
+      <pc:docMkLst>
+        <pc:docMk/>
+      </pc:docMkLst>
+      <pc:sldChg chg="modSp">
+        <pc:chgData name="Eduardo Martín-Sonseca.Alonso" userId="044a8a39323ca9b2" providerId="Windows Live" clId="Web-{68748E30-2FBD-43B0-B824-A092A60EA4E9}" dt="2022-10-04T10:04:49.319" v="3" actId="20577"/>
+        <pc:sldMkLst>
+          <pc:docMk/>
+          <pc:sldMk cId="1479924629" sldId="258"/>
+        </pc:sldMkLst>
+        <pc:spChg chg="mod">
+          <ac:chgData name="Eduardo Martín-Sonseca.Alonso" userId="044a8a39323ca9b2" providerId="Windows Live" clId="Web-{68748E30-2FBD-43B0-B824-A092A60EA4E9}" dt="2022-10-04T10:04:49.319" v="3" actId="20577"/>
+          <ac:spMkLst>
+            <pc:docMk/>
+            <pc:sldMk cId="1479924629" sldId="258"/>
+            <ac:spMk id="9" creationId="{2E119BA4-44C4-4FFE-81D8-1B5FE1ABFCE7}"/>
+          </ac:spMkLst>
+        </pc:spChg>
+      </pc:sldChg>
+      <pc:sldChg chg="modSp">
+        <pc:chgData name="Eduardo Martín-Sonseca.Alonso" userId="044a8a39323ca9b2" providerId="Windows Live" clId="Web-{68748E30-2FBD-43B0-B824-A092A60EA4E9}" dt="2022-10-04T10:04:42.943" v="2" actId="20577"/>
+        <pc:sldMkLst>
+          <pc:docMk/>
+          <pc:sldMk cId="992274193" sldId="259"/>
+        </pc:sldMkLst>
+        <pc:spChg chg="mod">
+          <ac:chgData name="Eduardo Martín-Sonseca.Alonso" userId="044a8a39323ca9b2" providerId="Windows Live" clId="Web-{68748E30-2FBD-43B0-B824-A092A60EA4E9}" dt="2022-10-04T10:04:42.943" v="2" actId="20577"/>
+          <ac:spMkLst>
+            <pc:docMk/>
+            <pc:sldMk cId="992274193" sldId="259"/>
+            <ac:spMk id="13" creationId="{35C1D9B5-DA02-41E3-BF4D-64BEF0C2B5F1}"/>
+          </ac:spMkLst>
+        </pc:spChg>
+      </pc:sldChg>
+      <pc:sldChg chg="addSp delSp modSp new mod setBg setClrOvrMap">
+        <pc:chgData name="Eduardo Martín-Sonseca.Alonso" userId="044a8a39323ca9b2" providerId="Windows Live" clId="Web-{68748E30-2FBD-43B0-B824-A092A60EA4E9}" dt="2022-10-04T10:20:30.556" v="305" actId="14100"/>
+        <pc:sldMkLst>
+          <pc:docMk/>
+          <pc:sldMk cId="3613378253" sldId="260"/>
+        </pc:sldMkLst>
+        <pc:spChg chg="mod">
+          <ac:chgData name="Eduardo Martín-Sonseca.Alonso" userId="044a8a39323ca9b2" providerId="Windows Live" clId="Web-{68748E30-2FBD-43B0-B824-A092A60EA4E9}" dt="2022-10-04T10:18:29.345" v="281"/>
+          <ac:spMkLst>
+            <pc:docMk/>
+            <pc:sldMk cId="3613378253" sldId="260"/>
+            <ac:spMk id="2" creationId="{4AFA984B-9B6C-188A-245A-53C0CE93CEFC}"/>
+          </ac:spMkLst>
+        </pc:spChg>
+        <pc:spChg chg="mod">
+          <ac:chgData name="Eduardo Martín-Sonseca.Alonso" userId="044a8a39323ca9b2" providerId="Windows Live" clId="Web-{68748E30-2FBD-43B0-B824-A092A60EA4E9}" dt="2022-10-04T10:20:05.961" v="302" actId="14100"/>
+          <ac:spMkLst>
+            <pc:docMk/>
+            <pc:sldMk cId="3613378253" sldId="260"/>
+            <ac:spMk id="3" creationId="{0B689B0C-0352-F4BE-7C0D-2367A8469F10}"/>
+          </ac:spMkLst>
+        </pc:spChg>
+        <pc:spChg chg="add del mod">
+          <ac:chgData name="Eduardo Martín-Sonseca.Alonso" userId="044a8a39323ca9b2" providerId="Windows Live" clId="Web-{68748E30-2FBD-43B0-B824-A092A60EA4E9}" dt="2022-10-04T10:18:13.437" v="280"/>
+          <ac:spMkLst>
+            <pc:docMk/>
+            <pc:sldMk cId="3613378253" sldId="260"/>
+            <ac:spMk id="5" creationId="{ACC7B7C9-72CE-7662-D030-F2102ED7FF7F}"/>
+          </ac:spMkLst>
+        </pc:spChg>
+        <pc:spChg chg="add del mod">
+          <ac:chgData name="Eduardo Martín-Sonseca.Alonso" userId="044a8a39323ca9b2" providerId="Windows Live" clId="Web-{68748E30-2FBD-43B0-B824-A092A60EA4E9}" dt="2022-10-04T10:18:13.437" v="279"/>
+          <ac:spMkLst>
+            <pc:docMk/>
+            <pc:sldMk cId="3613378253" sldId="260"/>
+            <ac:spMk id="7" creationId="{C8C50503-10E6-253E-5268-0C6AF672FA34}"/>
+          </ac:spMkLst>
+        </pc:spChg>
+        <pc:spChg chg="add del">
+          <ac:chgData name="Eduardo Martín-Sonseca.Alonso" userId="044a8a39323ca9b2" providerId="Windows Live" clId="Web-{68748E30-2FBD-43B0-B824-A092A60EA4E9}" dt="2022-10-04T10:18:37.173" v="283"/>
+          <ac:spMkLst>
+            <pc:docMk/>
+            <pc:sldMk cId="3613378253" sldId="260"/>
+            <ac:spMk id="8" creationId="{76275126-45BA-6A76-5623-AF9CD62282F8}"/>
+          </ac:spMkLst>
+        </pc:spChg>
+        <pc:spChg chg="add">
+          <ac:chgData name="Eduardo Martín-Sonseca.Alonso" userId="044a8a39323ca9b2" providerId="Windows Live" clId="Web-{68748E30-2FBD-43B0-B824-A092A60EA4E9}" dt="2022-10-04T10:18:29.345" v="281"/>
+          <ac:spMkLst>
+            <pc:docMk/>
+            <pc:sldMk cId="3613378253" sldId="260"/>
+            <ac:spMk id="9" creationId="{9AA72BD9-2C5A-4EDC-931F-5AA08EACA0F3}"/>
+          </ac:spMkLst>
+        </pc:spChg>
+        <pc:spChg chg="add del">
+          <ac:chgData name="Eduardo Martín-Sonseca.Alonso" userId="044a8a39323ca9b2" providerId="Windows Live" clId="Web-{68748E30-2FBD-43B0-B824-A092A60EA4E9}" dt="2022-10-04T10:18:37.173" v="283"/>
+          <ac:spMkLst>
+            <pc:docMk/>
+            <pc:sldMk cId="3613378253" sldId="260"/>
+            <ac:spMk id="10" creationId="{406D5093-AC3A-9236-0CCE-F99A15DD90EE}"/>
+          </ac:spMkLst>
+        </pc:spChg>
+        <pc:spChg chg="add">
+          <ac:chgData name="Eduardo Martín-Sonseca.Alonso" userId="044a8a39323ca9b2" providerId="Windows Live" clId="Web-{68748E30-2FBD-43B0-B824-A092A60EA4E9}" dt="2022-10-04T10:18:29.345" v="281"/>
+          <ac:spMkLst>
+            <pc:docMk/>
+            <pc:sldMk cId="3613378253" sldId="260"/>
+            <ac:spMk id="11" creationId="{DD3981AC-7B61-4947-BCF3-F7AA7FA385B9}"/>
+          </ac:spMkLst>
+        </pc:spChg>
+        <pc:spChg chg="add mod">
+          <ac:chgData name="Eduardo Martín-Sonseca.Alonso" userId="044a8a39323ca9b2" providerId="Windows Live" clId="Web-{68748E30-2FBD-43B0-B824-A092A60EA4E9}" dt="2022-10-04T10:20:30.556" v="305" actId="14100"/>
+          <ac:spMkLst>
+            <pc:docMk/>
+            <pc:sldMk cId="3613378253" sldId="260"/>
+            <ac:spMk id="12" creationId="{76275126-45BA-6A76-5623-AF9CD62282F8}"/>
+          </ac:spMkLst>
+        </pc:spChg>
+        <pc:spChg chg="add">
+          <ac:chgData name="Eduardo Martín-Sonseca.Alonso" userId="044a8a39323ca9b2" providerId="Windows Live" clId="Web-{68748E30-2FBD-43B0-B824-A092A60EA4E9}" dt="2022-10-04T10:18:29.345" v="281"/>
+          <ac:spMkLst>
+            <pc:docMk/>
+            <pc:sldMk cId="3613378253" sldId="260"/>
+            <ac:spMk id="13" creationId="{55D4142C-5077-457F-A6AD-3FECFDB39685}"/>
+          </ac:spMkLst>
+        </pc:spChg>
+        <pc:spChg chg="add mod">
+          <ac:chgData name="Eduardo Martín-Sonseca.Alonso" userId="044a8a39323ca9b2" providerId="Windows Live" clId="Web-{68748E30-2FBD-43B0-B824-A092A60EA4E9}" dt="2022-10-04T10:20:16.415" v="303" actId="14100"/>
+          <ac:spMkLst>
+            <pc:docMk/>
+            <pc:sldMk cId="3613378253" sldId="260"/>
+            <ac:spMk id="14" creationId="{406D5093-AC3A-9236-0CCE-F99A15DD90EE}"/>
+          </ac:spMkLst>
+        </pc:spChg>
+        <pc:spChg chg="add">
+          <ac:chgData name="Eduardo Martín-Sonseca.Alonso" userId="044a8a39323ca9b2" providerId="Windows Live" clId="Web-{68748E30-2FBD-43B0-B824-A092A60EA4E9}" dt="2022-10-04T10:18:29.345" v="281"/>
+          <ac:spMkLst>
+            <pc:docMk/>
+            <pc:sldMk cId="3613378253" sldId="260"/>
+            <ac:spMk id="15" creationId="{7A5F0580-5EE9-419F-96EE-B6529EF6E7D0}"/>
+          </ac:spMkLst>
+        </pc:spChg>
+        <pc:picChg chg="add mod">
+          <ac:chgData name="Eduardo Martín-Sonseca.Alonso" userId="044a8a39323ca9b2" providerId="Windows Live" clId="Web-{68748E30-2FBD-43B0-B824-A092A60EA4E9}" dt="2022-10-04T10:19:27.771" v="296" actId="1076"/>
+          <ac:picMkLst>
+            <pc:docMk/>
+            <pc:sldMk cId="3613378253" sldId="260"/>
+            <ac:picMk id="6" creationId="{5796F568-A919-5CD1-743C-7ED9D36AB8D1}"/>
+          </ac:picMkLst>
+        </pc:picChg>
+      </pc:sldChg>
+    </pc:docChg>
+  </pc:docChgLst>
+  <pc:docChgLst>
     <pc:chgData name="Eduardo Martín-Sonseca.Alonso" userId="044a8a39323ca9b2" providerId="Windows Live" clId="Web-{FF7F459F-C0C5-489C-9C21-CFBC7B56CB8A}"/>
     <pc:docChg chg="addSld modSld addMainMaster delMainMaster">
       <pc:chgData name="Eduardo Martín-Sonseca.Alonso" userId="044a8a39323ca9b2" providerId="Windows Live" clId="Web-{FF7F459F-C0C5-489C-9C21-CFBC7B56CB8A}" dt="2022-10-04T11:33:19.174" v="59" actId="14100"/>
@@ -2962,156 +3112,6 @@
           </pc:sldLayoutMkLst>
         </pc:sldLayoutChg>
       </pc:sldMasterChg>
-    </pc:docChg>
-  </pc:docChgLst>
-  <pc:docChgLst>
-    <pc:chgData name="Eduardo Martín-Sonseca.Alonso" userId="044a8a39323ca9b2" providerId="Windows Live" clId="Web-{68748E30-2FBD-43B0-B824-A092A60EA4E9}"/>
-    <pc:docChg chg="addSld modSld">
-      <pc:chgData name="Eduardo Martín-Sonseca.Alonso" userId="044a8a39323ca9b2" providerId="Windows Live" clId="Web-{68748E30-2FBD-43B0-B824-A092A60EA4E9}" dt="2022-10-04T10:20:30.556" v="305" actId="14100"/>
-      <pc:docMkLst>
-        <pc:docMk/>
-      </pc:docMkLst>
-      <pc:sldChg chg="modSp">
-        <pc:chgData name="Eduardo Martín-Sonseca.Alonso" userId="044a8a39323ca9b2" providerId="Windows Live" clId="Web-{68748E30-2FBD-43B0-B824-A092A60EA4E9}" dt="2022-10-04T10:04:49.319" v="3" actId="20577"/>
-        <pc:sldMkLst>
-          <pc:docMk/>
-          <pc:sldMk cId="1479924629" sldId="258"/>
-        </pc:sldMkLst>
-        <pc:spChg chg="mod">
-          <ac:chgData name="Eduardo Martín-Sonseca.Alonso" userId="044a8a39323ca9b2" providerId="Windows Live" clId="Web-{68748E30-2FBD-43B0-B824-A092A60EA4E9}" dt="2022-10-04T10:04:49.319" v="3" actId="20577"/>
-          <ac:spMkLst>
-            <pc:docMk/>
-            <pc:sldMk cId="1479924629" sldId="258"/>
-            <ac:spMk id="9" creationId="{2E119BA4-44C4-4FFE-81D8-1B5FE1ABFCE7}"/>
-          </ac:spMkLst>
-        </pc:spChg>
-      </pc:sldChg>
-      <pc:sldChg chg="modSp">
-        <pc:chgData name="Eduardo Martín-Sonseca.Alonso" userId="044a8a39323ca9b2" providerId="Windows Live" clId="Web-{68748E30-2FBD-43B0-B824-A092A60EA4E9}" dt="2022-10-04T10:04:42.943" v="2" actId="20577"/>
-        <pc:sldMkLst>
-          <pc:docMk/>
-          <pc:sldMk cId="992274193" sldId="259"/>
-        </pc:sldMkLst>
-        <pc:spChg chg="mod">
-          <ac:chgData name="Eduardo Martín-Sonseca.Alonso" userId="044a8a39323ca9b2" providerId="Windows Live" clId="Web-{68748E30-2FBD-43B0-B824-A092A60EA4E9}" dt="2022-10-04T10:04:42.943" v="2" actId="20577"/>
-          <ac:spMkLst>
-            <pc:docMk/>
-            <pc:sldMk cId="992274193" sldId="259"/>
-            <ac:spMk id="13" creationId="{35C1D9B5-DA02-41E3-BF4D-64BEF0C2B5F1}"/>
-          </ac:spMkLst>
-        </pc:spChg>
-      </pc:sldChg>
-      <pc:sldChg chg="addSp delSp modSp new mod setBg setClrOvrMap">
-        <pc:chgData name="Eduardo Martín-Sonseca.Alonso" userId="044a8a39323ca9b2" providerId="Windows Live" clId="Web-{68748E30-2FBD-43B0-B824-A092A60EA4E9}" dt="2022-10-04T10:20:30.556" v="305" actId="14100"/>
-        <pc:sldMkLst>
-          <pc:docMk/>
-          <pc:sldMk cId="3613378253" sldId="260"/>
-        </pc:sldMkLst>
-        <pc:spChg chg="mod">
-          <ac:chgData name="Eduardo Martín-Sonseca.Alonso" userId="044a8a39323ca9b2" providerId="Windows Live" clId="Web-{68748E30-2FBD-43B0-B824-A092A60EA4E9}" dt="2022-10-04T10:18:29.345" v="281"/>
-          <ac:spMkLst>
-            <pc:docMk/>
-            <pc:sldMk cId="3613378253" sldId="260"/>
-            <ac:spMk id="2" creationId="{4AFA984B-9B6C-188A-245A-53C0CE93CEFC}"/>
-          </ac:spMkLst>
-        </pc:spChg>
-        <pc:spChg chg="mod">
-          <ac:chgData name="Eduardo Martín-Sonseca.Alonso" userId="044a8a39323ca9b2" providerId="Windows Live" clId="Web-{68748E30-2FBD-43B0-B824-A092A60EA4E9}" dt="2022-10-04T10:20:05.961" v="302" actId="14100"/>
-          <ac:spMkLst>
-            <pc:docMk/>
-            <pc:sldMk cId="3613378253" sldId="260"/>
-            <ac:spMk id="3" creationId="{0B689B0C-0352-F4BE-7C0D-2367A8469F10}"/>
-          </ac:spMkLst>
-        </pc:spChg>
-        <pc:spChg chg="add del mod">
-          <ac:chgData name="Eduardo Martín-Sonseca.Alonso" userId="044a8a39323ca9b2" providerId="Windows Live" clId="Web-{68748E30-2FBD-43B0-B824-A092A60EA4E9}" dt="2022-10-04T10:18:13.437" v="280"/>
-          <ac:spMkLst>
-            <pc:docMk/>
-            <pc:sldMk cId="3613378253" sldId="260"/>
-            <ac:spMk id="5" creationId="{ACC7B7C9-72CE-7662-D030-F2102ED7FF7F}"/>
-          </ac:spMkLst>
-        </pc:spChg>
-        <pc:spChg chg="add del mod">
-          <ac:chgData name="Eduardo Martín-Sonseca.Alonso" userId="044a8a39323ca9b2" providerId="Windows Live" clId="Web-{68748E30-2FBD-43B0-B824-A092A60EA4E9}" dt="2022-10-04T10:18:13.437" v="279"/>
-          <ac:spMkLst>
-            <pc:docMk/>
-            <pc:sldMk cId="3613378253" sldId="260"/>
-            <ac:spMk id="7" creationId="{C8C50503-10E6-253E-5268-0C6AF672FA34}"/>
-          </ac:spMkLst>
-        </pc:spChg>
-        <pc:spChg chg="add del">
-          <ac:chgData name="Eduardo Martín-Sonseca.Alonso" userId="044a8a39323ca9b2" providerId="Windows Live" clId="Web-{68748E30-2FBD-43B0-B824-A092A60EA4E9}" dt="2022-10-04T10:18:37.173" v="283"/>
-          <ac:spMkLst>
-            <pc:docMk/>
-            <pc:sldMk cId="3613378253" sldId="260"/>
-            <ac:spMk id="8" creationId="{76275126-45BA-6A76-5623-AF9CD62282F8}"/>
-          </ac:spMkLst>
-        </pc:spChg>
-        <pc:spChg chg="add">
-          <ac:chgData name="Eduardo Martín-Sonseca.Alonso" userId="044a8a39323ca9b2" providerId="Windows Live" clId="Web-{68748E30-2FBD-43B0-B824-A092A60EA4E9}" dt="2022-10-04T10:18:29.345" v="281"/>
-          <ac:spMkLst>
-            <pc:docMk/>
-            <pc:sldMk cId="3613378253" sldId="260"/>
-            <ac:spMk id="9" creationId="{9AA72BD9-2C5A-4EDC-931F-5AA08EACA0F3}"/>
-          </ac:spMkLst>
-        </pc:spChg>
-        <pc:spChg chg="add del">
-          <ac:chgData name="Eduardo Martín-Sonseca.Alonso" userId="044a8a39323ca9b2" providerId="Windows Live" clId="Web-{68748E30-2FBD-43B0-B824-A092A60EA4E9}" dt="2022-10-04T10:18:37.173" v="283"/>
-          <ac:spMkLst>
-            <pc:docMk/>
-            <pc:sldMk cId="3613378253" sldId="260"/>
-            <ac:spMk id="10" creationId="{406D5093-AC3A-9236-0CCE-F99A15DD90EE}"/>
-          </ac:spMkLst>
-        </pc:spChg>
-        <pc:spChg chg="add">
-          <ac:chgData name="Eduardo Martín-Sonseca.Alonso" userId="044a8a39323ca9b2" providerId="Windows Live" clId="Web-{68748E30-2FBD-43B0-B824-A092A60EA4E9}" dt="2022-10-04T10:18:29.345" v="281"/>
-          <ac:spMkLst>
-            <pc:docMk/>
-            <pc:sldMk cId="3613378253" sldId="260"/>
-            <ac:spMk id="11" creationId="{DD3981AC-7B61-4947-BCF3-F7AA7FA385B9}"/>
-          </ac:spMkLst>
-        </pc:spChg>
-        <pc:spChg chg="add mod">
-          <ac:chgData name="Eduardo Martín-Sonseca.Alonso" userId="044a8a39323ca9b2" providerId="Windows Live" clId="Web-{68748E30-2FBD-43B0-B824-A092A60EA4E9}" dt="2022-10-04T10:20:30.556" v="305" actId="14100"/>
-          <ac:spMkLst>
-            <pc:docMk/>
-            <pc:sldMk cId="3613378253" sldId="260"/>
-            <ac:spMk id="12" creationId="{76275126-45BA-6A76-5623-AF9CD62282F8}"/>
-          </ac:spMkLst>
-        </pc:spChg>
-        <pc:spChg chg="add">
-          <ac:chgData name="Eduardo Martín-Sonseca.Alonso" userId="044a8a39323ca9b2" providerId="Windows Live" clId="Web-{68748E30-2FBD-43B0-B824-A092A60EA4E9}" dt="2022-10-04T10:18:29.345" v="281"/>
-          <ac:spMkLst>
-            <pc:docMk/>
-            <pc:sldMk cId="3613378253" sldId="260"/>
-            <ac:spMk id="13" creationId="{55D4142C-5077-457F-A6AD-3FECFDB39685}"/>
-          </ac:spMkLst>
-        </pc:spChg>
-        <pc:spChg chg="add mod">
-          <ac:chgData name="Eduardo Martín-Sonseca.Alonso" userId="044a8a39323ca9b2" providerId="Windows Live" clId="Web-{68748E30-2FBD-43B0-B824-A092A60EA4E9}" dt="2022-10-04T10:20:16.415" v="303" actId="14100"/>
-          <ac:spMkLst>
-            <pc:docMk/>
-            <pc:sldMk cId="3613378253" sldId="260"/>
-            <ac:spMk id="14" creationId="{406D5093-AC3A-9236-0CCE-F99A15DD90EE}"/>
-          </ac:spMkLst>
-        </pc:spChg>
-        <pc:spChg chg="add">
-          <ac:chgData name="Eduardo Martín-Sonseca.Alonso" userId="044a8a39323ca9b2" providerId="Windows Live" clId="Web-{68748E30-2FBD-43B0-B824-A092A60EA4E9}" dt="2022-10-04T10:18:29.345" v="281"/>
-          <ac:spMkLst>
-            <pc:docMk/>
-            <pc:sldMk cId="3613378253" sldId="260"/>
-            <ac:spMk id="15" creationId="{7A5F0580-5EE9-419F-96EE-B6529EF6E7D0}"/>
-          </ac:spMkLst>
-        </pc:spChg>
-        <pc:picChg chg="add mod">
-          <ac:chgData name="Eduardo Martín-Sonseca.Alonso" userId="044a8a39323ca9b2" providerId="Windows Live" clId="Web-{68748E30-2FBD-43B0-B824-A092A60EA4E9}" dt="2022-10-04T10:19:27.771" v="296" actId="1076"/>
-          <ac:picMkLst>
-            <pc:docMk/>
-            <pc:sldMk cId="3613378253" sldId="260"/>
-            <ac:picMk id="6" creationId="{5796F568-A919-5CD1-743C-7ED9D36AB8D1}"/>
-          </ac:picMkLst>
-        </pc:picChg>
-      </pc:sldChg>
     </pc:docChg>
   </pc:docChgLst>
 </pc:chgInfo>
@@ -6881,6 +6881,14 @@
   <p:clrMapOvr>
     <a:overrideClrMapping bg1="dk1" tx1="lt1" bg2="dk2" tx2="lt2" accent1="accent1" accent2="accent2" accent3="accent3" accent4="accent4" accent5="accent5" accent6="accent6" hlink="hlink" folHlink="folHlink"/>
   </p:clrMapOvr>
+  <mc:AlternateContent xmlns:mc="http://schemas.openxmlformats.org/markup-compatibility/2006">
+    <mc:Choice xmlns:p14="http://schemas.microsoft.com/office/powerpoint/2010/main" Requires="p14">
+      <p:transition spd="slow" p14:dur="1250"/>
+    </mc:Choice>
+    <mc:Fallback>
+      <p:transition spd="slow"/>
+    </mc:Fallback>
+  </mc:AlternateContent>
   <p:timing>
     <p:tnLst>
       <p:par>
@@ -8177,7 +8185,7 @@
         </p:nvSpPr>
         <p:spPr>
           <a:xfrm>
-            <a:off x="5078621" y="5246536"/>
+            <a:off x="5078620" y="5077577"/>
             <a:ext cx="3628846" cy="570094"/>
           </a:xfrm>
           <a:prstGeom prst="rect">
@@ -8494,6 +8502,14 @@
   <p:clrMapOvr>
     <a:masterClrMapping/>
   </p:clrMapOvr>
+  <mc:AlternateContent xmlns:mc="http://schemas.openxmlformats.org/markup-compatibility/2006">
+    <mc:Choice xmlns:p14="http://schemas.microsoft.com/office/powerpoint/2010/main" Requires="p14">
+      <p:transition spd="slow" p14:dur="1250"/>
+    </mc:Choice>
+    <mc:Fallback>
+      <p:transition spd="slow"/>
+    </mc:Fallback>
+  </mc:AlternateContent>
   <p:timing>
     <p:tnLst>
       <p:par>
@@ -8506,6 +8522,9 @@
                     <p:cTn id="3" fill="hold">
                       <p:stCondLst>
                         <p:cond delay="indefinite"/>
+                        <p:cond evt="onBegin" delay="0">
+                          <p:tn val="2"/>
+                        </p:cond>
                       </p:stCondLst>
                       <p:childTnLst>
                         <p:par>
@@ -8515,7 +8534,7 @@
                             </p:stCondLst>
                             <p:childTnLst>
                               <p:par>
-                                <p:cTn id="5" presetID="10" presetClass="entr" presetSubtype="0" fill="hold" grpId="0" nodeType="clickEffect">
+                                <p:cTn id="5" presetID="10" presetClass="entr" presetSubtype="0" fill="hold" grpId="0" nodeType="withEffect">
                                   <p:stCondLst>
                                     <p:cond delay="0"/>
                                   </p:stCondLst>
@@ -8608,7 +8627,7 @@
                               <p:par>
                                 <p:cTn id="13" presetID="26" presetClass="entr" presetSubtype="0" fill="hold" grpId="0" nodeType="clickEffect">
                                   <p:stCondLst>
-                                    <p:cond delay="0"/>
+                                    <p:cond delay="2000"/>
                                   </p:stCondLst>
                                   <p:childTnLst>
                                     <p:set>
@@ -8883,33 +8902,15 @@
                                   </p:childTnLst>
                                 </p:cTn>
                               </p:par>
-                            </p:childTnLst>
-                          </p:cTn>
-                        </p:par>
-                      </p:childTnLst>
-                    </p:cTn>
-                  </p:par>
-                  <p:par>
-                    <p:cTn id="29" fill="hold">
-                      <p:stCondLst>
-                        <p:cond delay="indefinite"/>
-                      </p:stCondLst>
-                      <p:childTnLst>
-                        <p:par>
-                          <p:cTn id="30" fill="hold">
-                            <p:stCondLst>
-                              <p:cond delay="0"/>
-                            </p:stCondLst>
-                            <p:childTnLst>
                               <p:par>
-                                <p:cTn id="31" presetID="26" presetClass="entr" presetSubtype="0" fill="hold" grpId="0" nodeType="clickEffect">
+                                <p:cTn id="29" presetID="26" presetClass="entr" presetSubtype="0" fill="hold" grpId="0" nodeType="withEffect">
                                   <p:stCondLst>
-                                    <p:cond delay="0"/>
+                                    <p:cond delay="750"/>
                                   </p:stCondLst>
                                   <p:childTnLst>
                                     <p:set>
                                       <p:cBhvr>
-                                        <p:cTn id="32" dur="1" fill="hold">
+                                        <p:cTn id="30" dur="1" fill="hold">
                                           <p:stCondLst>
                                             <p:cond delay="0"/>
                                           </p:stCondLst>
@@ -8927,7 +8928,7 @@
                                     </p:set>
                                     <p:animEffect transition="in" filter="wipe(down)">
                                       <p:cBhvr>
-                                        <p:cTn id="33" dur="580">
+                                        <p:cTn id="31" dur="507">
                                           <p:stCondLst>
                                             <p:cond delay="0"/>
                                           </p:stCondLst>
@@ -8939,7 +8940,7 @@
                                     </p:animEffect>
                                     <p:anim calcmode="lin" valueType="num">
                                       <p:cBhvr>
-                                        <p:cTn id="34" dur="1822" tmFilter="0,0; 0.14,0.36; 0.43,0.73; 0.71,0.91; 1.0,1.0">
+                                        <p:cTn id="32" dur="1594" tmFilter="0,0; 0.14,0.36; 0.43,0.73; 0.71,0.91; 1.0,1.0">
                                           <p:stCondLst>
                                             <p:cond delay="0"/>
                                           </p:stCondLst>
@@ -8966,7 +8967,7 @@
                                     </p:anim>
                                     <p:anim calcmode="lin" valueType="num">
                                       <p:cBhvr>
-                                        <p:cTn id="35" dur="664" tmFilter="0.0,0.0; 0.25,0.07; 0.50,0.2; 0.75,0.467; 1.0,1.0">
+                                        <p:cTn id="33" dur="581" tmFilter="0.0,0.0; 0.25,0.07; 0.50,0.2; 0.75,0.467; 1.0,1.0">
                                           <p:stCondLst>
                                             <p:cond delay="0"/>
                                           </p:stCondLst>
@@ -8993,9 +8994,9 @@
                                     </p:anim>
                                     <p:anim calcmode="lin" valueType="num">
                                       <p:cBhvr>
-                                        <p:cTn id="36" dur="664" tmFilter="0, 0; 0.125,0.2665; 0.25,0.4; 0.375,0.465; 0.5,0.5;  0.625,0.535; 0.75,0.6; 0.875,0.7335; 1,1">
+                                        <p:cTn id="34" dur="581" tmFilter="0, 0; 0.125,0.2665; 0.25,0.4; 0.375,0.465; 0.5,0.5;  0.625,0.535; 0.75,0.6; 0.875,0.7335; 1,1">
                                           <p:stCondLst>
-                                            <p:cond delay="664"/>
+                                            <p:cond delay="581"/>
                                           </p:stCondLst>
                                         </p:cTn>
                                         <p:tgtEl>
@@ -9020,9 +9021,9 @@
                                     </p:anim>
                                     <p:anim calcmode="lin" valueType="num">
                                       <p:cBhvr>
-                                        <p:cTn id="37" dur="332" tmFilter="0, 0; 0.125,0.2665; 0.25,0.4; 0.375,0.465; 0.5,0.5;  0.625,0.535; 0.75,0.6; 0.875,0.7335; 1,1">
+                                        <p:cTn id="35" dur="291" tmFilter="0, 0; 0.125,0.2665; 0.25,0.4; 0.375,0.465; 0.5,0.5;  0.625,0.535; 0.75,0.6; 0.875,0.7335; 1,1">
                                           <p:stCondLst>
-                                            <p:cond delay="1324"/>
+                                            <p:cond delay="1159"/>
                                           </p:stCondLst>
                                         </p:cTn>
                                         <p:tgtEl>
@@ -9047,9 +9048,9 @@
                                     </p:anim>
                                     <p:anim calcmode="lin" valueType="num">
                                       <p:cBhvr>
-                                        <p:cTn id="38" dur="164" tmFilter="0, 0; 0.125,0.2665; 0.25,0.4; 0.375,0.465; 0.5,0.5;  0.625,0.535; 0.75,0.6; 0.875,0.7335; 1,1">
+                                        <p:cTn id="36" dur="144" tmFilter="0, 0; 0.125,0.2665; 0.25,0.4; 0.375,0.465; 0.5,0.5;  0.625,0.535; 0.75,0.6; 0.875,0.7335; 1,1">
                                           <p:stCondLst>
-                                            <p:cond delay="1656"/>
+                                            <p:cond delay="1449"/>
                                           </p:stCondLst>
                                         </p:cTn>
                                         <p:tgtEl>
@@ -9074,9 +9075,9 @@
                                     </p:anim>
                                     <p:animScale>
                                       <p:cBhvr>
-                                        <p:cTn id="39" dur="26">
+                                        <p:cTn id="37" dur="23">
                                           <p:stCondLst>
-                                            <p:cond delay="650"/>
+                                            <p:cond delay="569"/>
                                           </p:stCondLst>
                                         </p:cTn>
                                         <p:tgtEl>
@@ -9087,9 +9088,9 @@
                                     </p:animScale>
                                     <p:animScale>
                                       <p:cBhvr>
-                                        <p:cTn id="40" dur="166" decel="50000">
+                                        <p:cTn id="38" dur="145" decel="50000">
                                           <p:stCondLst>
-                                            <p:cond delay="676"/>
+                                            <p:cond delay="592"/>
                                           </p:stCondLst>
                                         </p:cTn>
                                         <p:tgtEl>
@@ -9100,9 +9101,9 @@
                                     </p:animScale>
                                     <p:animScale>
                                       <p:cBhvr>
-                                        <p:cTn id="41" dur="26">
+                                        <p:cTn id="39" dur="23">
                                           <p:stCondLst>
-                                            <p:cond delay="1312"/>
+                                            <p:cond delay="1148"/>
                                           </p:stCondLst>
                                         </p:cTn>
                                         <p:tgtEl>
@@ -9113,9 +9114,9 @@
                                     </p:animScale>
                                     <p:animScale>
                                       <p:cBhvr>
-                                        <p:cTn id="42" dur="166" decel="50000">
+                                        <p:cTn id="40" dur="145" decel="50000">
                                           <p:stCondLst>
-                                            <p:cond delay="1338"/>
+                                            <p:cond delay="1171"/>
                                           </p:stCondLst>
                                         </p:cTn>
                                         <p:tgtEl>
@@ -9126,9 +9127,9 @@
                                     </p:animScale>
                                     <p:animScale>
                                       <p:cBhvr>
-                                        <p:cTn id="43" dur="26">
+                                        <p:cTn id="41" dur="23">
                                           <p:stCondLst>
-                                            <p:cond delay="1642"/>
+                                            <p:cond delay="1437"/>
                                           </p:stCondLst>
                                         </p:cTn>
                                         <p:tgtEl>
@@ -9139,9 +9140,9 @@
                                     </p:animScale>
                                     <p:animScale>
                                       <p:cBhvr>
-                                        <p:cTn id="44" dur="166" decel="50000">
+                                        <p:cTn id="42" dur="145" decel="50000">
                                           <p:stCondLst>
-                                            <p:cond delay="1668"/>
+                                            <p:cond delay="1460"/>
                                           </p:stCondLst>
                                         </p:cTn>
                                         <p:tgtEl>
@@ -9152,9 +9153,9 @@
                                     </p:animScale>
                                     <p:animScale>
                                       <p:cBhvr>
-                                        <p:cTn id="45" dur="26">
+                                        <p:cTn id="43" dur="23">
                                           <p:stCondLst>
-                                            <p:cond delay="1808"/>
+                                            <p:cond delay="1582"/>
                                           </p:stCondLst>
                                         </p:cTn>
                                         <p:tgtEl>
@@ -9165,9 +9166,9 @@
                                     </p:animScale>
                                     <p:animScale>
                                       <p:cBhvr>
-                                        <p:cTn id="46" dur="166" decel="50000">
+                                        <p:cTn id="44" dur="145" decel="50000">
                                           <p:stCondLst>
-                                            <p:cond delay="1834"/>
+                                            <p:cond delay="1605"/>
                                           </p:stCondLst>
                                         </p:cTn>
                                         <p:tgtEl>
@@ -9179,33 +9180,15 @@
                                   </p:childTnLst>
                                 </p:cTn>
                               </p:par>
-                            </p:childTnLst>
-                          </p:cTn>
-                        </p:par>
-                      </p:childTnLst>
-                    </p:cTn>
-                  </p:par>
-                  <p:par>
-                    <p:cTn id="47" fill="hold">
-                      <p:stCondLst>
-                        <p:cond delay="indefinite"/>
-                      </p:stCondLst>
-                      <p:childTnLst>
-                        <p:par>
-                          <p:cTn id="48" fill="hold">
-                            <p:stCondLst>
-                              <p:cond delay="0"/>
-                            </p:stCondLst>
-                            <p:childTnLst>
                               <p:par>
-                                <p:cTn id="49" presetID="26" presetClass="entr" presetSubtype="0" fill="hold" grpId="0" nodeType="clickEffect">
+                                <p:cTn id="45" presetID="26" presetClass="entr" presetSubtype="0" fill="hold" grpId="0" nodeType="withEffect">
                                   <p:stCondLst>
-                                    <p:cond delay="0"/>
+                                    <p:cond delay="1250"/>
                                   </p:stCondLst>
                                   <p:childTnLst>
                                     <p:set>
                                       <p:cBhvr>
-                                        <p:cTn id="50" dur="1" fill="hold">
+                                        <p:cTn id="46" dur="1" fill="hold">
                                           <p:stCondLst>
                                             <p:cond delay="0"/>
                                           </p:stCondLst>
@@ -9223,7 +9206,7 @@
                                     </p:set>
                                     <p:animEffect transition="in" filter="wipe(down)">
                                       <p:cBhvr>
-                                        <p:cTn id="51" dur="580">
+                                        <p:cTn id="47" dur="435">
                                           <p:stCondLst>
                                             <p:cond delay="0"/>
                                           </p:stCondLst>
@@ -9235,7 +9218,7 @@
                                     </p:animEffect>
                                     <p:anim calcmode="lin" valueType="num">
                                       <p:cBhvr>
-                                        <p:cTn id="52" dur="1822" tmFilter="0,0; 0.14,0.36; 0.43,0.73; 0.71,0.91; 1.0,1.0">
+                                        <p:cTn id="48" dur="1366" tmFilter="0,0; 0.14,0.36; 0.43,0.73; 0.71,0.91; 1.0,1.0">
                                           <p:stCondLst>
                                             <p:cond delay="0"/>
                                           </p:stCondLst>
@@ -9262,7 +9245,7 @@
                                     </p:anim>
                                     <p:anim calcmode="lin" valueType="num">
                                       <p:cBhvr>
-                                        <p:cTn id="53" dur="664" tmFilter="0.0,0.0; 0.25,0.07; 0.50,0.2; 0.75,0.467; 1.0,1.0">
+                                        <p:cTn id="49" dur="498" tmFilter="0.0,0.0; 0.25,0.07; 0.50,0.2; 0.75,0.467; 1.0,1.0">
                                           <p:stCondLst>
                                             <p:cond delay="0"/>
                                           </p:stCondLst>
@@ -9289,9 +9272,9 @@
                                     </p:anim>
                                     <p:anim calcmode="lin" valueType="num">
                                       <p:cBhvr>
-                                        <p:cTn id="54" dur="664" tmFilter="0, 0; 0.125,0.2665; 0.25,0.4; 0.375,0.465; 0.5,0.5;  0.625,0.535; 0.75,0.6; 0.875,0.7335; 1,1">
+                                        <p:cTn id="50" dur="498" tmFilter="0, 0; 0.125,0.2665; 0.25,0.4; 0.375,0.465; 0.5,0.5;  0.625,0.535; 0.75,0.6; 0.875,0.7335; 1,1">
                                           <p:stCondLst>
-                                            <p:cond delay="664"/>
+                                            <p:cond delay="498"/>
                                           </p:stCondLst>
                                         </p:cTn>
                                         <p:tgtEl>
@@ -9316,9 +9299,9 @@
                                     </p:anim>
                                     <p:anim calcmode="lin" valueType="num">
                                       <p:cBhvr>
-                                        <p:cTn id="55" dur="332" tmFilter="0, 0; 0.125,0.2665; 0.25,0.4; 0.375,0.465; 0.5,0.5;  0.625,0.535; 0.75,0.6; 0.875,0.7335; 1,1">
+                                        <p:cTn id="51" dur="249" tmFilter="0, 0; 0.125,0.2665; 0.25,0.4; 0.375,0.465; 0.5,0.5;  0.625,0.535; 0.75,0.6; 0.875,0.7335; 1,1">
                                           <p:stCondLst>
-                                            <p:cond delay="1324"/>
+                                            <p:cond delay="993"/>
                                           </p:stCondLst>
                                         </p:cTn>
                                         <p:tgtEl>
@@ -9343,9 +9326,9 @@
                                     </p:anim>
                                     <p:anim calcmode="lin" valueType="num">
                                       <p:cBhvr>
-                                        <p:cTn id="56" dur="164" tmFilter="0, 0; 0.125,0.2665; 0.25,0.4; 0.375,0.465; 0.5,0.5;  0.625,0.535; 0.75,0.6; 0.875,0.7335; 1,1">
+                                        <p:cTn id="52" dur="123" tmFilter="0, 0; 0.125,0.2665; 0.25,0.4; 0.375,0.465; 0.5,0.5;  0.625,0.535; 0.75,0.6; 0.875,0.7335; 1,1">
                                           <p:stCondLst>
-                                            <p:cond delay="1656"/>
+                                            <p:cond delay="1242"/>
                                           </p:stCondLst>
                                         </p:cTn>
                                         <p:tgtEl>
@@ -9370,9 +9353,9 @@
                                     </p:anim>
                                     <p:animScale>
                                       <p:cBhvr>
-                                        <p:cTn id="57" dur="26">
+                                        <p:cTn id="53" dur="19">
                                           <p:stCondLst>
-                                            <p:cond delay="650"/>
+                                            <p:cond delay="487"/>
                                           </p:stCondLst>
                                         </p:cTn>
                                         <p:tgtEl>
@@ -9383,9 +9366,9 @@
                                     </p:animScale>
                                     <p:animScale>
                                       <p:cBhvr>
-                                        <p:cTn id="58" dur="166" decel="50000">
+                                        <p:cTn id="54" dur="124" decel="50000">
                                           <p:stCondLst>
-                                            <p:cond delay="676"/>
+                                            <p:cond delay="507"/>
                                           </p:stCondLst>
                                         </p:cTn>
                                         <p:tgtEl>
@@ -9396,9 +9379,9 @@
                                     </p:animScale>
                                     <p:animScale>
                                       <p:cBhvr>
-                                        <p:cTn id="59" dur="26">
+                                        <p:cTn id="55" dur="19">
                                           <p:stCondLst>
-                                            <p:cond delay="1312"/>
+                                            <p:cond delay="984"/>
                                           </p:stCondLst>
                                         </p:cTn>
                                         <p:tgtEl>
@@ -9409,9 +9392,9 @@
                                     </p:animScale>
                                     <p:animScale>
                                       <p:cBhvr>
-                                        <p:cTn id="60" dur="166" decel="50000">
+                                        <p:cTn id="56" dur="124" decel="50000">
                                           <p:stCondLst>
-                                            <p:cond delay="1338"/>
+                                            <p:cond delay="1003"/>
                                           </p:stCondLst>
                                         </p:cTn>
                                         <p:tgtEl>
@@ -9422,9 +9405,9 @@
                                     </p:animScale>
                                     <p:animScale>
                                       <p:cBhvr>
-                                        <p:cTn id="61" dur="26">
+                                        <p:cTn id="57" dur="19">
                                           <p:stCondLst>
-                                            <p:cond delay="1642"/>
+                                            <p:cond delay="1231"/>
                                           </p:stCondLst>
                                         </p:cTn>
                                         <p:tgtEl>
@@ -9435,9 +9418,9 @@
                                     </p:animScale>
                                     <p:animScale>
                                       <p:cBhvr>
-                                        <p:cTn id="62" dur="166" decel="50000">
+                                        <p:cTn id="58" dur="124" decel="50000">
                                           <p:stCondLst>
-                                            <p:cond delay="1668"/>
+                                            <p:cond delay="1251"/>
                                           </p:stCondLst>
                                         </p:cTn>
                                         <p:tgtEl>
@@ -9448,9 +9431,9 @@
                                     </p:animScale>
                                     <p:animScale>
                                       <p:cBhvr>
-                                        <p:cTn id="63" dur="26">
+                                        <p:cTn id="59" dur="19">
                                           <p:stCondLst>
-                                            <p:cond delay="1808"/>
+                                            <p:cond delay="1356"/>
                                           </p:stCondLst>
                                         </p:cTn>
                                         <p:tgtEl>
@@ -9461,9 +9444,9 @@
                                     </p:animScale>
                                     <p:animScale>
                                       <p:cBhvr>
-                                        <p:cTn id="64" dur="166" decel="50000">
+                                        <p:cTn id="60" dur="124" decel="50000">
                                           <p:stCondLst>
-                                            <p:cond delay="1834"/>
+                                            <p:cond delay="1376"/>
                                           </p:stCondLst>
                                         </p:cTn>
                                         <p:tgtEl>
@@ -9475,33 +9458,15 @@
                                   </p:childTnLst>
                                 </p:cTn>
                               </p:par>
-                            </p:childTnLst>
-                          </p:cTn>
-                        </p:par>
-                      </p:childTnLst>
-                    </p:cTn>
-                  </p:par>
-                  <p:par>
-                    <p:cTn id="65" fill="hold">
-                      <p:stCondLst>
-                        <p:cond delay="indefinite"/>
-                      </p:stCondLst>
-                      <p:childTnLst>
-                        <p:par>
-                          <p:cTn id="66" fill="hold">
-                            <p:stCondLst>
-                              <p:cond delay="0"/>
-                            </p:stCondLst>
-                            <p:childTnLst>
                               <p:par>
-                                <p:cTn id="67" presetID="26" presetClass="entr" presetSubtype="0" fill="hold" grpId="0" nodeType="clickEffect">
+                                <p:cTn id="61" presetID="26" presetClass="entr" presetSubtype="0" fill="hold" grpId="0" nodeType="withEffect">
                                   <p:stCondLst>
-                                    <p:cond delay="0"/>
+                                    <p:cond delay="1500"/>
                                   </p:stCondLst>
                                   <p:childTnLst>
                                     <p:set>
                                       <p:cBhvr>
-                                        <p:cTn id="68" dur="1" fill="hold">
+                                        <p:cTn id="62" dur="1" fill="hold">
                                           <p:stCondLst>
                                             <p:cond delay="0"/>
                                           </p:stCondLst>
@@ -9519,7 +9484,7 @@
                                     </p:set>
                                     <p:animEffect transition="in" filter="wipe(down)">
                                       <p:cBhvr>
-                                        <p:cTn id="69" dur="580">
+                                        <p:cTn id="63" dur="362">
                                           <p:stCondLst>
                                             <p:cond delay="0"/>
                                           </p:stCondLst>
@@ -9531,7 +9496,7 @@
                                     </p:animEffect>
                                     <p:anim calcmode="lin" valueType="num">
                                       <p:cBhvr>
-                                        <p:cTn id="70" dur="1822" tmFilter="0,0; 0.14,0.36; 0.43,0.73; 0.71,0.91; 1.0,1.0">
+                                        <p:cTn id="64" dur="1139" tmFilter="0,0; 0.14,0.36; 0.43,0.73; 0.71,0.91; 1.0,1.0">
                                           <p:stCondLst>
                                             <p:cond delay="0"/>
                                           </p:stCondLst>
@@ -9558,7 +9523,7 @@
                                     </p:anim>
                                     <p:anim calcmode="lin" valueType="num">
                                       <p:cBhvr>
-                                        <p:cTn id="71" dur="664" tmFilter="0.0,0.0; 0.25,0.07; 0.50,0.2; 0.75,0.467; 1.0,1.0">
+                                        <p:cTn id="65" dur="415" tmFilter="0.0,0.0; 0.25,0.07; 0.50,0.2; 0.75,0.467; 1.0,1.0">
                                           <p:stCondLst>
                                             <p:cond delay="0"/>
                                           </p:stCondLst>
@@ -9585,9 +9550,9 @@
                                     </p:anim>
                                     <p:anim calcmode="lin" valueType="num">
                                       <p:cBhvr>
-                                        <p:cTn id="72" dur="664" tmFilter="0, 0; 0.125,0.2665; 0.25,0.4; 0.375,0.465; 0.5,0.5;  0.625,0.535; 0.75,0.6; 0.875,0.7335; 1,1">
+                                        <p:cTn id="66" dur="415" tmFilter="0, 0; 0.125,0.2665; 0.25,0.4; 0.375,0.465; 0.5,0.5;  0.625,0.535; 0.75,0.6; 0.875,0.7335; 1,1">
                                           <p:stCondLst>
-                                            <p:cond delay="664"/>
+                                            <p:cond delay="415"/>
                                           </p:stCondLst>
                                         </p:cTn>
                                         <p:tgtEl>
@@ -9612,9 +9577,9 @@
                                     </p:anim>
                                     <p:anim calcmode="lin" valueType="num">
                                       <p:cBhvr>
-                                        <p:cTn id="73" dur="332" tmFilter="0, 0; 0.125,0.2665; 0.25,0.4; 0.375,0.465; 0.5,0.5;  0.625,0.535; 0.75,0.6; 0.875,0.7335; 1,1">
+                                        <p:cTn id="67" dur="208" tmFilter="0, 0; 0.125,0.2665; 0.25,0.4; 0.375,0.465; 0.5,0.5;  0.625,0.535; 0.75,0.6; 0.875,0.7335; 1,1">
                                           <p:stCondLst>
-                                            <p:cond delay="1324"/>
+                                            <p:cond delay="827"/>
                                           </p:stCondLst>
                                         </p:cTn>
                                         <p:tgtEl>
@@ -9639,9 +9604,9 @@
                                     </p:anim>
                                     <p:anim calcmode="lin" valueType="num">
                                       <p:cBhvr>
-                                        <p:cTn id="74" dur="164" tmFilter="0, 0; 0.125,0.2665; 0.25,0.4; 0.375,0.465; 0.5,0.5;  0.625,0.535; 0.75,0.6; 0.875,0.7335; 1,1">
+                                        <p:cTn id="68" dur="103" tmFilter="0, 0; 0.125,0.2665; 0.25,0.4; 0.375,0.465; 0.5,0.5;  0.625,0.535; 0.75,0.6; 0.875,0.7335; 1,1">
                                           <p:stCondLst>
-                                            <p:cond delay="1656"/>
+                                            <p:cond delay="1035"/>
                                           </p:stCondLst>
                                         </p:cTn>
                                         <p:tgtEl>
@@ -9666,9 +9631,9 @@
                                     </p:anim>
                                     <p:animScale>
                                       <p:cBhvr>
-                                        <p:cTn id="75" dur="26">
+                                        <p:cTn id="69" dur="16">
                                           <p:stCondLst>
-                                            <p:cond delay="650"/>
+                                            <p:cond delay="406"/>
                                           </p:stCondLst>
                                         </p:cTn>
                                         <p:tgtEl>
@@ -9679,9 +9644,9 @@
                                     </p:animScale>
                                     <p:animScale>
                                       <p:cBhvr>
-                                        <p:cTn id="76" dur="166" decel="50000">
+                                        <p:cTn id="70" dur="104" decel="50000">
                                           <p:stCondLst>
-                                            <p:cond delay="676"/>
+                                            <p:cond delay="422"/>
                                           </p:stCondLst>
                                         </p:cTn>
                                         <p:tgtEl>
@@ -9692,9 +9657,9 @@
                                     </p:animScale>
                                     <p:animScale>
                                       <p:cBhvr>
-                                        <p:cTn id="77" dur="26">
+                                        <p:cTn id="71" dur="16">
                                           <p:stCondLst>
-                                            <p:cond delay="1312"/>
+                                            <p:cond delay="820"/>
                                           </p:stCondLst>
                                         </p:cTn>
                                         <p:tgtEl>
@@ -9705,9 +9670,9 @@
                                     </p:animScale>
                                     <p:animScale>
                                       <p:cBhvr>
-                                        <p:cTn id="78" dur="166" decel="50000">
+                                        <p:cTn id="72" dur="104" decel="50000">
                                           <p:stCondLst>
-                                            <p:cond delay="1338"/>
+                                            <p:cond delay="836"/>
                                           </p:stCondLst>
                                         </p:cTn>
                                         <p:tgtEl>
@@ -9718,9 +9683,9 @@
                                     </p:animScale>
                                     <p:animScale>
                                       <p:cBhvr>
-                                        <p:cTn id="79" dur="26">
+                                        <p:cTn id="73" dur="16">
                                           <p:stCondLst>
-                                            <p:cond delay="1642"/>
+                                            <p:cond delay="1026"/>
                                           </p:stCondLst>
                                         </p:cTn>
                                         <p:tgtEl>
@@ -9731,9 +9696,9 @@
                                     </p:animScale>
                                     <p:animScale>
                                       <p:cBhvr>
-                                        <p:cTn id="80" dur="166" decel="50000">
+                                        <p:cTn id="74" dur="104" decel="50000">
                                           <p:stCondLst>
-                                            <p:cond delay="1668"/>
+                                            <p:cond delay="1043"/>
                                           </p:stCondLst>
                                         </p:cTn>
                                         <p:tgtEl>
@@ -9744,9 +9709,9 @@
                                     </p:animScale>
                                     <p:animScale>
                                       <p:cBhvr>
-                                        <p:cTn id="81" dur="26">
+                                        <p:cTn id="75" dur="16">
                                           <p:stCondLst>
-                                            <p:cond delay="1808"/>
+                                            <p:cond delay="1130"/>
                                           </p:stCondLst>
                                         </p:cTn>
                                         <p:tgtEl>
@@ -9757,9 +9722,9 @@
                                     </p:animScale>
                                     <p:animScale>
                                       <p:cBhvr>
-                                        <p:cTn id="82" dur="166" decel="50000">
+                                        <p:cTn id="76" dur="104" decel="50000">
                                           <p:stCondLst>
-                                            <p:cond delay="1834"/>
+                                            <p:cond delay="1146"/>
                                           </p:stCondLst>
                                         </p:cTn>
                                         <p:tgtEl>
@@ -9771,33 +9736,15 @@
                                   </p:childTnLst>
                                 </p:cTn>
                               </p:par>
-                            </p:childTnLst>
-                          </p:cTn>
-                        </p:par>
-                      </p:childTnLst>
-                    </p:cTn>
-                  </p:par>
-                  <p:par>
-                    <p:cTn id="83" fill="hold">
-                      <p:stCondLst>
-                        <p:cond delay="indefinite"/>
-                      </p:stCondLst>
-                      <p:childTnLst>
-                        <p:par>
-                          <p:cTn id="84" fill="hold">
-                            <p:stCondLst>
-                              <p:cond delay="0"/>
-                            </p:stCondLst>
-                            <p:childTnLst>
                               <p:par>
-                                <p:cTn id="85" presetID="26" presetClass="entr" presetSubtype="0" fill="hold" grpId="0" nodeType="clickEffect">
+                                <p:cTn id="77" presetID="26" presetClass="entr" presetSubtype="0" fill="hold" grpId="0" nodeType="withEffect">
                                   <p:stCondLst>
-                                    <p:cond delay="0"/>
+                                    <p:cond delay="1750"/>
                                   </p:stCondLst>
                                   <p:childTnLst>
                                     <p:set>
                                       <p:cBhvr>
-                                        <p:cTn id="86" dur="1" fill="hold">
+                                        <p:cTn id="78" dur="1" fill="hold">
                                           <p:stCondLst>
                                             <p:cond delay="0"/>
                                           </p:stCondLst>
@@ -9815,7 +9762,7 @@
                                     </p:set>
                                     <p:animEffect transition="in" filter="wipe(down)">
                                       <p:cBhvr>
-                                        <p:cTn id="87" dur="580">
+                                        <p:cTn id="79" dur="290">
                                           <p:stCondLst>
                                             <p:cond delay="0"/>
                                           </p:stCondLst>
@@ -9827,7 +9774,7 @@
                                     </p:animEffect>
                                     <p:anim calcmode="lin" valueType="num">
                                       <p:cBhvr>
-                                        <p:cTn id="88" dur="1822" tmFilter="0,0; 0.14,0.36; 0.43,0.73; 0.71,0.91; 1.0,1.0">
+                                        <p:cTn id="80" dur="911" tmFilter="0,0; 0.14,0.36; 0.43,0.73; 0.71,0.91; 1.0,1.0">
                                           <p:stCondLst>
                                             <p:cond delay="0"/>
                                           </p:stCondLst>
@@ -9854,7 +9801,7 @@
                                     </p:anim>
                                     <p:anim calcmode="lin" valueType="num">
                                       <p:cBhvr>
-                                        <p:cTn id="89" dur="664" tmFilter="0.0,0.0; 0.25,0.07; 0.50,0.2; 0.75,0.467; 1.0,1.0">
+                                        <p:cTn id="81" dur="332" tmFilter="0.0,0.0; 0.25,0.07; 0.50,0.2; 0.75,0.467; 1.0,1.0">
                                           <p:stCondLst>
                                             <p:cond delay="0"/>
                                           </p:stCondLst>
@@ -9881,9 +9828,9 @@
                                     </p:anim>
                                     <p:anim calcmode="lin" valueType="num">
                                       <p:cBhvr>
-                                        <p:cTn id="90" dur="664" tmFilter="0, 0; 0.125,0.2665; 0.25,0.4; 0.375,0.465; 0.5,0.5;  0.625,0.535; 0.75,0.6; 0.875,0.7335; 1,1">
+                                        <p:cTn id="82" dur="332" tmFilter="0, 0; 0.125,0.2665; 0.25,0.4; 0.375,0.465; 0.5,0.5;  0.625,0.535; 0.75,0.6; 0.875,0.7335; 1,1">
                                           <p:stCondLst>
-                                            <p:cond delay="664"/>
+                                            <p:cond delay="332"/>
                                           </p:stCondLst>
                                         </p:cTn>
                                         <p:tgtEl>
@@ -9908,9 +9855,9 @@
                                     </p:anim>
                                     <p:anim calcmode="lin" valueType="num">
                                       <p:cBhvr>
-                                        <p:cTn id="91" dur="332" tmFilter="0, 0; 0.125,0.2665; 0.25,0.4; 0.375,0.465; 0.5,0.5;  0.625,0.535; 0.75,0.6; 0.875,0.7335; 1,1">
+                                        <p:cTn id="83" dur="166" tmFilter="0, 0; 0.125,0.2665; 0.25,0.4; 0.375,0.465; 0.5,0.5;  0.625,0.535; 0.75,0.6; 0.875,0.7335; 1,1">
                                           <p:stCondLst>
-                                            <p:cond delay="1324"/>
+                                            <p:cond delay="662"/>
                                           </p:stCondLst>
                                         </p:cTn>
                                         <p:tgtEl>
@@ -9935,9 +9882,9 @@
                                     </p:anim>
                                     <p:anim calcmode="lin" valueType="num">
                                       <p:cBhvr>
-                                        <p:cTn id="92" dur="164" tmFilter="0, 0; 0.125,0.2665; 0.25,0.4; 0.375,0.465; 0.5,0.5;  0.625,0.535; 0.75,0.6; 0.875,0.7335; 1,1">
+                                        <p:cTn id="84" dur="82" tmFilter="0, 0; 0.125,0.2665; 0.25,0.4; 0.375,0.465; 0.5,0.5;  0.625,0.535; 0.75,0.6; 0.875,0.7335; 1,1">
                                           <p:stCondLst>
-                                            <p:cond delay="1656"/>
+                                            <p:cond delay="828"/>
                                           </p:stCondLst>
                                         </p:cTn>
                                         <p:tgtEl>
@@ -9962,9 +9909,9 @@
                                     </p:anim>
                                     <p:animScale>
                                       <p:cBhvr>
-                                        <p:cTn id="93" dur="26">
+                                        <p:cTn id="85" dur="13">
                                           <p:stCondLst>
-                                            <p:cond delay="650"/>
+                                            <p:cond delay="325"/>
                                           </p:stCondLst>
                                         </p:cTn>
                                         <p:tgtEl>
@@ -9975,9 +9922,9 @@
                                     </p:animScale>
                                     <p:animScale>
                                       <p:cBhvr>
-                                        <p:cTn id="94" dur="166" decel="50000">
+                                        <p:cTn id="86" dur="83" decel="50000">
                                           <p:stCondLst>
-                                            <p:cond delay="676"/>
+                                            <p:cond delay="338"/>
                                           </p:stCondLst>
                                         </p:cTn>
                                         <p:tgtEl>
@@ -9988,9 +9935,9 @@
                                     </p:animScale>
                                     <p:animScale>
                                       <p:cBhvr>
-                                        <p:cTn id="95" dur="26">
+                                        <p:cTn id="87" dur="13">
                                           <p:stCondLst>
-                                            <p:cond delay="1312"/>
+                                            <p:cond delay="656"/>
                                           </p:stCondLst>
                                         </p:cTn>
                                         <p:tgtEl>
@@ -10001,9 +9948,9 @@
                                     </p:animScale>
                                     <p:animScale>
                                       <p:cBhvr>
-                                        <p:cTn id="96" dur="166" decel="50000">
+                                        <p:cTn id="88" dur="83" decel="50000">
                                           <p:stCondLst>
-                                            <p:cond delay="1338"/>
+                                            <p:cond delay="669"/>
                                           </p:stCondLst>
                                         </p:cTn>
                                         <p:tgtEl>
@@ -10014,9 +9961,9 @@
                                     </p:animScale>
                                     <p:animScale>
                                       <p:cBhvr>
-                                        <p:cTn id="97" dur="26">
+                                        <p:cTn id="89" dur="13">
                                           <p:stCondLst>
-                                            <p:cond delay="1642"/>
+                                            <p:cond delay="821"/>
                                           </p:stCondLst>
                                         </p:cTn>
                                         <p:tgtEl>
@@ -10027,9 +9974,9 @@
                                     </p:animScale>
                                     <p:animScale>
                                       <p:cBhvr>
-                                        <p:cTn id="98" dur="166" decel="50000">
+                                        <p:cTn id="90" dur="83" decel="50000">
                                           <p:stCondLst>
-                                            <p:cond delay="1668"/>
+                                            <p:cond delay="834"/>
                                           </p:stCondLst>
                                         </p:cTn>
                                         <p:tgtEl>
@@ -10040,9 +9987,9 @@
                                     </p:animScale>
                                     <p:animScale>
                                       <p:cBhvr>
-                                        <p:cTn id="99" dur="26">
+                                        <p:cTn id="91" dur="13">
                                           <p:stCondLst>
-                                            <p:cond delay="1808"/>
+                                            <p:cond delay="904"/>
                                           </p:stCondLst>
                                         </p:cTn>
                                         <p:tgtEl>
@@ -10053,9 +10000,9 @@
                                     </p:animScale>
                                     <p:animScale>
                                       <p:cBhvr>
-                                        <p:cTn id="100" dur="166" decel="50000">
+                                        <p:cTn id="92" dur="83" decel="50000">
                                           <p:stCondLst>
-                                            <p:cond delay="1834"/>
+                                            <p:cond delay="917"/>
                                           </p:stCondLst>
                                         </p:cTn>
                                         <p:tgtEl>
@@ -10067,33 +10014,15 @@
                                   </p:childTnLst>
                                 </p:cTn>
                               </p:par>
-                            </p:childTnLst>
-                          </p:cTn>
-                        </p:par>
-                      </p:childTnLst>
-                    </p:cTn>
-                  </p:par>
-                  <p:par>
-                    <p:cTn id="101" fill="hold">
-                      <p:stCondLst>
-                        <p:cond delay="indefinite"/>
-                      </p:stCondLst>
-                      <p:childTnLst>
-                        <p:par>
-                          <p:cTn id="102" fill="hold">
-                            <p:stCondLst>
-                              <p:cond delay="0"/>
-                            </p:stCondLst>
-                            <p:childTnLst>
                               <p:par>
-                                <p:cTn id="103" presetID="26" presetClass="entr" presetSubtype="0" fill="hold" grpId="0" nodeType="clickEffect">
+                                <p:cTn id="93" presetID="26" presetClass="entr" presetSubtype="0" fill="hold" grpId="0" nodeType="withEffect">
                                   <p:stCondLst>
-                                    <p:cond delay="0"/>
+                                    <p:cond delay="2000"/>
                                   </p:stCondLst>
                                   <p:childTnLst>
                                     <p:set>
                                       <p:cBhvr>
-                                        <p:cTn id="104" dur="1" fill="hold">
+                                        <p:cTn id="94" dur="1" fill="hold">
                                           <p:stCondLst>
                                             <p:cond delay="0"/>
                                           </p:stCondLst>
@@ -10111,7 +10040,7 @@
                                     </p:set>
                                     <p:animEffect transition="in" filter="wipe(down)">
                                       <p:cBhvr>
-                                        <p:cTn id="105" dur="580">
+                                        <p:cTn id="95" dur="217">
                                           <p:stCondLst>
                                             <p:cond delay="0"/>
                                           </p:stCondLst>
@@ -10123,7 +10052,7 @@
                                     </p:animEffect>
                                     <p:anim calcmode="lin" valueType="num">
                                       <p:cBhvr>
-                                        <p:cTn id="106" dur="1822" tmFilter="0,0; 0.14,0.36; 0.43,0.73; 0.71,0.91; 1.0,1.0">
+                                        <p:cTn id="96" dur="683" tmFilter="0,0; 0.14,0.36; 0.43,0.73; 0.71,0.91; 1.0,1.0">
                                           <p:stCondLst>
                                             <p:cond delay="0"/>
                                           </p:stCondLst>
@@ -10150,7 +10079,7 @@
                                     </p:anim>
                                     <p:anim calcmode="lin" valueType="num">
                                       <p:cBhvr>
-                                        <p:cTn id="107" dur="664" tmFilter="0.0,0.0; 0.25,0.07; 0.50,0.2; 0.75,0.467; 1.0,1.0">
+                                        <p:cTn id="97" dur="249" tmFilter="0.0,0.0; 0.25,0.07; 0.50,0.2; 0.75,0.467; 1.0,1.0">
                                           <p:stCondLst>
                                             <p:cond delay="0"/>
                                           </p:stCondLst>
@@ -10177,9 +10106,9 @@
                                     </p:anim>
                                     <p:anim calcmode="lin" valueType="num">
                                       <p:cBhvr>
-                                        <p:cTn id="108" dur="664" tmFilter="0, 0; 0.125,0.2665; 0.25,0.4; 0.375,0.465; 0.5,0.5;  0.625,0.535; 0.75,0.6; 0.875,0.7335; 1,1">
+                                        <p:cTn id="98" dur="249" tmFilter="0, 0; 0.125,0.2665; 0.25,0.4; 0.375,0.465; 0.5,0.5;  0.625,0.535; 0.75,0.6; 0.875,0.7335; 1,1">
                                           <p:stCondLst>
-                                            <p:cond delay="664"/>
+                                            <p:cond delay="249"/>
                                           </p:stCondLst>
                                         </p:cTn>
                                         <p:tgtEl>
@@ -10204,9 +10133,9 @@
                                     </p:anim>
                                     <p:anim calcmode="lin" valueType="num">
                                       <p:cBhvr>
-                                        <p:cTn id="109" dur="332" tmFilter="0, 0; 0.125,0.2665; 0.25,0.4; 0.375,0.465; 0.5,0.5;  0.625,0.535; 0.75,0.6; 0.875,0.7335; 1,1">
+                                        <p:cTn id="99" dur="125" tmFilter="0, 0; 0.125,0.2665; 0.25,0.4; 0.375,0.465; 0.5,0.5;  0.625,0.535; 0.75,0.6; 0.875,0.7335; 1,1">
                                           <p:stCondLst>
-                                            <p:cond delay="1324"/>
+                                            <p:cond delay="496"/>
                                           </p:stCondLst>
                                         </p:cTn>
                                         <p:tgtEl>
@@ -10231,9 +10160,9 @@
                                     </p:anim>
                                     <p:anim calcmode="lin" valueType="num">
                                       <p:cBhvr>
-                                        <p:cTn id="110" dur="164" tmFilter="0, 0; 0.125,0.2665; 0.25,0.4; 0.375,0.465; 0.5,0.5;  0.625,0.535; 0.75,0.6; 0.875,0.7335; 1,1">
+                                        <p:cTn id="100" dur="62" tmFilter="0, 0; 0.125,0.2665; 0.25,0.4; 0.375,0.465; 0.5,0.5;  0.625,0.535; 0.75,0.6; 0.875,0.7335; 1,1">
                                           <p:stCondLst>
-                                            <p:cond delay="1656"/>
+                                            <p:cond delay="621"/>
                                           </p:stCondLst>
                                         </p:cTn>
                                         <p:tgtEl>
@@ -10258,9 +10187,9 @@
                                     </p:anim>
                                     <p:animScale>
                                       <p:cBhvr>
-                                        <p:cTn id="111" dur="26">
+                                        <p:cTn id="101" dur="10">
                                           <p:stCondLst>
-                                            <p:cond delay="650"/>
+                                            <p:cond delay="244"/>
                                           </p:stCondLst>
                                         </p:cTn>
                                         <p:tgtEl>
@@ -10271,9 +10200,9 @@
                                     </p:animScale>
                                     <p:animScale>
                                       <p:cBhvr>
-                                        <p:cTn id="112" dur="166" decel="50000">
+                                        <p:cTn id="102" dur="62" decel="50000">
                                           <p:stCondLst>
-                                            <p:cond delay="676"/>
+                                            <p:cond delay="253"/>
                                           </p:stCondLst>
                                         </p:cTn>
                                         <p:tgtEl>
@@ -10284,9 +10213,9 @@
                                     </p:animScale>
                                     <p:animScale>
                                       <p:cBhvr>
-                                        <p:cTn id="113" dur="26">
+                                        <p:cTn id="103" dur="10">
                                           <p:stCondLst>
-                                            <p:cond delay="1312"/>
+                                            <p:cond delay="492"/>
                                           </p:stCondLst>
                                         </p:cTn>
                                         <p:tgtEl>
@@ -10297,9 +10226,9 @@
                                     </p:animScale>
                                     <p:animScale>
                                       <p:cBhvr>
-                                        <p:cTn id="114" dur="166" decel="50000">
+                                        <p:cTn id="104" dur="62" decel="50000">
                                           <p:stCondLst>
-                                            <p:cond delay="1338"/>
+                                            <p:cond delay="502"/>
                                           </p:stCondLst>
                                         </p:cTn>
                                         <p:tgtEl>
@@ -10310,9 +10239,9 @@
                                     </p:animScale>
                                     <p:animScale>
                                       <p:cBhvr>
-                                        <p:cTn id="115" dur="26">
+                                        <p:cTn id="105" dur="10">
                                           <p:stCondLst>
-                                            <p:cond delay="1642"/>
+                                            <p:cond delay="616"/>
                                           </p:stCondLst>
                                         </p:cTn>
                                         <p:tgtEl>
@@ -10323,9 +10252,9 @@
                                     </p:animScale>
                                     <p:animScale>
                                       <p:cBhvr>
-                                        <p:cTn id="116" dur="166" decel="50000">
+                                        <p:cTn id="106" dur="62" decel="50000">
                                           <p:stCondLst>
-                                            <p:cond delay="1668"/>
+                                            <p:cond delay="626"/>
                                           </p:stCondLst>
                                         </p:cTn>
                                         <p:tgtEl>
@@ -10336,9 +10265,9 @@
                                     </p:animScale>
                                     <p:animScale>
                                       <p:cBhvr>
-                                        <p:cTn id="117" dur="26">
+                                        <p:cTn id="107" dur="10">
                                           <p:stCondLst>
-                                            <p:cond delay="1808"/>
+                                            <p:cond delay="678"/>
                                           </p:stCondLst>
                                         </p:cTn>
                                         <p:tgtEl>
@@ -10349,9 +10278,9 @@
                                     </p:animScale>
                                     <p:animScale>
                                       <p:cBhvr>
-                                        <p:cTn id="118" dur="166" decel="50000">
+                                        <p:cTn id="108" dur="62" decel="50000">
                                           <p:stCondLst>
-                                            <p:cond delay="1834"/>
+                                            <p:cond delay="688"/>
                                           </p:stCondLst>
                                         </p:cTn>
                                         <p:tgtEl>
@@ -10550,7 +10479,7 @@
           <a:lstStyle/>
           <a:p>
             <a:r>
-              <a:rPr lang="en-US" sz="4000" kern="1200">
+              <a:rPr lang="en-US" sz="4000" kern="1200" dirty="0">
                 <a:solidFill>
                   <a:srgbClr val="FFFFFF"/>
                 </a:solidFill>
@@ -11311,6 +11240,18 @@
   <p:clrMapOvr>
     <a:masterClrMapping/>
   </p:clrMapOvr>
+  <mc:AlternateContent xmlns:mc="http://schemas.openxmlformats.org/markup-compatibility/2006">
+    <mc:Choice xmlns:p14="http://schemas.microsoft.com/office/powerpoint/2010/main" Requires="p14">
+      <p:transition spd="slow" p14:dur="1250">
+        <p:randomBar dir="vert"/>
+      </p:transition>
+    </mc:Choice>
+    <mc:Fallback>
+      <p:transition spd="slow">
+        <p:randomBar dir="vert"/>
+      </p:transition>
+    </mc:Fallback>
+  </mc:AlternateContent>
   <p:timing>
     <p:tnLst>
       <p:par>
@@ -11369,6 +11310,318 @@
                                   </p:childTnLst>
                                 </p:cTn>
                               </p:par>
+                              <p:par>
+                                <p:cTn id="8" presetID="2" presetClass="entr" presetSubtype="4" fill="hold" grpId="0" nodeType="withEffect">
+                                  <p:stCondLst>
+                                    <p:cond delay="0"/>
+                                  </p:stCondLst>
+                                  <p:childTnLst>
+                                    <p:set>
+                                      <p:cBhvr>
+                                        <p:cTn id="9" dur="1" fill="hold">
+                                          <p:stCondLst>
+                                            <p:cond delay="0"/>
+                                          </p:stCondLst>
+                                        </p:cTn>
+                                        <p:tgtEl>
+                                          <p:spTgt spid="3">
+                                            <p:txEl>
+                                              <p:pRg st="0" end="0"/>
+                                            </p:txEl>
+                                          </p:spTgt>
+                                        </p:tgtEl>
+                                        <p:attrNameLst>
+                                          <p:attrName>style.visibility</p:attrName>
+                                        </p:attrNameLst>
+                                      </p:cBhvr>
+                                      <p:to>
+                                        <p:strVal val="visible"/>
+                                      </p:to>
+                                    </p:set>
+                                    <p:anim calcmode="lin" valueType="num">
+                                      <p:cBhvr additive="base">
+                                        <p:cTn id="10" dur="500" fill="hold"/>
+                                        <p:tgtEl>
+                                          <p:spTgt spid="3">
+                                            <p:txEl>
+                                              <p:pRg st="0" end="0"/>
+                                            </p:txEl>
+                                          </p:spTgt>
+                                        </p:tgtEl>
+                                        <p:attrNameLst>
+                                          <p:attrName>ppt_x</p:attrName>
+                                        </p:attrNameLst>
+                                      </p:cBhvr>
+                                      <p:tavLst>
+                                        <p:tav tm="0">
+                                          <p:val>
+                                            <p:strVal val="#ppt_x"/>
+                                          </p:val>
+                                        </p:tav>
+                                        <p:tav tm="100000">
+                                          <p:val>
+                                            <p:strVal val="#ppt_x"/>
+                                          </p:val>
+                                        </p:tav>
+                                      </p:tavLst>
+                                    </p:anim>
+                                    <p:anim calcmode="lin" valueType="num">
+                                      <p:cBhvr additive="base">
+                                        <p:cTn id="11" dur="500" fill="hold"/>
+                                        <p:tgtEl>
+                                          <p:spTgt spid="3">
+                                            <p:txEl>
+                                              <p:pRg st="0" end="0"/>
+                                            </p:txEl>
+                                          </p:spTgt>
+                                        </p:tgtEl>
+                                        <p:attrNameLst>
+                                          <p:attrName>ppt_y</p:attrName>
+                                        </p:attrNameLst>
+                                      </p:cBhvr>
+                                      <p:tavLst>
+                                        <p:tav tm="0">
+                                          <p:val>
+                                            <p:strVal val="1+#ppt_h/2"/>
+                                          </p:val>
+                                        </p:tav>
+                                        <p:tav tm="100000">
+                                          <p:val>
+                                            <p:strVal val="#ppt_y"/>
+                                          </p:val>
+                                        </p:tav>
+                                      </p:tavLst>
+                                    </p:anim>
+                                  </p:childTnLst>
+                                </p:cTn>
+                              </p:par>
+                              <p:par>
+                                <p:cTn id="12" presetID="2" presetClass="entr" presetSubtype="4" fill="hold" grpId="0" nodeType="withEffect">
+                                  <p:stCondLst>
+                                    <p:cond delay="0"/>
+                                  </p:stCondLst>
+                                  <p:childTnLst>
+                                    <p:set>
+                                      <p:cBhvr>
+                                        <p:cTn id="13" dur="1" fill="hold">
+                                          <p:stCondLst>
+                                            <p:cond delay="0"/>
+                                          </p:stCondLst>
+                                        </p:cTn>
+                                        <p:tgtEl>
+                                          <p:spTgt spid="7"/>
+                                        </p:tgtEl>
+                                        <p:attrNameLst>
+                                          <p:attrName>style.visibility</p:attrName>
+                                        </p:attrNameLst>
+                                      </p:cBhvr>
+                                      <p:to>
+                                        <p:strVal val="visible"/>
+                                      </p:to>
+                                    </p:set>
+                                    <p:anim calcmode="lin" valueType="num">
+                                      <p:cBhvr additive="base">
+                                        <p:cTn id="14" dur="500" fill="hold"/>
+                                        <p:tgtEl>
+                                          <p:spTgt spid="7"/>
+                                        </p:tgtEl>
+                                        <p:attrNameLst>
+                                          <p:attrName>ppt_x</p:attrName>
+                                        </p:attrNameLst>
+                                      </p:cBhvr>
+                                      <p:tavLst>
+                                        <p:tav tm="0">
+                                          <p:val>
+                                            <p:strVal val="#ppt_x"/>
+                                          </p:val>
+                                        </p:tav>
+                                        <p:tav tm="100000">
+                                          <p:val>
+                                            <p:strVal val="#ppt_x"/>
+                                          </p:val>
+                                        </p:tav>
+                                      </p:tavLst>
+                                    </p:anim>
+                                    <p:anim calcmode="lin" valueType="num">
+                                      <p:cBhvr additive="base">
+                                        <p:cTn id="15" dur="500" fill="hold"/>
+                                        <p:tgtEl>
+                                          <p:spTgt spid="7"/>
+                                        </p:tgtEl>
+                                        <p:attrNameLst>
+                                          <p:attrName>ppt_y</p:attrName>
+                                        </p:attrNameLst>
+                                      </p:cBhvr>
+                                      <p:tavLst>
+                                        <p:tav tm="0">
+                                          <p:val>
+                                            <p:strVal val="1+#ppt_h/2"/>
+                                          </p:val>
+                                        </p:tav>
+                                        <p:tav tm="100000">
+                                          <p:val>
+                                            <p:strVal val="#ppt_y"/>
+                                          </p:val>
+                                        </p:tav>
+                                      </p:tavLst>
+                                    </p:anim>
+                                  </p:childTnLst>
+                                </p:cTn>
+                              </p:par>
+                              <p:par>
+                                <p:cTn id="16" presetID="2" presetClass="entr" presetSubtype="4" fill="hold" grpId="0" nodeType="withEffect">
+                                  <p:stCondLst>
+                                    <p:cond delay="0"/>
+                                  </p:stCondLst>
+                                  <p:childTnLst>
+                                    <p:set>
+                                      <p:cBhvr>
+                                        <p:cTn id="17" dur="1" fill="hold">
+                                          <p:stCondLst>
+                                            <p:cond delay="0"/>
+                                          </p:stCondLst>
+                                        </p:cTn>
+                                        <p:tgtEl>
+                                          <p:spTgt spid="12"/>
+                                        </p:tgtEl>
+                                        <p:attrNameLst>
+                                          <p:attrName>style.visibility</p:attrName>
+                                        </p:attrNameLst>
+                                      </p:cBhvr>
+                                      <p:to>
+                                        <p:strVal val="visible"/>
+                                      </p:to>
+                                    </p:set>
+                                    <p:anim calcmode="lin" valueType="num">
+                                      <p:cBhvr additive="base">
+                                        <p:cTn id="18" dur="500" fill="hold"/>
+                                        <p:tgtEl>
+                                          <p:spTgt spid="12"/>
+                                        </p:tgtEl>
+                                        <p:attrNameLst>
+                                          <p:attrName>ppt_x</p:attrName>
+                                        </p:attrNameLst>
+                                      </p:cBhvr>
+                                      <p:tavLst>
+                                        <p:tav tm="0">
+                                          <p:val>
+                                            <p:strVal val="#ppt_x"/>
+                                          </p:val>
+                                        </p:tav>
+                                        <p:tav tm="100000">
+                                          <p:val>
+                                            <p:strVal val="#ppt_x"/>
+                                          </p:val>
+                                        </p:tav>
+                                      </p:tavLst>
+                                    </p:anim>
+                                    <p:anim calcmode="lin" valueType="num">
+                                      <p:cBhvr additive="base">
+                                        <p:cTn id="19" dur="500" fill="hold"/>
+                                        <p:tgtEl>
+                                          <p:spTgt spid="12"/>
+                                        </p:tgtEl>
+                                        <p:attrNameLst>
+                                          <p:attrName>ppt_y</p:attrName>
+                                        </p:attrNameLst>
+                                      </p:cBhvr>
+                                      <p:tavLst>
+                                        <p:tav tm="0">
+                                          <p:val>
+                                            <p:strVal val="1+#ppt_h/2"/>
+                                          </p:val>
+                                        </p:tav>
+                                        <p:tav tm="100000">
+                                          <p:val>
+                                            <p:strVal val="#ppt_y"/>
+                                          </p:val>
+                                        </p:tav>
+                                      </p:tavLst>
+                                    </p:anim>
+                                  </p:childTnLst>
+                                </p:cTn>
+                              </p:par>
+                              <p:par>
+                                <p:cTn id="20" presetID="42" presetClass="entr" presetSubtype="0" fill="hold" grpId="0" nodeType="withEffect">
+                                  <p:stCondLst>
+                                    <p:cond delay="0"/>
+                                  </p:stCondLst>
+                                  <p:childTnLst>
+                                    <p:set>
+                                      <p:cBhvr>
+                                        <p:cTn id="21" dur="1" fill="hold">
+                                          <p:stCondLst>
+                                            <p:cond delay="0"/>
+                                          </p:stCondLst>
+                                        </p:cTn>
+                                        <p:tgtEl>
+                                          <p:spTgt spid="2"/>
+                                        </p:tgtEl>
+                                        <p:attrNameLst>
+                                          <p:attrName>style.visibility</p:attrName>
+                                        </p:attrNameLst>
+                                      </p:cBhvr>
+                                      <p:to>
+                                        <p:strVal val="visible"/>
+                                      </p:to>
+                                    </p:set>
+                                    <p:animEffect transition="in" filter="fade">
+                                      <p:cBhvr>
+                                        <p:cTn id="22" dur="1000"/>
+                                        <p:tgtEl>
+                                          <p:spTgt spid="2"/>
+                                        </p:tgtEl>
+                                      </p:cBhvr>
+                                    </p:animEffect>
+                                    <p:anim calcmode="lin" valueType="num">
+                                      <p:cBhvr>
+                                        <p:cTn id="23" dur="1000" fill="hold"/>
+                                        <p:tgtEl>
+                                          <p:spTgt spid="2"/>
+                                        </p:tgtEl>
+                                        <p:attrNameLst>
+                                          <p:attrName>ppt_x</p:attrName>
+                                        </p:attrNameLst>
+                                      </p:cBhvr>
+                                      <p:tavLst>
+                                        <p:tav tm="0">
+                                          <p:val>
+                                            <p:strVal val="#ppt_x"/>
+                                          </p:val>
+                                        </p:tav>
+                                        <p:tav tm="100000">
+                                          <p:val>
+                                            <p:strVal val="#ppt_x"/>
+                                          </p:val>
+                                        </p:tav>
+                                      </p:tavLst>
+                                    </p:anim>
+                                    <p:anim calcmode="lin" valueType="num">
+                                      <p:cBhvr>
+                                        <p:cTn id="24" dur="1000" fill="hold"/>
+                                        <p:tgtEl>
+                                          <p:spTgt spid="2"/>
+                                        </p:tgtEl>
+                                        <p:attrNameLst>
+                                          <p:attrName>ppt_y</p:attrName>
+                                        </p:attrNameLst>
+                                      </p:cBhvr>
+                                      <p:tavLst>
+                                        <p:tav tm="0">
+                                          <p:val>
+                                            <p:strVal val="#ppt_y+.1"/>
+                                          </p:val>
+                                        </p:tav>
+                                        <p:tav tm="100000">
+                                          <p:val>
+                                            <p:strVal val="#ppt_y"/>
+                                          </p:val>
+                                        </p:tav>
+                                      </p:tavLst>
+                                    </p:anim>
+                                  </p:childTnLst>
+                                </p:cTn>
+                              </p:par>
                             </p:childTnLst>
                           </p:cTn>
                         </p:par>
@@ -11397,6 +11650,10 @@
       </p:par>
     </p:tnLst>
     <p:bldLst>
+      <p:bldP spid="2" grpId="0"/>
+      <p:bldP spid="3" grpId="0" build="p"/>
+      <p:bldP spid="12" grpId="0"/>
+      <p:bldP spid="7" grpId="0"/>
       <p:bldP spid="10" grpId="0"/>
     </p:bldLst>
   </p:timing>
@@ -12183,6 +12440,84 @@
                                   </p:childTnLst>
                                 </p:cTn>
                               </p:par>
+                              <p:par>
+                                <p:cTn id="8" presetID="10" presetClass="entr" presetSubtype="0" fill="hold" grpId="0" nodeType="withEffect">
+                                  <p:stCondLst>
+                                    <p:cond delay="0"/>
+                                  </p:stCondLst>
+                                  <p:childTnLst>
+                                    <p:set>
+                                      <p:cBhvr>
+                                        <p:cTn id="9" dur="1" fill="hold">
+                                          <p:stCondLst>
+                                            <p:cond delay="0"/>
+                                          </p:stCondLst>
+                                        </p:cTn>
+                                        <p:tgtEl>
+                                          <p:spTgt spid="2"/>
+                                        </p:tgtEl>
+                                        <p:attrNameLst>
+                                          <p:attrName>style.visibility</p:attrName>
+                                        </p:attrNameLst>
+                                      </p:cBhvr>
+                                      <p:to>
+                                        <p:strVal val="visible"/>
+                                      </p:to>
+                                    </p:set>
+                                    <p:animEffect transition="in" filter="fade">
+                                      <p:cBhvr>
+                                        <p:cTn id="10" dur="1250"/>
+                                        <p:tgtEl>
+                                          <p:spTgt spid="2"/>
+                                        </p:tgtEl>
+                                      </p:cBhvr>
+                                    </p:animEffect>
+                                  </p:childTnLst>
+                                </p:cTn>
+                              </p:par>
+                              <p:par>
+                                <p:cTn id="11" presetID="10" presetClass="entr" presetSubtype="0" fill="hold" grpId="0" nodeType="withEffect">
+                                  <p:stCondLst>
+                                    <p:cond delay="0"/>
+                                  </p:stCondLst>
+                                  <p:childTnLst>
+                                    <p:set>
+                                      <p:cBhvr>
+                                        <p:cTn id="12" dur="1" fill="hold">
+                                          <p:stCondLst>
+                                            <p:cond delay="0"/>
+                                          </p:stCondLst>
+                                        </p:cTn>
+                                        <p:tgtEl>
+                                          <p:spTgt spid="3">
+                                            <p:txEl>
+                                              <p:pRg st="0" end="0"/>
+                                            </p:txEl>
+                                          </p:spTgt>
+                                        </p:tgtEl>
+                                        <p:attrNameLst>
+                                          <p:attrName>style.visibility</p:attrName>
+                                        </p:attrNameLst>
+                                      </p:cBhvr>
+                                      <p:to>
+                                        <p:strVal val="visible"/>
+                                      </p:to>
+                                    </p:set>
+                                    <p:animEffect transition="in" filter="fade">
+                                      <p:cBhvr>
+                                        <p:cTn id="13" dur="1250"/>
+                                        <p:tgtEl>
+                                          <p:spTgt spid="3">
+                                            <p:txEl>
+                                              <p:pRg st="0" end="0"/>
+                                            </p:txEl>
+                                          </p:spTgt>
+                                        </p:tgtEl>
+                                      </p:cBhvr>
+                                    </p:animEffect>
+                                  </p:childTnLst>
+                                </p:cTn>
+                              </p:par>
                             </p:childTnLst>
                           </p:cTn>
                         </p:par>
@@ -12211,6 +12546,8 @@
       </p:par>
     </p:tnLst>
     <p:bldLst>
+      <p:bldP spid="2" grpId="0"/>
+      <p:bldP spid="3" grpId="0" build="p"/>
       <p:bldP spid="6" grpId="0"/>
     </p:bldLst>
   </p:timing>
@@ -12331,7 +12668,7 @@
           <a:lstStyle/>
           <a:p>
             <a:r>
-              <a:rPr lang="en-US" sz="5400"/>
+              <a:rPr lang="en-US" sz="5400" dirty="0"/>
               <a:t>VELOCIDAD</a:t>
             </a:r>
           </a:p>
@@ -12813,14 +13150,182 @@
           </a:lstStyle>
           <a:p>
             <a:r>
-              <a:rPr lang="en-US" sz="2200" b="1"/>
+              <a:rPr lang="en-US" sz="2200" b="1" dirty="0" err="1"/>
               <a:t>Velocidad</a:t>
             </a:r>
             <a:r>
-              <a:rPr lang="en-US" sz="2200"/>
-              <a:t>: Los datos se generan más rápido, haciendo necesaria, una respuesta rápida, requiere tiempo para el procesamiento, análisis de los datos y gestión de al información. Los datos de mayor velocidad se transmiten directamente a la memoria.</a:t>
-            </a:r>
-            <a:endParaRPr lang="en-US" sz="2200" b="1"/>
+              <a:rPr lang="en-US" sz="2200" dirty="0"/>
+              <a:t>: Los </a:t>
+            </a:r>
+            <a:r>
+              <a:rPr lang="en-US" sz="2200" dirty="0" err="1"/>
+              <a:t>datos</a:t>
+            </a:r>
+            <a:r>
+              <a:rPr lang="en-US" sz="2200" dirty="0"/>
+              <a:t> se </a:t>
+            </a:r>
+            <a:r>
+              <a:rPr lang="en-US" sz="2200" dirty="0" err="1"/>
+              <a:t>generan</a:t>
+            </a:r>
+            <a:r>
+              <a:rPr lang="en-US" sz="2200" dirty="0"/>
+              <a:t> </a:t>
+            </a:r>
+            <a:r>
+              <a:rPr lang="en-US" sz="2200" dirty="0" err="1"/>
+              <a:t>más</a:t>
+            </a:r>
+            <a:r>
+              <a:rPr lang="en-US" sz="2200" dirty="0"/>
+              <a:t> </a:t>
+            </a:r>
+            <a:r>
+              <a:rPr lang="en-US" sz="2200" dirty="0" err="1"/>
+              <a:t>rápido</a:t>
+            </a:r>
+            <a:r>
+              <a:rPr lang="en-US" sz="2200" dirty="0"/>
+              <a:t>, </a:t>
+            </a:r>
+            <a:r>
+              <a:rPr lang="en-US" sz="2200" dirty="0" err="1"/>
+              <a:t>haciendo</a:t>
+            </a:r>
+            <a:r>
+              <a:rPr lang="en-US" sz="2200" dirty="0"/>
+              <a:t> </a:t>
+            </a:r>
+            <a:r>
+              <a:rPr lang="en-US" sz="2200" dirty="0" err="1"/>
+              <a:t>necesaria</a:t>
+            </a:r>
+            <a:r>
+              <a:rPr lang="en-US" sz="2200" dirty="0"/>
+              <a:t>, una </a:t>
+            </a:r>
+            <a:r>
+              <a:rPr lang="en-US" sz="2200" dirty="0" err="1"/>
+              <a:t>respuesta</a:t>
+            </a:r>
+            <a:r>
+              <a:rPr lang="en-US" sz="2200" dirty="0"/>
+              <a:t> </a:t>
+            </a:r>
+            <a:r>
+              <a:rPr lang="en-US" sz="2200" dirty="0" err="1"/>
+              <a:t>rápida</a:t>
+            </a:r>
+            <a:r>
+              <a:rPr lang="en-US" sz="2200" dirty="0"/>
+              <a:t>, </a:t>
+            </a:r>
+            <a:r>
+              <a:rPr lang="en-US" sz="2200" dirty="0" err="1"/>
+              <a:t>requiere</a:t>
+            </a:r>
+            <a:r>
+              <a:rPr lang="en-US" sz="2200" dirty="0"/>
+              <a:t> </a:t>
+            </a:r>
+            <a:r>
+              <a:rPr lang="en-US" sz="2200" dirty="0" err="1"/>
+              <a:t>tiempo</a:t>
+            </a:r>
+            <a:r>
+              <a:rPr lang="en-US" sz="2200" dirty="0"/>
+              <a:t> para </a:t>
+            </a:r>
+            <a:r>
+              <a:rPr lang="en-US" sz="2200" dirty="0" err="1"/>
+              <a:t>el</a:t>
+            </a:r>
+            <a:r>
+              <a:rPr lang="en-US" sz="2200" dirty="0"/>
+              <a:t> </a:t>
+            </a:r>
+            <a:r>
+              <a:rPr lang="en-US" sz="2200" dirty="0" err="1"/>
+              <a:t>procesamiento</a:t>
+            </a:r>
+            <a:r>
+              <a:rPr lang="en-US" sz="2200" dirty="0"/>
+              <a:t>, </a:t>
+            </a:r>
+            <a:r>
+              <a:rPr lang="en-US" sz="2200" dirty="0" err="1"/>
+              <a:t>análisis</a:t>
+            </a:r>
+            <a:r>
+              <a:rPr lang="en-US" sz="2200" dirty="0"/>
+              <a:t> de los </a:t>
+            </a:r>
+            <a:r>
+              <a:rPr lang="en-US" sz="2200" dirty="0" err="1"/>
+              <a:t>datos</a:t>
+            </a:r>
+            <a:r>
+              <a:rPr lang="en-US" sz="2200" dirty="0"/>
+              <a:t> y </a:t>
+            </a:r>
+            <a:r>
+              <a:rPr lang="en-US" sz="2200" dirty="0" err="1"/>
+              <a:t>gestión</a:t>
+            </a:r>
+            <a:r>
+              <a:rPr lang="en-US" sz="2200" dirty="0"/>
+              <a:t> de al </a:t>
+            </a:r>
+            <a:r>
+              <a:rPr lang="en-US" sz="2200" dirty="0" err="1"/>
+              <a:t>información</a:t>
+            </a:r>
+            <a:r>
+              <a:rPr lang="en-US" sz="2200" dirty="0"/>
+              <a:t>. Los </a:t>
+            </a:r>
+            <a:r>
+              <a:rPr lang="en-US" sz="2200" dirty="0" err="1"/>
+              <a:t>datos</a:t>
+            </a:r>
+            <a:r>
+              <a:rPr lang="en-US" sz="2200" dirty="0"/>
+              <a:t> de mayor </a:t>
+            </a:r>
+            <a:r>
+              <a:rPr lang="en-US" sz="2200" dirty="0" err="1"/>
+              <a:t>velocidad</a:t>
+            </a:r>
+            <a:r>
+              <a:rPr lang="en-US" sz="2200" dirty="0"/>
+              <a:t> se </a:t>
+            </a:r>
+            <a:r>
+              <a:rPr lang="en-US" sz="2200" dirty="0" err="1"/>
+              <a:t>transmiten</a:t>
+            </a:r>
+            <a:r>
+              <a:rPr lang="en-US" sz="2200" dirty="0"/>
+              <a:t> </a:t>
+            </a:r>
+            <a:r>
+              <a:rPr lang="en-US" sz="2200" dirty="0" err="1"/>
+              <a:t>directamente</a:t>
+            </a:r>
+            <a:r>
+              <a:rPr lang="en-US" sz="2200" dirty="0"/>
+              <a:t> a la </a:t>
+            </a:r>
+            <a:r>
+              <a:rPr lang="en-US" sz="2200" dirty="0" err="1"/>
+              <a:t>memoria</a:t>
+            </a:r>
+            <a:r>
+              <a:rPr lang="en-US" sz="2200" dirty="0"/>
+              <a:t>.</a:t>
+            </a:r>
+            <a:endParaRPr lang="en-US" sz="2200" b="1" dirty="0"/>
           </a:p>
         </p:txBody>
       </p:sp>
@@ -13060,7 +13565,7 @@
               </a:rPr>
               <a:t>1º DESARROLLO DE APLICACIONES MULTIPLATAFORMA</a:t>
             </a:r>
-            <a:endParaRPr lang="es-ES" sz="1600">
+            <a:endParaRPr lang="es-ES" sz="1600" dirty="0">
               <a:solidFill>
                 <a:schemeClr val="bg1"/>
               </a:solidFill>
@@ -13137,6 +13642,168 @@
                                   </p:childTnLst>
                                 </p:cTn>
                               </p:par>
+                              <p:par>
+                                <p:cTn id="8" presetID="42" presetClass="entr" presetSubtype="0" fill="hold" grpId="0" nodeType="withEffect">
+                                  <p:stCondLst>
+                                    <p:cond delay="0"/>
+                                  </p:stCondLst>
+                                  <p:childTnLst>
+                                    <p:set>
+                                      <p:cBhvr>
+                                        <p:cTn id="9" dur="1" fill="hold">
+                                          <p:stCondLst>
+                                            <p:cond delay="0"/>
+                                          </p:stCondLst>
+                                        </p:cTn>
+                                        <p:tgtEl>
+                                          <p:spTgt spid="2"/>
+                                        </p:tgtEl>
+                                        <p:attrNameLst>
+                                          <p:attrName>style.visibility</p:attrName>
+                                        </p:attrNameLst>
+                                      </p:cBhvr>
+                                      <p:to>
+                                        <p:strVal val="visible"/>
+                                      </p:to>
+                                    </p:set>
+                                    <p:animEffect transition="in" filter="fade">
+                                      <p:cBhvr>
+                                        <p:cTn id="10" dur="1250"/>
+                                        <p:tgtEl>
+                                          <p:spTgt spid="2"/>
+                                        </p:tgtEl>
+                                      </p:cBhvr>
+                                    </p:animEffect>
+                                    <p:anim calcmode="lin" valueType="num">
+                                      <p:cBhvr>
+                                        <p:cTn id="11" dur="1250" fill="hold"/>
+                                        <p:tgtEl>
+                                          <p:spTgt spid="2"/>
+                                        </p:tgtEl>
+                                        <p:attrNameLst>
+                                          <p:attrName>ppt_x</p:attrName>
+                                        </p:attrNameLst>
+                                      </p:cBhvr>
+                                      <p:tavLst>
+                                        <p:tav tm="0">
+                                          <p:val>
+                                            <p:strVal val="#ppt_x"/>
+                                          </p:val>
+                                        </p:tav>
+                                        <p:tav tm="100000">
+                                          <p:val>
+                                            <p:strVal val="#ppt_x"/>
+                                          </p:val>
+                                        </p:tav>
+                                      </p:tavLst>
+                                    </p:anim>
+                                    <p:anim calcmode="lin" valueType="num">
+                                      <p:cBhvr>
+                                        <p:cTn id="12" dur="1250" fill="hold"/>
+                                        <p:tgtEl>
+                                          <p:spTgt spid="2"/>
+                                        </p:tgtEl>
+                                        <p:attrNameLst>
+                                          <p:attrName>ppt_y</p:attrName>
+                                        </p:attrNameLst>
+                                      </p:cBhvr>
+                                      <p:tavLst>
+                                        <p:tav tm="0">
+                                          <p:val>
+                                            <p:strVal val="#ppt_y+.1"/>
+                                          </p:val>
+                                        </p:tav>
+                                        <p:tav tm="100000">
+                                          <p:val>
+                                            <p:strVal val="#ppt_y"/>
+                                          </p:val>
+                                        </p:tav>
+                                      </p:tavLst>
+                                    </p:anim>
+                                  </p:childTnLst>
+                                </p:cTn>
+                              </p:par>
+                              <p:par>
+                                <p:cTn id="13" presetID="42" presetClass="entr" presetSubtype="0" fill="hold" grpId="0" nodeType="withEffect">
+                                  <p:stCondLst>
+                                    <p:cond delay="0"/>
+                                  </p:stCondLst>
+                                  <p:childTnLst>
+                                    <p:set>
+                                      <p:cBhvr>
+                                        <p:cTn id="14" dur="1" fill="hold">
+                                          <p:stCondLst>
+                                            <p:cond delay="0"/>
+                                          </p:stCondLst>
+                                        </p:cTn>
+                                        <p:tgtEl>
+                                          <p:spTgt spid="4"/>
+                                        </p:tgtEl>
+                                        <p:attrNameLst>
+                                          <p:attrName>style.visibility</p:attrName>
+                                        </p:attrNameLst>
+                                      </p:cBhvr>
+                                      <p:to>
+                                        <p:strVal val="visible"/>
+                                      </p:to>
+                                    </p:set>
+                                    <p:animEffect transition="in" filter="fade">
+                                      <p:cBhvr>
+                                        <p:cTn id="15" dur="1750"/>
+                                        <p:tgtEl>
+                                          <p:spTgt spid="4"/>
+                                        </p:tgtEl>
+                                      </p:cBhvr>
+                                    </p:animEffect>
+                                    <p:anim calcmode="lin" valueType="num">
+                                      <p:cBhvr>
+                                        <p:cTn id="16" dur="1750" fill="hold"/>
+                                        <p:tgtEl>
+                                          <p:spTgt spid="4"/>
+                                        </p:tgtEl>
+                                        <p:attrNameLst>
+                                          <p:attrName>ppt_x</p:attrName>
+                                        </p:attrNameLst>
+                                      </p:cBhvr>
+                                      <p:tavLst>
+                                        <p:tav tm="0">
+                                          <p:val>
+                                            <p:strVal val="#ppt_x"/>
+                                          </p:val>
+                                        </p:tav>
+                                        <p:tav tm="100000">
+                                          <p:val>
+                                            <p:strVal val="#ppt_x"/>
+                                          </p:val>
+                                        </p:tav>
+                                      </p:tavLst>
+                                    </p:anim>
+                                    <p:anim calcmode="lin" valueType="num">
+                                      <p:cBhvr>
+                                        <p:cTn id="17" dur="1750" fill="hold"/>
+                                        <p:tgtEl>
+                                          <p:spTgt spid="4"/>
+                                        </p:tgtEl>
+                                        <p:attrNameLst>
+                                          <p:attrName>ppt_y</p:attrName>
+                                        </p:attrNameLst>
+                                      </p:cBhvr>
+                                      <p:tavLst>
+                                        <p:tav tm="0">
+                                          <p:val>
+                                            <p:strVal val="#ppt_y+.1"/>
+                                          </p:val>
+                                        </p:tav>
+                                        <p:tav tm="100000">
+                                          <p:val>
+                                            <p:strVal val="#ppt_y"/>
+                                          </p:val>
+                                        </p:tav>
+                                      </p:tavLst>
+                                    </p:anim>
+                                  </p:childTnLst>
+                                </p:cTn>
+                              </p:par>
                             </p:childTnLst>
                           </p:cTn>
                         </p:par>
@@ -13165,6 +13832,8 @@
       </p:par>
     </p:tnLst>
     <p:bldLst>
+      <p:bldP spid="2" grpId="0"/>
+      <p:bldP spid="4" grpId="0"/>
       <p:bldP spid="5" grpId="0"/>
     </p:bldLst>
   </p:timing>
@@ -13285,7 +13954,7 @@
           <a:lstStyle/>
           <a:p>
             <a:r>
-              <a:rPr lang="en-US" sz="5400"/>
+              <a:rPr lang="en-US" sz="5400" dirty="0"/>
               <a:t>VARIEDAD</a:t>
             </a:r>
           </a:p>
@@ -13767,14 +14436,226 @@
           </a:lstStyle>
           <a:p>
             <a:r>
-              <a:rPr lang="en-US" sz="2000" b="1"/>
+              <a:rPr lang="en-US" sz="2000" b="1" dirty="0" err="1"/>
               <a:t>Variedad</a:t>
             </a:r>
             <a:r>
-              <a:rPr lang="en-US" sz="2000"/>
-              <a:t>:  Los datos convencionales eran estructurados y podían organizarse en una base de datos relacional, los tipos de datos no estructurado(texto, audio…)  aumentaban su complejidad de su almacenamiento y análisis, debido a que requieren un procesamiento adicional para obtener significado y habilitar metadatos</a:t>
-            </a:r>
-            <a:endParaRPr lang="en-US" sz="2000" b="1"/>
+              <a:rPr lang="en-US" sz="2000" dirty="0"/>
+              <a:t>:  Los </a:t>
+            </a:r>
+            <a:r>
+              <a:rPr lang="en-US" sz="2000" dirty="0" err="1"/>
+              <a:t>datos</a:t>
+            </a:r>
+            <a:r>
+              <a:rPr lang="en-US" sz="2000" dirty="0"/>
+              <a:t> </a:t>
+            </a:r>
+            <a:r>
+              <a:rPr lang="en-US" sz="2000" dirty="0" err="1"/>
+              <a:t>convencionales</a:t>
+            </a:r>
+            <a:r>
+              <a:rPr lang="en-US" sz="2000" dirty="0"/>
+              <a:t> </a:t>
+            </a:r>
+            <a:r>
+              <a:rPr lang="en-US" sz="2000" dirty="0" err="1"/>
+              <a:t>eran</a:t>
+            </a:r>
+            <a:r>
+              <a:rPr lang="en-US" sz="2000" dirty="0"/>
+              <a:t> </a:t>
+            </a:r>
+            <a:r>
+              <a:rPr lang="en-US" sz="2000" dirty="0" err="1"/>
+              <a:t>estructurados</a:t>
+            </a:r>
+            <a:r>
+              <a:rPr lang="en-US" sz="2000" dirty="0"/>
+              <a:t> y </a:t>
+            </a:r>
+            <a:r>
+              <a:rPr lang="en-US" sz="2000" dirty="0" err="1"/>
+              <a:t>podían</a:t>
+            </a:r>
+            <a:r>
+              <a:rPr lang="en-US" sz="2000" dirty="0"/>
+              <a:t> </a:t>
+            </a:r>
+            <a:r>
+              <a:rPr lang="en-US" sz="2000" dirty="0" err="1"/>
+              <a:t>organizarse</a:t>
+            </a:r>
+            <a:r>
+              <a:rPr lang="en-US" sz="2000" dirty="0"/>
+              <a:t> </a:t>
+            </a:r>
+            <a:r>
+              <a:rPr lang="en-US" sz="2000" dirty="0" err="1"/>
+              <a:t>en</a:t>
+            </a:r>
+            <a:r>
+              <a:rPr lang="en-US" sz="2000" dirty="0"/>
+              <a:t> una base de </a:t>
+            </a:r>
+            <a:r>
+              <a:rPr lang="en-US" sz="2000" dirty="0" err="1"/>
+              <a:t>datos</a:t>
+            </a:r>
+            <a:r>
+              <a:rPr lang="en-US" sz="2000" dirty="0"/>
+              <a:t> </a:t>
+            </a:r>
+            <a:r>
+              <a:rPr lang="en-US" sz="2000" dirty="0" err="1"/>
+              <a:t>relacional</a:t>
+            </a:r>
+            <a:r>
+              <a:rPr lang="en-US" sz="2000" dirty="0"/>
+              <a:t>, los </a:t>
+            </a:r>
+            <a:r>
+              <a:rPr lang="en-US" sz="2000" dirty="0" err="1"/>
+              <a:t>tipos</a:t>
+            </a:r>
+            <a:r>
+              <a:rPr lang="en-US" sz="2000" dirty="0"/>
+              <a:t> de </a:t>
+            </a:r>
+            <a:r>
+              <a:rPr lang="en-US" sz="2000" dirty="0" err="1"/>
+              <a:t>datos</a:t>
+            </a:r>
+            <a:r>
+              <a:rPr lang="en-US" sz="2000" dirty="0"/>
+              <a:t> no </a:t>
+            </a:r>
+            <a:r>
+              <a:rPr lang="en-US" sz="2000" dirty="0" err="1"/>
+              <a:t>estructurado</a:t>
+            </a:r>
+            <a:r>
+              <a:rPr lang="en-US" sz="2000" dirty="0"/>
+              <a:t>(</a:t>
+            </a:r>
+            <a:r>
+              <a:rPr lang="en-US" sz="2000" dirty="0" err="1"/>
+              <a:t>texto</a:t>
+            </a:r>
+            <a:r>
+              <a:rPr lang="en-US" sz="2000" dirty="0"/>
+              <a:t>, audio…)  </a:t>
+            </a:r>
+            <a:r>
+              <a:rPr lang="en-US" sz="2000" dirty="0" err="1"/>
+              <a:t>aumentaban</a:t>
+            </a:r>
+            <a:r>
+              <a:rPr lang="en-US" sz="2000" dirty="0"/>
+              <a:t> </a:t>
+            </a:r>
+            <a:r>
+              <a:rPr lang="en-US" sz="2000" dirty="0" err="1"/>
+              <a:t>su</a:t>
+            </a:r>
+            <a:r>
+              <a:rPr lang="en-US" sz="2000" dirty="0"/>
+              <a:t> </a:t>
+            </a:r>
+            <a:r>
+              <a:rPr lang="en-US" sz="2000" dirty="0" err="1"/>
+              <a:t>complejidad</a:t>
+            </a:r>
+            <a:r>
+              <a:rPr lang="en-US" sz="2000" dirty="0"/>
+              <a:t> de </a:t>
+            </a:r>
+            <a:r>
+              <a:rPr lang="en-US" sz="2000" dirty="0" err="1"/>
+              <a:t>su</a:t>
+            </a:r>
+            <a:r>
+              <a:rPr lang="en-US" sz="2000" dirty="0"/>
+              <a:t> </a:t>
+            </a:r>
+            <a:r>
+              <a:rPr lang="en-US" sz="2000" dirty="0" err="1"/>
+              <a:t>almacenamiento</a:t>
+            </a:r>
+            <a:r>
+              <a:rPr lang="en-US" sz="2000" dirty="0"/>
+              <a:t> y </a:t>
+            </a:r>
+            <a:r>
+              <a:rPr lang="en-US" sz="2000" dirty="0" err="1"/>
+              <a:t>análisis</a:t>
+            </a:r>
+            <a:r>
+              <a:rPr lang="en-US" sz="2000" dirty="0"/>
+              <a:t>, </a:t>
+            </a:r>
+            <a:r>
+              <a:rPr lang="en-US" sz="2000" dirty="0" err="1"/>
+              <a:t>debido</a:t>
+            </a:r>
+            <a:r>
+              <a:rPr lang="en-US" sz="2000" dirty="0"/>
+              <a:t> a que </a:t>
+            </a:r>
+            <a:r>
+              <a:rPr lang="en-US" sz="2000" dirty="0" err="1"/>
+              <a:t>requieren</a:t>
+            </a:r>
+            <a:r>
+              <a:rPr lang="en-US" sz="2000" dirty="0"/>
+              <a:t> un </a:t>
+            </a:r>
+            <a:r>
+              <a:rPr lang="en-US" sz="2000" dirty="0" err="1"/>
+              <a:t>procesamiento</a:t>
+            </a:r>
+            <a:r>
+              <a:rPr lang="en-US" sz="2000" dirty="0"/>
+              <a:t> </a:t>
+            </a:r>
+            <a:r>
+              <a:rPr lang="en-US" sz="2000" dirty="0" err="1"/>
+              <a:t>adicional</a:t>
+            </a:r>
+            <a:r>
+              <a:rPr lang="en-US" sz="2000" dirty="0"/>
+              <a:t> para </a:t>
+            </a:r>
+            <a:r>
+              <a:rPr lang="en-US" sz="2000" dirty="0" err="1"/>
+              <a:t>obtener</a:t>
+            </a:r>
+            <a:r>
+              <a:rPr lang="en-US" sz="2000" dirty="0"/>
+              <a:t> </a:t>
+            </a:r>
+            <a:r>
+              <a:rPr lang="en-US" sz="2000" dirty="0" err="1"/>
+              <a:t>significado</a:t>
+            </a:r>
+            <a:r>
+              <a:rPr lang="en-US" sz="2000" dirty="0"/>
+              <a:t> y </a:t>
+            </a:r>
+            <a:r>
+              <a:rPr lang="en-US" sz="2000" dirty="0" err="1"/>
+              <a:t>habilitar</a:t>
+            </a:r>
+            <a:r>
+              <a:rPr lang="en-US" sz="2000" dirty="0"/>
+              <a:t> </a:t>
+            </a:r>
+            <a:r>
+              <a:rPr lang="en-US" sz="2000" dirty="0" err="1"/>
+              <a:t>metadatos</a:t>
+            </a:r>
+            <a:endParaRPr lang="en-US" sz="2000" b="1" dirty="0"/>
           </a:p>
         </p:txBody>
       </p:sp>
@@ -14014,7 +14895,7 @@
               </a:rPr>
               <a:t>1º DESARROLLO DE APLICACIONES MULTIPLATAFORMA</a:t>
             </a:r>
-            <a:endParaRPr lang="es-ES" sz="1600">
+            <a:endParaRPr lang="es-ES" sz="1600" dirty="0">
               <a:solidFill>
                 <a:schemeClr val="bg1"/>
               </a:solidFill>
@@ -14091,6 +14972,168 @@
                                   </p:childTnLst>
                                 </p:cTn>
                               </p:par>
+                              <p:par>
+                                <p:cTn id="8" presetID="42" presetClass="entr" presetSubtype="0" fill="hold" grpId="0" nodeType="withEffect">
+                                  <p:stCondLst>
+                                    <p:cond delay="0"/>
+                                  </p:stCondLst>
+                                  <p:childTnLst>
+                                    <p:set>
+                                      <p:cBhvr>
+                                        <p:cTn id="9" dur="1" fill="hold">
+                                          <p:stCondLst>
+                                            <p:cond delay="0"/>
+                                          </p:stCondLst>
+                                        </p:cTn>
+                                        <p:tgtEl>
+                                          <p:spTgt spid="2"/>
+                                        </p:tgtEl>
+                                        <p:attrNameLst>
+                                          <p:attrName>style.visibility</p:attrName>
+                                        </p:attrNameLst>
+                                      </p:cBhvr>
+                                      <p:to>
+                                        <p:strVal val="visible"/>
+                                      </p:to>
+                                    </p:set>
+                                    <p:animEffect transition="in" filter="fade">
+                                      <p:cBhvr>
+                                        <p:cTn id="10" dur="1250"/>
+                                        <p:tgtEl>
+                                          <p:spTgt spid="2"/>
+                                        </p:tgtEl>
+                                      </p:cBhvr>
+                                    </p:animEffect>
+                                    <p:anim calcmode="lin" valueType="num">
+                                      <p:cBhvr>
+                                        <p:cTn id="11" dur="1250" fill="hold"/>
+                                        <p:tgtEl>
+                                          <p:spTgt spid="2"/>
+                                        </p:tgtEl>
+                                        <p:attrNameLst>
+                                          <p:attrName>ppt_x</p:attrName>
+                                        </p:attrNameLst>
+                                      </p:cBhvr>
+                                      <p:tavLst>
+                                        <p:tav tm="0">
+                                          <p:val>
+                                            <p:strVal val="#ppt_x"/>
+                                          </p:val>
+                                        </p:tav>
+                                        <p:tav tm="100000">
+                                          <p:val>
+                                            <p:strVal val="#ppt_x"/>
+                                          </p:val>
+                                        </p:tav>
+                                      </p:tavLst>
+                                    </p:anim>
+                                    <p:anim calcmode="lin" valueType="num">
+                                      <p:cBhvr>
+                                        <p:cTn id="12" dur="1250" fill="hold"/>
+                                        <p:tgtEl>
+                                          <p:spTgt spid="2"/>
+                                        </p:tgtEl>
+                                        <p:attrNameLst>
+                                          <p:attrName>ppt_y</p:attrName>
+                                        </p:attrNameLst>
+                                      </p:cBhvr>
+                                      <p:tavLst>
+                                        <p:tav tm="0">
+                                          <p:val>
+                                            <p:strVal val="#ppt_y+.1"/>
+                                          </p:val>
+                                        </p:tav>
+                                        <p:tav tm="100000">
+                                          <p:val>
+                                            <p:strVal val="#ppt_y"/>
+                                          </p:val>
+                                        </p:tav>
+                                      </p:tavLst>
+                                    </p:anim>
+                                  </p:childTnLst>
+                                </p:cTn>
+                              </p:par>
+                              <p:par>
+                                <p:cTn id="13" presetID="42" presetClass="entr" presetSubtype="0" fill="hold" grpId="0" nodeType="withEffect">
+                                  <p:stCondLst>
+                                    <p:cond delay="0"/>
+                                  </p:stCondLst>
+                                  <p:childTnLst>
+                                    <p:set>
+                                      <p:cBhvr>
+                                        <p:cTn id="14" dur="1" fill="hold">
+                                          <p:stCondLst>
+                                            <p:cond delay="0"/>
+                                          </p:stCondLst>
+                                        </p:cTn>
+                                        <p:tgtEl>
+                                          <p:spTgt spid="4"/>
+                                        </p:tgtEl>
+                                        <p:attrNameLst>
+                                          <p:attrName>style.visibility</p:attrName>
+                                        </p:attrNameLst>
+                                      </p:cBhvr>
+                                      <p:to>
+                                        <p:strVal val="visible"/>
+                                      </p:to>
+                                    </p:set>
+                                    <p:animEffect transition="in" filter="fade">
+                                      <p:cBhvr>
+                                        <p:cTn id="15" dur="1250"/>
+                                        <p:tgtEl>
+                                          <p:spTgt spid="4"/>
+                                        </p:tgtEl>
+                                      </p:cBhvr>
+                                    </p:animEffect>
+                                    <p:anim calcmode="lin" valueType="num">
+                                      <p:cBhvr>
+                                        <p:cTn id="16" dur="1250" fill="hold"/>
+                                        <p:tgtEl>
+                                          <p:spTgt spid="4"/>
+                                        </p:tgtEl>
+                                        <p:attrNameLst>
+                                          <p:attrName>ppt_x</p:attrName>
+                                        </p:attrNameLst>
+                                      </p:cBhvr>
+                                      <p:tavLst>
+                                        <p:tav tm="0">
+                                          <p:val>
+                                            <p:strVal val="#ppt_x"/>
+                                          </p:val>
+                                        </p:tav>
+                                        <p:tav tm="100000">
+                                          <p:val>
+                                            <p:strVal val="#ppt_x"/>
+                                          </p:val>
+                                        </p:tav>
+                                      </p:tavLst>
+                                    </p:anim>
+                                    <p:anim calcmode="lin" valueType="num">
+                                      <p:cBhvr>
+                                        <p:cTn id="17" dur="1250" fill="hold"/>
+                                        <p:tgtEl>
+                                          <p:spTgt spid="4"/>
+                                        </p:tgtEl>
+                                        <p:attrNameLst>
+                                          <p:attrName>ppt_y</p:attrName>
+                                        </p:attrNameLst>
+                                      </p:cBhvr>
+                                      <p:tavLst>
+                                        <p:tav tm="0">
+                                          <p:val>
+                                            <p:strVal val="#ppt_y+.1"/>
+                                          </p:val>
+                                        </p:tav>
+                                        <p:tav tm="100000">
+                                          <p:val>
+                                            <p:strVal val="#ppt_y"/>
+                                          </p:val>
+                                        </p:tav>
+                                      </p:tavLst>
+                                    </p:anim>
+                                  </p:childTnLst>
+                                </p:cTn>
+                              </p:par>
                             </p:childTnLst>
                           </p:cTn>
                         </p:par>
@@ -14119,6 +15162,8 @@
       </p:par>
     </p:tnLst>
     <p:bldLst>
+      <p:bldP spid="2" grpId="0"/>
+      <p:bldP spid="4" grpId="0"/>
       <p:bldP spid="5" grpId="0"/>
     </p:bldLst>
   </p:timing>
@@ -14804,7 +15849,7 @@
               </a:rPr>
               <a:t>1º DESARROLLO DE APLICACIONES MULTIPLATAFORMA</a:t>
             </a:r>
-            <a:endParaRPr lang="es-ES" sz="1600">
+            <a:endParaRPr lang="es-ES" sz="1600" dirty="0">
               <a:solidFill>
                 <a:schemeClr val="bg1"/>
               </a:solidFill>
@@ -14872,12 +15917,190 @@
                                     </p:set>
                                     <p:animEffect transition="in" filter="fade">
                                       <p:cBhvr>
-                                        <p:cTn id="7" dur="2000"/>
+                                        <p:cTn id="7" dur="500"/>
                                         <p:tgtEl>
                                           <p:spTgt spid="6"/>
                                         </p:tgtEl>
                                       </p:cBhvr>
                                     </p:animEffect>
+                                  </p:childTnLst>
+                                </p:cTn>
+                              </p:par>
+                              <p:par>
+                                <p:cTn id="8" presetID="42" presetClass="entr" presetSubtype="0" fill="hold" grpId="0" nodeType="withEffect">
+                                  <p:stCondLst>
+                                    <p:cond delay="0"/>
+                                  </p:stCondLst>
+                                  <p:childTnLst>
+                                    <p:set>
+                                      <p:cBhvr>
+                                        <p:cTn id="9" dur="1" fill="hold">
+                                          <p:stCondLst>
+                                            <p:cond delay="0"/>
+                                          </p:stCondLst>
+                                        </p:cTn>
+                                        <p:tgtEl>
+                                          <p:spTgt spid="2"/>
+                                        </p:tgtEl>
+                                        <p:attrNameLst>
+                                          <p:attrName>style.visibility</p:attrName>
+                                        </p:attrNameLst>
+                                      </p:cBhvr>
+                                      <p:to>
+                                        <p:strVal val="visible"/>
+                                      </p:to>
+                                    </p:set>
+                                    <p:animEffect transition="in" filter="fade">
+                                      <p:cBhvr>
+                                        <p:cTn id="10" dur="1000"/>
+                                        <p:tgtEl>
+                                          <p:spTgt spid="2"/>
+                                        </p:tgtEl>
+                                      </p:cBhvr>
+                                    </p:animEffect>
+                                    <p:anim calcmode="lin" valueType="num">
+                                      <p:cBhvr>
+                                        <p:cTn id="11" dur="1000" fill="hold"/>
+                                        <p:tgtEl>
+                                          <p:spTgt spid="2"/>
+                                        </p:tgtEl>
+                                        <p:attrNameLst>
+                                          <p:attrName>ppt_x</p:attrName>
+                                        </p:attrNameLst>
+                                      </p:cBhvr>
+                                      <p:tavLst>
+                                        <p:tav tm="0">
+                                          <p:val>
+                                            <p:strVal val="#ppt_x"/>
+                                          </p:val>
+                                        </p:tav>
+                                        <p:tav tm="100000">
+                                          <p:val>
+                                            <p:strVal val="#ppt_x"/>
+                                          </p:val>
+                                        </p:tav>
+                                      </p:tavLst>
+                                    </p:anim>
+                                    <p:anim calcmode="lin" valueType="num">
+                                      <p:cBhvr>
+                                        <p:cTn id="12" dur="1000" fill="hold"/>
+                                        <p:tgtEl>
+                                          <p:spTgt spid="2"/>
+                                        </p:tgtEl>
+                                        <p:attrNameLst>
+                                          <p:attrName>ppt_y</p:attrName>
+                                        </p:attrNameLst>
+                                      </p:cBhvr>
+                                      <p:tavLst>
+                                        <p:tav tm="0">
+                                          <p:val>
+                                            <p:strVal val="#ppt_y+.1"/>
+                                          </p:val>
+                                        </p:tav>
+                                        <p:tav tm="100000">
+                                          <p:val>
+                                            <p:strVal val="#ppt_y"/>
+                                          </p:val>
+                                        </p:tav>
+                                      </p:tavLst>
+                                    </p:anim>
+                                  </p:childTnLst>
+                                </p:cTn>
+                              </p:par>
+                              <p:par>
+                                <p:cTn id="13" presetID="42" presetClass="entr" presetSubtype="0" fill="hold" grpId="0" nodeType="withEffect">
+                                  <p:stCondLst>
+                                    <p:cond delay="0"/>
+                                  </p:stCondLst>
+                                  <p:childTnLst>
+                                    <p:set>
+                                      <p:cBhvr>
+                                        <p:cTn id="14" dur="1" fill="hold">
+                                          <p:stCondLst>
+                                            <p:cond delay="0"/>
+                                          </p:stCondLst>
+                                        </p:cTn>
+                                        <p:tgtEl>
+                                          <p:spTgt spid="3">
+                                            <p:txEl>
+                                              <p:pRg st="0" end="0"/>
+                                            </p:txEl>
+                                          </p:spTgt>
+                                        </p:tgtEl>
+                                        <p:attrNameLst>
+                                          <p:attrName>style.visibility</p:attrName>
+                                        </p:attrNameLst>
+                                      </p:cBhvr>
+                                      <p:to>
+                                        <p:strVal val="visible"/>
+                                      </p:to>
+                                    </p:set>
+                                    <p:animEffect transition="in" filter="fade">
+                                      <p:cBhvr>
+                                        <p:cTn id="15" dur="1000"/>
+                                        <p:tgtEl>
+                                          <p:spTgt spid="3">
+                                            <p:txEl>
+                                              <p:pRg st="0" end="0"/>
+                                            </p:txEl>
+                                          </p:spTgt>
+                                        </p:tgtEl>
+                                      </p:cBhvr>
+                                    </p:animEffect>
+                                    <p:anim calcmode="lin" valueType="num">
+                                      <p:cBhvr>
+                                        <p:cTn id="16" dur="1000" fill="hold"/>
+                                        <p:tgtEl>
+                                          <p:spTgt spid="3">
+                                            <p:txEl>
+                                              <p:pRg st="0" end="0"/>
+                                            </p:txEl>
+                                          </p:spTgt>
+                                        </p:tgtEl>
+                                        <p:attrNameLst>
+                                          <p:attrName>ppt_x</p:attrName>
+                                        </p:attrNameLst>
+                                      </p:cBhvr>
+                                      <p:tavLst>
+                                        <p:tav tm="0">
+                                          <p:val>
+                                            <p:strVal val="#ppt_x"/>
+                                          </p:val>
+                                        </p:tav>
+                                        <p:tav tm="100000">
+                                          <p:val>
+                                            <p:strVal val="#ppt_x"/>
+                                          </p:val>
+                                        </p:tav>
+                                      </p:tavLst>
+                                    </p:anim>
+                                    <p:anim calcmode="lin" valueType="num">
+                                      <p:cBhvr>
+                                        <p:cTn id="17" dur="1000" fill="hold"/>
+                                        <p:tgtEl>
+                                          <p:spTgt spid="3">
+                                            <p:txEl>
+                                              <p:pRg st="0" end="0"/>
+                                            </p:txEl>
+                                          </p:spTgt>
+                                        </p:tgtEl>
+                                        <p:attrNameLst>
+                                          <p:attrName>ppt_y</p:attrName>
+                                        </p:attrNameLst>
+                                      </p:cBhvr>
+                                      <p:tavLst>
+                                        <p:tav tm="0">
+                                          <p:val>
+                                            <p:strVal val="#ppt_y+.1"/>
+                                          </p:val>
+                                        </p:tav>
+                                        <p:tav tm="100000">
+                                          <p:val>
+                                            <p:strVal val="#ppt_y"/>
+                                          </p:val>
+                                        </p:tav>
+                                      </p:tavLst>
+                                    </p:anim>
                                   </p:childTnLst>
                                 </p:cTn>
                               </p:par>
@@ -14909,6 +16132,8 @@
       </p:par>
     </p:tnLst>
     <p:bldLst>
+      <p:bldP spid="2" grpId="0"/>
+      <p:bldP spid="3" grpId="0" build="p"/>
       <p:bldP spid="6" grpId="0"/>
     </p:bldLst>
   </p:timing>

--- a/Bases de Datos/1º Evaluación/Ejercicios/Ejercicio2/Explotación de bases de datos Big Data.pptx
+++ b/Bases de Datos/1º Evaluación/Ejercicios/Ejercicio2/Explotación de bases de datos Big Data.pptx
@@ -146,6 +146,2395 @@
 <file path=ppt/changesInfos/changesInfo1.xml><?xml version="1.0" encoding="utf-8"?>
 <pc:chgInfo xmlns:a="http://schemas.openxmlformats.org/drawingml/2006/main" xmlns:r="http://schemas.openxmlformats.org/officeDocument/2006/relationships" xmlns:ac="http://schemas.microsoft.com/office/drawing/2013/main/command" xmlns:pc="http://schemas.microsoft.com/office/powerpoint/2013/main/command">
   <pc:docChgLst>
+    <pc:chgData name="Eduardo Martín-Sonseca.Alonso" userId="044a8a39323ca9b2" providerId="LiveId" clId="{F6C200FF-B7C6-45EA-B94B-3E06CF3AB5C5}"/>
+    <pc:docChg chg="undo custSel addSld delSld modSld">
+      <pc:chgData name="Eduardo Martín-Sonseca.Alonso" userId="044a8a39323ca9b2" providerId="LiveId" clId="{F6C200FF-B7C6-45EA-B94B-3E06CF3AB5C5}" dt="2022-10-04T16:20:26.108" v="748" actId="5793"/>
+      <pc:docMkLst>
+        <pc:docMk/>
+      </pc:docMkLst>
+      <pc:sldChg chg="addSp delSp modSp mod modAnim setClrOvrMap">
+        <pc:chgData name="Eduardo Martín-Sonseca.Alonso" userId="044a8a39323ca9b2" providerId="LiveId" clId="{F6C200FF-B7C6-45EA-B94B-3E06CF3AB5C5}" dt="2022-10-04T16:18:50.716" v="695"/>
+        <pc:sldMkLst>
+          <pc:docMk/>
+          <pc:sldMk cId="1479924629" sldId="258"/>
+        </pc:sldMkLst>
+        <pc:spChg chg="mod">
+          <ac:chgData name="Eduardo Martín-Sonseca.Alonso" userId="044a8a39323ca9b2" providerId="LiveId" clId="{F6C200FF-B7C6-45EA-B94B-3E06CF3AB5C5}" dt="2022-10-04T16:16:59.806" v="682" actId="26606"/>
+          <ac:spMkLst>
+            <pc:docMk/>
+            <pc:sldMk cId="1479924629" sldId="258"/>
+            <ac:spMk id="6" creationId="{FFE44297-5AAD-CA6F-4064-C2621A1C9AF8}"/>
+          </ac:spMkLst>
+        </pc:spChg>
+        <pc:spChg chg="mod">
+          <ac:chgData name="Eduardo Martín-Sonseca.Alonso" userId="044a8a39323ca9b2" providerId="LiveId" clId="{F6C200FF-B7C6-45EA-B94B-3E06CF3AB5C5}" dt="2022-10-04T16:16:59.806" v="682" actId="26606"/>
+          <ac:spMkLst>
+            <pc:docMk/>
+            <pc:sldMk cId="1479924629" sldId="258"/>
+            <ac:spMk id="9" creationId="{2E119BA4-44C4-4FFE-81D8-1B5FE1ABFCE7}"/>
+          </ac:spMkLst>
+        </pc:spChg>
+        <pc:spChg chg="add del">
+          <ac:chgData name="Eduardo Martín-Sonseca.Alonso" userId="044a8a39323ca9b2" providerId="LiveId" clId="{F6C200FF-B7C6-45EA-B94B-3E06CF3AB5C5}" dt="2022-10-04T16:16:59.806" v="682" actId="26606"/>
+          <ac:spMkLst>
+            <pc:docMk/>
+            <pc:sldMk cId="1479924629" sldId="258"/>
+            <ac:spMk id="64" creationId="{0671A8AE-40A1-4631-A6B8-581AFF065482}"/>
+          </ac:spMkLst>
+        </pc:spChg>
+        <pc:spChg chg="add del">
+          <ac:chgData name="Eduardo Martín-Sonseca.Alonso" userId="044a8a39323ca9b2" providerId="LiveId" clId="{F6C200FF-B7C6-45EA-B94B-3E06CF3AB5C5}" dt="2022-10-04T16:16:59.806" v="682" actId="26606"/>
+          <ac:spMkLst>
+            <pc:docMk/>
+            <pc:sldMk cId="1479924629" sldId="258"/>
+            <ac:spMk id="65" creationId="{AB58EF07-17C2-48CF-ABB0-EEF1F17CB8F0}"/>
+          </ac:spMkLst>
+        </pc:spChg>
+        <pc:spChg chg="add del">
+          <ac:chgData name="Eduardo Martín-Sonseca.Alonso" userId="044a8a39323ca9b2" providerId="LiveId" clId="{F6C200FF-B7C6-45EA-B94B-3E06CF3AB5C5}" dt="2022-10-04T16:16:59.806" v="682" actId="26606"/>
+          <ac:spMkLst>
+            <pc:docMk/>
+            <pc:sldMk cId="1479924629" sldId="258"/>
+            <ac:spMk id="66" creationId="{AF2F604E-43BE-4DC3-B983-E071523364F8}"/>
+          </ac:spMkLst>
+        </pc:spChg>
+        <pc:spChg chg="add del">
+          <ac:chgData name="Eduardo Martín-Sonseca.Alonso" userId="044a8a39323ca9b2" providerId="LiveId" clId="{F6C200FF-B7C6-45EA-B94B-3E06CF3AB5C5}" dt="2022-10-04T16:16:59.806" v="682" actId="26606"/>
+          <ac:spMkLst>
+            <pc:docMk/>
+            <pc:sldMk cId="1479924629" sldId="258"/>
+            <ac:spMk id="67" creationId="{08C9B587-E65E-4B52-B37C-ABEBB6E87928}"/>
+          </ac:spMkLst>
+        </pc:spChg>
+        <pc:spChg chg="add del">
+          <ac:chgData name="Eduardo Martín-Sonseca.Alonso" userId="044a8a39323ca9b2" providerId="LiveId" clId="{F6C200FF-B7C6-45EA-B94B-3E06CF3AB5C5}" dt="2022-10-04T16:16:59.806" v="682" actId="26606"/>
+          <ac:spMkLst>
+            <pc:docMk/>
+            <pc:sldMk cId="1479924629" sldId="258"/>
+            <ac:spMk id="72" creationId="{ECC07320-C2CA-4E29-8481-9D9E143C7788}"/>
+          </ac:spMkLst>
+        </pc:spChg>
+        <pc:spChg chg="add del">
+          <ac:chgData name="Eduardo Martín-Sonseca.Alonso" userId="044a8a39323ca9b2" providerId="LiveId" clId="{F6C200FF-B7C6-45EA-B94B-3E06CF3AB5C5}" dt="2022-10-04T16:16:59.806" v="682" actId="26606"/>
+          <ac:spMkLst>
+            <pc:docMk/>
+            <pc:sldMk cId="1479924629" sldId="258"/>
+            <ac:spMk id="74" creationId="{178FB36B-5BFE-42CA-BC60-1115E0D95EEC}"/>
+          </ac:spMkLst>
+        </pc:spChg>
+        <pc:spChg chg="add del">
+          <ac:chgData name="Eduardo Martín-Sonseca.Alonso" userId="044a8a39323ca9b2" providerId="LiveId" clId="{F6C200FF-B7C6-45EA-B94B-3E06CF3AB5C5}" dt="2022-10-04T16:16:43.513" v="672" actId="26606"/>
+          <ac:spMkLst>
+            <pc:docMk/>
+            <pc:sldMk cId="1479924629" sldId="258"/>
+            <ac:spMk id="79" creationId="{870A1295-61BC-4214-AA3E-D396673024D0}"/>
+          </ac:spMkLst>
+        </pc:spChg>
+        <pc:spChg chg="add del">
+          <ac:chgData name="Eduardo Martín-Sonseca.Alonso" userId="044a8a39323ca9b2" providerId="LiveId" clId="{F6C200FF-B7C6-45EA-B94B-3E06CF3AB5C5}" dt="2022-10-04T16:16:54.766" v="676" actId="26606"/>
+          <ac:spMkLst>
+            <pc:docMk/>
+            <pc:sldMk cId="1479924629" sldId="258"/>
+            <ac:spMk id="83" creationId="{AF2F604E-43BE-4DC3-B983-E071523364F8}"/>
+          </ac:spMkLst>
+        </pc:spChg>
+        <pc:spChg chg="add del">
+          <ac:chgData name="Eduardo Martín-Sonseca.Alonso" userId="044a8a39323ca9b2" providerId="LiveId" clId="{F6C200FF-B7C6-45EA-B94B-3E06CF3AB5C5}" dt="2022-10-04T16:16:54.766" v="676" actId="26606"/>
+          <ac:spMkLst>
+            <pc:docMk/>
+            <pc:sldMk cId="1479924629" sldId="258"/>
+            <ac:spMk id="85" creationId="{08C9B587-E65E-4B52-B37C-ABEBB6E87928}"/>
+          </ac:spMkLst>
+        </pc:spChg>
+        <pc:spChg chg="add del">
+          <ac:chgData name="Eduardo Martín-Sonseca.Alonso" userId="044a8a39323ca9b2" providerId="LiveId" clId="{F6C200FF-B7C6-45EA-B94B-3E06CF3AB5C5}" dt="2022-10-04T16:16:47.209" v="674" actId="26606"/>
+          <ac:spMkLst>
+            <pc:docMk/>
+            <pc:sldMk cId="1479924629" sldId="258"/>
+            <ac:spMk id="87" creationId="{6B3BAD04-E614-4C16-8360-019FCF0045AC}"/>
+          </ac:spMkLst>
+        </pc:spChg>
+        <pc:spChg chg="add del">
+          <ac:chgData name="Eduardo Martín-Sonseca.Alonso" userId="044a8a39323ca9b2" providerId="LiveId" clId="{F6C200FF-B7C6-45EA-B94B-3E06CF3AB5C5}" dt="2022-10-04T16:16:54.766" v="676" actId="26606"/>
+          <ac:spMkLst>
+            <pc:docMk/>
+            <pc:sldMk cId="1479924629" sldId="258"/>
+            <ac:spMk id="89" creationId="{E91DC736-0EF8-4F87-9146-EBF1D2EE4D3D}"/>
+          </ac:spMkLst>
+        </pc:spChg>
+        <pc:spChg chg="add del">
+          <ac:chgData name="Eduardo Martín-Sonseca.Alonso" userId="044a8a39323ca9b2" providerId="LiveId" clId="{F6C200FF-B7C6-45EA-B94B-3E06CF3AB5C5}" dt="2022-10-04T16:16:54.766" v="676" actId="26606"/>
+          <ac:spMkLst>
+            <pc:docMk/>
+            <pc:sldMk cId="1479924629" sldId="258"/>
+            <ac:spMk id="90" creationId="{097CD68E-23E3-4007-8847-CD0944C4F7BE}"/>
+          </ac:spMkLst>
+        </pc:spChg>
+        <pc:spChg chg="add del">
+          <ac:chgData name="Eduardo Martín-Sonseca.Alonso" userId="044a8a39323ca9b2" providerId="LiveId" clId="{F6C200FF-B7C6-45EA-B94B-3E06CF3AB5C5}" dt="2022-10-04T16:16:57.229" v="678" actId="26606"/>
+          <ac:spMkLst>
+            <pc:docMk/>
+            <pc:sldMk cId="1479924629" sldId="258"/>
+            <ac:spMk id="92" creationId="{36C4118A-B523-45D9-B427-8E05B2DEA65C}"/>
+          </ac:spMkLst>
+        </pc:spChg>
+        <pc:grpChg chg="add del">
+          <ac:chgData name="Eduardo Martín-Sonseca.Alonso" userId="044a8a39323ca9b2" providerId="LiveId" clId="{F6C200FF-B7C6-45EA-B94B-3E06CF3AB5C5}" dt="2022-10-04T16:16:43.513" v="672" actId="26606"/>
+          <ac:grpSpMkLst>
+            <pc:docMk/>
+            <pc:sldMk cId="1479924629" sldId="258"/>
+            <ac:grpSpMk id="81" creationId="{0B139475-2B26-4CA9-9413-DE741E49F7BB}"/>
+          </ac:grpSpMkLst>
+        </pc:grpChg>
+        <pc:picChg chg="mod ord">
+          <ac:chgData name="Eduardo Martín-Sonseca.Alonso" userId="044a8a39323ca9b2" providerId="LiveId" clId="{F6C200FF-B7C6-45EA-B94B-3E06CF3AB5C5}" dt="2022-10-04T16:16:59.806" v="682" actId="26606"/>
+          <ac:picMkLst>
+            <pc:docMk/>
+            <pc:sldMk cId="1479924629" sldId="258"/>
+            <ac:picMk id="10" creationId="{76BF477E-1037-8DBF-F6EA-9F38B8FBEE29}"/>
+          </ac:picMkLst>
+        </pc:picChg>
+      </pc:sldChg>
+      <pc:sldChg chg="addSp delSp modSp mod modAnim">
+        <pc:chgData name="Eduardo Martín-Sonseca.Alonso" userId="044a8a39323ca9b2" providerId="LiveId" clId="{F6C200FF-B7C6-45EA-B94B-3E06CF3AB5C5}" dt="2022-10-04T16:19:00.872" v="703"/>
+        <pc:sldMkLst>
+          <pc:docMk/>
+          <pc:sldMk cId="992274193" sldId="259"/>
+        </pc:sldMkLst>
+        <pc:spChg chg="add del mod">
+          <ac:chgData name="Eduardo Martín-Sonseca.Alonso" userId="044a8a39323ca9b2" providerId="LiveId" clId="{F6C200FF-B7C6-45EA-B94B-3E06CF3AB5C5}" dt="2022-10-04T16:16:14.568" v="667"/>
+          <ac:spMkLst>
+            <pc:docMk/>
+            <pc:sldMk cId="992274193" sldId="259"/>
+            <ac:spMk id="4" creationId="{12A9C714-CF2D-DD21-AC9C-D1474CBC83D1}"/>
+          </ac:spMkLst>
+        </pc:spChg>
+        <pc:spChg chg="mod">
+          <ac:chgData name="Eduardo Martín-Sonseca.Alonso" userId="044a8a39323ca9b2" providerId="LiveId" clId="{F6C200FF-B7C6-45EA-B94B-3E06CF3AB5C5}" dt="2022-10-04T15:13:01.337" v="0"/>
+          <ac:spMkLst>
+            <pc:docMk/>
+            <pc:sldMk cId="992274193" sldId="259"/>
+            <ac:spMk id="21" creationId="{21A386AB-C18D-BC64-063B-3AFE29BF8A08}"/>
+          </ac:spMkLst>
+        </pc:spChg>
+        <pc:spChg chg="mod">
+          <ac:chgData name="Eduardo Martín-Sonseca.Alonso" userId="044a8a39323ca9b2" providerId="LiveId" clId="{F6C200FF-B7C6-45EA-B94B-3E06CF3AB5C5}" dt="2022-10-04T15:22:57.607" v="36"/>
+          <ac:spMkLst>
+            <pc:docMk/>
+            <pc:sldMk cId="992274193" sldId="259"/>
+            <ac:spMk id="24" creationId="{66F25F73-9EC2-2F10-8F63-4E4BC279D6FB}"/>
+          </ac:spMkLst>
+        </pc:spChg>
+        <pc:picChg chg="add del mod ord">
+          <ac:chgData name="Eduardo Martín-Sonseca.Alonso" userId="044a8a39323ca9b2" providerId="LiveId" clId="{F6C200FF-B7C6-45EA-B94B-3E06CF3AB5C5}" dt="2022-10-04T16:07:11.257" v="605" actId="478"/>
+          <ac:picMkLst>
+            <pc:docMk/>
+            <pc:sldMk cId="992274193" sldId="259"/>
+            <ac:picMk id="3" creationId="{FCE40887-9591-1186-6831-F73EF6DE9105}"/>
+          </ac:picMkLst>
+        </pc:picChg>
+        <pc:picChg chg="ord">
+          <ac:chgData name="Eduardo Martín-Sonseca.Alonso" userId="044a8a39323ca9b2" providerId="LiveId" clId="{F6C200FF-B7C6-45EA-B94B-3E06CF3AB5C5}" dt="2022-10-04T16:16:58.187" v="681" actId="167"/>
+          <ac:picMkLst>
+            <pc:docMk/>
+            <pc:sldMk cId="992274193" sldId="259"/>
+            <ac:picMk id="5" creationId="{5B36CB43-E7A6-BD76-CCF3-C4308F7F9EF4}"/>
+          </ac:picMkLst>
+        </pc:picChg>
+      </pc:sldChg>
+      <pc:sldChg chg="addSp delSp modSp mod modAnim">
+        <pc:chgData name="Eduardo Martín-Sonseca.Alonso" userId="044a8a39323ca9b2" providerId="LiveId" clId="{F6C200FF-B7C6-45EA-B94B-3E06CF3AB5C5}" dt="2022-10-04T16:19:08.453" v="711"/>
+        <pc:sldMkLst>
+          <pc:docMk/>
+          <pc:sldMk cId="3613378253" sldId="260"/>
+        </pc:sldMkLst>
+        <pc:picChg chg="add del mod ord">
+          <ac:chgData name="Eduardo Martín-Sonseca.Alonso" userId="044a8a39323ca9b2" providerId="LiveId" clId="{F6C200FF-B7C6-45EA-B94B-3E06CF3AB5C5}" dt="2022-10-04T16:07:23.783" v="607" actId="478"/>
+          <ac:picMkLst>
+            <pc:docMk/>
+            <pc:sldMk cId="3613378253" sldId="260"/>
+            <ac:picMk id="4" creationId="{2FAEAAA0-5B10-C799-5ED9-DDB3E00422C4}"/>
+          </ac:picMkLst>
+        </pc:picChg>
+      </pc:sldChg>
+      <pc:sldChg chg="addSp delSp modSp mod modAnim">
+        <pc:chgData name="Eduardo Martín-Sonseca.Alonso" userId="044a8a39323ca9b2" providerId="LiveId" clId="{F6C200FF-B7C6-45EA-B94B-3E06CF3AB5C5}" dt="2022-10-04T16:19:16.288" v="716"/>
+        <pc:sldMkLst>
+          <pc:docMk/>
+          <pc:sldMk cId="1106986487" sldId="261"/>
+        </pc:sldMkLst>
+        <pc:spChg chg="mod">
+          <ac:chgData name="Eduardo Martín-Sonseca.Alonso" userId="044a8a39323ca9b2" providerId="LiveId" clId="{F6C200FF-B7C6-45EA-B94B-3E06CF3AB5C5}" dt="2022-10-04T16:07:33.667" v="608" actId="26606"/>
+          <ac:spMkLst>
+            <pc:docMk/>
+            <pc:sldMk cId="1106986487" sldId="261"/>
+            <ac:spMk id="2" creationId="{71AEC653-CF21-4A83-8228-4AB13A9E6A67}"/>
+          </ac:spMkLst>
+        </pc:spChg>
+        <pc:spChg chg="mod">
+          <ac:chgData name="Eduardo Martín-Sonseca.Alonso" userId="044a8a39323ca9b2" providerId="LiveId" clId="{F6C200FF-B7C6-45EA-B94B-3E06CF3AB5C5}" dt="2022-10-04T16:10:01.083" v="630" actId="26606"/>
+          <ac:spMkLst>
+            <pc:docMk/>
+            <pc:sldMk cId="1106986487" sldId="261"/>
+            <ac:spMk id="3" creationId="{FDA276B4-AFA8-445E-BF46-D797C1B3F0B0}"/>
+          </ac:spMkLst>
+        </pc:spChg>
+        <pc:spChg chg="del">
+          <ac:chgData name="Eduardo Martín-Sonseca.Alonso" userId="044a8a39323ca9b2" providerId="LiveId" clId="{F6C200FF-B7C6-45EA-B94B-3E06CF3AB5C5}" dt="2022-10-04T16:07:33.667" v="608" actId="26606"/>
+          <ac:spMkLst>
+            <pc:docMk/>
+            <pc:sldMk cId="1106986487" sldId="261"/>
+            <ac:spMk id="14" creationId="{F13C74B1-5B17-4795-BED0-7140497B445A}"/>
+          </ac:spMkLst>
+        </pc:spChg>
+        <pc:spChg chg="del">
+          <ac:chgData name="Eduardo Martín-Sonseca.Alonso" userId="044a8a39323ca9b2" providerId="LiveId" clId="{F6C200FF-B7C6-45EA-B94B-3E06CF3AB5C5}" dt="2022-10-04T16:07:33.667" v="608" actId="26606"/>
+          <ac:spMkLst>
+            <pc:docMk/>
+            <pc:sldMk cId="1106986487" sldId="261"/>
+            <ac:spMk id="16" creationId="{D4974D33-8DC5-464E-8C6D-BE58F0669C17}"/>
+          </ac:spMkLst>
+        </pc:spChg>
+        <pc:spChg chg="add del">
+          <ac:chgData name="Eduardo Martín-Sonseca.Alonso" userId="044a8a39323ca9b2" providerId="LiveId" clId="{F6C200FF-B7C6-45EA-B94B-3E06CF3AB5C5}" dt="2022-10-04T16:10:01.083" v="630" actId="26606"/>
+          <ac:spMkLst>
+            <pc:docMk/>
+            <pc:sldMk cId="1106986487" sldId="261"/>
+            <ac:spMk id="21" creationId="{04812C46-200A-4DEB-A05E-3ED6C68C2387}"/>
+          </ac:spMkLst>
+        </pc:spChg>
+        <pc:spChg chg="add del">
+          <ac:chgData name="Eduardo Martín-Sonseca.Alonso" userId="044a8a39323ca9b2" providerId="LiveId" clId="{F6C200FF-B7C6-45EA-B94B-3E06CF3AB5C5}" dt="2022-10-04T16:10:01.083" v="630" actId="26606"/>
+          <ac:spMkLst>
+            <pc:docMk/>
+            <pc:sldMk cId="1106986487" sldId="261"/>
+            <ac:spMk id="23" creationId="{D1EA859B-E555-4109-94F3-6700E046E008}"/>
+          </ac:spMkLst>
+        </pc:spChg>
+        <pc:spChg chg="add del">
+          <ac:chgData name="Eduardo Martín-Sonseca.Alonso" userId="044a8a39323ca9b2" providerId="LiveId" clId="{F6C200FF-B7C6-45EA-B94B-3E06CF3AB5C5}" dt="2022-10-04T16:10:01.083" v="630" actId="26606"/>
+          <ac:spMkLst>
+            <pc:docMk/>
+            <pc:sldMk cId="1106986487" sldId="261"/>
+            <ac:spMk id="28" creationId="{04812C46-200A-4DEB-A05E-3ED6C68C2387}"/>
+          </ac:spMkLst>
+        </pc:spChg>
+        <pc:spChg chg="add del">
+          <ac:chgData name="Eduardo Martín-Sonseca.Alonso" userId="044a8a39323ca9b2" providerId="LiveId" clId="{F6C200FF-B7C6-45EA-B94B-3E06CF3AB5C5}" dt="2022-10-04T16:10:01.083" v="630" actId="26606"/>
+          <ac:spMkLst>
+            <pc:docMk/>
+            <pc:sldMk cId="1106986487" sldId="261"/>
+            <ac:spMk id="30" creationId="{D1EA859B-E555-4109-94F3-6700E046E008}"/>
+          </ac:spMkLst>
+        </pc:spChg>
+        <pc:picChg chg="add del mod">
+          <ac:chgData name="Eduardo Martín-Sonseca.Alonso" userId="044a8a39323ca9b2" providerId="LiveId" clId="{F6C200FF-B7C6-45EA-B94B-3E06CF3AB5C5}" dt="2022-10-04T16:08:29.426" v="613"/>
+          <ac:picMkLst>
+            <pc:docMk/>
+            <pc:sldMk cId="1106986487" sldId="261"/>
+            <ac:picMk id="4" creationId="{032A010B-B62F-72AB-DF97-6CB8A8DDA6C0}"/>
+          </ac:picMkLst>
+        </pc:picChg>
+        <pc:picChg chg="mod ord">
+          <ac:chgData name="Eduardo Martín-Sonseca.Alonso" userId="044a8a39323ca9b2" providerId="LiveId" clId="{F6C200FF-B7C6-45EA-B94B-3E06CF3AB5C5}" dt="2022-10-04T16:07:33.667" v="608" actId="26606"/>
+          <ac:picMkLst>
+            <pc:docMk/>
+            <pc:sldMk cId="1106986487" sldId="261"/>
+            <ac:picMk id="5" creationId="{21B6396A-5947-91FB-1762-0DA1EB72CEC5}"/>
+          </ac:picMkLst>
+        </pc:picChg>
+      </pc:sldChg>
+      <pc:sldChg chg="addSp delSp modSp add del mod modAnim">
+        <pc:chgData name="Eduardo Martín-Sonseca.Alonso" userId="044a8a39323ca9b2" providerId="LiveId" clId="{F6C200FF-B7C6-45EA-B94B-3E06CF3AB5C5}" dt="2022-10-04T16:19:24.011" v="721"/>
+        <pc:sldMkLst>
+          <pc:docMk/>
+          <pc:sldMk cId="1015946967" sldId="262"/>
+        </pc:sldMkLst>
+        <pc:spChg chg="mod">
+          <ac:chgData name="Eduardo Martín-Sonseca.Alonso" userId="044a8a39323ca9b2" providerId="LiveId" clId="{F6C200FF-B7C6-45EA-B94B-3E06CF3AB5C5}" dt="2022-10-04T16:10:14.765" v="632" actId="26606"/>
+          <ac:spMkLst>
+            <pc:docMk/>
+            <pc:sldMk cId="1015946967" sldId="262"/>
+            <ac:spMk id="2" creationId="{EEFFF1FB-241B-4CF4-A2C7-CFE2DA1A9AD1}"/>
+          </ac:spMkLst>
+        </pc:spChg>
+        <pc:spChg chg="mod">
+          <ac:chgData name="Eduardo Martín-Sonseca.Alonso" userId="044a8a39323ca9b2" providerId="LiveId" clId="{F6C200FF-B7C6-45EA-B94B-3E06CF3AB5C5}" dt="2022-10-04T16:10:14.765" v="632" actId="26606"/>
+          <ac:spMkLst>
+            <pc:docMk/>
+            <pc:sldMk cId="1015946967" sldId="262"/>
+            <ac:spMk id="4" creationId="{547BDE46-D058-433A-9BA3-B8680CF7D8BA}"/>
+          </ac:spMkLst>
+        </pc:spChg>
+        <pc:spChg chg="del">
+          <ac:chgData name="Eduardo Martín-Sonseca.Alonso" userId="044a8a39323ca9b2" providerId="LiveId" clId="{F6C200FF-B7C6-45EA-B94B-3E06CF3AB5C5}" dt="2022-10-04T16:10:14.765" v="632" actId="26606"/>
+          <ac:spMkLst>
+            <pc:docMk/>
+            <pc:sldMk cId="1015946967" sldId="262"/>
+            <ac:spMk id="10" creationId="{F13C74B1-5B17-4795-BED0-7140497B445A}"/>
+          </ac:spMkLst>
+        </pc:spChg>
+        <pc:spChg chg="del">
+          <ac:chgData name="Eduardo Martín-Sonseca.Alonso" userId="044a8a39323ca9b2" providerId="LiveId" clId="{F6C200FF-B7C6-45EA-B94B-3E06CF3AB5C5}" dt="2022-10-04T16:10:14.765" v="632" actId="26606"/>
+          <ac:spMkLst>
+            <pc:docMk/>
+            <pc:sldMk cId="1015946967" sldId="262"/>
+            <ac:spMk id="12" creationId="{D4974D33-8DC5-464E-8C6D-BE58F0669C17}"/>
+          </ac:spMkLst>
+        </pc:spChg>
+        <pc:spChg chg="add">
+          <ac:chgData name="Eduardo Martín-Sonseca.Alonso" userId="044a8a39323ca9b2" providerId="LiveId" clId="{F6C200FF-B7C6-45EA-B94B-3E06CF3AB5C5}" dt="2022-10-04T16:10:14.765" v="632" actId="26606"/>
+          <ac:spMkLst>
+            <pc:docMk/>
+            <pc:sldMk cId="1015946967" sldId="262"/>
+            <ac:spMk id="17" creationId="{04812C46-200A-4DEB-A05E-3ED6C68C2387}"/>
+          </ac:spMkLst>
+        </pc:spChg>
+        <pc:spChg chg="add">
+          <ac:chgData name="Eduardo Martín-Sonseca.Alonso" userId="044a8a39323ca9b2" providerId="LiveId" clId="{F6C200FF-B7C6-45EA-B94B-3E06CF3AB5C5}" dt="2022-10-04T16:10:14.765" v="632" actId="26606"/>
+          <ac:spMkLst>
+            <pc:docMk/>
+            <pc:sldMk cId="1015946967" sldId="262"/>
+            <ac:spMk id="19" creationId="{D1EA859B-E555-4109-94F3-6700E046E008}"/>
+          </ac:spMkLst>
+        </pc:spChg>
+        <pc:picChg chg="add del mod">
+          <ac:chgData name="Eduardo Martín-Sonseca.Alonso" userId="044a8a39323ca9b2" providerId="LiveId" clId="{F6C200FF-B7C6-45EA-B94B-3E06CF3AB5C5}" dt="2022-10-04T16:08:07.028" v="611" actId="478"/>
+          <ac:picMkLst>
+            <pc:docMk/>
+            <pc:sldMk cId="1015946967" sldId="262"/>
+            <ac:picMk id="3" creationId="{5A8AE9C6-D1A7-0FF4-271A-1C7FA8E060F4}"/>
+          </ac:picMkLst>
+        </pc:picChg>
+        <pc:picChg chg="mod ord">
+          <ac:chgData name="Eduardo Martín-Sonseca.Alonso" userId="044a8a39323ca9b2" providerId="LiveId" clId="{F6C200FF-B7C6-45EA-B94B-3E06CF3AB5C5}" dt="2022-10-04T16:10:14.765" v="632" actId="26606"/>
+          <ac:picMkLst>
+            <pc:docMk/>
+            <pc:sldMk cId="1015946967" sldId="262"/>
+            <ac:picMk id="6" creationId="{79AA5A64-38BA-1418-E9EA-6EB7A8A88E30}"/>
+          </ac:picMkLst>
+        </pc:picChg>
+        <pc:picChg chg="add del mod ord">
+          <ac:chgData name="Eduardo Martín-Sonseca.Alonso" userId="044a8a39323ca9b2" providerId="LiveId" clId="{F6C200FF-B7C6-45EA-B94B-3E06CF3AB5C5}" dt="2022-10-04T16:08:37.101" v="615" actId="478"/>
+          <ac:picMkLst>
+            <pc:docMk/>
+            <pc:sldMk cId="1015946967" sldId="262"/>
+            <ac:picMk id="7" creationId="{A3EE4586-9C1E-5459-8850-6B7767C1F058}"/>
+          </ac:picMkLst>
+        </pc:picChg>
+      </pc:sldChg>
+      <pc:sldChg chg="addSp delSp modSp mod modAnim">
+        <pc:chgData name="Eduardo Martín-Sonseca.Alonso" userId="044a8a39323ca9b2" providerId="LiveId" clId="{F6C200FF-B7C6-45EA-B94B-3E06CF3AB5C5}" dt="2022-10-04T16:19:30.015" v="725"/>
+        <pc:sldMkLst>
+          <pc:docMk/>
+          <pc:sldMk cId="3858405899" sldId="263"/>
+        </pc:sldMkLst>
+        <pc:spChg chg="mod">
+          <ac:chgData name="Eduardo Martín-Sonseca.Alonso" userId="044a8a39323ca9b2" providerId="LiveId" clId="{F6C200FF-B7C6-45EA-B94B-3E06CF3AB5C5}" dt="2022-10-04T16:12:58.741" v="649" actId="26606"/>
+          <ac:spMkLst>
+            <pc:docMk/>
+            <pc:sldMk cId="3858405899" sldId="263"/>
+            <ac:spMk id="2" creationId="{0CD28B4F-CA59-40E4-9706-0BB2A315AE0A}"/>
+          </ac:spMkLst>
+        </pc:spChg>
+        <pc:spChg chg="mod">
+          <ac:chgData name="Eduardo Martín-Sonseca.Alonso" userId="044a8a39323ca9b2" providerId="LiveId" clId="{F6C200FF-B7C6-45EA-B94B-3E06CF3AB5C5}" dt="2022-10-04T16:12:58.741" v="649" actId="26606"/>
+          <ac:spMkLst>
+            <pc:docMk/>
+            <pc:sldMk cId="3858405899" sldId="263"/>
+            <ac:spMk id="4" creationId="{A779A601-EB60-48FD-93E8-41E0FF30C6FB}"/>
+          </ac:spMkLst>
+        </pc:spChg>
+        <pc:spChg chg="del">
+          <ac:chgData name="Eduardo Martín-Sonseca.Alonso" userId="044a8a39323ca9b2" providerId="LiveId" clId="{F6C200FF-B7C6-45EA-B94B-3E06CF3AB5C5}" dt="2022-10-04T16:11:28.615" v="637" actId="26606"/>
+          <ac:spMkLst>
+            <pc:docMk/>
+            <pc:sldMk cId="3858405899" sldId="263"/>
+            <ac:spMk id="10" creationId="{F13C74B1-5B17-4795-BED0-7140497B445A}"/>
+          </ac:spMkLst>
+        </pc:spChg>
+        <pc:spChg chg="del">
+          <ac:chgData name="Eduardo Martín-Sonseca.Alonso" userId="044a8a39323ca9b2" providerId="LiveId" clId="{F6C200FF-B7C6-45EA-B94B-3E06CF3AB5C5}" dt="2022-10-04T16:11:28.615" v="637" actId="26606"/>
+          <ac:spMkLst>
+            <pc:docMk/>
+            <pc:sldMk cId="3858405899" sldId="263"/>
+            <ac:spMk id="12" creationId="{D4974D33-8DC5-464E-8C6D-BE58F0669C17}"/>
+          </ac:spMkLst>
+        </pc:spChg>
+        <pc:spChg chg="add del">
+          <ac:chgData name="Eduardo Martín-Sonseca.Alonso" userId="044a8a39323ca9b2" providerId="LiveId" clId="{F6C200FF-B7C6-45EA-B94B-3E06CF3AB5C5}" dt="2022-10-04T16:12:31.588" v="645" actId="26606"/>
+          <ac:spMkLst>
+            <pc:docMk/>
+            <pc:sldMk cId="3858405899" sldId="263"/>
+            <ac:spMk id="17" creationId="{04812C46-200A-4DEB-A05E-3ED6C68C2387}"/>
+          </ac:spMkLst>
+        </pc:spChg>
+        <pc:spChg chg="add del">
+          <ac:chgData name="Eduardo Martín-Sonseca.Alonso" userId="044a8a39323ca9b2" providerId="LiveId" clId="{F6C200FF-B7C6-45EA-B94B-3E06CF3AB5C5}" dt="2022-10-04T16:12:31.588" v="645" actId="26606"/>
+          <ac:spMkLst>
+            <pc:docMk/>
+            <pc:sldMk cId="3858405899" sldId="263"/>
+            <ac:spMk id="19" creationId="{D1EA859B-E555-4109-94F3-6700E046E008}"/>
+          </ac:spMkLst>
+        </pc:spChg>
+        <pc:spChg chg="add del">
+          <ac:chgData name="Eduardo Martín-Sonseca.Alonso" userId="044a8a39323ca9b2" providerId="LiveId" clId="{F6C200FF-B7C6-45EA-B94B-3E06CF3AB5C5}" dt="2022-10-04T16:12:58.741" v="649" actId="26606"/>
+          <ac:spMkLst>
+            <pc:docMk/>
+            <pc:sldMk cId="3858405899" sldId="263"/>
+            <ac:spMk id="24" creationId="{F94AA2BD-2E3F-4B1D-8127-5744B8115311}"/>
+          </ac:spMkLst>
+        </pc:spChg>
+        <pc:spChg chg="add del">
+          <ac:chgData name="Eduardo Martín-Sonseca.Alonso" userId="044a8a39323ca9b2" providerId="LiveId" clId="{F6C200FF-B7C6-45EA-B94B-3E06CF3AB5C5}" dt="2022-10-04T16:12:58.741" v="649" actId="26606"/>
+          <ac:spMkLst>
+            <pc:docMk/>
+            <pc:sldMk cId="3858405899" sldId="263"/>
+            <ac:spMk id="26" creationId="{4BD02261-2DC8-4AA8-9E16-7751AE892445}"/>
+          </ac:spMkLst>
+        </pc:spChg>
+        <pc:spChg chg="add del">
+          <ac:chgData name="Eduardo Martín-Sonseca.Alonso" userId="044a8a39323ca9b2" providerId="LiveId" clId="{F6C200FF-B7C6-45EA-B94B-3E06CF3AB5C5}" dt="2022-10-04T16:12:58.741" v="649" actId="26606"/>
+          <ac:spMkLst>
+            <pc:docMk/>
+            <pc:sldMk cId="3858405899" sldId="263"/>
+            <ac:spMk id="28" creationId="{3D752CF2-2291-40B5-B462-C17B174C10BC}"/>
+          </ac:spMkLst>
+        </pc:spChg>
+        <pc:spChg chg="add">
+          <ac:chgData name="Eduardo Martín-Sonseca.Alonso" userId="044a8a39323ca9b2" providerId="LiveId" clId="{F6C200FF-B7C6-45EA-B94B-3E06CF3AB5C5}" dt="2022-10-04T16:12:58.741" v="649" actId="26606"/>
+          <ac:spMkLst>
+            <pc:docMk/>
+            <pc:sldMk cId="3858405899" sldId="263"/>
+            <ac:spMk id="33" creationId="{04812C46-200A-4DEB-A05E-3ED6C68C2387}"/>
+          </ac:spMkLst>
+        </pc:spChg>
+        <pc:spChg chg="add">
+          <ac:chgData name="Eduardo Martín-Sonseca.Alonso" userId="044a8a39323ca9b2" providerId="LiveId" clId="{F6C200FF-B7C6-45EA-B94B-3E06CF3AB5C5}" dt="2022-10-04T16:12:58.741" v="649" actId="26606"/>
+          <ac:spMkLst>
+            <pc:docMk/>
+            <pc:sldMk cId="3858405899" sldId="263"/>
+            <ac:spMk id="35" creationId="{D1EA859B-E555-4109-94F3-6700E046E008}"/>
+          </ac:spMkLst>
+        </pc:spChg>
+        <pc:picChg chg="add del mod">
+          <ac:chgData name="Eduardo Martín-Sonseca.Alonso" userId="044a8a39323ca9b2" providerId="LiveId" clId="{F6C200FF-B7C6-45EA-B94B-3E06CF3AB5C5}" dt="2022-10-04T16:10:36.699" v="634" actId="478"/>
+          <ac:picMkLst>
+            <pc:docMk/>
+            <pc:sldMk cId="3858405899" sldId="263"/>
+            <ac:picMk id="3" creationId="{322A5B0C-DB93-3457-621A-E7B552D74C25}"/>
+          </ac:picMkLst>
+        </pc:picChg>
+        <pc:picChg chg="del mod ord">
+          <ac:chgData name="Eduardo Martín-Sonseca.Alonso" userId="044a8a39323ca9b2" providerId="LiveId" clId="{F6C200FF-B7C6-45EA-B94B-3E06CF3AB5C5}" dt="2022-10-04T16:12:43.001" v="646" actId="478"/>
+          <ac:picMkLst>
+            <pc:docMk/>
+            <pc:sldMk cId="3858405899" sldId="263"/>
+            <ac:picMk id="6" creationId="{C263EEF0-96AD-EB64-177B-B07104601C26}"/>
+          </ac:picMkLst>
+        </pc:picChg>
+        <pc:picChg chg="add mod ord">
+          <ac:chgData name="Eduardo Martín-Sonseca.Alonso" userId="044a8a39323ca9b2" providerId="LiveId" clId="{F6C200FF-B7C6-45EA-B94B-3E06CF3AB5C5}" dt="2022-10-04T16:12:49.779" v="648" actId="167"/>
+          <ac:picMkLst>
+            <pc:docMk/>
+            <pc:sldMk cId="3858405899" sldId="263"/>
+            <ac:picMk id="7" creationId="{CB28650D-5BCE-E86D-9875-DDB208C75F95}"/>
+          </ac:picMkLst>
+        </pc:picChg>
+      </pc:sldChg>
+      <pc:sldChg chg="addSp delSp modSp mod modAnim">
+        <pc:chgData name="Eduardo Martín-Sonseca.Alonso" userId="044a8a39323ca9b2" providerId="LiveId" clId="{F6C200FF-B7C6-45EA-B94B-3E06CF3AB5C5}" dt="2022-10-04T16:19:35.707" v="730"/>
+        <pc:sldMkLst>
+          <pc:docMk/>
+          <pc:sldMk cId="3580276719" sldId="264"/>
+        </pc:sldMkLst>
+        <pc:spChg chg="mod">
+          <ac:chgData name="Eduardo Martín-Sonseca.Alonso" userId="044a8a39323ca9b2" providerId="LiveId" clId="{F6C200FF-B7C6-45EA-B94B-3E06CF3AB5C5}" dt="2022-10-04T16:13:17.578" v="652" actId="26606"/>
+          <ac:spMkLst>
+            <pc:docMk/>
+            <pc:sldMk cId="3580276719" sldId="264"/>
+            <ac:spMk id="2" creationId="{8BC7EFD9-5CAF-431F-A9FF-09DE566F3543}"/>
+          </ac:spMkLst>
+        </pc:spChg>
+        <pc:spChg chg="mod">
+          <ac:chgData name="Eduardo Martín-Sonseca.Alonso" userId="044a8a39323ca9b2" providerId="LiveId" clId="{F6C200FF-B7C6-45EA-B94B-3E06CF3AB5C5}" dt="2022-10-04T16:13:17.578" v="652" actId="26606"/>
+          <ac:spMkLst>
+            <pc:docMk/>
+            <pc:sldMk cId="3580276719" sldId="264"/>
+            <ac:spMk id="3" creationId="{29A8ECE2-FE08-4C93-9877-2C065094BC53}"/>
+          </ac:spMkLst>
+        </pc:spChg>
+        <pc:spChg chg="del">
+          <ac:chgData name="Eduardo Martín-Sonseca.Alonso" userId="044a8a39323ca9b2" providerId="LiveId" clId="{F6C200FF-B7C6-45EA-B94B-3E06CF3AB5C5}" dt="2022-10-04T16:13:17.578" v="652" actId="26606"/>
+          <ac:spMkLst>
+            <pc:docMk/>
+            <pc:sldMk cId="3580276719" sldId="264"/>
+            <ac:spMk id="21" creationId="{F13C74B1-5B17-4795-BED0-7140497B445A}"/>
+          </ac:spMkLst>
+        </pc:spChg>
+        <pc:spChg chg="del">
+          <ac:chgData name="Eduardo Martín-Sonseca.Alonso" userId="044a8a39323ca9b2" providerId="LiveId" clId="{F6C200FF-B7C6-45EA-B94B-3E06CF3AB5C5}" dt="2022-10-04T16:13:17.578" v="652" actId="26606"/>
+          <ac:spMkLst>
+            <pc:docMk/>
+            <pc:sldMk cId="3580276719" sldId="264"/>
+            <ac:spMk id="23" creationId="{D4974D33-8DC5-464E-8C6D-BE58F0669C17}"/>
+          </ac:spMkLst>
+        </pc:spChg>
+        <pc:spChg chg="add">
+          <ac:chgData name="Eduardo Martín-Sonseca.Alonso" userId="044a8a39323ca9b2" providerId="LiveId" clId="{F6C200FF-B7C6-45EA-B94B-3E06CF3AB5C5}" dt="2022-10-04T16:13:17.578" v="652" actId="26606"/>
+          <ac:spMkLst>
+            <pc:docMk/>
+            <pc:sldMk cId="3580276719" sldId="264"/>
+            <ac:spMk id="28" creationId="{04812C46-200A-4DEB-A05E-3ED6C68C2387}"/>
+          </ac:spMkLst>
+        </pc:spChg>
+        <pc:spChg chg="add">
+          <ac:chgData name="Eduardo Martín-Sonseca.Alonso" userId="044a8a39323ca9b2" providerId="LiveId" clId="{F6C200FF-B7C6-45EA-B94B-3E06CF3AB5C5}" dt="2022-10-04T16:13:17.578" v="652" actId="26606"/>
+          <ac:spMkLst>
+            <pc:docMk/>
+            <pc:sldMk cId="3580276719" sldId="264"/>
+            <ac:spMk id="30" creationId="{D1EA859B-E555-4109-94F3-6700E046E008}"/>
+          </ac:spMkLst>
+        </pc:spChg>
+        <pc:picChg chg="add del mod">
+          <ac:chgData name="Eduardo Martín-Sonseca.Alonso" userId="044a8a39323ca9b2" providerId="LiveId" clId="{F6C200FF-B7C6-45EA-B94B-3E06CF3AB5C5}" dt="2022-10-04T16:10:50.289" v="635" actId="478"/>
+          <ac:picMkLst>
+            <pc:docMk/>
+            <pc:sldMk cId="3580276719" sldId="264"/>
+            <ac:picMk id="4" creationId="{966DBF5B-50F7-275E-84B0-A0A5B1DBDF38}"/>
+          </ac:picMkLst>
+        </pc:picChg>
+        <pc:picChg chg="del">
+          <ac:chgData name="Eduardo Martín-Sonseca.Alonso" userId="044a8a39323ca9b2" providerId="LiveId" clId="{F6C200FF-B7C6-45EA-B94B-3E06CF3AB5C5}" dt="2022-10-04T16:10:51.451" v="636" actId="478"/>
+          <ac:picMkLst>
+            <pc:docMk/>
+            <pc:sldMk cId="3580276719" sldId="264"/>
+            <ac:picMk id="5" creationId="{5331785D-2CFF-B332-5634-22F0E76967B1}"/>
+          </ac:picMkLst>
+        </pc:picChg>
+        <pc:picChg chg="add mod ord">
+          <ac:chgData name="Eduardo Martín-Sonseca.Alonso" userId="044a8a39323ca9b2" providerId="LiveId" clId="{F6C200FF-B7C6-45EA-B94B-3E06CF3AB5C5}" dt="2022-10-04T16:13:09.343" v="651" actId="167"/>
+          <ac:picMkLst>
+            <pc:docMk/>
+            <pc:sldMk cId="3580276719" sldId="264"/>
+            <ac:picMk id="7" creationId="{1318ED78-26C3-DCB2-F1A0-481B28209006}"/>
+          </ac:picMkLst>
+        </pc:picChg>
+      </pc:sldChg>
+      <pc:sldChg chg="addSp delSp modSp mod modAnim">
+        <pc:chgData name="Eduardo Martín-Sonseca.Alonso" userId="044a8a39323ca9b2" providerId="LiveId" clId="{F6C200FF-B7C6-45EA-B94B-3E06CF3AB5C5}" dt="2022-10-04T16:19:54.076" v="737"/>
+        <pc:sldMkLst>
+          <pc:docMk/>
+          <pc:sldMk cId="4137332662" sldId="265"/>
+        </pc:sldMkLst>
+        <pc:spChg chg="add mod">
+          <ac:chgData name="Eduardo Martín-Sonseca.Alonso" userId="044a8a39323ca9b2" providerId="LiveId" clId="{F6C200FF-B7C6-45EA-B94B-3E06CF3AB5C5}" dt="2022-10-04T15:28:29.326" v="188" actId="14100"/>
+          <ac:spMkLst>
+            <pc:docMk/>
+            <pc:sldMk cId="4137332662" sldId="265"/>
+            <ac:spMk id="4" creationId="{F1E1F019-AE81-B16F-5ABB-78D9B2DD70F3}"/>
+          </ac:spMkLst>
+        </pc:spChg>
+        <pc:picChg chg="add del mod">
+          <ac:chgData name="Eduardo Martín-Sonseca.Alonso" userId="044a8a39323ca9b2" providerId="LiveId" clId="{F6C200FF-B7C6-45EA-B94B-3E06CF3AB5C5}" dt="2022-10-04T16:11:48.582" v="638" actId="478"/>
+          <ac:picMkLst>
+            <pc:docMk/>
+            <pc:sldMk cId="4137332662" sldId="265"/>
+            <ac:picMk id="5" creationId="{D55F3B91-4FEB-F50C-F3F7-000E22ACE4B6}"/>
+          </ac:picMkLst>
+        </pc:picChg>
+      </pc:sldChg>
+      <pc:sldChg chg="addSp delSp modSp new add del mod modAnim">
+        <pc:chgData name="Eduardo Martín-Sonseca.Alonso" userId="044a8a39323ca9b2" providerId="LiveId" clId="{F6C200FF-B7C6-45EA-B94B-3E06CF3AB5C5}" dt="2022-10-04T16:19:58.594" v="739"/>
+        <pc:sldMkLst>
+          <pc:docMk/>
+          <pc:sldMk cId="1986842871" sldId="266"/>
+        </pc:sldMkLst>
+        <pc:spChg chg="mod">
+          <ac:chgData name="Eduardo Martín-Sonseca.Alonso" userId="044a8a39323ca9b2" providerId="LiveId" clId="{F6C200FF-B7C6-45EA-B94B-3E06CF3AB5C5}" dt="2022-10-04T15:13:24.683" v="35" actId="20577"/>
+          <ac:spMkLst>
+            <pc:docMk/>
+            <pc:sldMk cId="1986842871" sldId="266"/>
+            <ac:spMk id="2" creationId="{F0C22993-4CD9-EBAF-934E-DB27FCD13528}"/>
+          </ac:spMkLst>
+        </pc:spChg>
+        <pc:spChg chg="add mod">
+          <ac:chgData name="Eduardo Martín-Sonseca.Alonso" userId="044a8a39323ca9b2" providerId="LiveId" clId="{F6C200FF-B7C6-45EA-B94B-3E06CF3AB5C5}" dt="2022-10-04T15:28:36.149" v="189"/>
+          <ac:spMkLst>
+            <pc:docMk/>
+            <pc:sldMk cId="1986842871" sldId="266"/>
+            <ac:spMk id="4" creationId="{EEC22C99-7282-A5BD-FD99-9AA99FF036C0}"/>
+          </ac:spMkLst>
+        </pc:spChg>
+        <pc:picChg chg="add del mod">
+          <ac:chgData name="Eduardo Martín-Sonseca.Alonso" userId="044a8a39323ca9b2" providerId="LiveId" clId="{F6C200FF-B7C6-45EA-B94B-3E06CF3AB5C5}" dt="2022-10-04T16:11:56.713" v="641" actId="478"/>
+          <ac:picMkLst>
+            <pc:docMk/>
+            <pc:sldMk cId="1986842871" sldId="266"/>
+            <ac:picMk id="5" creationId="{ED840ED9-B71A-A36C-0B28-AB30DE668FA3}"/>
+          </ac:picMkLst>
+        </pc:picChg>
+      </pc:sldChg>
+      <pc:sldChg chg="addSp delSp modSp new mod modAnim">
+        <pc:chgData name="Eduardo Martín-Sonseca.Alonso" userId="044a8a39323ca9b2" providerId="LiveId" clId="{F6C200FF-B7C6-45EA-B94B-3E06CF3AB5C5}" dt="2022-10-04T16:20:04.859" v="741"/>
+        <pc:sldMkLst>
+          <pc:docMk/>
+          <pc:sldMk cId="147166308" sldId="267"/>
+        </pc:sldMkLst>
+        <pc:spChg chg="mod">
+          <ac:chgData name="Eduardo Martín-Sonseca.Alonso" userId="044a8a39323ca9b2" providerId="LiveId" clId="{F6C200FF-B7C6-45EA-B94B-3E06CF3AB5C5}" dt="2022-10-04T15:23:12.354" v="50" actId="20577"/>
+          <ac:spMkLst>
+            <pc:docMk/>
+            <pc:sldMk cId="147166308" sldId="267"/>
+            <ac:spMk id="2" creationId="{AF782538-6BA3-40E9-97C7-BA07F82D710C}"/>
+          </ac:spMkLst>
+        </pc:spChg>
+        <pc:spChg chg="add mod">
+          <ac:chgData name="Eduardo Martín-Sonseca.Alonso" userId="044a8a39323ca9b2" providerId="LiveId" clId="{F6C200FF-B7C6-45EA-B94B-3E06CF3AB5C5}" dt="2022-10-04T15:28:38.288" v="190"/>
+          <ac:spMkLst>
+            <pc:docMk/>
+            <pc:sldMk cId="147166308" sldId="267"/>
+            <ac:spMk id="4" creationId="{458A7921-403F-ED21-3E2F-51270E6BAA2B}"/>
+          </ac:spMkLst>
+        </pc:spChg>
+        <pc:picChg chg="add del mod">
+          <ac:chgData name="Eduardo Martín-Sonseca.Alonso" userId="044a8a39323ca9b2" providerId="LiveId" clId="{F6C200FF-B7C6-45EA-B94B-3E06CF3AB5C5}" dt="2022-10-04T16:11:58.535" v="642" actId="478"/>
+          <ac:picMkLst>
+            <pc:docMk/>
+            <pc:sldMk cId="147166308" sldId="267"/>
+            <ac:picMk id="5" creationId="{787E73FC-C81F-63B4-CE99-08439105FB8E}"/>
+          </ac:picMkLst>
+        </pc:picChg>
+      </pc:sldChg>
+      <pc:sldChg chg="addSp delSp modSp new mod modAnim">
+        <pc:chgData name="Eduardo Martín-Sonseca.Alonso" userId="044a8a39323ca9b2" providerId="LiveId" clId="{F6C200FF-B7C6-45EA-B94B-3E06CF3AB5C5}" dt="2022-10-04T16:20:09.530" v="743"/>
+        <pc:sldMkLst>
+          <pc:docMk/>
+          <pc:sldMk cId="2542492578" sldId="268"/>
+        </pc:sldMkLst>
+        <pc:spChg chg="mod">
+          <ac:chgData name="Eduardo Martín-Sonseca.Alonso" userId="044a8a39323ca9b2" providerId="LiveId" clId="{F6C200FF-B7C6-45EA-B94B-3E06CF3AB5C5}" dt="2022-10-04T15:25:21.033" v="83" actId="20577"/>
+          <ac:spMkLst>
+            <pc:docMk/>
+            <pc:sldMk cId="2542492578" sldId="268"/>
+            <ac:spMk id="2" creationId="{8607B768-0810-B456-80FF-C4AE6555F84F}"/>
+          </ac:spMkLst>
+        </pc:spChg>
+        <pc:spChg chg="add mod">
+          <ac:chgData name="Eduardo Martín-Sonseca.Alonso" userId="044a8a39323ca9b2" providerId="LiveId" clId="{F6C200FF-B7C6-45EA-B94B-3E06CF3AB5C5}" dt="2022-10-04T15:28:40.394" v="191"/>
+          <ac:spMkLst>
+            <pc:docMk/>
+            <pc:sldMk cId="2542492578" sldId="268"/>
+            <ac:spMk id="4" creationId="{3E441317-6587-C5CB-E408-F463C0E185BF}"/>
+          </ac:spMkLst>
+        </pc:spChg>
+        <pc:picChg chg="add del mod">
+          <ac:chgData name="Eduardo Martín-Sonseca.Alonso" userId="044a8a39323ca9b2" providerId="LiveId" clId="{F6C200FF-B7C6-45EA-B94B-3E06CF3AB5C5}" dt="2022-10-04T16:12:01.045" v="643" actId="478"/>
+          <ac:picMkLst>
+            <pc:docMk/>
+            <pc:sldMk cId="2542492578" sldId="268"/>
+            <ac:picMk id="5" creationId="{B1FCBD92-22AD-4AFA-0EF1-21F7C6E9884C}"/>
+          </ac:picMkLst>
+        </pc:picChg>
+      </pc:sldChg>
+      <pc:sldChg chg="addSp delSp modSp new mod modAnim">
+        <pc:chgData name="Eduardo Martín-Sonseca.Alonso" userId="044a8a39323ca9b2" providerId="LiveId" clId="{F6C200FF-B7C6-45EA-B94B-3E06CF3AB5C5}" dt="2022-10-04T16:20:14.892" v="745"/>
+        <pc:sldMkLst>
+          <pc:docMk/>
+          <pc:sldMk cId="2049985783" sldId="269"/>
+        </pc:sldMkLst>
+        <pc:spChg chg="mod">
+          <ac:chgData name="Eduardo Martín-Sonseca.Alonso" userId="044a8a39323ca9b2" providerId="LiveId" clId="{F6C200FF-B7C6-45EA-B94B-3E06CF3AB5C5}" dt="2022-10-04T15:25:34.226" v="97" actId="20577"/>
+          <ac:spMkLst>
+            <pc:docMk/>
+            <pc:sldMk cId="2049985783" sldId="269"/>
+            <ac:spMk id="2" creationId="{C72BE69A-9CC3-B6DB-D96B-D5B859E8B1E0}"/>
+          </ac:spMkLst>
+        </pc:spChg>
+        <pc:spChg chg="add mod">
+          <ac:chgData name="Eduardo Martín-Sonseca.Alonso" userId="044a8a39323ca9b2" providerId="LiveId" clId="{F6C200FF-B7C6-45EA-B94B-3E06CF3AB5C5}" dt="2022-10-04T15:28:43.098" v="192"/>
+          <ac:spMkLst>
+            <pc:docMk/>
+            <pc:sldMk cId="2049985783" sldId="269"/>
+            <ac:spMk id="4" creationId="{DD183648-FD5B-F4B3-C1E9-1BEB2C4915DD}"/>
+          </ac:spMkLst>
+        </pc:spChg>
+        <pc:picChg chg="add del mod">
+          <ac:chgData name="Eduardo Martín-Sonseca.Alonso" userId="044a8a39323ca9b2" providerId="LiveId" clId="{F6C200FF-B7C6-45EA-B94B-3E06CF3AB5C5}" dt="2022-10-04T16:12:03.760" v="644" actId="478"/>
+          <ac:picMkLst>
+            <pc:docMk/>
+            <pc:sldMk cId="2049985783" sldId="269"/>
+            <ac:picMk id="5" creationId="{82757795-4F4D-FDA7-B7D0-BF48AFA35495}"/>
+          </ac:picMkLst>
+        </pc:picChg>
+      </pc:sldChg>
+      <pc:sldChg chg="addSp delSp modSp new mod modAnim">
+        <pc:chgData name="Eduardo Martín-Sonseca.Alonso" userId="044a8a39323ca9b2" providerId="LiveId" clId="{F6C200FF-B7C6-45EA-B94B-3E06CF3AB5C5}" dt="2022-10-04T16:20:19.601" v="747"/>
+        <pc:sldMkLst>
+          <pc:docMk/>
+          <pc:sldMk cId="43089264" sldId="270"/>
+        </pc:sldMkLst>
+        <pc:spChg chg="mod">
+          <ac:chgData name="Eduardo Martín-Sonseca.Alonso" userId="044a8a39323ca9b2" providerId="LiveId" clId="{F6C200FF-B7C6-45EA-B94B-3E06CF3AB5C5}" dt="2022-10-04T15:25:50.067" v="110" actId="20577"/>
+          <ac:spMkLst>
+            <pc:docMk/>
+            <pc:sldMk cId="43089264" sldId="270"/>
+            <ac:spMk id="2" creationId="{45FB622A-3735-1AE0-8C20-270A97E71FEC}"/>
+          </ac:spMkLst>
+        </pc:spChg>
+        <pc:spChg chg="del mod">
+          <ac:chgData name="Eduardo Martín-Sonseca.Alonso" userId="044a8a39323ca9b2" providerId="LiveId" clId="{F6C200FF-B7C6-45EA-B94B-3E06CF3AB5C5}" dt="2022-10-04T16:01:58.282" v="554" actId="21"/>
+          <ac:spMkLst>
+            <pc:docMk/>
+            <pc:sldMk cId="43089264" sldId="270"/>
+            <ac:spMk id="3" creationId="{37FBD6FF-0C7F-EEA9-373F-62397C957295}"/>
+          </ac:spMkLst>
+        </pc:spChg>
+        <pc:spChg chg="add mod">
+          <ac:chgData name="Eduardo Martín-Sonseca.Alonso" userId="044a8a39323ca9b2" providerId="LiveId" clId="{F6C200FF-B7C6-45EA-B94B-3E06CF3AB5C5}" dt="2022-10-04T15:28:45.390" v="193"/>
+          <ac:spMkLst>
+            <pc:docMk/>
+            <pc:sldMk cId="43089264" sldId="270"/>
+            <ac:spMk id="4" creationId="{8729478B-DE65-B677-CBEA-EE8228474FB1}"/>
+          </ac:spMkLst>
+        </pc:spChg>
+        <pc:spChg chg="add del mod">
+          <ac:chgData name="Eduardo Martín-Sonseca.Alonso" userId="044a8a39323ca9b2" providerId="LiveId" clId="{F6C200FF-B7C6-45EA-B94B-3E06CF3AB5C5}" dt="2022-10-04T16:01:58.282" v="554" actId="21"/>
+          <ac:spMkLst>
+            <pc:docMk/>
+            <pc:sldMk cId="43089264" sldId="270"/>
+            <ac:spMk id="5" creationId="{518EDA90-6C0F-CE35-07B2-D1E39BF2F66A}"/>
+          </ac:spMkLst>
+        </pc:spChg>
+        <pc:spChg chg="add del mod">
+          <ac:chgData name="Eduardo Martín-Sonseca.Alonso" userId="044a8a39323ca9b2" providerId="LiveId" clId="{F6C200FF-B7C6-45EA-B94B-3E06CF3AB5C5}" dt="2022-10-04T15:33:34.621" v="250" actId="478"/>
+          <ac:spMkLst>
+            <pc:docMk/>
+            <pc:sldMk cId="43089264" sldId="270"/>
+            <ac:spMk id="7" creationId="{F189E436-8B69-CEFC-9EA9-284E520A99D4}"/>
+          </ac:spMkLst>
+        </pc:spChg>
+        <pc:spChg chg="add del mod">
+          <ac:chgData name="Eduardo Martín-Sonseca.Alonso" userId="044a8a39323ca9b2" providerId="LiveId" clId="{F6C200FF-B7C6-45EA-B94B-3E06CF3AB5C5}" dt="2022-10-04T16:01:58.282" v="554" actId="21"/>
+          <ac:spMkLst>
+            <pc:docMk/>
+            <pc:sldMk cId="43089264" sldId="270"/>
+            <ac:spMk id="9" creationId="{69D1B8BC-7FC3-C276-8070-393FFD02BC5C}"/>
+          </ac:spMkLst>
+        </pc:spChg>
+        <pc:spChg chg="add del">
+          <ac:chgData name="Eduardo Martín-Sonseca.Alonso" userId="044a8a39323ca9b2" providerId="LiveId" clId="{F6C200FF-B7C6-45EA-B94B-3E06CF3AB5C5}" dt="2022-10-04T15:43:35.455" v="335" actId="22"/>
+          <ac:spMkLst>
+            <pc:docMk/>
+            <pc:sldMk cId="43089264" sldId="270"/>
+            <ac:spMk id="11" creationId="{0951AD6F-D106-2DCE-1748-E05E2DD2330F}"/>
+          </ac:spMkLst>
+        </pc:spChg>
+        <pc:spChg chg="add del mod">
+          <ac:chgData name="Eduardo Martín-Sonseca.Alonso" userId="044a8a39323ca9b2" providerId="LiveId" clId="{F6C200FF-B7C6-45EA-B94B-3E06CF3AB5C5}" dt="2022-10-04T16:01:58.282" v="554" actId="21"/>
+          <ac:spMkLst>
+            <pc:docMk/>
+            <pc:sldMk cId="43089264" sldId="270"/>
+            <ac:spMk id="12" creationId="{5101C94E-C9CE-6752-3D62-58787D00ED71}"/>
+          </ac:spMkLst>
+        </pc:spChg>
+        <pc:spChg chg="add del mod">
+          <ac:chgData name="Eduardo Martín-Sonseca.Alonso" userId="044a8a39323ca9b2" providerId="LiveId" clId="{F6C200FF-B7C6-45EA-B94B-3E06CF3AB5C5}" dt="2022-10-04T16:01:58.282" v="554" actId="21"/>
+          <ac:spMkLst>
+            <pc:docMk/>
+            <pc:sldMk cId="43089264" sldId="270"/>
+            <ac:spMk id="14" creationId="{832ACF11-A429-C4D4-2B7E-78C6ED59B063}"/>
+          </ac:spMkLst>
+        </pc:spChg>
+        <pc:spChg chg="add del mod">
+          <ac:chgData name="Eduardo Martín-Sonseca.Alonso" userId="044a8a39323ca9b2" providerId="LiveId" clId="{F6C200FF-B7C6-45EA-B94B-3E06CF3AB5C5}" dt="2022-10-04T16:02:06.394" v="555" actId="478"/>
+          <ac:spMkLst>
+            <pc:docMk/>
+            <pc:sldMk cId="43089264" sldId="270"/>
+            <ac:spMk id="16" creationId="{7105D972-ADB0-8998-D369-F3F44198D488}"/>
+          </ac:spMkLst>
+        </pc:spChg>
+        <pc:spChg chg="add mod">
+          <ac:chgData name="Eduardo Martín-Sonseca.Alonso" userId="044a8a39323ca9b2" providerId="LiveId" clId="{F6C200FF-B7C6-45EA-B94B-3E06CF3AB5C5}" dt="2022-10-04T16:02:08.171" v="556"/>
+          <ac:spMkLst>
+            <pc:docMk/>
+            <pc:sldMk cId="43089264" sldId="270"/>
+            <ac:spMk id="17" creationId="{E6B48D0B-0218-7491-FC5B-6BDB70BE77A7}"/>
+          </ac:spMkLst>
+        </pc:spChg>
+        <pc:spChg chg="add del mod">
+          <ac:chgData name="Eduardo Martín-Sonseca.Alonso" userId="044a8a39323ca9b2" providerId="LiveId" clId="{F6C200FF-B7C6-45EA-B94B-3E06CF3AB5C5}" dt="2022-10-04T16:02:23.648" v="558" actId="21"/>
+          <ac:spMkLst>
+            <pc:docMk/>
+            <pc:sldMk cId="43089264" sldId="270"/>
+            <ac:spMk id="18" creationId="{19844975-069F-06EC-9409-0CF0F9750A4B}"/>
+          </ac:spMkLst>
+        </pc:spChg>
+        <pc:spChg chg="add del mod">
+          <ac:chgData name="Eduardo Martín-Sonseca.Alonso" userId="044a8a39323ca9b2" providerId="LiveId" clId="{F6C200FF-B7C6-45EA-B94B-3E06CF3AB5C5}" dt="2022-10-04T16:02:23.648" v="558" actId="21"/>
+          <ac:spMkLst>
+            <pc:docMk/>
+            <pc:sldMk cId="43089264" sldId="270"/>
+            <ac:spMk id="19" creationId="{30B557D0-FD71-E7A7-0F6E-353596D44F3B}"/>
+          </ac:spMkLst>
+        </pc:spChg>
+        <pc:spChg chg="add del mod">
+          <ac:chgData name="Eduardo Martín-Sonseca.Alonso" userId="044a8a39323ca9b2" providerId="LiveId" clId="{F6C200FF-B7C6-45EA-B94B-3E06CF3AB5C5}" dt="2022-10-04T16:02:23.648" v="558" actId="21"/>
+          <ac:spMkLst>
+            <pc:docMk/>
+            <pc:sldMk cId="43089264" sldId="270"/>
+            <ac:spMk id="20" creationId="{56EFCCB8-BD45-B46A-1B9D-5637CD08B4E3}"/>
+          </ac:spMkLst>
+        </pc:spChg>
+        <pc:spChg chg="add del mod">
+          <ac:chgData name="Eduardo Martín-Sonseca.Alonso" userId="044a8a39323ca9b2" providerId="LiveId" clId="{F6C200FF-B7C6-45EA-B94B-3E06CF3AB5C5}" dt="2022-10-04T16:02:23.648" v="558" actId="21"/>
+          <ac:spMkLst>
+            <pc:docMk/>
+            <pc:sldMk cId="43089264" sldId="270"/>
+            <ac:spMk id="21" creationId="{7B8A84F1-8B24-E98B-84F2-A0FA2EB1A8B0}"/>
+          </ac:spMkLst>
+        </pc:spChg>
+      </pc:sldChg>
+      <pc:sldChg chg="addSp delSp modSp new mod setBg modAnim setClrOvrMap">
+        <pc:chgData name="Eduardo Martín-Sonseca.Alonso" userId="044a8a39323ca9b2" providerId="LiveId" clId="{F6C200FF-B7C6-45EA-B94B-3E06CF3AB5C5}" dt="2022-10-04T16:20:26.108" v="748" actId="5793"/>
+        <pc:sldMkLst>
+          <pc:docMk/>
+          <pc:sldMk cId="2585561534" sldId="271"/>
+        </pc:sldMkLst>
+        <pc:spChg chg="del">
+          <ac:chgData name="Eduardo Martín-Sonseca.Alonso" userId="044a8a39323ca9b2" providerId="LiveId" clId="{F6C200FF-B7C6-45EA-B94B-3E06CF3AB5C5}" dt="2022-10-04T15:25:57.898" v="112" actId="478"/>
+          <ac:spMkLst>
+            <pc:docMk/>
+            <pc:sldMk cId="2585561534" sldId="271"/>
+            <ac:spMk id="2" creationId="{4E7B6D0B-0905-90AE-2591-CFC9ED0B2BA8}"/>
+          </ac:spMkLst>
+        </pc:spChg>
+        <pc:spChg chg="mod ord">
+          <ac:chgData name="Eduardo Martín-Sonseca.Alonso" userId="044a8a39323ca9b2" providerId="LiveId" clId="{F6C200FF-B7C6-45EA-B94B-3E06CF3AB5C5}" dt="2022-10-04T16:20:26.108" v="748" actId="5793"/>
+          <ac:spMkLst>
+            <pc:docMk/>
+            <pc:sldMk cId="2585561534" sldId="271"/>
+            <ac:spMk id="3" creationId="{AC322D12-B8C2-CD13-C768-6FAFCE0E11A1}"/>
+          </ac:spMkLst>
+        </pc:spChg>
+        <pc:spChg chg="add mod ord">
+          <ac:chgData name="Eduardo Martín-Sonseca.Alonso" userId="044a8a39323ca9b2" providerId="LiveId" clId="{F6C200FF-B7C6-45EA-B94B-3E06CF3AB5C5}" dt="2022-10-04T15:30:00.851" v="216" actId="26606"/>
+          <ac:spMkLst>
+            <pc:docMk/>
+            <pc:sldMk cId="2585561534" sldId="271"/>
+            <ac:spMk id="5" creationId="{6B5D0C9E-6C94-01CE-A83A-7BBC88E25DF3}"/>
+          </ac:spMkLst>
+        </pc:spChg>
+        <pc:spChg chg="add del">
+          <ac:chgData name="Eduardo Martín-Sonseca.Alonso" userId="044a8a39323ca9b2" providerId="LiveId" clId="{F6C200FF-B7C6-45EA-B94B-3E06CF3AB5C5}" dt="2022-10-04T15:27:11.702" v="175" actId="26606"/>
+          <ac:spMkLst>
+            <pc:docMk/>
+            <pc:sldMk cId="2585561534" sldId="271"/>
+            <ac:spMk id="9" creationId="{F13C74B1-5B17-4795-BED0-7140497B445A}"/>
+          </ac:spMkLst>
+        </pc:spChg>
+        <pc:spChg chg="add del">
+          <ac:chgData name="Eduardo Martín-Sonseca.Alonso" userId="044a8a39323ca9b2" providerId="LiveId" clId="{F6C200FF-B7C6-45EA-B94B-3E06CF3AB5C5}" dt="2022-10-04T15:27:11.702" v="175" actId="26606"/>
+          <ac:spMkLst>
+            <pc:docMk/>
+            <pc:sldMk cId="2585561534" sldId="271"/>
+            <ac:spMk id="11" creationId="{D4974D33-8DC5-464E-8C6D-BE58F0669C17}"/>
+          </ac:spMkLst>
+        </pc:spChg>
+        <pc:spChg chg="add del">
+          <ac:chgData name="Eduardo Martín-Sonseca.Alonso" userId="044a8a39323ca9b2" providerId="LiveId" clId="{F6C200FF-B7C6-45EA-B94B-3E06CF3AB5C5}" dt="2022-10-04T15:27:14.609" v="177" actId="26606"/>
+          <ac:spMkLst>
+            <pc:docMk/>
+            <pc:sldMk cId="2585561534" sldId="271"/>
+            <ac:spMk id="13" creationId="{04812C46-200A-4DEB-A05E-3ED6C68C2387}"/>
+          </ac:spMkLst>
+        </pc:spChg>
+        <pc:spChg chg="add del">
+          <ac:chgData name="Eduardo Martín-Sonseca.Alonso" userId="044a8a39323ca9b2" providerId="LiveId" clId="{F6C200FF-B7C6-45EA-B94B-3E06CF3AB5C5}" dt="2022-10-04T15:27:14.609" v="177" actId="26606"/>
+          <ac:spMkLst>
+            <pc:docMk/>
+            <pc:sldMk cId="2585561534" sldId="271"/>
+            <ac:spMk id="14" creationId="{D1EA859B-E555-4109-94F3-6700E046E008}"/>
+          </ac:spMkLst>
+        </pc:spChg>
+        <pc:spChg chg="add del">
+          <ac:chgData name="Eduardo Martín-Sonseca.Alonso" userId="044a8a39323ca9b2" providerId="LiveId" clId="{F6C200FF-B7C6-45EA-B94B-3E06CF3AB5C5}" dt="2022-10-04T15:27:15.660" v="179" actId="26606"/>
+          <ac:spMkLst>
+            <pc:docMk/>
+            <pc:sldMk cId="2585561534" sldId="271"/>
+            <ac:spMk id="15" creationId="{7A5F0580-5EE9-419F-96EE-B6529EF6E7D0}"/>
+          </ac:spMkLst>
+        </pc:spChg>
+        <pc:spChg chg="add del">
+          <ac:chgData name="Eduardo Martín-Sonseca.Alonso" userId="044a8a39323ca9b2" providerId="LiveId" clId="{F6C200FF-B7C6-45EA-B94B-3E06CF3AB5C5}" dt="2022-10-04T15:27:15.660" v="179" actId="26606"/>
+          <ac:spMkLst>
+            <pc:docMk/>
+            <pc:sldMk cId="2585561534" sldId="271"/>
+            <ac:spMk id="16" creationId="{8FC9BE17-9A7B-462D-AE50-3D8777387304}"/>
+          </ac:spMkLst>
+        </pc:spChg>
+        <pc:spChg chg="add del">
+          <ac:chgData name="Eduardo Martín-Sonseca.Alonso" userId="044a8a39323ca9b2" providerId="LiveId" clId="{F6C200FF-B7C6-45EA-B94B-3E06CF3AB5C5}" dt="2022-10-04T15:27:15.660" v="179" actId="26606"/>
+          <ac:spMkLst>
+            <pc:docMk/>
+            <pc:sldMk cId="2585561534" sldId="271"/>
+            <ac:spMk id="17" creationId="{3EBE8569-6AEC-4B8C-8D53-2DE337CDBA65}"/>
+          </ac:spMkLst>
+        </pc:spChg>
+        <pc:spChg chg="add del">
+          <ac:chgData name="Eduardo Martín-Sonseca.Alonso" userId="044a8a39323ca9b2" providerId="LiveId" clId="{F6C200FF-B7C6-45EA-B94B-3E06CF3AB5C5}" dt="2022-10-04T15:27:15.660" v="179" actId="26606"/>
+          <ac:spMkLst>
+            <pc:docMk/>
+            <pc:sldMk cId="2585561534" sldId="271"/>
+            <ac:spMk id="18" creationId="{55D4142C-5077-457F-A6AD-3FECFDB39685}"/>
+          </ac:spMkLst>
+        </pc:spChg>
+        <pc:spChg chg="add del">
+          <ac:chgData name="Eduardo Martín-Sonseca.Alonso" userId="044a8a39323ca9b2" providerId="LiveId" clId="{F6C200FF-B7C6-45EA-B94B-3E06CF3AB5C5}" dt="2022-10-04T15:27:19.581" v="181" actId="26606"/>
+          <ac:spMkLst>
+            <pc:docMk/>
+            <pc:sldMk cId="2585561534" sldId="271"/>
+            <ac:spMk id="20" creationId="{8F23F8A3-8FD7-4779-8323-FDC26BE99889}"/>
+          </ac:spMkLst>
+        </pc:spChg>
+        <pc:spChg chg="add del">
+          <ac:chgData name="Eduardo Martín-Sonseca.Alonso" userId="044a8a39323ca9b2" providerId="LiveId" clId="{F6C200FF-B7C6-45EA-B94B-3E06CF3AB5C5}" dt="2022-10-04T15:27:19.581" v="181" actId="26606"/>
+          <ac:spMkLst>
+            <pc:docMk/>
+            <pc:sldMk cId="2585561534" sldId="271"/>
+            <ac:spMk id="21" creationId="{F605C4CC-A25C-416F-8333-7CB7DC97D870}"/>
+          </ac:spMkLst>
+        </pc:spChg>
+        <pc:spChg chg="add del">
+          <ac:chgData name="Eduardo Martín-Sonseca.Alonso" userId="044a8a39323ca9b2" providerId="LiveId" clId="{F6C200FF-B7C6-45EA-B94B-3E06CF3AB5C5}" dt="2022-10-04T15:29:00.323" v="195" actId="26606"/>
+          <ac:spMkLst>
+            <pc:docMk/>
+            <pc:sldMk cId="2585561534" sldId="271"/>
+            <ac:spMk id="23" creationId="{9AA72BD9-2C5A-4EDC-931F-5AA08EACA0F3}"/>
+          </ac:spMkLst>
+        </pc:spChg>
+        <pc:spChg chg="add del">
+          <ac:chgData name="Eduardo Martín-Sonseca.Alonso" userId="044a8a39323ca9b2" providerId="LiveId" clId="{F6C200FF-B7C6-45EA-B94B-3E06CF3AB5C5}" dt="2022-10-04T15:29:00.323" v="195" actId="26606"/>
+          <ac:spMkLst>
+            <pc:docMk/>
+            <pc:sldMk cId="2585561534" sldId="271"/>
+            <ac:spMk id="24" creationId="{DD3981AC-7B61-4947-BCF3-F7AA7FA385B9}"/>
+          </ac:spMkLst>
+        </pc:spChg>
+        <pc:spChg chg="add del">
+          <ac:chgData name="Eduardo Martín-Sonseca.Alonso" userId="044a8a39323ca9b2" providerId="LiveId" clId="{F6C200FF-B7C6-45EA-B94B-3E06CF3AB5C5}" dt="2022-10-04T15:29:00.323" v="195" actId="26606"/>
+          <ac:spMkLst>
+            <pc:docMk/>
+            <pc:sldMk cId="2585561534" sldId="271"/>
+            <ac:spMk id="25" creationId="{55D4142C-5077-457F-A6AD-3FECFDB39685}"/>
+          </ac:spMkLst>
+        </pc:spChg>
+        <pc:spChg chg="add del">
+          <ac:chgData name="Eduardo Martín-Sonseca.Alonso" userId="044a8a39323ca9b2" providerId="LiveId" clId="{F6C200FF-B7C6-45EA-B94B-3E06CF3AB5C5}" dt="2022-10-04T15:29:00.323" v="195" actId="26606"/>
+          <ac:spMkLst>
+            <pc:docMk/>
+            <pc:sldMk cId="2585561534" sldId="271"/>
+            <ac:spMk id="26" creationId="{7A5F0580-5EE9-419F-96EE-B6529EF6E7D0}"/>
+          </ac:spMkLst>
+        </pc:spChg>
+        <pc:spChg chg="add del">
+          <ac:chgData name="Eduardo Martín-Sonseca.Alonso" userId="044a8a39323ca9b2" providerId="LiveId" clId="{F6C200FF-B7C6-45EA-B94B-3E06CF3AB5C5}" dt="2022-10-04T15:29:29.749" v="204" actId="26606"/>
+          <ac:spMkLst>
+            <pc:docMk/>
+            <pc:sldMk cId="2585561534" sldId="271"/>
+            <ac:spMk id="31" creationId="{04812C46-200A-4DEB-A05E-3ED6C68C2387}"/>
+          </ac:spMkLst>
+        </pc:spChg>
+        <pc:spChg chg="add del">
+          <ac:chgData name="Eduardo Martín-Sonseca.Alonso" userId="044a8a39323ca9b2" providerId="LiveId" clId="{F6C200FF-B7C6-45EA-B94B-3E06CF3AB5C5}" dt="2022-10-04T15:29:29.749" v="204" actId="26606"/>
+          <ac:spMkLst>
+            <pc:docMk/>
+            <pc:sldMk cId="2585561534" sldId="271"/>
+            <ac:spMk id="33" creationId="{D1EA859B-E555-4109-94F3-6700E046E008}"/>
+          </ac:spMkLst>
+        </pc:spChg>
+        <pc:spChg chg="add del">
+          <ac:chgData name="Eduardo Martín-Sonseca.Alonso" userId="044a8a39323ca9b2" providerId="LiveId" clId="{F6C200FF-B7C6-45EA-B94B-3E06CF3AB5C5}" dt="2022-10-04T15:29:27.110" v="201" actId="26606"/>
+          <ac:spMkLst>
+            <pc:docMk/>
+            <pc:sldMk cId="2585561534" sldId="271"/>
+            <ac:spMk id="38" creationId="{3AFE8227-C443-417B-BA91-520EB1EF4559}"/>
+          </ac:spMkLst>
+        </pc:spChg>
+        <pc:spChg chg="add del">
+          <ac:chgData name="Eduardo Martín-Sonseca.Alonso" userId="044a8a39323ca9b2" providerId="LiveId" clId="{F6C200FF-B7C6-45EA-B94B-3E06CF3AB5C5}" dt="2022-10-04T15:29:27.110" v="201" actId="26606"/>
+          <ac:spMkLst>
+            <pc:docMk/>
+            <pc:sldMk cId="2585561534" sldId="271"/>
+            <ac:spMk id="40" creationId="{907741FC-B544-4A6E-B831-6789D042333D}"/>
+          </ac:spMkLst>
+        </pc:spChg>
+        <pc:spChg chg="add del">
+          <ac:chgData name="Eduardo Martín-Sonseca.Alonso" userId="044a8a39323ca9b2" providerId="LiveId" clId="{F6C200FF-B7C6-45EA-B94B-3E06CF3AB5C5}" dt="2022-10-04T15:29:27.110" v="201" actId="26606"/>
+          <ac:spMkLst>
+            <pc:docMk/>
+            <pc:sldMk cId="2585561534" sldId="271"/>
+            <ac:spMk id="42" creationId="{3F0BE7ED-7814-4273-B18A-F26CC0380380}"/>
+          </ac:spMkLst>
+        </pc:spChg>
+        <pc:spChg chg="add del">
+          <ac:chgData name="Eduardo Martín-Sonseca.Alonso" userId="044a8a39323ca9b2" providerId="LiveId" clId="{F6C200FF-B7C6-45EA-B94B-3E06CF3AB5C5}" dt="2022-10-04T15:29:29.749" v="203" actId="26606"/>
+          <ac:spMkLst>
+            <pc:docMk/>
+            <pc:sldMk cId="2585561534" sldId="271"/>
+            <ac:spMk id="44" creationId="{7A5F0580-5EE9-419F-96EE-B6529EF6E7D0}"/>
+          </ac:spMkLst>
+        </pc:spChg>
+        <pc:spChg chg="add del">
+          <ac:chgData name="Eduardo Martín-Sonseca.Alonso" userId="044a8a39323ca9b2" providerId="LiveId" clId="{F6C200FF-B7C6-45EA-B94B-3E06CF3AB5C5}" dt="2022-10-04T15:29:29.749" v="203" actId="26606"/>
+          <ac:spMkLst>
+            <pc:docMk/>
+            <pc:sldMk cId="2585561534" sldId="271"/>
+            <ac:spMk id="45" creationId="{9AA72BD9-2C5A-4EDC-931F-5AA08EACA0F3}"/>
+          </ac:spMkLst>
+        </pc:spChg>
+        <pc:spChg chg="add del">
+          <ac:chgData name="Eduardo Martín-Sonseca.Alonso" userId="044a8a39323ca9b2" providerId="LiveId" clId="{F6C200FF-B7C6-45EA-B94B-3E06CF3AB5C5}" dt="2022-10-04T15:29:29.749" v="203" actId="26606"/>
+          <ac:spMkLst>
+            <pc:docMk/>
+            <pc:sldMk cId="2585561534" sldId="271"/>
+            <ac:spMk id="46" creationId="{DD3981AC-7B61-4947-BCF3-F7AA7FA385B9}"/>
+          </ac:spMkLst>
+        </pc:spChg>
+        <pc:spChg chg="add del">
+          <ac:chgData name="Eduardo Martín-Sonseca.Alonso" userId="044a8a39323ca9b2" providerId="LiveId" clId="{F6C200FF-B7C6-45EA-B94B-3E06CF3AB5C5}" dt="2022-10-04T15:29:29.749" v="203" actId="26606"/>
+          <ac:spMkLst>
+            <pc:docMk/>
+            <pc:sldMk cId="2585561534" sldId="271"/>
+            <ac:spMk id="47" creationId="{55D4142C-5077-457F-A6AD-3FECFDB39685}"/>
+          </ac:spMkLst>
+        </pc:spChg>
+        <pc:spChg chg="add del">
+          <ac:chgData name="Eduardo Martín-Sonseca.Alonso" userId="044a8a39323ca9b2" providerId="LiveId" clId="{F6C200FF-B7C6-45EA-B94B-3E06CF3AB5C5}" dt="2022-10-04T15:30:00.851" v="216" actId="26606"/>
+          <ac:spMkLst>
+            <pc:docMk/>
+            <pc:sldMk cId="2585561534" sldId="271"/>
+            <ac:spMk id="49" creationId="{79BB35BC-D5C2-4C8B-A22A-A71E6191913B}"/>
+          </ac:spMkLst>
+        </pc:spChg>
+        <pc:spChg chg="add del">
+          <ac:chgData name="Eduardo Martín-Sonseca.Alonso" userId="044a8a39323ca9b2" providerId="LiveId" clId="{F6C200FF-B7C6-45EA-B94B-3E06CF3AB5C5}" dt="2022-10-04T15:29:48.396" v="209" actId="26606"/>
+          <ac:spMkLst>
+            <pc:docMk/>
+            <pc:sldMk cId="2585561534" sldId="271"/>
+            <ac:spMk id="54" creationId="{9AA72BD9-2C5A-4EDC-931F-5AA08EACA0F3}"/>
+          </ac:spMkLst>
+        </pc:spChg>
+        <pc:spChg chg="add del">
+          <ac:chgData name="Eduardo Martín-Sonseca.Alonso" userId="044a8a39323ca9b2" providerId="LiveId" clId="{F6C200FF-B7C6-45EA-B94B-3E06CF3AB5C5}" dt="2022-10-04T15:29:48.396" v="209" actId="26606"/>
+          <ac:spMkLst>
+            <pc:docMk/>
+            <pc:sldMk cId="2585561534" sldId="271"/>
+            <ac:spMk id="56" creationId="{DD3981AC-7B61-4947-BCF3-F7AA7FA385B9}"/>
+          </ac:spMkLst>
+        </pc:spChg>
+        <pc:spChg chg="add del">
+          <ac:chgData name="Eduardo Martín-Sonseca.Alonso" userId="044a8a39323ca9b2" providerId="LiveId" clId="{F6C200FF-B7C6-45EA-B94B-3E06CF3AB5C5}" dt="2022-10-04T15:29:48.396" v="209" actId="26606"/>
+          <ac:spMkLst>
+            <pc:docMk/>
+            <pc:sldMk cId="2585561534" sldId="271"/>
+            <ac:spMk id="58" creationId="{55D4142C-5077-457F-A6AD-3FECFDB39685}"/>
+          </ac:spMkLst>
+        </pc:spChg>
+        <pc:spChg chg="add del">
+          <ac:chgData name="Eduardo Martín-Sonseca.Alonso" userId="044a8a39323ca9b2" providerId="LiveId" clId="{F6C200FF-B7C6-45EA-B94B-3E06CF3AB5C5}" dt="2022-10-04T15:29:48.396" v="209" actId="26606"/>
+          <ac:spMkLst>
+            <pc:docMk/>
+            <pc:sldMk cId="2585561534" sldId="271"/>
+            <ac:spMk id="60" creationId="{7A5F0580-5EE9-419F-96EE-B6529EF6E7D0}"/>
+          </ac:spMkLst>
+        </pc:spChg>
+        <pc:spChg chg="add del">
+          <ac:chgData name="Eduardo Martín-Sonseca.Alonso" userId="044a8a39323ca9b2" providerId="LiveId" clId="{F6C200FF-B7C6-45EA-B94B-3E06CF3AB5C5}" dt="2022-10-04T15:29:53.940" v="211" actId="26606"/>
+          <ac:spMkLst>
+            <pc:docMk/>
+            <pc:sldMk cId="2585561534" sldId="271"/>
+            <ac:spMk id="62" creationId="{C232B152-3720-4D3B-97ED-45CE5483F16F}"/>
+          </ac:spMkLst>
+        </pc:spChg>
+        <pc:spChg chg="add del">
+          <ac:chgData name="Eduardo Martín-Sonseca.Alonso" userId="044a8a39323ca9b2" providerId="LiveId" clId="{F6C200FF-B7C6-45EA-B94B-3E06CF3AB5C5}" dt="2022-10-04T15:29:53.940" v="211" actId="26606"/>
+          <ac:spMkLst>
+            <pc:docMk/>
+            <pc:sldMk cId="2585561534" sldId="271"/>
+            <ac:spMk id="63" creationId="{11BAB570-FF10-4E96-8A3F-FA9804702B89}"/>
+          </ac:spMkLst>
+        </pc:spChg>
+        <pc:spChg chg="add del">
+          <ac:chgData name="Eduardo Martín-Sonseca.Alonso" userId="044a8a39323ca9b2" providerId="LiveId" clId="{F6C200FF-B7C6-45EA-B94B-3E06CF3AB5C5}" dt="2022-10-04T15:29:53.940" v="211" actId="26606"/>
+          <ac:spMkLst>
+            <pc:docMk/>
+            <pc:sldMk cId="2585561534" sldId="271"/>
+            <ac:spMk id="64" creationId="{4B9FAFB2-BEB5-4848-8018-BCAD99E2E1AA}"/>
+          </ac:spMkLst>
+        </pc:spChg>
+        <pc:spChg chg="add del">
+          <ac:chgData name="Eduardo Martín-Sonseca.Alonso" userId="044a8a39323ca9b2" providerId="LiveId" clId="{F6C200FF-B7C6-45EA-B94B-3E06CF3AB5C5}" dt="2022-10-04T15:29:56.590" v="213" actId="26606"/>
+          <ac:spMkLst>
+            <pc:docMk/>
+            <pc:sldMk cId="2585561534" sldId="271"/>
+            <ac:spMk id="66" creationId="{D009D6D5-DAC2-4A8B-A17A-E206B9012D09}"/>
+          </ac:spMkLst>
+        </pc:spChg>
+        <pc:spChg chg="add del">
+          <ac:chgData name="Eduardo Martín-Sonseca.Alonso" userId="044a8a39323ca9b2" providerId="LiveId" clId="{F6C200FF-B7C6-45EA-B94B-3E06CF3AB5C5}" dt="2022-10-04T15:30:00.817" v="215" actId="26606"/>
+          <ac:spMkLst>
+            <pc:docMk/>
+            <pc:sldMk cId="2585561534" sldId="271"/>
+            <ac:spMk id="68" creationId="{2C61293E-6EBE-43EF-A52C-9BEBFD7679D4}"/>
+          </ac:spMkLst>
+        </pc:spChg>
+        <pc:spChg chg="add del">
+          <ac:chgData name="Eduardo Martín-Sonseca.Alonso" userId="044a8a39323ca9b2" providerId="LiveId" clId="{F6C200FF-B7C6-45EA-B94B-3E06CF3AB5C5}" dt="2022-10-04T15:30:00.817" v="215" actId="26606"/>
+          <ac:spMkLst>
+            <pc:docMk/>
+            <pc:sldMk cId="2585561534" sldId="271"/>
+            <ac:spMk id="69" creationId="{21540236-BFD5-4A9D-8840-4703E7F76825}"/>
+          </ac:spMkLst>
+        </pc:spChg>
+        <pc:spChg chg="add">
+          <ac:chgData name="Eduardo Martín-Sonseca.Alonso" userId="044a8a39323ca9b2" providerId="LiveId" clId="{F6C200FF-B7C6-45EA-B94B-3E06CF3AB5C5}" dt="2022-10-04T15:30:00.851" v="216" actId="26606"/>
+          <ac:spMkLst>
+            <pc:docMk/>
+            <pc:sldMk cId="2585561534" sldId="271"/>
+            <ac:spMk id="71" creationId="{E862BE82-D00D-42C1-BF16-93AA37870C32}"/>
+          </ac:spMkLst>
+        </pc:spChg>
+        <pc:spChg chg="add">
+          <ac:chgData name="Eduardo Martín-Sonseca.Alonso" userId="044a8a39323ca9b2" providerId="LiveId" clId="{F6C200FF-B7C6-45EA-B94B-3E06CF3AB5C5}" dt="2022-10-04T15:30:00.851" v="216" actId="26606"/>
+          <ac:spMkLst>
+            <pc:docMk/>
+            <pc:sldMk cId="2585561534" sldId="271"/>
+            <ac:spMk id="72" creationId="{F6D92C2D-1D3D-4974-918C-06579FB354A9}"/>
+          </ac:spMkLst>
+        </pc:spChg>
+        <pc:picChg chg="add mod ord">
+          <ac:chgData name="Eduardo Martín-Sonseca.Alonso" userId="044a8a39323ca9b2" providerId="LiveId" clId="{F6C200FF-B7C6-45EA-B94B-3E06CF3AB5C5}" dt="2022-10-04T15:30:00.851" v="216" actId="26606"/>
+          <ac:picMkLst>
+            <pc:docMk/>
+            <pc:sldMk cId="2585561534" sldId="271"/>
+            <ac:picMk id="4" creationId="{CE73A730-C678-B496-2C12-6C05F75E695E}"/>
+          </ac:picMkLst>
+        </pc:picChg>
+      </pc:sldChg>
+      <pc:sldChg chg="new del">
+        <pc:chgData name="Eduardo Martín-Sonseca.Alonso" userId="044a8a39323ca9b2" providerId="LiveId" clId="{F6C200FF-B7C6-45EA-B94B-3E06CF3AB5C5}" dt="2022-10-04T16:05:37.433" v="577" actId="47"/>
+        <pc:sldMkLst>
+          <pc:docMk/>
+          <pc:sldMk cId="1337737478" sldId="272"/>
+        </pc:sldMkLst>
+      </pc:sldChg>
+      <pc:sldChg chg="addSp delSp modSp new del mod setBg modAnim">
+        <pc:chgData name="Eduardo Martín-Sonseca.Alonso" userId="044a8a39323ca9b2" providerId="LiveId" clId="{F6C200FF-B7C6-45EA-B94B-3E06CF3AB5C5}" dt="2022-10-04T16:05:31.056" v="573" actId="47"/>
+        <pc:sldMkLst>
+          <pc:docMk/>
+          <pc:sldMk cId="2523042458" sldId="272"/>
+        </pc:sldMkLst>
+        <pc:spChg chg="mod">
+          <ac:chgData name="Eduardo Martín-Sonseca.Alonso" userId="044a8a39323ca9b2" providerId="LiveId" clId="{F6C200FF-B7C6-45EA-B94B-3E06CF3AB5C5}" dt="2022-10-04T16:05:14.553" v="572" actId="26606"/>
+          <ac:spMkLst>
+            <pc:docMk/>
+            <pc:sldMk cId="2523042458" sldId="272"/>
+            <ac:spMk id="2" creationId="{0E28EFD7-FA41-E29E-863F-E5DF9E0AA47A}"/>
+          </ac:spMkLst>
+        </pc:spChg>
+        <pc:spChg chg="del">
+          <ac:chgData name="Eduardo Martín-Sonseca.Alonso" userId="044a8a39323ca9b2" providerId="LiveId" clId="{F6C200FF-B7C6-45EA-B94B-3E06CF3AB5C5}" dt="2022-10-04T16:04:13.932" v="566" actId="478"/>
+          <ac:spMkLst>
+            <pc:docMk/>
+            <pc:sldMk cId="2523042458" sldId="272"/>
+            <ac:spMk id="3" creationId="{17F1579D-8DEC-777B-E82C-99D2B0F3F713}"/>
+          </ac:spMkLst>
+        </pc:spChg>
+        <pc:spChg chg="add mod ord">
+          <ac:chgData name="Eduardo Martín-Sonseca.Alonso" userId="044a8a39323ca9b2" providerId="LiveId" clId="{F6C200FF-B7C6-45EA-B94B-3E06CF3AB5C5}" dt="2022-10-04T16:05:14.553" v="572" actId="26606"/>
+          <ac:spMkLst>
+            <pc:docMk/>
+            <pc:sldMk cId="2523042458" sldId="272"/>
+            <ac:spMk id="4" creationId="{D3A1B8D8-FFB1-4351-929E-9C5A2D589ED6}"/>
+          </ac:spMkLst>
+        </pc:spChg>
+        <pc:spChg chg="add del mod">
+          <ac:chgData name="Eduardo Martín-Sonseca.Alonso" userId="044a8a39323ca9b2" providerId="LiveId" clId="{F6C200FF-B7C6-45EA-B94B-3E06CF3AB5C5}" dt="2022-10-04T16:04:33.071" v="569"/>
+          <ac:spMkLst>
+            <pc:docMk/>
+            <pc:sldMk cId="2523042458" sldId="272"/>
+            <ac:spMk id="5" creationId="{9AF81DD7-D36F-FB26-06BC-809933E80A23}"/>
+          </ac:spMkLst>
+        </pc:spChg>
+        <pc:spChg chg="add mod">
+          <ac:chgData name="Eduardo Martín-Sonseca.Alonso" userId="044a8a39323ca9b2" providerId="LiveId" clId="{F6C200FF-B7C6-45EA-B94B-3E06CF3AB5C5}" dt="2022-10-04T16:05:14.553" v="572" actId="26606"/>
+          <ac:spMkLst>
+            <pc:docMk/>
+            <pc:sldMk cId="2523042458" sldId="272"/>
+            <ac:spMk id="6" creationId="{1506A37F-F6CD-20B4-27B0-4EDC6F2D9451}"/>
+          </ac:spMkLst>
+        </pc:spChg>
+        <pc:spChg chg="add">
+          <ac:chgData name="Eduardo Martín-Sonseca.Alonso" userId="044a8a39323ca9b2" providerId="LiveId" clId="{F6C200FF-B7C6-45EA-B94B-3E06CF3AB5C5}" dt="2022-10-04T16:05:14.553" v="572" actId="26606"/>
+          <ac:spMkLst>
+            <pc:docMk/>
+            <pc:sldMk cId="2523042458" sldId="272"/>
+            <ac:spMk id="11" creationId="{9B7AD9F6-8CE7-4299-8FC6-328F4DCD3FF9}"/>
+          </ac:spMkLst>
+        </pc:spChg>
+        <pc:spChg chg="add">
+          <ac:chgData name="Eduardo Martín-Sonseca.Alonso" userId="044a8a39323ca9b2" providerId="LiveId" clId="{F6C200FF-B7C6-45EA-B94B-3E06CF3AB5C5}" dt="2022-10-04T16:05:14.553" v="572" actId="26606"/>
+          <ac:spMkLst>
+            <pc:docMk/>
+            <pc:sldMk cId="2523042458" sldId="272"/>
+            <ac:spMk id="13" creationId="{F49775AF-8896-43EE-92C6-83497D6DC56F}"/>
+          </ac:spMkLst>
+        </pc:spChg>
+      </pc:sldChg>
+      <pc:sldChg chg="addSp delSp modSp add mod setBg delAnim modAnim delDesignElem">
+        <pc:chgData name="Eduardo Martín-Sonseca.Alonso" userId="044a8a39323ca9b2" providerId="LiveId" clId="{F6C200FF-B7C6-45EA-B94B-3E06CF3AB5C5}" dt="2022-10-04T16:19:44.009" v="735"/>
+        <pc:sldMkLst>
+          <pc:docMk/>
+          <pc:sldMk cId="3255652957" sldId="273"/>
+        </pc:sldMkLst>
+        <pc:spChg chg="mod">
+          <ac:chgData name="Eduardo Martín-Sonseca.Alonso" userId="044a8a39323ca9b2" providerId="LiveId" clId="{F6C200FF-B7C6-45EA-B94B-3E06CF3AB5C5}" dt="2022-10-04T16:13:53.812" v="657" actId="26606"/>
+          <ac:spMkLst>
+            <pc:docMk/>
+            <pc:sldMk cId="3255652957" sldId="273"/>
+            <ac:spMk id="2" creationId="{8BC7EFD9-5CAF-431F-A9FF-09DE566F3543}"/>
+          </ac:spMkLst>
+        </pc:spChg>
+        <pc:spChg chg="mod">
+          <ac:chgData name="Eduardo Martín-Sonseca.Alonso" userId="044a8a39323ca9b2" providerId="LiveId" clId="{F6C200FF-B7C6-45EA-B94B-3E06CF3AB5C5}" dt="2022-10-04T16:13:53.812" v="657" actId="26606"/>
+          <ac:spMkLst>
+            <pc:docMk/>
+            <pc:sldMk cId="3255652957" sldId="273"/>
+            <ac:spMk id="3" creationId="{29A8ECE2-FE08-4C93-9877-2C065094BC53}"/>
+          </ac:spMkLst>
+        </pc:spChg>
+        <pc:spChg chg="del mod">
+          <ac:chgData name="Eduardo Martín-Sonseca.Alonso" userId="044a8a39323ca9b2" providerId="LiveId" clId="{F6C200FF-B7C6-45EA-B94B-3E06CF3AB5C5}" dt="2022-10-04T16:14:16.619" v="660" actId="478"/>
+          <ac:spMkLst>
+            <pc:docMk/>
+            <pc:sldMk cId="3255652957" sldId="273"/>
+            <ac:spMk id="6" creationId="{B874E851-3741-DC66-BAFA-79EB38E71B4C}"/>
+          </ac:spMkLst>
+        </pc:spChg>
+        <pc:spChg chg="add mod">
+          <ac:chgData name="Eduardo Martín-Sonseca.Alonso" userId="044a8a39323ca9b2" providerId="LiveId" clId="{F6C200FF-B7C6-45EA-B94B-3E06CF3AB5C5}" dt="2022-10-04T16:14:38.806" v="661"/>
+          <ac:spMkLst>
+            <pc:docMk/>
+            <pc:sldMk cId="3255652957" sldId="273"/>
+            <ac:spMk id="8" creationId="{B15265B9-687B-93EC-EFF7-40694362EE9D}"/>
+          </ac:spMkLst>
+        </pc:spChg>
+        <pc:spChg chg="add del">
+          <ac:chgData name="Eduardo Martín-Sonseca.Alonso" userId="044a8a39323ca9b2" providerId="LiveId" clId="{F6C200FF-B7C6-45EA-B94B-3E06CF3AB5C5}" dt="2022-10-04T16:05:55.641" v="588" actId="26606"/>
+          <ac:spMkLst>
+            <pc:docMk/>
+            <pc:sldMk cId="3255652957" sldId="273"/>
+            <ac:spMk id="11" creationId="{F13C74B1-5B17-4795-BED0-7140497B445A}"/>
+          </ac:spMkLst>
+        </pc:spChg>
+        <pc:spChg chg="add del">
+          <ac:chgData name="Eduardo Martín-Sonseca.Alonso" userId="044a8a39323ca9b2" providerId="LiveId" clId="{F6C200FF-B7C6-45EA-B94B-3E06CF3AB5C5}" dt="2022-10-04T16:05:55.641" v="588" actId="26606"/>
+          <ac:spMkLst>
+            <pc:docMk/>
+            <pc:sldMk cId="3255652957" sldId="273"/>
+            <ac:spMk id="13" creationId="{D4974D33-8DC5-464E-8C6D-BE58F0669C17}"/>
+          </ac:spMkLst>
+        </pc:spChg>
+        <pc:spChg chg="add del">
+          <ac:chgData name="Eduardo Martín-Sonseca.Alonso" userId="044a8a39323ca9b2" providerId="LiveId" clId="{F6C200FF-B7C6-45EA-B94B-3E06CF3AB5C5}" dt="2022-10-04T16:05:57.679" v="590" actId="26606"/>
+          <ac:spMkLst>
+            <pc:docMk/>
+            <pc:sldMk cId="3255652957" sldId="273"/>
+            <ac:spMk id="15" creationId="{3CD9DF72-87A3-404E-A828-84CBF11A8303}"/>
+          </ac:spMkLst>
+        </pc:spChg>
+        <pc:spChg chg="add del">
+          <ac:chgData name="Eduardo Martín-Sonseca.Alonso" userId="044a8a39323ca9b2" providerId="LiveId" clId="{F6C200FF-B7C6-45EA-B94B-3E06CF3AB5C5}" dt="2022-10-04T16:13:53.812" v="657" actId="26606"/>
+          <ac:spMkLst>
+            <pc:docMk/>
+            <pc:sldMk cId="3255652957" sldId="273"/>
+            <ac:spMk id="18" creationId="{F13C74B1-5B17-4795-BED0-7140497B445A}"/>
+          </ac:spMkLst>
+        </pc:spChg>
+        <pc:spChg chg="add del">
+          <ac:chgData name="Eduardo Martín-Sonseca.Alonso" userId="044a8a39323ca9b2" providerId="LiveId" clId="{F6C200FF-B7C6-45EA-B94B-3E06CF3AB5C5}" dt="2022-10-04T16:13:53.812" v="657" actId="26606"/>
+          <ac:spMkLst>
+            <pc:docMk/>
+            <pc:sldMk cId="3255652957" sldId="273"/>
+            <ac:spMk id="19" creationId="{D4974D33-8DC5-464E-8C6D-BE58F0669C17}"/>
+          </ac:spMkLst>
+        </pc:spChg>
+        <pc:spChg chg="del">
+          <ac:chgData name="Eduardo Martín-Sonseca.Alonso" userId="044a8a39323ca9b2" providerId="LiveId" clId="{F6C200FF-B7C6-45EA-B94B-3E06CF3AB5C5}" dt="2022-10-04T16:05:34.088" v="576"/>
+          <ac:spMkLst>
+            <pc:docMk/>
+            <pc:sldMk cId="3255652957" sldId="273"/>
+            <ac:spMk id="21" creationId="{F13C74B1-5B17-4795-BED0-7140497B445A}"/>
+          </ac:spMkLst>
+        </pc:spChg>
+        <pc:spChg chg="del">
+          <ac:chgData name="Eduardo Martín-Sonseca.Alonso" userId="044a8a39323ca9b2" providerId="LiveId" clId="{F6C200FF-B7C6-45EA-B94B-3E06CF3AB5C5}" dt="2022-10-04T16:05:34.088" v="576"/>
+          <ac:spMkLst>
+            <pc:docMk/>
+            <pc:sldMk cId="3255652957" sldId="273"/>
+            <ac:spMk id="23" creationId="{D4974D33-8DC5-464E-8C6D-BE58F0669C17}"/>
+          </ac:spMkLst>
+        </pc:spChg>
+        <pc:spChg chg="add">
+          <ac:chgData name="Eduardo Martín-Sonseca.Alonso" userId="044a8a39323ca9b2" providerId="LiveId" clId="{F6C200FF-B7C6-45EA-B94B-3E06CF3AB5C5}" dt="2022-10-04T16:13:53.812" v="657" actId="26606"/>
+          <ac:spMkLst>
+            <pc:docMk/>
+            <pc:sldMk cId="3255652957" sldId="273"/>
+            <ac:spMk id="24" creationId="{04812C46-200A-4DEB-A05E-3ED6C68C2387}"/>
+          </ac:spMkLst>
+        </pc:spChg>
+        <pc:spChg chg="add">
+          <ac:chgData name="Eduardo Martín-Sonseca.Alonso" userId="044a8a39323ca9b2" providerId="LiveId" clId="{F6C200FF-B7C6-45EA-B94B-3E06CF3AB5C5}" dt="2022-10-04T16:13:53.812" v="657" actId="26606"/>
+          <ac:spMkLst>
+            <pc:docMk/>
+            <pc:sldMk cId="3255652957" sldId="273"/>
+            <ac:spMk id="26" creationId="{D1EA859B-E555-4109-94F3-6700E046E008}"/>
+          </ac:spMkLst>
+        </pc:spChg>
+        <pc:picChg chg="add del mod">
+          <ac:chgData name="Eduardo Martín-Sonseca.Alonso" userId="044a8a39323ca9b2" providerId="LiveId" clId="{F6C200FF-B7C6-45EA-B94B-3E06CF3AB5C5}" dt="2022-10-04T16:13:37.166" v="653" actId="478"/>
+          <ac:picMkLst>
+            <pc:docMk/>
+            <pc:sldMk cId="3255652957" sldId="273"/>
+            <ac:picMk id="4" creationId="{F184B282-C2CA-1328-5CC6-57D81A5EC59C}"/>
+          </ac:picMkLst>
+        </pc:picChg>
+        <pc:picChg chg="del mod ord">
+          <ac:chgData name="Eduardo Martín-Sonseca.Alonso" userId="044a8a39323ca9b2" providerId="LiveId" clId="{F6C200FF-B7C6-45EA-B94B-3E06CF3AB5C5}" dt="2022-10-04T16:13:38.381" v="654" actId="478"/>
+          <ac:picMkLst>
+            <pc:docMk/>
+            <pc:sldMk cId="3255652957" sldId="273"/>
+            <ac:picMk id="5" creationId="{5331785D-2CFF-B332-5634-22F0E76967B1}"/>
+          </ac:picMkLst>
+        </pc:picChg>
+        <pc:picChg chg="add mod ord">
+          <ac:chgData name="Eduardo Martín-Sonseca.Alonso" userId="044a8a39323ca9b2" providerId="LiveId" clId="{F6C200FF-B7C6-45EA-B94B-3E06CF3AB5C5}" dt="2022-10-04T16:13:45.552" v="656" actId="167"/>
+          <ac:picMkLst>
+            <pc:docMk/>
+            <pc:sldMk cId="3255652957" sldId="273"/>
+            <ac:picMk id="7" creationId="{9918761B-33B3-E228-FFDC-436D8925066F}"/>
+          </ac:picMkLst>
+        </pc:picChg>
+        <pc:cxnChg chg="add del">
+          <ac:chgData name="Eduardo Martín-Sonseca.Alonso" userId="044a8a39323ca9b2" providerId="LiveId" clId="{F6C200FF-B7C6-45EA-B94B-3E06CF3AB5C5}" dt="2022-10-04T16:05:57.679" v="590" actId="26606"/>
+          <ac:cxnSpMkLst>
+            <pc:docMk/>
+            <pc:sldMk cId="3255652957" sldId="273"/>
+            <ac:cxnSpMk id="16" creationId="{20E3A342-4D61-4E3F-AF90-1AB42AEB96CC}"/>
+          </ac:cxnSpMkLst>
+        </pc:cxnChg>
+      </pc:sldChg>
+      <pc:sldChg chg="addSp delSp modSp add del mod delAnim modAnim">
+        <pc:chgData name="Eduardo Martín-Sonseca.Alonso" userId="044a8a39323ca9b2" providerId="LiveId" clId="{F6C200FF-B7C6-45EA-B94B-3E06CF3AB5C5}" dt="2022-10-04T16:10:27.246" v="633" actId="47"/>
+        <pc:sldMkLst>
+          <pc:docMk/>
+          <pc:sldMk cId="2530738273" sldId="274"/>
+        </pc:sldMkLst>
+        <pc:spChg chg="del mod">
+          <ac:chgData name="Eduardo Martín-Sonseca.Alonso" userId="044a8a39323ca9b2" providerId="LiveId" clId="{F6C200FF-B7C6-45EA-B94B-3E06CF3AB5C5}" dt="2022-10-04T16:09:08.053" v="622" actId="478"/>
+          <ac:spMkLst>
+            <pc:docMk/>
+            <pc:sldMk cId="2530738273" sldId="274"/>
+            <ac:spMk id="2" creationId="{71AEC653-CF21-4A83-8228-4AB13A9E6A67}"/>
+          </ac:spMkLst>
+        </pc:spChg>
+        <pc:spChg chg="del">
+          <ac:chgData name="Eduardo Martín-Sonseca.Alonso" userId="044a8a39323ca9b2" providerId="LiveId" clId="{F6C200FF-B7C6-45EA-B94B-3E06CF3AB5C5}" dt="2022-10-04T16:09:25.614" v="624" actId="478"/>
+          <ac:spMkLst>
+            <pc:docMk/>
+            <pc:sldMk cId="2530738273" sldId="274"/>
+            <ac:spMk id="3" creationId="{FDA276B4-AFA8-445E-BF46-D797C1B3F0B0}"/>
+          </ac:spMkLst>
+        </pc:spChg>
+        <pc:spChg chg="add mod">
+          <ac:chgData name="Eduardo Martín-Sonseca.Alonso" userId="044a8a39323ca9b2" providerId="LiveId" clId="{F6C200FF-B7C6-45EA-B94B-3E06CF3AB5C5}" dt="2022-10-04T16:09:00.549" v="618"/>
+          <ac:spMkLst>
+            <pc:docMk/>
+            <pc:sldMk cId="2530738273" sldId="274"/>
+            <ac:spMk id="7" creationId="{84881913-8BE4-4F7E-28AC-B69F924E126C}"/>
+          </ac:spMkLst>
+        </pc:spChg>
+        <pc:spChg chg="add del mod">
+          <ac:chgData name="Eduardo Martín-Sonseca.Alonso" userId="044a8a39323ca9b2" providerId="LiveId" clId="{F6C200FF-B7C6-45EA-B94B-3E06CF3AB5C5}" dt="2022-10-04T16:09:11.384" v="623" actId="478"/>
+          <ac:spMkLst>
+            <pc:docMk/>
+            <pc:sldMk cId="2530738273" sldId="274"/>
+            <ac:spMk id="9" creationId="{AB926168-FE41-6385-9CD2-0B776A25DC22}"/>
+          </ac:spMkLst>
+        </pc:spChg>
+        <pc:spChg chg="add del mod">
+          <ac:chgData name="Eduardo Martín-Sonseca.Alonso" userId="044a8a39323ca9b2" providerId="LiveId" clId="{F6C200FF-B7C6-45EA-B94B-3E06CF3AB5C5}" dt="2022-10-04T16:09:29.793" v="625" actId="478"/>
+          <ac:spMkLst>
+            <pc:docMk/>
+            <pc:sldMk cId="2530738273" sldId="274"/>
+            <ac:spMk id="11" creationId="{42E9F455-3F80-6043-440B-FC14F8C0AAD2}"/>
+          </ac:spMkLst>
+        </pc:spChg>
+        <pc:spChg chg="add mod">
+          <ac:chgData name="Eduardo Martín-Sonseca.Alonso" userId="044a8a39323ca9b2" providerId="LiveId" clId="{F6C200FF-B7C6-45EA-B94B-3E06CF3AB5C5}" dt="2022-10-04T16:09:36.013" v="627" actId="1076"/>
+          <ac:spMkLst>
+            <pc:docMk/>
+            <pc:sldMk cId="2530738273" sldId="274"/>
+            <ac:spMk id="12" creationId="{734BC183-C3F9-4804-D84C-0E8310578236}"/>
+          </ac:spMkLst>
+        </pc:spChg>
+        <pc:picChg chg="add del mod">
+          <ac:chgData name="Eduardo Martín-Sonseca.Alonso" userId="044a8a39323ca9b2" providerId="LiveId" clId="{F6C200FF-B7C6-45EA-B94B-3E06CF3AB5C5}" dt="2022-10-04T16:08:51.405" v="617"/>
+          <ac:picMkLst>
+            <pc:docMk/>
+            <pc:sldMk cId="2530738273" sldId="274"/>
+            <ac:picMk id="4" creationId="{5FBA59B7-AEDD-0C9E-65A5-9ED4436BC3F0}"/>
+          </ac:picMkLst>
+        </pc:picChg>
+      </pc:sldChg>
+    </pc:docChg>
+  </pc:docChgLst>
+  <pc:docChgLst>
+    <pc:chgData name="Eduardo Martín-Sonseca.Alonso" userId="044a8a39323ca9b2" providerId="Windows Live" clId="Web-{BC188AD2-9AFC-4294-89AA-68D6E215ABF9}"/>
+    <pc:docChg chg="addSld">
+      <pc:chgData name="Eduardo Martín-Sonseca.Alonso" userId="044a8a39323ca9b2" providerId="Windows Live" clId="Web-{BC188AD2-9AFC-4294-89AA-68D6E215ABF9}" dt="2022-10-04T08:17:34.273" v="0"/>
+      <pc:docMkLst>
+        <pc:docMk/>
+      </pc:docMkLst>
+      <pc:sldChg chg="new">
+        <pc:chgData name="Eduardo Martín-Sonseca.Alonso" userId="044a8a39323ca9b2" providerId="Windows Live" clId="Web-{BC188AD2-9AFC-4294-89AA-68D6E215ABF9}" dt="2022-10-04T08:17:34.273" v="0"/>
+        <pc:sldMkLst>
+          <pc:docMk/>
+          <pc:sldMk cId="664690385" sldId="259"/>
+        </pc:sldMkLst>
+      </pc:sldChg>
+    </pc:docChg>
+  </pc:docChgLst>
+  <pc:docChgLst>
+    <pc:chgData name="Eduardo Martín-Sonseca.Alonso" userId="044a8a39323ca9b2" providerId="Windows Live" clId="Web-{8949363F-F8E8-445A-B74B-030214F69C19}"/>
+    <pc:docChg chg="modSld">
+      <pc:chgData name="Eduardo Martín-Sonseca.Alonso" userId="044a8a39323ca9b2" providerId="Windows Live" clId="Web-{8949363F-F8E8-445A-B74B-030214F69C19}" dt="2022-09-29T08:48:11.610" v="2" actId="20577"/>
+      <pc:docMkLst>
+        <pc:docMk/>
+      </pc:docMkLst>
+      <pc:sldChg chg="modSp">
+        <pc:chgData name="Eduardo Martín-Sonseca.Alonso" userId="044a8a39323ca9b2" providerId="Windows Live" clId="Web-{8949363F-F8E8-445A-B74B-030214F69C19}" dt="2022-09-29T08:48:11.610" v="2" actId="20577"/>
+        <pc:sldMkLst>
+          <pc:docMk/>
+          <pc:sldMk cId="1479924629" sldId="258"/>
+        </pc:sldMkLst>
+        <pc:spChg chg="mod">
+          <ac:chgData name="Eduardo Martín-Sonseca.Alonso" userId="044a8a39323ca9b2" providerId="Windows Live" clId="Web-{8949363F-F8E8-445A-B74B-030214F69C19}" dt="2022-09-29T08:48:11.610" v="2" actId="20577"/>
+          <ac:spMkLst>
+            <pc:docMk/>
+            <pc:sldMk cId="1479924629" sldId="258"/>
+            <ac:spMk id="7" creationId="{5B41D51C-D08B-3EFA-1F77-001EE791B2E3}"/>
+          </ac:spMkLst>
+        </pc:spChg>
+      </pc:sldChg>
+    </pc:docChg>
+  </pc:docChgLst>
+  <pc:docChgLst>
+    <pc:chgData name="Eduardo Martín-Sonseca.Alonso" userId="044a8a39323ca9b2" providerId="LiveId" clId="{88BFF241-8797-48AB-88EF-E6D786ABB885}"/>
+    <pc:docChg chg="undo redo custSel addSld delSld modSld addMainMaster delMainMaster">
+      <pc:chgData name="Eduardo Martín-Sonseca.Alonso" userId="044a8a39323ca9b2" providerId="LiveId" clId="{88BFF241-8797-48AB-88EF-E6D786ABB885}" dt="2022-09-28T20:02:10.459" v="942"/>
+      <pc:docMkLst>
+        <pc:docMk/>
+      </pc:docMkLst>
+      <pc:sldChg chg="addSp delSp modSp new del mod setBg modClrScheme addAnim modAnim delDesignElem chgLayout">
+        <pc:chgData name="Eduardo Martín-Sonseca.Alonso" userId="044a8a39323ca9b2" providerId="LiveId" clId="{88BFF241-8797-48AB-88EF-E6D786ABB885}" dt="2022-09-28T19:22:09.608" v="342" actId="47"/>
+        <pc:sldMkLst>
+          <pc:docMk/>
+          <pc:sldMk cId="3203069901" sldId="256"/>
+        </pc:sldMkLst>
+        <pc:spChg chg="del">
+          <ac:chgData name="Eduardo Martín-Sonseca.Alonso" userId="044a8a39323ca9b2" providerId="LiveId" clId="{88BFF241-8797-48AB-88EF-E6D786ABB885}" dt="2022-09-28T18:50:14.175" v="1" actId="478"/>
+          <ac:spMkLst>
+            <pc:docMk/>
+            <pc:sldMk cId="3203069901" sldId="256"/>
+            <ac:spMk id="2" creationId="{C7B25F8C-609D-9FB4-8E54-79F4CB0280A6}"/>
+          </ac:spMkLst>
+        </pc:spChg>
+        <pc:spChg chg="del">
+          <ac:chgData name="Eduardo Martín-Sonseca.Alonso" userId="044a8a39323ca9b2" providerId="LiveId" clId="{88BFF241-8797-48AB-88EF-E6D786ABB885}" dt="2022-09-28T18:50:16.123" v="2" actId="478"/>
+          <ac:spMkLst>
+            <pc:docMk/>
+            <pc:sldMk cId="3203069901" sldId="256"/>
+            <ac:spMk id="3" creationId="{A6503D79-33B5-6565-A6E2-C0ADCF517B56}"/>
+          </ac:spMkLst>
+        </pc:spChg>
+        <pc:spChg chg="add del mod">
+          <ac:chgData name="Eduardo Martín-Sonseca.Alonso" userId="044a8a39323ca9b2" providerId="LiveId" clId="{88BFF241-8797-48AB-88EF-E6D786ABB885}" dt="2022-09-28T18:50:22.853" v="4"/>
+          <ac:spMkLst>
+            <pc:docMk/>
+            <pc:sldMk cId="3203069901" sldId="256"/>
+            <ac:spMk id="4" creationId="{09FDE277-7A67-1DEC-049A-84B8F3D62698}"/>
+          </ac:spMkLst>
+        </pc:spChg>
+        <pc:spChg chg="add del mod">
+          <ac:chgData name="Eduardo Martín-Sonseca.Alonso" userId="044a8a39323ca9b2" providerId="LiveId" clId="{88BFF241-8797-48AB-88EF-E6D786ABB885}" dt="2022-09-28T18:50:22.853" v="4"/>
+          <ac:spMkLst>
+            <pc:docMk/>
+            <pc:sldMk cId="3203069901" sldId="256"/>
+            <ac:spMk id="5" creationId="{333A11B7-F8A5-41F2-FA97-E74CB5A4BA2A}"/>
+          </ac:spMkLst>
+        </pc:spChg>
+        <pc:spChg chg="add mod ord">
+          <ac:chgData name="Eduardo Martín-Sonseca.Alonso" userId="044a8a39323ca9b2" providerId="LiveId" clId="{88BFF241-8797-48AB-88EF-E6D786ABB885}" dt="2022-09-28T19:12:23.847" v="174" actId="14100"/>
+          <ac:spMkLst>
+            <pc:docMk/>
+            <pc:sldMk cId="3203069901" sldId="256"/>
+            <ac:spMk id="8" creationId="{7B01A2E4-7837-E800-8762-E4F7322AB6D7}"/>
+          </ac:spMkLst>
+        </pc:spChg>
+        <pc:spChg chg="add del mod">
+          <ac:chgData name="Eduardo Martín-Sonseca.Alonso" userId="044a8a39323ca9b2" providerId="LiveId" clId="{88BFF241-8797-48AB-88EF-E6D786ABB885}" dt="2022-09-28T19:10:24.303" v="138" actId="478"/>
+          <ac:spMkLst>
+            <pc:docMk/>
+            <pc:sldMk cId="3203069901" sldId="256"/>
+            <ac:spMk id="9" creationId="{0C2BA46B-08DB-1813-66CD-90EAD0BC00BC}"/>
+          </ac:spMkLst>
+        </pc:spChg>
+        <pc:spChg chg="add del mod">
+          <ac:chgData name="Eduardo Martín-Sonseca.Alonso" userId="044a8a39323ca9b2" providerId="LiveId" clId="{88BFF241-8797-48AB-88EF-E6D786ABB885}" dt="2022-09-28T19:11:49.222" v="168"/>
+          <ac:spMkLst>
+            <pc:docMk/>
+            <pc:sldMk cId="3203069901" sldId="256"/>
+            <ac:spMk id="10" creationId="{ED5AE082-687D-25F1-9757-5355CDC06888}"/>
+          </ac:spMkLst>
+        </pc:spChg>
+        <pc:spChg chg="add del">
+          <ac:chgData name="Eduardo Martín-Sonseca.Alonso" userId="044a8a39323ca9b2" providerId="LiveId" clId="{88BFF241-8797-48AB-88EF-E6D786ABB885}" dt="2022-09-28T19:21:23.422" v="338"/>
+          <ac:spMkLst>
+            <pc:docMk/>
+            <pc:sldMk cId="3203069901" sldId="256"/>
+            <ac:spMk id="12" creationId="{A5F57220-B3BC-40FE-9FA8-28584D25CCCA}"/>
+          </ac:spMkLst>
+        </pc:spChg>
+        <pc:spChg chg="add mod">
+          <ac:chgData name="Eduardo Martín-Sonseca.Alonso" userId="044a8a39323ca9b2" providerId="LiveId" clId="{88BFF241-8797-48AB-88EF-E6D786ABB885}" dt="2022-09-28T19:21:23.680" v="339" actId="27636"/>
+          <ac:spMkLst>
+            <pc:docMk/>
+            <pc:sldMk cId="3203069901" sldId="256"/>
+            <ac:spMk id="16" creationId="{9CB23522-01C4-E94F-14D4-E800D7EC1C96}"/>
+          </ac:spMkLst>
+        </pc:spChg>
+        <pc:spChg chg="add del">
+          <ac:chgData name="Eduardo Martín-Sonseca.Alonso" userId="044a8a39323ca9b2" providerId="LiveId" clId="{88BFF241-8797-48AB-88EF-E6D786ABB885}" dt="2022-09-28T19:10:32.505" v="139" actId="26606"/>
+          <ac:spMkLst>
+            <pc:docMk/>
+            <pc:sldMk cId="3203069901" sldId="256"/>
+            <ac:spMk id="17" creationId="{78E81931-EC11-4433-BB7B-ED42BAA2441E}"/>
+          </ac:spMkLst>
+        </pc:spChg>
+        <pc:spChg chg="add del">
+          <ac:chgData name="Eduardo Martín-Sonseca.Alonso" userId="044a8a39323ca9b2" providerId="LiveId" clId="{88BFF241-8797-48AB-88EF-E6D786ABB885}" dt="2022-09-28T19:10:32.505" v="139" actId="26606"/>
+          <ac:spMkLst>
+            <pc:docMk/>
+            <pc:sldMk cId="3203069901" sldId="256"/>
+            <ac:spMk id="19" creationId="{F35BC353-549C-47DC-9732-7E6961372840}"/>
+          </ac:spMkLst>
+        </pc:spChg>
+        <pc:spChg chg="add del">
+          <ac:chgData name="Eduardo Martín-Sonseca.Alonso" userId="044a8a39323ca9b2" providerId="LiveId" clId="{88BFF241-8797-48AB-88EF-E6D786ABB885}" dt="2022-09-28T19:10:43.873" v="141" actId="700"/>
+          <ac:spMkLst>
+            <pc:docMk/>
+            <pc:sldMk cId="3203069901" sldId="256"/>
+            <ac:spMk id="28" creationId="{7DA3C418-758E-4180-A5D0-8655D6804587}"/>
+          </ac:spMkLst>
+        </pc:spChg>
+        <pc:spChg chg="add del">
+          <ac:chgData name="Eduardo Martín-Sonseca.Alonso" userId="044a8a39323ca9b2" providerId="LiveId" clId="{88BFF241-8797-48AB-88EF-E6D786ABB885}" dt="2022-09-28T19:10:43.873" v="141" actId="700"/>
+          <ac:spMkLst>
+            <pc:docMk/>
+            <pc:sldMk cId="3203069901" sldId="256"/>
+            <ac:spMk id="30" creationId="{28C8EF06-5EC3-4883-AFAF-D74FF46550FB}"/>
+          </ac:spMkLst>
+        </pc:spChg>
+        <pc:picChg chg="add del mod ord">
+          <ac:chgData name="Eduardo Martín-Sonseca.Alonso" userId="044a8a39323ca9b2" providerId="LiveId" clId="{88BFF241-8797-48AB-88EF-E6D786ABB885}" dt="2022-09-28T19:12:08.233" v="169" actId="26606"/>
+          <ac:picMkLst>
+            <pc:docMk/>
+            <pc:sldMk cId="3203069901" sldId="256"/>
+            <ac:picMk id="7" creationId="{47942CDF-7C22-CCE9-2BE3-65E7FB750783}"/>
+          </ac:picMkLst>
+        </pc:picChg>
+        <pc:picChg chg="add del">
+          <ac:chgData name="Eduardo Martín-Sonseca.Alonso" userId="044a8a39323ca9b2" providerId="LiveId" clId="{88BFF241-8797-48AB-88EF-E6D786ABB885}" dt="2022-09-28T19:10:32.505" v="139" actId="26606"/>
+          <ac:picMkLst>
+            <pc:docMk/>
+            <pc:sldMk cId="3203069901" sldId="256"/>
+            <ac:picMk id="13" creationId="{DEB2E8C4-C3E7-4048-A43D-9859510CFA98}"/>
+          </ac:picMkLst>
+        </pc:picChg>
+        <pc:picChg chg="add del">
+          <ac:chgData name="Eduardo Martín-Sonseca.Alonso" userId="044a8a39323ca9b2" providerId="LiveId" clId="{88BFF241-8797-48AB-88EF-E6D786ABB885}" dt="2022-09-28T19:10:43.873" v="141" actId="700"/>
+          <ac:picMkLst>
+            <pc:docMk/>
+            <pc:sldMk cId="3203069901" sldId="256"/>
+            <ac:picMk id="24" creationId="{DEB2E8C4-C3E7-4048-A43D-9859510CFA98}"/>
+          </ac:picMkLst>
+        </pc:picChg>
+        <pc:inkChg chg="add del">
+          <ac:chgData name="Eduardo Martín-Sonseca.Alonso" userId="044a8a39323ca9b2" providerId="LiveId" clId="{88BFF241-8797-48AB-88EF-E6D786ABB885}" dt="2022-09-28T19:10:32.505" v="139" actId="26606"/>
+          <ac:inkMkLst>
+            <pc:docMk/>
+            <pc:sldMk cId="3203069901" sldId="256"/>
+            <ac:inkMk id="15" creationId="{24D29CCB-7956-4E3E-8880-304085F04BF4}"/>
+          </ac:inkMkLst>
+        </pc:inkChg>
+        <pc:inkChg chg="add del">
+          <ac:chgData name="Eduardo Martín-Sonseca.Alonso" userId="044a8a39323ca9b2" providerId="LiveId" clId="{88BFF241-8797-48AB-88EF-E6D786ABB885}" dt="2022-09-28T19:10:43.873" v="141" actId="700"/>
+          <ac:inkMkLst>
+            <pc:docMk/>
+            <pc:sldMk cId="3203069901" sldId="256"/>
+            <ac:inkMk id="26" creationId="{24D29CCB-7956-4E3E-8880-304085F04BF4}"/>
+          </ac:inkMkLst>
+        </pc:inkChg>
+        <pc:cxnChg chg="add del">
+          <ac:chgData name="Eduardo Martín-Sonseca.Alonso" userId="044a8a39323ca9b2" providerId="LiveId" clId="{88BFF241-8797-48AB-88EF-E6D786ABB885}" dt="2022-09-28T19:21:23.422" v="338"/>
+          <ac:cxnSpMkLst>
+            <pc:docMk/>
+            <pc:sldMk cId="3203069901" sldId="256"/>
+            <ac:cxnSpMk id="11" creationId="{C66CC717-08C5-4F3E-B8AA-BA93C8755982}"/>
+          </ac:cxnSpMkLst>
+        </pc:cxnChg>
+        <pc:cxnChg chg="add del">
+          <ac:chgData name="Eduardo Martín-Sonseca.Alonso" userId="044a8a39323ca9b2" providerId="LiveId" clId="{88BFF241-8797-48AB-88EF-E6D786ABB885}" dt="2022-09-28T19:21:23.422" v="338"/>
+          <ac:cxnSpMkLst>
+            <pc:docMk/>
+            <pc:sldMk cId="3203069901" sldId="256"/>
+            <ac:cxnSpMk id="14" creationId="{E162CD6F-E89D-4CC2-BA38-20EB86002FDE}"/>
+          </ac:cxnSpMkLst>
+        </pc:cxnChg>
+      </pc:sldChg>
+      <pc:sldChg chg="addSp delSp modSp new mod modClrScheme modAnim chgLayout">
+        <pc:chgData name="Eduardo Martín-Sonseca.Alonso" userId="044a8a39323ca9b2" providerId="LiveId" clId="{88BFF241-8797-48AB-88EF-E6D786ABB885}" dt="2022-09-28T20:02:10.459" v="942"/>
+        <pc:sldMkLst>
+          <pc:docMk/>
+          <pc:sldMk cId="2184046427" sldId="257"/>
+        </pc:sldMkLst>
+        <pc:spChg chg="del mod">
+          <ac:chgData name="Eduardo Martín-Sonseca.Alonso" userId="044a8a39323ca9b2" providerId="LiveId" clId="{88BFF241-8797-48AB-88EF-E6D786ABB885}" dt="2022-09-28T19:13:43.343" v="212" actId="478"/>
+          <ac:spMkLst>
+            <pc:docMk/>
+            <pc:sldMk cId="2184046427" sldId="257"/>
+            <ac:spMk id="2" creationId="{5D13E32D-A6D9-AC0E-AD1A-22F546802E47}"/>
+          </ac:spMkLst>
+        </pc:spChg>
+        <pc:spChg chg="add del mod">
+          <ac:chgData name="Eduardo Martín-Sonseca.Alonso" userId="044a8a39323ca9b2" providerId="LiveId" clId="{88BFF241-8797-48AB-88EF-E6D786ABB885}" dt="2022-09-28T19:13:45.697" v="213" actId="478"/>
+          <ac:spMkLst>
+            <pc:docMk/>
+            <pc:sldMk cId="2184046427" sldId="257"/>
+            <ac:spMk id="4" creationId="{44C974EA-E93E-E8E4-9AE3-98D1510F960F}"/>
+          </ac:spMkLst>
+        </pc:spChg>
+        <pc:spChg chg="add mod">
+          <ac:chgData name="Eduardo Martín-Sonseca.Alonso" userId="044a8a39323ca9b2" providerId="LiveId" clId="{88BFF241-8797-48AB-88EF-E6D786ABB885}" dt="2022-09-28T19:21:23.422" v="338"/>
+          <ac:spMkLst>
+            <pc:docMk/>
+            <pc:sldMk cId="2184046427" sldId="257"/>
+            <ac:spMk id="5" creationId="{735C47E6-0F39-ABD2-5F8B-9E2AF1475672}"/>
+          </ac:spMkLst>
+        </pc:spChg>
+        <pc:spChg chg="add mod">
+          <ac:chgData name="Eduardo Martín-Sonseca.Alonso" userId="044a8a39323ca9b2" providerId="LiveId" clId="{88BFF241-8797-48AB-88EF-E6D786ABB885}" dt="2022-09-28T20:00:16.166" v="931" actId="34135"/>
+          <ac:spMkLst>
+            <pc:docMk/>
+            <pc:sldMk cId="2184046427" sldId="257"/>
+            <ac:spMk id="6" creationId="{23EA851E-911E-D6AE-A5CA-E1EEE508B5AB}"/>
+          </ac:spMkLst>
+        </pc:spChg>
+        <pc:spChg chg="add del mod">
+          <ac:chgData name="Eduardo Martín-Sonseca.Alonso" userId="044a8a39323ca9b2" providerId="LiveId" clId="{88BFF241-8797-48AB-88EF-E6D786ABB885}" dt="2022-09-28T19:29:29.531" v="529" actId="478"/>
+          <ac:spMkLst>
+            <pc:docMk/>
+            <pc:sldMk cId="2184046427" sldId="257"/>
+            <ac:spMk id="8" creationId="{9D6B815F-EAC8-B4FE-AE05-E84A5BC82D80}"/>
+          </ac:spMkLst>
+        </pc:spChg>
+        <pc:spChg chg="add mod">
+          <ac:chgData name="Eduardo Martín-Sonseca.Alonso" userId="044a8a39323ca9b2" providerId="LiveId" clId="{88BFF241-8797-48AB-88EF-E6D786ABB885}" dt="2022-09-28T20:00:18.926" v="932" actId="34135"/>
+          <ac:spMkLst>
+            <pc:docMk/>
+            <pc:sldMk cId="2184046427" sldId="257"/>
+            <ac:spMk id="9" creationId="{8DFBFE72-FC60-CEFE-8704-4DD15A709559}"/>
+          </ac:spMkLst>
+        </pc:spChg>
+        <pc:spChg chg="add mod">
+          <ac:chgData name="Eduardo Martín-Sonseca.Alonso" userId="044a8a39323ca9b2" providerId="LiveId" clId="{88BFF241-8797-48AB-88EF-E6D786ABB885}" dt="2022-09-28T20:00:23.155" v="933" actId="34135"/>
+          <ac:spMkLst>
+            <pc:docMk/>
+            <pc:sldMk cId="2184046427" sldId="257"/>
+            <ac:spMk id="10" creationId="{49107AB4-257A-B52B-0520-7FF3845C71E9}"/>
+          </ac:spMkLst>
+        </pc:spChg>
+        <pc:spChg chg="add mod">
+          <ac:chgData name="Eduardo Martín-Sonseca.Alonso" userId="044a8a39323ca9b2" providerId="LiveId" clId="{88BFF241-8797-48AB-88EF-E6D786ABB885}" dt="2022-09-28T20:00:07.899" v="929" actId="34135"/>
+          <ac:spMkLst>
+            <pc:docMk/>
+            <pc:sldMk cId="2184046427" sldId="257"/>
+            <ac:spMk id="11" creationId="{1B3C84AF-DA8D-3D79-5A25-5245E1F91BF6}"/>
+          </ac:spMkLst>
+        </pc:spChg>
+        <pc:spChg chg="add mod">
+          <ac:chgData name="Eduardo Martín-Sonseca.Alonso" userId="044a8a39323ca9b2" providerId="LiveId" clId="{88BFF241-8797-48AB-88EF-E6D786ABB885}" dt="2022-09-28T20:00:12.407" v="930" actId="34135"/>
+          <ac:spMkLst>
+            <pc:docMk/>
+            <pc:sldMk cId="2184046427" sldId="257"/>
+            <ac:spMk id="12" creationId="{F8CF3850-7061-B2CA-5F39-D687B24AB999}"/>
+          </ac:spMkLst>
+        </pc:spChg>
+        <pc:spChg chg="add del mod">
+          <ac:chgData name="Eduardo Martín-Sonseca.Alonso" userId="044a8a39323ca9b2" providerId="LiveId" clId="{88BFF241-8797-48AB-88EF-E6D786ABB885}" dt="2022-09-28T19:58:56.330" v="923" actId="34135"/>
+          <ac:spMkLst>
+            <pc:docMk/>
+            <pc:sldMk cId="2184046427" sldId="257"/>
+            <ac:spMk id="13" creationId="{91653C34-046D-11DD-8BC9-EBC5373C9EBE}"/>
+          </ac:spMkLst>
+        </pc:spChg>
+        <pc:spChg chg="add del mod">
+          <ac:chgData name="Eduardo Martín-Sonseca.Alonso" userId="044a8a39323ca9b2" providerId="LiveId" clId="{88BFF241-8797-48AB-88EF-E6D786ABB885}" dt="2022-09-28T19:42:35.933" v="804"/>
+          <ac:spMkLst>
+            <pc:docMk/>
+            <pc:sldMk cId="2184046427" sldId="257"/>
+            <ac:spMk id="14" creationId="{83551F04-CBD9-8F9A-1857-5EF5DFB422D0}"/>
+          </ac:spMkLst>
+        </pc:spChg>
+      </pc:sldChg>
+      <pc:sldChg chg="addSp delSp modSp new mod">
+        <pc:chgData name="Eduardo Martín-Sonseca.Alonso" userId="044a8a39323ca9b2" providerId="LiveId" clId="{88BFF241-8797-48AB-88EF-E6D786ABB885}" dt="2022-09-28T19:58:44.966" v="922" actId="34135"/>
+        <pc:sldMkLst>
+          <pc:docMk/>
+          <pc:sldMk cId="1479924629" sldId="258"/>
+        </pc:sldMkLst>
+        <pc:spChg chg="mod">
+          <ac:chgData name="Eduardo Martín-Sonseca.Alonso" userId="044a8a39323ca9b2" providerId="LiveId" clId="{88BFF241-8797-48AB-88EF-E6D786ABB885}" dt="2022-09-28T19:22:20.993" v="358" actId="20577"/>
+          <ac:spMkLst>
+            <pc:docMk/>
+            <pc:sldMk cId="1479924629" sldId="258"/>
+            <ac:spMk id="2" creationId="{ED99DBDA-B49D-9CE5-B7A0-3B4E389D673C}"/>
+          </ac:spMkLst>
+        </pc:spChg>
+        <pc:spChg chg="del mod">
+          <ac:chgData name="Eduardo Martín-Sonseca.Alonso" userId="044a8a39323ca9b2" providerId="LiveId" clId="{88BFF241-8797-48AB-88EF-E6D786ABB885}" dt="2022-09-28T19:57:29.989" v="908" actId="478"/>
+          <ac:spMkLst>
+            <pc:docMk/>
+            <pc:sldMk cId="1479924629" sldId="258"/>
+            <ac:spMk id="3" creationId="{7C3E41D4-6C35-52A7-C2AA-793C4B03620E}"/>
+          </ac:spMkLst>
+        </pc:spChg>
+        <pc:spChg chg="add del mod">
+          <ac:chgData name="Eduardo Martín-Sonseca.Alonso" userId="044a8a39323ca9b2" providerId="LiveId" clId="{88BFF241-8797-48AB-88EF-E6D786ABB885}" dt="2022-09-28T19:57:28.804" v="907"/>
+          <ac:spMkLst>
+            <pc:docMk/>
+            <pc:sldMk cId="1479924629" sldId="258"/>
+            <ac:spMk id="4" creationId="{4B885A8F-F936-CFDF-2450-170AA22E9170}"/>
+          </ac:spMkLst>
+        </pc:spChg>
+        <pc:spChg chg="add mod">
+          <ac:chgData name="Eduardo Martín-Sonseca.Alonso" userId="044a8a39323ca9b2" providerId="LiveId" clId="{88BFF241-8797-48AB-88EF-E6D786ABB885}" dt="2022-09-28T19:57:29.989" v="908" actId="478"/>
+          <ac:spMkLst>
+            <pc:docMk/>
+            <pc:sldMk cId="1479924629" sldId="258"/>
+            <ac:spMk id="6" creationId="{FFE44297-5AAD-CA6F-4064-C2621A1C9AF8}"/>
+          </ac:spMkLst>
+        </pc:spChg>
+        <pc:spChg chg="add mod">
+          <ac:chgData name="Eduardo Martín-Sonseca.Alonso" userId="044a8a39323ca9b2" providerId="LiveId" clId="{88BFF241-8797-48AB-88EF-E6D786ABB885}" dt="2022-09-28T19:58:44.966" v="922" actId="34135"/>
+          <ac:spMkLst>
+            <pc:docMk/>
+            <pc:sldMk cId="1479924629" sldId="258"/>
+            <ac:spMk id="7" creationId="{5B41D51C-D08B-3EFA-1F77-001EE791B2E3}"/>
+          </ac:spMkLst>
+        </pc:spChg>
+      </pc:sldChg>
+      <pc:sldChg chg="addSp delSp modSp new mod setBg">
+        <pc:chgData name="Eduardo Martín-Sonseca.Alonso" userId="044a8a39323ca9b2" providerId="LiveId" clId="{88BFF241-8797-48AB-88EF-E6D786ABB885}" dt="2022-09-28T19:59:06.824" v="924" actId="34135"/>
+        <pc:sldMkLst>
+          <pc:docMk/>
+          <pc:sldMk cId="811467687" sldId="259"/>
+        </pc:sldMkLst>
+        <pc:spChg chg="mod">
+          <ac:chgData name="Eduardo Martín-Sonseca.Alonso" userId="044a8a39323ca9b2" providerId="LiveId" clId="{88BFF241-8797-48AB-88EF-E6D786ABB885}" dt="2022-09-28T19:54:33.513" v="857" actId="26606"/>
+          <ac:spMkLst>
+            <pc:docMk/>
+            <pc:sldMk cId="811467687" sldId="259"/>
+            <ac:spMk id="2" creationId="{0458FCD4-2349-82D1-53D7-CD238760EBC8}"/>
+          </ac:spMkLst>
+        </pc:spChg>
+        <pc:spChg chg="add del">
+          <ac:chgData name="Eduardo Martín-Sonseca.Alonso" userId="044a8a39323ca9b2" providerId="LiveId" clId="{88BFF241-8797-48AB-88EF-E6D786ABB885}" dt="2022-09-28T19:54:33.513" v="857" actId="26606"/>
+          <ac:spMkLst>
+            <pc:docMk/>
+            <pc:sldMk cId="811467687" sldId="259"/>
+            <ac:spMk id="3" creationId="{6B461CBF-6D58-C9FF-0E94-1476763DCE14}"/>
+          </ac:spMkLst>
+        </pc:spChg>
+        <pc:spChg chg="add del mod">
+          <ac:chgData name="Eduardo Martín-Sonseca.Alonso" userId="044a8a39323ca9b2" providerId="LiveId" clId="{88BFF241-8797-48AB-88EF-E6D786ABB885}" dt="2022-09-28T19:57:48.943" v="912" actId="478"/>
+          <ac:spMkLst>
+            <pc:docMk/>
+            <pc:sldMk cId="811467687" sldId="259"/>
+            <ac:spMk id="4" creationId="{8BA1FEC3-CA9A-7AD0-A7D1-C0D1AC41716C}"/>
+          </ac:spMkLst>
+        </pc:spChg>
+        <pc:spChg chg="add del mod">
+          <ac:chgData name="Eduardo Martín-Sonseca.Alonso" userId="044a8a39323ca9b2" providerId="LiveId" clId="{88BFF241-8797-48AB-88EF-E6D786ABB885}" dt="2022-09-28T19:41:42.186" v="780"/>
+          <ac:spMkLst>
+            <pc:docMk/>
+            <pc:sldMk cId="811467687" sldId="259"/>
+            <ac:spMk id="5" creationId="{AA48DF43-8FE2-E4B4-D6BF-3B3B8127AF9E}"/>
+          </ac:spMkLst>
+        </pc:spChg>
+        <pc:spChg chg="add del mod">
+          <ac:chgData name="Eduardo Martín-Sonseca.Alonso" userId="044a8a39323ca9b2" providerId="LiveId" clId="{88BFF241-8797-48AB-88EF-E6D786ABB885}" dt="2022-09-28T19:42:35.714" v="796"/>
+          <ac:spMkLst>
+            <pc:docMk/>
+            <pc:sldMk cId="811467687" sldId="259"/>
+            <ac:spMk id="6" creationId="{20D33E9D-4787-B796-1D39-4D9B5BC42880}"/>
+          </ac:spMkLst>
+        </pc:spChg>
+        <pc:spChg chg="add del mod">
+          <ac:chgData name="Eduardo Martín-Sonseca.Alonso" userId="044a8a39323ca9b2" providerId="LiveId" clId="{88BFF241-8797-48AB-88EF-E6D786ABB885}" dt="2022-09-28T19:57:43.336" v="911" actId="478"/>
+          <ac:spMkLst>
+            <pc:docMk/>
+            <pc:sldMk cId="811467687" sldId="259"/>
+            <ac:spMk id="7" creationId="{3837D85F-3EC2-5F2F-D4FA-B758953DF791}"/>
+          </ac:spMkLst>
+        </pc:spChg>
+        <pc:spChg chg="add mod">
+          <ac:chgData name="Eduardo Martín-Sonseca.Alonso" userId="044a8a39323ca9b2" providerId="LiveId" clId="{88BFF241-8797-48AB-88EF-E6D786ABB885}" dt="2022-09-28T19:59:06.824" v="924" actId="34135"/>
+          <ac:spMkLst>
+            <pc:docMk/>
+            <pc:sldMk cId="811467687" sldId="259"/>
+            <ac:spMk id="9" creationId="{47E1B43A-98F5-144F-171C-92EF9B1579DB}"/>
+          </ac:spMkLst>
+        </pc:spChg>
+        <pc:spChg chg="add del">
+          <ac:chgData name="Eduardo Martín-Sonseca.Alonso" userId="044a8a39323ca9b2" providerId="LiveId" clId="{88BFF241-8797-48AB-88EF-E6D786ABB885}" dt="2022-09-28T19:54:33.513" v="857" actId="26606"/>
+          <ac:spMkLst>
+            <pc:docMk/>
+            <pc:sldMk cId="811467687" sldId="259"/>
+            <ac:spMk id="11" creationId="{A3363022-C969-41E9-8EB2-E4C94908C1FA}"/>
+          </ac:spMkLst>
+        </pc:spChg>
+        <pc:spChg chg="add del">
+          <ac:chgData name="Eduardo Martín-Sonseca.Alonso" userId="044a8a39323ca9b2" providerId="LiveId" clId="{88BFF241-8797-48AB-88EF-E6D786ABB885}" dt="2022-09-28T19:54:33.513" v="857" actId="26606"/>
+          <ac:spMkLst>
+            <pc:docMk/>
+            <pc:sldMk cId="811467687" sldId="259"/>
+            <ac:spMk id="13" creationId="{8D1AD6B3-BE88-4CEB-BA17-790657CC4729}"/>
+          </ac:spMkLst>
+        </pc:spChg>
+        <pc:spChg chg="add del">
+          <ac:chgData name="Eduardo Martín-Sonseca.Alonso" userId="044a8a39323ca9b2" providerId="LiveId" clId="{88BFF241-8797-48AB-88EF-E6D786ABB885}" dt="2022-09-28T19:54:33.153" v="856" actId="26606"/>
+          <ac:spMkLst>
+            <pc:docMk/>
+            <pc:sldMk cId="811467687" sldId="259"/>
+            <ac:spMk id="23" creationId="{91F32EBA-ED97-466E-8CFA-8382584155D0}"/>
+          </ac:spMkLst>
+        </pc:spChg>
+        <pc:spChg chg="add del">
+          <ac:chgData name="Eduardo Martín-Sonseca.Alonso" userId="044a8a39323ca9b2" providerId="LiveId" clId="{88BFF241-8797-48AB-88EF-E6D786ABB885}" dt="2022-09-28T19:54:33.153" v="856" actId="26606"/>
+          <ac:spMkLst>
+            <pc:docMk/>
+            <pc:sldMk cId="811467687" sldId="259"/>
+            <ac:spMk id="25" creationId="{62A38935-BB53-4DF7-A56E-48DD25B685D7}"/>
+          </ac:spMkLst>
+        </pc:spChg>
+        <pc:grpChg chg="add del">
+          <ac:chgData name="Eduardo Martín-Sonseca.Alonso" userId="044a8a39323ca9b2" providerId="LiveId" clId="{88BFF241-8797-48AB-88EF-E6D786ABB885}" dt="2022-09-28T19:54:33.513" v="857" actId="26606"/>
+          <ac:grpSpMkLst>
+            <pc:docMk/>
+            <pc:sldMk cId="811467687" sldId="259"/>
+            <ac:grpSpMk id="15" creationId="{89D1390B-7E13-4B4F-9CB2-391063412E54}"/>
+          </ac:grpSpMkLst>
+        </pc:grpChg>
+        <pc:picChg chg="add del mod ord">
+          <ac:chgData name="Eduardo Martín-Sonseca.Alonso" userId="044a8a39323ca9b2" providerId="LiveId" clId="{88BFF241-8797-48AB-88EF-E6D786ABB885}" dt="2022-09-28T19:54:33.513" v="857" actId="26606"/>
+          <ac:picMkLst>
+            <pc:docMk/>
+            <pc:sldMk cId="811467687" sldId="259"/>
+            <ac:picMk id="8" creationId="{B6F9C9BC-1313-BDE6-589E-7A4423113455}"/>
+          </ac:picMkLst>
+        </pc:picChg>
+      </pc:sldChg>
+      <pc:sldChg chg="addSp delSp modSp new mod setBg">
+        <pc:chgData name="Eduardo Martín-Sonseca.Alonso" userId="044a8a39323ca9b2" providerId="LiveId" clId="{88BFF241-8797-48AB-88EF-E6D786ABB885}" dt="2022-09-28T19:59:14.499" v="925" actId="34135"/>
+        <pc:sldMkLst>
+          <pc:docMk/>
+          <pc:sldMk cId="2467411564" sldId="260"/>
+        </pc:sldMkLst>
+        <pc:spChg chg="mod">
+          <ac:chgData name="Eduardo Martín-Sonseca.Alonso" userId="044a8a39323ca9b2" providerId="LiveId" clId="{88BFF241-8797-48AB-88EF-E6D786ABB885}" dt="2022-09-28T19:54:20.503" v="854" actId="26606"/>
+          <ac:spMkLst>
+            <pc:docMk/>
+            <pc:sldMk cId="2467411564" sldId="260"/>
+            <ac:spMk id="2" creationId="{500DE41D-3EC7-4D50-E094-11D19C60413E}"/>
+          </ac:spMkLst>
+        </pc:spChg>
+        <pc:spChg chg="add del">
+          <ac:chgData name="Eduardo Martín-Sonseca.Alonso" userId="044a8a39323ca9b2" providerId="LiveId" clId="{88BFF241-8797-48AB-88EF-E6D786ABB885}" dt="2022-09-28T19:54:20.503" v="854" actId="26606"/>
+          <ac:spMkLst>
+            <pc:docMk/>
+            <pc:sldMk cId="2467411564" sldId="260"/>
+            <ac:spMk id="3" creationId="{199DEBE5-CFD3-C05E-8FA7-CFE65C69B5C5}"/>
+          </ac:spMkLst>
+        </pc:spChg>
+        <pc:spChg chg="add del mod">
+          <ac:chgData name="Eduardo Martín-Sonseca.Alonso" userId="044a8a39323ca9b2" providerId="LiveId" clId="{88BFF241-8797-48AB-88EF-E6D786ABB885}" dt="2022-09-28T19:57:57.793" v="914" actId="478"/>
+          <ac:spMkLst>
+            <pc:docMk/>
+            <pc:sldMk cId="2467411564" sldId="260"/>
+            <ac:spMk id="4" creationId="{35551174-B175-4C14-3571-EE7AA57814B0}"/>
+          </ac:spMkLst>
+        </pc:spChg>
+        <pc:spChg chg="add mod">
+          <ac:chgData name="Eduardo Martín-Sonseca.Alonso" userId="044a8a39323ca9b2" providerId="LiveId" clId="{88BFF241-8797-48AB-88EF-E6D786ABB885}" dt="2022-09-28T19:59:14.499" v="925" actId="34135"/>
+          <ac:spMkLst>
+            <pc:docMk/>
+            <pc:sldMk cId="2467411564" sldId="260"/>
+            <ac:spMk id="5" creationId="{56E24846-6110-797A-647B-AA43F162DD04}"/>
+          </ac:spMkLst>
+        </pc:spChg>
+        <pc:spChg chg="add del">
+          <ac:chgData name="Eduardo Martín-Sonseca.Alonso" userId="044a8a39323ca9b2" providerId="LiveId" clId="{88BFF241-8797-48AB-88EF-E6D786ABB885}" dt="2022-09-28T19:54:20.503" v="854" actId="26606"/>
+          <ac:spMkLst>
+            <pc:docMk/>
+            <pc:sldMk cId="2467411564" sldId="260"/>
+            <ac:spMk id="9" creationId="{787F4F1C-8D3D-4EC1-B72D-A0470A5A08B8}"/>
+          </ac:spMkLst>
+        </pc:spChg>
+        <pc:grpChg chg="add del">
+          <ac:chgData name="Eduardo Martín-Sonseca.Alonso" userId="044a8a39323ca9b2" providerId="LiveId" clId="{88BFF241-8797-48AB-88EF-E6D786ABB885}" dt="2022-09-28T19:54:20.503" v="854" actId="26606"/>
+          <ac:grpSpMkLst>
+            <pc:docMk/>
+            <pc:sldMk cId="2467411564" sldId="260"/>
+            <ac:grpSpMk id="11" creationId="{D1E3DD61-64DB-46AD-B249-E273CD86B051}"/>
+          </ac:grpSpMkLst>
+        </pc:grpChg>
+      </pc:sldChg>
+      <pc:sldChg chg="addSp delSp modSp new mod">
+        <pc:chgData name="Eduardo Martín-Sonseca.Alonso" userId="044a8a39323ca9b2" providerId="LiveId" clId="{88BFF241-8797-48AB-88EF-E6D786ABB885}" dt="2022-09-28T19:59:20.483" v="926" actId="34135"/>
+        <pc:sldMkLst>
+          <pc:docMk/>
+          <pc:sldMk cId="1395609140" sldId="261"/>
+        </pc:sldMkLst>
+        <pc:spChg chg="mod">
+          <ac:chgData name="Eduardo Martín-Sonseca.Alonso" userId="044a8a39323ca9b2" providerId="LiveId" clId="{88BFF241-8797-48AB-88EF-E6D786ABB885}" dt="2022-09-28T19:26:48.267" v="464" actId="20577"/>
+          <ac:spMkLst>
+            <pc:docMk/>
+            <pc:sldMk cId="1395609140" sldId="261"/>
+            <ac:spMk id="2" creationId="{546FDB38-B45A-B55B-5913-C099453C4EB3}"/>
+          </ac:spMkLst>
+        </pc:spChg>
+        <pc:spChg chg="add del mod">
+          <ac:chgData name="Eduardo Martín-Sonseca.Alonso" userId="044a8a39323ca9b2" providerId="LiveId" clId="{88BFF241-8797-48AB-88EF-E6D786ABB885}" dt="2022-09-28T19:58:07.142" v="916" actId="478"/>
+          <ac:spMkLst>
+            <pc:docMk/>
+            <pc:sldMk cId="1395609140" sldId="261"/>
+            <ac:spMk id="4" creationId="{BA7C6D83-07F6-6F1C-9E02-F7785FA13A2D}"/>
+          </ac:spMkLst>
+        </pc:spChg>
+        <pc:spChg chg="add mod">
+          <ac:chgData name="Eduardo Martín-Sonseca.Alonso" userId="044a8a39323ca9b2" providerId="LiveId" clId="{88BFF241-8797-48AB-88EF-E6D786ABB885}" dt="2022-09-28T19:59:20.483" v="926" actId="34135"/>
+          <ac:spMkLst>
+            <pc:docMk/>
+            <pc:sldMk cId="1395609140" sldId="261"/>
+            <ac:spMk id="5" creationId="{84FAB4ED-9776-C6FF-9372-A83D99FCA231}"/>
+          </ac:spMkLst>
+        </pc:spChg>
+      </pc:sldChg>
+      <pc:sldChg chg="addSp delSp modSp new mod">
+        <pc:chgData name="Eduardo Martín-Sonseca.Alonso" userId="044a8a39323ca9b2" providerId="LiveId" clId="{88BFF241-8797-48AB-88EF-E6D786ABB885}" dt="2022-09-28T19:59:27.666" v="927" actId="34135"/>
+        <pc:sldMkLst>
+          <pc:docMk/>
+          <pc:sldMk cId="3457248673" sldId="262"/>
+        </pc:sldMkLst>
+        <pc:spChg chg="mod">
+          <ac:chgData name="Eduardo Martín-Sonseca.Alonso" userId="044a8a39323ca9b2" providerId="LiveId" clId="{88BFF241-8797-48AB-88EF-E6D786ABB885}" dt="2022-09-28T19:27:20.246" v="499" actId="20577"/>
+          <ac:spMkLst>
+            <pc:docMk/>
+            <pc:sldMk cId="3457248673" sldId="262"/>
+            <ac:spMk id="2" creationId="{D2C4EF2C-F551-4AD3-0F72-DAE70F1472EB}"/>
+          </ac:spMkLst>
+        </pc:spChg>
+        <pc:spChg chg="add del mod">
+          <ac:chgData name="Eduardo Martín-Sonseca.Alonso" userId="044a8a39323ca9b2" providerId="LiveId" clId="{88BFF241-8797-48AB-88EF-E6D786ABB885}" dt="2022-09-28T19:58:16.500" v="918" actId="478"/>
+          <ac:spMkLst>
+            <pc:docMk/>
+            <pc:sldMk cId="3457248673" sldId="262"/>
+            <ac:spMk id="4" creationId="{55736FD1-C4A8-AE7F-12D0-807513E17BD2}"/>
+          </ac:spMkLst>
+        </pc:spChg>
+        <pc:spChg chg="add mod">
+          <ac:chgData name="Eduardo Martín-Sonseca.Alonso" userId="044a8a39323ca9b2" providerId="LiveId" clId="{88BFF241-8797-48AB-88EF-E6D786ABB885}" dt="2022-09-28T19:59:27.666" v="927" actId="34135"/>
+          <ac:spMkLst>
+            <pc:docMk/>
+            <pc:sldMk cId="3457248673" sldId="262"/>
+            <ac:spMk id="5" creationId="{31B17589-FE36-F12A-AB43-BBBFD3330D3A}"/>
+          </ac:spMkLst>
+        </pc:spChg>
+      </pc:sldChg>
+      <pc:sldChg chg="addSp delSp modSp new mod">
+        <pc:chgData name="Eduardo Martín-Sonseca.Alonso" userId="044a8a39323ca9b2" providerId="LiveId" clId="{88BFF241-8797-48AB-88EF-E6D786ABB885}" dt="2022-09-28T19:59:34.585" v="928" actId="34135"/>
+        <pc:sldMkLst>
+          <pc:docMk/>
+          <pc:sldMk cId="436996647" sldId="263"/>
+        </pc:sldMkLst>
+        <pc:spChg chg="mod">
+          <ac:chgData name="Eduardo Martín-Sonseca.Alonso" userId="044a8a39323ca9b2" providerId="LiveId" clId="{88BFF241-8797-48AB-88EF-E6D786ABB885}" dt="2022-09-28T19:27:48.506" v="516" actId="20577"/>
+          <ac:spMkLst>
+            <pc:docMk/>
+            <pc:sldMk cId="436996647" sldId="263"/>
+            <ac:spMk id="2" creationId="{1DA3D9F2-8F0D-B3D3-5E4A-87EE0D8708C9}"/>
+          </ac:spMkLst>
+        </pc:spChg>
+        <pc:spChg chg="mod">
+          <ac:chgData name="Eduardo Martín-Sonseca.Alonso" userId="044a8a39323ca9b2" providerId="LiveId" clId="{88BFF241-8797-48AB-88EF-E6D786ABB885}" dt="2022-09-28T19:28:32.145" v="520" actId="20577"/>
+          <ac:spMkLst>
+            <pc:docMk/>
+            <pc:sldMk cId="436996647" sldId="263"/>
+            <ac:spMk id="3" creationId="{C3AA9280-1CDB-48F8-3C14-03859160F6B1}"/>
+          </ac:spMkLst>
+        </pc:spChg>
+        <pc:spChg chg="add del mod">
+          <ac:chgData name="Eduardo Martín-Sonseca.Alonso" userId="044a8a39323ca9b2" providerId="LiveId" clId="{88BFF241-8797-48AB-88EF-E6D786ABB885}" dt="2022-09-28T19:58:23.203" v="920" actId="478"/>
+          <ac:spMkLst>
+            <pc:docMk/>
+            <pc:sldMk cId="436996647" sldId="263"/>
+            <ac:spMk id="4" creationId="{49E4C170-20BD-3318-B7BE-2D2452A8960C}"/>
+          </ac:spMkLst>
+        </pc:spChg>
+        <pc:spChg chg="add mod">
+          <ac:chgData name="Eduardo Martín-Sonseca.Alonso" userId="044a8a39323ca9b2" providerId="LiveId" clId="{88BFF241-8797-48AB-88EF-E6D786ABB885}" dt="2022-09-28T19:59:34.585" v="928" actId="34135"/>
+          <ac:spMkLst>
+            <pc:docMk/>
+            <pc:sldMk cId="436996647" sldId="263"/>
+            <ac:spMk id="5" creationId="{4192928C-7F78-D760-DD00-AB12107440BD}"/>
+          </ac:spMkLst>
+        </pc:spChg>
+      </pc:sldChg>
+      <pc:sldMasterChg chg="del delSldLayout">
+        <pc:chgData name="Eduardo Martín-Sonseca.Alonso" userId="044a8a39323ca9b2" providerId="LiveId" clId="{88BFF241-8797-48AB-88EF-E6D786ABB885}" dt="2022-09-28T19:06:29.003" v="21" actId="26606"/>
+        <pc:sldMasterMkLst>
+          <pc:docMk/>
+          <pc:sldMasterMk cId="4153704577" sldId="2147483648"/>
+        </pc:sldMasterMkLst>
+        <pc:sldLayoutChg chg="del">
+          <pc:chgData name="Eduardo Martín-Sonseca.Alonso" userId="044a8a39323ca9b2" providerId="LiveId" clId="{88BFF241-8797-48AB-88EF-E6D786ABB885}" dt="2022-09-28T19:06:29.003" v="21" actId="26606"/>
+          <pc:sldLayoutMkLst>
+            <pc:docMk/>
+            <pc:sldMasterMk cId="4153704577" sldId="2147483648"/>
+            <pc:sldLayoutMk cId="1395403755" sldId="2147483649"/>
+          </pc:sldLayoutMkLst>
+        </pc:sldLayoutChg>
+        <pc:sldLayoutChg chg="del">
+          <pc:chgData name="Eduardo Martín-Sonseca.Alonso" userId="044a8a39323ca9b2" providerId="LiveId" clId="{88BFF241-8797-48AB-88EF-E6D786ABB885}" dt="2022-09-28T19:06:29.003" v="21" actId="26606"/>
+          <pc:sldLayoutMkLst>
+            <pc:docMk/>
+            <pc:sldMasterMk cId="4153704577" sldId="2147483648"/>
+            <pc:sldLayoutMk cId="355621411" sldId="2147483650"/>
+          </pc:sldLayoutMkLst>
+        </pc:sldLayoutChg>
+        <pc:sldLayoutChg chg="del">
+          <pc:chgData name="Eduardo Martín-Sonseca.Alonso" userId="044a8a39323ca9b2" providerId="LiveId" clId="{88BFF241-8797-48AB-88EF-E6D786ABB885}" dt="2022-09-28T19:06:29.003" v="21" actId="26606"/>
+          <pc:sldLayoutMkLst>
+            <pc:docMk/>
+            <pc:sldMasterMk cId="4153704577" sldId="2147483648"/>
+            <pc:sldLayoutMk cId="4082525401" sldId="2147483651"/>
+          </pc:sldLayoutMkLst>
+        </pc:sldLayoutChg>
+        <pc:sldLayoutChg chg="del">
+          <pc:chgData name="Eduardo Martín-Sonseca.Alonso" userId="044a8a39323ca9b2" providerId="LiveId" clId="{88BFF241-8797-48AB-88EF-E6D786ABB885}" dt="2022-09-28T19:06:29.003" v="21" actId="26606"/>
+          <pc:sldLayoutMkLst>
+            <pc:docMk/>
+            <pc:sldMasterMk cId="4153704577" sldId="2147483648"/>
+            <pc:sldLayoutMk cId="109423261" sldId="2147483652"/>
+          </pc:sldLayoutMkLst>
+        </pc:sldLayoutChg>
+        <pc:sldLayoutChg chg="del">
+          <pc:chgData name="Eduardo Martín-Sonseca.Alonso" userId="044a8a39323ca9b2" providerId="LiveId" clId="{88BFF241-8797-48AB-88EF-E6D786ABB885}" dt="2022-09-28T19:06:29.003" v="21" actId="26606"/>
+          <pc:sldLayoutMkLst>
+            <pc:docMk/>
+            <pc:sldMasterMk cId="4153704577" sldId="2147483648"/>
+            <pc:sldLayoutMk cId="1024176374" sldId="2147483653"/>
+          </pc:sldLayoutMkLst>
+        </pc:sldLayoutChg>
+        <pc:sldLayoutChg chg="del">
+          <pc:chgData name="Eduardo Martín-Sonseca.Alonso" userId="044a8a39323ca9b2" providerId="LiveId" clId="{88BFF241-8797-48AB-88EF-E6D786ABB885}" dt="2022-09-28T19:06:29.003" v="21" actId="26606"/>
+          <pc:sldLayoutMkLst>
+            <pc:docMk/>
+            <pc:sldMasterMk cId="4153704577" sldId="2147483648"/>
+            <pc:sldLayoutMk cId="3916222883" sldId="2147483654"/>
+          </pc:sldLayoutMkLst>
+        </pc:sldLayoutChg>
+        <pc:sldLayoutChg chg="del">
+          <pc:chgData name="Eduardo Martín-Sonseca.Alonso" userId="044a8a39323ca9b2" providerId="LiveId" clId="{88BFF241-8797-48AB-88EF-E6D786ABB885}" dt="2022-09-28T19:06:29.003" v="21" actId="26606"/>
+          <pc:sldLayoutMkLst>
+            <pc:docMk/>
+            <pc:sldMasterMk cId="4153704577" sldId="2147483648"/>
+            <pc:sldLayoutMk cId="1867225914" sldId="2147483655"/>
+          </pc:sldLayoutMkLst>
+        </pc:sldLayoutChg>
+        <pc:sldLayoutChg chg="del">
+          <pc:chgData name="Eduardo Martín-Sonseca.Alonso" userId="044a8a39323ca9b2" providerId="LiveId" clId="{88BFF241-8797-48AB-88EF-E6D786ABB885}" dt="2022-09-28T19:06:29.003" v="21" actId="26606"/>
+          <pc:sldLayoutMkLst>
+            <pc:docMk/>
+            <pc:sldMasterMk cId="4153704577" sldId="2147483648"/>
+            <pc:sldLayoutMk cId="3993102465" sldId="2147483656"/>
+          </pc:sldLayoutMkLst>
+        </pc:sldLayoutChg>
+        <pc:sldLayoutChg chg="del">
+          <pc:chgData name="Eduardo Martín-Sonseca.Alonso" userId="044a8a39323ca9b2" providerId="LiveId" clId="{88BFF241-8797-48AB-88EF-E6D786ABB885}" dt="2022-09-28T19:06:29.003" v="21" actId="26606"/>
+          <pc:sldLayoutMkLst>
+            <pc:docMk/>
+            <pc:sldMasterMk cId="4153704577" sldId="2147483648"/>
+            <pc:sldLayoutMk cId="1101677169" sldId="2147483657"/>
+          </pc:sldLayoutMkLst>
+        </pc:sldLayoutChg>
+        <pc:sldLayoutChg chg="del">
+          <pc:chgData name="Eduardo Martín-Sonseca.Alonso" userId="044a8a39323ca9b2" providerId="LiveId" clId="{88BFF241-8797-48AB-88EF-E6D786ABB885}" dt="2022-09-28T19:06:29.003" v="21" actId="26606"/>
+          <pc:sldLayoutMkLst>
+            <pc:docMk/>
+            <pc:sldMasterMk cId="4153704577" sldId="2147483648"/>
+            <pc:sldLayoutMk cId="1708974393" sldId="2147483658"/>
+          </pc:sldLayoutMkLst>
+        </pc:sldLayoutChg>
+        <pc:sldLayoutChg chg="del">
+          <pc:chgData name="Eduardo Martín-Sonseca.Alonso" userId="044a8a39323ca9b2" providerId="LiveId" clId="{88BFF241-8797-48AB-88EF-E6D786ABB885}" dt="2022-09-28T19:06:29.003" v="21" actId="26606"/>
+          <pc:sldLayoutMkLst>
+            <pc:docMk/>
+            <pc:sldMasterMk cId="4153704577" sldId="2147483648"/>
+            <pc:sldLayoutMk cId="3689227001" sldId="2147483659"/>
+          </pc:sldLayoutMkLst>
+        </pc:sldLayoutChg>
+      </pc:sldMasterChg>
+      <pc:sldMasterChg chg="add del addSldLayout delSldLayout">
+        <pc:chgData name="Eduardo Martín-Sonseca.Alonso" userId="044a8a39323ca9b2" providerId="LiveId" clId="{88BFF241-8797-48AB-88EF-E6D786ABB885}" dt="2022-09-28T19:12:08.233" v="169" actId="26606"/>
+        <pc:sldMasterMkLst>
+          <pc:docMk/>
+          <pc:sldMasterMk cId="1915941506" sldId="2147483684"/>
+        </pc:sldMasterMkLst>
+        <pc:sldLayoutChg chg="add del">
+          <pc:chgData name="Eduardo Martín-Sonseca.Alonso" userId="044a8a39323ca9b2" providerId="LiveId" clId="{88BFF241-8797-48AB-88EF-E6D786ABB885}" dt="2022-09-28T19:12:08.233" v="169" actId="26606"/>
+          <pc:sldLayoutMkLst>
+            <pc:docMk/>
+            <pc:sldMasterMk cId="1915941506" sldId="2147483684"/>
+            <pc:sldLayoutMk cId="3146660656" sldId="2147483672"/>
+          </pc:sldLayoutMkLst>
+        </pc:sldLayoutChg>
+        <pc:sldLayoutChg chg="add del">
+          <pc:chgData name="Eduardo Martín-Sonseca.Alonso" userId="044a8a39323ca9b2" providerId="LiveId" clId="{88BFF241-8797-48AB-88EF-E6D786ABB885}" dt="2022-09-28T19:12:08.233" v="169" actId="26606"/>
+          <pc:sldLayoutMkLst>
+            <pc:docMk/>
+            <pc:sldMasterMk cId="1915941506" sldId="2147483684"/>
+            <pc:sldLayoutMk cId="3463993075" sldId="2147483673"/>
+          </pc:sldLayoutMkLst>
+        </pc:sldLayoutChg>
+        <pc:sldLayoutChg chg="add del">
+          <pc:chgData name="Eduardo Martín-Sonseca.Alonso" userId="044a8a39323ca9b2" providerId="LiveId" clId="{88BFF241-8797-48AB-88EF-E6D786ABB885}" dt="2022-09-28T19:12:08.233" v="169" actId="26606"/>
+          <pc:sldLayoutMkLst>
+            <pc:docMk/>
+            <pc:sldMasterMk cId="1915941506" sldId="2147483684"/>
+            <pc:sldLayoutMk cId="2463180449" sldId="2147483674"/>
+          </pc:sldLayoutMkLst>
+        </pc:sldLayoutChg>
+        <pc:sldLayoutChg chg="add del">
+          <pc:chgData name="Eduardo Martín-Sonseca.Alonso" userId="044a8a39323ca9b2" providerId="LiveId" clId="{88BFF241-8797-48AB-88EF-E6D786ABB885}" dt="2022-09-28T19:12:08.233" v="169" actId="26606"/>
+          <pc:sldLayoutMkLst>
+            <pc:docMk/>
+            <pc:sldMasterMk cId="1915941506" sldId="2147483684"/>
+            <pc:sldLayoutMk cId="1260257596" sldId="2147483675"/>
+          </pc:sldLayoutMkLst>
+        </pc:sldLayoutChg>
+        <pc:sldLayoutChg chg="add del">
+          <pc:chgData name="Eduardo Martín-Sonseca.Alonso" userId="044a8a39323ca9b2" providerId="LiveId" clId="{88BFF241-8797-48AB-88EF-E6D786ABB885}" dt="2022-09-28T19:12:08.233" v="169" actId="26606"/>
+          <pc:sldLayoutMkLst>
+            <pc:docMk/>
+            <pc:sldMasterMk cId="1915941506" sldId="2147483684"/>
+            <pc:sldLayoutMk cId="156605429" sldId="2147483676"/>
+          </pc:sldLayoutMkLst>
+        </pc:sldLayoutChg>
+        <pc:sldLayoutChg chg="add del">
+          <pc:chgData name="Eduardo Martín-Sonseca.Alonso" userId="044a8a39323ca9b2" providerId="LiveId" clId="{88BFF241-8797-48AB-88EF-E6D786ABB885}" dt="2022-09-28T19:12:08.233" v="169" actId="26606"/>
+          <pc:sldLayoutMkLst>
+            <pc:docMk/>
+            <pc:sldMasterMk cId="1915941506" sldId="2147483684"/>
+            <pc:sldLayoutMk cId="1334277528" sldId="2147483677"/>
+          </pc:sldLayoutMkLst>
+        </pc:sldLayoutChg>
+        <pc:sldLayoutChg chg="add del">
+          <pc:chgData name="Eduardo Martín-Sonseca.Alonso" userId="044a8a39323ca9b2" providerId="LiveId" clId="{88BFF241-8797-48AB-88EF-E6D786ABB885}" dt="2022-09-28T19:12:08.233" v="169" actId="26606"/>
+          <pc:sldLayoutMkLst>
+            <pc:docMk/>
+            <pc:sldMasterMk cId="1915941506" sldId="2147483684"/>
+            <pc:sldLayoutMk cId="2321814358" sldId="2147483678"/>
+          </pc:sldLayoutMkLst>
+        </pc:sldLayoutChg>
+        <pc:sldLayoutChg chg="add del">
+          <pc:chgData name="Eduardo Martín-Sonseca.Alonso" userId="044a8a39323ca9b2" providerId="LiveId" clId="{88BFF241-8797-48AB-88EF-E6D786ABB885}" dt="2022-09-28T19:12:08.233" v="169" actId="26606"/>
+          <pc:sldLayoutMkLst>
+            <pc:docMk/>
+            <pc:sldMasterMk cId="1915941506" sldId="2147483684"/>
+            <pc:sldLayoutMk cId="1611012212" sldId="2147483679"/>
+          </pc:sldLayoutMkLst>
+        </pc:sldLayoutChg>
+        <pc:sldLayoutChg chg="add del">
+          <pc:chgData name="Eduardo Martín-Sonseca.Alonso" userId="044a8a39323ca9b2" providerId="LiveId" clId="{88BFF241-8797-48AB-88EF-E6D786ABB885}" dt="2022-09-28T19:12:08.233" v="169" actId="26606"/>
+          <pc:sldLayoutMkLst>
+            <pc:docMk/>
+            <pc:sldMasterMk cId="1915941506" sldId="2147483684"/>
+            <pc:sldLayoutMk cId="318375492" sldId="2147483680"/>
+          </pc:sldLayoutMkLst>
+        </pc:sldLayoutChg>
+        <pc:sldLayoutChg chg="add del">
+          <pc:chgData name="Eduardo Martín-Sonseca.Alonso" userId="044a8a39323ca9b2" providerId="LiveId" clId="{88BFF241-8797-48AB-88EF-E6D786ABB885}" dt="2022-09-28T19:12:08.233" v="169" actId="26606"/>
+          <pc:sldLayoutMkLst>
+            <pc:docMk/>
+            <pc:sldMasterMk cId="1915941506" sldId="2147483684"/>
+            <pc:sldLayoutMk cId="1439732969" sldId="2147483681"/>
+          </pc:sldLayoutMkLst>
+        </pc:sldLayoutChg>
+        <pc:sldLayoutChg chg="add del">
+          <pc:chgData name="Eduardo Martín-Sonseca.Alonso" userId="044a8a39323ca9b2" providerId="LiveId" clId="{88BFF241-8797-48AB-88EF-E6D786ABB885}" dt="2022-09-28T19:12:08.233" v="169" actId="26606"/>
+          <pc:sldLayoutMkLst>
+            <pc:docMk/>
+            <pc:sldMasterMk cId="1915941506" sldId="2147483684"/>
+            <pc:sldLayoutMk cId="3648773634" sldId="2147483682"/>
+          </pc:sldLayoutMkLst>
+        </pc:sldLayoutChg>
+        <pc:sldLayoutChg chg="add del">
+          <pc:chgData name="Eduardo Martín-Sonseca.Alonso" userId="044a8a39323ca9b2" providerId="LiveId" clId="{88BFF241-8797-48AB-88EF-E6D786ABB885}" dt="2022-09-28T19:12:08.233" v="169" actId="26606"/>
+          <pc:sldLayoutMkLst>
+            <pc:docMk/>
+            <pc:sldMasterMk cId="1915941506" sldId="2147483684"/>
+            <pc:sldLayoutMk cId="2197691099" sldId="2147483683"/>
+          </pc:sldLayoutMkLst>
+        </pc:sldLayoutChg>
+      </pc:sldMasterChg>
+      <pc:sldMasterChg chg="add addSldLayout">
+        <pc:chgData name="Eduardo Martín-Sonseca.Alonso" userId="044a8a39323ca9b2" providerId="LiveId" clId="{88BFF241-8797-48AB-88EF-E6D786ABB885}" dt="2022-09-28T19:12:08.233" v="169" actId="26606"/>
+        <pc:sldMasterMkLst>
+          <pc:docMk/>
+          <pc:sldMasterMk cId="1664194090" sldId="2147483787"/>
+        </pc:sldMasterMkLst>
+        <pc:sldLayoutChg chg="add">
+          <pc:chgData name="Eduardo Martín-Sonseca.Alonso" userId="044a8a39323ca9b2" providerId="LiveId" clId="{88BFF241-8797-48AB-88EF-E6D786ABB885}" dt="2022-09-28T19:12:08.233" v="169" actId="26606"/>
+          <pc:sldLayoutMkLst>
+            <pc:docMk/>
+            <pc:sldMasterMk cId="1664194090" sldId="2147483787"/>
+            <pc:sldLayoutMk cId="631994042" sldId="2147483776"/>
+          </pc:sldLayoutMkLst>
+        </pc:sldLayoutChg>
+        <pc:sldLayoutChg chg="add">
+          <pc:chgData name="Eduardo Martín-Sonseca.Alonso" userId="044a8a39323ca9b2" providerId="LiveId" clId="{88BFF241-8797-48AB-88EF-E6D786ABB885}" dt="2022-09-28T19:12:08.233" v="169" actId="26606"/>
+          <pc:sldLayoutMkLst>
+            <pc:docMk/>
+            <pc:sldMasterMk cId="1664194090" sldId="2147483787"/>
+            <pc:sldLayoutMk cId="826257521" sldId="2147483777"/>
+          </pc:sldLayoutMkLst>
+        </pc:sldLayoutChg>
+        <pc:sldLayoutChg chg="add">
+          <pc:chgData name="Eduardo Martín-Sonseca.Alonso" userId="044a8a39323ca9b2" providerId="LiveId" clId="{88BFF241-8797-48AB-88EF-E6D786ABB885}" dt="2022-09-28T19:12:08.233" v="169" actId="26606"/>
+          <pc:sldLayoutMkLst>
+            <pc:docMk/>
+            <pc:sldMasterMk cId="1664194090" sldId="2147483787"/>
+            <pc:sldLayoutMk cId="427230603" sldId="2147483778"/>
+          </pc:sldLayoutMkLst>
+        </pc:sldLayoutChg>
+        <pc:sldLayoutChg chg="add">
+          <pc:chgData name="Eduardo Martín-Sonseca.Alonso" userId="044a8a39323ca9b2" providerId="LiveId" clId="{88BFF241-8797-48AB-88EF-E6D786ABB885}" dt="2022-09-28T19:12:08.233" v="169" actId="26606"/>
+          <pc:sldLayoutMkLst>
+            <pc:docMk/>
+            <pc:sldMasterMk cId="1664194090" sldId="2147483787"/>
+            <pc:sldLayoutMk cId="302560705" sldId="2147483779"/>
+          </pc:sldLayoutMkLst>
+        </pc:sldLayoutChg>
+        <pc:sldLayoutChg chg="add">
+          <pc:chgData name="Eduardo Martín-Sonseca.Alonso" userId="044a8a39323ca9b2" providerId="LiveId" clId="{88BFF241-8797-48AB-88EF-E6D786ABB885}" dt="2022-09-28T19:12:08.233" v="169" actId="26606"/>
+          <pc:sldLayoutMkLst>
+            <pc:docMk/>
+            <pc:sldMasterMk cId="1664194090" sldId="2147483787"/>
+            <pc:sldLayoutMk cId="1500051938" sldId="2147483780"/>
+          </pc:sldLayoutMkLst>
+        </pc:sldLayoutChg>
+        <pc:sldLayoutChg chg="add">
+          <pc:chgData name="Eduardo Martín-Sonseca.Alonso" userId="044a8a39323ca9b2" providerId="LiveId" clId="{88BFF241-8797-48AB-88EF-E6D786ABB885}" dt="2022-09-28T19:12:08.233" v="169" actId="26606"/>
+          <pc:sldLayoutMkLst>
+            <pc:docMk/>
+            <pc:sldMasterMk cId="1664194090" sldId="2147483787"/>
+            <pc:sldLayoutMk cId="3478882655" sldId="2147483781"/>
+          </pc:sldLayoutMkLst>
+        </pc:sldLayoutChg>
+        <pc:sldLayoutChg chg="add">
+          <pc:chgData name="Eduardo Martín-Sonseca.Alonso" userId="044a8a39323ca9b2" providerId="LiveId" clId="{88BFF241-8797-48AB-88EF-E6D786ABB885}" dt="2022-09-28T19:12:08.233" v="169" actId="26606"/>
+          <pc:sldLayoutMkLst>
+            <pc:docMk/>
+            <pc:sldMasterMk cId="1664194090" sldId="2147483787"/>
+            <pc:sldLayoutMk cId="696347914" sldId="2147483782"/>
+          </pc:sldLayoutMkLst>
+        </pc:sldLayoutChg>
+        <pc:sldLayoutChg chg="add">
+          <pc:chgData name="Eduardo Martín-Sonseca.Alonso" userId="044a8a39323ca9b2" providerId="LiveId" clId="{88BFF241-8797-48AB-88EF-E6D786ABB885}" dt="2022-09-28T19:12:08.233" v="169" actId="26606"/>
+          <pc:sldLayoutMkLst>
+            <pc:docMk/>
+            <pc:sldMasterMk cId="1664194090" sldId="2147483787"/>
+            <pc:sldLayoutMk cId="1957567240" sldId="2147483783"/>
+          </pc:sldLayoutMkLst>
+        </pc:sldLayoutChg>
+        <pc:sldLayoutChg chg="add">
+          <pc:chgData name="Eduardo Martín-Sonseca.Alonso" userId="044a8a39323ca9b2" providerId="LiveId" clId="{88BFF241-8797-48AB-88EF-E6D786ABB885}" dt="2022-09-28T19:12:08.233" v="169" actId="26606"/>
+          <pc:sldLayoutMkLst>
+            <pc:docMk/>
+            <pc:sldMasterMk cId="1664194090" sldId="2147483787"/>
+            <pc:sldLayoutMk cId="3205593028" sldId="2147483784"/>
+          </pc:sldLayoutMkLst>
+        </pc:sldLayoutChg>
+        <pc:sldLayoutChg chg="add">
+          <pc:chgData name="Eduardo Martín-Sonseca.Alonso" userId="044a8a39323ca9b2" providerId="LiveId" clId="{88BFF241-8797-48AB-88EF-E6D786ABB885}" dt="2022-09-28T19:12:08.233" v="169" actId="26606"/>
+          <pc:sldLayoutMkLst>
+            <pc:docMk/>
+            <pc:sldMasterMk cId="1664194090" sldId="2147483787"/>
+            <pc:sldLayoutMk cId="1802076624" sldId="2147483785"/>
+          </pc:sldLayoutMkLst>
+        </pc:sldLayoutChg>
+        <pc:sldLayoutChg chg="add">
+          <pc:chgData name="Eduardo Martín-Sonseca.Alonso" userId="044a8a39323ca9b2" providerId="LiveId" clId="{88BFF241-8797-48AB-88EF-E6D786ABB885}" dt="2022-09-28T19:12:08.233" v="169" actId="26606"/>
+          <pc:sldLayoutMkLst>
+            <pc:docMk/>
+            <pc:sldMasterMk cId="1664194090" sldId="2147483787"/>
+            <pc:sldLayoutMk cId="982622909" sldId="2147483786"/>
+          </pc:sldLayoutMkLst>
+        </pc:sldLayoutChg>
+      </pc:sldMasterChg>
+    </pc:docChg>
+  </pc:docChgLst>
+  <pc:docChgLst>
+    <pc:chgData name="luis fernandez" userId="7ba62ef74e42bc87" providerId="Windows Live" clId="Web-{290CB0A9-894B-4DAB-8123-A605B9345043}"/>
+    <pc:docChg chg="modSld">
+      <pc:chgData name="luis fernandez" userId="7ba62ef74e42bc87" providerId="Windows Live" clId="Web-{290CB0A9-894B-4DAB-8123-A605B9345043}" dt="2022-10-04T09:46:36.949" v="0"/>
+      <pc:docMkLst>
+        <pc:docMk/>
+      </pc:docMkLst>
+      <pc:sldChg chg="modAnim">
+        <pc:chgData name="luis fernandez" userId="7ba62ef74e42bc87" providerId="Windows Live" clId="Web-{290CB0A9-894B-4DAB-8123-A605B9345043}" dt="2022-10-04T09:46:36.949" v="0"/>
+        <pc:sldMkLst>
+          <pc:docMk/>
+          <pc:sldMk cId="992274193" sldId="259"/>
+        </pc:sldMkLst>
+      </pc:sldChg>
+    </pc:docChg>
+  </pc:docChgLst>
+  <pc:docChgLst>
     <pc:chgData name="Eduardo Martín-Sonseca.Alonso" userId="044a8a39323ca9b2" providerId="Windows Live" clId="Web-{68748E30-2FBD-43B0-B824-A092A60EA4E9}"/>
     <pc:docChg chg="addSld modSld">
       <pc:chgData name="Eduardo Martín-Sonseca.Alonso" userId="044a8a39323ca9b2" providerId="Windows Live" clId="Web-{68748E30-2FBD-43B0-B824-A092A60EA4E9}" dt="2022-10-04T10:20:30.556" v="305" actId="14100"/>
@@ -1237,6 +3626,30 @@
     </pc:docChg>
   </pc:docChgLst>
   <pc:docChgLst>
+    <pc:chgData name="Eduardo Martín-Sonseca.Alonso" userId="044a8a39323ca9b2" providerId="Windows Live" clId="Web-{C190444C-DE63-4BE0-9A75-B7D0A850D412}"/>
+    <pc:docChg chg="modSld">
+      <pc:chgData name="Eduardo Martín-Sonseca.Alonso" userId="044a8a39323ca9b2" providerId="Windows Live" clId="Web-{C190444C-DE63-4BE0-9A75-B7D0A850D412}" dt="2022-10-04T08:16:13.346" v="9" actId="20577"/>
+      <pc:docMkLst>
+        <pc:docMk/>
+      </pc:docMkLst>
+      <pc:sldChg chg="modSp">
+        <pc:chgData name="Eduardo Martín-Sonseca.Alonso" userId="044a8a39323ca9b2" providerId="Windows Live" clId="Web-{C190444C-DE63-4BE0-9A75-B7D0A850D412}" dt="2022-10-04T08:16:13.346" v="9" actId="20577"/>
+        <pc:sldMkLst>
+          <pc:docMk/>
+          <pc:sldMk cId="1479924629" sldId="258"/>
+        </pc:sldMkLst>
+        <pc:spChg chg="mod">
+          <ac:chgData name="Eduardo Martín-Sonseca.Alonso" userId="044a8a39323ca9b2" providerId="Windows Live" clId="Web-{C190444C-DE63-4BE0-9A75-B7D0A850D412}" dt="2022-10-04T08:16:13.346" v="9" actId="20577"/>
+          <ac:spMkLst>
+            <pc:docMk/>
+            <pc:sldMk cId="1479924629" sldId="258"/>
+            <ac:spMk id="6" creationId="{FFE44297-5AAD-CA6F-4064-C2621A1C9AF8}"/>
+          </ac:spMkLst>
+        </pc:spChg>
+      </pc:sldChg>
+    </pc:docChg>
+  </pc:docChgLst>
+  <pc:docChgLst>
     <pc:chgData name="luis fernandez" userId="7ba62ef74e42bc87" providerId="Windows Live" clId="Web-{DBA603C0-A459-4D80-9237-AE2C2946D226}"/>
     <pc:docChg chg="modSld">
       <pc:chgData name="luis fernandez" userId="7ba62ef74e42bc87" providerId="Windows Live" clId="Web-{DBA603C0-A459-4D80-9237-AE2C2946D226}" dt="2022-10-04T08:20:45.180" v="0"/>
@@ -1257,1477 +3670,6 @@
             <ac:spMk id="7" creationId="{5B41D51C-D08B-3EFA-1F77-001EE791B2E3}"/>
           </ac:spMkLst>
         </pc:spChg>
-      </pc:sldChg>
-    </pc:docChg>
-  </pc:docChgLst>
-  <pc:docChgLst>
-    <pc:chgData name="Eduardo Martín-Sonseca.Alonso" userId="044a8a39323ca9b2" providerId="LiveId" clId="{F6C200FF-B7C6-45EA-B94B-3E06CF3AB5C5}"/>
-    <pc:docChg chg="undo custSel addSld delSld modSld">
-      <pc:chgData name="Eduardo Martín-Sonseca.Alonso" userId="044a8a39323ca9b2" providerId="LiveId" clId="{F6C200FF-B7C6-45EA-B94B-3E06CF3AB5C5}" dt="2022-10-04T16:20:26.108" v="748" actId="5793"/>
-      <pc:docMkLst>
-        <pc:docMk/>
-      </pc:docMkLst>
-      <pc:sldChg chg="addSp delSp modSp mod modAnim setClrOvrMap">
-        <pc:chgData name="Eduardo Martín-Sonseca.Alonso" userId="044a8a39323ca9b2" providerId="LiveId" clId="{F6C200FF-B7C6-45EA-B94B-3E06CF3AB5C5}" dt="2022-10-04T16:18:50.716" v="695"/>
-        <pc:sldMkLst>
-          <pc:docMk/>
-          <pc:sldMk cId="1479924629" sldId="258"/>
-        </pc:sldMkLst>
-        <pc:spChg chg="mod">
-          <ac:chgData name="Eduardo Martín-Sonseca.Alonso" userId="044a8a39323ca9b2" providerId="LiveId" clId="{F6C200FF-B7C6-45EA-B94B-3E06CF3AB5C5}" dt="2022-10-04T16:16:59.806" v="682" actId="26606"/>
-          <ac:spMkLst>
-            <pc:docMk/>
-            <pc:sldMk cId="1479924629" sldId="258"/>
-            <ac:spMk id="6" creationId="{FFE44297-5AAD-CA6F-4064-C2621A1C9AF8}"/>
-          </ac:spMkLst>
-        </pc:spChg>
-        <pc:spChg chg="mod">
-          <ac:chgData name="Eduardo Martín-Sonseca.Alonso" userId="044a8a39323ca9b2" providerId="LiveId" clId="{F6C200FF-B7C6-45EA-B94B-3E06CF3AB5C5}" dt="2022-10-04T16:16:59.806" v="682" actId="26606"/>
-          <ac:spMkLst>
-            <pc:docMk/>
-            <pc:sldMk cId="1479924629" sldId="258"/>
-            <ac:spMk id="9" creationId="{2E119BA4-44C4-4FFE-81D8-1B5FE1ABFCE7}"/>
-          </ac:spMkLst>
-        </pc:spChg>
-        <pc:spChg chg="add del">
-          <ac:chgData name="Eduardo Martín-Sonseca.Alonso" userId="044a8a39323ca9b2" providerId="LiveId" clId="{F6C200FF-B7C6-45EA-B94B-3E06CF3AB5C5}" dt="2022-10-04T16:16:59.806" v="682" actId="26606"/>
-          <ac:spMkLst>
-            <pc:docMk/>
-            <pc:sldMk cId="1479924629" sldId="258"/>
-            <ac:spMk id="64" creationId="{0671A8AE-40A1-4631-A6B8-581AFF065482}"/>
-          </ac:spMkLst>
-        </pc:spChg>
-        <pc:spChg chg="add del">
-          <ac:chgData name="Eduardo Martín-Sonseca.Alonso" userId="044a8a39323ca9b2" providerId="LiveId" clId="{F6C200FF-B7C6-45EA-B94B-3E06CF3AB5C5}" dt="2022-10-04T16:16:59.806" v="682" actId="26606"/>
-          <ac:spMkLst>
-            <pc:docMk/>
-            <pc:sldMk cId="1479924629" sldId="258"/>
-            <ac:spMk id="65" creationId="{AB58EF07-17C2-48CF-ABB0-EEF1F17CB8F0}"/>
-          </ac:spMkLst>
-        </pc:spChg>
-        <pc:spChg chg="add del">
-          <ac:chgData name="Eduardo Martín-Sonseca.Alonso" userId="044a8a39323ca9b2" providerId="LiveId" clId="{F6C200FF-B7C6-45EA-B94B-3E06CF3AB5C5}" dt="2022-10-04T16:16:59.806" v="682" actId="26606"/>
-          <ac:spMkLst>
-            <pc:docMk/>
-            <pc:sldMk cId="1479924629" sldId="258"/>
-            <ac:spMk id="66" creationId="{AF2F604E-43BE-4DC3-B983-E071523364F8}"/>
-          </ac:spMkLst>
-        </pc:spChg>
-        <pc:spChg chg="add del">
-          <ac:chgData name="Eduardo Martín-Sonseca.Alonso" userId="044a8a39323ca9b2" providerId="LiveId" clId="{F6C200FF-B7C6-45EA-B94B-3E06CF3AB5C5}" dt="2022-10-04T16:16:59.806" v="682" actId="26606"/>
-          <ac:spMkLst>
-            <pc:docMk/>
-            <pc:sldMk cId="1479924629" sldId="258"/>
-            <ac:spMk id="67" creationId="{08C9B587-E65E-4B52-B37C-ABEBB6E87928}"/>
-          </ac:spMkLst>
-        </pc:spChg>
-        <pc:spChg chg="add del">
-          <ac:chgData name="Eduardo Martín-Sonseca.Alonso" userId="044a8a39323ca9b2" providerId="LiveId" clId="{F6C200FF-B7C6-45EA-B94B-3E06CF3AB5C5}" dt="2022-10-04T16:16:59.806" v="682" actId="26606"/>
-          <ac:spMkLst>
-            <pc:docMk/>
-            <pc:sldMk cId="1479924629" sldId="258"/>
-            <ac:spMk id="72" creationId="{ECC07320-C2CA-4E29-8481-9D9E143C7788}"/>
-          </ac:spMkLst>
-        </pc:spChg>
-        <pc:spChg chg="add del">
-          <ac:chgData name="Eduardo Martín-Sonseca.Alonso" userId="044a8a39323ca9b2" providerId="LiveId" clId="{F6C200FF-B7C6-45EA-B94B-3E06CF3AB5C5}" dt="2022-10-04T16:16:59.806" v="682" actId="26606"/>
-          <ac:spMkLst>
-            <pc:docMk/>
-            <pc:sldMk cId="1479924629" sldId="258"/>
-            <ac:spMk id="74" creationId="{178FB36B-5BFE-42CA-BC60-1115E0D95EEC}"/>
-          </ac:spMkLst>
-        </pc:spChg>
-        <pc:spChg chg="add del">
-          <ac:chgData name="Eduardo Martín-Sonseca.Alonso" userId="044a8a39323ca9b2" providerId="LiveId" clId="{F6C200FF-B7C6-45EA-B94B-3E06CF3AB5C5}" dt="2022-10-04T16:16:43.513" v="672" actId="26606"/>
-          <ac:spMkLst>
-            <pc:docMk/>
-            <pc:sldMk cId="1479924629" sldId="258"/>
-            <ac:spMk id="79" creationId="{870A1295-61BC-4214-AA3E-D396673024D0}"/>
-          </ac:spMkLst>
-        </pc:spChg>
-        <pc:spChg chg="add del">
-          <ac:chgData name="Eduardo Martín-Sonseca.Alonso" userId="044a8a39323ca9b2" providerId="LiveId" clId="{F6C200FF-B7C6-45EA-B94B-3E06CF3AB5C5}" dt="2022-10-04T16:16:54.766" v="676" actId="26606"/>
-          <ac:spMkLst>
-            <pc:docMk/>
-            <pc:sldMk cId="1479924629" sldId="258"/>
-            <ac:spMk id="83" creationId="{AF2F604E-43BE-4DC3-B983-E071523364F8}"/>
-          </ac:spMkLst>
-        </pc:spChg>
-        <pc:spChg chg="add del">
-          <ac:chgData name="Eduardo Martín-Sonseca.Alonso" userId="044a8a39323ca9b2" providerId="LiveId" clId="{F6C200FF-B7C6-45EA-B94B-3E06CF3AB5C5}" dt="2022-10-04T16:16:54.766" v="676" actId="26606"/>
-          <ac:spMkLst>
-            <pc:docMk/>
-            <pc:sldMk cId="1479924629" sldId="258"/>
-            <ac:spMk id="85" creationId="{08C9B587-E65E-4B52-B37C-ABEBB6E87928}"/>
-          </ac:spMkLst>
-        </pc:spChg>
-        <pc:spChg chg="add del">
-          <ac:chgData name="Eduardo Martín-Sonseca.Alonso" userId="044a8a39323ca9b2" providerId="LiveId" clId="{F6C200FF-B7C6-45EA-B94B-3E06CF3AB5C5}" dt="2022-10-04T16:16:47.209" v="674" actId="26606"/>
-          <ac:spMkLst>
-            <pc:docMk/>
-            <pc:sldMk cId="1479924629" sldId="258"/>
-            <ac:spMk id="87" creationId="{6B3BAD04-E614-4C16-8360-019FCF0045AC}"/>
-          </ac:spMkLst>
-        </pc:spChg>
-        <pc:spChg chg="add del">
-          <ac:chgData name="Eduardo Martín-Sonseca.Alonso" userId="044a8a39323ca9b2" providerId="LiveId" clId="{F6C200FF-B7C6-45EA-B94B-3E06CF3AB5C5}" dt="2022-10-04T16:16:54.766" v="676" actId="26606"/>
-          <ac:spMkLst>
-            <pc:docMk/>
-            <pc:sldMk cId="1479924629" sldId="258"/>
-            <ac:spMk id="89" creationId="{E91DC736-0EF8-4F87-9146-EBF1D2EE4D3D}"/>
-          </ac:spMkLst>
-        </pc:spChg>
-        <pc:spChg chg="add del">
-          <ac:chgData name="Eduardo Martín-Sonseca.Alonso" userId="044a8a39323ca9b2" providerId="LiveId" clId="{F6C200FF-B7C6-45EA-B94B-3E06CF3AB5C5}" dt="2022-10-04T16:16:54.766" v="676" actId="26606"/>
-          <ac:spMkLst>
-            <pc:docMk/>
-            <pc:sldMk cId="1479924629" sldId="258"/>
-            <ac:spMk id="90" creationId="{097CD68E-23E3-4007-8847-CD0944C4F7BE}"/>
-          </ac:spMkLst>
-        </pc:spChg>
-        <pc:spChg chg="add del">
-          <ac:chgData name="Eduardo Martín-Sonseca.Alonso" userId="044a8a39323ca9b2" providerId="LiveId" clId="{F6C200FF-B7C6-45EA-B94B-3E06CF3AB5C5}" dt="2022-10-04T16:16:57.229" v="678" actId="26606"/>
-          <ac:spMkLst>
-            <pc:docMk/>
-            <pc:sldMk cId="1479924629" sldId="258"/>
-            <ac:spMk id="92" creationId="{36C4118A-B523-45D9-B427-8E05B2DEA65C}"/>
-          </ac:spMkLst>
-        </pc:spChg>
-        <pc:grpChg chg="add del">
-          <ac:chgData name="Eduardo Martín-Sonseca.Alonso" userId="044a8a39323ca9b2" providerId="LiveId" clId="{F6C200FF-B7C6-45EA-B94B-3E06CF3AB5C5}" dt="2022-10-04T16:16:43.513" v="672" actId="26606"/>
-          <ac:grpSpMkLst>
-            <pc:docMk/>
-            <pc:sldMk cId="1479924629" sldId="258"/>
-            <ac:grpSpMk id="81" creationId="{0B139475-2B26-4CA9-9413-DE741E49F7BB}"/>
-          </ac:grpSpMkLst>
-        </pc:grpChg>
-        <pc:picChg chg="mod ord">
-          <ac:chgData name="Eduardo Martín-Sonseca.Alonso" userId="044a8a39323ca9b2" providerId="LiveId" clId="{F6C200FF-B7C6-45EA-B94B-3E06CF3AB5C5}" dt="2022-10-04T16:16:59.806" v="682" actId="26606"/>
-          <ac:picMkLst>
-            <pc:docMk/>
-            <pc:sldMk cId="1479924629" sldId="258"/>
-            <ac:picMk id="10" creationId="{76BF477E-1037-8DBF-F6EA-9F38B8FBEE29}"/>
-          </ac:picMkLst>
-        </pc:picChg>
-      </pc:sldChg>
-      <pc:sldChg chg="addSp delSp modSp mod modAnim">
-        <pc:chgData name="Eduardo Martín-Sonseca.Alonso" userId="044a8a39323ca9b2" providerId="LiveId" clId="{F6C200FF-B7C6-45EA-B94B-3E06CF3AB5C5}" dt="2022-10-04T16:19:00.872" v="703"/>
-        <pc:sldMkLst>
-          <pc:docMk/>
-          <pc:sldMk cId="992274193" sldId="259"/>
-        </pc:sldMkLst>
-        <pc:spChg chg="add del mod">
-          <ac:chgData name="Eduardo Martín-Sonseca.Alonso" userId="044a8a39323ca9b2" providerId="LiveId" clId="{F6C200FF-B7C6-45EA-B94B-3E06CF3AB5C5}" dt="2022-10-04T16:16:14.568" v="667"/>
-          <ac:spMkLst>
-            <pc:docMk/>
-            <pc:sldMk cId="992274193" sldId="259"/>
-            <ac:spMk id="4" creationId="{12A9C714-CF2D-DD21-AC9C-D1474CBC83D1}"/>
-          </ac:spMkLst>
-        </pc:spChg>
-        <pc:spChg chg="mod">
-          <ac:chgData name="Eduardo Martín-Sonseca.Alonso" userId="044a8a39323ca9b2" providerId="LiveId" clId="{F6C200FF-B7C6-45EA-B94B-3E06CF3AB5C5}" dt="2022-10-04T15:13:01.337" v="0"/>
-          <ac:spMkLst>
-            <pc:docMk/>
-            <pc:sldMk cId="992274193" sldId="259"/>
-            <ac:spMk id="21" creationId="{21A386AB-C18D-BC64-063B-3AFE29BF8A08}"/>
-          </ac:spMkLst>
-        </pc:spChg>
-        <pc:spChg chg="mod">
-          <ac:chgData name="Eduardo Martín-Sonseca.Alonso" userId="044a8a39323ca9b2" providerId="LiveId" clId="{F6C200FF-B7C6-45EA-B94B-3E06CF3AB5C5}" dt="2022-10-04T15:22:57.607" v="36"/>
-          <ac:spMkLst>
-            <pc:docMk/>
-            <pc:sldMk cId="992274193" sldId="259"/>
-            <ac:spMk id="24" creationId="{66F25F73-9EC2-2F10-8F63-4E4BC279D6FB}"/>
-          </ac:spMkLst>
-        </pc:spChg>
-        <pc:picChg chg="add del mod ord">
-          <ac:chgData name="Eduardo Martín-Sonseca.Alonso" userId="044a8a39323ca9b2" providerId="LiveId" clId="{F6C200FF-B7C6-45EA-B94B-3E06CF3AB5C5}" dt="2022-10-04T16:07:11.257" v="605" actId="478"/>
-          <ac:picMkLst>
-            <pc:docMk/>
-            <pc:sldMk cId="992274193" sldId="259"/>
-            <ac:picMk id="3" creationId="{FCE40887-9591-1186-6831-F73EF6DE9105}"/>
-          </ac:picMkLst>
-        </pc:picChg>
-        <pc:picChg chg="ord">
-          <ac:chgData name="Eduardo Martín-Sonseca.Alonso" userId="044a8a39323ca9b2" providerId="LiveId" clId="{F6C200FF-B7C6-45EA-B94B-3E06CF3AB5C5}" dt="2022-10-04T16:16:58.187" v="681" actId="167"/>
-          <ac:picMkLst>
-            <pc:docMk/>
-            <pc:sldMk cId="992274193" sldId="259"/>
-            <ac:picMk id="5" creationId="{5B36CB43-E7A6-BD76-CCF3-C4308F7F9EF4}"/>
-          </ac:picMkLst>
-        </pc:picChg>
-      </pc:sldChg>
-      <pc:sldChg chg="addSp delSp modSp mod modAnim">
-        <pc:chgData name="Eduardo Martín-Sonseca.Alonso" userId="044a8a39323ca9b2" providerId="LiveId" clId="{F6C200FF-B7C6-45EA-B94B-3E06CF3AB5C5}" dt="2022-10-04T16:19:08.453" v="711"/>
-        <pc:sldMkLst>
-          <pc:docMk/>
-          <pc:sldMk cId="3613378253" sldId="260"/>
-        </pc:sldMkLst>
-        <pc:picChg chg="add del mod ord">
-          <ac:chgData name="Eduardo Martín-Sonseca.Alonso" userId="044a8a39323ca9b2" providerId="LiveId" clId="{F6C200FF-B7C6-45EA-B94B-3E06CF3AB5C5}" dt="2022-10-04T16:07:23.783" v="607" actId="478"/>
-          <ac:picMkLst>
-            <pc:docMk/>
-            <pc:sldMk cId="3613378253" sldId="260"/>
-            <ac:picMk id="4" creationId="{2FAEAAA0-5B10-C799-5ED9-DDB3E00422C4}"/>
-          </ac:picMkLst>
-        </pc:picChg>
-      </pc:sldChg>
-      <pc:sldChg chg="addSp delSp modSp mod modAnim">
-        <pc:chgData name="Eduardo Martín-Sonseca.Alonso" userId="044a8a39323ca9b2" providerId="LiveId" clId="{F6C200FF-B7C6-45EA-B94B-3E06CF3AB5C5}" dt="2022-10-04T16:19:16.288" v="716"/>
-        <pc:sldMkLst>
-          <pc:docMk/>
-          <pc:sldMk cId="1106986487" sldId="261"/>
-        </pc:sldMkLst>
-        <pc:spChg chg="mod">
-          <ac:chgData name="Eduardo Martín-Sonseca.Alonso" userId="044a8a39323ca9b2" providerId="LiveId" clId="{F6C200FF-B7C6-45EA-B94B-3E06CF3AB5C5}" dt="2022-10-04T16:07:33.667" v="608" actId="26606"/>
-          <ac:spMkLst>
-            <pc:docMk/>
-            <pc:sldMk cId="1106986487" sldId="261"/>
-            <ac:spMk id="2" creationId="{71AEC653-CF21-4A83-8228-4AB13A9E6A67}"/>
-          </ac:spMkLst>
-        </pc:spChg>
-        <pc:spChg chg="mod">
-          <ac:chgData name="Eduardo Martín-Sonseca.Alonso" userId="044a8a39323ca9b2" providerId="LiveId" clId="{F6C200FF-B7C6-45EA-B94B-3E06CF3AB5C5}" dt="2022-10-04T16:10:01.083" v="630" actId="26606"/>
-          <ac:spMkLst>
-            <pc:docMk/>
-            <pc:sldMk cId="1106986487" sldId="261"/>
-            <ac:spMk id="3" creationId="{FDA276B4-AFA8-445E-BF46-D797C1B3F0B0}"/>
-          </ac:spMkLst>
-        </pc:spChg>
-        <pc:spChg chg="del">
-          <ac:chgData name="Eduardo Martín-Sonseca.Alonso" userId="044a8a39323ca9b2" providerId="LiveId" clId="{F6C200FF-B7C6-45EA-B94B-3E06CF3AB5C5}" dt="2022-10-04T16:07:33.667" v="608" actId="26606"/>
-          <ac:spMkLst>
-            <pc:docMk/>
-            <pc:sldMk cId="1106986487" sldId="261"/>
-            <ac:spMk id="14" creationId="{F13C74B1-5B17-4795-BED0-7140497B445A}"/>
-          </ac:spMkLst>
-        </pc:spChg>
-        <pc:spChg chg="del">
-          <ac:chgData name="Eduardo Martín-Sonseca.Alonso" userId="044a8a39323ca9b2" providerId="LiveId" clId="{F6C200FF-B7C6-45EA-B94B-3E06CF3AB5C5}" dt="2022-10-04T16:07:33.667" v="608" actId="26606"/>
-          <ac:spMkLst>
-            <pc:docMk/>
-            <pc:sldMk cId="1106986487" sldId="261"/>
-            <ac:spMk id="16" creationId="{D4974D33-8DC5-464E-8C6D-BE58F0669C17}"/>
-          </ac:spMkLst>
-        </pc:spChg>
-        <pc:spChg chg="add del">
-          <ac:chgData name="Eduardo Martín-Sonseca.Alonso" userId="044a8a39323ca9b2" providerId="LiveId" clId="{F6C200FF-B7C6-45EA-B94B-3E06CF3AB5C5}" dt="2022-10-04T16:10:01.083" v="630" actId="26606"/>
-          <ac:spMkLst>
-            <pc:docMk/>
-            <pc:sldMk cId="1106986487" sldId="261"/>
-            <ac:spMk id="21" creationId="{04812C46-200A-4DEB-A05E-3ED6C68C2387}"/>
-          </ac:spMkLst>
-        </pc:spChg>
-        <pc:spChg chg="add del">
-          <ac:chgData name="Eduardo Martín-Sonseca.Alonso" userId="044a8a39323ca9b2" providerId="LiveId" clId="{F6C200FF-B7C6-45EA-B94B-3E06CF3AB5C5}" dt="2022-10-04T16:10:01.083" v="630" actId="26606"/>
-          <ac:spMkLst>
-            <pc:docMk/>
-            <pc:sldMk cId="1106986487" sldId="261"/>
-            <ac:spMk id="23" creationId="{D1EA859B-E555-4109-94F3-6700E046E008}"/>
-          </ac:spMkLst>
-        </pc:spChg>
-        <pc:spChg chg="add del">
-          <ac:chgData name="Eduardo Martín-Sonseca.Alonso" userId="044a8a39323ca9b2" providerId="LiveId" clId="{F6C200FF-B7C6-45EA-B94B-3E06CF3AB5C5}" dt="2022-10-04T16:10:01.083" v="630" actId="26606"/>
-          <ac:spMkLst>
-            <pc:docMk/>
-            <pc:sldMk cId="1106986487" sldId="261"/>
-            <ac:spMk id="28" creationId="{04812C46-200A-4DEB-A05E-3ED6C68C2387}"/>
-          </ac:spMkLst>
-        </pc:spChg>
-        <pc:spChg chg="add del">
-          <ac:chgData name="Eduardo Martín-Sonseca.Alonso" userId="044a8a39323ca9b2" providerId="LiveId" clId="{F6C200FF-B7C6-45EA-B94B-3E06CF3AB5C5}" dt="2022-10-04T16:10:01.083" v="630" actId="26606"/>
-          <ac:spMkLst>
-            <pc:docMk/>
-            <pc:sldMk cId="1106986487" sldId="261"/>
-            <ac:spMk id="30" creationId="{D1EA859B-E555-4109-94F3-6700E046E008}"/>
-          </ac:spMkLst>
-        </pc:spChg>
-        <pc:picChg chg="add del mod">
-          <ac:chgData name="Eduardo Martín-Sonseca.Alonso" userId="044a8a39323ca9b2" providerId="LiveId" clId="{F6C200FF-B7C6-45EA-B94B-3E06CF3AB5C5}" dt="2022-10-04T16:08:29.426" v="613"/>
-          <ac:picMkLst>
-            <pc:docMk/>
-            <pc:sldMk cId="1106986487" sldId="261"/>
-            <ac:picMk id="4" creationId="{032A010B-B62F-72AB-DF97-6CB8A8DDA6C0}"/>
-          </ac:picMkLst>
-        </pc:picChg>
-        <pc:picChg chg="mod ord">
-          <ac:chgData name="Eduardo Martín-Sonseca.Alonso" userId="044a8a39323ca9b2" providerId="LiveId" clId="{F6C200FF-B7C6-45EA-B94B-3E06CF3AB5C5}" dt="2022-10-04T16:07:33.667" v="608" actId="26606"/>
-          <ac:picMkLst>
-            <pc:docMk/>
-            <pc:sldMk cId="1106986487" sldId="261"/>
-            <ac:picMk id="5" creationId="{21B6396A-5947-91FB-1762-0DA1EB72CEC5}"/>
-          </ac:picMkLst>
-        </pc:picChg>
-      </pc:sldChg>
-      <pc:sldChg chg="addSp delSp modSp add del mod modAnim">
-        <pc:chgData name="Eduardo Martín-Sonseca.Alonso" userId="044a8a39323ca9b2" providerId="LiveId" clId="{F6C200FF-B7C6-45EA-B94B-3E06CF3AB5C5}" dt="2022-10-04T16:19:24.011" v="721"/>
-        <pc:sldMkLst>
-          <pc:docMk/>
-          <pc:sldMk cId="1015946967" sldId="262"/>
-        </pc:sldMkLst>
-        <pc:spChg chg="mod">
-          <ac:chgData name="Eduardo Martín-Sonseca.Alonso" userId="044a8a39323ca9b2" providerId="LiveId" clId="{F6C200FF-B7C6-45EA-B94B-3E06CF3AB5C5}" dt="2022-10-04T16:10:14.765" v="632" actId="26606"/>
-          <ac:spMkLst>
-            <pc:docMk/>
-            <pc:sldMk cId="1015946967" sldId="262"/>
-            <ac:spMk id="2" creationId="{EEFFF1FB-241B-4CF4-A2C7-CFE2DA1A9AD1}"/>
-          </ac:spMkLst>
-        </pc:spChg>
-        <pc:spChg chg="mod">
-          <ac:chgData name="Eduardo Martín-Sonseca.Alonso" userId="044a8a39323ca9b2" providerId="LiveId" clId="{F6C200FF-B7C6-45EA-B94B-3E06CF3AB5C5}" dt="2022-10-04T16:10:14.765" v="632" actId="26606"/>
-          <ac:spMkLst>
-            <pc:docMk/>
-            <pc:sldMk cId="1015946967" sldId="262"/>
-            <ac:spMk id="4" creationId="{547BDE46-D058-433A-9BA3-B8680CF7D8BA}"/>
-          </ac:spMkLst>
-        </pc:spChg>
-        <pc:spChg chg="del">
-          <ac:chgData name="Eduardo Martín-Sonseca.Alonso" userId="044a8a39323ca9b2" providerId="LiveId" clId="{F6C200FF-B7C6-45EA-B94B-3E06CF3AB5C5}" dt="2022-10-04T16:10:14.765" v="632" actId="26606"/>
-          <ac:spMkLst>
-            <pc:docMk/>
-            <pc:sldMk cId="1015946967" sldId="262"/>
-            <ac:spMk id="10" creationId="{F13C74B1-5B17-4795-BED0-7140497B445A}"/>
-          </ac:spMkLst>
-        </pc:spChg>
-        <pc:spChg chg="del">
-          <ac:chgData name="Eduardo Martín-Sonseca.Alonso" userId="044a8a39323ca9b2" providerId="LiveId" clId="{F6C200FF-B7C6-45EA-B94B-3E06CF3AB5C5}" dt="2022-10-04T16:10:14.765" v="632" actId="26606"/>
-          <ac:spMkLst>
-            <pc:docMk/>
-            <pc:sldMk cId="1015946967" sldId="262"/>
-            <ac:spMk id="12" creationId="{D4974D33-8DC5-464E-8C6D-BE58F0669C17}"/>
-          </ac:spMkLst>
-        </pc:spChg>
-        <pc:spChg chg="add">
-          <ac:chgData name="Eduardo Martín-Sonseca.Alonso" userId="044a8a39323ca9b2" providerId="LiveId" clId="{F6C200FF-B7C6-45EA-B94B-3E06CF3AB5C5}" dt="2022-10-04T16:10:14.765" v="632" actId="26606"/>
-          <ac:spMkLst>
-            <pc:docMk/>
-            <pc:sldMk cId="1015946967" sldId="262"/>
-            <ac:spMk id="17" creationId="{04812C46-200A-4DEB-A05E-3ED6C68C2387}"/>
-          </ac:spMkLst>
-        </pc:spChg>
-        <pc:spChg chg="add">
-          <ac:chgData name="Eduardo Martín-Sonseca.Alonso" userId="044a8a39323ca9b2" providerId="LiveId" clId="{F6C200FF-B7C6-45EA-B94B-3E06CF3AB5C5}" dt="2022-10-04T16:10:14.765" v="632" actId="26606"/>
-          <ac:spMkLst>
-            <pc:docMk/>
-            <pc:sldMk cId="1015946967" sldId="262"/>
-            <ac:spMk id="19" creationId="{D1EA859B-E555-4109-94F3-6700E046E008}"/>
-          </ac:spMkLst>
-        </pc:spChg>
-        <pc:picChg chg="add del mod">
-          <ac:chgData name="Eduardo Martín-Sonseca.Alonso" userId="044a8a39323ca9b2" providerId="LiveId" clId="{F6C200FF-B7C6-45EA-B94B-3E06CF3AB5C5}" dt="2022-10-04T16:08:07.028" v="611" actId="478"/>
-          <ac:picMkLst>
-            <pc:docMk/>
-            <pc:sldMk cId="1015946967" sldId="262"/>
-            <ac:picMk id="3" creationId="{5A8AE9C6-D1A7-0FF4-271A-1C7FA8E060F4}"/>
-          </ac:picMkLst>
-        </pc:picChg>
-        <pc:picChg chg="mod ord">
-          <ac:chgData name="Eduardo Martín-Sonseca.Alonso" userId="044a8a39323ca9b2" providerId="LiveId" clId="{F6C200FF-B7C6-45EA-B94B-3E06CF3AB5C5}" dt="2022-10-04T16:10:14.765" v="632" actId="26606"/>
-          <ac:picMkLst>
-            <pc:docMk/>
-            <pc:sldMk cId="1015946967" sldId="262"/>
-            <ac:picMk id="6" creationId="{79AA5A64-38BA-1418-E9EA-6EB7A8A88E30}"/>
-          </ac:picMkLst>
-        </pc:picChg>
-        <pc:picChg chg="add del mod ord">
-          <ac:chgData name="Eduardo Martín-Sonseca.Alonso" userId="044a8a39323ca9b2" providerId="LiveId" clId="{F6C200FF-B7C6-45EA-B94B-3E06CF3AB5C5}" dt="2022-10-04T16:08:37.101" v="615" actId="478"/>
-          <ac:picMkLst>
-            <pc:docMk/>
-            <pc:sldMk cId="1015946967" sldId="262"/>
-            <ac:picMk id="7" creationId="{A3EE4586-9C1E-5459-8850-6B7767C1F058}"/>
-          </ac:picMkLst>
-        </pc:picChg>
-      </pc:sldChg>
-      <pc:sldChg chg="addSp delSp modSp mod modAnim">
-        <pc:chgData name="Eduardo Martín-Sonseca.Alonso" userId="044a8a39323ca9b2" providerId="LiveId" clId="{F6C200FF-B7C6-45EA-B94B-3E06CF3AB5C5}" dt="2022-10-04T16:19:30.015" v="725"/>
-        <pc:sldMkLst>
-          <pc:docMk/>
-          <pc:sldMk cId="3858405899" sldId="263"/>
-        </pc:sldMkLst>
-        <pc:spChg chg="mod">
-          <ac:chgData name="Eduardo Martín-Sonseca.Alonso" userId="044a8a39323ca9b2" providerId="LiveId" clId="{F6C200FF-B7C6-45EA-B94B-3E06CF3AB5C5}" dt="2022-10-04T16:12:58.741" v="649" actId="26606"/>
-          <ac:spMkLst>
-            <pc:docMk/>
-            <pc:sldMk cId="3858405899" sldId="263"/>
-            <ac:spMk id="2" creationId="{0CD28B4F-CA59-40E4-9706-0BB2A315AE0A}"/>
-          </ac:spMkLst>
-        </pc:spChg>
-        <pc:spChg chg="mod">
-          <ac:chgData name="Eduardo Martín-Sonseca.Alonso" userId="044a8a39323ca9b2" providerId="LiveId" clId="{F6C200FF-B7C6-45EA-B94B-3E06CF3AB5C5}" dt="2022-10-04T16:12:58.741" v="649" actId="26606"/>
-          <ac:spMkLst>
-            <pc:docMk/>
-            <pc:sldMk cId="3858405899" sldId="263"/>
-            <ac:spMk id="4" creationId="{A779A601-EB60-48FD-93E8-41E0FF30C6FB}"/>
-          </ac:spMkLst>
-        </pc:spChg>
-        <pc:spChg chg="del">
-          <ac:chgData name="Eduardo Martín-Sonseca.Alonso" userId="044a8a39323ca9b2" providerId="LiveId" clId="{F6C200FF-B7C6-45EA-B94B-3E06CF3AB5C5}" dt="2022-10-04T16:11:28.615" v="637" actId="26606"/>
-          <ac:spMkLst>
-            <pc:docMk/>
-            <pc:sldMk cId="3858405899" sldId="263"/>
-            <ac:spMk id="10" creationId="{F13C74B1-5B17-4795-BED0-7140497B445A}"/>
-          </ac:spMkLst>
-        </pc:spChg>
-        <pc:spChg chg="del">
-          <ac:chgData name="Eduardo Martín-Sonseca.Alonso" userId="044a8a39323ca9b2" providerId="LiveId" clId="{F6C200FF-B7C6-45EA-B94B-3E06CF3AB5C5}" dt="2022-10-04T16:11:28.615" v="637" actId="26606"/>
-          <ac:spMkLst>
-            <pc:docMk/>
-            <pc:sldMk cId="3858405899" sldId="263"/>
-            <ac:spMk id="12" creationId="{D4974D33-8DC5-464E-8C6D-BE58F0669C17}"/>
-          </ac:spMkLst>
-        </pc:spChg>
-        <pc:spChg chg="add del">
-          <ac:chgData name="Eduardo Martín-Sonseca.Alonso" userId="044a8a39323ca9b2" providerId="LiveId" clId="{F6C200FF-B7C6-45EA-B94B-3E06CF3AB5C5}" dt="2022-10-04T16:12:31.588" v="645" actId="26606"/>
-          <ac:spMkLst>
-            <pc:docMk/>
-            <pc:sldMk cId="3858405899" sldId="263"/>
-            <ac:spMk id="17" creationId="{04812C46-200A-4DEB-A05E-3ED6C68C2387}"/>
-          </ac:spMkLst>
-        </pc:spChg>
-        <pc:spChg chg="add del">
-          <ac:chgData name="Eduardo Martín-Sonseca.Alonso" userId="044a8a39323ca9b2" providerId="LiveId" clId="{F6C200FF-B7C6-45EA-B94B-3E06CF3AB5C5}" dt="2022-10-04T16:12:31.588" v="645" actId="26606"/>
-          <ac:spMkLst>
-            <pc:docMk/>
-            <pc:sldMk cId="3858405899" sldId="263"/>
-            <ac:spMk id="19" creationId="{D1EA859B-E555-4109-94F3-6700E046E008}"/>
-          </ac:spMkLst>
-        </pc:spChg>
-        <pc:spChg chg="add del">
-          <ac:chgData name="Eduardo Martín-Sonseca.Alonso" userId="044a8a39323ca9b2" providerId="LiveId" clId="{F6C200FF-B7C6-45EA-B94B-3E06CF3AB5C5}" dt="2022-10-04T16:12:58.741" v="649" actId="26606"/>
-          <ac:spMkLst>
-            <pc:docMk/>
-            <pc:sldMk cId="3858405899" sldId="263"/>
-            <ac:spMk id="24" creationId="{F94AA2BD-2E3F-4B1D-8127-5744B8115311}"/>
-          </ac:spMkLst>
-        </pc:spChg>
-        <pc:spChg chg="add del">
-          <ac:chgData name="Eduardo Martín-Sonseca.Alonso" userId="044a8a39323ca9b2" providerId="LiveId" clId="{F6C200FF-B7C6-45EA-B94B-3E06CF3AB5C5}" dt="2022-10-04T16:12:58.741" v="649" actId="26606"/>
-          <ac:spMkLst>
-            <pc:docMk/>
-            <pc:sldMk cId="3858405899" sldId="263"/>
-            <ac:spMk id="26" creationId="{4BD02261-2DC8-4AA8-9E16-7751AE892445}"/>
-          </ac:spMkLst>
-        </pc:spChg>
-        <pc:spChg chg="add del">
-          <ac:chgData name="Eduardo Martín-Sonseca.Alonso" userId="044a8a39323ca9b2" providerId="LiveId" clId="{F6C200FF-B7C6-45EA-B94B-3E06CF3AB5C5}" dt="2022-10-04T16:12:58.741" v="649" actId="26606"/>
-          <ac:spMkLst>
-            <pc:docMk/>
-            <pc:sldMk cId="3858405899" sldId="263"/>
-            <ac:spMk id="28" creationId="{3D752CF2-2291-40B5-B462-C17B174C10BC}"/>
-          </ac:spMkLst>
-        </pc:spChg>
-        <pc:spChg chg="add">
-          <ac:chgData name="Eduardo Martín-Sonseca.Alonso" userId="044a8a39323ca9b2" providerId="LiveId" clId="{F6C200FF-B7C6-45EA-B94B-3E06CF3AB5C5}" dt="2022-10-04T16:12:58.741" v="649" actId="26606"/>
-          <ac:spMkLst>
-            <pc:docMk/>
-            <pc:sldMk cId="3858405899" sldId="263"/>
-            <ac:spMk id="33" creationId="{04812C46-200A-4DEB-A05E-3ED6C68C2387}"/>
-          </ac:spMkLst>
-        </pc:spChg>
-        <pc:spChg chg="add">
-          <ac:chgData name="Eduardo Martín-Sonseca.Alonso" userId="044a8a39323ca9b2" providerId="LiveId" clId="{F6C200FF-B7C6-45EA-B94B-3E06CF3AB5C5}" dt="2022-10-04T16:12:58.741" v="649" actId="26606"/>
-          <ac:spMkLst>
-            <pc:docMk/>
-            <pc:sldMk cId="3858405899" sldId="263"/>
-            <ac:spMk id="35" creationId="{D1EA859B-E555-4109-94F3-6700E046E008}"/>
-          </ac:spMkLst>
-        </pc:spChg>
-        <pc:picChg chg="add del mod">
-          <ac:chgData name="Eduardo Martín-Sonseca.Alonso" userId="044a8a39323ca9b2" providerId="LiveId" clId="{F6C200FF-B7C6-45EA-B94B-3E06CF3AB5C5}" dt="2022-10-04T16:10:36.699" v="634" actId="478"/>
-          <ac:picMkLst>
-            <pc:docMk/>
-            <pc:sldMk cId="3858405899" sldId="263"/>
-            <ac:picMk id="3" creationId="{322A5B0C-DB93-3457-621A-E7B552D74C25}"/>
-          </ac:picMkLst>
-        </pc:picChg>
-        <pc:picChg chg="del mod ord">
-          <ac:chgData name="Eduardo Martín-Sonseca.Alonso" userId="044a8a39323ca9b2" providerId="LiveId" clId="{F6C200FF-B7C6-45EA-B94B-3E06CF3AB5C5}" dt="2022-10-04T16:12:43.001" v="646" actId="478"/>
-          <ac:picMkLst>
-            <pc:docMk/>
-            <pc:sldMk cId="3858405899" sldId="263"/>
-            <ac:picMk id="6" creationId="{C263EEF0-96AD-EB64-177B-B07104601C26}"/>
-          </ac:picMkLst>
-        </pc:picChg>
-        <pc:picChg chg="add mod ord">
-          <ac:chgData name="Eduardo Martín-Sonseca.Alonso" userId="044a8a39323ca9b2" providerId="LiveId" clId="{F6C200FF-B7C6-45EA-B94B-3E06CF3AB5C5}" dt="2022-10-04T16:12:49.779" v="648" actId="167"/>
-          <ac:picMkLst>
-            <pc:docMk/>
-            <pc:sldMk cId="3858405899" sldId="263"/>
-            <ac:picMk id="7" creationId="{CB28650D-5BCE-E86D-9875-DDB208C75F95}"/>
-          </ac:picMkLst>
-        </pc:picChg>
-      </pc:sldChg>
-      <pc:sldChg chg="addSp delSp modSp mod modAnim">
-        <pc:chgData name="Eduardo Martín-Sonseca.Alonso" userId="044a8a39323ca9b2" providerId="LiveId" clId="{F6C200FF-B7C6-45EA-B94B-3E06CF3AB5C5}" dt="2022-10-04T16:19:35.707" v="730"/>
-        <pc:sldMkLst>
-          <pc:docMk/>
-          <pc:sldMk cId="3580276719" sldId="264"/>
-        </pc:sldMkLst>
-        <pc:spChg chg="mod">
-          <ac:chgData name="Eduardo Martín-Sonseca.Alonso" userId="044a8a39323ca9b2" providerId="LiveId" clId="{F6C200FF-B7C6-45EA-B94B-3E06CF3AB5C5}" dt="2022-10-04T16:13:17.578" v="652" actId="26606"/>
-          <ac:spMkLst>
-            <pc:docMk/>
-            <pc:sldMk cId="3580276719" sldId="264"/>
-            <ac:spMk id="2" creationId="{8BC7EFD9-5CAF-431F-A9FF-09DE566F3543}"/>
-          </ac:spMkLst>
-        </pc:spChg>
-        <pc:spChg chg="mod">
-          <ac:chgData name="Eduardo Martín-Sonseca.Alonso" userId="044a8a39323ca9b2" providerId="LiveId" clId="{F6C200FF-B7C6-45EA-B94B-3E06CF3AB5C5}" dt="2022-10-04T16:13:17.578" v="652" actId="26606"/>
-          <ac:spMkLst>
-            <pc:docMk/>
-            <pc:sldMk cId="3580276719" sldId="264"/>
-            <ac:spMk id="3" creationId="{29A8ECE2-FE08-4C93-9877-2C065094BC53}"/>
-          </ac:spMkLst>
-        </pc:spChg>
-        <pc:spChg chg="del">
-          <ac:chgData name="Eduardo Martín-Sonseca.Alonso" userId="044a8a39323ca9b2" providerId="LiveId" clId="{F6C200FF-B7C6-45EA-B94B-3E06CF3AB5C5}" dt="2022-10-04T16:13:17.578" v="652" actId="26606"/>
-          <ac:spMkLst>
-            <pc:docMk/>
-            <pc:sldMk cId="3580276719" sldId="264"/>
-            <ac:spMk id="21" creationId="{F13C74B1-5B17-4795-BED0-7140497B445A}"/>
-          </ac:spMkLst>
-        </pc:spChg>
-        <pc:spChg chg="del">
-          <ac:chgData name="Eduardo Martín-Sonseca.Alonso" userId="044a8a39323ca9b2" providerId="LiveId" clId="{F6C200FF-B7C6-45EA-B94B-3E06CF3AB5C5}" dt="2022-10-04T16:13:17.578" v="652" actId="26606"/>
-          <ac:spMkLst>
-            <pc:docMk/>
-            <pc:sldMk cId="3580276719" sldId="264"/>
-            <ac:spMk id="23" creationId="{D4974D33-8DC5-464E-8C6D-BE58F0669C17}"/>
-          </ac:spMkLst>
-        </pc:spChg>
-        <pc:spChg chg="add">
-          <ac:chgData name="Eduardo Martín-Sonseca.Alonso" userId="044a8a39323ca9b2" providerId="LiveId" clId="{F6C200FF-B7C6-45EA-B94B-3E06CF3AB5C5}" dt="2022-10-04T16:13:17.578" v="652" actId="26606"/>
-          <ac:spMkLst>
-            <pc:docMk/>
-            <pc:sldMk cId="3580276719" sldId="264"/>
-            <ac:spMk id="28" creationId="{04812C46-200A-4DEB-A05E-3ED6C68C2387}"/>
-          </ac:spMkLst>
-        </pc:spChg>
-        <pc:spChg chg="add">
-          <ac:chgData name="Eduardo Martín-Sonseca.Alonso" userId="044a8a39323ca9b2" providerId="LiveId" clId="{F6C200FF-B7C6-45EA-B94B-3E06CF3AB5C5}" dt="2022-10-04T16:13:17.578" v="652" actId="26606"/>
-          <ac:spMkLst>
-            <pc:docMk/>
-            <pc:sldMk cId="3580276719" sldId="264"/>
-            <ac:spMk id="30" creationId="{D1EA859B-E555-4109-94F3-6700E046E008}"/>
-          </ac:spMkLst>
-        </pc:spChg>
-        <pc:picChg chg="add del mod">
-          <ac:chgData name="Eduardo Martín-Sonseca.Alonso" userId="044a8a39323ca9b2" providerId="LiveId" clId="{F6C200FF-B7C6-45EA-B94B-3E06CF3AB5C5}" dt="2022-10-04T16:10:50.289" v="635" actId="478"/>
-          <ac:picMkLst>
-            <pc:docMk/>
-            <pc:sldMk cId="3580276719" sldId="264"/>
-            <ac:picMk id="4" creationId="{966DBF5B-50F7-275E-84B0-A0A5B1DBDF38}"/>
-          </ac:picMkLst>
-        </pc:picChg>
-        <pc:picChg chg="del">
-          <ac:chgData name="Eduardo Martín-Sonseca.Alonso" userId="044a8a39323ca9b2" providerId="LiveId" clId="{F6C200FF-B7C6-45EA-B94B-3E06CF3AB5C5}" dt="2022-10-04T16:10:51.451" v="636" actId="478"/>
-          <ac:picMkLst>
-            <pc:docMk/>
-            <pc:sldMk cId="3580276719" sldId="264"/>
-            <ac:picMk id="5" creationId="{5331785D-2CFF-B332-5634-22F0E76967B1}"/>
-          </ac:picMkLst>
-        </pc:picChg>
-        <pc:picChg chg="add mod ord">
-          <ac:chgData name="Eduardo Martín-Sonseca.Alonso" userId="044a8a39323ca9b2" providerId="LiveId" clId="{F6C200FF-B7C6-45EA-B94B-3E06CF3AB5C5}" dt="2022-10-04T16:13:09.343" v="651" actId="167"/>
-          <ac:picMkLst>
-            <pc:docMk/>
-            <pc:sldMk cId="3580276719" sldId="264"/>
-            <ac:picMk id="7" creationId="{1318ED78-26C3-DCB2-F1A0-481B28209006}"/>
-          </ac:picMkLst>
-        </pc:picChg>
-      </pc:sldChg>
-      <pc:sldChg chg="addSp delSp modSp mod modAnim">
-        <pc:chgData name="Eduardo Martín-Sonseca.Alonso" userId="044a8a39323ca9b2" providerId="LiveId" clId="{F6C200FF-B7C6-45EA-B94B-3E06CF3AB5C5}" dt="2022-10-04T16:19:54.076" v="737"/>
-        <pc:sldMkLst>
-          <pc:docMk/>
-          <pc:sldMk cId="4137332662" sldId="265"/>
-        </pc:sldMkLst>
-        <pc:spChg chg="add mod">
-          <ac:chgData name="Eduardo Martín-Sonseca.Alonso" userId="044a8a39323ca9b2" providerId="LiveId" clId="{F6C200FF-B7C6-45EA-B94B-3E06CF3AB5C5}" dt="2022-10-04T15:28:29.326" v="188" actId="14100"/>
-          <ac:spMkLst>
-            <pc:docMk/>
-            <pc:sldMk cId="4137332662" sldId="265"/>
-            <ac:spMk id="4" creationId="{F1E1F019-AE81-B16F-5ABB-78D9B2DD70F3}"/>
-          </ac:spMkLst>
-        </pc:spChg>
-        <pc:picChg chg="add del mod">
-          <ac:chgData name="Eduardo Martín-Sonseca.Alonso" userId="044a8a39323ca9b2" providerId="LiveId" clId="{F6C200FF-B7C6-45EA-B94B-3E06CF3AB5C5}" dt="2022-10-04T16:11:48.582" v="638" actId="478"/>
-          <ac:picMkLst>
-            <pc:docMk/>
-            <pc:sldMk cId="4137332662" sldId="265"/>
-            <ac:picMk id="5" creationId="{D55F3B91-4FEB-F50C-F3F7-000E22ACE4B6}"/>
-          </ac:picMkLst>
-        </pc:picChg>
-      </pc:sldChg>
-      <pc:sldChg chg="addSp delSp modSp new add del mod modAnim">
-        <pc:chgData name="Eduardo Martín-Sonseca.Alonso" userId="044a8a39323ca9b2" providerId="LiveId" clId="{F6C200FF-B7C6-45EA-B94B-3E06CF3AB5C5}" dt="2022-10-04T16:19:58.594" v="739"/>
-        <pc:sldMkLst>
-          <pc:docMk/>
-          <pc:sldMk cId="1986842871" sldId="266"/>
-        </pc:sldMkLst>
-        <pc:spChg chg="mod">
-          <ac:chgData name="Eduardo Martín-Sonseca.Alonso" userId="044a8a39323ca9b2" providerId="LiveId" clId="{F6C200FF-B7C6-45EA-B94B-3E06CF3AB5C5}" dt="2022-10-04T15:13:24.683" v="35" actId="20577"/>
-          <ac:spMkLst>
-            <pc:docMk/>
-            <pc:sldMk cId="1986842871" sldId="266"/>
-            <ac:spMk id="2" creationId="{F0C22993-4CD9-EBAF-934E-DB27FCD13528}"/>
-          </ac:spMkLst>
-        </pc:spChg>
-        <pc:spChg chg="add mod">
-          <ac:chgData name="Eduardo Martín-Sonseca.Alonso" userId="044a8a39323ca9b2" providerId="LiveId" clId="{F6C200FF-B7C6-45EA-B94B-3E06CF3AB5C5}" dt="2022-10-04T15:28:36.149" v="189"/>
-          <ac:spMkLst>
-            <pc:docMk/>
-            <pc:sldMk cId="1986842871" sldId="266"/>
-            <ac:spMk id="4" creationId="{EEC22C99-7282-A5BD-FD99-9AA99FF036C0}"/>
-          </ac:spMkLst>
-        </pc:spChg>
-        <pc:picChg chg="add del mod">
-          <ac:chgData name="Eduardo Martín-Sonseca.Alonso" userId="044a8a39323ca9b2" providerId="LiveId" clId="{F6C200FF-B7C6-45EA-B94B-3E06CF3AB5C5}" dt="2022-10-04T16:11:56.713" v="641" actId="478"/>
-          <ac:picMkLst>
-            <pc:docMk/>
-            <pc:sldMk cId="1986842871" sldId="266"/>
-            <ac:picMk id="5" creationId="{ED840ED9-B71A-A36C-0B28-AB30DE668FA3}"/>
-          </ac:picMkLst>
-        </pc:picChg>
-      </pc:sldChg>
-      <pc:sldChg chg="addSp delSp modSp new mod modAnim">
-        <pc:chgData name="Eduardo Martín-Sonseca.Alonso" userId="044a8a39323ca9b2" providerId="LiveId" clId="{F6C200FF-B7C6-45EA-B94B-3E06CF3AB5C5}" dt="2022-10-04T16:20:04.859" v="741"/>
-        <pc:sldMkLst>
-          <pc:docMk/>
-          <pc:sldMk cId="147166308" sldId="267"/>
-        </pc:sldMkLst>
-        <pc:spChg chg="mod">
-          <ac:chgData name="Eduardo Martín-Sonseca.Alonso" userId="044a8a39323ca9b2" providerId="LiveId" clId="{F6C200FF-B7C6-45EA-B94B-3E06CF3AB5C5}" dt="2022-10-04T15:23:12.354" v="50" actId="20577"/>
-          <ac:spMkLst>
-            <pc:docMk/>
-            <pc:sldMk cId="147166308" sldId="267"/>
-            <ac:spMk id="2" creationId="{AF782538-6BA3-40E9-97C7-BA07F82D710C}"/>
-          </ac:spMkLst>
-        </pc:spChg>
-        <pc:spChg chg="add mod">
-          <ac:chgData name="Eduardo Martín-Sonseca.Alonso" userId="044a8a39323ca9b2" providerId="LiveId" clId="{F6C200FF-B7C6-45EA-B94B-3E06CF3AB5C5}" dt="2022-10-04T15:28:38.288" v="190"/>
-          <ac:spMkLst>
-            <pc:docMk/>
-            <pc:sldMk cId="147166308" sldId="267"/>
-            <ac:spMk id="4" creationId="{458A7921-403F-ED21-3E2F-51270E6BAA2B}"/>
-          </ac:spMkLst>
-        </pc:spChg>
-        <pc:picChg chg="add del mod">
-          <ac:chgData name="Eduardo Martín-Sonseca.Alonso" userId="044a8a39323ca9b2" providerId="LiveId" clId="{F6C200FF-B7C6-45EA-B94B-3E06CF3AB5C5}" dt="2022-10-04T16:11:58.535" v="642" actId="478"/>
-          <ac:picMkLst>
-            <pc:docMk/>
-            <pc:sldMk cId="147166308" sldId="267"/>
-            <ac:picMk id="5" creationId="{787E73FC-C81F-63B4-CE99-08439105FB8E}"/>
-          </ac:picMkLst>
-        </pc:picChg>
-      </pc:sldChg>
-      <pc:sldChg chg="addSp delSp modSp new mod modAnim">
-        <pc:chgData name="Eduardo Martín-Sonseca.Alonso" userId="044a8a39323ca9b2" providerId="LiveId" clId="{F6C200FF-B7C6-45EA-B94B-3E06CF3AB5C5}" dt="2022-10-04T16:20:09.530" v="743"/>
-        <pc:sldMkLst>
-          <pc:docMk/>
-          <pc:sldMk cId="2542492578" sldId="268"/>
-        </pc:sldMkLst>
-        <pc:spChg chg="mod">
-          <ac:chgData name="Eduardo Martín-Sonseca.Alonso" userId="044a8a39323ca9b2" providerId="LiveId" clId="{F6C200FF-B7C6-45EA-B94B-3E06CF3AB5C5}" dt="2022-10-04T15:25:21.033" v="83" actId="20577"/>
-          <ac:spMkLst>
-            <pc:docMk/>
-            <pc:sldMk cId="2542492578" sldId="268"/>
-            <ac:spMk id="2" creationId="{8607B768-0810-B456-80FF-C4AE6555F84F}"/>
-          </ac:spMkLst>
-        </pc:spChg>
-        <pc:spChg chg="add mod">
-          <ac:chgData name="Eduardo Martín-Sonseca.Alonso" userId="044a8a39323ca9b2" providerId="LiveId" clId="{F6C200FF-B7C6-45EA-B94B-3E06CF3AB5C5}" dt="2022-10-04T15:28:40.394" v="191"/>
-          <ac:spMkLst>
-            <pc:docMk/>
-            <pc:sldMk cId="2542492578" sldId="268"/>
-            <ac:spMk id="4" creationId="{3E441317-6587-C5CB-E408-F463C0E185BF}"/>
-          </ac:spMkLst>
-        </pc:spChg>
-        <pc:picChg chg="add del mod">
-          <ac:chgData name="Eduardo Martín-Sonseca.Alonso" userId="044a8a39323ca9b2" providerId="LiveId" clId="{F6C200FF-B7C6-45EA-B94B-3E06CF3AB5C5}" dt="2022-10-04T16:12:01.045" v="643" actId="478"/>
-          <ac:picMkLst>
-            <pc:docMk/>
-            <pc:sldMk cId="2542492578" sldId="268"/>
-            <ac:picMk id="5" creationId="{B1FCBD92-22AD-4AFA-0EF1-21F7C6E9884C}"/>
-          </ac:picMkLst>
-        </pc:picChg>
-      </pc:sldChg>
-      <pc:sldChg chg="addSp delSp modSp new mod modAnim">
-        <pc:chgData name="Eduardo Martín-Sonseca.Alonso" userId="044a8a39323ca9b2" providerId="LiveId" clId="{F6C200FF-B7C6-45EA-B94B-3E06CF3AB5C5}" dt="2022-10-04T16:20:14.892" v="745"/>
-        <pc:sldMkLst>
-          <pc:docMk/>
-          <pc:sldMk cId="2049985783" sldId="269"/>
-        </pc:sldMkLst>
-        <pc:spChg chg="mod">
-          <ac:chgData name="Eduardo Martín-Sonseca.Alonso" userId="044a8a39323ca9b2" providerId="LiveId" clId="{F6C200FF-B7C6-45EA-B94B-3E06CF3AB5C5}" dt="2022-10-04T15:25:34.226" v="97" actId="20577"/>
-          <ac:spMkLst>
-            <pc:docMk/>
-            <pc:sldMk cId="2049985783" sldId="269"/>
-            <ac:spMk id="2" creationId="{C72BE69A-9CC3-B6DB-D96B-D5B859E8B1E0}"/>
-          </ac:spMkLst>
-        </pc:spChg>
-        <pc:spChg chg="add mod">
-          <ac:chgData name="Eduardo Martín-Sonseca.Alonso" userId="044a8a39323ca9b2" providerId="LiveId" clId="{F6C200FF-B7C6-45EA-B94B-3E06CF3AB5C5}" dt="2022-10-04T15:28:43.098" v="192"/>
-          <ac:spMkLst>
-            <pc:docMk/>
-            <pc:sldMk cId="2049985783" sldId="269"/>
-            <ac:spMk id="4" creationId="{DD183648-FD5B-F4B3-C1E9-1BEB2C4915DD}"/>
-          </ac:spMkLst>
-        </pc:spChg>
-        <pc:picChg chg="add del mod">
-          <ac:chgData name="Eduardo Martín-Sonseca.Alonso" userId="044a8a39323ca9b2" providerId="LiveId" clId="{F6C200FF-B7C6-45EA-B94B-3E06CF3AB5C5}" dt="2022-10-04T16:12:03.760" v="644" actId="478"/>
-          <ac:picMkLst>
-            <pc:docMk/>
-            <pc:sldMk cId="2049985783" sldId="269"/>
-            <ac:picMk id="5" creationId="{82757795-4F4D-FDA7-B7D0-BF48AFA35495}"/>
-          </ac:picMkLst>
-        </pc:picChg>
-      </pc:sldChg>
-      <pc:sldChg chg="addSp delSp modSp new mod modAnim">
-        <pc:chgData name="Eduardo Martín-Sonseca.Alonso" userId="044a8a39323ca9b2" providerId="LiveId" clId="{F6C200FF-B7C6-45EA-B94B-3E06CF3AB5C5}" dt="2022-10-04T16:20:19.601" v="747"/>
-        <pc:sldMkLst>
-          <pc:docMk/>
-          <pc:sldMk cId="43089264" sldId="270"/>
-        </pc:sldMkLst>
-        <pc:spChg chg="mod">
-          <ac:chgData name="Eduardo Martín-Sonseca.Alonso" userId="044a8a39323ca9b2" providerId="LiveId" clId="{F6C200FF-B7C6-45EA-B94B-3E06CF3AB5C5}" dt="2022-10-04T15:25:50.067" v="110" actId="20577"/>
-          <ac:spMkLst>
-            <pc:docMk/>
-            <pc:sldMk cId="43089264" sldId="270"/>
-            <ac:spMk id="2" creationId="{45FB622A-3735-1AE0-8C20-270A97E71FEC}"/>
-          </ac:spMkLst>
-        </pc:spChg>
-        <pc:spChg chg="del mod">
-          <ac:chgData name="Eduardo Martín-Sonseca.Alonso" userId="044a8a39323ca9b2" providerId="LiveId" clId="{F6C200FF-B7C6-45EA-B94B-3E06CF3AB5C5}" dt="2022-10-04T16:01:58.282" v="554" actId="21"/>
-          <ac:spMkLst>
-            <pc:docMk/>
-            <pc:sldMk cId="43089264" sldId="270"/>
-            <ac:spMk id="3" creationId="{37FBD6FF-0C7F-EEA9-373F-62397C957295}"/>
-          </ac:spMkLst>
-        </pc:spChg>
-        <pc:spChg chg="add mod">
-          <ac:chgData name="Eduardo Martín-Sonseca.Alonso" userId="044a8a39323ca9b2" providerId="LiveId" clId="{F6C200FF-B7C6-45EA-B94B-3E06CF3AB5C5}" dt="2022-10-04T15:28:45.390" v="193"/>
-          <ac:spMkLst>
-            <pc:docMk/>
-            <pc:sldMk cId="43089264" sldId="270"/>
-            <ac:spMk id="4" creationId="{8729478B-DE65-B677-CBEA-EE8228474FB1}"/>
-          </ac:spMkLst>
-        </pc:spChg>
-        <pc:spChg chg="add del mod">
-          <ac:chgData name="Eduardo Martín-Sonseca.Alonso" userId="044a8a39323ca9b2" providerId="LiveId" clId="{F6C200FF-B7C6-45EA-B94B-3E06CF3AB5C5}" dt="2022-10-04T16:01:58.282" v="554" actId="21"/>
-          <ac:spMkLst>
-            <pc:docMk/>
-            <pc:sldMk cId="43089264" sldId="270"/>
-            <ac:spMk id="5" creationId="{518EDA90-6C0F-CE35-07B2-D1E39BF2F66A}"/>
-          </ac:spMkLst>
-        </pc:spChg>
-        <pc:spChg chg="add del mod">
-          <ac:chgData name="Eduardo Martín-Sonseca.Alonso" userId="044a8a39323ca9b2" providerId="LiveId" clId="{F6C200FF-B7C6-45EA-B94B-3E06CF3AB5C5}" dt="2022-10-04T15:33:34.621" v="250" actId="478"/>
-          <ac:spMkLst>
-            <pc:docMk/>
-            <pc:sldMk cId="43089264" sldId="270"/>
-            <ac:spMk id="7" creationId="{F189E436-8B69-CEFC-9EA9-284E520A99D4}"/>
-          </ac:spMkLst>
-        </pc:spChg>
-        <pc:spChg chg="add del mod">
-          <ac:chgData name="Eduardo Martín-Sonseca.Alonso" userId="044a8a39323ca9b2" providerId="LiveId" clId="{F6C200FF-B7C6-45EA-B94B-3E06CF3AB5C5}" dt="2022-10-04T16:01:58.282" v="554" actId="21"/>
-          <ac:spMkLst>
-            <pc:docMk/>
-            <pc:sldMk cId="43089264" sldId="270"/>
-            <ac:spMk id="9" creationId="{69D1B8BC-7FC3-C276-8070-393FFD02BC5C}"/>
-          </ac:spMkLst>
-        </pc:spChg>
-        <pc:spChg chg="add del">
-          <ac:chgData name="Eduardo Martín-Sonseca.Alonso" userId="044a8a39323ca9b2" providerId="LiveId" clId="{F6C200FF-B7C6-45EA-B94B-3E06CF3AB5C5}" dt="2022-10-04T15:43:35.455" v="335" actId="22"/>
-          <ac:spMkLst>
-            <pc:docMk/>
-            <pc:sldMk cId="43089264" sldId="270"/>
-            <ac:spMk id="11" creationId="{0951AD6F-D106-2DCE-1748-E05E2DD2330F}"/>
-          </ac:spMkLst>
-        </pc:spChg>
-        <pc:spChg chg="add del mod">
-          <ac:chgData name="Eduardo Martín-Sonseca.Alonso" userId="044a8a39323ca9b2" providerId="LiveId" clId="{F6C200FF-B7C6-45EA-B94B-3E06CF3AB5C5}" dt="2022-10-04T16:01:58.282" v="554" actId="21"/>
-          <ac:spMkLst>
-            <pc:docMk/>
-            <pc:sldMk cId="43089264" sldId="270"/>
-            <ac:spMk id="12" creationId="{5101C94E-C9CE-6752-3D62-58787D00ED71}"/>
-          </ac:spMkLst>
-        </pc:spChg>
-        <pc:spChg chg="add del mod">
-          <ac:chgData name="Eduardo Martín-Sonseca.Alonso" userId="044a8a39323ca9b2" providerId="LiveId" clId="{F6C200FF-B7C6-45EA-B94B-3E06CF3AB5C5}" dt="2022-10-04T16:01:58.282" v="554" actId="21"/>
-          <ac:spMkLst>
-            <pc:docMk/>
-            <pc:sldMk cId="43089264" sldId="270"/>
-            <ac:spMk id="14" creationId="{832ACF11-A429-C4D4-2B7E-78C6ED59B063}"/>
-          </ac:spMkLst>
-        </pc:spChg>
-        <pc:spChg chg="add del mod">
-          <ac:chgData name="Eduardo Martín-Sonseca.Alonso" userId="044a8a39323ca9b2" providerId="LiveId" clId="{F6C200FF-B7C6-45EA-B94B-3E06CF3AB5C5}" dt="2022-10-04T16:02:06.394" v="555" actId="478"/>
-          <ac:spMkLst>
-            <pc:docMk/>
-            <pc:sldMk cId="43089264" sldId="270"/>
-            <ac:spMk id="16" creationId="{7105D972-ADB0-8998-D369-F3F44198D488}"/>
-          </ac:spMkLst>
-        </pc:spChg>
-        <pc:spChg chg="add mod">
-          <ac:chgData name="Eduardo Martín-Sonseca.Alonso" userId="044a8a39323ca9b2" providerId="LiveId" clId="{F6C200FF-B7C6-45EA-B94B-3E06CF3AB5C5}" dt="2022-10-04T16:02:08.171" v="556"/>
-          <ac:spMkLst>
-            <pc:docMk/>
-            <pc:sldMk cId="43089264" sldId="270"/>
-            <ac:spMk id="17" creationId="{E6B48D0B-0218-7491-FC5B-6BDB70BE77A7}"/>
-          </ac:spMkLst>
-        </pc:spChg>
-        <pc:spChg chg="add del mod">
-          <ac:chgData name="Eduardo Martín-Sonseca.Alonso" userId="044a8a39323ca9b2" providerId="LiveId" clId="{F6C200FF-B7C6-45EA-B94B-3E06CF3AB5C5}" dt="2022-10-04T16:02:23.648" v="558" actId="21"/>
-          <ac:spMkLst>
-            <pc:docMk/>
-            <pc:sldMk cId="43089264" sldId="270"/>
-            <ac:spMk id="18" creationId="{19844975-069F-06EC-9409-0CF0F9750A4B}"/>
-          </ac:spMkLst>
-        </pc:spChg>
-        <pc:spChg chg="add del mod">
-          <ac:chgData name="Eduardo Martín-Sonseca.Alonso" userId="044a8a39323ca9b2" providerId="LiveId" clId="{F6C200FF-B7C6-45EA-B94B-3E06CF3AB5C5}" dt="2022-10-04T16:02:23.648" v="558" actId="21"/>
-          <ac:spMkLst>
-            <pc:docMk/>
-            <pc:sldMk cId="43089264" sldId="270"/>
-            <ac:spMk id="19" creationId="{30B557D0-FD71-E7A7-0F6E-353596D44F3B}"/>
-          </ac:spMkLst>
-        </pc:spChg>
-        <pc:spChg chg="add del mod">
-          <ac:chgData name="Eduardo Martín-Sonseca.Alonso" userId="044a8a39323ca9b2" providerId="LiveId" clId="{F6C200FF-B7C6-45EA-B94B-3E06CF3AB5C5}" dt="2022-10-04T16:02:23.648" v="558" actId="21"/>
-          <ac:spMkLst>
-            <pc:docMk/>
-            <pc:sldMk cId="43089264" sldId="270"/>
-            <ac:spMk id="20" creationId="{56EFCCB8-BD45-B46A-1B9D-5637CD08B4E3}"/>
-          </ac:spMkLst>
-        </pc:spChg>
-        <pc:spChg chg="add del mod">
-          <ac:chgData name="Eduardo Martín-Sonseca.Alonso" userId="044a8a39323ca9b2" providerId="LiveId" clId="{F6C200FF-B7C6-45EA-B94B-3E06CF3AB5C5}" dt="2022-10-04T16:02:23.648" v="558" actId="21"/>
-          <ac:spMkLst>
-            <pc:docMk/>
-            <pc:sldMk cId="43089264" sldId="270"/>
-            <ac:spMk id="21" creationId="{7B8A84F1-8B24-E98B-84F2-A0FA2EB1A8B0}"/>
-          </ac:spMkLst>
-        </pc:spChg>
-      </pc:sldChg>
-      <pc:sldChg chg="addSp delSp modSp new mod setBg modAnim setClrOvrMap">
-        <pc:chgData name="Eduardo Martín-Sonseca.Alonso" userId="044a8a39323ca9b2" providerId="LiveId" clId="{F6C200FF-B7C6-45EA-B94B-3E06CF3AB5C5}" dt="2022-10-04T16:20:26.108" v="748" actId="5793"/>
-        <pc:sldMkLst>
-          <pc:docMk/>
-          <pc:sldMk cId="2585561534" sldId="271"/>
-        </pc:sldMkLst>
-        <pc:spChg chg="del">
-          <ac:chgData name="Eduardo Martín-Sonseca.Alonso" userId="044a8a39323ca9b2" providerId="LiveId" clId="{F6C200FF-B7C6-45EA-B94B-3E06CF3AB5C5}" dt="2022-10-04T15:25:57.898" v="112" actId="478"/>
-          <ac:spMkLst>
-            <pc:docMk/>
-            <pc:sldMk cId="2585561534" sldId="271"/>
-            <ac:spMk id="2" creationId="{4E7B6D0B-0905-90AE-2591-CFC9ED0B2BA8}"/>
-          </ac:spMkLst>
-        </pc:spChg>
-        <pc:spChg chg="mod ord">
-          <ac:chgData name="Eduardo Martín-Sonseca.Alonso" userId="044a8a39323ca9b2" providerId="LiveId" clId="{F6C200FF-B7C6-45EA-B94B-3E06CF3AB5C5}" dt="2022-10-04T16:20:26.108" v="748" actId="5793"/>
-          <ac:spMkLst>
-            <pc:docMk/>
-            <pc:sldMk cId="2585561534" sldId="271"/>
-            <ac:spMk id="3" creationId="{AC322D12-B8C2-CD13-C768-6FAFCE0E11A1}"/>
-          </ac:spMkLst>
-        </pc:spChg>
-        <pc:spChg chg="add mod ord">
-          <ac:chgData name="Eduardo Martín-Sonseca.Alonso" userId="044a8a39323ca9b2" providerId="LiveId" clId="{F6C200FF-B7C6-45EA-B94B-3E06CF3AB5C5}" dt="2022-10-04T15:30:00.851" v="216" actId="26606"/>
-          <ac:spMkLst>
-            <pc:docMk/>
-            <pc:sldMk cId="2585561534" sldId="271"/>
-            <ac:spMk id="5" creationId="{6B5D0C9E-6C94-01CE-A83A-7BBC88E25DF3}"/>
-          </ac:spMkLst>
-        </pc:spChg>
-        <pc:spChg chg="add del">
-          <ac:chgData name="Eduardo Martín-Sonseca.Alonso" userId="044a8a39323ca9b2" providerId="LiveId" clId="{F6C200FF-B7C6-45EA-B94B-3E06CF3AB5C5}" dt="2022-10-04T15:27:11.702" v="175" actId="26606"/>
-          <ac:spMkLst>
-            <pc:docMk/>
-            <pc:sldMk cId="2585561534" sldId="271"/>
-            <ac:spMk id="9" creationId="{F13C74B1-5B17-4795-BED0-7140497B445A}"/>
-          </ac:spMkLst>
-        </pc:spChg>
-        <pc:spChg chg="add del">
-          <ac:chgData name="Eduardo Martín-Sonseca.Alonso" userId="044a8a39323ca9b2" providerId="LiveId" clId="{F6C200FF-B7C6-45EA-B94B-3E06CF3AB5C5}" dt="2022-10-04T15:27:11.702" v="175" actId="26606"/>
-          <ac:spMkLst>
-            <pc:docMk/>
-            <pc:sldMk cId="2585561534" sldId="271"/>
-            <ac:spMk id="11" creationId="{D4974D33-8DC5-464E-8C6D-BE58F0669C17}"/>
-          </ac:spMkLst>
-        </pc:spChg>
-        <pc:spChg chg="add del">
-          <ac:chgData name="Eduardo Martín-Sonseca.Alonso" userId="044a8a39323ca9b2" providerId="LiveId" clId="{F6C200FF-B7C6-45EA-B94B-3E06CF3AB5C5}" dt="2022-10-04T15:27:14.609" v="177" actId="26606"/>
-          <ac:spMkLst>
-            <pc:docMk/>
-            <pc:sldMk cId="2585561534" sldId="271"/>
-            <ac:spMk id="13" creationId="{04812C46-200A-4DEB-A05E-3ED6C68C2387}"/>
-          </ac:spMkLst>
-        </pc:spChg>
-        <pc:spChg chg="add del">
-          <ac:chgData name="Eduardo Martín-Sonseca.Alonso" userId="044a8a39323ca9b2" providerId="LiveId" clId="{F6C200FF-B7C6-45EA-B94B-3E06CF3AB5C5}" dt="2022-10-04T15:27:14.609" v="177" actId="26606"/>
-          <ac:spMkLst>
-            <pc:docMk/>
-            <pc:sldMk cId="2585561534" sldId="271"/>
-            <ac:spMk id="14" creationId="{D1EA859B-E555-4109-94F3-6700E046E008}"/>
-          </ac:spMkLst>
-        </pc:spChg>
-        <pc:spChg chg="add del">
-          <ac:chgData name="Eduardo Martín-Sonseca.Alonso" userId="044a8a39323ca9b2" providerId="LiveId" clId="{F6C200FF-B7C6-45EA-B94B-3E06CF3AB5C5}" dt="2022-10-04T15:27:15.660" v="179" actId="26606"/>
-          <ac:spMkLst>
-            <pc:docMk/>
-            <pc:sldMk cId="2585561534" sldId="271"/>
-            <ac:spMk id="15" creationId="{7A5F0580-5EE9-419F-96EE-B6529EF6E7D0}"/>
-          </ac:spMkLst>
-        </pc:spChg>
-        <pc:spChg chg="add del">
-          <ac:chgData name="Eduardo Martín-Sonseca.Alonso" userId="044a8a39323ca9b2" providerId="LiveId" clId="{F6C200FF-B7C6-45EA-B94B-3E06CF3AB5C5}" dt="2022-10-04T15:27:15.660" v="179" actId="26606"/>
-          <ac:spMkLst>
-            <pc:docMk/>
-            <pc:sldMk cId="2585561534" sldId="271"/>
-            <ac:spMk id="16" creationId="{8FC9BE17-9A7B-462D-AE50-3D8777387304}"/>
-          </ac:spMkLst>
-        </pc:spChg>
-        <pc:spChg chg="add del">
-          <ac:chgData name="Eduardo Martín-Sonseca.Alonso" userId="044a8a39323ca9b2" providerId="LiveId" clId="{F6C200FF-B7C6-45EA-B94B-3E06CF3AB5C5}" dt="2022-10-04T15:27:15.660" v="179" actId="26606"/>
-          <ac:spMkLst>
-            <pc:docMk/>
-            <pc:sldMk cId="2585561534" sldId="271"/>
-            <ac:spMk id="17" creationId="{3EBE8569-6AEC-4B8C-8D53-2DE337CDBA65}"/>
-          </ac:spMkLst>
-        </pc:spChg>
-        <pc:spChg chg="add del">
-          <ac:chgData name="Eduardo Martín-Sonseca.Alonso" userId="044a8a39323ca9b2" providerId="LiveId" clId="{F6C200FF-B7C6-45EA-B94B-3E06CF3AB5C5}" dt="2022-10-04T15:27:15.660" v="179" actId="26606"/>
-          <ac:spMkLst>
-            <pc:docMk/>
-            <pc:sldMk cId="2585561534" sldId="271"/>
-            <ac:spMk id="18" creationId="{55D4142C-5077-457F-A6AD-3FECFDB39685}"/>
-          </ac:spMkLst>
-        </pc:spChg>
-        <pc:spChg chg="add del">
-          <ac:chgData name="Eduardo Martín-Sonseca.Alonso" userId="044a8a39323ca9b2" providerId="LiveId" clId="{F6C200FF-B7C6-45EA-B94B-3E06CF3AB5C5}" dt="2022-10-04T15:27:19.581" v="181" actId="26606"/>
-          <ac:spMkLst>
-            <pc:docMk/>
-            <pc:sldMk cId="2585561534" sldId="271"/>
-            <ac:spMk id="20" creationId="{8F23F8A3-8FD7-4779-8323-FDC26BE99889}"/>
-          </ac:spMkLst>
-        </pc:spChg>
-        <pc:spChg chg="add del">
-          <ac:chgData name="Eduardo Martín-Sonseca.Alonso" userId="044a8a39323ca9b2" providerId="LiveId" clId="{F6C200FF-B7C6-45EA-B94B-3E06CF3AB5C5}" dt="2022-10-04T15:27:19.581" v="181" actId="26606"/>
-          <ac:spMkLst>
-            <pc:docMk/>
-            <pc:sldMk cId="2585561534" sldId="271"/>
-            <ac:spMk id="21" creationId="{F605C4CC-A25C-416F-8333-7CB7DC97D870}"/>
-          </ac:spMkLst>
-        </pc:spChg>
-        <pc:spChg chg="add del">
-          <ac:chgData name="Eduardo Martín-Sonseca.Alonso" userId="044a8a39323ca9b2" providerId="LiveId" clId="{F6C200FF-B7C6-45EA-B94B-3E06CF3AB5C5}" dt="2022-10-04T15:29:00.323" v="195" actId="26606"/>
-          <ac:spMkLst>
-            <pc:docMk/>
-            <pc:sldMk cId="2585561534" sldId="271"/>
-            <ac:spMk id="23" creationId="{9AA72BD9-2C5A-4EDC-931F-5AA08EACA0F3}"/>
-          </ac:spMkLst>
-        </pc:spChg>
-        <pc:spChg chg="add del">
-          <ac:chgData name="Eduardo Martín-Sonseca.Alonso" userId="044a8a39323ca9b2" providerId="LiveId" clId="{F6C200FF-B7C6-45EA-B94B-3E06CF3AB5C5}" dt="2022-10-04T15:29:00.323" v="195" actId="26606"/>
-          <ac:spMkLst>
-            <pc:docMk/>
-            <pc:sldMk cId="2585561534" sldId="271"/>
-            <ac:spMk id="24" creationId="{DD3981AC-7B61-4947-BCF3-F7AA7FA385B9}"/>
-          </ac:spMkLst>
-        </pc:spChg>
-        <pc:spChg chg="add del">
-          <ac:chgData name="Eduardo Martín-Sonseca.Alonso" userId="044a8a39323ca9b2" providerId="LiveId" clId="{F6C200FF-B7C6-45EA-B94B-3E06CF3AB5C5}" dt="2022-10-04T15:29:00.323" v="195" actId="26606"/>
-          <ac:spMkLst>
-            <pc:docMk/>
-            <pc:sldMk cId="2585561534" sldId="271"/>
-            <ac:spMk id="25" creationId="{55D4142C-5077-457F-A6AD-3FECFDB39685}"/>
-          </ac:spMkLst>
-        </pc:spChg>
-        <pc:spChg chg="add del">
-          <ac:chgData name="Eduardo Martín-Sonseca.Alonso" userId="044a8a39323ca9b2" providerId="LiveId" clId="{F6C200FF-B7C6-45EA-B94B-3E06CF3AB5C5}" dt="2022-10-04T15:29:00.323" v="195" actId="26606"/>
-          <ac:spMkLst>
-            <pc:docMk/>
-            <pc:sldMk cId="2585561534" sldId="271"/>
-            <ac:spMk id="26" creationId="{7A5F0580-5EE9-419F-96EE-B6529EF6E7D0}"/>
-          </ac:spMkLst>
-        </pc:spChg>
-        <pc:spChg chg="add del">
-          <ac:chgData name="Eduardo Martín-Sonseca.Alonso" userId="044a8a39323ca9b2" providerId="LiveId" clId="{F6C200FF-B7C6-45EA-B94B-3E06CF3AB5C5}" dt="2022-10-04T15:29:29.749" v="204" actId="26606"/>
-          <ac:spMkLst>
-            <pc:docMk/>
-            <pc:sldMk cId="2585561534" sldId="271"/>
-            <ac:spMk id="31" creationId="{04812C46-200A-4DEB-A05E-3ED6C68C2387}"/>
-          </ac:spMkLst>
-        </pc:spChg>
-        <pc:spChg chg="add del">
-          <ac:chgData name="Eduardo Martín-Sonseca.Alonso" userId="044a8a39323ca9b2" providerId="LiveId" clId="{F6C200FF-B7C6-45EA-B94B-3E06CF3AB5C5}" dt="2022-10-04T15:29:29.749" v="204" actId="26606"/>
-          <ac:spMkLst>
-            <pc:docMk/>
-            <pc:sldMk cId="2585561534" sldId="271"/>
-            <ac:spMk id="33" creationId="{D1EA859B-E555-4109-94F3-6700E046E008}"/>
-          </ac:spMkLst>
-        </pc:spChg>
-        <pc:spChg chg="add del">
-          <ac:chgData name="Eduardo Martín-Sonseca.Alonso" userId="044a8a39323ca9b2" providerId="LiveId" clId="{F6C200FF-B7C6-45EA-B94B-3E06CF3AB5C5}" dt="2022-10-04T15:29:27.110" v="201" actId="26606"/>
-          <ac:spMkLst>
-            <pc:docMk/>
-            <pc:sldMk cId="2585561534" sldId="271"/>
-            <ac:spMk id="38" creationId="{3AFE8227-C443-417B-BA91-520EB1EF4559}"/>
-          </ac:spMkLst>
-        </pc:spChg>
-        <pc:spChg chg="add del">
-          <ac:chgData name="Eduardo Martín-Sonseca.Alonso" userId="044a8a39323ca9b2" providerId="LiveId" clId="{F6C200FF-B7C6-45EA-B94B-3E06CF3AB5C5}" dt="2022-10-04T15:29:27.110" v="201" actId="26606"/>
-          <ac:spMkLst>
-            <pc:docMk/>
-            <pc:sldMk cId="2585561534" sldId="271"/>
-            <ac:spMk id="40" creationId="{907741FC-B544-4A6E-B831-6789D042333D}"/>
-          </ac:spMkLst>
-        </pc:spChg>
-        <pc:spChg chg="add del">
-          <ac:chgData name="Eduardo Martín-Sonseca.Alonso" userId="044a8a39323ca9b2" providerId="LiveId" clId="{F6C200FF-B7C6-45EA-B94B-3E06CF3AB5C5}" dt="2022-10-04T15:29:27.110" v="201" actId="26606"/>
-          <ac:spMkLst>
-            <pc:docMk/>
-            <pc:sldMk cId="2585561534" sldId="271"/>
-            <ac:spMk id="42" creationId="{3F0BE7ED-7814-4273-B18A-F26CC0380380}"/>
-          </ac:spMkLst>
-        </pc:spChg>
-        <pc:spChg chg="add del">
-          <ac:chgData name="Eduardo Martín-Sonseca.Alonso" userId="044a8a39323ca9b2" providerId="LiveId" clId="{F6C200FF-B7C6-45EA-B94B-3E06CF3AB5C5}" dt="2022-10-04T15:29:29.749" v="203" actId="26606"/>
-          <ac:spMkLst>
-            <pc:docMk/>
-            <pc:sldMk cId="2585561534" sldId="271"/>
-            <ac:spMk id="44" creationId="{7A5F0580-5EE9-419F-96EE-B6529EF6E7D0}"/>
-          </ac:spMkLst>
-        </pc:spChg>
-        <pc:spChg chg="add del">
-          <ac:chgData name="Eduardo Martín-Sonseca.Alonso" userId="044a8a39323ca9b2" providerId="LiveId" clId="{F6C200FF-B7C6-45EA-B94B-3E06CF3AB5C5}" dt="2022-10-04T15:29:29.749" v="203" actId="26606"/>
-          <ac:spMkLst>
-            <pc:docMk/>
-            <pc:sldMk cId="2585561534" sldId="271"/>
-            <ac:spMk id="45" creationId="{9AA72BD9-2C5A-4EDC-931F-5AA08EACA0F3}"/>
-          </ac:spMkLst>
-        </pc:spChg>
-        <pc:spChg chg="add del">
-          <ac:chgData name="Eduardo Martín-Sonseca.Alonso" userId="044a8a39323ca9b2" providerId="LiveId" clId="{F6C200FF-B7C6-45EA-B94B-3E06CF3AB5C5}" dt="2022-10-04T15:29:29.749" v="203" actId="26606"/>
-          <ac:spMkLst>
-            <pc:docMk/>
-            <pc:sldMk cId="2585561534" sldId="271"/>
-            <ac:spMk id="46" creationId="{DD3981AC-7B61-4947-BCF3-F7AA7FA385B9}"/>
-          </ac:spMkLst>
-        </pc:spChg>
-        <pc:spChg chg="add del">
-          <ac:chgData name="Eduardo Martín-Sonseca.Alonso" userId="044a8a39323ca9b2" providerId="LiveId" clId="{F6C200FF-B7C6-45EA-B94B-3E06CF3AB5C5}" dt="2022-10-04T15:29:29.749" v="203" actId="26606"/>
-          <ac:spMkLst>
-            <pc:docMk/>
-            <pc:sldMk cId="2585561534" sldId="271"/>
-            <ac:spMk id="47" creationId="{55D4142C-5077-457F-A6AD-3FECFDB39685}"/>
-          </ac:spMkLst>
-        </pc:spChg>
-        <pc:spChg chg="add del">
-          <ac:chgData name="Eduardo Martín-Sonseca.Alonso" userId="044a8a39323ca9b2" providerId="LiveId" clId="{F6C200FF-B7C6-45EA-B94B-3E06CF3AB5C5}" dt="2022-10-04T15:30:00.851" v="216" actId="26606"/>
-          <ac:spMkLst>
-            <pc:docMk/>
-            <pc:sldMk cId="2585561534" sldId="271"/>
-            <ac:spMk id="49" creationId="{79BB35BC-D5C2-4C8B-A22A-A71E6191913B}"/>
-          </ac:spMkLst>
-        </pc:spChg>
-        <pc:spChg chg="add del">
-          <ac:chgData name="Eduardo Martín-Sonseca.Alonso" userId="044a8a39323ca9b2" providerId="LiveId" clId="{F6C200FF-B7C6-45EA-B94B-3E06CF3AB5C5}" dt="2022-10-04T15:29:48.396" v="209" actId="26606"/>
-          <ac:spMkLst>
-            <pc:docMk/>
-            <pc:sldMk cId="2585561534" sldId="271"/>
-            <ac:spMk id="54" creationId="{9AA72BD9-2C5A-4EDC-931F-5AA08EACA0F3}"/>
-          </ac:spMkLst>
-        </pc:spChg>
-        <pc:spChg chg="add del">
-          <ac:chgData name="Eduardo Martín-Sonseca.Alonso" userId="044a8a39323ca9b2" providerId="LiveId" clId="{F6C200FF-B7C6-45EA-B94B-3E06CF3AB5C5}" dt="2022-10-04T15:29:48.396" v="209" actId="26606"/>
-          <ac:spMkLst>
-            <pc:docMk/>
-            <pc:sldMk cId="2585561534" sldId="271"/>
-            <ac:spMk id="56" creationId="{DD3981AC-7B61-4947-BCF3-F7AA7FA385B9}"/>
-          </ac:spMkLst>
-        </pc:spChg>
-        <pc:spChg chg="add del">
-          <ac:chgData name="Eduardo Martín-Sonseca.Alonso" userId="044a8a39323ca9b2" providerId="LiveId" clId="{F6C200FF-B7C6-45EA-B94B-3E06CF3AB5C5}" dt="2022-10-04T15:29:48.396" v="209" actId="26606"/>
-          <ac:spMkLst>
-            <pc:docMk/>
-            <pc:sldMk cId="2585561534" sldId="271"/>
-            <ac:spMk id="58" creationId="{55D4142C-5077-457F-A6AD-3FECFDB39685}"/>
-          </ac:spMkLst>
-        </pc:spChg>
-        <pc:spChg chg="add del">
-          <ac:chgData name="Eduardo Martín-Sonseca.Alonso" userId="044a8a39323ca9b2" providerId="LiveId" clId="{F6C200FF-B7C6-45EA-B94B-3E06CF3AB5C5}" dt="2022-10-04T15:29:48.396" v="209" actId="26606"/>
-          <ac:spMkLst>
-            <pc:docMk/>
-            <pc:sldMk cId="2585561534" sldId="271"/>
-            <ac:spMk id="60" creationId="{7A5F0580-5EE9-419F-96EE-B6529EF6E7D0}"/>
-          </ac:spMkLst>
-        </pc:spChg>
-        <pc:spChg chg="add del">
-          <ac:chgData name="Eduardo Martín-Sonseca.Alonso" userId="044a8a39323ca9b2" providerId="LiveId" clId="{F6C200FF-B7C6-45EA-B94B-3E06CF3AB5C5}" dt="2022-10-04T15:29:53.940" v="211" actId="26606"/>
-          <ac:spMkLst>
-            <pc:docMk/>
-            <pc:sldMk cId="2585561534" sldId="271"/>
-            <ac:spMk id="62" creationId="{C232B152-3720-4D3B-97ED-45CE5483F16F}"/>
-          </ac:spMkLst>
-        </pc:spChg>
-        <pc:spChg chg="add del">
-          <ac:chgData name="Eduardo Martín-Sonseca.Alonso" userId="044a8a39323ca9b2" providerId="LiveId" clId="{F6C200FF-B7C6-45EA-B94B-3E06CF3AB5C5}" dt="2022-10-04T15:29:53.940" v="211" actId="26606"/>
-          <ac:spMkLst>
-            <pc:docMk/>
-            <pc:sldMk cId="2585561534" sldId="271"/>
-            <ac:spMk id="63" creationId="{11BAB570-FF10-4E96-8A3F-FA9804702B89}"/>
-          </ac:spMkLst>
-        </pc:spChg>
-        <pc:spChg chg="add del">
-          <ac:chgData name="Eduardo Martín-Sonseca.Alonso" userId="044a8a39323ca9b2" providerId="LiveId" clId="{F6C200FF-B7C6-45EA-B94B-3E06CF3AB5C5}" dt="2022-10-04T15:29:53.940" v="211" actId="26606"/>
-          <ac:spMkLst>
-            <pc:docMk/>
-            <pc:sldMk cId="2585561534" sldId="271"/>
-            <ac:spMk id="64" creationId="{4B9FAFB2-BEB5-4848-8018-BCAD99E2E1AA}"/>
-          </ac:spMkLst>
-        </pc:spChg>
-        <pc:spChg chg="add del">
-          <ac:chgData name="Eduardo Martín-Sonseca.Alonso" userId="044a8a39323ca9b2" providerId="LiveId" clId="{F6C200FF-B7C6-45EA-B94B-3E06CF3AB5C5}" dt="2022-10-04T15:29:56.590" v="213" actId="26606"/>
-          <ac:spMkLst>
-            <pc:docMk/>
-            <pc:sldMk cId="2585561534" sldId="271"/>
-            <ac:spMk id="66" creationId="{D009D6D5-DAC2-4A8B-A17A-E206B9012D09}"/>
-          </ac:spMkLst>
-        </pc:spChg>
-        <pc:spChg chg="add del">
-          <ac:chgData name="Eduardo Martín-Sonseca.Alonso" userId="044a8a39323ca9b2" providerId="LiveId" clId="{F6C200FF-B7C6-45EA-B94B-3E06CF3AB5C5}" dt="2022-10-04T15:30:00.817" v="215" actId="26606"/>
-          <ac:spMkLst>
-            <pc:docMk/>
-            <pc:sldMk cId="2585561534" sldId="271"/>
-            <ac:spMk id="68" creationId="{2C61293E-6EBE-43EF-A52C-9BEBFD7679D4}"/>
-          </ac:spMkLst>
-        </pc:spChg>
-        <pc:spChg chg="add del">
-          <ac:chgData name="Eduardo Martín-Sonseca.Alonso" userId="044a8a39323ca9b2" providerId="LiveId" clId="{F6C200FF-B7C6-45EA-B94B-3E06CF3AB5C5}" dt="2022-10-04T15:30:00.817" v="215" actId="26606"/>
-          <ac:spMkLst>
-            <pc:docMk/>
-            <pc:sldMk cId="2585561534" sldId="271"/>
-            <ac:spMk id="69" creationId="{21540236-BFD5-4A9D-8840-4703E7F76825}"/>
-          </ac:spMkLst>
-        </pc:spChg>
-        <pc:spChg chg="add">
-          <ac:chgData name="Eduardo Martín-Sonseca.Alonso" userId="044a8a39323ca9b2" providerId="LiveId" clId="{F6C200FF-B7C6-45EA-B94B-3E06CF3AB5C5}" dt="2022-10-04T15:30:00.851" v="216" actId="26606"/>
-          <ac:spMkLst>
-            <pc:docMk/>
-            <pc:sldMk cId="2585561534" sldId="271"/>
-            <ac:spMk id="71" creationId="{E862BE82-D00D-42C1-BF16-93AA37870C32}"/>
-          </ac:spMkLst>
-        </pc:spChg>
-        <pc:spChg chg="add">
-          <ac:chgData name="Eduardo Martín-Sonseca.Alonso" userId="044a8a39323ca9b2" providerId="LiveId" clId="{F6C200FF-B7C6-45EA-B94B-3E06CF3AB5C5}" dt="2022-10-04T15:30:00.851" v="216" actId="26606"/>
-          <ac:spMkLst>
-            <pc:docMk/>
-            <pc:sldMk cId="2585561534" sldId="271"/>
-            <ac:spMk id="72" creationId="{F6D92C2D-1D3D-4974-918C-06579FB354A9}"/>
-          </ac:spMkLst>
-        </pc:spChg>
-        <pc:picChg chg="add mod ord">
-          <ac:chgData name="Eduardo Martín-Sonseca.Alonso" userId="044a8a39323ca9b2" providerId="LiveId" clId="{F6C200FF-B7C6-45EA-B94B-3E06CF3AB5C5}" dt="2022-10-04T15:30:00.851" v="216" actId="26606"/>
-          <ac:picMkLst>
-            <pc:docMk/>
-            <pc:sldMk cId="2585561534" sldId="271"/>
-            <ac:picMk id="4" creationId="{CE73A730-C678-B496-2C12-6C05F75E695E}"/>
-          </ac:picMkLst>
-        </pc:picChg>
-      </pc:sldChg>
-      <pc:sldChg chg="new del">
-        <pc:chgData name="Eduardo Martín-Sonseca.Alonso" userId="044a8a39323ca9b2" providerId="LiveId" clId="{F6C200FF-B7C6-45EA-B94B-3E06CF3AB5C5}" dt="2022-10-04T16:05:37.433" v="577" actId="47"/>
-        <pc:sldMkLst>
-          <pc:docMk/>
-          <pc:sldMk cId="1337737478" sldId="272"/>
-        </pc:sldMkLst>
-      </pc:sldChg>
-      <pc:sldChg chg="addSp delSp modSp new del mod setBg modAnim">
-        <pc:chgData name="Eduardo Martín-Sonseca.Alonso" userId="044a8a39323ca9b2" providerId="LiveId" clId="{F6C200FF-B7C6-45EA-B94B-3E06CF3AB5C5}" dt="2022-10-04T16:05:31.056" v="573" actId="47"/>
-        <pc:sldMkLst>
-          <pc:docMk/>
-          <pc:sldMk cId="2523042458" sldId="272"/>
-        </pc:sldMkLst>
-        <pc:spChg chg="mod">
-          <ac:chgData name="Eduardo Martín-Sonseca.Alonso" userId="044a8a39323ca9b2" providerId="LiveId" clId="{F6C200FF-B7C6-45EA-B94B-3E06CF3AB5C5}" dt="2022-10-04T16:05:14.553" v="572" actId="26606"/>
-          <ac:spMkLst>
-            <pc:docMk/>
-            <pc:sldMk cId="2523042458" sldId="272"/>
-            <ac:spMk id="2" creationId="{0E28EFD7-FA41-E29E-863F-E5DF9E0AA47A}"/>
-          </ac:spMkLst>
-        </pc:spChg>
-        <pc:spChg chg="del">
-          <ac:chgData name="Eduardo Martín-Sonseca.Alonso" userId="044a8a39323ca9b2" providerId="LiveId" clId="{F6C200FF-B7C6-45EA-B94B-3E06CF3AB5C5}" dt="2022-10-04T16:04:13.932" v="566" actId="478"/>
-          <ac:spMkLst>
-            <pc:docMk/>
-            <pc:sldMk cId="2523042458" sldId="272"/>
-            <ac:spMk id="3" creationId="{17F1579D-8DEC-777B-E82C-99D2B0F3F713}"/>
-          </ac:spMkLst>
-        </pc:spChg>
-        <pc:spChg chg="add mod ord">
-          <ac:chgData name="Eduardo Martín-Sonseca.Alonso" userId="044a8a39323ca9b2" providerId="LiveId" clId="{F6C200FF-B7C6-45EA-B94B-3E06CF3AB5C5}" dt="2022-10-04T16:05:14.553" v="572" actId="26606"/>
-          <ac:spMkLst>
-            <pc:docMk/>
-            <pc:sldMk cId="2523042458" sldId="272"/>
-            <ac:spMk id="4" creationId="{D3A1B8D8-FFB1-4351-929E-9C5A2D589ED6}"/>
-          </ac:spMkLst>
-        </pc:spChg>
-        <pc:spChg chg="add del mod">
-          <ac:chgData name="Eduardo Martín-Sonseca.Alonso" userId="044a8a39323ca9b2" providerId="LiveId" clId="{F6C200FF-B7C6-45EA-B94B-3E06CF3AB5C5}" dt="2022-10-04T16:04:33.071" v="569"/>
-          <ac:spMkLst>
-            <pc:docMk/>
-            <pc:sldMk cId="2523042458" sldId="272"/>
-            <ac:spMk id="5" creationId="{9AF81DD7-D36F-FB26-06BC-809933E80A23}"/>
-          </ac:spMkLst>
-        </pc:spChg>
-        <pc:spChg chg="add mod">
-          <ac:chgData name="Eduardo Martín-Sonseca.Alonso" userId="044a8a39323ca9b2" providerId="LiveId" clId="{F6C200FF-B7C6-45EA-B94B-3E06CF3AB5C5}" dt="2022-10-04T16:05:14.553" v="572" actId="26606"/>
-          <ac:spMkLst>
-            <pc:docMk/>
-            <pc:sldMk cId="2523042458" sldId="272"/>
-            <ac:spMk id="6" creationId="{1506A37F-F6CD-20B4-27B0-4EDC6F2D9451}"/>
-          </ac:spMkLst>
-        </pc:spChg>
-        <pc:spChg chg="add">
-          <ac:chgData name="Eduardo Martín-Sonseca.Alonso" userId="044a8a39323ca9b2" providerId="LiveId" clId="{F6C200FF-B7C6-45EA-B94B-3E06CF3AB5C5}" dt="2022-10-04T16:05:14.553" v="572" actId="26606"/>
-          <ac:spMkLst>
-            <pc:docMk/>
-            <pc:sldMk cId="2523042458" sldId="272"/>
-            <ac:spMk id="11" creationId="{9B7AD9F6-8CE7-4299-8FC6-328F4DCD3FF9}"/>
-          </ac:spMkLst>
-        </pc:spChg>
-        <pc:spChg chg="add">
-          <ac:chgData name="Eduardo Martín-Sonseca.Alonso" userId="044a8a39323ca9b2" providerId="LiveId" clId="{F6C200FF-B7C6-45EA-B94B-3E06CF3AB5C5}" dt="2022-10-04T16:05:14.553" v="572" actId="26606"/>
-          <ac:spMkLst>
-            <pc:docMk/>
-            <pc:sldMk cId="2523042458" sldId="272"/>
-            <ac:spMk id="13" creationId="{F49775AF-8896-43EE-92C6-83497D6DC56F}"/>
-          </ac:spMkLst>
-        </pc:spChg>
-      </pc:sldChg>
-      <pc:sldChg chg="addSp delSp modSp add mod setBg delAnim modAnim delDesignElem">
-        <pc:chgData name="Eduardo Martín-Sonseca.Alonso" userId="044a8a39323ca9b2" providerId="LiveId" clId="{F6C200FF-B7C6-45EA-B94B-3E06CF3AB5C5}" dt="2022-10-04T16:19:44.009" v="735"/>
-        <pc:sldMkLst>
-          <pc:docMk/>
-          <pc:sldMk cId="3255652957" sldId="273"/>
-        </pc:sldMkLst>
-        <pc:spChg chg="mod">
-          <ac:chgData name="Eduardo Martín-Sonseca.Alonso" userId="044a8a39323ca9b2" providerId="LiveId" clId="{F6C200FF-B7C6-45EA-B94B-3E06CF3AB5C5}" dt="2022-10-04T16:13:53.812" v="657" actId="26606"/>
-          <ac:spMkLst>
-            <pc:docMk/>
-            <pc:sldMk cId="3255652957" sldId="273"/>
-            <ac:spMk id="2" creationId="{8BC7EFD9-5CAF-431F-A9FF-09DE566F3543}"/>
-          </ac:spMkLst>
-        </pc:spChg>
-        <pc:spChg chg="mod">
-          <ac:chgData name="Eduardo Martín-Sonseca.Alonso" userId="044a8a39323ca9b2" providerId="LiveId" clId="{F6C200FF-B7C6-45EA-B94B-3E06CF3AB5C5}" dt="2022-10-04T16:13:53.812" v="657" actId="26606"/>
-          <ac:spMkLst>
-            <pc:docMk/>
-            <pc:sldMk cId="3255652957" sldId="273"/>
-            <ac:spMk id="3" creationId="{29A8ECE2-FE08-4C93-9877-2C065094BC53}"/>
-          </ac:spMkLst>
-        </pc:spChg>
-        <pc:spChg chg="del mod">
-          <ac:chgData name="Eduardo Martín-Sonseca.Alonso" userId="044a8a39323ca9b2" providerId="LiveId" clId="{F6C200FF-B7C6-45EA-B94B-3E06CF3AB5C5}" dt="2022-10-04T16:14:16.619" v="660" actId="478"/>
-          <ac:spMkLst>
-            <pc:docMk/>
-            <pc:sldMk cId="3255652957" sldId="273"/>
-            <ac:spMk id="6" creationId="{B874E851-3741-DC66-BAFA-79EB38E71B4C}"/>
-          </ac:spMkLst>
-        </pc:spChg>
-        <pc:spChg chg="add mod">
-          <ac:chgData name="Eduardo Martín-Sonseca.Alonso" userId="044a8a39323ca9b2" providerId="LiveId" clId="{F6C200FF-B7C6-45EA-B94B-3E06CF3AB5C5}" dt="2022-10-04T16:14:38.806" v="661"/>
-          <ac:spMkLst>
-            <pc:docMk/>
-            <pc:sldMk cId="3255652957" sldId="273"/>
-            <ac:spMk id="8" creationId="{B15265B9-687B-93EC-EFF7-40694362EE9D}"/>
-          </ac:spMkLst>
-        </pc:spChg>
-        <pc:spChg chg="add del">
-          <ac:chgData name="Eduardo Martín-Sonseca.Alonso" userId="044a8a39323ca9b2" providerId="LiveId" clId="{F6C200FF-B7C6-45EA-B94B-3E06CF3AB5C5}" dt="2022-10-04T16:05:55.641" v="588" actId="26606"/>
-          <ac:spMkLst>
-            <pc:docMk/>
-            <pc:sldMk cId="3255652957" sldId="273"/>
-            <ac:spMk id="11" creationId="{F13C74B1-5B17-4795-BED0-7140497B445A}"/>
-          </ac:spMkLst>
-        </pc:spChg>
-        <pc:spChg chg="add del">
-          <ac:chgData name="Eduardo Martín-Sonseca.Alonso" userId="044a8a39323ca9b2" providerId="LiveId" clId="{F6C200FF-B7C6-45EA-B94B-3E06CF3AB5C5}" dt="2022-10-04T16:05:55.641" v="588" actId="26606"/>
-          <ac:spMkLst>
-            <pc:docMk/>
-            <pc:sldMk cId="3255652957" sldId="273"/>
-            <ac:spMk id="13" creationId="{D4974D33-8DC5-464E-8C6D-BE58F0669C17}"/>
-          </ac:spMkLst>
-        </pc:spChg>
-        <pc:spChg chg="add del">
-          <ac:chgData name="Eduardo Martín-Sonseca.Alonso" userId="044a8a39323ca9b2" providerId="LiveId" clId="{F6C200FF-B7C6-45EA-B94B-3E06CF3AB5C5}" dt="2022-10-04T16:05:57.679" v="590" actId="26606"/>
-          <ac:spMkLst>
-            <pc:docMk/>
-            <pc:sldMk cId="3255652957" sldId="273"/>
-            <ac:spMk id="15" creationId="{3CD9DF72-87A3-404E-A828-84CBF11A8303}"/>
-          </ac:spMkLst>
-        </pc:spChg>
-        <pc:spChg chg="add del">
-          <ac:chgData name="Eduardo Martín-Sonseca.Alonso" userId="044a8a39323ca9b2" providerId="LiveId" clId="{F6C200FF-B7C6-45EA-B94B-3E06CF3AB5C5}" dt="2022-10-04T16:13:53.812" v="657" actId="26606"/>
-          <ac:spMkLst>
-            <pc:docMk/>
-            <pc:sldMk cId="3255652957" sldId="273"/>
-            <ac:spMk id="18" creationId="{F13C74B1-5B17-4795-BED0-7140497B445A}"/>
-          </ac:spMkLst>
-        </pc:spChg>
-        <pc:spChg chg="add del">
-          <ac:chgData name="Eduardo Martín-Sonseca.Alonso" userId="044a8a39323ca9b2" providerId="LiveId" clId="{F6C200FF-B7C6-45EA-B94B-3E06CF3AB5C5}" dt="2022-10-04T16:13:53.812" v="657" actId="26606"/>
-          <ac:spMkLst>
-            <pc:docMk/>
-            <pc:sldMk cId="3255652957" sldId="273"/>
-            <ac:spMk id="19" creationId="{D4974D33-8DC5-464E-8C6D-BE58F0669C17}"/>
-          </ac:spMkLst>
-        </pc:spChg>
-        <pc:spChg chg="del">
-          <ac:chgData name="Eduardo Martín-Sonseca.Alonso" userId="044a8a39323ca9b2" providerId="LiveId" clId="{F6C200FF-B7C6-45EA-B94B-3E06CF3AB5C5}" dt="2022-10-04T16:05:34.088" v="576"/>
-          <ac:spMkLst>
-            <pc:docMk/>
-            <pc:sldMk cId="3255652957" sldId="273"/>
-            <ac:spMk id="21" creationId="{F13C74B1-5B17-4795-BED0-7140497B445A}"/>
-          </ac:spMkLst>
-        </pc:spChg>
-        <pc:spChg chg="del">
-          <ac:chgData name="Eduardo Martín-Sonseca.Alonso" userId="044a8a39323ca9b2" providerId="LiveId" clId="{F6C200FF-B7C6-45EA-B94B-3E06CF3AB5C5}" dt="2022-10-04T16:05:34.088" v="576"/>
-          <ac:spMkLst>
-            <pc:docMk/>
-            <pc:sldMk cId="3255652957" sldId="273"/>
-            <ac:spMk id="23" creationId="{D4974D33-8DC5-464E-8C6D-BE58F0669C17}"/>
-          </ac:spMkLst>
-        </pc:spChg>
-        <pc:spChg chg="add">
-          <ac:chgData name="Eduardo Martín-Sonseca.Alonso" userId="044a8a39323ca9b2" providerId="LiveId" clId="{F6C200FF-B7C6-45EA-B94B-3E06CF3AB5C5}" dt="2022-10-04T16:13:53.812" v="657" actId="26606"/>
-          <ac:spMkLst>
-            <pc:docMk/>
-            <pc:sldMk cId="3255652957" sldId="273"/>
-            <ac:spMk id="24" creationId="{04812C46-200A-4DEB-A05E-3ED6C68C2387}"/>
-          </ac:spMkLst>
-        </pc:spChg>
-        <pc:spChg chg="add">
-          <ac:chgData name="Eduardo Martín-Sonseca.Alonso" userId="044a8a39323ca9b2" providerId="LiveId" clId="{F6C200FF-B7C6-45EA-B94B-3E06CF3AB5C5}" dt="2022-10-04T16:13:53.812" v="657" actId="26606"/>
-          <ac:spMkLst>
-            <pc:docMk/>
-            <pc:sldMk cId="3255652957" sldId="273"/>
-            <ac:spMk id="26" creationId="{D1EA859B-E555-4109-94F3-6700E046E008}"/>
-          </ac:spMkLst>
-        </pc:spChg>
-        <pc:picChg chg="add del mod">
-          <ac:chgData name="Eduardo Martín-Sonseca.Alonso" userId="044a8a39323ca9b2" providerId="LiveId" clId="{F6C200FF-B7C6-45EA-B94B-3E06CF3AB5C5}" dt="2022-10-04T16:13:37.166" v="653" actId="478"/>
-          <ac:picMkLst>
-            <pc:docMk/>
-            <pc:sldMk cId="3255652957" sldId="273"/>
-            <ac:picMk id="4" creationId="{F184B282-C2CA-1328-5CC6-57D81A5EC59C}"/>
-          </ac:picMkLst>
-        </pc:picChg>
-        <pc:picChg chg="del mod ord">
-          <ac:chgData name="Eduardo Martín-Sonseca.Alonso" userId="044a8a39323ca9b2" providerId="LiveId" clId="{F6C200FF-B7C6-45EA-B94B-3E06CF3AB5C5}" dt="2022-10-04T16:13:38.381" v="654" actId="478"/>
-          <ac:picMkLst>
-            <pc:docMk/>
-            <pc:sldMk cId="3255652957" sldId="273"/>
-            <ac:picMk id="5" creationId="{5331785D-2CFF-B332-5634-22F0E76967B1}"/>
-          </ac:picMkLst>
-        </pc:picChg>
-        <pc:picChg chg="add mod ord">
-          <ac:chgData name="Eduardo Martín-Sonseca.Alonso" userId="044a8a39323ca9b2" providerId="LiveId" clId="{F6C200FF-B7C6-45EA-B94B-3E06CF3AB5C5}" dt="2022-10-04T16:13:45.552" v="656" actId="167"/>
-          <ac:picMkLst>
-            <pc:docMk/>
-            <pc:sldMk cId="3255652957" sldId="273"/>
-            <ac:picMk id="7" creationId="{9918761B-33B3-E228-FFDC-436D8925066F}"/>
-          </ac:picMkLst>
-        </pc:picChg>
-        <pc:cxnChg chg="add del">
-          <ac:chgData name="Eduardo Martín-Sonseca.Alonso" userId="044a8a39323ca9b2" providerId="LiveId" clId="{F6C200FF-B7C6-45EA-B94B-3E06CF3AB5C5}" dt="2022-10-04T16:05:57.679" v="590" actId="26606"/>
-          <ac:cxnSpMkLst>
-            <pc:docMk/>
-            <pc:sldMk cId="3255652957" sldId="273"/>
-            <ac:cxnSpMk id="16" creationId="{20E3A342-4D61-4E3F-AF90-1AB42AEB96CC}"/>
-          </ac:cxnSpMkLst>
-        </pc:cxnChg>
-      </pc:sldChg>
-      <pc:sldChg chg="addSp delSp modSp add del mod delAnim modAnim">
-        <pc:chgData name="Eduardo Martín-Sonseca.Alonso" userId="044a8a39323ca9b2" providerId="LiveId" clId="{F6C200FF-B7C6-45EA-B94B-3E06CF3AB5C5}" dt="2022-10-04T16:10:27.246" v="633" actId="47"/>
-        <pc:sldMkLst>
-          <pc:docMk/>
-          <pc:sldMk cId="2530738273" sldId="274"/>
-        </pc:sldMkLst>
-        <pc:spChg chg="del mod">
-          <ac:chgData name="Eduardo Martín-Sonseca.Alonso" userId="044a8a39323ca9b2" providerId="LiveId" clId="{F6C200FF-B7C6-45EA-B94B-3E06CF3AB5C5}" dt="2022-10-04T16:09:08.053" v="622" actId="478"/>
-          <ac:spMkLst>
-            <pc:docMk/>
-            <pc:sldMk cId="2530738273" sldId="274"/>
-            <ac:spMk id="2" creationId="{71AEC653-CF21-4A83-8228-4AB13A9E6A67}"/>
-          </ac:spMkLst>
-        </pc:spChg>
-        <pc:spChg chg="del">
-          <ac:chgData name="Eduardo Martín-Sonseca.Alonso" userId="044a8a39323ca9b2" providerId="LiveId" clId="{F6C200FF-B7C6-45EA-B94B-3E06CF3AB5C5}" dt="2022-10-04T16:09:25.614" v="624" actId="478"/>
-          <ac:spMkLst>
-            <pc:docMk/>
-            <pc:sldMk cId="2530738273" sldId="274"/>
-            <ac:spMk id="3" creationId="{FDA276B4-AFA8-445E-BF46-D797C1B3F0B0}"/>
-          </ac:spMkLst>
-        </pc:spChg>
-        <pc:spChg chg="add mod">
-          <ac:chgData name="Eduardo Martín-Sonseca.Alonso" userId="044a8a39323ca9b2" providerId="LiveId" clId="{F6C200FF-B7C6-45EA-B94B-3E06CF3AB5C5}" dt="2022-10-04T16:09:00.549" v="618"/>
-          <ac:spMkLst>
-            <pc:docMk/>
-            <pc:sldMk cId="2530738273" sldId="274"/>
-            <ac:spMk id="7" creationId="{84881913-8BE4-4F7E-28AC-B69F924E126C}"/>
-          </ac:spMkLst>
-        </pc:spChg>
-        <pc:spChg chg="add del mod">
-          <ac:chgData name="Eduardo Martín-Sonseca.Alonso" userId="044a8a39323ca9b2" providerId="LiveId" clId="{F6C200FF-B7C6-45EA-B94B-3E06CF3AB5C5}" dt="2022-10-04T16:09:11.384" v="623" actId="478"/>
-          <ac:spMkLst>
-            <pc:docMk/>
-            <pc:sldMk cId="2530738273" sldId="274"/>
-            <ac:spMk id="9" creationId="{AB926168-FE41-6385-9CD2-0B776A25DC22}"/>
-          </ac:spMkLst>
-        </pc:spChg>
-        <pc:spChg chg="add del mod">
-          <ac:chgData name="Eduardo Martín-Sonseca.Alonso" userId="044a8a39323ca9b2" providerId="LiveId" clId="{F6C200FF-B7C6-45EA-B94B-3E06CF3AB5C5}" dt="2022-10-04T16:09:29.793" v="625" actId="478"/>
-          <ac:spMkLst>
-            <pc:docMk/>
-            <pc:sldMk cId="2530738273" sldId="274"/>
-            <ac:spMk id="11" creationId="{42E9F455-3F80-6043-440B-FC14F8C0AAD2}"/>
-          </ac:spMkLst>
-        </pc:spChg>
-        <pc:spChg chg="add mod">
-          <ac:chgData name="Eduardo Martín-Sonseca.Alonso" userId="044a8a39323ca9b2" providerId="LiveId" clId="{F6C200FF-B7C6-45EA-B94B-3E06CF3AB5C5}" dt="2022-10-04T16:09:36.013" v="627" actId="1076"/>
-          <ac:spMkLst>
-            <pc:docMk/>
-            <pc:sldMk cId="2530738273" sldId="274"/>
-            <ac:spMk id="12" creationId="{734BC183-C3F9-4804-D84C-0E8310578236}"/>
-          </ac:spMkLst>
-        </pc:spChg>
-        <pc:picChg chg="add del mod">
-          <ac:chgData name="Eduardo Martín-Sonseca.Alonso" userId="044a8a39323ca9b2" providerId="LiveId" clId="{F6C200FF-B7C6-45EA-B94B-3E06CF3AB5C5}" dt="2022-10-04T16:08:51.405" v="617"/>
-          <ac:picMkLst>
-            <pc:docMk/>
-            <pc:sldMk cId="2530738273" sldId="274"/>
-            <ac:picMk id="4" creationId="{5FBA59B7-AEDD-0C9E-65A5-9ED4436BC3F0}"/>
-          </ac:picMkLst>
-        </pc:picChg>
-      </pc:sldChg>
-    </pc:docChg>
-  </pc:docChgLst>
-  <pc:docChgLst>
-    <pc:chgData name="Eduardo Martín-Sonseca.Alonso" userId="044a8a39323ca9b2" providerId="Windows Live" clId="Web-{BC188AD2-9AFC-4294-89AA-68D6E215ABF9}"/>
-    <pc:docChg chg="addSld">
-      <pc:chgData name="Eduardo Martín-Sonseca.Alonso" userId="044a8a39323ca9b2" providerId="Windows Live" clId="Web-{BC188AD2-9AFC-4294-89AA-68D6E215ABF9}" dt="2022-10-04T08:17:34.273" v="0"/>
-      <pc:docMkLst>
-        <pc:docMk/>
-      </pc:docMkLst>
-      <pc:sldChg chg="new">
-        <pc:chgData name="Eduardo Martín-Sonseca.Alonso" userId="044a8a39323ca9b2" providerId="Windows Live" clId="Web-{BC188AD2-9AFC-4294-89AA-68D6E215ABF9}" dt="2022-10-04T08:17:34.273" v="0"/>
-        <pc:sldMkLst>
-          <pc:docMk/>
-          <pc:sldMk cId="664690385" sldId="259"/>
-        </pc:sldMkLst>
       </pc:sldChg>
     </pc:docChg>
   </pc:docChgLst>
@@ -2783,932 +3725,6 @@
     </pc:docChg>
   </pc:docChgLst>
   <pc:docChgLst>
-    <pc:chgData name="Eduardo Martín-Sonseca.Alonso" userId="044a8a39323ca9b2" providerId="LiveId" clId="{88BFF241-8797-48AB-88EF-E6D786ABB885}"/>
-    <pc:docChg chg="undo redo custSel addSld delSld modSld addMainMaster delMainMaster">
-      <pc:chgData name="Eduardo Martín-Sonseca.Alonso" userId="044a8a39323ca9b2" providerId="LiveId" clId="{88BFF241-8797-48AB-88EF-E6D786ABB885}" dt="2022-09-28T20:02:10.459" v="942"/>
-      <pc:docMkLst>
-        <pc:docMk/>
-      </pc:docMkLst>
-      <pc:sldChg chg="addSp delSp modSp new del mod setBg modClrScheme addAnim modAnim delDesignElem chgLayout">
-        <pc:chgData name="Eduardo Martín-Sonseca.Alonso" userId="044a8a39323ca9b2" providerId="LiveId" clId="{88BFF241-8797-48AB-88EF-E6D786ABB885}" dt="2022-09-28T19:22:09.608" v="342" actId="47"/>
-        <pc:sldMkLst>
-          <pc:docMk/>
-          <pc:sldMk cId="3203069901" sldId="256"/>
-        </pc:sldMkLst>
-        <pc:spChg chg="del">
-          <ac:chgData name="Eduardo Martín-Sonseca.Alonso" userId="044a8a39323ca9b2" providerId="LiveId" clId="{88BFF241-8797-48AB-88EF-E6D786ABB885}" dt="2022-09-28T18:50:14.175" v="1" actId="478"/>
-          <ac:spMkLst>
-            <pc:docMk/>
-            <pc:sldMk cId="3203069901" sldId="256"/>
-            <ac:spMk id="2" creationId="{C7B25F8C-609D-9FB4-8E54-79F4CB0280A6}"/>
-          </ac:spMkLst>
-        </pc:spChg>
-        <pc:spChg chg="del">
-          <ac:chgData name="Eduardo Martín-Sonseca.Alonso" userId="044a8a39323ca9b2" providerId="LiveId" clId="{88BFF241-8797-48AB-88EF-E6D786ABB885}" dt="2022-09-28T18:50:16.123" v="2" actId="478"/>
-          <ac:spMkLst>
-            <pc:docMk/>
-            <pc:sldMk cId="3203069901" sldId="256"/>
-            <ac:spMk id="3" creationId="{A6503D79-33B5-6565-A6E2-C0ADCF517B56}"/>
-          </ac:spMkLst>
-        </pc:spChg>
-        <pc:spChg chg="add del mod">
-          <ac:chgData name="Eduardo Martín-Sonseca.Alonso" userId="044a8a39323ca9b2" providerId="LiveId" clId="{88BFF241-8797-48AB-88EF-E6D786ABB885}" dt="2022-09-28T18:50:22.853" v="4"/>
-          <ac:spMkLst>
-            <pc:docMk/>
-            <pc:sldMk cId="3203069901" sldId="256"/>
-            <ac:spMk id="4" creationId="{09FDE277-7A67-1DEC-049A-84B8F3D62698}"/>
-          </ac:spMkLst>
-        </pc:spChg>
-        <pc:spChg chg="add del mod">
-          <ac:chgData name="Eduardo Martín-Sonseca.Alonso" userId="044a8a39323ca9b2" providerId="LiveId" clId="{88BFF241-8797-48AB-88EF-E6D786ABB885}" dt="2022-09-28T18:50:22.853" v="4"/>
-          <ac:spMkLst>
-            <pc:docMk/>
-            <pc:sldMk cId="3203069901" sldId="256"/>
-            <ac:spMk id="5" creationId="{333A11B7-F8A5-41F2-FA97-E74CB5A4BA2A}"/>
-          </ac:spMkLst>
-        </pc:spChg>
-        <pc:spChg chg="add mod ord">
-          <ac:chgData name="Eduardo Martín-Sonseca.Alonso" userId="044a8a39323ca9b2" providerId="LiveId" clId="{88BFF241-8797-48AB-88EF-E6D786ABB885}" dt="2022-09-28T19:12:23.847" v="174" actId="14100"/>
-          <ac:spMkLst>
-            <pc:docMk/>
-            <pc:sldMk cId="3203069901" sldId="256"/>
-            <ac:spMk id="8" creationId="{7B01A2E4-7837-E800-8762-E4F7322AB6D7}"/>
-          </ac:spMkLst>
-        </pc:spChg>
-        <pc:spChg chg="add del mod">
-          <ac:chgData name="Eduardo Martín-Sonseca.Alonso" userId="044a8a39323ca9b2" providerId="LiveId" clId="{88BFF241-8797-48AB-88EF-E6D786ABB885}" dt="2022-09-28T19:10:24.303" v="138" actId="478"/>
-          <ac:spMkLst>
-            <pc:docMk/>
-            <pc:sldMk cId="3203069901" sldId="256"/>
-            <ac:spMk id="9" creationId="{0C2BA46B-08DB-1813-66CD-90EAD0BC00BC}"/>
-          </ac:spMkLst>
-        </pc:spChg>
-        <pc:spChg chg="add del mod">
-          <ac:chgData name="Eduardo Martín-Sonseca.Alonso" userId="044a8a39323ca9b2" providerId="LiveId" clId="{88BFF241-8797-48AB-88EF-E6D786ABB885}" dt="2022-09-28T19:11:49.222" v="168"/>
-          <ac:spMkLst>
-            <pc:docMk/>
-            <pc:sldMk cId="3203069901" sldId="256"/>
-            <ac:spMk id="10" creationId="{ED5AE082-687D-25F1-9757-5355CDC06888}"/>
-          </ac:spMkLst>
-        </pc:spChg>
-        <pc:spChg chg="add del">
-          <ac:chgData name="Eduardo Martín-Sonseca.Alonso" userId="044a8a39323ca9b2" providerId="LiveId" clId="{88BFF241-8797-48AB-88EF-E6D786ABB885}" dt="2022-09-28T19:21:23.422" v="338"/>
-          <ac:spMkLst>
-            <pc:docMk/>
-            <pc:sldMk cId="3203069901" sldId="256"/>
-            <ac:spMk id="12" creationId="{A5F57220-B3BC-40FE-9FA8-28584D25CCCA}"/>
-          </ac:spMkLst>
-        </pc:spChg>
-        <pc:spChg chg="add mod">
-          <ac:chgData name="Eduardo Martín-Sonseca.Alonso" userId="044a8a39323ca9b2" providerId="LiveId" clId="{88BFF241-8797-48AB-88EF-E6D786ABB885}" dt="2022-09-28T19:21:23.680" v="339" actId="27636"/>
-          <ac:spMkLst>
-            <pc:docMk/>
-            <pc:sldMk cId="3203069901" sldId="256"/>
-            <ac:spMk id="16" creationId="{9CB23522-01C4-E94F-14D4-E800D7EC1C96}"/>
-          </ac:spMkLst>
-        </pc:spChg>
-        <pc:spChg chg="add del">
-          <ac:chgData name="Eduardo Martín-Sonseca.Alonso" userId="044a8a39323ca9b2" providerId="LiveId" clId="{88BFF241-8797-48AB-88EF-E6D786ABB885}" dt="2022-09-28T19:10:32.505" v="139" actId="26606"/>
-          <ac:spMkLst>
-            <pc:docMk/>
-            <pc:sldMk cId="3203069901" sldId="256"/>
-            <ac:spMk id="17" creationId="{78E81931-EC11-4433-BB7B-ED42BAA2441E}"/>
-          </ac:spMkLst>
-        </pc:spChg>
-        <pc:spChg chg="add del">
-          <ac:chgData name="Eduardo Martín-Sonseca.Alonso" userId="044a8a39323ca9b2" providerId="LiveId" clId="{88BFF241-8797-48AB-88EF-E6D786ABB885}" dt="2022-09-28T19:10:32.505" v="139" actId="26606"/>
-          <ac:spMkLst>
-            <pc:docMk/>
-            <pc:sldMk cId="3203069901" sldId="256"/>
-            <ac:spMk id="19" creationId="{F35BC353-549C-47DC-9732-7E6961372840}"/>
-          </ac:spMkLst>
-        </pc:spChg>
-        <pc:spChg chg="add del">
-          <ac:chgData name="Eduardo Martín-Sonseca.Alonso" userId="044a8a39323ca9b2" providerId="LiveId" clId="{88BFF241-8797-48AB-88EF-E6D786ABB885}" dt="2022-09-28T19:10:43.873" v="141" actId="700"/>
-          <ac:spMkLst>
-            <pc:docMk/>
-            <pc:sldMk cId="3203069901" sldId="256"/>
-            <ac:spMk id="28" creationId="{7DA3C418-758E-4180-A5D0-8655D6804587}"/>
-          </ac:spMkLst>
-        </pc:spChg>
-        <pc:spChg chg="add del">
-          <ac:chgData name="Eduardo Martín-Sonseca.Alonso" userId="044a8a39323ca9b2" providerId="LiveId" clId="{88BFF241-8797-48AB-88EF-E6D786ABB885}" dt="2022-09-28T19:10:43.873" v="141" actId="700"/>
-          <ac:spMkLst>
-            <pc:docMk/>
-            <pc:sldMk cId="3203069901" sldId="256"/>
-            <ac:spMk id="30" creationId="{28C8EF06-5EC3-4883-AFAF-D74FF46550FB}"/>
-          </ac:spMkLst>
-        </pc:spChg>
-        <pc:picChg chg="add del mod ord">
-          <ac:chgData name="Eduardo Martín-Sonseca.Alonso" userId="044a8a39323ca9b2" providerId="LiveId" clId="{88BFF241-8797-48AB-88EF-E6D786ABB885}" dt="2022-09-28T19:12:08.233" v="169" actId="26606"/>
-          <ac:picMkLst>
-            <pc:docMk/>
-            <pc:sldMk cId="3203069901" sldId="256"/>
-            <ac:picMk id="7" creationId="{47942CDF-7C22-CCE9-2BE3-65E7FB750783}"/>
-          </ac:picMkLst>
-        </pc:picChg>
-        <pc:picChg chg="add del">
-          <ac:chgData name="Eduardo Martín-Sonseca.Alonso" userId="044a8a39323ca9b2" providerId="LiveId" clId="{88BFF241-8797-48AB-88EF-E6D786ABB885}" dt="2022-09-28T19:10:32.505" v="139" actId="26606"/>
-          <ac:picMkLst>
-            <pc:docMk/>
-            <pc:sldMk cId="3203069901" sldId="256"/>
-            <ac:picMk id="13" creationId="{DEB2E8C4-C3E7-4048-A43D-9859510CFA98}"/>
-          </ac:picMkLst>
-        </pc:picChg>
-        <pc:picChg chg="add del">
-          <ac:chgData name="Eduardo Martín-Sonseca.Alonso" userId="044a8a39323ca9b2" providerId="LiveId" clId="{88BFF241-8797-48AB-88EF-E6D786ABB885}" dt="2022-09-28T19:10:43.873" v="141" actId="700"/>
-          <ac:picMkLst>
-            <pc:docMk/>
-            <pc:sldMk cId="3203069901" sldId="256"/>
-            <ac:picMk id="24" creationId="{DEB2E8C4-C3E7-4048-A43D-9859510CFA98}"/>
-          </ac:picMkLst>
-        </pc:picChg>
-        <pc:inkChg chg="add del">
-          <ac:chgData name="Eduardo Martín-Sonseca.Alonso" userId="044a8a39323ca9b2" providerId="LiveId" clId="{88BFF241-8797-48AB-88EF-E6D786ABB885}" dt="2022-09-28T19:10:32.505" v="139" actId="26606"/>
-          <ac:inkMkLst>
-            <pc:docMk/>
-            <pc:sldMk cId="3203069901" sldId="256"/>
-            <ac:inkMk id="15" creationId="{24D29CCB-7956-4E3E-8880-304085F04BF4}"/>
-          </ac:inkMkLst>
-        </pc:inkChg>
-        <pc:inkChg chg="add del">
-          <ac:chgData name="Eduardo Martín-Sonseca.Alonso" userId="044a8a39323ca9b2" providerId="LiveId" clId="{88BFF241-8797-48AB-88EF-E6D786ABB885}" dt="2022-09-28T19:10:43.873" v="141" actId="700"/>
-          <ac:inkMkLst>
-            <pc:docMk/>
-            <pc:sldMk cId="3203069901" sldId="256"/>
-            <ac:inkMk id="26" creationId="{24D29CCB-7956-4E3E-8880-304085F04BF4}"/>
-          </ac:inkMkLst>
-        </pc:inkChg>
-        <pc:cxnChg chg="add del">
-          <ac:chgData name="Eduardo Martín-Sonseca.Alonso" userId="044a8a39323ca9b2" providerId="LiveId" clId="{88BFF241-8797-48AB-88EF-E6D786ABB885}" dt="2022-09-28T19:21:23.422" v="338"/>
-          <ac:cxnSpMkLst>
-            <pc:docMk/>
-            <pc:sldMk cId="3203069901" sldId="256"/>
-            <ac:cxnSpMk id="11" creationId="{C66CC717-08C5-4F3E-B8AA-BA93C8755982}"/>
-          </ac:cxnSpMkLst>
-        </pc:cxnChg>
-        <pc:cxnChg chg="add del">
-          <ac:chgData name="Eduardo Martín-Sonseca.Alonso" userId="044a8a39323ca9b2" providerId="LiveId" clId="{88BFF241-8797-48AB-88EF-E6D786ABB885}" dt="2022-09-28T19:21:23.422" v="338"/>
-          <ac:cxnSpMkLst>
-            <pc:docMk/>
-            <pc:sldMk cId="3203069901" sldId="256"/>
-            <ac:cxnSpMk id="14" creationId="{E162CD6F-E89D-4CC2-BA38-20EB86002FDE}"/>
-          </ac:cxnSpMkLst>
-        </pc:cxnChg>
-      </pc:sldChg>
-      <pc:sldChg chg="addSp delSp modSp new mod modClrScheme modAnim chgLayout">
-        <pc:chgData name="Eduardo Martín-Sonseca.Alonso" userId="044a8a39323ca9b2" providerId="LiveId" clId="{88BFF241-8797-48AB-88EF-E6D786ABB885}" dt="2022-09-28T20:02:10.459" v="942"/>
-        <pc:sldMkLst>
-          <pc:docMk/>
-          <pc:sldMk cId="2184046427" sldId="257"/>
-        </pc:sldMkLst>
-        <pc:spChg chg="del mod">
-          <ac:chgData name="Eduardo Martín-Sonseca.Alonso" userId="044a8a39323ca9b2" providerId="LiveId" clId="{88BFF241-8797-48AB-88EF-E6D786ABB885}" dt="2022-09-28T19:13:43.343" v="212" actId="478"/>
-          <ac:spMkLst>
-            <pc:docMk/>
-            <pc:sldMk cId="2184046427" sldId="257"/>
-            <ac:spMk id="2" creationId="{5D13E32D-A6D9-AC0E-AD1A-22F546802E47}"/>
-          </ac:spMkLst>
-        </pc:spChg>
-        <pc:spChg chg="add del mod">
-          <ac:chgData name="Eduardo Martín-Sonseca.Alonso" userId="044a8a39323ca9b2" providerId="LiveId" clId="{88BFF241-8797-48AB-88EF-E6D786ABB885}" dt="2022-09-28T19:13:45.697" v="213" actId="478"/>
-          <ac:spMkLst>
-            <pc:docMk/>
-            <pc:sldMk cId="2184046427" sldId="257"/>
-            <ac:spMk id="4" creationId="{44C974EA-E93E-E8E4-9AE3-98D1510F960F}"/>
-          </ac:spMkLst>
-        </pc:spChg>
-        <pc:spChg chg="add mod">
-          <ac:chgData name="Eduardo Martín-Sonseca.Alonso" userId="044a8a39323ca9b2" providerId="LiveId" clId="{88BFF241-8797-48AB-88EF-E6D786ABB885}" dt="2022-09-28T19:21:23.422" v="338"/>
-          <ac:spMkLst>
-            <pc:docMk/>
-            <pc:sldMk cId="2184046427" sldId="257"/>
-            <ac:spMk id="5" creationId="{735C47E6-0F39-ABD2-5F8B-9E2AF1475672}"/>
-          </ac:spMkLst>
-        </pc:spChg>
-        <pc:spChg chg="add mod">
-          <ac:chgData name="Eduardo Martín-Sonseca.Alonso" userId="044a8a39323ca9b2" providerId="LiveId" clId="{88BFF241-8797-48AB-88EF-E6D786ABB885}" dt="2022-09-28T20:00:16.166" v="931" actId="34135"/>
-          <ac:spMkLst>
-            <pc:docMk/>
-            <pc:sldMk cId="2184046427" sldId="257"/>
-            <ac:spMk id="6" creationId="{23EA851E-911E-D6AE-A5CA-E1EEE508B5AB}"/>
-          </ac:spMkLst>
-        </pc:spChg>
-        <pc:spChg chg="add del mod">
-          <ac:chgData name="Eduardo Martín-Sonseca.Alonso" userId="044a8a39323ca9b2" providerId="LiveId" clId="{88BFF241-8797-48AB-88EF-E6D786ABB885}" dt="2022-09-28T19:29:29.531" v="529" actId="478"/>
-          <ac:spMkLst>
-            <pc:docMk/>
-            <pc:sldMk cId="2184046427" sldId="257"/>
-            <ac:spMk id="8" creationId="{9D6B815F-EAC8-B4FE-AE05-E84A5BC82D80}"/>
-          </ac:spMkLst>
-        </pc:spChg>
-        <pc:spChg chg="add mod">
-          <ac:chgData name="Eduardo Martín-Sonseca.Alonso" userId="044a8a39323ca9b2" providerId="LiveId" clId="{88BFF241-8797-48AB-88EF-E6D786ABB885}" dt="2022-09-28T20:00:18.926" v="932" actId="34135"/>
-          <ac:spMkLst>
-            <pc:docMk/>
-            <pc:sldMk cId="2184046427" sldId="257"/>
-            <ac:spMk id="9" creationId="{8DFBFE72-FC60-CEFE-8704-4DD15A709559}"/>
-          </ac:spMkLst>
-        </pc:spChg>
-        <pc:spChg chg="add mod">
-          <ac:chgData name="Eduardo Martín-Sonseca.Alonso" userId="044a8a39323ca9b2" providerId="LiveId" clId="{88BFF241-8797-48AB-88EF-E6D786ABB885}" dt="2022-09-28T20:00:23.155" v="933" actId="34135"/>
-          <ac:spMkLst>
-            <pc:docMk/>
-            <pc:sldMk cId="2184046427" sldId="257"/>
-            <ac:spMk id="10" creationId="{49107AB4-257A-B52B-0520-7FF3845C71E9}"/>
-          </ac:spMkLst>
-        </pc:spChg>
-        <pc:spChg chg="add mod">
-          <ac:chgData name="Eduardo Martín-Sonseca.Alonso" userId="044a8a39323ca9b2" providerId="LiveId" clId="{88BFF241-8797-48AB-88EF-E6D786ABB885}" dt="2022-09-28T20:00:07.899" v="929" actId="34135"/>
-          <ac:spMkLst>
-            <pc:docMk/>
-            <pc:sldMk cId="2184046427" sldId="257"/>
-            <ac:spMk id="11" creationId="{1B3C84AF-DA8D-3D79-5A25-5245E1F91BF6}"/>
-          </ac:spMkLst>
-        </pc:spChg>
-        <pc:spChg chg="add mod">
-          <ac:chgData name="Eduardo Martín-Sonseca.Alonso" userId="044a8a39323ca9b2" providerId="LiveId" clId="{88BFF241-8797-48AB-88EF-E6D786ABB885}" dt="2022-09-28T20:00:12.407" v="930" actId="34135"/>
-          <ac:spMkLst>
-            <pc:docMk/>
-            <pc:sldMk cId="2184046427" sldId="257"/>
-            <ac:spMk id="12" creationId="{F8CF3850-7061-B2CA-5F39-D687B24AB999}"/>
-          </ac:spMkLst>
-        </pc:spChg>
-        <pc:spChg chg="add del mod">
-          <ac:chgData name="Eduardo Martín-Sonseca.Alonso" userId="044a8a39323ca9b2" providerId="LiveId" clId="{88BFF241-8797-48AB-88EF-E6D786ABB885}" dt="2022-09-28T19:58:56.330" v="923" actId="34135"/>
-          <ac:spMkLst>
-            <pc:docMk/>
-            <pc:sldMk cId="2184046427" sldId="257"/>
-            <ac:spMk id="13" creationId="{91653C34-046D-11DD-8BC9-EBC5373C9EBE}"/>
-          </ac:spMkLst>
-        </pc:spChg>
-        <pc:spChg chg="add del mod">
-          <ac:chgData name="Eduardo Martín-Sonseca.Alonso" userId="044a8a39323ca9b2" providerId="LiveId" clId="{88BFF241-8797-48AB-88EF-E6D786ABB885}" dt="2022-09-28T19:42:35.933" v="804"/>
-          <ac:spMkLst>
-            <pc:docMk/>
-            <pc:sldMk cId="2184046427" sldId="257"/>
-            <ac:spMk id="14" creationId="{83551F04-CBD9-8F9A-1857-5EF5DFB422D0}"/>
-          </ac:spMkLst>
-        </pc:spChg>
-      </pc:sldChg>
-      <pc:sldChg chg="addSp delSp modSp new mod">
-        <pc:chgData name="Eduardo Martín-Sonseca.Alonso" userId="044a8a39323ca9b2" providerId="LiveId" clId="{88BFF241-8797-48AB-88EF-E6D786ABB885}" dt="2022-09-28T19:58:44.966" v="922" actId="34135"/>
-        <pc:sldMkLst>
-          <pc:docMk/>
-          <pc:sldMk cId="1479924629" sldId="258"/>
-        </pc:sldMkLst>
-        <pc:spChg chg="mod">
-          <ac:chgData name="Eduardo Martín-Sonseca.Alonso" userId="044a8a39323ca9b2" providerId="LiveId" clId="{88BFF241-8797-48AB-88EF-E6D786ABB885}" dt="2022-09-28T19:22:20.993" v="358" actId="20577"/>
-          <ac:spMkLst>
-            <pc:docMk/>
-            <pc:sldMk cId="1479924629" sldId="258"/>
-            <ac:spMk id="2" creationId="{ED99DBDA-B49D-9CE5-B7A0-3B4E389D673C}"/>
-          </ac:spMkLst>
-        </pc:spChg>
-        <pc:spChg chg="del mod">
-          <ac:chgData name="Eduardo Martín-Sonseca.Alonso" userId="044a8a39323ca9b2" providerId="LiveId" clId="{88BFF241-8797-48AB-88EF-E6D786ABB885}" dt="2022-09-28T19:57:29.989" v="908" actId="478"/>
-          <ac:spMkLst>
-            <pc:docMk/>
-            <pc:sldMk cId="1479924629" sldId="258"/>
-            <ac:spMk id="3" creationId="{7C3E41D4-6C35-52A7-C2AA-793C4B03620E}"/>
-          </ac:spMkLst>
-        </pc:spChg>
-        <pc:spChg chg="add del mod">
-          <ac:chgData name="Eduardo Martín-Sonseca.Alonso" userId="044a8a39323ca9b2" providerId="LiveId" clId="{88BFF241-8797-48AB-88EF-E6D786ABB885}" dt="2022-09-28T19:57:28.804" v="907"/>
-          <ac:spMkLst>
-            <pc:docMk/>
-            <pc:sldMk cId="1479924629" sldId="258"/>
-            <ac:spMk id="4" creationId="{4B885A8F-F936-CFDF-2450-170AA22E9170}"/>
-          </ac:spMkLst>
-        </pc:spChg>
-        <pc:spChg chg="add mod">
-          <ac:chgData name="Eduardo Martín-Sonseca.Alonso" userId="044a8a39323ca9b2" providerId="LiveId" clId="{88BFF241-8797-48AB-88EF-E6D786ABB885}" dt="2022-09-28T19:57:29.989" v="908" actId="478"/>
-          <ac:spMkLst>
-            <pc:docMk/>
-            <pc:sldMk cId="1479924629" sldId="258"/>
-            <ac:spMk id="6" creationId="{FFE44297-5AAD-CA6F-4064-C2621A1C9AF8}"/>
-          </ac:spMkLst>
-        </pc:spChg>
-        <pc:spChg chg="add mod">
-          <ac:chgData name="Eduardo Martín-Sonseca.Alonso" userId="044a8a39323ca9b2" providerId="LiveId" clId="{88BFF241-8797-48AB-88EF-E6D786ABB885}" dt="2022-09-28T19:58:44.966" v="922" actId="34135"/>
-          <ac:spMkLst>
-            <pc:docMk/>
-            <pc:sldMk cId="1479924629" sldId="258"/>
-            <ac:spMk id="7" creationId="{5B41D51C-D08B-3EFA-1F77-001EE791B2E3}"/>
-          </ac:spMkLst>
-        </pc:spChg>
-      </pc:sldChg>
-      <pc:sldChg chg="addSp delSp modSp new mod setBg">
-        <pc:chgData name="Eduardo Martín-Sonseca.Alonso" userId="044a8a39323ca9b2" providerId="LiveId" clId="{88BFF241-8797-48AB-88EF-E6D786ABB885}" dt="2022-09-28T19:59:06.824" v="924" actId="34135"/>
-        <pc:sldMkLst>
-          <pc:docMk/>
-          <pc:sldMk cId="811467687" sldId="259"/>
-        </pc:sldMkLst>
-        <pc:spChg chg="mod">
-          <ac:chgData name="Eduardo Martín-Sonseca.Alonso" userId="044a8a39323ca9b2" providerId="LiveId" clId="{88BFF241-8797-48AB-88EF-E6D786ABB885}" dt="2022-09-28T19:54:33.513" v="857" actId="26606"/>
-          <ac:spMkLst>
-            <pc:docMk/>
-            <pc:sldMk cId="811467687" sldId="259"/>
-            <ac:spMk id="2" creationId="{0458FCD4-2349-82D1-53D7-CD238760EBC8}"/>
-          </ac:spMkLst>
-        </pc:spChg>
-        <pc:spChg chg="add del">
-          <ac:chgData name="Eduardo Martín-Sonseca.Alonso" userId="044a8a39323ca9b2" providerId="LiveId" clId="{88BFF241-8797-48AB-88EF-E6D786ABB885}" dt="2022-09-28T19:54:33.513" v="857" actId="26606"/>
-          <ac:spMkLst>
-            <pc:docMk/>
-            <pc:sldMk cId="811467687" sldId="259"/>
-            <ac:spMk id="3" creationId="{6B461CBF-6D58-C9FF-0E94-1476763DCE14}"/>
-          </ac:spMkLst>
-        </pc:spChg>
-        <pc:spChg chg="add del mod">
-          <ac:chgData name="Eduardo Martín-Sonseca.Alonso" userId="044a8a39323ca9b2" providerId="LiveId" clId="{88BFF241-8797-48AB-88EF-E6D786ABB885}" dt="2022-09-28T19:57:48.943" v="912" actId="478"/>
-          <ac:spMkLst>
-            <pc:docMk/>
-            <pc:sldMk cId="811467687" sldId="259"/>
-            <ac:spMk id="4" creationId="{8BA1FEC3-CA9A-7AD0-A7D1-C0D1AC41716C}"/>
-          </ac:spMkLst>
-        </pc:spChg>
-        <pc:spChg chg="add del mod">
-          <ac:chgData name="Eduardo Martín-Sonseca.Alonso" userId="044a8a39323ca9b2" providerId="LiveId" clId="{88BFF241-8797-48AB-88EF-E6D786ABB885}" dt="2022-09-28T19:41:42.186" v="780"/>
-          <ac:spMkLst>
-            <pc:docMk/>
-            <pc:sldMk cId="811467687" sldId="259"/>
-            <ac:spMk id="5" creationId="{AA48DF43-8FE2-E4B4-D6BF-3B3B8127AF9E}"/>
-          </ac:spMkLst>
-        </pc:spChg>
-        <pc:spChg chg="add del mod">
-          <ac:chgData name="Eduardo Martín-Sonseca.Alonso" userId="044a8a39323ca9b2" providerId="LiveId" clId="{88BFF241-8797-48AB-88EF-E6D786ABB885}" dt="2022-09-28T19:42:35.714" v="796"/>
-          <ac:spMkLst>
-            <pc:docMk/>
-            <pc:sldMk cId="811467687" sldId="259"/>
-            <ac:spMk id="6" creationId="{20D33E9D-4787-B796-1D39-4D9B5BC42880}"/>
-          </ac:spMkLst>
-        </pc:spChg>
-        <pc:spChg chg="add del mod">
-          <ac:chgData name="Eduardo Martín-Sonseca.Alonso" userId="044a8a39323ca9b2" providerId="LiveId" clId="{88BFF241-8797-48AB-88EF-E6D786ABB885}" dt="2022-09-28T19:57:43.336" v="911" actId="478"/>
-          <ac:spMkLst>
-            <pc:docMk/>
-            <pc:sldMk cId="811467687" sldId="259"/>
-            <ac:spMk id="7" creationId="{3837D85F-3EC2-5F2F-D4FA-B758953DF791}"/>
-          </ac:spMkLst>
-        </pc:spChg>
-        <pc:spChg chg="add mod">
-          <ac:chgData name="Eduardo Martín-Sonseca.Alonso" userId="044a8a39323ca9b2" providerId="LiveId" clId="{88BFF241-8797-48AB-88EF-E6D786ABB885}" dt="2022-09-28T19:59:06.824" v="924" actId="34135"/>
-          <ac:spMkLst>
-            <pc:docMk/>
-            <pc:sldMk cId="811467687" sldId="259"/>
-            <ac:spMk id="9" creationId="{47E1B43A-98F5-144F-171C-92EF9B1579DB}"/>
-          </ac:spMkLst>
-        </pc:spChg>
-        <pc:spChg chg="add del">
-          <ac:chgData name="Eduardo Martín-Sonseca.Alonso" userId="044a8a39323ca9b2" providerId="LiveId" clId="{88BFF241-8797-48AB-88EF-E6D786ABB885}" dt="2022-09-28T19:54:33.513" v="857" actId="26606"/>
-          <ac:spMkLst>
-            <pc:docMk/>
-            <pc:sldMk cId="811467687" sldId="259"/>
-            <ac:spMk id="11" creationId="{A3363022-C969-41E9-8EB2-E4C94908C1FA}"/>
-          </ac:spMkLst>
-        </pc:spChg>
-        <pc:spChg chg="add del">
-          <ac:chgData name="Eduardo Martín-Sonseca.Alonso" userId="044a8a39323ca9b2" providerId="LiveId" clId="{88BFF241-8797-48AB-88EF-E6D786ABB885}" dt="2022-09-28T19:54:33.513" v="857" actId="26606"/>
-          <ac:spMkLst>
-            <pc:docMk/>
-            <pc:sldMk cId="811467687" sldId="259"/>
-            <ac:spMk id="13" creationId="{8D1AD6B3-BE88-4CEB-BA17-790657CC4729}"/>
-          </ac:spMkLst>
-        </pc:spChg>
-        <pc:spChg chg="add del">
-          <ac:chgData name="Eduardo Martín-Sonseca.Alonso" userId="044a8a39323ca9b2" providerId="LiveId" clId="{88BFF241-8797-48AB-88EF-E6D786ABB885}" dt="2022-09-28T19:54:33.153" v="856" actId="26606"/>
-          <ac:spMkLst>
-            <pc:docMk/>
-            <pc:sldMk cId="811467687" sldId="259"/>
-            <ac:spMk id="23" creationId="{91F32EBA-ED97-466E-8CFA-8382584155D0}"/>
-          </ac:spMkLst>
-        </pc:spChg>
-        <pc:spChg chg="add del">
-          <ac:chgData name="Eduardo Martín-Sonseca.Alonso" userId="044a8a39323ca9b2" providerId="LiveId" clId="{88BFF241-8797-48AB-88EF-E6D786ABB885}" dt="2022-09-28T19:54:33.153" v="856" actId="26606"/>
-          <ac:spMkLst>
-            <pc:docMk/>
-            <pc:sldMk cId="811467687" sldId="259"/>
-            <ac:spMk id="25" creationId="{62A38935-BB53-4DF7-A56E-48DD25B685D7}"/>
-          </ac:spMkLst>
-        </pc:spChg>
-        <pc:grpChg chg="add del">
-          <ac:chgData name="Eduardo Martín-Sonseca.Alonso" userId="044a8a39323ca9b2" providerId="LiveId" clId="{88BFF241-8797-48AB-88EF-E6D786ABB885}" dt="2022-09-28T19:54:33.513" v="857" actId="26606"/>
-          <ac:grpSpMkLst>
-            <pc:docMk/>
-            <pc:sldMk cId="811467687" sldId="259"/>
-            <ac:grpSpMk id="15" creationId="{89D1390B-7E13-4B4F-9CB2-391063412E54}"/>
-          </ac:grpSpMkLst>
-        </pc:grpChg>
-        <pc:picChg chg="add del mod ord">
-          <ac:chgData name="Eduardo Martín-Sonseca.Alonso" userId="044a8a39323ca9b2" providerId="LiveId" clId="{88BFF241-8797-48AB-88EF-E6D786ABB885}" dt="2022-09-28T19:54:33.513" v="857" actId="26606"/>
-          <ac:picMkLst>
-            <pc:docMk/>
-            <pc:sldMk cId="811467687" sldId="259"/>
-            <ac:picMk id="8" creationId="{B6F9C9BC-1313-BDE6-589E-7A4423113455}"/>
-          </ac:picMkLst>
-        </pc:picChg>
-      </pc:sldChg>
-      <pc:sldChg chg="addSp delSp modSp new mod setBg">
-        <pc:chgData name="Eduardo Martín-Sonseca.Alonso" userId="044a8a39323ca9b2" providerId="LiveId" clId="{88BFF241-8797-48AB-88EF-E6D786ABB885}" dt="2022-09-28T19:59:14.499" v="925" actId="34135"/>
-        <pc:sldMkLst>
-          <pc:docMk/>
-          <pc:sldMk cId="2467411564" sldId="260"/>
-        </pc:sldMkLst>
-        <pc:spChg chg="mod">
-          <ac:chgData name="Eduardo Martín-Sonseca.Alonso" userId="044a8a39323ca9b2" providerId="LiveId" clId="{88BFF241-8797-48AB-88EF-E6D786ABB885}" dt="2022-09-28T19:54:20.503" v="854" actId="26606"/>
-          <ac:spMkLst>
-            <pc:docMk/>
-            <pc:sldMk cId="2467411564" sldId="260"/>
-            <ac:spMk id="2" creationId="{500DE41D-3EC7-4D50-E094-11D19C60413E}"/>
-          </ac:spMkLst>
-        </pc:spChg>
-        <pc:spChg chg="add del">
-          <ac:chgData name="Eduardo Martín-Sonseca.Alonso" userId="044a8a39323ca9b2" providerId="LiveId" clId="{88BFF241-8797-48AB-88EF-E6D786ABB885}" dt="2022-09-28T19:54:20.503" v="854" actId="26606"/>
-          <ac:spMkLst>
-            <pc:docMk/>
-            <pc:sldMk cId="2467411564" sldId="260"/>
-            <ac:spMk id="3" creationId="{199DEBE5-CFD3-C05E-8FA7-CFE65C69B5C5}"/>
-          </ac:spMkLst>
-        </pc:spChg>
-        <pc:spChg chg="add del mod">
-          <ac:chgData name="Eduardo Martín-Sonseca.Alonso" userId="044a8a39323ca9b2" providerId="LiveId" clId="{88BFF241-8797-48AB-88EF-E6D786ABB885}" dt="2022-09-28T19:57:57.793" v="914" actId="478"/>
-          <ac:spMkLst>
-            <pc:docMk/>
-            <pc:sldMk cId="2467411564" sldId="260"/>
-            <ac:spMk id="4" creationId="{35551174-B175-4C14-3571-EE7AA57814B0}"/>
-          </ac:spMkLst>
-        </pc:spChg>
-        <pc:spChg chg="add mod">
-          <ac:chgData name="Eduardo Martín-Sonseca.Alonso" userId="044a8a39323ca9b2" providerId="LiveId" clId="{88BFF241-8797-48AB-88EF-E6D786ABB885}" dt="2022-09-28T19:59:14.499" v="925" actId="34135"/>
-          <ac:spMkLst>
-            <pc:docMk/>
-            <pc:sldMk cId="2467411564" sldId="260"/>
-            <ac:spMk id="5" creationId="{56E24846-6110-797A-647B-AA43F162DD04}"/>
-          </ac:spMkLst>
-        </pc:spChg>
-        <pc:spChg chg="add del">
-          <ac:chgData name="Eduardo Martín-Sonseca.Alonso" userId="044a8a39323ca9b2" providerId="LiveId" clId="{88BFF241-8797-48AB-88EF-E6D786ABB885}" dt="2022-09-28T19:54:20.503" v="854" actId="26606"/>
-          <ac:spMkLst>
-            <pc:docMk/>
-            <pc:sldMk cId="2467411564" sldId="260"/>
-            <ac:spMk id="9" creationId="{787F4F1C-8D3D-4EC1-B72D-A0470A5A08B8}"/>
-          </ac:spMkLst>
-        </pc:spChg>
-        <pc:grpChg chg="add del">
-          <ac:chgData name="Eduardo Martín-Sonseca.Alonso" userId="044a8a39323ca9b2" providerId="LiveId" clId="{88BFF241-8797-48AB-88EF-E6D786ABB885}" dt="2022-09-28T19:54:20.503" v="854" actId="26606"/>
-          <ac:grpSpMkLst>
-            <pc:docMk/>
-            <pc:sldMk cId="2467411564" sldId="260"/>
-            <ac:grpSpMk id="11" creationId="{D1E3DD61-64DB-46AD-B249-E273CD86B051}"/>
-          </ac:grpSpMkLst>
-        </pc:grpChg>
-      </pc:sldChg>
-      <pc:sldChg chg="addSp delSp modSp new mod">
-        <pc:chgData name="Eduardo Martín-Sonseca.Alonso" userId="044a8a39323ca9b2" providerId="LiveId" clId="{88BFF241-8797-48AB-88EF-E6D786ABB885}" dt="2022-09-28T19:59:20.483" v="926" actId="34135"/>
-        <pc:sldMkLst>
-          <pc:docMk/>
-          <pc:sldMk cId="1395609140" sldId="261"/>
-        </pc:sldMkLst>
-        <pc:spChg chg="mod">
-          <ac:chgData name="Eduardo Martín-Sonseca.Alonso" userId="044a8a39323ca9b2" providerId="LiveId" clId="{88BFF241-8797-48AB-88EF-E6D786ABB885}" dt="2022-09-28T19:26:48.267" v="464" actId="20577"/>
-          <ac:spMkLst>
-            <pc:docMk/>
-            <pc:sldMk cId="1395609140" sldId="261"/>
-            <ac:spMk id="2" creationId="{546FDB38-B45A-B55B-5913-C099453C4EB3}"/>
-          </ac:spMkLst>
-        </pc:spChg>
-        <pc:spChg chg="add del mod">
-          <ac:chgData name="Eduardo Martín-Sonseca.Alonso" userId="044a8a39323ca9b2" providerId="LiveId" clId="{88BFF241-8797-48AB-88EF-E6D786ABB885}" dt="2022-09-28T19:58:07.142" v="916" actId="478"/>
-          <ac:spMkLst>
-            <pc:docMk/>
-            <pc:sldMk cId="1395609140" sldId="261"/>
-            <ac:spMk id="4" creationId="{BA7C6D83-07F6-6F1C-9E02-F7785FA13A2D}"/>
-          </ac:spMkLst>
-        </pc:spChg>
-        <pc:spChg chg="add mod">
-          <ac:chgData name="Eduardo Martín-Sonseca.Alonso" userId="044a8a39323ca9b2" providerId="LiveId" clId="{88BFF241-8797-48AB-88EF-E6D786ABB885}" dt="2022-09-28T19:59:20.483" v="926" actId="34135"/>
-          <ac:spMkLst>
-            <pc:docMk/>
-            <pc:sldMk cId="1395609140" sldId="261"/>
-            <ac:spMk id="5" creationId="{84FAB4ED-9776-C6FF-9372-A83D99FCA231}"/>
-          </ac:spMkLst>
-        </pc:spChg>
-      </pc:sldChg>
-      <pc:sldChg chg="addSp delSp modSp new mod">
-        <pc:chgData name="Eduardo Martín-Sonseca.Alonso" userId="044a8a39323ca9b2" providerId="LiveId" clId="{88BFF241-8797-48AB-88EF-E6D786ABB885}" dt="2022-09-28T19:59:27.666" v="927" actId="34135"/>
-        <pc:sldMkLst>
-          <pc:docMk/>
-          <pc:sldMk cId="3457248673" sldId="262"/>
-        </pc:sldMkLst>
-        <pc:spChg chg="mod">
-          <ac:chgData name="Eduardo Martín-Sonseca.Alonso" userId="044a8a39323ca9b2" providerId="LiveId" clId="{88BFF241-8797-48AB-88EF-E6D786ABB885}" dt="2022-09-28T19:27:20.246" v="499" actId="20577"/>
-          <ac:spMkLst>
-            <pc:docMk/>
-            <pc:sldMk cId="3457248673" sldId="262"/>
-            <ac:spMk id="2" creationId="{D2C4EF2C-F551-4AD3-0F72-DAE70F1472EB}"/>
-          </ac:spMkLst>
-        </pc:spChg>
-        <pc:spChg chg="add del mod">
-          <ac:chgData name="Eduardo Martín-Sonseca.Alonso" userId="044a8a39323ca9b2" providerId="LiveId" clId="{88BFF241-8797-48AB-88EF-E6D786ABB885}" dt="2022-09-28T19:58:16.500" v="918" actId="478"/>
-          <ac:spMkLst>
-            <pc:docMk/>
-            <pc:sldMk cId="3457248673" sldId="262"/>
-            <ac:spMk id="4" creationId="{55736FD1-C4A8-AE7F-12D0-807513E17BD2}"/>
-          </ac:spMkLst>
-        </pc:spChg>
-        <pc:spChg chg="add mod">
-          <ac:chgData name="Eduardo Martín-Sonseca.Alonso" userId="044a8a39323ca9b2" providerId="LiveId" clId="{88BFF241-8797-48AB-88EF-E6D786ABB885}" dt="2022-09-28T19:59:27.666" v="927" actId="34135"/>
-          <ac:spMkLst>
-            <pc:docMk/>
-            <pc:sldMk cId="3457248673" sldId="262"/>
-            <ac:spMk id="5" creationId="{31B17589-FE36-F12A-AB43-BBBFD3330D3A}"/>
-          </ac:spMkLst>
-        </pc:spChg>
-      </pc:sldChg>
-      <pc:sldChg chg="addSp delSp modSp new mod">
-        <pc:chgData name="Eduardo Martín-Sonseca.Alonso" userId="044a8a39323ca9b2" providerId="LiveId" clId="{88BFF241-8797-48AB-88EF-E6D786ABB885}" dt="2022-09-28T19:59:34.585" v="928" actId="34135"/>
-        <pc:sldMkLst>
-          <pc:docMk/>
-          <pc:sldMk cId="436996647" sldId="263"/>
-        </pc:sldMkLst>
-        <pc:spChg chg="mod">
-          <ac:chgData name="Eduardo Martín-Sonseca.Alonso" userId="044a8a39323ca9b2" providerId="LiveId" clId="{88BFF241-8797-48AB-88EF-E6D786ABB885}" dt="2022-09-28T19:27:48.506" v="516" actId="20577"/>
-          <ac:spMkLst>
-            <pc:docMk/>
-            <pc:sldMk cId="436996647" sldId="263"/>
-            <ac:spMk id="2" creationId="{1DA3D9F2-8F0D-B3D3-5E4A-87EE0D8708C9}"/>
-          </ac:spMkLst>
-        </pc:spChg>
-        <pc:spChg chg="mod">
-          <ac:chgData name="Eduardo Martín-Sonseca.Alonso" userId="044a8a39323ca9b2" providerId="LiveId" clId="{88BFF241-8797-48AB-88EF-E6D786ABB885}" dt="2022-09-28T19:28:32.145" v="520" actId="20577"/>
-          <ac:spMkLst>
-            <pc:docMk/>
-            <pc:sldMk cId="436996647" sldId="263"/>
-            <ac:spMk id="3" creationId="{C3AA9280-1CDB-48F8-3C14-03859160F6B1}"/>
-          </ac:spMkLst>
-        </pc:spChg>
-        <pc:spChg chg="add del mod">
-          <ac:chgData name="Eduardo Martín-Sonseca.Alonso" userId="044a8a39323ca9b2" providerId="LiveId" clId="{88BFF241-8797-48AB-88EF-E6D786ABB885}" dt="2022-09-28T19:58:23.203" v="920" actId="478"/>
-          <ac:spMkLst>
-            <pc:docMk/>
-            <pc:sldMk cId="436996647" sldId="263"/>
-            <ac:spMk id="4" creationId="{49E4C170-20BD-3318-B7BE-2D2452A8960C}"/>
-          </ac:spMkLst>
-        </pc:spChg>
-        <pc:spChg chg="add mod">
-          <ac:chgData name="Eduardo Martín-Sonseca.Alonso" userId="044a8a39323ca9b2" providerId="LiveId" clId="{88BFF241-8797-48AB-88EF-E6D786ABB885}" dt="2022-09-28T19:59:34.585" v="928" actId="34135"/>
-          <ac:spMkLst>
-            <pc:docMk/>
-            <pc:sldMk cId="436996647" sldId="263"/>
-            <ac:spMk id="5" creationId="{4192928C-7F78-D760-DD00-AB12107440BD}"/>
-          </ac:spMkLst>
-        </pc:spChg>
-      </pc:sldChg>
-      <pc:sldMasterChg chg="del delSldLayout">
-        <pc:chgData name="Eduardo Martín-Sonseca.Alonso" userId="044a8a39323ca9b2" providerId="LiveId" clId="{88BFF241-8797-48AB-88EF-E6D786ABB885}" dt="2022-09-28T19:06:29.003" v="21" actId="26606"/>
-        <pc:sldMasterMkLst>
-          <pc:docMk/>
-          <pc:sldMasterMk cId="4153704577" sldId="2147483648"/>
-        </pc:sldMasterMkLst>
-        <pc:sldLayoutChg chg="del">
-          <pc:chgData name="Eduardo Martín-Sonseca.Alonso" userId="044a8a39323ca9b2" providerId="LiveId" clId="{88BFF241-8797-48AB-88EF-E6D786ABB885}" dt="2022-09-28T19:06:29.003" v="21" actId="26606"/>
-          <pc:sldLayoutMkLst>
-            <pc:docMk/>
-            <pc:sldMasterMk cId="4153704577" sldId="2147483648"/>
-            <pc:sldLayoutMk cId="1395403755" sldId="2147483649"/>
-          </pc:sldLayoutMkLst>
-        </pc:sldLayoutChg>
-        <pc:sldLayoutChg chg="del">
-          <pc:chgData name="Eduardo Martín-Sonseca.Alonso" userId="044a8a39323ca9b2" providerId="LiveId" clId="{88BFF241-8797-48AB-88EF-E6D786ABB885}" dt="2022-09-28T19:06:29.003" v="21" actId="26606"/>
-          <pc:sldLayoutMkLst>
-            <pc:docMk/>
-            <pc:sldMasterMk cId="4153704577" sldId="2147483648"/>
-            <pc:sldLayoutMk cId="355621411" sldId="2147483650"/>
-          </pc:sldLayoutMkLst>
-        </pc:sldLayoutChg>
-        <pc:sldLayoutChg chg="del">
-          <pc:chgData name="Eduardo Martín-Sonseca.Alonso" userId="044a8a39323ca9b2" providerId="LiveId" clId="{88BFF241-8797-48AB-88EF-E6D786ABB885}" dt="2022-09-28T19:06:29.003" v="21" actId="26606"/>
-          <pc:sldLayoutMkLst>
-            <pc:docMk/>
-            <pc:sldMasterMk cId="4153704577" sldId="2147483648"/>
-            <pc:sldLayoutMk cId="4082525401" sldId="2147483651"/>
-          </pc:sldLayoutMkLst>
-        </pc:sldLayoutChg>
-        <pc:sldLayoutChg chg="del">
-          <pc:chgData name="Eduardo Martín-Sonseca.Alonso" userId="044a8a39323ca9b2" providerId="LiveId" clId="{88BFF241-8797-48AB-88EF-E6D786ABB885}" dt="2022-09-28T19:06:29.003" v="21" actId="26606"/>
-          <pc:sldLayoutMkLst>
-            <pc:docMk/>
-            <pc:sldMasterMk cId="4153704577" sldId="2147483648"/>
-            <pc:sldLayoutMk cId="109423261" sldId="2147483652"/>
-          </pc:sldLayoutMkLst>
-        </pc:sldLayoutChg>
-        <pc:sldLayoutChg chg="del">
-          <pc:chgData name="Eduardo Martín-Sonseca.Alonso" userId="044a8a39323ca9b2" providerId="LiveId" clId="{88BFF241-8797-48AB-88EF-E6D786ABB885}" dt="2022-09-28T19:06:29.003" v="21" actId="26606"/>
-          <pc:sldLayoutMkLst>
-            <pc:docMk/>
-            <pc:sldMasterMk cId="4153704577" sldId="2147483648"/>
-            <pc:sldLayoutMk cId="1024176374" sldId="2147483653"/>
-          </pc:sldLayoutMkLst>
-        </pc:sldLayoutChg>
-        <pc:sldLayoutChg chg="del">
-          <pc:chgData name="Eduardo Martín-Sonseca.Alonso" userId="044a8a39323ca9b2" providerId="LiveId" clId="{88BFF241-8797-48AB-88EF-E6D786ABB885}" dt="2022-09-28T19:06:29.003" v="21" actId="26606"/>
-          <pc:sldLayoutMkLst>
-            <pc:docMk/>
-            <pc:sldMasterMk cId="4153704577" sldId="2147483648"/>
-            <pc:sldLayoutMk cId="3916222883" sldId="2147483654"/>
-          </pc:sldLayoutMkLst>
-        </pc:sldLayoutChg>
-        <pc:sldLayoutChg chg="del">
-          <pc:chgData name="Eduardo Martín-Sonseca.Alonso" userId="044a8a39323ca9b2" providerId="LiveId" clId="{88BFF241-8797-48AB-88EF-E6D786ABB885}" dt="2022-09-28T19:06:29.003" v="21" actId="26606"/>
-          <pc:sldLayoutMkLst>
-            <pc:docMk/>
-            <pc:sldMasterMk cId="4153704577" sldId="2147483648"/>
-            <pc:sldLayoutMk cId="1867225914" sldId="2147483655"/>
-          </pc:sldLayoutMkLst>
-        </pc:sldLayoutChg>
-        <pc:sldLayoutChg chg="del">
-          <pc:chgData name="Eduardo Martín-Sonseca.Alonso" userId="044a8a39323ca9b2" providerId="LiveId" clId="{88BFF241-8797-48AB-88EF-E6D786ABB885}" dt="2022-09-28T19:06:29.003" v="21" actId="26606"/>
-          <pc:sldLayoutMkLst>
-            <pc:docMk/>
-            <pc:sldMasterMk cId="4153704577" sldId="2147483648"/>
-            <pc:sldLayoutMk cId="3993102465" sldId="2147483656"/>
-          </pc:sldLayoutMkLst>
-        </pc:sldLayoutChg>
-        <pc:sldLayoutChg chg="del">
-          <pc:chgData name="Eduardo Martín-Sonseca.Alonso" userId="044a8a39323ca9b2" providerId="LiveId" clId="{88BFF241-8797-48AB-88EF-E6D786ABB885}" dt="2022-09-28T19:06:29.003" v="21" actId="26606"/>
-          <pc:sldLayoutMkLst>
-            <pc:docMk/>
-            <pc:sldMasterMk cId="4153704577" sldId="2147483648"/>
-            <pc:sldLayoutMk cId="1101677169" sldId="2147483657"/>
-          </pc:sldLayoutMkLst>
-        </pc:sldLayoutChg>
-        <pc:sldLayoutChg chg="del">
-          <pc:chgData name="Eduardo Martín-Sonseca.Alonso" userId="044a8a39323ca9b2" providerId="LiveId" clId="{88BFF241-8797-48AB-88EF-E6D786ABB885}" dt="2022-09-28T19:06:29.003" v="21" actId="26606"/>
-          <pc:sldLayoutMkLst>
-            <pc:docMk/>
-            <pc:sldMasterMk cId="4153704577" sldId="2147483648"/>
-            <pc:sldLayoutMk cId="1708974393" sldId="2147483658"/>
-          </pc:sldLayoutMkLst>
-        </pc:sldLayoutChg>
-        <pc:sldLayoutChg chg="del">
-          <pc:chgData name="Eduardo Martín-Sonseca.Alonso" userId="044a8a39323ca9b2" providerId="LiveId" clId="{88BFF241-8797-48AB-88EF-E6D786ABB885}" dt="2022-09-28T19:06:29.003" v="21" actId="26606"/>
-          <pc:sldLayoutMkLst>
-            <pc:docMk/>
-            <pc:sldMasterMk cId="4153704577" sldId="2147483648"/>
-            <pc:sldLayoutMk cId="3689227001" sldId="2147483659"/>
-          </pc:sldLayoutMkLst>
-        </pc:sldLayoutChg>
-      </pc:sldMasterChg>
-      <pc:sldMasterChg chg="add del addSldLayout delSldLayout">
-        <pc:chgData name="Eduardo Martín-Sonseca.Alonso" userId="044a8a39323ca9b2" providerId="LiveId" clId="{88BFF241-8797-48AB-88EF-E6D786ABB885}" dt="2022-09-28T19:12:08.233" v="169" actId="26606"/>
-        <pc:sldMasterMkLst>
-          <pc:docMk/>
-          <pc:sldMasterMk cId="1915941506" sldId="2147483684"/>
-        </pc:sldMasterMkLst>
-        <pc:sldLayoutChg chg="add del">
-          <pc:chgData name="Eduardo Martín-Sonseca.Alonso" userId="044a8a39323ca9b2" providerId="LiveId" clId="{88BFF241-8797-48AB-88EF-E6D786ABB885}" dt="2022-09-28T19:12:08.233" v="169" actId="26606"/>
-          <pc:sldLayoutMkLst>
-            <pc:docMk/>
-            <pc:sldMasterMk cId="1915941506" sldId="2147483684"/>
-            <pc:sldLayoutMk cId="3146660656" sldId="2147483672"/>
-          </pc:sldLayoutMkLst>
-        </pc:sldLayoutChg>
-        <pc:sldLayoutChg chg="add del">
-          <pc:chgData name="Eduardo Martín-Sonseca.Alonso" userId="044a8a39323ca9b2" providerId="LiveId" clId="{88BFF241-8797-48AB-88EF-E6D786ABB885}" dt="2022-09-28T19:12:08.233" v="169" actId="26606"/>
-          <pc:sldLayoutMkLst>
-            <pc:docMk/>
-            <pc:sldMasterMk cId="1915941506" sldId="2147483684"/>
-            <pc:sldLayoutMk cId="3463993075" sldId="2147483673"/>
-          </pc:sldLayoutMkLst>
-        </pc:sldLayoutChg>
-        <pc:sldLayoutChg chg="add del">
-          <pc:chgData name="Eduardo Martín-Sonseca.Alonso" userId="044a8a39323ca9b2" providerId="LiveId" clId="{88BFF241-8797-48AB-88EF-E6D786ABB885}" dt="2022-09-28T19:12:08.233" v="169" actId="26606"/>
-          <pc:sldLayoutMkLst>
-            <pc:docMk/>
-            <pc:sldMasterMk cId="1915941506" sldId="2147483684"/>
-            <pc:sldLayoutMk cId="2463180449" sldId="2147483674"/>
-          </pc:sldLayoutMkLst>
-        </pc:sldLayoutChg>
-        <pc:sldLayoutChg chg="add del">
-          <pc:chgData name="Eduardo Martín-Sonseca.Alonso" userId="044a8a39323ca9b2" providerId="LiveId" clId="{88BFF241-8797-48AB-88EF-E6D786ABB885}" dt="2022-09-28T19:12:08.233" v="169" actId="26606"/>
-          <pc:sldLayoutMkLst>
-            <pc:docMk/>
-            <pc:sldMasterMk cId="1915941506" sldId="2147483684"/>
-            <pc:sldLayoutMk cId="1260257596" sldId="2147483675"/>
-          </pc:sldLayoutMkLst>
-        </pc:sldLayoutChg>
-        <pc:sldLayoutChg chg="add del">
-          <pc:chgData name="Eduardo Martín-Sonseca.Alonso" userId="044a8a39323ca9b2" providerId="LiveId" clId="{88BFF241-8797-48AB-88EF-E6D786ABB885}" dt="2022-09-28T19:12:08.233" v="169" actId="26606"/>
-          <pc:sldLayoutMkLst>
-            <pc:docMk/>
-            <pc:sldMasterMk cId="1915941506" sldId="2147483684"/>
-            <pc:sldLayoutMk cId="156605429" sldId="2147483676"/>
-          </pc:sldLayoutMkLst>
-        </pc:sldLayoutChg>
-        <pc:sldLayoutChg chg="add del">
-          <pc:chgData name="Eduardo Martín-Sonseca.Alonso" userId="044a8a39323ca9b2" providerId="LiveId" clId="{88BFF241-8797-48AB-88EF-E6D786ABB885}" dt="2022-09-28T19:12:08.233" v="169" actId="26606"/>
-          <pc:sldLayoutMkLst>
-            <pc:docMk/>
-            <pc:sldMasterMk cId="1915941506" sldId="2147483684"/>
-            <pc:sldLayoutMk cId="1334277528" sldId="2147483677"/>
-          </pc:sldLayoutMkLst>
-        </pc:sldLayoutChg>
-        <pc:sldLayoutChg chg="add del">
-          <pc:chgData name="Eduardo Martín-Sonseca.Alonso" userId="044a8a39323ca9b2" providerId="LiveId" clId="{88BFF241-8797-48AB-88EF-E6D786ABB885}" dt="2022-09-28T19:12:08.233" v="169" actId="26606"/>
-          <pc:sldLayoutMkLst>
-            <pc:docMk/>
-            <pc:sldMasterMk cId="1915941506" sldId="2147483684"/>
-            <pc:sldLayoutMk cId="2321814358" sldId="2147483678"/>
-          </pc:sldLayoutMkLst>
-        </pc:sldLayoutChg>
-        <pc:sldLayoutChg chg="add del">
-          <pc:chgData name="Eduardo Martín-Sonseca.Alonso" userId="044a8a39323ca9b2" providerId="LiveId" clId="{88BFF241-8797-48AB-88EF-E6D786ABB885}" dt="2022-09-28T19:12:08.233" v="169" actId="26606"/>
-          <pc:sldLayoutMkLst>
-            <pc:docMk/>
-            <pc:sldMasterMk cId="1915941506" sldId="2147483684"/>
-            <pc:sldLayoutMk cId="1611012212" sldId="2147483679"/>
-          </pc:sldLayoutMkLst>
-        </pc:sldLayoutChg>
-        <pc:sldLayoutChg chg="add del">
-          <pc:chgData name="Eduardo Martín-Sonseca.Alonso" userId="044a8a39323ca9b2" providerId="LiveId" clId="{88BFF241-8797-48AB-88EF-E6D786ABB885}" dt="2022-09-28T19:12:08.233" v="169" actId="26606"/>
-          <pc:sldLayoutMkLst>
-            <pc:docMk/>
-            <pc:sldMasterMk cId="1915941506" sldId="2147483684"/>
-            <pc:sldLayoutMk cId="318375492" sldId="2147483680"/>
-          </pc:sldLayoutMkLst>
-        </pc:sldLayoutChg>
-        <pc:sldLayoutChg chg="add del">
-          <pc:chgData name="Eduardo Martín-Sonseca.Alonso" userId="044a8a39323ca9b2" providerId="LiveId" clId="{88BFF241-8797-48AB-88EF-E6D786ABB885}" dt="2022-09-28T19:12:08.233" v="169" actId="26606"/>
-          <pc:sldLayoutMkLst>
-            <pc:docMk/>
-            <pc:sldMasterMk cId="1915941506" sldId="2147483684"/>
-            <pc:sldLayoutMk cId="1439732969" sldId="2147483681"/>
-          </pc:sldLayoutMkLst>
-        </pc:sldLayoutChg>
-        <pc:sldLayoutChg chg="add del">
-          <pc:chgData name="Eduardo Martín-Sonseca.Alonso" userId="044a8a39323ca9b2" providerId="LiveId" clId="{88BFF241-8797-48AB-88EF-E6D786ABB885}" dt="2022-09-28T19:12:08.233" v="169" actId="26606"/>
-          <pc:sldLayoutMkLst>
-            <pc:docMk/>
-            <pc:sldMasterMk cId="1915941506" sldId="2147483684"/>
-            <pc:sldLayoutMk cId="3648773634" sldId="2147483682"/>
-          </pc:sldLayoutMkLst>
-        </pc:sldLayoutChg>
-        <pc:sldLayoutChg chg="add del">
-          <pc:chgData name="Eduardo Martín-Sonseca.Alonso" userId="044a8a39323ca9b2" providerId="LiveId" clId="{88BFF241-8797-48AB-88EF-E6D786ABB885}" dt="2022-09-28T19:12:08.233" v="169" actId="26606"/>
-          <pc:sldLayoutMkLst>
-            <pc:docMk/>
-            <pc:sldMasterMk cId="1915941506" sldId="2147483684"/>
-            <pc:sldLayoutMk cId="2197691099" sldId="2147483683"/>
-          </pc:sldLayoutMkLst>
-        </pc:sldLayoutChg>
-      </pc:sldMasterChg>
-      <pc:sldMasterChg chg="add addSldLayout">
-        <pc:chgData name="Eduardo Martín-Sonseca.Alonso" userId="044a8a39323ca9b2" providerId="LiveId" clId="{88BFF241-8797-48AB-88EF-E6D786ABB885}" dt="2022-09-28T19:12:08.233" v="169" actId="26606"/>
-        <pc:sldMasterMkLst>
-          <pc:docMk/>
-          <pc:sldMasterMk cId="1664194090" sldId="2147483787"/>
-        </pc:sldMasterMkLst>
-        <pc:sldLayoutChg chg="add">
-          <pc:chgData name="Eduardo Martín-Sonseca.Alonso" userId="044a8a39323ca9b2" providerId="LiveId" clId="{88BFF241-8797-48AB-88EF-E6D786ABB885}" dt="2022-09-28T19:12:08.233" v="169" actId="26606"/>
-          <pc:sldLayoutMkLst>
-            <pc:docMk/>
-            <pc:sldMasterMk cId="1664194090" sldId="2147483787"/>
-            <pc:sldLayoutMk cId="631994042" sldId="2147483776"/>
-          </pc:sldLayoutMkLst>
-        </pc:sldLayoutChg>
-        <pc:sldLayoutChg chg="add">
-          <pc:chgData name="Eduardo Martín-Sonseca.Alonso" userId="044a8a39323ca9b2" providerId="LiveId" clId="{88BFF241-8797-48AB-88EF-E6D786ABB885}" dt="2022-09-28T19:12:08.233" v="169" actId="26606"/>
-          <pc:sldLayoutMkLst>
-            <pc:docMk/>
-            <pc:sldMasterMk cId="1664194090" sldId="2147483787"/>
-            <pc:sldLayoutMk cId="826257521" sldId="2147483777"/>
-          </pc:sldLayoutMkLst>
-        </pc:sldLayoutChg>
-        <pc:sldLayoutChg chg="add">
-          <pc:chgData name="Eduardo Martín-Sonseca.Alonso" userId="044a8a39323ca9b2" providerId="LiveId" clId="{88BFF241-8797-48AB-88EF-E6D786ABB885}" dt="2022-09-28T19:12:08.233" v="169" actId="26606"/>
-          <pc:sldLayoutMkLst>
-            <pc:docMk/>
-            <pc:sldMasterMk cId="1664194090" sldId="2147483787"/>
-            <pc:sldLayoutMk cId="427230603" sldId="2147483778"/>
-          </pc:sldLayoutMkLst>
-        </pc:sldLayoutChg>
-        <pc:sldLayoutChg chg="add">
-          <pc:chgData name="Eduardo Martín-Sonseca.Alonso" userId="044a8a39323ca9b2" providerId="LiveId" clId="{88BFF241-8797-48AB-88EF-E6D786ABB885}" dt="2022-09-28T19:12:08.233" v="169" actId="26606"/>
-          <pc:sldLayoutMkLst>
-            <pc:docMk/>
-            <pc:sldMasterMk cId="1664194090" sldId="2147483787"/>
-            <pc:sldLayoutMk cId="302560705" sldId="2147483779"/>
-          </pc:sldLayoutMkLst>
-        </pc:sldLayoutChg>
-        <pc:sldLayoutChg chg="add">
-          <pc:chgData name="Eduardo Martín-Sonseca.Alonso" userId="044a8a39323ca9b2" providerId="LiveId" clId="{88BFF241-8797-48AB-88EF-E6D786ABB885}" dt="2022-09-28T19:12:08.233" v="169" actId="26606"/>
-          <pc:sldLayoutMkLst>
-            <pc:docMk/>
-            <pc:sldMasterMk cId="1664194090" sldId="2147483787"/>
-            <pc:sldLayoutMk cId="1500051938" sldId="2147483780"/>
-          </pc:sldLayoutMkLst>
-        </pc:sldLayoutChg>
-        <pc:sldLayoutChg chg="add">
-          <pc:chgData name="Eduardo Martín-Sonseca.Alonso" userId="044a8a39323ca9b2" providerId="LiveId" clId="{88BFF241-8797-48AB-88EF-E6D786ABB885}" dt="2022-09-28T19:12:08.233" v="169" actId="26606"/>
-          <pc:sldLayoutMkLst>
-            <pc:docMk/>
-            <pc:sldMasterMk cId="1664194090" sldId="2147483787"/>
-            <pc:sldLayoutMk cId="3478882655" sldId="2147483781"/>
-          </pc:sldLayoutMkLst>
-        </pc:sldLayoutChg>
-        <pc:sldLayoutChg chg="add">
-          <pc:chgData name="Eduardo Martín-Sonseca.Alonso" userId="044a8a39323ca9b2" providerId="LiveId" clId="{88BFF241-8797-48AB-88EF-E6D786ABB885}" dt="2022-09-28T19:12:08.233" v="169" actId="26606"/>
-          <pc:sldLayoutMkLst>
-            <pc:docMk/>
-            <pc:sldMasterMk cId="1664194090" sldId="2147483787"/>
-            <pc:sldLayoutMk cId="696347914" sldId="2147483782"/>
-          </pc:sldLayoutMkLst>
-        </pc:sldLayoutChg>
-        <pc:sldLayoutChg chg="add">
-          <pc:chgData name="Eduardo Martín-Sonseca.Alonso" userId="044a8a39323ca9b2" providerId="LiveId" clId="{88BFF241-8797-48AB-88EF-E6D786ABB885}" dt="2022-09-28T19:12:08.233" v="169" actId="26606"/>
-          <pc:sldLayoutMkLst>
-            <pc:docMk/>
-            <pc:sldMasterMk cId="1664194090" sldId="2147483787"/>
-            <pc:sldLayoutMk cId="1957567240" sldId="2147483783"/>
-          </pc:sldLayoutMkLst>
-        </pc:sldLayoutChg>
-        <pc:sldLayoutChg chg="add">
-          <pc:chgData name="Eduardo Martín-Sonseca.Alonso" userId="044a8a39323ca9b2" providerId="LiveId" clId="{88BFF241-8797-48AB-88EF-E6D786ABB885}" dt="2022-09-28T19:12:08.233" v="169" actId="26606"/>
-          <pc:sldLayoutMkLst>
-            <pc:docMk/>
-            <pc:sldMasterMk cId="1664194090" sldId="2147483787"/>
-            <pc:sldLayoutMk cId="3205593028" sldId="2147483784"/>
-          </pc:sldLayoutMkLst>
-        </pc:sldLayoutChg>
-        <pc:sldLayoutChg chg="add">
-          <pc:chgData name="Eduardo Martín-Sonseca.Alonso" userId="044a8a39323ca9b2" providerId="LiveId" clId="{88BFF241-8797-48AB-88EF-E6D786ABB885}" dt="2022-09-28T19:12:08.233" v="169" actId="26606"/>
-          <pc:sldLayoutMkLst>
-            <pc:docMk/>
-            <pc:sldMasterMk cId="1664194090" sldId="2147483787"/>
-            <pc:sldLayoutMk cId="1802076624" sldId="2147483785"/>
-          </pc:sldLayoutMkLst>
-        </pc:sldLayoutChg>
-        <pc:sldLayoutChg chg="add">
-          <pc:chgData name="Eduardo Martín-Sonseca.Alonso" userId="044a8a39323ca9b2" providerId="LiveId" clId="{88BFF241-8797-48AB-88EF-E6D786ABB885}" dt="2022-09-28T19:12:08.233" v="169" actId="26606"/>
-          <pc:sldLayoutMkLst>
-            <pc:docMk/>
-            <pc:sldMasterMk cId="1664194090" sldId="2147483787"/>
-            <pc:sldLayoutMk cId="982622909" sldId="2147483786"/>
-          </pc:sldLayoutMkLst>
-        </pc:sldLayoutChg>
-      </pc:sldMasterChg>
-    </pc:docChg>
-  </pc:docChgLst>
-  <pc:docChgLst>
-    <pc:chgData name="Eduardo Martín-Sonseca.Alonso" userId="044a8a39323ca9b2" providerId="Windows Live" clId="Web-{C190444C-DE63-4BE0-9A75-B7D0A850D412}"/>
-    <pc:docChg chg="modSld">
-      <pc:chgData name="Eduardo Martín-Sonseca.Alonso" userId="044a8a39323ca9b2" providerId="Windows Live" clId="Web-{C190444C-DE63-4BE0-9A75-B7D0A850D412}" dt="2022-10-04T08:16:13.346" v="9" actId="20577"/>
-      <pc:docMkLst>
-        <pc:docMk/>
-      </pc:docMkLst>
-      <pc:sldChg chg="modSp">
-        <pc:chgData name="Eduardo Martín-Sonseca.Alonso" userId="044a8a39323ca9b2" providerId="Windows Live" clId="Web-{C190444C-DE63-4BE0-9A75-B7D0A850D412}" dt="2022-10-04T08:16:13.346" v="9" actId="20577"/>
-        <pc:sldMkLst>
-          <pc:docMk/>
-          <pc:sldMk cId="1479924629" sldId="258"/>
-        </pc:sldMkLst>
-        <pc:spChg chg="mod">
-          <ac:chgData name="Eduardo Martín-Sonseca.Alonso" userId="044a8a39323ca9b2" providerId="Windows Live" clId="Web-{C190444C-DE63-4BE0-9A75-B7D0A850D412}" dt="2022-10-04T08:16:13.346" v="9" actId="20577"/>
-          <ac:spMkLst>
-            <pc:docMk/>
-            <pc:sldMk cId="1479924629" sldId="258"/>
-            <ac:spMk id="6" creationId="{FFE44297-5AAD-CA6F-4064-C2621A1C9AF8}"/>
-          </ac:spMkLst>
-        </pc:spChg>
-      </pc:sldChg>
-    </pc:docChg>
-  </pc:docChgLst>
-  <pc:docChgLst>
-    <pc:chgData name="Eduardo Martín-Sonseca.Alonso" userId="044a8a39323ca9b2" providerId="Windows Live" clId="Web-{8949363F-F8E8-445A-B74B-030214F69C19}"/>
-    <pc:docChg chg="modSld">
-      <pc:chgData name="Eduardo Martín-Sonseca.Alonso" userId="044a8a39323ca9b2" providerId="Windows Live" clId="Web-{8949363F-F8E8-445A-B74B-030214F69C19}" dt="2022-09-29T08:48:11.610" v="2" actId="20577"/>
-      <pc:docMkLst>
-        <pc:docMk/>
-      </pc:docMkLst>
-      <pc:sldChg chg="modSp">
-        <pc:chgData name="Eduardo Martín-Sonseca.Alonso" userId="044a8a39323ca9b2" providerId="Windows Live" clId="Web-{8949363F-F8E8-445A-B74B-030214F69C19}" dt="2022-09-29T08:48:11.610" v="2" actId="20577"/>
-        <pc:sldMkLst>
-          <pc:docMk/>
-          <pc:sldMk cId="1479924629" sldId="258"/>
-        </pc:sldMkLst>
-        <pc:spChg chg="mod">
-          <ac:chgData name="Eduardo Martín-Sonseca.Alonso" userId="044a8a39323ca9b2" providerId="Windows Live" clId="Web-{8949363F-F8E8-445A-B74B-030214F69C19}" dt="2022-09-29T08:48:11.610" v="2" actId="20577"/>
-          <ac:spMkLst>
-            <pc:docMk/>
-            <pc:sldMk cId="1479924629" sldId="258"/>
-            <ac:spMk id="7" creationId="{5B41D51C-D08B-3EFA-1F77-001EE791B2E3}"/>
-          </ac:spMkLst>
-        </pc:spChg>
-      </pc:sldChg>
-    </pc:docChg>
-  </pc:docChgLst>
-  <pc:docChgLst>
     <pc:chgData name="Eduardo Martín-Sonseca.Alonso" userId="044a8a39323ca9b2" providerId="Windows Live" clId="Web-{FF7F459F-C0C5-489C-9C21-CFBC7B56CB8A}"/>
     <pc:docChg chg="addSld modSld addMainMaster delMainMaster">
       <pc:chgData name="Eduardo Martín-Sonseca.Alonso" userId="044a8a39323ca9b2" providerId="Windows Live" clId="Web-{FF7F459F-C0C5-489C-9C21-CFBC7B56CB8A}" dt="2022-10-04T11:33:19.174" v="59" actId="14100"/>
@@ -4559,22 +4575,6 @@
           </pc:sldLayoutMkLst>
         </pc:sldLayoutChg>
       </pc:sldMasterChg>
-    </pc:docChg>
-  </pc:docChgLst>
-  <pc:docChgLst>
-    <pc:chgData name="luis fernandez" userId="7ba62ef74e42bc87" providerId="Windows Live" clId="Web-{290CB0A9-894B-4DAB-8123-A605B9345043}"/>
-    <pc:docChg chg="modSld">
-      <pc:chgData name="luis fernandez" userId="7ba62ef74e42bc87" providerId="Windows Live" clId="Web-{290CB0A9-894B-4DAB-8123-A605B9345043}" dt="2022-10-04T09:46:36.949" v="0"/>
-      <pc:docMkLst>
-        <pc:docMk/>
-      </pc:docMkLst>
-      <pc:sldChg chg="modAnim">
-        <pc:chgData name="luis fernandez" userId="7ba62ef74e42bc87" providerId="Windows Live" clId="Web-{290CB0A9-894B-4DAB-8123-A605B9345043}" dt="2022-10-04T09:46:36.949" v="0"/>
-        <pc:sldMkLst>
-          <pc:docMk/>
-          <pc:sldMk cId="992274193" sldId="259"/>
-        </pc:sldMkLst>
-      </pc:sldChg>
     </pc:docChg>
   </pc:docChgLst>
 </pc:chgInfo>
@@ -4662,7 +4662,7 @@
           <a:p>
             <a:fld id="{7D76A1D6-79B5-4662-AA27-56CA8B09CA67}" type="datetimeFigureOut">
               <a:rPr lang="es-ES" smtClean="0"/>
-              <a:t>04/10/2022</a:t>
+              <a:t>05/10/2022</a:t>
             </a:fld>
             <a:endParaRPr lang="es-ES"/>
           </a:p>
@@ -5245,7 +5245,7 @@
             <a:fld id="{8256C2ED-54A4-480D-B5C8-65C0D62359B9}" type="datetime2">
               <a:rPr lang="en-US" smtClean="0"/>
               <a:pPr/>
-              <a:t>Tuesday, October 4, 2022</a:t>
+              <a:t>Wednesday, October 5, 2022</a:t>
             </a:fld>
             <a:endParaRPr lang="en-US"/>
           </a:p>
@@ -5449,7 +5449,7 @@
             <a:fld id="{8256C2ED-54A4-480D-B5C8-65C0D62359B9}" type="datetime2">
               <a:rPr lang="en-US" smtClean="0"/>
               <a:pPr/>
-              <a:t>Tuesday, October 4, 2022</a:t>
+              <a:t>Wednesday, October 5, 2022</a:t>
             </a:fld>
             <a:endParaRPr lang="en-US"/>
           </a:p>
@@ -5663,7 +5663,7 @@
             <a:fld id="{8256C2ED-54A4-480D-B5C8-65C0D62359B9}" type="datetime2">
               <a:rPr lang="en-US" smtClean="0"/>
               <a:pPr/>
-              <a:t>Tuesday, October 4, 2022</a:t>
+              <a:t>Wednesday, October 5, 2022</a:t>
             </a:fld>
             <a:endParaRPr lang="en-US"/>
           </a:p>
@@ -5867,7 +5867,7 @@
             <a:fld id="{8256C2ED-54A4-480D-B5C8-65C0D62359B9}" type="datetime2">
               <a:rPr lang="en-US" smtClean="0"/>
               <a:pPr/>
-              <a:t>Tuesday, October 4, 2022</a:t>
+              <a:t>Wednesday, October 5, 2022</a:t>
             </a:fld>
             <a:endParaRPr lang="en-US"/>
           </a:p>
@@ -6148,7 +6148,7 @@
             <a:fld id="{8256C2ED-54A4-480D-B5C8-65C0D62359B9}" type="datetime2">
               <a:rPr lang="en-US" smtClean="0"/>
               <a:pPr/>
-              <a:t>Tuesday, October 4, 2022</a:t>
+              <a:t>Wednesday, October 5, 2022</a:t>
             </a:fld>
             <a:endParaRPr lang="en-US"/>
           </a:p>
@@ -6419,7 +6419,7 @@
             <a:fld id="{8256C2ED-54A4-480D-B5C8-65C0D62359B9}" type="datetime2">
               <a:rPr lang="en-US" smtClean="0"/>
               <a:pPr/>
-              <a:t>Tuesday, October 4, 2022</a:t>
+              <a:t>Wednesday, October 5, 2022</a:t>
             </a:fld>
             <a:endParaRPr lang="en-US"/>
           </a:p>
@@ -6837,7 +6837,7 @@
             <a:fld id="{8256C2ED-54A4-480D-B5C8-65C0D62359B9}" type="datetime2">
               <a:rPr lang="en-US" smtClean="0"/>
               <a:pPr/>
-              <a:t>Tuesday, October 4, 2022</a:t>
+              <a:t>Wednesday, October 5, 2022</a:t>
             </a:fld>
             <a:endParaRPr lang="en-US"/>
           </a:p>
@@ -6984,7 +6984,7 @@
             <a:fld id="{8256C2ED-54A4-480D-B5C8-65C0D62359B9}" type="datetime2">
               <a:rPr lang="en-US" smtClean="0"/>
               <a:pPr/>
-              <a:t>Tuesday, October 4, 2022</a:t>
+              <a:t>Wednesday, October 5, 2022</a:t>
             </a:fld>
             <a:endParaRPr lang="en-US"/>
           </a:p>
@@ -7103,7 +7103,7 @@
             <a:fld id="{8256C2ED-54A4-480D-B5C8-65C0D62359B9}" type="datetime2">
               <a:rPr lang="en-US" smtClean="0"/>
               <a:pPr/>
-              <a:t>Tuesday, October 4, 2022</a:t>
+              <a:t>Wednesday, October 5, 2022</a:t>
             </a:fld>
             <a:endParaRPr lang="en-US"/>
           </a:p>
@@ -7420,7 +7420,7 @@
             <a:fld id="{8256C2ED-54A4-480D-B5C8-65C0D62359B9}" type="datetime2">
               <a:rPr lang="en-US" smtClean="0"/>
               <a:pPr/>
-              <a:t>Tuesday, October 4, 2022</a:t>
+              <a:t>Wednesday, October 5, 2022</a:t>
             </a:fld>
             <a:endParaRPr lang="en-US"/>
           </a:p>
@@ -7714,7 +7714,7 @@
             <a:fld id="{8256C2ED-54A4-480D-B5C8-65C0D62359B9}" type="datetime2">
               <a:rPr lang="en-US" smtClean="0"/>
               <a:pPr/>
-              <a:t>Tuesday, October 4, 2022</a:t>
+              <a:t>Wednesday, October 5, 2022</a:t>
             </a:fld>
             <a:endParaRPr lang="en-US"/>
           </a:p>
@@ -7961,7 +7961,7 @@
             <a:fld id="{8256C2ED-54A4-480D-B5C8-65C0D62359B9}" type="datetime2">
               <a:rPr lang="en-US" smtClean="0"/>
               <a:pPr/>
-              <a:t>Tuesday, October 4, 2022</a:t>
+              <a:t>Wednesday, October 5, 2022</a:t>
             </a:fld>
             <a:endParaRPr lang="en-US"/>
           </a:p>
@@ -11140,24 +11140,24 @@
               </a:spcAft>
             </a:pPr>
             <a:r>
-              <a:rPr lang="en-US" sz="1700" b="1"/>
+              <a:rPr lang="en-US" sz="1700" b="1" dirty="0"/>
               <a:t>EDUARDO MARTÍN-SONSECA</a:t>
             </a:r>
             <a:br>
-              <a:rPr lang="en-US" sz="1700" b="1"/>
+              <a:rPr lang="en-US" sz="1700" b="1" dirty="0"/>
             </a:br>
             <a:r>
-              <a:rPr lang="en-US" sz="1700" b="1"/>
+              <a:rPr lang="en-US" sz="1700" b="1" dirty="0"/>
               <a:t>LUIS FERNANDEZ CASTELO</a:t>
             </a:r>
             <a:br>
-              <a:rPr lang="en-US" sz="1700" b="1"/>
+              <a:rPr lang="en-US" sz="1700" b="1" dirty="0"/>
             </a:br>
             <a:r>
-              <a:rPr lang="en-US" sz="1700" b="1"/>
+              <a:rPr lang="en-US" sz="1700" b="1" dirty="0"/>
               <a:t>1º DESARROLLO DE APLICACIONES MULTIPLATAFORMA</a:t>
             </a:r>
-            <a:endParaRPr lang="en-US" sz="1700"/>
+            <a:endParaRPr lang="en-US" sz="1700" dirty="0"/>
           </a:p>
         </p:txBody>
       </p:sp>
@@ -11258,7 +11258,7 @@
                                     </p:set>
                                     <p:animEffect transition="in" filter="fade">
                                       <p:cBhvr>
-                                        <p:cTn id="7" dur="500"/>
+                                        <p:cTn id="7" dur="10"/>
                                         <p:tgtEl>
                                           <p:spTgt spid="5"/>
                                         </p:tgtEl>
@@ -16013,35 +16013,6 @@
           </a:p>
         </p:txBody>
       </p:sp>
-      <p:pic>
-        <p:nvPicPr>
-          <p:cNvPr id="5" name="Picture 4" descr="Gráfico económico digital">
-            <a:extLst>
-              <a:ext uri="{FF2B5EF4-FFF2-40B4-BE49-F238E27FC236}">
-                <a16:creationId xmlns:a16="http://schemas.microsoft.com/office/drawing/2014/main" id="{21B6396A-5947-91FB-1762-0DA1EB72CEC5}"/>
-              </a:ext>
-            </a:extLst>
-          </p:cNvPr>
-          <p:cNvPicPr>
-            <a:picLocks noChangeAspect="1"/>
-          </p:cNvPicPr>
-          <p:nvPr/>
-        </p:nvPicPr>
-        <p:blipFill rotWithShape="1">
-          <a:blip r:embed="rId2"/>
-          <a:srcRect l="15097" r="5592"/>
-          <a:stretch/>
-        </p:blipFill>
-        <p:spPr>
-          <a:xfrm>
-            <a:off x="2522356" y="10"/>
-            <a:ext cx="9669642" cy="6857990"/>
-          </a:xfrm>
-          <a:prstGeom prst="rect">
-            <a:avLst/>
-          </a:prstGeom>
-        </p:spPr>
-      </p:pic>
       <p:sp>
         <p:nvSpPr>
           <p:cNvPr id="23" name="Rectangle 22">
@@ -16590,35 +16561,6 @@
           </a:p>
         </p:txBody>
       </p:sp>
-      <p:pic>
-        <p:nvPicPr>
-          <p:cNvPr id="6" name="Picture 5" descr="Gráfico económico digital">
-            <a:extLst>
-              <a:ext uri="{FF2B5EF4-FFF2-40B4-BE49-F238E27FC236}">
-                <a16:creationId xmlns:a16="http://schemas.microsoft.com/office/drawing/2014/main" id="{79AA5A64-38BA-1418-E9EA-6EB7A8A88E30}"/>
-              </a:ext>
-            </a:extLst>
-          </p:cNvPr>
-          <p:cNvPicPr>
-            <a:picLocks noChangeAspect="1"/>
-          </p:cNvPicPr>
-          <p:nvPr/>
-        </p:nvPicPr>
-        <p:blipFill rotWithShape="1">
-          <a:blip r:embed="rId2"/>
-          <a:srcRect l="15097" r="5592"/>
-          <a:stretch/>
-        </p:blipFill>
-        <p:spPr>
-          <a:xfrm>
-            <a:off x="2522356" y="10"/>
-            <a:ext cx="9669642" cy="6857990"/>
-          </a:xfrm>
-          <a:prstGeom prst="rect">
-            <a:avLst/>
-          </a:prstGeom>
-        </p:spPr>
-      </p:pic>
       <p:sp>
         <p:nvSpPr>
           <p:cNvPr id="19" name="Rectangle 18">
@@ -17399,35 +17341,6 @@
           </a:p>
         </p:txBody>
       </p:sp>
-      <p:pic>
-        <p:nvPicPr>
-          <p:cNvPr id="7" name="Picture 5" descr="Gráfico económico digital">
-            <a:extLst>
-              <a:ext uri="{FF2B5EF4-FFF2-40B4-BE49-F238E27FC236}">
-                <a16:creationId xmlns:a16="http://schemas.microsoft.com/office/drawing/2014/main" id="{CB28650D-5BCE-E86D-9875-DDB208C75F95}"/>
-              </a:ext>
-            </a:extLst>
-          </p:cNvPr>
-          <p:cNvPicPr>
-            <a:picLocks noChangeAspect="1"/>
-          </p:cNvPicPr>
-          <p:nvPr/>
-        </p:nvPicPr>
-        <p:blipFill rotWithShape="1">
-          <a:blip r:embed="rId2"/>
-          <a:srcRect l="15097" r="5592"/>
-          <a:stretch/>
-        </p:blipFill>
-        <p:spPr>
-          <a:xfrm>
-            <a:off x="2522356" y="10"/>
-            <a:ext cx="9669642" cy="6857990"/>
-          </a:xfrm>
-          <a:prstGeom prst="rect">
-            <a:avLst/>
-          </a:prstGeom>
-        </p:spPr>
-      </p:pic>
       <p:sp>
         <p:nvSpPr>
           <p:cNvPr id="35" name="Rectangle 34">
@@ -18208,35 +18121,6 @@
           </a:p>
         </p:txBody>
       </p:sp>
-      <p:pic>
-        <p:nvPicPr>
-          <p:cNvPr id="7" name="Picture 5" descr="Gráfico económico digital">
-            <a:extLst>
-              <a:ext uri="{FF2B5EF4-FFF2-40B4-BE49-F238E27FC236}">
-                <a16:creationId xmlns:a16="http://schemas.microsoft.com/office/drawing/2014/main" id="{1318ED78-26C3-DCB2-F1A0-481B28209006}"/>
-              </a:ext>
-            </a:extLst>
-          </p:cNvPr>
-          <p:cNvPicPr>
-            <a:picLocks noChangeAspect="1"/>
-          </p:cNvPicPr>
-          <p:nvPr/>
-        </p:nvPicPr>
-        <p:blipFill rotWithShape="1">
-          <a:blip r:embed="rId3"/>
-          <a:srcRect l="15097" r="5592"/>
-          <a:stretch/>
-        </p:blipFill>
-        <p:spPr>
-          <a:xfrm>
-            <a:off x="2522356" y="10"/>
-            <a:ext cx="9669642" cy="6857990"/>
-          </a:xfrm>
-          <a:prstGeom prst="rect">
-            <a:avLst/>
-          </a:prstGeom>
-        </p:spPr>
-      </p:pic>
       <p:sp>
         <p:nvSpPr>
           <p:cNvPr id="30" name="Rectangle 29">
@@ -18869,35 +18753,6 @@
           </a:p>
         </p:txBody>
       </p:sp>
-      <p:pic>
-        <p:nvPicPr>
-          <p:cNvPr id="7" name="Picture 5" descr="Gráfico económico digital">
-            <a:extLst>
-              <a:ext uri="{FF2B5EF4-FFF2-40B4-BE49-F238E27FC236}">
-                <a16:creationId xmlns:a16="http://schemas.microsoft.com/office/drawing/2014/main" id="{9918761B-33B3-E228-FFDC-436D8925066F}"/>
-              </a:ext>
-            </a:extLst>
-          </p:cNvPr>
-          <p:cNvPicPr>
-            <a:picLocks noChangeAspect="1"/>
-          </p:cNvPicPr>
-          <p:nvPr/>
-        </p:nvPicPr>
-        <p:blipFill rotWithShape="1">
-          <a:blip r:embed="rId3"/>
-          <a:srcRect l="15097" r="5592"/>
-          <a:stretch/>
-        </p:blipFill>
-        <p:spPr>
-          <a:xfrm>
-            <a:off x="2522356" y="10"/>
-            <a:ext cx="9669642" cy="6857990"/>
-          </a:xfrm>
-          <a:prstGeom prst="rect">
-            <a:avLst/>
-          </a:prstGeom>
-        </p:spPr>
-      </p:pic>
       <p:sp>
         <p:nvSpPr>
           <p:cNvPr id="26" name="Rectangle 25">
@@ -19049,12 +18904,14 @@
           <a:p>
             <a:r>
               <a:rPr lang="es-ES" sz="2000" b="1" dirty="0"/>
-              <a:t>Veracidad</a:t>
+              <a:t>Valor</a:t>
             </a:r>
             <a:r>
               <a:rPr lang="es-ES" sz="2000" dirty="0"/>
-              <a:t>: La confianza de los datos, debe de ser alta, con resultados verificables y de calidad, muchos datos llegan incompletos y para ello, se invierte tiempo, y dinero en la búsqueda de datos, para poder desarrollar y aplicar soluciones y métodos capaces de eliminar los errores.</a:t>
-            </a:r>
+              <a:t> : Una vez generados los datos, procesados y convertidos en información, deben tener un valor y una utilidad real, para que tengan un valor esos datos, deben ayudarnos a tomar una decisión breve a ellos</a:t>
+            </a:r>
+          </a:p>
+          <a:p>
             <a:endParaRPr lang="es-ES" sz="2000" b="1" dirty="0"/>
           </a:p>
         </p:txBody>

--- a/Bases de Datos/1º Evaluación/Ejercicios/Ejercicio2/Explotación de bases de datos Big Data.pptx
+++ b/Bases de Datos/1º Evaluación/Ejercicios/Ejercicio2/Explotación de bases de datos Big Data.pptx
@@ -129,2411 +129,8 @@
 </p:presentation>
 </file>
 
-<file path=ppt/revisionInfo.xml><?xml version="1.0" encoding="utf-8"?>
-<p1510:revInfo xmlns:a="http://schemas.openxmlformats.org/drawingml/2006/main" xmlns:r="http://schemas.openxmlformats.org/officeDocument/2006/relationships" xmlns:p1510="http://schemas.microsoft.com/office/powerpoint/2015/10/main">
-  <p1510:revLst>
-    <p1510:client id="{290CB0A9-894B-4DAB-8123-A605B9345043}" v="1" dt="2022-10-04T09:46:36.949"/>
-    <p1510:client id="{3DB5D27C-DA39-4C1F-A2BB-D0A24BA8D7DA}" v="644" dt="2022-10-04T09:45:20.733"/>
-    <p1510:client id="{68748E30-2FBD-43B0-B824-A092A60EA4E9}" v="304" dt="2022-10-04T10:20:30.556"/>
-    <p1510:client id="{BC188AD2-9AFC-4294-89AA-68D6E215ABF9}" v="1" dt="2022-10-04T08:17:34.273"/>
-    <p1510:client id="{C190444C-DE63-4BE0-9A75-B7D0A850D412}" v="11" dt="2022-10-04T08:16:13.346"/>
-    <p1510:client id="{DBA603C0-A459-4D80-9237-AE2C2946D226}" v="1" dt="2022-10-04T08:20:45.180"/>
-    <p1510:client id="{FF7F459F-C0C5-489C-9C21-CFBC7B56CB8A}" v="58" dt="2022-10-04T11:33:19.174"/>
-  </p1510:revLst>
-</p1510:revInfo>
-</file>
-
 <file path=ppt/changesInfos/changesInfo1.xml><?xml version="1.0" encoding="utf-8"?>
 <pc:chgInfo xmlns:a="http://schemas.openxmlformats.org/drawingml/2006/main" xmlns:r="http://schemas.openxmlformats.org/officeDocument/2006/relationships" xmlns:ac="http://schemas.microsoft.com/office/drawing/2013/main/command" xmlns:pc="http://schemas.microsoft.com/office/powerpoint/2013/main/command">
-  <pc:docChgLst>
-    <pc:chgData name="Eduardo Martín-Sonseca.Alonso" userId="044a8a39323ca9b2" providerId="LiveId" clId="{F6C200FF-B7C6-45EA-B94B-3E06CF3AB5C5}"/>
-    <pc:docChg chg="undo custSel addSld delSld modSld">
-      <pc:chgData name="Eduardo Martín-Sonseca.Alonso" userId="044a8a39323ca9b2" providerId="LiveId" clId="{F6C200FF-B7C6-45EA-B94B-3E06CF3AB5C5}" dt="2022-10-04T16:20:26.108" v="748" actId="5793"/>
-      <pc:docMkLst>
-        <pc:docMk/>
-      </pc:docMkLst>
-      <pc:sldChg chg="addSp delSp modSp mod modAnim setClrOvrMap">
-        <pc:chgData name="Eduardo Martín-Sonseca.Alonso" userId="044a8a39323ca9b2" providerId="LiveId" clId="{F6C200FF-B7C6-45EA-B94B-3E06CF3AB5C5}" dt="2022-10-04T16:18:50.716" v="695"/>
-        <pc:sldMkLst>
-          <pc:docMk/>
-          <pc:sldMk cId="1479924629" sldId="258"/>
-        </pc:sldMkLst>
-        <pc:spChg chg="mod">
-          <ac:chgData name="Eduardo Martín-Sonseca.Alonso" userId="044a8a39323ca9b2" providerId="LiveId" clId="{F6C200FF-B7C6-45EA-B94B-3E06CF3AB5C5}" dt="2022-10-04T16:16:59.806" v="682" actId="26606"/>
-          <ac:spMkLst>
-            <pc:docMk/>
-            <pc:sldMk cId="1479924629" sldId="258"/>
-            <ac:spMk id="6" creationId="{FFE44297-5AAD-CA6F-4064-C2621A1C9AF8}"/>
-          </ac:spMkLst>
-        </pc:spChg>
-        <pc:spChg chg="mod">
-          <ac:chgData name="Eduardo Martín-Sonseca.Alonso" userId="044a8a39323ca9b2" providerId="LiveId" clId="{F6C200FF-B7C6-45EA-B94B-3E06CF3AB5C5}" dt="2022-10-04T16:16:59.806" v="682" actId="26606"/>
-          <ac:spMkLst>
-            <pc:docMk/>
-            <pc:sldMk cId="1479924629" sldId="258"/>
-            <ac:spMk id="9" creationId="{2E119BA4-44C4-4FFE-81D8-1B5FE1ABFCE7}"/>
-          </ac:spMkLst>
-        </pc:spChg>
-        <pc:spChg chg="add del">
-          <ac:chgData name="Eduardo Martín-Sonseca.Alonso" userId="044a8a39323ca9b2" providerId="LiveId" clId="{F6C200FF-B7C6-45EA-B94B-3E06CF3AB5C5}" dt="2022-10-04T16:16:59.806" v="682" actId="26606"/>
-          <ac:spMkLst>
-            <pc:docMk/>
-            <pc:sldMk cId="1479924629" sldId="258"/>
-            <ac:spMk id="64" creationId="{0671A8AE-40A1-4631-A6B8-581AFF065482}"/>
-          </ac:spMkLst>
-        </pc:spChg>
-        <pc:spChg chg="add del">
-          <ac:chgData name="Eduardo Martín-Sonseca.Alonso" userId="044a8a39323ca9b2" providerId="LiveId" clId="{F6C200FF-B7C6-45EA-B94B-3E06CF3AB5C5}" dt="2022-10-04T16:16:59.806" v="682" actId="26606"/>
-          <ac:spMkLst>
-            <pc:docMk/>
-            <pc:sldMk cId="1479924629" sldId="258"/>
-            <ac:spMk id="65" creationId="{AB58EF07-17C2-48CF-ABB0-EEF1F17CB8F0}"/>
-          </ac:spMkLst>
-        </pc:spChg>
-        <pc:spChg chg="add del">
-          <ac:chgData name="Eduardo Martín-Sonseca.Alonso" userId="044a8a39323ca9b2" providerId="LiveId" clId="{F6C200FF-B7C6-45EA-B94B-3E06CF3AB5C5}" dt="2022-10-04T16:16:59.806" v="682" actId="26606"/>
-          <ac:spMkLst>
-            <pc:docMk/>
-            <pc:sldMk cId="1479924629" sldId="258"/>
-            <ac:spMk id="66" creationId="{AF2F604E-43BE-4DC3-B983-E071523364F8}"/>
-          </ac:spMkLst>
-        </pc:spChg>
-        <pc:spChg chg="add del">
-          <ac:chgData name="Eduardo Martín-Sonseca.Alonso" userId="044a8a39323ca9b2" providerId="LiveId" clId="{F6C200FF-B7C6-45EA-B94B-3E06CF3AB5C5}" dt="2022-10-04T16:16:59.806" v="682" actId="26606"/>
-          <ac:spMkLst>
-            <pc:docMk/>
-            <pc:sldMk cId="1479924629" sldId="258"/>
-            <ac:spMk id="67" creationId="{08C9B587-E65E-4B52-B37C-ABEBB6E87928}"/>
-          </ac:spMkLst>
-        </pc:spChg>
-        <pc:spChg chg="add del">
-          <ac:chgData name="Eduardo Martín-Sonseca.Alonso" userId="044a8a39323ca9b2" providerId="LiveId" clId="{F6C200FF-B7C6-45EA-B94B-3E06CF3AB5C5}" dt="2022-10-04T16:16:59.806" v="682" actId="26606"/>
-          <ac:spMkLst>
-            <pc:docMk/>
-            <pc:sldMk cId="1479924629" sldId="258"/>
-            <ac:spMk id="72" creationId="{ECC07320-C2CA-4E29-8481-9D9E143C7788}"/>
-          </ac:spMkLst>
-        </pc:spChg>
-        <pc:spChg chg="add del">
-          <ac:chgData name="Eduardo Martín-Sonseca.Alonso" userId="044a8a39323ca9b2" providerId="LiveId" clId="{F6C200FF-B7C6-45EA-B94B-3E06CF3AB5C5}" dt="2022-10-04T16:16:59.806" v="682" actId="26606"/>
-          <ac:spMkLst>
-            <pc:docMk/>
-            <pc:sldMk cId="1479924629" sldId="258"/>
-            <ac:spMk id="74" creationId="{178FB36B-5BFE-42CA-BC60-1115E0D95EEC}"/>
-          </ac:spMkLst>
-        </pc:spChg>
-        <pc:spChg chg="add del">
-          <ac:chgData name="Eduardo Martín-Sonseca.Alonso" userId="044a8a39323ca9b2" providerId="LiveId" clId="{F6C200FF-B7C6-45EA-B94B-3E06CF3AB5C5}" dt="2022-10-04T16:16:43.513" v="672" actId="26606"/>
-          <ac:spMkLst>
-            <pc:docMk/>
-            <pc:sldMk cId="1479924629" sldId="258"/>
-            <ac:spMk id="79" creationId="{870A1295-61BC-4214-AA3E-D396673024D0}"/>
-          </ac:spMkLst>
-        </pc:spChg>
-        <pc:spChg chg="add del">
-          <ac:chgData name="Eduardo Martín-Sonseca.Alonso" userId="044a8a39323ca9b2" providerId="LiveId" clId="{F6C200FF-B7C6-45EA-B94B-3E06CF3AB5C5}" dt="2022-10-04T16:16:54.766" v="676" actId="26606"/>
-          <ac:spMkLst>
-            <pc:docMk/>
-            <pc:sldMk cId="1479924629" sldId="258"/>
-            <ac:spMk id="83" creationId="{AF2F604E-43BE-4DC3-B983-E071523364F8}"/>
-          </ac:spMkLst>
-        </pc:spChg>
-        <pc:spChg chg="add del">
-          <ac:chgData name="Eduardo Martín-Sonseca.Alonso" userId="044a8a39323ca9b2" providerId="LiveId" clId="{F6C200FF-B7C6-45EA-B94B-3E06CF3AB5C5}" dt="2022-10-04T16:16:54.766" v="676" actId="26606"/>
-          <ac:spMkLst>
-            <pc:docMk/>
-            <pc:sldMk cId="1479924629" sldId="258"/>
-            <ac:spMk id="85" creationId="{08C9B587-E65E-4B52-B37C-ABEBB6E87928}"/>
-          </ac:spMkLst>
-        </pc:spChg>
-        <pc:spChg chg="add del">
-          <ac:chgData name="Eduardo Martín-Sonseca.Alonso" userId="044a8a39323ca9b2" providerId="LiveId" clId="{F6C200FF-B7C6-45EA-B94B-3E06CF3AB5C5}" dt="2022-10-04T16:16:47.209" v="674" actId="26606"/>
-          <ac:spMkLst>
-            <pc:docMk/>
-            <pc:sldMk cId="1479924629" sldId="258"/>
-            <ac:spMk id="87" creationId="{6B3BAD04-E614-4C16-8360-019FCF0045AC}"/>
-          </ac:spMkLst>
-        </pc:spChg>
-        <pc:spChg chg="add del">
-          <ac:chgData name="Eduardo Martín-Sonseca.Alonso" userId="044a8a39323ca9b2" providerId="LiveId" clId="{F6C200FF-B7C6-45EA-B94B-3E06CF3AB5C5}" dt="2022-10-04T16:16:54.766" v="676" actId="26606"/>
-          <ac:spMkLst>
-            <pc:docMk/>
-            <pc:sldMk cId="1479924629" sldId="258"/>
-            <ac:spMk id="89" creationId="{E91DC736-0EF8-4F87-9146-EBF1D2EE4D3D}"/>
-          </ac:spMkLst>
-        </pc:spChg>
-        <pc:spChg chg="add del">
-          <ac:chgData name="Eduardo Martín-Sonseca.Alonso" userId="044a8a39323ca9b2" providerId="LiveId" clId="{F6C200FF-B7C6-45EA-B94B-3E06CF3AB5C5}" dt="2022-10-04T16:16:54.766" v="676" actId="26606"/>
-          <ac:spMkLst>
-            <pc:docMk/>
-            <pc:sldMk cId="1479924629" sldId="258"/>
-            <ac:spMk id="90" creationId="{097CD68E-23E3-4007-8847-CD0944C4F7BE}"/>
-          </ac:spMkLst>
-        </pc:spChg>
-        <pc:spChg chg="add del">
-          <ac:chgData name="Eduardo Martín-Sonseca.Alonso" userId="044a8a39323ca9b2" providerId="LiveId" clId="{F6C200FF-B7C6-45EA-B94B-3E06CF3AB5C5}" dt="2022-10-04T16:16:57.229" v="678" actId="26606"/>
-          <ac:spMkLst>
-            <pc:docMk/>
-            <pc:sldMk cId="1479924629" sldId="258"/>
-            <ac:spMk id="92" creationId="{36C4118A-B523-45D9-B427-8E05B2DEA65C}"/>
-          </ac:spMkLst>
-        </pc:spChg>
-        <pc:grpChg chg="add del">
-          <ac:chgData name="Eduardo Martín-Sonseca.Alonso" userId="044a8a39323ca9b2" providerId="LiveId" clId="{F6C200FF-B7C6-45EA-B94B-3E06CF3AB5C5}" dt="2022-10-04T16:16:43.513" v="672" actId="26606"/>
-          <ac:grpSpMkLst>
-            <pc:docMk/>
-            <pc:sldMk cId="1479924629" sldId="258"/>
-            <ac:grpSpMk id="81" creationId="{0B139475-2B26-4CA9-9413-DE741E49F7BB}"/>
-          </ac:grpSpMkLst>
-        </pc:grpChg>
-        <pc:picChg chg="mod ord">
-          <ac:chgData name="Eduardo Martín-Sonseca.Alonso" userId="044a8a39323ca9b2" providerId="LiveId" clId="{F6C200FF-B7C6-45EA-B94B-3E06CF3AB5C5}" dt="2022-10-04T16:16:59.806" v="682" actId="26606"/>
-          <ac:picMkLst>
-            <pc:docMk/>
-            <pc:sldMk cId="1479924629" sldId="258"/>
-            <ac:picMk id="10" creationId="{76BF477E-1037-8DBF-F6EA-9F38B8FBEE29}"/>
-          </ac:picMkLst>
-        </pc:picChg>
-      </pc:sldChg>
-      <pc:sldChg chg="addSp delSp modSp mod modAnim">
-        <pc:chgData name="Eduardo Martín-Sonseca.Alonso" userId="044a8a39323ca9b2" providerId="LiveId" clId="{F6C200FF-B7C6-45EA-B94B-3E06CF3AB5C5}" dt="2022-10-04T16:19:00.872" v="703"/>
-        <pc:sldMkLst>
-          <pc:docMk/>
-          <pc:sldMk cId="992274193" sldId="259"/>
-        </pc:sldMkLst>
-        <pc:spChg chg="add del mod">
-          <ac:chgData name="Eduardo Martín-Sonseca.Alonso" userId="044a8a39323ca9b2" providerId="LiveId" clId="{F6C200FF-B7C6-45EA-B94B-3E06CF3AB5C5}" dt="2022-10-04T16:16:14.568" v="667"/>
-          <ac:spMkLst>
-            <pc:docMk/>
-            <pc:sldMk cId="992274193" sldId="259"/>
-            <ac:spMk id="4" creationId="{12A9C714-CF2D-DD21-AC9C-D1474CBC83D1}"/>
-          </ac:spMkLst>
-        </pc:spChg>
-        <pc:spChg chg="mod">
-          <ac:chgData name="Eduardo Martín-Sonseca.Alonso" userId="044a8a39323ca9b2" providerId="LiveId" clId="{F6C200FF-B7C6-45EA-B94B-3E06CF3AB5C5}" dt="2022-10-04T15:13:01.337" v="0"/>
-          <ac:spMkLst>
-            <pc:docMk/>
-            <pc:sldMk cId="992274193" sldId="259"/>
-            <ac:spMk id="21" creationId="{21A386AB-C18D-BC64-063B-3AFE29BF8A08}"/>
-          </ac:spMkLst>
-        </pc:spChg>
-        <pc:spChg chg="mod">
-          <ac:chgData name="Eduardo Martín-Sonseca.Alonso" userId="044a8a39323ca9b2" providerId="LiveId" clId="{F6C200FF-B7C6-45EA-B94B-3E06CF3AB5C5}" dt="2022-10-04T15:22:57.607" v="36"/>
-          <ac:spMkLst>
-            <pc:docMk/>
-            <pc:sldMk cId="992274193" sldId="259"/>
-            <ac:spMk id="24" creationId="{66F25F73-9EC2-2F10-8F63-4E4BC279D6FB}"/>
-          </ac:spMkLst>
-        </pc:spChg>
-        <pc:picChg chg="add del mod ord">
-          <ac:chgData name="Eduardo Martín-Sonseca.Alonso" userId="044a8a39323ca9b2" providerId="LiveId" clId="{F6C200FF-B7C6-45EA-B94B-3E06CF3AB5C5}" dt="2022-10-04T16:07:11.257" v="605" actId="478"/>
-          <ac:picMkLst>
-            <pc:docMk/>
-            <pc:sldMk cId="992274193" sldId="259"/>
-            <ac:picMk id="3" creationId="{FCE40887-9591-1186-6831-F73EF6DE9105}"/>
-          </ac:picMkLst>
-        </pc:picChg>
-        <pc:picChg chg="ord">
-          <ac:chgData name="Eduardo Martín-Sonseca.Alonso" userId="044a8a39323ca9b2" providerId="LiveId" clId="{F6C200FF-B7C6-45EA-B94B-3E06CF3AB5C5}" dt="2022-10-04T16:16:58.187" v="681" actId="167"/>
-          <ac:picMkLst>
-            <pc:docMk/>
-            <pc:sldMk cId="992274193" sldId="259"/>
-            <ac:picMk id="5" creationId="{5B36CB43-E7A6-BD76-CCF3-C4308F7F9EF4}"/>
-          </ac:picMkLst>
-        </pc:picChg>
-      </pc:sldChg>
-      <pc:sldChg chg="addSp delSp modSp mod modAnim">
-        <pc:chgData name="Eduardo Martín-Sonseca.Alonso" userId="044a8a39323ca9b2" providerId="LiveId" clId="{F6C200FF-B7C6-45EA-B94B-3E06CF3AB5C5}" dt="2022-10-04T16:19:08.453" v="711"/>
-        <pc:sldMkLst>
-          <pc:docMk/>
-          <pc:sldMk cId="3613378253" sldId="260"/>
-        </pc:sldMkLst>
-        <pc:picChg chg="add del mod ord">
-          <ac:chgData name="Eduardo Martín-Sonseca.Alonso" userId="044a8a39323ca9b2" providerId="LiveId" clId="{F6C200FF-B7C6-45EA-B94B-3E06CF3AB5C5}" dt="2022-10-04T16:07:23.783" v="607" actId="478"/>
-          <ac:picMkLst>
-            <pc:docMk/>
-            <pc:sldMk cId="3613378253" sldId="260"/>
-            <ac:picMk id="4" creationId="{2FAEAAA0-5B10-C799-5ED9-DDB3E00422C4}"/>
-          </ac:picMkLst>
-        </pc:picChg>
-      </pc:sldChg>
-      <pc:sldChg chg="addSp delSp modSp mod modAnim">
-        <pc:chgData name="Eduardo Martín-Sonseca.Alonso" userId="044a8a39323ca9b2" providerId="LiveId" clId="{F6C200FF-B7C6-45EA-B94B-3E06CF3AB5C5}" dt="2022-10-04T16:19:16.288" v="716"/>
-        <pc:sldMkLst>
-          <pc:docMk/>
-          <pc:sldMk cId="1106986487" sldId="261"/>
-        </pc:sldMkLst>
-        <pc:spChg chg="mod">
-          <ac:chgData name="Eduardo Martín-Sonseca.Alonso" userId="044a8a39323ca9b2" providerId="LiveId" clId="{F6C200FF-B7C6-45EA-B94B-3E06CF3AB5C5}" dt="2022-10-04T16:07:33.667" v="608" actId="26606"/>
-          <ac:spMkLst>
-            <pc:docMk/>
-            <pc:sldMk cId="1106986487" sldId="261"/>
-            <ac:spMk id="2" creationId="{71AEC653-CF21-4A83-8228-4AB13A9E6A67}"/>
-          </ac:spMkLst>
-        </pc:spChg>
-        <pc:spChg chg="mod">
-          <ac:chgData name="Eduardo Martín-Sonseca.Alonso" userId="044a8a39323ca9b2" providerId="LiveId" clId="{F6C200FF-B7C6-45EA-B94B-3E06CF3AB5C5}" dt="2022-10-04T16:10:01.083" v="630" actId="26606"/>
-          <ac:spMkLst>
-            <pc:docMk/>
-            <pc:sldMk cId="1106986487" sldId="261"/>
-            <ac:spMk id="3" creationId="{FDA276B4-AFA8-445E-BF46-D797C1B3F0B0}"/>
-          </ac:spMkLst>
-        </pc:spChg>
-        <pc:spChg chg="del">
-          <ac:chgData name="Eduardo Martín-Sonseca.Alonso" userId="044a8a39323ca9b2" providerId="LiveId" clId="{F6C200FF-B7C6-45EA-B94B-3E06CF3AB5C5}" dt="2022-10-04T16:07:33.667" v="608" actId="26606"/>
-          <ac:spMkLst>
-            <pc:docMk/>
-            <pc:sldMk cId="1106986487" sldId="261"/>
-            <ac:spMk id="14" creationId="{F13C74B1-5B17-4795-BED0-7140497B445A}"/>
-          </ac:spMkLst>
-        </pc:spChg>
-        <pc:spChg chg="del">
-          <ac:chgData name="Eduardo Martín-Sonseca.Alonso" userId="044a8a39323ca9b2" providerId="LiveId" clId="{F6C200FF-B7C6-45EA-B94B-3E06CF3AB5C5}" dt="2022-10-04T16:07:33.667" v="608" actId="26606"/>
-          <ac:spMkLst>
-            <pc:docMk/>
-            <pc:sldMk cId="1106986487" sldId="261"/>
-            <ac:spMk id="16" creationId="{D4974D33-8DC5-464E-8C6D-BE58F0669C17}"/>
-          </ac:spMkLst>
-        </pc:spChg>
-        <pc:spChg chg="add del">
-          <ac:chgData name="Eduardo Martín-Sonseca.Alonso" userId="044a8a39323ca9b2" providerId="LiveId" clId="{F6C200FF-B7C6-45EA-B94B-3E06CF3AB5C5}" dt="2022-10-04T16:10:01.083" v="630" actId="26606"/>
-          <ac:spMkLst>
-            <pc:docMk/>
-            <pc:sldMk cId="1106986487" sldId="261"/>
-            <ac:spMk id="21" creationId="{04812C46-200A-4DEB-A05E-3ED6C68C2387}"/>
-          </ac:spMkLst>
-        </pc:spChg>
-        <pc:spChg chg="add del">
-          <ac:chgData name="Eduardo Martín-Sonseca.Alonso" userId="044a8a39323ca9b2" providerId="LiveId" clId="{F6C200FF-B7C6-45EA-B94B-3E06CF3AB5C5}" dt="2022-10-04T16:10:01.083" v="630" actId="26606"/>
-          <ac:spMkLst>
-            <pc:docMk/>
-            <pc:sldMk cId="1106986487" sldId="261"/>
-            <ac:spMk id="23" creationId="{D1EA859B-E555-4109-94F3-6700E046E008}"/>
-          </ac:spMkLst>
-        </pc:spChg>
-        <pc:spChg chg="add del">
-          <ac:chgData name="Eduardo Martín-Sonseca.Alonso" userId="044a8a39323ca9b2" providerId="LiveId" clId="{F6C200FF-B7C6-45EA-B94B-3E06CF3AB5C5}" dt="2022-10-04T16:10:01.083" v="630" actId="26606"/>
-          <ac:spMkLst>
-            <pc:docMk/>
-            <pc:sldMk cId="1106986487" sldId="261"/>
-            <ac:spMk id="28" creationId="{04812C46-200A-4DEB-A05E-3ED6C68C2387}"/>
-          </ac:spMkLst>
-        </pc:spChg>
-        <pc:spChg chg="add del">
-          <ac:chgData name="Eduardo Martín-Sonseca.Alonso" userId="044a8a39323ca9b2" providerId="LiveId" clId="{F6C200FF-B7C6-45EA-B94B-3E06CF3AB5C5}" dt="2022-10-04T16:10:01.083" v="630" actId="26606"/>
-          <ac:spMkLst>
-            <pc:docMk/>
-            <pc:sldMk cId="1106986487" sldId="261"/>
-            <ac:spMk id="30" creationId="{D1EA859B-E555-4109-94F3-6700E046E008}"/>
-          </ac:spMkLst>
-        </pc:spChg>
-        <pc:picChg chg="add del mod">
-          <ac:chgData name="Eduardo Martín-Sonseca.Alonso" userId="044a8a39323ca9b2" providerId="LiveId" clId="{F6C200FF-B7C6-45EA-B94B-3E06CF3AB5C5}" dt="2022-10-04T16:08:29.426" v="613"/>
-          <ac:picMkLst>
-            <pc:docMk/>
-            <pc:sldMk cId="1106986487" sldId="261"/>
-            <ac:picMk id="4" creationId="{032A010B-B62F-72AB-DF97-6CB8A8DDA6C0}"/>
-          </ac:picMkLst>
-        </pc:picChg>
-        <pc:picChg chg="mod ord">
-          <ac:chgData name="Eduardo Martín-Sonseca.Alonso" userId="044a8a39323ca9b2" providerId="LiveId" clId="{F6C200FF-B7C6-45EA-B94B-3E06CF3AB5C5}" dt="2022-10-04T16:07:33.667" v="608" actId="26606"/>
-          <ac:picMkLst>
-            <pc:docMk/>
-            <pc:sldMk cId="1106986487" sldId="261"/>
-            <ac:picMk id="5" creationId="{21B6396A-5947-91FB-1762-0DA1EB72CEC5}"/>
-          </ac:picMkLst>
-        </pc:picChg>
-      </pc:sldChg>
-      <pc:sldChg chg="addSp delSp modSp add del mod modAnim">
-        <pc:chgData name="Eduardo Martín-Sonseca.Alonso" userId="044a8a39323ca9b2" providerId="LiveId" clId="{F6C200FF-B7C6-45EA-B94B-3E06CF3AB5C5}" dt="2022-10-04T16:19:24.011" v="721"/>
-        <pc:sldMkLst>
-          <pc:docMk/>
-          <pc:sldMk cId="1015946967" sldId="262"/>
-        </pc:sldMkLst>
-        <pc:spChg chg="mod">
-          <ac:chgData name="Eduardo Martín-Sonseca.Alonso" userId="044a8a39323ca9b2" providerId="LiveId" clId="{F6C200FF-B7C6-45EA-B94B-3E06CF3AB5C5}" dt="2022-10-04T16:10:14.765" v="632" actId="26606"/>
-          <ac:spMkLst>
-            <pc:docMk/>
-            <pc:sldMk cId="1015946967" sldId="262"/>
-            <ac:spMk id="2" creationId="{EEFFF1FB-241B-4CF4-A2C7-CFE2DA1A9AD1}"/>
-          </ac:spMkLst>
-        </pc:spChg>
-        <pc:spChg chg="mod">
-          <ac:chgData name="Eduardo Martín-Sonseca.Alonso" userId="044a8a39323ca9b2" providerId="LiveId" clId="{F6C200FF-B7C6-45EA-B94B-3E06CF3AB5C5}" dt="2022-10-04T16:10:14.765" v="632" actId="26606"/>
-          <ac:spMkLst>
-            <pc:docMk/>
-            <pc:sldMk cId="1015946967" sldId="262"/>
-            <ac:spMk id="4" creationId="{547BDE46-D058-433A-9BA3-B8680CF7D8BA}"/>
-          </ac:spMkLst>
-        </pc:spChg>
-        <pc:spChg chg="del">
-          <ac:chgData name="Eduardo Martín-Sonseca.Alonso" userId="044a8a39323ca9b2" providerId="LiveId" clId="{F6C200FF-B7C6-45EA-B94B-3E06CF3AB5C5}" dt="2022-10-04T16:10:14.765" v="632" actId="26606"/>
-          <ac:spMkLst>
-            <pc:docMk/>
-            <pc:sldMk cId="1015946967" sldId="262"/>
-            <ac:spMk id="10" creationId="{F13C74B1-5B17-4795-BED0-7140497B445A}"/>
-          </ac:spMkLst>
-        </pc:spChg>
-        <pc:spChg chg="del">
-          <ac:chgData name="Eduardo Martín-Sonseca.Alonso" userId="044a8a39323ca9b2" providerId="LiveId" clId="{F6C200FF-B7C6-45EA-B94B-3E06CF3AB5C5}" dt="2022-10-04T16:10:14.765" v="632" actId="26606"/>
-          <ac:spMkLst>
-            <pc:docMk/>
-            <pc:sldMk cId="1015946967" sldId="262"/>
-            <ac:spMk id="12" creationId="{D4974D33-8DC5-464E-8C6D-BE58F0669C17}"/>
-          </ac:spMkLst>
-        </pc:spChg>
-        <pc:spChg chg="add">
-          <ac:chgData name="Eduardo Martín-Sonseca.Alonso" userId="044a8a39323ca9b2" providerId="LiveId" clId="{F6C200FF-B7C6-45EA-B94B-3E06CF3AB5C5}" dt="2022-10-04T16:10:14.765" v="632" actId="26606"/>
-          <ac:spMkLst>
-            <pc:docMk/>
-            <pc:sldMk cId="1015946967" sldId="262"/>
-            <ac:spMk id="17" creationId="{04812C46-200A-4DEB-A05E-3ED6C68C2387}"/>
-          </ac:spMkLst>
-        </pc:spChg>
-        <pc:spChg chg="add">
-          <ac:chgData name="Eduardo Martín-Sonseca.Alonso" userId="044a8a39323ca9b2" providerId="LiveId" clId="{F6C200FF-B7C6-45EA-B94B-3E06CF3AB5C5}" dt="2022-10-04T16:10:14.765" v="632" actId="26606"/>
-          <ac:spMkLst>
-            <pc:docMk/>
-            <pc:sldMk cId="1015946967" sldId="262"/>
-            <ac:spMk id="19" creationId="{D1EA859B-E555-4109-94F3-6700E046E008}"/>
-          </ac:spMkLst>
-        </pc:spChg>
-        <pc:picChg chg="add del mod">
-          <ac:chgData name="Eduardo Martín-Sonseca.Alonso" userId="044a8a39323ca9b2" providerId="LiveId" clId="{F6C200FF-B7C6-45EA-B94B-3E06CF3AB5C5}" dt="2022-10-04T16:08:07.028" v="611" actId="478"/>
-          <ac:picMkLst>
-            <pc:docMk/>
-            <pc:sldMk cId="1015946967" sldId="262"/>
-            <ac:picMk id="3" creationId="{5A8AE9C6-D1A7-0FF4-271A-1C7FA8E060F4}"/>
-          </ac:picMkLst>
-        </pc:picChg>
-        <pc:picChg chg="mod ord">
-          <ac:chgData name="Eduardo Martín-Sonseca.Alonso" userId="044a8a39323ca9b2" providerId="LiveId" clId="{F6C200FF-B7C6-45EA-B94B-3E06CF3AB5C5}" dt="2022-10-04T16:10:14.765" v="632" actId="26606"/>
-          <ac:picMkLst>
-            <pc:docMk/>
-            <pc:sldMk cId="1015946967" sldId="262"/>
-            <ac:picMk id="6" creationId="{79AA5A64-38BA-1418-E9EA-6EB7A8A88E30}"/>
-          </ac:picMkLst>
-        </pc:picChg>
-        <pc:picChg chg="add del mod ord">
-          <ac:chgData name="Eduardo Martín-Sonseca.Alonso" userId="044a8a39323ca9b2" providerId="LiveId" clId="{F6C200FF-B7C6-45EA-B94B-3E06CF3AB5C5}" dt="2022-10-04T16:08:37.101" v="615" actId="478"/>
-          <ac:picMkLst>
-            <pc:docMk/>
-            <pc:sldMk cId="1015946967" sldId="262"/>
-            <ac:picMk id="7" creationId="{A3EE4586-9C1E-5459-8850-6B7767C1F058}"/>
-          </ac:picMkLst>
-        </pc:picChg>
-      </pc:sldChg>
-      <pc:sldChg chg="addSp delSp modSp mod modAnim">
-        <pc:chgData name="Eduardo Martín-Sonseca.Alonso" userId="044a8a39323ca9b2" providerId="LiveId" clId="{F6C200FF-B7C6-45EA-B94B-3E06CF3AB5C5}" dt="2022-10-04T16:19:30.015" v="725"/>
-        <pc:sldMkLst>
-          <pc:docMk/>
-          <pc:sldMk cId="3858405899" sldId="263"/>
-        </pc:sldMkLst>
-        <pc:spChg chg="mod">
-          <ac:chgData name="Eduardo Martín-Sonseca.Alonso" userId="044a8a39323ca9b2" providerId="LiveId" clId="{F6C200FF-B7C6-45EA-B94B-3E06CF3AB5C5}" dt="2022-10-04T16:12:58.741" v="649" actId="26606"/>
-          <ac:spMkLst>
-            <pc:docMk/>
-            <pc:sldMk cId="3858405899" sldId="263"/>
-            <ac:spMk id="2" creationId="{0CD28B4F-CA59-40E4-9706-0BB2A315AE0A}"/>
-          </ac:spMkLst>
-        </pc:spChg>
-        <pc:spChg chg="mod">
-          <ac:chgData name="Eduardo Martín-Sonseca.Alonso" userId="044a8a39323ca9b2" providerId="LiveId" clId="{F6C200FF-B7C6-45EA-B94B-3E06CF3AB5C5}" dt="2022-10-04T16:12:58.741" v="649" actId="26606"/>
-          <ac:spMkLst>
-            <pc:docMk/>
-            <pc:sldMk cId="3858405899" sldId="263"/>
-            <ac:spMk id="4" creationId="{A779A601-EB60-48FD-93E8-41E0FF30C6FB}"/>
-          </ac:spMkLst>
-        </pc:spChg>
-        <pc:spChg chg="del">
-          <ac:chgData name="Eduardo Martín-Sonseca.Alonso" userId="044a8a39323ca9b2" providerId="LiveId" clId="{F6C200FF-B7C6-45EA-B94B-3E06CF3AB5C5}" dt="2022-10-04T16:11:28.615" v="637" actId="26606"/>
-          <ac:spMkLst>
-            <pc:docMk/>
-            <pc:sldMk cId="3858405899" sldId="263"/>
-            <ac:spMk id="10" creationId="{F13C74B1-5B17-4795-BED0-7140497B445A}"/>
-          </ac:spMkLst>
-        </pc:spChg>
-        <pc:spChg chg="del">
-          <ac:chgData name="Eduardo Martín-Sonseca.Alonso" userId="044a8a39323ca9b2" providerId="LiveId" clId="{F6C200FF-B7C6-45EA-B94B-3E06CF3AB5C5}" dt="2022-10-04T16:11:28.615" v="637" actId="26606"/>
-          <ac:spMkLst>
-            <pc:docMk/>
-            <pc:sldMk cId="3858405899" sldId="263"/>
-            <ac:spMk id="12" creationId="{D4974D33-8DC5-464E-8C6D-BE58F0669C17}"/>
-          </ac:spMkLst>
-        </pc:spChg>
-        <pc:spChg chg="add del">
-          <ac:chgData name="Eduardo Martín-Sonseca.Alonso" userId="044a8a39323ca9b2" providerId="LiveId" clId="{F6C200FF-B7C6-45EA-B94B-3E06CF3AB5C5}" dt="2022-10-04T16:12:31.588" v="645" actId="26606"/>
-          <ac:spMkLst>
-            <pc:docMk/>
-            <pc:sldMk cId="3858405899" sldId="263"/>
-            <ac:spMk id="17" creationId="{04812C46-200A-4DEB-A05E-3ED6C68C2387}"/>
-          </ac:spMkLst>
-        </pc:spChg>
-        <pc:spChg chg="add del">
-          <ac:chgData name="Eduardo Martín-Sonseca.Alonso" userId="044a8a39323ca9b2" providerId="LiveId" clId="{F6C200FF-B7C6-45EA-B94B-3E06CF3AB5C5}" dt="2022-10-04T16:12:31.588" v="645" actId="26606"/>
-          <ac:spMkLst>
-            <pc:docMk/>
-            <pc:sldMk cId="3858405899" sldId="263"/>
-            <ac:spMk id="19" creationId="{D1EA859B-E555-4109-94F3-6700E046E008}"/>
-          </ac:spMkLst>
-        </pc:spChg>
-        <pc:spChg chg="add del">
-          <ac:chgData name="Eduardo Martín-Sonseca.Alonso" userId="044a8a39323ca9b2" providerId="LiveId" clId="{F6C200FF-B7C6-45EA-B94B-3E06CF3AB5C5}" dt="2022-10-04T16:12:58.741" v="649" actId="26606"/>
-          <ac:spMkLst>
-            <pc:docMk/>
-            <pc:sldMk cId="3858405899" sldId="263"/>
-            <ac:spMk id="24" creationId="{F94AA2BD-2E3F-4B1D-8127-5744B8115311}"/>
-          </ac:spMkLst>
-        </pc:spChg>
-        <pc:spChg chg="add del">
-          <ac:chgData name="Eduardo Martín-Sonseca.Alonso" userId="044a8a39323ca9b2" providerId="LiveId" clId="{F6C200FF-B7C6-45EA-B94B-3E06CF3AB5C5}" dt="2022-10-04T16:12:58.741" v="649" actId="26606"/>
-          <ac:spMkLst>
-            <pc:docMk/>
-            <pc:sldMk cId="3858405899" sldId="263"/>
-            <ac:spMk id="26" creationId="{4BD02261-2DC8-4AA8-9E16-7751AE892445}"/>
-          </ac:spMkLst>
-        </pc:spChg>
-        <pc:spChg chg="add del">
-          <ac:chgData name="Eduardo Martín-Sonseca.Alonso" userId="044a8a39323ca9b2" providerId="LiveId" clId="{F6C200FF-B7C6-45EA-B94B-3E06CF3AB5C5}" dt="2022-10-04T16:12:58.741" v="649" actId="26606"/>
-          <ac:spMkLst>
-            <pc:docMk/>
-            <pc:sldMk cId="3858405899" sldId="263"/>
-            <ac:spMk id="28" creationId="{3D752CF2-2291-40B5-B462-C17B174C10BC}"/>
-          </ac:spMkLst>
-        </pc:spChg>
-        <pc:spChg chg="add">
-          <ac:chgData name="Eduardo Martín-Sonseca.Alonso" userId="044a8a39323ca9b2" providerId="LiveId" clId="{F6C200FF-B7C6-45EA-B94B-3E06CF3AB5C5}" dt="2022-10-04T16:12:58.741" v="649" actId="26606"/>
-          <ac:spMkLst>
-            <pc:docMk/>
-            <pc:sldMk cId="3858405899" sldId="263"/>
-            <ac:spMk id="33" creationId="{04812C46-200A-4DEB-A05E-3ED6C68C2387}"/>
-          </ac:spMkLst>
-        </pc:spChg>
-        <pc:spChg chg="add">
-          <ac:chgData name="Eduardo Martín-Sonseca.Alonso" userId="044a8a39323ca9b2" providerId="LiveId" clId="{F6C200FF-B7C6-45EA-B94B-3E06CF3AB5C5}" dt="2022-10-04T16:12:58.741" v="649" actId="26606"/>
-          <ac:spMkLst>
-            <pc:docMk/>
-            <pc:sldMk cId="3858405899" sldId="263"/>
-            <ac:spMk id="35" creationId="{D1EA859B-E555-4109-94F3-6700E046E008}"/>
-          </ac:spMkLst>
-        </pc:spChg>
-        <pc:picChg chg="add del mod">
-          <ac:chgData name="Eduardo Martín-Sonseca.Alonso" userId="044a8a39323ca9b2" providerId="LiveId" clId="{F6C200FF-B7C6-45EA-B94B-3E06CF3AB5C5}" dt="2022-10-04T16:10:36.699" v="634" actId="478"/>
-          <ac:picMkLst>
-            <pc:docMk/>
-            <pc:sldMk cId="3858405899" sldId="263"/>
-            <ac:picMk id="3" creationId="{322A5B0C-DB93-3457-621A-E7B552D74C25}"/>
-          </ac:picMkLst>
-        </pc:picChg>
-        <pc:picChg chg="del mod ord">
-          <ac:chgData name="Eduardo Martín-Sonseca.Alonso" userId="044a8a39323ca9b2" providerId="LiveId" clId="{F6C200FF-B7C6-45EA-B94B-3E06CF3AB5C5}" dt="2022-10-04T16:12:43.001" v="646" actId="478"/>
-          <ac:picMkLst>
-            <pc:docMk/>
-            <pc:sldMk cId="3858405899" sldId="263"/>
-            <ac:picMk id="6" creationId="{C263EEF0-96AD-EB64-177B-B07104601C26}"/>
-          </ac:picMkLst>
-        </pc:picChg>
-        <pc:picChg chg="add mod ord">
-          <ac:chgData name="Eduardo Martín-Sonseca.Alonso" userId="044a8a39323ca9b2" providerId="LiveId" clId="{F6C200FF-B7C6-45EA-B94B-3E06CF3AB5C5}" dt="2022-10-04T16:12:49.779" v="648" actId="167"/>
-          <ac:picMkLst>
-            <pc:docMk/>
-            <pc:sldMk cId="3858405899" sldId="263"/>
-            <ac:picMk id="7" creationId="{CB28650D-5BCE-E86D-9875-DDB208C75F95}"/>
-          </ac:picMkLst>
-        </pc:picChg>
-      </pc:sldChg>
-      <pc:sldChg chg="addSp delSp modSp mod modAnim">
-        <pc:chgData name="Eduardo Martín-Sonseca.Alonso" userId="044a8a39323ca9b2" providerId="LiveId" clId="{F6C200FF-B7C6-45EA-B94B-3E06CF3AB5C5}" dt="2022-10-04T16:19:35.707" v="730"/>
-        <pc:sldMkLst>
-          <pc:docMk/>
-          <pc:sldMk cId="3580276719" sldId="264"/>
-        </pc:sldMkLst>
-        <pc:spChg chg="mod">
-          <ac:chgData name="Eduardo Martín-Sonseca.Alonso" userId="044a8a39323ca9b2" providerId="LiveId" clId="{F6C200FF-B7C6-45EA-B94B-3E06CF3AB5C5}" dt="2022-10-04T16:13:17.578" v="652" actId="26606"/>
-          <ac:spMkLst>
-            <pc:docMk/>
-            <pc:sldMk cId="3580276719" sldId="264"/>
-            <ac:spMk id="2" creationId="{8BC7EFD9-5CAF-431F-A9FF-09DE566F3543}"/>
-          </ac:spMkLst>
-        </pc:spChg>
-        <pc:spChg chg="mod">
-          <ac:chgData name="Eduardo Martín-Sonseca.Alonso" userId="044a8a39323ca9b2" providerId="LiveId" clId="{F6C200FF-B7C6-45EA-B94B-3E06CF3AB5C5}" dt="2022-10-04T16:13:17.578" v="652" actId="26606"/>
-          <ac:spMkLst>
-            <pc:docMk/>
-            <pc:sldMk cId="3580276719" sldId="264"/>
-            <ac:spMk id="3" creationId="{29A8ECE2-FE08-4C93-9877-2C065094BC53}"/>
-          </ac:spMkLst>
-        </pc:spChg>
-        <pc:spChg chg="del">
-          <ac:chgData name="Eduardo Martín-Sonseca.Alonso" userId="044a8a39323ca9b2" providerId="LiveId" clId="{F6C200FF-B7C6-45EA-B94B-3E06CF3AB5C5}" dt="2022-10-04T16:13:17.578" v="652" actId="26606"/>
-          <ac:spMkLst>
-            <pc:docMk/>
-            <pc:sldMk cId="3580276719" sldId="264"/>
-            <ac:spMk id="21" creationId="{F13C74B1-5B17-4795-BED0-7140497B445A}"/>
-          </ac:spMkLst>
-        </pc:spChg>
-        <pc:spChg chg="del">
-          <ac:chgData name="Eduardo Martín-Sonseca.Alonso" userId="044a8a39323ca9b2" providerId="LiveId" clId="{F6C200FF-B7C6-45EA-B94B-3E06CF3AB5C5}" dt="2022-10-04T16:13:17.578" v="652" actId="26606"/>
-          <ac:spMkLst>
-            <pc:docMk/>
-            <pc:sldMk cId="3580276719" sldId="264"/>
-            <ac:spMk id="23" creationId="{D4974D33-8DC5-464E-8C6D-BE58F0669C17}"/>
-          </ac:spMkLst>
-        </pc:spChg>
-        <pc:spChg chg="add">
-          <ac:chgData name="Eduardo Martín-Sonseca.Alonso" userId="044a8a39323ca9b2" providerId="LiveId" clId="{F6C200FF-B7C6-45EA-B94B-3E06CF3AB5C5}" dt="2022-10-04T16:13:17.578" v="652" actId="26606"/>
-          <ac:spMkLst>
-            <pc:docMk/>
-            <pc:sldMk cId="3580276719" sldId="264"/>
-            <ac:spMk id="28" creationId="{04812C46-200A-4DEB-A05E-3ED6C68C2387}"/>
-          </ac:spMkLst>
-        </pc:spChg>
-        <pc:spChg chg="add">
-          <ac:chgData name="Eduardo Martín-Sonseca.Alonso" userId="044a8a39323ca9b2" providerId="LiveId" clId="{F6C200FF-B7C6-45EA-B94B-3E06CF3AB5C5}" dt="2022-10-04T16:13:17.578" v="652" actId="26606"/>
-          <ac:spMkLst>
-            <pc:docMk/>
-            <pc:sldMk cId="3580276719" sldId="264"/>
-            <ac:spMk id="30" creationId="{D1EA859B-E555-4109-94F3-6700E046E008}"/>
-          </ac:spMkLst>
-        </pc:spChg>
-        <pc:picChg chg="add del mod">
-          <ac:chgData name="Eduardo Martín-Sonseca.Alonso" userId="044a8a39323ca9b2" providerId="LiveId" clId="{F6C200FF-B7C6-45EA-B94B-3E06CF3AB5C5}" dt="2022-10-04T16:10:50.289" v="635" actId="478"/>
-          <ac:picMkLst>
-            <pc:docMk/>
-            <pc:sldMk cId="3580276719" sldId="264"/>
-            <ac:picMk id="4" creationId="{966DBF5B-50F7-275E-84B0-A0A5B1DBDF38}"/>
-          </ac:picMkLst>
-        </pc:picChg>
-        <pc:picChg chg="del">
-          <ac:chgData name="Eduardo Martín-Sonseca.Alonso" userId="044a8a39323ca9b2" providerId="LiveId" clId="{F6C200FF-B7C6-45EA-B94B-3E06CF3AB5C5}" dt="2022-10-04T16:10:51.451" v="636" actId="478"/>
-          <ac:picMkLst>
-            <pc:docMk/>
-            <pc:sldMk cId="3580276719" sldId="264"/>
-            <ac:picMk id="5" creationId="{5331785D-2CFF-B332-5634-22F0E76967B1}"/>
-          </ac:picMkLst>
-        </pc:picChg>
-        <pc:picChg chg="add mod ord">
-          <ac:chgData name="Eduardo Martín-Sonseca.Alonso" userId="044a8a39323ca9b2" providerId="LiveId" clId="{F6C200FF-B7C6-45EA-B94B-3E06CF3AB5C5}" dt="2022-10-04T16:13:09.343" v="651" actId="167"/>
-          <ac:picMkLst>
-            <pc:docMk/>
-            <pc:sldMk cId="3580276719" sldId="264"/>
-            <ac:picMk id="7" creationId="{1318ED78-26C3-DCB2-F1A0-481B28209006}"/>
-          </ac:picMkLst>
-        </pc:picChg>
-      </pc:sldChg>
-      <pc:sldChg chg="addSp delSp modSp mod modAnim">
-        <pc:chgData name="Eduardo Martín-Sonseca.Alonso" userId="044a8a39323ca9b2" providerId="LiveId" clId="{F6C200FF-B7C6-45EA-B94B-3E06CF3AB5C5}" dt="2022-10-04T16:19:54.076" v="737"/>
-        <pc:sldMkLst>
-          <pc:docMk/>
-          <pc:sldMk cId="4137332662" sldId="265"/>
-        </pc:sldMkLst>
-        <pc:spChg chg="add mod">
-          <ac:chgData name="Eduardo Martín-Sonseca.Alonso" userId="044a8a39323ca9b2" providerId="LiveId" clId="{F6C200FF-B7C6-45EA-B94B-3E06CF3AB5C5}" dt="2022-10-04T15:28:29.326" v="188" actId="14100"/>
-          <ac:spMkLst>
-            <pc:docMk/>
-            <pc:sldMk cId="4137332662" sldId="265"/>
-            <ac:spMk id="4" creationId="{F1E1F019-AE81-B16F-5ABB-78D9B2DD70F3}"/>
-          </ac:spMkLst>
-        </pc:spChg>
-        <pc:picChg chg="add del mod">
-          <ac:chgData name="Eduardo Martín-Sonseca.Alonso" userId="044a8a39323ca9b2" providerId="LiveId" clId="{F6C200FF-B7C6-45EA-B94B-3E06CF3AB5C5}" dt="2022-10-04T16:11:48.582" v="638" actId="478"/>
-          <ac:picMkLst>
-            <pc:docMk/>
-            <pc:sldMk cId="4137332662" sldId="265"/>
-            <ac:picMk id="5" creationId="{D55F3B91-4FEB-F50C-F3F7-000E22ACE4B6}"/>
-          </ac:picMkLst>
-        </pc:picChg>
-      </pc:sldChg>
-      <pc:sldChg chg="addSp delSp modSp new add del mod modAnim">
-        <pc:chgData name="Eduardo Martín-Sonseca.Alonso" userId="044a8a39323ca9b2" providerId="LiveId" clId="{F6C200FF-B7C6-45EA-B94B-3E06CF3AB5C5}" dt="2022-10-04T16:19:58.594" v="739"/>
-        <pc:sldMkLst>
-          <pc:docMk/>
-          <pc:sldMk cId="1986842871" sldId="266"/>
-        </pc:sldMkLst>
-        <pc:spChg chg="mod">
-          <ac:chgData name="Eduardo Martín-Sonseca.Alonso" userId="044a8a39323ca9b2" providerId="LiveId" clId="{F6C200FF-B7C6-45EA-B94B-3E06CF3AB5C5}" dt="2022-10-04T15:13:24.683" v="35" actId="20577"/>
-          <ac:spMkLst>
-            <pc:docMk/>
-            <pc:sldMk cId="1986842871" sldId="266"/>
-            <ac:spMk id="2" creationId="{F0C22993-4CD9-EBAF-934E-DB27FCD13528}"/>
-          </ac:spMkLst>
-        </pc:spChg>
-        <pc:spChg chg="add mod">
-          <ac:chgData name="Eduardo Martín-Sonseca.Alonso" userId="044a8a39323ca9b2" providerId="LiveId" clId="{F6C200FF-B7C6-45EA-B94B-3E06CF3AB5C5}" dt="2022-10-04T15:28:36.149" v="189"/>
-          <ac:spMkLst>
-            <pc:docMk/>
-            <pc:sldMk cId="1986842871" sldId="266"/>
-            <ac:spMk id="4" creationId="{EEC22C99-7282-A5BD-FD99-9AA99FF036C0}"/>
-          </ac:spMkLst>
-        </pc:spChg>
-        <pc:picChg chg="add del mod">
-          <ac:chgData name="Eduardo Martín-Sonseca.Alonso" userId="044a8a39323ca9b2" providerId="LiveId" clId="{F6C200FF-B7C6-45EA-B94B-3E06CF3AB5C5}" dt="2022-10-04T16:11:56.713" v="641" actId="478"/>
-          <ac:picMkLst>
-            <pc:docMk/>
-            <pc:sldMk cId="1986842871" sldId="266"/>
-            <ac:picMk id="5" creationId="{ED840ED9-B71A-A36C-0B28-AB30DE668FA3}"/>
-          </ac:picMkLst>
-        </pc:picChg>
-      </pc:sldChg>
-      <pc:sldChg chg="addSp delSp modSp new mod modAnim">
-        <pc:chgData name="Eduardo Martín-Sonseca.Alonso" userId="044a8a39323ca9b2" providerId="LiveId" clId="{F6C200FF-B7C6-45EA-B94B-3E06CF3AB5C5}" dt="2022-10-04T16:20:04.859" v="741"/>
-        <pc:sldMkLst>
-          <pc:docMk/>
-          <pc:sldMk cId="147166308" sldId="267"/>
-        </pc:sldMkLst>
-        <pc:spChg chg="mod">
-          <ac:chgData name="Eduardo Martín-Sonseca.Alonso" userId="044a8a39323ca9b2" providerId="LiveId" clId="{F6C200FF-B7C6-45EA-B94B-3E06CF3AB5C5}" dt="2022-10-04T15:23:12.354" v="50" actId="20577"/>
-          <ac:spMkLst>
-            <pc:docMk/>
-            <pc:sldMk cId="147166308" sldId="267"/>
-            <ac:spMk id="2" creationId="{AF782538-6BA3-40E9-97C7-BA07F82D710C}"/>
-          </ac:spMkLst>
-        </pc:spChg>
-        <pc:spChg chg="add mod">
-          <ac:chgData name="Eduardo Martín-Sonseca.Alonso" userId="044a8a39323ca9b2" providerId="LiveId" clId="{F6C200FF-B7C6-45EA-B94B-3E06CF3AB5C5}" dt="2022-10-04T15:28:38.288" v="190"/>
-          <ac:spMkLst>
-            <pc:docMk/>
-            <pc:sldMk cId="147166308" sldId="267"/>
-            <ac:spMk id="4" creationId="{458A7921-403F-ED21-3E2F-51270E6BAA2B}"/>
-          </ac:spMkLst>
-        </pc:spChg>
-        <pc:picChg chg="add del mod">
-          <ac:chgData name="Eduardo Martín-Sonseca.Alonso" userId="044a8a39323ca9b2" providerId="LiveId" clId="{F6C200FF-B7C6-45EA-B94B-3E06CF3AB5C5}" dt="2022-10-04T16:11:58.535" v="642" actId="478"/>
-          <ac:picMkLst>
-            <pc:docMk/>
-            <pc:sldMk cId="147166308" sldId="267"/>
-            <ac:picMk id="5" creationId="{787E73FC-C81F-63B4-CE99-08439105FB8E}"/>
-          </ac:picMkLst>
-        </pc:picChg>
-      </pc:sldChg>
-      <pc:sldChg chg="addSp delSp modSp new mod modAnim">
-        <pc:chgData name="Eduardo Martín-Sonseca.Alonso" userId="044a8a39323ca9b2" providerId="LiveId" clId="{F6C200FF-B7C6-45EA-B94B-3E06CF3AB5C5}" dt="2022-10-04T16:20:09.530" v="743"/>
-        <pc:sldMkLst>
-          <pc:docMk/>
-          <pc:sldMk cId="2542492578" sldId="268"/>
-        </pc:sldMkLst>
-        <pc:spChg chg="mod">
-          <ac:chgData name="Eduardo Martín-Sonseca.Alonso" userId="044a8a39323ca9b2" providerId="LiveId" clId="{F6C200FF-B7C6-45EA-B94B-3E06CF3AB5C5}" dt="2022-10-04T15:25:21.033" v="83" actId="20577"/>
-          <ac:spMkLst>
-            <pc:docMk/>
-            <pc:sldMk cId="2542492578" sldId="268"/>
-            <ac:spMk id="2" creationId="{8607B768-0810-B456-80FF-C4AE6555F84F}"/>
-          </ac:spMkLst>
-        </pc:spChg>
-        <pc:spChg chg="add mod">
-          <ac:chgData name="Eduardo Martín-Sonseca.Alonso" userId="044a8a39323ca9b2" providerId="LiveId" clId="{F6C200FF-B7C6-45EA-B94B-3E06CF3AB5C5}" dt="2022-10-04T15:28:40.394" v="191"/>
-          <ac:spMkLst>
-            <pc:docMk/>
-            <pc:sldMk cId="2542492578" sldId="268"/>
-            <ac:spMk id="4" creationId="{3E441317-6587-C5CB-E408-F463C0E185BF}"/>
-          </ac:spMkLst>
-        </pc:spChg>
-        <pc:picChg chg="add del mod">
-          <ac:chgData name="Eduardo Martín-Sonseca.Alonso" userId="044a8a39323ca9b2" providerId="LiveId" clId="{F6C200FF-B7C6-45EA-B94B-3E06CF3AB5C5}" dt="2022-10-04T16:12:01.045" v="643" actId="478"/>
-          <ac:picMkLst>
-            <pc:docMk/>
-            <pc:sldMk cId="2542492578" sldId="268"/>
-            <ac:picMk id="5" creationId="{B1FCBD92-22AD-4AFA-0EF1-21F7C6E9884C}"/>
-          </ac:picMkLst>
-        </pc:picChg>
-      </pc:sldChg>
-      <pc:sldChg chg="addSp delSp modSp new mod modAnim">
-        <pc:chgData name="Eduardo Martín-Sonseca.Alonso" userId="044a8a39323ca9b2" providerId="LiveId" clId="{F6C200FF-B7C6-45EA-B94B-3E06CF3AB5C5}" dt="2022-10-04T16:20:14.892" v="745"/>
-        <pc:sldMkLst>
-          <pc:docMk/>
-          <pc:sldMk cId="2049985783" sldId="269"/>
-        </pc:sldMkLst>
-        <pc:spChg chg="mod">
-          <ac:chgData name="Eduardo Martín-Sonseca.Alonso" userId="044a8a39323ca9b2" providerId="LiveId" clId="{F6C200FF-B7C6-45EA-B94B-3E06CF3AB5C5}" dt="2022-10-04T15:25:34.226" v="97" actId="20577"/>
-          <ac:spMkLst>
-            <pc:docMk/>
-            <pc:sldMk cId="2049985783" sldId="269"/>
-            <ac:spMk id="2" creationId="{C72BE69A-9CC3-B6DB-D96B-D5B859E8B1E0}"/>
-          </ac:spMkLst>
-        </pc:spChg>
-        <pc:spChg chg="add mod">
-          <ac:chgData name="Eduardo Martín-Sonseca.Alonso" userId="044a8a39323ca9b2" providerId="LiveId" clId="{F6C200FF-B7C6-45EA-B94B-3E06CF3AB5C5}" dt="2022-10-04T15:28:43.098" v="192"/>
-          <ac:spMkLst>
-            <pc:docMk/>
-            <pc:sldMk cId="2049985783" sldId="269"/>
-            <ac:spMk id="4" creationId="{DD183648-FD5B-F4B3-C1E9-1BEB2C4915DD}"/>
-          </ac:spMkLst>
-        </pc:spChg>
-        <pc:picChg chg="add del mod">
-          <ac:chgData name="Eduardo Martín-Sonseca.Alonso" userId="044a8a39323ca9b2" providerId="LiveId" clId="{F6C200FF-B7C6-45EA-B94B-3E06CF3AB5C5}" dt="2022-10-04T16:12:03.760" v="644" actId="478"/>
-          <ac:picMkLst>
-            <pc:docMk/>
-            <pc:sldMk cId="2049985783" sldId="269"/>
-            <ac:picMk id="5" creationId="{82757795-4F4D-FDA7-B7D0-BF48AFA35495}"/>
-          </ac:picMkLst>
-        </pc:picChg>
-      </pc:sldChg>
-      <pc:sldChg chg="addSp delSp modSp new mod modAnim">
-        <pc:chgData name="Eduardo Martín-Sonseca.Alonso" userId="044a8a39323ca9b2" providerId="LiveId" clId="{F6C200FF-B7C6-45EA-B94B-3E06CF3AB5C5}" dt="2022-10-04T16:20:19.601" v="747"/>
-        <pc:sldMkLst>
-          <pc:docMk/>
-          <pc:sldMk cId="43089264" sldId="270"/>
-        </pc:sldMkLst>
-        <pc:spChg chg="mod">
-          <ac:chgData name="Eduardo Martín-Sonseca.Alonso" userId="044a8a39323ca9b2" providerId="LiveId" clId="{F6C200FF-B7C6-45EA-B94B-3E06CF3AB5C5}" dt="2022-10-04T15:25:50.067" v="110" actId="20577"/>
-          <ac:spMkLst>
-            <pc:docMk/>
-            <pc:sldMk cId="43089264" sldId="270"/>
-            <ac:spMk id="2" creationId="{45FB622A-3735-1AE0-8C20-270A97E71FEC}"/>
-          </ac:spMkLst>
-        </pc:spChg>
-        <pc:spChg chg="del mod">
-          <ac:chgData name="Eduardo Martín-Sonseca.Alonso" userId="044a8a39323ca9b2" providerId="LiveId" clId="{F6C200FF-B7C6-45EA-B94B-3E06CF3AB5C5}" dt="2022-10-04T16:01:58.282" v="554" actId="21"/>
-          <ac:spMkLst>
-            <pc:docMk/>
-            <pc:sldMk cId="43089264" sldId="270"/>
-            <ac:spMk id="3" creationId="{37FBD6FF-0C7F-EEA9-373F-62397C957295}"/>
-          </ac:spMkLst>
-        </pc:spChg>
-        <pc:spChg chg="add mod">
-          <ac:chgData name="Eduardo Martín-Sonseca.Alonso" userId="044a8a39323ca9b2" providerId="LiveId" clId="{F6C200FF-B7C6-45EA-B94B-3E06CF3AB5C5}" dt="2022-10-04T15:28:45.390" v="193"/>
-          <ac:spMkLst>
-            <pc:docMk/>
-            <pc:sldMk cId="43089264" sldId="270"/>
-            <ac:spMk id="4" creationId="{8729478B-DE65-B677-CBEA-EE8228474FB1}"/>
-          </ac:spMkLst>
-        </pc:spChg>
-        <pc:spChg chg="add del mod">
-          <ac:chgData name="Eduardo Martín-Sonseca.Alonso" userId="044a8a39323ca9b2" providerId="LiveId" clId="{F6C200FF-B7C6-45EA-B94B-3E06CF3AB5C5}" dt="2022-10-04T16:01:58.282" v="554" actId="21"/>
-          <ac:spMkLst>
-            <pc:docMk/>
-            <pc:sldMk cId="43089264" sldId="270"/>
-            <ac:spMk id="5" creationId="{518EDA90-6C0F-CE35-07B2-D1E39BF2F66A}"/>
-          </ac:spMkLst>
-        </pc:spChg>
-        <pc:spChg chg="add del mod">
-          <ac:chgData name="Eduardo Martín-Sonseca.Alonso" userId="044a8a39323ca9b2" providerId="LiveId" clId="{F6C200FF-B7C6-45EA-B94B-3E06CF3AB5C5}" dt="2022-10-04T15:33:34.621" v="250" actId="478"/>
-          <ac:spMkLst>
-            <pc:docMk/>
-            <pc:sldMk cId="43089264" sldId="270"/>
-            <ac:spMk id="7" creationId="{F189E436-8B69-CEFC-9EA9-284E520A99D4}"/>
-          </ac:spMkLst>
-        </pc:spChg>
-        <pc:spChg chg="add del mod">
-          <ac:chgData name="Eduardo Martín-Sonseca.Alonso" userId="044a8a39323ca9b2" providerId="LiveId" clId="{F6C200FF-B7C6-45EA-B94B-3E06CF3AB5C5}" dt="2022-10-04T16:01:58.282" v="554" actId="21"/>
-          <ac:spMkLst>
-            <pc:docMk/>
-            <pc:sldMk cId="43089264" sldId="270"/>
-            <ac:spMk id="9" creationId="{69D1B8BC-7FC3-C276-8070-393FFD02BC5C}"/>
-          </ac:spMkLst>
-        </pc:spChg>
-        <pc:spChg chg="add del">
-          <ac:chgData name="Eduardo Martín-Sonseca.Alonso" userId="044a8a39323ca9b2" providerId="LiveId" clId="{F6C200FF-B7C6-45EA-B94B-3E06CF3AB5C5}" dt="2022-10-04T15:43:35.455" v="335" actId="22"/>
-          <ac:spMkLst>
-            <pc:docMk/>
-            <pc:sldMk cId="43089264" sldId="270"/>
-            <ac:spMk id="11" creationId="{0951AD6F-D106-2DCE-1748-E05E2DD2330F}"/>
-          </ac:spMkLst>
-        </pc:spChg>
-        <pc:spChg chg="add del mod">
-          <ac:chgData name="Eduardo Martín-Sonseca.Alonso" userId="044a8a39323ca9b2" providerId="LiveId" clId="{F6C200FF-B7C6-45EA-B94B-3E06CF3AB5C5}" dt="2022-10-04T16:01:58.282" v="554" actId="21"/>
-          <ac:spMkLst>
-            <pc:docMk/>
-            <pc:sldMk cId="43089264" sldId="270"/>
-            <ac:spMk id="12" creationId="{5101C94E-C9CE-6752-3D62-58787D00ED71}"/>
-          </ac:spMkLst>
-        </pc:spChg>
-        <pc:spChg chg="add del mod">
-          <ac:chgData name="Eduardo Martín-Sonseca.Alonso" userId="044a8a39323ca9b2" providerId="LiveId" clId="{F6C200FF-B7C6-45EA-B94B-3E06CF3AB5C5}" dt="2022-10-04T16:01:58.282" v="554" actId="21"/>
-          <ac:spMkLst>
-            <pc:docMk/>
-            <pc:sldMk cId="43089264" sldId="270"/>
-            <ac:spMk id="14" creationId="{832ACF11-A429-C4D4-2B7E-78C6ED59B063}"/>
-          </ac:spMkLst>
-        </pc:spChg>
-        <pc:spChg chg="add del mod">
-          <ac:chgData name="Eduardo Martín-Sonseca.Alonso" userId="044a8a39323ca9b2" providerId="LiveId" clId="{F6C200FF-B7C6-45EA-B94B-3E06CF3AB5C5}" dt="2022-10-04T16:02:06.394" v="555" actId="478"/>
-          <ac:spMkLst>
-            <pc:docMk/>
-            <pc:sldMk cId="43089264" sldId="270"/>
-            <ac:spMk id="16" creationId="{7105D972-ADB0-8998-D369-F3F44198D488}"/>
-          </ac:spMkLst>
-        </pc:spChg>
-        <pc:spChg chg="add mod">
-          <ac:chgData name="Eduardo Martín-Sonseca.Alonso" userId="044a8a39323ca9b2" providerId="LiveId" clId="{F6C200FF-B7C6-45EA-B94B-3E06CF3AB5C5}" dt="2022-10-04T16:02:08.171" v="556"/>
-          <ac:spMkLst>
-            <pc:docMk/>
-            <pc:sldMk cId="43089264" sldId="270"/>
-            <ac:spMk id="17" creationId="{E6B48D0B-0218-7491-FC5B-6BDB70BE77A7}"/>
-          </ac:spMkLst>
-        </pc:spChg>
-        <pc:spChg chg="add del mod">
-          <ac:chgData name="Eduardo Martín-Sonseca.Alonso" userId="044a8a39323ca9b2" providerId="LiveId" clId="{F6C200FF-B7C6-45EA-B94B-3E06CF3AB5C5}" dt="2022-10-04T16:02:23.648" v="558" actId="21"/>
-          <ac:spMkLst>
-            <pc:docMk/>
-            <pc:sldMk cId="43089264" sldId="270"/>
-            <ac:spMk id="18" creationId="{19844975-069F-06EC-9409-0CF0F9750A4B}"/>
-          </ac:spMkLst>
-        </pc:spChg>
-        <pc:spChg chg="add del mod">
-          <ac:chgData name="Eduardo Martín-Sonseca.Alonso" userId="044a8a39323ca9b2" providerId="LiveId" clId="{F6C200FF-B7C6-45EA-B94B-3E06CF3AB5C5}" dt="2022-10-04T16:02:23.648" v="558" actId="21"/>
-          <ac:spMkLst>
-            <pc:docMk/>
-            <pc:sldMk cId="43089264" sldId="270"/>
-            <ac:spMk id="19" creationId="{30B557D0-FD71-E7A7-0F6E-353596D44F3B}"/>
-          </ac:spMkLst>
-        </pc:spChg>
-        <pc:spChg chg="add del mod">
-          <ac:chgData name="Eduardo Martín-Sonseca.Alonso" userId="044a8a39323ca9b2" providerId="LiveId" clId="{F6C200FF-B7C6-45EA-B94B-3E06CF3AB5C5}" dt="2022-10-04T16:02:23.648" v="558" actId="21"/>
-          <ac:spMkLst>
-            <pc:docMk/>
-            <pc:sldMk cId="43089264" sldId="270"/>
-            <ac:spMk id="20" creationId="{56EFCCB8-BD45-B46A-1B9D-5637CD08B4E3}"/>
-          </ac:spMkLst>
-        </pc:spChg>
-        <pc:spChg chg="add del mod">
-          <ac:chgData name="Eduardo Martín-Sonseca.Alonso" userId="044a8a39323ca9b2" providerId="LiveId" clId="{F6C200FF-B7C6-45EA-B94B-3E06CF3AB5C5}" dt="2022-10-04T16:02:23.648" v="558" actId="21"/>
-          <ac:spMkLst>
-            <pc:docMk/>
-            <pc:sldMk cId="43089264" sldId="270"/>
-            <ac:spMk id="21" creationId="{7B8A84F1-8B24-E98B-84F2-A0FA2EB1A8B0}"/>
-          </ac:spMkLst>
-        </pc:spChg>
-      </pc:sldChg>
-      <pc:sldChg chg="addSp delSp modSp new mod setBg modAnim setClrOvrMap">
-        <pc:chgData name="Eduardo Martín-Sonseca.Alonso" userId="044a8a39323ca9b2" providerId="LiveId" clId="{F6C200FF-B7C6-45EA-B94B-3E06CF3AB5C5}" dt="2022-10-04T16:20:26.108" v="748" actId="5793"/>
-        <pc:sldMkLst>
-          <pc:docMk/>
-          <pc:sldMk cId="2585561534" sldId="271"/>
-        </pc:sldMkLst>
-        <pc:spChg chg="del">
-          <ac:chgData name="Eduardo Martín-Sonseca.Alonso" userId="044a8a39323ca9b2" providerId="LiveId" clId="{F6C200FF-B7C6-45EA-B94B-3E06CF3AB5C5}" dt="2022-10-04T15:25:57.898" v="112" actId="478"/>
-          <ac:spMkLst>
-            <pc:docMk/>
-            <pc:sldMk cId="2585561534" sldId="271"/>
-            <ac:spMk id="2" creationId="{4E7B6D0B-0905-90AE-2591-CFC9ED0B2BA8}"/>
-          </ac:spMkLst>
-        </pc:spChg>
-        <pc:spChg chg="mod ord">
-          <ac:chgData name="Eduardo Martín-Sonseca.Alonso" userId="044a8a39323ca9b2" providerId="LiveId" clId="{F6C200FF-B7C6-45EA-B94B-3E06CF3AB5C5}" dt="2022-10-04T16:20:26.108" v="748" actId="5793"/>
-          <ac:spMkLst>
-            <pc:docMk/>
-            <pc:sldMk cId="2585561534" sldId="271"/>
-            <ac:spMk id="3" creationId="{AC322D12-B8C2-CD13-C768-6FAFCE0E11A1}"/>
-          </ac:spMkLst>
-        </pc:spChg>
-        <pc:spChg chg="add mod ord">
-          <ac:chgData name="Eduardo Martín-Sonseca.Alonso" userId="044a8a39323ca9b2" providerId="LiveId" clId="{F6C200FF-B7C6-45EA-B94B-3E06CF3AB5C5}" dt="2022-10-04T15:30:00.851" v="216" actId="26606"/>
-          <ac:spMkLst>
-            <pc:docMk/>
-            <pc:sldMk cId="2585561534" sldId="271"/>
-            <ac:spMk id="5" creationId="{6B5D0C9E-6C94-01CE-A83A-7BBC88E25DF3}"/>
-          </ac:spMkLst>
-        </pc:spChg>
-        <pc:spChg chg="add del">
-          <ac:chgData name="Eduardo Martín-Sonseca.Alonso" userId="044a8a39323ca9b2" providerId="LiveId" clId="{F6C200FF-B7C6-45EA-B94B-3E06CF3AB5C5}" dt="2022-10-04T15:27:11.702" v="175" actId="26606"/>
-          <ac:spMkLst>
-            <pc:docMk/>
-            <pc:sldMk cId="2585561534" sldId="271"/>
-            <ac:spMk id="9" creationId="{F13C74B1-5B17-4795-BED0-7140497B445A}"/>
-          </ac:spMkLst>
-        </pc:spChg>
-        <pc:spChg chg="add del">
-          <ac:chgData name="Eduardo Martín-Sonseca.Alonso" userId="044a8a39323ca9b2" providerId="LiveId" clId="{F6C200FF-B7C6-45EA-B94B-3E06CF3AB5C5}" dt="2022-10-04T15:27:11.702" v="175" actId="26606"/>
-          <ac:spMkLst>
-            <pc:docMk/>
-            <pc:sldMk cId="2585561534" sldId="271"/>
-            <ac:spMk id="11" creationId="{D4974D33-8DC5-464E-8C6D-BE58F0669C17}"/>
-          </ac:spMkLst>
-        </pc:spChg>
-        <pc:spChg chg="add del">
-          <ac:chgData name="Eduardo Martín-Sonseca.Alonso" userId="044a8a39323ca9b2" providerId="LiveId" clId="{F6C200FF-B7C6-45EA-B94B-3E06CF3AB5C5}" dt="2022-10-04T15:27:14.609" v="177" actId="26606"/>
-          <ac:spMkLst>
-            <pc:docMk/>
-            <pc:sldMk cId="2585561534" sldId="271"/>
-            <ac:spMk id="13" creationId="{04812C46-200A-4DEB-A05E-3ED6C68C2387}"/>
-          </ac:spMkLst>
-        </pc:spChg>
-        <pc:spChg chg="add del">
-          <ac:chgData name="Eduardo Martín-Sonseca.Alonso" userId="044a8a39323ca9b2" providerId="LiveId" clId="{F6C200FF-B7C6-45EA-B94B-3E06CF3AB5C5}" dt="2022-10-04T15:27:14.609" v="177" actId="26606"/>
-          <ac:spMkLst>
-            <pc:docMk/>
-            <pc:sldMk cId="2585561534" sldId="271"/>
-            <ac:spMk id="14" creationId="{D1EA859B-E555-4109-94F3-6700E046E008}"/>
-          </ac:spMkLst>
-        </pc:spChg>
-        <pc:spChg chg="add del">
-          <ac:chgData name="Eduardo Martín-Sonseca.Alonso" userId="044a8a39323ca9b2" providerId="LiveId" clId="{F6C200FF-B7C6-45EA-B94B-3E06CF3AB5C5}" dt="2022-10-04T15:27:15.660" v="179" actId="26606"/>
-          <ac:spMkLst>
-            <pc:docMk/>
-            <pc:sldMk cId="2585561534" sldId="271"/>
-            <ac:spMk id="15" creationId="{7A5F0580-5EE9-419F-96EE-B6529EF6E7D0}"/>
-          </ac:spMkLst>
-        </pc:spChg>
-        <pc:spChg chg="add del">
-          <ac:chgData name="Eduardo Martín-Sonseca.Alonso" userId="044a8a39323ca9b2" providerId="LiveId" clId="{F6C200FF-B7C6-45EA-B94B-3E06CF3AB5C5}" dt="2022-10-04T15:27:15.660" v="179" actId="26606"/>
-          <ac:spMkLst>
-            <pc:docMk/>
-            <pc:sldMk cId="2585561534" sldId="271"/>
-            <ac:spMk id="16" creationId="{8FC9BE17-9A7B-462D-AE50-3D8777387304}"/>
-          </ac:spMkLst>
-        </pc:spChg>
-        <pc:spChg chg="add del">
-          <ac:chgData name="Eduardo Martín-Sonseca.Alonso" userId="044a8a39323ca9b2" providerId="LiveId" clId="{F6C200FF-B7C6-45EA-B94B-3E06CF3AB5C5}" dt="2022-10-04T15:27:15.660" v="179" actId="26606"/>
-          <ac:spMkLst>
-            <pc:docMk/>
-            <pc:sldMk cId="2585561534" sldId="271"/>
-            <ac:spMk id="17" creationId="{3EBE8569-6AEC-4B8C-8D53-2DE337CDBA65}"/>
-          </ac:spMkLst>
-        </pc:spChg>
-        <pc:spChg chg="add del">
-          <ac:chgData name="Eduardo Martín-Sonseca.Alonso" userId="044a8a39323ca9b2" providerId="LiveId" clId="{F6C200FF-B7C6-45EA-B94B-3E06CF3AB5C5}" dt="2022-10-04T15:27:15.660" v="179" actId="26606"/>
-          <ac:spMkLst>
-            <pc:docMk/>
-            <pc:sldMk cId="2585561534" sldId="271"/>
-            <ac:spMk id="18" creationId="{55D4142C-5077-457F-A6AD-3FECFDB39685}"/>
-          </ac:spMkLst>
-        </pc:spChg>
-        <pc:spChg chg="add del">
-          <ac:chgData name="Eduardo Martín-Sonseca.Alonso" userId="044a8a39323ca9b2" providerId="LiveId" clId="{F6C200FF-B7C6-45EA-B94B-3E06CF3AB5C5}" dt="2022-10-04T15:27:19.581" v="181" actId="26606"/>
-          <ac:spMkLst>
-            <pc:docMk/>
-            <pc:sldMk cId="2585561534" sldId="271"/>
-            <ac:spMk id="20" creationId="{8F23F8A3-8FD7-4779-8323-FDC26BE99889}"/>
-          </ac:spMkLst>
-        </pc:spChg>
-        <pc:spChg chg="add del">
-          <ac:chgData name="Eduardo Martín-Sonseca.Alonso" userId="044a8a39323ca9b2" providerId="LiveId" clId="{F6C200FF-B7C6-45EA-B94B-3E06CF3AB5C5}" dt="2022-10-04T15:27:19.581" v="181" actId="26606"/>
-          <ac:spMkLst>
-            <pc:docMk/>
-            <pc:sldMk cId="2585561534" sldId="271"/>
-            <ac:spMk id="21" creationId="{F605C4CC-A25C-416F-8333-7CB7DC97D870}"/>
-          </ac:spMkLst>
-        </pc:spChg>
-        <pc:spChg chg="add del">
-          <ac:chgData name="Eduardo Martín-Sonseca.Alonso" userId="044a8a39323ca9b2" providerId="LiveId" clId="{F6C200FF-B7C6-45EA-B94B-3E06CF3AB5C5}" dt="2022-10-04T15:29:00.323" v="195" actId="26606"/>
-          <ac:spMkLst>
-            <pc:docMk/>
-            <pc:sldMk cId="2585561534" sldId="271"/>
-            <ac:spMk id="23" creationId="{9AA72BD9-2C5A-4EDC-931F-5AA08EACA0F3}"/>
-          </ac:spMkLst>
-        </pc:spChg>
-        <pc:spChg chg="add del">
-          <ac:chgData name="Eduardo Martín-Sonseca.Alonso" userId="044a8a39323ca9b2" providerId="LiveId" clId="{F6C200FF-B7C6-45EA-B94B-3E06CF3AB5C5}" dt="2022-10-04T15:29:00.323" v="195" actId="26606"/>
-          <ac:spMkLst>
-            <pc:docMk/>
-            <pc:sldMk cId="2585561534" sldId="271"/>
-            <ac:spMk id="24" creationId="{DD3981AC-7B61-4947-BCF3-F7AA7FA385B9}"/>
-          </ac:spMkLst>
-        </pc:spChg>
-        <pc:spChg chg="add del">
-          <ac:chgData name="Eduardo Martín-Sonseca.Alonso" userId="044a8a39323ca9b2" providerId="LiveId" clId="{F6C200FF-B7C6-45EA-B94B-3E06CF3AB5C5}" dt="2022-10-04T15:29:00.323" v="195" actId="26606"/>
-          <ac:spMkLst>
-            <pc:docMk/>
-            <pc:sldMk cId="2585561534" sldId="271"/>
-            <ac:spMk id="25" creationId="{55D4142C-5077-457F-A6AD-3FECFDB39685}"/>
-          </ac:spMkLst>
-        </pc:spChg>
-        <pc:spChg chg="add del">
-          <ac:chgData name="Eduardo Martín-Sonseca.Alonso" userId="044a8a39323ca9b2" providerId="LiveId" clId="{F6C200FF-B7C6-45EA-B94B-3E06CF3AB5C5}" dt="2022-10-04T15:29:00.323" v="195" actId="26606"/>
-          <ac:spMkLst>
-            <pc:docMk/>
-            <pc:sldMk cId="2585561534" sldId="271"/>
-            <ac:spMk id="26" creationId="{7A5F0580-5EE9-419F-96EE-B6529EF6E7D0}"/>
-          </ac:spMkLst>
-        </pc:spChg>
-        <pc:spChg chg="add del">
-          <ac:chgData name="Eduardo Martín-Sonseca.Alonso" userId="044a8a39323ca9b2" providerId="LiveId" clId="{F6C200FF-B7C6-45EA-B94B-3E06CF3AB5C5}" dt="2022-10-04T15:29:29.749" v="204" actId="26606"/>
-          <ac:spMkLst>
-            <pc:docMk/>
-            <pc:sldMk cId="2585561534" sldId="271"/>
-            <ac:spMk id="31" creationId="{04812C46-200A-4DEB-A05E-3ED6C68C2387}"/>
-          </ac:spMkLst>
-        </pc:spChg>
-        <pc:spChg chg="add del">
-          <ac:chgData name="Eduardo Martín-Sonseca.Alonso" userId="044a8a39323ca9b2" providerId="LiveId" clId="{F6C200FF-B7C6-45EA-B94B-3E06CF3AB5C5}" dt="2022-10-04T15:29:29.749" v="204" actId="26606"/>
-          <ac:spMkLst>
-            <pc:docMk/>
-            <pc:sldMk cId="2585561534" sldId="271"/>
-            <ac:spMk id="33" creationId="{D1EA859B-E555-4109-94F3-6700E046E008}"/>
-          </ac:spMkLst>
-        </pc:spChg>
-        <pc:spChg chg="add del">
-          <ac:chgData name="Eduardo Martín-Sonseca.Alonso" userId="044a8a39323ca9b2" providerId="LiveId" clId="{F6C200FF-B7C6-45EA-B94B-3E06CF3AB5C5}" dt="2022-10-04T15:29:27.110" v="201" actId="26606"/>
-          <ac:spMkLst>
-            <pc:docMk/>
-            <pc:sldMk cId="2585561534" sldId="271"/>
-            <ac:spMk id="38" creationId="{3AFE8227-C443-417B-BA91-520EB1EF4559}"/>
-          </ac:spMkLst>
-        </pc:spChg>
-        <pc:spChg chg="add del">
-          <ac:chgData name="Eduardo Martín-Sonseca.Alonso" userId="044a8a39323ca9b2" providerId="LiveId" clId="{F6C200FF-B7C6-45EA-B94B-3E06CF3AB5C5}" dt="2022-10-04T15:29:27.110" v="201" actId="26606"/>
-          <ac:spMkLst>
-            <pc:docMk/>
-            <pc:sldMk cId="2585561534" sldId="271"/>
-            <ac:spMk id="40" creationId="{907741FC-B544-4A6E-B831-6789D042333D}"/>
-          </ac:spMkLst>
-        </pc:spChg>
-        <pc:spChg chg="add del">
-          <ac:chgData name="Eduardo Martín-Sonseca.Alonso" userId="044a8a39323ca9b2" providerId="LiveId" clId="{F6C200FF-B7C6-45EA-B94B-3E06CF3AB5C5}" dt="2022-10-04T15:29:27.110" v="201" actId="26606"/>
-          <ac:spMkLst>
-            <pc:docMk/>
-            <pc:sldMk cId="2585561534" sldId="271"/>
-            <ac:spMk id="42" creationId="{3F0BE7ED-7814-4273-B18A-F26CC0380380}"/>
-          </ac:spMkLst>
-        </pc:spChg>
-        <pc:spChg chg="add del">
-          <ac:chgData name="Eduardo Martín-Sonseca.Alonso" userId="044a8a39323ca9b2" providerId="LiveId" clId="{F6C200FF-B7C6-45EA-B94B-3E06CF3AB5C5}" dt="2022-10-04T15:29:29.749" v="203" actId="26606"/>
-          <ac:spMkLst>
-            <pc:docMk/>
-            <pc:sldMk cId="2585561534" sldId="271"/>
-            <ac:spMk id="44" creationId="{7A5F0580-5EE9-419F-96EE-B6529EF6E7D0}"/>
-          </ac:spMkLst>
-        </pc:spChg>
-        <pc:spChg chg="add del">
-          <ac:chgData name="Eduardo Martín-Sonseca.Alonso" userId="044a8a39323ca9b2" providerId="LiveId" clId="{F6C200FF-B7C6-45EA-B94B-3E06CF3AB5C5}" dt="2022-10-04T15:29:29.749" v="203" actId="26606"/>
-          <ac:spMkLst>
-            <pc:docMk/>
-            <pc:sldMk cId="2585561534" sldId="271"/>
-            <ac:spMk id="45" creationId="{9AA72BD9-2C5A-4EDC-931F-5AA08EACA0F3}"/>
-          </ac:spMkLst>
-        </pc:spChg>
-        <pc:spChg chg="add del">
-          <ac:chgData name="Eduardo Martín-Sonseca.Alonso" userId="044a8a39323ca9b2" providerId="LiveId" clId="{F6C200FF-B7C6-45EA-B94B-3E06CF3AB5C5}" dt="2022-10-04T15:29:29.749" v="203" actId="26606"/>
-          <ac:spMkLst>
-            <pc:docMk/>
-            <pc:sldMk cId="2585561534" sldId="271"/>
-            <ac:spMk id="46" creationId="{DD3981AC-7B61-4947-BCF3-F7AA7FA385B9}"/>
-          </ac:spMkLst>
-        </pc:spChg>
-        <pc:spChg chg="add del">
-          <ac:chgData name="Eduardo Martín-Sonseca.Alonso" userId="044a8a39323ca9b2" providerId="LiveId" clId="{F6C200FF-B7C6-45EA-B94B-3E06CF3AB5C5}" dt="2022-10-04T15:29:29.749" v="203" actId="26606"/>
-          <ac:spMkLst>
-            <pc:docMk/>
-            <pc:sldMk cId="2585561534" sldId="271"/>
-            <ac:spMk id="47" creationId="{55D4142C-5077-457F-A6AD-3FECFDB39685}"/>
-          </ac:spMkLst>
-        </pc:spChg>
-        <pc:spChg chg="add del">
-          <ac:chgData name="Eduardo Martín-Sonseca.Alonso" userId="044a8a39323ca9b2" providerId="LiveId" clId="{F6C200FF-B7C6-45EA-B94B-3E06CF3AB5C5}" dt="2022-10-04T15:30:00.851" v="216" actId="26606"/>
-          <ac:spMkLst>
-            <pc:docMk/>
-            <pc:sldMk cId="2585561534" sldId="271"/>
-            <ac:spMk id="49" creationId="{79BB35BC-D5C2-4C8B-A22A-A71E6191913B}"/>
-          </ac:spMkLst>
-        </pc:spChg>
-        <pc:spChg chg="add del">
-          <ac:chgData name="Eduardo Martín-Sonseca.Alonso" userId="044a8a39323ca9b2" providerId="LiveId" clId="{F6C200FF-B7C6-45EA-B94B-3E06CF3AB5C5}" dt="2022-10-04T15:29:48.396" v="209" actId="26606"/>
-          <ac:spMkLst>
-            <pc:docMk/>
-            <pc:sldMk cId="2585561534" sldId="271"/>
-            <ac:spMk id="54" creationId="{9AA72BD9-2C5A-4EDC-931F-5AA08EACA0F3}"/>
-          </ac:spMkLst>
-        </pc:spChg>
-        <pc:spChg chg="add del">
-          <ac:chgData name="Eduardo Martín-Sonseca.Alonso" userId="044a8a39323ca9b2" providerId="LiveId" clId="{F6C200FF-B7C6-45EA-B94B-3E06CF3AB5C5}" dt="2022-10-04T15:29:48.396" v="209" actId="26606"/>
-          <ac:spMkLst>
-            <pc:docMk/>
-            <pc:sldMk cId="2585561534" sldId="271"/>
-            <ac:spMk id="56" creationId="{DD3981AC-7B61-4947-BCF3-F7AA7FA385B9}"/>
-          </ac:spMkLst>
-        </pc:spChg>
-        <pc:spChg chg="add del">
-          <ac:chgData name="Eduardo Martín-Sonseca.Alonso" userId="044a8a39323ca9b2" providerId="LiveId" clId="{F6C200FF-B7C6-45EA-B94B-3E06CF3AB5C5}" dt="2022-10-04T15:29:48.396" v="209" actId="26606"/>
-          <ac:spMkLst>
-            <pc:docMk/>
-            <pc:sldMk cId="2585561534" sldId="271"/>
-            <ac:spMk id="58" creationId="{55D4142C-5077-457F-A6AD-3FECFDB39685}"/>
-          </ac:spMkLst>
-        </pc:spChg>
-        <pc:spChg chg="add del">
-          <ac:chgData name="Eduardo Martín-Sonseca.Alonso" userId="044a8a39323ca9b2" providerId="LiveId" clId="{F6C200FF-B7C6-45EA-B94B-3E06CF3AB5C5}" dt="2022-10-04T15:29:48.396" v="209" actId="26606"/>
-          <ac:spMkLst>
-            <pc:docMk/>
-            <pc:sldMk cId="2585561534" sldId="271"/>
-            <ac:spMk id="60" creationId="{7A5F0580-5EE9-419F-96EE-B6529EF6E7D0}"/>
-          </ac:spMkLst>
-        </pc:spChg>
-        <pc:spChg chg="add del">
-          <ac:chgData name="Eduardo Martín-Sonseca.Alonso" userId="044a8a39323ca9b2" providerId="LiveId" clId="{F6C200FF-B7C6-45EA-B94B-3E06CF3AB5C5}" dt="2022-10-04T15:29:53.940" v="211" actId="26606"/>
-          <ac:spMkLst>
-            <pc:docMk/>
-            <pc:sldMk cId="2585561534" sldId="271"/>
-            <ac:spMk id="62" creationId="{C232B152-3720-4D3B-97ED-45CE5483F16F}"/>
-          </ac:spMkLst>
-        </pc:spChg>
-        <pc:spChg chg="add del">
-          <ac:chgData name="Eduardo Martín-Sonseca.Alonso" userId="044a8a39323ca9b2" providerId="LiveId" clId="{F6C200FF-B7C6-45EA-B94B-3E06CF3AB5C5}" dt="2022-10-04T15:29:53.940" v="211" actId="26606"/>
-          <ac:spMkLst>
-            <pc:docMk/>
-            <pc:sldMk cId="2585561534" sldId="271"/>
-            <ac:spMk id="63" creationId="{11BAB570-FF10-4E96-8A3F-FA9804702B89}"/>
-          </ac:spMkLst>
-        </pc:spChg>
-        <pc:spChg chg="add del">
-          <ac:chgData name="Eduardo Martín-Sonseca.Alonso" userId="044a8a39323ca9b2" providerId="LiveId" clId="{F6C200FF-B7C6-45EA-B94B-3E06CF3AB5C5}" dt="2022-10-04T15:29:53.940" v="211" actId="26606"/>
-          <ac:spMkLst>
-            <pc:docMk/>
-            <pc:sldMk cId="2585561534" sldId="271"/>
-            <ac:spMk id="64" creationId="{4B9FAFB2-BEB5-4848-8018-BCAD99E2E1AA}"/>
-          </ac:spMkLst>
-        </pc:spChg>
-        <pc:spChg chg="add del">
-          <ac:chgData name="Eduardo Martín-Sonseca.Alonso" userId="044a8a39323ca9b2" providerId="LiveId" clId="{F6C200FF-B7C6-45EA-B94B-3E06CF3AB5C5}" dt="2022-10-04T15:29:56.590" v="213" actId="26606"/>
-          <ac:spMkLst>
-            <pc:docMk/>
-            <pc:sldMk cId="2585561534" sldId="271"/>
-            <ac:spMk id="66" creationId="{D009D6D5-DAC2-4A8B-A17A-E206B9012D09}"/>
-          </ac:spMkLst>
-        </pc:spChg>
-        <pc:spChg chg="add del">
-          <ac:chgData name="Eduardo Martín-Sonseca.Alonso" userId="044a8a39323ca9b2" providerId="LiveId" clId="{F6C200FF-B7C6-45EA-B94B-3E06CF3AB5C5}" dt="2022-10-04T15:30:00.817" v="215" actId="26606"/>
-          <ac:spMkLst>
-            <pc:docMk/>
-            <pc:sldMk cId="2585561534" sldId="271"/>
-            <ac:spMk id="68" creationId="{2C61293E-6EBE-43EF-A52C-9BEBFD7679D4}"/>
-          </ac:spMkLst>
-        </pc:spChg>
-        <pc:spChg chg="add del">
-          <ac:chgData name="Eduardo Martín-Sonseca.Alonso" userId="044a8a39323ca9b2" providerId="LiveId" clId="{F6C200FF-B7C6-45EA-B94B-3E06CF3AB5C5}" dt="2022-10-04T15:30:00.817" v="215" actId="26606"/>
-          <ac:spMkLst>
-            <pc:docMk/>
-            <pc:sldMk cId="2585561534" sldId="271"/>
-            <ac:spMk id="69" creationId="{21540236-BFD5-4A9D-8840-4703E7F76825}"/>
-          </ac:spMkLst>
-        </pc:spChg>
-        <pc:spChg chg="add">
-          <ac:chgData name="Eduardo Martín-Sonseca.Alonso" userId="044a8a39323ca9b2" providerId="LiveId" clId="{F6C200FF-B7C6-45EA-B94B-3E06CF3AB5C5}" dt="2022-10-04T15:30:00.851" v="216" actId="26606"/>
-          <ac:spMkLst>
-            <pc:docMk/>
-            <pc:sldMk cId="2585561534" sldId="271"/>
-            <ac:spMk id="71" creationId="{E862BE82-D00D-42C1-BF16-93AA37870C32}"/>
-          </ac:spMkLst>
-        </pc:spChg>
-        <pc:spChg chg="add">
-          <ac:chgData name="Eduardo Martín-Sonseca.Alonso" userId="044a8a39323ca9b2" providerId="LiveId" clId="{F6C200FF-B7C6-45EA-B94B-3E06CF3AB5C5}" dt="2022-10-04T15:30:00.851" v="216" actId="26606"/>
-          <ac:spMkLst>
-            <pc:docMk/>
-            <pc:sldMk cId="2585561534" sldId="271"/>
-            <ac:spMk id="72" creationId="{F6D92C2D-1D3D-4974-918C-06579FB354A9}"/>
-          </ac:spMkLst>
-        </pc:spChg>
-        <pc:picChg chg="add mod ord">
-          <ac:chgData name="Eduardo Martín-Sonseca.Alonso" userId="044a8a39323ca9b2" providerId="LiveId" clId="{F6C200FF-B7C6-45EA-B94B-3E06CF3AB5C5}" dt="2022-10-04T15:30:00.851" v="216" actId="26606"/>
-          <ac:picMkLst>
-            <pc:docMk/>
-            <pc:sldMk cId="2585561534" sldId="271"/>
-            <ac:picMk id="4" creationId="{CE73A730-C678-B496-2C12-6C05F75E695E}"/>
-          </ac:picMkLst>
-        </pc:picChg>
-      </pc:sldChg>
-      <pc:sldChg chg="new del">
-        <pc:chgData name="Eduardo Martín-Sonseca.Alonso" userId="044a8a39323ca9b2" providerId="LiveId" clId="{F6C200FF-B7C6-45EA-B94B-3E06CF3AB5C5}" dt="2022-10-04T16:05:37.433" v="577" actId="47"/>
-        <pc:sldMkLst>
-          <pc:docMk/>
-          <pc:sldMk cId="1337737478" sldId="272"/>
-        </pc:sldMkLst>
-      </pc:sldChg>
-      <pc:sldChg chg="addSp delSp modSp new del mod setBg modAnim">
-        <pc:chgData name="Eduardo Martín-Sonseca.Alonso" userId="044a8a39323ca9b2" providerId="LiveId" clId="{F6C200FF-B7C6-45EA-B94B-3E06CF3AB5C5}" dt="2022-10-04T16:05:31.056" v="573" actId="47"/>
-        <pc:sldMkLst>
-          <pc:docMk/>
-          <pc:sldMk cId="2523042458" sldId="272"/>
-        </pc:sldMkLst>
-        <pc:spChg chg="mod">
-          <ac:chgData name="Eduardo Martín-Sonseca.Alonso" userId="044a8a39323ca9b2" providerId="LiveId" clId="{F6C200FF-B7C6-45EA-B94B-3E06CF3AB5C5}" dt="2022-10-04T16:05:14.553" v="572" actId="26606"/>
-          <ac:spMkLst>
-            <pc:docMk/>
-            <pc:sldMk cId="2523042458" sldId="272"/>
-            <ac:spMk id="2" creationId="{0E28EFD7-FA41-E29E-863F-E5DF9E0AA47A}"/>
-          </ac:spMkLst>
-        </pc:spChg>
-        <pc:spChg chg="del">
-          <ac:chgData name="Eduardo Martín-Sonseca.Alonso" userId="044a8a39323ca9b2" providerId="LiveId" clId="{F6C200FF-B7C6-45EA-B94B-3E06CF3AB5C5}" dt="2022-10-04T16:04:13.932" v="566" actId="478"/>
-          <ac:spMkLst>
-            <pc:docMk/>
-            <pc:sldMk cId="2523042458" sldId="272"/>
-            <ac:spMk id="3" creationId="{17F1579D-8DEC-777B-E82C-99D2B0F3F713}"/>
-          </ac:spMkLst>
-        </pc:spChg>
-        <pc:spChg chg="add mod ord">
-          <ac:chgData name="Eduardo Martín-Sonseca.Alonso" userId="044a8a39323ca9b2" providerId="LiveId" clId="{F6C200FF-B7C6-45EA-B94B-3E06CF3AB5C5}" dt="2022-10-04T16:05:14.553" v="572" actId="26606"/>
-          <ac:spMkLst>
-            <pc:docMk/>
-            <pc:sldMk cId="2523042458" sldId="272"/>
-            <ac:spMk id="4" creationId="{D3A1B8D8-FFB1-4351-929E-9C5A2D589ED6}"/>
-          </ac:spMkLst>
-        </pc:spChg>
-        <pc:spChg chg="add del mod">
-          <ac:chgData name="Eduardo Martín-Sonseca.Alonso" userId="044a8a39323ca9b2" providerId="LiveId" clId="{F6C200FF-B7C6-45EA-B94B-3E06CF3AB5C5}" dt="2022-10-04T16:04:33.071" v="569"/>
-          <ac:spMkLst>
-            <pc:docMk/>
-            <pc:sldMk cId="2523042458" sldId="272"/>
-            <ac:spMk id="5" creationId="{9AF81DD7-D36F-FB26-06BC-809933E80A23}"/>
-          </ac:spMkLst>
-        </pc:spChg>
-        <pc:spChg chg="add mod">
-          <ac:chgData name="Eduardo Martín-Sonseca.Alonso" userId="044a8a39323ca9b2" providerId="LiveId" clId="{F6C200FF-B7C6-45EA-B94B-3E06CF3AB5C5}" dt="2022-10-04T16:05:14.553" v="572" actId="26606"/>
-          <ac:spMkLst>
-            <pc:docMk/>
-            <pc:sldMk cId="2523042458" sldId="272"/>
-            <ac:spMk id="6" creationId="{1506A37F-F6CD-20B4-27B0-4EDC6F2D9451}"/>
-          </ac:spMkLst>
-        </pc:spChg>
-        <pc:spChg chg="add">
-          <ac:chgData name="Eduardo Martín-Sonseca.Alonso" userId="044a8a39323ca9b2" providerId="LiveId" clId="{F6C200FF-B7C6-45EA-B94B-3E06CF3AB5C5}" dt="2022-10-04T16:05:14.553" v="572" actId="26606"/>
-          <ac:spMkLst>
-            <pc:docMk/>
-            <pc:sldMk cId="2523042458" sldId="272"/>
-            <ac:spMk id="11" creationId="{9B7AD9F6-8CE7-4299-8FC6-328F4DCD3FF9}"/>
-          </ac:spMkLst>
-        </pc:spChg>
-        <pc:spChg chg="add">
-          <ac:chgData name="Eduardo Martín-Sonseca.Alonso" userId="044a8a39323ca9b2" providerId="LiveId" clId="{F6C200FF-B7C6-45EA-B94B-3E06CF3AB5C5}" dt="2022-10-04T16:05:14.553" v="572" actId="26606"/>
-          <ac:spMkLst>
-            <pc:docMk/>
-            <pc:sldMk cId="2523042458" sldId="272"/>
-            <ac:spMk id="13" creationId="{F49775AF-8896-43EE-92C6-83497D6DC56F}"/>
-          </ac:spMkLst>
-        </pc:spChg>
-      </pc:sldChg>
-      <pc:sldChg chg="addSp delSp modSp add mod setBg delAnim modAnim delDesignElem">
-        <pc:chgData name="Eduardo Martín-Sonseca.Alonso" userId="044a8a39323ca9b2" providerId="LiveId" clId="{F6C200FF-B7C6-45EA-B94B-3E06CF3AB5C5}" dt="2022-10-04T16:19:44.009" v="735"/>
-        <pc:sldMkLst>
-          <pc:docMk/>
-          <pc:sldMk cId="3255652957" sldId="273"/>
-        </pc:sldMkLst>
-        <pc:spChg chg="mod">
-          <ac:chgData name="Eduardo Martín-Sonseca.Alonso" userId="044a8a39323ca9b2" providerId="LiveId" clId="{F6C200FF-B7C6-45EA-B94B-3E06CF3AB5C5}" dt="2022-10-04T16:13:53.812" v="657" actId="26606"/>
-          <ac:spMkLst>
-            <pc:docMk/>
-            <pc:sldMk cId="3255652957" sldId="273"/>
-            <ac:spMk id="2" creationId="{8BC7EFD9-5CAF-431F-A9FF-09DE566F3543}"/>
-          </ac:spMkLst>
-        </pc:spChg>
-        <pc:spChg chg="mod">
-          <ac:chgData name="Eduardo Martín-Sonseca.Alonso" userId="044a8a39323ca9b2" providerId="LiveId" clId="{F6C200FF-B7C6-45EA-B94B-3E06CF3AB5C5}" dt="2022-10-04T16:13:53.812" v="657" actId="26606"/>
-          <ac:spMkLst>
-            <pc:docMk/>
-            <pc:sldMk cId="3255652957" sldId="273"/>
-            <ac:spMk id="3" creationId="{29A8ECE2-FE08-4C93-9877-2C065094BC53}"/>
-          </ac:spMkLst>
-        </pc:spChg>
-        <pc:spChg chg="del mod">
-          <ac:chgData name="Eduardo Martín-Sonseca.Alonso" userId="044a8a39323ca9b2" providerId="LiveId" clId="{F6C200FF-B7C6-45EA-B94B-3E06CF3AB5C5}" dt="2022-10-04T16:14:16.619" v="660" actId="478"/>
-          <ac:spMkLst>
-            <pc:docMk/>
-            <pc:sldMk cId="3255652957" sldId="273"/>
-            <ac:spMk id="6" creationId="{B874E851-3741-DC66-BAFA-79EB38E71B4C}"/>
-          </ac:spMkLst>
-        </pc:spChg>
-        <pc:spChg chg="add mod">
-          <ac:chgData name="Eduardo Martín-Sonseca.Alonso" userId="044a8a39323ca9b2" providerId="LiveId" clId="{F6C200FF-B7C6-45EA-B94B-3E06CF3AB5C5}" dt="2022-10-04T16:14:38.806" v="661"/>
-          <ac:spMkLst>
-            <pc:docMk/>
-            <pc:sldMk cId="3255652957" sldId="273"/>
-            <ac:spMk id="8" creationId="{B15265B9-687B-93EC-EFF7-40694362EE9D}"/>
-          </ac:spMkLst>
-        </pc:spChg>
-        <pc:spChg chg="add del">
-          <ac:chgData name="Eduardo Martín-Sonseca.Alonso" userId="044a8a39323ca9b2" providerId="LiveId" clId="{F6C200FF-B7C6-45EA-B94B-3E06CF3AB5C5}" dt="2022-10-04T16:05:55.641" v="588" actId="26606"/>
-          <ac:spMkLst>
-            <pc:docMk/>
-            <pc:sldMk cId="3255652957" sldId="273"/>
-            <ac:spMk id="11" creationId="{F13C74B1-5B17-4795-BED0-7140497B445A}"/>
-          </ac:spMkLst>
-        </pc:spChg>
-        <pc:spChg chg="add del">
-          <ac:chgData name="Eduardo Martín-Sonseca.Alonso" userId="044a8a39323ca9b2" providerId="LiveId" clId="{F6C200FF-B7C6-45EA-B94B-3E06CF3AB5C5}" dt="2022-10-04T16:05:55.641" v="588" actId="26606"/>
-          <ac:spMkLst>
-            <pc:docMk/>
-            <pc:sldMk cId="3255652957" sldId="273"/>
-            <ac:spMk id="13" creationId="{D4974D33-8DC5-464E-8C6D-BE58F0669C17}"/>
-          </ac:spMkLst>
-        </pc:spChg>
-        <pc:spChg chg="add del">
-          <ac:chgData name="Eduardo Martín-Sonseca.Alonso" userId="044a8a39323ca9b2" providerId="LiveId" clId="{F6C200FF-B7C6-45EA-B94B-3E06CF3AB5C5}" dt="2022-10-04T16:05:57.679" v="590" actId="26606"/>
-          <ac:spMkLst>
-            <pc:docMk/>
-            <pc:sldMk cId="3255652957" sldId="273"/>
-            <ac:spMk id="15" creationId="{3CD9DF72-87A3-404E-A828-84CBF11A8303}"/>
-          </ac:spMkLst>
-        </pc:spChg>
-        <pc:spChg chg="add del">
-          <ac:chgData name="Eduardo Martín-Sonseca.Alonso" userId="044a8a39323ca9b2" providerId="LiveId" clId="{F6C200FF-B7C6-45EA-B94B-3E06CF3AB5C5}" dt="2022-10-04T16:13:53.812" v="657" actId="26606"/>
-          <ac:spMkLst>
-            <pc:docMk/>
-            <pc:sldMk cId="3255652957" sldId="273"/>
-            <ac:spMk id="18" creationId="{F13C74B1-5B17-4795-BED0-7140497B445A}"/>
-          </ac:spMkLst>
-        </pc:spChg>
-        <pc:spChg chg="add del">
-          <ac:chgData name="Eduardo Martín-Sonseca.Alonso" userId="044a8a39323ca9b2" providerId="LiveId" clId="{F6C200FF-B7C6-45EA-B94B-3E06CF3AB5C5}" dt="2022-10-04T16:13:53.812" v="657" actId="26606"/>
-          <ac:spMkLst>
-            <pc:docMk/>
-            <pc:sldMk cId="3255652957" sldId="273"/>
-            <ac:spMk id="19" creationId="{D4974D33-8DC5-464E-8C6D-BE58F0669C17}"/>
-          </ac:spMkLst>
-        </pc:spChg>
-        <pc:spChg chg="del">
-          <ac:chgData name="Eduardo Martín-Sonseca.Alonso" userId="044a8a39323ca9b2" providerId="LiveId" clId="{F6C200FF-B7C6-45EA-B94B-3E06CF3AB5C5}" dt="2022-10-04T16:05:34.088" v="576"/>
-          <ac:spMkLst>
-            <pc:docMk/>
-            <pc:sldMk cId="3255652957" sldId="273"/>
-            <ac:spMk id="21" creationId="{F13C74B1-5B17-4795-BED0-7140497B445A}"/>
-          </ac:spMkLst>
-        </pc:spChg>
-        <pc:spChg chg="del">
-          <ac:chgData name="Eduardo Martín-Sonseca.Alonso" userId="044a8a39323ca9b2" providerId="LiveId" clId="{F6C200FF-B7C6-45EA-B94B-3E06CF3AB5C5}" dt="2022-10-04T16:05:34.088" v="576"/>
-          <ac:spMkLst>
-            <pc:docMk/>
-            <pc:sldMk cId="3255652957" sldId="273"/>
-            <ac:spMk id="23" creationId="{D4974D33-8DC5-464E-8C6D-BE58F0669C17}"/>
-          </ac:spMkLst>
-        </pc:spChg>
-        <pc:spChg chg="add">
-          <ac:chgData name="Eduardo Martín-Sonseca.Alonso" userId="044a8a39323ca9b2" providerId="LiveId" clId="{F6C200FF-B7C6-45EA-B94B-3E06CF3AB5C5}" dt="2022-10-04T16:13:53.812" v="657" actId="26606"/>
-          <ac:spMkLst>
-            <pc:docMk/>
-            <pc:sldMk cId="3255652957" sldId="273"/>
-            <ac:spMk id="24" creationId="{04812C46-200A-4DEB-A05E-3ED6C68C2387}"/>
-          </ac:spMkLst>
-        </pc:spChg>
-        <pc:spChg chg="add">
-          <ac:chgData name="Eduardo Martín-Sonseca.Alonso" userId="044a8a39323ca9b2" providerId="LiveId" clId="{F6C200FF-B7C6-45EA-B94B-3E06CF3AB5C5}" dt="2022-10-04T16:13:53.812" v="657" actId="26606"/>
-          <ac:spMkLst>
-            <pc:docMk/>
-            <pc:sldMk cId="3255652957" sldId="273"/>
-            <ac:spMk id="26" creationId="{D1EA859B-E555-4109-94F3-6700E046E008}"/>
-          </ac:spMkLst>
-        </pc:spChg>
-        <pc:picChg chg="add del mod">
-          <ac:chgData name="Eduardo Martín-Sonseca.Alonso" userId="044a8a39323ca9b2" providerId="LiveId" clId="{F6C200FF-B7C6-45EA-B94B-3E06CF3AB5C5}" dt="2022-10-04T16:13:37.166" v="653" actId="478"/>
-          <ac:picMkLst>
-            <pc:docMk/>
-            <pc:sldMk cId="3255652957" sldId="273"/>
-            <ac:picMk id="4" creationId="{F184B282-C2CA-1328-5CC6-57D81A5EC59C}"/>
-          </ac:picMkLst>
-        </pc:picChg>
-        <pc:picChg chg="del mod ord">
-          <ac:chgData name="Eduardo Martín-Sonseca.Alonso" userId="044a8a39323ca9b2" providerId="LiveId" clId="{F6C200FF-B7C6-45EA-B94B-3E06CF3AB5C5}" dt="2022-10-04T16:13:38.381" v="654" actId="478"/>
-          <ac:picMkLst>
-            <pc:docMk/>
-            <pc:sldMk cId="3255652957" sldId="273"/>
-            <ac:picMk id="5" creationId="{5331785D-2CFF-B332-5634-22F0E76967B1}"/>
-          </ac:picMkLst>
-        </pc:picChg>
-        <pc:picChg chg="add mod ord">
-          <ac:chgData name="Eduardo Martín-Sonseca.Alonso" userId="044a8a39323ca9b2" providerId="LiveId" clId="{F6C200FF-B7C6-45EA-B94B-3E06CF3AB5C5}" dt="2022-10-04T16:13:45.552" v="656" actId="167"/>
-          <ac:picMkLst>
-            <pc:docMk/>
-            <pc:sldMk cId="3255652957" sldId="273"/>
-            <ac:picMk id="7" creationId="{9918761B-33B3-E228-FFDC-436D8925066F}"/>
-          </ac:picMkLst>
-        </pc:picChg>
-        <pc:cxnChg chg="add del">
-          <ac:chgData name="Eduardo Martín-Sonseca.Alonso" userId="044a8a39323ca9b2" providerId="LiveId" clId="{F6C200FF-B7C6-45EA-B94B-3E06CF3AB5C5}" dt="2022-10-04T16:05:57.679" v="590" actId="26606"/>
-          <ac:cxnSpMkLst>
-            <pc:docMk/>
-            <pc:sldMk cId="3255652957" sldId="273"/>
-            <ac:cxnSpMk id="16" creationId="{20E3A342-4D61-4E3F-AF90-1AB42AEB96CC}"/>
-          </ac:cxnSpMkLst>
-        </pc:cxnChg>
-      </pc:sldChg>
-      <pc:sldChg chg="addSp delSp modSp add del mod delAnim modAnim">
-        <pc:chgData name="Eduardo Martín-Sonseca.Alonso" userId="044a8a39323ca9b2" providerId="LiveId" clId="{F6C200FF-B7C6-45EA-B94B-3E06CF3AB5C5}" dt="2022-10-04T16:10:27.246" v="633" actId="47"/>
-        <pc:sldMkLst>
-          <pc:docMk/>
-          <pc:sldMk cId="2530738273" sldId="274"/>
-        </pc:sldMkLst>
-        <pc:spChg chg="del mod">
-          <ac:chgData name="Eduardo Martín-Sonseca.Alonso" userId="044a8a39323ca9b2" providerId="LiveId" clId="{F6C200FF-B7C6-45EA-B94B-3E06CF3AB5C5}" dt="2022-10-04T16:09:08.053" v="622" actId="478"/>
-          <ac:spMkLst>
-            <pc:docMk/>
-            <pc:sldMk cId="2530738273" sldId="274"/>
-            <ac:spMk id="2" creationId="{71AEC653-CF21-4A83-8228-4AB13A9E6A67}"/>
-          </ac:spMkLst>
-        </pc:spChg>
-        <pc:spChg chg="del">
-          <ac:chgData name="Eduardo Martín-Sonseca.Alonso" userId="044a8a39323ca9b2" providerId="LiveId" clId="{F6C200FF-B7C6-45EA-B94B-3E06CF3AB5C5}" dt="2022-10-04T16:09:25.614" v="624" actId="478"/>
-          <ac:spMkLst>
-            <pc:docMk/>
-            <pc:sldMk cId="2530738273" sldId="274"/>
-            <ac:spMk id="3" creationId="{FDA276B4-AFA8-445E-BF46-D797C1B3F0B0}"/>
-          </ac:spMkLst>
-        </pc:spChg>
-        <pc:spChg chg="add mod">
-          <ac:chgData name="Eduardo Martín-Sonseca.Alonso" userId="044a8a39323ca9b2" providerId="LiveId" clId="{F6C200FF-B7C6-45EA-B94B-3E06CF3AB5C5}" dt="2022-10-04T16:09:00.549" v="618"/>
-          <ac:spMkLst>
-            <pc:docMk/>
-            <pc:sldMk cId="2530738273" sldId="274"/>
-            <ac:spMk id="7" creationId="{84881913-8BE4-4F7E-28AC-B69F924E126C}"/>
-          </ac:spMkLst>
-        </pc:spChg>
-        <pc:spChg chg="add del mod">
-          <ac:chgData name="Eduardo Martín-Sonseca.Alonso" userId="044a8a39323ca9b2" providerId="LiveId" clId="{F6C200FF-B7C6-45EA-B94B-3E06CF3AB5C5}" dt="2022-10-04T16:09:11.384" v="623" actId="478"/>
-          <ac:spMkLst>
-            <pc:docMk/>
-            <pc:sldMk cId="2530738273" sldId="274"/>
-            <ac:spMk id="9" creationId="{AB926168-FE41-6385-9CD2-0B776A25DC22}"/>
-          </ac:spMkLst>
-        </pc:spChg>
-        <pc:spChg chg="add del mod">
-          <ac:chgData name="Eduardo Martín-Sonseca.Alonso" userId="044a8a39323ca9b2" providerId="LiveId" clId="{F6C200FF-B7C6-45EA-B94B-3E06CF3AB5C5}" dt="2022-10-04T16:09:29.793" v="625" actId="478"/>
-          <ac:spMkLst>
-            <pc:docMk/>
-            <pc:sldMk cId="2530738273" sldId="274"/>
-            <ac:spMk id="11" creationId="{42E9F455-3F80-6043-440B-FC14F8C0AAD2}"/>
-          </ac:spMkLst>
-        </pc:spChg>
-        <pc:spChg chg="add mod">
-          <ac:chgData name="Eduardo Martín-Sonseca.Alonso" userId="044a8a39323ca9b2" providerId="LiveId" clId="{F6C200FF-B7C6-45EA-B94B-3E06CF3AB5C5}" dt="2022-10-04T16:09:36.013" v="627" actId="1076"/>
-          <ac:spMkLst>
-            <pc:docMk/>
-            <pc:sldMk cId="2530738273" sldId="274"/>
-            <ac:spMk id="12" creationId="{734BC183-C3F9-4804-D84C-0E8310578236}"/>
-          </ac:spMkLst>
-        </pc:spChg>
-        <pc:picChg chg="add del mod">
-          <ac:chgData name="Eduardo Martín-Sonseca.Alonso" userId="044a8a39323ca9b2" providerId="LiveId" clId="{F6C200FF-B7C6-45EA-B94B-3E06CF3AB5C5}" dt="2022-10-04T16:08:51.405" v="617"/>
-          <ac:picMkLst>
-            <pc:docMk/>
-            <pc:sldMk cId="2530738273" sldId="274"/>
-            <ac:picMk id="4" creationId="{5FBA59B7-AEDD-0C9E-65A5-9ED4436BC3F0}"/>
-          </ac:picMkLst>
-        </pc:picChg>
-      </pc:sldChg>
-    </pc:docChg>
-  </pc:docChgLst>
-  <pc:docChgLst>
-    <pc:chgData name="Eduardo Martín-Sonseca.Alonso" userId="044a8a39323ca9b2" providerId="Windows Live" clId="Web-{BC188AD2-9AFC-4294-89AA-68D6E215ABF9}"/>
-    <pc:docChg chg="addSld">
-      <pc:chgData name="Eduardo Martín-Sonseca.Alonso" userId="044a8a39323ca9b2" providerId="Windows Live" clId="Web-{BC188AD2-9AFC-4294-89AA-68D6E215ABF9}" dt="2022-10-04T08:17:34.273" v="0"/>
-      <pc:docMkLst>
-        <pc:docMk/>
-      </pc:docMkLst>
-      <pc:sldChg chg="new">
-        <pc:chgData name="Eduardo Martín-Sonseca.Alonso" userId="044a8a39323ca9b2" providerId="Windows Live" clId="Web-{BC188AD2-9AFC-4294-89AA-68D6E215ABF9}" dt="2022-10-04T08:17:34.273" v="0"/>
-        <pc:sldMkLst>
-          <pc:docMk/>
-          <pc:sldMk cId="664690385" sldId="259"/>
-        </pc:sldMkLst>
-      </pc:sldChg>
-    </pc:docChg>
-  </pc:docChgLst>
-  <pc:docChgLst>
-    <pc:chgData name="Eduardo Martín-Sonseca.Alonso" userId="044a8a39323ca9b2" providerId="Windows Live" clId="Web-{8949363F-F8E8-445A-B74B-030214F69C19}"/>
-    <pc:docChg chg="modSld">
-      <pc:chgData name="Eduardo Martín-Sonseca.Alonso" userId="044a8a39323ca9b2" providerId="Windows Live" clId="Web-{8949363F-F8E8-445A-B74B-030214F69C19}" dt="2022-09-29T08:48:11.610" v="2" actId="20577"/>
-      <pc:docMkLst>
-        <pc:docMk/>
-      </pc:docMkLst>
-      <pc:sldChg chg="modSp">
-        <pc:chgData name="Eduardo Martín-Sonseca.Alonso" userId="044a8a39323ca9b2" providerId="Windows Live" clId="Web-{8949363F-F8E8-445A-B74B-030214F69C19}" dt="2022-09-29T08:48:11.610" v="2" actId="20577"/>
-        <pc:sldMkLst>
-          <pc:docMk/>
-          <pc:sldMk cId="1479924629" sldId="258"/>
-        </pc:sldMkLst>
-        <pc:spChg chg="mod">
-          <ac:chgData name="Eduardo Martín-Sonseca.Alonso" userId="044a8a39323ca9b2" providerId="Windows Live" clId="Web-{8949363F-F8E8-445A-B74B-030214F69C19}" dt="2022-09-29T08:48:11.610" v="2" actId="20577"/>
-          <ac:spMkLst>
-            <pc:docMk/>
-            <pc:sldMk cId="1479924629" sldId="258"/>
-            <ac:spMk id="7" creationId="{5B41D51C-D08B-3EFA-1F77-001EE791B2E3}"/>
-          </ac:spMkLst>
-        </pc:spChg>
-      </pc:sldChg>
-    </pc:docChg>
-  </pc:docChgLst>
-  <pc:docChgLst>
-    <pc:chgData name="Eduardo Martín-Sonseca.Alonso" userId="044a8a39323ca9b2" providerId="LiveId" clId="{88BFF241-8797-48AB-88EF-E6D786ABB885}"/>
-    <pc:docChg chg="undo redo custSel addSld delSld modSld addMainMaster delMainMaster">
-      <pc:chgData name="Eduardo Martín-Sonseca.Alonso" userId="044a8a39323ca9b2" providerId="LiveId" clId="{88BFF241-8797-48AB-88EF-E6D786ABB885}" dt="2022-09-28T20:02:10.459" v="942"/>
-      <pc:docMkLst>
-        <pc:docMk/>
-      </pc:docMkLst>
-      <pc:sldChg chg="addSp delSp modSp new del mod setBg modClrScheme addAnim modAnim delDesignElem chgLayout">
-        <pc:chgData name="Eduardo Martín-Sonseca.Alonso" userId="044a8a39323ca9b2" providerId="LiveId" clId="{88BFF241-8797-48AB-88EF-E6D786ABB885}" dt="2022-09-28T19:22:09.608" v="342" actId="47"/>
-        <pc:sldMkLst>
-          <pc:docMk/>
-          <pc:sldMk cId="3203069901" sldId="256"/>
-        </pc:sldMkLst>
-        <pc:spChg chg="del">
-          <ac:chgData name="Eduardo Martín-Sonseca.Alonso" userId="044a8a39323ca9b2" providerId="LiveId" clId="{88BFF241-8797-48AB-88EF-E6D786ABB885}" dt="2022-09-28T18:50:14.175" v="1" actId="478"/>
-          <ac:spMkLst>
-            <pc:docMk/>
-            <pc:sldMk cId="3203069901" sldId="256"/>
-            <ac:spMk id="2" creationId="{C7B25F8C-609D-9FB4-8E54-79F4CB0280A6}"/>
-          </ac:spMkLst>
-        </pc:spChg>
-        <pc:spChg chg="del">
-          <ac:chgData name="Eduardo Martín-Sonseca.Alonso" userId="044a8a39323ca9b2" providerId="LiveId" clId="{88BFF241-8797-48AB-88EF-E6D786ABB885}" dt="2022-09-28T18:50:16.123" v="2" actId="478"/>
-          <ac:spMkLst>
-            <pc:docMk/>
-            <pc:sldMk cId="3203069901" sldId="256"/>
-            <ac:spMk id="3" creationId="{A6503D79-33B5-6565-A6E2-C0ADCF517B56}"/>
-          </ac:spMkLst>
-        </pc:spChg>
-        <pc:spChg chg="add del mod">
-          <ac:chgData name="Eduardo Martín-Sonseca.Alonso" userId="044a8a39323ca9b2" providerId="LiveId" clId="{88BFF241-8797-48AB-88EF-E6D786ABB885}" dt="2022-09-28T18:50:22.853" v="4"/>
-          <ac:spMkLst>
-            <pc:docMk/>
-            <pc:sldMk cId="3203069901" sldId="256"/>
-            <ac:spMk id="4" creationId="{09FDE277-7A67-1DEC-049A-84B8F3D62698}"/>
-          </ac:spMkLst>
-        </pc:spChg>
-        <pc:spChg chg="add del mod">
-          <ac:chgData name="Eduardo Martín-Sonseca.Alonso" userId="044a8a39323ca9b2" providerId="LiveId" clId="{88BFF241-8797-48AB-88EF-E6D786ABB885}" dt="2022-09-28T18:50:22.853" v="4"/>
-          <ac:spMkLst>
-            <pc:docMk/>
-            <pc:sldMk cId="3203069901" sldId="256"/>
-            <ac:spMk id="5" creationId="{333A11B7-F8A5-41F2-FA97-E74CB5A4BA2A}"/>
-          </ac:spMkLst>
-        </pc:spChg>
-        <pc:spChg chg="add mod ord">
-          <ac:chgData name="Eduardo Martín-Sonseca.Alonso" userId="044a8a39323ca9b2" providerId="LiveId" clId="{88BFF241-8797-48AB-88EF-E6D786ABB885}" dt="2022-09-28T19:12:23.847" v="174" actId="14100"/>
-          <ac:spMkLst>
-            <pc:docMk/>
-            <pc:sldMk cId="3203069901" sldId="256"/>
-            <ac:spMk id="8" creationId="{7B01A2E4-7837-E800-8762-E4F7322AB6D7}"/>
-          </ac:spMkLst>
-        </pc:spChg>
-        <pc:spChg chg="add del mod">
-          <ac:chgData name="Eduardo Martín-Sonseca.Alonso" userId="044a8a39323ca9b2" providerId="LiveId" clId="{88BFF241-8797-48AB-88EF-E6D786ABB885}" dt="2022-09-28T19:10:24.303" v="138" actId="478"/>
-          <ac:spMkLst>
-            <pc:docMk/>
-            <pc:sldMk cId="3203069901" sldId="256"/>
-            <ac:spMk id="9" creationId="{0C2BA46B-08DB-1813-66CD-90EAD0BC00BC}"/>
-          </ac:spMkLst>
-        </pc:spChg>
-        <pc:spChg chg="add del mod">
-          <ac:chgData name="Eduardo Martín-Sonseca.Alonso" userId="044a8a39323ca9b2" providerId="LiveId" clId="{88BFF241-8797-48AB-88EF-E6D786ABB885}" dt="2022-09-28T19:11:49.222" v="168"/>
-          <ac:spMkLst>
-            <pc:docMk/>
-            <pc:sldMk cId="3203069901" sldId="256"/>
-            <ac:spMk id="10" creationId="{ED5AE082-687D-25F1-9757-5355CDC06888}"/>
-          </ac:spMkLst>
-        </pc:spChg>
-        <pc:spChg chg="add del">
-          <ac:chgData name="Eduardo Martín-Sonseca.Alonso" userId="044a8a39323ca9b2" providerId="LiveId" clId="{88BFF241-8797-48AB-88EF-E6D786ABB885}" dt="2022-09-28T19:21:23.422" v="338"/>
-          <ac:spMkLst>
-            <pc:docMk/>
-            <pc:sldMk cId="3203069901" sldId="256"/>
-            <ac:spMk id="12" creationId="{A5F57220-B3BC-40FE-9FA8-28584D25CCCA}"/>
-          </ac:spMkLst>
-        </pc:spChg>
-        <pc:spChg chg="add mod">
-          <ac:chgData name="Eduardo Martín-Sonseca.Alonso" userId="044a8a39323ca9b2" providerId="LiveId" clId="{88BFF241-8797-48AB-88EF-E6D786ABB885}" dt="2022-09-28T19:21:23.680" v="339" actId="27636"/>
-          <ac:spMkLst>
-            <pc:docMk/>
-            <pc:sldMk cId="3203069901" sldId="256"/>
-            <ac:spMk id="16" creationId="{9CB23522-01C4-E94F-14D4-E800D7EC1C96}"/>
-          </ac:spMkLst>
-        </pc:spChg>
-        <pc:spChg chg="add del">
-          <ac:chgData name="Eduardo Martín-Sonseca.Alonso" userId="044a8a39323ca9b2" providerId="LiveId" clId="{88BFF241-8797-48AB-88EF-E6D786ABB885}" dt="2022-09-28T19:10:32.505" v="139" actId="26606"/>
-          <ac:spMkLst>
-            <pc:docMk/>
-            <pc:sldMk cId="3203069901" sldId="256"/>
-            <ac:spMk id="17" creationId="{78E81931-EC11-4433-BB7B-ED42BAA2441E}"/>
-          </ac:spMkLst>
-        </pc:spChg>
-        <pc:spChg chg="add del">
-          <ac:chgData name="Eduardo Martín-Sonseca.Alonso" userId="044a8a39323ca9b2" providerId="LiveId" clId="{88BFF241-8797-48AB-88EF-E6D786ABB885}" dt="2022-09-28T19:10:32.505" v="139" actId="26606"/>
-          <ac:spMkLst>
-            <pc:docMk/>
-            <pc:sldMk cId="3203069901" sldId="256"/>
-            <ac:spMk id="19" creationId="{F35BC353-549C-47DC-9732-7E6961372840}"/>
-          </ac:spMkLst>
-        </pc:spChg>
-        <pc:spChg chg="add del">
-          <ac:chgData name="Eduardo Martín-Sonseca.Alonso" userId="044a8a39323ca9b2" providerId="LiveId" clId="{88BFF241-8797-48AB-88EF-E6D786ABB885}" dt="2022-09-28T19:10:43.873" v="141" actId="700"/>
-          <ac:spMkLst>
-            <pc:docMk/>
-            <pc:sldMk cId="3203069901" sldId="256"/>
-            <ac:spMk id="28" creationId="{7DA3C418-758E-4180-A5D0-8655D6804587}"/>
-          </ac:spMkLst>
-        </pc:spChg>
-        <pc:spChg chg="add del">
-          <ac:chgData name="Eduardo Martín-Sonseca.Alonso" userId="044a8a39323ca9b2" providerId="LiveId" clId="{88BFF241-8797-48AB-88EF-E6D786ABB885}" dt="2022-09-28T19:10:43.873" v="141" actId="700"/>
-          <ac:spMkLst>
-            <pc:docMk/>
-            <pc:sldMk cId="3203069901" sldId="256"/>
-            <ac:spMk id="30" creationId="{28C8EF06-5EC3-4883-AFAF-D74FF46550FB}"/>
-          </ac:spMkLst>
-        </pc:spChg>
-        <pc:picChg chg="add del mod ord">
-          <ac:chgData name="Eduardo Martín-Sonseca.Alonso" userId="044a8a39323ca9b2" providerId="LiveId" clId="{88BFF241-8797-48AB-88EF-E6D786ABB885}" dt="2022-09-28T19:12:08.233" v="169" actId="26606"/>
-          <ac:picMkLst>
-            <pc:docMk/>
-            <pc:sldMk cId="3203069901" sldId="256"/>
-            <ac:picMk id="7" creationId="{47942CDF-7C22-CCE9-2BE3-65E7FB750783}"/>
-          </ac:picMkLst>
-        </pc:picChg>
-        <pc:picChg chg="add del">
-          <ac:chgData name="Eduardo Martín-Sonseca.Alonso" userId="044a8a39323ca9b2" providerId="LiveId" clId="{88BFF241-8797-48AB-88EF-E6D786ABB885}" dt="2022-09-28T19:10:32.505" v="139" actId="26606"/>
-          <ac:picMkLst>
-            <pc:docMk/>
-            <pc:sldMk cId="3203069901" sldId="256"/>
-            <ac:picMk id="13" creationId="{DEB2E8C4-C3E7-4048-A43D-9859510CFA98}"/>
-          </ac:picMkLst>
-        </pc:picChg>
-        <pc:picChg chg="add del">
-          <ac:chgData name="Eduardo Martín-Sonseca.Alonso" userId="044a8a39323ca9b2" providerId="LiveId" clId="{88BFF241-8797-48AB-88EF-E6D786ABB885}" dt="2022-09-28T19:10:43.873" v="141" actId="700"/>
-          <ac:picMkLst>
-            <pc:docMk/>
-            <pc:sldMk cId="3203069901" sldId="256"/>
-            <ac:picMk id="24" creationId="{DEB2E8C4-C3E7-4048-A43D-9859510CFA98}"/>
-          </ac:picMkLst>
-        </pc:picChg>
-        <pc:inkChg chg="add del">
-          <ac:chgData name="Eduardo Martín-Sonseca.Alonso" userId="044a8a39323ca9b2" providerId="LiveId" clId="{88BFF241-8797-48AB-88EF-E6D786ABB885}" dt="2022-09-28T19:10:32.505" v="139" actId="26606"/>
-          <ac:inkMkLst>
-            <pc:docMk/>
-            <pc:sldMk cId="3203069901" sldId="256"/>
-            <ac:inkMk id="15" creationId="{24D29CCB-7956-4E3E-8880-304085F04BF4}"/>
-          </ac:inkMkLst>
-        </pc:inkChg>
-        <pc:inkChg chg="add del">
-          <ac:chgData name="Eduardo Martín-Sonseca.Alonso" userId="044a8a39323ca9b2" providerId="LiveId" clId="{88BFF241-8797-48AB-88EF-E6D786ABB885}" dt="2022-09-28T19:10:43.873" v="141" actId="700"/>
-          <ac:inkMkLst>
-            <pc:docMk/>
-            <pc:sldMk cId="3203069901" sldId="256"/>
-            <ac:inkMk id="26" creationId="{24D29CCB-7956-4E3E-8880-304085F04BF4}"/>
-          </ac:inkMkLst>
-        </pc:inkChg>
-        <pc:cxnChg chg="add del">
-          <ac:chgData name="Eduardo Martín-Sonseca.Alonso" userId="044a8a39323ca9b2" providerId="LiveId" clId="{88BFF241-8797-48AB-88EF-E6D786ABB885}" dt="2022-09-28T19:21:23.422" v="338"/>
-          <ac:cxnSpMkLst>
-            <pc:docMk/>
-            <pc:sldMk cId="3203069901" sldId="256"/>
-            <ac:cxnSpMk id="11" creationId="{C66CC717-08C5-4F3E-B8AA-BA93C8755982}"/>
-          </ac:cxnSpMkLst>
-        </pc:cxnChg>
-        <pc:cxnChg chg="add del">
-          <ac:chgData name="Eduardo Martín-Sonseca.Alonso" userId="044a8a39323ca9b2" providerId="LiveId" clId="{88BFF241-8797-48AB-88EF-E6D786ABB885}" dt="2022-09-28T19:21:23.422" v="338"/>
-          <ac:cxnSpMkLst>
-            <pc:docMk/>
-            <pc:sldMk cId="3203069901" sldId="256"/>
-            <ac:cxnSpMk id="14" creationId="{E162CD6F-E89D-4CC2-BA38-20EB86002FDE}"/>
-          </ac:cxnSpMkLst>
-        </pc:cxnChg>
-      </pc:sldChg>
-      <pc:sldChg chg="addSp delSp modSp new mod modClrScheme modAnim chgLayout">
-        <pc:chgData name="Eduardo Martín-Sonseca.Alonso" userId="044a8a39323ca9b2" providerId="LiveId" clId="{88BFF241-8797-48AB-88EF-E6D786ABB885}" dt="2022-09-28T20:02:10.459" v="942"/>
-        <pc:sldMkLst>
-          <pc:docMk/>
-          <pc:sldMk cId="2184046427" sldId="257"/>
-        </pc:sldMkLst>
-        <pc:spChg chg="del mod">
-          <ac:chgData name="Eduardo Martín-Sonseca.Alonso" userId="044a8a39323ca9b2" providerId="LiveId" clId="{88BFF241-8797-48AB-88EF-E6D786ABB885}" dt="2022-09-28T19:13:43.343" v="212" actId="478"/>
-          <ac:spMkLst>
-            <pc:docMk/>
-            <pc:sldMk cId="2184046427" sldId="257"/>
-            <ac:spMk id="2" creationId="{5D13E32D-A6D9-AC0E-AD1A-22F546802E47}"/>
-          </ac:spMkLst>
-        </pc:spChg>
-        <pc:spChg chg="add del mod">
-          <ac:chgData name="Eduardo Martín-Sonseca.Alonso" userId="044a8a39323ca9b2" providerId="LiveId" clId="{88BFF241-8797-48AB-88EF-E6D786ABB885}" dt="2022-09-28T19:13:45.697" v="213" actId="478"/>
-          <ac:spMkLst>
-            <pc:docMk/>
-            <pc:sldMk cId="2184046427" sldId="257"/>
-            <ac:spMk id="4" creationId="{44C974EA-E93E-E8E4-9AE3-98D1510F960F}"/>
-          </ac:spMkLst>
-        </pc:spChg>
-        <pc:spChg chg="add mod">
-          <ac:chgData name="Eduardo Martín-Sonseca.Alonso" userId="044a8a39323ca9b2" providerId="LiveId" clId="{88BFF241-8797-48AB-88EF-E6D786ABB885}" dt="2022-09-28T19:21:23.422" v="338"/>
-          <ac:spMkLst>
-            <pc:docMk/>
-            <pc:sldMk cId="2184046427" sldId="257"/>
-            <ac:spMk id="5" creationId="{735C47E6-0F39-ABD2-5F8B-9E2AF1475672}"/>
-          </ac:spMkLst>
-        </pc:spChg>
-        <pc:spChg chg="add mod">
-          <ac:chgData name="Eduardo Martín-Sonseca.Alonso" userId="044a8a39323ca9b2" providerId="LiveId" clId="{88BFF241-8797-48AB-88EF-E6D786ABB885}" dt="2022-09-28T20:00:16.166" v="931" actId="34135"/>
-          <ac:spMkLst>
-            <pc:docMk/>
-            <pc:sldMk cId="2184046427" sldId="257"/>
-            <ac:spMk id="6" creationId="{23EA851E-911E-D6AE-A5CA-E1EEE508B5AB}"/>
-          </ac:spMkLst>
-        </pc:spChg>
-        <pc:spChg chg="add del mod">
-          <ac:chgData name="Eduardo Martín-Sonseca.Alonso" userId="044a8a39323ca9b2" providerId="LiveId" clId="{88BFF241-8797-48AB-88EF-E6D786ABB885}" dt="2022-09-28T19:29:29.531" v="529" actId="478"/>
-          <ac:spMkLst>
-            <pc:docMk/>
-            <pc:sldMk cId="2184046427" sldId="257"/>
-            <ac:spMk id="8" creationId="{9D6B815F-EAC8-B4FE-AE05-E84A5BC82D80}"/>
-          </ac:spMkLst>
-        </pc:spChg>
-        <pc:spChg chg="add mod">
-          <ac:chgData name="Eduardo Martín-Sonseca.Alonso" userId="044a8a39323ca9b2" providerId="LiveId" clId="{88BFF241-8797-48AB-88EF-E6D786ABB885}" dt="2022-09-28T20:00:18.926" v="932" actId="34135"/>
-          <ac:spMkLst>
-            <pc:docMk/>
-            <pc:sldMk cId="2184046427" sldId="257"/>
-            <ac:spMk id="9" creationId="{8DFBFE72-FC60-CEFE-8704-4DD15A709559}"/>
-          </ac:spMkLst>
-        </pc:spChg>
-        <pc:spChg chg="add mod">
-          <ac:chgData name="Eduardo Martín-Sonseca.Alonso" userId="044a8a39323ca9b2" providerId="LiveId" clId="{88BFF241-8797-48AB-88EF-E6D786ABB885}" dt="2022-09-28T20:00:23.155" v="933" actId="34135"/>
-          <ac:spMkLst>
-            <pc:docMk/>
-            <pc:sldMk cId="2184046427" sldId="257"/>
-            <ac:spMk id="10" creationId="{49107AB4-257A-B52B-0520-7FF3845C71E9}"/>
-          </ac:spMkLst>
-        </pc:spChg>
-        <pc:spChg chg="add mod">
-          <ac:chgData name="Eduardo Martín-Sonseca.Alonso" userId="044a8a39323ca9b2" providerId="LiveId" clId="{88BFF241-8797-48AB-88EF-E6D786ABB885}" dt="2022-09-28T20:00:07.899" v="929" actId="34135"/>
-          <ac:spMkLst>
-            <pc:docMk/>
-            <pc:sldMk cId="2184046427" sldId="257"/>
-            <ac:spMk id="11" creationId="{1B3C84AF-DA8D-3D79-5A25-5245E1F91BF6}"/>
-          </ac:spMkLst>
-        </pc:spChg>
-        <pc:spChg chg="add mod">
-          <ac:chgData name="Eduardo Martín-Sonseca.Alonso" userId="044a8a39323ca9b2" providerId="LiveId" clId="{88BFF241-8797-48AB-88EF-E6D786ABB885}" dt="2022-09-28T20:00:12.407" v="930" actId="34135"/>
-          <ac:spMkLst>
-            <pc:docMk/>
-            <pc:sldMk cId="2184046427" sldId="257"/>
-            <ac:spMk id="12" creationId="{F8CF3850-7061-B2CA-5F39-D687B24AB999}"/>
-          </ac:spMkLst>
-        </pc:spChg>
-        <pc:spChg chg="add del mod">
-          <ac:chgData name="Eduardo Martín-Sonseca.Alonso" userId="044a8a39323ca9b2" providerId="LiveId" clId="{88BFF241-8797-48AB-88EF-E6D786ABB885}" dt="2022-09-28T19:58:56.330" v="923" actId="34135"/>
-          <ac:spMkLst>
-            <pc:docMk/>
-            <pc:sldMk cId="2184046427" sldId="257"/>
-            <ac:spMk id="13" creationId="{91653C34-046D-11DD-8BC9-EBC5373C9EBE}"/>
-          </ac:spMkLst>
-        </pc:spChg>
-        <pc:spChg chg="add del mod">
-          <ac:chgData name="Eduardo Martín-Sonseca.Alonso" userId="044a8a39323ca9b2" providerId="LiveId" clId="{88BFF241-8797-48AB-88EF-E6D786ABB885}" dt="2022-09-28T19:42:35.933" v="804"/>
-          <ac:spMkLst>
-            <pc:docMk/>
-            <pc:sldMk cId="2184046427" sldId="257"/>
-            <ac:spMk id="14" creationId="{83551F04-CBD9-8F9A-1857-5EF5DFB422D0}"/>
-          </ac:spMkLst>
-        </pc:spChg>
-      </pc:sldChg>
-      <pc:sldChg chg="addSp delSp modSp new mod">
-        <pc:chgData name="Eduardo Martín-Sonseca.Alonso" userId="044a8a39323ca9b2" providerId="LiveId" clId="{88BFF241-8797-48AB-88EF-E6D786ABB885}" dt="2022-09-28T19:58:44.966" v="922" actId="34135"/>
-        <pc:sldMkLst>
-          <pc:docMk/>
-          <pc:sldMk cId="1479924629" sldId="258"/>
-        </pc:sldMkLst>
-        <pc:spChg chg="mod">
-          <ac:chgData name="Eduardo Martín-Sonseca.Alonso" userId="044a8a39323ca9b2" providerId="LiveId" clId="{88BFF241-8797-48AB-88EF-E6D786ABB885}" dt="2022-09-28T19:22:20.993" v="358" actId="20577"/>
-          <ac:spMkLst>
-            <pc:docMk/>
-            <pc:sldMk cId="1479924629" sldId="258"/>
-            <ac:spMk id="2" creationId="{ED99DBDA-B49D-9CE5-B7A0-3B4E389D673C}"/>
-          </ac:spMkLst>
-        </pc:spChg>
-        <pc:spChg chg="del mod">
-          <ac:chgData name="Eduardo Martín-Sonseca.Alonso" userId="044a8a39323ca9b2" providerId="LiveId" clId="{88BFF241-8797-48AB-88EF-E6D786ABB885}" dt="2022-09-28T19:57:29.989" v="908" actId="478"/>
-          <ac:spMkLst>
-            <pc:docMk/>
-            <pc:sldMk cId="1479924629" sldId="258"/>
-            <ac:spMk id="3" creationId="{7C3E41D4-6C35-52A7-C2AA-793C4B03620E}"/>
-          </ac:spMkLst>
-        </pc:spChg>
-        <pc:spChg chg="add del mod">
-          <ac:chgData name="Eduardo Martín-Sonseca.Alonso" userId="044a8a39323ca9b2" providerId="LiveId" clId="{88BFF241-8797-48AB-88EF-E6D786ABB885}" dt="2022-09-28T19:57:28.804" v="907"/>
-          <ac:spMkLst>
-            <pc:docMk/>
-            <pc:sldMk cId="1479924629" sldId="258"/>
-            <ac:spMk id="4" creationId="{4B885A8F-F936-CFDF-2450-170AA22E9170}"/>
-          </ac:spMkLst>
-        </pc:spChg>
-        <pc:spChg chg="add mod">
-          <ac:chgData name="Eduardo Martín-Sonseca.Alonso" userId="044a8a39323ca9b2" providerId="LiveId" clId="{88BFF241-8797-48AB-88EF-E6D786ABB885}" dt="2022-09-28T19:57:29.989" v="908" actId="478"/>
-          <ac:spMkLst>
-            <pc:docMk/>
-            <pc:sldMk cId="1479924629" sldId="258"/>
-            <ac:spMk id="6" creationId="{FFE44297-5AAD-CA6F-4064-C2621A1C9AF8}"/>
-          </ac:spMkLst>
-        </pc:spChg>
-        <pc:spChg chg="add mod">
-          <ac:chgData name="Eduardo Martín-Sonseca.Alonso" userId="044a8a39323ca9b2" providerId="LiveId" clId="{88BFF241-8797-48AB-88EF-E6D786ABB885}" dt="2022-09-28T19:58:44.966" v="922" actId="34135"/>
-          <ac:spMkLst>
-            <pc:docMk/>
-            <pc:sldMk cId="1479924629" sldId="258"/>
-            <ac:spMk id="7" creationId="{5B41D51C-D08B-3EFA-1F77-001EE791B2E3}"/>
-          </ac:spMkLst>
-        </pc:spChg>
-      </pc:sldChg>
-      <pc:sldChg chg="addSp delSp modSp new mod setBg">
-        <pc:chgData name="Eduardo Martín-Sonseca.Alonso" userId="044a8a39323ca9b2" providerId="LiveId" clId="{88BFF241-8797-48AB-88EF-E6D786ABB885}" dt="2022-09-28T19:59:06.824" v="924" actId="34135"/>
-        <pc:sldMkLst>
-          <pc:docMk/>
-          <pc:sldMk cId="811467687" sldId="259"/>
-        </pc:sldMkLst>
-        <pc:spChg chg="mod">
-          <ac:chgData name="Eduardo Martín-Sonseca.Alonso" userId="044a8a39323ca9b2" providerId="LiveId" clId="{88BFF241-8797-48AB-88EF-E6D786ABB885}" dt="2022-09-28T19:54:33.513" v="857" actId="26606"/>
-          <ac:spMkLst>
-            <pc:docMk/>
-            <pc:sldMk cId="811467687" sldId="259"/>
-            <ac:spMk id="2" creationId="{0458FCD4-2349-82D1-53D7-CD238760EBC8}"/>
-          </ac:spMkLst>
-        </pc:spChg>
-        <pc:spChg chg="add del">
-          <ac:chgData name="Eduardo Martín-Sonseca.Alonso" userId="044a8a39323ca9b2" providerId="LiveId" clId="{88BFF241-8797-48AB-88EF-E6D786ABB885}" dt="2022-09-28T19:54:33.513" v="857" actId="26606"/>
-          <ac:spMkLst>
-            <pc:docMk/>
-            <pc:sldMk cId="811467687" sldId="259"/>
-            <ac:spMk id="3" creationId="{6B461CBF-6D58-C9FF-0E94-1476763DCE14}"/>
-          </ac:spMkLst>
-        </pc:spChg>
-        <pc:spChg chg="add del mod">
-          <ac:chgData name="Eduardo Martín-Sonseca.Alonso" userId="044a8a39323ca9b2" providerId="LiveId" clId="{88BFF241-8797-48AB-88EF-E6D786ABB885}" dt="2022-09-28T19:57:48.943" v="912" actId="478"/>
-          <ac:spMkLst>
-            <pc:docMk/>
-            <pc:sldMk cId="811467687" sldId="259"/>
-            <ac:spMk id="4" creationId="{8BA1FEC3-CA9A-7AD0-A7D1-C0D1AC41716C}"/>
-          </ac:spMkLst>
-        </pc:spChg>
-        <pc:spChg chg="add del mod">
-          <ac:chgData name="Eduardo Martín-Sonseca.Alonso" userId="044a8a39323ca9b2" providerId="LiveId" clId="{88BFF241-8797-48AB-88EF-E6D786ABB885}" dt="2022-09-28T19:41:42.186" v="780"/>
-          <ac:spMkLst>
-            <pc:docMk/>
-            <pc:sldMk cId="811467687" sldId="259"/>
-            <ac:spMk id="5" creationId="{AA48DF43-8FE2-E4B4-D6BF-3B3B8127AF9E}"/>
-          </ac:spMkLst>
-        </pc:spChg>
-        <pc:spChg chg="add del mod">
-          <ac:chgData name="Eduardo Martín-Sonseca.Alonso" userId="044a8a39323ca9b2" providerId="LiveId" clId="{88BFF241-8797-48AB-88EF-E6D786ABB885}" dt="2022-09-28T19:42:35.714" v="796"/>
-          <ac:spMkLst>
-            <pc:docMk/>
-            <pc:sldMk cId="811467687" sldId="259"/>
-            <ac:spMk id="6" creationId="{20D33E9D-4787-B796-1D39-4D9B5BC42880}"/>
-          </ac:spMkLst>
-        </pc:spChg>
-        <pc:spChg chg="add del mod">
-          <ac:chgData name="Eduardo Martín-Sonseca.Alonso" userId="044a8a39323ca9b2" providerId="LiveId" clId="{88BFF241-8797-48AB-88EF-E6D786ABB885}" dt="2022-09-28T19:57:43.336" v="911" actId="478"/>
-          <ac:spMkLst>
-            <pc:docMk/>
-            <pc:sldMk cId="811467687" sldId="259"/>
-            <ac:spMk id="7" creationId="{3837D85F-3EC2-5F2F-D4FA-B758953DF791}"/>
-          </ac:spMkLst>
-        </pc:spChg>
-        <pc:spChg chg="add mod">
-          <ac:chgData name="Eduardo Martín-Sonseca.Alonso" userId="044a8a39323ca9b2" providerId="LiveId" clId="{88BFF241-8797-48AB-88EF-E6D786ABB885}" dt="2022-09-28T19:59:06.824" v="924" actId="34135"/>
-          <ac:spMkLst>
-            <pc:docMk/>
-            <pc:sldMk cId="811467687" sldId="259"/>
-            <ac:spMk id="9" creationId="{47E1B43A-98F5-144F-171C-92EF9B1579DB}"/>
-          </ac:spMkLst>
-        </pc:spChg>
-        <pc:spChg chg="add del">
-          <ac:chgData name="Eduardo Martín-Sonseca.Alonso" userId="044a8a39323ca9b2" providerId="LiveId" clId="{88BFF241-8797-48AB-88EF-E6D786ABB885}" dt="2022-09-28T19:54:33.513" v="857" actId="26606"/>
-          <ac:spMkLst>
-            <pc:docMk/>
-            <pc:sldMk cId="811467687" sldId="259"/>
-            <ac:spMk id="11" creationId="{A3363022-C969-41E9-8EB2-E4C94908C1FA}"/>
-          </ac:spMkLst>
-        </pc:spChg>
-        <pc:spChg chg="add del">
-          <ac:chgData name="Eduardo Martín-Sonseca.Alonso" userId="044a8a39323ca9b2" providerId="LiveId" clId="{88BFF241-8797-48AB-88EF-E6D786ABB885}" dt="2022-09-28T19:54:33.513" v="857" actId="26606"/>
-          <ac:spMkLst>
-            <pc:docMk/>
-            <pc:sldMk cId="811467687" sldId="259"/>
-            <ac:spMk id="13" creationId="{8D1AD6B3-BE88-4CEB-BA17-790657CC4729}"/>
-          </ac:spMkLst>
-        </pc:spChg>
-        <pc:spChg chg="add del">
-          <ac:chgData name="Eduardo Martín-Sonseca.Alonso" userId="044a8a39323ca9b2" providerId="LiveId" clId="{88BFF241-8797-48AB-88EF-E6D786ABB885}" dt="2022-09-28T19:54:33.153" v="856" actId="26606"/>
-          <ac:spMkLst>
-            <pc:docMk/>
-            <pc:sldMk cId="811467687" sldId="259"/>
-            <ac:spMk id="23" creationId="{91F32EBA-ED97-466E-8CFA-8382584155D0}"/>
-          </ac:spMkLst>
-        </pc:spChg>
-        <pc:spChg chg="add del">
-          <ac:chgData name="Eduardo Martín-Sonseca.Alonso" userId="044a8a39323ca9b2" providerId="LiveId" clId="{88BFF241-8797-48AB-88EF-E6D786ABB885}" dt="2022-09-28T19:54:33.153" v="856" actId="26606"/>
-          <ac:spMkLst>
-            <pc:docMk/>
-            <pc:sldMk cId="811467687" sldId="259"/>
-            <ac:spMk id="25" creationId="{62A38935-BB53-4DF7-A56E-48DD25B685D7}"/>
-          </ac:spMkLst>
-        </pc:spChg>
-        <pc:grpChg chg="add del">
-          <ac:chgData name="Eduardo Martín-Sonseca.Alonso" userId="044a8a39323ca9b2" providerId="LiveId" clId="{88BFF241-8797-48AB-88EF-E6D786ABB885}" dt="2022-09-28T19:54:33.513" v="857" actId="26606"/>
-          <ac:grpSpMkLst>
-            <pc:docMk/>
-            <pc:sldMk cId="811467687" sldId="259"/>
-            <ac:grpSpMk id="15" creationId="{89D1390B-7E13-4B4F-9CB2-391063412E54}"/>
-          </ac:grpSpMkLst>
-        </pc:grpChg>
-        <pc:picChg chg="add del mod ord">
-          <ac:chgData name="Eduardo Martín-Sonseca.Alonso" userId="044a8a39323ca9b2" providerId="LiveId" clId="{88BFF241-8797-48AB-88EF-E6D786ABB885}" dt="2022-09-28T19:54:33.513" v="857" actId="26606"/>
-          <ac:picMkLst>
-            <pc:docMk/>
-            <pc:sldMk cId="811467687" sldId="259"/>
-            <ac:picMk id="8" creationId="{B6F9C9BC-1313-BDE6-589E-7A4423113455}"/>
-          </ac:picMkLst>
-        </pc:picChg>
-      </pc:sldChg>
-      <pc:sldChg chg="addSp delSp modSp new mod setBg">
-        <pc:chgData name="Eduardo Martín-Sonseca.Alonso" userId="044a8a39323ca9b2" providerId="LiveId" clId="{88BFF241-8797-48AB-88EF-E6D786ABB885}" dt="2022-09-28T19:59:14.499" v="925" actId="34135"/>
-        <pc:sldMkLst>
-          <pc:docMk/>
-          <pc:sldMk cId="2467411564" sldId="260"/>
-        </pc:sldMkLst>
-        <pc:spChg chg="mod">
-          <ac:chgData name="Eduardo Martín-Sonseca.Alonso" userId="044a8a39323ca9b2" providerId="LiveId" clId="{88BFF241-8797-48AB-88EF-E6D786ABB885}" dt="2022-09-28T19:54:20.503" v="854" actId="26606"/>
-          <ac:spMkLst>
-            <pc:docMk/>
-            <pc:sldMk cId="2467411564" sldId="260"/>
-            <ac:spMk id="2" creationId="{500DE41D-3EC7-4D50-E094-11D19C60413E}"/>
-          </ac:spMkLst>
-        </pc:spChg>
-        <pc:spChg chg="add del">
-          <ac:chgData name="Eduardo Martín-Sonseca.Alonso" userId="044a8a39323ca9b2" providerId="LiveId" clId="{88BFF241-8797-48AB-88EF-E6D786ABB885}" dt="2022-09-28T19:54:20.503" v="854" actId="26606"/>
-          <ac:spMkLst>
-            <pc:docMk/>
-            <pc:sldMk cId="2467411564" sldId="260"/>
-            <ac:spMk id="3" creationId="{199DEBE5-CFD3-C05E-8FA7-CFE65C69B5C5}"/>
-          </ac:spMkLst>
-        </pc:spChg>
-        <pc:spChg chg="add del mod">
-          <ac:chgData name="Eduardo Martín-Sonseca.Alonso" userId="044a8a39323ca9b2" providerId="LiveId" clId="{88BFF241-8797-48AB-88EF-E6D786ABB885}" dt="2022-09-28T19:57:57.793" v="914" actId="478"/>
-          <ac:spMkLst>
-            <pc:docMk/>
-            <pc:sldMk cId="2467411564" sldId="260"/>
-            <ac:spMk id="4" creationId="{35551174-B175-4C14-3571-EE7AA57814B0}"/>
-          </ac:spMkLst>
-        </pc:spChg>
-        <pc:spChg chg="add mod">
-          <ac:chgData name="Eduardo Martín-Sonseca.Alonso" userId="044a8a39323ca9b2" providerId="LiveId" clId="{88BFF241-8797-48AB-88EF-E6D786ABB885}" dt="2022-09-28T19:59:14.499" v="925" actId="34135"/>
-          <ac:spMkLst>
-            <pc:docMk/>
-            <pc:sldMk cId="2467411564" sldId="260"/>
-            <ac:spMk id="5" creationId="{56E24846-6110-797A-647B-AA43F162DD04}"/>
-          </ac:spMkLst>
-        </pc:spChg>
-        <pc:spChg chg="add del">
-          <ac:chgData name="Eduardo Martín-Sonseca.Alonso" userId="044a8a39323ca9b2" providerId="LiveId" clId="{88BFF241-8797-48AB-88EF-E6D786ABB885}" dt="2022-09-28T19:54:20.503" v="854" actId="26606"/>
-          <ac:spMkLst>
-            <pc:docMk/>
-            <pc:sldMk cId="2467411564" sldId="260"/>
-            <ac:spMk id="9" creationId="{787F4F1C-8D3D-4EC1-B72D-A0470A5A08B8}"/>
-          </ac:spMkLst>
-        </pc:spChg>
-        <pc:grpChg chg="add del">
-          <ac:chgData name="Eduardo Martín-Sonseca.Alonso" userId="044a8a39323ca9b2" providerId="LiveId" clId="{88BFF241-8797-48AB-88EF-E6D786ABB885}" dt="2022-09-28T19:54:20.503" v="854" actId="26606"/>
-          <ac:grpSpMkLst>
-            <pc:docMk/>
-            <pc:sldMk cId="2467411564" sldId="260"/>
-            <ac:grpSpMk id="11" creationId="{D1E3DD61-64DB-46AD-B249-E273CD86B051}"/>
-          </ac:grpSpMkLst>
-        </pc:grpChg>
-      </pc:sldChg>
-      <pc:sldChg chg="addSp delSp modSp new mod">
-        <pc:chgData name="Eduardo Martín-Sonseca.Alonso" userId="044a8a39323ca9b2" providerId="LiveId" clId="{88BFF241-8797-48AB-88EF-E6D786ABB885}" dt="2022-09-28T19:59:20.483" v="926" actId="34135"/>
-        <pc:sldMkLst>
-          <pc:docMk/>
-          <pc:sldMk cId="1395609140" sldId="261"/>
-        </pc:sldMkLst>
-        <pc:spChg chg="mod">
-          <ac:chgData name="Eduardo Martín-Sonseca.Alonso" userId="044a8a39323ca9b2" providerId="LiveId" clId="{88BFF241-8797-48AB-88EF-E6D786ABB885}" dt="2022-09-28T19:26:48.267" v="464" actId="20577"/>
-          <ac:spMkLst>
-            <pc:docMk/>
-            <pc:sldMk cId="1395609140" sldId="261"/>
-            <ac:spMk id="2" creationId="{546FDB38-B45A-B55B-5913-C099453C4EB3}"/>
-          </ac:spMkLst>
-        </pc:spChg>
-        <pc:spChg chg="add del mod">
-          <ac:chgData name="Eduardo Martín-Sonseca.Alonso" userId="044a8a39323ca9b2" providerId="LiveId" clId="{88BFF241-8797-48AB-88EF-E6D786ABB885}" dt="2022-09-28T19:58:07.142" v="916" actId="478"/>
-          <ac:spMkLst>
-            <pc:docMk/>
-            <pc:sldMk cId="1395609140" sldId="261"/>
-            <ac:spMk id="4" creationId="{BA7C6D83-07F6-6F1C-9E02-F7785FA13A2D}"/>
-          </ac:spMkLst>
-        </pc:spChg>
-        <pc:spChg chg="add mod">
-          <ac:chgData name="Eduardo Martín-Sonseca.Alonso" userId="044a8a39323ca9b2" providerId="LiveId" clId="{88BFF241-8797-48AB-88EF-E6D786ABB885}" dt="2022-09-28T19:59:20.483" v="926" actId="34135"/>
-          <ac:spMkLst>
-            <pc:docMk/>
-            <pc:sldMk cId="1395609140" sldId="261"/>
-            <ac:spMk id="5" creationId="{84FAB4ED-9776-C6FF-9372-A83D99FCA231}"/>
-          </ac:spMkLst>
-        </pc:spChg>
-      </pc:sldChg>
-      <pc:sldChg chg="addSp delSp modSp new mod">
-        <pc:chgData name="Eduardo Martín-Sonseca.Alonso" userId="044a8a39323ca9b2" providerId="LiveId" clId="{88BFF241-8797-48AB-88EF-E6D786ABB885}" dt="2022-09-28T19:59:27.666" v="927" actId="34135"/>
-        <pc:sldMkLst>
-          <pc:docMk/>
-          <pc:sldMk cId="3457248673" sldId="262"/>
-        </pc:sldMkLst>
-        <pc:spChg chg="mod">
-          <ac:chgData name="Eduardo Martín-Sonseca.Alonso" userId="044a8a39323ca9b2" providerId="LiveId" clId="{88BFF241-8797-48AB-88EF-E6D786ABB885}" dt="2022-09-28T19:27:20.246" v="499" actId="20577"/>
-          <ac:spMkLst>
-            <pc:docMk/>
-            <pc:sldMk cId="3457248673" sldId="262"/>
-            <ac:spMk id="2" creationId="{D2C4EF2C-F551-4AD3-0F72-DAE70F1472EB}"/>
-          </ac:spMkLst>
-        </pc:spChg>
-        <pc:spChg chg="add del mod">
-          <ac:chgData name="Eduardo Martín-Sonseca.Alonso" userId="044a8a39323ca9b2" providerId="LiveId" clId="{88BFF241-8797-48AB-88EF-E6D786ABB885}" dt="2022-09-28T19:58:16.500" v="918" actId="478"/>
-          <ac:spMkLst>
-            <pc:docMk/>
-            <pc:sldMk cId="3457248673" sldId="262"/>
-            <ac:spMk id="4" creationId="{55736FD1-C4A8-AE7F-12D0-807513E17BD2}"/>
-          </ac:spMkLst>
-        </pc:spChg>
-        <pc:spChg chg="add mod">
-          <ac:chgData name="Eduardo Martín-Sonseca.Alonso" userId="044a8a39323ca9b2" providerId="LiveId" clId="{88BFF241-8797-48AB-88EF-E6D786ABB885}" dt="2022-09-28T19:59:27.666" v="927" actId="34135"/>
-          <ac:spMkLst>
-            <pc:docMk/>
-            <pc:sldMk cId="3457248673" sldId="262"/>
-            <ac:spMk id="5" creationId="{31B17589-FE36-F12A-AB43-BBBFD3330D3A}"/>
-          </ac:spMkLst>
-        </pc:spChg>
-      </pc:sldChg>
-      <pc:sldChg chg="addSp delSp modSp new mod">
-        <pc:chgData name="Eduardo Martín-Sonseca.Alonso" userId="044a8a39323ca9b2" providerId="LiveId" clId="{88BFF241-8797-48AB-88EF-E6D786ABB885}" dt="2022-09-28T19:59:34.585" v="928" actId="34135"/>
-        <pc:sldMkLst>
-          <pc:docMk/>
-          <pc:sldMk cId="436996647" sldId="263"/>
-        </pc:sldMkLst>
-        <pc:spChg chg="mod">
-          <ac:chgData name="Eduardo Martín-Sonseca.Alonso" userId="044a8a39323ca9b2" providerId="LiveId" clId="{88BFF241-8797-48AB-88EF-E6D786ABB885}" dt="2022-09-28T19:27:48.506" v="516" actId="20577"/>
-          <ac:spMkLst>
-            <pc:docMk/>
-            <pc:sldMk cId="436996647" sldId="263"/>
-            <ac:spMk id="2" creationId="{1DA3D9F2-8F0D-B3D3-5E4A-87EE0D8708C9}"/>
-          </ac:spMkLst>
-        </pc:spChg>
-        <pc:spChg chg="mod">
-          <ac:chgData name="Eduardo Martín-Sonseca.Alonso" userId="044a8a39323ca9b2" providerId="LiveId" clId="{88BFF241-8797-48AB-88EF-E6D786ABB885}" dt="2022-09-28T19:28:32.145" v="520" actId="20577"/>
-          <ac:spMkLst>
-            <pc:docMk/>
-            <pc:sldMk cId="436996647" sldId="263"/>
-            <ac:spMk id="3" creationId="{C3AA9280-1CDB-48F8-3C14-03859160F6B1}"/>
-          </ac:spMkLst>
-        </pc:spChg>
-        <pc:spChg chg="add del mod">
-          <ac:chgData name="Eduardo Martín-Sonseca.Alonso" userId="044a8a39323ca9b2" providerId="LiveId" clId="{88BFF241-8797-48AB-88EF-E6D786ABB885}" dt="2022-09-28T19:58:23.203" v="920" actId="478"/>
-          <ac:spMkLst>
-            <pc:docMk/>
-            <pc:sldMk cId="436996647" sldId="263"/>
-            <ac:spMk id="4" creationId="{49E4C170-20BD-3318-B7BE-2D2452A8960C}"/>
-          </ac:spMkLst>
-        </pc:spChg>
-        <pc:spChg chg="add mod">
-          <ac:chgData name="Eduardo Martín-Sonseca.Alonso" userId="044a8a39323ca9b2" providerId="LiveId" clId="{88BFF241-8797-48AB-88EF-E6D786ABB885}" dt="2022-09-28T19:59:34.585" v="928" actId="34135"/>
-          <ac:spMkLst>
-            <pc:docMk/>
-            <pc:sldMk cId="436996647" sldId="263"/>
-            <ac:spMk id="5" creationId="{4192928C-7F78-D760-DD00-AB12107440BD}"/>
-          </ac:spMkLst>
-        </pc:spChg>
-      </pc:sldChg>
-      <pc:sldMasterChg chg="del delSldLayout">
-        <pc:chgData name="Eduardo Martín-Sonseca.Alonso" userId="044a8a39323ca9b2" providerId="LiveId" clId="{88BFF241-8797-48AB-88EF-E6D786ABB885}" dt="2022-09-28T19:06:29.003" v="21" actId="26606"/>
-        <pc:sldMasterMkLst>
-          <pc:docMk/>
-          <pc:sldMasterMk cId="4153704577" sldId="2147483648"/>
-        </pc:sldMasterMkLst>
-        <pc:sldLayoutChg chg="del">
-          <pc:chgData name="Eduardo Martín-Sonseca.Alonso" userId="044a8a39323ca9b2" providerId="LiveId" clId="{88BFF241-8797-48AB-88EF-E6D786ABB885}" dt="2022-09-28T19:06:29.003" v="21" actId="26606"/>
-          <pc:sldLayoutMkLst>
-            <pc:docMk/>
-            <pc:sldMasterMk cId="4153704577" sldId="2147483648"/>
-            <pc:sldLayoutMk cId="1395403755" sldId="2147483649"/>
-          </pc:sldLayoutMkLst>
-        </pc:sldLayoutChg>
-        <pc:sldLayoutChg chg="del">
-          <pc:chgData name="Eduardo Martín-Sonseca.Alonso" userId="044a8a39323ca9b2" providerId="LiveId" clId="{88BFF241-8797-48AB-88EF-E6D786ABB885}" dt="2022-09-28T19:06:29.003" v="21" actId="26606"/>
-          <pc:sldLayoutMkLst>
-            <pc:docMk/>
-            <pc:sldMasterMk cId="4153704577" sldId="2147483648"/>
-            <pc:sldLayoutMk cId="355621411" sldId="2147483650"/>
-          </pc:sldLayoutMkLst>
-        </pc:sldLayoutChg>
-        <pc:sldLayoutChg chg="del">
-          <pc:chgData name="Eduardo Martín-Sonseca.Alonso" userId="044a8a39323ca9b2" providerId="LiveId" clId="{88BFF241-8797-48AB-88EF-E6D786ABB885}" dt="2022-09-28T19:06:29.003" v="21" actId="26606"/>
-          <pc:sldLayoutMkLst>
-            <pc:docMk/>
-            <pc:sldMasterMk cId="4153704577" sldId="2147483648"/>
-            <pc:sldLayoutMk cId="4082525401" sldId="2147483651"/>
-          </pc:sldLayoutMkLst>
-        </pc:sldLayoutChg>
-        <pc:sldLayoutChg chg="del">
-          <pc:chgData name="Eduardo Martín-Sonseca.Alonso" userId="044a8a39323ca9b2" providerId="LiveId" clId="{88BFF241-8797-48AB-88EF-E6D786ABB885}" dt="2022-09-28T19:06:29.003" v="21" actId="26606"/>
-          <pc:sldLayoutMkLst>
-            <pc:docMk/>
-            <pc:sldMasterMk cId="4153704577" sldId="2147483648"/>
-            <pc:sldLayoutMk cId="109423261" sldId="2147483652"/>
-          </pc:sldLayoutMkLst>
-        </pc:sldLayoutChg>
-        <pc:sldLayoutChg chg="del">
-          <pc:chgData name="Eduardo Martín-Sonseca.Alonso" userId="044a8a39323ca9b2" providerId="LiveId" clId="{88BFF241-8797-48AB-88EF-E6D786ABB885}" dt="2022-09-28T19:06:29.003" v="21" actId="26606"/>
-          <pc:sldLayoutMkLst>
-            <pc:docMk/>
-            <pc:sldMasterMk cId="4153704577" sldId="2147483648"/>
-            <pc:sldLayoutMk cId="1024176374" sldId="2147483653"/>
-          </pc:sldLayoutMkLst>
-        </pc:sldLayoutChg>
-        <pc:sldLayoutChg chg="del">
-          <pc:chgData name="Eduardo Martín-Sonseca.Alonso" userId="044a8a39323ca9b2" providerId="LiveId" clId="{88BFF241-8797-48AB-88EF-E6D786ABB885}" dt="2022-09-28T19:06:29.003" v="21" actId="26606"/>
-          <pc:sldLayoutMkLst>
-            <pc:docMk/>
-            <pc:sldMasterMk cId="4153704577" sldId="2147483648"/>
-            <pc:sldLayoutMk cId="3916222883" sldId="2147483654"/>
-          </pc:sldLayoutMkLst>
-        </pc:sldLayoutChg>
-        <pc:sldLayoutChg chg="del">
-          <pc:chgData name="Eduardo Martín-Sonseca.Alonso" userId="044a8a39323ca9b2" providerId="LiveId" clId="{88BFF241-8797-48AB-88EF-E6D786ABB885}" dt="2022-09-28T19:06:29.003" v="21" actId="26606"/>
-          <pc:sldLayoutMkLst>
-            <pc:docMk/>
-            <pc:sldMasterMk cId="4153704577" sldId="2147483648"/>
-            <pc:sldLayoutMk cId="1867225914" sldId="2147483655"/>
-          </pc:sldLayoutMkLst>
-        </pc:sldLayoutChg>
-        <pc:sldLayoutChg chg="del">
-          <pc:chgData name="Eduardo Martín-Sonseca.Alonso" userId="044a8a39323ca9b2" providerId="LiveId" clId="{88BFF241-8797-48AB-88EF-E6D786ABB885}" dt="2022-09-28T19:06:29.003" v="21" actId="26606"/>
-          <pc:sldLayoutMkLst>
-            <pc:docMk/>
-            <pc:sldMasterMk cId="4153704577" sldId="2147483648"/>
-            <pc:sldLayoutMk cId="3993102465" sldId="2147483656"/>
-          </pc:sldLayoutMkLst>
-        </pc:sldLayoutChg>
-        <pc:sldLayoutChg chg="del">
-          <pc:chgData name="Eduardo Martín-Sonseca.Alonso" userId="044a8a39323ca9b2" providerId="LiveId" clId="{88BFF241-8797-48AB-88EF-E6D786ABB885}" dt="2022-09-28T19:06:29.003" v="21" actId="26606"/>
-          <pc:sldLayoutMkLst>
-            <pc:docMk/>
-            <pc:sldMasterMk cId="4153704577" sldId="2147483648"/>
-            <pc:sldLayoutMk cId="1101677169" sldId="2147483657"/>
-          </pc:sldLayoutMkLst>
-        </pc:sldLayoutChg>
-        <pc:sldLayoutChg chg="del">
-          <pc:chgData name="Eduardo Martín-Sonseca.Alonso" userId="044a8a39323ca9b2" providerId="LiveId" clId="{88BFF241-8797-48AB-88EF-E6D786ABB885}" dt="2022-09-28T19:06:29.003" v="21" actId="26606"/>
-          <pc:sldLayoutMkLst>
-            <pc:docMk/>
-            <pc:sldMasterMk cId="4153704577" sldId="2147483648"/>
-            <pc:sldLayoutMk cId="1708974393" sldId="2147483658"/>
-          </pc:sldLayoutMkLst>
-        </pc:sldLayoutChg>
-        <pc:sldLayoutChg chg="del">
-          <pc:chgData name="Eduardo Martín-Sonseca.Alonso" userId="044a8a39323ca9b2" providerId="LiveId" clId="{88BFF241-8797-48AB-88EF-E6D786ABB885}" dt="2022-09-28T19:06:29.003" v="21" actId="26606"/>
-          <pc:sldLayoutMkLst>
-            <pc:docMk/>
-            <pc:sldMasterMk cId="4153704577" sldId="2147483648"/>
-            <pc:sldLayoutMk cId="3689227001" sldId="2147483659"/>
-          </pc:sldLayoutMkLst>
-        </pc:sldLayoutChg>
-      </pc:sldMasterChg>
-      <pc:sldMasterChg chg="add del addSldLayout delSldLayout">
-        <pc:chgData name="Eduardo Martín-Sonseca.Alonso" userId="044a8a39323ca9b2" providerId="LiveId" clId="{88BFF241-8797-48AB-88EF-E6D786ABB885}" dt="2022-09-28T19:12:08.233" v="169" actId="26606"/>
-        <pc:sldMasterMkLst>
-          <pc:docMk/>
-          <pc:sldMasterMk cId="1915941506" sldId="2147483684"/>
-        </pc:sldMasterMkLst>
-        <pc:sldLayoutChg chg="add del">
-          <pc:chgData name="Eduardo Martín-Sonseca.Alonso" userId="044a8a39323ca9b2" providerId="LiveId" clId="{88BFF241-8797-48AB-88EF-E6D786ABB885}" dt="2022-09-28T19:12:08.233" v="169" actId="26606"/>
-          <pc:sldLayoutMkLst>
-            <pc:docMk/>
-            <pc:sldMasterMk cId="1915941506" sldId="2147483684"/>
-            <pc:sldLayoutMk cId="3146660656" sldId="2147483672"/>
-          </pc:sldLayoutMkLst>
-        </pc:sldLayoutChg>
-        <pc:sldLayoutChg chg="add del">
-          <pc:chgData name="Eduardo Martín-Sonseca.Alonso" userId="044a8a39323ca9b2" providerId="LiveId" clId="{88BFF241-8797-48AB-88EF-E6D786ABB885}" dt="2022-09-28T19:12:08.233" v="169" actId="26606"/>
-          <pc:sldLayoutMkLst>
-            <pc:docMk/>
-            <pc:sldMasterMk cId="1915941506" sldId="2147483684"/>
-            <pc:sldLayoutMk cId="3463993075" sldId="2147483673"/>
-          </pc:sldLayoutMkLst>
-        </pc:sldLayoutChg>
-        <pc:sldLayoutChg chg="add del">
-          <pc:chgData name="Eduardo Martín-Sonseca.Alonso" userId="044a8a39323ca9b2" providerId="LiveId" clId="{88BFF241-8797-48AB-88EF-E6D786ABB885}" dt="2022-09-28T19:12:08.233" v="169" actId="26606"/>
-          <pc:sldLayoutMkLst>
-            <pc:docMk/>
-            <pc:sldMasterMk cId="1915941506" sldId="2147483684"/>
-            <pc:sldLayoutMk cId="2463180449" sldId="2147483674"/>
-          </pc:sldLayoutMkLst>
-        </pc:sldLayoutChg>
-        <pc:sldLayoutChg chg="add del">
-          <pc:chgData name="Eduardo Martín-Sonseca.Alonso" userId="044a8a39323ca9b2" providerId="LiveId" clId="{88BFF241-8797-48AB-88EF-E6D786ABB885}" dt="2022-09-28T19:12:08.233" v="169" actId="26606"/>
-          <pc:sldLayoutMkLst>
-            <pc:docMk/>
-            <pc:sldMasterMk cId="1915941506" sldId="2147483684"/>
-            <pc:sldLayoutMk cId="1260257596" sldId="2147483675"/>
-          </pc:sldLayoutMkLst>
-        </pc:sldLayoutChg>
-        <pc:sldLayoutChg chg="add del">
-          <pc:chgData name="Eduardo Martín-Sonseca.Alonso" userId="044a8a39323ca9b2" providerId="LiveId" clId="{88BFF241-8797-48AB-88EF-E6D786ABB885}" dt="2022-09-28T19:12:08.233" v="169" actId="26606"/>
-          <pc:sldLayoutMkLst>
-            <pc:docMk/>
-            <pc:sldMasterMk cId="1915941506" sldId="2147483684"/>
-            <pc:sldLayoutMk cId="156605429" sldId="2147483676"/>
-          </pc:sldLayoutMkLst>
-        </pc:sldLayoutChg>
-        <pc:sldLayoutChg chg="add del">
-          <pc:chgData name="Eduardo Martín-Sonseca.Alonso" userId="044a8a39323ca9b2" providerId="LiveId" clId="{88BFF241-8797-48AB-88EF-E6D786ABB885}" dt="2022-09-28T19:12:08.233" v="169" actId="26606"/>
-          <pc:sldLayoutMkLst>
-            <pc:docMk/>
-            <pc:sldMasterMk cId="1915941506" sldId="2147483684"/>
-            <pc:sldLayoutMk cId="1334277528" sldId="2147483677"/>
-          </pc:sldLayoutMkLst>
-        </pc:sldLayoutChg>
-        <pc:sldLayoutChg chg="add del">
-          <pc:chgData name="Eduardo Martín-Sonseca.Alonso" userId="044a8a39323ca9b2" providerId="LiveId" clId="{88BFF241-8797-48AB-88EF-E6D786ABB885}" dt="2022-09-28T19:12:08.233" v="169" actId="26606"/>
-          <pc:sldLayoutMkLst>
-            <pc:docMk/>
-            <pc:sldMasterMk cId="1915941506" sldId="2147483684"/>
-            <pc:sldLayoutMk cId="2321814358" sldId="2147483678"/>
-          </pc:sldLayoutMkLst>
-        </pc:sldLayoutChg>
-        <pc:sldLayoutChg chg="add del">
-          <pc:chgData name="Eduardo Martín-Sonseca.Alonso" userId="044a8a39323ca9b2" providerId="LiveId" clId="{88BFF241-8797-48AB-88EF-E6D786ABB885}" dt="2022-09-28T19:12:08.233" v="169" actId="26606"/>
-          <pc:sldLayoutMkLst>
-            <pc:docMk/>
-            <pc:sldMasterMk cId="1915941506" sldId="2147483684"/>
-            <pc:sldLayoutMk cId="1611012212" sldId="2147483679"/>
-          </pc:sldLayoutMkLst>
-        </pc:sldLayoutChg>
-        <pc:sldLayoutChg chg="add del">
-          <pc:chgData name="Eduardo Martín-Sonseca.Alonso" userId="044a8a39323ca9b2" providerId="LiveId" clId="{88BFF241-8797-48AB-88EF-E6D786ABB885}" dt="2022-09-28T19:12:08.233" v="169" actId="26606"/>
-          <pc:sldLayoutMkLst>
-            <pc:docMk/>
-            <pc:sldMasterMk cId="1915941506" sldId="2147483684"/>
-            <pc:sldLayoutMk cId="318375492" sldId="2147483680"/>
-          </pc:sldLayoutMkLst>
-        </pc:sldLayoutChg>
-        <pc:sldLayoutChg chg="add del">
-          <pc:chgData name="Eduardo Martín-Sonseca.Alonso" userId="044a8a39323ca9b2" providerId="LiveId" clId="{88BFF241-8797-48AB-88EF-E6D786ABB885}" dt="2022-09-28T19:12:08.233" v="169" actId="26606"/>
-          <pc:sldLayoutMkLst>
-            <pc:docMk/>
-            <pc:sldMasterMk cId="1915941506" sldId="2147483684"/>
-            <pc:sldLayoutMk cId="1439732969" sldId="2147483681"/>
-          </pc:sldLayoutMkLst>
-        </pc:sldLayoutChg>
-        <pc:sldLayoutChg chg="add del">
-          <pc:chgData name="Eduardo Martín-Sonseca.Alonso" userId="044a8a39323ca9b2" providerId="LiveId" clId="{88BFF241-8797-48AB-88EF-E6D786ABB885}" dt="2022-09-28T19:12:08.233" v="169" actId="26606"/>
-          <pc:sldLayoutMkLst>
-            <pc:docMk/>
-            <pc:sldMasterMk cId="1915941506" sldId="2147483684"/>
-            <pc:sldLayoutMk cId="3648773634" sldId="2147483682"/>
-          </pc:sldLayoutMkLst>
-        </pc:sldLayoutChg>
-        <pc:sldLayoutChg chg="add del">
-          <pc:chgData name="Eduardo Martín-Sonseca.Alonso" userId="044a8a39323ca9b2" providerId="LiveId" clId="{88BFF241-8797-48AB-88EF-E6D786ABB885}" dt="2022-09-28T19:12:08.233" v="169" actId="26606"/>
-          <pc:sldLayoutMkLst>
-            <pc:docMk/>
-            <pc:sldMasterMk cId="1915941506" sldId="2147483684"/>
-            <pc:sldLayoutMk cId="2197691099" sldId="2147483683"/>
-          </pc:sldLayoutMkLst>
-        </pc:sldLayoutChg>
-      </pc:sldMasterChg>
-      <pc:sldMasterChg chg="add addSldLayout">
-        <pc:chgData name="Eduardo Martín-Sonseca.Alonso" userId="044a8a39323ca9b2" providerId="LiveId" clId="{88BFF241-8797-48AB-88EF-E6D786ABB885}" dt="2022-09-28T19:12:08.233" v="169" actId="26606"/>
-        <pc:sldMasterMkLst>
-          <pc:docMk/>
-          <pc:sldMasterMk cId="1664194090" sldId="2147483787"/>
-        </pc:sldMasterMkLst>
-        <pc:sldLayoutChg chg="add">
-          <pc:chgData name="Eduardo Martín-Sonseca.Alonso" userId="044a8a39323ca9b2" providerId="LiveId" clId="{88BFF241-8797-48AB-88EF-E6D786ABB885}" dt="2022-09-28T19:12:08.233" v="169" actId="26606"/>
-          <pc:sldLayoutMkLst>
-            <pc:docMk/>
-            <pc:sldMasterMk cId="1664194090" sldId="2147483787"/>
-            <pc:sldLayoutMk cId="631994042" sldId="2147483776"/>
-          </pc:sldLayoutMkLst>
-        </pc:sldLayoutChg>
-        <pc:sldLayoutChg chg="add">
-          <pc:chgData name="Eduardo Martín-Sonseca.Alonso" userId="044a8a39323ca9b2" providerId="LiveId" clId="{88BFF241-8797-48AB-88EF-E6D786ABB885}" dt="2022-09-28T19:12:08.233" v="169" actId="26606"/>
-          <pc:sldLayoutMkLst>
-            <pc:docMk/>
-            <pc:sldMasterMk cId="1664194090" sldId="2147483787"/>
-            <pc:sldLayoutMk cId="826257521" sldId="2147483777"/>
-          </pc:sldLayoutMkLst>
-        </pc:sldLayoutChg>
-        <pc:sldLayoutChg chg="add">
-          <pc:chgData name="Eduardo Martín-Sonseca.Alonso" userId="044a8a39323ca9b2" providerId="LiveId" clId="{88BFF241-8797-48AB-88EF-E6D786ABB885}" dt="2022-09-28T19:12:08.233" v="169" actId="26606"/>
-          <pc:sldLayoutMkLst>
-            <pc:docMk/>
-            <pc:sldMasterMk cId="1664194090" sldId="2147483787"/>
-            <pc:sldLayoutMk cId="427230603" sldId="2147483778"/>
-          </pc:sldLayoutMkLst>
-        </pc:sldLayoutChg>
-        <pc:sldLayoutChg chg="add">
-          <pc:chgData name="Eduardo Martín-Sonseca.Alonso" userId="044a8a39323ca9b2" providerId="LiveId" clId="{88BFF241-8797-48AB-88EF-E6D786ABB885}" dt="2022-09-28T19:12:08.233" v="169" actId="26606"/>
-          <pc:sldLayoutMkLst>
-            <pc:docMk/>
-            <pc:sldMasterMk cId="1664194090" sldId="2147483787"/>
-            <pc:sldLayoutMk cId="302560705" sldId="2147483779"/>
-          </pc:sldLayoutMkLst>
-        </pc:sldLayoutChg>
-        <pc:sldLayoutChg chg="add">
-          <pc:chgData name="Eduardo Martín-Sonseca.Alonso" userId="044a8a39323ca9b2" providerId="LiveId" clId="{88BFF241-8797-48AB-88EF-E6D786ABB885}" dt="2022-09-28T19:12:08.233" v="169" actId="26606"/>
-          <pc:sldLayoutMkLst>
-            <pc:docMk/>
-            <pc:sldMasterMk cId="1664194090" sldId="2147483787"/>
-            <pc:sldLayoutMk cId="1500051938" sldId="2147483780"/>
-          </pc:sldLayoutMkLst>
-        </pc:sldLayoutChg>
-        <pc:sldLayoutChg chg="add">
-          <pc:chgData name="Eduardo Martín-Sonseca.Alonso" userId="044a8a39323ca9b2" providerId="LiveId" clId="{88BFF241-8797-48AB-88EF-E6D786ABB885}" dt="2022-09-28T19:12:08.233" v="169" actId="26606"/>
-          <pc:sldLayoutMkLst>
-            <pc:docMk/>
-            <pc:sldMasterMk cId="1664194090" sldId="2147483787"/>
-            <pc:sldLayoutMk cId="3478882655" sldId="2147483781"/>
-          </pc:sldLayoutMkLst>
-        </pc:sldLayoutChg>
-        <pc:sldLayoutChg chg="add">
-          <pc:chgData name="Eduardo Martín-Sonseca.Alonso" userId="044a8a39323ca9b2" providerId="LiveId" clId="{88BFF241-8797-48AB-88EF-E6D786ABB885}" dt="2022-09-28T19:12:08.233" v="169" actId="26606"/>
-          <pc:sldLayoutMkLst>
-            <pc:docMk/>
-            <pc:sldMasterMk cId="1664194090" sldId="2147483787"/>
-            <pc:sldLayoutMk cId="696347914" sldId="2147483782"/>
-          </pc:sldLayoutMkLst>
-        </pc:sldLayoutChg>
-        <pc:sldLayoutChg chg="add">
-          <pc:chgData name="Eduardo Martín-Sonseca.Alonso" userId="044a8a39323ca9b2" providerId="LiveId" clId="{88BFF241-8797-48AB-88EF-E6D786ABB885}" dt="2022-09-28T19:12:08.233" v="169" actId="26606"/>
-          <pc:sldLayoutMkLst>
-            <pc:docMk/>
-            <pc:sldMasterMk cId="1664194090" sldId="2147483787"/>
-            <pc:sldLayoutMk cId="1957567240" sldId="2147483783"/>
-          </pc:sldLayoutMkLst>
-        </pc:sldLayoutChg>
-        <pc:sldLayoutChg chg="add">
-          <pc:chgData name="Eduardo Martín-Sonseca.Alonso" userId="044a8a39323ca9b2" providerId="LiveId" clId="{88BFF241-8797-48AB-88EF-E6D786ABB885}" dt="2022-09-28T19:12:08.233" v="169" actId="26606"/>
-          <pc:sldLayoutMkLst>
-            <pc:docMk/>
-            <pc:sldMasterMk cId="1664194090" sldId="2147483787"/>
-            <pc:sldLayoutMk cId="3205593028" sldId="2147483784"/>
-          </pc:sldLayoutMkLst>
-        </pc:sldLayoutChg>
-        <pc:sldLayoutChg chg="add">
-          <pc:chgData name="Eduardo Martín-Sonseca.Alonso" userId="044a8a39323ca9b2" providerId="LiveId" clId="{88BFF241-8797-48AB-88EF-E6D786ABB885}" dt="2022-09-28T19:12:08.233" v="169" actId="26606"/>
-          <pc:sldLayoutMkLst>
-            <pc:docMk/>
-            <pc:sldMasterMk cId="1664194090" sldId="2147483787"/>
-            <pc:sldLayoutMk cId="1802076624" sldId="2147483785"/>
-          </pc:sldLayoutMkLst>
-        </pc:sldLayoutChg>
-        <pc:sldLayoutChg chg="add">
-          <pc:chgData name="Eduardo Martín-Sonseca.Alonso" userId="044a8a39323ca9b2" providerId="LiveId" clId="{88BFF241-8797-48AB-88EF-E6D786ABB885}" dt="2022-09-28T19:12:08.233" v="169" actId="26606"/>
-          <pc:sldLayoutMkLst>
-            <pc:docMk/>
-            <pc:sldMasterMk cId="1664194090" sldId="2147483787"/>
-            <pc:sldLayoutMk cId="982622909" sldId="2147483786"/>
-          </pc:sldLayoutMkLst>
-        </pc:sldLayoutChg>
-      </pc:sldMasterChg>
-    </pc:docChg>
-  </pc:docChgLst>
-  <pc:docChgLst>
-    <pc:chgData name="luis fernandez" userId="7ba62ef74e42bc87" providerId="Windows Live" clId="Web-{290CB0A9-894B-4DAB-8123-A605B9345043}"/>
-    <pc:docChg chg="modSld">
-      <pc:chgData name="luis fernandez" userId="7ba62ef74e42bc87" providerId="Windows Live" clId="Web-{290CB0A9-894B-4DAB-8123-A605B9345043}" dt="2022-10-04T09:46:36.949" v="0"/>
-      <pc:docMkLst>
-        <pc:docMk/>
-      </pc:docMkLst>
-      <pc:sldChg chg="modAnim">
-        <pc:chgData name="luis fernandez" userId="7ba62ef74e42bc87" providerId="Windows Live" clId="Web-{290CB0A9-894B-4DAB-8123-A605B9345043}" dt="2022-10-04T09:46:36.949" v="0"/>
-        <pc:sldMkLst>
-          <pc:docMk/>
-          <pc:sldMk cId="992274193" sldId="259"/>
-        </pc:sldMkLst>
-      </pc:sldChg>
-    </pc:docChg>
-  </pc:docChgLst>
   <pc:docChgLst>
     <pc:chgData name="Eduardo Martín-Sonseca.Alonso" userId="044a8a39323ca9b2" providerId="Windows Live" clId="Web-{68748E30-2FBD-43B0-B824-A092A60EA4E9}"/>
     <pc:docChg chg="addSld modSld">
@@ -3626,30 +1223,6 @@
     </pc:docChg>
   </pc:docChgLst>
   <pc:docChgLst>
-    <pc:chgData name="Eduardo Martín-Sonseca.Alonso" userId="044a8a39323ca9b2" providerId="Windows Live" clId="Web-{C190444C-DE63-4BE0-9A75-B7D0A850D412}"/>
-    <pc:docChg chg="modSld">
-      <pc:chgData name="Eduardo Martín-Sonseca.Alonso" userId="044a8a39323ca9b2" providerId="Windows Live" clId="Web-{C190444C-DE63-4BE0-9A75-B7D0A850D412}" dt="2022-10-04T08:16:13.346" v="9" actId="20577"/>
-      <pc:docMkLst>
-        <pc:docMk/>
-      </pc:docMkLst>
-      <pc:sldChg chg="modSp">
-        <pc:chgData name="Eduardo Martín-Sonseca.Alonso" userId="044a8a39323ca9b2" providerId="Windows Live" clId="Web-{C190444C-DE63-4BE0-9A75-B7D0A850D412}" dt="2022-10-04T08:16:13.346" v="9" actId="20577"/>
-        <pc:sldMkLst>
-          <pc:docMk/>
-          <pc:sldMk cId="1479924629" sldId="258"/>
-        </pc:sldMkLst>
-        <pc:spChg chg="mod">
-          <ac:chgData name="Eduardo Martín-Sonseca.Alonso" userId="044a8a39323ca9b2" providerId="Windows Live" clId="Web-{C190444C-DE63-4BE0-9A75-B7D0A850D412}" dt="2022-10-04T08:16:13.346" v="9" actId="20577"/>
-          <ac:spMkLst>
-            <pc:docMk/>
-            <pc:sldMk cId="1479924629" sldId="258"/>
-            <ac:spMk id="6" creationId="{FFE44297-5AAD-CA6F-4064-C2621A1C9AF8}"/>
-          </ac:spMkLst>
-        </pc:spChg>
-      </pc:sldChg>
-    </pc:docChg>
-  </pc:docChgLst>
-  <pc:docChgLst>
     <pc:chgData name="luis fernandez" userId="7ba62ef74e42bc87" providerId="Windows Live" clId="Web-{DBA603C0-A459-4D80-9237-AE2C2946D226}"/>
     <pc:docChg chg="modSld">
       <pc:chgData name="luis fernandez" userId="7ba62ef74e42bc87" providerId="Windows Live" clId="Web-{DBA603C0-A459-4D80-9237-AE2C2946D226}" dt="2022-10-04T08:20:45.180" v="0"/>
@@ -3670,6 +1243,1477 @@
             <ac:spMk id="7" creationId="{5B41D51C-D08B-3EFA-1F77-001EE791B2E3}"/>
           </ac:spMkLst>
         </pc:spChg>
+      </pc:sldChg>
+    </pc:docChg>
+  </pc:docChgLst>
+  <pc:docChgLst>
+    <pc:chgData name="Eduardo Martín-Sonseca.Alonso" userId="044a8a39323ca9b2" providerId="LiveId" clId="{F6C200FF-B7C6-45EA-B94B-3E06CF3AB5C5}"/>
+    <pc:docChg chg="undo custSel addSld delSld modSld">
+      <pc:chgData name="Eduardo Martín-Sonseca.Alonso" userId="044a8a39323ca9b2" providerId="LiveId" clId="{F6C200FF-B7C6-45EA-B94B-3E06CF3AB5C5}" dt="2022-10-04T16:20:26.108" v="748" actId="5793"/>
+      <pc:docMkLst>
+        <pc:docMk/>
+      </pc:docMkLst>
+      <pc:sldChg chg="addSp delSp modSp mod modAnim setClrOvrMap">
+        <pc:chgData name="Eduardo Martín-Sonseca.Alonso" userId="044a8a39323ca9b2" providerId="LiveId" clId="{F6C200FF-B7C6-45EA-B94B-3E06CF3AB5C5}" dt="2022-10-04T16:18:50.716" v="695"/>
+        <pc:sldMkLst>
+          <pc:docMk/>
+          <pc:sldMk cId="1479924629" sldId="258"/>
+        </pc:sldMkLst>
+        <pc:spChg chg="mod">
+          <ac:chgData name="Eduardo Martín-Sonseca.Alonso" userId="044a8a39323ca9b2" providerId="LiveId" clId="{F6C200FF-B7C6-45EA-B94B-3E06CF3AB5C5}" dt="2022-10-04T16:16:59.806" v="682" actId="26606"/>
+          <ac:spMkLst>
+            <pc:docMk/>
+            <pc:sldMk cId="1479924629" sldId="258"/>
+            <ac:spMk id="6" creationId="{FFE44297-5AAD-CA6F-4064-C2621A1C9AF8}"/>
+          </ac:spMkLst>
+        </pc:spChg>
+        <pc:spChg chg="mod">
+          <ac:chgData name="Eduardo Martín-Sonseca.Alonso" userId="044a8a39323ca9b2" providerId="LiveId" clId="{F6C200FF-B7C6-45EA-B94B-3E06CF3AB5C5}" dt="2022-10-04T16:16:59.806" v="682" actId="26606"/>
+          <ac:spMkLst>
+            <pc:docMk/>
+            <pc:sldMk cId="1479924629" sldId="258"/>
+            <ac:spMk id="9" creationId="{2E119BA4-44C4-4FFE-81D8-1B5FE1ABFCE7}"/>
+          </ac:spMkLst>
+        </pc:spChg>
+        <pc:spChg chg="add del">
+          <ac:chgData name="Eduardo Martín-Sonseca.Alonso" userId="044a8a39323ca9b2" providerId="LiveId" clId="{F6C200FF-B7C6-45EA-B94B-3E06CF3AB5C5}" dt="2022-10-04T16:16:59.806" v="682" actId="26606"/>
+          <ac:spMkLst>
+            <pc:docMk/>
+            <pc:sldMk cId="1479924629" sldId="258"/>
+            <ac:spMk id="64" creationId="{0671A8AE-40A1-4631-A6B8-581AFF065482}"/>
+          </ac:spMkLst>
+        </pc:spChg>
+        <pc:spChg chg="add del">
+          <ac:chgData name="Eduardo Martín-Sonseca.Alonso" userId="044a8a39323ca9b2" providerId="LiveId" clId="{F6C200FF-B7C6-45EA-B94B-3E06CF3AB5C5}" dt="2022-10-04T16:16:59.806" v="682" actId="26606"/>
+          <ac:spMkLst>
+            <pc:docMk/>
+            <pc:sldMk cId="1479924629" sldId="258"/>
+            <ac:spMk id="65" creationId="{AB58EF07-17C2-48CF-ABB0-EEF1F17CB8F0}"/>
+          </ac:spMkLst>
+        </pc:spChg>
+        <pc:spChg chg="add del">
+          <ac:chgData name="Eduardo Martín-Sonseca.Alonso" userId="044a8a39323ca9b2" providerId="LiveId" clId="{F6C200FF-B7C6-45EA-B94B-3E06CF3AB5C5}" dt="2022-10-04T16:16:59.806" v="682" actId="26606"/>
+          <ac:spMkLst>
+            <pc:docMk/>
+            <pc:sldMk cId="1479924629" sldId="258"/>
+            <ac:spMk id="66" creationId="{AF2F604E-43BE-4DC3-B983-E071523364F8}"/>
+          </ac:spMkLst>
+        </pc:spChg>
+        <pc:spChg chg="add del">
+          <ac:chgData name="Eduardo Martín-Sonseca.Alonso" userId="044a8a39323ca9b2" providerId="LiveId" clId="{F6C200FF-B7C6-45EA-B94B-3E06CF3AB5C5}" dt="2022-10-04T16:16:59.806" v="682" actId="26606"/>
+          <ac:spMkLst>
+            <pc:docMk/>
+            <pc:sldMk cId="1479924629" sldId="258"/>
+            <ac:spMk id="67" creationId="{08C9B587-E65E-4B52-B37C-ABEBB6E87928}"/>
+          </ac:spMkLst>
+        </pc:spChg>
+        <pc:spChg chg="add del">
+          <ac:chgData name="Eduardo Martín-Sonseca.Alonso" userId="044a8a39323ca9b2" providerId="LiveId" clId="{F6C200FF-B7C6-45EA-B94B-3E06CF3AB5C5}" dt="2022-10-04T16:16:59.806" v="682" actId="26606"/>
+          <ac:spMkLst>
+            <pc:docMk/>
+            <pc:sldMk cId="1479924629" sldId="258"/>
+            <ac:spMk id="72" creationId="{ECC07320-C2CA-4E29-8481-9D9E143C7788}"/>
+          </ac:spMkLst>
+        </pc:spChg>
+        <pc:spChg chg="add del">
+          <ac:chgData name="Eduardo Martín-Sonseca.Alonso" userId="044a8a39323ca9b2" providerId="LiveId" clId="{F6C200FF-B7C6-45EA-B94B-3E06CF3AB5C5}" dt="2022-10-04T16:16:59.806" v="682" actId="26606"/>
+          <ac:spMkLst>
+            <pc:docMk/>
+            <pc:sldMk cId="1479924629" sldId="258"/>
+            <ac:spMk id="74" creationId="{178FB36B-5BFE-42CA-BC60-1115E0D95EEC}"/>
+          </ac:spMkLst>
+        </pc:spChg>
+        <pc:spChg chg="add del">
+          <ac:chgData name="Eduardo Martín-Sonseca.Alonso" userId="044a8a39323ca9b2" providerId="LiveId" clId="{F6C200FF-B7C6-45EA-B94B-3E06CF3AB5C5}" dt="2022-10-04T16:16:43.513" v="672" actId="26606"/>
+          <ac:spMkLst>
+            <pc:docMk/>
+            <pc:sldMk cId="1479924629" sldId="258"/>
+            <ac:spMk id="79" creationId="{870A1295-61BC-4214-AA3E-D396673024D0}"/>
+          </ac:spMkLst>
+        </pc:spChg>
+        <pc:spChg chg="add del">
+          <ac:chgData name="Eduardo Martín-Sonseca.Alonso" userId="044a8a39323ca9b2" providerId="LiveId" clId="{F6C200FF-B7C6-45EA-B94B-3E06CF3AB5C5}" dt="2022-10-04T16:16:54.766" v="676" actId="26606"/>
+          <ac:spMkLst>
+            <pc:docMk/>
+            <pc:sldMk cId="1479924629" sldId="258"/>
+            <ac:spMk id="83" creationId="{AF2F604E-43BE-4DC3-B983-E071523364F8}"/>
+          </ac:spMkLst>
+        </pc:spChg>
+        <pc:spChg chg="add del">
+          <ac:chgData name="Eduardo Martín-Sonseca.Alonso" userId="044a8a39323ca9b2" providerId="LiveId" clId="{F6C200FF-B7C6-45EA-B94B-3E06CF3AB5C5}" dt="2022-10-04T16:16:54.766" v="676" actId="26606"/>
+          <ac:spMkLst>
+            <pc:docMk/>
+            <pc:sldMk cId="1479924629" sldId="258"/>
+            <ac:spMk id="85" creationId="{08C9B587-E65E-4B52-B37C-ABEBB6E87928}"/>
+          </ac:spMkLst>
+        </pc:spChg>
+        <pc:spChg chg="add del">
+          <ac:chgData name="Eduardo Martín-Sonseca.Alonso" userId="044a8a39323ca9b2" providerId="LiveId" clId="{F6C200FF-B7C6-45EA-B94B-3E06CF3AB5C5}" dt="2022-10-04T16:16:47.209" v="674" actId="26606"/>
+          <ac:spMkLst>
+            <pc:docMk/>
+            <pc:sldMk cId="1479924629" sldId="258"/>
+            <ac:spMk id="87" creationId="{6B3BAD04-E614-4C16-8360-019FCF0045AC}"/>
+          </ac:spMkLst>
+        </pc:spChg>
+        <pc:spChg chg="add del">
+          <ac:chgData name="Eduardo Martín-Sonseca.Alonso" userId="044a8a39323ca9b2" providerId="LiveId" clId="{F6C200FF-B7C6-45EA-B94B-3E06CF3AB5C5}" dt="2022-10-04T16:16:54.766" v="676" actId="26606"/>
+          <ac:spMkLst>
+            <pc:docMk/>
+            <pc:sldMk cId="1479924629" sldId="258"/>
+            <ac:spMk id="89" creationId="{E91DC736-0EF8-4F87-9146-EBF1D2EE4D3D}"/>
+          </ac:spMkLst>
+        </pc:spChg>
+        <pc:spChg chg="add del">
+          <ac:chgData name="Eduardo Martín-Sonseca.Alonso" userId="044a8a39323ca9b2" providerId="LiveId" clId="{F6C200FF-B7C6-45EA-B94B-3E06CF3AB5C5}" dt="2022-10-04T16:16:54.766" v="676" actId="26606"/>
+          <ac:spMkLst>
+            <pc:docMk/>
+            <pc:sldMk cId="1479924629" sldId="258"/>
+            <ac:spMk id="90" creationId="{097CD68E-23E3-4007-8847-CD0944C4F7BE}"/>
+          </ac:spMkLst>
+        </pc:spChg>
+        <pc:spChg chg="add del">
+          <ac:chgData name="Eduardo Martín-Sonseca.Alonso" userId="044a8a39323ca9b2" providerId="LiveId" clId="{F6C200FF-B7C6-45EA-B94B-3E06CF3AB5C5}" dt="2022-10-04T16:16:57.229" v="678" actId="26606"/>
+          <ac:spMkLst>
+            <pc:docMk/>
+            <pc:sldMk cId="1479924629" sldId="258"/>
+            <ac:spMk id="92" creationId="{36C4118A-B523-45D9-B427-8E05B2DEA65C}"/>
+          </ac:spMkLst>
+        </pc:spChg>
+        <pc:grpChg chg="add del">
+          <ac:chgData name="Eduardo Martín-Sonseca.Alonso" userId="044a8a39323ca9b2" providerId="LiveId" clId="{F6C200FF-B7C6-45EA-B94B-3E06CF3AB5C5}" dt="2022-10-04T16:16:43.513" v="672" actId="26606"/>
+          <ac:grpSpMkLst>
+            <pc:docMk/>
+            <pc:sldMk cId="1479924629" sldId="258"/>
+            <ac:grpSpMk id="81" creationId="{0B139475-2B26-4CA9-9413-DE741E49F7BB}"/>
+          </ac:grpSpMkLst>
+        </pc:grpChg>
+        <pc:picChg chg="mod ord">
+          <ac:chgData name="Eduardo Martín-Sonseca.Alonso" userId="044a8a39323ca9b2" providerId="LiveId" clId="{F6C200FF-B7C6-45EA-B94B-3E06CF3AB5C5}" dt="2022-10-04T16:16:59.806" v="682" actId="26606"/>
+          <ac:picMkLst>
+            <pc:docMk/>
+            <pc:sldMk cId="1479924629" sldId="258"/>
+            <ac:picMk id="10" creationId="{76BF477E-1037-8DBF-F6EA-9F38B8FBEE29}"/>
+          </ac:picMkLst>
+        </pc:picChg>
+      </pc:sldChg>
+      <pc:sldChg chg="addSp delSp modSp mod modAnim">
+        <pc:chgData name="Eduardo Martín-Sonseca.Alonso" userId="044a8a39323ca9b2" providerId="LiveId" clId="{F6C200FF-B7C6-45EA-B94B-3E06CF3AB5C5}" dt="2022-10-04T16:19:00.872" v="703"/>
+        <pc:sldMkLst>
+          <pc:docMk/>
+          <pc:sldMk cId="992274193" sldId="259"/>
+        </pc:sldMkLst>
+        <pc:spChg chg="add del mod">
+          <ac:chgData name="Eduardo Martín-Sonseca.Alonso" userId="044a8a39323ca9b2" providerId="LiveId" clId="{F6C200FF-B7C6-45EA-B94B-3E06CF3AB5C5}" dt="2022-10-04T16:16:14.568" v="667"/>
+          <ac:spMkLst>
+            <pc:docMk/>
+            <pc:sldMk cId="992274193" sldId="259"/>
+            <ac:spMk id="4" creationId="{12A9C714-CF2D-DD21-AC9C-D1474CBC83D1}"/>
+          </ac:spMkLst>
+        </pc:spChg>
+        <pc:spChg chg="mod">
+          <ac:chgData name="Eduardo Martín-Sonseca.Alonso" userId="044a8a39323ca9b2" providerId="LiveId" clId="{F6C200FF-B7C6-45EA-B94B-3E06CF3AB5C5}" dt="2022-10-04T15:13:01.337" v="0"/>
+          <ac:spMkLst>
+            <pc:docMk/>
+            <pc:sldMk cId="992274193" sldId="259"/>
+            <ac:spMk id="21" creationId="{21A386AB-C18D-BC64-063B-3AFE29BF8A08}"/>
+          </ac:spMkLst>
+        </pc:spChg>
+        <pc:spChg chg="mod">
+          <ac:chgData name="Eduardo Martín-Sonseca.Alonso" userId="044a8a39323ca9b2" providerId="LiveId" clId="{F6C200FF-B7C6-45EA-B94B-3E06CF3AB5C5}" dt="2022-10-04T15:22:57.607" v="36"/>
+          <ac:spMkLst>
+            <pc:docMk/>
+            <pc:sldMk cId="992274193" sldId="259"/>
+            <ac:spMk id="24" creationId="{66F25F73-9EC2-2F10-8F63-4E4BC279D6FB}"/>
+          </ac:spMkLst>
+        </pc:spChg>
+        <pc:picChg chg="add del mod ord">
+          <ac:chgData name="Eduardo Martín-Sonseca.Alonso" userId="044a8a39323ca9b2" providerId="LiveId" clId="{F6C200FF-B7C6-45EA-B94B-3E06CF3AB5C5}" dt="2022-10-04T16:07:11.257" v="605" actId="478"/>
+          <ac:picMkLst>
+            <pc:docMk/>
+            <pc:sldMk cId="992274193" sldId="259"/>
+            <ac:picMk id="3" creationId="{FCE40887-9591-1186-6831-F73EF6DE9105}"/>
+          </ac:picMkLst>
+        </pc:picChg>
+        <pc:picChg chg="ord">
+          <ac:chgData name="Eduardo Martín-Sonseca.Alonso" userId="044a8a39323ca9b2" providerId="LiveId" clId="{F6C200FF-B7C6-45EA-B94B-3E06CF3AB5C5}" dt="2022-10-04T16:16:58.187" v="681" actId="167"/>
+          <ac:picMkLst>
+            <pc:docMk/>
+            <pc:sldMk cId="992274193" sldId="259"/>
+            <ac:picMk id="5" creationId="{5B36CB43-E7A6-BD76-CCF3-C4308F7F9EF4}"/>
+          </ac:picMkLst>
+        </pc:picChg>
+      </pc:sldChg>
+      <pc:sldChg chg="addSp delSp modSp mod modAnim">
+        <pc:chgData name="Eduardo Martín-Sonseca.Alonso" userId="044a8a39323ca9b2" providerId="LiveId" clId="{F6C200FF-B7C6-45EA-B94B-3E06CF3AB5C5}" dt="2022-10-04T16:19:08.453" v="711"/>
+        <pc:sldMkLst>
+          <pc:docMk/>
+          <pc:sldMk cId="3613378253" sldId="260"/>
+        </pc:sldMkLst>
+        <pc:picChg chg="add del mod ord">
+          <ac:chgData name="Eduardo Martín-Sonseca.Alonso" userId="044a8a39323ca9b2" providerId="LiveId" clId="{F6C200FF-B7C6-45EA-B94B-3E06CF3AB5C5}" dt="2022-10-04T16:07:23.783" v="607" actId="478"/>
+          <ac:picMkLst>
+            <pc:docMk/>
+            <pc:sldMk cId="3613378253" sldId="260"/>
+            <ac:picMk id="4" creationId="{2FAEAAA0-5B10-C799-5ED9-DDB3E00422C4}"/>
+          </ac:picMkLst>
+        </pc:picChg>
+      </pc:sldChg>
+      <pc:sldChg chg="addSp delSp modSp mod modAnim">
+        <pc:chgData name="Eduardo Martín-Sonseca.Alonso" userId="044a8a39323ca9b2" providerId="LiveId" clId="{F6C200FF-B7C6-45EA-B94B-3E06CF3AB5C5}" dt="2022-10-04T16:19:16.288" v="716"/>
+        <pc:sldMkLst>
+          <pc:docMk/>
+          <pc:sldMk cId="1106986487" sldId="261"/>
+        </pc:sldMkLst>
+        <pc:spChg chg="mod">
+          <ac:chgData name="Eduardo Martín-Sonseca.Alonso" userId="044a8a39323ca9b2" providerId="LiveId" clId="{F6C200FF-B7C6-45EA-B94B-3E06CF3AB5C5}" dt="2022-10-04T16:07:33.667" v="608" actId="26606"/>
+          <ac:spMkLst>
+            <pc:docMk/>
+            <pc:sldMk cId="1106986487" sldId="261"/>
+            <ac:spMk id="2" creationId="{71AEC653-CF21-4A83-8228-4AB13A9E6A67}"/>
+          </ac:spMkLst>
+        </pc:spChg>
+        <pc:spChg chg="mod">
+          <ac:chgData name="Eduardo Martín-Sonseca.Alonso" userId="044a8a39323ca9b2" providerId="LiveId" clId="{F6C200FF-B7C6-45EA-B94B-3E06CF3AB5C5}" dt="2022-10-04T16:10:01.083" v="630" actId="26606"/>
+          <ac:spMkLst>
+            <pc:docMk/>
+            <pc:sldMk cId="1106986487" sldId="261"/>
+            <ac:spMk id="3" creationId="{FDA276B4-AFA8-445E-BF46-D797C1B3F0B0}"/>
+          </ac:spMkLst>
+        </pc:spChg>
+        <pc:spChg chg="del">
+          <ac:chgData name="Eduardo Martín-Sonseca.Alonso" userId="044a8a39323ca9b2" providerId="LiveId" clId="{F6C200FF-B7C6-45EA-B94B-3E06CF3AB5C5}" dt="2022-10-04T16:07:33.667" v="608" actId="26606"/>
+          <ac:spMkLst>
+            <pc:docMk/>
+            <pc:sldMk cId="1106986487" sldId="261"/>
+            <ac:spMk id="14" creationId="{F13C74B1-5B17-4795-BED0-7140497B445A}"/>
+          </ac:spMkLst>
+        </pc:spChg>
+        <pc:spChg chg="del">
+          <ac:chgData name="Eduardo Martín-Sonseca.Alonso" userId="044a8a39323ca9b2" providerId="LiveId" clId="{F6C200FF-B7C6-45EA-B94B-3E06CF3AB5C5}" dt="2022-10-04T16:07:33.667" v="608" actId="26606"/>
+          <ac:spMkLst>
+            <pc:docMk/>
+            <pc:sldMk cId="1106986487" sldId="261"/>
+            <ac:spMk id="16" creationId="{D4974D33-8DC5-464E-8C6D-BE58F0669C17}"/>
+          </ac:spMkLst>
+        </pc:spChg>
+        <pc:spChg chg="add del">
+          <ac:chgData name="Eduardo Martín-Sonseca.Alonso" userId="044a8a39323ca9b2" providerId="LiveId" clId="{F6C200FF-B7C6-45EA-B94B-3E06CF3AB5C5}" dt="2022-10-04T16:10:01.083" v="630" actId="26606"/>
+          <ac:spMkLst>
+            <pc:docMk/>
+            <pc:sldMk cId="1106986487" sldId="261"/>
+            <ac:spMk id="21" creationId="{04812C46-200A-4DEB-A05E-3ED6C68C2387}"/>
+          </ac:spMkLst>
+        </pc:spChg>
+        <pc:spChg chg="add del">
+          <ac:chgData name="Eduardo Martín-Sonseca.Alonso" userId="044a8a39323ca9b2" providerId="LiveId" clId="{F6C200FF-B7C6-45EA-B94B-3E06CF3AB5C5}" dt="2022-10-04T16:10:01.083" v="630" actId="26606"/>
+          <ac:spMkLst>
+            <pc:docMk/>
+            <pc:sldMk cId="1106986487" sldId="261"/>
+            <ac:spMk id="23" creationId="{D1EA859B-E555-4109-94F3-6700E046E008}"/>
+          </ac:spMkLst>
+        </pc:spChg>
+        <pc:spChg chg="add del">
+          <ac:chgData name="Eduardo Martín-Sonseca.Alonso" userId="044a8a39323ca9b2" providerId="LiveId" clId="{F6C200FF-B7C6-45EA-B94B-3E06CF3AB5C5}" dt="2022-10-04T16:10:01.083" v="630" actId="26606"/>
+          <ac:spMkLst>
+            <pc:docMk/>
+            <pc:sldMk cId="1106986487" sldId="261"/>
+            <ac:spMk id="28" creationId="{04812C46-200A-4DEB-A05E-3ED6C68C2387}"/>
+          </ac:spMkLst>
+        </pc:spChg>
+        <pc:spChg chg="add del">
+          <ac:chgData name="Eduardo Martín-Sonseca.Alonso" userId="044a8a39323ca9b2" providerId="LiveId" clId="{F6C200FF-B7C6-45EA-B94B-3E06CF3AB5C5}" dt="2022-10-04T16:10:01.083" v="630" actId="26606"/>
+          <ac:spMkLst>
+            <pc:docMk/>
+            <pc:sldMk cId="1106986487" sldId="261"/>
+            <ac:spMk id="30" creationId="{D1EA859B-E555-4109-94F3-6700E046E008}"/>
+          </ac:spMkLst>
+        </pc:spChg>
+        <pc:picChg chg="add del mod">
+          <ac:chgData name="Eduardo Martín-Sonseca.Alonso" userId="044a8a39323ca9b2" providerId="LiveId" clId="{F6C200FF-B7C6-45EA-B94B-3E06CF3AB5C5}" dt="2022-10-04T16:08:29.426" v="613"/>
+          <ac:picMkLst>
+            <pc:docMk/>
+            <pc:sldMk cId="1106986487" sldId="261"/>
+            <ac:picMk id="4" creationId="{032A010B-B62F-72AB-DF97-6CB8A8DDA6C0}"/>
+          </ac:picMkLst>
+        </pc:picChg>
+        <pc:picChg chg="mod ord">
+          <ac:chgData name="Eduardo Martín-Sonseca.Alonso" userId="044a8a39323ca9b2" providerId="LiveId" clId="{F6C200FF-B7C6-45EA-B94B-3E06CF3AB5C5}" dt="2022-10-04T16:07:33.667" v="608" actId="26606"/>
+          <ac:picMkLst>
+            <pc:docMk/>
+            <pc:sldMk cId="1106986487" sldId="261"/>
+            <ac:picMk id="5" creationId="{21B6396A-5947-91FB-1762-0DA1EB72CEC5}"/>
+          </ac:picMkLst>
+        </pc:picChg>
+      </pc:sldChg>
+      <pc:sldChg chg="addSp delSp modSp add del mod modAnim">
+        <pc:chgData name="Eduardo Martín-Sonseca.Alonso" userId="044a8a39323ca9b2" providerId="LiveId" clId="{F6C200FF-B7C6-45EA-B94B-3E06CF3AB5C5}" dt="2022-10-04T16:19:24.011" v="721"/>
+        <pc:sldMkLst>
+          <pc:docMk/>
+          <pc:sldMk cId="1015946967" sldId="262"/>
+        </pc:sldMkLst>
+        <pc:spChg chg="mod">
+          <ac:chgData name="Eduardo Martín-Sonseca.Alonso" userId="044a8a39323ca9b2" providerId="LiveId" clId="{F6C200FF-B7C6-45EA-B94B-3E06CF3AB5C5}" dt="2022-10-04T16:10:14.765" v="632" actId="26606"/>
+          <ac:spMkLst>
+            <pc:docMk/>
+            <pc:sldMk cId="1015946967" sldId="262"/>
+            <ac:spMk id="2" creationId="{EEFFF1FB-241B-4CF4-A2C7-CFE2DA1A9AD1}"/>
+          </ac:spMkLst>
+        </pc:spChg>
+        <pc:spChg chg="mod">
+          <ac:chgData name="Eduardo Martín-Sonseca.Alonso" userId="044a8a39323ca9b2" providerId="LiveId" clId="{F6C200FF-B7C6-45EA-B94B-3E06CF3AB5C5}" dt="2022-10-04T16:10:14.765" v="632" actId="26606"/>
+          <ac:spMkLst>
+            <pc:docMk/>
+            <pc:sldMk cId="1015946967" sldId="262"/>
+            <ac:spMk id="4" creationId="{547BDE46-D058-433A-9BA3-B8680CF7D8BA}"/>
+          </ac:spMkLst>
+        </pc:spChg>
+        <pc:spChg chg="del">
+          <ac:chgData name="Eduardo Martín-Sonseca.Alonso" userId="044a8a39323ca9b2" providerId="LiveId" clId="{F6C200FF-B7C6-45EA-B94B-3E06CF3AB5C5}" dt="2022-10-04T16:10:14.765" v="632" actId="26606"/>
+          <ac:spMkLst>
+            <pc:docMk/>
+            <pc:sldMk cId="1015946967" sldId="262"/>
+            <ac:spMk id="10" creationId="{F13C74B1-5B17-4795-BED0-7140497B445A}"/>
+          </ac:spMkLst>
+        </pc:spChg>
+        <pc:spChg chg="del">
+          <ac:chgData name="Eduardo Martín-Sonseca.Alonso" userId="044a8a39323ca9b2" providerId="LiveId" clId="{F6C200FF-B7C6-45EA-B94B-3E06CF3AB5C5}" dt="2022-10-04T16:10:14.765" v="632" actId="26606"/>
+          <ac:spMkLst>
+            <pc:docMk/>
+            <pc:sldMk cId="1015946967" sldId="262"/>
+            <ac:spMk id="12" creationId="{D4974D33-8DC5-464E-8C6D-BE58F0669C17}"/>
+          </ac:spMkLst>
+        </pc:spChg>
+        <pc:spChg chg="add">
+          <ac:chgData name="Eduardo Martín-Sonseca.Alonso" userId="044a8a39323ca9b2" providerId="LiveId" clId="{F6C200FF-B7C6-45EA-B94B-3E06CF3AB5C5}" dt="2022-10-04T16:10:14.765" v="632" actId="26606"/>
+          <ac:spMkLst>
+            <pc:docMk/>
+            <pc:sldMk cId="1015946967" sldId="262"/>
+            <ac:spMk id="17" creationId="{04812C46-200A-4DEB-A05E-3ED6C68C2387}"/>
+          </ac:spMkLst>
+        </pc:spChg>
+        <pc:spChg chg="add">
+          <ac:chgData name="Eduardo Martín-Sonseca.Alonso" userId="044a8a39323ca9b2" providerId="LiveId" clId="{F6C200FF-B7C6-45EA-B94B-3E06CF3AB5C5}" dt="2022-10-04T16:10:14.765" v="632" actId="26606"/>
+          <ac:spMkLst>
+            <pc:docMk/>
+            <pc:sldMk cId="1015946967" sldId="262"/>
+            <ac:spMk id="19" creationId="{D1EA859B-E555-4109-94F3-6700E046E008}"/>
+          </ac:spMkLst>
+        </pc:spChg>
+        <pc:picChg chg="add del mod">
+          <ac:chgData name="Eduardo Martín-Sonseca.Alonso" userId="044a8a39323ca9b2" providerId="LiveId" clId="{F6C200FF-B7C6-45EA-B94B-3E06CF3AB5C5}" dt="2022-10-04T16:08:07.028" v="611" actId="478"/>
+          <ac:picMkLst>
+            <pc:docMk/>
+            <pc:sldMk cId="1015946967" sldId="262"/>
+            <ac:picMk id="3" creationId="{5A8AE9C6-D1A7-0FF4-271A-1C7FA8E060F4}"/>
+          </ac:picMkLst>
+        </pc:picChg>
+        <pc:picChg chg="mod ord">
+          <ac:chgData name="Eduardo Martín-Sonseca.Alonso" userId="044a8a39323ca9b2" providerId="LiveId" clId="{F6C200FF-B7C6-45EA-B94B-3E06CF3AB5C5}" dt="2022-10-04T16:10:14.765" v="632" actId="26606"/>
+          <ac:picMkLst>
+            <pc:docMk/>
+            <pc:sldMk cId="1015946967" sldId="262"/>
+            <ac:picMk id="6" creationId="{79AA5A64-38BA-1418-E9EA-6EB7A8A88E30}"/>
+          </ac:picMkLst>
+        </pc:picChg>
+        <pc:picChg chg="add del mod ord">
+          <ac:chgData name="Eduardo Martín-Sonseca.Alonso" userId="044a8a39323ca9b2" providerId="LiveId" clId="{F6C200FF-B7C6-45EA-B94B-3E06CF3AB5C5}" dt="2022-10-04T16:08:37.101" v="615" actId="478"/>
+          <ac:picMkLst>
+            <pc:docMk/>
+            <pc:sldMk cId="1015946967" sldId="262"/>
+            <ac:picMk id="7" creationId="{A3EE4586-9C1E-5459-8850-6B7767C1F058}"/>
+          </ac:picMkLst>
+        </pc:picChg>
+      </pc:sldChg>
+      <pc:sldChg chg="addSp delSp modSp mod modAnim">
+        <pc:chgData name="Eduardo Martín-Sonseca.Alonso" userId="044a8a39323ca9b2" providerId="LiveId" clId="{F6C200FF-B7C6-45EA-B94B-3E06CF3AB5C5}" dt="2022-10-04T16:19:30.015" v="725"/>
+        <pc:sldMkLst>
+          <pc:docMk/>
+          <pc:sldMk cId="3858405899" sldId="263"/>
+        </pc:sldMkLst>
+        <pc:spChg chg="mod">
+          <ac:chgData name="Eduardo Martín-Sonseca.Alonso" userId="044a8a39323ca9b2" providerId="LiveId" clId="{F6C200FF-B7C6-45EA-B94B-3E06CF3AB5C5}" dt="2022-10-04T16:12:58.741" v="649" actId="26606"/>
+          <ac:spMkLst>
+            <pc:docMk/>
+            <pc:sldMk cId="3858405899" sldId="263"/>
+            <ac:spMk id="2" creationId="{0CD28B4F-CA59-40E4-9706-0BB2A315AE0A}"/>
+          </ac:spMkLst>
+        </pc:spChg>
+        <pc:spChg chg="mod">
+          <ac:chgData name="Eduardo Martín-Sonseca.Alonso" userId="044a8a39323ca9b2" providerId="LiveId" clId="{F6C200FF-B7C6-45EA-B94B-3E06CF3AB5C5}" dt="2022-10-04T16:12:58.741" v="649" actId="26606"/>
+          <ac:spMkLst>
+            <pc:docMk/>
+            <pc:sldMk cId="3858405899" sldId="263"/>
+            <ac:spMk id="4" creationId="{A779A601-EB60-48FD-93E8-41E0FF30C6FB}"/>
+          </ac:spMkLst>
+        </pc:spChg>
+        <pc:spChg chg="del">
+          <ac:chgData name="Eduardo Martín-Sonseca.Alonso" userId="044a8a39323ca9b2" providerId="LiveId" clId="{F6C200FF-B7C6-45EA-B94B-3E06CF3AB5C5}" dt="2022-10-04T16:11:28.615" v="637" actId="26606"/>
+          <ac:spMkLst>
+            <pc:docMk/>
+            <pc:sldMk cId="3858405899" sldId="263"/>
+            <ac:spMk id="10" creationId="{F13C74B1-5B17-4795-BED0-7140497B445A}"/>
+          </ac:spMkLst>
+        </pc:spChg>
+        <pc:spChg chg="del">
+          <ac:chgData name="Eduardo Martín-Sonseca.Alonso" userId="044a8a39323ca9b2" providerId="LiveId" clId="{F6C200FF-B7C6-45EA-B94B-3E06CF3AB5C5}" dt="2022-10-04T16:11:28.615" v="637" actId="26606"/>
+          <ac:spMkLst>
+            <pc:docMk/>
+            <pc:sldMk cId="3858405899" sldId="263"/>
+            <ac:spMk id="12" creationId="{D4974D33-8DC5-464E-8C6D-BE58F0669C17}"/>
+          </ac:spMkLst>
+        </pc:spChg>
+        <pc:spChg chg="add del">
+          <ac:chgData name="Eduardo Martín-Sonseca.Alonso" userId="044a8a39323ca9b2" providerId="LiveId" clId="{F6C200FF-B7C6-45EA-B94B-3E06CF3AB5C5}" dt="2022-10-04T16:12:31.588" v="645" actId="26606"/>
+          <ac:spMkLst>
+            <pc:docMk/>
+            <pc:sldMk cId="3858405899" sldId="263"/>
+            <ac:spMk id="17" creationId="{04812C46-200A-4DEB-A05E-3ED6C68C2387}"/>
+          </ac:spMkLst>
+        </pc:spChg>
+        <pc:spChg chg="add del">
+          <ac:chgData name="Eduardo Martín-Sonseca.Alonso" userId="044a8a39323ca9b2" providerId="LiveId" clId="{F6C200FF-B7C6-45EA-B94B-3E06CF3AB5C5}" dt="2022-10-04T16:12:31.588" v="645" actId="26606"/>
+          <ac:spMkLst>
+            <pc:docMk/>
+            <pc:sldMk cId="3858405899" sldId="263"/>
+            <ac:spMk id="19" creationId="{D1EA859B-E555-4109-94F3-6700E046E008}"/>
+          </ac:spMkLst>
+        </pc:spChg>
+        <pc:spChg chg="add del">
+          <ac:chgData name="Eduardo Martín-Sonseca.Alonso" userId="044a8a39323ca9b2" providerId="LiveId" clId="{F6C200FF-B7C6-45EA-B94B-3E06CF3AB5C5}" dt="2022-10-04T16:12:58.741" v="649" actId="26606"/>
+          <ac:spMkLst>
+            <pc:docMk/>
+            <pc:sldMk cId="3858405899" sldId="263"/>
+            <ac:spMk id="24" creationId="{F94AA2BD-2E3F-4B1D-8127-5744B8115311}"/>
+          </ac:spMkLst>
+        </pc:spChg>
+        <pc:spChg chg="add del">
+          <ac:chgData name="Eduardo Martín-Sonseca.Alonso" userId="044a8a39323ca9b2" providerId="LiveId" clId="{F6C200FF-B7C6-45EA-B94B-3E06CF3AB5C5}" dt="2022-10-04T16:12:58.741" v="649" actId="26606"/>
+          <ac:spMkLst>
+            <pc:docMk/>
+            <pc:sldMk cId="3858405899" sldId="263"/>
+            <ac:spMk id="26" creationId="{4BD02261-2DC8-4AA8-9E16-7751AE892445}"/>
+          </ac:spMkLst>
+        </pc:spChg>
+        <pc:spChg chg="add del">
+          <ac:chgData name="Eduardo Martín-Sonseca.Alonso" userId="044a8a39323ca9b2" providerId="LiveId" clId="{F6C200FF-B7C6-45EA-B94B-3E06CF3AB5C5}" dt="2022-10-04T16:12:58.741" v="649" actId="26606"/>
+          <ac:spMkLst>
+            <pc:docMk/>
+            <pc:sldMk cId="3858405899" sldId="263"/>
+            <ac:spMk id="28" creationId="{3D752CF2-2291-40B5-B462-C17B174C10BC}"/>
+          </ac:spMkLst>
+        </pc:spChg>
+        <pc:spChg chg="add">
+          <ac:chgData name="Eduardo Martín-Sonseca.Alonso" userId="044a8a39323ca9b2" providerId="LiveId" clId="{F6C200FF-B7C6-45EA-B94B-3E06CF3AB5C5}" dt="2022-10-04T16:12:58.741" v="649" actId="26606"/>
+          <ac:spMkLst>
+            <pc:docMk/>
+            <pc:sldMk cId="3858405899" sldId="263"/>
+            <ac:spMk id="33" creationId="{04812C46-200A-4DEB-A05E-3ED6C68C2387}"/>
+          </ac:spMkLst>
+        </pc:spChg>
+        <pc:spChg chg="add">
+          <ac:chgData name="Eduardo Martín-Sonseca.Alonso" userId="044a8a39323ca9b2" providerId="LiveId" clId="{F6C200FF-B7C6-45EA-B94B-3E06CF3AB5C5}" dt="2022-10-04T16:12:58.741" v="649" actId="26606"/>
+          <ac:spMkLst>
+            <pc:docMk/>
+            <pc:sldMk cId="3858405899" sldId="263"/>
+            <ac:spMk id="35" creationId="{D1EA859B-E555-4109-94F3-6700E046E008}"/>
+          </ac:spMkLst>
+        </pc:spChg>
+        <pc:picChg chg="add del mod">
+          <ac:chgData name="Eduardo Martín-Sonseca.Alonso" userId="044a8a39323ca9b2" providerId="LiveId" clId="{F6C200FF-B7C6-45EA-B94B-3E06CF3AB5C5}" dt="2022-10-04T16:10:36.699" v="634" actId="478"/>
+          <ac:picMkLst>
+            <pc:docMk/>
+            <pc:sldMk cId="3858405899" sldId="263"/>
+            <ac:picMk id="3" creationId="{322A5B0C-DB93-3457-621A-E7B552D74C25}"/>
+          </ac:picMkLst>
+        </pc:picChg>
+        <pc:picChg chg="del mod ord">
+          <ac:chgData name="Eduardo Martín-Sonseca.Alonso" userId="044a8a39323ca9b2" providerId="LiveId" clId="{F6C200FF-B7C6-45EA-B94B-3E06CF3AB5C5}" dt="2022-10-04T16:12:43.001" v="646" actId="478"/>
+          <ac:picMkLst>
+            <pc:docMk/>
+            <pc:sldMk cId="3858405899" sldId="263"/>
+            <ac:picMk id="6" creationId="{C263EEF0-96AD-EB64-177B-B07104601C26}"/>
+          </ac:picMkLst>
+        </pc:picChg>
+        <pc:picChg chg="add mod ord">
+          <ac:chgData name="Eduardo Martín-Sonseca.Alonso" userId="044a8a39323ca9b2" providerId="LiveId" clId="{F6C200FF-B7C6-45EA-B94B-3E06CF3AB5C5}" dt="2022-10-04T16:12:49.779" v="648" actId="167"/>
+          <ac:picMkLst>
+            <pc:docMk/>
+            <pc:sldMk cId="3858405899" sldId="263"/>
+            <ac:picMk id="7" creationId="{CB28650D-5BCE-E86D-9875-DDB208C75F95}"/>
+          </ac:picMkLst>
+        </pc:picChg>
+      </pc:sldChg>
+      <pc:sldChg chg="addSp delSp modSp mod modAnim">
+        <pc:chgData name="Eduardo Martín-Sonseca.Alonso" userId="044a8a39323ca9b2" providerId="LiveId" clId="{F6C200FF-B7C6-45EA-B94B-3E06CF3AB5C5}" dt="2022-10-04T16:19:35.707" v="730"/>
+        <pc:sldMkLst>
+          <pc:docMk/>
+          <pc:sldMk cId="3580276719" sldId="264"/>
+        </pc:sldMkLst>
+        <pc:spChg chg="mod">
+          <ac:chgData name="Eduardo Martín-Sonseca.Alonso" userId="044a8a39323ca9b2" providerId="LiveId" clId="{F6C200FF-B7C6-45EA-B94B-3E06CF3AB5C5}" dt="2022-10-04T16:13:17.578" v="652" actId="26606"/>
+          <ac:spMkLst>
+            <pc:docMk/>
+            <pc:sldMk cId="3580276719" sldId="264"/>
+            <ac:spMk id="2" creationId="{8BC7EFD9-5CAF-431F-A9FF-09DE566F3543}"/>
+          </ac:spMkLst>
+        </pc:spChg>
+        <pc:spChg chg="mod">
+          <ac:chgData name="Eduardo Martín-Sonseca.Alonso" userId="044a8a39323ca9b2" providerId="LiveId" clId="{F6C200FF-B7C6-45EA-B94B-3E06CF3AB5C5}" dt="2022-10-04T16:13:17.578" v="652" actId="26606"/>
+          <ac:spMkLst>
+            <pc:docMk/>
+            <pc:sldMk cId="3580276719" sldId="264"/>
+            <ac:spMk id="3" creationId="{29A8ECE2-FE08-4C93-9877-2C065094BC53}"/>
+          </ac:spMkLst>
+        </pc:spChg>
+        <pc:spChg chg="del">
+          <ac:chgData name="Eduardo Martín-Sonseca.Alonso" userId="044a8a39323ca9b2" providerId="LiveId" clId="{F6C200FF-B7C6-45EA-B94B-3E06CF3AB5C5}" dt="2022-10-04T16:13:17.578" v="652" actId="26606"/>
+          <ac:spMkLst>
+            <pc:docMk/>
+            <pc:sldMk cId="3580276719" sldId="264"/>
+            <ac:spMk id="21" creationId="{F13C74B1-5B17-4795-BED0-7140497B445A}"/>
+          </ac:spMkLst>
+        </pc:spChg>
+        <pc:spChg chg="del">
+          <ac:chgData name="Eduardo Martín-Sonseca.Alonso" userId="044a8a39323ca9b2" providerId="LiveId" clId="{F6C200FF-B7C6-45EA-B94B-3E06CF3AB5C5}" dt="2022-10-04T16:13:17.578" v="652" actId="26606"/>
+          <ac:spMkLst>
+            <pc:docMk/>
+            <pc:sldMk cId="3580276719" sldId="264"/>
+            <ac:spMk id="23" creationId="{D4974D33-8DC5-464E-8C6D-BE58F0669C17}"/>
+          </ac:spMkLst>
+        </pc:spChg>
+        <pc:spChg chg="add">
+          <ac:chgData name="Eduardo Martín-Sonseca.Alonso" userId="044a8a39323ca9b2" providerId="LiveId" clId="{F6C200FF-B7C6-45EA-B94B-3E06CF3AB5C5}" dt="2022-10-04T16:13:17.578" v="652" actId="26606"/>
+          <ac:spMkLst>
+            <pc:docMk/>
+            <pc:sldMk cId="3580276719" sldId="264"/>
+            <ac:spMk id="28" creationId="{04812C46-200A-4DEB-A05E-3ED6C68C2387}"/>
+          </ac:spMkLst>
+        </pc:spChg>
+        <pc:spChg chg="add">
+          <ac:chgData name="Eduardo Martín-Sonseca.Alonso" userId="044a8a39323ca9b2" providerId="LiveId" clId="{F6C200FF-B7C6-45EA-B94B-3E06CF3AB5C5}" dt="2022-10-04T16:13:17.578" v="652" actId="26606"/>
+          <ac:spMkLst>
+            <pc:docMk/>
+            <pc:sldMk cId="3580276719" sldId="264"/>
+            <ac:spMk id="30" creationId="{D1EA859B-E555-4109-94F3-6700E046E008}"/>
+          </ac:spMkLst>
+        </pc:spChg>
+        <pc:picChg chg="add del mod">
+          <ac:chgData name="Eduardo Martín-Sonseca.Alonso" userId="044a8a39323ca9b2" providerId="LiveId" clId="{F6C200FF-B7C6-45EA-B94B-3E06CF3AB5C5}" dt="2022-10-04T16:10:50.289" v="635" actId="478"/>
+          <ac:picMkLst>
+            <pc:docMk/>
+            <pc:sldMk cId="3580276719" sldId="264"/>
+            <ac:picMk id="4" creationId="{966DBF5B-50F7-275E-84B0-A0A5B1DBDF38}"/>
+          </ac:picMkLst>
+        </pc:picChg>
+        <pc:picChg chg="del">
+          <ac:chgData name="Eduardo Martín-Sonseca.Alonso" userId="044a8a39323ca9b2" providerId="LiveId" clId="{F6C200FF-B7C6-45EA-B94B-3E06CF3AB5C5}" dt="2022-10-04T16:10:51.451" v="636" actId="478"/>
+          <ac:picMkLst>
+            <pc:docMk/>
+            <pc:sldMk cId="3580276719" sldId="264"/>
+            <ac:picMk id="5" creationId="{5331785D-2CFF-B332-5634-22F0E76967B1}"/>
+          </ac:picMkLst>
+        </pc:picChg>
+        <pc:picChg chg="add mod ord">
+          <ac:chgData name="Eduardo Martín-Sonseca.Alonso" userId="044a8a39323ca9b2" providerId="LiveId" clId="{F6C200FF-B7C6-45EA-B94B-3E06CF3AB5C5}" dt="2022-10-04T16:13:09.343" v="651" actId="167"/>
+          <ac:picMkLst>
+            <pc:docMk/>
+            <pc:sldMk cId="3580276719" sldId="264"/>
+            <ac:picMk id="7" creationId="{1318ED78-26C3-DCB2-F1A0-481B28209006}"/>
+          </ac:picMkLst>
+        </pc:picChg>
+      </pc:sldChg>
+      <pc:sldChg chg="addSp delSp modSp mod modAnim">
+        <pc:chgData name="Eduardo Martín-Sonseca.Alonso" userId="044a8a39323ca9b2" providerId="LiveId" clId="{F6C200FF-B7C6-45EA-B94B-3E06CF3AB5C5}" dt="2022-10-04T16:19:54.076" v="737"/>
+        <pc:sldMkLst>
+          <pc:docMk/>
+          <pc:sldMk cId="4137332662" sldId="265"/>
+        </pc:sldMkLst>
+        <pc:spChg chg="add mod">
+          <ac:chgData name="Eduardo Martín-Sonseca.Alonso" userId="044a8a39323ca9b2" providerId="LiveId" clId="{F6C200FF-B7C6-45EA-B94B-3E06CF3AB5C5}" dt="2022-10-04T15:28:29.326" v="188" actId="14100"/>
+          <ac:spMkLst>
+            <pc:docMk/>
+            <pc:sldMk cId="4137332662" sldId="265"/>
+            <ac:spMk id="4" creationId="{F1E1F019-AE81-B16F-5ABB-78D9B2DD70F3}"/>
+          </ac:spMkLst>
+        </pc:spChg>
+        <pc:picChg chg="add del mod">
+          <ac:chgData name="Eduardo Martín-Sonseca.Alonso" userId="044a8a39323ca9b2" providerId="LiveId" clId="{F6C200FF-B7C6-45EA-B94B-3E06CF3AB5C5}" dt="2022-10-04T16:11:48.582" v="638" actId="478"/>
+          <ac:picMkLst>
+            <pc:docMk/>
+            <pc:sldMk cId="4137332662" sldId="265"/>
+            <ac:picMk id="5" creationId="{D55F3B91-4FEB-F50C-F3F7-000E22ACE4B6}"/>
+          </ac:picMkLst>
+        </pc:picChg>
+      </pc:sldChg>
+      <pc:sldChg chg="addSp delSp modSp new add del mod modAnim">
+        <pc:chgData name="Eduardo Martín-Sonseca.Alonso" userId="044a8a39323ca9b2" providerId="LiveId" clId="{F6C200FF-B7C6-45EA-B94B-3E06CF3AB5C5}" dt="2022-10-04T16:19:58.594" v="739"/>
+        <pc:sldMkLst>
+          <pc:docMk/>
+          <pc:sldMk cId="1986842871" sldId="266"/>
+        </pc:sldMkLst>
+        <pc:spChg chg="mod">
+          <ac:chgData name="Eduardo Martín-Sonseca.Alonso" userId="044a8a39323ca9b2" providerId="LiveId" clId="{F6C200FF-B7C6-45EA-B94B-3E06CF3AB5C5}" dt="2022-10-04T15:13:24.683" v="35" actId="20577"/>
+          <ac:spMkLst>
+            <pc:docMk/>
+            <pc:sldMk cId="1986842871" sldId="266"/>
+            <ac:spMk id="2" creationId="{F0C22993-4CD9-EBAF-934E-DB27FCD13528}"/>
+          </ac:spMkLst>
+        </pc:spChg>
+        <pc:spChg chg="add mod">
+          <ac:chgData name="Eduardo Martín-Sonseca.Alonso" userId="044a8a39323ca9b2" providerId="LiveId" clId="{F6C200FF-B7C6-45EA-B94B-3E06CF3AB5C5}" dt="2022-10-04T15:28:36.149" v="189"/>
+          <ac:spMkLst>
+            <pc:docMk/>
+            <pc:sldMk cId="1986842871" sldId="266"/>
+            <ac:spMk id="4" creationId="{EEC22C99-7282-A5BD-FD99-9AA99FF036C0}"/>
+          </ac:spMkLst>
+        </pc:spChg>
+        <pc:picChg chg="add del mod">
+          <ac:chgData name="Eduardo Martín-Sonseca.Alonso" userId="044a8a39323ca9b2" providerId="LiveId" clId="{F6C200FF-B7C6-45EA-B94B-3E06CF3AB5C5}" dt="2022-10-04T16:11:56.713" v="641" actId="478"/>
+          <ac:picMkLst>
+            <pc:docMk/>
+            <pc:sldMk cId="1986842871" sldId="266"/>
+            <ac:picMk id="5" creationId="{ED840ED9-B71A-A36C-0B28-AB30DE668FA3}"/>
+          </ac:picMkLst>
+        </pc:picChg>
+      </pc:sldChg>
+      <pc:sldChg chg="addSp delSp modSp new mod modAnim">
+        <pc:chgData name="Eduardo Martín-Sonseca.Alonso" userId="044a8a39323ca9b2" providerId="LiveId" clId="{F6C200FF-B7C6-45EA-B94B-3E06CF3AB5C5}" dt="2022-10-04T16:20:04.859" v="741"/>
+        <pc:sldMkLst>
+          <pc:docMk/>
+          <pc:sldMk cId="147166308" sldId="267"/>
+        </pc:sldMkLst>
+        <pc:spChg chg="mod">
+          <ac:chgData name="Eduardo Martín-Sonseca.Alonso" userId="044a8a39323ca9b2" providerId="LiveId" clId="{F6C200FF-B7C6-45EA-B94B-3E06CF3AB5C5}" dt="2022-10-04T15:23:12.354" v="50" actId="20577"/>
+          <ac:spMkLst>
+            <pc:docMk/>
+            <pc:sldMk cId="147166308" sldId="267"/>
+            <ac:spMk id="2" creationId="{AF782538-6BA3-40E9-97C7-BA07F82D710C}"/>
+          </ac:spMkLst>
+        </pc:spChg>
+        <pc:spChg chg="add mod">
+          <ac:chgData name="Eduardo Martín-Sonseca.Alonso" userId="044a8a39323ca9b2" providerId="LiveId" clId="{F6C200FF-B7C6-45EA-B94B-3E06CF3AB5C5}" dt="2022-10-04T15:28:38.288" v="190"/>
+          <ac:spMkLst>
+            <pc:docMk/>
+            <pc:sldMk cId="147166308" sldId="267"/>
+            <ac:spMk id="4" creationId="{458A7921-403F-ED21-3E2F-51270E6BAA2B}"/>
+          </ac:spMkLst>
+        </pc:spChg>
+        <pc:picChg chg="add del mod">
+          <ac:chgData name="Eduardo Martín-Sonseca.Alonso" userId="044a8a39323ca9b2" providerId="LiveId" clId="{F6C200FF-B7C6-45EA-B94B-3E06CF3AB5C5}" dt="2022-10-04T16:11:58.535" v="642" actId="478"/>
+          <ac:picMkLst>
+            <pc:docMk/>
+            <pc:sldMk cId="147166308" sldId="267"/>
+            <ac:picMk id="5" creationId="{787E73FC-C81F-63B4-CE99-08439105FB8E}"/>
+          </ac:picMkLst>
+        </pc:picChg>
+      </pc:sldChg>
+      <pc:sldChg chg="addSp delSp modSp new mod modAnim">
+        <pc:chgData name="Eduardo Martín-Sonseca.Alonso" userId="044a8a39323ca9b2" providerId="LiveId" clId="{F6C200FF-B7C6-45EA-B94B-3E06CF3AB5C5}" dt="2022-10-04T16:20:09.530" v="743"/>
+        <pc:sldMkLst>
+          <pc:docMk/>
+          <pc:sldMk cId="2542492578" sldId="268"/>
+        </pc:sldMkLst>
+        <pc:spChg chg="mod">
+          <ac:chgData name="Eduardo Martín-Sonseca.Alonso" userId="044a8a39323ca9b2" providerId="LiveId" clId="{F6C200FF-B7C6-45EA-B94B-3E06CF3AB5C5}" dt="2022-10-04T15:25:21.033" v="83" actId="20577"/>
+          <ac:spMkLst>
+            <pc:docMk/>
+            <pc:sldMk cId="2542492578" sldId="268"/>
+            <ac:spMk id="2" creationId="{8607B768-0810-B456-80FF-C4AE6555F84F}"/>
+          </ac:spMkLst>
+        </pc:spChg>
+        <pc:spChg chg="add mod">
+          <ac:chgData name="Eduardo Martín-Sonseca.Alonso" userId="044a8a39323ca9b2" providerId="LiveId" clId="{F6C200FF-B7C6-45EA-B94B-3E06CF3AB5C5}" dt="2022-10-04T15:28:40.394" v="191"/>
+          <ac:spMkLst>
+            <pc:docMk/>
+            <pc:sldMk cId="2542492578" sldId="268"/>
+            <ac:spMk id="4" creationId="{3E441317-6587-C5CB-E408-F463C0E185BF}"/>
+          </ac:spMkLst>
+        </pc:spChg>
+        <pc:picChg chg="add del mod">
+          <ac:chgData name="Eduardo Martín-Sonseca.Alonso" userId="044a8a39323ca9b2" providerId="LiveId" clId="{F6C200FF-B7C6-45EA-B94B-3E06CF3AB5C5}" dt="2022-10-04T16:12:01.045" v="643" actId="478"/>
+          <ac:picMkLst>
+            <pc:docMk/>
+            <pc:sldMk cId="2542492578" sldId="268"/>
+            <ac:picMk id="5" creationId="{B1FCBD92-22AD-4AFA-0EF1-21F7C6E9884C}"/>
+          </ac:picMkLst>
+        </pc:picChg>
+      </pc:sldChg>
+      <pc:sldChg chg="addSp delSp modSp new mod modAnim">
+        <pc:chgData name="Eduardo Martín-Sonseca.Alonso" userId="044a8a39323ca9b2" providerId="LiveId" clId="{F6C200FF-B7C6-45EA-B94B-3E06CF3AB5C5}" dt="2022-10-04T16:20:14.892" v="745"/>
+        <pc:sldMkLst>
+          <pc:docMk/>
+          <pc:sldMk cId="2049985783" sldId="269"/>
+        </pc:sldMkLst>
+        <pc:spChg chg="mod">
+          <ac:chgData name="Eduardo Martín-Sonseca.Alonso" userId="044a8a39323ca9b2" providerId="LiveId" clId="{F6C200FF-B7C6-45EA-B94B-3E06CF3AB5C5}" dt="2022-10-04T15:25:34.226" v="97" actId="20577"/>
+          <ac:spMkLst>
+            <pc:docMk/>
+            <pc:sldMk cId="2049985783" sldId="269"/>
+            <ac:spMk id="2" creationId="{C72BE69A-9CC3-B6DB-D96B-D5B859E8B1E0}"/>
+          </ac:spMkLst>
+        </pc:spChg>
+        <pc:spChg chg="add mod">
+          <ac:chgData name="Eduardo Martín-Sonseca.Alonso" userId="044a8a39323ca9b2" providerId="LiveId" clId="{F6C200FF-B7C6-45EA-B94B-3E06CF3AB5C5}" dt="2022-10-04T15:28:43.098" v="192"/>
+          <ac:spMkLst>
+            <pc:docMk/>
+            <pc:sldMk cId="2049985783" sldId="269"/>
+            <ac:spMk id="4" creationId="{DD183648-FD5B-F4B3-C1E9-1BEB2C4915DD}"/>
+          </ac:spMkLst>
+        </pc:spChg>
+        <pc:picChg chg="add del mod">
+          <ac:chgData name="Eduardo Martín-Sonseca.Alonso" userId="044a8a39323ca9b2" providerId="LiveId" clId="{F6C200FF-B7C6-45EA-B94B-3E06CF3AB5C5}" dt="2022-10-04T16:12:03.760" v="644" actId="478"/>
+          <ac:picMkLst>
+            <pc:docMk/>
+            <pc:sldMk cId="2049985783" sldId="269"/>
+            <ac:picMk id="5" creationId="{82757795-4F4D-FDA7-B7D0-BF48AFA35495}"/>
+          </ac:picMkLst>
+        </pc:picChg>
+      </pc:sldChg>
+      <pc:sldChg chg="addSp delSp modSp new mod modAnim">
+        <pc:chgData name="Eduardo Martín-Sonseca.Alonso" userId="044a8a39323ca9b2" providerId="LiveId" clId="{F6C200FF-B7C6-45EA-B94B-3E06CF3AB5C5}" dt="2022-10-04T16:20:19.601" v="747"/>
+        <pc:sldMkLst>
+          <pc:docMk/>
+          <pc:sldMk cId="43089264" sldId="270"/>
+        </pc:sldMkLst>
+        <pc:spChg chg="mod">
+          <ac:chgData name="Eduardo Martín-Sonseca.Alonso" userId="044a8a39323ca9b2" providerId="LiveId" clId="{F6C200FF-B7C6-45EA-B94B-3E06CF3AB5C5}" dt="2022-10-04T15:25:50.067" v="110" actId="20577"/>
+          <ac:spMkLst>
+            <pc:docMk/>
+            <pc:sldMk cId="43089264" sldId="270"/>
+            <ac:spMk id="2" creationId="{45FB622A-3735-1AE0-8C20-270A97E71FEC}"/>
+          </ac:spMkLst>
+        </pc:spChg>
+        <pc:spChg chg="del mod">
+          <ac:chgData name="Eduardo Martín-Sonseca.Alonso" userId="044a8a39323ca9b2" providerId="LiveId" clId="{F6C200FF-B7C6-45EA-B94B-3E06CF3AB5C5}" dt="2022-10-04T16:01:58.282" v="554" actId="21"/>
+          <ac:spMkLst>
+            <pc:docMk/>
+            <pc:sldMk cId="43089264" sldId="270"/>
+            <ac:spMk id="3" creationId="{37FBD6FF-0C7F-EEA9-373F-62397C957295}"/>
+          </ac:spMkLst>
+        </pc:spChg>
+        <pc:spChg chg="add mod">
+          <ac:chgData name="Eduardo Martín-Sonseca.Alonso" userId="044a8a39323ca9b2" providerId="LiveId" clId="{F6C200FF-B7C6-45EA-B94B-3E06CF3AB5C5}" dt="2022-10-04T15:28:45.390" v="193"/>
+          <ac:spMkLst>
+            <pc:docMk/>
+            <pc:sldMk cId="43089264" sldId="270"/>
+            <ac:spMk id="4" creationId="{8729478B-DE65-B677-CBEA-EE8228474FB1}"/>
+          </ac:spMkLst>
+        </pc:spChg>
+        <pc:spChg chg="add del mod">
+          <ac:chgData name="Eduardo Martín-Sonseca.Alonso" userId="044a8a39323ca9b2" providerId="LiveId" clId="{F6C200FF-B7C6-45EA-B94B-3E06CF3AB5C5}" dt="2022-10-04T16:01:58.282" v="554" actId="21"/>
+          <ac:spMkLst>
+            <pc:docMk/>
+            <pc:sldMk cId="43089264" sldId="270"/>
+            <ac:spMk id="5" creationId="{518EDA90-6C0F-CE35-07B2-D1E39BF2F66A}"/>
+          </ac:spMkLst>
+        </pc:spChg>
+        <pc:spChg chg="add del mod">
+          <ac:chgData name="Eduardo Martín-Sonseca.Alonso" userId="044a8a39323ca9b2" providerId="LiveId" clId="{F6C200FF-B7C6-45EA-B94B-3E06CF3AB5C5}" dt="2022-10-04T15:33:34.621" v="250" actId="478"/>
+          <ac:spMkLst>
+            <pc:docMk/>
+            <pc:sldMk cId="43089264" sldId="270"/>
+            <ac:spMk id="7" creationId="{F189E436-8B69-CEFC-9EA9-284E520A99D4}"/>
+          </ac:spMkLst>
+        </pc:spChg>
+        <pc:spChg chg="add del mod">
+          <ac:chgData name="Eduardo Martín-Sonseca.Alonso" userId="044a8a39323ca9b2" providerId="LiveId" clId="{F6C200FF-B7C6-45EA-B94B-3E06CF3AB5C5}" dt="2022-10-04T16:01:58.282" v="554" actId="21"/>
+          <ac:spMkLst>
+            <pc:docMk/>
+            <pc:sldMk cId="43089264" sldId="270"/>
+            <ac:spMk id="9" creationId="{69D1B8BC-7FC3-C276-8070-393FFD02BC5C}"/>
+          </ac:spMkLst>
+        </pc:spChg>
+        <pc:spChg chg="add del">
+          <ac:chgData name="Eduardo Martín-Sonseca.Alonso" userId="044a8a39323ca9b2" providerId="LiveId" clId="{F6C200FF-B7C6-45EA-B94B-3E06CF3AB5C5}" dt="2022-10-04T15:43:35.455" v="335" actId="22"/>
+          <ac:spMkLst>
+            <pc:docMk/>
+            <pc:sldMk cId="43089264" sldId="270"/>
+            <ac:spMk id="11" creationId="{0951AD6F-D106-2DCE-1748-E05E2DD2330F}"/>
+          </ac:spMkLst>
+        </pc:spChg>
+        <pc:spChg chg="add del mod">
+          <ac:chgData name="Eduardo Martín-Sonseca.Alonso" userId="044a8a39323ca9b2" providerId="LiveId" clId="{F6C200FF-B7C6-45EA-B94B-3E06CF3AB5C5}" dt="2022-10-04T16:01:58.282" v="554" actId="21"/>
+          <ac:spMkLst>
+            <pc:docMk/>
+            <pc:sldMk cId="43089264" sldId="270"/>
+            <ac:spMk id="12" creationId="{5101C94E-C9CE-6752-3D62-58787D00ED71}"/>
+          </ac:spMkLst>
+        </pc:spChg>
+        <pc:spChg chg="add del mod">
+          <ac:chgData name="Eduardo Martín-Sonseca.Alonso" userId="044a8a39323ca9b2" providerId="LiveId" clId="{F6C200FF-B7C6-45EA-B94B-3E06CF3AB5C5}" dt="2022-10-04T16:01:58.282" v="554" actId="21"/>
+          <ac:spMkLst>
+            <pc:docMk/>
+            <pc:sldMk cId="43089264" sldId="270"/>
+            <ac:spMk id="14" creationId="{832ACF11-A429-C4D4-2B7E-78C6ED59B063}"/>
+          </ac:spMkLst>
+        </pc:spChg>
+        <pc:spChg chg="add del mod">
+          <ac:chgData name="Eduardo Martín-Sonseca.Alonso" userId="044a8a39323ca9b2" providerId="LiveId" clId="{F6C200FF-B7C6-45EA-B94B-3E06CF3AB5C5}" dt="2022-10-04T16:02:06.394" v="555" actId="478"/>
+          <ac:spMkLst>
+            <pc:docMk/>
+            <pc:sldMk cId="43089264" sldId="270"/>
+            <ac:spMk id="16" creationId="{7105D972-ADB0-8998-D369-F3F44198D488}"/>
+          </ac:spMkLst>
+        </pc:spChg>
+        <pc:spChg chg="add mod">
+          <ac:chgData name="Eduardo Martín-Sonseca.Alonso" userId="044a8a39323ca9b2" providerId="LiveId" clId="{F6C200FF-B7C6-45EA-B94B-3E06CF3AB5C5}" dt="2022-10-04T16:02:08.171" v="556"/>
+          <ac:spMkLst>
+            <pc:docMk/>
+            <pc:sldMk cId="43089264" sldId="270"/>
+            <ac:spMk id="17" creationId="{E6B48D0B-0218-7491-FC5B-6BDB70BE77A7}"/>
+          </ac:spMkLst>
+        </pc:spChg>
+        <pc:spChg chg="add del mod">
+          <ac:chgData name="Eduardo Martín-Sonseca.Alonso" userId="044a8a39323ca9b2" providerId="LiveId" clId="{F6C200FF-B7C6-45EA-B94B-3E06CF3AB5C5}" dt="2022-10-04T16:02:23.648" v="558" actId="21"/>
+          <ac:spMkLst>
+            <pc:docMk/>
+            <pc:sldMk cId="43089264" sldId="270"/>
+            <ac:spMk id="18" creationId="{19844975-069F-06EC-9409-0CF0F9750A4B}"/>
+          </ac:spMkLst>
+        </pc:spChg>
+        <pc:spChg chg="add del mod">
+          <ac:chgData name="Eduardo Martín-Sonseca.Alonso" userId="044a8a39323ca9b2" providerId="LiveId" clId="{F6C200FF-B7C6-45EA-B94B-3E06CF3AB5C5}" dt="2022-10-04T16:02:23.648" v="558" actId="21"/>
+          <ac:spMkLst>
+            <pc:docMk/>
+            <pc:sldMk cId="43089264" sldId="270"/>
+            <ac:spMk id="19" creationId="{30B557D0-FD71-E7A7-0F6E-353596D44F3B}"/>
+          </ac:spMkLst>
+        </pc:spChg>
+        <pc:spChg chg="add del mod">
+          <ac:chgData name="Eduardo Martín-Sonseca.Alonso" userId="044a8a39323ca9b2" providerId="LiveId" clId="{F6C200FF-B7C6-45EA-B94B-3E06CF3AB5C5}" dt="2022-10-04T16:02:23.648" v="558" actId="21"/>
+          <ac:spMkLst>
+            <pc:docMk/>
+            <pc:sldMk cId="43089264" sldId="270"/>
+            <ac:spMk id="20" creationId="{56EFCCB8-BD45-B46A-1B9D-5637CD08B4E3}"/>
+          </ac:spMkLst>
+        </pc:spChg>
+        <pc:spChg chg="add del mod">
+          <ac:chgData name="Eduardo Martín-Sonseca.Alonso" userId="044a8a39323ca9b2" providerId="LiveId" clId="{F6C200FF-B7C6-45EA-B94B-3E06CF3AB5C5}" dt="2022-10-04T16:02:23.648" v="558" actId="21"/>
+          <ac:spMkLst>
+            <pc:docMk/>
+            <pc:sldMk cId="43089264" sldId="270"/>
+            <ac:spMk id="21" creationId="{7B8A84F1-8B24-E98B-84F2-A0FA2EB1A8B0}"/>
+          </ac:spMkLst>
+        </pc:spChg>
+      </pc:sldChg>
+      <pc:sldChg chg="addSp delSp modSp new mod setBg modAnim setClrOvrMap">
+        <pc:chgData name="Eduardo Martín-Sonseca.Alonso" userId="044a8a39323ca9b2" providerId="LiveId" clId="{F6C200FF-B7C6-45EA-B94B-3E06CF3AB5C5}" dt="2022-10-04T16:20:26.108" v="748" actId="5793"/>
+        <pc:sldMkLst>
+          <pc:docMk/>
+          <pc:sldMk cId="2585561534" sldId="271"/>
+        </pc:sldMkLst>
+        <pc:spChg chg="del">
+          <ac:chgData name="Eduardo Martín-Sonseca.Alonso" userId="044a8a39323ca9b2" providerId="LiveId" clId="{F6C200FF-B7C6-45EA-B94B-3E06CF3AB5C5}" dt="2022-10-04T15:25:57.898" v="112" actId="478"/>
+          <ac:spMkLst>
+            <pc:docMk/>
+            <pc:sldMk cId="2585561534" sldId="271"/>
+            <ac:spMk id="2" creationId="{4E7B6D0B-0905-90AE-2591-CFC9ED0B2BA8}"/>
+          </ac:spMkLst>
+        </pc:spChg>
+        <pc:spChg chg="mod ord">
+          <ac:chgData name="Eduardo Martín-Sonseca.Alonso" userId="044a8a39323ca9b2" providerId="LiveId" clId="{F6C200FF-B7C6-45EA-B94B-3E06CF3AB5C5}" dt="2022-10-04T16:20:26.108" v="748" actId="5793"/>
+          <ac:spMkLst>
+            <pc:docMk/>
+            <pc:sldMk cId="2585561534" sldId="271"/>
+            <ac:spMk id="3" creationId="{AC322D12-B8C2-CD13-C768-6FAFCE0E11A1}"/>
+          </ac:spMkLst>
+        </pc:spChg>
+        <pc:spChg chg="add mod ord">
+          <ac:chgData name="Eduardo Martín-Sonseca.Alonso" userId="044a8a39323ca9b2" providerId="LiveId" clId="{F6C200FF-B7C6-45EA-B94B-3E06CF3AB5C5}" dt="2022-10-04T15:30:00.851" v="216" actId="26606"/>
+          <ac:spMkLst>
+            <pc:docMk/>
+            <pc:sldMk cId="2585561534" sldId="271"/>
+            <ac:spMk id="5" creationId="{6B5D0C9E-6C94-01CE-A83A-7BBC88E25DF3}"/>
+          </ac:spMkLst>
+        </pc:spChg>
+        <pc:spChg chg="add del">
+          <ac:chgData name="Eduardo Martín-Sonseca.Alonso" userId="044a8a39323ca9b2" providerId="LiveId" clId="{F6C200FF-B7C6-45EA-B94B-3E06CF3AB5C5}" dt="2022-10-04T15:27:11.702" v="175" actId="26606"/>
+          <ac:spMkLst>
+            <pc:docMk/>
+            <pc:sldMk cId="2585561534" sldId="271"/>
+            <ac:spMk id="9" creationId="{F13C74B1-5B17-4795-BED0-7140497B445A}"/>
+          </ac:spMkLst>
+        </pc:spChg>
+        <pc:spChg chg="add del">
+          <ac:chgData name="Eduardo Martín-Sonseca.Alonso" userId="044a8a39323ca9b2" providerId="LiveId" clId="{F6C200FF-B7C6-45EA-B94B-3E06CF3AB5C5}" dt="2022-10-04T15:27:11.702" v="175" actId="26606"/>
+          <ac:spMkLst>
+            <pc:docMk/>
+            <pc:sldMk cId="2585561534" sldId="271"/>
+            <ac:spMk id="11" creationId="{D4974D33-8DC5-464E-8C6D-BE58F0669C17}"/>
+          </ac:spMkLst>
+        </pc:spChg>
+        <pc:spChg chg="add del">
+          <ac:chgData name="Eduardo Martín-Sonseca.Alonso" userId="044a8a39323ca9b2" providerId="LiveId" clId="{F6C200FF-B7C6-45EA-B94B-3E06CF3AB5C5}" dt="2022-10-04T15:27:14.609" v="177" actId="26606"/>
+          <ac:spMkLst>
+            <pc:docMk/>
+            <pc:sldMk cId="2585561534" sldId="271"/>
+            <ac:spMk id="13" creationId="{04812C46-200A-4DEB-A05E-3ED6C68C2387}"/>
+          </ac:spMkLst>
+        </pc:spChg>
+        <pc:spChg chg="add del">
+          <ac:chgData name="Eduardo Martín-Sonseca.Alonso" userId="044a8a39323ca9b2" providerId="LiveId" clId="{F6C200FF-B7C6-45EA-B94B-3E06CF3AB5C5}" dt="2022-10-04T15:27:14.609" v="177" actId="26606"/>
+          <ac:spMkLst>
+            <pc:docMk/>
+            <pc:sldMk cId="2585561534" sldId="271"/>
+            <ac:spMk id="14" creationId="{D1EA859B-E555-4109-94F3-6700E046E008}"/>
+          </ac:spMkLst>
+        </pc:spChg>
+        <pc:spChg chg="add del">
+          <ac:chgData name="Eduardo Martín-Sonseca.Alonso" userId="044a8a39323ca9b2" providerId="LiveId" clId="{F6C200FF-B7C6-45EA-B94B-3E06CF3AB5C5}" dt="2022-10-04T15:27:15.660" v="179" actId="26606"/>
+          <ac:spMkLst>
+            <pc:docMk/>
+            <pc:sldMk cId="2585561534" sldId="271"/>
+            <ac:spMk id="15" creationId="{7A5F0580-5EE9-419F-96EE-B6529EF6E7D0}"/>
+          </ac:spMkLst>
+        </pc:spChg>
+        <pc:spChg chg="add del">
+          <ac:chgData name="Eduardo Martín-Sonseca.Alonso" userId="044a8a39323ca9b2" providerId="LiveId" clId="{F6C200FF-B7C6-45EA-B94B-3E06CF3AB5C5}" dt="2022-10-04T15:27:15.660" v="179" actId="26606"/>
+          <ac:spMkLst>
+            <pc:docMk/>
+            <pc:sldMk cId="2585561534" sldId="271"/>
+            <ac:spMk id="16" creationId="{8FC9BE17-9A7B-462D-AE50-3D8777387304}"/>
+          </ac:spMkLst>
+        </pc:spChg>
+        <pc:spChg chg="add del">
+          <ac:chgData name="Eduardo Martín-Sonseca.Alonso" userId="044a8a39323ca9b2" providerId="LiveId" clId="{F6C200FF-B7C6-45EA-B94B-3E06CF3AB5C5}" dt="2022-10-04T15:27:15.660" v="179" actId="26606"/>
+          <ac:spMkLst>
+            <pc:docMk/>
+            <pc:sldMk cId="2585561534" sldId="271"/>
+            <ac:spMk id="17" creationId="{3EBE8569-6AEC-4B8C-8D53-2DE337CDBA65}"/>
+          </ac:spMkLst>
+        </pc:spChg>
+        <pc:spChg chg="add del">
+          <ac:chgData name="Eduardo Martín-Sonseca.Alonso" userId="044a8a39323ca9b2" providerId="LiveId" clId="{F6C200FF-B7C6-45EA-B94B-3E06CF3AB5C5}" dt="2022-10-04T15:27:15.660" v="179" actId="26606"/>
+          <ac:spMkLst>
+            <pc:docMk/>
+            <pc:sldMk cId="2585561534" sldId="271"/>
+            <ac:spMk id="18" creationId="{55D4142C-5077-457F-A6AD-3FECFDB39685}"/>
+          </ac:spMkLst>
+        </pc:spChg>
+        <pc:spChg chg="add del">
+          <ac:chgData name="Eduardo Martín-Sonseca.Alonso" userId="044a8a39323ca9b2" providerId="LiveId" clId="{F6C200FF-B7C6-45EA-B94B-3E06CF3AB5C5}" dt="2022-10-04T15:27:19.581" v="181" actId="26606"/>
+          <ac:spMkLst>
+            <pc:docMk/>
+            <pc:sldMk cId="2585561534" sldId="271"/>
+            <ac:spMk id="20" creationId="{8F23F8A3-8FD7-4779-8323-FDC26BE99889}"/>
+          </ac:spMkLst>
+        </pc:spChg>
+        <pc:spChg chg="add del">
+          <ac:chgData name="Eduardo Martín-Sonseca.Alonso" userId="044a8a39323ca9b2" providerId="LiveId" clId="{F6C200FF-B7C6-45EA-B94B-3E06CF3AB5C5}" dt="2022-10-04T15:27:19.581" v="181" actId="26606"/>
+          <ac:spMkLst>
+            <pc:docMk/>
+            <pc:sldMk cId="2585561534" sldId="271"/>
+            <ac:spMk id="21" creationId="{F605C4CC-A25C-416F-8333-7CB7DC97D870}"/>
+          </ac:spMkLst>
+        </pc:spChg>
+        <pc:spChg chg="add del">
+          <ac:chgData name="Eduardo Martín-Sonseca.Alonso" userId="044a8a39323ca9b2" providerId="LiveId" clId="{F6C200FF-B7C6-45EA-B94B-3E06CF3AB5C5}" dt="2022-10-04T15:29:00.323" v="195" actId="26606"/>
+          <ac:spMkLst>
+            <pc:docMk/>
+            <pc:sldMk cId="2585561534" sldId="271"/>
+            <ac:spMk id="23" creationId="{9AA72BD9-2C5A-4EDC-931F-5AA08EACA0F3}"/>
+          </ac:spMkLst>
+        </pc:spChg>
+        <pc:spChg chg="add del">
+          <ac:chgData name="Eduardo Martín-Sonseca.Alonso" userId="044a8a39323ca9b2" providerId="LiveId" clId="{F6C200FF-B7C6-45EA-B94B-3E06CF3AB5C5}" dt="2022-10-04T15:29:00.323" v="195" actId="26606"/>
+          <ac:spMkLst>
+            <pc:docMk/>
+            <pc:sldMk cId="2585561534" sldId="271"/>
+            <ac:spMk id="24" creationId="{DD3981AC-7B61-4947-BCF3-F7AA7FA385B9}"/>
+          </ac:spMkLst>
+        </pc:spChg>
+        <pc:spChg chg="add del">
+          <ac:chgData name="Eduardo Martín-Sonseca.Alonso" userId="044a8a39323ca9b2" providerId="LiveId" clId="{F6C200FF-B7C6-45EA-B94B-3E06CF3AB5C5}" dt="2022-10-04T15:29:00.323" v="195" actId="26606"/>
+          <ac:spMkLst>
+            <pc:docMk/>
+            <pc:sldMk cId="2585561534" sldId="271"/>
+            <ac:spMk id="25" creationId="{55D4142C-5077-457F-A6AD-3FECFDB39685}"/>
+          </ac:spMkLst>
+        </pc:spChg>
+        <pc:spChg chg="add del">
+          <ac:chgData name="Eduardo Martín-Sonseca.Alonso" userId="044a8a39323ca9b2" providerId="LiveId" clId="{F6C200FF-B7C6-45EA-B94B-3E06CF3AB5C5}" dt="2022-10-04T15:29:00.323" v="195" actId="26606"/>
+          <ac:spMkLst>
+            <pc:docMk/>
+            <pc:sldMk cId="2585561534" sldId="271"/>
+            <ac:spMk id="26" creationId="{7A5F0580-5EE9-419F-96EE-B6529EF6E7D0}"/>
+          </ac:spMkLst>
+        </pc:spChg>
+        <pc:spChg chg="add del">
+          <ac:chgData name="Eduardo Martín-Sonseca.Alonso" userId="044a8a39323ca9b2" providerId="LiveId" clId="{F6C200FF-B7C6-45EA-B94B-3E06CF3AB5C5}" dt="2022-10-04T15:29:29.749" v="204" actId="26606"/>
+          <ac:spMkLst>
+            <pc:docMk/>
+            <pc:sldMk cId="2585561534" sldId="271"/>
+            <ac:spMk id="31" creationId="{04812C46-200A-4DEB-A05E-3ED6C68C2387}"/>
+          </ac:spMkLst>
+        </pc:spChg>
+        <pc:spChg chg="add del">
+          <ac:chgData name="Eduardo Martín-Sonseca.Alonso" userId="044a8a39323ca9b2" providerId="LiveId" clId="{F6C200FF-B7C6-45EA-B94B-3E06CF3AB5C5}" dt="2022-10-04T15:29:29.749" v="204" actId="26606"/>
+          <ac:spMkLst>
+            <pc:docMk/>
+            <pc:sldMk cId="2585561534" sldId="271"/>
+            <ac:spMk id="33" creationId="{D1EA859B-E555-4109-94F3-6700E046E008}"/>
+          </ac:spMkLst>
+        </pc:spChg>
+        <pc:spChg chg="add del">
+          <ac:chgData name="Eduardo Martín-Sonseca.Alonso" userId="044a8a39323ca9b2" providerId="LiveId" clId="{F6C200FF-B7C6-45EA-B94B-3E06CF3AB5C5}" dt="2022-10-04T15:29:27.110" v="201" actId="26606"/>
+          <ac:spMkLst>
+            <pc:docMk/>
+            <pc:sldMk cId="2585561534" sldId="271"/>
+            <ac:spMk id="38" creationId="{3AFE8227-C443-417B-BA91-520EB1EF4559}"/>
+          </ac:spMkLst>
+        </pc:spChg>
+        <pc:spChg chg="add del">
+          <ac:chgData name="Eduardo Martín-Sonseca.Alonso" userId="044a8a39323ca9b2" providerId="LiveId" clId="{F6C200FF-B7C6-45EA-B94B-3E06CF3AB5C5}" dt="2022-10-04T15:29:27.110" v="201" actId="26606"/>
+          <ac:spMkLst>
+            <pc:docMk/>
+            <pc:sldMk cId="2585561534" sldId="271"/>
+            <ac:spMk id="40" creationId="{907741FC-B544-4A6E-B831-6789D042333D}"/>
+          </ac:spMkLst>
+        </pc:spChg>
+        <pc:spChg chg="add del">
+          <ac:chgData name="Eduardo Martín-Sonseca.Alonso" userId="044a8a39323ca9b2" providerId="LiveId" clId="{F6C200FF-B7C6-45EA-B94B-3E06CF3AB5C5}" dt="2022-10-04T15:29:27.110" v="201" actId="26606"/>
+          <ac:spMkLst>
+            <pc:docMk/>
+            <pc:sldMk cId="2585561534" sldId="271"/>
+            <ac:spMk id="42" creationId="{3F0BE7ED-7814-4273-B18A-F26CC0380380}"/>
+          </ac:spMkLst>
+        </pc:spChg>
+        <pc:spChg chg="add del">
+          <ac:chgData name="Eduardo Martín-Sonseca.Alonso" userId="044a8a39323ca9b2" providerId="LiveId" clId="{F6C200FF-B7C6-45EA-B94B-3E06CF3AB5C5}" dt="2022-10-04T15:29:29.749" v="203" actId="26606"/>
+          <ac:spMkLst>
+            <pc:docMk/>
+            <pc:sldMk cId="2585561534" sldId="271"/>
+            <ac:spMk id="44" creationId="{7A5F0580-5EE9-419F-96EE-B6529EF6E7D0}"/>
+          </ac:spMkLst>
+        </pc:spChg>
+        <pc:spChg chg="add del">
+          <ac:chgData name="Eduardo Martín-Sonseca.Alonso" userId="044a8a39323ca9b2" providerId="LiveId" clId="{F6C200FF-B7C6-45EA-B94B-3E06CF3AB5C5}" dt="2022-10-04T15:29:29.749" v="203" actId="26606"/>
+          <ac:spMkLst>
+            <pc:docMk/>
+            <pc:sldMk cId="2585561534" sldId="271"/>
+            <ac:spMk id="45" creationId="{9AA72BD9-2C5A-4EDC-931F-5AA08EACA0F3}"/>
+          </ac:spMkLst>
+        </pc:spChg>
+        <pc:spChg chg="add del">
+          <ac:chgData name="Eduardo Martín-Sonseca.Alonso" userId="044a8a39323ca9b2" providerId="LiveId" clId="{F6C200FF-B7C6-45EA-B94B-3E06CF3AB5C5}" dt="2022-10-04T15:29:29.749" v="203" actId="26606"/>
+          <ac:spMkLst>
+            <pc:docMk/>
+            <pc:sldMk cId="2585561534" sldId="271"/>
+            <ac:spMk id="46" creationId="{DD3981AC-7B61-4947-BCF3-F7AA7FA385B9}"/>
+          </ac:spMkLst>
+        </pc:spChg>
+        <pc:spChg chg="add del">
+          <ac:chgData name="Eduardo Martín-Sonseca.Alonso" userId="044a8a39323ca9b2" providerId="LiveId" clId="{F6C200FF-B7C6-45EA-B94B-3E06CF3AB5C5}" dt="2022-10-04T15:29:29.749" v="203" actId="26606"/>
+          <ac:spMkLst>
+            <pc:docMk/>
+            <pc:sldMk cId="2585561534" sldId="271"/>
+            <ac:spMk id="47" creationId="{55D4142C-5077-457F-A6AD-3FECFDB39685}"/>
+          </ac:spMkLst>
+        </pc:spChg>
+        <pc:spChg chg="add del">
+          <ac:chgData name="Eduardo Martín-Sonseca.Alonso" userId="044a8a39323ca9b2" providerId="LiveId" clId="{F6C200FF-B7C6-45EA-B94B-3E06CF3AB5C5}" dt="2022-10-04T15:30:00.851" v="216" actId="26606"/>
+          <ac:spMkLst>
+            <pc:docMk/>
+            <pc:sldMk cId="2585561534" sldId="271"/>
+            <ac:spMk id="49" creationId="{79BB35BC-D5C2-4C8B-A22A-A71E6191913B}"/>
+          </ac:spMkLst>
+        </pc:spChg>
+        <pc:spChg chg="add del">
+          <ac:chgData name="Eduardo Martín-Sonseca.Alonso" userId="044a8a39323ca9b2" providerId="LiveId" clId="{F6C200FF-B7C6-45EA-B94B-3E06CF3AB5C5}" dt="2022-10-04T15:29:48.396" v="209" actId="26606"/>
+          <ac:spMkLst>
+            <pc:docMk/>
+            <pc:sldMk cId="2585561534" sldId="271"/>
+            <ac:spMk id="54" creationId="{9AA72BD9-2C5A-4EDC-931F-5AA08EACA0F3}"/>
+          </ac:spMkLst>
+        </pc:spChg>
+        <pc:spChg chg="add del">
+          <ac:chgData name="Eduardo Martín-Sonseca.Alonso" userId="044a8a39323ca9b2" providerId="LiveId" clId="{F6C200FF-B7C6-45EA-B94B-3E06CF3AB5C5}" dt="2022-10-04T15:29:48.396" v="209" actId="26606"/>
+          <ac:spMkLst>
+            <pc:docMk/>
+            <pc:sldMk cId="2585561534" sldId="271"/>
+            <ac:spMk id="56" creationId="{DD3981AC-7B61-4947-BCF3-F7AA7FA385B9}"/>
+          </ac:spMkLst>
+        </pc:spChg>
+        <pc:spChg chg="add del">
+          <ac:chgData name="Eduardo Martín-Sonseca.Alonso" userId="044a8a39323ca9b2" providerId="LiveId" clId="{F6C200FF-B7C6-45EA-B94B-3E06CF3AB5C5}" dt="2022-10-04T15:29:48.396" v="209" actId="26606"/>
+          <ac:spMkLst>
+            <pc:docMk/>
+            <pc:sldMk cId="2585561534" sldId="271"/>
+            <ac:spMk id="58" creationId="{55D4142C-5077-457F-A6AD-3FECFDB39685}"/>
+          </ac:spMkLst>
+        </pc:spChg>
+        <pc:spChg chg="add del">
+          <ac:chgData name="Eduardo Martín-Sonseca.Alonso" userId="044a8a39323ca9b2" providerId="LiveId" clId="{F6C200FF-B7C6-45EA-B94B-3E06CF3AB5C5}" dt="2022-10-04T15:29:48.396" v="209" actId="26606"/>
+          <ac:spMkLst>
+            <pc:docMk/>
+            <pc:sldMk cId="2585561534" sldId="271"/>
+            <ac:spMk id="60" creationId="{7A5F0580-5EE9-419F-96EE-B6529EF6E7D0}"/>
+          </ac:spMkLst>
+        </pc:spChg>
+        <pc:spChg chg="add del">
+          <ac:chgData name="Eduardo Martín-Sonseca.Alonso" userId="044a8a39323ca9b2" providerId="LiveId" clId="{F6C200FF-B7C6-45EA-B94B-3E06CF3AB5C5}" dt="2022-10-04T15:29:53.940" v="211" actId="26606"/>
+          <ac:spMkLst>
+            <pc:docMk/>
+            <pc:sldMk cId="2585561534" sldId="271"/>
+            <ac:spMk id="62" creationId="{C232B152-3720-4D3B-97ED-45CE5483F16F}"/>
+          </ac:spMkLst>
+        </pc:spChg>
+        <pc:spChg chg="add del">
+          <ac:chgData name="Eduardo Martín-Sonseca.Alonso" userId="044a8a39323ca9b2" providerId="LiveId" clId="{F6C200FF-B7C6-45EA-B94B-3E06CF3AB5C5}" dt="2022-10-04T15:29:53.940" v="211" actId="26606"/>
+          <ac:spMkLst>
+            <pc:docMk/>
+            <pc:sldMk cId="2585561534" sldId="271"/>
+            <ac:spMk id="63" creationId="{11BAB570-FF10-4E96-8A3F-FA9804702B89}"/>
+          </ac:spMkLst>
+        </pc:spChg>
+        <pc:spChg chg="add del">
+          <ac:chgData name="Eduardo Martín-Sonseca.Alonso" userId="044a8a39323ca9b2" providerId="LiveId" clId="{F6C200FF-B7C6-45EA-B94B-3E06CF3AB5C5}" dt="2022-10-04T15:29:53.940" v="211" actId="26606"/>
+          <ac:spMkLst>
+            <pc:docMk/>
+            <pc:sldMk cId="2585561534" sldId="271"/>
+            <ac:spMk id="64" creationId="{4B9FAFB2-BEB5-4848-8018-BCAD99E2E1AA}"/>
+          </ac:spMkLst>
+        </pc:spChg>
+        <pc:spChg chg="add del">
+          <ac:chgData name="Eduardo Martín-Sonseca.Alonso" userId="044a8a39323ca9b2" providerId="LiveId" clId="{F6C200FF-B7C6-45EA-B94B-3E06CF3AB5C5}" dt="2022-10-04T15:29:56.590" v="213" actId="26606"/>
+          <ac:spMkLst>
+            <pc:docMk/>
+            <pc:sldMk cId="2585561534" sldId="271"/>
+            <ac:spMk id="66" creationId="{D009D6D5-DAC2-4A8B-A17A-E206B9012D09}"/>
+          </ac:spMkLst>
+        </pc:spChg>
+        <pc:spChg chg="add del">
+          <ac:chgData name="Eduardo Martín-Sonseca.Alonso" userId="044a8a39323ca9b2" providerId="LiveId" clId="{F6C200FF-B7C6-45EA-B94B-3E06CF3AB5C5}" dt="2022-10-04T15:30:00.817" v="215" actId="26606"/>
+          <ac:spMkLst>
+            <pc:docMk/>
+            <pc:sldMk cId="2585561534" sldId="271"/>
+            <ac:spMk id="68" creationId="{2C61293E-6EBE-43EF-A52C-9BEBFD7679D4}"/>
+          </ac:spMkLst>
+        </pc:spChg>
+        <pc:spChg chg="add del">
+          <ac:chgData name="Eduardo Martín-Sonseca.Alonso" userId="044a8a39323ca9b2" providerId="LiveId" clId="{F6C200FF-B7C6-45EA-B94B-3E06CF3AB5C5}" dt="2022-10-04T15:30:00.817" v="215" actId="26606"/>
+          <ac:spMkLst>
+            <pc:docMk/>
+            <pc:sldMk cId="2585561534" sldId="271"/>
+            <ac:spMk id="69" creationId="{21540236-BFD5-4A9D-8840-4703E7F76825}"/>
+          </ac:spMkLst>
+        </pc:spChg>
+        <pc:spChg chg="add">
+          <ac:chgData name="Eduardo Martín-Sonseca.Alonso" userId="044a8a39323ca9b2" providerId="LiveId" clId="{F6C200FF-B7C6-45EA-B94B-3E06CF3AB5C5}" dt="2022-10-04T15:30:00.851" v="216" actId="26606"/>
+          <ac:spMkLst>
+            <pc:docMk/>
+            <pc:sldMk cId="2585561534" sldId="271"/>
+            <ac:spMk id="71" creationId="{E862BE82-D00D-42C1-BF16-93AA37870C32}"/>
+          </ac:spMkLst>
+        </pc:spChg>
+        <pc:spChg chg="add">
+          <ac:chgData name="Eduardo Martín-Sonseca.Alonso" userId="044a8a39323ca9b2" providerId="LiveId" clId="{F6C200FF-B7C6-45EA-B94B-3E06CF3AB5C5}" dt="2022-10-04T15:30:00.851" v="216" actId="26606"/>
+          <ac:spMkLst>
+            <pc:docMk/>
+            <pc:sldMk cId="2585561534" sldId="271"/>
+            <ac:spMk id="72" creationId="{F6D92C2D-1D3D-4974-918C-06579FB354A9}"/>
+          </ac:spMkLst>
+        </pc:spChg>
+        <pc:picChg chg="add mod ord">
+          <ac:chgData name="Eduardo Martín-Sonseca.Alonso" userId="044a8a39323ca9b2" providerId="LiveId" clId="{F6C200FF-B7C6-45EA-B94B-3E06CF3AB5C5}" dt="2022-10-04T15:30:00.851" v="216" actId="26606"/>
+          <ac:picMkLst>
+            <pc:docMk/>
+            <pc:sldMk cId="2585561534" sldId="271"/>
+            <ac:picMk id="4" creationId="{CE73A730-C678-B496-2C12-6C05F75E695E}"/>
+          </ac:picMkLst>
+        </pc:picChg>
+      </pc:sldChg>
+      <pc:sldChg chg="new del">
+        <pc:chgData name="Eduardo Martín-Sonseca.Alonso" userId="044a8a39323ca9b2" providerId="LiveId" clId="{F6C200FF-B7C6-45EA-B94B-3E06CF3AB5C5}" dt="2022-10-04T16:05:37.433" v="577" actId="47"/>
+        <pc:sldMkLst>
+          <pc:docMk/>
+          <pc:sldMk cId="1337737478" sldId="272"/>
+        </pc:sldMkLst>
+      </pc:sldChg>
+      <pc:sldChg chg="addSp delSp modSp new del mod setBg modAnim">
+        <pc:chgData name="Eduardo Martín-Sonseca.Alonso" userId="044a8a39323ca9b2" providerId="LiveId" clId="{F6C200FF-B7C6-45EA-B94B-3E06CF3AB5C5}" dt="2022-10-04T16:05:31.056" v="573" actId="47"/>
+        <pc:sldMkLst>
+          <pc:docMk/>
+          <pc:sldMk cId="2523042458" sldId="272"/>
+        </pc:sldMkLst>
+        <pc:spChg chg="mod">
+          <ac:chgData name="Eduardo Martín-Sonseca.Alonso" userId="044a8a39323ca9b2" providerId="LiveId" clId="{F6C200FF-B7C6-45EA-B94B-3E06CF3AB5C5}" dt="2022-10-04T16:05:14.553" v="572" actId="26606"/>
+          <ac:spMkLst>
+            <pc:docMk/>
+            <pc:sldMk cId="2523042458" sldId="272"/>
+            <ac:spMk id="2" creationId="{0E28EFD7-FA41-E29E-863F-E5DF9E0AA47A}"/>
+          </ac:spMkLst>
+        </pc:spChg>
+        <pc:spChg chg="del">
+          <ac:chgData name="Eduardo Martín-Sonseca.Alonso" userId="044a8a39323ca9b2" providerId="LiveId" clId="{F6C200FF-B7C6-45EA-B94B-3E06CF3AB5C5}" dt="2022-10-04T16:04:13.932" v="566" actId="478"/>
+          <ac:spMkLst>
+            <pc:docMk/>
+            <pc:sldMk cId="2523042458" sldId="272"/>
+            <ac:spMk id="3" creationId="{17F1579D-8DEC-777B-E82C-99D2B0F3F713}"/>
+          </ac:spMkLst>
+        </pc:spChg>
+        <pc:spChg chg="add mod ord">
+          <ac:chgData name="Eduardo Martín-Sonseca.Alonso" userId="044a8a39323ca9b2" providerId="LiveId" clId="{F6C200FF-B7C6-45EA-B94B-3E06CF3AB5C5}" dt="2022-10-04T16:05:14.553" v="572" actId="26606"/>
+          <ac:spMkLst>
+            <pc:docMk/>
+            <pc:sldMk cId="2523042458" sldId="272"/>
+            <ac:spMk id="4" creationId="{D3A1B8D8-FFB1-4351-929E-9C5A2D589ED6}"/>
+          </ac:spMkLst>
+        </pc:spChg>
+        <pc:spChg chg="add del mod">
+          <ac:chgData name="Eduardo Martín-Sonseca.Alonso" userId="044a8a39323ca9b2" providerId="LiveId" clId="{F6C200FF-B7C6-45EA-B94B-3E06CF3AB5C5}" dt="2022-10-04T16:04:33.071" v="569"/>
+          <ac:spMkLst>
+            <pc:docMk/>
+            <pc:sldMk cId="2523042458" sldId="272"/>
+            <ac:spMk id="5" creationId="{9AF81DD7-D36F-FB26-06BC-809933E80A23}"/>
+          </ac:spMkLst>
+        </pc:spChg>
+        <pc:spChg chg="add mod">
+          <ac:chgData name="Eduardo Martín-Sonseca.Alonso" userId="044a8a39323ca9b2" providerId="LiveId" clId="{F6C200FF-B7C6-45EA-B94B-3E06CF3AB5C5}" dt="2022-10-04T16:05:14.553" v="572" actId="26606"/>
+          <ac:spMkLst>
+            <pc:docMk/>
+            <pc:sldMk cId="2523042458" sldId="272"/>
+            <ac:spMk id="6" creationId="{1506A37F-F6CD-20B4-27B0-4EDC6F2D9451}"/>
+          </ac:spMkLst>
+        </pc:spChg>
+        <pc:spChg chg="add">
+          <ac:chgData name="Eduardo Martín-Sonseca.Alonso" userId="044a8a39323ca9b2" providerId="LiveId" clId="{F6C200FF-B7C6-45EA-B94B-3E06CF3AB5C5}" dt="2022-10-04T16:05:14.553" v="572" actId="26606"/>
+          <ac:spMkLst>
+            <pc:docMk/>
+            <pc:sldMk cId="2523042458" sldId="272"/>
+            <ac:spMk id="11" creationId="{9B7AD9F6-8CE7-4299-8FC6-328F4DCD3FF9}"/>
+          </ac:spMkLst>
+        </pc:spChg>
+        <pc:spChg chg="add">
+          <ac:chgData name="Eduardo Martín-Sonseca.Alonso" userId="044a8a39323ca9b2" providerId="LiveId" clId="{F6C200FF-B7C6-45EA-B94B-3E06CF3AB5C5}" dt="2022-10-04T16:05:14.553" v="572" actId="26606"/>
+          <ac:spMkLst>
+            <pc:docMk/>
+            <pc:sldMk cId="2523042458" sldId="272"/>
+            <ac:spMk id="13" creationId="{F49775AF-8896-43EE-92C6-83497D6DC56F}"/>
+          </ac:spMkLst>
+        </pc:spChg>
+      </pc:sldChg>
+      <pc:sldChg chg="addSp delSp modSp add mod setBg delAnim modAnim delDesignElem">
+        <pc:chgData name="Eduardo Martín-Sonseca.Alonso" userId="044a8a39323ca9b2" providerId="LiveId" clId="{F6C200FF-B7C6-45EA-B94B-3E06CF3AB5C5}" dt="2022-10-04T16:19:44.009" v="735"/>
+        <pc:sldMkLst>
+          <pc:docMk/>
+          <pc:sldMk cId="3255652957" sldId="273"/>
+        </pc:sldMkLst>
+        <pc:spChg chg="mod">
+          <ac:chgData name="Eduardo Martín-Sonseca.Alonso" userId="044a8a39323ca9b2" providerId="LiveId" clId="{F6C200FF-B7C6-45EA-B94B-3E06CF3AB5C5}" dt="2022-10-04T16:13:53.812" v="657" actId="26606"/>
+          <ac:spMkLst>
+            <pc:docMk/>
+            <pc:sldMk cId="3255652957" sldId="273"/>
+            <ac:spMk id="2" creationId="{8BC7EFD9-5CAF-431F-A9FF-09DE566F3543}"/>
+          </ac:spMkLst>
+        </pc:spChg>
+        <pc:spChg chg="mod">
+          <ac:chgData name="Eduardo Martín-Sonseca.Alonso" userId="044a8a39323ca9b2" providerId="LiveId" clId="{F6C200FF-B7C6-45EA-B94B-3E06CF3AB5C5}" dt="2022-10-04T16:13:53.812" v="657" actId="26606"/>
+          <ac:spMkLst>
+            <pc:docMk/>
+            <pc:sldMk cId="3255652957" sldId="273"/>
+            <ac:spMk id="3" creationId="{29A8ECE2-FE08-4C93-9877-2C065094BC53}"/>
+          </ac:spMkLst>
+        </pc:spChg>
+        <pc:spChg chg="del mod">
+          <ac:chgData name="Eduardo Martín-Sonseca.Alonso" userId="044a8a39323ca9b2" providerId="LiveId" clId="{F6C200FF-B7C6-45EA-B94B-3E06CF3AB5C5}" dt="2022-10-04T16:14:16.619" v="660" actId="478"/>
+          <ac:spMkLst>
+            <pc:docMk/>
+            <pc:sldMk cId="3255652957" sldId="273"/>
+            <ac:spMk id="6" creationId="{B874E851-3741-DC66-BAFA-79EB38E71B4C}"/>
+          </ac:spMkLst>
+        </pc:spChg>
+        <pc:spChg chg="add mod">
+          <ac:chgData name="Eduardo Martín-Sonseca.Alonso" userId="044a8a39323ca9b2" providerId="LiveId" clId="{F6C200FF-B7C6-45EA-B94B-3E06CF3AB5C5}" dt="2022-10-04T16:14:38.806" v="661"/>
+          <ac:spMkLst>
+            <pc:docMk/>
+            <pc:sldMk cId="3255652957" sldId="273"/>
+            <ac:spMk id="8" creationId="{B15265B9-687B-93EC-EFF7-40694362EE9D}"/>
+          </ac:spMkLst>
+        </pc:spChg>
+        <pc:spChg chg="add del">
+          <ac:chgData name="Eduardo Martín-Sonseca.Alonso" userId="044a8a39323ca9b2" providerId="LiveId" clId="{F6C200FF-B7C6-45EA-B94B-3E06CF3AB5C5}" dt="2022-10-04T16:05:55.641" v="588" actId="26606"/>
+          <ac:spMkLst>
+            <pc:docMk/>
+            <pc:sldMk cId="3255652957" sldId="273"/>
+            <ac:spMk id="11" creationId="{F13C74B1-5B17-4795-BED0-7140497B445A}"/>
+          </ac:spMkLst>
+        </pc:spChg>
+        <pc:spChg chg="add del">
+          <ac:chgData name="Eduardo Martín-Sonseca.Alonso" userId="044a8a39323ca9b2" providerId="LiveId" clId="{F6C200FF-B7C6-45EA-B94B-3E06CF3AB5C5}" dt="2022-10-04T16:05:55.641" v="588" actId="26606"/>
+          <ac:spMkLst>
+            <pc:docMk/>
+            <pc:sldMk cId="3255652957" sldId="273"/>
+            <ac:spMk id="13" creationId="{D4974D33-8DC5-464E-8C6D-BE58F0669C17}"/>
+          </ac:spMkLst>
+        </pc:spChg>
+        <pc:spChg chg="add del">
+          <ac:chgData name="Eduardo Martín-Sonseca.Alonso" userId="044a8a39323ca9b2" providerId="LiveId" clId="{F6C200FF-B7C6-45EA-B94B-3E06CF3AB5C5}" dt="2022-10-04T16:05:57.679" v="590" actId="26606"/>
+          <ac:spMkLst>
+            <pc:docMk/>
+            <pc:sldMk cId="3255652957" sldId="273"/>
+            <ac:spMk id="15" creationId="{3CD9DF72-87A3-404E-A828-84CBF11A8303}"/>
+          </ac:spMkLst>
+        </pc:spChg>
+        <pc:spChg chg="add del">
+          <ac:chgData name="Eduardo Martín-Sonseca.Alonso" userId="044a8a39323ca9b2" providerId="LiveId" clId="{F6C200FF-B7C6-45EA-B94B-3E06CF3AB5C5}" dt="2022-10-04T16:13:53.812" v="657" actId="26606"/>
+          <ac:spMkLst>
+            <pc:docMk/>
+            <pc:sldMk cId="3255652957" sldId="273"/>
+            <ac:spMk id="18" creationId="{F13C74B1-5B17-4795-BED0-7140497B445A}"/>
+          </ac:spMkLst>
+        </pc:spChg>
+        <pc:spChg chg="add del">
+          <ac:chgData name="Eduardo Martín-Sonseca.Alonso" userId="044a8a39323ca9b2" providerId="LiveId" clId="{F6C200FF-B7C6-45EA-B94B-3E06CF3AB5C5}" dt="2022-10-04T16:13:53.812" v="657" actId="26606"/>
+          <ac:spMkLst>
+            <pc:docMk/>
+            <pc:sldMk cId="3255652957" sldId="273"/>
+            <ac:spMk id="19" creationId="{D4974D33-8DC5-464E-8C6D-BE58F0669C17}"/>
+          </ac:spMkLst>
+        </pc:spChg>
+        <pc:spChg chg="del">
+          <ac:chgData name="Eduardo Martín-Sonseca.Alonso" userId="044a8a39323ca9b2" providerId="LiveId" clId="{F6C200FF-B7C6-45EA-B94B-3E06CF3AB5C5}" dt="2022-10-04T16:05:34.088" v="576"/>
+          <ac:spMkLst>
+            <pc:docMk/>
+            <pc:sldMk cId="3255652957" sldId="273"/>
+            <ac:spMk id="21" creationId="{F13C74B1-5B17-4795-BED0-7140497B445A}"/>
+          </ac:spMkLst>
+        </pc:spChg>
+        <pc:spChg chg="del">
+          <ac:chgData name="Eduardo Martín-Sonseca.Alonso" userId="044a8a39323ca9b2" providerId="LiveId" clId="{F6C200FF-B7C6-45EA-B94B-3E06CF3AB5C5}" dt="2022-10-04T16:05:34.088" v="576"/>
+          <ac:spMkLst>
+            <pc:docMk/>
+            <pc:sldMk cId="3255652957" sldId="273"/>
+            <ac:spMk id="23" creationId="{D4974D33-8DC5-464E-8C6D-BE58F0669C17}"/>
+          </ac:spMkLst>
+        </pc:spChg>
+        <pc:spChg chg="add">
+          <ac:chgData name="Eduardo Martín-Sonseca.Alonso" userId="044a8a39323ca9b2" providerId="LiveId" clId="{F6C200FF-B7C6-45EA-B94B-3E06CF3AB5C5}" dt="2022-10-04T16:13:53.812" v="657" actId="26606"/>
+          <ac:spMkLst>
+            <pc:docMk/>
+            <pc:sldMk cId="3255652957" sldId="273"/>
+            <ac:spMk id="24" creationId="{04812C46-200A-4DEB-A05E-3ED6C68C2387}"/>
+          </ac:spMkLst>
+        </pc:spChg>
+        <pc:spChg chg="add">
+          <ac:chgData name="Eduardo Martín-Sonseca.Alonso" userId="044a8a39323ca9b2" providerId="LiveId" clId="{F6C200FF-B7C6-45EA-B94B-3E06CF3AB5C5}" dt="2022-10-04T16:13:53.812" v="657" actId="26606"/>
+          <ac:spMkLst>
+            <pc:docMk/>
+            <pc:sldMk cId="3255652957" sldId="273"/>
+            <ac:spMk id="26" creationId="{D1EA859B-E555-4109-94F3-6700E046E008}"/>
+          </ac:spMkLst>
+        </pc:spChg>
+        <pc:picChg chg="add del mod">
+          <ac:chgData name="Eduardo Martín-Sonseca.Alonso" userId="044a8a39323ca9b2" providerId="LiveId" clId="{F6C200FF-B7C6-45EA-B94B-3E06CF3AB5C5}" dt="2022-10-04T16:13:37.166" v="653" actId="478"/>
+          <ac:picMkLst>
+            <pc:docMk/>
+            <pc:sldMk cId="3255652957" sldId="273"/>
+            <ac:picMk id="4" creationId="{F184B282-C2CA-1328-5CC6-57D81A5EC59C}"/>
+          </ac:picMkLst>
+        </pc:picChg>
+        <pc:picChg chg="del mod ord">
+          <ac:chgData name="Eduardo Martín-Sonseca.Alonso" userId="044a8a39323ca9b2" providerId="LiveId" clId="{F6C200FF-B7C6-45EA-B94B-3E06CF3AB5C5}" dt="2022-10-04T16:13:38.381" v="654" actId="478"/>
+          <ac:picMkLst>
+            <pc:docMk/>
+            <pc:sldMk cId="3255652957" sldId="273"/>
+            <ac:picMk id="5" creationId="{5331785D-2CFF-B332-5634-22F0E76967B1}"/>
+          </ac:picMkLst>
+        </pc:picChg>
+        <pc:picChg chg="add mod ord">
+          <ac:chgData name="Eduardo Martín-Sonseca.Alonso" userId="044a8a39323ca9b2" providerId="LiveId" clId="{F6C200FF-B7C6-45EA-B94B-3E06CF3AB5C5}" dt="2022-10-04T16:13:45.552" v="656" actId="167"/>
+          <ac:picMkLst>
+            <pc:docMk/>
+            <pc:sldMk cId="3255652957" sldId="273"/>
+            <ac:picMk id="7" creationId="{9918761B-33B3-E228-FFDC-436D8925066F}"/>
+          </ac:picMkLst>
+        </pc:picChg>
+        <pc:cxnChg chg="add del">
+          <ac:chgData name="Eduardo Martín-Sonseca.Alonso" userId="044a8a39323ca9b2" providerId="LiveId" clId="{F6C200FF-B7C6-45EA-B94B-3E06CF3AB5C5}" dt="2022-10-04T16:05:57.679" v="590" actId="26606"/>
+          <ac:cxnSpMkLst>
+            <pc:docMk/>
+            <pc:sldMk cId="3255652957" sldId="273"/>
+            <ac:cxnSpMk id="16" creationId="{20E3A342-4D61-4E3F-AF90-1AB42AEB96CC}"/>
+          </ac:cxnSpMkLst>
+        </pc:cxnChg>
+      </pc:sldChg>
+      <pc:sldChg chg="addSp delSp modSp add del mod delAnim modAnim">
+        <pc:chgData name="Eduardo Martín-Sonseca.Alonso" userId="044a8a39323ca9b2" providerId="LiveId" clId="{F6C200FF-B7C6-45EA-B94B-3E06CF3AB5C5}" dt="2022-10-04T16:10:27.246" v="633" actId="47"/>
+        <pc:sldMkLst>
+          <pc:docMk/>
+          <pc:sldMk cId="2530738273" sldId="274"/>
+        </pc:sldMkLst>
+        <pc:spChg chg="del mod">
+          <ac:chgData name="Eduardo Martín-Sonseca.Alonso" userId="044a8a39323ca9b2" providerId="LiveId" clId="{F6C200FF-B7C6-45EA-B94B-3E06CF3AB5C5}" dt="2022-10-04T16:09:08.053" v="622" actId="478"/>
+          <ac:spMkLst>
+            <pc:docMk/>
+            <pc:sldMk cId="2530738273" sldId="274"/>
+            <ac:spMk id="2" creationId="{71AEC653-CF21-4A83-8228-4AB13A9E6A67}"/>
+          </ac:spMkLst>
+        </pc:spChg>
+        <pc:spChg chg="del">
+          <ac:chgData name="Eduardo Martín-Sonseca.Alonso" userId="044a8a39323ca9b2" providerId="LiveId" clId="{F6C200FF-B7C6-45EA-B94B-3E06CF3AB5C5}" dt="2022-10-04T16:09:25.614" v="624" actId="478"/>
+          <ac:spMkLst>
+            <pc:docMk/>
+            <pc:sldMk cId="2530738273" sldId="274"/>
+            <ac:spMk id="3" creationId="{FDA276B4-AFA8-445E-BF46-D797C1B3F0B0}"/>
+          </ac:spMkLst>
+        </pc:spChg>
+        <pc:spChg chg="add mod">
+          <ac:chgData name="Eduardo Martín-Sonseca.Alonso" userId="044a8a39323ca9b2" providerId="LiveId" clId="{F6C200FF-B7C6-45EA-B94B-3E06CF3AB5C5}" dt="2022-10-04T16:09:00.549" v="618"/>
+          <ac:spMkLst>
+            <pc:docMk/>
+            <pc:sldMk cId="2530738273" sldId="274"/>
+            <ac:spMk id="7" creationId="{84881913-8BE4-4F7E-28AC-B69F924E126C}"/>
+          </ac:spMkLst>
+        </pc:spChg>
+        <pc:spChg chg="add del mod">
+          <ac:chgData name="Eduardo Martín-Sonseca.Alonso" userId="044a8a39323ca9b2" providerId="LiveId" clId="{F6C200FF-B7C6-45EA-B94B-3E06CF3AB5C5}" dt="2022-10-04T16:09:11.384" v="623" actId="478"/>
+          <ac:spMkLst>
+            <pc:docMk/>
+            <pc:sldMk cId="2530738273" sldId="274"/>
+            <ac:spMk id="9" creationId="{AB926168-FE41-6385-9CD2-0B776A25DC22}"/>
+          </ac:spMkLst>
+        </pc:spChg>
+        <pc:spChg chg="add del mod">
+          <ac:chgData name="Eduardo Martín-Sonseca.Alonso" userId="044a8a39323ca9b2" providerId="LiveId" clId="{F6C200FF-B7C6-45EA-B94B-3E06CF3AB5C5}" dt="2022-10-04T16:09:29.793" v="625" actId="478"/>
+          <ac:spMkLst>
+            <pc:docMk/>
+            <pc:sldMk cId="2530738273" sldId="274"/>
+            <ac:spMk id="11" creationId="{42E9F455-3F80-6043-440B-FC14F8C0AAD2}"/>
+          </ac:spMkLst>
+        </pc:spChg>
+        <pc:spChg chg="add mod">
+          <ac:chgData name="Eduardo Martín-Sonseca.Alonso" userId="044a8a39323ca9b2" providerId="LiveId" clId="{F6C200FF-B7C6-45EA-B94B-3E06CF3AB5C5}" dt="2022-10-04T16:09:36.013" v="627" actId="1076"/>
+          <ac:spMkLst>
+            <pc:docMk/>
+            <pc:sldMk cId="2530738273" sldId="274"/>
+            <ac:spMk id="12" creationId="{734BC183-C3F9-4804-D84C-0E8310578236}"/>
+          </ac:spMkLst>
+        </pc:spChg>
+        <pc:picChg chg="add del mod">
+          <ac:chgData name="Eduardo Martín-Sonseca.Alonso" userId="044a8a39323ca9b2" providerId="LiveId" clId="{F6C200FF-B7C6-45EA-B94B-3E06CF3AB5C5}" dt="2022-10-04T16:08:51.405" v="617"/>
+          <ac:picMkLst>
+            <pc:docMk/>
+            <pc:sldMk cId="2530738273" sldId="274"/>
+            <ac:picMk id="4" creationId="{5FBA59B7-AEDD-0C9E-65A5-9ED4436BC3F0}"/>
+          </ac:picMkLst>
+        </pc:picChg>
+      </pc:sldChg>
+    </pc:docChg>
+  </pc:docChgLst>
+  <pc:docChgLst>
+    <pc:chgData name="Eduardo Martín-Sonseca.Alonso" userId="044a8a39323ca9b2" providerId="Windows Live" clId="Web-{BC188AD2-9AFC-4294-89AA-68D6E215ABF9}"/>
+    <pc:docChg chg="addSld">
+      <pc:chgData name="Eduardo Martín-Sonseca.Alonso" userId="044a8a39323ca9b2" providerId="Windows Live" clId="Web-{BC188AD2-9AFC-4294-89AA-68D6E215ABF9}" dt="2022-10-04T08:17:34.273" v="0"/>
+      <pc:docMkLst>
+        <pc:docMk/>
+      </pc:docMkLst>
+      <pc:sldChg chg="new">
+        <pc:chgData name="Eduardo Martín-Sonseca.Alonso" userId="044a8a39323ca9b2" providerId="Windows Live" clId="Web-{BC188AD2-9AFC-4294-89AA-68D6E215ABF9}" dt="2022-10-04T08:17:34.273" v="0"/>
+        <pc:sldMkLst>
+          <pc:docMk/>
+          <pc:sldMk cId="664690385" sldId="259"/>
+        </pc:sldMkLst>
       </pc:sldChg>
     </pc:docChg>
   </pc:docChgLst>
@@ -3725,6 +2769,932 @@
     </pc:docChg>
   </pc:docChgLst>
   <pc:docChgLst>
+    <pc:chgData name="Eduardo Martín-Sonseca.Alonso" userId="044a8a39323ca9b2" providerId="LiveId" clId="{88BFF241-8797-48AB-88EF-E6D786ABB885}"/>
+    <pc:docChg chg="undo redo custSel addSld delSld modSld addMainMaster delMainMaster">
+      <pc:chgData name="Eduardo Martín-Sonseca.Alonso" userId="044a8a39323ca9b2" providerId="LiveId" clId="{88BFF241-8797-48AB-88EF-E6D786ABB885}" dt="2022-09-28T20:02:10.459" v="942"/>
+      <pc:docMkLst>
+        <pc:docMk/>
+      </pc:docMkLst>
+      <pc:sldChg chg="addSp delSp modSp new del mod setBg modClrScheme addAnim modAnim delDesignElem chgLayout">
+        <pc:chgData name="Eduardo Martín-Sonseca.Alonso" userId="044a8a39323ca9b2" providerId="LiveId" clId="{88BFF241-8797-48AB-88EF-E6D786ABB885}" dt="2022-09-28T19:22:09.608" v="342" actId="47"/>
+        <pc:sldMkLst>
+          <pc:docMk/>
+          <pc:sldMk cId="3203069901" sldId="256"/>
+        </pc:sldMkLst>
+        <pc:spChg chg="del">
+          <ac:chgData name="Eduardo Martín-Sonseca.Alonso" userId="044a8a39323ca9b2" providerId="LiveId" clId="{88BFF241-8797-48AB-88EF-E6D786ABB885}" dt="2022-09-28T18:50:14.175" v="1" actId="478"/>
+          <ac:spMkLst>
+            <pc:docMk/>
+            <pc:sldMk cId="3203069901" sldId="256"/>
+            <ac:spMk id="2" creationId="{C7B25F8C-609D-9FB4-8E54-79F4CB0280A6}"/>
+          </ac:spMkLst>
+        </pc:spChg>
+        <pc:spChg chg="del">
+          <ac:chgData name="Eduardo Martín-Sonseca.Alonso" userId="044a8a39323ca9b2" providerId="LiveId" clId="{88BFF241-8797-48AB-88EF-E6D786ABB885}" dt="2022-09-28T18:50:16.123" v="2" actId="478"/>
+          <ac:spMkLst>
+            <pc:docMk/>
+            <pc:sldMk cId="3203069901" sldId="256"/>
+            <ac:spMk id="3" creationId="{A6503D79-33B5-6565-A6E2-C0ADCF517B56}"/>
+          </ac:spMkLst>
+        </pc:spChg>
+        <pc:spChg chg="add del mod">
+          <ac:chgData name="Eduardo Martín-Sonseca.Alonso" userId="044a8a39323ca9b2" providerId="LiveId" clId="{88BFF241-8797-48AB-88EF-E6D786ABB885}" dt="2022-09-28T18:50:22.853" v="4"/>
+          <ac:spMkLst>
+            <pc:docMk/>
+            <pc:sldMk cId="3203069901" sldId="256"/>
+            <ac:spMk id="4" creationId="{09FDE277-7A67-1DEC-049A-84B8F3D62698}"/>
+          </ac:spMkLst>
+        </pc:spChg>
+        <pc:spChg chg="add del mod">
+          <ac:chgData name="Eduardo Martín-Sonseca.Alonso" userId="044a8a39323ca9b2" providerId="LiveId" clId="{88BFF241-8797-48AB-88EF-E6D786ABB885}" dt="2022-09-28T18:50:22.853" v="4"/>
+          <ac:spMkLst>
+            <pc:docMk/>
+            <pc:sldMk cId="3203069901" sldId="256"/>
+            <ac:spMk id="5" creationId="{333A11B7-F8A5-41F2-FA97-E74CB5A4BA2A}"/>
+          </ac:spMkLst>
+        </pc:spChg>
+        <pc:spChg chg="add mod ord">
+          <ac:chgData name="Eduardo Martín-Sonseca.Alonso" userId="044a8a39323ca9b2" providerId="LiveId" clId="{88BFF241-8797-48AB-88EF-E6D786ABB885}" dt="2022-09-28T19:12:23.847" v="174" actId="14100"/>
+          <ac:spMkLst>
+            <pc:docMk/>
+            <pc:sldMk cId="3203069901" sldId="256"/>
+            <ac:spMk id="8" creationId="{7B01A2E4-7837-E800-8762-E4F7322AB6D7}"/>
+          </ac:spMkLst>
+        </pc:spChg>
+        <pc:spChg chg="add del mod">
+          <ac:chgData name="Eduardo Martín-Sonseca.Alonso" userId="044a8a39323ca9b2" providerId="LiveId" clId="{88BFF241-8797-48AB-88EF-E6D786ABB885}" dt="2022-09-28T19:10:24.303" v="138" actId="478"/>
+          <ac:spMkLst>
+            <pc:docMk/>
+            <pc:sldMk cId="3203069901" sldId="256"/>
+            <ac:spMk id="9" creationId="{0C2BA46B-08DB-1813-66CD-90EAD0BC00BC}"/>
+          </ac:spMkLst>
+        </pc:spChg>
+        <pc:spChg chg="add del mod">
+          <ac:chgData name="Eduardo Martín-Sonseca.Alonso" userId="044a8a39323ca9b2" providerId="LiveId" clId="{88BFF241-8797-48AB-88EF-E6D786ABB885}" dt="2022-09-28T19:11:49.222" v="168"/>
+          <ac:spMkLst>
+            <pc:docMk/>
+            <pc:sldMk cId="3203069901" sldId="256"/>
+            <ac:spMk id="10" creationId="{ED5AE082-687D-25F1-9757-5355CDC06888}"/>
+          </ac:spMkLst>
+        </pc:spChg>
+        <pc:spChg chg="add del">
+          <ac:chgData name="Eduardo Martín-Sonseca.Alonso" userId="044a8a39323ca9b2" providerId="LiveId" clId="{88BFF241-8797-48AB-88EF-E6D786ABB885}" dt="2022-09-28T19:21:23.422" v="338"/>
+          <ac:spMkLst>
+            <pc:docMk/>
+            <pc:sldMk cId="3203069901" sldId="256"/>
+            <ac:spMk id="12" creationId="{A5F57220-B3BC-40FE-9FA8-28584D25CCCA}"/>
+          </ac:spMkLst>
+        </pc:spChg>
+        <pc:spChg chg="add mod">
+          <ac:chgData name="Eduardo Martín-Sonseca.Alonso" userId="044a8a39323ca9b2" providerId="LiveId" clId="{88BFF241-8797-48AB-88EF-E6D786ABB885}" dt="2022-09-28T19:21:23.680" v="339" actId="27636"/>
+          <ac:spMkLst>
+            <pc:docMk/>
+            <pc:sldMk cId="3203069901" sldId="256"/>
+            <ac:spMk id="16" creationId="{9CB23522-01C4-E94F-14D4-E800D7EC1C96}"/>
+          </ac:spMkLst>
+        </pc:spChg>
+        <pc:spChg chg="add del">
+          <ac:chgData name="Eduardo Martín-Sonseca.Alonso" userId="044a8a39323ca9b2" providerId="LiveId" clId="{88BFF241-8797-48AB-88EF-E6D786ABB885}" dt="2022-09-28T19:10:32.505" v="139" actId="26606"/>
+          <ac:spMkLst>
+            <pc:docMk/>
+            <pc:sldMk cId="3203069901" sldId="256"/>
+            <ac:spMk id="17" creationId="{78E81931-EC11-4433-BB7B-ED42BAA2441E}"/>
+          </ac:spMkLst>
+        </pc:spChg>
+        <pc:spChg chg="add del">
+          <ac:chgData name="Eduardo Martín-Sonseca.Alonso" userId="044a8a39323ca9b2" providerId="LiveId" clId="{88BFF241-8797-48AB-88EF-E6D786ABB885}" dt="2022-09-28T19:10:32.505" v="139" actId="26606"/>
+          <ac:spMkLst>
+            <pc:docMk/>
+            <pc:sldMk cId="3203069901" sldId="256"/>
+            <ac:spMk id="19" creationId="{F35BC353-549C-47DC-9732-7E6961372840}"/>
+          </ac:spMkLst>
+        </pc:spChg>
+        <pc:spChg chg="add del">
+          <ac:chgData name="Eduardo Martín-Sonseca.Alonso" userId="044a8a39323ca9b2" providerId="LiveId" clId="{88BFF241-8797-48AB-88EF-E6D786ABB885}" dt="2022-09-28T19:10:43.873" v="141" actId="700"/>
+          <ac:spMkLst>
+            <pc:docMk/>
+            <pc:sldMk cId="3203069901" sldId="256"/>
+            <ac:spMk id="28" creationId="{7DA3C418-758E-4180-A5D0-8655D6804587}"/>
+          </ac:spMkLst>
+        </pc:spChg>
+        <pc:spChg chg="add del">
+          <ac:chgData name="Eduardo Martín-Sonseca.Alonso" userId="044a8a39323ca9b2" providerId="LiveId" clId="{88BFF241-8797-48AB-88EF-E6D786ABB885}" dt="2022-09-28T19:10:43.873" v="141" actId="700"/>
+          <ac:spMkLst>
+            <pc:docMk/>
+            <pc:sldMk cId="3203069901" sldId="256"/>
+            <ac:spMk id="30" creationId="{28C8EF06-5EC3-4883-AFAF-D74FF46550FB}"/>
+          </ac:spMkLst>
+        </pc:spChg>
+        <pc:picChg chg="add del mod ord">
+          <ac:chgData name="Eduardo Martín-Sonseca.Alonso" userId="044a8a39323ca9b2" providerId="LiveId" clId="{88BFF241-8797-48AB-88EF-E6D786ABB885}" dt="2022-09-28T19:12:08.233" v="169" actId="26606"/>
+          <ac:picMkLst>
+            <pc:docMk/>
+            <pc:sldMk cId="3203069901" sldId="256"/>
+            <ac:picMk id="7" creationId="{47942CDF-7C22-CCE9-2BE3-65E7FB750783}"/>
+          </ac:picMkLst>
+        </pc:picChg>
+        <pc:picChg chg="add del">
+          <ac:chgData name="Eduardo Martín-Sonseca.Alonso" userId="044a8a39323ca9b2" providerId="LiveId" clId="{88BFF241-8797-48AB-88EF-E6D786ABB885}" dt="2022-09-28T19:10:32.505" v="139" actId="26606"/>
+          <ac:picMkLst>
+            <pc:docMk/>
+            <pc:sldMk cId="3203069901" sldId="256"/>
+            <ac:picMk id="13" creationId="{DEB2E8C4-C3E7-4048-A43D-9859510CFA98}"/>
+          </ac:picMkLst>
+        </pc:picChg>
+        <pc:picChg chg="add del">
+          <ac:chgData name="Eduardo Martín-Sonseca.Alonso" userId="044a8a39323ca9b2" providerId="LiveId" clId="{88BFF241-8797-48AB-88EF-E6D786ABB885}" dt="2022-09-28T19:10:43.873" v="141" actId="700"/>
+          <ac:picMkLst>
+            <pc:docMk/>
+            <pc:sldMk cId="3203069901" sldId="256"/>
+            <ac:picMk id="24" creationId="{DEB2E8C4-C3E7-4048-A43D-9859510CFA98}"/>
+          </ac:picMkLst>
+        </pc:picChg>
+        <pc:inkChg chg="add del">
+          <ac:chgData name="Eduardo Martín-Sonseca.Alonso" userId="044a8a39323ca9b2" providerId="LiveId" clId="{88BFF241-8797-48AB-88EF-E6D786ABB885}" dt="2022-09-28T19:10:32.505" v="139" actId="26606"/>
+          <ac:inkMkLst>
+            <pc:docMk/>
+            <pc:sldMk cId="3203069901" sldId="256"/>
+            <ac:inkMk id="15" creationId="{24D29CCB-7956-4E3E-8880-304085F04BF4}"/>
+          </ac:inkMkLst>
+        </pc:inkChg>
+        <pc:inkChg chg="add del">
+          <ac:chgData name="Eduardo Martín-Sonseca.Alonso" userId="044a8a39323ca9b2" providerId="LiveId" clId="{88BFF241-8797-48AB-88EF-E6D786ABB885}" dt="2022-09-28T19:10:43.873" v="141" actId="700"/>
+          <ac:inkMkLst>
+            <pc:docMk/>
+            <pc:sldMk cId="3203069901" sldId="256"/>
+            <ac:inkMk id="26" creationId="{24D29CCB-7956-4E3E-8880-304085F04BF4}"/>
+          </ac:inkMkLst>
+        </pc:inkChg>
+        <pc:cxnChg chg="add del">
+          <ac:chgData name="Eduardo Martín-Sonseca.Alonso" userId="044a8a39323ca9b2" providerId="LiveId" clId="{88BFF241-8797-48AB-88EF-E6D786ABB885}" dt="2022-09-28T19:21:23.422" v="338"/>
+          <ac:cxnSpMkLst>
+            <pc:docMk/>
+            <pc:sldMk cId="3203069901" sldId="256"/>
+            <ac:cxnSpMk id="11" creationId="{C66CC717-08C5-4F3E-B8AA-BA93C8755982}"/>
+          </ac:cxnSpMkLst>
+        </pc:cxnChg>
+        <pc:cxnChg chg="add del">
+          <ac:chgData name="Eduardo Martín-Sonseca.Alonso" userId="044a8a39323ca9b2" providerId="LiveId" clId="{88BFF241-8797-48AB-88EF-E6D786ABB885}" dt="2022-09-28T19:21:23.422" v="338"/>
+          <ac:cxnSpMkLst>
+            <pc:docMk/>
+            <pc:sldMk cId="3203069901" sldId="256"/>
+            <ac:cxnSpMk id="14" creationId="{E162CD6F-E89D-4CC2-BA38-20EB86002FDE}"/>
+          </ac:cxnSpMkLst>
+        </pc:cxnChg>
+      </pc:sldChg>
+      <pc:sldChg chg="addSp delSp modSp new mod modClrScheme modAnim chgLayout">
+        <pc:chgData name="Eduardo Martín-Sonseca.Alonso" userId="044a8a39323ca9b2" providerId="LiveId" clId="{88BFF241-8797-48AB-88EF-E6D786ABB885}" dt="2022-09-28T20:02:10.459" v="942"/>
+        <pc:sldMkLst>
+          <pc:docMk/>
+          <pc:sldMk cId="2184046427" sldId="257"/>
+        </pc:sldMkLst>
+        <pc:spChg chg="del mod">
+          <ac:chgData name="Eduardo Martín-Sonseca.Alonso" userId="044a8a39323ca9b2" providerId="LiveId" clId="{88BFF241-8797-48AB-88EF-E6D786ABB885}" dt="2022-09-28T19:13:43.343" v="212" actId="478"/>
+          <ac:spMkLst>
+            <pc:docMk/>
+            <pc:sldMk cId="2184046427" sldId="257"/>
+            <ac:spMk id="2" creationId="{5D13E32D-A6D9-AC0E-AD1A-22F546802E47}"/>
+          </ac:spMkLst>
+        </pc:spChg>
+        <pc:spChg chg="add del mod">
+          <ac:chgData name="Eduardo Martín-Sonseca.Alonso" userId="044a8a39323ca9b2" providerId="LiveId" clId="{88BFF241-8797-48AB-88EF-E6D786ABB885}" dt="2022-09-28T19:13:45.697" v="213" actId="478"/>
+          <ac:spMkLst>
+            <pc:docMk/>
+            <pc:sldMk cId="2184046427" sldId="257"/>
+            <ac:spMk id="4" creationId="{44C974EA-E93E-E8E4-9AE3-98D1510F960F}"/>
+          </ac:spMkLst>
+        </pc:spChg>
+        <pc:spChg chg="add mod">
+          <ac:chgData name="Eduardo Martín-Sonseca.Alonso" userId="044a8a39323ca9b2" providerId="LiveId" clId="{88BFF241-8797-48AB-88EF-E6D786ABB885}" dt="2022-09-28T19:21:23.422" v="338"/>
+          <ac:spMkLst>
+            <pc:docMk/>
+            <pc:sldMk cId="2184046427" sldId="257"/>
+            <ac:spMk id="5" creationId="{735C47E6-0F39-ABD2-5F8B-9E2AF1475672}"/>
+          </ac:spMkLst>
+        </pc:spChg>
+        <pc:spChg chg="add mod">
+          <ac:chgData name="Eduardo Martín-Sonseca.Alonso" userId="044a8a39323ca9b2" providerId="LiveId" clId="{88BFF241-8797-48AB-88EF-E6D786ABB885}" dt="2022-09-28T20:00:16.166" v="931" actId="34135"/>
+          <ac:spMkLst>
+            <pc:docMk/>
+            <pc:sldMk cId="2184046427" sldId="257"/>
+            <ac:spMk id="6" creationId="{23EA851E-911E-D6AE-A5CA-E1EEE508B5AB}"/>
+          </ac:spMkLst>
+        </pc:spChg>
+        <pc:spChg chg="add del mod">
+          <ac:chgData name="Eduardo Martín-Sonseca.Alonso" userId="044a8a39323ca9b2" providerId="LiveId" clId="{88BFF241-8797-48AB-88EF-E6D786ABB885}" dt="2022-09-28T19:29:29.531" v="529" actId="478"/>
+          <ac:spMkLst>
+            <pc:docMk/>
+            <pc:sldMk cId="2184046427" sldId="257"/>
+            <ac:spMk id="8" creationId="{9D6B815F-EAC8-B4FE-AE05-E84A5BC82D80}"/>
+          </ac:spMkLst>
+        </pc:spChg>
+        <pc:spChg chg="add mod">
+          <ac:chgData name="Eduardo Martín-Sonseca.Alonso" userId="044a8a39323ca9b2" providerId="LiveId" clId="{88BFF241-8797-48AB-88EF-E6D786ABB885}" dt="2022-09-28T20:00:18.926" v="932" actId="34135"/>
+          <ac:spMkLst>
+            <pc:docMk/>
+            <pc:sldMk cId="2184046427" sldId="257"/>
+            <ac:spMk id="9" creationId="{8DFBFE72-FC60-CEFE-8704-4DD15A709559}"/>
+          </ac:spMkLst>
+        </pc:spChg>
+        <pc:spChg chg="add mod">
+          <ac:chgData name="Eduardo Martín-Sonseca.Alonso" userId="044a8a39323ca9b2" providerId="LiveId" clId="{88BFF241-8797-48AB-88EF-E6D786ABB885}" dt="2022-09-28T20:00:23.155" v="933" actId="34135"/>
+          <ac:spMkLst>
+            <pc:docMk/>
+            <pc:sldMk cId="2184046427" sldId="257"/>
+            <ac:spMk id="10" creationId="{49107AB4-257A-B52B-0520-7FF3845C71E9}"/>
+          </ac:spMkLst>
+        </pc:spChg>
+        <pc:spChg chg="add mod">
+          <ac:chgData name="Eduardo Martín-Sonseca.Alonso" userId="044a8a39323ca9b2" providerId="LiveId" clId="{88BFF241-8797-48AB-88EF-E6D786ABB885}" dt="2022-09-28T20:00:07.899" v="929" actId="34135"/>
+          <ac:spMkLst>
+            <pc:docMk/>
+            <pc:sldMk cId="2184046427" sldId="257"/>
+            <ac:spMk id="11" creationId="{1B3C84AF-DA8D-3D79-5A25-5245E1F91BF6}"/>
+          </ac:spMkLst>
+        </pc:spChg>
+        <pc:spChg chg="add mod">
+          <ac:chgData name="Eduardo Martín-Sonseca.Alonso" userId="044a8a39323ca9b2" providerId="LiveId" clId="{88BFF241-8797-48AB-88EF-E6D786ABB885}" dt="2022-09-28T20:00:12.407" v="930" actId="34135"/>
+          <ac:spMkLst>
+            <pc:docMk/>
+            <pc:sldMk cId="2184046427" sldId="257"/>
+            <ac:spMk id="12" creationId="{F8CF3850-7061-B2CA-5F39-D687B24AB999}"/>
+          </ac:spMkLst>
+        </pc:spChg>
+        <pc:spChg chg="add del mod">
+          <ac:chgData name="Eduardo Martín-Sonseca.Alonso" userId="044a8a39323ca9b2" providerId="LiveId" clId="{88BFF241-8797-48AB-88EF-E6D786ABB885}" dt="2022-09-28T19:58:56.330" v="923" actId="34135"/>
+          <ac:spMkLst>
+            <pc:docMk/>
+            <pc:sldMk cId="2184046427" sldId="257"/>
+            <ac:spMk id="13" creationId="{91653C34-046D-11DD-8BC9-EBC5373C9EBE}"/>
+          </ac:spMkLst>
+        </pc:spChg>
+        <pc:spChg chg="add del mod">
+          <ac:chgData name="Eduardo Martín-Sonseca.Alonso" userId="044a8a39323ca9b2" providerId="LiveId" clId="{88BFF241-8797-48AB-88EF-E6D786ABB885}" dt="2022-09-28T19:42:35.933" v="804"/>
+          <ac:spMkLst>
+            <pc:docMk/>
+            <pc:sldMk cId="2184046427" sldId="257"/>
+            <ac:spMk id="14" creationId="{83551F04-CBD9-8F9A-1857-5EF5DFB422D0}"/>
+          </ac:spMkLst>
+        </pc:spChg>
+      </pc:sldChg>
+      <pc:sldChg chg="addSp delSp modSp new mod">
+        <pc:chgData name="Eduardo Martín-Sonseca.Alonso" userId="044a8a39323ca9b2" providerId="LiveId" clId="{88BFF241-8797-48AB-88EF-E6D786ABB885}" dt="2022-09-28T19:58:44.966" v="922" actId="34135"/>
+        <pc:sldMkLst>
+          <pc:docMk/>
+          <pc:sldMk cId="1479924629" sldId="258"/>
+        </pc:sldMkLst>
+        <pc:spChg chg="mod">
+          <ac:chgData name="Eduardo Martín-Sonseca.Alonso" userId="044a8a39323ca9b2" providerId="LiveId" clId="{88BFF241-8797-48AB-88EF-E6D786ABB885}" dt="2022-09-28T19:22:20.993" v="358" actId="20577"/>
+          <ac:spMkLst>
+            <pc:docMk/>
+            <pc:sldMk cId="1479924629" sldId="258"/>
+            <ac:spMk id="2" creationId="{ED99DBDA-B49D-9CE5-B7A0-3B4E389D673C}"/>
+          </ac:spMkLst>
+        </pc:spChg>
+        <pc:spChg chg="del mod">
+          <ac:chgData name="Eduardo Martín-Sonseca.Alonso" userId="044a8a39323ca9b2" providerId="LiveId" clId="{88BFF241-8797-48AB-88EF-E6D786ABB885}" dt="2022-09-28T19:57:29.989" v="908" actId="478"/>
+          <ac:spMkLst>
+            <pc:docMk/>
+            <pc:sldMk cId="1479924629" sldId="258"/>
+            <ac:spMk id="3" creationId="{7C3E41D4-6C35-52A7-C2AA-793C4B03620E}"/>
+          </ac:spMkLst>
+        </pc:spChg>
+        <pc:spChg chg="add del mod">
+          <ac:chgData name="Eduardo Martín-Sonseca.Alonso" userId="044a8a39323ca9b2" providerId="LiveId" clId="{88BFF241-8797-48AB-88EF-E6D786ABB885}" dt="2022-09-28T19:57:28.804" v="907"/>
+          <ac:spMkLst>
+            <pc:docMk/>
+            <pc:sldMk cId="1479924629" sldId="258"/>
+            <ac:spMk id="4" creationId="{4B885A8F-F936-CFDF-2450-170AA22E9170}"/>
+          </ac:spMkLst>
+        </pc:spChg>
+        <pc:spChg chg="add mod">
+          <ac:chgData name="Eduardo Martín-Sonseca.Alonso" userId="044a8a39323ca9b2" providerId="LiveId" clId="{88BFF241-8797-48AB-88EF-E6D786ABB885}" dt="2022-09-28T19:57:29.989" v="908" actId="478"/>
+          <ac:spMkLst>
+            <pc:docMk/>
+            <pc:sldMk cId="1479924629" sldId="258"/>
+            <ac:spMk id="6" creationId="{FFE44297-5AAD-CA6F-4064-C2621A1C9AF8}"/>
+          </ac:spMkLst>
+        </pc:spChg>
+        <pc:spChg chg="add mod">
+          <ac:chgData name="Eduardo Martín-Sonseca.Alonso" userId="044a8a39323ca9b2" providerId="LiveId" clId="{88BFF241-8797-48AB-88EF-E6D786ABB885}" dt="2022-09-28T19:58:44.966" v="922" actId="34135"/>
+          <ac:spMkLst>
+            <pc:docMk/>
+            <pc:sldMk cId="1479924629" sldId="258"/>
+            <ac:spMk id="7" creationId="{5B41D51C-D08B-3EFA-1F77-001EE791B2E3}"/>
+          </ac:spMkLst>
+        </pc:spChg>
+      </pc:sldChg>
+      <pc:sldChg chg="addSp delSp modSp new mod setBg">
+        <pc:chgData name="Eduardo Martín-Sonseca.Alonso" userId="044a8a39323ca9b2" providerId="LiveId" clId="{88BFF241-8797-48AB-88EF-E6D786ABB885}" dt="2022-09-28T19:59:06.824" v="924" actId="34135"/>
+        <pc:sldMkLst>
+          <pc:docMk/>
+          <pc:sldMk cId="811467687" sldId="259"/>
+        </pc:sldMkLst>
+        <pc:spChg chg="mod">
+          <ac:chgData name="Eduardo Martín-Sonseca.Alonso" userId="044a8a39323ca9b2" providerId="LiveId" clId="{88BFF241-8797-48AB-88EF-E6D786ABB885}" dt="2022-09-28T19:54:33.513" v="857" actId="26606"/>
+          <ac:spMkLst>
+            <pc:docMk/>
+            <pc:sldMk cId="811467687" sldId="259"/>
+            <ac:spMk id="2" creationId="{0458FCD4-2349-82D1-53D7-CD238760EBC8}"/>
+          </ac:spMkLst>
+        </pc:spChg>
+        <pc:spChg chg="add del">
+          <ac:chgData name="Eduardo Martín-Sonseca.Alonso" userId="044a8a39323ca9b2" providerId="LiveId" clId="{88BFF241-8797-48AB-88EF-E6D786ABB885}" dt="2022-09-28T19:54:33.513" v="857" actId="26606"/>
+          <ac:spMkLst>
+            <pc:docMk/>
+            <pc:sldMk cId="811467687" sldId="259"/>
+            <ac:spMk id="3" creationId="{6B461CBF-6D58-C9FF-0E94-1476763DCE14}"/>
+          </ac:spMkLst>
+        </pc:spChg>
+        <pc:spChg chg="add del mod">
+          <ac:chgData name="Eduardo Martín-Sonseca.Alonso" userId="044a8a39323ca9b2" providerId="LiveId" clId="{88BFF241-8797-48AB-88EF-E6D786ABB885}" dt="2022-09-28T19:57:48.943" v="912" actId="478"/>
+          <ac:spMkLst>
+            <pc:docMk/>
+            <pc:sldMk cId="811467687" sldId="259"/>
+            <ac:spMk id="4" creationId="{8BA1FEC3-CA9A-7AD0-A7D1-C0D1AC41716C}"/>
+          </ac:spMkLst>
+        </pc:spChg>
+        <pc:spChg chg="add del mod">
+          <ac:chgData name="Eduardo Martín-Sonseca.Alonso" userId="044a8a39323ca9b2" providerId="LiveId" clId="{88BFF241-8797-48AB-88EF-E6D786ABB885}" dt="2022-09-28T19:41:42.186" v="780"/>
+          <ac:spMkLst>
+            <pc:docMk/>
+            <pc:sldMk cId="811467687" sldId="259"/>
+            <ac:spMk id="5" creationId="{AA48DF43-8FE2-E4B4-D6BF-3B3B8127AF9E}"/>
+          </ac:spMkLst>
+        </pc:spChg>
+        <pc:spChg chg="add del mod">
+          <ac:chgData name="Eduardo Martín-Sonseca.Alonso" userId="044a8a39323ca9b2" providerId="LiveId" clId="{88BFF241-8797-48AB-88EF-E6D786ABB885}" dt="2022-09-28T19:42:35.714" v="796"/>
+          <ac:spMkLst>
+            <pc:docMk/>
+            <pc:sldMk cId="811467687" sldId="259"/>
+            <ac:spMk id="6" creationId="{20D33E9D-4787-B796-1D39-4D9B5BC42880}"/>
+          </ac:spMkLst>
+        </pc:spChg>
+        <pc:spChg chg="add del mod">
+          <ac:chgData name="Eduardo Martín-Sonseca.Alonso" userId="044a8a39323ca9b2" providerId="LiveId" clId="{88BFF241-8797-48AB-88EF-E6D786ABB885}" dt="2022-09-28T19:57:43.336" v="911" actId="478"/>
+          <ac:spMkLst>
+            <pc:docMk/>
+            <pc:sldMk cId="811467687" sldId="259"/>
+            <ac:spMk id="7" creationId="{3837D85F-3EC2-5F2F-D4FA-B758953DF791}"/>
+          </ac:spMkLst>
+        </pc:spChg>
+        <pc:spChg chg="add mod">
+          <ac:chgData name="Eduardo Martín-Sonseca.Alonso" userId="044a8a39323ca9b2" providerId="LiveId" clId="{88BFF241-8797-48AB-88EF-E6D786ABB885}" dt="2022-09-28T19:59:06.824" v="924" actId="34135"/>
+          <ac:spMkLst>
+            <pc:docMk/>
+            <pc:sldMk cId="811467687" sldId="259"/>
+            <ac:spMk id="9" creationId="{47E1B43A-98F5-144F-171C-92EF9B1579DB}"/>
+          </ac:spMkLst>
+        </pc:spChg>
+        <pc:spChg chg="add del">
+          <ac:chgData name="Eduardo Martín-Sonseca.Alonso" userId="044a8a39323ca9b2" providerId="LiveId" clId="{88BFF241-8797-48AB-88EF-E6D786ABB885}" dt="2022-09-28T19:54:33.513" v="857" actId="26606"/>
+          <ac:spMkLst>
+            <pc:docMk/>
+            <pc:sldMk cId="811467687" sldId="259"/>
+            <ac:spMk id="11" creationId="{A3363022-C969-41E9-8EB2-E4C94908C1FA}"/>
+          </ac:spMkLst>
+        </pc:spChg>
+        <pc:spChg chg="add del">
+          <ac:chgData name="Eduardo Martín-Sonseca.Alonso" userId="044a8a39323ca9b2" providerId="LiveId" clId="{88BFF241-8797-48AB-88EF-E6D786ABB885}" dt="2022-09-28T19:54:33.513" v="857" actId="26606"/>
+          <ac:spMkLst>
+            <pc:docMk/>
+            <pc:sldMk cId="811467687" sldId="259"/>
+            <ac:spMk id="13" creationId="{8D1AD6B3-BE88-4CEB-BA17-790657CC4729}"/>
+          </ac:spMkLst>
+        </pc:spChg>
+        <pc:spChg chg="add del">
+          <ac:chgData name="Eduardo Martín-Sonseca.Alonso" userId="044a8a39323ca9b2" providerId="LiveId" clId="{88BFF241-8797-48AB-88EF-E6D786ABB885}" dt="2022-09-28T19:54:33.153" v="856" actId="26606"/>
+          <ac:spMkLst>
+            <pc:docMk/>
+            <pc:sldMk cId="811467687" sldId="259"/>
+            <ac:spMk id="23" creationId="{91F32EBA-ED97-466E-8CFA-8382584155D0}"/>
+          </ac:spMkLst>
+        </pc:spChg>
+        <pc:spChg chg="add del">
+          <ac:chgData name="Eduardo Martín-Sonseca.Alonso" userId="044a8a39323ca9b2" providerId="LiveId" clId="{88BFF241-8797-48AB-88EF-E6D786ABB885}" dt="2022-09-28T19:54:33.153" v="856" actId="26606"/>
+          <ac:spMkLst>
+            <pc:docMk/>
+            <pc:sldMk cId="811467687" sldId="259"/>
+            <ac:spMk id="25" creationId="{62A38935-BB53-4DF7-A56E-48DD25B685D7}"/>
+          </ac:spMkLst>
+        </pc:spChg>
+        <pc:grpChg chg="add del">
+          <ac:chgData name="Eduardo Martín-Sonseca.Alonso" userId="044a8a39323ca9b2" providerId="LiveId" clId="{88BFF241-8797-48AB-88EF-E6D786ABB885}" dt="2022-09-28T19:54:33.513" v="857" actId="26606"/>
+          <ac:grpSpMkLst>
+            <pc:docMk/>
+            <pc:sldMk cId="811467687" sldId="259"/>
+            <ac:grpSpMk id="15" creationId="{89D1390B-7E13-4B4F-9CB2-391063412E54}"/>
+          </ac:grpSpMkLst>
+        </pc:grpChg>
+        <pc:picChg chg="add del mod ord">
+          <ac:chgData name="Eduardo Martín-Sonseca.Alonso" userId="044a8a39323ca9b2" providerId="LiveId" clId="{88BFF241-8797-48AB-88EF-E6D786ABB885}" dt="2022-09-28T19:54:33.513" v="857" actId="26606"/>
+          <ac:picMkLst>
+            <pc:docMk/>
+            <pc:sldMk cId="811467687" sldId="259"/>
+            <ac:picMk id="8" creationId="{B6F9C9BC-1313-BDE6-589E-7A4423113455}"/>
+          </ac:picMkLst>
+        </pc:picChg>
+      </pc:sldChg>
+      <pc:sldChg chg="addSp delSp modSp new mod setBg">
+        <pc:chgData name="Eduardo Martín-Sonseca.Alonso" userId="044a8a39323ca9b2" providerId="LiveId" clId="{88BFF241-8797-48AB-88EF-E6D786ABB885}" dt="2022-09-28T19:59:14.499" v="925" actId="34135"/>
+        <pc:sldMkLst>
+          <pc:docMk/>
+          <pc:sldMk cId="2467411564" sldId="260"/>
+        </pc:sldMkLst>
+        <pc:spChg chg="mod">
+          <ac:chgData name="Eduardo Martín-Sonseca.Alonso" userId="044a8a39323ca9b2" providerId="LiveId" clId="{88BFF241-8797-48AB-88EF-E6D786ABB885}" dt="2022-09-28T19:54:20.503" v="854" actId="26606"/>
+          <ac:spMkLst>
+            <pc:docMk/>
+            <pc:sldMk cId="2467411564" sldId="260"/>
+            <ac:spMk id="2" creationId="{500DE41D-3EC7-4D50-E094-11D19C60413E}"/>
+          </ac:spMkLst>
+        </pc:spChg>
+        <pc:spChg chg="add del">
+          <ac:chgData name="Eduardo Martín-Sonseca.Alonso" userId="044a8a39323ca9b2" providerId="LiveId" clId="{88BFF241-8797-48AB-88EF-E6D786ABB885}" dt="2022-09-28T19:54:20.503" v="854" actId="26606"/>
+          <ac:spMkLst>
+            <pc:docMk/>
+            <pc:sldMk cId="2467411564" sldId="260"/>
+            <ac:spMk id="3" creationId="{199DEBE5-CFD3-C05E-8FA7-CFE65C69B5C5}"/>
+          </ac:spMkLst>
+        </pc:spChg>
+        <pc:spChg chg="add del mod">
+          <ac:chgData name="Eduardo Martín-Sonseca.Alonso" userId="044a8a39323ca9b2" providerId="LiveId" clId="{88BFF241-8797-48AB-88EF-E6D786ABB885}" dt="2022-09-28T19:57:57.793" v="914" actId="478"/>
+          <ac:spMkLst>
+            <pc:docMk/>
+            <pc:sldMk cId="2467411564" sldId="260"/>
+            <ac:spMk id="4" creationId="{35551174-B175-4C14-3571-EE7AA57814B0}"/>
+          </ac:spMkLst>
+        </pc:spChg>
+        <pc:spChg chg="add mod">
+          <ac:chgData name="Eduardo Martín-Sonseca.Alonso" userId="044a8a39323ca9b2" providerId="LiveId" clId="{88BFF241-8797-48AB-88EF-E6D786ABB885}" dt="2022-09-28T19:59:14.499" v="925" actId="34135"/>
+          <ac:spMkLst>
+            <pc:docMk/>
+            <pc:sldMk cId="2467411564" sldId="260"/>
+            <ac:spMk id="5" creationId="{56E24846-6110-797A-647B-AA43F162DD04}"/>
+          </ac:spMkLst>
+        </pc:spChg>
+        <pc:spChg chg="add del">
+          <ac:chgData name="Eduardo Martín-Sonseca.Alonso" userId="044a8a39323ca9b2" providerId="LiveId" clId="{88BFF241-8797-48AB-88EF-E6D786ABB885}" dt="2022-09-28T19:54:20.503" v="854" actId="26606"/>
+          <ac:spMkLst>
+            <pc:docMk/>
+            <pc:sldMk cId="2467411564" sldId="260"/>
+            <ac:spMk id="9" creationId="{787F4F1C-8D3D-4EC1-B72D-A0470A5A08B8}"/>
+          </ac:spMkLst>
+        </pc:spChg>
+        <pc:grpChg chg="add del">
+          <ac:chgData name="Eduardo Martín-Sonseca.Alonso" userId="044a8a39323ca9b2" providerId="LiveId" clId="{88BFF241-8797-48AB-88EF-E6D786ABB885}" dt="2022-09-28T19:54:20.503" v="854" actId="26606"/>
+          <ac:grpSpMkLst>
+            <pc:docMk/>
+            <pc:sldMk cId="2467411564" sldId="260"/>
+            <ac:grpSpMk id="11" creationId="{D1E3DD61-64DB-46AD-B249-E273CD86B051}"/>
+          </ac:grpSpMkLst>
+        </pc:grpChg>
+      </pc:sldChg>
+      <pc:sldChg chg="addSp delSp modSp new mod">
+        <pc:chgData name="Eduardo Martín-Sonseca.Alonso" userId="044a8a39323ca9b2" providerId="LiveId" clId="{88BFF241-8797-48AB-88EF-E6D786ABB885}" dt="2022-09-28T19:59:20.483" v="926" actId="34135"/>
+        <pc:sldMkLst>
+          <pc:docMk/>
+          <pc:sldMk cId="1395609140" sldId="261"/>
+        </pc:sldMkLst>
+        <pc:spChg chg="mod">
+          <ac:chgData name="Eduardo Martín-Sonseca.Alonso" userId="044a8a39323ca9b2" providerId="LiveId" clId="{88BFF241-8797-48AB-88EF-E6D786ABB885}" dt="2022-09-28T19:26:48.267" v="464" actId="20577"/>
+          <ac:spMkLst>
+            <pc:docMk/>
+            <pc:sldMk cId="1395609140" sldId="261"/>
+            <ac:spMk id="2" creationId="{546FDB38-B45A-B55B-5913-C099453C4EB3}"/>
+          </ac:spMkLst>
+        </pc:spChg>
+        <pc:spChg chg="add del mod">
+          <ac:chgData name="Eduardo Martín-Sonseca.Alonso" userId="044a8a39323ca9b2" providerId="LiveId" clId="{88BFF241-8797-48AB-88EF-E6D786ABB885}" dt="2022-09-28T19:58:07.142" v="916" actId="478"/>
+          <ac:spMkLst>
+            <pc:docMk/>
+            <pc:sldMk cId="1395609140" sldId="261"/>
+            <ac:spMk id="4" creationId="{BA7C6D83-07F6-6F1C-9E02-F7785FA13A2D}"/>
+          </ac:spMkLst>
+        </pc:spChg>
+        <pc:spChg chg="add mod">
+          <ac:chgData name="Eduardo Martín-Sonseca.Alonso" userId="044a8a39323ca9b2" providerId="LiveId" clId="{88BFF241-8797-48AB-88EF-E6D786ABB885}" dt="2022-09-28T19:59:20.483" v="926" actId="34135"/>
+          <ac:spMkLst>
+            <pc:docMk/>
+            <pc:sldMk cId="1395609140" sldId="261"/>
+            <ac:spMk id="5" creationId="{84FAB4ED-9776-C6FF-9372-A83D99FCA231}"/>
+          </ac:spMkLst>
+        </pc:spChg>
+      </pc:sldChg>
+      <pc:sldChg chg="addSp delSp modSp new mod">
+        <pc:chgData name="Eduardo Martín-Sonseca.Alonso" userId="044a8a39323ca9b2" providerId="LiveId" clId="{88BFF241-8797-48AB-88EF-E6D786ABB885}" dt="2022-09-28T19:59:27.666" v="927" actId="34135"/>
+        <pc:sldMkLst>
+          <pc:docMk/>
+          <pc:sldMk cId="3457248673" sldId="262"/>
+        </pc:sldMkLst>
+        <pc:spChg chg="mod">
+          <ac:chgData name="Eduardo Martín-Sonseca.Alonso" userId="044a8a39323ca9b2" providerId="LiveId" clId="{88BFF241-8797-48AB-88EF-E6D786ABB885}" dt="2022-09-28T19:27:20.246" v="499" actId="20577"/>
+          <ac:spMkLst>
+            <pc:docMk/>
+            <pc:sldMk cId="3457248673" sldId="262"/>
+            <ac:spMk id="2" creationId="{D2C4EF2C-F551-4AD3-0F72-DAE70F1472EB}"/>
+          </ac:spMkLst>
+        </pc:spChg>
+        <pc:spChg chg="add del mod">
+          <ac:chgData name="Eduardo Martín-Sonseca.Alonso" userId="044a8a39323ca9b2" providerId="LiveId" clId="{88BFF241-8797-48AB-88EF-E6D786ABB885}" dt="2022-09-28T19:58:16.500" v="918" actId="478"/>
+          <ac:spMkLst>
+            <pc:docMk/>
+            <pc:sldMk cId="3457248673" sldId="262"/>
+            <ac:spMk id="4" creationId="{55736FD1-C4A8-AE7F-12D0-807513E17BD2}"/>
+          </ac:spMkLst>
+        </pc:spChg>
+        <pc:spChg chg="add mod">
+          <ac:chgData name="Eduardo Martín-Sonseca.Alonso" userId="044a8a39323ca9b2" providerId="LiveId" clId="{88BFF241-8797-48AB-88EF-E6D786ABB885}" dt="2022-09-28T19:59:27.666" v="927" actId="34135"/>
+          <ac:spMkLst>
+            <pc:docMk/>
+            <pc:sldMk cId="3457248673" sldId="262"/>
+            <ac:spMk id="5" creationId="{31B17589-FE36-F12A-AB43-BBBFD3330D3A}"/>
+          </ac:spMkLst>
+        </pc:spChg>
+      </pc:sldChg>
+      <pc:sldChg chg="addSp delSp modSp new mod">
+        <pc:chgData name="Eduardo Martín-Sonseca.Alonso" userId="044a8a39323ca9b2" providerId="LiveId" clId="{88BFF241-8797-48AB-88EF-E6D786ABB885}" dt="2022-09-28T19:59:34.585" v="928" actId="34135"/>
+        <pc:sldMkLst>
+          <pc:docMk/>
+          <pc:sldMk cId="436996647" sldId="263"/>
+        </pc:sldMkLst>
+        <pc:spChg chg="mod">
+          <ac:chgData name="Eduardo Martín-Sonseca.Alonso" userId="044a8a39323ca9b2" providerId="LiveId" clId="{88BFF241-8797-48AB-88EF-E6D786ABB885}" dt="2022-09-28T19:27:48.506" v="516" actId="20577"/>
+          <ac:spMkLst>
+            <pc:docMk/>
+            <pc:sldMk cId="436996647" sldId="263"/>
+            <ac:spMk id="2" creationId="{1DA3D9F2-8F0D-B3D3-5E4A-87EE0D8708C9}"/>
+          </ac:spMkLst>
+        </pc:spChg>
+        <pc:spChg chg="mod">
+          <ac:chgData name="Eduardo Martín-Sonseca.Alonso" userId="044a8a39323ca9b2" providerId="LiveId" clId="{88BFF241-8797-48AB-88EF-E6D786ABB885}" dt="2022-09-28T19:28:32.145" v="520" actId="20577"/>
+          <ac:spMkLst>
+            <pc:docMk/>
+            <pc:sldMk cId="436996647" sldId="263"/>
+            <ac:spMk id="3" creationId="{C3AA9280-1CDB-48F8-3C14-03859160F6B1}"/>
+          </ac:spMkLst>
+        </pc:spChg>
+        <pc:spChg chg="add del mod">
+          <ac:chgData name="Eduardo Martín-Sonseca.Alonso" userId="044a8a39323ca9b2" providerId="LiveId" clId="{88BFF241-8797-48AB-88EF-E6D786ABB885}" dt="2022-09-28T19:58:23.203" v="920" actId="478"/>
+          <ac:spMkLst>
+            <pc:docMk/>
+            <pc:sldMk cId="436996647" sldId="263"/>
+            <ac:spMk id="4" creationId="{49E4C170-20BD-3318-B7BE-2D2452A8960C}"/>
+          </ac:spMkLst>
+        </pc:spChg>
+        <pc:spChg chg="add mod">
+          <ac:chgData name="Eduardo Martín-Sonseca.Alonso" userId="044a8a39323ca9b2" providerId="LiveId" clId="{88BFF241-8797-48AB-88EF-E6D786ABB885}" dt="2022-09-28T19:59:34.585" v="928" actId="34135"/>
+          <ac:spMkLst>
+            <pc:docMk/>
+            <pc:sldMk cId="436996647" sldId="263"/>
+            <ac:spMk id="5" creationId="{4192928C-7F78-D760-DD00-AB12107440BD}"/>
+          </ac:spMkLst>
+        </pc:spChg>
+      </pc:sldChg>
+      <pc:sldMasterChg chg="del delSldLayout">
+        <pc:chgData name="Eduardo Martín-Sonseca.Alonso" userId="044a8a39323ca9b2" providerId="LiveId" clId="{88BFF241-8797-48AB-88EF-E6D786ABB885}" dt="2022-09-28T19:06:29.003" v="21" actId="26606"/>
+        <pc:sldMasterMkLst>
+          <pc:docMk/>
+          <pc:sldMasterMk cId="4153704577" sldId="2147483648"/>
+        </pc:sldMasterMkLst>
+        <pc:sldLayoutChg chg="del">
+          <pc:chgData name="Eduardo Martín-Sonseca.Alonso" userId="044a8a39323ca9b2" providerId="LiveId" clId="{88BFF241-8797-48AB-88EF-E6D786ABB885}" dt="2022-09-28T19:06:29.003" v="21" actId="26606"/>
+          <pc:sldLayoutMkLst>
+            <pc:docMk/>
+            <pc:sldMasterMk cId="4153704577" sldId="2147483648"/>
+            <pc:sldLayoutMk cId="1395403755" sldId="2147483649"/>
+          </pc:sldLayoutMkLst>
+        </pc:sldLayoutChg>
+        <pc:sldLayoutChg chg="del">
+          <pc:chgData name="Eduardo Martín-Sonseca.Alonso" userId="044a8a39323ca9b2" providerId="LiveId" clId="{88BFF241-8797-48AB-88EF-E6D786ABB885}" dt="2022-09-28T19:06:29.003" v="21" actId="26606"/>
+          <pc:sldLayoutMkLst>
+            <pc:docMk/>
+            <pc:sldMasterMk cId="4153704577" sldId="2147483648"/>
+            <pc:sldLayoutMk cId="355621411" sldId="2147483650"/>
+          </pc:sldLayoutMkLst>
+        </pc:sldLayoutChg>
+        <pc:sldLayoutChg chg="del">
+          <pc:chgData name="Eduardo Martín-Sonseca.Alonso" userId="044a8a39323ca9b2" providerId="LiveId" clId="{88BFF241-8797-48AB-88EF-E6D786ABB885}" dt="2022-09-28T19:06:29.003" v="21" actId="26606"/>
+          <pc:sldLayoutMkLst>
+            <pc:docMk/>
+            <pc:sldMasterMk cId="4153704577" sldId="2147483648"/>
+            <pc:sldLayoutMk cId="4082525401" sldId="2147483651"/>
+          </pc:sldLayoutMkLst>
+        </pc:sldLayoutChg>
+        <pc:sldLayoutChg chg="del">
+          <pc:chgData name="Eduardo Martín-Sonseca.Alonso" userId="044a8a39323ca9b2" providerId="LiveId" clId="{88BFF241-8797-48AB-88EF-E6D786ABB885}" dt="2022-09-28T19:06:29.003" v="21" actId="26606"/>
+          <pc:sldLayoutMkLst>
+            <pc:docMk/>
+            <pc:sldMasterMk cId="4153704577" sldId="2147483648"/>
+            <pc:sldLayoutMk cId="109423261" sldId="2147483652"/>
+          </pc:sldLayoutMkLst>
+        </pc:sldLayoutChg>
+        <pc:sldLayoutChg chg="del">
+          <pc:chgData name="Eduardo Martín-Sonseca.Alonso" userId="044a8a39323ca9b2" providerId="LiveId" clId="{88BFF241-8797-48AB-88EF-E6D786ABB885}" dt="2022-09-28T19:06:29.003" v="21" actId="26606"/>
+          <pc:sldLayoutMkLst>
+            <pc:docMk/>
+            <pc:sldMasterMk cId="4153704577" sldId="2147483648"/>
+            <pc:sldLayoutMk cId="1024176374" sldId="2147483653"/>
+          </pc:sldLayoutMkLst>
+        </pc:sldLayoutChg>
+        <pc:sldLayoutChg chg="del">
+          <pc:chgData name="Eduardo Martín-Sonseca.Alonso" userId="044a8a39323ca9b2" providerId="LiveId" clId="{88BFF241-8797-48AB-88EF-E6D786ABB885}" dt="2022-09-28T19:06:29.003" v="21" actId="26606"/>
+          <pc:sldLayoutMkLst>
+            <pc:docMk/>
+            <pc:sldMasterMk cId="4153704577" sldId="2147483648"/>
+            <pc:sldLayoutMk cId="3916222883" sldId="2147483654"/>
+          </pc:sldLayoutMkLst>
+        </pc:sldLayoutChg>
+        <pc:sldLayoutChg chg="del">
+          <pc:chgData name="Eduardo Martín-Sonseca.Alonso" userId="044a8a39323ca9b2" providerId="LiveId" clId="{88BFF241-8797-48AB-88EF-E6D786ABB885}" dt="2022-09-28T19:06:29.003" v="21" actId="26606"/>
+          <pc:sldLayoutMkLst>
+            <pc:docMk/>
+            <pc:sldMasterMk cId="4153704577" sldId="2147483648"/>
+            <pc:sldLayoutMk cId="1867225914" sldId="2147483655"/>
+          </pc:sldLayoutMkLst>
+        </pc:sldLayoutChg>
+        <pc:sldLayoutChg chg="del">
+          <pc:chgData name="Eduardo Martín-Sonseca.Alonso" userId="044a8a39323ca9b2" providerId="LiveId" clId="{88BFF241-8797-48AB-88EF-E6D786ABB885}" dt="2022-09-28T19:06:29.003" v="21" actId="26606"/>
+          <pc:sldLayoutMkLst>
+            <pc:docMk/>
+            <pc:sldMasterMk cId="4153704577" sldId="2147483648"/>
+            <pc:sldLayoutMk cId="3993102465" sldId="2147483656"/>
+          </pc:sldLayoutMkLst>
+        </pc:sldLayoutChg>
+        <pc:sldLayoutChg chg="del">
+          <pc:chgData name="Eduardo Martín-Sonseca.Alonso" userId="044a8a39323ca9b2" providerId="LiveId" clId="{88BFF241-8797-48AB-88EF-E6D786ABB885}" dt="2022-09-28T19:06:29.003" v="21" actId="26606"/>
+          <pc:sldLayoutMkLst>
+            <pc:docMk/>
+            <pc:sldMasterMk cId="4153704577" sldId="2147483648"/>
+            <pc:sldLayoutMk cId="1101677169" sldId="2147483657"/>
+          </pc:sldLayoutMkLst>
+        </pc:sldLayoutChg>
+        <pc:sldLayoutChg chg="del">
+          <pc:chgData name="Eduardo Martín-Sonseca.Alonso" userId="044a8a39323ca9b2" providerId="LiveId" clId="{88BFF241-8797-48AB-88EF-E6D786ABB885}" dt="2022-09-28T19:06:29.003" v="21" actId="26606"/>
+          <pc:sldLayoutMkLst>
+            <pc:docMk/>
+            <pc:sldMasterMk cId="4153704577" sldId="2147483648"/>
+            <pc:sldLayoutMk cId="1708974393" sldId="2147483658"/>
+          </pc:sldLayoutMkLst>
+        </pc:sldLayoutChg>
+        <pc:sldLayoutChg chg="del">
+          <pc:chgData name="Eduardo Martín-Sonseca.Alonso" userId="044a8a39323ca9b2" providerId="LiveId" clId="{88BFF241-8797-48AB-88EF-E6D786ABB885}" dt="2022-09-28T19:06:29.003" v="21" actId="26606"/>
+          <pc:sldLayoutMkLst>
+            <pc:docMk/>
+            <pc:sldMasterMk cId="4153704577" sldId="2147483648"/>
+            <pc:sldLayoutMk cId="3689227001" sldId="2147483659"/>
+          </pc:sldLayoutMkLst>
+        </pc:sldLayoutChg>
+      </pc:sldMasterChg>
+      <pc:sldMasterChg chg="add del addSldLayout delSldLayout">
+        <pc:chgData name="Eduardo Martín-Sonseca.Alonso" userId="044a8a39323ca9b2" providerId="LiveId" clId="{88BFF241-8797-48AB-88EF-E6D786ABB885}" dt="2022-09-28T19:12:08.233" v="169" actId="26606"/>
+        <pc:sldMasterMkLst>
+          <pc:docMk/>
+          <pc:sldMasterMk cId="1915941506" sldId="2147483684"/>
+        </pc:sldMasterMkLst>
+        <pc:sldLayoutChg chg="add del">
+          <pc:chgData name="Eduardo Martín-Sonseca.Alonso" userId="044a8a39323ca9b2" providerId="LiveId" clId="{88BFF241-8797-48AB-88EF-E6D786ABB885}" dt="2022-09-28T19:12:08.233" v="169" actId="26606"/>
+          <pc:sldLayoutMkLst>
+            <pc:docMk/>
+            <pc:sldMasterMk cId="1915941506" sldId="2147483684"/>
+            <pc:sldLayoutMk cId="3146660656" sldId="2147483672"/>
+          </pc:sldLayoutMkLst>
+        </pc:sldLayoutChg>
+        <pc:sldLayoutChg chg="add del">
+          <pc:chgData name="Eduardo Martín-Sonseca.Alonso" userId="044a8a39323ca9b2" providerId="LiveId" clId="{88BFF241-8797-48AB-88EF-E6D786ABB885}" dt="2022-09-28T19:12:08.233" v="169" actId="26606"/>
+          <pc:sldLayoutMkLst>
+            <pc:docMk/>
+            <pc:sldMasterMk cId="1915941506" sldId="2147483684"/>
+            <pc:sldLayoutMk cId="3463993075" sldId="2147483673"/>
+          </pc:sldLayoutMkLst>
+        </pc:sldLayoutChg>
+        <pc:sldLayoutChg chg="add del">
+          <pc:chgData name="Eduardo Martín-Sonseca.Alonso" userId="044a8a39323ca9b2" providerId="LiveId" clId="{88BFF241-8797-48AB-88EF-E6D786ABB885}" dt="2022-09-28T19:12:08.233" v="169" actId="26606"/>
+          <pc:sldLayoutMkLst>
+            <pc:docMk/>
+            <pc:sldMasterMk cId="1915941506" sldId="2147483684"/>
+            <pc:sldLayoutMk cId="2463180449" sldId="2147483674"/>
+          </pc:sldLayoutMkLst>
+        </pc:sldLayoutChg>
+        <pc:sldLayoutChg chg="add del">
+          <pc:chgData name="Eduardo Martín-Sonseca.Alonso" userId="044a8a39323ca9b2" providerId="LiveId" clId="{88BFF241-8797-48AB-88EF-E6D786ABB885}" dt="2022-09-28T19:12:08.233" v="169" actId="26606"/>
+          <pc:sldLayoutMkLst>
+            <pc:docMk/>
+            <pc:sldMasterMk cId="1915941506" sldId="2147483684"/>
+            <pc:sldLayoutMk cId="1260257596" sldId="2147483675"/>
+          </pc:sldLayoutMkLst>
+        </pc:sldLayoutChg>
+        <pc:sldLayoutChg chg="add del">
+          <pc:chgData name="Eduardo Martín-Sonseca.Alonso" userId="044a8a39323ca9b2" providerId="LiveId" clId="{88BFF241-8797-48AB-88EF-E6D786ABB885}" dt="2022-09-28T19:12:08.233" v="169" actId="26606"/>
+          <pc:sldLayoutMkLst>
+            <pc:docMk/>
+            <pc:sldMasterMk cId="1915941506" sldId="2147483684"/>
+            <pc:sldLayoutMk cId="156605429" sldId="2147483676"/>
+          </pc:sldLayoutMkLst>
+        </pc:sldLayoutChg>
+        <pc:sldLayoutChg chg="add del">
+          <pc:chgData name="Eduardo Martín-Sonseca.Alonso" userId="044a8a39323ca9b2" providerId="LiveId" clId="{88BFF241-8797-48AB-88EF-E6D786ABB885}" dt="2022-09-28T19:12:08.233" v="169" actId="26606"/>
+          <pc:sldLayoutMkLst>
+            <pc:docMk/>
+            <pc:sldMasterMk cId="1915941506" sldId="2147483684"/>
+            <pc:sldLayoutMk cId="1334277528" sldId="2147483677"/>
+          </pc:sldLayoutMkLst>
+        </pc:sldLayoutChg>
+        <pc:sldLayoutChg chg="add del">
+          <pc:chgData name="Eduardo Martín-Sonseca.Alonso" userId="044a8a39323ca9b2" providerId="LiveId" clId="{88BFF241-8797-48AB-88EF-E6D786ABB885}" dt="2022-09-28T19:12:08.233" v="169" actId="26606"/>
+          <pc:sldLayoutMkLst>
+            <pc:docMk/>
+            <pc:sldMasterMk cId="1915941506" sldId="2147483684"/>
+            <pc:sldLayoutMk cId="2321814358" sldId="2147483678"/>
+          </pc:sldLayoutMkLst>
+        </pc:sldLayoutChg>
+        <pc:sldLayoutChg chg="add del">
+          <pc:chgData name="Eduardo Martín-Sonseca.Alonso" userId="044a8a39323ca9b2" providerId="LiveId" clId="{88BFF241-8797-48AB-88EF-E6D786ABB885}" dt="2022-09-28T19:12:08.233" v="169" actId="26606"/>
+          <pc:sldLayoutMkLst>
+            <pc:docMk/>
+            <pc:sldMasterMk cId="1915941506" sldId="2147483684"/>
+            <pc:sldLayoutMk cId="1611012212" sldId="2147483679"/>
+          </pc:sldLayoutMkLst>
+        </pc:sldLayoutChg>
+        <pc:sldLayoutChg chg="add del">
+          <pc:chgData name="Eduardo Martín-Sonseca.Alonso" userId="044a8a39323ca9b2" providerId="LiveId" clId="{88BFF241-8797-48AB-88EF-E6D786ABB885}" dt="2022-09-28T19:12:08.233" v="169" actId="26606"/>
+          <pc:sldLayoutMkLst>
+            <pc:docMk/>
+            <pc:sldMasterMk cId="1915941506" sldId="2147483684"/>
+            <pc:sldLayoutMk cId="318375492" sldId="2147483680"/>
+          </pc:sldLayoutMkLst>
+        </pc:sldLayoutChg>
+        <pc:sldLayoutChg chg="add del">
+          <pc:chgData name="Eduardo Martín-Sonseca.Alonso" userId="044a8a39323ca9b2" providerId="LiveId" clId="{88BFF241-8797-48AB-88EF-E6D786ABB885}" dt="2022-09-28T19:12:08.233" v="169" actId="26606"/>
+          <pc:sldLayoutMkLst>
+            <pc:docMk/>
+            <pc:sldMasterMk cId="1915941506" sldId="2147483684"/>
+            <pc:sldLayoutMk cId="1439732969" sldId="2147483681"/>
+          </pc:sldLayoutMkLst>
+        </pc:sldLayoutChg>
+        <pc:sldLayoutChg chg="add del">
+          <pc:chgData name="Eduardo Martín-Sonseca.Alonso" userId="044a8a39323ca9b2" providerId="LiveId" clId="{88BFF241-8797-48AB-88EF-E6D786ABB885}" dt="2022-09-28T19:12:08.233" v="169" actId="26606"/>
+          <pc:sldLayoutMkLst>
+            <pc:docMk/>
+            <pc:sldMasterMk cId="1915941506" sldId="2147483684"/>
+            <pc:sldLayoutMk cId="3648773634" sldId="2147483682"/>
+          </pc:sldLayoutMkLst>
+        </pc:sldLayoutChg>
+        <pc:sldLayoutChg chg="add del">
+          <pc:chgData name="Eduardo Martín-Sonseca.Alonso" userId="044a8a39323ca9b2" providerId="LiveId" clId="{88BFF241-8797-48AB-88EF-E6D786ABB885}" dt="2022-09-28T19:12:08.233" v="169" actId="26606"/>
+          <pc:sldLayoutMkLst>
+            <pc:docMk/>
+            <pc:sldMasterMk cId="1915941506" sldId="2147483684"/>
+            <pc:sldLayoutMk cId="2197691099" sldId="2147483683"/>
+          </pc:sldLayoutMkLst>
+        </pc:sldLayoutChg>
+      </pc:sldMasterChg>
+      <pc:sldMasterChg chg="add addSldLayout">
+        <pc:chgData name="Eduardo Martín-Sonseca.Alonso" userId="044a8a39323ca9b2" providerId="LiveId" clId="{88BFF241-8797-48AB-88EF-E6D786ABB885}" dt="2022-09-28T19:12:08.233" v="169" actId="26606"/>
+        <pc:sldMasterMkLst>
+          <pc:docMk/>
+          <pc:sldMasterMk cId="1664194090" sldId="2147483787"/>
+        </pc:sldMasterMkLst>
+        <pc:sldLayoutChg chg="add">
+          <pc:chgData name="Eduardo Martín-Sonseca.Alonso" userId="044a8a39323ca9b2" providerId="LiveId" clId="{88BFF241-8797-48AB-88EF-E6D786ABB885}" dt="2022-09-28T19:12:08.233" v="169" actId="26606"/>
+          <pc:sldLayoutMkLst>
+            <pc:docMk/>
+            <pc:sldMasterMk cId="1664194090" sldId="2147483787"/>
+            <pc:sldLayoutMk cId="631994042" sldId="2147483776"/>
+          </pc:sldLayoutMkLst>
+        </pc:sldLayoutChg>
+        <pc:sldLayoutChg chg="add">
+          <pc:chgData name="Eduardo Martín-Sonseca.Alonso" userId="044a8a39323ca9b2" providerId="LiveId" clId="{88BFF241-8797-48AB-88EF-E6D786ABB885}" dt="2022-09-28T19:12:08.233" v="169" actId="26606"/>
+          <pc:sldLayoutMkLst>
+            <pc:docMk/>
+            <pc:sldMasterMk cId="1664194090" sldId="2147483787"/>
+            <pc:sldLayoutMk cId="826257521" sldId="2147483777"/>
+          </pc:sldLayoutMkLst>
+        </pc:sldLayoutChg>
+        <pc:sldLayoutChg chg="add">
+          <pc:chgData name="Eduardo Martín-Sonseca.Alonso" userId="044a8a39323ca9b2" providerId="LiveId" clId="{88BFF241-8797-48AB-88EF-E6D786ABB885}" dt="2022-09-28T19:12:08.233" v="169" actId="26606"/>
+          <pc:sldLayoutMkLst>
+            <pc:docMk/>
+            <pc:sldMasterMk cId="1664194090" sldId="2147483787"/>
+            <pc:sldLayoutMk cId="427230603" sldId="2147483778"/>
+          </pc:sldLayoutMkLst>
+        </pc:sldLayoutChg>
+        <pc:sldLayoutChg chg="add">
+          <pc:chgData name="Eduardo Martín-Sonseca.Alonso" userId="044a8a39323ca9b2" providerId="LiveId" clId="{88BFF241-8797-48AB-88EF-E6D786ABB885}" dt="2022-09-28T19:12:08.233" v="169" actId="26606"/>
+          <pc:sldLayoutMkLst>
+            <pc:docMk/>
+            <pc:sldMasterMk cId="1664194090" sldId="2147483787"/>
+            <pc:sldLayoutMk cId="302560705" sldId="2147483779"/>
+          </pc:sldLayoutMkLst>
+        </pc:sldLayoutChg>
+        <pc:sldLayoutChg chg="add">
+          <pc:chgData name="Eduardo Martín-Sonseca.Alonso" userId="044a8a39323ca9b2" providerId="LiveId" clId="{88BFF241-8797-48AB-88EF-E6D786ABB885}" dt="2022-09-28T19:12:08.233" v="169" actId="26606"/>
+          <pc:sldLayoutMkLst>
+            <pc:docMk/>
+            <pc:sldMasterMk cId="1664194090" sldId="2147483787"/>
+            <pc:sldLayoutMk cId="1500051938" sldId="2147483780"/>
+          </pc:sldLayoutMkLst>
+        </pc:sldLayoutChg>
+        <pc:sldLayoutChg chg="add">
+          <pc:chgData name="Eduardo Martín-Sonseca.Alonso" userId="044a8a39323ca9b2" providerId="LiveId" clId="{88BFF241-8797-48AB-88EF-E6D786ABB885}" dt="2022-09-28T19:12:08.233" v="169" actId="26606"/>
+          <pc:sldLayoutMkLst>
+            <pc:docMk/>
+            <pc:sldMasterMk cId="1664194090" sldId="2147483787"/>
+            <pc:sldLayoutMk cId="3478882655" sldId="2147483781"/>
+          </pc:sldLayoutMkLst>
+        </pc:sldLayoutChg>
+        <pc:sldLayoutChg chg="add">
+          <pc:chgData name="Eduardo Martín-Sonseca.Alonso" userId="044a8a39323ca9b2" providerId="LiveId" clId="{88BFF241-8797-48AB-88EF-E6D786ABB885}" dt="2022-09-28T19:12:08.233" v="169" actId="26606"/>
+          <pc:sldLayoutMkLst>
+            <pc:docMk/>
+            <pc:sldMasterMk cId="1664194090" sldId="2147483787"/>
+            <pc:sldLayoutMk cId="696347914" sldId="2147483782"/>
+          </pc:sldLayoutMkLst>
+        </pc:sldLayoutChg>
+        <pc:sldLayoutChg chg="add">
+          <pc:chgData name="Eduardo Martín-Sonseca.Alonso" userId="044a8a39323ca9b2" providerId="LiveId" clId="{88BFF241-8797-48AB-88EF-E6D786ABB885}" dt="2022-09-28T19:12:08.233" v="169" actId="26606"/>
+          <pc:sldLayoutMkLst>
+            <pc:docMk/>
+            <pc:sldMasterMk cId="1664194090" sldId="2147483787"/>
+            <pc:sldLayoutMk cId="1957567240" sldId="2147483783"/>
+          </pc:sldLayoutMkLst>
+        </pc:sldLayoutChg>
+        <pc:sldLayoutChg chg="add">
+          <pc:chgData name="Eduardo Martín-Sonseca.Alonso" userId="044a8a39323ca9b2" providerId="LiveId" clId="{88BFF241-8797-48AB-88EF-E6D786ABB885}" dt="2022-09-28T19:12:08.233" v="169" actId="26606"/>
+          <pc:sldLayoutMkLst>
+            <pc:docMk/>
+            <pc:sldMasterMk cId="1664194090" sldId="2147483787"/>
+            <pc:sldLayoutMk cId="3205593028" sldId="2147483784"/>
+          </pc:sldLayoutMkLst>
+        </pc:sldLayoutChg>
+        <pc:sldLayoutChg chg="add">
+          <pc:chgData name="Eduardo Martín-Sonseca.Alonso" userId="044a8a39323ca9b2" providerId="LiveId" clId="{88BFF241-8797-48AB-88EF-E6D786ABB885}" dt="2022-09-28T19:12:08.233" v="169" actId="26606"/>
+          <pc:sldLayoutMkLst>
+            <pc:docMk/>
+            <pc:sldMasterMk cId="1664194090" sldId="2147483787"/>
+            <pc:sldLayoutMk cId="1802076624" sldId="2147483785"/>
+          </pc:sldLayoutMkLst>
+        </pc:sldLayoutChg>
+        <pc:sldLayoutChg chg="add">
+          <pc:chgData name="Eduardo Martín-Sonseca.Alonso" userId="044a8a39323ca9b2" providerId="LiveId" clId="{88BFF241-8797-48AB-88EF-E6D786ABB885}" dt="2022-09-28T19:12:08.233" v="169" actId="26606"/>
+          <pc:sldLayoutMkLst>
+            <pc:docMk/>
+            <pc:sldMasterMk cId="1664194090" sldId="2147483787"/>
+            <pc:sldLayoutMk cId="982622909" sldId="2147483786"/>
+          </pc:sldLayoutMkLst>
+        </pc:sldLayoutChg>
+      </pc:sldMasterChg>
+    </pc:docChg>
+  </pc:docChgLst>
+  <pc:docChgLst>
+    <pc:chgData name="Eduardo Martín-Sonseca.Alonso" userId="044a8a39323ca9b2" providerId="Windows Live" clId="Web-{C190444C-DE63-4BE0-9A75-B7D0A850D412}"/>
+    <pc:docChg chg="modSld">
+      <pc:chgData name="Eduardo Martín-Sonseca.Alonso" userId="044a8a39323ca9b2" providerId="Windows Live" clId="Web-{C190444C-DE63-4BE0-9A75-B7D0A850D412}" dt="2022-10-04T08:16:13.346" v="9" actId="20577"/>
+      <pc:docMkLst>
+        <pc:docMk/>
+      </pc:docMkLst>
+      <pc:sldChg chg="modSp">
+        <pc:chgData name="Eduardo Martín-Sonseca.Alonso" userId="044a8a39323ca9b2" providerId="Windows Live" clId="Web-{C190444C-DE63-4BE0-9A75-B7D0A850D412}" dt="2022-10-04T08:16:13.346" v="9" actId="20577"/>
+        <pc:sldMkLst>
+          <pc:docMk/>
+          <pc:sldMk cId="1479924629" sldId="258"/>
+        </pc:sldMkLst>
+        <pc:spChg chg="mod">
+          <ac:chgData name="Eduardo Martín-Sonseca.Alonso" userId="044a8a39323ca9b2" providerId="Windows Live" clId="Web-{C190444C-DE63-4BE0-9A75-B7D0A850D412}" dt="2022-10-04T08:16:13.346" v="9" actId="20577"/>
+          <ac:spMkLst>
+            <pc:docMk/>
+            <pc:sldMk cId="1479924629" sldId="258"/>
+            <ac:spMk id="6" creationId="{FFE44297-5AAD-CA6F-4064-C2621A1C9AF8}"/>
+          </ac:spMkLst>
+        </pc:spChg>
+      </pc:sldChg>
+    </pc:docChg>
+  </pc:docChgLst>
+  <pc:docChgLst>
+    <pc:chgData name="Eduardo Martín-Sonseca.Alonso" userId="044a8a39323ca9b2" providerId="Windows Live" clId="Web-{8949363F-F8E8-445A-B74B-030214F69C19}"/>
+    <pc:docChg chg="modSld">
+      <pc:chgData name="Eduardo Martín-Sonseca.Alonso" userId="044a8a39323ca9b2" providerId="Windows Live" clId="Web-{8949363F-F8E8-445A-B74B-030214F69C19}" dt="2022-09-29T08:48:11.610" v="2" actId="20577"/>
+      <pc:docMkLst>
+        <pc:docMk/>
+      </pc:docMkLst>
+      <pc:sldChg chg="modSp">
+        <pc:chgData name="Eduardo Martín-Sonseca.Alonso" userId="044a8a39323ca9b2" providerId="Windows Live" clId="Web-{8949363F-F8E8-445A-B74B-030214F69C19}" dt="2022-09-29T08:48:11.610" v="2" actId="20577"/>
+        <pc:sldMkLst>
+          <pc:docMk/>
+          <pc:sldMk cId="1479924629" sldId="258"/>
+        </pc:sldMkLst>
+        <pc:spChg chg="mod">
+          <ac:chgData name="Eduardo Martín-Sonseca.Alonso" userId="044a8a39323ca9b2" providerId="Windows Live" clId="Web-{8949363F-F8E8-445A-B74B-030214F69C19}" dt="2022-09-29T08:48:11.610" v="2" actId="20577"/>
+          <ac:spMkLst>
+            <pc:docMk/>
+            <pc:sldMk cId="1479924629" sldId="258"/>
+            <ac:spMk id="7" creationId="{5B41D51C-D08B-3EFA-1F77-001EE791B2E3}"/>
+          </ac:spMkLst>
+        </pc:spChg>
+      </pc:sldChg>
+    </pc:docChg>
+  </pc:docChgLst>
+  <pc:docChgLst>
     <pc:chgData name="Eduardo Martín-Sonseca.Alonso" userId="044a8a39323ca9b2" providerId="Windows Live" clId="Web-{FF7F459F-C0C5-489C-9C21-CFBC7B56CB8A}"/>
     <pc:docChg chg="addSld modSld addMainMaster delMainMaster">
       <pc:chgData name="Eduardo Martín-Sonseca.Alonso" userId="044a8a39323ca9b2" providerId="Windows Live" clId="Web-{FF7F459F-C0C5-489C-9C21-CFBC7B56CB8A}" dt="2022-10-04T11:33:19.174" v="59" actId="14100"/>
@@ -4575,6 +4545,94 @@
           </pc:sldLayoutMkLst>
         </pc:sldLayoutChg>
       </pc:sldMasterChg>
+    </pc:docChg>
+  </pc:docChgLst>
+  <pc:docChgLst>
+    <pc:chgData name="luis fernandez" userId="7ba62ef74e42bc87" providerId="Windows Live" clId="Web-{290CB0A9-894B-4DAB-8123-A605B9345043}"/>
+    <pc:docChg chg="modSld">
+      <pc:chgData name="luis fernandez" userId="7ba62ef74e42bc87" providerId="Windows Live" clId="Web-{290CB0A9-894B-4DAB-8123-A605B9345043}" dt="2022-10-04T09:46:36.949" v="0"/>
+      <pc:docMkLst>
+        <pc:docMk/>
+      </pc:docMkLst>
+      <pc:sldChg chg="modAnim">
+        <pc:chgData name="luis fernandez" userId="7ba62ef74e42bc87" providerId="Windows Live" clId="Web-{290CB0A9-894B-4DAB-8123-A605B9345043}" dt="2022-10-04T09:46:36.949" v="0"/>
+        <pc:sldMkLst>
+          <pc:docMk/>
+          <pc:sldMk cId="992274193" sldId="259"/>
+        </pc:sldMkLst>
+      </pc:sldChg>
+    </pc:docChg>
+  </pc:docChgLst>
+  <pc:docChgLst>
+    <pc:chgData name="Eduardo Martín-Sonseca.Alonso" userId="044a8a39323ca9b2" providerId="LiveId" clId="{37839B77-9B63-4AAE-801F-3EFA7B99B021}"/>
+    <pc:docChg chg="custSel modSld">
+      <pc:chgData name="Eduardo Martín-Sonseca.Alonso" userId="044a8a39323ca9b2" providerId="LiveId" clId="{37839B77-9B63-4AAE-801F-3EFA7B99B021}" dt="2022-10-05T17:23:01.905" v="7" actId="478"/>
+      <pc:docMkLst>
+        <pc:docMk/>
+      </pc:docMkLst>
+      <pc:sldChg chg="addSp delSp modSp mod delAnim">
+        <pc:chgData name="Eduardo Martín-Sonseca.Alonso" userId="044a8a39323ca9b2" providerId="LiveId" clId="{37839B77-9B63-4AAE-801F-3EFA7B99B021}" dt="2022-10-05T17:23:01.905" v="7" actId="478"/>
+        <pc:sldMkLst>
+          <pc:docMk/>
+          <pc:sldMk cId="1106986487" sldId="261"/>
+        </pc:sldMkLst>
+        <pc:spChg chg="mod">
+          <ac:chgData name="Eduardo Martín-Sonseca.Alonso" userId="044a8a39323ca9b2" providerId="LiveId" clId="{37839B77-9B63-4AAE-801F-3EFA7B99B021}" dt="2022-10-05T17:22:51.958" v="4" actId="26606"/>
+          <ac:spMkLst>
+            <pc:docMk/>
+            <pc:sldMk cId="1106986487" sldId="261"/>
+            <ac:spMk id="2" creationId="{71AEC653-CF21-4A83-8228-4AB13A9E6A67}"/>
+          </ac:spMkLst>
+        </pc:spChg>
+        <pc:spChg chg="mod">
+          <ac:chgData name="Eduardo Martín-Sonseca.Alonso" userId="044a8a39323ca9b2" providerId="LiveId" clId="{37839B77-9B63-4AAE-801F-3EFA7B99B021}" dt="2022-10-05T17:22:51.958" v="4" actId="26606"/>
+          <ac:spMkLst>
+            <pc:docMk/>
+            <pc:sldMk cId="1106986487" sldId="261"/>
+            <ac:spMk id="3" creationId="{FDA276B4-AFA8-445E-BF46-D797C1B3F0B0}"/>
+          </ac:spMkLst>
+        </pc:spChg>
+        <pc:spChg chg="del mod">
+          <ac:chgData name="Eduardo Martín-Sonseca.Alonso" userId="044a8a39323ca9b2" providerId="LiveId" clId="{37839B77-9B63-4AAE-801F-3EFA7B99B021}" dt="2022-10-05T17:23:01.905" v="7" actId="478"/>
+          <ac:spMkLst>
+            <pc:docMk/>
+            <pc:sldMk cId="1106986487" sldId="261"/>
+            <ac:spMk id="6" creationId="{22E9BD6E-B7AB-7C53-4EB4-0ACEDFFA89B2}"/>
+          </ac:spMkLst>
+        </pc:spChg>
+        <pc:spChg chg="del">
+          <ac:chgData name="Eduardo Martín-Sonseca.Alonso" userId="044a8a39323ca9b2" providerId="LiveId" clId="{37839B77-9B63-4AAE-801F-3EFA7B99B021}" dt="2022-10-05T17:22:51.958" v="4" actId="26606"/>
+          <ac:spMkLst>
+            <pc:docMk/>
+            <pc:sldMk cId="1106986487" sldId="261"/>
+            <ac:spMk id="21" creationId="{04812C46-200A-4DEB-A05E-3ED6C68C2387}"/>
+          </ac:spMkLst>
+        </pc:spChg>
+        <pc:spChg chg="del">
+          <ac:chgData name="Eduardo Martín-Sonseca.Alonso" userId="044a8a39323ca9b2" providerId="LiveId" clId="{37839B77-9B63-4AAE-801F-3EFA7B99B021}" dt="2022-10-05T17:22:51.958" v="4" actId="26606"/>
+          <ac:spMkLst>
+            <pc:docMk/>
+            <pc:sldMk cId="1106986487" sldId="261"/>
+            <ac:spMk id="23" creationId="{D1EA859B-E555-4109-94F3-6700E046E008}"/>
+          </ac:spMkLst>
+        </pc:spChg>
+        <pc:spChg chg="add">
+          <ac:chgData name="Eduardo Martín-Sonseca.Alonso" userId="044a8a39323ca9b2" providerId="LiveId" clId="{37839B77-9B63-4AAE-801F-3EFA7B99B021}" dt="2022-10-05T17:22:51.958" v="4" actId="26606"/>
+          <ac:spMkLst>
+            <pc:docMk/>
+            <pc:sldMk cId="1106986487" sldId="261"/>
+            <ac:spMk id="25" creationId="{8CA06CD6-90CA-4C45-856C-6771339E1E22}"/>
+          </ac:spMkLst>
+        </pc:spChg>
+        <pc:cxnChg chg="add">
+          <ac:chgData name="Eduardo Martín-Sonseca.Alonso" userId="044a8a39323ca9b2" providerId="LiveId" clId="{37839B77-9B63-4AAE-801F-3EFA7B99B021}" dt="2022-10-05T17:22:51.958" v="4" actId="26606"/>
+          <ac:cxnSpMkLst>
+            <pc:docMk/>
+            <pc:sldMk cId="1106986487" sldId="261"/>
+            <ac:cxnSpMk id="26" creationId="{5021601D-2758-4B15-A31C-FDA184C51B3A}"/>
+          </ac:cxnSpMkLst>
+        </pc:cxnChg>
+      </pc:sldChg>
     </pc:docChg>
   </pc:docChgLst>
 </pc:chgInfo>
@@ -15953,12 +16011,12 @@
           <a:chExt cx="0" cy="0"/>
         </a:xfrm>
       </p:grpSpPr>
-      <p:sp useBgFill="1">
+      <p:sp>
         <p:nvSpPr>
-          <p:cNvPr id="21" name="Rectangle 20">
+          <p:cNvPr id="25" name="Rectangle 27">
             <a:extLst>
               <a:ext uri="{FF2B5EF4-FFF2-40B4-BE49-F238E27FC236}">
-                <a16:creationId xmlns:a16="http://schemas.microsoft.com/office/drawing/2014/main" id="{04812C46-200A-4DEB-A05E-3ED6C68C2387}"/>
+                <a16:creationId xmlns:a16="http://schemas.microsoft.com/office/drawing/2014/main" id="{8CA06CD6-90CA-4C45-856C-6771339E1E22}"/>
               </a:ext>
               <a:ext uri="{C183D7F6-B498-43B3-948B-1728B52AA6E4}">
                 <adec:decorative xmlns:adec="http://schemas.microsoft.com/office/drawing/2017/decorative" val="1"/>
@@ -15976,15 +16034,20 @@
             </p:extLst>
           </p:nvPr>
         </p:nvSpPr>
-        <p:spPr>
+        <p:spPr bwMode="ltGray">
           <a:xfrm>
-            <a:off x="3049" y="0"/>
-            <a:ext cx="12188952" cy="6858000"/>
+            <a:off x="321564" y="320040"/>
+            <a:ext cx="11548872" cy="6217920"/>
           </a:xfrm>
           <a:prstGeom prst="rect">
             <a:avLst/>
           </a:prstGeom>
-          <a:ln>
+          <a:solidFill>
+            <a:schemeClr val="tx1">
+              <a:alpha val="10000"/>
+            </a:schemeClr>
+          </a:solidFill>
+          <a:ln w="127000" cap="sq" cmpd="thinThick">
             <a:noFill/>
           </a:ln>
         </p:spPr>
@@ -16015,92 +16078,6 @@
       </p:sp>
       <p:sp>
         <p:nvSpPr>
-          <p:cNvPr id="23" name="Rectangle 22">
-            <a:extLst>
-              <a:ext uri="{FF2B5EF4-FFF2-40B4-BE49-F238E27FC236}">
-                <a16:creationId xmlns:a16="http://schemas.microsoft.com/office/drawing/2014/main" id="{D1EA859B-E555-4109-94F3-6700E046E008}"/>
-              </a:ext>
-              <a:ext uri="{C183D7F6-B498-43B3-948B-1728B52AA6E4}">
-                <adec:decorative xmlns:adec="http://schemas.microsoft.com/office/drawing/2017/decorative" val="1"/>
-              </a:ext>
-            </a:extLst>
-          </p:cNvPr>
-          <p:cNvSpPr>
-            <a:spLocks noGrp="1" noRot="1" noChangeAspect="1" noMove="1" noResize="1" noEditPoints="1" noAdjustHandles="1" noChangeArrowheads="1" noChangeShapeType="1" noTextEdit="1"/>
-          </p:cNvSpPr>
-          <p:nvPr>
-            <p:extLst>
-              <p:ext uri="{386F3935-93C4-4BCD-93E2-E3B085C9AB24}">
-                <p16:designElem xmlns:p16="http://schemas.microsoft.com/office/powerpoint/2015/main" val="1"/>
-              </p:ext>
-            </p:extLst>
-          </p:nvPr>
-        </p:nvSpPr>
-        <p:spPr>
-          <a:xfrm>
-            <a:off x="-1" y="0"/>
-            <a:ext cx="7390263" cy="6858000"/>
-          </a:xfrm>
-          <a:prstGeom prst="rect">
-            <a:avLst/>
-          </a:prstGeom>
-          <a:gradFill>
-            <a:gsLst>
-              <a:gs pos="48000">
-                <a:schemeClr val="bg1"/>
-              </a:gs>
-              <a:gs pos="35000">
-                <a:schemeClr val="bg1">
-                  <a:alpha val="77000"/>
-                </a:schemeClr>
-              </a:gs>
-              <a:gs pos="19000">
-                <a:schemeClr val="bg1">
-                  <a:alpha val="38000"/>
-                </a:schemeClr>
-              </a:gs>
-              <a:gs pos="0">
-                <a:schemeClr val="bg1">
-                  <a:alpha val="0"/>
-                </a:schemeClr>
-              </a:gs>
-              <a:gs pos="100000">
-                <a:schemeClr val="bg1"/>
-              </a:gs>
-            </a:gsLst>
-            <a:lin ang="10800000" scaled="0"/>
-          </a:gradFill>
-          <a:ln>
-            <a:noFill/>
-          </a:ln>
-        </p:spPr>
-        <p:style>
-          <a:lnRef idx="2">
-            <a:schemeClr val="accent1">
-              <a:shade val="50000"/>
-            </a:schemeClr>
-          </a:lnRef>
-          <a:fillRef idx="1">
-            <a:schemeClr val="accent1"/>
-          </a:fillRef>
-          <a:effectRef idx="0">
-            <a:schemeClr val="accent1"/>
-          </a:effectRef>
-          <a:fontRef idx="minor">
-            <a:schemeClr val="lt1"/>
-          </a:fontRef>
-        </p:style>
-        <p:txBody>
-          <a:bodyPr rtlCol="0" anchor="ctr"/>
-          <a:lstStyle/>
-          <a:p>
-            <a:pPr algn="ctr"/>
-            <a:endParaRPr lang="en-US" dirty="0"/>
-          </a:p>
-        </p:txBody>
-      </p:sp>
-      <p:sp>
-        <p:nvSpPr>
           <p:cNvPr id="2" name="Título 1">
             <a:extLst>
               <a:ext uri="{FF2B5EF4-FFF2-40B4-BE49-F238E27FC236}">
@@ -16117,23 +16094,86 @@
         </p:nvSpPr>
         <p:spPr>
           <a:xfrm>
-            <a:off x="838200" y="365125"/>
-            <a:ext cx="3822189" cy="1899912"/>
+            <a:off x="838200" y="963507"/>
+            <a:ext cx="3494362" cy="4930986"/>
           </a:xfrm>
         </p:spPr>
         <p:txBody>
-          <a:bodyPr>
+          <a:bodyPr vert="horz" lIns="91440" tIns="45720" rIns="91440" bIns="45720" rtlCol="0" anchor="ctr">
             <a:normAutofit/>
           </a:bodyPr>
           <a:lstStyle/>
           <a:p>
-            <a:r>
-              <a:rPr lang="es-ES" sz="4000" dirty="0"/>
+            <a:pPr algn="r"/>
+            <a:r>
+              <a:rPr lang="en-US" kern="1200">
+                <a:solidFill>
+                  <a:schemeClr val="accent1"/>
+                </a:solidFill>
+                <a:latin typeface="+mj-lt"/>
+                <a:ea typeface="+mj-ea"/>
+                <a:cs typeface="+mj-cs"/>
+              </a:rPr>
               <a:t>VOLUMEN</a:t>
             </a:r>
           </a:p>
         </p:txBody>
       </p:sp>
+      <p:cxnSp>
+        <p:nvCxnSpPr>
+          <p:cNvPr id="26" name="Straight Connector 29">
+            <a:extLst>
+              <a:ext uri="{FF2B5EF4-FFF2-40B4-BE49-F238E27FC236}">
+                <a16:creationId xmlns:a16="http://schemas.microsoft.com/office/drawing/2014/main" id="{5021601D-2758-4B15-A31C-FDA184C51B3A}"/>
+              </a:ext>
+              <a:ext uri="{C183D7F6-B498-43B3-948B-1728B52AA6E4}">
+                <adec:decorative xmlns:adec="http://schemas.microsoft.com/office/drawing/2017/decorative" val="1"/>
+              </a:ext>
+            </a:extLst>
+          </p:cNvPr>
+          <p:cNvCxnSpPr>
+            <a:cxnSpLocks noGrp="1" noRot="1" noChangeAspect="1" noMove="1" noResize="1" noEditPoints="1" noAdjustHandles="1" noChangeArrowheads="1" noChangeShapeType="1"/>
+          </p:cNvCxnSpPr>
+          <p:nvPr>
+            <p:extLst>
+              <p:ext uri="{386F3935-93C4-4BCD-93E2-E3B085C9AB24}">
+                <p16:designElem xmlns:p16="http://schemas.microsoft.com/office/powerpoint/2015/main" val="1"/>
+              </p:ext>
+            </p:extLst>
+          </p:nvPr>
+        </p:nvCxnSpPr>
+        <p:spPr>
+          <a:xfrm>
+            <a:off x="4654296" y="2057400"/>
+            <a:ext cx="0" cy="2743200"/>
+          </a:xfrm>
+          <a:prstGeom prst="line">
+            <a:avLst/>
+          </a:prstGeom>
+          <a:ln w="19050">
+            <a:solidFill>
+              <a:schemeClr val="tx1">
+                <a:lumMod val="85000"/>
+                <a:lumOff val="15000"/>
+              </a:schemeClr>
+            </a:solidFill>
+          </a:ln>
+        </p:spPr>
+        <p:style>
+          <a:lnRef idx="1">
+            <a:schemeClr val="accent1"/>
+          </a:lnRef>
+          <a:fillRef idx="0">
+            <a:schemeClr val="accent1"/>
+          </a:fillRef>
+          <a:effectRef idx="0">
+            <a:schemeClr val="accent1"/>
+          </a:effectRef>
+          <a:fontRef idx="minor">
+            <a:schemeClr val="tx1"/>
+          </a:fontRef>
+        </p:style>
+      </p:cxnSp>
       <p:sp>
         <p:nvSpPr>
           <p:cNvPr id="3" name="Marcador de contenido 2">
@@ -16152,145 +16192,173 @@
         </p:nvSpPr>
         <p:spPr>
           <a:xfrm>
-            <a:off x="838200" y="2434201"/>
-            <a:ext cx="3822189" cy="3742762"/>
+            <a:off x="4976030" y="963507"/>
+            <a:ext cx="6250940" cy="2304627"/>
           </a:xfrm>
         </p:spPr>
         <p:txBody>
-          <a:bodyPr>
+          <a:bodyPr vert="horz" lIns="91440" tIns="45720" rIns="91440" bIns="45720" rtlCol="0" anchor="b">
             <a:normAutofit/>
           </a:bodyPr>
           <a:lstStyle/>
           <a:p>
             <a:r>
-              <a:rPr lang="es-ES" sz="2000" b="1" dirty="0"/>
+              <a:rPr lang="en-US" sz="2000" b="1" dirty="0" err="1"/>
               <a:t>Volumen</a:t>
             </a:r>
             <a:r>
-              <a:rPr lang="es-ES" sz="2000" dirty="0"/>
-              <a:t>: </a:t>
-            </a:r>
-            <a:r>
-              <a:rPr lang="es-ES" sz="2000"/>
-              <a:t>El big </a:t>
-            </a:r>
-            <a:r>
-              <a:rPr lang="es-ES" sz="2000" dirty="0"/>
-              <a:t>data procesa grandes volúmenes de datos no estructurados, la procedencia de esos daros, es </a:t>
-            </a:r>
-            <a:r>
-              <a:rPr lang="es-ES" sz="2000"/>
-              <a:t>desconocida (p.e. las feeds </a:t>
-            </a:r>
-            <a:r>
-              <a:rPr lang="es-ES" sz="2000" dirty="0"/>
-              <a:t>de Twitter). Esta característica para las organizaciones, supone un reto para almacenar y analizar los datos</a:t>
-            </a:r>
-            <a:endParaRPr lang="es-ES" sz="2000" b="1" dirty="0"/>
-          </a:p>
-        </p:txBody>
-      </p:sp>
-      <p:sp>
-        <p:nvSpPr>
-          <p:cNvPr id="6" name="Título 1">
-            <a:extLst>
-              <a:ext uri="{FF2B5EF4-FFF2-40B4-BE49-F238E27FC236}">
-                <a16:creationId xmlns:a16="http://schemas.microsoft.com/office/drawing/2014/main" id="{22E9BD6E-B7AB-7C53-4EB4-0ACEDFFA89B2}"/>
-              </a:ext>
-            </a:extLst>
-          </p:cNvPr>
-          <p:cNvSpPr txBox="1">
-            <a:spLocks/>
-          </p:cNvSpPr>
-          <p:nvPr/>
-        </p:nvSpPr>
-        <p:spPr>
-          <a:xfrm>
-            <a:off x="6893043" y="5816630"/>
-            <a:ext cx="5298957" cy="906733"/>
-          </a:xfrm>
-          <a:prstGeom prst="rect">
-            <a:avLst/>
-          </a:prstGeom>
-        </p:spPr>
-        <p:txBody>
-          <a:bodyPr vert="horz" lIns="91440" tIns="45720" rIns="91440" bIns="45720" rtlCol="0" anchor="b">
-            <a:noAutofit/>
-          </a:bodyPr>
-          <a:lstStyle>
-            <a:lvl1pPr algn="l" defTabSz="914400" rtl="0" eaLnBrk="1" latinLnBrk="0" hangingPunct="1">
-              <a:lnSpc>
-                <a:spcPct val="90000"/>
-              </a:lnSpc>
-              <a:spcBef>
-                <a:spcPct val="0"/>
-              </a:spcBef>
-              <a:buNone/>
-              <a:defRPr sz="4400" kern="1200">
-                <a:solidFill>
-                  <a:schemeClr val="tx1"/>
-                </a:solidFill>
-                <a:latin typeface="+mj-lt"/>
-                <a:ea typeface="+mj-ea"/>
-                <a:cs typeface="+mj-cs"/>
-              </a:defRPr>
-            </a:lvl1pPr>
-          </a:lstStyle>
-          <a:p>
-            <a:pPr algn="ctr">
-              <a:spcAft>
-                <a:spcPts val="600"/>
-              </a:spcAft>
-            </a:pPr>
-            <a:r>
-              <a:rPr lang="es-ES" sz="1600" b="1" dirty="0">
-                <a:solidFill>
-                  <a:schemeClr val="bg1"/>
-                </a:solidFill>
-                <a:cs typeface="Calibri Light" panose="020F0302020204030204"/>
-              </a:rPr>
-              <a:t>EDUARDO MARTÍN-SONSECA</a:t>
-            </a:r>
-            <a:br>
-              <a:rPr lang="es-ES" sz="1600" b="1" dirty="0">
-                <a:solidFill>
-                  <a:schemeClr val="bg1"/>
-                </a:solidFill>
-                <a:cs typeface="Calibri Light" panose="020F0302020204030204"/>
-              </a:rPr>
-            </a:br>
-            <a:r>
-              <a:rPr lang="es-ES" sz="1600" b="1" dirty="0">
-                <a:solidFill>
-                  <a:schemeClr val="bg1"/>
-                </a:solidFill>
-                <a:cs typeface="Calibri Light" panose="020F0302020204030204"/>
-              </a:rPr>
-              <a:t>LUIS FERNANDEZ CASTELO</a:t>
-            </a:r>
-            <a:br>
-              <a:rPr lang="es-ES" sz="1600" b="1" dirty="0">
-                <a:solidFill>
-                  <a:schemeClr val="bg1"/>
-                </a:solidFill>
-                <a:cs typeface="Calibri Light" panose="020F0302020204030204"/>
-              </a:rPr>
-            </a:br>
-            <a:r>
-              <a:rPr lang="es-ES" sz="1600" b="1" dirty="0">
-                <a:solidFill>
-                  <a:schemeClr val="bg1"/>
-                </a:solidFill>
-                <a:cs typeface="Calibri Light" panose="020F0302020204030204"/>
-              </a:rPr>
-              <a:t>1º DESARROLLO DE APLICACIONES MULTIPLATAFORMA</a:t>
-            </a:r>
-            <a:endParaRPr lang="es-ES" sz="1600" dirty="0">
-              <a:solidFill>
-                <a:schemeClr val="bg1"/>
-              </a:solidFill>
-              <a:cs typeface="Calibri Light"/>
-            </a:endParaRPr>
+              <a:rPr lang="en-US" sz="2000" dirty="0"/>
+              <a:t>: El big data </a:t>
+            </a:r>
+            <a:r>
+              <a:rPr lang="en-US" sz="2000" dirty="0" err="1"/>
+              <a:t>procesa</a:t>
+            </a:r>
+            <a:r>
+              <a:rPr lang="en-US" sz="2000" dirty="0"/>
+              <a:t> </a:t>
+            </a:r>
+            <a:r>
+              <a:rPr lang="en-US" sz="2000" dirty="0" err="1"/>
+              <a:t>grandes</a:t>
+            </a:r>
+            <a:r>
+              <a:rPr lang="en-US" sz="2000" dirty="0"/>
+              <a:t> </a:t>
+            </a:r>
+            <a:r>
+              <a:rPr lang="en-US" sz="2000" dirty="0" err="1"/>
+              <a:t>volúmenes</a:t>
+            </a:r>
+            <a:r>
+              <a:rPr lang="en-US" sz="2000" dirty="0"/>
+              <a:t> de </a:t>
+            </a:r>
+            <a:r>
+              <a:rPr lang="en-US" sz="2000" dirty="0" err="1"/>
+              <a:t>datos</a:t>
+            </a:r>
+            <a:r>
+              <a:rPr lang="en-US" sz="2000" dirty="0"/>
+              <a:t> no </a:t>
+            </a:r>
+            <a:r>
+              <a:rPr lang="en-US" sz="2000" dirty="0" err="1"/>
+              <a:t>estructurados</a:t>
+            </a:r>
+            <a:r>
+              <a:rPr lang="en-US" sz="2000" dirty="0"/>
+              <a:t>, la </a:t>
+            </a:r>
+            <a:r>
+              <a:rPr lang="en-US" sz="2000" dirty="0" err="1"/>
+              <a:t>procedencia</a:t>
+            </a:r>
+            <a:r>
+              <a:rPr lang="en-US" sz="2000" dirty="0"/>
+              <a:t> de </a:t>
+            </a:r>
+            <a:r>
+              <a:rPr lang="en-US" sz="2000" dirty="0" err="1"/>
+              <a:t>esos</a:t>
+            </a:r>
+            <a:r>
+              <a:rPr lang="en-US" sz="2000" dirty="0"/>
+              <a:t> </a:t>
+            </a:r>
+            <a:r>
+              <a:rPr lang="en-US" sz="2000" dirty="0" err="1"/>
+              <a:t>daros</a:t>
+            </a:r>
+            <a:r>
+              <a:rPr lang="en-US" sz="2000" dirty="0"/>
+              <a:t>, es </a:t>
+            </a:r>
+            <a:r>
+              <a:rPr lang="en-US" sz="2000" dirty="0" err="1"/>
+              <a:t>desconocida</a:t>
+            </a:r>
+            <a:r>
+              <a:rPr lang="en-US" sz="2000" dirty="0"/>
+              <a:t> (</a:t>
+            </a:r>
+            <a:r>
+              <a:rPr lang="en-US" sz="2000" dirty="0" err="1"/>
+              <a:t>p.e.</a:t>
+            </a:r>
+            <a:r>
+              <a:rPr lang="en-US" sz="2000" dirty="0"/>
+              <a:t> las feeds de Twitter). </a:t>
+            </a:r>
+            <a:r>
+              <a:rPr lang="en-US" sz="2000" dirty="0" err="1"/>
+              <a:t>Esta</a:t>
+            </a:r>
+            <a:r>
+              <a:rPr lang="en-US" sz="2000" dirty="0"/>
+              <a:t> </a:t>
+            </a:r>
+            <a:r>
+              <a:rPr lang="en-US" sz="2000" dirty="0" err="1"/>
+              <a:t>característica</a:t>
+            </a:r>
+            <a:r>
+              <a:rPr lang="en-US" sz="2000" dirty="0"/>
+              <a:t> para las </a:t>
+            </a:r>
+            <a:r>
+              <a:rPr lang="en-US" sz="2000" dirty="0" err="1"/>
+              <a:t>organizaciones</a:t>
+            </a:r>
+            <a:r>
+              <a:rPr lang="en-US" sz="2000" dirty="0"/>
+              <a:t>, </a:t>
+            </a:r>
+            <a:r>
+              <a:rPr lang="en-US" sz="2000" dirty="0" err="1"/>
+              <a:t>supone</a:t>
+            </a:r>
+            <a:r>
+              <a:rPr lang="en-US" sz="2000" dirty="0"/>
+              <a:t> un </a:t>
+            </a:r>
+            <a:r>
+              <a:rPr lang="en-US" sz="2000" dirty="0" err="1"/>
+              <a:t>reto</a:t>
+            </a:r>
+            <a:r>
+              <a:rPr lang="en-US" sz="2000" dirty="0"/>
+              <a:t> para </a:t>
+            </a:r>
+            <a:r>
+              <a:rPr lang="en-US" sz="2000" dirty="0" err="1"/>
+              <a:t>almacenar</a:t>
+            </a:r>
+            <a:r>
+              <a:rPr lang="en-US" sz="2000" dirty="0"/>
+              <a:t> y </a:t>
+            </a:r>
+            <a:r>
+              <a:rPr lang="en-US" sz="2000" dirty="0" err="1"/>
+              <a:t>analizar</a:t>
+            </a:r>
+            <a:r>
+              <a:rPr lang="en-US" sz="2000" dirty="0"/>
+              <a:t> </a:t>
+            </a:r>
+            <a:r>
+              <a:rPr lang="en-US" sz="2000" dirty="0" err="1"/>
+              <a:t>los</a:t>
+            </a:r>
+            <a:r>
+              <a:rPr lang="en-US" sz="2000" dirty="0"/>
+              <a:t> </a:t>
+            </a:r>
+            <a:r>
+              <a:rPr lang="en-US" sz="2000" dirty="0" err="1"/>
+              <a:t>datos</a:t>
+            </a:r>
+            <a:endParaRPr lang="en-US" sz="2000" b="1" dirty="0"/>
           </a:p>
         </p:txBody>
       </p:sp>
@@ -16341,7 +16409,7 @@
                                           </p:stCondLst>
                                         </p:cTn>
                                         <p:tgtEl>
-                                          <p:spTgt spid="6"/>
+                                          <p:spTgt spid="2"/>
                                         </p:tgtEl>
                                         <p:attrNameLst>
                                           <p:attrName>style.visibility</p:attrName>
@@ -16353,9 +16421,9 @@
                                     </p:set>
                                     <p:animEffect transition="in" filter="fade">
                                       <p:cBhvr>
-                                        <p:cTn id="7" dur="10"/>
+                                        <p:cTn id="7" dur="1250"/>
                                         <p:tgtEl>
-                                          <p:spTgt spid="6"/>
+                                          <p:spTgt spid="2"/>
                                         </p:tgtEl>
                                       </p:cBhvr>
                                     </p:animEffect>
@@ -16371,41 +16439,6 @@
                                     <p:set>
                                       <p:cBhvr>
                                         <p:cTn id="9" dur="1" fill="hold">
-                                          <p:stCondLst>
-                                            <p:cond delay="0"/>
-                                          </p:stCondLst>
-                                        </p:cTn>
-                                        <p:tgtEl>
-                                          <p:spTgt spid="2"/>
-                                        </p:tgtEl>
-                                        <p:attrNameLst>
-                                          <p:attrName>style.visibility</p:attrName>
-                                        </p:attrNameLst>
-                                      </p:cBhvr>
-                                      <p:to>
-                                        <p:strVal val="visible"/>
-                                      </p:to>
-                                    </p:set>
-                                    <p:animEffect transition="in" filter="fade">
-                                      <p:cBhvr>
-                                        <p:cTn id="10" dur="1250"/>
-                                        <p:tgtEl>
-                                          <p:spTgt spid="2"/>
-                                        </p:tgtEl>
-                                      </p:cBhvr>
-                                    </p:animEffect>
-                                  </p:childTnLst>
-                                </p:cTn>
-                              </p:par>
-                              <p:par>
-                                <p:cTn id="11" presetID="10" presetClass="entr" presetSubtype="0" fill="hold" grpId="0" nodeType="withEffect">
-                                  <p:stCondLst>
-                                    <p:cond delay="0"/>
-                                  </p:stCondLst>
-                                  <p:childTnLst>
-                                    <p:set>
-                                      <p:cBhvr>
-                                        <p:cTn id="12" dur="1" fill="hold">
                                           <p:stCondLst>
                                             <p:cond delay="0"/>
                                           </p:stCondLst>
@@ -16427,7 +16460,7 @@
                                     </p:set>
                                     <p:animEffect transition="in" filter="fade">
                                       <p:cBhvr>
-                                        <p:cTn id="13" dur="1250"/>
+                                        <p:cTn id="10" dur="1250"/>
                                         <p:tgtEl>
                                           <p:spTgt spid="3">
                                             <p:txEl>
@@ -16470,7 +16503,6 @@
     <p:bldLst>
       <p:bldP spid="2" grpId="0"/>
       <p:bldP spid="3" grpId="0" build="p"/>
-      <p:bldP spid="6" grpId="0"/>
     </p:bldLst>
   </p:timing>
 </p:sld>

--- a/Bases de Datos/1º Evaluación/Ejercicios/Ejercicio2/Explotación de bases de datos Big Data.pptx
+++ b/Bases de Datos/1º Evaluación/Ejercicios/Ejercicio2/Explotación de bases de datos Big Data.pptx
@@ -12,10 +12,10 @@
     <p:sldId id="259" r:id="rId3"/>
     <p:sldId id="260" r:id="rId4"/>
     <p:sldId id="261" r:id="rId5"/>
-    <p:sldId id="262" r:id="rId6"/>
-    <p:sldId id="263" r:id="rId7"/>
-    <p:sldId id="264" r:id="rId8"/>
-    <p:sldId id="273" r:id="rId9"/>
+    <p:sldId id="274" r:id="rId6"/>
+    <p:sldId id="275" r:id="rId7"/>
+    <p:sldId id="276" r:id="rId8"/>
+    <p:sldId id="277" r:id="rId9"/>
     <p:sldId id="265" r:id="rId10"/>
     <p:sldId id="266" r:id="rId11"/>
     <p:sldId id="267" r:id="rId12"/>
@@ -4565,13 +4565,90 @@
   </pc:docChgLst>
   <pc:docChgLst>
     <pc:chgData name="Eduardo Martín-Sonseca.Alonso" userId="044a8a39323ca9b2" providerId="LiveId" clId="{37839B77-9B63-4AAE-801F-3EFA7B99B021}"/>
-    <pc:docChg chg="custSel modSld">
-      <pc:chgData name="Eduardo Martín-Sonseca.Alonso" userId="044a8a39323ca9b2" providerId="LiveId" clId="{37839B77-9B63-4AAE-801F-3EFA7B99B021}" dt="2022-10-05T17:23:01.905" v="7" actId="478"/>
+    <pc:docChg chg="undo custSel addSld delSld modSld">
+      <pc:chgData name="Eduardo Martín-Sonseca.Alonso" userId="044a8a39323ca9b2" providerId="LiveId" clId="{37839B77-9B63-4AAE-801F-3EFA7B99B021}" dt="2022-10-05T17:35:39.363" v="144" actId="47"/>
       <pc:docMkLst>
         <pc:docMk/>
       </pc:docMkLst>
-      <pc:sldChg chg="addSp delSp modSp mod delAnim">
-        <pc:chgData name="Eduardo Martín-Sonseca.Alonso" userId="044a8a39323ca9b2" providerId="LiveId" clId="{37839B77-9B63-4AAE-801F-3EFA7B99B021}" dt="2022-10-05T17:23:01.905" v="7" actId="478"/>
+      <pc:sldChg chg="addSp delSp delDesignElem">
+        <pc:chgData name="Eduardo Martín-Sonseca.Alonso" userId="044a8a39323ca9b2" providerId="LiveId" clId="{37839B77-9B63-4AAE-801F-3EFA7B99B021}" dt="2022-10-05T17:33:25.819" v="85"/>
+        <pc:sldMkLst>
+          <pc:docMk/>
+          <pc:sldMk cId="1479924629" sldId="258"/>
+        </pc:sldMkLst>
+        <pc:spChg chg="add del">
+          <ac:chgData name="Eduardo Martín-Sonseca.Alonso" userId="044a8a39323ca9b2" providerId="LiveId" clId="{37839B77-9B63-4AAE-801F-3EFA7B99B021}" dt="2022-10-05T17:33:25.819" v="85"/>
+          <ac:spMkLst>
+            <pc:docMk/>
+            <pc:sldMk cId="1479924629" sldId="258"/>
+            <ac:spMk id="64" creationId="{0671A8AE-40A1-4631-A6B8-581AFF065482}"/>
+          </ac:spMkLst>
+        </pc:spChg>
+        <pc:spChg chg="add del">
+          <ac:chgData name="Eduardo Martín-Sonseca.Alonso" userId="044a8a39323ca9b2" providerId="LiveId" clId="{37839B77-9B63-4AAE-801F-3EFA7B99B021}" dt="2022-10-05T17:33:25.819" v="85"/>
+          <ac:spMkLst>
+            <pc:docMk/>
+            <pc:sldMk cId="1479924629" sldId="258"/>
+            <ac:spMk id="65" creationId="{AB58EF07-17C2-48CF-ABB0-EEF1F17CB8F0}"/>
+          </ac:spMkLst>
+        </pc:spChg>
+        <pc:spChg chg="add del">
+          <ac:chgData name="Eduardo Martín-Sonseca.Alonso" userId="044a8a39323ca9b2" providerId="LiveId" clId="{37839B77-9B63-4AAE-801F-3EFA7B99B021}" dt="2022-10-05T17:33:25.819" v="85"/>
+          <ac:spMkLst>
+            <pc:docMk/>
+            <pc:sldMk cId="1479924629" sldId="258"/>
+            <ac:spMk id="66" creationId="{AF2F604E-43BE-4DC3-B983-E071523364F8}"/>
+          </ac:spMkLst>
+        </pc:spChg>
+        <pc:spChg chg="add del">
+          <ac:chgData name="Eduardo Martín-Sonseca.Alonso" userId="044a8a39323ca9b2" providerId="LiveId" clId="{37839B77-9B63-4AAE-801F-3EFA7B99B021}" dt="2022-10-05T17:33:25.819" v="85"/>
+          <ac:spMkLst>
+            <pc:docMk/>
+            <pc:sldMk cId="1479924629" sldId="258"/>
+            <ac:spMk id="67" creationId="{08C9B587-E65E-4B52-B37C-ABEBB6E87928}"/>
+          </ac:spMkLst>
+        </pc:spChg>
+      </pc:sldChg>
+      <pc:sldChg chg="addSp delSp delDesignElem">
+        <pc:chgData name="Eduardo Martín-Sonseca.Alonso" userId="044a8a39323ca9b2" providerId="LiveId" clId="{37839B77-9B63-4AAE-801F-3EFA7B99B021}" dt="2022-10-05T17:33:25.819" v="85"/>
+        <pc:sldMkLst>
+          <pc:docMk/>
+          <pc:sldMk cId="992274193" sldId="259"/>
+        </pc:sldMkLst>
+        <pc:cxnChg chg="add del">
+          <ac:chgData name="Eduardo Martín-Sonseca.Alonso" userId="044a8a39323ca9b2" providerId="LiveId" clId="{37839B77-9B63-4AAE-801F-3EFA7B99B021}" dt="2022-10-05T17:33:25.819" v="85"/>
+          <ac:cxnSpMkLst>
+            <pc:docMk/>
+            <pc:sldMk cId="992274193" sldId="259"/>
+            <ac:cxnSpMk id="9" creationId="{A7F400EE-A8A5-48AF-B4D6-291B52C6F0B0}"/>
+          </ac:cxnSpMkLst>
+        </pc:cxnChg>
+      </pc:sldChg>
+      <pc:sldChg chg="addSp delSp delDesignElem">
+        <pc:chgData name="Eduardo Martín-Sonseca.Alonso" userId="044a8a39323ca9b2" providerId="LiveId" clId="{37839B77-9B63-4AAE-801F-3EFA7B99B021}" dt="2022-10-05T17:33:25.819" v="85"/>
+        <pc:sldMkLst>
+          <pc:docMk/>
+          <pc:sldMk cId="3613378253" sldId="260"/>
+        </pc:sldMkLst>
+        <pc:spChg chg="add del">
+          <ac:chgData name="Eduardo Martín-Sonseca.Alonso" userId="044a8a39323ca9b2" providerId="LiveId" clId="{37839B77-9B63-4AAE-801F-3EFA7B99B021}" dt="2022-10-05T17:33:25.819" v="85"/>
+          <ac:spMkLst>
+            <pc:docMk/>
+            <pc:sldMk cId="3613378253" sldId="260"/>
+            <ac:spMk id="20" creationId="{4C608BEB-860E-4094-8511-78603564A75E}"/>
+          </ac:spMkLst>
+        </pc:spChg>
+        <pc:cxnChg chg="add del">
+          <ac:chgData name="Eduardo Martín-Sonseca.Alonso" userId="044a8a39323ca9b2" providerId="LiveId" clId="{37839B77-9B63-4AAE-801F-3EFA7B99B021}" dt="2022-10-05T17:33:25.819" v="85"/>
+          <ac:cxnSpMkLst>
+            <pc:docMk/>
+            <pc:sldMk cId="3613378253" sldId="260"/>
+            <ac:cxnSpMk id="22" creationId="{1F16A8D4-FE87-4604-88B2-394B5D1EB437}"/>
+          </ac:cxnSpMkLst>
+        </pc:cxnChg>
+      </pc:sldChg>
+      <pc:sldChg chg="addSp delSp modSp mod addAnim delAnim modAnim delDesignElem">
+        <pc:chgData name="Eduardo Martín-Sonseca.Alonso" userId="044a8a39323ca9b2" providerId="LiveId" clId="{37839B77-9B63-4AAE-801F-3EFA7B99B021}" dt="2022-10-05T17:33:25.819" v="85"/>
         <pc:sldMkLst>
           <pc:docMk/>
           <pc:sldMk cId="1106986487" sldId="261"/>
@@ -4585,13 +4662,29 @@
           </ac:spMkLst>
         </pc:spChg>
         <pc:spChg chg="mod">
-          <ac:chgData name="Eduardo Martín-Sonseca.Alonso" userId="044a8a39323ca9b2" providerId="LiveId" clId="{37839B77-9B63-4AAE-801F-3EFA7B99B021}" dt="2022-10-05T17:22:51.958" v="4" actId="26606"/>
+          <ac:chgData name="Eduardo Martín-Sonseca.Alonso" userId="044a8a39323ca9b2" providerId="LiveId" clId="{37839B77-9B63-4AAE-801F-3EFA7B99B021}" dt="2022-10-05T17:31:51.157" v="59" actId="26606"/>
           <ac:spMkLst>
             <pc:docMk/>
             <pc:sldMk cId="1106986487" sldId="261"/>
             <ac:spMk id="3" creationId="{FDA276B4-AFA8-445E-BF46-D797C1B3F0B0}"/>
           </ac:spMkLst>
         </pc:spChg>
+        <pc:spChg chg="add del mod">
+          <ac:chgData name="Eduardo Martín-Sonseca.Alonso" userId="044a8a39323ca9b2" providerId="LiveId" clId="{37839B77-9B63-4AAE-801F-3EFA7B99B021}" dt="2022-10-05T17:31:51.157" v="59" actId="26606"/>
+          <ac:spMkLst>
+            <pc:docMk/>
+            <pc:sldMk cId="1106986487" sldId="261"/>
+            <ac:spMk id="4" creationId="{75B968D6-146C-6378-708B-BDE1E6CBAE62}"/>
+          </ac:spMkLst>
+        </pc:spChg>
+        <pc:spChg chg="add del mod">
+          <ac:chgData name="Eduardo Martín-Sonseca.Alonso" userId="044a8a39323ca9b2" providerId="LiveId" clId="{37839B77-9B63-4AAE-801F-3EFA7B99B021}" dt="2022-10-05T17:31:51.063" v="57"/>
+          <ac:spMkLst>
+            <pc:docMk/>
+            <pc:sldMk cId="1106986487" sldId="261"/>
+            <ac:spMk id="5" creationId="{5CE761B8-D3BC-47B2-A21B-724C24430DE5}"/>
+          </ac:spMkLst>
+        </pc:spChg>
         <pc:spChg chg="del mod">
           <ac:chgData name="Eduardo Martín-Sonseca.Alonso" userId="044a8a39323ca9b2" providerId="LiveId" clId="{37839B77-9B63-4AAE-801F-3EFA7B99B021}" dt="2022-10-05T17:23:01.905" v="7" actId="478"/>
           <ac:spMkLst>
@@ -4600,6 +4693,30 @@
             <ac:spMk id="6" creationId="{22E9BD6E-B7AB-7C53-4EB4-0ACEDFFA89B2}"/>
           </ac:spMkLst>
         </pc:spChg>
+        <pc:spChg chg="add del mod">
+          <ac:chgData name="Eduardo Martín-Sonseca.Alonso" userId="044a8a39323ca9b2" providerId="LiveId" clId="{37839B77-9B63-4AAE-801F-3EFA7B99B021}" dt="2022-10-05T17:31:50.340" v="50"/>
+          <ac:spMkLst>
+            <pc:docMk/>
+            <pc:sldMk cId="1106986487" sldId="261"/>
+            <ac:spMk id="6" creationId="{D81C4451-76C7-98E5-B193-FD8DC79B85BE}"/>
+          </ac:spMkLst>
+        </pc:spChg>
+        <pc:spChg chg="add del">
+          <ac:chgData name="Eduardo Martín-Sonseca.Alonso" userId="044a8a39323ca9b2" providerId="LiveId" clId="{37839B77-9B63-4AAE-801F-3EFA7B99B021}" dt="2022-10-05T17:31:51.157" v="59" actId="26606"/>
+          <ac:spMkLst>
+            <pc:docMk/>
+            <pc:sldMk cId="1106986487" sldId="261"/>
+            <ac:spMk id="7" creationId="{8CA06CD6-90CA-4C45-856C-6771339E1E22}"/>
+          </ac:spMkLst>
+        </pc:spChg>
+        <pc:spChg chg="add del">
+          <ac:chgData name="Eduardo Martín-Sonseca.Alonso" userId="044a8a39323ca9b2" providerId="LiveId" clId="{37839B77-9B63-4AAE-801F-3EFA7B99B021}" dt="2022-10-05T17:31:50.843" v="52" actId="26606"/>
+          <ac:spMkLst>
+            <pc:docMk/>
+            <pc:sldMk cId="1106986487" sldId="261"/>
+            <ac:spMk id="10" creationId="{8CA06CD6-90CA-4C45-856C-6771339E1E22}"/>
+          </ac:spMkLst>
+        </pc:spChg>
         <pc:spChg chg="del">
           <ac:chgData name="Eduardo Martín-Sonseca.Alonso" userId="044a8a39323ca9b2" providerId="LiveId" clId="{37839B77-9B63-4AAE-801F-3EFA7B99B021}" dt="2022-10-05T17:22:51.958" v="4" actId="26606"/>
           <ac:spMkLst>
@@ -4616,22 +4733,438 @@
             <ac:spMk id="23" creationId="{D1EA859B-E555-4109-94F3-6700E046E008}"/>
           </ac:spMkLst>
         </pc:spChg>
-        <pc:spChg chg="add">
-          <ac:chgData name="Eduardo Martín-Sonseca.Alonso" userId="044a8a39323ca9b2" providerId="LiveId" clId="{37839B77-9B63-4AAE-801F-3EFA7B99B021}" dt="2022-10-05T17:22:51.958" v="4" actId="26606"/>
+        <pc:spChg chg="add del">
+          <ac:chgData name="Eduardo Martín-Sonseca.Alonso" userId="044a8a39323ca9b2" providerId="LiveId" clId="{37839B77-9B63-4AAE-801F-3EFA7B99B021}" dt="2022-10-05T17:33:25.819" v="85"/>
           <ac:spMkLst>
             <pc:docMk/>
             <pc:sldMk cId="1106986487" sldId="261"/>
             <ac:spMk id="25" creationId="{8CA06CD6-90CA-4C45-856C-6771339E1E22}"/>
           </ac:spMkLst>
         </pc:spChg>
-        <pc:cxnChg chg="add">
-          <ac:chgData name="Eduardo Martín-Sonseca.Alonso" userId="044a8a39323ca9b2" providerId="LiveId" clId="{37839B77-9B63-4AAE-801F-3EFA7B99B021}" dt="2022-10-05T17:22:51.958" v="4" actId="26606"/>
+        <pc:cxnChg chg="add del">
+          <ac:chgData name="Eduardo Martín-Sonseca.Alonso" userId="044a8a39323ca9b2" providerId="LiveId" clId="{37839B77-9B63-4AAE-801F-3EFA7B99B021}" dt="2022-10-05T17:31:51.157" v="59" actId="26606"/>
+          <ac:cxnSpMkLst>
+            <pc:docMk/>
+            <pc:sldMk cId="1106986487" sldId="261"/>
+            <ac:cxnSpMk id="11" creationId="{5021601D-2758-4B15-A31C-FDA184C51B3A}"/>
+          </ac:cxnSpMkLst>
+        </pc:cxnChg>
+        <pc:cxnChg chg="add del">
+          <ac:chgData name="Eduardo Martín-Sonseca.Alonso" userId="044a8a39323ca9b2" providerId="LiveId" clId="{37839B77-9B63-4AAE-801F-3EFA7B99B021}" dt="2022-10-05T17:31:50.843" v="52" actId="26606"/>
+          <ac:cxnSpMkLst>
+            <pc:docMk/>
+            <pc:sldMk cId="1106986487" sldId="261"/>
+            <ac:cxnSpMk id="12" creationId="{5021601D-2758-4B15-A31C-FDA184C51B3A}"/>
+          </ac:cxnSpMkLst>
+        </pc:cxnChg>
+        <pc:cxnChg chg="add del">
+          <ac:chgData name="Eduardo Martín-Sonseca.Alonso" userId="044a8a39323ca9b2" providerId="LiveId" clId="{37839B77-9B63-4AAE-801F-3EFA7B99B021}" dt="2022-10-05T17:33:25.819" v="85"/>
           <ac:cxnSpMkLst>
             <pc:docMk/>
             <pc:sldMk cId="1106986487" sldId="261"/>
             <ac:cxnSpMk id="26" creationId="{5021601D-2758-4B15-A31C-FDA184C51B3A}"/>
           </ac:cxnSpMkLst>
         </pc:cxnChg>
+      </pc:sldChg>
+      <pc:sldChg chg="addSp delSp modSp del mod setBg addAnim delAnim modAnim setClrOvrMap delDesignElem">
+        <pc:chgData name="Eduardo Martín-Sonseca.Alonso" userId="044a8a39323ca9b2" providerId="LiveId" clId="{37839B77-9B63-4AAE-801F-3EFA7B99B021}" dt="2022-10-05T17:33:57.706" v="98" actId="47"/>
+        <pc:sldMkLst>
+          <pc:docMk/>
+          <pc:sldMk cId="1015946967" sldId="262"/>
+        </pc:sldMkLst>
+        <pc:spChg chg="mod">
+          <ac:chgData name="Eduardo Martín-Sonseca.Alonso" userId="044a8a39323ca9b2" providerId="LiveId" clId="{37839B77-9B63-4AAE-801F-3EFA7B99B021}" dt="2022-10-05T17:31:50.906" v="53" actId="26606"/>
+          <ac:spMkLst>
+            <pc:docMk/>
+            <pc:sldMk cId="1015946967" sldId="262"/>
+            <ac:spMk id="2" creationId="{EEFFF1FB-241B-4CF4-A2C7-CFE2DA1A9AD1}"/>
+          </ac:spMkLst>
+        </pc:spChg>
+        <pc:spChg chg="add del mod">
+          <ac:chgData name="Eduardo Martín-Sonseca.Alonso" userId="044a8a39323ca9b2" providerId="LiveId" clId="{37839B77-9B63-4AAE-801F-3EFA7B99B021}" dt="2022-10-05T17:31:50.906" v="53" actId="26606"/>
+          <ac:spMkLst>
+            <pc:docMk/>
+            <pc:sldMk cId="1015946967" sldId="262"/>
+            <ac:spMk id="3" creationId="{15C30D99-9D1D-F818-E779-B99040BA66C5}"/>
+          </ac:spMkLst>
+        </pc:spChg>
+        <pc:spChg chg="mod ord">
+          <ac:chgData name="Eduardo Martín-Sonseca.Alonso" userId="044a8a39323ca9b2" providerId="LiveId" clId="{37839B77-9B63-4AAE-801F-3EFA7B99B021}" dt="2022-10-05T17:33:48.072" v="96" actId="21"/>
+          <ac:spMkLst>
+            <pc:docMk/>
+            <pc:sldMk cId="1015946967" sldId="262"/>
+            <ac:spMk id="4" creationId="{547BDE46-D058-433A-9BA3-B8680CF7D8BA}"/>
+          </ac:spMkLst>
+        </pc:spChg>
+        <pc:spChg chg="del">
+          <ac:chgData name="Eduardo Martín-Sonseca.Alonso" userId="044a8a39323ca9b2" providerId="LiveId" clId="{37839B77-9B63-4AAE-801F-3EFA7B99B021}" dt="2022-10-05T17:28:36.937" v="11" actId="478"/>
+          <ac:spMkLst>
+            <pc:docMk/>
+            <pc:sldMk cId="1015946967" sldId="262"/>
+            <ac:spMk id="5" creationId="{2F231072-B2C6-E633-9900-F8FF8ECC359A}"/>
+          </ac:spMkLst>
+        </pc:spChg>
+        <pc:spChg chg="add del">
+          <ac:chgData name="Eduardo Martín-Sonseca.Alonso" userId="044a8a39323ca9b2" providerId="LiveId" clId="{37839B77-9B63-4AAE-801F-3EFA7B99B021}" dt="2022-10-05T17:31:50.906" v="53" actId="26606"/>
+          <ac:spMkLst>
+            <pc:docMk/>
+            <pc:sldMk cId="1015946967" sldId="262"/>
+            <ac:spMk id="9" creationId="{87CC2527-562A-4F69-B487-4371E5B243E7}"/>
+          </ac:spMkLst>
+        </pc:spChg>
+        <pc:spChg chg="del">
+          <ac:chgData name="Eduardo Martín-Sonseca.Alonso" userId="044a8a39323ca9b2" providerId="LiveId" clId="{37839B77-9B63-4AAE-801F-3EFA7B99B021}" dt="2022-10-05T17:28:56.768" v="12" actId="26606"/>
+          <ac:spMkLst>
+            <pc:docMk/>
+            <pc:sldMk cId="1015946967" sldId="262"/>
+            <ac:spMk id="17" creationId="{04812C46-200A-4DEB-A05E-3ED6C68C2387}"/>
+          </ac:spMkLst>
+        </pc:spChg>
+        <pc:spChg chg="del">
+          <ac:chgData name="Eduardo Martín-Sonseca.Alonso" userId="044a8a39323ca9b2" providerId="LiveId" clId="{37839B77-9B63-4AAE-801F-3EFA7B99B021}" dt="2022-10-05T17:28:56.768" v="12" actId="26606"/>
+          <ac:spMkLst>
+            <pc:docMk/>
+            <pc:sldMk cId="1015946967" sldId="262"/>
+            <ac:spMk id="19" creationId="{D1EA859B-E555-4109-94F3-6700E046E008}"/>
+          </ac:spMkLst>
+        </pc:spChg>
+        <pc:spChg chg="add del">
+          <ac:chgData name="Eduardo Martín-Sonseca.Alonso" userId="044a8a39323ca9b2" providerId="LiveId" clId="{37839B77-9B63-4AAE-801F-3EFA7B99B021}" dt="2022-10-05T17:33:25.819" v="85"/>
+          <ac:spMkLst>
+            <pc:docMk/>
+            <pc:sldMk cId="1015946967" sldId="262"/>
+            <ac:spMk id="24" creationId="{AD72D4D1-076F-49D3-9889-EFC4F6D7CA66}"/>
+          </ac:spMkLst>
+        </pc:spChg>
+        <pc:cxnChg chg="add del">
+          <ac:chgData name="Eduardo Martín-Sonseca.Alonso" userId="044a8a39323ca9b2" providerId="LiveId" clId="{37839B77-9B63-4AAE-801F-3EFA7B99B021}" dt="2022-10-05T17:31:50.906" v="53" actId="26606"/>
+          <ac:cxnSpMkLst>
+            <pc:docMk/>
+            <pc:sldMk cId="1015946967" sldId="262"/>
+            <ac:cxnSpMk id="11" creationId="{BCDAEC91-5BCE-4B55-9CC0-43EF94CB734B}"/>
+          </ac:cxnSpMkLst>
+        </pc:cxnChg>
+        <pc:cxnChg chg="add del">
+          <ac:chgData name="Eduardo Martín-Sonseca.Alonso" userId="044a8a39323ca9b2" providerId="LiveId" clId="{37839B77-9B63-4AAE-801F-3EFA7B99B021}" dt="2022-10-05T17:33:25.819" v="85"/>
+          <ac:cxnSpMkLst>
+            <pc:docMk/>
+            <pc:sldMk cId="1015946967" sldId="262"/>
+            <ac:cxnSpMk id="26" creationId="{2D72A2C9-F3CA-4216-8BAD-FA4C970C3C4E}"/>
+          </ac:cxnSpMkLst>
+        </pc:cxnChg>
+      </pc:sldChg>
+      <pc:sldChg chg="addSp delSp del delDesignElem">
+        <pc:chgData name="Eduardo Martín-Sonseca.Alonso" userId="044a8a39323ca9b2" providerId="LiveId" clId="{37839B77-9B63-4AAE-801F-3EFA7B99B021}" dt="2022-10-05T17:34:33.034" v="120" actId="47"/>
+        <pc:sldMkLst>
+          <pc:docMk/>
+          <pc:sldMk cId="3858405899" sldId="263"/>
+        </pc:sldMkLst>
+        <pc:spChg chg="add del">
+          <ac:chgData name="Eduardo Martín-Sonseca.Alonso" userId="044a8a39323ca9b2" providerId="LiveId" clId="{37839B77-9B63-4AAE-801F-3EFA7B99B021}" dt="2022-10-05T17:33:25.819" v="85"/>
+          <ac:spMkLst>
+            <pc:docMk/>
+            <pc:sldMk cId="3858405899" sldId="263"/>
+            <ac:spMk id="33" creationId="{04812C46-200A-4DEB-A05E-3ED6C68C2387}"/>
+          </ac:spMkLst>
+        </pc:spChg>
+        <pc:spChg chg="add del">
+          <ac:chgData name="Eduardo Martín-Sonseca.Alonso" userId="044a8a39323ca9b2" providerId="LiveId" clId="{37839B77-9B63-4AAE-801F-3EFA7B99B021}" dt="2022-10-05T17:33:25.819" v="85"/>
+          <ac:spMkLst>
+            <pc:docMk/>
+            <pc:sldMk cId="3858405899" sldId="263"/>
+            <ac:spMk id="35" creationId="{D1EA859B-E555-4109-94F3-6700E046E008}"/>
+          </ac:spMkLst>
+        </pc:spChg>
+      </pc:sldChg>
+      <pc:sldChg chg="addSp delSp del delDesignElem">
+        <pc:chgData name="Eduardo Martín-Sonseca.Alonso" userId="044a8a39323ca9b2" providerId="LiveId" clId="{37839B77-9B63-4AAE-801F-3EFA7B99B021}" dt="2022-10-05T17:35:04.820" v="133" actId="47"/>
+        <pc:sldMkLst>
+          <pc:docMk/>
+          <pc:sldMk cId="3580276719" sldId="264"/>
+        </pc:sldMkLst>
+        <pc:spChg chg="add del">
+          <ac:chgData name="Eduardo Martín-Sonseca.Alonso" userId="044a8a39323ca9b2" providerId="LiveId" clId="{37839B77-9B63-4AAE-801F-3EFA7B99B021}" dt="2022-10-05T17:33:25.819" v="85"/>
+          <ac:spMkLst>
+            <pc:docMk/>
+            <pc:sldMk cId="3580276719" sldId="264"/>
+            <ac:spMk id="28" creationId="{04812C46-200A-4DEB-A05E-3ED6C68C2387}"/>
+          </ac:spMkLst>
+        </pc:spChg>
+        <pc:spChg chg="add del">
+          <ac:chgData name="Eduardo Martín-Sonseca.Alonso" userId="044a8a39323ca9b2" providerId="LiveId" clId="{37839B77-9B63-4AAE-801F-3EFA7B99B021}" dt="2022-10-05T17:33:25.819" v="85"/>
+          <ac:spMkLst>
+            <pc:docMk/>
+            <pc:sldMk cId="3580276719" sldId="264"/>
+            <ac:spMk id="30" creationId="{D1EA859B-E555-4109-94F3-6700E046E008}"/>
+          </ac:spMkLst>
+        </pc:spChg>
+      </pc:sldChg>
+      <pc:sldChg chg="modSp">
+        <pc:chgData name="Eduardo Martín-Sonseca.Alonso" userId="044a8a39323ca9b2" providerId="LiveId" clId="{37839B77-9B63-4AAE-801F-3EFA7B99B021}" dt="2022-10-05T17:33:25.819" v="85"/>
+        <pc:sldMkLst>
+          <pc:docMk/>
+          <pc:sldMk cId="4137332662" sldId="265"/>
+        </pc:sldMkLst>
+        <pc:spChg chg="mod">
+          <ac:chgData name="Eduardo Martín-Sonseca.Alonso" userId="044a8a39323ca9b2" providerId="LiveId" clId="{37839B77-9B63-4AAE-801F-3EFA7B99B021}" dt="2022-10-05T17:33:25.819" v="85"/>
+          <ac:spMkLst>
+            <pc:docMk/>
+            <pc:sldMk cId="4137332662" sldId="265"/>
+            <ac:spMk id="2" creationId="{2A7DC3FE-66EB-750C-3214-9159D346F772}"/>
+          </ac:spMkLst>
+        </pc:spChg>
+      </pc:sldChg>
+      <pc:sldChg chg="modSp">
+        <pc:chgData name="Eduardo Martín-Sonseca.Alonso" userId="044a8a39323ca9b2" providerId="LiveId" clId="{37839B77-9B63-4AAE-801F-3EFA7B99B021}" dt="2022-10-05T17:33:25.819" v="85"/>
+        <pc:sldMkLst>
+          <pc:docMk/>
+          <pc:sldMk cId="1986842871" sldId="266"/>
+        </pc:sldMkLst>
+        <pc:spChg chg="mod">
+          <ac:chgData name="Eduardo Martín-Sonseca.Alonso" userId="044a8a39323ca9b2" providerId="LiveId" clId="{37839B77-9B63-4AAE-801F-3EFA7B99B021}" dt="2022-10-05T17:33:25.819" v="85"/>
+          <ac:spMkLst>
+            <pc:docMk/>
+            <pc:sldMk cId="1986842871" sldId="266"/>
+            <ac:spMk id="2" creationId="{F0C22993-4CD9-EBAF-934E-DB27FCD13528}"/>
+          </ac:spMkLst>
+        </pc:spChg>
+        <pc:spChg chg="mod">
+          <ac:chgData name="Eduardo Martín-Sonseca.Alonso" userId="044a8a39323ca9b2" providerId="LiveId" clId="{37839B77-9B63-4AAE-801F-3EFA7B99B021}" dt="2022-10-05T17:33:25.819" v="85"/>
+          <ac:spMkLst>
+            <pc:docMk/>
+            <pc:sldMk cId="1986842871" sldId="266"/>
+            <ac:spMk id="3" creationId="{00F9F412-0DEC-BB8A-A779-2A4092B186BE}"/>
+          </ac:spMkLst>
+        </pc:spChg>
+      </pc:sldChg>
+      <pc:sldChg chg="modSp">
+        <pc:chgData name="Eduardo Martín-Sonseca.Alonso" userId="044a8a39323ca9b2" providerId="LiveId" clId="{37839B77-9B63-4AAE-801F-3EFA7B99B021}" dt="2022-10-05T17:33:25.819" v="85"/>
+        <pc:sldMkLst>
+          <pc:docMk/>
+          <pc:sldMk cId="147166308" sldId="267"/>
+        </pc:sldMkLst>
+        <pc:spChg chg="mod">
+          <ac:chgData name="Eduardo Martín-Sonseca.Alonso" userId="044a8a39323ca9b2" providerId="LiveId" clId="{37839B77-9B63-4AAE-801F-3EFA7B99B021}" dt="2022-10-05T17:33:25.819" v="85"/>
+          <ac:spMkLst>
+            <pc:docMk/>
+            <pc:sldMk cId="147166308" sldId="267"/>
+            <ac:spMk id="2" creationId="{AF782538-6BA3-40E9-97C7-BA07F82D710C}"/>
+          </ac:spMkLst>
+        </pc:spChg>
+        <pc:spChg chg="mod">
+          <ac:chgData name="Eduardo Martín-Sonseca.Alonso" userId="044a8a39323ca9b2" providerId="LiveId" clId="{37839B77-9B63-4AAE-801F-3EFA7B99B021}" dt="2022-10-05T17:33:25.819" v="85"/>
+          <ac:spMkLst>
+            <pc:docMk/>
+            <pc:sldMk cId="147166308" sldId="267"/>
+            <ac:spMk id="3" creationId="{C852E464-83C1-F6D1-E15D-28524028C9F1}"/>
+          </ac:spMkLst>
+        </pc:spChg>
+      </pc:sldChg>
+      <pc:sldChg chg="modSp">
+        <pc:chgData name="Eduardo Martín-Sonseca.Alonso" userId="044a8a39323ca9b2" providerId="LiveId" clId="{37839B77-9B63-4AAE-801F-3EFA7B99B021}" dt="2022-10-05T17:33:25.819" v="85"/>
+        <pc:sldMkLst>
+          <pc:docMk/>
+          <pc:sldMk cId="2542492578" sldId="268"/>
+        </pc:sldMkLst>
+        <pc:spChg chg="mod">
+          <ac:chgData name="Eduardo Martín-Sonseca.Alonso" userId="044a8a39323ca9b2" providerId="LiveId" clId="{37839B77-9B63-4AAE-801F-3EFA7B99B021}" dt="2022-10-05T17:33:25.819" v="85"/>
+          <ac:spMkLst>
+            <pc:docMk/>
+            <pc:sldMk cId="2542492578" sldId="268"/>
+            <ac:spMk id="2" creationId="{8607B768-0810-B456-80FF-C4AE6555F84F}"/>
+          </ac:spMkLst>
+        </pc:spChg>
+        <pc:spChg chg="mod">
+          <ac:chgData name="Eduardo Martín-Sonseca.Alonso" userId="044a8a39323ca9b2" providerId="LiveId" clId="{37839B77-9B63-4AAE-801F-3EFA7B99B021}" dt="2022-10-05T17:33:25.819" v="85"/>
+          <ac:spMkLst>
+            <pc:docMk/>
+            <pc:sldMk cId="2542492578" sldId="268"/>
+            <ac:spMk id="3" creationId="{41D81B99-2D68-EAFF-6209-27B8EC39288F}"/>
+          </ac:spMkLst>
+        </pc:spChg>
+      </pc:sldChg>
+      <pc:sldChg chg="modSp">
+        <pc:chgData name="Eduardo Martín-Sonseca.Alonso" userId="044a8a39323ca9b2" providerId="LiveId" clId="{37839B77-9B63-4AAE-801F-3EFA7B99B021}" dt="2022-10-05T17:33:25.819" v="85"/>
+        <pc:sldMkLst>
+          <pc:docMk/>
+          <pc:sldMk cId="2049985783" sldId="269"/>
+        </pc:sldMkLst>
+        <pc:spChg chg="mod">
+          <ac:chgData name="Eduardo Martín-Sonseca.Alonso" userId="044a8a39323ca9b2" providerId="LiveId" clId="{37839B77-9B63-4AAE-801F-3EFA7B99B021}" dt="2022-10-05T17:33:25.819" v="85"/>
+          <ac:spMkLst>
+            <pc:docMk/>
+            <pc:sldMk cId="2049985783" sldId="269"/>
+            <ac:spMk id="2" creationId="{C72BE69A-9CC3-B6DB-D96B-D5B859E8B1E0}"/>
+          </ac:spMkLst>
+        </pc:spChg>
+        <pc:spChg chg="mod">
+          <ac:chgData name="Eduardo Martín-Sonseca.Alonso" userId="044a8a39323ca9b2" providerId="LiveId" clId="{37839B77-9B63-4AAE-801F-3EFA7B99B021}" dt="2022-10-05T17:33:25.819" v="85"/>
+          <ac:spMkLst>
+            <pc:docMk/>
+            <pc:sldMk cId="2049985783" sldId="269"/>
+            <ac:spMk id="3" creationId="{C99A62D3-153B-DF03-D089-BF6ACF462784}"/>
+          </ac:spMkLst>
+        </pc:spChg>
+      </pc:sldChg>
+      <pc:sldChg chg="modSp">
+        <pc:chgData name="Eduardo Martín-Sonseca.Alonso" userId="044a8a39323ca9b2" providerId="LiveId" clId="{37839B77-9B63-4AAE-801F-3EFA7B99B021}" dt="2022-10-05T17:33:25.819" v="85"/>
+        <pc:sldMkLst>
+          <pc:docMk/>
+          <pc:sldMk cId="43089264" sldId="270"/>
+        </pc:sldMkLst>
+        <pc:spChg chg="mod">
+          <ac:chgData name="Eduardo Martín-Sonseca.Alonso" userId="044a8a39323ca9b2" providerId="LiveId" clId="{37839B77-9B63-4AAE-801F-3EFA7B99B021}" dt="2022-10-05T17:33:25.819" v="85"/>
+          <ac:spMkLst>
+            <pc:docMk/>
+            <pc:sldMk cId="43089264" sldId="270"/>
+            <ac:spMk id="2" creationId="{45FB622A-3735-1AE0-8C20-270A97E71FEC}"/>
+          </ac:spMkLst>
+        </pc:spChg>
+      </pc:sldChg>
+      <pc:sldChg chg="addSp delSp delDesignElem">
+        <pc:chgData name="Eduardo Martín-Sonseca.Alonso" userId="044a8a39323ca9b2" providerId="LiveId" clId="{37839B77-9B63-4AAE-801F-3EFA7B99B021}" dt="2022-10-05T17:33:25.819" v="85"/>
+        <pc:sldMkLst>
+          <pc:docMk/>
+          <pc:sldMk cId="2585561534" sldId="271"/>
+        </pc:sldMkLst>
+        <pc:spChg chg="add del">
+          <ac:chgData name="Eduardo Martín-Sonseca.Alonso" userId="044a8a39323ca9b2" providerId="LiveId" clId="{37839B77-9B63-4AAE-801F-3EFA7B99B021}" dt="2022-10-05T17:33:25.819" v="85"/>
+          <ac:spMkLst>
+            <pc:docMk/>
+            <pc:sldMk cId="2585561534" sldId="271"/>
+            <ac:spMk id="71" creationId="{E862BE82-D00D-42C1-BF16-93AA37870C32}"/>
+          </ac:spMkLst>
+        </pc:spChg>
+        <pc:spChg chg="add del">
+          <ac:chgData name="Eduardo Martín-Sonseca.Alonso" userId="044a8a39323ca9b2" providerId="LiveId" clId="{37839B77-9B63-4AAE-801F-3EFA7B99B021}" dt="2022-10-05T17:33:25.819" v="85"/>
+          <ac:spMkLst>
+            <pc:docMk/>
+            <pc:sldMk cId="2585561534" sldId="271"/>
+            <ac:spMk id="72" creationId="{F6D92C2D-1D3D-4974-918C-06579FB354A9}"/>
+          </ac:spMkLst>
+        </pc:spChg>
+      </pc:sldChg>
+      <pc:sldChg chg="addSp delSp del delDesignElem">
+        <pc:chgData name="Eduardo Martín-Sonseca.Alonso" userId="044a8a39323ca9b2" providerId="LiveId" clId="{37839B77-9B63-4AAE-801F-3EFA7B99B021}" dt="2022-10-05T17:35:39.363" v="144" actId="47"/>
+        <pc:sldMkLst>
+          <pc:docMk/>
+          <pc:sldMk cId="3255652957" sldId="273"/>
+        </pc:sldMkLst>
+        <pc:spChg chg="add del">
+          <ac:chgData name="Eduardo Martín-Sonseca.Alonso" userId="044a8a39323ca9b2" providerId="LiveId" clId="{37839B77-9B63-4AAE-801F-3EFA7B99B021}" dt="2022-10-05T17:33:25.819" v="85"/>
+          <ac:spMkLst>
+            <pc:docMk/>
+            <pc:sldMk cId="3255652957" sldId="273"/>
+            <ac:spMk id="24" creationId="{04812C46-200A-4DEB-A05E-3ED6C68C2387}"/>
+          </ac:spMkLst>
+        </pc:spChg>
+        <pc:spChg chg="add del">
+          <ac:chgData name="Eduardo Martín-Sonseca.Alonso" userId="044a8a39323ca9b2" providerId="LiveId" clId="{37839B77-9B63-4AAE-801F-3EFA7B99B021}" dt="2022-10-05T17:33:25.819" v="85"/>
+          <ac:spMkLst>
+            <pc:docMk/>
+            <pc:sldMk cId="3255652957" sldId="273"/>
+            <ac:spMk id="26" creationId="{D1EA859B-E555-4109-94F3-6700E046E008}"/>
+          </ac:spMkLst>
+        </pc:spChg>
+      </pc:sldChg>
+      <pc:sldChg chg="add del">
+        <pc:chgData name="Eduardo Martín-Sonseca.Alonso" userId="044a8a39323ca9b2" providerId="LiveId" clId="{37839B77-9B63-4AAE-801F-3EFA7B99B021}" dt="2022-10-05T17:31:49.020" v="47" actId="2890"/>
+        <pc:sldMkLst>
+          <pc:docMk/>
+          <pc:sldMk cId="942453371" sldId="274"/>
+        </pc:sldMkLst>
+      </pc:sldChg>
+      <pc:sldChg chg="modSp add modAnim">
+        <pc:chgData name="Eduardo Martín-Sonseca.Alonso" userId="044a8a39323ca9b2" providerId="LiveId" clId="{37839B77-9B63-4AAE-801F-3EFA7B99B021}" dt="2022-10-05T17:33:52.236" v="97"/>
+        <pc:sldMkLst>
+          <pc:docMk/>
+          <pc:sldMk cId="4144329613" sldId="274"/>
+        </pc:sldMkLst>
+        <pc:spChg chg="mod">
+          <ac:chgData name="Eduardo Martín-Sonseca.Alonso" userId="044a8a39323ca9b2" providerId="LiveId" clId="{37839B77-9B63-4AAE-801F-3EFA7B99B021}" dt="2022-10-05T17:33:40.157" v="95" actId="20577"/>
+          <ac:spMkLst>
+            <pc:docMk/>
+            <pc:sldMk cId="4144329613" sldId="274"/>
+            <ac:spMk id="2" creationId="{71AEC653-CF21-4A83-8228-4AB13A9E6A67}"/>
+          </ac:spMkLst>
+        </pc:spChg>
+        <pc:spChg chg="mod">
+          <ac:chgData name="Eduardo Martín-Sonseca.Alonso" userId="044a8a39323ca9b2" providerId="LiveId" clId="{37839B77-9B63-4AAE-801F-3EFA7B99B021}" dt="2022-10-05T17:33:52.236" v="97"/>
+          <ac:spMkLst>
+            <pc:docMk/>
+            <pc:sldMk cId="4144329613" sldId="274"/>
+            <ac:spMk id="3" creationId="{FDA276B4-AFA8-445E-BF46-D797C1B3F0B0}"/>
+          </ac:spMkLst>
+        </pc:spChg>
+      </pc:sldChg>
+      <pc:sldChg chg="modSp add mod modAnim">
+        <pc:chgData name="Eduardo Martín-Sonseca.Alonso" userId="044a8a39323ca9b2" providerId="LiveId" clId="{37839B77-9B63-4AAE-801F-3EFA7B99B021}" dt="2022-10-05T17:34:28.732" v="119" actId="27636"/>
+        <pc:sldMkLst>
+          <pc:docMk/>
+          <pc:sldMk cId="3603837440" sldId="275"/>
+        </pc:sldMkLst>
+        <pc:spChg chg="mod">
+          <ac:chgData name="Eduardo Martín-Sonseca.Alonso" userId="044a8a39323ca9b2" providerId="LiveId" clId="{37839B77-9B63-4AAE-801F-3EFA7B99B021}" dt="2022-10-05T17:34:09.980" v="113" actId="20577"/>
+          <ac:spMkLst>
+            <pc:docMk/>
+            <pc:sldMk cId="3603837440" sldId="275"/>
+            <ac:spMk id="2" creationId="{71AEC653-CF21-4A83-8228-4AB13A9E6A67}"/>
+          </ac:spMkLst>
+        </pc:spChg>
+        <pc:spChg chg="mod">
+          <ac:chgData name="Eduardo Martín-Sonseca.Alonso" userId="044a8a39323ca9b2" providerId="LiveId" clId="{37839B77-9B63-4AAE-801F-3EFA7B99B021}" dt="2022-10-05T17:34:28.732" v="119" actId="27636"/>
+          <ac:spMkLst>
+            <pc:docMk/>
+            <pc:sldMk cId="3603837440" sldId="275"/>
+            <ac:spMk id="3" creationId="{FDA276B4-AFA8-445E-BF46-D797C1B3F0B0}"/>
+          </ac:spMkLst>
+        </pc:spChg>
+      </pc:sldChg>
+      <pc:sldChg chg="modSp add mod modAnim">
+        <pc:chgData name="Eduardo Martín-Sonseca.Alonso" userId="044a8a39323ca9b2" providerId="LiveId" clId="{37839B77-9B63-4AAE-801F-3EFA7B99B021}" dt="2022-10-05T17:34:57.560" v="132" actId="27636"/>
+        <pc:sldMkLst>
+          <pc:docMk/>
+          <pc:sldMk cId="2957840866" sldId="276"/>
+        </pc:sldMkLst>
+        <pc:spChg chg="mod">
+          <ac:chgData name="Eduardo Martín-Sonseca.Alonso" userId="044a8a39323ca9b2" providerId="LiveId" clId="{37839B77-9B63-4AAE-801F-3EFA7B99B021}" dt="2022-10-05T17:34:49.344" v="130" actId="20577"/>
+          <ac:spMkLst>
+            <pc:docMk/>
+            <pc:sldMk cId="2957840866" sldId="276"/>
+            <ac:spMk id="2" creationId="{71AEC653-CF21-4A83-8228-4AB13A9E6A67}"/>
+          </ac:spMkLst>
+        </pc:spChg>
+        <pc:spChg chg="mod">
+          <ac:chgData name="Eduardo Martín-Sonseca.Alonso" userId="044a8a39323ca9b2" providerId="LiveId" clId="{37839B77-9B63-4AAE-801F-3EFA7B99B021}" dt="2022-10-05T17:34:57.560" v="132" actId="27636"/>
+          <ac:spMkLst>
+            <pc:docMk/>
+            <pc:sldMk cId="2957840866" sldId="276"/>
+            <ac:spMk id="3" creationId="{FDA276B4-AFA8-445E-BF46-D797C1B3F0B0}"/>
+          </ac:spMkLst>
+        </pc:spChg>
+      </pc:sldChg>
+      <pc:sldChg chg="modSp add mod modAnim">
+        <pc:chgData name="Eduardo Martín-Sonseca.Alonso" userId="044a8a39323ca9b2" providerId="LiveId" clId="{37839B77-9B63-4AAE-801F-3EFA7B99B021}" dt="2022-10-05T17:35:34.493" v="143" actId="1076"/>
+        <pc:sldMkLst>
+          <pc:docMk/>
+          <pc:sldMk cId="3340421590" sldId="277"/>
+        </pc:sldMkLst>
+        <pc:spChg chg="mod">
+          <ac:chgData name="Eduardo Martín-Sonseca.Alonso" userId="044a8a39323ca9b2" providerId="LiveId" clId="{37839B77-9B63-4AAE-801F-3EFA7B99B021}" dt="2022-10-05T17:35:18.999" v="139" actId="20577"/>
+          <ac:spMkLst>
+            <pc:docMk/>
+            <pc:sldMk cId="3340421590" sldId="277"/>
+            <ac:spMk id="2" creationId="{71AEC653-CF21-4A83-8228-4AB13A9E6A67}"/>
+          </ac:spMkLst>
+        </pc:spChg>
+        <pc:spChg chg="mod">
+          <ac:chgData name="Eduardo Martín-Sonseca.Alonso" userId="044a8a39323ca9b2" providerId="LiveId" clId="{37839B77-9B63-4AAE-801F-3EFA7B99B021}" dt="2022-10-05T17:35:34.493" v="143" actId="1076"/>
+          <ac:spMkLst>
+            <pc:docMk/>
+            <pc:sldMk cId="3340421590" sldId="277"/>
+            <ac:spMk id="3" creationId="{FDA276B4-AFA8-445E-BF46-D797C1B3F0B0}"/>
+          </ac:spMkLst>
+        </pc:spChg>
       </pc:sldChg>
     </pc:docChg>
   </pc:docChgLst>
@@ -4985,174 +5518,6 @@
     </a:lvl9pPr>
   </p:notesStyle>
 </p:notesMaster>
-</file>
-
-<file path=ppt/notesSlides/notesSlide1.xml><?xml version="1.0" encoding="utf-8"?>
-<p:notes xmlns:a="http://schemas.openxmlformats.org/drawingml/2006/main" xmlns:r="http://schemas.openxmlformats.org/officeDocument/2006/relationships" xmlns:p="http://schemas.openxmlformats.org/presentationml/2006/main">
-  <p:cSld>
-    <p:spTree>
-      <p:nvGrpSpPr>
-        <p:cNvPr id="1" name=""/>
-        <p:cNvGrpSpPr/>
-        <p:nvPr/>
-      </p:nvGrpSpPr>
-      <p:grpSpPr>
-        <a:xfrm>
-          <a:off x="0" y="0"/>
-          <a:ext cx="0" cy="0"/>
-          <a:chOff x="0" y="0"/>
-          <a:chExt cx="0" cy="0"/>
-        </a:xfrm>
-      </p:grpSpPr>
-      <p:sp>
-        <p:nvSpPr>
-          <p:cNvPr id="2" name="Marcador de imagen de diapositiva 1"/>
-          <p:cNvSpPr>
-            <a:spLocks noGrp="1" noRot="1" noChangeAspect="1"/>
-          </p:cNvSpPr>
-          <p:nvPr>
-            <p:ph type="sldImg"/>
-          </p:nvPr>
-        </p:nvSpPr>
-        <p:spPr/>
-      </p:sp>
-      <p:sp>
-        <p:nvSpPr>
-          <p:cNvPr id="3" name="Marcador de notas 2"/>
-          <p:cNvSpPr>
-            <a:spLocks noGrp="1"/>
-          </p:cNvSpPr>
-          <p:nvPr>
-            <p:ph type="body" idx="1"/>
-          </p:nvPr>
-        </p:nvSpPr>
-        <p:spPr/>
-        <p:txBody>
-          <a:bodyPr/>
-          <a:lstStyle/>
-          <a:p>
-            <a:endParaRPr lang="es-ES" dirty="0"/>
-          </a:p>
-        </p:txBody>
-      </p:sp>
-      <p:sp>
-        <p:nvSpPr>
-          <p:cNvPr id="4" name="Marcador de número de diapositiva 3"/>
-          <p:cNvSpPr>
-            <a:spLocks noGrp="1"/>
-          </p:cNvSpPr>
-          <p:nvPr>
-            <p:ph type="sldNum" sz="quarter" idx="5"/>
-          </p:nvPr>
-        </p:nvSpPr>
-        <p:spPr/>
-        <p:txBody>
-          <a:bodyPr/>
-          <a:lstStyle/>
-          <a:p>
-            <a:fld id="{8EA03BF9-1A7E-41CC-8E46-9BE8DA79F321}" type="slidenum">
-              <a:rPr lang="es-ES" smtClean="0"/>
-              <a:t>7</a:t>
-            </a:fld>
-            <a:endParaRPr lang="es-ES"/>
-          </a:p>
-        </p:txBody>
-      </p:sp>
-    </p:spTree>
-    <p:extLst>
-      <p:ext uri="{BB962C8B-B14F-4D97-AF65-F5344CB8AC3E}">
-        <p14:creationId xmlns:p14="http://schemas.microsoft.com/office/powerpoint/2010/main" val="2606669277"/>
-      </p:ext>
-    </p:extLst>
-  </p:cSld>
-  <p:clrMapOvr>
-    <a:masterClrMapping/>
-  </p:clrMapOvr>
-</p:notes>
-</file>
-
-<file path=ppt/notesSlides/notesSlide2.xml><?xml version="1.0" encoding="utf-8"?>
-<p:notes xmlns:a="http://schemas.openxmlformats.org/drawingml/2006/main" xmlns:r="http://schemas.openxmlformats.org/officeDocument/2006/relationships" xmlns:p="http://schemas.openxmlformats.org/presentationml/2006/main">
-  <p:cSld>
-    <p:spTree>
-      <p:nvGrpSpPr>
-        <p:cNvPr id="1" name=""/>
-        <p:cNvGrpSpPr/>
-        <p:nvPr/>
-      </p:nvGrpSpPr>
-      <p:grpSpPr>
-        <a:xfrm>
-          <a:off x="0" y="0"/>
-          <a:ext cx="0" cy="0"/>
-          <a:chOff x="0" y="0"/>
-          <a:chExt cx="0" cy="0"/>
-        </a:xfrm>
-      </p:grpSpPr>
-      <p:sp>
-        <p:nvSpPr>
-          <p:cNvPr id="2" name="Marcador de imagen de diapositiva 1"/>
-          <p:cNvSpPr>
-            <a:spLocks noGrp="1" noRot="1" noChangeAspect="1"/>
-          </p:cNvSpPr>
-          <p:nvPr>
-            <p:ph type="sldImg"/>
-          </p:nvPr>
-        </p:nvSpPr>
-        <p:spPr/>
-      </p:sp>
-      <p:sp>
-        <p:nvSpPr>
-          <p:cNvPr id="3" name="Marcador de notas 2"/>
-          <p:cNvSpPr>
-            <a:spLocks noGrp="1"/>
-          </p:cNvSpPr>
-          <p:nvPr>
-            <p:ph type="body" idx="1"/>
-          </p:nvPr>
-        </p:nvSpPr>
-        <p:spPr/>
-        <p:txBody>
-          <a:bodyPr/>
-          <a:lstStyle/>
-          <a:p>
-            <a:endParaRPr lang="es-ES" dirty="0"/>
-          </a:p>
-        </p:txBody>
-      </p:sp>
-      <p:sp>
-        <p:nvSpPr>
-          <p:cNvPr id="4" name="Marcador de número de diapositiva 3"/>
-          <p:cNvSpPr>
-            <a:spLocks noGrp="1"/>
-          </p:cNvSpPr>
-          <p:nvPr>
-            <p:ph type="sldNum" sz="quarter" idx="5"/>
-          </p:nvPr>
-        </p:nvSpPr>
-        <p:spPr/>
-        <p:txBody>
-          <a:bodyPr/>
-          <a:lstStyle/>
-          <a:p>
-            <a:fld id="{8EA03BF9-1A7E-41CC-8E46-9BE8DA79F321}" type="slidenum">
-              <a:rPr lang="es-ES" smtClean="0"/>
-              <a:t>8</a:t>
-            </a:fld>
-            <a:endParaRPr lang="es-ES"/>
-          </a:p>
-        </p:txBody>
-      </p:sp>
-    </p:spTree>
-    <p:extLst>
-      <p:ext uri="{BB962C8B-B14F-4D97-AF65-F5344CB8AC3E}">
-        <p14:creationId xmlns:p14="http://schemas.microsoft.com/office/powerpoint/2010/main" val="3375423137"/>
-      </p:ext>
-    </p:extLst>
-  </p:cSld>
-  <p:clrMapOvr>
-    <a:masterClrMapping/>
-  </p:clrMapOvr>
-</p:notes>
 </file>
 
 <file path=ppt/slideLayouts/slideLayout1.xml><?xml version="1.0" encoding="utf-8"?>
@@ -16106,7 +16471,7 @@
           <a:p>
             <a:pPr algn="r"/>
             <a:r>
-              <a:rPr lang="en-US" kern="1200">
+              <a:rPr lang="en-US" kern="1200" dirty="0">
                 <a:solidFill>
                   <a:schemeClr val="accent1"/>
                 </a:solidFill>
@@ -16192,8 +16557,8 @@
         </p:nvSpPr>
         <p:spPr>
           <a:xfrm>
-            <a:off x="4976030" y="963507"/>
-            <a:ext cx="6250940" cy="2304627"/>
+            <a:off x="4976029" y="2663613"/>
+            <a:ext cx="6250940" cy="1530774"/>
           </a:xfrm>
         </p:spPr>
         <p:txBody>
@@ -16203,162 +16568,124 @@
           <a:lstStyle/>
           <a:p>
             <a:r>
-              <a:rPr lang="en-US" sz="2000" b="1" dirty="0" err="1"/>
+              <a:rPr lang="en-US" sz="2000" b="1"/>
               <a:t>Volumen</a:t>
             </a:r>
             <a:r>
+              <a:rPr lang="en-US" sz="2000"/>
+              <a:t>: </a:t>
+            </a:r>
+            <a:r>
               <a:rPr lang="en-US" sz="2000" dirty="0"/>
-              <a:t>: El big data </a:t>
-            </a:r>
-            <a:r>
-              <a:rPr lang="en-US" sz="2000" dirty="0" err="1"/>
-              <a:t>procesa</a:t>
+              <a:t>El big </a:t>
+            </a:r>
+            <a:r>
+              <a:rPr lang="en-US" sz="2000"/>
+              <a:t>data procesa grandes volúmenes de datos no estructurados, la procedencia de esos daros, es desconocida (p.e. </a:t>
             </a:r>
             <a:r>
               <a:rPr lang="en-US" sz="2000" dirty="0"/>
-              <a:t> </a:t>
-            </a:r>
-            <a:r>
-              <a:rPr lang="en-US" sz="2000" dirty="0" err="1"/>
-              <a:t>grandes</a:t>
+              <a:t>las feeds de Twitter</a:t>
+            </a:r>
+            <a:r>
+              <a:rPr lang="en-US" sz="2000"/>
+              <a:t>). Esta característica </a:t>
             </a:r>
             <a:r>
               <a:rPr lang="en-US" sz="2000" dirty="0"/>
-              <a:t> </a:t>
-            </a:r>
-            <a:r>
-              <a:rPr lang="en-US" sz="2000" dirty="0" err="1"/>
-              <a:t>volúmenes</a:t>
-            </a:r>
-            <a:r>
-              <a:rPr lang="en-US" sz="2000" dirty="0"/>
-              <a:t> de </a:t>
-            </a:r>
-            <a:r>
-              <a:rPr lang="en-US" sz="2000" dirty="0" err="1"/>
-              <a:t>datos</a:t>
-            </a:r>
-            <a:r>
-              <a:rPr lang="en-US" sz="2000" dirty="0"/>
-              <a:t> no </a:t>
-            </a:r>
-            <a:r>
-              <a:rPr lang="en-US" sz="2000" dirty="0" err="1"/>
-              <a:t>estructurados</a:t>
-            </a:r>
-            <a:r>
-              <a:rPr lang="en-US" sz="2000" dirty="0"/>
-              <a:t>, la </a:t>
-            </a:r>
-            <a:r>
-              <a:rPr lang="en-US" sz="2000" dirty="0" err="1"/>
-              <a:t>procedencia</a:t>
-            </a:r>
-            <a:r>
-              <a:rPr lang="en-US" sz="2000" dirty="0"/>
-              <a:t> de </a:t>
-            </a:r>
-            <a:r>
-              <a:rPr lang="en-US" sz="2000" dirty="0" err="1"/>
-              <a:t>esos</a:t>
-            </a:r>
-            <a:r>
-              <a:rPr lang="en-US" sz="2000" dirty="0"/>
-              <a:t> </a:t>
-            </a:r>
-            <a:r>
-              <a:rPr lang="en-US" sz="2000" dirty="0" err="1"/>
-              <a:t>daros</a:t>
-            </a:r>
-            <a:r>
-              <a:rPr lang="en-US" sz="2000" dirty="0"/>
-              <a:t>, es </a:t>
-            </a:r>
-            <a:r>
-              <a:rPr lang="en-US" sz="2000" dirty="0" err="1"/>
-              <a:t>desconocida</a:t>
-            </a:r>
-            <a:r>
-              <a:rPr lang="en-US" sz="2000" dirty="0"/>
-              <a:t> (</a:t>
-            </a:r>
-            <a:r>
-              <a:rPr lang="en-US" sz="2000" dirty="0" err="1"/>
-              <a:t>p.e.</a:t>
-            </a:r>
-            <a:r>
-              <a:rPr lang="en-US" sz="2000" dirty="0"/>
-              <a:t> las feeds de Twitter). </a:t>
-            </a:r>
-            <a:r>
-              <a:rPr lang="en-US" sz="2000" dirty="0" err="1"/>
-              <a:t>Esta</a:t>
-            </a:r>
-            <a:r>
-              <a:rPr lang="en-US" sz="2000" dirty="0"/>
-              <a:t> </a:t>
-            </a:r>
-            <a:r>
-              <a:rPr lang="en-US" sz="2000" dirty="0" err="1"/>
-              <a:t>característica</a:t>
-            </a:r>
-            <a:r>
-              <a:rPr lang="en-US" sz="2000" dirty="0"/>
-              <a:t> para las </a:t>
-            </a:r>
-            <a:r>
-              <a:rPr lang="en-US" sz="2000" dirty="0" err="1"/>
-              <a:t>organizaciones</a:t>
-            </a:r>
-            <a:r>
-              <a:rPr lang="en-US" sz="2000" dirty="0"/>
-              <a:t>, </a:t>
-            </a:r>
-            <a:r>
-              <a:rPr lang="en-US" sz="2000" dirty="0" err="1"/>
-              <a:t>supone</a:t>
-            </a:r>
-            <a:r>
-              <a:rPr lang="en-US" sz="2000" dirty="0"/>
-              <a:t> un </a:t>
-            </a:r>
-            <a:r>
-              <a:rPr lang="en-US" sz="2000" dirty="0" err="1"/>
-              <a:t>reto</a:t>
-            </a:r>
-            <a:r>
-              <a:rPr lang="en-US" sz="2000" dirty="0"/>
-              <a:t> para </a:t>
-            </a:r>
-            <a:r>
-              <a:rPr lang="en-US" sz="2000" dirty="0" err="1"/>
-              <a:t>almacenar</a:t>
-            </a:r>
-            <a:r>
-              <a:rPr lang="en-US" sz="2000" dirty="0"/>
-              <a:t> y </a:t>
-            </a:r>
-            <a:r>
-              <a:rPr lang="en-US" sz="2000" dirty="0" err="1"/>
-              <a:t>analizar</a:t>
-            </a:r>
-            <a:r>
-              <a:rPr lang="en-US" sz="2000" dirty="0"/>
-              <a:t> </a:t>
-            </a:r>
-            <a:r>
-              <a:rPr lang="en-US" sz="2000" dirty="0" err="1"/>
-              <a:t>los</a:t>
-            </a:r>
-            <a:r>
-              <a:rPr lang="en-US" sz="2000" dirty="0"/>
-              <a:t> </a:t>
-            </a:r>
-            <a:r>
-              <a:rPr lang="en-US" sz="2000" dirty="0" err="1"/>
-              <a:t>datos</a:t>
+              <a:t>para </a:t>
+            </a:r>
+            <a:r>
+              <a:rPr lang="en-US" sz="2000"/>
+              <a:t>las organizaciones, supone un reto para almacenar y analizar los datos</a:t>
             </a:r>
             <a:endParaRPr lang="en-US" sz="2000" b="1" dirty="0"/>
+          </a:p>
+        </p:txBody>
+      </p:sp>
+      <p:sp>
+        <p:nvSpPr>
+          <p:cNvPr id="4" name="Título 1">
+            <a:extLst>
+              <a:ext uri="{FF2B5EF4-FFF2-40B4-BE49-F238E27FC236}">
+                <a16:creationId xmlns:a16="http://schemas.microsoft.com/office/drawing/2014/main" id="{75B968D6-146C-6378-708B-BDE1E6CBAE62}"/>
+              </a:ext>
+            </a:extLst>
+          </p:cNvPr>
+          <p:cNvSpPr txBox="1">
+            <a:spLocks/>
+          </p:cNvSpPr>
+          <p:nvPr/>
+        </p:nvSpPr>
+        <p:spPr>
+          <a:xfrm>
+            <a:off x="6893043" y="5816630"/>
+            <a:ext cx="5298957" cy="906733"/>
+          </a:xfrm>
+          <a:prstGeom prst="rect">
+            <a:avLst/>
+          </a:prstGeom>
+        </p:spPr>
+        <p:txBody>
+          <a:bodyPr vert="horz" lIns="91440" tIns="45720" rIns="91440" bIns="45720" rtlCol="0" anchor="b">
+            <a:noAutofit/>
+          </a:bodyPr>
+          <a:lstStyle>
+            <a:lvl1pPr algn="l" defTabSz="914400" rtl="0" eaLnBrk="1" latinLnBrk="0" hangingPunct="1">
+              <a:lnSpc>
+                <a:spcPct val="90000"/>
+              </a:lnSpc>
+              <a:spcBef>
+                <a:spcPct val="0"/>
+              </a:spcBef>
+              <a:buNone/>
+              <a:defRPr sz="4400" kern="1200">
+                <a:solidFill>
+                  <a:schemeClr val="tx1"/>
+                </a:solidFill>
+                <a:latin typeface="+mj-lt"/>
+                <a:ea typeface="+mj-ea"/>
+                <a:cs typeface="+mj-cs"/>
+              </a:defRPr>
+            </a:lvl1pPr>
+          </a:lstStyle>
+          <a:p>
+            <a:pPr algn="ctr">
+              <a:spcAft>
+                <a:spcPts val="600"/>
+              </a:spcAft>
+            </a:pPr>
+            <a:r>
+              <a:rPr lang="es-ES" sz="1600" b="1">
+                <a:cs typeface="Calibri Light" panose="020F0302020204030204"/>
+              </a:rPr>
+              <a:t>EDUARDO MARTÍN-SONSECA</a:t>
+            </a:r>
+            <a:br>
+              <a:rPr lang="es-ES" sz="1600" b="1">
+                <a:cs typeface="Calibri Light" panose="020F0302020204030204"/>
+              </a:rPr>
+            </a:br>
+            <a:r>
+              <a:rPr lang="es-ES" sz="1600" b="1">
+                <a:cs typeface="Calibri Light" panose="020F0302020204030204"/>
+              </a:rPr>
+              <a:t>LUIS FERNANDEZ CASTELO</a:t>
+            </a:r>
+            <a:br>
+              <a:rPr lang="es-ES" sz="1600" b="1">
+                <a:cs typeface="Calibri Light" panose="020F0302020204030204"/>
+              </a:rPr>
+            </a:br>
+            <a:r>
+              <a:rPr lang="es-ES" sz="1600" b="1">
+                <a:cs typeface="Calibri Light" panose="020F0302020204030204"/>
+              </a:rPr>
+              <a:t>1º DESARROLLO DE APLICACIONES MULTIPLATAFORMA</a:t>
+            </a:r>
+            <a:endParaRPr lang="es-ES" sz="1600" dirty="0">
+              <a:cs typeface="Calibri Light"/>
+            </a:endParaRPr>
           </a:p>
         </p:txBody>
       </p:sp>
@@ -16473,6 +16800,41 @@
                                   </p:childTnLst>
                                 </p:cTn>
                               </p:par>
+                              <p:par>
+                                <p:cTn id="11" presetID="10" presetClass="entr" presetSubtype="0" fill="hold" grpId="0" nodeType="withEffect">
+                                  <p:stCondLst>
+                                    <p:cond delay="0"/>
+                                  </p:stCondLst>
+                                  <p:childTnLst>
+                                    <p:set>
+                                      <p:cBhvr>
+                                        <p:cTn id="12" dur="1" fill="hold">
+                                          <p:stCondLst>
+                                            <p:cond delay="0"/>
+                                          </p:stCondLst>
+                                        </p:cTn>
+                                        <p:tgtEl>
+                                          <p:spTgt spid="4"/>
+                                        </p:tgtEl>
+                                        <p:attrNameLst>
+                                          <p:attrName>style.visibility</p:attrName>
+                                        </p:attrNameLst>
+                                      </p:cBhvr>
+                                      <p:to>
+                                        <p:strVal val="visible"/>
+                                      </p:to>
+                                    </p:set>
+                                    <p:animEffect transition="in" filter="fade">
+                                      <p:cBhvr>
+                                        <p:cTn id="13" dur="10"/>
+                                        <p:tgtEl>
+                                          <p:spTgt spid="4"/>
+                                        </p:tgtEl>
+                                      </p:cBhvr>
+                                    </p:animEffect>
+                                  </p:childTnLst>
+                                </p:cTn>
+                              </p:par>
                             </p:childTnLst>
                           </p:cTn>
                         </p:par>
@@ -16503,6 +16865,7 @@
     <p:bldLst>
       <p:bldP spid="2" grpId="0"/>
       <p:bldP spid="3" grpId="0" build="p"/>
+      <p:bldP spid="4" grpId="0"/>
     </p:bldLst>
   </p:timing>
 </p:sld>
@@ -16533,12 +16896,12 @@
           <a:chExt cx="0" cy="0"/>
         </a:xfrm>
       </p:grpSpPr>
-      <p:sp useBgFill="1">
+      <p:sp>
         <p:nvSpPr>
-          <p:cNvPr id="17" name="Rectangle 16">
+          <p:cNvPr id="25" name="Rectangle 27">
             <a:extLst>
               <a:ext uri="{FF2B5EF4-FFF2-40B4-BE49-F238E27FC236}">
-                <a16:creationId xmlns:a16="http://schemas.microsoft.com/office/drawing/2014/main" id="{04812C46-200A-4DEB-A05E-3ED6C68C2387}"/>
+                <a16:creationId xmlns:a16="http://schemas.microsoft.com/office/drawing/2014/main" id="{8CA06CD6-90CA-4C45-856C-6771339E1E22}"/>
               </a:ext>
               <a:ext uri="{C183D7F6-B498-43B3-948B-1728B52AA6E4}">
                 <adec:decorative xmlns:adec="http://schemas.microsoft.com/office/drawing/2017/decorative" val="1"/>
@@ -16556,15 +16919,20 @@
             </p:extLst>
           </p:nvPr>
         </p:nvSpPr>
-        <p:spPr>
+        <p:spPr bwMode="ltGray">
           <a:xfrm>
-            <a:off x="3049" y="0"/>
-            <a:ext cx="12188952" cy="6858000"/>
+            <a:off x="321564" y="320040"/>
+            <a:ext cx="11548872" cy="6217920"/>
           </a:xfrm>
           <a:prstGeom prst="rect">
             <a:avLst/>
           </a:prstGeom>
-          <a:ln>
+          <a:solidFill>
+            <a:schemeClr val="tx1">
+              <a:alpha val="10000"/>
+            </a:schemeClr>
+          </a:solidFill>
+          <a:ln w="127000" cap="sq" cmpd="thinThick">
             <a:noFill/>
           </a:ln>
         </p:spPr>
@@ -16595,96 +16963,10 @@
       </p:sp>
       <p:sp>
         <p:nvSpPr>
-          <p:cNvPr id="19" name="Rectangle 18">
-            <a:extLst>
-              <a:ext uri="{FF2B5EF4-FFF2-40B4-BE49-F238E27FC236}">
-                <a16:creationId xmlns:a16="http://schemas.microsoft.com/office/drawing/2014/main" id="{D1EA859B-E555-4109-94F3-6700E046E008}"/>
-              </a:ext>
-              <a:ext uri="{C183D7F6-B498-43B3-948B-1728B52AA6E4}">
-                <adec:decorative xmlns:adec="http://schemas.microsoft.com/office/drawing/2017/decorative" val="1"/>
-              </a:ext>
-            </a:extLst>
-          </p:cNvPr>
-          <p:cNvSpPr>
-            <a:spLocks noGrp="1" noRot="1" noChangeAspect="1" noMove="1" noResize="1" noEditPoints="1" noAdjustHandles="1" noChangeArrowheads="1" noChangeShapeType="1" noTextEdit="1"/>
-          </p:cNvSpPr>
-          <p:nvPr>
-            <p:extLst>
-              <p:ext uri="{386F3935-93C4-4BCD-93E2-E3B085C9AB24}">
-                <p16:designElem xmlns:p16="http://schemas.microsoft.com/office/powerpoint/2015/main" val="1"/>
-              </p:ext>
-            </p:extLst>
-          </p:nvPr>
-        </p:nvSpPr>
-        <p:spPr>
-          <a:xfrm>
-            <a:off x="-1" y="0"/>
-            <a:ext cx="7390263" cy="6858000"/>
-          </a:xfrm>
-          <a:prstGeom prst="rect">
-            <a:avLst/>
-          </a:prstGeom>
-          <a:gradFill>
-            <a:gsLst>
-              <a:gs pos="48000">
-                <a:schemeClr val="bg1"/>
-              </a:gs>
-              <a:gs pos="35000">
-                <a:schemeClr val="bg1">
-                  <a:alpha val="77000"/>
-                </a:schemeClr>
-              </a:gs>
-              <a:gs pos="19000">
-                <a:schemeClr val="bg1">
-                  <a:alpha val="38000"/>
-                </a:schemeClr>
-              </a:gs>
-              <a:gs pos="0">
-                <a:schemeClr val="bg1">
-                  <a:alpha val="0"/>
-                </a:schemeClr>
-              </a:gs>
-              <a:gs pos="100000">
-                <a:schemeClr val="bg1"/>
-              </a:gs>
-            </a:gsLst>
-            <a:lin ang="10800000" scaled="0"/>
-          </a:gradFill>
-          <a:ln>
-            <a:noFill/>
-          </a:ln>
-        </p:spPr>
-        <p:style>
-          <a:lnRef idx="2">
-            <a:schemeClr val="accent1">
-              <a:shade val="50000"/>
-            </a:schemeClr>
-          </a:lnRef>
-          <a:fillRef idx="1">
-            <a:schemeClr val="accent1"/>
-          </a:fillRef>
-          <a:effectRef idx="0">
-            <a:schemeClr val="accent1"/>
-          </a:effectRef>
-          <a:fontRef idx="minor">
-            <a:schemeClr val="lt1"/>
-          </a:fontRef>
-        </p:style>
-        <p:txBody>
-          <a:bodyPr rtlCol="0" anchor="ctr"/>
-          <a:lstStyle/>
-          <a:p>
-            <a:pPr algn="ctr"/>
-            <a:endParaRPr lang="en-US" dirty="0"/>
-          </a:p>
-        </p:txBody>
-      </p:sp>
-      <p:sp>
-        <p:nvSpPr>
           <p:cNvPr id="2" name="Título 1">
             <a:extLst>
               <a:ext uri="{FF2B5EF4-FFF2-40B4-BE49-F238E27FC236}">
-                <a16:creationId xmlns:a16="http://schemas.microsoft.com/office/drawing/2014/main" id="{EEFFF1FB-241B-4CF4-A2C7-CFE2DA1A9AD1}"/>
+                <a16:creationId xmlns:a16="http://schemas.microsoft.com/office/drawing/2014/main" id="{71AEC653-CF21-4A83-8228-4AB13A9E6A67}"/>
               </a:ext>
             </a:extLst>
           </p:cNvPr>
@@ -16697,8 +16979,8 @@
         </p:nvSpPr>
         <p:spPr>
           <a:xfrm>
-            <a:off x="838200" y="365125"/>
-            <a:ext cx="3822189" cy="1899912"/>
+            <a:off x="838200" y="963507"/>
+            <a:ext cx="3494362" cy="4930986"/>
           </a:xfrm>
         </p:spPr>
         <p:txBody>
@@ -16707,223 +16989,282 @@
           </a:bodyPr>
           <a:lstStyle/>
           <a:p>
-            <a:r>
-              <a:rPr lang="en-US" sz="4000"/>
+            <a:pPr algn="r"/>
+            <a:r>
+              <a:rPr lang="en-US" kern="1200" dirty="0">
+                <a:solidFill>
+                  <a:schemeClr val="accent1"/>
+                </a:solidFill>
+                <a:latin typeface="+mj-lt"/>
+                <a:ea typeface="+mj-ea"/>
+                <a:cs typeface="+mj-cs"/>
+              </a:rPr>
               <a:t>VELOCIDAD</a:t>
             </a:r>
+          </a:p>
+        </p:txBody>
+      </p:sp>
+      <p:cxnSp>
+        <p:nvCxnSpPr>
+          <p:cNvPr id="26" name="Straight Connector 29">
+            <a:extLst>
+              <a:ext uri="{FF2B5EF4-FFF2-40B4-BE49-F238E27FC236}">
+                <a16:creationId xmlns:a16="http://schemas.microsoft.com/office/drawing/2014/main" id="{5021601D-2758-4B15-A31C-FDA184C51B3A}"/>
+              </a:ext>
+              <a:ext uri="{C183D7F6-B498-43B3-948B-1728B52AA6E4}">
+                <adec:decorative xmlns:adec="http://schemas.microsoft.com/office/drawing/2017/decorative" val="1"/>
+              </a:ext>
+            </a:extLst>
+          </p:cNvPr>
+          <p:cNvCxnSpPr>
+            <a:cxnSpLocks noGrp="1" noRot="1" noChangeAspect="1" noMove="1" noResize="1" noEditPoints="1" noAdjustHandles="1" noChangeArrowheads="1" noChangeShapeType="1"/>
+          </p:cNvCxnSpPr>
+          <p:nvPr>
+            <p:extLst>
+              <p:ext uri="{386F3935-93C4-4BCD-93E2-E3B085C9AB24}">
+                <p16:designElem xmlns:p16="http://schemas.microsoft.com/office/powerpoint/2015/main" val="1"/>
+              </p:ext>
+            </p:extLst>
+          </p:nvPr>
+        </p:nvCxnSpPr>
+        <p:spPr>
+          <a:xfrm>
+            <a:off x="4654296" y="2057400"/>
+            <a:ext cx="0" cy="2743200"/>
+          </a:xfrm>
+          <a:prstGeom prst="line">
+            <a:avLst/>
+          </a:prstGeom>
+          <a:ln w="19050">
+            <a:solidFill>
+              <a:schemeClr val="tx1">
+                <a:lumMod val="85000"/>
+                <a:lumOff val="15000"/>
+              </a:schemeClr>
+            </a:solidFill>
+          </a:ln>
+        </p:spPr>
+        <p:style>
+          <a:lnRef idx="1">
+            <a:schemeClr val="accent1"/>
+          </a:lnRef>
+          <a:fillRef idx="0">
+            <a:schemeClr val="accent1"/>
+          </a:fillRef>
+          <a:effectRef idx="0">
+            <a:schemeClr val="accent1"/>
+          </a:effectRef>
+          <a:fontRef idx="minor">
+            <a:schemeClr val="tx1"/>
+          </a:fontRef>
+        </p:style>
+      </p:cxnSp>
+      <p:sp>
+        <p:nvSpPr>
+          <p:cNvPr id="3" name="Marcador de contenido 2">
+            <a:extLst>
+              <a:ext uri="{FF2B5EF4-FFF2-40B4-BE49-F238E27FC236}">
+                <a16:creationId xmlns:a16="http://schemas.microsoft.com/office/drawing/2014/main" id="{FDA276B4-AFA8-445E-BF46-D797C1B3F0B0}"/>
+              </a:ext>
+            </a:extLst>
+          </p:cNvPr>
+          <p:cNvSpPr>
+            <a:spLocks noGrp="1"/>
+          </p:cNvSpPr>
+          <p:nvPr>
+            <p:ph idx="1"/>
+          </p:nvPr>
+        </p:nvSpPr>
+        <p:spPr>
+          <a:xfrm>
+            <a:off x="4976029" y="2663613"/>
+            <a:ext cx="6250940" cy="1530774"/>
+          </a:xfrm>
+        </p:spPr>
+        <p:txBody>
+          <a:bodyPr vert="horz" lIns="91440" tIns="45720" rIns="91440" bIns="45720" rtlCol="0" anchor="b">
+            <a:normAutofit/>
+          </a:bodyPr>
+          <a:lstStyle/>
+          <a:p>
+            <a:r>
+              <a:rPr lang="en-US" sz="2000" b="1" dirty="0" err="1"/>
+              <a:t>Velocidad</a:t>
+            </a:r>
+            <a:r>
+              <a:rPr lang="en-US" sz="2000" dirty="0"/>
+              <a:t>: Los </a:t>
+            </a:r>
+            <a:r>
+              <a:rPr lang="en-US" sz="2000" dirty="0" err="1"/>
+              <a:t>datos</a:t>
+            </a:r>
+            <a:r>
+              <a:rPr lang="en-US" sz="2000" dirty="0"/>
+              <a:t> se </a:t>
+            </a:r>
+            <a:r>
+              <a:rPr lang="en-US" sz="2000" dirty="0" err="1"/>
+              <a:t>generan</a:t>
+            </a:r>
+            <a:r>
+              <a:rPr lang="en-US" sz="2000" dirty="0"/>
+              <a:t> más </a:t>
+            </a:r>
+            <a:r>
+              <a:rPr lang="en-US" sz="2000" dirty="0" err="1"/>
+              <a:t>rápido</a:t>
+            </a:r>
+            <a:r>
+              <a:rPr lang="en-US" sz="2000" dirty="0"/>
+              <a:t>, </a:t>
+            </a:r>
+            <a:r>
+              <a:rPr lang="en-US" sz="2000" dirty="0" err="1"/>
+              <a:t>haciendo</a:t>
+            </a:r>
+            <a:r>
+              <a:rPr lang="en-US" sz="2000" dirty="0"/>
+              <a:t> </a:t>
+            </a:r>
+            <a:r>
+              <a:rPr lang="en-US" sz="2000" dirty="0" err="1"/>
+              <a:t>necesaria</a:t>
+            </a:r>
+            <a:r>
+              <a:rPr lang="en-US" sz="2000" dirty="0"/>
+              <a:t>, </a:t>
+            </a:r>
+            <a:r>
+              <a:rPr lang="en-US" sz="2000" dirty="0" err="1"/>
+              <a:t>una</a:t>
+            </a:r>
+            <a:r>
+              <a:rPr lang="en-US" sz="2000" dirty="0"/>
+              <a:t> </a:t>
+            </a:r>
+            <a:r>
+              <a:rPr lang="en-US" sz="2000" dirty="0" err="1"/>
+              <a:t>respuesta</a:t>
+            </a:r>
+            <a:r>
+              <a:rPr lang="en-US" sz="2000" dirty="0"/>
+              <a:t> </a:t>
+            </a:r>
+            <a:r>
+              <a:rPr lang="en-US" sz="2000" dirty="0" err="1"/>
+              <a:t>rápida</a:t>
+            </a:r>
+            <a:r>
+              <a:rPr lang="en-US" sz="2000" dirty="0"/>
+              <a:t>, </a:t>
+            </a:r>
+            <a:r>
+              <a:rPr lang="en-US" sz="2000" dirty="0" err="1"/>
+              <a:t>requiere</a:t>
+            </a:r>
+            <a:r>
+              <a:rPr lang="en-US" sz="2000" dirty="0"/>
+              <a:t> tiempo para el </a:t>
+            </a:r>
+            <a:r>
+              <a:rPr lang="en-US" sz="2000" dirty="0" err="1"/>
+              <a:t>procesamiento</a:t>
+            </a:r>
+            <a:r>
+              <a:rPr lang="en-US" sz="2000" dirty="0"/>
+              <a:t>, </a:t>
+            </a:r>
+            <a:r>
+              <a:rPr lang="en-US" sz="2000" dirty="0" err="1"/>
+              <a:t>análisis</a:t>
+            </a:r>
+            <a:r>
+              <a:rPr lang="en-US" sz="2000" dirty="0"/>
+              <a:t> de </a:t>
+            </a:r>
+            <a:r>
+              <a:rPr lang="en-US" sz="2000" dirty="0" err="1"/>
+              <a:t>los</a:t>
+            </a:r>
+            <a:r>
+              <a:rPr lang="en-US" sz="2000" dirty="0"/>
+              <a:t> </a:t>
+            </a:r>
+            <a:r>
+              <a:rPr lang="en-US" sz="2000" dirty="0" err="1"/>
+              <a:t>datos</a:t>
+            </a:r>
+            <a:r>
+              <a:rPr lang="en-US" sz="2000" dirty="0"/>
+              <a:t> y </a:t>
+            </a:r>
+            <a:r>
+              <a:rPr lang="en-US" sz="2000" dirty="0" err="1"/>
+              <a:t>gestión</a:t>
+            </a:r>
+            <a:r>
+              <a:rPr lang="en-US" sz="2000" dirty="0"/>
+              <a:t> de al </a:t>
+            </a:r>
+            <a:r>
+              <a:rPr lang="en-US" sz="2000" dirty="0" err="1"/>
+              <a:t>información</a:t>
+            </a:r>
+            <a:r>
+              <a:rPr lang="en-US" sz="2000" dirty="0"/>
+              <a:t>. Los </a:t>
+            </a:r>
+            <a:r>
+              <a:rPr lang="en-US" sz="2000" dirty="0" err="1"/>
+              <a:t>datos</a:t>
+            </a:r>
+            <a:r>
+              <a:rPr lang="en-US" sz="2000" dirty="0"/>
+              <a:t> de mayor </a:t>
+            </a:r>
+            <a:r>
+              <a:rPr lang="en-US" sz="2000" dirty="0" err="1"/>
+              <a:t>velocidad</a:t>
+            </a:r>
+            <a:r>
+              <a:rPr lang="en-US" sz="2000" dirty="0"/>
+              <a:t> se </a:t>
+            </a:r>
+            <a:r>
+              <a:rPr lang="en-US" sz="2000" dirty="0" err="1"/>
+              <a:t>transmiten</a:t>
+            </a:r>
+            <a:r>
+              <a:rPr lang="en-US" sz="2000" dirty="0"/>
+              <a:t> </a:t>
+            </a:r>
+            <a:r>
+              <a:rPr lang="en-US" sz="2000" dirty="0" err="1"/>
+              <a:t>directamente</a:t>
+            </a:r>
+            <a:r>
+              <a:rPr lang="en-US" sz="2000" dirty="0"/>
+              <a:t> a la </a:t>
+            </a:r>
+            <a:r>
+              <a:rPr lang="en-US" sz="2000" dirty="0" err="1"/>
+              <a:t>memoria</a:t>
+            </a:r>
+            <a:r>
+              <a:rPr lang="en-US" sz="2000" dirty="0"/>
+              <a:t>.</a:t>
+            </a:r>
+            <a:endParaRPr lang="en-US" sz="2000" b="1" dirty="0"/>
           </a:p>
         </p:txBody>
       </p:sp>
       <p:sp>
         <p:nvSpPr>
-          <p:cNvPr id="4" name="Marcador de contenido 2">
+          <p:cNvPr id="4" name="Título 1">
             <a:extLst>
               <a:ext uri="{FF2B5EF4-FFF2-40B4-BE49-F238E27FC236}">
-                <a16:creationId xmlns:a16="http://schemas.microsoft.com/office/drawing/2014/main" id="{547BDE46-D058-433A-9BA3-B8680CF7D8BA}"/>
-              </a:ext>
-            </a:extLst>
-          </p:cNvPr>
-          <p:cNvSpPr txBox="1">
-            <a:spLocks/>
-          </p:cNvSpPr>
-          <p:nvPr/>
-        </p:nvSpPr>
-        <p:spPr>
-          <a:xfrm>
-            <a:off x="838200" y="2434201"/>
-            <a:ext cx="3822189" cy="3742762"/>
-          </a:xfrm>
-          <a:prstGeom prst="rect">
-            <a:avLst/>
-          </a:prstGeom>
-        </p:spPr>
-        <p:txBody>
-          <a:bodyPr vert="horz" lIns="91440" tIns="45720" rIns="91440" bIns="45720" rtlCol="0">
-            <a:normAutofit/>
-          </a:bodyPr>
-          <a:lstStyle>
-            <a:lvl1pPr marL="228600" indent="-228600" algn="l" defTabSz="914400" rtl="0" eaLnBrk="1" latinLnBrk="0" hangingPunct="1">
-              <a:lnSpc>
-                <a:spcPct val="90000"/>
-              </a:lnSpc>
-              <a:spcBef>
-                <a:spcPts val="1000"/>
-              </a:spcBef>
-              <a:buFont typeface="Arial" panose="020B0604020202020204" pitchFamily="34" charset="0"/>
-              <a:buChar char="•"/>
-              <a:defRPr sz="2800" kern="1200">
-                <a:solidFill>
-                  <a:schemeClr val="tx1"/>
-                </a:solidFill>
-                <a:latin typeface="+mn-lt"/>
-                <a:ea typeface="+mn-ea"/>
-                <a:cs typeface="+mn-cs"/>
-              </a:defRPr>
-            </a:lvl1pPr>
-            <a:lvl2pPr marL="685800" indent="-228600" algn="l" defTabSz="914400" rtl="0" eaLnBrk="1" latinLnBrk="0" hangingPunct="1">
-              <a:lnSpc>
-                <a:spcPct val="90000"/>
-              </a:lnSpc>
-              <a:spcBef>
-                <a:spcPts val="500"/>
-              </a:spcBef>
-              <a:buFont typeface="Arial" panose="020B0604020202020204" pitchFamily="34" charset="0"/>
-              <a:buChar char="•"/>
-              <a:defRPr sz="2400" kern="1200">
-                <a:solidFill>
-                  <a:schemeClr val="tx1"/>
-                </a:solidFill>
-                <a:latin typeface="+mn-lt"/>
-                <a:ea typeface="+mn-ea"/>
-                <a:cs typeface="+mn-cs"/>
-              </a:defRPr>
-            </a:lvl2pPr>
-            <a:lvl3pPr marL="1143000" indent="-228600" algn="l" defTabSz="914400" rtl="0" eaLnBrk="1" latinLnBrk="0" hangingPunct="1">
-              <a:lnSpc>
-                <a:spcPct val="90000"/>
-              </a:lnSpc>
-              <a:spcBef>
-                <a:spcPts val="500"/>
-              </a:spcBef>
-              <a:buFont typeface="Arial" panose="020B0604020202020204" pitchFamily="34" charset="0"/>
-              <a:buChar char="•"/>
-              <a:defRPr sz="2000" kern="1200">
-                <a:solidFill>
-                  <a:schemeClr val="tx1"/>
-                </a:solidFill>
-                <a:latin typeface="+mn-lt"/>
-                <a:ea typeface="+mn-ea"/>
-                <a:cs typeface="+mn-cs"/>
-              </a:defRPr>
-            </a:lvl3pPr>
-            <a:lvl4pPr marL="1600200" indent="-228600" algn="l" defTabSz="914400" rtl="0" eaLnBrk="1" latinLnBrk="0" hangingPunct="1">
-              <a:lnSpc>
-                <a:spcPct val="90000"/>
-              </a:lnSpc>
-              <a:spcBef>
-                <a:spcPts val="500"/>
-              </a:spcBef>
-              <a:buFont typeface="Arial" panose="020B0604020202020204" pitchFamily="34" charset="0"/>
-              <a:buChar char="•"/>
-              <a:defRPr sz="1800" kern="1200">
-                <a:solidFill>
-                  <a:schemeClr val="tx1"/>
-                </a:solidFill>
-                <a:latin typeface="+mn-lt"/>
-                <a:ea typeface="+mn-ea"/>
-                <a:cs typeface="+mn-cs"/>
-              </a:defRPr>
-            </a:lvl4pPr>
-            <a:lvl5pPr marL="2057400" indent="-228600" algn="l" defTabSz="914400" rtl="0" eaLnBrk="1" latinLnBrk="0" hangingPunct="1">
-              <a:lnSpc>
-                <a:spcPct val="90000"/>
-              </a:lnSpc>
-              <a:spcBef>
-                <a:spcPts val="500"/>
-              </a:spcBef>
-              <a:buFont typeface="Arial" panose="020B0604020202020204" pitchFamily="34" charset="0"/>
-              <a:buChar char="•"/>
-              <a:defRPr sz="1800" kern="1200">
-                <a:solidFill>
-                  <a:schemeClr val="tx1"/>
-                </a:solidFill>
-                <a:latin typeface="+mn-lt"/>
-                <a:ea typeface="+mn-ea"/>
-                <a:cs typeface="+mn-cs"/>
-              </a:defRPr>
-            </a:lvl5pPr>
-            <a:lvl6pPr marL="2514600" indent="-228600" algn="l" defTabSz="914400" rtl="0" eaLnBrk="1" latinLnBrk="0" hangingPunct="1">
-              <a:lnSpc>
-                <a:spcPct val="90000"/>
-              </a:lnSpc>
-              <a:spcBef>
-                <a:spcPts val="500"/>
-              </a:spcBef>
-              <a:buFont typeface="Arial" panose="020B0604020202020204" pitchFamily="34" charset="0"/>
-              <a:buChar char="•"/>
-              <a:defRPr sz="1800" kern="1200">
-                <a:solidFill>
-                  <a:schemeClr val="tx1"/>
-                </a:solidFill>
-                <a:latin typeface="+mn-lt"/>
-                <a:ea typeface="+mn-ea"/>
-                <a:cs typeface="+mn-cs"/>
-              </a:defRPr>
-            </a:lvl6pPr>
-            <a:lvl7pPr marL="2971800" indent="-228600" algn="l" defTabSz="914400" rtl="0" eaLnBrk="1" latinLnBrk="0" hangingPunct="1">
-              <a:lnSpc>
-                <a:spcPct val="90000"/>
-              </a:lnSpc>
-              <a:spcBef>
-                <a:spcPts val="500"/>
-              </a:spcBef>
-              <a:buFont typeface="Arial" panose="020B0604020202020204" pitchFamily="34" charset="0"/>
-              <a:buChar char="•"/>
-              <a:defRPr sz="1800" kern="1200">
-                <a:solidFill>
-                  <a:schemeClr val="tx1"/>
-                </a:solidFill>
-                <a:latin typeface="+mn-lt"/>
-                <a:ea typeface="+mn-ea"/>
-                <a:cs typeface="+mn-cs"/>
-              </a:defRPr>
-            </a:lvl7pPr>
-            <a:lvl8pPr marL="3429000" indent="-228600" algn="l" defTabSz="914400" rtl="0" eaLnBrk="1" latinLnBrk="0" hangingPunct="1">
-              <a:lnSpc>
-                <a:spcPct val="90000"/>
-              </a:lnSpc>
-              <a:spcBef>
-                <a:spcPts val="500"/>
-              </a:spcBef>
-              <a:buFont typeface="Arial" panose="020B0604020202020204" pitchFamily="34" charset="0"/>
-              <a:buChar char="•"/>
-              <a:defRPr sz="1800" kern="1200">
-                <a:solidFill>
-                  <a:schemeClr val="tx1"/>
-                </a:solidFill>
-                <a:latin typeface="+mn-lt"/>
-                <a:ea typeface="+mn-ea"/>
-                <a:cs typeface="+mn-cs"/>
-              </a:defRPr>
-            </a:lvl8pPr>
-            <a:lvl9pPr marL="3886200" indent="-228600" algn="l" defTabSz="914400" rtl="0" eaLnBrk="1" latinLnBrk="0" hangingPunct="1">
-              <a:lnSpc>
-                <a:spcPct val="90000"/>
-              </a:lnSpc>
-              <a:spcBef>
-                <a:spcPts val="500"/>
-              </a:spcBef>
-              <a:buFont typeface="Arial" panose="020B0604020202020204" pitchFamily="34" charset="0"/>
-              <a:buChar char="•"/>
-              <a:defRPr sz="1800" kern="1200">
-                <a:solidFill>
-                  <a:schemeClr val="tx1"/>
-                </a:solidFill>
-                <a:latin typeface="+mn-lt"/>
-                <a:ea typeface="+mn-ea"/>
-                <a:cs typeface="+mn-cs"/>
-              </a:defRPr>
-            </a:lvl9pPr>
-          </a:lstStyle>
-          <a:p>
-            <a:r>
-              <a:rPr lang="en-US" sz="2000" b="1"/>
-              <a:t>Velocidad</a:t>
-            </a:r>
-            <a:r>
-              <a:rPr lang="en-US" sz="2000"/>
-              <a:t>: Los datos se generan más rápido, haciendo necesaria, una respuesta rápida, requiere tiempo para el procesamiento, análisis de los datos y gestión de al información. Los datos de mayor velocidad se transmiten directamente a la memoria.</a:t>
-            </a:r>
-            <a:endParaRPr lang="en-US" sz="2000" b="1"/>
-          </a:p>
-        </p:txBody>
-      </p:sp>
-      <p:sp>
-        <p:nvSpPr>
-          <p:cNvPr id="5" name="Título 1">
-            <a:extLst>
-              <a:ext uri="{FF2B5EF4-FFF2-40B4-BE49-F238E27FC236}">
-                <a16:creationId xmlns:a16="http://schemas.microsoft.com/office/drawing/2014/main" id="{2F231072-B2C6-E633-9900-F8FF8ECC359A}"/>
+                <a16:creationId xmlns:a16="http://schemas.microsoft.com/office/drawing/2014/main" id="{75B968D6-146C-6378-708B-BDE1E6CBAE62}"/>
               </a:ext>
             </a:extLst>
           </p:cNvPr>
@@ -16971,52 +17312,34 @@
               </a:spcAft>
             </a:pPr>
             <a:r>
-              <a:rPr lang="es-ES" sz="1600" b="1" dirty="0">
-                <a:solidFill>
-                  <a:schemeClr val="bg1"/>
-                </a:solidFill>
+              <a:rPr lang="es-ES" sz="1600" b="1">
                 <a:cs typeface="Calibri Light" panose="020F0302020204030204"/>
               </a:rPr>
               <a:t>EDUARDO MARTÍN-SONSECA</a:t>
             </a:r>
             <a:br>
-              <a:rPr lang="es-ES" sz="1600" b="1" dirty="0">
-                <a:solidFill>
-                  <a:schemeClr val="bg1"/>
-                </a:solidFill>
+              <a:rPr lang="es-ES" sz="1600" b="1">
                 <a:cs typeface="Calibri Light" panose="020F0302020204030204"/>
               </a:rPr>
             </a:br>
             <a:r>
-              <a:rPr lang="es-ES" sz="1600" b="1" dirty="0">
-                <a:solidFill>
-                  <a:schemeClr val="bg1"/>
-                </a:solidFill>
+              <a:rPr lang="es-ES" sz="1600" b="1">
                 <a:cs typeface="Calibri Light" panose="020F0302020204030204"/>
               </a:rPr>
               <a:t>LUIS FERNANDEZ CASTELO</a:t>
             </a:r>
             <a:br>
-              <a:rPr lang="es-ES" sz="1600" b="1" dirty="0">
-                <a:solidFill>
-                  <a:schemeClr val="bg1"/>
-                </a:solidFill>
+              <a:rPr lang="es-ES" sz="1600" b="1">
                 <a:cs typeface="Calibri Light" panose="020F0302020204030204"/>
               </a:rPr>
             </a:br>
             <a:r>
-              <a:rPr lang="es-ES" sz="1600" b="1" dirty="0">
-                <a:solidFill>
-                  <a:schemeClr val="bg1"/>
-                </a:solidFill>
+              <a:rPr lang="es-ES" sz="1600" b="1">
                 <a:cs typeface="Calibri Light" panose="020F0302020204030204"/>
               </a:rPr>
               <a:t>1º DESARROLLO DE APLICACIONES MULTIPLATAFORMA</a:t>
             </a:r>
             <a:endParaRPr lang="es-ES" sz="1600" dirty="0">
-              <a:solidFill>
-                <a:schemeClr val="bg1"/>
-              </a:solidFill>
               <a:cs typeface="Calibri Light"/>
             </a:endParaRPr>
           </a:p>
@@ -17025,7 +17348,7 @@
     </p:spTree>
     <p:extLst>
       <p:ext uri="{BB962C8B-B14F-4D97-AF65-F5344CB8AC3E}">
-        <p14:creationId xmlns:p14="http://schemas.microsoft.com/office/powerpoint/2010/main" val="1015946967"/>
+        <p14:creationId xmlns:p14="http://schemas.microsoft.com/office/powerpoint/2010/main" val="4144329613"/>
       </p:ext>
     </p:extLst>
   </p:cSld>
@@ -17069,7 +17392,7 @@
                                           </p:stCondLst>
                                         </p:cTn>
                                         <p:tgtEl>
-                                          <p:spTgt spid="5"/>
+                                          <p:spTgt spid="2"/>
                                         </p:tgtEl>
                                         <p:attrNameLst>
                                           <p:attrName>style.visibility</p:attrName>
@@ -17081,9 +17404,9 @@
                                     </p:set>
                                     <p:animEffect transition="in" filter="fade">
                                       <p:cBhvr>
-                                        <p:cTn id="7" dur="10"/>
+                                        <p:cTn id="7" dur="1250"/>
                                         <p:tgtEl>
-                                          <p:spTgt spid="5"/>
+                                          <p:spTgt spid="2"/>
                                         </p:tgtEl>
                                       </p:cBhvr>
                                     </p:animEffect>
@@ -17091,7 +17414,7 @@
                                 </p:cTn>
                               </p:par>
                               <p:par>
-                                <p:cTn id="8" presetID="42" presetClass="entr" presetSubtype="0" fill="hold" grpId="0" nodeType="withEffect">
+                                <p:cTn id="8" presetID="10" presetClass="entr" presetSubtype="0" fill="hold" grpId="0" nodeType="withEffect">
                                   <p:stCondLst>
                                     <p:cond delay="0"/>
                                   </p:stCondLst>
@@ -17104,7 +17427,11 @@
                                           </p:stCondLst>
                                         </p:cTn>
                                         <p:tgtEl>
-                                          <p:spTgt spid="2"/>
+                                          <p:spTgt spid="3">
+                                            <p:txEl>
+                                              <p:pRg st="0" end="0"/>
+                                            </p:txEl>
+                                          </p:spTgt>
                                         </p:tgtEl>
                                         <p:attrNameLst>
                                           <p:attrName>style.visibility</p:attrName>
@@ -17118,68 +17445,26 @@
                                       <p:cBhvr>
                                         <p:cTn id="10" dur="1250"/>
                                         <p:tgtEl>
-                                          <p:spTgt spid="2"/>
+                                          <p:spTgt spid="3">
+                                            <p:txEl>
+                                              <p:pRg st="0" end="0"/>
+                                            </p:txEl>
+                                          </p:spTgt>
                                         </p:tgtEl>
                                       </p:cBhvr>
                                     </p:animEffect>
-                                    <p:anim calcmode="lin" valueType="num">
-                                      <p:cBhvr>
-                                        <p:cTn id="11" dur="1250" fill="hold"/>
-                                        <p:tgtEl>
-                                          <p:spTgt spid="2"/>
-                                        </p:tgtEl>
-                                        <p:attrNameLst>
-                                          <p:attrName>ppt_x</p:attrName>
-                                        </p:attrNameLst>
-                                      </p:cBhvr>
-                                      <p:tavLst>
-                                        <p:tav tm="0">
-                                          <p:val>
-                                            <p:strVal val="#ppt_x"/>
-                                          </p:val>
-                                        </p:tav>
-                                        <p:tav tm="100000">
-                                          <p:val>
-                                            <p:strVal val="#ppt_x"/>
-                                          </p:val>
-                                        </p:tav>
-                                      </p:tavLst>
-                                    </p:anim>
-                                    <p:anim calcmode="lin" valueType="num">
-                                      <p:cBhvr>
-                                        <p:cTn id="12" dur="1250" fill="hold"/>
-                                        <p:tgtEl>
-                                          <p:spTgt spid="2"/>
-                                        </p:tgtEl>
-                                        <p:attrNameLst>
-                                          <p:attrName>ppt_y</p:attrName>
-                                        </p:attrNameLst>
-                                      </p:cBhvr>
-                                      <p:tavLst>
-                                        <p:tav tm="0">
-                                          <p:val>
-                                            <p:strVal val="#ppt_y+.1"/>
-                                          </p:val>
-                                        </p:tav>
-                                        <p:tav tm="100000">
-                                          <p:val>
-                                            <p:strVal val="#ppt_y"/>
-                                          </p:val>
-                                        </p:tav>
-                                      </p:tavLst>
-                                    </p:anim>
                                   </p:childTnLst>
                                 </p:cTn>
                               </p:par>
                               <p:par>
-                                <p:cTn id="13" presetID="42" presetClass="entr" presetSubtype="0" fill="hold" grpId="0" nodeType="withEffect">
+                                <p:cTn id="11" presetID="10" presetClass="entr" presetSubtype="0" fill="hold" grpId="0" nodeType="withEffect">
                                   <p:stCondLst>
                                     <p:cond delay="0"/>
                                   </p:stCondLst>
                                   <p:childTnLst>
                                     <p:set>
                                       <p:cBhvr>
-                                        <p:cTn id="14" dur="1" fill="hold">
+                                        <p:cTn id="12" dur="1" fill="hold">
                                           <p:stCondLst>
                                             <p:cond delay="0"/>
                                           </p:stCondLst>
@@ -17197,58 +17482,12 @@
                                     </p:set>
                                     <p:animEffect transition="in" filter="fade">
                                       <p:cBhvr>
-                                        <p:cTn id="15" dur="1250"/>
+                                        <p:cTn id="13" dur="10"/>
                                         <p:tgtEl>
                                           <p:spTgt spid="4"/>
                                         </p:tgtEl>
                                       </p:cBhvr>
                                     </p:animEffect>
-                                    <p:anim calcmode="lin" valueType="num">
-                                      <p:cBhvr>
-                                        <p:cTn id="16" dur="1250" fill="hold"/>
-                                        <p:tgtEl>
-                                          <p:spTgt spid="4"/>
-                                        </p:tgtEl>
-                                        <p:attrNameLst>
-                                          <p:attrName>ppt_x</p:attrName>
-                                        </p:attrNameLst>
-                                      </p:cBhvr>
-                                      <p:tavLst>
-                                        <p:tav tm="0">
-                                          <p:val>
-                                            <p:strVal val="#ppt_x"/>
-                                          </p:val>
-                                        </p:tav>
-                                        <p:tav tm="100000">
-                                          <p:val>
-                                            <p:strVal val="#ppt_x"/>
-                                          </p:val>
-                                        </p:tav>
-                                      </p:tavLst>
-                                    </p:anim>
-                                    <p:anim calcmode="lin" valueType="num">
-                                      <p:cBhvr>
-                                        <p:cTn id="17" dur="1250" fill="hold"/>
-                                        <p:tgtEl>
-                                          <p:spTgt spid="4"/>
-                                        </p:tgtEl>
-                                        <p:attrNameLst>
-                                          <p:attrName>ppt_y</p:attrName>
-                                        </p:attrNameLst>
-                                      </p:cBhvr>
-                                      <p:tavLst>
-                                        <p:tav tm="0">
-                                          <p:val>
-                                            <p:strVal val="#ppt_y+.1"/>
-                                          </p:val>
-                                        </p:tav>
-                                        <p:tav tm="100000">
-                                          <p:val>
-                                            <p:strVal val="#ppt_y"/>
-                                          </p:val>
-                                        </p:tav>
-                                      </p:tavLst>
-                                    </p:anim>
                                   </p:childTnLst>
                                 </p:cTn>
                               </p:par>
@@ -17281,8 +17520,8 @@
     </p:tnLst>
     <p:bldLst>
       <p:bldP spid="2" grpId="0"/>
+      <p:bldP spid="3" grpId="0" build="p"/>
       <p:bldP spid="4" grpId="0"/>
-      <p:bldP spid="5" grpId="0"/>
     </p:bldLst>
   </p:timing>
 </p:sld>
@@ -17313,12 +17552,12 @@
           <a:chExt cx="0" cy="0"/>
         </a:xfrm>
       </p:grpSpPr>
-      <p:sp useBgFill="1">
+      <p:sp>
         <p:nvSpPr>
-          <p:cNvPr id="33" name="Rectangle 32">
+          <p:cNvPr id="25" name="Rectangle 27">
             <a:extLst>
               <a:ext uri="{FF2B5EF4-FFF2-40B4-BE49-F238E27FC236}">
-                <a16:creationId xmlns:a16="http://schemas.microsoft.com/office/drawing/2014/main" id="{04812C46-200A-4DEB-A05E-3ED6C68C2387}"/>
+                <a16:creationId xmlns:a16="http://schemas.microsoft.com/office/drawing/2014/main" id="{8CA06CD6-90CA-4C45-856C-6771339E1E22}"/>
               </a:ext>
               <a:ext uri="{C183D7F6-B498-43B3-948B-1728B52AA6E4}">
                 <adec:decorative xmlns:adec="http://schemas.microsoft.com/office/drawing/2017/decorative" val="1"/>
@@ -17336,15 +17575,20 @@
             </p:extLst>
           </p:nvPr>
         </p:nvSpPr>
-        <p:spPr>
+        <p:spPr bwMode="ltGray">
           <a:xfrm>
-            <a:off x="3049" y="0"/>
-            <a:ext cx="12188952" cy="6858000"/>
+            <a:off x="321564" y="320040"/>
+            <a:ext cx="11548872" cy="6217920"/>
           </a:xfrm>
           <a:prstGeom prst="rect">
             <a:avLst/>
           </a:prstGeom>
-          <a:ln>
+          <a:solidFill>
+            <a:schemeClr val="tx1">
+              <a:alpha val="10000"/>
+            </a:schemeClr>
+          </a:solidFill>
+          <a:ln w="127000" cap="sq" cmpd="thinThick">
             <a:noFill/>
           </a:ln>
         </p:spPr>
@@ -17375,96 +17619,10 @@
       </p:sp>
       <p:sp>
         <p:nvSpPr>
-          <p:cNvPr id="35" name="Rectangle 34">
-            <a:extLst>
-              <a:ext uri="{FF2B5EF4-FFF2-40B4-BE49-F238E27FC236}">
-                <a16:creationId xmlns:a16="http://schemas.microsoft.com/office/drawing/2014/main" id="{D1EA859B-E555-4109-94F3-6700E046E008}"/>
-              </a:ext>
-              <a:ext uri="{C183D7F6-B498-43B3-948B-1728B52AA6E4}">
-                <adec:decorative xmlns:adec="http://schemas.microsoft.com/office/drawing/2017/decorative" val="1"/>
-              </a:ext>
-            </a:extLst>
-          </p:cNvPr>
-          <p:cNvSpPr>
-            <a:spLocks noGrp="1" noRot="1" noChangeAspect="1" noMove="1" noResize="1" noEditPoints="1" noAdjustHandles="1" noChangeArrowheads="1" noChangeShapeType="1" noTextEdit="1"/>
-          </p:cNvSpPr>
-          <p:nvPr>
-            <p:extLst>
-              <p:ext uri="{386F3935-93C4-4BCD-93E2-E3B085C9AB24}">
-                <p16:designElem xmlns:p16="http://schemas.microsoft.com/office/powerpoint/2015/main" val="1"/>
-              </p:ext>
-            </p:extLst>
-          </p:nvPr>
-        </p:nvSpPr>
-        <p:spPr>
-          <a:xfrm>
-            <a:off x="-1" y="0"/>
-            <a:ext cx="7390263" cy="6858000"/>
-          </a:xfrm>
-          <a:prstGeom prst="rect">
-            <a:avLst/>
-          </a:prstGeom>
-          <a:gradFill>
-            <a:gsLst>
-              <a:gs pos="48000">
-                <a:schemeClr val="bg1"/>
-              </a:gs>
-              <a:gs pos="35000">
-                <a:schemeClr val="bg1">
-                  <a:alpha val="77000"/>
-                </a:schemeClr>
-              </a:gs>
-              <a:gs pos="19000">
-                <a:schemeClr val="bg1">
-                  <a:alpha val="38000"/>
-                </a:schemeClr>
-              </a:gs>
-              <a:gs pos="0">
-                <a:schemeClr val="bg1">
-                  <a:alpha val="0"/>
-                </a:schemeClr>
-              </a:gs>
-              <a:gs pos="100000">
-                <a:schemeClr val="bg1"/>
-              </a:gs>
-            </a:gsLst>
-            <a:lin ang="10800000" scaled="0"/>
-          </a:gradFill>
-          <a:ln>
-            <a:noFill/>
-          </a:ln>
-        </p:spPr>
-        <p:style>
-          <a:lnRef idx="2">
-            <a:schemeClr val="accent1">
-              <a:shade val="50000"/>
-            </a:schemeClr>
-          </a:lnRef>
-          <a:fillRef idx="1">
-            <a:schemeClr val="accent1"/>
-          </a:fillRef>
-          <a:effectRef idx="0">
-            <a:schemeClr val="accent1"/>
-          </a:effectRef>
-          <a:fontRef idx="minor">
-            <a:schemeClr val="lt1"/>
-          </a:fontRef>
-        </p:style>
-        <p:txBody>
-          <a:bodyPr rtlCol="0" anchor="ctr"/>
-          <a:lstStyle/>
-          <a:p>
-            <a:pPr algn="ctr"/>
-            <a:endParaRPr lang="en-US" dirty="0"/>
-          </a:p>
-        </p:txBody>
-      </p:sp>
-      <p:sp>
-        <p:nvSpPr>
           <p:cNvPr id="2" name="Título 1">
             <a:extLst>
               <a:ext uri="{FF2B5EF4-FFF2-40B4-BE49-F238E27FC236}">
-                <a16:creationId xmlns:a16="http://schemas.microsoft.com/office/drawing/2014/main" id="{0CD28B4F-CA59-40E4-9706-0BB2A315AE0A}"/>
+                <a16:creationId xmlns:a16="http://schemas.microsoft.com/office/drawing/2014/main" id="{71AEC653-CF21-4A83-8228-4AB13A9E6A67}"/>
               </a:ext>
             </a:extLst>
           </p:cNvPr>
@@ -17477,8 +17635,8 @@
         </p:nvSpPr>
         <p:spPr>
           <a:xfrm>
-            <a:off x="838200" y="365125"/>
-            <a:ext cx="3822189" cy="1899912"/>
+            <a:off x="838200" y="963507"/>
+            <a:ext cx="3494362" cy="4930986"/>
           </a:xfrm>
         </p:spPr>
         <p:txBody>
@@ -17487,223 +17645,347 @@
           </a:bodyPr>
           <a:lstStyle/>
           <a:p>
-            <a:r>
-              <a:rPr lang="en-US" sz="4000"/>
+            <a:pPr algn="r"/>
+            <a:r>
+              <a:rPr lang="en-US" dirty="0">
+                <a:solidFill>
+                  <a:schemeClr val="accent1"/>
+                </a:solidFill>
+              </a:rPr>
               <a:t>VARIEDAD</a:t>
             </a:r>
+            <a:endParaRPr lang="en-US" kern="1200" dirty="0">
+              <a:solidFill>
+                <a:schemeClr val="accent1"/>
+              </a:solidFill>
+              <a:latin typeface="+mj-lt"/>
+              <a:ea typeface="+mj-ea"/>
+              <a:cs typeface="+mj-cs"/>
+            </a:endParaRPr>
+          </a:p>
+        </p:txBody>
+      </p:sp>
+      <p:cxnSp>
+        <p:nvCxnSpPr>
+          <p:cNvPr id="26" name="Straight Connector 29">
+            <a:extLst>
+              <a:ext uri="{FF2B5EF4-FFF2-40B4-BE49-F238E27FC236}">
+                <a16:creationId xmlns:a16="http://schemas.microsoft.com/office/drawing/2014/main" id="{5021601D-2758-4B15-A31C-FDA184C51B3A}"/>
+              </a:ext>
+              <a:ext uri="{C183D7F6-B498-43B3-948B-1728B52AA6E4}">
+                <adec:decorative xmlns:adec="http://schemas.microsoft.com/office/drawing/2017/decorative" val="1"/>
+              </a:ext>
+            </a:extLst>
+          </p:cNvPr>
+          <p:cNvCxnSpPr>
+            <a:cxnSpLocks noGrp="1" noRot="1" noChangeAspect="1" noMove="1" noResize="1" noEditPoints="1" noAdjustHandles="1" noChangeArrowheads="1" noChangeShapeType="1"/>
+          </p:cNvCxnSpPr>
+          <p:nvPr>
+            <p:extLst>
+              <p:ext uri="{386F3935-93C4-4BCD-93E2-E3B085C9AB24}">
+                <p16:designElem xmlns:p16="http://schemas.microsoft.com/office/powerpoint/2015/main" val="1"/>
+              </p:ext>
+            </p:extLst>
+          </p:nvPr>
+        </p:nvCxnSpPr>
+        <p:spPr>
+          <a:xfrm>
+            <a:off x="4654296" y="2057400"/>
+            <a:ext cx="0" cy="2743200"/>
+          </a:xfrm>
+          <a:prstGeom prst="line">
+            <a:avLst/>
+          </a:prstGeom>
+          <a:ln w="19050">
+            <a:solidFill>
+              <a:schemeClr val="tx1">
+                <a:lumMod val="85000"/>
+                <a:lumOff val="15000"/>
+              </a:schemeClr>
+            </a:solidFill>
+          </a:ln>
+        </p:spPr>
+        <p:style>
+          <a:lnRef idx="1">
+            <a:schemeClr val="accent1"/>
+          </a:lnRef>
+          <a:fillRef idx="0">
+            <a:schemeClr val="accent1"/>
+          </a:fillRef>
+          <a:effectRef idx="0">
+            <a:schemeClr val="accent1"/>
+          </a:effectRef>
+          <a:fontRef idx="minor">
+            <a:schemeClr val="tx1"/>
+          </a:fontRef>
+        </p:style>
+      </p:cxnSp>
+      <p:sp>
+        <p:nvSpPr>
+          <p:cNvPr id="3" name="Marcador de contenido 2">
+            <a:extLst>
+              <a:ext uri="{FF2B5EF4-FFF2-40B4-BE49-F238E27FC236}">
+                <a16:creationId xmlns:a16="http://schemas.microsoft.com/office/drawing/2014/main" id="{FDA276B4-AFA8-445E-BF46-D797C1B3F0B0}"/>
+              </a:ext>
+            </a:extLst>
+          </p:cNvPr>
+          <p:cNvSpPr>
+            <a:spLocks noGrp="1"/>
+          </p:cNvSpPr>
+          <p:nvPr>
+            <p:ph idx="1"/>
+          </p:nvPr>
+        </p:nvSpPr>
+        <p:spPr>
+          <a:xfrm>
+            <a:off x="4976029" y="2663613"/>
+            <a:ext cx="6250940" cy="1530774"/>
+          </a:xfrm>
+        </p:spPr>
+        <p:txBody>
+          <a:bodyPr vert="horz" lIns="91440" tIns="45720" rIns="91440" bIns="45720" rtlCol="0" anchor="b">
+            <a:normAutofit fontScale="92500" lnSpcReduction="10000"/>
+          </a:bodyPr>
+          <a:lstStyle/>
+          <a:p>
+            <a:r>
+              <a:rPr lang="en-US" sz="2000" b="1" dirty="0" err="1"/>
+              <a:t>Variedad</a:t>
+            </a:r>
+            <a:r>
+              <a:rPr lang="en-US" sz="2000" dirty="0"/>
+              <a:t>:  Los </a:t>
+            </a:r>
+            <a:r>
+              <a:rPr lang="en-US" sz="2000" dirty="0" err="1"/>
+              <a:t>datos</a:t>
+            </a:r>
+            <a:r>
+              <a:rPr lang="en-US" sz="2000" dirty="0"/>
+              <a:t> </a:t>
+            </a:r>
+            <a:r>
+              <a:rPr lang="en-US" sz="2000" dirty="0" err="1"/>
+              <a:t>convencionales</a:t>
+            </a:r>
+            <a:r>
+              <a:rPr lang="en-US" sz="2000" dirty="0"/>
+              <a:t> </a:t>
+            </a:r>
+            <a:r>
+              <a:rPr lang="en-US" sz="2000" dirty="0" err="1"/>
+              <a:t>eran</a:t>
+            </a:r>
+            <a:r>
+              <a:rPr lang="en-US" sz="2000" dirty="0"/>
+              <a:t> </a:t>
+            </a:r>
+            <a:r>
+              <a:rPr lang="en-US" sz="2000" dirty="0" err="1"/>
+              <a:t>estructurados</a:t>
+            </a:r>
+            <a:r>
+              <a:rPr lang="en-US" sz="2000" dirty="0"/>
+              <a:t> y </a:t>
+            </a:r>
+            <a:r>
+              <a:rPr lang="en-US" sz="2000" dirty="0" err="1"/>
+              <a:t>podían</a:t>
+            </a:r>
+            <a:r>
+              <a:rPr lang="en-US" sz="2000" dirty="0"/>
+              <a:t> </a:t>
+            </a:r>
+            <a:r>
+              <a:rPr lang="en-US" sz="2000" dirty="0" err="1"/>
+              <a:t>organizarse</a:t>
+            </a:r>
+            <a:r>
+              <a:rPr lang="en-US" sz="2000" dirty="0"/>
+              <a:t> en </a:t>
+            </a:r>
+            <a:r>
+              <a:rPr lang="en-US" sz="2000" dirty="0" err="1"/>
+              <a:t>una</a:t>
+            </a:r>
+            <a:r>
+              <a:rPr lang="en-US" sz="2000" dirty="0"/>
+              <a:t> base de </a:t>
+            </a:r>
+            <a:r>
+              <a:rPr lang="en-US" sz="2000" dirty="0" err="1"/>
+              <a:t>datos</a:t>
+            </a:r>
+            <a:r>
+              <a:rPr lang="en-US" sz="2000" dirty="0"/>
+              <a:t> </a:t>
+            </a:r>
+            <a:r>
+              <a:rPr lang="en-US" sz="2000" dirty="0" err="1"/>
+              <a:t>relacional</a:t>
+            </a:r>
+            <a:r>
+              <a:rPr lang="en-US" sz="2000" dirty="0"/>
+              <a:t>, </a:t>
+            </a:r>
+            <a:r>
+              <a:rPr lang="en-US" sz="2000" dirty="0" err="1"/>
+              <a:t>los</a:t>
+            </a:r>
+            <a:r>
+              <a:rPr lang="en-US" sz="2000" dirty="0"/>
+              <a:t> </a:t>
+            </a:r>
+            <a:r>
+              <a:rPr lang="en-US" sz="2000" dirty="0" err="1"/>
+              <a:t>tipos</a:t>
+            </a:r>
+            <a:r>
+              <a:rPr lang="en-US" sz="2000" dirty="0"/>
+              <a:t> de </a:t>
+            </a:r>
+            <a:r>
+              <a:rPr lang="en-US" sz="2000" dirty="0" err="1"/>
+              <a:t>datos</a:t>
+            </a:r>
+            <a:r>
+              <a:rPr lang="en-US" sz="2000" dirty="0"/>
+              <a:t> no </a:t>
+            </a:r>
+            <a:r>
+              <a:rPr lang="en-US" sz="2000" dirty="0" err="1"/>
+              <a:t>estructurado</a:t>
+            </a:r>
+            <a:r>
+              <a:rPr lang="en-US" sz="2000" dirty="0"/>
+              <a:t>(</a:t>
+            </a:r>
+            <a:r>
+              <a:rPr lang="en-US" sz="2000" dirty="0" err="1"/>
+              <a:t>texto</a:t>
+            </a:r>
+            <a:r>
+              <a:rPr lang="en-US" sz="2000" dirty="0"/>
+              <a:t>, audio…)  </a:t>
+            </a:r>
+            <a:r>
+              <a:rPr lang="en-US" sz="2000" dirty="0" err="1"/>
+              <a:t>aumentaban</a:t>
+            </a:r>
+            <a:r>
+              <a:rPr lang="en-US" sz="2000" dirty="0"/>
+              <a:t> </a:t>
+            </a:r>
+            <a:r>
+              <a:rPr lang="en-US" sz="2000" dirty="0" err="1"/>
+              <a:t>su</a:t>
+            </a:r>
+            <a:r>
+              <a:rPr lang="en-US" sz="2000" dirty="0"/>
+              <a:t> </a:t>
+            </a:r>
+            <a:r>
+              <a:rPr lang="en-US" sz="2000" dirty="0" err="1"/>
+              <a:t>complejidad</a:t>
+            </a:r>
+            <a:r>
+              <a:rPr lang="en-US" sz="2000" dirty="0"/>
+              <a:t> de </a:t>
+            </a:r>
+            <a:r>
+              <a:rPr lang="en-US" sz="2000" dirty="0" err="1"/>
+              <a:t>su</a:t>
+            </a:r>
+            <a:r>
+              <a:rPr lang="en-US" sz="2000" dirty="0"/>
+              <a:t> </a:t>
+            </a:r>
+            <a:r>
+              <a:rPr lang="en-US" sz="2000" dirty="0" err="1"/>
+              <a:t>almacenamiento</a:t>
+            </a:r>
+            <a:r>
+              <a:rPr lang="en-US" sz="2000" dirty="0"/>
+              <a:t> y </a:t>
+            </a:r>
+            <a:r>
+              <a:rPr lang="en-US" sz="2000" dirty="0" err="1"/>
+              <a:t>análisis</a:t>
+            </a:r>
+            <a:r>
+              <a:rPr lang="en-US" sz="2000" dirty="0"/>
+              <a:t>, </a:t>
+            </a:r>
+            <a:r>
+              <a:rPr lang="en-US" sz="2000" dirty="0" err="1"/>
+              <a:t>debido</a:t>
+            </a:r>
+            <a:r>
+              <a:rPr lang="en-US" sz="2000" dirty="0"/>
+              <a:t> a que </a:t>
+            </a:r>
+            <a:r>
+              <a:rPr lang="en-US" sz="2000" dirty="0" err="1"/>
+              <a:t>requieren</a:t>
+            </a:r>
+            <a:r>
+              <a:rPr lang="en-US" sz="2000" dirty="0"/>
+              <a:t> un </a:t>
+            </a:r>
+            <a:r>
+              <a:rPr lang="en-US" sz="2000" dirty="0" err="1"/>
+              <a:t>procesamiento</a:t>
+            </a:r>
+            <a:r>
+              <a:rPr lang="en-US" sz="2000" dirty="0"/>
+              <a:t> </a:t>
+            </a:r>
+            <a:r>
+              <a:rPr lang="en-US" sz="2000" dirty="0" err="1"/>
+              <a:t>adicional</a:t>
+            </a:r>
+            <a:r>
+              <a:rPr lang="en-US" sz="2000" dirty="0"/>
+              <a:t> para </a:t>
+            </a:r>
+            <a:r>
+              <a:rPr lang="en-US" sz="2000" dirty="0" err="1"/>
+              <a:t>obtener</a:t>
+            </a:r>
+            <a:r>
+              <a:rPr lang="en-US" sz="2000" dirty="0"/>
+              <a:t> </a:t>
+            </a:r>
+            <a:r>
+              <a:rPr lang="en-US" sz="2000" dirty="0" err="1"/>
+              <a:t>significado</a:t>
+            </a:r>
+            <a:r>
+              <a:rPr lang="en-US" sz="2000" dirty="0"/>
+              <a:t> y </a:t>
+            </a:r>
+            <a:r>
+              <a:rPr lang="en-US" sz="2000" dirty="0" err="1"/>
+              <a:t>habilitar</a:t>
+            </a:r>
+            <a:r>
+              <a:rPr lang="en-US" sz="2000" dirty="0"/>
+              <a:t> </a:t>
+            </a:r>
+            <a:r>
+              <a:rPr lang="en-US" sz="2000" dirty="0" err="1"/>
+              <a:t>metadatos</a:t>
+            </a:r>
+            <a:endParaRPr lang="en-US" sz="2000" b="1" dirty="0"/>
           </a:p>
         </p:txBody>
       </p:sp>
       <p:sp>
         <p:nvSpPr>
-          <p:cNvPr id="4" name="Marcador de contenido 2">
+          <p:cNvPr id="4" name="Título 1">
             <a:extLst>
               <a:ext uri="{FF2B5EF4-FFF2-40B4-BE49-F238E27FC236}">
-                <a16:creationId xmlns:a16="http://schemas.microsoft.com/office/drawing/2014/main" id="{A779A601-EB60-48FD-93E8-41E0FF30C6FB}"/>
-              </a:ext>
-            </a:extLst>
-          </p:cNvPr>
-          <p:cNvSpPr txBox="1">
-            <a:spLocks/>
-          </p:cNvSpPr>
-          <p:nvPr/>
-        </p:nvSpPr>
-        <p:spPr>
-          <a:xfrm>
-            <a:off x="838200" y="2434201"/>
-            <a:ext cx="3822189" cy="3742762"/>
-          </a:xfrm>
-          <a:prstGeom prst="rect">
-            <a:avLst/>
-          </a:prstGeom>
-        </p:spPr>
-        <p:txBody>
-          <a:bodyPr vert="horz" lIns="91440" tIns="45720" rIns="91440" bIns="45720" rtlCol="0">
-            <a:normAutofit/>
-          </a:bodyPr>
-          <a:lstStyle>
-            <a:lvl1pPr marL="228600" indent="-228600" algn="l" defTabSz="914400" rtl="0" eaLnBrk="1" latinLnBrk="0" hangingPunct="1">
-              <a:lnSpc>
-                <a:spcPct val="90000"/>
-              </a:lnSpc>
-              <a:spcBef>
-                <a:spcPts val="1000"/>
-              </a:spcBef>
-              <a:buFont typeface="Arial" panose="020B0604020202020204" pitchFamily="34" charset="0"/>
-              <a:buChar char="•"/>
-              <a:defRPr sz="2800" kern="1200">
-                <a:solidFill>
-                  <a:schemeClr val="tx1"/>
-                </a:solidFill>
-                <a:latin typeface="+mn-lt"/>
-                <a:ea typeface="+mn-ea"/>
-                <a:cs typeface="+mn-cs"/>
-              </a:defRPr>
-            </a:lvl1pPr>
-            <a:lvl2pPr marL="685800" indent="-228600" algn="l" defTabSz="914400" rtl="0" eaLnBrk="1" latinLnBrk="0" hangingPunct="1">
-              <a:lnSpc>
-                <a:spcPct val="90000"/>
-              </a:lnSpc>
-              <a:spcBef>
-                <a:spcPts val="500"/>
-              </a:spcBef>
-              <a:buFont typeface="Arial" panose="020B0604020202020204" pitchFamily="34" charset="0"/>
-              <a:buChar char="•"/>
-              <a:defRPr sz="2400" kern="1200">
-                <a:solidFill>
-                  <a:schemeClr val="tx1"/>
-                </a:solidFill>
-                <a:latin typeface="+mn-lt"/>
-                <a:ea typeface="+mn-ea"/>
-                <a:cs typeface="+mn-cs"/>
-              </a:defRPr>
-            </a:lvl2pPr>
-            <a:lvl3pPr marL="1143000" indent="-228600" algn="l" defTabSz="914400" rtl="0" eaLnBrk="1" latinLnBrk="0" hangingPunct="1">
-              <a:lnSpc>
-                <a:spcPct val="90000"/>
-              </a:lnSpc>
-              <a:spcBef>
-                <a:spcPts val="500"/>
-              </a:spcBef>
-              <a:buFont typeface="Arial" panose="020B0604020202020204" pitchFamily="34" charset="0"/>
-              <a:buChar char="•"/>
-              <a:defRPr sz="2000" kern="1200">
-                <a:solidFill>
-                  <a:schemeClr val="tx1"/>
-                </a:solidFill>
-                <a:latin typeface="+mn-lt"/>
-                <a:ea typeface="+mn-ea"/>
-                <a:cs typeface="+mn-cs"/>
-              </a:defRPr>
-            </a:lvl3pPr>
-            <a:lvl4pPr marL="1600200" indent="-228600" algn="l" defTabSz="914400" rtl="0" eaLnBrk="1" latinLnBrk="0" hangingPunct="1">
-              <a:lnSpc>
-                <a:spcPct val="90000"/>
-              </a:lnSpc>
-              <a:spcBef>
-                <a:spcPts val="500"/>
-              </a:spcBef>
-              <a:buFont typeface="Arial" panose="020B0604020202020204" pitchFamily="34" charset="0"/>
-              <a:buChar char="•"/>
-              <a:defRPr sz="1800" kern="1200">
-                <a:solidFill>
-                  <a:schemeClr val="tx1"/>
-                </a:solidFill>
-                <a:latin typeface="+mn-lt"/>
-                <a:ea typeface="+mn-ea"/>
-                <a:cs typeface="+mn-cs"/>
-              </a:defRPr>
-            </a:lvl4pPr>
-            <a:lvl5pPr marL="2057400" indent="-228600" algn="l" defTabSz="914400" rtl="0" eaLnBrk="1" latinLnBrk="0" hangingPunct="1">
-              <a:lnSpc>
-                <a:spcPct val="90000"/>
-              </a:lnSpc>
-              <a:spcBef>
-                <a:spcPts val="500"/>
-              </a:spcBef>
-              <a:buFont typeface="Arial" panose="020B0604020202020204" pitchFamily="34" charset="0"/>
-              <a:buChar char="•"/>
-              <a:defRPr sz="1800" kern="1200">
-                <a:solidFill>
-                  <a:schemeClr val="tx1"/>
-                </a:solidFill>
-                <a:latin typeface="+mn-lt"/>
-                <a:ea typeface="+mn-ea"/>
-                <a:cs typeface="+mn-cs"/>
-              </a:defRPr>
-            </a:lvl5pPr>
-            <a:lvl6pPr marL="2514600" indent="-228600" algn="l" defTabSz="914400" rtl="0" eaLnBrk="1" latinLnBrk="0" hangingPunct="1">
-              <a:lnSpc>
-                <a:spcPct val="90000"/>
-              </a:lnSpc>
-              <a:spcBef>
-                <a:spcPts val="500"/>
-              </a:spcBef>
-              <a:buFont typeface="Arial" panose="020B0604020202020204" pitchFamily="34" charset="0"/>
-              <a:buChar char="•"/>
-              <a:defRPr sz="1800" kern="1200">
-                <a:solidFill>
-                  <a:schemeClr val="tx1"/>
-                </a:solidFill>
-                <a:latin typeface="+mn-lt"/>
-                <a:ea typeface="+mn-ea"/>
-                <a:cs typeface="+mn-cs"/>
-              </a:defRPr>
-            </a:lvl6pPr>
-            <a:lvl7pPr marL="2971800" indent="-228600" algn="l" defTabSz="914400" rtl="0" eaLnBrk="1" latinLnBrk="0" hangingPunct="1">
-              <a:lnSpc>
-                <a:spcPct val="90000"/>
-              </a:lnSpc>
-              <a:spcBef>
-                <a:spcPts val="500"/>
-              </a:spcBef>
-              <a:buFont typeface="Arial" panose="020B0604020202020204" pitchFamily="34" charset="0"/>
-              <a:buChar char="•"/>
-              <a:defRPr sz="1800" kern="1200">
-                <a:solidFill>
-                  <a:schemeClr val="tx1"/>
-                </a:solidFill>
-                <a:latin typeface="+mn-lt"/>
-                <a:ea typeface="+mn-ea"/>
-                <a:cs typeface="+mn-cs"/>
-              </a:defRPr>
-            </a:lvl7pPr>
-            <a:lvl8pPr marL="3429000" indent="-228600" algn="l" defTabSz="914400" rtl="0" eaLnBrk="1" latinLnBrk="0" hangingPunct="1">
-              <a:lnSpc>
-                <a:spcPct val="90000"/>
-              </a:lnSpc>
-              <a:spcBef>
-                <a:spcPts val="500"/>
-              </a:spcBef>
-              <a:buFont typeface="Arial" panose="020B0604020202020204" pitchFamily="34" charset="0"/>
-              <a:buChar char="•"/>
-              <a:defRPr sz="1800" kern="1200">
-                <a:solidFill>
-                  <a:schemeClr val="tx1"/>
-                </a:solidFill>
-                <a:latin typeface="+mn-lt"/>
-                <a:ea typeface="+mn-ea"/>
-                <a:cs typeface="+mn-cs"/>
-              </a:defRPr>
-            </a:lvl8pPr>
-            <a:lvl9pPr marL="3886200" indent="-228600" algn="l" defTabSz="914400" rtl="0" eaLnBrk="1" latinLnBrk="0" hangingPunct="1">
-              <a:lnSpc>
-                <a:spcPct val="90000"/>
-              </a:lnSpc>
-              <a:spcBef>
-                <a:spcPts val="500"/>
-              </a:spcBef>
-              <a:buFont typeface="Arial" panose="020B0604020202020204" pitchFamily="34" charset="0"/>
-              <a:buChar char="•"/>
-              <a:defRPr sz="1800" kern="1200">
-                <a:solidFill>
-                  <a:schemeClr val="tx1"/>
-                </a:solidFill>
-                <a:latin typeface="+mn-lt"/>
-                <a:ea typeface="+mn-ea"/>
-                <a:cs typeface="+mn-cs"/>
-              </a:defRPr>
-            </a:lvl9pPr>
-          </a:lstStyle>
-          <a:p>
-            <a:r>
-              <a:rPr lang="en-US" sz="2000" b="1"/>
-              <a:t>Variedad</a:t>
-            </a:r>
-            <a:r>
-              <a:rPr lang="en-US" sz="2000"/>
-              <a:t>:  Los datos convencionales eran estructurados y podían organizarse en una base de datos relacional, los tipos de datos no estructurado(texto, audio…)  aumentaban su complejidad de su almacenamiento y análisis, debido a que requieren un procesamiento adicional para obtener significado y habilitar metadatos</a:t>
-            </a:r>
-            <a:endParaRPr lang="en-US" sz="2000" b="1"/>
-          </a:p>
-        </p:txBody>
-      </p:sp>
-      <p:sp>
-        <p:nvSpPr>
-          <p:cNvPr id="5" name="Título 1">
-            <a:extLst>
-              <a:ext uri="{FF2B5EF4-FFF2-40B4-BE49-F238E27FC236}">
-                <a16:creationId xmlns:a16="http://schemas.microsoft.com/office/drawing/2014/main" id="{4EC31237-2825-272C-F90A-1D1E8B2AA3C2}"/>
+                <a16:creationId xmlns:a16="http://schemas.microsoft.com/office/drawing/2014/main" id="{75B968D6-146C-6378-708B-BDE1E6CBAE62}"/>
               </a:ext>
             </a:extLst>
           </p:cNvPr>
@@ -17751,52 +18033,34 @@
               </a:spcAft>
             </a:pPr>
             <a:r>
-              <a:rPr lang="es-ES" sz="1600" b="1" dirty="0">
-                <a:solidFill>
-                  <a:schemeClr val="bg1"/>
-                </a:solidFill>
+              <a:rPr lang="es-ES" sz="1600" b="1">
                 <a:cs typeface="Calibri Light" panose="020F0302020204030204"/>
               </a:rPr>
               <a:t>EDUARDO MARTÍN-SONSECA</a:t>
             </a:r>
             <a:br>
-              <a:rPr lang="es-ES" sz="1600" b="1" dirty="0">
-                <a:solidFill>
-                  <a:schemeClr val="bg1"/>
-                </a:solidFill>
+              <a:rPr lang="es-ES" sz="1600" b="1">
                 <a:cs typeface="Calibri Light" panose="020F0302020204030204"/>
               </a:rPr>
             </a:br>
             <a:r>
-              <a:rPr lang="es-ES" sz="1600" b="1" dirty="0">
-                <a:solidFill>
-                  <a:schemeClr val="bg1"/>
-                </a:solidFill>
+              <a:rPr lang="es-ES" sz="1600" b="1">
                 <a:cs typeface="Calibri Light" panose="020F0302020204030204"/>
               </a:rPr>
               <a:t>LUIS FERNANDEZ CASTELO</a:t>
             </a:r>
             <a:br>
-              <a:rPr lang="es-ES" sz="1600" b="1" dirty="0">
-                <a:solidFill>
-                  <a:schemeClr val="bg1"/>
-                </a:solidFill>
+              <a:rPr lang="es-ES" sz="1600" b="1">
                 <a:cs typeface="Calibri Light" panose="020F0302020204030204"/>
               </a:rPr>
             </a:br>
             <a:r>
-              <a:rPr lang="es-ES" sz="1600" b="1" dirty="0">
-                <a:solidFill>
-                  <a:schemeClr val="bg1"/>
-                </a:solidFill>
+              <a:rPr lang="es-ES" sz="1600" b="1">
                 <a:cs typeface="Calibri Light" panose="020F0302020204030204"/>
               </a:rPr>
               <a:t>1º DESARROLLO DE APLICACIONES MULTIPLATAFORMA</a:t>
             </a:r>
             <a:endParaRPr lang="es-ES" sz="1600" dirty="0">
-              <a:solidFill>
-                <a:schemeClr val="bg1"/>
-              </a:solidFill>
               <a:cs typeface="Calibri Light"/>
             </a:endParaRPr>
           </a:p>
@@ -17805,7 +18069,7 @@
     </p:spTree>
     <p:extLst>
       <p:ext uri="{BB962C8B-B14F-4D97-AF65-F5344CB8AC3E}">
-        <p14:creationId xmlns:p14="http://schemas.microsoft.com/office/powerpoint/2010/main" val="3858405899"/>
+        <p14:creationId xmlns:p14="http://schemas.microsoft.com/office/powerpoint/2010/main" val="3603837440"/>
       </p:ext>
     </p:extLst>
   </p:cSld>
@@ -17849,7 +18113,7 @@
                                           </p:stCondLst>
                                         </p:cTn>
                                         <p:tgtEl>
-                                          <p:spTgt spid="5"/>
+                                          <p:spTgt spid="2"/>
                                         </p:tgtEl>
                                         <p:attrNameLst>
                                           <p:attrName>style.visibility</p:attrName>
@@ -17861,9 +18125,9 @@
                                     </p:set>
                                     <p:animEffect transition="in" filter="fade">
                                       <p:cBhvr>
-                                        <p:cTn id="7" dur="10"/>
+                                        <p:cTn id="7" dur="1250"/>
                                         <p:tgtEl>
-                                          <p:spTgt spid="5"/>
+                                          <p:spTgt spid="2"/>
                                         </p:tgtEl>
                                       </p:cBhvr>
                                     </p:animEffect>
@@ -17871,7 +18135,7 @@
                                 </p:cTn>
                               </p:par>
                               <p:par>
-                                <p:cTn id="8" presetID="42" presetClass="entr" presetSubtype="0" fill="hold" grpId="0" nodeType="withEffect">
+                                <p:cTn id="8" presetID="10" presetClass="entr" presetSubtype="0" fill="hold" grpId="0" nodeType="withEffect">
                                   <p:stCondLst>
                                     <p:cond delay="0"/>
                                   </p:stCondLst>
@@ -17884,7 +18148,11 @@
                                           </p:stCondLst>
                                         </p:cTn>
                                         <p:tgtEl>
-                                          <p:spTgt spid="2"/>
+                                          <p:spTgt spid="3">
+                                            <p:txEl>
+                                              <p:pRg st="0" end="0"/>
+                                            </p:txEl>
+                                          </p:spTgt>
                                         </p:tgtEl>
                                         <p:attrNameLst>
                                           <p:attrName>style.visibility</p:attrName>
@@ -17898,68 +18166,26 @@
                                       <p:cBhvr>
                                         <p:cTn id="10" dur="1250"/>
                                         <p:tgtEl>
-                                          <p:spTgt spid="2"/>
+                                          <p:spTgt spid="3">
+                                            <p:txEl>
+                                              <p:pRg st="0" end="0"/>
+                                            </p:txEl>
+                                          </p:spTgt>
                                         </p:tgtEl>
                                       </p:cBhvr>
                                     </p:animEffect>
-                                    <p:anim calcmode="lin" valueType="num">
-                                      <p:cBhvr>
-                                        <p:cTn id="11" dur="1250" fill="hold"/>
-                                        <p:tgtEl>
-                                          <p:spTgt spid="2"/>
-                                        </p:tgtEl>
-                                        <p:attrNameLst>
-                                          <p:attrName>ppt_x</p:attrName>
-                                        </p:attrNameLst>
-                                      </p:cBhvr>
-                                      <p:tavLst>
-                                        <p:tav tm="0">
-                                          <p:val>
-                                            <p:strVal val="#ppt_x"/>
-                                          </p:val>
-                                        </p:tav>
-                                        <p:tav tm="100000">
-                                          <p:val>
-                                            <p:strVal val="#ppt_x"/>
-                                          </p:val>
-                                        </p:tav>
-                                      </p:tavLst>
-                                    </p:anim>
-                                    <p:anim calcmode="lin" valueType="num">
-                                      <p:cBhvr>
-                                        <p:cTn id="12" dur="1250" fill="hold"/>
-                                        <p:tgtEl>
-                                          <p:spTgt spid="2"/>
-                                        </p:tgtEl>
-                                        <p:attrNameLst>
-                                          <p:attrName>ppt_y</p:attrName>
-                                        </p:attrNameLst>
-                                      </p:cBhvr>
-                                      <p:tavLst>
-                                        <p:tav tm="0">
-                                          <p:val>
-                                            <p:strVal val="#ppt_y+.1"/>
-                                          </p:val>
-                                        </p:tav>
-                                        <p:tav tm="100000">
-                                          <p:val>
-                                            <p:strVal val="#ppt_y"/>
-                                          </p:val>
-                                        </p:tav>
-                                      </p:tavLst>
-                                    </p:anim>
                                   </p:childTnLst>
                                 </p:cTn>
                               </p:par>
                               <p:par>
-                                <p:cTn id="13" presetID="42" presetClass="entr" presetSubtype="0" fill="hold" grpId="0" nodeType="withEffect">
+                                <p:cTn id="11" presetID="10" presetClass="entr" presetSubtype="0" fill="hold" grpId="0" nodeType="withEffect">
                                   <p:stCondLst>
                                     <p:cond delay="0"/>
                                   </p:stCondLst>
                                   <p:childTnLst>
                                     <p:set>
                                       <p:cBhvr>
-                                        <p:cTn id="14" dur="1" fill="hold">
+                                        <p:cTn id="12" dur="1" fill="hold">
                                           <p:stCondLst>
                                             <p:cond delay="0"/>
                                           </p:stCondLst>
@@ -17977,58 +18203,12 @@
                                     </p:set>
                                     <p:animEffect transition="in" filter="fade">
                                       <p:cBhvr>
-                                        <p:cTn id="15" dur="1250"/>
+                                        <p:cTn id="13" dur="10"/>
                                         <p:tgtEl>
                                           <p:spTgt spid="4"/>
                                         </p:tgtEl>
                                       </p:cBhvr>
                                     </p:animEffect>
-                                    <p:anim calcmode="lin" valueType="num">
-                                      <p:cBhvr>
-                                        <p:cTn id="16" dur="1250" fill="hold"/>
-                                        <p:tgtEl>
-                                          <p:spTgt spid="4"/>
-                                        </p:tgtEl>
-                                        <p:attrNameLst>
-                                          <p:attrName>ppt_x</p:attrName>
-                                        </p:attrNameLst>
-                                      </p:cBhvr>
-                                      <p:tavLst>
-                                        <p:tav tm="0">
-                                          <p:val>
-                                            <p:strVal val="#ppt_x"/>
-                                          </p:val>
-                                        </p:tav>
-                                        <p:tav tm="100000">
-                                          <p:val>
-                                            <p:strVal val="#ppt_x"/>
-                                          </p:val>
-                                        </p:tav>
-                                      </p:tavLst>
-                                    </p:anim>
-                                    <p:anim calcmode="lin" valueType="num">
-                                      <p:cBhvr>
-                                        <p:cTn id="17" dur="1250" fill="hold"/>
-                                        <p:tgtEl>
-                                          <p:spTgt spid="4"/>
-                                        </p:tgtEl>
-                                        <p:attrNameLst>
-                                          <p:attrName>ppt_y</p:attrName>
-                                        </p:attrNameLst>
-                                      </p:cBhvr>
-                                      <p:tavLst>
-                                        <p:tav tm="0">
-                                          <p:val>
-                                            <p:strVal val="#ppt_y+.1"/>
-                                          </p:val>
-                                        </p:tav>
-                                        <p:tav tm="100000">
-                                          <p:val>
-                                            <p:strVal val="#ppt_y"/>
-                                          </p:val>
-                                        </p:tav>
-                                      </p:tavLst>
-                                    </p:anim>
                                   </p:childTnLst>
                                 </p:cTn>
                               </p:par>
@@ -18061,8 +18241,8 @@
     </p:tnLst>
     <p:bldLst>
       <p:bldP spid="2" grpId="0"/>
+      <p:bldP spid="3" grpId="0" build="p"/>
       <p:bldP spid="4" grpId="0"/>
-      <p:bldP spid="5" grpId="0"/>
     </p:bldLst>
   </p:timing>
 </p:sld>
@@ -18093,12 +18273,12 @@
           <a:chExt cx="0" cy="0"/>
         </a:xfrm>
       </p:grpSpPr>
-      <p:sp useBgFill="1">
+      <p:sp>
         <p:nvSpPr>
-          <p:cNvPr id="28" name="Rectangle 27">
+          <p:cNvPr id="25" name="Rectangle 27">
             <a:extLst>
               <a:ext uri="{FF2B5EF4-FFF2-40B4-BE49-F238E27FC236}">
-                <a16:creationId xmlns:a16="http://schemas.microsoft.com/office/drawing/2014/main" id="{04812C46-200A-4DEB-A05E-3ED6C68C2387}"/>
+                <a16:creationId xmlns:a16="http://schemas.microsoft.com/office/drawing/2014/main" id="{8CA06CD6-90CA-4C45-856C-6771339E1E22}"/>
               </a:ext>
               <a:ext uri="{C183D7F6-B498-43B3-948B-1728B52AA6E4}">
                 <adec:decorative xmlns:adec="http://schemas.microsoft.com/office/drawing/2017/decorative" val="1"/>
@@ -18116,15 +18296,20 @@
             </p:extLst>
           </p:nvPr>
         </p:nvSpPr>
-        <p:spPr>
+        <p:spPr bwMode="ltGray">
           <a:xfrm>
-            <a:off x="3049" y="0"/>
-            <a:ext cx="12188952" cy="6858000"/>
+            <a:off x="321564" y="320040"/>
+            <a:ext cx="11548872" cy="6217920"/>
           </a:xfrm>
           <a:prstGeom prst="rect">
             <a:avLst/>
           </a:prstGeom>
-          <a:ln>
+          <a:solidFill>
+            <a:schemeClr val="tx1">
+              <a:alpha val="10000"/>
+            </a:schemeClr>
+          </a:solidFill>
+          <a:ln w="127000" cap="sq" cmpd="thinThick">
             <a:noFill/>
           </a:ln>
         </p:spPr>
@@ -18155,96 +18340,10 @@
       </p:sp>
       <p:sp>
         <p:nvSpPr>
-          <p:cNvPr id="30" name="Rectangle 29">
-            <a:extLst>
-              <a:ext uri="{FF2B5EF4-FFF2-40B4-BE49-F238E27FC236}">
-                <a16:creationId xmlns:a16="http://schemas.microsoft.com/office/drawing/2014/main" id="{D1EA859B-E555-4109-94F3-6700E046E008}"/>
-              </a:ext>
-              <a:ext uri="{C183D7F6-B498-43B3-948B-1728B52AA6E4}">
-                <adec:decorative xmlns:adec="http://schemas.microsoft.com/office/drawing/2017/decorative" val="1"/>
-              </a:ext>
-            </a:extLst>
-          </p:cNvPr>
-          <p:cNvSpPr>
-            <a:spLocks noGrp="1" noRot="1" noChangeAspect="1" noMove="1" noResize="1" noEditPoints="1" noAdjustHandles="1" noChangeArrowheads="1" noChangeShapeType="1" noTextEdit="1"/>
-          </p:cNvSpPr>
-          <p:nvPr>
-            <p:extLst>
-              <p:ext uri="{386F3935-93C4-4BCD-93E2-E3B085C9AB24}">
-                <p16:designElem xmlns:p16="http://schemas.microsoft.com/office/powerpoint/2015/main" val="1"/>
-              </p:ext>
-            </p:extLst>
-          </p:nvPr>
-        </p:nvSpPr>
-        <p:spPr>
-          <a:xfrm>
-            <a:off x="-1" y="0"/>
-            <a:ext cx="7390263" cy="6858000"/>
-          </a:xfrm>
-          <a:prstGeom prst="rect">
-            <a:avLst/>
-          </a:prstGeom>
-          <a:gradFill>
-            <a:gsLst>
-              <a:gs pos="48000">
-                <a:schemeClr val="bg1"/>
-              </a:gs>
-              <a:gs pos="35000">
-                <a:schemeClr val="bg1">
-                  <a:alpha val="77000"/>
-                </a:schemeClr>
-              </a:gs>
-              <a:gs pos="19000">
-                <a:schemeClr val="bg1">
-                  <a:alpha val="38000"/>
-                </a:schemeClr>
-              </a:gs>
-              <a:gs pos="0">
-                <a:schemeClr val="bg1">
-                  <a:alpha val="0"/>
-                </a:schemeClr>
-              </a:gs>
-              <a:gs pos="100000">
-                <a:schemeClr val="bg1"/>
-              </a:gs>
-            </a:gsLst>
-            <a:lin ang="10800000" scaled="0"/>
-          </a:gradFill>
-          <a:ln>
-            <a:noFill/>
-          </a:ln>
-        </p:spPr>
-        <p:style>
-          <a:lnRef idx="2">
-            <a:schemeClr val="accent1">
-              <a:shade val="50000"/>
-            </a:schemeClr>
-          </a:lnRef>
-          <a:fillRef idx="1">
-            <a:schemeClr val="accent1"/>
-          </a:fillRef>
-          <a:effectRef idx="0">
-            <a:schemeClr val="accent1"/>
-          </a:effectRef>
-          <a:fontRef idx="minor">
-            <a:schemeClr val="lt1"/>
-          </a:fontRef>
-        </p:style>
-        <p:txBody>
-          <a:bodyPr rtlCol="0" anchor="ctr"/>
-          <a:lstStyle/>
-          <a:p>
-            <a:pPr algn="ctr"/>
-            <a:endParaRPr lang="en-US" dirty="0"/>
-          </a:p>
-        </p:txBody>
-      </p:sp>
-      <p:sp>
-        <p:nvSpPr>
           <p:cNvPr id="2" name="Título 1">
             <a:extLst>
               <a:ext uri="{FF2B5EF4-FFF2-40B4-BE49-F238E27FC236}">
-                <a16:creationId xmlns:a16="http://schemas.microsoft.com/office/drawing/2014/main" id="{8BC7EFD9-5CAF-431F-A9FF-09DE566F3543}"/>
+                <a16:creationId xmlns:a16="http://schemas.microsoft.com/office/drawing/2014/main" id="{71AEC653-CF21-4A83-8228-4AB13A9E6A67}"/>
               </a:ext>
             </a:extLst>
           </p:cNvPr>
@@ -18257,29 +18356,97 @@
         </p:nvSpPr>
         <p:spPr>
           <a:xfrm>
-            <a:off x="838200" y="365125"/>
-            <a:ext cx="3822189" cy="1899912"/>
+            <a:off x="838200" y="963507"/>
+            <a:ext cx="3494362" cy="4930986"/>
           </a:xfrm>
         </p:spPr>
         <p:txBody>
-          <a:bodyPr>
+          <a:bodyPr vert="horz" lIns="91440" tIns="45720" rIns="91440" bIns="45720" rtlCol="0" anchor="ctr">
             <a:normAutofit/>
           </a:bodyPr>
           <a:lstStyle/>
           <a:p>
-            <a:r>
-              <a:rPr lang="es-ES" sz="4000"/>
+            <a:pPr algn="r"/>
+            <a:r>
+              <a:rPr lang="en-US" dirty="0">
+                <a:solidFill>
+                  <a:schemeClr val="accent1"/>
+                </a:solidFill>
+              </a:rPr>
               <a:t>VERACIDAD</a:t>
             </a:r>
+            <a:endParaRPr lang="en-US" kern="1200" dirty="0">
+              <a:solidFill>
+                <a:schemeClr val="accent1"/>
+              </a:solidFill>
+              <a:latin typeface="+mj-lt"/>
+              <a:ea typeface="+mj-ea"/>
+              <a:cs typeface="+mj-cs"/>
+            </a:endParaRPr>
           </a:p>
         </p:txBody>
       </p:sp>
+      <p:cxnSp>
+        <p:nvCxnSpPr>
+          <p:cNvPr id="26" name="Straight Connector 29">
+            <a:extLst>
+              <a:ext uri="{FF2B5EF4-FFF2-40B4-BE49-F238E27FC236}">
+                <a16:creationId xmlns:a16="http://schemas.microsoft.com/office/drawing/2014/main" id="{5021601D-2758-4B15-A31C-FDA184C51B3A}"/>
+              </a:ext>
+              <a:ext uri="{C183D7F6-B498-43B3-948B-1728B52AA6E4}">
+                <adec:decorative xmlns:adec="http://schemas.microsoft.com/office/drawing/2017/decorative" val="1"/>
+              </a:ext>
+            </a:extLst>
+          </p:cNvPr>
+          <p:cNvCxnSpPr>
+            <a:cxnSpLocks noGrp="1" noRot="1" noChangeAspect="1" noMove="1" noResize="1" noEditPoints="1" noAdjustHandles="1" noChangeArrowheads="1" noChangeShapeType="1"/>
+          </p:cNvCxnSpPr>
+          <p:nvPr>
+            <p:extLst>
+              <p:ext uri="{386F3935-93C4-4BCD-93E2-E3B085C9AB24}">
+                <p16:designElem xmlns:p16="http://schemas.microsoft.com/office/powerpoint/2015/main" val="1"/>
+              </p:ext>
+            </p:extLst>
+          </p:nvPr>
+        </p:nvCxnSpPr>
+        <p:spPr>
+          <a:xfrm>
+            <a:off x="4654296" y="2057400"/>
+            <a:ext cx="0" cy="2743200"/>
+          </a:xfrm>
+          <a:prstGeom prst="line">
+            <a:avLst/>
+          </a:prstGeom>
+          <a:ln w="19050">
+            <a:solidFill>
+              <a:schemeClr val="tx1">
+                <a:lumMod val="85000"/>
+                <a:lumOff val="15000"/>
+              </a:schemeClr>
+            </a:solidFill>
+          </a:ln>
+        </p:spPr>
+        <p:style>
+          <a:lnRef idx="1">
+            <a:schemeClr val="accent1"/>
+          </a:lnRef>
+          <a:fillRef idx="0">
+            <a:schemeClr val="accent1"/>
+          </a:fillRef>
+          <a:effectRef idx="0">
+            <a:schemeClr val="accent1"/>
+          </a:effectRef>
+          <a:fontRef idx="minor">
+            <a:schemeClr val="tx1"/>
+          </a:fontRef>
+        </p:style>
+      </p:cxnSp>
       <p:sp>
         <p:nvSpPr>
           <p:cNvPr id="3" name="Marcador de contenido 2">
             <a:extLst>
               <a:ext uri="{FF2B5EF4-FFF2-40B4-BE49-F238E27FC236}">
-                <a16:creationId xmlns:a16="http://schemas.microsoft.com/office/drawing/2014/main" id="{29A8ECE2-FE08-4C93-9877-2C065094BC53}"/>
+                <a16:creationId xmlns:a16="http://schemas.microsoft.com/office/drawing/2014/main" id="{FDA276B4-AFA8-445E-BF46-D797C1B3F0B0}"/>
               </a:ext>
             </a:extLst>
           </p:cNvPr>
@@ -18292,34 +18459,34 @@
         </p:nvSpPr>
         <p:spPr>
           <a:xfrm>
-            <a:off x="838200" y="2434201"/>
-            <a:ext cx="3822189" cy="3742762"/>
+            <a:off x="4976029" y="2663613"/>
+            <a:ext cx="6250940" cy="1530774"/>
           </a:xfrm>
         </p:spPr>
         <p:txBody>
-          <a:bodyPr>
-            <a:normAutofit/>
+          <a:bodyPr vert="horz" lIns="91440" tIns="45720" rIns="91440" bIns="45720" rtlCol="0" anchor="b">
+            <a:normAutofit fontScale="92500"/>
           </a:bodyPr>
           <a:lstStyle/>
           <a:p>
             <a:r>
-              <a:rPr lang="es-ES" sz="2000" b="1"/>
+              <a:rPr lang="es-ES" sz="2000" b="1" dirty="0"/>
               <a:t>Veracidad</a:t>
             </a:r>
             <a:r>
-              <a:rPr lang="es-ES" sz="2000"/>
+              <a:rPr lang="es-ES" sz="2000" dirty="0"/>
               <a:t>: La confianza de los datos, debe de ser alta, con resultados verificables y de calidad, muchos datos llegan incompletos y para ello, se invierte tiempo, y dinero en la búsqueda de datos, para poder desarrollar y aplicar soluciones y métodos capaces de eliminar los errores.</a:t>
             </a:r>
-            <a:endParaRPr lang="es-ES" sz="2000" b="1"/>
+            <a:endParaRPr lang="es-ES" sz="2000" b="1" dirty="0"/>
           </a:p>
         </p:txBody>
       </p:sp>
       <p:sp>
         <p:nvSpPr>
-          <p:cNvPr id="6" name="Título 1">
+          <p:cNvPr id="4" name="Título 1">
             <a:extLst>
               <a:ext uri="{FF2B5EF4-FFF2-40B4-BE49-F238E27FC236}">
-                <a16:creationId xmlns:a16="http://schemas.microsoft.com/office/drawing/2014/main" id="{B874E851-3741-DC66-BAFA-79EB38E71B4C}"/>
+                <a16:creationId xmlns:a16="http://schemas.microsoft.com/office/drawing/2014/main" id="{75B968D6-146C-6378-708B-BDE1E6CBAE62}"/>
               </a:ext>
             </a:extLst>
           </p:cNvPr>
@@ -18367,52 +18534,34 @@
               </a:spcAft>
             </a:pPr>
             <a:r>
-              <a:rPr lang="es-ES" sz="1600" b="1" dirty="0">
-                <a:solidFill>
-                  <a:schemeClr val="bg1"/>
-                </a:solidFill>
+              <a:rPr lang="es-ES" sz="1600" b="1">
                 <a:cs typeface="Calibri Light" panose="020F0302020204030204"/>
               </a:rPr>
               <a:t>EDUARDO MARTÍN-SONSECA</a:t>
             </a:r>
             <a:br>
-              <a:rPr lang="es-ES" sz="1600" b="1" dirty="0">
-                <a:solidFill>
-                  <a:schemeClr val="bg1"/>
-                </a:solidFill>
+              <a:rPr lang="es-ES" sz="1600" b="1">
                 <a:cs typeface="Calibri Light" panose="020F0302020204030204"/>
               </a:rPr>
             </a:br>
             <a:r>
-              <a:rPr lang="es-ES" sz="1600" b="1" dirty="0">
-                <a:solidFill>
-                  <a:schemeClr val="bg1"/>
-                </a:solidFill>
+              <a:rPr lang="es-ES" sz="1600" b="1">
                 <a:cs typeface="Calibri Light" panose="020F0302020204030204"/>
               </a:rPr>
               <a:t>LUIS FERNANDEZ CASTELO</a:t>
             </a:r>
             <a:br>
-              <a:rPr lang="es-ES" sz="1600" b="1" dirty="0">
-                <a:solidFill>
-                  <a:schemeClr val="bg1"/>
-                </a:solidFill>
+              <a:rPr lang="es-ES" sz="1600" b="1">
                 <a:cs typeface="Calibri Light" panose="020F0302020204030204"/>
               </a:rPr>
             </a:br>
             <a:r>
-              <a:rPr lang="es-ES" sz="1600" b="1" dirty="0">
-                <a:solidFill>
-                  <a:schemeClr val="bg1"/>
-                </a:solidFill>
+              <a:rPr lang="es-ES" sz="1600" b="1">
                 <a:cs typeface="Calibri Light" panose="020F0302020204030204"/>
               </a:rPr>
               <a:t>1º DESARROLLO DE APLICACIONES MULTIPLATAFORMA</a:t>
             </a:r>
             <a:endParaRPr lang="es-ES" sz="1600" dirty="0">
-              <a:solidFill>
-                <a:schemeClr val="bg1"/>
-              </a:solidFill>
               <a:cs typeface="Calibri Light"/>
             </a:endParaRPr>
           </a:p>
@@ -18421,7 +18570,7 @@
     </p:spTree>
     <p:extLst>
       <p:ext uri="{BB962C8B-B14F-4D97-AF65-F5344CB8AC3E}">
-        <p14:creationId xmlns:p14="http://schemas.microsoft.com/office/powerpoint/2010/main" val="3580276719"/>
+        <p14:creationId xmlns:p14="http://schemas.microsoft.com/office/powerpoint/2010/main" val="2957840866"/>
       </p:ext>
     </p:extLst>
   </p:cSld>
@@ -18465,41 +18614,6 @@
                                           </p:stCondLst>
                                         </p:cTn>
                                         <p:tgtEl>
-                                          <p:spTgt spid="6"/>
-                                        </p:tgtEl>
-                                        <p:attrNameLst>
-                                          <p:attrName>style.visibility</p:attrName>
-                                        </p:attrNameLst>
-                                      </p:cBhvr>
-                                      <p:to>
-                                        <p:strVal val="visible"/>
-                                      </p:to>
-                                    </p:set>
-                                    <p:animEffect transition="in" filter="fade">
-                                      <p:cBhvr>
-                                        <p:cTn id="7" dur="10"/>
-                                        <p:tgtEl>
-                                          <p:spTgt spid="6"/>
-                                        </p:tgtEl>
-                                      </p:cBhvr>
-                                    </p:animEffect>
-                                  </p:childTnLst>
-                                </p:cTn>
-                              </p:par>
-                              <p:par>
-                                <p:cTn id="8" presetID="42" presetClass="entr" presetSubtype="0" fill="hold" grpId="0" nodeType="withEffect">
-                                  <p:stCondLst>
-                                    <p:cond delay="0"/>
-                                  </p:stCondLst>
-                                  <p:childTnLst>
-                                    <p:set>
-                                      <p:cBhvr>
-                                        <p:cTn id="9" dur="1" fill="hold">
-                                          <p:stCondLst>
-                                            <p:cond delay="0"/>
-                                          </p:stCondLst>
-                                        </p:cTn>
-                                        <p:tgtEl>
                                           <p:spTgt spid="2"/>
                                         </p:tgtEl>
                                         <p:attrNameLst>
@@ -18512,70 +18626,24 @@
                                     </p:set>
                                     <p:animEffect transition="in" filter="fade">
                                       <p:cBhvr>
-                                        <p:cTn id="10" dur="1250"/>
+                                        <p:cTn id="7" dur="1250"/>
                                         <p:tgtEl>
                                           <p:spTgt spid="2"/>
                                         </p:tgtEl>
                                       </p:cBhvr>
                                     </p:animEffect>
-                                    <p:anim calcmode="lin" valueType="num">
-                                      <p:cBhvr>
-                                        <p:cTn id="11" dur="1250" fill="hold"/>
-                                        <p:tgtEl>
-                                          <p:spTgt spid="2"/>
-                                        </p:tgtEl>
-                                        <p:attrNameLst>
-                                          <p:attrName>ppt_x</p:attrName>
-                                        </p:attrNameLst>
-                                      </p:cBhvr>
-                                      <p:tavLst>
-                                        <p:tav tm="0">
-                                          <p:val>
-                                            <p:strVal val="#ppt_x"/>
-                                          </p:val>
-                                        </p:tav>
-                                        <p:tav tm="100000">
-                                          <p:val>
-                                            <p:strVal val="#ppt_x"/>
-                                          </p:val>
-                                        </p:tav>
-                                      </p:tavLst>
-                                    </p:anim>
-                                    <p:anim calcmode="lin" valueType="num">
-                                      <p:cBhvr>
-                                        <p:cTn id="12" dur="1250" fill="hold"/>
-                                        <p:tgtEl>
-                                          <p:spTgt spid="2"/>
-                                        </p:tgtEl>
-                                        <p:attrNameLst>
-                                          <p:attrName>ppt_y</p:attrName>
-                                        </p:attrNameLst>
-                                      </p:cBhvr>
-                                      <p:tavLst>
-                                        <p:tav tm="0">
-                                          <p:val>
-                                            <p:strVal val="#ppt_y+.1"/>
-                                          </p:val>
-                                        </p:tav>
-                                        <p:tav tm="100000">
-                                          <p:val>
-                                            <p:strVal val="#ppt_y"/>
-                                          </p:val>
-                                        </p:tav>
-                                      </p:tavLst>
-                                    </p:anim>
                                   </p:childTnLst>
                                 </p:cTn>
                               </p:par>
                               <p:par>
-                                <p:cTn id="13" presetID="42" presetClass="entr" presetSubtype="0" fill="hold" grpId="0" nodeType="withEffect">
+                                <p:cTn id="8" presetID="10" presetClass="entr" presetSubtype="0" fill="hold" grpId="0" nodeType="withEffect">
                                   <p:stCondLst>
                                     <p:cond delay="0"/>
                                   </p:stCondLst>
                                   <p:childTnLst>
                                     <p:set>
                                       <p:cBhvr>
-                                        <p:cTn id="14" dur="1" fill="hold">
+                                        <p:cTn id="9" dur="1" fill="hold">
                                           <p:stCondLst>
                                             <p:cond delay="0"/>
                                           </p:stCondLst>
@@ -18597,7 +18665,7 @@
                                     </p:set>
                                     <p:animEffect transition="in" filter="fade">
                                       <p:cBhvr>
-                                        <p:cTn id="15" dur="1250"/>
+                                        <p:cTn id="10" dur="1250"/>
                                         <p:tgtEl>
                                           <p:spTgt spid="3">
                                             <p:txEl>
@@ -18607,60 +18675,41 @@
                                         </p:tgtEl>
                                       </p:cBhvr>
                                     </p:animEffect>
-                                    <p:anim calcmode="lin" valueType="num">
+                                  </p:childTnLst>
+                                </p:cTn>
+                              </p:par>
+                              <p:par>
+                                <p:cTn id="11" presetID="10" presetClass="entr" presetSubtype="0" fill="hold" grpId="0" nodeType="withEffect">
+                                  <p:stCondLst>
+                                    <p:cond delay="0"/>
+                                  </p:stCondLst>
+                                  <p:childTnLst>
+                                    <p:set>
                                       <p:cBhvr>
-                                        <p:cTn id="16" dur="1250" fill="hold"/>
+                                        <p:cTn id="12" dur="1" fill="hold">
+                                          <p:stCondLst>
+                                            <p:cond delay="0"/>
+                                          </p:stCondLst>
+                                        </p:cTn>
                                         <p:tgtEl>
-                                          <p:spTgt spid="3">
-                                            <p:txEl>
-                                              <p:pRg st="0" end="0"/>
-                                            </p:txEl>
-                                          </p:spTgt>
+                                          <p:spTgt spid="4"/>
                                         </p:tgtEl>
                                         <p:attrNameLst>
-                                          <p:attrName>ppt_x</p:attrName>
+                                          <p:attrName>style.visibility</p:attrName>
                                         </p:attrNameLst>
                                       </p:cBhvr>
-                                      <p:tavLst>
-                                        <p:tav tm="0">
-                                          <p:val>
-                                            <p:strVal val="#ppt_x"/>
-                                          </p:val>
-                                        </p:tav>
-                                        <p:tav tm="100000">
-                                          <p:val>
-                                            <p:strVal val="#ppt_x"/>
-                                          </p:val>
-                                        </p:tav>
-                                      </p:tavLst>
-                                    </p:anim>
-                                    <p:anim calcmode="lin" valueType="num">
+                                      <p:to>
+                                        <p:strVal val="visible"/>
+                                      </p:to>
+                                    </p:set>
+                                    <p:animEffect transition="in" filter="fade">
                                       <p:cBhvr>
-                                        <p:cTn id="17" dur="1250" fill="hold"/>
+                                        <p:cTn id="13" dur="10"/>
                                         <p:tgtEl>
-                                          <p:spTgt spid="3">
-                                            <p:txEl>
-                                              <p:pRg st="0" end="0"/>
-                                            </p:txEl>
-                                          </p:spTgt>
+                                          <p:spTgt spid="4"/>
                                         </p:tgtEl>
-                                        <p:attrNameLst>
-                                          <p:attrName>ppt_y</p:attrName>
-                                        </p:attrNameLst>
                                       </p:cBhvr>
-                                      <p:tavLst>
-                                        <p:tav tm="0">
-                                          <p:val>
-                                            <p:strVal val="#ppt_y+.1"/>
-                                          </p:val>
-                                        </p:tav>
-                                        <p:tav tm="100000">
-                                          <p:val>
-                                            <p:strVal val="#ppt_y"/>
-                                          </p:val>
-                                        </p:tav>
-                                      </p:tavLst>
-                                    </p:anim>
+                                    </p:animEffect>
                                   </p:childTnLst>
                                 </p:cTn>
                               </p:par>
@@ -18694,7 +18743,7 @@
     <p:bldLst>
       <p:bldP spid="2" grpId="0"/>
       <p:bldP spid="3" grpId="0" build="p"/>
-      <p:bldP spid="6" grpId="0"/>
+      <p:bldP spid="4" grpId="0"/>
     </p:bldLst>
   </p:timing>
 </p:sld>
@@ -18725,12 +18774,12 @@
           <a:chExt cx="0" cy="0"/>
         </a:xfrm>
       </p:grpSpPr>
-      <p:sp useBgFill="1">
+      <p:sp>
         <p:nvSpPr>
-          <p:cNvPr id="24" name="Rectangle 23">
+          <p:cNvPr id="25" name="Rectangle 27">
             <a:extLst>
               <a:ext uri="{FF2B5EF4-FFF2-40B4-BE49-F238E27FC236}">
-                <a16:creationId xmlns:a16="http://schemas.microsoft.com/office/drawing/2014/main" id="{04812C46-200A-4DEB-A05E-3ED6C68C2387}"/>
+                <a16:creationId xmlns:a16="http://schemas.microsoft.com/office/drawing/2014/main" id="{8CA06CD6-90CA-4C45-856C-6771339E1E22}"/>
               </a:ext>
               <a:ext uri="{C183D7F6-B498-43B3-948B-1728B52AA6E4}">
                 <adec:decorative xmlns:adec="http://schemas.microsoft.com/office/drawing/2017/decorative" val="1"/>
@@ -18748,15 +18797,20 @@
             </p:extLst>
           </p:nvPr>
         </p:nvSpPr>
-        <p:spPr>
+        <p:spPr bwMode="ltGray">
           <a:xfrm>
-            <a:off x="3049" y="0"/>
-            <a:ext cx="12188952" cy="6858000"/>
+            <a:off x="321564" y="320040"/>
+            <a:ext cx="11548872" cy="6217920"/>
           </a:xfrm>
           <a:prstGeom prst="rect">
             <a:avLst/>
           </a:prstGeom>
-          <a:ln>
+          <a:solidFill>
+            <a:schemeClr val="tx1">
+              <a:alpha val="10000"/>
+            </a:schemeClr>
+          </a:solidFill>
+          <a:ln w="127000" cap="sq" cmpd="thinThick">
             <a:noFill/>
           </a:ln>
         </p:spPr>
@@ -18787,96 +18841,10 @@
       </p:sp>
       <p:sp>
         <p:nvSpPr>
-          <p:cNvPr id="26" name="Rectangle 25">
-            <a:extLst>
-              <a:ext uri="{FF2B5EF4-FFF2-40B4-BE49-F238E27FC236}">
-                <a16:creationId xmlns:a16="http://schemas.microsoft.com/office/drawing/2014/main" id="{D1EA859B-E555-4109-94F3-6700E046E008}"/>
-              </a:ext>
-              <a:ext uri="{C183D7F6-B498-43B3-948B-1728B52AA6E4}">
-                <adec:decorative xmlns:adec="http://schemas.microsoft.com/office/drawing/2017/decorative" val="1"/>
-              </a:ext>
-            </a:extLst>
-          </p:cNvPr>
-          <p:cNvSpPr>
-            <a:spLocks noGrp="1" noRot="1" noChangeAspect="1" noMove="1" noResize="1" noEditPoints="1" noAdjustHandles="1" noChangeArrowheads="1" noChangeShapeType="1" noTextEdit="1"/>
-          </p:cNvSpPr>
-          <p:nvPr>
-            <p:extLst>
-              <p:ext uri="{386F3935-93C4-4BCD-93E2-E3B085C9AB24}">
-                <p16:designElem xmlns:p16="http://schemas.microsoft.com/office/powerpoint/2015/main" val="1"/>
-              </p:ext>
-            </p:extLst>
-          </p:nvPr>
-        </p:nvSpPr>
-        <p:spPr>
-          <a:xfrm>
-            <a:off x="-1" y="0"/>
-            <a:ext cx="7390263" cy="6858000"/>
-          </a:xfrm>
-          <a:prstGeom prst="rect">
-            <a:avLst/>
-          </a:prstGeom>
-          <a:gradFill>
-            <a:gsLst>
-              <a:gs pos="48000">
-                <a:schemeClr val="bg1"/>
-              </a:gs>
-              <a:gs pos="35000">
-                <a:schemeClr val="bg1">
-                  <a:alpha val="77000"/>
-                </a:schemeClr>
-              </a:gs>
-              <a:gs pos="19000">
-                <a:schemeClr val="bg1">
-                  <a:alpha val="38000"/>
-                </a:schemeClr>
-              </a:gs>
-              <a:gs pos="0">
-                <a:schemeClr val="bg1">
-                  <a:alpha val="0"/>
-                </a:schemeClr>
-              </a:gs>
-              <a:gs pos="100000">
-                <a:schemeClr val="bg1"/>
-              </a:gs>
-            </a:gsLst>
-            <a:lin ang="10800000" scaled="0"/>
-          </a:gradFill>
-          <a:ln>
-            <a:noFill/>
-          </a:ln>
-        </p:spPr>
-        <p:style>
-          <a:lnRef idx="2">
-            <a:schemeClr val="accent1">
-              <a:shade val="50000"/>
-            </a:schemeClr>
-          </a:lnRef>
-          <a:fillRef idx="1">
-            <a:schemeClr val="accent1"/>
-          </a:fillRef>
-          <a:effectRef idx="0">
-            <a:schemeClr val="accent1"/>
-          </a:effectRef>
-          <a:fontRef idx="minor">
-            <a:schemeClr val="lt1"/>
-          </a:fontRef>
-        </p:style>
-        <p:txBody>
-          <a:bodyPr rtlCol="0" anchor="ctr"/>
-          <a:lstStyle/>
-          <a:p>
-            <a:pPr algn="ctr"/>
-            <a:endParaRPr lang="en-US" dirty="0"/>
-          </a:p>
-        </p:txBody>
-      </p:sp>
-      <p:sp>
-        <p:nvSpPr>
           <p:cNvPr id="2" name="Título 1">
             <a:extLst>
               <a:ext uri="{FF2B5EF4-FFF2-40B4-BE49-F238E27FC236}">
-                <a16:creationId xmlns:a16="http://schemas.microsoft.com/office/drawing/2014/main" id="{8BC7EFD9-5CAF-431F-A9FF-09DE566F3543}"/>
+                <a16:creationId xmlns:a16="http://schemas.microsoft.com/office/drawing/2014/main" id="{71AEC653-CF21-4A83-8228-4AB13A9E6A67}"/>
               </a:ext>
             </a:extLst>
           </p:cNvPr>
@@ -18889,29 +18857,97 @@
         </p:nvSpPr>
         <p:spPr>
           <a:xfrm>
-            <a:off x="838200" y="365125"/>
-            <a:ext cx="3822189" cy="1899912"/>
+            <a:off x="838200" y="963507"/>
+            <a:ext cx="3494362" cy="4930986"/>
           </a:xfrm>
         </p:spPr>
         <p:txBody>
-          <a:bodyPr>
+          <a:bodyPr vert="horz" lIns="91440" tIns="45720" rIns="91440" bIns="45720" rtlCol="0" anchor="ctr">
             <a:normAutofit/>
           </a:bodyPr>
           <a:lstStyle/>
           <a:p>
-            <a:r>
-              <a:rPr lang="es-ES" sz="4000"/>
+            <a:pPr algn="r"/>
+            <a:r>
+              <a:rPr lang="en-US" dirty="0">
+                <a:solidFill>
+                  <a:schemeClr val="accent1"/>
+                </a:solidFill>
+              </a:rPr>
               <a:t>VALOR</a:t>
             </a:r>
+            <a:endParaRPr lang="en-US" kern="1200" dirty="0">
+              <a:solidFill>
+                <a:schemeClr val="accent1"/>
+              </a:solidFill>
+              <a:latin typeface="+mj-lt"/>
+              <a:ea typeface="+mj-ea"/>
+              <a:cs typeface="+mj-cs"/>
+            </a:endParaRPr>
           </a:p>
         </p:txBody>
       </p:sp>
+      <p:cxnSp>
+        <p:nvCxnSpPr>
+          <p:cNvPr id="26" name="Straight Connector 29">
+            <a:extLst>
+              <a:ext uri="{FF2B5EF4-FFF2-40B4-BE49-F238E27FC236}">
+                <a16:creationId xmlns:a16="http://schemas.microsoft.com/office/drawing/2014/main" id="{5021601D-2758-4B15-A31C-FDA184C51B3A}"/>
+              </a:ext>
+              <a:ext uri="{C183D7F6-B498-43B3-948B-1728B52AA6E4}">
+                <adec:decorative xmlns:adec="http://schemas.microsoft.com/office/drawing/2017/decorative" val="1"/>
+              </a:ext>
+            </a:extLst>
+          </p:cNvPr>
+          <p:cNvCxnSpPr>
+            <a:cxnSpLocks noGrp="1" noRot="1" noChangeAspect="1" noMove="1" noResize="1" noEditPoints="1" noAdjustHandles="1" noChangeArrowheads="1" noChangeShapeType="1"/>
+          </p:cNvCxnSpPr>
+          <p:nvPr>
+            <p:extLst>
+              <p:ext uri="{386F3935-93C4-4BCD-93E2-E3B085C9AB24}">
+                <p16:designElem xmlns:p16="http://schemas.microsoft.com/office/powerpoint/2015/main" val="1"/>
+              </p:ext>
+            </p:extLst>
+          </p:nvPr>
+        </p:nvCxnSpPr>
+        <p:spPr>
+          <a:xfrm>
+            <a:off x="4654296" y="2057400"/>
+            <a:ext cx="0" cy="2743200"/>
+          </a:xfrm>
+          <a:prstGeom prst="line">
+            <a:avLst/>
+          </a:prstGeom>
+          <a:ln w="19050">
+            <a:solidFill>
+              <a:schemeClr val="tx1">
+                <a:lumMod val="85000"/>
+                <a:lumOff val="15000"/>
+              </a:schemeClr>
+            </a:solidFill>
+          </a:ln>
+        </p:spPr>
+        <p:style>
+          <a:lnRef idx="1">
+            <a:schemeClr val="accent1"/>
+          </a:lnRef>
+          <a:fillRef idx="0">
+            <a:schemeClr val="accent1"/>
+          </a:fillRef>
+          <a:effectRef idx="0">
+            <a:schemeClr val="accent1"/>
+          </a:effectRef>
+          <a:fontRef idx="minor">
+            <a:schemeClr val="tx1"/>
+          </a:fontRef>
+        </p:style>
+      </p:cxnSp>
       <p:sp>
         <p:nvSpPr>
           <p:cNvPr id="3" name="Marcador de contenido 2">
             <a:extLst>
               <a:ext uri="{FF2B5EF4-FFF2-40B4-BE49-F238E27FC236}">
-                <a16:creationId xmlns:a16="http://schemas.microsoft.com/office/drawing/2014/main" id="{29A8ECE2-FE08-4C93-9877-2C065094BC53}"/>
+                <a16:creationId xmlns:a16="http://schemas.microsoft.com/office/drawing/2014/main" id="{FDA276B4-AFA8-445E-BF46-D797C1B3F0B0}"/>
               </a:ext>
             </a:extLst>
           </p:cNvPr>
@@ -18924,12 +18960,12 @@
         </p:nvSpPr>
         <p:spPr>
           <a:xfrm>
-            <a:off x="838200" y="2434201"/>
-            <a:ext cx="3822189" cy="3742762"/>
+            <a:off x="4976029" y="2808562"/>
+            <a:ext cx="6250940" cy="1240875"/>
           </a:xfrm>
         </p:spPr>
         <p:txBody>
-          <a:bodyPr>
+          <a:bodyPr vert="horz" lIns="91440" tIns="45720" rIns="91440" bIns="45720" rtlCol="0" anchor="b">
             <a:normAutofit/>
           </a:bodyPr>
           <a:lstStyle/>
@@ -18942,18 +18978,15 @@
               <a:rPr lang="es-ES" sz="2000" dirty="0"/>
               <a:t> : Una vez generados los datos, procesados y convertidos en información, deben tener un valor y una utilidad real, para que tengan un valor esos datos, deben ayudarnos a tomar una decisión breve a ellos</a:t>
             </a:r>
-          </a:p>
-          <a:p>
-            <a:endParaRPr lang="es-ES" sz="2000" b="1" dirty="0"/>
           </a:p>
         </p:txBody>
       </p:sp>
       <p:sp>
         <p:nvSpPr>
-          <p:cNvPr id="8" name="Título 1">
+          <p:cNvPr id="4" name="Título 1">
             <a:extLst>
               <a:ext uri="{FF2B5EF4-FFF2-40B4-BE49-F238E27FC236}">
-                <a16:creationId xmlns:a16="http://schemas.microsoft.com/office/drawing/2014/main" id="{B15265B9-687B-93EC-EFF7-40694362EE9D}"/>
+                <a16:creationId xmlns:a16="http://schemas.microsoft.com/office/drawing/2014/main" id="{75B968D6-146C-6378-708B-BDE1E6CBAE62}"/>
               </a:ext>
             </a:extLst>
           </p:cNvPr>
@@ -19001,52 +19034,34 @@
               </a:spcAft>
             </a:pPr>
             <a:r>
-              <a:rPr lang="es-ES" sz="1600" b="1" dirty="0">
-                <a:solidFill>
-                  <a:schemeClr val="bg1"/>
-                </a:solidFill>
+              <a:rPr lang="es-ES" sz="1600" b="1">
                 <a:cs typeface="Calibri Light" panose="020F0302020204030204"/>
               </a:rPr>
               <a:t>EDUARDO MARTÍN-SONSECA</a:t>
             </a:r>
             <a:br>
-              <a:rPr lang="es-ES" sz="1600" b="1" dirty="0">
-                <a:solidFill>
-                  <a:schemeClr val="bg1"/>
-                </a:solidFill>
+              <a:rPr lang="es-ES" sz="1600" b="1">
                 <a:cs typeface="Calibri Light" panose="020F0302020204030204"/>
               </a:rPr>
             </a:br>
             <a:r>
-              <a:rPr lang="es-ES" sz="1600" b="1" dirty="0">
-                <a:solidFill>
-                  <a:schemeClr val="bg1"/>
-                </a:solidFill>
+              <a:rPr lang="es-ES" sz="1600" b="1">
                 <a:cs typeface="Calibri Light" panose="020F0302020204030204"/>
               </a:rPr>
               <a:t>LUIS FERNANDEZ CASTELO</a:t>
             </a:r>
             <a:br>
-              <a:rPr lang="es-ES" sz="1600" b="1" dirty="0">
-                <a:solidFill>
-                  <a:schemeClr val="bg1"/>
-                </a:solidFill>
+              <a:rPr lang="es-ES" sz="1600" b="1">
                 <a:cs typeface="Calibri Light" panose="020F0302020204030204"/>
               </a:rPr>
             </a:br>
             <a:r>
-              <a:rPr lang="es-ES" sz="1600" b="1" dirty="0">
-                <a:solidFill>
-                  <a:schemeClr val="bg1"/>
-                </a:solidFill>
+              <a:rPr lang="es-ES" sz="1600" b="1">
                 <a:cs typeface="Calibri Light" panose="020F0302020204030204"/>
               </a:rPr>
               <a:t>1º DESARROLLO DE APLICACIONES MULTIPLATAFORMA</a:t>
             </a:r>
             <a:endParaRPr lang="es-ES" sz="1600" dirty="0">
-              <a:solidFill>
-                <a:schemeClr val="bg1"/>
-              </a:solidFill>
               <a:cs typeface="Calibri Light"/>
             </a:endParaRPr>
           </a:p>
@@ -19055,7 +19070,7 @@
     </p:spTree>
     <p:extLst>
       <p:ext uri="{BB962C8B-B14F-4D97-AF65-F5344CB8AC3E}">
-        <p14:creationId xmlns:p14="http://schemas.microsoft.com/office/powerpoint/2010/main" val="3255652957"/>
+        <p14:creationId xmlns:p14="http://schemas.microsoft.com/office/powerpoint/2010/main" val="3340421590"/>
       </p:ext>
     </p:extLst>
   </p:cSld>
@@ -19086,7 +19101,7 @@
                             </p:stCondLst>
                             <p:childTnLst>
                               <p:par>
-                                <p:cTn id="5" presetID="42" presetClass="entr" presetSubtype="0" fill="hold" grpId="0" nodeType="withEffect">
+                                <p:cTn id="5" presetID="10" presetClass="entr" presetSubtype="0" fill="hold" grpId="0" nodeType="withEffect">
                                   <p:stCondLst>
                                     <p:cond delay="0"/>
                                   </p:stCondLst>
@@ -19117,64 +19132,18 @@
                                         </p:tgtEl>
                                       </p:cBhvr>
                                     </p:animEffect>
-                                    <p:anim calcmode="lin" valueType="num">
-                                      <p:cBhvr>
-                                        <p:cTn id="8" dur="1250" fill="hold"/>
-                                        <p:tgtEl>
-                                          <p:spTgt spid="2"/>
-                                        </p:tgtEl>
-                                        <p:attrNameLst>
-                                          <p:attrName>ppt_x</p:attrName>
-                                        </p:attrNameLst>
-                                      </p:cBhvr>
-                                      <p:tavLst>
-                                        <p:tav tm="0">
-                                          <p:val>
-                                            <p:strVal val="#ppt_x"/>
-                                          </p:val>
-                                        </p:tav>
-                                        <p:tav tm="100000">
-                                          <p:val>
-                                            <p:strVal val="#ppt_x"/>
-                                          </p:val>
-                                        </p:tav>
-                                      </p:tavLst>
-                                    </p:anim>
-                                    <p:anim calcmode="lin" valueType="num">
-                                      <p:cBhvr>
-                                        <p:cTn id="9" dur="1250" fill="hold"/>
-                                        <p:tgtEl>
-                                          <p:spTgt spid="2"/>
-                                        </p:tgtEl>
-                                        <p:attrNameLst>
-                                          <p:attrName>ppt_y</p:attrName>
-                                        </p:attrNameLst>
-                                      </p:cBhvr>
-                                      <p:tavLst>
-                                        <p:tav tm="0">
-                                          <p:val>
-                                            <p:strVal val="#ppt_y+.1"/>
-                                          </p:val>
-                                        </p:tav>
-                                        <p:tav tm="100000">
-                                          <p:val>
-                                            <p:strVal val="#ppt_y"/>
-                                          </p:val>
-                                        </p:tav>
-                                      </p:tavLst>
-                                    </p:anim>
                                   </p:childTnLst>
                                 </p:cTn>
                               </p:par>
                               <p:par>
-                                <p:cTn id="10" presetID="42" presetClass="entr" presetSubtype="0" fill="hold" grpId="0" nodeType="withEffect">
+                                <p:cTn id="8" presetID="10" presetClass="entr" presetSubtype="0" fill="hold" grpId="0" nodeType="withEffect">
                                   <p:stCondLst>
                                     <p:cond delay="0"/>
                                   </p:stCondLst>
                                   <p:childTnLst>
                                     <p:set>
                                       <p:cBhvr>
-                                        <p:cTn id="11" dur="1" fill="hold">
+                                        <p:cTn id="9" dur="1" fill="hold">
                                           <p:stCondLst>
                                             <p:cond delay="0"/>
                                           </p:stCondLst>
@@ -19196,7 +19165,7 @@
                                     </p:set>
                                     <p:animEffect transition="in" filter="fade">
                                       <p:cBhvr>
-                                        <p:cTn id="12" dur="1250"/>
+                                        <p:cTn id="10" dur="1250"/>
                                         <p:tgtEl>
                                           <p:spTgt spid="3">
                                             <p:txEl>
@@ -19206,78 +19175,24 @@
                                         </p:tgtEl>
                                       </p:cBhvr>
                                     </p:animEffect>
-                                    <p:anim calcmode="lin" valueType="num">
-                                      <p:cBhvr>
-                                        <p:cTn id="13" dur="1250" fill="hold"/>
-                                        <p:tgtEl>
-                                          <p:spTgt spid="3">
-                                            <p:txEl>
-                                              <p:pRg st="0" end="0"/>
-                                            </p:txEl>
-                                          </p:spTgt>
-                                        </p:tgtEl>
-                                        <p:attrNameLst>
-                                          <p:attrName>ppt_x</p:attrName>
-                                        </p:attrNameLst>
-                                      </p:cBhvr>
-                                      <p:tavLst>
-                                        <p:tav tm="0">
-                                          <p:val>
-                                            <p:strVal val="#ppt_x"/>
-                                          </p:val>
-                                        </p:tav>
-                                        <p:tav tm="100000">
-                                          <p:val>
-                                            <p:strVal val="#ppt_x"/>
-                                          </p:val>
-                                        </p:tav>
-                                      </p:tavLst>
-                                    </p:anim>
-                                    <p:anim calcmode="lin" valueType="num">
-                                      <p:cBhvr>
-                                        <p:cTn id="14" dur="1250" fill="hold"/>
-                                        <p:tgtEl>
-                                          <p:spTgt spid="3">
-                                            <p:txEl>
-                                              <p:pRg st="0" end="0"/>
-                                            </p:txEl>
-                                          </p:spTgt>
-                                        </p:tgtEl>
-                                        <p:attrNameLst>
-                                          <p:attrName>ppt_y</p:attrName>
-                                        </p:attrNameLst>
-                                      </p:cBhvr>
-                                      <p:tavLst>
-                                        <p:tav tm="0">
-                                          <p:val>
-                                            <p:strVal val="#ppt_y+.1"/>
-                                          </p:val>
-                                        </p:tav>
-                                        <p:tav tm="100000">
-                                          <p:val>
-                                            <p:strVal val="#ppt_y"/>
-                                          </p:val>
-                                        </p:tav>
-                                      </p:tavLst>
-                                    </p:anim>
                                   </p:childTnLst>
                                 </p:cTn>
                               </p:par>
                               <p:par>
-                                <p:cTn id="15" presetID="10" presetClass="entr" presetSubtype="0" fill="hold" grpId="0" nodeType="withEffect">
+                                <p:cTn id="11" presetID="10" presetClass="entr" presetSubtype="0" fill="hold" grpId="0" nodeType="withEffect">
                                   <p:stCondLst>
                                     <p:cond delay="0"/>
                                   </p:stCondLst>
                                   <p:childTnLst>
                                     <p:set>
                                       <p:cBhvr>
-                                        <p:cTn id="16" dur="1" fill="hold">
+                                        <p:cTn id="12" dur="1" fill="hold">
                                           <p:stCondLst>
                                             <p:cond delay="0"/>
                                           </p:stCondLst>
                                         </p:cTn>
                                         <p:tgtEl>
-                                          <p:spTgt spid="8"/>
+                                          <p:spTgt spid="4"/>
                                         </p:tgtEl>
                                         <p:attrNameLst>
                                           <p:attrName>style.visibility</p:attrName>
@@ -19289,9 +19204,9 @@
                                     </p:set>
                                     <p:animEffect transition="in" filter="fade">
                                       <p:cBhvr>
-                                        <p:cTn id="17" dur="10"/>
+                                        <p:cTn id="13" dur="10"/>
                                         <p:tgtEl>
-                                          <p:spTgt spid="8"/>
+                                          <p:spTgt spid="4"/>
                                         </p:tgtEl>
                                       </p:cBhvr>
                                     </p:animEffect>
@@ -19328,7 +19243,7 @@
     <p:bldLst>
       <p:bldP spid="2" grpId="0"/>
       <p:bldP spid="3" grpId="0" build="p"/>
-      <p:bldP spid="8" grpId="0"/>
+      <p:bldP spid="4" grpId="0"/>
     </p:bldLst>
   </p:timing>
 </p:sld>

--- a/Bases de Datos/1º Evaluación/Ejercicios/Ejercicio2/Explotación de bases de datos Big Data.pptx
+++ b/Bases de Datos/1º Evaluación/Ejercicios/Ejercicio2/Explotación de bases de datos Big Data.pptx
@@ -5,7 +5,7 @@
     <p:sldMasterId id="2147483788" r:id="rId1"/>
   </p:sldMasterIdLst>
   <p:notesMasterIdLst>
-    <p:notesMasterId r:id="rId17"/>
+    <p:notesMasterId r:id="rId20"/>
   </p:notesMasterIdLst>
   <p:sldIdLst>
     <p:sldId id="258" r:id="rId2"/>
@@ -17,12 +17,15 @@
     <p:sldId id="276" r:id="rId8"/>
     <p:sldId id="277" r:id="rId9"/>
     <p:sldId id="265" r:id="rId10"/>
-    <p:sldId id="266" r:id="rId11"/>
-    <p:sldId id="267" r:id="rId12"/>
-    <p:sldId id="268" r:id="rId13"/>
-    <p:sldId id="269" r:id="rId14"/>
-    <p:sldId id="270" r:id="rId15"/>
-    <p:sldId id="271" r:id="rId16"/>
+    <p:sldId id="278" r:id="rId11"/>
+    <p:sldId id="279" r:id="rId12"/>
+    <p:sldId id="280" r:id="rId13"/>
+    <p:sldId id="281" r:id="rId14"/>
+    <p:sldId id="282" r:id="rId15"/>
+    <p:sldId id="267" r:id="rId16"/>
+    <p:sldId id="269" r:id="rId17"/>
+    <p:sldId id="270" r:id="rId18"/>
+    <p:sldId id="271" r:id="rId19"/>
   </p:sldIdLst>
   <p:sldSz cx="12192000" cy="6858000"/>
   <p:notesSz cx="6858000" cy="9144000"/>
@@ -4565,8 +4568,8 @@
   </pc:docChgLst>
   <pc:docChgLst>
     <pc:chgData name="Eduardo Martín-Sonseca.Alonso" userId="044a8a39323ca9b2" providerId="LiveId" clId="{37839B77-9B63-4AAE-801F-3EFA7B99B021}"/>
-    <pc:docChg chg="undo custSel addSld delSld modSld">
-      <pc:chgData name="Eduardo Martín-Sonseca.Alonso" userId="044a8a39323ca9b2" providerId="LiveId" clId="{37839B77-9B63-4AAE-801F-3EFA7B99B021}" dt="2022-10-05T17:35:39.363" v="144" actId="47"/>
+    <pc:docChg chg="undo redo custSel addSld delSld modSld">
+      <pc:chgData name="Eduardo Martín-Sonseca.Alonso" userId="044a8a39323ca9b2" providerId="LiveId" clId="{37839B77-9B63-4AAE-801F-3EFA7B99B021}" dt="2022-10-05T18:38:56.239" v="3197" actId="14100"/>
       <pc:docMkLst>
         <pc:docMk/>
       </pc:docMkLst>
@@ -4899,69 +4902,405 @@
           </ac:spMkLst>
         </pc:spChg>
       </pc:sldChg>
-      <pc:sldChg chg="modSp">
-        <pc:chgData name="Eduardo Martín-Sonseca.Alonso" userId="044a8a39323ca9b2" providerId="LiveId" clId="{37839B77-9B63-4AAE-801F-3EFA7B99B021}" dt="2022-10-05T17:33:25.819" v="85"/>
+      <pc:sldChg chg="addSp delSp modSp mod setBg delAnim modAnim setClrOvrMap">
+        <pc:chgData name="Eduardo Martín-Sonseca.Alonso" userId="044a8a39323ca9b2" providerId="LiveId" clId="{37839B77-9B63-4AAE-801F-3EFA7B99B021}" dt="2022-10-05T18:04:42.873" v="1414" actId="20577"/>
         <pc:sldMkLst>
           <pc:docMk/>
           <pc:sldMk cId="4137332662" sldId="265"/>
         </pc:sldMkLst>
         <pc:spChg chg="mod">
-          <ac:chgData name="Eduardo Martín-Sonseca.Alonso" userId="044a8a39323ca9b2" providerId="LiveId" clId="{37839B77-9B63-4AAE-801F-3EFA7B99B021}" dt="2022-10-05T17:33:25.819" v="85"/>
+          <ac:chgData name="Eduardo Martín-Sonseca.Alonso" userId="044a8a39323ca9b2" providerId="LiveId" clId="{37839B77-9B63-4AAE-801F-3EFA7B99B021}" dt="2022-10-05T17:57:28.176" v="1167" actId="122"/>
           <ac:spMkLst>
             <pc:docMk/>
             <pc:sldMk cId="4137332662" sldId="265"/>
             <ac:spMk id="2" creationId="{2A7DC3FE-66EB-750C-3214-9159D346F772}"/>
           </ac:spMkLst>
         </pc:spChg>
+        <pc:spChg chg="del mod">
+          <ac:chgData name="Eduardo Martín-Sonseca.Alonso" userId="044a8a39323ca9b2" providerId="LiveId" clId="{37839B77-9B63-4AAE-801F-3EFA7B99B021}" dt="2022-10-05T17:47:14.022" v="824" actId="21"/>
+          <ac:spMkLst>
+            <pc:docMk/>
+            <pc:sldMk cId="4137332662" sldId="265"/>
+            <ac:spMk id="3" creationId="{E7DB1CBC-1C7A-9ED6-3A0E-B1FBBE84F9DB}"/>
+          </ac:spMkLst>
+        </pc:spChg>
+        <pc:spChg chg="del mod ord">
+          <ac:chgData name="Eduardo Martín-Sonseca.Alonso" userId="044a8a39323ca9b2" providerId="LiveId" clId="{37839B77-9B63-4AAE-801F-3EFA7B99B021}" dt="2022-10-05T17:48:07.413" v="832" actId="478"/>
+          <ac:spMkLst>
+            <pc:docMk/>
+            <pc:sldMk cId="4137332662" sldId="265"/>
+            <ac:spMk id="4" creationId="{F1E1F019-AE81-B16F-5ABB-78D9B2DD70F3}"/>
+          </ac:spMkLst>
+        </pc:spChg>
+        <pc:spChg chg="add del mod ord">
+          <ac:chgData name="Eduardo Martín-Sonseca.Alonso" userId="044a8a39323ca9b2" providerId="LiveId" clId="{37839B77-9B63-4AAE-801F-3EFA7B99B021}" dt="2022-10-05T18:04:37.681" v="1412" actId="20577"/>
+          <ac:spMkLst>
+            <pc:docMk/>
+            <pc:sldMk cId="4137332662" sldId="265"/>
+            <ac:spMk id="5" creationId="{4C43AC7E-1E6A-A806-6F01-694C1FEAE49C}"/>
+          </ac:spMkLst>
+        </pc:spChg>
+        <pc:spChg chg="add del mod">
+          <ac:chgData name="Eduardo Martín-Sonseca.Alonso" userId="044a8a39323ca9b2" providerId="LiveId" clId="{37839B77-9B63-4AAE-801F-3EFA7B99B021}" dt="2022-10-05T17:47:14.022" v="824" actId="21"/>
+          <ac:spMkLst>
+            <pc:docMk/>
+            <pc:sldMk cId="4137332662" sldId="265"/>
+            <ac:spMk id="6" creationId="{EC5FE7F7-1A78-F41C-E25A-80F60A59C04E}"/>
+          </ac:spMkLst>
+        </pc:spChg>
+        <pc:spChg chg="add del mod">
+          <ac:chgData name="Eduardo Martín-Sonseca.Alonso" userId="044a8a39323ca9b2" providerId="LiveId" clId="{37839B77-9B63-4AAE-801F-3EFA7B99B021}" dt="2022-10-05T17:47:18.768" v="825" actId="478"/>
+          <ac:spMkLst>
+            <pc:docMk/>
+            <pc:sldMk cId="4137332662" sldId="265"/>
+            <ac:spMk id="8" creationId="{F412C287-ADBF-9643-2507-17542D8FD001}"/>
+          </ac:spMkLst>
+        </pc:spChg>
+        <pc:spChg chg="add del">
+          <ac:chgData name="Eduardo Martín-Sonseca.Alonso" userId="044a8a39323ca9b2" providerId="LiveId" clId="{37839B77-9B63-4AAE-801F-3EFA7B99B021}" dt="2022-10-05T17:47:04.581" v="822" actId="26606"/>
+          <ac:spMkLst>
+            <pc:docMk/>
+            <pc:sldMk cId="4137332662" sldId="265"/>
+            <ac:spMk id="9" creationId="{10F24D38-B79E-44B4-830E-043F45D96DC2}"/>
+          </ac:spMkLst>
+        </pc:spChg>
+        <pc:spChg chg="add del">
+          <ac:chgData name="Eduardo Martín-Sonseca.Alonso" userId="044a8a39323ca9b2" providerId="LiveId" clId="{37839B77-9B63-4AAE-801F-3EFA7B99B021}" dt="2022-10-05T17:48:17.393" v="833" actId="26606"/>
+          <ac:spMkLst>
+            <pc:docMk/>
+            <pc:sldMk cId="4137332662" sldId="265"/>
+            <ac:spMk id="10" creationId="{E89ACC69-ADF2-492B-84C5-EA2CC16071F3}"/>
+          </ac:spMkLst>
+        </pc:spChg>
+        <pc:spChg chg="add del mod">
+          <ac:chgData name="Eduardo Martín-Sonseca.Alonso" userId="044a8a39323ca9b2" providerId="LiveId" clId="{37839B77-9B63-4AAE-801F-3EFA7B99B021}" dt="2022-10-05T17:48:00.351" v="830"/>
+          <ac:spMkLst>
+            <pc:docMk/>
+            <pc:sldMk cId="4137332662" sldId="265"/>
+            <ac:spMk id="13" creationId="{8A64DD66-8CAE-7344-44F1-D1C2EC7D7C2E}"/>
+          </ac:spMkLst>
+        </pc:spChg>
+        <pc:spChg chg="add del mod">
+          <ac:chgData name="Eduardo Martín-Sonseca.Alonso" userId="044a8a39323ca9b2" providerId="LiveId" clId="{37839B77-9B63-4AAE-801F-3EFA7B99B021}" dt="2022-10-05T17:48:00.351" v="830"/>
+          <ac:spMkLst>
+            <pc:docMk/>
+            <pc:sldMk cId="4137332662" sldId="265"/>
+            <ac:spMk id="14" creationId="{1EDA2029-6D09-4405-05E5-3BB7CF2AC049}"/>
+          </ac:spMkLst>
+        </pc:spChg>
+        <pc:spChg chg="add del">
+          <ac:chgData name="Eduardo Martín-Sonseca.Alonso" userId="044a8a39323ca9b2" providerId="LiveId" clId="{37839B77-9B63-4AAE-801F-3EFA7B99B021}" dt="2022-10-05T17:49:26.903" v="844" actId="26606"/>
+          <ac:spMkLst>
+            <pc:docMk/>
+            <pc:sldMk cId="4137332662" sldId="265"/>
+            <ac:spMk id="15" creationId="{B775CD93-9DF2-48CB-9F57-1BCA9A46C7FA}"/>
+          </ac:spMkLst>
+        </pc:spChg>
+        <pc:spChg chg="add del">
+          <ac:chgData name="Eduardo Martín-Sonseca.Alonso" userId="044a8a39323ca9b2" providerId="LiveId" clId="{37839B77-9B63-4AAE-801F-3EFA7B99B021}" dt="2022-10-05T17:49:26.903" v="844" actId="26606"/>
+          <ac:spMkLst>
+            <pc:docMk/>
+            <pc:sldMk cId="4137332662" sldId="265"/>
+            <ac:spMk id="16" creationId="{6166C6D1-23AC-49C4-BA07-238E4E9F8CEB}"/>
+          </ac:spMkLst>
+        </pc:spChg>
+        <pc:spChg chg="add del">
+          <ac:chgData name="Eduardo Martín-Sonseca.Alonso" userId="044a8a39323ca9b2" providerId="LiveId" clId="{37839B77-9B63-4AAE-801F-3EFA7B99B021}" dt="2022-10-05T17:47:46.647" v="828" actId="26606"/>
+          <ac:spMkLst>
+            <pc:docMk/>
+            <pc:sldMk cId="4137332662" sldId="265"/>
+            <ac:spMk id="17" creationId="{71CFE9EA-50D8-4028-BE42-DC2D813BEA66}"/>
+          </ac:spMkLst>
+        </pc:spChg>
+        <pc:spChg chg="add del mod">
+          <ac:chgData name="Eduardo Martín-Sonseca.Alonso" userId="044a8a39323ca9b2" providerId="LiveId" clId="{37839B77-9B63-4AAE-801F-3EFA7B99B021}" dt="2022-10-05T17:48:35.207" v="835" actId="21"/>
+          <ac:spMkLst>
+            <pc:docMk/>
+            <pc:sldMk cId="4137332662" sldId="265"/>
+            <ac:spMk id="18" creationId="{31CC7FA7-1C63-39ED-23A3-2CD5D4DE9096}"/>
+          </ac:spMkLst>
+        </pc:spChg>
+        <pc:spChg chg="add del mod">
+          <ac:chgData name="Eduardo Martín-Sonseca.Alonso" userId="044a8a39323ca9b2" providerId="LiveId" clId="{37839B77-9B63-4AAE-801F-3EFA7B99B021}" dt="2022-10-05T17:48:35.207" v="835" actId="21"/>
+          <ac:spMkLst>
+            <pc:docMk/>
+            <pc:sldMk cId="4137332662" sldId="265"/>
+            <ac:spMk id="20" creationId="{2F47839A-C9C4-4962-D7B1-7812C94F7418}"/>
+          </ac:spMkLst>
+        </pc:spChg>
+        <pc:spChg chg="add del">
+          <ac:chgData name="Eduardo Martín-Sonseca.Alonso" userId="044a8a39323ca9b2" providerId="LiveId" clId="{37839B77-9B63-4AAE-801F-3EFA7B99B021}" dt="2022-10-05T17:49:26.903" v="844" actId="26606"/>
+          <ac:spMkLst>
+            <pc:docMk/>
+            <pc:sldMk cId="4137332662" sldId="265"/>
+            <ac:spMk id="21" creationId="{E186B68C-84BC-4A6E-99D1-EE87483C1349}"/>
+          </ac:spMkLst>
+        </pc:spChg>
+        <pc:spChg chg="add del">
+          <ac:chgData name="Eduardo Martín-Sonseca.Alonso" userId="044a8a39323ca9b2" providerId="LiveId" clId="{37839B77-9B63-4AAE-801F-3EFA7B99B021}" dt="2022-10-05T17:49:26.903" v="844" actId="26606"/>
+          <ac:spMkLst>
+            <pc:docMk/>
+            <pc:sldMk cId="4137332662" sldId="265"/>
+            <ac:spMk id="23" creationId="{1C091803-41C2-48E0-9228-5148460C7479}"/>
+          </ac:spMkLst>
+        </pc:spChg>
+        <pc:spChg chg="add del mod">
+          <ac:chgData name="Eduardo Martín-Sonseca.Alonso" userId="044a8a39323ca9b2" providerId="LiveId" clId="{37839B77-9B63-4AAE-801F-3EFA7B99B021}" dt="2022-10-05T17:49:06.666" v="838" actId="478"/>
+          <ac:spMkLst>
+            <pc:docMk/>
+            <pc:sldMk cId="4137332662" sldId="265"/>
+            <ac:spMk id="24" creationId="{50709DB1-30DA-4B4A-826C-EF26F20143F3}"/>
+          </ac:spMkLst>
+        </pc:spChg>
+        <pc:spChg chg="add mod">
+          <ac:chgData name="Eduardo Martín-Sonseca.Alonso" userId="044a8a39323ca9b2" providerId="LiveId" clId="{37839B77-9B63-4AAE-801F-3EFA7B99B021}" dt="2022-10-05T17:49:26.903" v="844" actId="26606"/>
+          <ac:spMkLst>
+            <pc:docMk/>
+            <pc:sldMk cId="4137332662" sldId="265"/>
+            <ac:spMk id="25" creationId="{A7DE5D37-8AA9-8EF9-EECC-6BBE4B884199}"/>
+          </ac:spMkLst>
+        </pc:spChg>
+        <pc:spChg chg="add del mod">
+          <ac:chgData name="Eduardo Martín-Sonseca.Alonso" userId="044a8a39323ca9b2" providerId="LiveId" clId="{37839B77-9B63-4AAE-801F-3EFA7B99B021}" dt="2022-10-05T17:54:27.398" v="1028" actId="478"/>
+          <ac:spMkLst>
+            <pc:docMk/>
+            <pc:sldMk cId="4137332662" sldId="265"/>
+            <ac:spMk id="26" creationId="{E41C29E7-553A-39B4-E47C-50759FE35043}"/>
+          </ac:spMkLst>
+        </pc:spChg>
+        <pc:spChg chg="add del mod">
+          <ac:chgData name="Eduardo Martín-Sonseca.Alonso" userId="044a8a39323ca9b2" providerId="LiveId" clId="{37839B77-9B63-4AAE-801F-3EFA7B99B021}" dt="2022-10-05T17:56:12.282" v="1149" actId="478"/>
+          <ac:spMkLst>
+            <pc:docMk/>
+            <pc:sldMk cId="4137332662" sldId="265"/>
+            <ac:spMk id="27" creationId="{700E91C5-F49F-6E19-8185-FDE68ECE335F}"/>
+          </ac:spMkLst>
+        </pc:spChg>
+        <pc:spChg chg="add mod">
+          <ac:chgData name="Eduardo Martín-Sonseca.Alonso" userId="044a8a39323ca9b2" providerId="LiveId" clId="{37839B77-9B63-4AAE-801F-3EFA7B99B021}" dt="2022-10-05T18:04:39.762" v="1413" actId="20577"/>
+          <ac:spMkLst>
+            <pc:docMk/>
+            <pc:sldMk cId="4137332662" sldId="265"/>
+            <ac:spMk id="28" creationId="{71DD8969-159A-661E-C6F7-DDFB1B537A91}"/>
+          </ac:spMkLst>
+        </pc:spChg>
+        <pc:spChg chg="add del">
+          <ac:chgData name="Eduardo Martín-Sonseca.Alonso" userId="044a8a39323ca9b2" providerId="LiveId" clId="{37839B77-9B63-4AAE-801F-3EFA7B99B021}" dt="2022-10-05T17:49:26.872" v="843" actId="26606"/>
+          <ac:spMkLst>
+            <pc:docMk/>
+            <pc:sldMk cId="4137332662" sldId="265"/>
+            <ac:spMk id="30" creationId="{8537B233-9CDD-4A90-AABB-A8963DEE4FBC}"/>
+          </ac:spMkLst>
+        </pc:spChg>
+        <pc:spChg chg="add del">
+          <ac:chgData name="Eduardo Martín-Sonseca.Alonso" userId="044a8a39323ca9b2" providerId="LiveId" clId="{37839B77-9B63-4AAE-801F-3EFA7B99B021}" dt="2022-10-05T17:55:13.263" v="1038" actId="22"/>
+          <ac:spMkLst>
+            <pc:docMk/>
+            <pc:sldMk cId="4137332662" sldId="265"/>
+            <ac:spMk id="31" creationId="{F85C1F48-5F2F-91AD-6E36-52A7BBC07C8A}"/>
+          </ac:spMkLst>
+        </pc:spChg>
+        <pc:spChg chg="add mod">
+          <ac:chgData name="Eduardo Martín-Sonseca.Alonso" userId="044a8a39323ca9b2" providerId="LiveId" clId="{37839B77-9B63-4AAE-801F-3EFA7B99B021}" dt="2022-10-05T18:04:42.873" v="1414" actId="20577"/>
+          <ac:spMkLst>
+            <pc:docMk/>
+            <pc:sldMk cId="4137332662" sldId="265"/>
+            <ac:spMk id="33" creationId="{DE956C8E-1F49-127B-D31A-7047D13A4C2E}"/>
+          </ac:spMkLst>
+        </pc:spChg>
+        <pc:spChg chg="add">
+          <ac:chgData name="Eduardo Martín-Sonseca.Alonso" userId="044a8a39323ca9b2" providerId="LiveId" clId="{37839B77-9B63-4AAE-801F-3EFA7B99B021}" dt="2022-10-05T17:49:26.903" v="844" actId="26606"/>
+          <ac:spMkLst>
+            <pc:docMk/>
+            <pc:sldMk cId="4137332662" sldId="265"/>
+            <ac:spMk id="34" creationId="{2C910467-8185-45DD-B8A2-A88DF20DF6E0}"/>
+          </ac:spMkLst>
+        </pc:spChg>
+        <pc:spChg chg="add">
+          <ac:chgData name="Eduardo Martín-Sonseca.Alonso" userId="044a8a39323ca9b2" providerId="LiveId" clId="{37839B77-9B63-4AAE-801F-3EFA7B99B021}" dt="2022-10-05T17:49:26.903" v="844" actId="26606"/>
+          <ac:spMkLst>
+            <pc:docMk/>
+            <pc:sldMk cId="4137332662" sldId="265"/>
+            <ac:spMk id="35" creationId="{CDA1A2E9-63FE-408D-A803-8E306ECAB4B3}"/>
+          </ac:spMkLst>
+        </pc:spChg>
+        <pc:spChg chg="add">
+          <ac:chgData name="Eduardo Martín-Sonseca.Alonso" userId="044a8a39323ca9b2" providerId="LiveId" clId="{37839B77-9B63-4AAE-801F-3EFA7B99B021}" dt="2022-10-05T17:49:26.903" v="844" actId="26606"/>
+          <ac:spMkLst>
+            <pc:docMk/>
+            <pc:sldMk cId="4137332662" sldId="265"/>
+            <ac:spMk id="36" creationId="{1A882A9F-F4E9-4E23-8F0B-20B5DF42EAA9}"/>
+          </ac:spMkLst>
+        </pc:spChg>
+        <pc:spChg chg="add">
+          <ac:chgData name="Eduardo Martín-Sonseca.Alonso" userId="044a8a39323ca9b2" providerId="LiveId" clId="{37839B77-9B63-4AAE-801F-3EFA7B99B021}" dt="2022-10-05T17:49:26.903" v="844" actId="26606"/>
+          <ac:spMkLst>
+            <pc:docMk/>
+            <pc:sldMk cId="4137332662" sldId="265"/>
+            <ac:spMk id="37" creationId="{FBE9F90C-C163-435B-9A68-D15C92D1CF2B}"/>
+          </ac:spMkLst>
+        </pc:spChg>
+        <pc:spChg chg="add mod">
+          <ac:chgData name="Eduardo Martín-Sonseca.Alonso" userId="044a8a39323ca9b2" providerId="LiveId" clId="{37839B77-9B63-4AAE-801F-3EFA7B99B021}" dt="2022-10-05T17:58:40.052" v="1214" actId="404"/>
+          <ac:spMkLst>
+            <pc:docMk/>
+            <pc:sldMk cId="4137332662" sldId="265"/>
+            <ac:spMk id="38" creationId="{CA4169E5-9120-9091-CC2A-25C84492C2F1}"/>
+          </ac:spMkLst>
+        </pc:spChg>
+        <pc:cxnChg chg="add del">
+          <ac:chgData name="Eduardo Martín-Sonseca.Alonso" userId="044a8a39323ca9b2" providerId="LiveId" clId="{37839B77-9B63-4AAE-801F-3EFA7B99B021}" dt="2022-10-05T17:47:04.581" v="822" actId="26606"/>
+          <ac:cxnSpMkLst>
+            <pc:docMk/>
+            <pc:sldMk cId="4137332662" sldId="265"/>
+            <ac:cxnSpMk id="11" creationId="{FC469874-256B-45B3-A79C-7591B4BA1ECC}"/>
+          </ac:cxnSpMkLst>
+        </pc:cxnChg>
+        <pc:cxnChg chg="add del">
+          <ac:chgData name="Eduardo Martín-Sonseca.Alonso" userId="044a8a39323ca9b2" providerId="LiveId" clId="{37839B77-9B63-4AAE-801F-3EFA7B99B021}" dt="2022-10-05T17:48:17.393" v="833" actId="26606"/>
+          <ac:cxnSpMkLst>
+            <pc:docMk/>
+            <pc:sldMk cId="4137332662" sldId="265"/>
+            <ac:cxnSpMk id="12" creationId="{F2AE495E-2AAF-4BC1-87A5-331009D82896}"/>
+          </ac:cxnSpMkLst>
+        </pc:cxnChg>
+        <pc:cxnChg chg="add del">
+          <ac:chgData name="Eduardo Martín-Sonseca.Alonso" userId="044a8a39323ca9b2" providerId="LiveId" clId="{37839B77-9B63-4AAE-801F-3EFA7B99B021}" dt="2022-10-05T17:47:46.647" v="828" actId="26606"/>
+          <ac:cxnSpMkLst>
+            <pc:docMk/>
+            <pc:sldMk cId="4137332662" sldId="265"/>
+            <ac:cxnSpMk id="19" creationId="{9A218DD6-0CC7-465B-B80F-747F97B4021F}"/>
+          </ac:cxnSpMkLst>
+        </pc:cxnChg>
+        <pc:cxnChg chg="add del">
+          <ac:chgData name="Eduardo Martín-Sonseca.Alonso" userId="044a8a39323ca9b2" providerId="LiveId" clId="{37839B77-9B63-4AAE-801F-3EFA7B99B021}" dt="2022-10-05T17:49:26.872" v="843" actId="26606"/>
+          <ac:cxnSpMkLst>
+            <pc:docMk/>
+            <pc:sldMk cId="4137332662" sldId="265"/>
+            <ac:cxnSpMk id="32" creationId="{040575EE-C594-4566-BC00-663004E52AB5}"/>
+          </ac:cxnSpMkLst>
+        </pc:cxnChg>
       </pc:sldChg>
-      <pc:sldChg chg="modSp">
-        <pc:chgData name="Eduardo Martín-Sonseca.Alonso" userId="044a8a39323ca9b2" providerId="LiveId" clId="{37839B77-9B63-4AAE-801F-3EFA7B99B021}" dt="2022-10-05T17:33:25.819" v="85"/>
+      <pc:sldChg chg="addSp delSp modSp del mod">
+        <pc:chgData name="Eduardo Martín-Sonseca.Alonso" userId="044a8a39323ca9b2" providerId="LiveId" clId="{37839B77-9B63-4AAE-801F-3EFA7B99B021}" dt="2022-10-05T18:30:39.830" v="3087" actId="47"/>
         <pc:sldMkLst>
           <pc:docMk/>
           <pc:sldMk cId="1986842871" sldId="266"/>
         </pc:sldMkLst>
+        <pc:spChg chg="add del mod">
+          <ac:chgData name="Eduardo Martín-Sonseca.Alonso" userId="044a8a39323ca9b2" providerId="LiveId" clId="{37839B77-9B63-4AAE-801F-3EFA7B99B021}" dt="2022-10-05T17:50:05.042" v="852" actId="478"/>
+          <ac:spMkLst>
+            <pc:docMk/>
+            <pc:sldMk cId="1986842871" sldId="266"/>
+            <ac:spMk id="2" creationId="{F0C22993-4CD9-EBAF-934E-DB27FCD13528}"/>
+          </ac:spMkLst>
+        </pc:spChg>
         <pc:spChg chg="mod">
           <ac:chgData name="Eduardo Martín-Sonseca.Alonso" userId="044a8a39323ca9b2" providerId="LiveId" clId="{37839B77-9B63-4AAE-801F-3EFA7B99B021}" dt="2022-10-05T17:33:25.819" v="85"/>
           <ac:spMkLst>
             <pc:docMk/>
             <pc:sldMk cId="1986842871" sldId="266"/>
-            <ac:spMk id="2" creationId="{F0C22993-4CD9-EBAF-934E-DB27FCD13528}"/>
-          </ac:spMkLst>
-        </pc:spChg>
-        <pc:spChg chg="mod">
-          <ac:chgData name="Eduardo Martín-Sonseca.Alonso" userId="044a8a39323ca9b2" providerId="LiveId" clId="{37839B77-9B63-4AAE-801F-3EFA7B99B021}" dt="2022-10-05T17:33:25.819" v="85"/>
+            <ac:spMk id="3" creationId="{00F9F412-0DEC-BB8A-A779-2A4092B186BE}"/>
+          </ac:spMkLst>
+        </pc:spChg>
+        <pc:spChg chg="add del mod">
+          <ac:chgData name="Eduardo Martín-Sonseca.Alonso" userId="044a8a39323ca9b2" providerId="LiveId" clId="{37839B77-9B63-4AAE-801F-3EFA7B99B021}" dt="2022-10-05T17:50:13.792" v="853" actId="21"/>
           <ac:spMkLst>
             <pc:docMk/>
             <pc:sldMk cId="1986842871" sldId="266"/>
-            <ac:spMk id="3" creationId="{00F9F412-0DEC-BB8A-A779-2A4092B186BE}"/>
+            <ac:spMk id="5" creationId="{C563AFCC-40F6-F39C-A219-1887C68AAC3A}"/>
+          </ac:spMkLst>
+        </pc:spChg>
+        <pc:spChg chg="add del mod">
+          <ac:chgData name="Eduardo Martín-Sonseca.Alonso" userId="044a8a39323ca9b2" providerId="LiveId" clId="{37839B77-9B63-4AAE-801F-3EFA7B99B021}" dt="2022-10-05T17:50:13.792" v="853" actId="21"/>
+          <ac:spMkLst>
+            <pc:docMk/>
+            <pc:sldMk cId="1986842871" sldId="266"/>
+            <ac:spMk id="6" creationId="{F0B328CB-B0CF-A792-2845-505DF487E672}"/>
+          </ac:spMkLst>
+        </pc:spChg>
+        <pc:spChg chg="add del mod">
+          <ac:chgData name="Eduardo Martín-Sonseca.Alonso" userId="044a8a39323ca9b2" providerId="LiveId" clId="{37839B77-9B63-4AAE-801F-3EFA7B99B021}" dt="2022-10-05T17:50:05.042" v="852" actId="478"/>
+          <ac:spMkLst>
+            <pc:docMk/>
+            <pc:sldMk cId="1986842871" sldId="266"/>
+            <ac:spMk id="8" creationId="{7AD29718-E66A-A633-77C8-5BF212C44625}"/>
           </ac:spMkLst>
         </pc:spChg>
       </pc:sldChg>
-      <pc:sldChg chg="modSp">
-        <pc:chgData name="Eduardo Martín-Sonseca.Alonso" userId="044a8a39323ca9b2" providerId="LiveId" clId="{37839B77-9B63-4AAE-801F-3EFA7B99B021}" dt="2022-10-05T17:33:25.819" v="85"/>
+      <pc:sldChg chg="addSp delSp modSp mod setBg delAnim modAnim">
+        <pc:chgData name="Eduardo Martín-Sonseca.Alonso" userId="044a8a39323ca9b2" providerId="LiveId" clId="{37839B77-9B63-4AAE-801F-3EFA7B99B021}" dt="2022-10-05T18:38:16.884" v="3193" actId="14100"/>
         <pc:sldMkLst>
           <pc:docMk/>
           <pc:sldMk cId="147166308" sldId="267"/>
         </pc:sldMkLst>
-        <pc:spChg chg="mod">
-          <ac:chgData name="Eduardo Martín-Sonseca.Alonso" userId="044a8a39323ca9b2" providerId="LiveId" clId="{37839B77-9B63-4AAE-801F-3EFA7B99B021}" dt="2022-10-05T17:33:25.819" v="85"/>
+        <pc:spChg chg="mod ord">
+          <ac:chgData name="Eduardo Martín-Sonseca.Alonso" userId="044a8a39323ca9b2" providerId="LiveId" clId="{37839B77-9B63-4AAE-801F-3EFA7B99B021}" dt="2022-10-05T18:37:29.938" v="3184" actId="26606"/>
           <ac:spMkLst>
             <pc:docMk/>
             <pc:sldMk cId="147166308" sldId="267"/>
             <ac:spMk id="2" creationId="{AF782538-6BA3-40E9-97C7-BA07F82D710C}"/>
           </ac:spMkLst>
         </pc:spChg>
-        <pc:spChg chg="mod">
-          <ac:chgData name="Eduardo Martín-Sonseca.Alonso" userId="044a8a39323ca9b2" providerId="LiveId" clId="{37839B77-9B63-4AAE-801F-3EFA7B99B021}" dt="2022-10-05T17:33:25.819" v="85"/>
+        <pc:spChg chg="del mod">
+          <ac:chgData name="Eduardo Martín-Sonseca.Alonso" userId="044a8a39323ca9b2" providerId="LiveId" clId="{37839B77-9B63-4AAE-801F-3EFA7B99B021}" dt="2022-10-05T18:34:22.831" v="3157" actId="478"/>
           <ac:spMkLst>
             <pc:docMk/>
             <pc:sldMk cId="147166308" sldId="267"/>
             <ac:spMk id="3" creationId="{C852E464-83C1-F6D1-E15D-28524028C9F1}"/>
           </ac:spMkLst>
         </pc:spChg>
+        <pc:spChg chg="del mod ord">
+          <ac:chgData name="Eduardo Martín-Sonseca.Alonso" userId="044a8a39323ca9b2" providerId="LiveId" clId="{37839B77-9B63-4AAE-801F-3EFA7B99B021}" dt="2022-10-05T18:37:34.368" v="3185" actId="478"/>
+          <ac:spMkLst>
+            <pc:docMk/>
+            <pc:sldMk cId="147166308" sldId="267"/>
+            <ac:spMk id="4" creationId="{458A7921-403F-ED21-3E2F-51270E6BAA2B}"/>
+          </ac:spMkLst>
+        </pc:spChg>
+        <pc:spChg chg="add mod">
+          <ac:chgData name="Eduardo Martín-Sonseca.Alonso" userId="044a8a39323ca9b2" providerId="LiveId" clId="{37839B77-9B63-4AAE-801F-3EFA7B99B021}" dt="2022-10-05T18:38:16.884" v="3193" actId="14100"/>
+          <ac:spMkLst>
+            <pc:docMk/>
+            <pc:sldMk cId="147166308" sldId="267"/>
+            <ac:spMk id="6" creationId="{96F7F26F-F2C6-7957-FF63-E74B3106DDED}"/>
+          </ac:spMkLst>
+        </pc:spChg>
+        <pc:spChg chg="add mod">
+          <ac:chgData name="Eduardo Martín-Sonseca.Alonso" userId="044a8a39323ca9b2" providerId="LiveId" clId="{37839B77-9B63-4AAE-801F-3EFA7B99B021}" dt="2022-10-05T18:37:45.374" v="3186"/>
+          <ac:spMkLst>
+            <pc:docMk/>
+            <pc:sldMk cId="147166308" sldId="267"/>
+            <ac:spMk id="7" creationId="{4D1FE0E6-D1CE-E33F-24E6-CB73D732F6F7}"/>
+          </ac:spMkLst>
+        </pc:spChg>
+        <pc:spChg chg="add">
+          <ac:chgData name="Eduardo Martín-Sonseca.Alonso" userId="044a8a39323ca9b2" providerId="LiveId" clId="{37839B77-9B63-4AAE-801F-3EFA7B99B021}" dt="2022-10-05T18:37:29.938" v="3184" actId="26606"/>
+          <ac:spMkLst>
+            <pc:docMk/>
+            <pc:sldMk cId="147166308" sldId="267"/>
+            <ac:spMk id="11" creationId="{4281BC32-FF58-4898-A6B5-7B3D059BCEB0}"/>
+          </ac:spMkLst>
+        </pc:spChg>
+        <pc:spChg chg="add">
+          <ac:chgData name="Eduardo Martín-Sonseca.Alonso" userId="044a8a39323ca9b2" providerId="LiveId" clId="{37839B77-9B63-4AAE-801F-3EFA7B99B021}" dt="2022-10-05T18:37:29.938" v="3184" actId="26606"/>
+          <ac:spMkLst>
+            <pc:docMk/>
+            <pc:sldMk cId="147166308" sldId="267"/>
+            <ac:spMk id="13" creationId="{0D614406-135F-4875-9C87-53822CB19ABB}"/>
+          </ac:spMkLst>
+        </pc:spChg>
+        <pc:spChg chg="add">
+          <ac:chgData name="Eduardo Martín-Sonseca.Alonso" userId="044a8a39323ca9b2" providerId="LiveId" clId="{37839B77-9B63-4AAE-801F-3EFA7B99B021}" dt="2022-10-05T18:37:29.938" v="3184" actId="26606"/>
+          <ac:spMkLst>
+            <pc:docMk/>
+            <pc:sldMk cId="147166308" sldId="267"/>
+            <ac:spMk id="15" creationId="{A47020BD-3785-4628-8C5E-A4011B43EF88}"/>
+          </ac:spMkLst>
+        </pc:spChg>
       </pc:sldChg>
-      <pc:sldChg chg="modSp">
-        <pc:chgData name="Eduardo Martín-Sonseca.Alonso" userId="044a8a39323ca9b2" providerId="LiveId" clId="{37839B77-9B63-4AAE-801F-3EFA7B99B021}" dt="2022-10-05T17:33:25.819" v="85"/>
+      <pc:sldChg chg="modSp del">
+        <pc:chgData name="Eduardo Martín-Sonseca.Alonso" userId="044a8a39323ca9b2" providerId="LiveId" clId="{37839B77-9B63-4AAE-801F-3EFA7B99B021}" dt="2022-10-05T18:05:09.514" v="1415" actId="47"/>
         <pc:sldMkLst>
           <pc:docMk/>
           <pc:sldMk cId="2542492578" sldId="268"/>
@@ -4983,26 +5322,74 @@
           </ac:spMkLst>
         </pc:spChg>
       </pc:sldChg>
-      <pc:sldChg chg="modSp">
-        <pc:chgData name="Eduardo Martín-Sonseca.Alonso" userId="044a8a39323ca9b2" providerId="LiveId" clId="{37839B77-9B63-4AAE-801F-3EFA7B99B021}" dt="2022-10-05T17:33:25.819" v="85"/>
+      <pc:sldChg chg="addSp delSp modSp mod setBg">
+        <pc:chgData name="Eduardo Martín-Sonseca.Alonso" userId="044a8a39323ca9b2" providerId="LiveId" clId="{37839B77-9B63-4AAE-801F-3EFA7B99B021}" dt="2022-10-05T18:38:56.239" v="3197" actId="14100"/>
         <pc:sldMkLst>
           <pc:docMk/>
           <pc:sldMk cId="2049985783" sldId="269"/>
         </pc:sldMkLst>
         <pc:spChg chg="mod">
-          <ac:chgData name="Eduardo Martín-Sonseca.Alonso" userId="044a8a39323ca9b2" providerId="LiveId" clId="{37839B77-9B63-4AAE-801F-3EFA7B99B021}" dt="2022-10-05T17:33:25.819" v="85"/>
+          <ac:chgData name="Eduardo Martín-Sonseca.Alonso" userId="044a8a39323ca9b2" providerId="LiveId" clId="{37839B77-9B63-4AAE-801F-3EFA7B99B021}" dt="2022-10-05T18:38:50.542" v="3196" actId="26606"/>
           <ac:spMkLst>
             <pc:docMk/>
             <pc:sldMk cId="2049985783" sldId="269"/>
             <ac:spMk id="2" creationId="{C72BE69A-9CC3-B6DB-D96B-D5B859E8B1E0}"/>
           </ac:spMkLst>
         </pc:spChg>
-        <pc:spChg chg="mod">
-          <ac:chgData name="Eduardo Martín-Sonseca.Alonso" userId="044a8a39323ca9b2" providerId="LiveId" clId="{37839B77-9B63-4AAE-801F-3EFA7B99B021}" dt="2022-10-05T17:33:25.819" v="85"/>
+        <pc:spChg chg="del mod">
+          <ac:chgData name="Eduardo Martín-Sonseca.Alonso" userId="044a8a39323ca9b2" providerId="LiveId" clId="{37839B77-9B63-4AAE-801F-3EFA7B99B021}" dt="2022-10-05T18:38:40.760" v="3194" actId="478"/>
           <ac:spMkLst>
             <pc:docMk/>
             <pc:sldMk cId="2049985783" sldId="269"/>
             <ac:spMk id="3" creationId="{C99A62D3-153B-DF03-D089-BF6ACF462784}"/>
+          </ac:spMkLst>
+        </pc:spChg>
+        <pc:spChg chg="ord">
+          <ac:chgData name="Eduardo Martín-Sonseca.Alonso" userId="044a8a39323ca9b2" providerId="LiveId" clId="{37839B77-9B63-4AAE-801F-3EFA7B99B021}" dt="2022-10-05T18:38:50.542" v="3196" actId="26606"/>
+          <ac:spMkLst>
+            <pc:docMk/>
+            <pc:sldMk cId="2049985783" sldId="269"/>
+            <ac:spMk id="4" creationId="{DD183648-FD5B-F4B3-C1E9-1BEB2C4915DD}"/>
+          </ac:spMkLst>
+        </pc:spChg>
+        <pc:spChg chg="add mod">
+          <ac:chgData name="Eduardo Martín-Sonseca.Alonso" userId="044a8a39323ca9b2" providerId="LiveId" clId="{37839B77-9B63-4AAE-801F-3EFA7B99B021}" dt="2022-10-05T18:38:56.239" v="3197" actId="14100"/>
+          <ac:spMkLst>
+            <pc:docMk/>
+            <pc:sldMk cId="2049985783" sldId="269"/>
+            <ac:spMk id="6" creationId="{3A214500-B530-2654-9FC2-679349A85AB5}"/>
+          </ac:spMkLst>
+        </pc:spChg>
+        <pc:spChg chg="add">
+          <ac:chgData name="Eduardo Martín-Sonseca.Alonso" userId="044a8a39323ca9b2" providerId="LiveId" clId="{37839B77-9B63-4AAE-801F-3EFA7B99B021}" dt="2022-10-05T18:38:50.542" v="3196" actId="26606"/>
+          <ac:spMkLst>
+            <pc:docMk/>
+            <pc:sldMk cId="2049985783" sldId="269"/>
+            <ac:spMk id="11" creationId="{C2554CA6-288E-4202-BC52-2E5A8F0C0AED}"/>
+          </ac:spMkLst>
+        </pc:spChg>
+        <pc:spChg chg="add">
+          <ac:chgData name="Eduardo Martín-Sonseca.Alonso" userId="044a8a39323ca9b2" providerId="LiveId" clId="{37839B77-9B63-4AAE-801F-3EFA7B99B021}" dt="2022-10-05T18:38:50.542" v="3196" actId="26606"/>
+          <ac:spMkLst>
+            <pc:docMk/>
+            <pc:sldMk cId="2049985783" sldId="269"/>
+            <ac:spMk id="13" creationId="{B10BB131-AC8E-4A8E-A5D1-36260F720C3B}"/>
+          </ac:spMkLst>
+        </pc:spChg>
+        <pc:spChg chg="add">
+          <ac:chgData name="Eduardo Martín-Sonseca.Alonso" userId="044a8a39323ca9b2" providerId="LiveId" clId="{37839B77-9B63-4AAE-801F-3EFA7B99B021}" dt="2022-10-05T18:38:50.542" v="3196" actId="26606"/>
+          <ac:spMkLst>
+            <pc:docMk/>
+            <pc:sldMk cId="2049985783" sldId="269"/>
+            <ac:spMk id="15" creationId="{5B7778FC-632E-4DCA-A7CB-0D7731CCF970}"/>
+          </ac:spMkLst>
+        </pc:spChg>
+        <pc:spChg chg="add">
+          <ac:chgData name="Eduardo Martín-Sonseca.Alonso" userId="044a8a39323ca9b2" providerId="LiveId" clId="{37839B77-9B63-4AAE-801F-3EFA7B99B021}" dt="2022-10-05T18:38:50.542" v="3196" actId="26606"/>
+          <ac:spMkLst>
+            <pc:docMk/>
+            <pc:sldMk cId="2049985783" sldId="269"/>
+            <ac:spMk id="17" creationId="{FA23A907-97FB-4A8F-880A-DD77401C4296}"/>
           </ac:spMkLst>
         </pc:spChg>
       </pc:sldChg>
@@ -5163,6 +5550,375 @@
             <pc:docMk/>
             <pc:sldMk cId="3340421590" sldId="277"/>
             <ac:spMk id="3" creationId="{FDA276B4-AFA8-445E-BF46-D797C1B3F0B0}"/>
+          </ac:spMkLst>
+        </pc:spChg>
+      </pc:sldChg>
+      <pc:sldChg chg="delSp modSp add mod">
+        <pc:chgData name="Eduardo Martín-Sonseca.Alonso" userId="044a8a39323ca9b2" providerId="LiveId" clId="{37839B77-9B63-4AAE-801F-3EFA7B99B021}" dt="2022-10-05T18:09:24.673" v="1694" actId="1076"/>
+        <pc:sldMkLst>
+          <pc:docMk/>
+          <pc:sldMk cId="316164814" sldId="278"/>
+        </pc:sldMkLst>
+        <pc:spChg chg="mod">
+          <ac:chgData name="Eduardo Martín-Sonseca.Alonso" userId="044a8a39323ca9b2" providerId="LiveId" clId="{37839B77-9B63-4AAE-801F-3EFA7B99B021}" dt="2022-10-05T18:09:24.673" v="1694" actId="1076"/>
+          <ac:spMkLst>
+            <pc:docMk/>
+            <pc:sldMk cId="316164814" sldId="278"/>
+            <ac:spMk id="5" creationId="{4C43AC7E-1E6A-A806-6F01-694C1FEAE49C}"/>
+          </ac:spMkLst>
+        </pc:spChg>
+        <pc:spChg chg="del">
+          <ac:chgData name="Eduardo Martín-Sonseca.Alonso" userId="044a8a39323ca9b2" providerId="LiveId" clId="{37839B77-9B63-4AAE-801F-3EFA7B99B021}" dt="2022-10-05T17:59:34.480" v="1230" actId="478"/>
+          <ac:spMkLst>
+            <pc:docMk/>
+            <pc:sldMk cId="316164814" sldId="278"/>
+            <ac:spMk id="28" creationId="{71DD8969-159A-661E-C6F7-DDFB1B537A91}"/>
+          </ac:spMkLst>
+        </pc:spChg>
+        <pc:spChg chg="del">
+          <ac:chgData name="Eduardo Martín-Sonseca.Alonso" userId="044a8a39323ca9b2" providerId="LiveId" clId="{37839B77-9B63-4AAE-801F-3EFA7B99B021}" dt="2022-10-05T17:59:36.211" v="1231" actId="478"/>
+          <ac:spMkLst>
+            <pc:docMk/>
+            <pc:sldMk cId="316164814" sldId="278"/>
+            <ac:spMk id="33" creationId="{DE956C8E-1F49-127B-D31A-7047D13A4C2E}"/>
+          </ac:spMkLst>
+        </pc:spChg>
+        <pc:spChg chg="mod">
+          <ac:chgData name="Eduardo Martín-Sonseca.Alonso" userId="044a8a39323ca9b2" providerId="LiveId" clId="{37839B77-9B63-4AAE-801F-3EFA7B99B021}" dt="2022-10-05T17:59:22.318" v="1229" actId="20577"/>
+          <ac:spMkLst>
+            <pc:docMk/>
+            <pc:sldMk cId="316164814" sldId="278"/>
+            <ac:spMk id="38" creationId="{CA4169E5-9120-9091-CC2A-25C84492C2F1}"/>
+          </ac:spMkLst>
+        </pc:spChg>
+      </pc:sldChg>
+      <pc:sldChg chg="delSp add del setBg delDesignElem">
+        <pc:chgData name="Eduardo Martín-Sonseca.Alonso" userId="044a8a39323ca9b2" providerId="LiveId" clId="{37839B77-9B63-4AAE-801F-3EFA7B99B021}" dt="2022-10-05T17:59:03.400" v="1217" actId="47"/>
+        <pc:sldMkLst>
+          <pc:docMk/>
+          <pc:sldMk cId="1121417007" sldId="278"/>
+        </pc:sldMkLst>
+        <pc:spChg chg="del">
+          <ac:chgData name="Eduardo Martín-Sonseca.Alonso" userId="044a8a39323ca9b2" providerId="LiveId" clId="{37839B77-9B63-4AAE-801F-3EFA7B99B021}" dt="2022-10-05T17:58:58.992" v="1216"/>
+          <ac:spMkLst>
+            <pc:docMk/>
+            <pc:sldMk cId="1121417007" sldId="278"/>
+            <ac:spMk id="34" creationId="{2C910467-8185-45DD-B8A2-A88DF20DF6E0}"/>
+          </ac:spMkLst>
+        </pc:spChg>
+        <pc:spChg chg="del">
+          <ac:chgData name="Eduardo Martín-Sonseca.Alonso" userId="044a8a39323ca9b2" providerId="LiveId" clId="{37839B77-9B63-4AAE-801F-3EFA7B99B021}" dt="2022-10-05T17:58:58.992" v="1216"/>
+          <ac:spMkLst>
+            <pc:docMk/>
+            <pc:sldMk cId="1121417007" sldId="278"/>
+            <ac:spMk id="35" creationId="{CDA1A2E9-63FE-408D-A803-8E306ECAB4B3}"/>
+          </ac:spMkLst>
+        </pc:spChg>
+        <pc:spChg chg="del">
+          <ac:chgData name="Eduardo Martín-Sonseca.Alonso" userId="044a8a39323ca9b2" providerId="LiveId" clId="{37839B77-9B63-4AAE-801F-3EFA7B99B021}" dt="2022-10-05T17:58:58.992" v="1216"/>
+          <ac:spMkLst>
+            <pc:docMk/>
+            <pc:sldMk cId="1121417007" sldId="278"/>
+            <ac:spMk id="36" creationId="{1A882A9F-F4E9-4E23-8F0B-20B5DF42EAA9}"/>
+          </ac:spMkLst>
+        </pc:spChg>
+        <pc:spChg chg="del">
+          <ac:chgData name="Eduardo Martín-Sonseca.Alonso" userId="044a8a39323ca9b2" providerId="LiveId" clId="{37839B77-9B63-4AAE-801F-3EFA7B99B021}" dt="2022-10-05T17:58:58.992" v="1216"/>
+          <ac:spMkLst>
+            <pc:docMk/>
+            <pc:sldMk cId="1121417007" sldId="278"/>
+            <ac:spMk id="37" creationId="{FBE9F90C-C163-435B-9A68-D15C92D1CF2B}"/>
+          </ac:spMkLst>
+        </pc:spChg>
+      </pc:sldChg>
+      <pc:sldChg chg="addSp delSp add del setBg delDesignElem">
+        <pc:chgData name="Eduardo Martín-Sonseca.Alonso" userId="044a8a39323ca9b2" providerId="LiveId" clId="{37839B77-9B63-4AAE-801F-3EFA7B99B021}" dt="2022-10-05T17:57:27.233" v="1166"/>
+        <pc:sldMkLst>
+          <pc:docMk/>
+          <pc:sldMk cId="1224739728" sldId="278"/>
+        </pc:sldMkLst>
+        <pc:spChg chg="add del">
+          <ac:chgData name="Eduardo Martín-Sonseca.Alonso" userId="044a8a39323ca9b2" providerId="LiveId" clId="{37839B77-9B63-4AAE-801F-3EFA7B99B021}" dt="2022-10-05T17:57:27.233" v="1166"/>
+          <ac:spMkLst>
+            <pc:docMk/>
+            <pc:sldMk cId="1224739728" sldId="278"/>
+            <ac:spMk id="34" creationId="{2C910467-8185-45DD-B8A2-A88DF20DF6E0}"/>
+          </ac:spMkLst>
+        </pc:spChg>
+        <pc:spChg chg="add del">
+          <ac:chgData name="Eduardo Martín-Sonseca.Alonso" userId="044a8a39323ca9b2" providerId="LiveId" clId="{37839B77-9B63-4AAE-801F-3EFA7B99B021}" dt="2022-10-05T17:57:27.233" v="1166"/>
+          <ac:spMkLst>
+            <pc:docMk/>
+            <pc:sldMk cId="1224739728" sldId="278"/>
+            <ac:spMk id="35" creationId="{CDA1A2E9-63FE-408D-A803-8E306ECAB4B3}"/>
+          </ac:spMkLst>
+        </pc:spChg>
+        <pc:spChg chg="add del">
+          <ac:chgData name="Eduardo Martín-Sonseca.Alonso" userId="044a8a39323ca9b2" providerId="LiveId" clId="{37839B77-9B63-4AAE-801F-3EFA7B99B021}" dt="2022-10-05T17:57:27.233" v="1166"/>
+          <ac:spMkLst>
+            <pc:docMk/>
+            <pc:sldMk cId="1224739728" sldId="278"/>
+            <ac:spMk id="36" creationId="{1A882A9F-F4E9-4E23-8F0B-20B5DF42EAA9}"/>
+          </ac:spMkLst>
+        </pc:spChg>
+        <pc:spChg chg="add del">
+          <ac:chgData name="Eduardo Martín-Sonseca.Alonso" userId="044a8a39323ca9b2" providerId="LiveId" clId="{37839B77-9B63-4AAE-801F-3EFA7B99B021}" dt="2022-10-05T17:57:27.233" v="1166"/>
+          <ac:spMkLst>
+            <pc:docMk/>
+            <pc:sldMk cId="1224739728" sldId="278"/>
+            <ac:spMk id="37" creationId="{FBE9F90C-C163-435B-9A68-D15C92D1CF2B}"/>
+          </ac:spMkLst>
+        </pc:spChg>
+      </pc:sldChg>
+      <pc:sldChg chg="addSp delSp modSp add mod modAnim">
+        <pc:chgData name="Eduardo Martín-Sonseca.Alonso" userId="044a8a39323ca9b2" providerId="LiveId" clId="{37839B77-9B63-4AAE-801F-3EFA7B99B021}" dt="2022-10-05T18:04:11.877" v="1364" actId="1036"/>
+        <pc:sldMkLst>
+          <pc:docMk/>
+          <pc:sldMk cId="1742839268" sldId="279"/>
+        </pc:sldMkLst>
+        <pc:spChg chg="add mod">
+          <ac:chgData name="Eduardo Martín-Sonseca.Alonso" userId="044a8a39323ca9b2" providerId="LiveId" clId="{37839B77-9B63-4AAE-801F-3EFA7B99B021}" dt="2022-10-05T18:03:13.947" v="1307" actId="20577"/>
+          <ac:spMkLst>
+            <pc:docMk/>
+            <pc:sldMk cId="1742839268" sldId="279"/>
+            <ac:spMk id="4" creationId="{F51D6295-97C2-8AE6-70F1-9E4E399E67E6}"/>
+          </ac:spMkLst>
+        </pc:spChg>
+        <pc:spChg chg="del">
+          <ac:chgData name="Eduardo Martín-Sonseca.Alonso" userId="044a8a39323ca9b2" providerId="LiveId" clId="{37839B77-9B63-4AAE-801F-3EFA7B99B021}" dt="2022-10-05T18:02:04.407" v="1274" actId="478"/>
+          <ac:spMkLst>
+            <pc:docMk/>
+            <pc:sldMk cId="1742839268" sldId="279"/>
+            <ac:spMk id="5" creationId="{4C43AC7E-1E6A-A806-6F01-694C1FEAE49C}"/>
+          </ac:spMkLst>
+        </pc:spChg>
+        <pc:spChg chg="add mod">
+          <ac:chgData name="Eduardo Martín-Sonseca.Alonso" userId="044a8a39323ca9b2" providerId="LiveId" clId="{37839B77-9B63-4AAE-801F-3EFA7B99B021}" dt="2022-10-05T18:04:11.877" v="1364" actId="1036"/>
+          <ac:spMkLst>
+            <pc:docMk/>
+            <pc:sldMk cId="1742839268" sldId="279"/>
+            <ac:spMk id="7" creationId="{97C76C38-C8FF-F7CA-5D4C-0F59DF619C6A}"/>
+          </ac:spMkLst>
+        </pc:spChg>
+        <pc:spChg chg="mod">
+          <ac:chgData name="Eduardo Martín-Sonseca.Alonso" userId="044a8a39323ca9b2" providerId="LiveId" clId="{37839B77-9B63-4AAE-801F-3EFA7B99B021}" dt="2022-10-05T18:01:47.553" v="1273" actId="1076"/>
+          <ac:spMkLst>
+            <pc:docMk/>
+            <pc:sldMk cId="1742839268" sldId="279"/>
+            <ac:spMk id="38" creationId="{CA4169E5-9120-9091-CC2A-25C84492C2F1}"/>
+          </ac:spMkLst>
+        </pc:spChg>
+      </pc:sldChg>
+      <pc:sldChg chg="addSp delSp modSp add mod">
+        <pc:chgData name="Eduardo Martín-Sonseca.Alonso" userId="044a8a39323ca9b2" providerId="LiveId" clId="{37839B77-9B63-4AAE-801F-3EFA7B99B021}" dt="2022-10-05T18:21:50.708" v="2548" actId="14100"/>
+        <pc:sldMkLst>
+          <pc:docMk/>
+          <pc:sldMk cId="3883349450" sldId="280"/>
+        </pc:sldMkLst>
+        <pc:spChg chg="mod">
+          <ac:chgData name="Eduardo Martín-Sonseca.Alonso" userId="044a8a39323ca9b2" providerId="LiveId" clId="{37839B77-9B63-4AAE-801F-3EFA7B99B021}" dt="2022-10-05T18:18:47.101" v="2349" actId="403"/>
+          <ac:spMkLst>
+            <pc:docMk/>
+            <pc:sldMk cId="3883349450" sldId="280"/>
+            <ac:spMk id="4" creationId="{F51D6295-97C2-8AE6-70F1-9E4E399E67E6}"/>
+          </ac:spMkLst>
+        </pc:spChg>
+        <pc:spChg chg="add mod">
+          <ac:chgData name="Eduardo Martín-Sonseca.Alonso" userId="044a8a39323ca9b2" providerId="LiveId" clId="{37839B77-9B63-4AAE-801F-3EFA7B99B021}" dt="2022-10-05T18:19:13.723" v="2355" actId="1076"/>
+          <ac:spMkLst>
+            <pc:docMk/>
+            <pc:sldMk cId="3883349450" sldId="280"/>
+            <ac:spMk id="5" creationId="{F66509A1-CE9E-11C9-7CBF-66896160AFDD}"/>
+          </ac:spMkLst>
+        </pc:spChg>
+        <pc:spChg chg="del">
+          <ac:chgData name="Eduardo Martín-Sonseca.Alonso" userId="044a8a39323ca9b2" providerId="LiveId" clId="{37839B77-9B63-4AAE-801F-3EFA7B99B021}" dt="2022-10-05T18:06:33.389" v="1441" actId="478"/>
+          <ac:spMkLst>
+            <pc:docMk/>
+            <pc:sldMk cId="3883349450" sldId="280"/>
+            <ac:spMk id="7" creationId="{97C76C38-C8FF-F7CA-5D4C-0F59DF619C6A}"/>
+          </ac:spMkLst>
+        </pc:spChg>
+        <pc:spChg chg="add mod">
+          <ac:chgData name="Eduardo Martín-Sonseca.Alonso" userId="044a8a39323ca9b2" providerId="LiveId" clId="{37839B77-9B63-4AAE-801F-3EFA7B99B021}" dt="2022-10-05T18:19:19.518" v="2356" actId="1076"/>
+          <ac:spMkLst>
+            <pc:docMk/>
+            <pc:sldMk cId="3883349450" sldId="280"/>
+            <ac:spMk id="8" creationId="{B00BDDAF-B4CF-36B9-8161-81CCC351A1F9}"/>
+          </ac:spMkLst>
+        </pc:spChg>
+        <pc:spChg chg="add mod">
+          <ac:chgData name="Eduardo Martín-Sonseca.Alonso" userId="044a8a39323ca9b2" providerId="LiveId" clId="{37839B77-9B63-4AAE-801F-3EFA7B99B021}" dt="2022-10-05T18:19:23.839" v="2357" actId="1076"/>
+          <ac:spMkLst>
+            <pc:docMk/>
+            <pc:sldMk cId="3883349450" sldId="280"/>
+            <ac:spMk id="10" creationId="{5AB6A6EE-E3F2-AFD8-2C2B-09DEFB1D2687}"/>
+          </ac:spMkLst>
+        </pc:spChg>
+        <pc:spChg chg="add mod">
+          <ac:chgData name="Eduardo Martín-Sonseca.Alonso" userId="044a8a39323ca9b2" providerId="LiveId" clId="{37839B77-9B63-4AAE-801F-3EFA7B99B021}" dt="2022-10-05T18:21:50.708" v="2548" actId="14100"/>
+          <ac:spMkLst>
+            <pc:docMk/>
+            <pc:sldMk cId="3883349450" sldId="280"/>
+            <ac:spMk id="12" creationId="{FA9D423B-92DA-CF0D-86F3-06F3548E0219}"/>
+          </ac:spMkLst>
+        </pc:spChg>
+        <pc:spChg chg="mod">
+          <ac:chgData name="Eduardo Martín-Sonseca.Alonso" userId="044a8a39323ca9b2" providerId="LiveId" clId="{37839B77-9B63-4AAE-801F-3EFA7B99B021}" dt="2022-10-05T18:10:08.533" v="1707" actId="20577"/>
+          <ac:spMkLst>
+            <pc:docMk/>
+            <pc:sldMk cId="3883349450" sldId="280"/>
+            <ac:spMk id="38" creationId="{CA4169E5-9120-9091-CC2A-25C84492C2F1}"/>
+          </ac:spMkLst>
+        </pc:spChg>
+      </pc:sldChg>
+      <pc:sldChg chg="addSp delSp modSp add mod modAnim">
+        <pc:chgData name="Eduardo Martín-Sonseca.Alonso" userId="044a8a39323ca9b2" providerId="LiveId" clId="{37839B77-9B63-4AAE-801F-3EFA7B99B021}" dt="2022-10-05T18:33:11.995" v="3140" actId="113"/>
+        <pc:sldMkLst>
+          <pc:docMk/>
+          <pc:sldMk cId="613202933" sldId="281"/>
+        </pc:sldMkLst>
+        <pc:spChg chg="mod">
+          <ac:chgData name="Eduardo Martín-Sonseca.Alonso" userId="044a8a39323ca9b2" providerId="LiveId" clId="{37839B77-9B63-4AAE-801F-3EFA7B99B021}" dt="2022-10-05T18:30:58.659" v="3088" actId="1076"/>
+          <ac:spMkLst>
+            <pc:docMk/>
+            <pc:sldMk cId="613202933" sldId="281"/>
+            <ac:spMk id="4" creationId="{F51D6295-97C2-8AE6-70F1-9E4E399E67E6}"/>
+          </ac:spMkLst>
+        </pc:spChg>
+        <pc:spChg chg="mod">
+          <ac:chgData name="Eduardo Martín-Sonseca.Alonso" userId="044a8a39323ca9b2" providerId="LiveId" clId="{37839B77-9B63-4AAE-801F-3EFA7B99B021}" dt="2022-10-05T18:31:13.673" v="3089" actId="1076"/>
+          <ac:spMkLst>
+            <pc:docMk/>
+            <pc:sldMk cId="613202933" sldId="281"/>
+            <ac:spMk id="5" creationId="{F66509A1-CE9E-11C9-7CBF-66896160AFDD}"/>
+          </ac:spMkLst>
+        </pc:spChg>
+        <pc:spChg chg="add del mod">
+          <ac:chgData name="Eduardo Martín-Sonseca.Alonso" userId="044a8a39323ca9b2" providerId="LiveId" clId="{37839B77-9B63-4AAE-801F-3EFA7B99B021}" dt="2022-10-05T18:32:06.840" v="3109" actId="478"/>
+          <ac:spMkLst>
+            <pc:docMk/>
+            <pc:sldMk cId="613202933" sldId="281"/>
+            <ac:spMk id="6" creationId="{7393B6D2-6E5C-4C3B-4B27-696178BD2A37}"/>
+          </ac:spMkLst>
+        </pc:spChg>
+        <pc:spChg chg="add mod">
+          <ac:chgData name="Eduardo Martín-Sonseca.Alonso" userId="044a8a39323ca9b2" providerId="LiveId" clId="{37839B77-9B63-4AAE-801F-3EFA7B99B021}" dt="2022-10-05T18:33:11.995" v="3140" actId="113"/>
+          <ac:spMkLst>
+            <pc:docMk/>
+            <pc:sldMk cId="613202933" sldId="281"/>
+            <ac:spMk id="7" creationId="{9125BEFB-4299-C316-B927-85086C122959}"/>
+          </ac:spMkLst>
+        </pc:spChg>
+        <pc:spChg chg="mod">
+          <ac:chgData name="Eduardo Martín-Sonseca.Alonso" userId="044a8a39323ca9b2" providerId="LiveId" clId="{37839B77-9B63-4AAE-801F-3EFA7B99B021}" dt="2022-10-05T18:31:13.673" v="3089" actId="1076"/>
+          <ac:spMkLst>
+            <pc:docMk/>
+            <pc:sldMk cId="613202933" sldId="281"/>
+            <ac:spMk id="8" creationId="{B00BDDAF-B4CF-36B9-8161-81CCC351A1F9}"/>
+          </ac:spMkLst>
+        </pc:spChg>
+        <pc:spChg chg="mod">
+          <ac:chgData name="Eduardo Martín-Sonseca.Alonso" userId="044a8a39323ca9b2" providerId="LiveId" clId="{37839B77-9B63-4AAE-801F-3EFA7B99B021}" dt="2022-10-05T18:31:13.673" v="3089" actId="1076"/>
+          <ac:spMkLst>
+            <pc:docMk/>
+            <pc:sldMk cId="613202933" sldId="281"/>
+            <ac:spMk id="10" creationId="{5AB6A6EE-E3F2-AFD8-2C2B-09DEFB1D2687}"/>
+          </ac:spMkLst>
+        </pc:spChg>
+        <pc:spChg chg="mod">
+          <ac:chgData name="Eduardo Martín-Sonseca.Alonso" userId="044a8a39323ca9b2" providerId="LiveId" clId="{37839B77-9B63-4AAE-801F-3EFA7B99B021}" dt="2022-10-05T18:31:19.409" v="3090" actId="1076"/>
+          <ac:spMkLst>
+            <pc:docMk/>
+            <pc:sldMk cId="613202933" sldId="281"/>
+            <ac:spMk id="12" creationId="{FA9D423B-92DA-CF0D-86F3-06F3548E0219}"/>
+          </ac:spMkLst>
+        </pc:spChg>
+        <pc:spChg chg="mod">
+          <ac:chgData name="Eduardo Martín-Sonseca.Alonso" userId="044a8a39323ca9b2" providerId="LiveId" clId="{37839B77-9B63-4AAE-801F-3EFA7B99B021}" dt="2022-10-05T18:22:31.788" v="2563" actId="20577"/>
+          <ac:spMkLst>
+            <pc:docMk/>
+            <pc:sldMk cId="613202933" sldId="281"/>
+            <ac:spMk id="38" creationId="{CA4169E5-9120-9091-CC2A-25C84492C2F1}"/>
+          </ac:spMkLst>
+        </pc:spChg>
+      </pc:sldChg>
+      <pc:sldChg chg="addSp delSp modSp new mod setBg delAnim modAnim">
+        <pc:chgData name="Eduardo Martín-Sonseca.Alonso" userId="044a8a39323ca9b2" providerId="LiveId" clId="{37839B77-9B63-4AAE-801F-3EFA7B99B021}" dt="2022-10-05T18:36:27.621" v="3176"/>
+        <pc:sldMkLst>
+          <pc:docMk/>
+          <pc:sldMk cId="339404012" sldId="282"/>
+        </pc:sldMkLst>
+        <pc:spChg chg="mod ord">
+          <ac:chgData name="Eduardo Martín-Sonseca.Alonso" userId="044a8a39323ca9b2" providerId="LiveId" clId="{37839B77-9B63-4AAE-801F-3EFA7B99B021}" dt="2022-10-05T18:36:06.132" v="3174" actId="26606"/>
+          <ac:spMkLst>
+            <pc:docMk/>
+            <pc:sldMk cId="339404012" sldId="282"/>
+            <ac:spMk id="2" creationId="{62F8E520-52DC-0807-E034-7790173089E5}"/>
+          </ac:spMkLst>
+        </pc:spChg>
+        <pc:spChg chg="del">
+          <ac:chgData name="Eduardo Martín-Sonseca.Alonso" userId="044a8a39323ca9b2" providerId="LiveId" clId="{37839B77-9B63-4AAE-801F-3EFA7B99B021}" dt="2022-10-05T18:34:06.428" v="3155" actId="478"/>
+          <ac:spMkLst>
+            <pc:docMk/>
+            <pc:sldMk cId="339404012" sldId="282"/>
+            <ac:spMk id="3" creationId="{EE428212-286B-B783-56FA-332B28C1D02E}"/>
+          </ac:spMkLst>
+        </pc:spChg>
+        <pc:spChg chg="add del mod ord">
+          <ac:chgData name="Eduardo Martín-Sonseca.Alonso" userId="044a8a39323ca9b2" providerId="LiveId" clId="{37839B77-9B63-4AAE-801F-3EFA7B99B021}" dt="2022-10-05T18:36:13.652" v="3175" actId="478"/>
+          <ac:spMkLst>
+            <pc:docMk/>
+            <pc:sldMk cId="339404012" sldId="282"/>
+            <ac:spMk id="4" creationId="{5EF66986-A67D-FE57-A060-36076BD211DD}"/>
+          </ac:spMkLst>
+        </pc:spChg>
+        <pc:spChg chg="add del mod">
+          <ac:chgData name="Eduardo Martín-Sonseca.Alonso" userId="044a8a39323ca9b2" providerId="LiveId" clId="{37839B77-9B63-4AAE-801F-3EFA7B99B021}" dt="2022-10-05T18:35:24.760" v="3165" actId="478"/>
+          <ac:spMkLst>
+            <pc:docMk/>
+            <pc:sldMk cId="339404012" sldId="282"/>
+            <ac:spMk id="6" creationId="{E0DF5209-599B-F0CC-BD64-B5CF9423BB59}"/>
+          </ac:spMkLst>
+        </pc:spChg>
+        <pc:spChg chg="add mod">
+          <ac:chgData name="Eduardo Martín-Sonseca.Alonso" userId="044a8a39323ca9b2" providerId="LiveId" clId="{37839B77-9B63-4AAE-801F-3EFA7B99B021}" dt="2022-10-05T18:36:06.132" v="3174" actId="26606"/>
+          <ac:spMkLst>
+            <pc:docMk/>
+            <pc:sldMk cId="339404012" sldId="282"/>
+            <ac:spMk id="8" creationId="{5CE639B4-4005-E7BB-E84A-9A2596C1C72D}"/>
+          </ac:spMkLst>
+        </pc:spChg>
+        <pc:spChg chg="add mod">
+          <ac:chgData name="Eduardo Martín-Sonseca.Alonso" userId="044a8a39323ca9b2" providerId="LiveId" clId="{37839B77-9B63-4AAE-801F-3EFA7B99B021}" dt="2022-10-05T18:36:27.621" v="3176"/>
+          <ac:spMkLst>
+            <pc:docMk/>
+            <pc:sldMk cId="339404012" sldId="282"/>
+            <ac:spMk id="9" creationId="{2C3D27E8-C7AC-D100-AC43-992D28FC520C}"/>
+          </ac:spMkLst>
+        </pc:spChg>
+        <pc:spChg chg="add">
+          <ac:chgData name="Eduardo Martín-Sonseca.Alonso" userId="044a8a39323ca9b2" providerId="LiveId" clId="{37839B77-9B63-4AAE-801F-3EFA7B99B021}" dt="2022-10-05T18:36:06.132" v="3174" actId="26606"/>
+          <ac:spMkLst>
+            <pc:docMk/>
+            <pc:sldMk cId="339404012" sldId="282"/>
+            <ac:spMk id="13" creationId="{4281BC32-FF58-4898-A6B5-7B3D059BCEB0}"/>
+          </ac:spMkLst>
+        </pc:spChg>
+        <pc:spChg chg="add">
+          <ac:chgData name="Eduardo Martín-Sonseca.Alonso" userId="044a8a39323ca9b2" providerId="LiveId" clId="{37839B77-9B63-4AAE-801F-3EFA7B99B021}" dt="2022-10-05T18:36:06.132" v="3174" actId="26606"/>
+          <ac:spMkLst>
+            <pc:docMk/>
+            <pc:sldMk cId="339404012" sldId="282"/>
+            <ac:spMk id="15" creationId="{0D614406-135F-4875-9C87-53822CB19ABB}"/>
+          </ac:spMkLst>
+        </pc:spChg>
+        <pc:spChg chg="add">
+          <ac:chgData name="Eduardo Martín-Sonseca.Alonso" userId="044a8a39323ca9b2" providerId="LiveId" clId="{37839B77-9B63-4AAE-801F-3EFA7B99B021}" dt="2022-10-05T18:36:06.132" v="3174" actId="26606"/>
+          <ac:spMkLst>
+            <pc:docMk/>
+            <pc:sldMk cId="339404012" sldId="282"/>
+            <ac:spMk id="17" creationId="{A47020BD-3785-4628-8C5E-A4011B43EF88}"/>
           </ac:spMkLst>
         </pc:spChg>
       </pc:sldChg>
@@ -9424,6 +10180,14 @@
 <file path=ppt/slides/slide10.xml><?xml version="1.0" encoding="utf-8"?>
 <p:sld xmlns:a="http://schemas.openxmlformats.org/drawingml/2006/main" xmlns:r="http://schemas.openxmlformats.org/officeDocument/2006/relationships" xmlns:p="http://schemas.openxmlformats.org/presentationml/2006/main">
   <p:cSld>
+    <p:bg>
+      <p:bgPr>
+        <a:solidFill>
+          <a:schemeClr val="bg1"/>
+        </a:solidFill>
+        <a:effectLst/>
+      </p:bgPr>
+    </p:bg>
     <p:spTree>
       <p:nvGrpSpPr>
         <p:cNvPr id="1" name=""/>
@@ -9440,10 +10204,102 @@
       </p:grpSpPr>
       <p:sp>
         <p:nvSpPr>
+          <p:cNvPr id="35" name="Rectangle 29">
+            <a:extLst>
+              <a:ext uri="{FF2B5EF4-FFF2-40B4-BE49-F238E27FC236}">
+                <a16:creationId xmlns:a16="http://schemas.microsoft.com/office/drawing/2014/main" id="{CDA1A2E9-63FE-408D-A803-8E306ECAB4B3}"/>
+              </a:ext>
+              <a:ext uri="{C183D7F6-B498-43B3-948B-1728B52AA6E4}">
+                <adec:decorative xmlns:adec="http://schemas.microsoft.com/office/drawing/2017/decorative" val="1"/>
+              </a:ext>
+            </a:extLst>
+          </p:cNvPr>
+          <p:cNvSpPr>
+            <a:spLocks noGrp="1" noRot="1" noChangeAspect="1" noMove="1" noResize="1" noEditPoints="1" noAdjustHandles="1" noChangeArrowheads="1" noChangeShapeType="1" noTextEdit="1"/>
+          </p:cNvSpPr>
+          <p:nvPr>
+            <p:extLst>
+              <p:ext uri="{386F3935-93C4-4BCD-93E2-E3B085C9AB24}">
+                <p16:designElem xmlns:p16="http://schemas.microsoft.com/office/powerpoint/2015/main" val="1"/>
+              </p:ext>
+            </p:extLst>
+          </p:nvPr>
+        </p:nvSpPr>
+        <p:spPr>
+          <a:xfrm>
+            <a:off x="462058" y="450220"/>
+            <a:ext cx="3904488" cy="4233672"/>
+          </a:xfrm>
+          <a:prstGeom prst="rect">
+            <a:avLst/>
+          </a:prstGeom>
+          <a:solidFill>
+            <a:srgbClr val="595959"/>
+          </a:solidFill>
+          <a:ln w="25400">
+            <a:noFill/>
+          </a:ln>
+        </p:spPr>
+        <p:style>
+          <a:lnRef idx="2">
+            <a:schemeClr val="accent1">
+              <a:shade val="50000"/>
+            </a:schemeClr>
+          </a:lnRef>
+          <a:fillRef idx="1">
+            <a:schemeClr val="accent1"/>
+          </a:fillRef>
+          <a:effectRef idx="0">
+            <a:schemeClr val="accent1"/>
+          </a:effectRef>
+          <a:fontRef idx="minor">
+            <a:schemeClr val="lt1"/>
+          </a:fontRef>
+        </p:style>
+        <p:txBody>
+          <a:bodyPr rtlCol="0" anchor="ctr"/>
+          <a:lstStyle/>
+          <a:p>
+            <a:pPr marL="0" marR="0" lvl="0" indent="0" algn="ctr" defTabSz="914400" rtl="0" eaLnBrk="1" fontAlgn="auto" latinLnBrk="0" hangingPunct="1">
+              <a:lnSpc>
+                <a:spcPct val="100000"/>
+              </a:lnSpc>
+              <a:spcBef>
+                <a:spcPts val="0"/>
+              </a:spcBef>
+              <a:spcAft>
+                <a:spcPts val="0"/>
+              </a:spcAft>
+              <a:buClrTx/>
+              <a:buSzTx/>
+              <a:buFontTx/>
+              <a:buNone/>
+              <a:tabLst/>
+              <a:defRPr/>
+            </a:pPr>
+            <a:endParaRPr kumimoji="0" lang="en-US" sz="1800" b="0" i="0" u="none" strike="noStrike" kern="1200" cap="none" spc="0" normalizeH="0" baseline="0" noProof="0">
+              <a:ln>
+                <a:noFill/>
+              </a:ln>
+              <a:solidFill>
+                <a:srgbClr val="404040"/>
+              </a:solidFill>
+              <a:effectLst/>
+              <a:uLnTx/>
+              <a:uFillTx/>
+              <a:latin typeface="Calibri" panose="020F0502020204030204"/>
+              <a:ea typeface="+mn-ea"/>
+              <a:cs typeface="+mn-cs"/>
+            </a:endParaRPr>
+          </a:p>
+        </p:txBody>
+      </p:sp>
+      <p:sp>
+        <p:nvSpPr>
           <p:cNvPr id="2" name="Título 1">
             <a:extLst>
               <a:ext uri="{FF2B5EF4-FFF2-40B4-BE49-F238E27FC236}">
-                <a16:creationId xmlns:a16="http://schemas.microsoft.com/office/drawing/2014/main" id="{F0C22993-4CD9-EBAF-934E-DB27FCD13528}"/>
+                <a16:creationId xmlns:a16="http://schemas.microsoft.com/office/drawing/2014/main" id="{2A7DC3FE-66EB-750C-3214-9159D346F772}"/>
               </a:ext>
             </a:extLst>
           </p:cNvPr>
@@ -9454,50 +10310,132 @@
             <p:ph type="title"/>
           </p:nvPr>
         </p:nvSpPr>
-        <p:spPr/>
+        <p:spPr>
+          <a:xfrm>
+            <a:off x="731520" y="1115568"/>
+            <a:ext cx="3364992" cy="2843784"/>
+          </a:xfrm>
+        </p:spPr>
         <p:txBody>
-          <a:bodyPr/>
+          <a:bodyPr vert="horz" lIns="91440" tIns="45720" rIns="91440" bIns="45720" rtlCol="0" anchor="ctr">
+            <a:normAutofit/>
+          </a:bodyPr>
           <a:lstStyle/>
           <a:p>
-            <a:pPr algn="ctr"/>
-            <a:r>
-              <a:rPr lang="es-ES" dirty="0"/>
-              <a:t>BENEFICIOS DEL BIG DATA</a:t>
+            <a:r>
+              <a:rPr lang="en-US" sz="2400" kern="1200" dirty="0">
+                <a:solidFill>
+                  <a:srgbClr val="FFFFFF"/>
+                </a:solidFill>
+                <a:latin typeface="+mj-lt"/>
+                <a:ea typeface="+mj-ea"/>
+                <a:cs typeface="+mj-cs"/>
+              </a:rPr>
+              <a:t>FUNCIONAMIENTO</a:t>
             </a:r>
           </a:p>
         </p:txBody>
       </p:sp>
       <p:sp>
         <p:nvSpPr>
-          <p:cNvPr id="3" name="Marcador de contenido 2">
+          <p:cNvPr id="37" name="Rectangle 31">
             <a:extLst>
               <a:ext uri="{FF2B5EF4-FFF2-40B4-BE49-F238E27FC236}">
-                <a16:creationId xmlns:a16="http://schemas.microsoft.com/office/drawing/2014/main" id="{00F9F412-0DEC-BB8A-A779-2A4092B186BE}"/>
+                <a16:creationId xmlns:a16="http://schemas.microsoft.com/office/drawing/2014/main" id="{FBE9F90C-C163-435B-9A68-D15C92D1CF2B}"/>
+              </a:ext>
+              <a:ext uri="{C183D7F6-B498-43B3-948B-1728B52AA6E4}">
+                <adec:decorative xmlns:adec="http://schemas.microsoft.com/office/drawing/2017/decorative" val="1"/>
               </a:ext>
             </a:extLst>
           </p:cNvPr>
           <p:cNvSpPr>
-            <a:spLocks noGrp="1"/>
+            <a:spLocks noGrp="1" noRot="1" noChangeAspect="1" noMove="1" noResize="1" noEditPoints="1" noAdjustHandles="1" noChangeArrowheads="1" noChangeShapeType="1" noTextEdit="1"/>
           </p:cNvSpPr>
           <p:nvPr>
-            <p:ph idx="1"/>
+            <p:extLst>
+              <p:ext uri="{386F3935-93C4-4BCD-93E2-E3B085C9AB24}">
+                <p16:designElem xmlns:p16="http://schemas.microsoft.com/office/powerpoint/2015/main" val="1"/>
+              </p:ext>
+            </p:extLst>
           </p:nvPr>
         </p:nvSpPr>
-        <p:spPr/>
+        <p:spPr>
+          <a:xfrm>
+            <a:off x="466344" y="4846320"/>
+            <a:ext cx="2395728" cy="1563624"/>
+          </a:xfrm>
+          <a:prstGeom prst="rect">
+            <a:avLst/>
+          </a:prstGeom>
+          <a:solidFill>
+            <a:schemeClr val="accent1">
+              <a:alpha val="94902"/>
+            </a:schemeClr>
+          </a:solidFill>
+          <a:ln w="25400">
+            <a:noFill/>
+          </a:ln>
+        </p:spPr>
+        <p:style>
+          <a:lnRef idx="2">
+            <a:schemeClr val="accent1">
+              <a:shade val="50000"/>
+            </a:schemeClr>
+          </a:lnRef>
+          <a:fillRef idx="1">
+            <a:schemeClr val="accent1"/>
+          </a:fillRef>
+          <a:effectRef idx="0">
+            <a:schemeClr val="accent1"/>
+          </a:effectRef>
+          <a:fontRef idx="minor">
+            <a:schemeClr val="lt1"/>
+          </a:fontRef>
+        </p:style>
         <p:txBody>
-          <a:bodyPr/>
+          <a:bodyPr rtlCol="0" anchor="ctr"/>
           <a:lstStyle/>
           <a:p>
-            <a:endParaRPr lang="es-ES"/>
+            <a:pPr marL="0" marR="0" lvl="0" indent="0" algn="ctr" defTabSz="914400" rtl="0" eaLnBrk="1" fontAlgn="auto" latinLnBrk="0" hangingPunct="1">
+              <a:lnSpc>
+                <a:spcPct val="100000"/>
+              </a:lnSpc>
+              <a:spcBef>
+                <a:spcPts val="0"/>
+              </a:spcBef>
+              <a:spcAft>
+                <a:spcPts val="0"/>
+              </a:spcAft>
+              <a:buClrTx/>
+              <a:buSzTx/>
+              <a:buFontTx/>
+              <a:buNone/>
+              <a:tabLst/>
+              <a:defRPr/>
+            </a:pPr>
+            <a:endParaRPr kumimoji="0" lang="en-US" sz="1800" b="0" i="0" u="none" strike="noStrike" kern="1200" cap="none" spc="0" normalizeH="0" baseline="0" noProof="0">
+              <a:ln>
+                <a:noFill/>
+              </a:ln>
+              <a:solidFill>
+                <a:srgbClr val="FFFFFF"/>
+              </a:solidFill>
+              <a:effectLst/>
+              <a:uLnTx/>
+              <a:uFillTx/>
+              <a:latin typeface="Calibri" panose="020F0502020204030204"/>
+              <a:ea typeface="+mn-ea"/>
+              <a:cs typeface="+mn-cs"/>
+            </a:endParaRPr>
           </a:p>
         </p:txBody>
       </p:sp>
       <p:sp>
         <p:nvSpPr>
-          <p:cNvPr id="4" name="Título 1">
+          <p:cNvPr id="25" name="Título 1">
             <a:extLst>
               <a:ext uri="{FF2B5EF4-FFF2-40B4-BE49-F238E27FC236}">
-                <a16:creationId xmlns:a16="http://schemas.microsoft.com/office/drawing/2014/main" id="{EEC22C99-7282-A5BD-FD99-9AA99FF036C0}"/>
+                <a16:creationId xmlns:a16="http://schemas.microsoft.com/office/drawing/2014/main" id="{A7DE5D37-8AA9-8EF9-EECC-6BBE4B884199}"/>
               </a:ext>
             </a:extLst>
           </p:cNvPr>
@@ -9508,16 +10446,679 @@
         </p:nvSpPr>
         <p:spPr>
           <a:xfrm>
-            <a:off x="6893043" y="5952744"/>
-            <a:ext cx="5298957" cy="770619"/>
+            <a:off x="731520" y="5120640"/>
+            <a:ext cx="1828800" cy="1024128"/>
           </a:xfrm>
           <a:prstGeom prst="rect">
             <a:avLst/>
           </a:prstGeom>
         </p:spPr>
         <p:txBody>
-          <a:bodyPr vert="horz" lIns="91440" tIns="45720" rIns="91440" bIns="45720" rtlCol="0" anchor="b">
+          <a:bodyPr vert="horz" lIns="91440" tIns="45720" rIns="91440" bIns="45720" rtlCol="0" anchor="ctr">
+            <a:normAutofit/>
+          </a:bodyPr>
+          <a:lstStyle>
+            <a:lvl1pPr algn="l" defTabSz="914400" rtl="0" eaLnBrk="1" latinLnBrk="0" hangingPunct="1">
+              <a:lnSpc>
+                <a:spcPct val="90000"/>
+              </a:lnSpc>
+              <a:spcBef>
+                <a:spcPct val="0"/>
+              </a:spcBef>
+              <a:buNone/>
+              <a:defRPr sz="4400" kern="1200">
+                <a:solidFill>
+                  <a:schemeClr val="tx1"/>
+                </a:solidFill>
+                <a:latin typeface="+mj-lt"/>
+                <a:ea typeface="+mj-ea"/>
+                <a:cs typeface="+mj-cs"/>
+              </a:defRPr>
+            </a:lvl1pPr>
+          </a:lstStyle>
+          <a:p>
+            <a:pPr>
+              <a:spcBef>
+                <a:spcPts val="1000"/>
+              </a:spcBef>
+              <a:spcAft>
+                <a:spcPts val="600"/>
+              </a:spcAft>
+            </a:pPr>
+            <a:r>
+              <a:rPr lang="en-US" sz="1000" b="1" kern="1200">
+                <a:solidFill>
+                  <a:srgbClr val="FFFFFF"/>
+                </a:solidFill>
+                <a:latin typeface="+mn-lt"/>
+                <a:ea typeface="+mn-ea"/>
+                <a:cs typeface="+mn-cs"/>
+              </a:rPr>
+              <a:t>EDUARDO MARTÍN-SONSECA</a:t>
+            </a:r>
+            <a:br>
+              <a:rPr lang="en-US" sz="1000" b="1" kern="1200">
+                <a:solidFill>
+                  <a:srgbClr val="FFFFFF"/>
+                </a:solidFill>
+                <a:latin typeface="+mn-lt"/>
+                <a:ea typeface="+mn-ea"/>
+                <a:cs typeface="+mn-cs"/>
+              </a:rPr>
+            </a:br>
+            <a:r>
+              <a:rPr lang="en-US" sz="1000" b="1" kern="1200">
+                <a:solidFill>
+                  <a:srgbClr val="FFFFFF"/>
+                </a:solidFill>
+                <a:latin typeface="+mn-lt"/>
+                <a:ea typeface="+mn-ea"/>
+                <a:cs typeface="+mn-cs"/>
+              </a:rPr>
+              <a:t>LUIS FERNANDEZ CASTELO</a:t>
+            </a:r>
+            <a:br>
+              <a:rPr lang="en-US" sz="1000" b="1" kern="1200">
+                <a:solidFill>
+                  <a:srgbClr val="FFFFFF"/>
+                </a:solidFill>
+                <a:latin typeface="+mn-lt"/>
+                <a:ea typeface="+mn-ea"/>
+                <a:cs typeface="+mn-cs"/>
+              </a:rPr>
+            </a:br>
+            <a:r>
+              <a:rPr lang="en-US" sz="1000" b="1" kern="1200">
+                <a:solidFill>
+                  <a:srgbClr val="FFFFFF"/>
+                </a:solidFill>
+                <a:latin typeface="+mn-lt"/>
+                <a:ea typeface="+mn-ea"/>
+                <a:cs typeface="+mn-cs"/>
+              </a:rPr>
+              <a:t>1º DESARROLLO DE APLICACIONES MULTIPLATAFORMA</a:t>
+            </a:r>
+            <a:endParaRPr lang="en-US" sz="1000" kern="1200">
+              <a:solidFill>
+                <a:srgbClr val="FFFFFF"/>
+              </a:solidFill>
+              <a:latin typeface="+mn-lt"/>
+              <a:ea typeface="+mn-ea"/>
+              <a:cs typeface="+mn-cs"/>
+            </a:endParaRPr>
+          </a:p>
+        </p:txBody>
+      </p:sp>
+      <p:sp>
+        <p:nvSpPr>
+          <p:cNvPr id="34" name="Rectangle 33">
+            <a:extLst>
+              <a:ext uri="{FF2B5EF4-FFF2-40B4-BE49-F238E27FC236}">
+                <a16:creationId xmlns:a16="http://schemas.microsoft.com/office/drawing/2014/main" id="{2C910467-8185-45DD-B8A2-A88DF20DF6E0}"/>
+              </a:ext>
+              <a:ext uri="{C183D7F6-B498-43B3-948B-1728B52AA6E4}">
+                <adec:decorative xmlns:adec="http://schemas.microsoft.com/office/drawing/2017/decorative" val="1"/>
+              </a:ext>
+            </a:extLst>
+          </p:cNvPr>
+          <p:cNvSpPr>
+            <a:spLocks noGrp="1" noRot="1" noChangeAspect="1" noMove="1" noResize="1" noEditPoints="1" noAdjustHandles="1" noChangeArrowheads="1" noChangeShapeType="1" noTextEdit="1"/>
+          </p:cNvSpPr>
+          <p:nvPr>
+            <p:extLst>
+              <p:ext uri="{386F3935-93C4-4BCD-93E2-E3B085C9AB24}">
+                <p16:designElem xmlns:p16="http://schemas.microsoft.com/office/powerpoint/2015/main" val="1"/>
+              </p:ext>
+            </p:extLst>
+          </p:nvPr>
+        </p:nvSpPr>
+        <p:spPr>
+          <a:xfrm>
+            <a:off x="4521995" y="450221"/>
+            <a:ext cx="7207948" cy="5948859"/>
+          </a:xfrm>
+          <a:prstGeom prst="rect">
+            <a:avLst/>
+          </a:prstGeom>
+          <a:solidFill>
+            <a:srgbClr val="7F7F7F">
+              <a:alpha val="24000"/>
+            </a:srgbClr>
+          </a:solidFill>
+          <a:ln w="25400">
+            <a:noFill/>
+          </a:ln>
+        </p:spPr>
+        <p:style>
+          <a:lnRef idx="2">
+            <a:schemeClr val="accent1">
+              <a:shade val="50000"/>
+            </a:schemeClr>
+          </a:lnRef>
+          <a:fillRef idx="1">
+            <a:schemeClr val="accent1"/>
+          </a:fillRef>
+          <a:effectRef idx="0">
+            <a:schemeClr val="accent1"/>
+          </a:effectRef>
+          <a:fontRef idx="minor">
+            <a:schemeClr val="lt1"/>
+          </a:fontRef>
+        </p:style>
+        <p:txBody>
+          <a:bodyPr rtlCol="0" anchor="ctr"/>
+          <a:lstStyle/>
+          <a:p>
+            <a:pPr marL="0" marR="0" lvl="0" indent="0" algn="ctr" defTabSz="914400" rtl="0" eaLnBrk="1" fontAlgn="auto" latinLnBrk="0" hangingPunct="1">
+              <a:lnSpc>
+                <a:spcPct val="100000"/>
+              </a:lnSpc>
+              <a:spcBef>
+                <a:spcPts val="0"/>
+              </a:spcBef>
+              <a:spcAft>
+                <a:spcPts val="0"/>
+              </a:spcAft>
+              <a:buClrTx/>
+              <a:buSzTx/>
+              <a:buFontTx/>
+              <a:buNone/>
+              <a:tabLst/>
+              <a:defRPr/>
+            </a:pPr>
+            <a:endParaRPr kumimoji="0" lang="en-US" sz="1800" b="0" i="0" u="none" strike="noStrike" kern="1200" cap="none" spc="0" normalizeH="0" baseline="0" noProof="0">
+              <a:ln>
+                <a:noFill/>
+              </a:ln>
+              <a:solidFill>
+                <a:srgbClr val="FFFFFF"/>
+              </a:solidFill>
+              <a:effectLst/>
+              <a:uLnTx/>
+              <a:uFillTx/>
+              <a:latin typeface="Calibri" panose="020F0502020204030204"/>
+              <a:ea typeface="+mn-ea"/>
+              <a:cs typeface="+mn-cs"/>
+            </a:endParaRPr>
+          </a:p>
+        </p:txBody>
+      </p:sp>
+      <p:sp>
+        <p:nvSpPr>
+          <p:cNvPr id="36" name="Rectangle 35">
+            <a:extLst>
+              <a:ext uri="{FF2B5EF4-FFF2-40B4-BE49-F238E27FC236}">
+                <a16:creationId xmlns:a16="http://schemas.microsoft.com/office/drawing/2014/main" id="{1A882A9F-F4E9-4E23-8F0B-20B5DF42EAA9}"/>
+              </a:ext>
+              <a:ext uri="{C183D7F6-B498-43B3-948B-1728B52AA6E4}">
+                <adec:decorative xmlns:adec="http://schemas.microsoft.com/office/drawing/2017/decorative" val="1"/>
+              </a:ext>
+            </a:extLst>
+          </p:cNvPr>
+          <p:cNvSpPr>
+            <a:spLocks noGrp="1" noRot="1" noChangeAspect="1" noMove="1" noResize="1" noEditPoints="1" noAdjustHandles="1" noChangeArrowheads="1" noChangeShapeType="1" noTextEdit="1"/>
+          </p:cNvSpPr>
+          <p:nvPr>
+            <p:extLst>
+              <p:ext uri="{386F3935-93C4-4BCD-93E2-E3B085C9AB24}">
+                <p16:designElem xmlns:p16="http://schemas.microsoft.com/office/powerpoint/2015/main" val="1"/>
+              </p:ext>
+            </p:extLst>
+          </p:nvPr>
+        </p:nvSpPr>
+        <p:spPr>
+          <a:xfrm>
+            <a:off x="3017520" y="4835010"/>
+            <a:ext cx="1349026" cy="1572768"/>
+          </a:xfrm>
+          <a:prstGeom prst="rect">
+            <a:avLst/>
+          </a:prstGeom>
+          <a:solidFill>
+            <a:srgbClr val="A5A5A5"/>
+          </a:solidFill>
+          <a:ln w="25400">
+            <a:noFill/>
+          </a:ln>
+        </p:spPr>
+        <p:style>
+          <a:lnRef idx="2">
+            <a:schemeClr val="accent1">
+              <a:shade val="50000"/>
+            </a:schemeClr>
+          </a:lnRef>
+          <a:fillRef idx="1">
+            <a:schemeClr val="accent1"/>
+          </a:fillRef>
+          <a:effectRef idx="0">
+            <a:schemeClr val="accent1"/>
+          </a:effectRef>
+          <a:fontRef idx="minor">
+            <a:schemeClr val="lt1"/>
+          </a:fontRef>
+        </p:style>
+        <p:txBody>
+          <a:bodyPr rtlCol="0" anchor="ctr"/>
+          <a:lstStyle/>
+          <a:p>
+            <a:pPr marL="0" marR="0" lvl="0" indent="0" algn="ctr" defTabSz="914400" rtl="0" eaLnBrk="1" fontAlgn="auto" latinLnBrk="0" hangingPunct="1">
+              <a:lnSpc>
+                <a:spcPct val="100000"/>
+              </a:lnSpc>
+              <a:spcBef>
+                <a:spcPts val="0"/>
+              </a:spcBef>
+              <a:spcAft>
+                <a:spcPts val="0"/>
+              </a:spcAft>
+              <a:buClrTx/>
+              <a:buSzTx/>
+              <a:buFontTx/>
+              <a:buNone/>
+              <a:tabLst/>
+              <a:defRPr/>
+            </a:pPr>
+            <a:endParaRPr kumimoji="0" lang="en-US" sz="1800" b="0" i="0" u="none" strike="noStrike" kern="1200" cap="none" spc="0" normalizeH="0" baseline="0" noProof="0">
+              <a:ln>
+                <a:noFill/>
+              </a:ln>
+              <a:solidFill>
+                <a:srgbClr val="FFFFFF"/>
+              </a:solidFill>
+              <a:effectLst/>
+              <a:uLnTx/>
+              <a:uFillTx/>
+              <a:latin typeface="Calibri" panose="020F0502020204030204"/>
+              <a:ea typeface="+mn-ea"/>
+              <a:cs typeface="+mn-cs"/>
+            </a:endParaRPr>
+          </a:p>
+        </p:txBody>
+      </p:sp>
+      <p:sp>
+        <p:nvSpPr>
+          <p:cNvPr id="5" name="Marcador de contenido 2">
+            <a:extLst>
+              <a:ext uri="{FF2B5EF4-FFF2-40B4-BE49-F238E27FC236}">
+                <a16:creationId xmlns:a16="http://schemas.microsoft.com/office/drawing/2014/main" id="{4C43AC7E-1E6A-A806-6F01-694C1FEAE49C}"/>
+              </a:ext>
+            </a:extLst>
+          </p:cNvPr>
+          <p:cNvSpPr txBox="1">
+            <a:spLocks/>
+          </p:cNvSpPr>
+          <p:nvPr/>
+        </p:nvSpPr>
+        <p:spPr>
+          <a:xfrm>
+            <a:off x="4921009" y="2267823"/>
+            <a:ext cx="6409919" cy="2313654"/>
+          </a:xfrm>
+          <a:prstGeom prst="rect">
+            <a:avLst/>
+          </a:prstGeom>
+        </p:spPr>
+        <p:txBody>
+          <a:bodyPr vert="horz" lIns="91440" tIns="45720" rIns="91440" bIns="45720" rtlCol="0" anchor="ctr">
             <a:noAutofit/>
+          </a:bodyPr>
+          <a:lstStyle>
+            <a:lvl1pPr marL="228600" indent="-228600" algn="l" defTabSz="914400" rtl="0" eaLnBrk="1" latinLnBrk="0" hangingPunct="1">
+              <a:lnSpc>
+                <a:spcPct val="90000"/>
+              </a:lnSpc>
+              <a:spcBef>
+                <a:spcPts val="1000"/>
+              </a:spcBef>
+              <a:buFont typeface="Arial" panose="020B0604020202020204" pitchFamily="34" charset="0"/>
+              <a:buChar char="•"/>
+              <a:defRPr sz="2800" kern="1200">
+                <a:solidFill>
+                  <a:schemeClr val="tx1"/>
+                </a:solidFill>
+                <a:latin typeface="+mn-lt"/>
+                <a:ea typeface="+mn-ea"/>
+                <a:cs typeface="+mn-cs"/>
+              </a:defRPr>
+            </a:lvl1pPr>
+            <a:lvl2pPr marL="685800" indent="-228600" algn="l" defTabSz="914400" rtl="0" eaLnBrk="1" latinLnBrk="0" hangingPunct="1">
+              <a:lnSpc>
+                <a:spcPct val="90000"/>
+              </a:lnSpc>
+              <a:spcBef>
+                <a:spcPts val="500"/>
+              </a:spcBef>
+              <a:buFont typeface="Arial" panose="020B0604020202020204" pitchFamily="34" charset="0"/>
+              <a:buChar char="•"/>
+              <a:defRPr sz="2400" kern="1200">
+                <a:solidFill>
+                  <a:schemeClr val="tx1"/>
+                </a:solidFill>
+                <a:latin typeface="+mn-lt"/>
+                <a:ea typeface="+mn-ea"/>
+                <a:cs typeface="+mn-cs"/>
+              </a:defRPr>
+            </a:lvl2pPr>
+            <a:lvl3pPr marL="1143000" indent="-228600" algn="l" defTabSz="914400" rtl="0" eaLnBrk="1" latinLnBrk="0" hangingPunct="1">
+              <a:lnSpc>
+                <a:spcPct val="90000"/>
+              </a:lnSpc>
+              <a:spcBef>
+                <a:spcPts val="500"/>
+              </a:spcBef>
+              <a:buFont typeface="Arial" panose="020B0604020202020204" pitchFamily="34" charset="0"/>
+              <a:buChar char="•"/>
+              <a:defRPr sz="2000" kern="1200">
+                <a:solidFill>
+                  <a:schemeClr val="tx1"/>
+                </a:solidFill>
+                <a:latin typeface="+mn-lt"/>
+                <a:ea typeface="+mn-ea"/>
+                <a:cs typeface="+mn-cs"/>
+              </a:defRPr>
+            </a:lvl3pPr>
+            <a:lvl4pPr marL="1600200" indent="-228600" algn="l" defTabSz="914400" rtl="0" eaLnBrk="1" latinLnBrk="0" hangingPunct="1">
+              <a:lnSpc>
+                <a:spcPct val="90000"/>
+              </a:lnSpc>
+              <a:spcBef>
+                <a:spcPts val="500"/>
+              </a:spcBef>
+              <a:buFont typeface="Arial" panose="020B0604020202020204" pitchFamily="34" charset="0"/>
+              <a:buChar char="•"/>
+              <a:defRPr sz="1800" kern="1200">
+                <a:solidFill>
+                  <a:schemeClr val="tx1"/>
+                </a:solidFill>
+                <a:latin typeface="+mn-lt"/>
+                <a:ea typeface="+mn-ea"/>
+                <a:cs typeface="+mn-cs"/>
+              </a:defRPr>
+            </a:lvl4pPr>
+            <a:lvl5pPr marL="2057400" indent="-228600" algn="l" defTabSz="914400" rtl="0" eaLnBrk="1" latinLnBrk="0" hangingPunct="1">
+              <a:lnSpc>
+                <a:spcPct val="90000"/>
+              </a:lnSpc>
+              <a:spcBef>
+                <a:spcPts val="500"/>
+              </a:spcBef>
+              <a:buFont typeface="Arial" panose="020B0604020202020204" pitchFamily="34" charset="0"/>
+              <a:buChar char="•"/>
+              <a:defRPr sz="1800" kern="1200">
+                <a:solidFill>
+                  <a:schemeClr val="tx1"/>
+                </a:solidFill>
+                <a:latin typeface="+mn-lt"/>
+                <a:ea typeface="+mn-ea"/>
+                <a:cs typeface="+mn-cs"/>
+              </a:defRPr>
+            </a:lvl5pPr>
+            <a:lvl6pPr marL="2514600" indent="-228600" algn="l" defTabSz="914400" rtl="0" eaLnBrk="1" latinLnBrk="0" hangingPunct="1">
+              <a:lnSpc>
+                <a:spcPct val="90000"/>
+              </a:lnSpc>
+              <a:spcBef>
+                <a:spcPts val="500"/>
+              </a:spcBef>
+              <a:buFont typeface="Arial" panose="020B0604020202020204" pitchFamily="34" charset="0"/>
+              <a:buChar char="•"/>
+              <a:defRPr sz="1800" kern="1200">
+                <a:solidFill>
+                  <a:schemeClr val="tx1"/>
+                </a:solidFill>
+                <a:latin typeface="+mn-lt"/>
+                <a:ea typeface="+mn-ea"/>
+                <a:cs typeface="+mn-cs"/>
+              </a:defRPr>
+            </a:lvl6pPr>
+            <a:lvl7pPr marL="2971800" indent="-228600" algn="l" defTabSz="914400" rtl="0" eaLnBrk="1" latinLnBrk="0" hangingPunct="1">
+              <a:lnSpc>
+                <a:spcPct val="90000"/>
+              </a:lnSpc>
+              <a:spcBef>
+                <a:spcPts val="500"/>
+              </a:spcBef>
+              <a:buFont typeface="Arial" panose="020B0604020202020204" pitchFamily="34" charset="0"/>
+              <a:buChar char="•"/>
+              <a:defRPr sz="1800" kern="1200">
+                <a:solidFill>
+                  <a:schemeClr val="tx1"/>
+                </a:solidFill>
+                <a:latin typeface="+mn-lt"/>
+                <a:ea typeface="+mn-ea"/>
+                <a:cs typeface="+mn-cs"/>
+              </a:defRPr>
+            </a:lvl7pPr>
+            <a:lvl8pPr marL="3429000" indent="-228600" algn="l" defTabSz="914400" rtl="0" eaLnBrk="1" latinLnBrk="0" hangingPunct="1">
+              <a:lnSpc>
+                <a:spcPct val="90000"/>
+              </a:lnSpc>
+              <a:spcBef>
+                <a:spcPts val="500"/>
+              </a:spcBef>
+              <a:buFont typeface="Arial" panose="020B0604020202020204" pitchFamily="34" charset="0"/>
+              <a:buChar char="•"/>
+              <a:defRPr sz="1800" kern="1200">
+                <a:solidFill>
+                  <a:schemeClr val="tx1"/>
+                </a:solidFill>
+                <a:latin typeface="+mn-lt"/>
+                <a:ea typeface="+mn-ea"/>
+                <a:cs typeface="+mn-cs"/>
+              </a:defRPr>
+            </a:lvl8pPr>
+            <a:lvl9pPr marL="3886200" indent="-228600" algn="l" defTabSz="914400" rtl="0" eaLnBrk="1" latinLnBrk="0" hangingPunct="1">
+              <a:lnSpc>
+                <a:spcPct val="90000"/>
+              </a:lnSpc>
+              <a:spcBef>
+                <a:spcPts val="500"/>
+              </a:spcBef>
+              <a:buFont typeface="Arial" panose="020B0604020202020204" pitchFamily="34" charset="0"/>
+              <a:buChar char="•"/>
+              <a:defRPr sz="1800" kern="1200">
+                <a:solidFill>
+                  <a:schemeClr val="tx1"/>
+                </a:solidFill>
+                <a:latin typeface="+mn-lt"/>
+                <a:ea typeface="+mn-ea"/>
+                <a:cs typeface="+mn-cs"/>
+              </a:defRPr>
+            </a:lvl9pPr>
+          </a:lstStyle>
+          <a:p>
+            <a:pPr marL="506730" indent="-285750" algn="just">
+              <a:lnSpc>
+                <a:spcPct val="107000"/>
+              </a:lnSpc>
+              <a:spcAft>
+                <a:spcPts val="800"/>
+              </a:spcAft>
+              <a:buFont typeface="Wingdings" panose="05000000000000000000" pitchFamily="2" charset="2"/>
+              <a:buChar char="ü"/>
+            </a:pPr>
+            <a:r>
+              <a:rPr lang="es-ES" sz="1600" b="1" dirty="0">
+                <a:effectLst/>
+                <a:ea typeface="Times New Roman" panose="02020603050405020304" pitchFamily="18" charset="0"/>
+                <a:cs typeface="Times New Roman" panose="02020603050405020304" pitchFamily="18" charset="0"/>
+              </a:rPr>
+              <a:t>Personas: </a:t>
+            </a:r>
+            <a:r>
+              <a:rPr lang="es-ES" sz="1600" dirty="0">
+                <a:effectLst/>
+                <a:ea typeface="Times New Roman" panose="02020603050405020304" pitchFamily="18" charset="0"/>
+                <a:cs typeface="Times New Roman" panose="02020603050405020304" pitchFamily="18" charset="0"/>
+              </a:rPr>
+              <a:t>correos electrónicos, mensajes por WhatsApp...</a:t>
+            </a:r>
+            <a:endParaRPr lang="es-ES" sz="1600" dirty="0">
+              <a:effectLst/>
+              <a:ea typeface="Calibri" panose="020F0502020204030204" pitchFamily="34" charset="0"/>
+              <a:cs typeface="Times New Roman" panose="02020603050405020304" pitchFamily="18" charset="0"/>
+            </a:endParaRPr>
+          </a:p>
+          <a:p>
+            <a:pPr marL="506730" indent="-285750" algn="just">
+              <a:lnSpc>
+                <a:spcPct val="107000"/>
+              </a:lnSpc>
+              <a:spcAft>
+                <a:spcPts val="800"/>
+              </a:spcAft>
+              <a:buFont typeface="Wingdings" panose="05000000000000000000" pitchFamily="2" charset="2"/>
+              <a:buChar char="ü"/>
+            </a:pPr>
+            <a:r>
+              <a:rPr lang="es-ES" sz="1600" b="1" dirty="0">
+                <a:effectLst/>
+                <a:ea typeface="Times New Roman" panose="02020603050405020304" pitchFamily="18" charset="0"/>
+                <a:cs typeface="Times New Roman" panose="02020603050405020304" pitchFamily="18" charset="0"/>
+              </a:rPr>
+              <a:t>Transacciones: </a:t>
+            </a:r>
+            <a:r>
+              <a:rPr lang="es-ES" sz="1600" dirty="0">
+                <a:effectLst/>
+                <a:ea typeface="Times New Roman" panose="02020603050405020304" pitchFamily="18" charset="0"/>
+                <a:cs typeface="Times New Roman" panose="02020603050405020304" pitchFamily="18" charset="0"/>
+              </a:rPr>
+              <a:t>llamadas telefónicas, acceso a redes WIFI públicas...</a:t>
+            </a:r>
+            <a:endParaRPr lang="es-ES" sz="1600" dirty="0">
+              <a:effectLst/>
+              <a:ea typeface="Calibri" panose="020F0502020204030204" pitchFamily="34" charset="0"/>
+              <a:cs typeface="Times New Roman" panose="02020603050405020304" pitchFamily="18" charset="0"/>
+            </a:endParaRPr>
+          </a:p>
+          <a:p>
+            <a:pPr marL="506730" indent="-285750" algn="just">
+              <a:lnSpc>
+                <a:spcPct val="107000"/>
+              </a:lnSpc>
+              <a:spcAft>
+                <a:spcPts val="800"/>
+              </a:spcAft>
+              <a:buFont typeface="Wingdings" panose="05000000000000000000" pitchFamily="2" charset="2"/>
+              <a:buChar char="ü"/>
+            </a:pPr>
+            <a:r>
+              <a:rPr lang="es-ES" sz="1600" b="1" dirty="0">
+                <a:effectLst/>
+                <a:ea typeface="Times New Roman" panose="02020603050405020304" pitchFamily="18" charset="0"/>
+                <a:cs typeface="Times New Roman" panose="02020603050405020304" pitchFamily="18" charset="0"/>
+              </a:rPr>
+              <a:t>Mercadotecnia: </a:t>
+            </a:r>
+            <a:r>
+              <a:rPr lang="es-ES" sz="1600" dirty="0">
+                <a:effectLst/>
+                <a:ea typeface="Times New Roman" panose="02020603050405020304" pitchFamily="18" charset="0"/>
+                <a:cs typeface="Times New Roman" panose="02020603050405020304" pitchFamily="18" charset="0"/>
+              </a:rPr>
+              <a:t>interacciones con las páginas web...</a:t>
+            </a:r>
+            <a:endParaRPr lang="es-ES" sz="1600" dirty="0">
+              <a:effectLst/>
+              <a:ea typeface="Calibri" panose="020F0502020204030204" pitchFamily="34" charset="0"/>
+              <a:cs typeface="Times New Roman" panose="02020603050405020304" pitchFamily="18" charset="0"/>
+            </a:endParaRPr>
+          </a:p>
+          <a:p>
+            <a:pPr marL="506730" indent="-285750" algn="just">
+              <a:lnSpc>
+                <a:spcPct val="107000"/>
+              </a:lnSpc>
+              <a:spcAft>
+                <a:spcPts val="800"/>
+              </a:spcAft>
+              <a:buFont typeface="Wingdings" panose="05000000000000000000" pitchFamily="2" charset="2"/>
+              <a:buChar char="ü"/>
+            </a:pPr>
+            <a:r>
+              <a:rPr lang="es-ES" sz="1600" b="1" dirty="0">
+                <a:effectLst/>
+                <a:ea typeface="Times New Roman" panose="02020603050405020304" pitchFamily="18" charset="0"/>
+                <a:cs typeface="Times New Roman" panose="02020603050405020304" pitchFamily="18" charset="0"/>
+              </a:rPr>
+              <a:t>Interacciones M2M: </a:t>
+            </a:r>
+            <a:r>
+              <a:rPr lang="es-ES" sz="1600" dirty="0">
+                <a:effectLst/>
+                <a:ea typeface="Times New Roman" panose="02020603050405020304" pitchFamily="18" charset="0"/>
+                <a:cs typeface="Times New Roman" panose="02020603050405020304" pitchFamily="18" charset="0"/>
+              </a:rPr>
+              <a:t>sensores de temperatura, de luz...</a:t>
+            </a:r>
+            <a:endParaRPr lang="es-ES" sz="1600" dirty="0">
+              <a:effectLst/>
+              <a:ea typeface="Calibri" panose="020F0502020204030204" pitchFamily="34" charset="0"/>
+              <a:cs typeface="Times New Roman" panose="02020603050405020304" pitchFamily="18" charset="0"/>
+            </a:endParaRPr>
+          </a:p>
+          <a:p>
+            <a:pPr marL="506730" indent="-285750" algn="just">
+              <a:lnSpc>
+                <a:spcPct val="107000"/>
+              </a:lnSpc>
+              <a:spcAft>
+                <a:spcPts val="800"/>
+              </a:spcAft>
+              <a:buFont typeface="Wingdings" panose="05000000000000000000" pitchFamily="2" charset="2"/>
+              <a:buChar char="ü"/>
+            </a:pPr>
+            <a:r>
+              <a:rPr lang="es-ES" sz="1600" b="1" dirty="0">
+                <a:effectLst/>
+                <a:ea typeface="Times New Roman" panose="02020603050405020304" pitchFamily="18" charset="0"/>
+                <a:cs typeface="Times New Roman" panose="02020603050405020304" pitchFamily="18" charset="0"/>
+              </a:rPr>
+              <a:t>Datos Biométricos: </a:t>
+            </a:r>
+            <a:r>
+              <a:rPr lang="es-ES" sz="1600" dirty="0">
+                <a:effectLst/>
+                <a:ea typeface="Times New Roman" panose="02020603050405020304" pitchFamily="18" charset="0"/>
+                <a:cs typeface="Times New Roman" panose="02020603050405020304" pitchFamily="18" charset="0"/>
+              </a:rPr>
+              <a:t>huellas dactilares, lectores de cadenas de ADN...</a:t>
+            </a:r>
+            <a:endParaRPr lang="es-ES" sz="1600" dirty="0">
+              <a:effectLst/>
+              <a:ea typeface="Calibri" panose="020F0502020204030204" pitchFamily="34" charset="0"/>
+              <a:cs typeface="Times New Roman" panose="02020603050405020304" pitchFamily="18" charset="0"/>
+            </a:endParaRPr>
+          </a:p>
+        </p:txBody>
+      </p:sp>
+      <p:sp>
+        <p:nvSpPr>
+          <p:cNvPr id="38" name="Título 1">
+            <a:extLst>
+              <a:ext uri="{FF2B5EF4-FFF2-40B4-BE49-F238E27FC236}">
+                <a16:creationId xmlns:a16="http://schemas.microsoft.com/office/drawing/2014/main" id="{CA4169E5-9120-9091-CC2A-25C84492C2F1}"/>
+              </a:ext>
+            </a:extLst>
+          </p:cNvPr>
+          <p:cNvSpPr txBox="1">
+            <a:spLocks/>
+          </p:cNvSpPr>
+          <p:nvPr/>
+        </p:nvSpPr>
+        <p:spPr>
+          <a:xfrm>
+            <a:off x="3017520" y="4843145"/>
+            <a:ext cx="1349026" cy="1555935"/>
+          </a:xfrm>
+          <a:prstGeom prst="rect">
+            <a:avLst/>
+          </a:prstGeom>
+        </p:spPr>
+        <p:txBody>
+          <a:bodyPr vert="horz" lIns="91440" tIns="45720" rIns="91440" bIns="45720" rtlCol="0" anchor="ctr">
+            <a:normAutofit/>
           </a:bodyPr>
           <a:lstStyle>
             <a:lvl1pPr algn="l" defTabSz="914400" rtl="0" eaLnBrk="1" latinLnBrk="0" hangingPunct="1">
@@ -9540,40 +11141,31 @@
           </a:lstStyle>
           <a:p>
             <a:pPr algn="ctr">
+              <a:spcBef>
+                <a:spcPts val="1000"/>
+              </a:spcBef>
               <a:spcAft>
                 <a:spcPts val="600"/>
               </a:spcAft>
             </a:pPr>
             <a:r>
-              <a:rPr lang="es-ES" sz="1600" b="1" dirty="0">
-                <a:cs typeface="Calibri Light" panose="020F0302020204030204"/>
+              <a:rPr lang="en-US" sz="1200" b="1" dirty="0">
+                <a:solidFill>
+                  <a:srgbClr val="FFFFFF"/>
+                </a:solidFill>
+                <a:latin typeface="+mn-lt"/>
+                <a:ea typeface="+mn-ea"/>
+                <a:cs typeface="+mn-cs"/>
               </a:rPr>
-              <a:t>EDUARDO MARTÍN-SONSECA</a:t>
-            </a:r>
-            <a:br>
-              <a:rPr lang="es-ES" sz="1600" b="1" dirty="0">
-                <a:cs typeface="Calibri Light" panose="020F0302020204030204"/>
-              </a:rPr>
-            </a:br>
-            <a:r>
-              <a:rPr lang="es-ES" sz="1600" b="1" dirty="0">
-                <a:cs typeface="Calibri Light" panose="020F0302020204030204"/>
-              </a:rPr>
-              <a:t>LUIS FERNANDEZ CASTELO</a:t>
-            </a:r>
-            <a:br>
-              <a:rPr lang="es-ES" sz="1600" b="1" dirty="0">
-                <a:cs typeface="Calibri Light" panose="020F0302020204030204"/>
-              </a:rPr>
-            </a:br>
-            <a:r>
-              <a:rPr lang="es-ES" sz="1600" b="1" dirty="0">
-                <a:cs typeface="Calibri Light" panose="020F0302020204030204"/>
-              </a:rPr>
-              <a:t>1º DESARROLLO DE APLICACIONES MULTIPLATAFORMA</a:t>
-            </a:r>
-            <a:endParaRPr lang="es-ES" sz="1600" dirty="0">
-              <a:cs typeface="Calibri Light"/>
+              <a:t>OBTENCIÓN</a:t>
+            </a:r>
+            <a:endParaRPr lang="en-US" sz="1200" kern="1200" dirty="0">
+              <a:solidFill>
+                <a:srgbClr val="FFFFFF"/>
+              </a:solidFill>
+              <a:latin typeface="+mn-lt"/>
+              <a:ea typeface="+mn-ea"/>
+              <a:cs typeface="+mn-cs"/>
             </a:endParaRPr>
           </a:p>
         </p:txBody>
@@ -9581,7 +11173,7 @@
     </p:spTree>
     <p:extLst>
       <p:ext uri="{BB962C8B-B14F-4D97-AF65-F5344CB8AC3E}">
-        <p14:creationId xmlns:p14="http://schemas.microsoft.com/office/powerpoint/2010/main" val="1986842871"/>
+        <p14:creationId xmlns:p14="http://schemas.microsoft.com/office/powerpoint/2010/main" val="316164814"/>
       </p:ext>
     </p:extLst>
   </p:cSld>
@@ -9625,7 +11217,7 @@
                                           </p:stCondLst>
                                         </p:cTn>
                                         <p:tgtEl>
-                                          <p:spTgt spid="4"/>
+                                          <p:spTgt spid="25"/>
                                         </p:tgtEl>
                                         <p:attrNameLst>
                                           <p:attrName>style.visibility</p:attrName>
@@ -9639,7 +11231,42 @@
                                       <p:cBhvr>
                                         <p:cTn id="7" dur="10"/>
                                         <p:tgtEl>
-                                          <p:spTgt spid="4"/>
+                                          <p:spTgt spid="25"/>
+                                        </p:tgtEl>
+                                      </p:cBhvr>
+                                    </p:animEffect>
+                                  </p:childTnLst>
+                                </p:cTn>
+                              </p:par>
+                              <p:par>
+                                <p:cTn id="8" presetID="10" presetClass="entr" presetSubtype="0" fill="hold" grpId="0" nodeType="withEffect">
+                                  <p:stCondLst>
+                                    <p:cond delay="0"/>
+                                  </p:stCondLst>
+                                  <p:childTnLst>
+                                    <p:set>
+                                      <p:cBhvr>
+                                        <p:cTn id="9" dur="1" fill="hold">
+                                          <p:stCondLst>
+                                            <p:cond delay="0"/>
+                                          </p:stCondLst>
+                                        </p:cTn>
+                                        <p:tgtEl>
+                                          <p:spTgt spid="38"/>
+                                        </p:tgtEl>
+                                        <p:attrNameLst>
+                                          <p:attrName>style.visibility</p:attrName>
+                                        </p:attrNameLst>
+                                      </p:cBhvr>
+                                      <p:to>
+                                        <p:strVal val="visible"/>
+                                      </p:to>
+                                    </p:set>
+                                    <p:animEffect transition="in" filter="fade">
+                                      <p:cBhvr>
+                                        <p:cTn id="10" dur="10"/>
+                                        <p:tgtEl>
+                                          <p:spTgt spid="38"/>
                                         </p:tgtEl>
                                       </p:cBhvr>
                                     </p:animEffect>
@@ -9674,7 +11301,8 @@
       </p:par>
     </p:tnLst>
     <p:bldLst>
-      <p:bldP spid="4" grpId="0"/>
+      <p:bldP spid="25" grpId="0"/>
+      <p:bldP spid="38" grpId="0"/>
     </p:bldLst>
   </p:timing>
 </p:sld>
@@ -9683,6 +11311,14 @@
 <file path=ppt/slides/slide11.xml><?xml version="1.0" encoding="utf-8"?>
 <p:sld xmlns:a="http://schemas.openxmlformats.org/drawingml/2006/main" xmlns:r="http://schemas.openxmlformats.org/officeDocument/2006/relationships" xmlns:p="http://schemas.openxmlformats.org/presentationml/2006/main">
   <p:cSld>
+    <p:bg>
+      <p:bgPr>
+        <a:solidFill>
+          <a:schemeClr val="bg1"/>
+        </a:solidFill>
+        <a:effectLst/>
+      </p:bgPr>
+    </p:bg>
     <p:spTree>
       <p:nvGrpSpPr>
         <p:cNvPr id="1" name=""/>
@@ -9699,6 +11335,4190 @@
       </p:grpSpPr>
       <p:sp>
         <p:nvSpPr>
+          <p:cNvPr id="35" name="Rectangle 29">
+            <a:extLst>
+              <a:ext uri="{FF2B5EF4-FFF2-40B4-BE49-F238E27FC236}">
+                <a16:creationId xmlns:a16="http://schemas.microsoft.com/office/drawing/2014/main" id="{CDA1A2E9-63FE-408D-A803-8E306ECAB4B3}"/>
+              </a:ext>
+              <a:ext uri="{C183D7F6-B498-43B3-948B-1728B52AA6E4}">
+                <adec:decorative xmlns:adec="http://schemas.microsoft.com/office/drawing/2017/decorative" val="1"/>
+              </a:ext>
+            </a:extLst>
+          </p:cNvPr>
+          <p:cNvSpPr>
+            <a:spLocks noGrp="1" noRot="1" noChangeAspect="1" noMove="1" noResize="1" noEditPoints="1" noAdjustHandles="1" noChangeArrowheads="1" noChangeShapeType="1" noTextEdit="1"/>
+          </p:cNvSpPr>
+          <p:nvPr>
+            <p:extLst>
+              <p:ext uri="{386F3935-93C4-4BCD-93E2-E3B085C9AB24}">
+                <p16:designElem xmlns:p16="http://schemas.microsoft.com/office/powerpoint/2015/main" val="1"/>
+              </p:ext>
+            </p:extLst>
+          </p:nvPr>
+        </p:nvSpPr>
+        <p:spPr>
+          <a:xfrm>
+            <a:off x="462058" y="450220"/>
+            <a:ext cx="3904488" cy="4233672"/>
+          </a:xfrm>
+          <a:prstGeom prst="rect">
+            <a:avLst/>
+          </a:prstGeom>
+          <a:solidFill>
+            <a:srgbClr val="595959"/>
+          </a:solidFill>
+          <a:ln w="25400">
+            <a:noFill/>
+          </a:ln>
+        </p:spPr>
+        <p:style>
+          <a:lnRef idx="2">
+            <a:schemeClr val="accent1">
+              <a:shade val="50000"/>
+            </a:schemeClr>
+          </a:lnRef>
+          <a:fillRef idx="1">
+            <a:schemeClr val="accent1"/>
+          </a:fillRef>
+          <a:effectRef idx="0">
+            <a:schemeClr val="accent1"/>
+          </a:effectRef>
+          <a:fontRef idx="minor">
+            <a:schemeClr val="lt1"/>
+          </a:fontRef>
+        </p:style>
+        <p:txBody>
+          <a:bodyPr rtlCol="0" anchor="ctr"/>
+          <a:lstStyle/>
+          <a:p>
+            <a:pPr marL="0" marR="0" lvl="0" indent="0" algn="ctr" defTabSz="914400" rtl="0" eaLnBrk="1" fontAlgn="auto" latinLnBrk="0" hangingPunct="1">
+              <a:lnSpc>
+                <a:spcPct val="100000"/>
+              </a:lnSpc>
+              <a:spcBef>
+                <a:spcPts val="0"/>
+              </a:spcBef>
+              <a:spcAft>
+                <a:spcPts val="0"/>
+              </a:spcAft>
+              <a:buClrTx/>
+              <a:buSzTx/>
+              <a:buFontTx/>
+              <a:buNone/>
+              <a:tabLst/>
+              <a:defRPr/>
+            </a:pPr>
+            <a:endParaRPr kumimoji="0" lang="en-US" sz="1800" b="0" i="0" u="none" strike="noStrike" kern="1200" cap="none" spc="0" normalizeH="0" baseline="0" noProof="0">
+              <a:ln>
+                <a:noFill/>
+              </a:ln>
+              <a:solidFill>
+                <a:srgbClr val="404040"/>
+              </a:solidFill>
+              <a:effectLst/>
+              <a:uLnTx/>
+              <a:uFillTx/>
+              <a:latin typeface="Calibri" panose="020F0502020204030204"/>
+              <a:ea typeface="+mn-ea"/>
+              <a:cs typeface="+mn-cs"/>
+            </a:endParaRPr>
+          </a:p>
+        </p:txBody>
+      </p:sp>
+      <p:sp>
+        <p:nvSpPr>
+          <p:cNvPr id="2" name="Título 1">
+            <a:extLst>
+              <a:ext uri="{FF2B5EF4-FFF2-40B4-BE49-F238E27FC236}">
+                <a16:creationId xmlns:a16="http://schemas.microsoft.com/office/drawing/2014/main" id="{2A7DC3FE-66EB-750C-3214-9159D346F772}"/>
+              </a:ext>
+            </a:extLst>
+          </p:cNvPr>
+          <p:cNvSpPr>
+            <a:spLocks noGrp="1"/>
+          </p:cNvSpPr>
+          <p:nvPr>
+            <p:ph type="title"/>
+          </p:nvPr>
+        </p:nvSpPr>
+        <p:spPr>
+          <a:xfrm>
+            <a:off x="731520" y="1115568"/>
+            <a:ext cx="3364992" cy="2843784"/>
+          </a:xfrm>
+        </p:spPr>
+        <p:txBody>
+          <a:bodyPr vert="horz" lIns="91440" tIns="45720" rIns="91440" bIns="45720" rtlCol="0" anchor="ctr">
+            <a:normAutofit/>
+          </a:bodyPr>
+          <a:lstStyle/>
+          <a:p>
+            <a:r>
+              <a:rPr lang="en-US" sz="2400" kern="1200" dirty="0">
+                <a:solidFill>
+                  <a:srgbClr val="FFFFFF"/>
+                </a:solidFill>
+                <a:latin typeface="+mj-lt"/>
+                <a:ea typeface="+mj-ea"/>
+                <a:cs typeface="+mj-cs"/>
+              </a:rPr>
+              <a:t>FUNCIONAMIENTO</a:t>
+            </a:r>
+          </a:p>
+        </p:txBody>
+      </p:sp>
+      <p:sp>
+        <p:nvSpPr>
+          <p:cNvPr id="37" name="Rectangle 31">
+            <a:extLst>
+              <a:ext uri="{FF2B5EF4-FFF2-40B4-BE49-F238E27FC236}">
+                <a16:creationId xmlns:a16="http://schemas.microsoft.com/office/drawing/2014/main" id="{FBE9F90C-C163-435B-9A68-D15C92D1CF2B}"/>
+              </a:ext>
+              <a:ext uri="{C183D7F6-B498-43B3-948B-1728B52AA6E4}">
+                <adec:decorative xmlns:adec="http://schemas.microsoft.com/office/drawing/2017/decorative" val="1"/>
+              </a:ext>
+            </a:extLst>
+          </p:cNvPr>
+          <p:cNvSpPr>
+            <a:spLocks noGrp="1" noRot="1" noChangeAspect="1" noMove="1" noResize="1" noEditPoints="1" noAdjustHandles="1" noChangeArrowheads="1" noChangeShapeType="1" noTextEdit="1"/>
+          </p:cNvSpPr>
+          <p:nvPr>
+            <p:extLst>
+              <p:ext uri="{386F3935-93C4-4BCD-93E2-E3B085C9AB24}">
+                <p16:designElem xmlns:p16="http://schemas.microsoft.com/office/powerpoint/2015/main" val="1"/>
+              </p:ext>
+            </p:extLst>
+          </p:nvPr>
+        </p:nvSpPr>
+        <p:spPr>
+          <a:xfrm>
+            <a:off x="466344" y="4846320"/>
+            <a:ext cx="2395728" cy="1563624"/>
+          </a:xfrm>
+          <a:prstGeom prst="rect">
+            <a:avLst/>
+          </a:prstGeom>
+          <a:solidFill>
+            <a:schemeClr val="accent1">
+              <a:alpha val="94902"/>
+            </a:schemeClr>
+          </a:solidFill>
+          <a:ln w="25400">
+            <a:noFill/>
+          </a:ln>
+        </p:spPr>
+        <p:style>
+          <a:lnRef idx="2">
+            <a:schemeClr val="accent1">
+              <a:shade val="50000"/>
+            </a:schemeClr>
+          </a:lnRef>
+          <a:fillRef idx="1">
+            <a:schemeClr val="accent1"/>
+          </a:fillRef>
+          <a:effectRef idx="0">
+            <a:schemeClr val="accent1"/>
+          </a:effectRef>
+          <a:fontRef idx="minor">
+            <a:schemeClr val="lt1"/>
+          </a:fontRef>
+        </p:style>
+        <p:txBody>
+          <a:bodyPr rtlCol="0" anchor="ctr"/>
+          <a:lstStyle/>
+          <a:p>
+            <a:pPr marL="0" marR="0" lvl="0" indent="0" algn="ctr" defTabSz="914400" rtl="0" eaLnBrk="1" fontAlgn="auto" latinLnBrk="0" hangingPunct="1">
+              <a:lnSpc>
+                <a:spcPct val="100000"/>
+              </a:lnSpc>
+              <a:spcBef>
+                <a:spcPts val="0"/>
+              </a:spcBef>
+              <a:spcAft>
+                <a:spcPts val="0"/>
+              </a:spcAft>
+              <a:buClrTx/>
+              <a:buSzTx/>
+              <a:buFontTx/>
+              <a:buNone/>
+              <a:tabLst/>
+              <a:defRPr/>
+            </a:pPr>
+            <a:endParaRPr kumimoji="0" lang="en-US" sz="1800" b="0" i="0" u="none" strike="noStrike" kern="1200" cap="none" spc="0" normalizeH="0" baseline="0" noProof="0">
+              <a:ln>
+                <a:noFill/>
+              </a:ln>
+              <a:solidFill>
+                <a:srgbClr val="FFFFFF"/>
+              </a:solidFill>
+              <a:effectLst/>
+              <a:uLnTx/>
+              <a:uFillTx/>
+              <a:latin typeface="Calibri" panose="020F0502020204030204"/>
+              <a:ea typeface="+mn-ea"/>
+              <a:cs typeface="+mn-cs"/>
+            </a:endParaRPr>
+          </a:p>
+        </p:txBody>
+      </p:sp>
+      <p:sp>
+        <p:nvSpPr>
+          <p:cNvPr id="25" name="Título 1">
+            <a:extLst>
+              <a:ext uri="{FF2B5EF4-FFF2-40B4-BE49-F238E27FC236}">
+                <a16:creationId xmlns:a16="http://schemas.microsoft.com/office/drawing/2014/main" id="{A7DE5D37-8AA9-8EF9-EECC-6BBE4B884199}"/>
+              </a:ext>
+            </a:extLst>
+          </p:cNvPr>
+          <p:cNvSpPr txBox="1">
+            <a:spLocks/>
+          </p:cNvSpPr>
+          <p:nvPr/>
+        </p:nvSpPr>
+        <p:spPr>
+          <a:xfrm>
+            <a:off x="731520" y="5120640"/>
+            <a:ext cx="1828800" cy="1024128"/>
+          </a:xfrm>
+          <a:prstGeom prst="rect">
+            <a:avLst/>
+          </a:prstGeom>
+        </p:spPr>
+        <p:txBody>
+          <a:bodyPr vert="horz" lIns="91440" tIns="45720" rIns="91440" bIns="45720" rtlCol="0" anchor="ctr">
+            <a:normAutofit/>
+          </a:bodyPr>
+          <a:lstStyle>
+            <a:lvl1pPr algn="l" defTabSz="914400" rtl="0" eaLnBrk="1" latinLnBrk="0" hangingPunct="1">
+              <a:lnSpc>
+                <a:spcPct val="90000"/>
+              </a:lnSpc>
+              <a:spcBef>
+                <a:spcPct val="0"/>
+              </a:spcBef>
+              <a:buNone/>
+              <a:defRPr sz="4400" kern="1200">
+                <a:solidFill>
+                  <a:schemeClr val="tx1"/>
+                </a:solidFill>
+                <a:latin typeface="+mj-lt"/>
+                <a:ea typeface="+mj-ea"/>
+                <a:cs typeface="+mj-cs"/>
+              </a:defRPr>
+            </a:lvl1pPr>
+          </a:lstStyle>
+          <a:p>
+            <a:pPr>
+              <a:spcBef>
+                <a:spcPts val="1000"/>
+              </a:spcBef>
+              <a:spcAft>
+                <a:spcPts val="600"/>
+              </a:spcAft>
+            </a:pPr>
+            <a:r>
+              <a:rPr lang="en-US" sz="1000" b="1" kern="1200">
+                <a:solidFill>
+                  <a:srgbClr val="FFFFFF"/>
+                </a:solidFill>
+                <a:latin typeface="+mn-lt"/>
+                <a:ea typeface="+mn-ea"/>
+                <a:cs typeface="+mn-cs"/>
+              </a:rPr>
+              <a:t>EDUARDO MARTÍN-SONSECA</a:t>
+            </a:r>
+            <a:br>
+              <a:rPr lang="en-US" sz="1000" b="1" kern="1200">
+                <a:solidFill>
+                  <a:srgbClr val="FFFFFF"/>
+                </a:solidFill>
+                <a:latin typeface="+mn-lt"/>
+                <a:ea typeface="+mn-ea"/>
+                <a:cs typeface="+mn-cs"/>
+              </a:rPr>
+            </a:br>
+            <a:r>
+              <a:rPr lang="en-US" sz="1000" b="1" kern="1200">
+                <a:solidFill>
+                  <a:srgbClr val="FFFFFF"/>
+                </a:solidFill>
+                <a:latin typeface="+mn-lt"/>
+                <a:ea typeface="+mn-ea"/>
+                <a:cs typeface="+mn-cs"/>
+              </a:rPr>
+              <a:t>LUIS FERNANDEZ CASTELO</a:t>
+            </a:r>
+            <a:br>
+              <a:rPr lang="en-US" sz="1000" b="1" kern="1200">
+                <a:solidFill>
+                  <a:srgbClr val="FFFFFF"/>
+                </a:solidFill>
+                <a:latin typeface="+mn-lt"/>
+                <a:ea typeface="+mn-ea"/>
+                <a:cs typeface="+mn-cs"/>
+              </a:rPr>
+            </a:br>
+            <a:r>
+              <a:rPr lang="en-US" sz="1000" b="1" kern="1200">
+                <a:solidFill>
+                  <a:srgbClr val="FFFFFF"/>
+                </a:solidFill>
+                <a:latin typeface="+mn-lt"/>
+                <a:ea typeface="+mn-ea"/>
+                <a:cs typeface="+mn-cs"/>
+              </a:rPr>
+              <a:t>1º DESARROLLO DE APLICACIONES MULTIPLATAFORMA</a:t>
+            </a:r>
+            <a:endParaRPr lang="en-US" sz="1000" kern="1200">
+              <a:solidFill>
+                <a:srgbClr val="FFFFFF"/>
+              </a:solidFill>
+              <a:latin typeface="+mn-lt"/>
+              <a:ea typeface="+mn-ea"/>
+              <a:cs typeface="+mn-cs"/>
+            </a:endParaRPr>
+          </a:p>
+        </p:txBody>
+      </p:sp>
+      <p:sp>
+        <p:nvSpPr>
+          <p:cNvPr id="34" name="Rectangle 33">
+            <a:extLst>
+              <a:ext uri="{FF2B5EF4-FFF2-40B4-BE49-F238E27FC236}">
+                <a16:creationId xmlns:a16="http://schemas.microsoft.com/office/drawing/2014/main" id="{2C910467-8185-45DD-B8A2-A88DF20DF6E0}"/>
+              </a:ext>
+              <a:ext uri="{C183D7F6-B498-43B3-948B-1728B52AA6E4}">
+                <adec:decorative xmlns:adec="http://schemas.microsoft.com/office/drawing/2017/decorative" val="1"/>
+              </a:ext>
+            </a:extLst>
+          </p:cNvPr>
+          <p:cNvSpPr>
+            <a:spLocks noGrp="1" noRot="1" noChangeAspect="1" noMove="1" noResize="1" noEditPoints="1" noAdjustHandles="1" noChangeArrowheads="1" noChangeShapeType="1" noTextEdit="1"/>
+          </p:cNvSpPr>
+          <p:nvPr>
+            <p:extLst>
+              <p:ext uri="{386F3935-93C4-4BCD-93E2-E3B085C9AB24}">
+                <p16:designElem xmlns:p16="http://schemas.microsoft.com/office/powerpoint/2015/main" val="1"/>
+              </p:ext>
+            </p:extLst>
+          </p:nvPr>
+        </p:nvSpPr>
+        <p:spPr>
+          <a:xfrm>
+            <a:off x="4521995" y="450221"/>
+            <a:ext cx="7207948" cy="5948859"/>
+          </a:xfrm>
+          <a:prstGeom prst="rect">
+            <a:avLst/>
+          </a:prstGeom>
+          <a:solidFill>
+            <a:srgbClr val="7F7F7F">
+              <a:alpha val="24000"/>
+            </a:srgbClr>
+          </a:solidFill>
+          <a:ln w="25400">
+            <a:noFill/>
+          </a:ln>
+        </p:spPr>
+        <p:style>
+          <a:lnRef idx="2">
+            <a:schemeClr val="accent1">
+              <a:shade val="50000"/>
+            </a:schemeClr>
+          </a:lnRef>
+          <a:fillRef idx="1">
+            <a:schemeClr val="accent1"/>
+          </a:fillRef>
+          <a:effectRef idx="0">
+            <a:schemeClr val="accent1"/>
+          </a:effectRef>
+          <a:fontRef idx="minor">
+            <a:schemeClr val="lt1"/>
+          </a:fontRef>
+        </p:style>
+        <p:txBody>
+          <a:bodyPr rtlCol="0" anchor="ctr"/>
+          <a:lstStyle/>
+          <a:p>
+            <a:pPr marL="0" marR="0" lvl="0" indent="0" algn="ctr" defTabSz="914400" rtl="0" eaLnBrk="1" fontAlgn="auto" latinLnBrk="0" hangingPunct="1">
+              <a:lnSpc>
+                <a:spcPct val="100000"/>
+              </a:lnSpc>
+              <a:spcBef>
+                <a:spcPts val="0"/>
+              </a:spcBef>
+              <a:spcAft>
+                <a:spcPts val="0"/>
+              </a:spcAft>
+              <a:buClrTx/>
+              <a:buSzTx/>
+              <a:buFontTx/>
+              <a:buNone/>
+              <a:tabLst/>
+              <a:defRPr/>
+            </a:pPr>
+            <a:endParaRPr kumimoji="0" lang="en-US" sz="1800" b="0" i="0" u="none" strike="noStrike" kern="1200" cap="none" spc="0" normalizeH="0" baseline="0" noProof="0">
+              <a:ln>
+                <a:noFill/>
+              </a:ln>
+              <a:solidFill>
+                <a:srgbClr val="FFFFFF"/>
+              </a:solidFill>
+              <a:effectLst/>
+              <a:uLnTx/>
+              <a:uFillTx/>
+              <a:latin typeface="Calibri" panose="020F0502020204030204"/>
+              <a:ea typeface="+mn-ea"/>
+              <a:cs typeface="+mn-cs"/>
+            </a:endParaRPr>
+          </a:p>
+        </p:txBody>
+      </p:sp>
+      <p:sp>
+        <p:nvSpPr>
+          <p:cNvPr id="36" name="Rectangle 35">
+            <a:extLst>
+              <a:ext uri="{FF2B5EF4-FFF2-40B4-BE49-F238E27FC236}">
+                <a16:creationId xmlns:a16="http://schemas.microsoft.com/office/drawing/2014/main" id="{1A882A9F-F4E9-4E23-8F0B-20B5DF42EAA9}"/>
+              </a:ext>
+              <a:ext uri="{C183D7F6-B498-43B3-948B-1728B52AA6E4}">
+                <adec:decorative xmlns:adec="http://schemas.microsoft.com/office/drawing/2017/decorative" val="1"/>
+              </a:ext>
+            </a:extLst>
+          </p:cNvPr>
+          <p:cNvSpPr>
+            <a:spLocks noGrp="1" noRot="1" noChangeAspect="1" noMove="1" noResize="1" noEditPoints="1" noAdjustHandles="1" noChangeArrowheads="1" noChangeShapeType="1" noTextEdit="1"/>
+          </p:cNvSpPr>
+          <p:nvPr>
+            <p:extLst>
+              <p:ext uri="{386F3935-93C4-4BCD-93E2-E3B085C9AB24}">
+                <p16:designElem xmlns:p16="http://schemas.microsoft.com/office/powerpoint/2015/main" val="1"/>
+              </p:ext>
+            </p:extLst>
+          </p:nvPr>
+        </p:nvSpPr>
+        <p:spPr>
+          <a:xfrm>
+            <a:off x="3017520" y="4835010"/>
+            <a:ext cx="1349026" cy="1572768"/>
+          </a:xfrm>
+          <a:prstGeom prst="rect">
+            <a:avLst/>
+          </a:prstGeom>
+          <a:solidFill>
+            <a:srgbClr val="A5A5A5"/>
+          </a:solidFill>
+          <a:ln w="25400">
+            <a:noFill/>
+          </a:ln>
+        </p:spPr>
+        <p:style>
+          <a:lnRef idx="2">
+            <a:schemeClr val="accent1">
+              <a:shade val="50000"/>
+            </a:schemeClr>
+          </a:lnRef>
+          <a:fillRef idx="1">
+            <a:schemeClr val="accent1"/>
+          </a:fillRef>
+          <a:effectRef idx="0">
+            <a:schemeClr val="accent1"/>
+          </a:effectRef>
+          <a:fontRef idx="minor">
+            <a:schemeClr val="lt1"/>
+          </a:fontRef>
+        </p:style>
+        <p:txBody>
+          <a:bodyPr rtlCol="0" anchor="ctr"/>
+          <a:lstStyle/>
+          <a:p>
+            <a:pPr marL="0" marR="0" lvl="0" indent="0" algn="ctr" defTabSz="914400" rtl="0" eaLnBrk="1" fontAlgn="auto" latinLnBrk="0" hangingPunct="1">
+              <a:lnSpc>
+                <a:spcPct val="100000"/>
+              </a:lnSpc>
+              <a:spcBef>
+                <a:spcPts val="0"/>
+              </a:spcBef>
+              <a:spcAft>
+                <a:spcPts val="0"/>
+              </a:spcAft>
+              <a:buClrTx/>
+              <a:buSzTx/>
+              <a:buFontTx/>
+              <a:buNone/>
+              <a:tabLst/>
+              <a:defRPr/>
+            </a:pPr>
+            <a:endParaRPr kumimoji="0" lang="en-US" sz="1800" b="0" i="0" u="none" strike="noStrike" kern="1200" cap="none" spc="0" normalizeH="0" baseline="0" noProof="0">
+              <a:ln>
+                <a:noFill/>
+              </a:ln>
+              <a:solidFill>
+                <a:srgbClr val="FFFFFF"/>
+              </a:solidFill>
+              <a:effectLst/>
+              <a:uLnTx/>
+              <a:uFillTx/>
+              <a:latin typeface="Calibri" panose="020F0502020204030204"/>
+              <a:ea typeface="+mn-ea"/>
+              <a:cs typeface="+mn-cs"/>
+            </a:endParaRPr>
+          </a:p>
+        </p:txBody>
+      </p:sp>
+      <p:sp>
+        <p:nvSpPr>
+          <p:cNvPr id="38" name="Título 1">
+            <a:extLst>
+              <a:ext uri="{FF2B5EF4-FFF2-40B4-BE49-F238E27FC236}">
+                <a16:creationId xmlns:a16="http://schemas.microsoft.com/office/drawing/2014/main" id="{CA4169E5-9120-9091-CC2A-25C84492C2F1}"/>
+              </a:ext>
+            </a:extLst>
+          </p:cNvPr>
+          <p:cNvSpPr txBox="1">
+            <a:spLocks/>
+          </p:cNvSpPr>
+          <p:nvPr/>
+        </p:nvSpPr>
+        <p:spPr>
+          <a:xfrm>
+            <a:off x="2939795" y="4851843"/>
+            <a:ext cx="1504475" cy="1555935"/>
+          </a:xfrm>
+          <a:prstGeom prst="rect">
+            <a:avLst/>
+          </a:prstGeom>
+        </p:spPr>
+        <p:txBody>
+          <a:bodyPr vert="horz" lIns="91440" tIns="45720" rIns="91440" bIns="45720" rtlCol="0" anchor="ctr">
+            <a:normAutofit/>
+          </a:bodyPr>
+          <a:lstStyle>
+            <a:lvl1pPr algn="l" defTabSz="914400" rtl="0" eaLnBrk="1" latinLnBrk="0" hangingPunct="1">
+              <a:lnSpc>
+                <a:spcPct val="90000"/>
+              </a:lnSpc>
+              <a:spcBef>
+                <a:spcPct val="0"/>
+              </a:spcBef>
+              <a:buNone/>
+              <a:defRPr sz="4400" kern="1200">
+                <a:solidFill>
+                  <a:schemeClr val="tx1"/>
+                </a:solidFill>
+                <a:latin typeface="+mj-lt"/>
+                <a:ea typeface="+mj-ea"/>
+                <a:cs typeface="+mj-cs"/>
+              </a:defRPr>
+            </a:lvl1pPr>
+          </a:lstStyle>
+          <a:p>
+            <a:pPr algn="ctr">
+              <a:spcBef>
+                <a:spcPts val="1000"/>
+              </a:spcBef>
+              <a:spcAft>
+                <a:spcPts val="600"/>
+              </a:spcAft>
+            </a:pPr>
+            <a:r>
+              <a:rPr lang="en-US" sz="1200" b="1" dirty="0">
+                <a:solidFill>
+                  <a:srgbClr val="FFFFFF"/>
+                </a:solidFill>
+                <a:latin typeface="+mn-lt"/>
+                <a:ea typeface="+mn-ea"/>
+                <a:cs typeface="+mn-cs"/>
+              </a:rPr>
+              <a:t>TRANSFORMACIÓN</a:t>
+            </a:r>
+            <a:endParaRPr lang="en-US" sz="1200" kern="1200" dirty="0">
+              <a:solidFill>
+                <a:srgbClr val="FFFFFF"/>
+              </a:solidFill>
+              <a:latin typeface="+mn-lt"/>
+              <a:ea typeface="+mn-ea"/>
+              <a:cs typeface="+mn-cs"/>
+            </a:endParaRPr>
+          </a:p>
+        </p:txBody>
+      </p:sp>
+      <p:sp>
+        <p:nvSpPr>
+          <p:cNvPr id="4" name="CuadroTexto 3">
+            <a:extLst>
+              <a:ext uri="{FF2B5EF4-FFF2-40B4-BE49-F238E27FC236}">
+                <a16:creationId xmlns:a16="http://schemas.microsoft.com/office/drawing/2014/main" id="{F51D6295-97C2-8AE6-70F1-9E4E399E67E6}"/>
+              </a:ext>
+            </a:extLst>
+          </p:cNvPr>
+          <p:cNvSpPr txBox="1"/>
+          <p:nvPr/>
+        </p:nvSpPr>
+        <p:spPr>
+          <a:xfrm>
+            <a:off x="4758691" y="1543550"/>
+            <a:ext cx="6094476" cy="369332"/>
+          </a:xfrm>
+          <a:prstGeom prst="rect">
+            <a:avLst/>
+          </a:prstGeom>
+          <a:noFill/>
+        </p:spPr>
+        <p:txBody>
+          <a:bodyPr wrap="square">
+            <a:spAutoFit/>
+          </a:bodyPr>
+          <a:lstStyle/>
+          <a:p>
+            <a:pPr marL="285750" indent="-285750">
+              <a:buFont typeface="Arial" panose="020B0604020202020204" pitchFamily="34" charset="0"/>
+              <a:buChar char="•"/>
+            </a:pPr>
+            <a:r>
+              <a:rPr lang="es-ES" b="1" dirty="0">
+                <a:latin typeface="Calibri" panose="020F0502020204030204" pitchFamily="34" charset="0"/>
+                <a:ea typeface="Times New Roman" panose="02020603050405020304" pitchFamily="18" charset="0"/>
+                <a:cs typeface="Times New Roman" panose="02020603050405020304" pitchFamily="18" charset="0"/>
+              </a:rPr>
+              <a:t>Los datos se</a:t>
+            </a:r>
+            <a:r>
+              <a:rPr lang="es-ES" sz="1800" b="1" dirty="0">
+                <a:effectLst/>
+                <a:latin typeface="Calibri" panose="020F0502020204030204" pitchFamily="34" charset="0"/>
+                <a:ea typeface="Times New Roman" panose="02020603050405020304" pitchFamily="18" charset="0"/>
+                <a:cs typeface="Times New Roman" panose="02020603050405020304" pitchFamily="18" charset="0"/>
+              </a:rPr>
+              <a:t> extraen, transforman y cargan (ETL)</a:t>
+            </a:r>
+            <a:endParaRPr lang="es-ES" dirty="0"/>
+          </a:p>
+        </p:txBody>
+      </p:sp>
+      <p:sp>
+        <p:nvSpPr>
+          <p:cNvPr id="7" name="CuadroTexto 6">
+            <a:extLst>
+              <a:ext uri="{FF2B5EF4-FFF2-40B4-BE49-F238E27FC236}">
+                <a16:creationId xmlns:a16="http://schemas.microsoft.com/office/drawing/2014/main" id="{97C76C38-C8FF-F7CA-5D4C-0F59DF619C6A}"/>
+              </a:ext>
+            </a:extLst>
+          </p:cNvPr>
+          <p:cNvSpPr txBox="1"/>
+          <p:nvPr/>
+        </p:nvSpPr>
+        <p:spPr>
+          <a:xfrm>
+            <a:off x="4314920" y="3449989"/>
+            <a:ext cx="6094476" cy="671915"/>
+          </a:xfrm>
+          <a:prstGeom prst="rect">
+            <a:avLst/>
+          </a:prstGeom>
+          <a:noFill/>
+        </p:spPr>
+        <p:txBody>
+          <a:bodyPr wrap="square">
+            <a:spAutoFit/>
+          </a:bodyPr>
+          <a:lstStyle/>
+          <a:p>
+            <a:pPr marL="735330" indent="-285750" algn="just">
+              <a:lnSpc>
+                <a:spcPct val="107000"/>
+              </a:lnSpc>
+              <a:spcAft>
+                <a:spcPts val="800"/>
+              </a:spcAft>
+              <a:buFont typeface="Arial" panose="020B0604020202020204" pitchFamily="34" charset="0"/>
+              <a:buChar char="•"/>
+            </a:pPr>
+            <a:r>
+              <a:rPr lang="es-ES" sz="1800" b="1" dirty="0">
+                <a:effectLst/>
+                <a:latin typeface="Calibri" panose="020F0502020204030204" pitchFamily="34" charset="0"/>
+                <a:ea typeface="Times New Roman" panose="02020603050405020304" pitchFamily="18" charset="0"/>
+                <a:cs typeface="Times New Roman" panose="02020603050405020304" pitchFamily="18" charset="0"/>
+              </a:rPr>
+              <a:t>Un ejemplo de plataforma ETL es el Pentaho Data </a:t>
+            </a:r>
+            <a:r>
+              <a:rPr lang="es-ES" sz="1800" b="1" dirty="0" err="1">
+                <a:effectLst/>
+                <a:latin typeface="Calibri" panose="020F0502020204030204" pitchFamily="34" charset="0"/>
+                <a:ea typeface="Times New Roman" panose="02020603050405020304" pitchFamily="18" charset="0"/>
+                <a:cs typeface="Times New Roman" panose="02020603050405020304" pitchFamily="18" charset="0"/>
+              </a:rPr>
+              <a:t>Integration</a:t>
+            </a:r>
+            <a:r>
+              <a:rPr lang="es-ES" sz="1800" b="1" dirty="0">
+                <a:effectLst/>
+                <a:latin typeface="Calibri" panose="020F0502020204030204" pitchFamily="34" charset="0"/>
+                <a:ea typeface="Times New Roman" panose="02020603050405020304" pitchFamily="18" charset="0"/>
+                <a:cs typeface="Times New Roman" panose="02020603050405020304" pitchFamily="18" charset="0"/>
+              </a:rPr>
+              <a:t>, más concretamente su aplicación </a:t>
+            </a:r>
+            <a:r>
+              <a:rPr lang="es-ES" sz="1800" b="1" dirty="0" err="1">
+                <a:effectLst/>
+                <a:latin typeface="Calibri" panose="020F0502020204030204" pitchFamily="34" charset="0"/>
+                <a:ea typeface="Times New Roman" panose="02020603050405020304" pitchFamily="18" charset="0"/>
+                <a:cs typeface="Times New Roman" panose="02020603050405020304" pitchFamily="18" charset="0"/>
+              </a:rPr>
+              <a:t>Spoon</a:t>
+            </a:r>
+            <a:r>
+              <a:rPr lang="es-ES" sz="1800" b="1" dirty="0">
+                <a:effectLst/>
+                <a:latin typeface="Calibri" panose="020F0502020204030204" pitchFamily="34" charset="0"/>
+                <a:ea typeface="Times New Roman" panose="02020603050405020304" pitchFamily="18" charset="0"/>
+                <a:cs typeface="Times New Roman" panose="02020603050405020304" pitchFamily="18" charset="0"/>
+              </a:rPr>
+              <a:t>.</a:t>
+            </a:r>
+            <a:endParaRPr lang="es-ES" sz="1800" dirty="0">
+              <a:effectLst/>
+              <a:latin typeface="Calibri" panose="020F0502020204030204" pitchFamily="34" charset="0"/>
+              <a:ea typeface="Calibri" panose="020F0502020204030204" pitchFamily="34" charset="0"/>
+              <a:cs typeface="Times New Roman" panose="02020603050405020304" pitchFamily="18" charset="0"/>
+            </a:endParaRPr>
+          </a:p>
+        </p:txBody>
+      </p:sp>
+    </p:spTree>
+    <p:extLst>
+      <p:ext uri="{BB962C8B-B14F-4D97-AF65-F5344CB8AC3E}">
+        <p14:creationId xmlns:p14="http://schemas.microsoft.com/office/powerpoint/2010/main" val="1742839268"/>
+      </p:ext>
+    </p:extLst>
+  </p:cSld>
+  <p:clrMapOvr>
+    <a:masterClrMapping/>
+  </p:clrMapOvr>
+  <p:timing>
+    <p:tnLst>
+      <p:par>
+        <p:cTn id="1" dur="indefinite" restart="never" nodeType="tmRoot">
+          <p:childTnLst>
+            <p:seq concurrent="1" nextAc="seek">
+              <p:cTn id="2" dur="indefinite" nodeType="mainSeq">
+                <p:childTnLst>
+                  <p:par>
+                    <p:cTn id="3" fill="hold">
+                      <p:stCondLst>
+                        <p:cond delay="indefinite"/>
+                        <p:cond evt="onBegin" delay="0">
+                          <p:tn val="2"/>
+                        </p:cond>
+                      </p:stCondLst>
+                      <p:childTnLst>
+                        <p:par>
+                          <p:cTn id="4" fill="hold">
+                            <p:stCondLst>
+                              <p:cond delay="0"/>
+                            </p:stCondLst>
+                            <p:childTnLst>
+                              <p:par>
+                                <p:cTn id="5" presetID="10" presetClass="entr" presetSubtype="0" fill="hold" grpId="0" nodeType="withEffect">
+                                  <p:stCondLst>
+                                    <p:cond delay="0"/>
+                                  </p:stCondLst>
+                                  <p:childTnLst>
+                                    <p:set>
+                                      <p:cBhvr>
+                                        <p:cTn id="6" dur="1" fill="hold">
+                                          <p:stCondLst>
+                                            <p:cond delay="0"/>
+                                          </p:stCondLst>
+                                        </p:cTn>
+                                        <p:tgtEl>
+                                          <p:spTgt spid="25"/>
+                                        </p:tgtEl>
+                                        <p:attrNameLst>
+                                          <p:attrName>style.visibility</p:attrName>
+                                        </p:attrNameLst>
+                                      </p:cBhvr>
+                                      <p:to>
+                                        <p:strVal val="visible"/>
+                                      </p:to>
+                                    </p:set>
+                                    <p:animEffect transition="in" filter="fade">
+                                      <p:cBhvr>
+                                        <p:cTn id="7" dur="10"/>
+                                        <p:tgtEl>
+                                          <p:spTgt spid="25"/>
+                                        </p:tgtEl>
+                                      </p:cBhvr>
+                                    </p:animEffect>
+                                  </p:childTnLst>
+                                </p:cTn>
+                              </p:par>
+                              <p:par>
+                                <p:cTn id="8" presetID="10" presetClass="entr" presetSubtype="0" fill="hold" grpId="0" nodeType="withEffect">
+                                  <p:stCondLst>
+                                    <p:cond delay="0"/>
+                                  </p:stCondLst>
+                                  <p:childTnLst>
+                                    <p:set>
+                                      <p:cBhvr>
+                                        <p:cTn id="9" dur="1" fill="hold">
+                                          <p:stCondLst>
+                                            <p:cond delay="0"/>
+                                          </p:stCondLst>
+                                        </p:cTn>
+                                        <p:tgtEl>
+                                          <p:spTgt spid="38"/>
+                                        </p:tgtEl>
+                                        <p:attrNameLst>
+                                          <p:attrName>style.visibility</p:attrName>
+                                        </p:attrNameLst>
+                                      </p:cBhvr>
+                                      <p:to>
+                                        <p:strVal val="visible"/>
+                                      </p:to>
+                                    </p:set>
+                                    <p:animEffect transition="in" filter="fade">
+                                      <p:cBhvr>
+                                        <p:cTn id="10" dur="10"/>
+                                        <p:tgtEl>
+                                          <p:spTgt spid="38"/>
+                                        </p:tgtEl>
+                                      </p:cBhvr>
+                                    </p:animEffect>
+                                  </p:childTnLst>
+                                </p:cTn>
+                              </p:par>
+                            </p:childTnLst>
+                          </p:cTn>
+                        </p:par>
+                      </p:childTnLst>
+                    </p:cTn>
+                  </p:par>
+                </p:childTnLst>
+              </p:cTn>
+              <p:prevCondLst>
+                <p:cond evt="onPrev" delay="0">
+                  <p:tgtEl>
+                    <p:sldTgt/>
+                  </p:tgtEl>
+                </p:cond>
+              </p:prevCondLst>
+              <p:nextCondLst>
+                <p:cond evt="onNext" delay="0">
+                  <p:tgtEl>
+                    <p:sldTgt/>
+                  </p:tgtEl>
+                </p:cond>
+              </p:nextCondLst>
+            </p:seq>
+          </p:childTnLst>
+        </p:cTn>
+      </p:par>
+    </p:tnLst>
+    <p:bldLst>
+      <p:bldP spid="25" grpId="0"/>
+      <p:bldP spid="38" grpId="0"/>
+    </p:bldLst>
+  </p:timing>
+</p:sld>
+</file>
+
+<file path=ppt/slides/slide12.xml><?xml version="1.0" encoding="utf-8"?>
+<p:sld xmlns:a="http://schemas.openxmlformats.org/drawingml/2006/main" xmlns:r="http://schemas.openxmlformats.org/officeDocument/2006/relationships" xmlns:p="http://schemas.openxmlformats.org/presentationml/2006/main">
+  <p:cSld>
+    <p:bg>
+      <p:bgPr>
+        <a:solidFill>
+          <a:schemeClr val="bg1"/>
+        </a:solidFill>
+        <a:effectLst/>
+      </p:bgPr>
+    </p:bg>
+    <p:spTree>
+      <p:nvGrpSpPr>
+        <p:cNvPr id="1" name=""/>
+        <p:cNvGrpSpPr/>
+        <p:nvPr/>
+      </p:nvGrpSpPr>
+      <p:grpSpPr>
+        <a:xfrm>
+          <a:off x="0" y="0"/>
+          <a:ext cx="0" cy="0"/>
+          <a:chOff x="0" y="0"/>
+          <a:chExt cx="0" cy="0"/>
+        </a:xfrm>
+      </p:grpSpPr>
+      <p:sp>
+        <p:nvSpPr>
+          <p:cNvPr id="35" name="Rectangle 29">
+            <a:extLst>
+              <a:ext uri="{FF2B5EF4-FFF2-40B4-BE49-F238E27FC236}">
+                <a16:creationId xmlns:a16="http://schemas.microsoft.com/office/drawing/2014/main" id="{CDA1A2E9-63FE-408D-A803-8E306ECAB4B3}"/>
+              </a:ext>
+              <a:ext uri="{C183D7F6-B498-43B3-948B-1728B52AA6E4}">
+                <adec:decorative xmlns:adec="http://schemas.microsoft.com/office/drawing/2017/decorative" val="1"/>
+              </a:ext>
+            </a:extLst>
+          </p:cNvPr>
+          <p:cNvSpPr>
+            <a:spLocks noGrp="1" noRot="1" noChangeAspect="1" noMove="1" noResize="1" noEditPoints="1" noAdjustHandles="1" noChangeArrowheads="1" noChangeShapeType="1" noTextEdit="1"/>
+          </p:cNvSpPr>
+          <p:nvPr>
+            <p:extLst>
+              <p:ext uri="{386F3935-93C4-4BCD-93E2-E3B085C9AB24}">
+                <p16:designElem xmlns:p16="http://schemas.microsoft.com/office/powerpoint/2015/main" val="1"/>
+              </p:ext>
+            </p:extLst>
+          </p:nvPr>
+        </p:nvSpPr>
+        <p:spPr>
+          <a:xfrm>
+            <a:off x="462058" y="450220"/>
+            <a:ext cx="3904488" cy="4233672"/>
+          </a:xfrm>
+          <a:prstGeom prst="rect">
+            <a:avLst/>
+          </a:prstGeom>
+          <a:solidFill>
+            <a:srgbClr val="595959"/>
+          </a:solidFill>
+          <a:ln w="25400">
+            <a:noFill/>
+          </a:ln>
+        </p:spPr>
+        <p:style>
+          <a:lnRef idx="2">
+            <a:schemeClr val="accent1">
+              <a:shade val="50000"/>
+            </a:schemeClr>
+          </a:lnRef>
+          <a:fillRef idx="1">
+            <a:schemeClr val="accent1"/>
+          </a:fillRef>
+          <a:effectRef idx="0">
+            <a:schemeClr val="accent1"/>
+          </a:effectRef>
+          <a:fontRef idx="minor">
+            <a:schemeClr val="lt1"/>
+          </a:fontRef>
+        </p:style>
+        <p:txBody>
+          <a:bodyPr rtlCol="0" anchor="ctr"/>
+          <a:lstStyle/>
+          <a:p>
+            <a:pPr marL="0" marR="0" lvl="0" indent="0" algn="ctr" defTabSz="914400" rtl="0" eaLnBrk="1" fontAlgn="auto" latinLnBrk="0" hangingPunct="1">
+              <a:lnSpc>
+                <a:spcPct val="100000"/>
+              </a:lnSpc>
+              <a:spcBef>
+                <a:spcPts val="0"/>
+              </a:spcBef>
+              <a:spcAft>
+                <a:spcPts val="0"/>
+              </a:spcAft>
+              <a:buClrTx/>
+              <a:buSzTx/>
+              <a:buFontTx/>
+              <a:buNone/>
+              <a:tabLst/>
+              <a:defRPr/>
+            </a:pPr>
+            <a:endParaRPr kumimoji="0" lang="en-US" sz="1800" b="0" i="0" u="none" strike="noStrike" kern="1200" cap="none" spc="0" normalizeH="0" baseline="0" noProof="0">
+              <a:ln>
+                <a:noFill/>
+              </a:ln>
+              <a:solidFill>
+                <a:srgbClr val="404040"/>
+              </a:solidFill>
+              <a:effectLst/>
+              <a:uLnTx/>
+              <a:uFillTx/>
+              <a:latin typeface="Calibri" panose="020F0502020204030204"/>
+              <a:ea typeface="+mn-ea"/>
+              <a:cs typeface="+mn-cs"/>
+            </a:endParaRPr>
+          </a:p>
+        </p:txBody>
+      </p:sp>
+      <p:sp>
+        <p:nvSpPr>
+          <p:cNvPr id="2" name="Título 1">
+            <a:extLst>
+              <a:ext uri="{FF2B5EF4-FFF2-40B4-BE49-F238E27FC236}">
+                <a16:creationId xmlns:a16="http://schemas.microsoft.com/office/drawing/2014/main" id="{2A7DC3FE-66EB-750C-3214-9159D346F772}"/>
+              </a:ext>
+            </a:extLst>
+          </p:cNvPr>
+          <p:cNvSpPr>
+            <a:spLocks noGrp="1"/>
+          </p:cNvSpPr>
+          <p:nvPr>
+            <p:ph type="title"/>
+          </p:nvPr>
+        </p:nvSpPr>
+        <p:spPr>
+          <a:xfrm>
+            <a:off x="731520" y="1115568"/>
+            <a:ext cx="3364992" cy="2843784"/>
+          </a:xfrm>
+        </p:spPr>
+        <p:txBody>
+          <a:bodyPr vert="horz" lIns="91440" tIns="45720" rIns="91440" bIns="45720" rtlCol="0" anchor="ctr">
+            <a:normAutofit/>
+          </a:bodyPr>
+          <a:lstStyle/>
+          <a:p>
+            <a:r>
+              <a:rPr lang="en-US" sz="2400" kern="1200" dirty="0">
+                <a:solidFill>
+                  <a:srgbClr val="FFFFFF"/>
+                </a:solidFill>
+                <a:latin typeface="+mj-lt"/>
+                <a:ea typeface="+mj-ea"/>
+                <a:cs typeface="+mj-cs"/>
+              </a:rPr>
+              <a:t>FUNCIONAMIENTO</a:t>
+            </a:r>
+          </a:p>
+        </p:txBody>
+      </p:sp>
+      <p:sp>
+        <p:nvSpPr>
+          <p:cNvPr id="37" name="Rectangle 31">
+            <a:extLst>
+              <a:ext uri="{FF2B5EF4-FFF2-40B4-BE49-F238E27FC236}">
+                <a16:creationId xmlns:a16="http://schemas.microsoft.com/office/drawing/2014/main" id="{FBE9F90C-C163-435B-9A68-D15C92D1CF2B}"/>
+              </a:ext>
+              <a:ext uri="{C183D7F6-B498-43B3-948B-1728B52AA6E4}">
+                <adec:decorative xmlns:adec="http://schemas.microsoft.com/office/drawing/2017/decorative" val="1"/>
+              </a:ext>
+            </a:extLst>
+          </p:cNvPr>
+          <p:cNvSpPr>
+            <a:spLocks noGrp="1" noRot="1" noChangeAspect="1" noMove="1" noResize="1" noEditPoints="1" noAdjustHandles="1" noChangeArrowheads="1" noChangeShapeType="1" noTextEdit="1"/>
+          </p:cNvSpPr>
+          <p:nvPr>
+            <p:extLst>
+              <p:ext uri="{386F3935-93C4-4BCD-93E2-E3B085C9AB24}">
+                <p16:designElem xmlns:p16="http://schemas.microsoft.com/office/powerpoint/2015/main" val="1"/>
+              </p:ext>
+            </p:extLst>
+          </p:nvPr>
+        </p:nvSpPr>
+        <p:spPr>
+          <a:xfrm>
+            <a:off x="466344" y="4846320"/>
+            <a:ext cx="2395728" cy="1563624"/>
+          </a:xfrm>
+          <a:prstGeom prst="rect">
+            <a:avLst/>
+          </a:prstGeom>
+          <a:solidFill>
+            <a:schemeClr val="accent1">
+              <a:alpha val="94902"/>
+            </a:schemeClr>
+          </a:solidFill>
+          <a:ln w="25400">
+            <a:noFill/>
+          </a:ln>
+        </p:spPr>
+        <p:style>
+          <a:lnRef idx="2">
+            <a:schemeClr val="accent1">
+              <a:shade val="50000"/>
+            </a:schemeClr>
+          </a:lnRef>
+          <a:fillRef idx="1">
+            <a:schemeClr val="accent1"/>
+          </a:fillRef>
+          <a:effectRef idx="0">
+            <a:schemeClr val="accent1"/>
+          </a:effectRef>
+          <a:fontRef idx="minor">
+            <a:schemeClr val="lt1"/>
+          </a:fontRef>
+        </p:style>
+        <p:txBody>
+          <a:bodyPr rtlCol="0" anchor="ctr"/>
+          <a:lstStyle/>
+          <a:p>
+            <a:pPr marL="0" marR="0" lvl="0" indent="0" algn="ctr" defTabSz="914400" rtl="0" eaLnBrk="1" fontAlgn="auto" latinLnBrk="0" hangingPunct="1">
+              <a:lnSpc>
+                <a:spcPct val="100000"/>
+              </a:lnSpc>
+              <a:spcBef>
+                <a:spcPts val="0"/>
+              </a:spcBef>
+              <a:spcAft>
+                <a:spcPts val="0"/>
+              </a:spcAft>
+              <a:buClrTx/>
+              <a:buSzTx/>
+              <a:buFontTx/>
+              <a:buNone/>
+              <a:tabLst/>
+              <a:defRPr/>
+            </a:pPr>
+            <a:endParaRPr kumimoji="0" lang="en-US" sz="1800" b="0" i="0" u="none" strike="noStrike" kern="1200" cap="none" spc="0" normalizeH="0" baseline="0" noProof="0">
+              <a:ln>
+                <a:noFill/>
+              </a:ln>
+              <a:solidFill>
+                <a:srgbClr val="FFFFFF"/>
+              </a:solidFill>
+              <a:effectLst/>
+              <a:uLnTx/>
+              <a:uFillTx/>
+              <a:latin typeface="Calibri" panose="020F0502020204030204"/>
+              <a:ea typeface="+mn-ea"/>
+              <a:cs typeface="+mn-cs"/>
+            </a:endParaRPr>
+          </a:p>
+        </p:txBody>
+      </p:sp>
+      <p:sp>
+        <p:nvSpPr>
+          <p:cNvPr id="25" name="Título 1">
+            <a:extLst>
+              <a:ext uri="{FF2B5EF4-FFF2-40B4-BE49-F238E27FC236}">
+                <a16:creationId xmlns:a16="http://schemas.microsoft.com/office/drawing/2014/main" id="{A7DE5D37-8AA9-8EF9-EECC-6BBE4B884199}"/>
+              </a:ext>
+            </a:extLst>
+          </p:cNvPr>
+          <p:cNvSpPr txBox="1">
+            <a:spLocks/>
+          </p:cNvSpPr>
+          <p:nvPr/>
+        </p:nvSpPr>
+        <p:spPr>
+          <a:xfrm>
+            <a:off x="731520" y="5120640"/>
+            <a:ext cx="1828800" cy="1024128"/>
+          </a:xfrm>
+          <a:prstGeom prst="rect">
+            <a:avLst/>
+          </a:prstGeom>
+        </p:spPr>
+        <p:txBody>
+          <a:bodyPr vert="horz" lIns="91440" tIns="45720" rIns="91440" bIns="45720" rtlCol="0" anchor="ctr">
+            <a:normAutofit/>
+          </a:bodyPr>
+          <a:lstStyle>
+            <a:lvl1pPr algn="l" defTabSz="914400" rtl="0" eaLnBrk="1" latinLnBrk="0" hangingPunct="1">
+              <a:lnSpc>
+                <a:spcPct val="90000"/>
+              </a:lnSpc>
+              <a:spcBef>
+                <a:spcPct val="0"/>
+              </a:spcBef>
+              <a:buNone/>
+              <a:defRPr sz="4400" kern="1200">
+                <a:solidFill>
+                  <a:schemeClr val="tx1"/>
+                </a:solidFill>
+                <a:latin typeface="+mj-lt"/>
+                <a:ea typeface="+mj-ea"/>
+                <a:cs typeface="+mj-cs"/>
+              </a:defRPr>
+            </a:lvl1pPr>
+          </a:lstStyle>
+          <a:p>
+            <a:pPr>
+              <a:spcBef>
+                <a:spcPts val="1000"/>
+              </a:spcBef>
+              <a:spcAft>
+                <a:spcPts val="600"/>
+              </a:spcAft>
+            </a:pPr>
+            <a:r>
+              <a:rPr lang="en-US" sz="1000" b="1" kern="1200">
+                <a:solidFill>
+                  <a:srgbClr val="FFFFFF"/>
+                </a:solidFill>
+                <a:latin typeface="+mn-lt"/>
+                <a:ea typeface="+mn-ea"/>
+                <a:cs typeface="+mn-cs"/>
+              </a:rPr>
+              <a:t>EDUARDO MARTÍN-SONSECA</a:t>
+            </a:r>
+            <a:br>
+              <a:rPr lang="en-US" sz="1000" b="1" kern="1200">
+                <a:solidFill>
+                  <a:srgbClr val="FFFFFF"/>
+                </a:solidFill>
+                <a:latin typeface="+mn-lt"/>
+                <a:ea typeface="+mn-ea"/>
+                <a:cs typeface="+mn-cs"/>
+              </a:rPr>
+            </a:br>
+            <a:r>
+              <a:rPr lang="en-US" sz="1000" b="1" kern="1200">
+                <a:solidFill>
+                  <a:srgbClr val="FFFFFF"/>
+                </a:solidFill>
+                <a:latin typeface="+mn-lt"/>
+                <a:ea typeface="+mn-ea"/>
+                <a:cs typeface="+mn-cs"/>
+              </a:rPr>
+              <a:t>LUIS FERNANDEZ CASTELO</a:t>
+            </a:r>
+            <a:br>
+              <a:rPr lang="en-US" sz="1000" b="1" kern="1200">
+                <a:solidFill>
+                  <a:srgbClr val="FFFFFF"/>
+                </a:solidFill>
+                <a:latin typeface="+mn-lt"/>
+                <a:ea typeface="+mn-ea"/>
+                <a:cs typeface="+mn-cs"/>
+              </a:rPr>
+            </a:br>
+            <a:r>
+              <a:rPr lang="en-US" sz="1000" b="1" kern="1200">
+                <a:solidFill>
+                  <a:srgbClr val="FFFFFF"/>
+                </a:solidFill>
+                <a:latin typeface="+mn-lt"/>
+                <a:ea typeface="+mn-ea"/>
+                <a:cs typeface="+mn-cs"/>
+              </a:rPr>
+              <a:t>1º DESARROLLO DE APLICACIONES MULTIPLATAFORMA</a:t>
+            </a:r>
+            <a:endParaRPr lang="en-US" sz="1000" kern="1200">
+              <a:solidFill>
+                <a:srgbClr val="FFFFFF"/>
+              </a:solidFill>
+              <a:latin typeface="+mn-lt"/>
+              <a:ea typeface="+mn-ea"/>
+              <a:cs typeface="+mn-cs"/>
+            </a:endParaRPr>
+          </a:p>
+        </p:txBody>
+      </p:sp>
+      <p:sp>
+        <p:nvSpPr>
+          <p:cNvPr id="34" name="Rectangle 33">
+            <a:extLst>
+              <a:ext uri="{FF2B5EF4-FFF2-40B4-BE49-F238E27FC236}">
+                <a16:creationId xmlns:a16="http://schemas.microsoft.com/office/drawing/2014/main" id="{2C910467-8185-45DD-B8A2-A88DF20DF6E0}"/>
+              </a:ext>
+              <a:ext uri="{C183D7F6-B498-43B3-948B-1728B52AA6E4}">
+                <adec:decorative xmlns:adec="http://schemas.microsoft.com/office/drawing/2017/decorative" val="1"/>
+              </a:ext>
+            </a:extLst>
+          </p:cNvPr>
+          <p:cNvSpPr>
+            <a:spLocks noGrp="1" noRot="1" noChangeAspect="1" noMove="1" noResize="1" noEditPoints="1" noAdjustHandles="1" noChangeArrowheads="1" noChangeShapeType="1" noTextEdit="1"/>
+          </p:cNvSpPr>
+          <p:nvPr>
+            <p:extLst>
+              <p:ext uri="{386F3935-93C4-4BCD-93E2-E3B085C9AB24}">
+                <p16:designElem xmlns:p16="http://schemas.microsoft.com/office/powerpoint/2015/main" val="1"/>
+              </p:ext>
+            </p:extLst>
+          </p:nvPr>
+        </p:nvSpPr>
+        <p:spPr>
+          <a:xfrm>
+            <a:off x="4521995" y="450221"/>
+            <a:ext cx="7207948" cy="5948859"/>
+          </a:xfrm>
+          <a:prstGeom prst="rect">
+            <a:avLst/>
+          </a:prstGeom>
+          <a:solidFill>
+            <a:srgbClr val="7F7F7F">
+              <a:alpha val="24000"/>
+            </a:srgbClr>
+          </a:solidFill>
+          <a:ln w="25400">
+            <a:noFill/>
+          </a:ln>
+        </p:spPr>
+        <p:style>
+          <a:lnRef idx="2">
+            <a:schemeClr val="accent1">
+              <a:shade val="50000"/>
+            </a:schemeClr>
+          </a:lnRef>
+          <a:fillRef idx="1">
+            <a:schemeClr val="accent1"/>
+          </a:fillRef>
+          <a:effectRef idx="0">
+            <a:schemeClr val="accent1"/>
+          </a:effectRef>
+          <a:fontRef idx="minor">
+            <a:schemeClr val="lt1"/>
+          </a:fontRef>
+        </p:style>
+        <p:txBody>
+          <a:bodyPr rtlCol="0" anchor="ctr"/>
+          <a:lstStyle/>
+          <a:p>
+            <a:pPr marL="0" marR="0" lvl="0" indent="0" algn="ctr" defTabSz="914400" rtl="0" eaLnBrk="1" fontAlgn="auto" latinLnBrk="0" hangingPunct="1">
+              <a:lnSpc>
+                <a:spcPct val="100000"/>
+              </a:lnSpc>
+              <a:spcBef>
+                <a:spcPts val="0"/>
+              </a:spcBef>
+              <a:spcAft>
+                <a:spcPts val="0"/>
+              </a:spcAft>
+              <a:buClrTx/>
+              <a:buSzTx/>
+              <a:buFontTx/>
+              <a:buNone/>
+              <a:tabLst/>
+              <a:defRPr/>
+            </a:pPr>
+            <a:endParaRPr kumimoji="0" lang="en-US" sz="1800" b="0" i="0" u="none" strike="noStrike" kern="1200" cap="none" spc="0" normalizeH="0" baseline="0" noProof="0">
+              <a:ln>
+                <a:noFill/>
+              </a:ln>
+              <a:solidFill>
+                <a:srgbClr val="FFFFFF"/>
+              </a:solidFill>
+              <a:effectLst/>
+              <a:uLnTx/>
+              <a:uFillTx/>
+              <a:latin typeface="Calibri" panose="020F0502020204030204"/>
+              <a:ea typeface="+mn-ea"/>
+              <a:cs typeface="+mn-cs"/>
+            </a:endParaRPr>
+          </a:p>
+        </p:txBody>
+      </p:sp>
+      <p:sp>
+        <p:nvSpPr>
+          <p:cNvPr id="36" name="Rectangle 35">
+            <a:extLst>
+              <a:ext uri="{FF2B5EF4-FFF2-40B4-BE49-F238E27FC236}">
+                <a16:creationId xmlns:a16="http://schemas.microsoft.com/office/drawing/2014/main" id="{1A882A9F-F4E9-4E23-8F0B-20B5DF42EAA9}"/>
+              </a:ext>
+              <a:ext uri="{C183D7F6-B498-43B3-948B-1728B52AA6E4}">
+                <adec:decorative xmlns:adec="http://schemas.microsoft.com/office/drawing/2017/decorative" val="1"/>
+              </a:ext>
+            </a:extLst>
+          </p:cNvPr>
+          <p:cNvSpPr>
+            <a:spLocks noGrp="1" noRot="1" noChangeAspect="1" noMove="1" noResize="1" noEditPoints="1" noAdjustHandles="1" noChangeArrowheads="1" noChangeShapeType="1" noTextEdit="1"/>
+          </p:cNvSpPr>
+          <p:nvPr>
+            <p:extLst>
+              <p:ext uri="{386F3935-93C4-4BCD-93E2-E3B085C9AB24}">
+                <p16:designElem xmlns:p16="http://schemas.microsoft.com/office/powerpoint/2015/main" val="1"/>
+              </p:ext>
+            </p:extLst>
+          </p:nvPr>
+        </p:nvSpPr>
+        <p:spPr>
+          <a:xfrm>
+            <a:off x="3017520" y="4835010"/>
+            <a:ext cx="1349026" cy="1572768"/>
+          </a:xfrm>
+          <a:prstGeom prst="rect">
+            <a:avLst/>
+          </a:prstGeom>
+          <a:solidFill>
+            <a:srgbClr val="A5A5A5"/>
+          </a:solidFill>
+          <a:ln w="25400">
+            <a:noFill/>
+          </a:ln>
+        </p:spPr>
+        <p:style>
+          <a:lnRef idx="2">
+            <a:schemeClr val="accent1">
+              <a:shade val="50000"/>
+            </a:schemeClr>
+          </a:lnRef>
+          <a:fillRef idx="1">
+            <a:schemeClr val="accent1"/>
+          </a:fillRef>
+          <a:effectRef idx="0">
+            <a:schemeClr val="accent1"/>
+          </a:effectRef>
+          <a:fontRef idx="minor">
+            <a:schemeClr val="lt1"/>
+          </a:fontRef>
+        </p:style>
+        <p:txBody>
+          <a:bodyPr rtlCol="0" anchor="ctr"/>
+          <a:lstStyle/>
+          <a:p>
+            <a:pPr marL="0" marR="0" lvl="0" indent="0" algn="ctr" defTabSz="914400" rtl="0" eaLnBrk="1" fontAlgn="auto" latinLnBrk="0" hangingPunct="1">
+              <a:lnSpc>
+                <a:spcPct val="100000"/>
+              </a:lnSpc>
+              <a:spcBef>
+                <a:spcPts val="0"/>
+              </a:spcBef>
+              <a:spcAft>
+                <a:spcPts val="0"/>
+              </a:spcAft>
+              <a:buClrTx/>
+              <a:buSzTx/>
+              <a:buFontTx/>
+              <a:buNone/>
+              <a:tabLst/>
+              <a:defRPr/>
+            </a:pPr>
+            <a:endParaRPr kumimoji="0" lang="en-US" sz="1800" b="0" i="0" u="none" strike="noStrike" kern="1200" cap="none" spc="0" normalizeH="0" baseline="0" noProof="0">
+              <a:ln>
+                <a:noFill/>
+              </a:ln>
+              <a:solidFill>
+                <a:srgbClr val="FFFFFF"/>
+              </a:solidFill>
+              <a:effectLst/>
+              <a:uLnTx/>
+              <a:uFillTx/>
+              <a:latin typeface="Calibri" panose="020F0502020204030204"/>
+              <a:ea typeface="+mn-ea"/>
+              <a:cs typeface="+mn-cs"/>
+            </a:endParaRPr>
+          </a:p>
+        </p:txBody>
+      </p:sp>
+      <p:sp>
+        <p:nvSpPr>
+          <p:cNvPr id="38" name="Título 1">
+            <a:extLst>
+              <a:ext uri="{FF2B5EF4-FFF2-40B4-BE49-F238E27FC236}">
+                <a16:creationId xmlns:a16="http://schemas.microsoft.com/office/drawing/2014/main" id="{CA4169E5-9120-9091-CC2A-25C84492C2F1}"/>
+              </a:ext>
+            </a:extLst>
+          </p:cNvPr>
+          <p:cNvSpPr txBox="1">
+            <a:spLocks/>
+          </p:cNvSpPr>
+          <p:nvPr/>
+        </p:nvSpPr>
+        <p:spPr>
+          <a:xfrm>
+            <a:off x="2939795" y="4851843"/>
+            <a:ext cx="1504475" cy="1555935"/>
+          </a:xfrm>
+          <a:prstGeom prst="rect">
+            <a:avLst/>
+          </a:prstGeom>
+        </p:spPr>
+        <p:txBody>
+          <a:bodyPr vert="horz" lIns="91440" tIns="45720" rIns="91440" bIns="45720" rtlCol="0" anchor="ctr">
+            <a:normAutofit/>
+          </a:bodyPr>
+          <a:lstStyle>
+            <a:lvl1pPr algn="l" defTabSz="914400" rtl="0" eaLnBrk="1" latinLnBrk="0" hangingPunct="1">
+              <a:lnSpc>
+                <a:spcPct val="90000"/>
+              </a:lnSpc>
+              <a:spcBef>
+                <a:spcPct val="0"/>
+              </a:spcBef>
+              <a:buNone/>
+              <a:defRPr sz="4400" kern="1200">
+                <a:solidFill>
+                  <a:schemeClr val="tx1"/>
+                </a:solidFill>
+                <a:latin typeface="+mj-lt"/>
+                <a:ea typeface="+mj-ea"/>
+                <a:cs typeface="+mj-cs"/>
+              </a:defRPr>
+            </a:lvl1pPr>
+          </a:lstStyle>
+          <a:p>
+            <a:pPr algn="ctr">
+              <a:spcBef>
+                <a:spcPts val="1000"/>
+              </a:spcBef>
+              <a:spcAft>
+                <a:spcPts val="600"/>
+              </a:spcAft>
+            </a:pPr>
+            <a:r>
+              <a:rPr lang="en-US" sz="1200" b="1" dirty="0">
+                <a:solidFill>
+                  <a:srgbClr val="FFFFFF"/>
+                </a:solidFill>
+                <a:latin typeface="+mn-lt"/>
+                <a:ea typeface="+mn-ea"/>
+                <a:cs typeface="+mn-cs"/>
+              </a:rPr>
+              <a:t>ALMACENAMIENTO NOSQL Y TIPOS</a:t>
+            </a:r>
+            <a:endParaRPr lang="en-US" sz="1200" kern="1200" dirty="0">
+              <a:solidFill>
+                <a:srgbClr val="FFFFFF"/>
+              </a:solidFill>
+              <a:latin typeface="+mn-lt"/>
+              <a:ea typeface="+mn-ea"/>
+              <a:cs typeface="+mn-cs"/>
+            </a:endParaRPr>
+          </a:p>
+        </p:txBody>
+      </p:sp>
+      <p:sp>
+        <p:nvSpPr>
+          <p:cNvPr id="4" name="CuadroTexto 3">
+            <a:extLst>
+              <a:ext uri="{FF2B5EF4-FFF2-40B4-BE49-F238E27FC236}">
+                <a16:creationId xmlns:a16="http://schemas.microsoft.com/office/drawing/2014/main" id="{F51D6295-97C2-8AE6-70F1-9E4E399E67E6}"/>
+              </a:ext>
+            </a:extLst>
+          </p:cNvPr>
+          <p:cNvSpPr txBox="1"/>
+          <p:nvPr/>
+        </p:nvSpPr>
+        <p:spPr>
+          <a:xfrm>
+            <a:off x="4758691" y="848913"/>
+            <a:ext cx="6094476" cy="1077218"/>
+          </a:xfrm>
+          <a:prstGeom prst="rect">
+            <a:avLst/>
+          </a:prstGeom>
+          <a:noFill/>
+        </p:spPr>
+        <p:txBody>
+          <a:bodyPr wrap="square">
+            <a:spAutoFit/>
+          </a:bodyPr>
+          <a:lstStyle/>
+          <a:p>
+            <a:pPr marL="285750" indent="-285750">
+              <a:buFont typeface="Arial" panose="020B0604020202020204" pitchFamily="34" charset="0"/>
+              <a:buChar char="•"/>
+            </a:pPr>
+            <a:r>
+              <a:rPr lang="es-ES" sz="1600" dirty="0">
+                <a:latin typeface="Calibri" panose="020F0502020204030204" pitchFamily="34" charset="0"/>
+                <a:ea typeface="Times New Roman" panose="02020603050405020304" pitchFamily="18" charset="0"/>
+                <a:cs typeface="Times New Roman" panose="02020603050405020304" pitchFamily="18" charset="0"/>
+              </a:rPr>
+              <a:t>Son sistemas los cuales no cumplen con el modelo entidad-relación, son más flexibles y sencillos de consultar, permite la manipulación de grandes cantidades de información de manera rápida,  mediante los siguientes tipos :</a:t>
+            </a:r>
+            <a:endParaRPr lang="es-ES" sz="1600" dirty="0"/>
+          </a:p>
+        </p:txBody>
+      </p:sp>
+      <p:sp>
+        <p:nvSpPr>
+          <p:cNvPr id="5" name="CuadroTexto 4">
+            <a:extLst>
+              <a:ext uri="{FF2B5EF4-FFF2-40B4-BE49-F238E27FC236}">
+                <a16:creationId xmlns:a16="http://schemas.microsoft.com/office/drawing/2014/main" id="{F66509A1-CE9E-11C9-7CBF-66896160AFDD}"/>
+              </a:ext>
+            </a:extLst>
+          </p:cNvPr>
+          <p:cNvSpPr txBox="1"/>
+          <p:nvPr/>
+        </p:nvSpPr>
+        <p:spPr>
+          <a:xfrm>
+            <a:off x="4758691" y="2124674"/>
+            <a:ext cx="6094476" cy="607539"/>
+          </a:xfrm>
+          <a:prstGeom prst="rect">
+            <a:avLst/>
+          </a:prstGeom>
+          <a:noFill/>
+        </p:spPr>
+        <p:txBody>
+          <a:bodyPr wrap="square">
+            <a:spAutoFit/>
+          </a:bodyPr>
+          <a:lstStyle/>
+          <a:p>
+            <a:pPr marL="285750" indent="-285750">
+              <a:lnSpc>
+                <a:spcPct val="107000"/>
+              </a:lnSpc>
+              <a:spcAft>
+                <a:spcPts val="800"/>
+              </a:spcAft>
+              <a:buFont typeface="Wingdings" panose="05000000000000000000" pitchFamily="2" charset="2"/>
+              <a:buChar char="ü"/>
+            </a:pPr>
+            <a:r>
+              <a:rPr lang="es-ES" sz="1600" b="1" dirty="0">
+                <a:effectLst/>
+                <a:ea typeface="Times New Roman" panose="02020603050405020304" pitchFamily="18" charset="0"/>
+                <a:cs typeface="Times New Roman" panose="02020603050405020304" pitchFamily="18" charset="0"/>
+              </a:rPr>
+              <a:t>Clave-valor (key-</a:t>
+            </a:r>
+            <a:r>
+              <a:rPr lang="es-ES" sz="1600" b="1" dirty="0" err="1">
+                <a:effectLst/>
+                <a:ea typeface="Times New Roman" panose="02020603050405020304" pitchFamily="18" charset="0"/>
+                <a:cs typeface="Times New Roman" panose="02020603050405020304" pitchFamily="18" charset="0"/>
+              </a:rPr>
+              <a:t>value</a:t>
+            </a:r>
+            <a:r>
+              <a:rPr lang="es-ES" sz="1600" b="1" dirty="0">
+                <a:effectLst/>
+                <a:ea typeface="Times New Roman" panose="02020603050405020304" pitchFamily="18" charset="0"/>
+                <a:cs typeface="Times New Roman" panose="02020603050405020304" pitchFamily="18" charset="0"/>
+              </a:rPr>
+              <a:t>)</a:t>
+            </a:r>
+            <a:r>
+              <a:rPr lang="es-ES" sz="1600" dirty="0">
+                <a:effectLst/>
+                <a:ea typeface="Times New Roman" panose="02020603050405020304" pitchFamily="18" charset="0"/>
+                <a:cs typeface="Times New Roman" panose="02020603050405020304" pitchFamily="18" charset="0"/>
+              </a:rPr>
+              <a:t>: Los datos se almacenan de forma similar a los mapas o diccionario de datos, a partir de una clave única</a:t>
+            </a:r>
+            <a:r>
+              <a:rPr lang="es-ES" sz="1600" dirty="0">
+                <a:ea typeface="Times New Roman" panose="02020603050405020304" pitchFamily="18" charset="0"/>
+                <a:cs typeface="Times New Roman" panose="02020603050405020304" pitchFamily="18" charset="0"/>
+              </a:rPr>
+              <a:t>.</a:t>
+            </a:r>
+            <a:endParaRPr lang="es-ES" sz="1600" dirty="0">
+              <a:effectLst/>
+              <a:ea typeface="Calibri" panose="020F0502020204030204" pitchFamily="34" charset="0"/>
+              <a:cs typeface="Times New Roman" panose="02020603050405020304" pitchFamily="18" charset="0"/>
+            </a:endParaRPr>
+          </a:p>
+        </p:txBody>
+      </p:sp>
+      <p:sp>
+        <p:nvSpPr>
+          <p:cNvPr id="8" name="CuadroTexto 7">
+            <a:extLst>
+              <a:ext uri="{FF2B5EF4-FFF2-40B4-BE49-F238E27FC236}">
+                <a16:creationId xmlns:a16="http://schemas.microsoft.com/office/drawing/2014/main" id="{B00BDDAF-B4CF-36B9-8161-81CCC351A1F9}"/>
+              </a:ext>
+            </a:extLst>
+          </p:cNvPr>
+          <p:cNvSpPr txBox="1"/>
+          <p:nvPr/>
+        </p:nvSpPr>
+        <p:spPr>
+          <a:xfrm>
+            <a:off x="4758691" y="2930756"/>
+            <a:ext cx="6094476" cy="607539"/>
+          </a:xfrm>
+          <a:prstGeom prst="rect">
+            <a:avLst/>
+          </a:prstGeom>
+          <a:noFill/>
+        </p:spPr>
+        <p:txBody>
+          <a:bodyPr wrap="square">
+            <a:spAutoFit/>
+          </a:bodyPr>
+          <a:lstStyle/>
+          <a:p>
+            <a:pPr marL="285750" indent="-285750">
+              <a:lnSpc>
+                <a:spcPct val="107000"/>
+              </a:lnSpc>
+              <a:spcAft>
+                <a:spcPts val="800"/>
+              </a:spcAft>
+              <a:buFont typeface="Wingdings" panose="05000000000000000000" pitchFamily="2" charset="2"/>
+              <a:buChar char="ü"/>
+            </a:pPr>
+            <a:r>
+              <a:rPr lang="es-ES" sz="1600" b="1" dirty="0">
+                <a:effectLst/>
+                <a:ea typeface="Times New Roman" panose="02020603050405020304" pitchFamily="18" charset="0"/>
+                <a:cs typeface="Times New Roman" panose="02020603050405020304" pitchFamily="18" charset="0"/>
+              </a:rPr>
+              <a:t>Documental</a:t>
+            </a:r>
+            <a:r>
+              <a:rPr lang="es-ES" sz="1600" dirty="0">
+                <a:effectLst/>
+                <a:ea typeface="Times New Roman" panose="02020603050405020304" pitchFamily="18" charset="0"/>
+                <a:cs typeface="Times New Roman" panose="02020603050405020304" pitchFamily="18" charset="0"/>
+              </a:rPr>
+              <a:t>: En este caso los datos se guardan de manera estructurada</a:t>
+            </a:r>
+            <a:endParaRPr lang="es-ES" sz="1600" dirty="0">
+              <a:effectLst/>
+              <a:ea typeface="Calibri" panose="020F0502020204030204" pitchFamily="34" charset="0"/>
+              <a:cs typeface="Times New Roman" panose="02020603050405020304" pitchFamily="18" charset="0"/>
+            </a:endParaRPr>
+          </a:p>
+        </p:txBody>
+      </p:sp>
+      <p:sp>
+        <p:nvSpPr>
+          <p:cNvPr id="10" name="CuadroTexto 9">
+            <a:extLst>
+              <a:ext uri="{FF2B5EF4-FFF2-40B4-BE49-F238E27FC236}">
+                <a16:creationId xmlns:a16="http://schemas.microsoft.com/office/drawing/2014/main" id="{5AB6A6EE-E3F2-AFD8-2C2B-09DEFB1D2687}"/>
+              </a:ext>
+            </a:extLst>
+          </p:cNvPr>
+          <p:cNvSpPr txBox="1"/>
+          <p:nvPr/>
+        </p:nvSpPr>
+        <p:spPr>
+          <a:xfrm>
+            <a:off x="4758691" y="3935104"/>
+            <a:ext cx="6094476" cy="1134478"/>
+          </a:xfrm>
+          <a:prstGeom prst="rect">
+            <a:avLst/>
+          </a:prstGeom>
+          <a:noFill/>
+        </p:spPr>
+        <p:txBody>
+          <a:bodyPr wrap="square">
+            <a:spAutoFit/>
+          </a:bodyPr>
+          <a:lstStyle/>
+          <a:p>
+            <a:pPr marL="285750" indent="-285750">
+              <a:lnSpc>
+                <a:spcPct val="107000"/>
+              </a:lnSpc>
+              <a:spcAft>
+                <a:spcPts val="800"/>
+              </a:spcAft>
+              <a:buFont typeface="Wingdings" panose="05000000000000000000" pitchFamily="2" charset="2"/>
+              <a:buChar char="ü"/>
+            </a:pPr>
+            <a:r>
+              <a:rPr lang="es-ES" sz="1600" b="1" dirty="0">
+                <a:effectLst/>
+                <a:ea typeface="Times New Roman" panose="02020603050405020304" pitchFamily="18" charset="0"/>
+                <a:cs typeface="Times New Roman" panose="02020603050405020304" pitchFamily="18" charset="0"/>
+              </a:rPr>
+              <a:t>En grafo</a:t>
+            </a:r>
+            <a:r>
+              <a:rPr lang="es-ES" sz="1600" dirty="0">
+                <a:effectLst/>
+                <a:ea typeface="Times New Roman" panose="02020603050405020304" pitchFamily="18" charset="0"/>
+                <a:cs typeface="Times New Roman" panose="02020603050405020304" pitchFamily="18" charset="0"/>
+              </a:rPr>
+              <a:t>: Se basa en la teoría de los grafos, donde se establece que la información son los nodos y las relaciones en la información son los artistas (Esta teoría se utiliza para relacionar grandes cantidades de datos.</a:t>
+            </a:r>
+            <a:endParaRPr lang="es-ES" sz="1600" dirty="0">
+              <a:effectLst/>
+              <a:ea typeface="Calibri" panose="020F0502020204030204" pitchFamily="34" charset="0"/>
+              <a:cs typeface="Times New Roman" panose="02020603050405020304" pitchFamily="18" charset="0"/>
+            </a:endParaRPr>
+          </a:p>
+        </p:txBody>
+      </p:sp>
+      <p:sp>
+        <p:nvSpPr>
+          <p:cNvPr id="12" name="CuadroTexto 11">
+            <a:extLst>
+              <a:ext uri="{FF2B5EF4-FFF2-40B4-BE49-F238E27FC236}">
+                <a16:creationId xmlns:a16="http://schemas.microsoft.com/office/drawing/2014/main" id="{FA9D423B-92DA-CF0D-86F3-06F3548E0219}"/>
+              </a:ext>
+            </a:extLst>
+          </p:cNvPr>
+          <p:cNvSpPr txBox="1"/>
+          <p:nvPr/>
+        </p:nvSpPr>
+        <p:spPr>
+          <a:xfrm>
+            <a:off x="4758691" y="5069582"/>
+            <a:ext cx="6094476" cy="871008"/>
+          </a:xfrm>
+          <a:prstGeom prst="rect">
+            <a:avLst/>
+          </a:prstGeom>
+          <a:noFill/>
+        </p:spPr>
+        <p:txBody>
+          <a:bodyPr wrap="square">
+            <a:spAutoFit/>
+          </a:bodyPr>
+          <a:lstStyle/>
+          <a:p>
+            <a:pPr marL="285750" indent="-285750">
+              <a:lnSpc>
+                <a:spcPct val="107000"/>
+              </a:lnSpc>
+              <a:spcAft>
+                <a:spcPts val="800"/>
+              </a:spcAft>
+              <a:buFont typeface="Wingdings" panose="05000000000000000000" pitchFamily="2" charset="2"/>
+              <a:buChar char="ü"/>
+            </a:pPr>
+            <a:r>
+              <a:rPr lang="es-ES" sz="1600" b="1" dirty="0">
+                <a:effectLst/>
+                <a:ea typeface="Times New Roman" panose="02020603050405020304" pitchFamily="18" charset="0"/>
+                <a:cs typeface="Times New Roman" panose="02020603050405020304" pitchFamily="18" charset="0"/>
+              </a:rPr>
+              <a:t>Orientado a columnas</a:t>
+            </a:r>
+            <a:r>
+              <a:rPr lang="es-ES" sz="1600" dirty="0">
+                <a:effectLst/>
+                <a:ea typeface="Times New Roman" panose="02020603050405020304" pitchFamily="18" charset="0"/>
+                <a:cs typeface="Times New Roman" panose="02020603050405020304" pitchFamily="18" charset="0"/>
+              </a:rPr>
+              <a:t>: Es un mapa de datos unidimensional poco denso, distribuido y persistente, guarda diferentes atributos y objetos bajo una misma clave.</a:t>
+            </a:r>
+            <a:endParaRPr lang="es-ES" sz="1600" dirty="0"/>
+          </a:p>
+        </p:txBody>
+      </p:sp>
+    </p:spTree>
+    <p:extLst>
+      <p:ext uri="{BB962C8B-B14F-4D97-AF65-F5344CB8AC3E}">
+        <p14:creationId xmlns:p14="http://schemas.microsoft.com/office/powerpoint/2010/main" val="3883349450"/>
+      </p:ext>
+    </p:extLst>
+  </p:cSld>
+  <p:clrMapOvr>
+    <a:masterClrMapping/>
+  </p:clrMapOvr>
+  <p:timing>
+    <p:tnLst>
+      <p:par>
+        <p:cTn id="1" dur="indefinite" restart="never" nodeType="tmRoot">
+          <p:childTnLst>
+            <p:seq concurrent="1" nextAc="seek">
+              <p:cTn id="2" dur="indefinite" nodeType="mainSeq">
+                <p:childTnLst>
+                  <p:par>
+                    <p:cTn id="3" fill="hold">
+                      <p:stCondLst>
+                        <p:cond delay="indefinite"/>
+                        <p:cond evt="onBegin" delay="0">
+                          <p:tn val="2"/>
+                        </p:cond>
+                      </p:stCondLst>
+                      <p:childTnLst>
+                        <p:par>
+                          <p:cTn id="4" fill="hold">
+                            <p:stCondLst>
+                              <p:cond delay="0"/>
+                            </p:stCondLst>
+                            <p:childTnLst>
+                              <p:par>
+                                <p:cTn id="5" presetID="10" presetClass="entr" presetSubtype="0" fill="hold" grpId="0" nodeType="withEffect">
+                                  <p:stCondLst>
+                                    <p:cond delay="0"/>
+                                  </p:stCondLst>
+                                  <p:childTnLst>
+                                    <p:set>
+                                      <p:cBhvr>
+                                        <p:cTn id="6" dur="1" fill="hold">
+                                          <p:stCondLst>
+                                            <p:cond delay="0"/>
+                                          </p:stCondLst>
+                                        </p:cTn>
+                                        <p:tgtEl>
+                                          <p:spTgt spid="25"/>
+                                        </p:tgtEl>
+                                        <p:attrNameLst>
+                                          <p:attrName>style.visibility</p:attrName>
+                                        </p:attrNameLst>
+                                      </p:cBhvr>
+                                      <p:to>
+                                        <p:strVal val="visible"/>
+                                      </p:to>
+                                    </p:set>
+                                    <p:animEffect transition="in" filter="fade">
+                                      <p:cBhvr>
+                                        <p:cTn id="7" dur="10"/>
+                                        <p:tgtEl>
+                                          <p:spTgt spid="25"/>
+                                        </p:tgtEl>
+                                      </p:cBhvr>
+                                    </p:animEffect>
+                                  </p:childTnLst>
+                                </p:cTn>
+                              </p:par>
+                              <p:par>
+                                <p:cTn id="8" presetID="10" presetClass="entr" presetSubtype="0" fill="hold" grpId="0" nodeType="withEffect">
+                                  <p:stCondLst>
+                                    <p:cond delay="0"/>
+                                  </p:stCondLst>
+                                  <p:childTnLst>
+                                    <p:set>
+                                      <p:cBhvr>
+                                        <p:cTn id="9" dur="1" fill="hold">
+                                          <p:stCondLst>
+                                            <p:cond delay="0"/>
+                                          </p:stCondLst>
+                                        </p:cTn>
+                                        <p:tgtEl>
+                                          <p:spTgt spid="38"/>
+                                        </p:tgtEl>
+                                        <p:attrNameLst>
+                                          <p:attrName>style.visibility</p:attrName>
+                                        </p:attrNameLst>
+                                      </p:cBhvr>
+                                      <p:to>
+                                        <p:strVal val="visible"/>
+                                      </p:to>
+                                    </p:set>
+                                    <p:animEffect transition="in" filter="fade">
+                                      <p:cBhvr>
+                                        <p:cTn id="10" dur="10"/>
+                                        <p:tgtEl>
+                                          <p:spTgt spid="38"/>
+                                        </p:tgtEl>
+                                      </p:cBhvr>
+                                    </p:animEffect>
+                                  </p:childTnLst>
+                                </p:cTn>
+                              </p:par>
+                            </p:childTnLst>
+                          </p:cTn>
+                        </p:par>
+                      </p:childTnLst>
+                    </p:cTn>
+                  </p:par>
+                </p:childTnLst>
+              </p:cTn>
+              <p:prevCondLst>
+                <p:cond evt="onPrev" delay="0">
+                  <p:tgtEl>
+                    <p:sldTgt/>
+                  </p:tgtEl>
+                </p:cond>
+              </p:prevCondLst>
+              <p:nextCondLst>
+                <p:cond evt="onNext" delay="0">
+                  <p:tgtEl>
+                    <p:sldTgt/>
+                  </p:tgtEl>
+                </p:cond>
+              </p:nextCondLst>
+            </p:seq>
+          </p:childTnLst>
+        </p:cTn>
+      </p:par>
+    </p:tnLst>
+    <p:bldLst>
+      <p:bldP spid="25" grpId="0"/>
+      <p:bldP spid="38" grpId="0"/>
+    </p:bldLst>
+  </p:timing>
+</p:sld>
+</file>
+
+<file path=ppt/slides/slide13.xml><?xml version="1.0" encoding="utf-8"?>
+<p:sld xmlns:a="http://schemas.openxmlformats.org/drawingml/2006/main" xmlns:r="http://schemas.openxmlformats.org/officeDocument/2006/relationships" xmlns:p="http://schemas.openxmlformats.org/presentationml/2006/main">
+  <p:cSld>
+    <p:bg>
+      <p:bgPr>
+        <a:solidFill>
+          <a:schemeClr val="bg1"/>
+        </a:solidFill>
+        <a:effectLst/>
+      </p:bgPr>
+    </p:bg>
+    <p:spTree>
+      <p:nvGrpSpPr>
+        <p:cNvPr id="1" name=""/>
+        <p:cNvGrpSpPr/>
+        <p:nvPr/>
+      </p:nvGrpSpPr>
+      <p:grpSpPr>
+        <a:xfrm>
+          <a:off x="0" y="0"/>
+          <a:ext cx="0" cy="0"/>
+          <a:chOff x="0" y="0"/>
+          <a:chExt cx="0" cy="0"/>
+        </a:xfrm>
+      </p:grpSpPr>
+      <p:sp>
+        <p:nvSpPr>
+          <p:cNvPr id="35" name="Rectangle 29">
+            <a:extLst>
+              <a:ext uri="{FF2B5EF4-FFF2-40B4-BE49-F238E27FC236}">
+                <a16:creationId xmlns:a16="http://schemas.microsoft.com/office/drawing/2014/main" id="{CDA1A2E9-63FE-408D-A803-8E306ECAB4B3}"/>
+              </a:ext>
+              <a:ext uri="{C183D7F6-B498-43B3-948B-1728B52AA6E4}">
+                <adec:decorative xmlns:adec="http://schemas.microsoft.com/office/drawing/2017/decorative" val="1"/>
+              </a:ext>
+            </a:extLst>
+          </p:cNvPr>
+          <p:cNvSpPr>
+            <a:spLocks noGrp="1" noRot="1" noChangeAspect="1" noMove="1" noResize="1" noEditPoints="1" noAdjustHandles="1" noChangeArrowheads="1" noChangeShapeType="1" noTextEdit="1"/>
+          </p:cNvSpPr>
+          <p:nvPr>
+            <p:extLst>
+              <p:ext uri="{386F3935-93C4-4BCD-93E2-E3B085C9AB24}">
+                <p16:designElem xmlns:p16="http://schemas.microsoft.com/office/powerpoint/2015/main" val="1"/>
+              </p:ext>
+            </p:extLst>
+          </p:nvPr>
+        </p:nvSpPr>
+        <p:spPr>
+          <a:xfrm>
+            <a:off x="462058" y="450220"/>
+            <a:ext cx="3904488" cy="4233672"/>
+          </a:xfrm>
+          <a:prstGeom prst="rect">
+            <a:avLst/>
+          </a:prstGeom>
+          <a:solidFill>
+            <a:srgbClr val="595959"/>
+          </a:solidFill>
+          <a:ln w="25400">
+            <a:noFill/>
+          </a:ln>
+        </p:spPr>
+        <p:style>
+          <a:lnRef idx="2">
+            <a:schemeClr val="accent1">
+              <a:shade val="50000"/>
+            </a:schemeClr>
+          </a:lnRef>
+          <a:fillRef idx="1">
+            <a:schemeClr val="accent1"/>
+          </a:fillRef>
+          <a:effectRef idx="0">
+            <a:schemeClr val="accent1"/>
+          </a:effectRef>
+          <a:fontRef idx="minor">
+            <a:schemeClr val="lt1"/>
+          </a:fontRef>
+        </p:style>
+        <p:txBody>
+          <a:bodyPr rtlCol="0" anchor="ctr"/>
+          <a:lstStyle/>
+          <a:p>
+            <a:pPr marL="0" marR="0" lvl="0" indent="0" algn="ctr" defTabSz="914400" rtl="0" eaLnBrk="1" fontAlgn="auto" latinLnBrk="0" hangingPunct="1">
+              <a:lnSpc>
+                <a:spcPct val="100000"/>
+              </a:lnSpc>
+              <a:spcBef>
+                <a:spcPts val="0"/>
+              </a:spcBef>
+              <a:spcAft>
+                <a:spcPts val="0"/>
+              </a:spcAft>
+              <a:buClrTx/>
+              <a:buSzTx/>
+              <a:buFontTx/>
+              <a:buNone/>
+              <a:tabLst/>
+              <a:defRPr/>
+            </a:pPr>
+            <a:endParaRPr kumimoji="0" lang="en-US" sz="1800" b="0" i="0" u="none" strike="noStrike" kern="1200" cap="none" spc="0" normalizeH="0" baseline="0" noProof="0">
+              <a:ln>
+                <a:noFill/>
+              </a:ln>
+              <a:solidFill>
+                <a:srgbClr val="404040"/>
+              </a:solidFill>
+              <a:effectLst/>
+              <a:uLnTx/>
+              <a:uFillTx/>
+              <a:latin typeface="Calibri" panose="020F0502020204030204"/>
+              <a:ea typeface="+mn-ea"/>
+              <a:cs typeface="+mn-cs"/>
+            </a:endParaRPr>
+          </a:p>
+        </p:txBody>
+      </p:sp>
+      <p:sp>
+        <p:nvSpPr>
+          <p:cNvPr id="2" name="Título 1">
+            <a:extLst>
+              <a:ext uri="{FF2B5EF4-FFF2-40B4-BE49-F238E27FC236}">
+                <a16:creationId xmlns:a16="http://schemas.microsoft.com/office/drawing/2014/main" id="{2A7DC3FE-66EB-750C-3214-9159D346F772}"/>
+              </a:ext>
+            </a:extLst>
+          </p:cNvPr>
+          <p:cNvSpPr>
+            <a:spLocks noGrp="1"/>
+          </p:cNvSpPr>
+          <p:nvPr>
+            <p:ph type="title"/>
+          </p:nvPr>
+        </p:nvSpPr>
+        <p:spPr>
+          <a:xfrm>
+            <a:off x="731520" y="1115568"/>
+            <a:ext cx="3364992" cy="2843784"/>
+          </a:xfrm>
+        </p:spPr>
+        <p:txBody>
+          <a:bodyPr vert="horz" lIns="91440" tIns="45720" rIns="91440" bIns="45720" rtlCol="0" anchor="ctr">
+            <a:normAutofit/>
+          </a:bodyPr>
+          <a:lstStyle/>
+          <a:p>
+            <a:r>
+              <a:rPr lang="en-US" sz="2400" kern="1200" dirty="0">
+                <a:solidFill>
+                  <a:srgbClr val="FFFFFF"/>
+                </a:solidFill>
+                <a:latin typeface="+mj-lt"/>
+                <a:ea typeface="+mj-ea"/>
+                <a:cs typeface="+mj-cs"/>
+              </a:rPr>
+              <a:t>FUNCIONAMIENTO</a:t>
+            </a:r>
+          </a:p>
+        </p:txBody>
+      </p:sp>
+      <p:sp>
+        <p:nvSpPr>
+          <p:cNvPr id="37" name="Rectangle 31">
+            <a:extLst>
+              <a:ext uri="{FF2B5EF4-FFF2-40B4-BE49-F238E27FC236}">
+                <a16:creationId xmlns:a16="http://schemas.microsoft.com/office/drawing/2014/main" id="{FBE9F90C-C163-435B-9A68-D15C92D1CF2B}"/>
+              </a:ext>
+              <a:ext uri="{C183D7F6-B498-43B3-948B-1728B52AA6E4}">
+                <adec:decorative xmlns:adec="http://schemas.microsoft.com/office/drawing/2017/decorative" val="1"/>
+              </a:ext>
+            </a:extLst>
+          </p:cNvPr>
+          <p:cNvSpPr>
+            <a:spLocks noGrp="1" noRot="1" noChangeAspect="1" noMove="1" noResize="1" noEditPoints="1" noAdjustHandles="1" noChangeArrowheads="1" noChangeShapeType="1" noTextEdit="1"/>
+          </p:cNvSpPr>
+          <p:nvPr>
+            <p:extLst>
+              <p:ext uri="{386F3935-93C4-4BCD-93E2-E3B085C9AB24}">
+                <p16:designElem xmlns:p16="http://schemas.microsoft.com/office/powerpoint/2015/main" val="1"/>
+              </p:ext>
+            </p:extLst>
+          </p:nvPr>
+        </p:nvSpPr>
+        <p:spPr>
+          <a:xfrm>
+            <a:off x="466344" y="4846320"/>
+            <a:ext cx="2395728" cy="1563624"/>
+          </a:xfrm>
+          <a:prstGeom prst="rect">
+            <a:avLst/>
+          </a:prstGeom>
+          <a:solidFill>
+            <a:schemeClr val="accent1">
+              <a:alpha val="94902"/>
+            </a:schemeClr>
+          </a:solidFill>
+          <a:ln w="25400">
+            <a:noFill/>
+          </a:ln>
+        </p:spPr>
+        <p:style>
+          <a:lnRef idx="2">
+            <a:schemeClr val="accent1">
+              <a:shade val="50000"/>
+            </a:schemeClr>
+          </a:lnRef>
+          <a:fillRef idx="1">
+            <a:schemeClr val="accent1"/>
+          </a:fillRef>
+          <a:effectRef idx="0">
+            <a:schemeClr val="accent1"/>
+          </a:effectRef>
+          <a:fontRef idx="minor">
+            <a:schemeClr val="lt1"/>
+          </a:fontRef>
+        </p:style>
+        <p:txBody>
+          <a:bodyPr rtlCol="0" anchor="ctr"/>
+          <a:lstStyle/>
+          <a:p>
+            <a:pPr marL="0" marR="0" lvl="0" indent="0" algn="ctr" defTabSz="914400" rtl="0" eaLnBrk="1" fontAlgn="auto" latinLnBrk="0" hangingPunct="1">
+              <a:lnSpc>
+                <a:spcPct val="100000"/>
+              </a:lnSpc>
+              <a:spcBef>
+                <a:spcPts val="0"/>
+              </a:spcBef>
+              <a:spcAft>
+                <a:spcPts val="0"/>
+              </a:spcAft>
+              <a:buClrTx/>
+              <a:buSzTx/>
+              <a:buFontTx/>
+              <a:buNone/>
+              <a:tabLst/>
+              <a:defRPr/>
+            </a:pPr>
+            <a:endParaRPr kumimoji="0" lang="en-US" sz="1800" b="0" i="0" u="none" strike="noStrike" kern="1200" cap="none" spc="0" normalizeH="0" baseline="0" noProof="0">
+              <a:ln>
+                <a:noFill/>
+              </a:ln>
+              <a:solidFill>
+                <a:srgbClr val="FFFFFF"/>
+              </a:solidFill>
+              <a:effectLst/>
+              <a:uLnTx/>
+              <a:uFillTx/>
+              <a:latin typeface="Calibri" panose="020F0502020204030204"/>
+              <a:ea typeface="+mn-ea"/>
+              <a:cs typeface="+mn-cs"/>
+            </a:endParaRPr>
+          </a:p>
+        </p:txBody>
+      </p:sp>
+      <p:sp>
+        <p:nvSpPr>
+          <p:cNvPr id="25" name="Título 1">
+            <a:extLst>
+              <a:ext uri="{FF2B5EF4-FFF2-40B4-BE49-F238E27FC236}">
+                <a16:creationId xmlns:a16="http://schemas.microsoft.com/office/drawing/2014/main" id="{A7DE5D37-8AA9-8EF9-EECC-6BBE4B884199}"/>
+              </a:ext>
+            </a:extLst>
+          </p:cNvPr>
+          <p:cNvSpPr txBox="1">
+            <a:spLocks/>
+          </p:cNvSpPr>
+          <p:nvPr/>
+        </p:nvSpPr>
+        <p:spPr>
+          <a:xfrm>
+            <a:off x="731520" y="5120640"/>
+            <a:ext cx="1828800" cy="1024128"/>
+          </a:xfrm>
+          <a:prstGeom prst="rect">
+            <a:avLst/>
+          </a:prstGeom>
+        </p:spPr>
+        <p:txBody>
+          <a:bodyPr vert="horz" lIns="91440" tIns="45720" rIns="91440" bIns="45720" rtlCol="0" anchor="ctr">
+            <a:normAutofit/>
+          </a:bodyPr>
+          <a:lstStyle>
+            <a:lvl1pPr algn="l" defTabSz="914400" rtl="0" eaLnBrk="1" latinLnBrk="0" hangingPunct="1">
+              <a:lnSpc>
+                <a:spcPct val="90000"/>
+              </a:lnSpc>
+              <a:spcBef>
+                <a:spcPct val="0"/>
+              </a:spcBef>
+              <a:buNone/>
+              <a:defRPr sz="4400" kern="1200">
+                <a:solidFill>
+                  <a:schemeClr val="tx1"/>
+                </a:solidFill>
+                <a:latin typeface="+mj-lt"/>
+                <a:ea typeface="+mj-ea"/>
+                <a:cs typeface="+mj-cs"/>
+              </a:defRPr>
+            </a:lvl1pPr>
+          </a:lstStyle>
+          <a:p>
+            <a:pPr>
+              <a:spcBef>
+                <a:spcPts val="1000"/>
+              </a:spcBef>
+              <a:spcAft>
+                <a:spcPts val="600"/>
+              </a:spcAft>
+            </a:pPr>
+            <a:r>
+              <a:rPr lang="en-US" sz="1000" b="1" kern="1200">
+                <a:solidFill>
+                  <a:srgbClr val="FFFFFF"/>
+                </a:solidFill>
+                <a:latin typeface="+mn-lt"/>
+                <a:ea typeface="+mn-ea"/>
+                <a:cs typeface="+mn-cs"/>
+              </a:rPr>
+              <a:t>EDUARDO MARTÍN-SONSECA</a:t>
+            </a:r>
+            <a:br>
+              <a:rPr lang="en-US" sz="1000" b="1" kern="1200">
+                <a:solidFill>
+                  <a:srgbClr val="FFFFFF"/>
+                </a:solidFill>
+                <a:latin typeface="+mn-lt"/>
+                <a:ea typeface="+mn-ea"/>
+                <a:cs typeface="+mn-cs"/>
+              </a:rPr>
+            </a:br>
+            <a:r>
+              <a:rPr lang="en-US" sz="1000" b="1" kern="1200">
+                <a:solidFill>
+                  <a:srgbClr val="FFFFFF"/>
+                </a:solidFill>
+                <a:latin typeface="+mn-lt"/>
+                <a:ea typeface="+mn-ea"/>
+                <a:cs typeface="+mn-cs"/>
+              </a:rPr>
+              <a:t>LUIS FERNANDEZ CASTELO</a:t>
+            </a:r>
+            <a:br>
+              <a:rPr lang="en-US" sz="1000" b="1" kern="1200">
+                <a:solidFill>
+                  <a:srgbClr val="FFFFFF"/>
+                </a:solidFill>
+                <a:latin typeface="+mn-lt"/>
+                <a:ea typeface="+mn-ea"/>
+                <a:cs typeface="+mn-cs"/>
+              </a:rPr>
+            </a:br>
+            <a:r>
+              <a:rPr lang="en-US" sz="1000" b="1" kern="1200">
+                <a:solidFill>
+                  <a:srgbClr val="FFFFFF"/>
+                </a:solidFill>
+                <a:latin typeface="+mn-lt"/>
+                <a:ea typeface="+mn-ea"/>
+                <a:cs typeface="+mn-cs"/>
+              </a:rPr>
+              <a:t>1º DESARROLLO DE APLICACIONES MULTIPLATAFORMA</a:t>
+            </a:r>
+            <a:endParaRPr lang="en-US" sz="1000" kern="1200">
+              <a:solidFill>
+                <a:srgbClr val="FFFFFF"/>
+              </a:solidFill>
+              <a:latin typeface="+mn-lt"/>
+              <a:ea typeface="+mn-ea"/>
+              <a:cs typeface="+mn-cs"/>
+            </a:endParaRPr>
+          </a:p>
+        </p:txBody>
+      </p:sp>
+      <p:sp>
+        <p:nvSpPr>
+          <p:cNvPr id="34" name="Rectangle 33">
+            <a:extLst>
+              <a:ext uri="{FF2B5EF4-FFF2-40B4-BE49-F238E27FC236}">
+                <a16:creationId xmlns:a16="http://schemas.microsoft.com/office/drawing/2014/main" id="{2C910467-8185-45DD-B8A2-A88DF20DF6E0}"/>
+              </a:ext>
+              <a:ext uri="{C183D7F6-B498-43B3-948B-1728B52AA6E4}">
+                <adec:decorative xmlns:adec="http://schemas.microsoft.com/office/drawing/2017/decorative" val="1"/>
+              </a:ext>
+            </a:extLst>
+          </p:cNvPr>
+          <p:cNvSpPr>
+            <a:spLocks noGrp="1" noRot="1" noChangeAspect="1" noMove="1" noResize="1" noEditPoints="1" noAdjustHandles="1" noChangeArrowheads="1" noChangeShapeType="1" noTextEdit="1"/>
+          </p:cNvSpPr>
+          <p:nvPr>
+            <p:extLst>
+              <p:ext uri="{386F3935-93C4-4BCD-93E2-E3B085C9AB24}">
+                <p16:designElem xmlns:p16="http://schemas.microsoft.com/office/powerpoint/2015/main" val="1"/>
+              </p:ext>
+            </p:extLst>
+          </p:nvPr>
+        </p:nvSpPr>
+        <p:spPr>
+          <a:xfrm>
+            <a:off x="4521995" y="450221"/>
+            <a:ext cx="7207948" cy="5948859"/>
+          </a:xfrm>
+          <a:prstGeom prst="rect">
+            <a:avLst/>
+          </a:prstGeom>
+          <a:solidFill>
+            <a:srgbClr val="7F7F7F">
+              <a:alpha val="24000"/>
+            </a:srgbClr>
+          </a:solidFill>
+          <a:ln w="25400">
+            <a:noFill/>
+          </a:ln>
+        </p:spPr>
+        <p:style>
+          <a:lnRef idx="2">
+            <a:schemeClr val="accent1">
+              <a:shade val="50000"/>
+            </a:schemeClr>
+          </a:lnRef>
+          <a:fillRef idx="1">
+            <a:schemeClr val="accent1"/>
+          </a:fillRef>
+          <a:effectRef idx="0">
+            <a:schemeClr val="accent1"/>
+          </a:effectRef>
+          <a:fontRef idx="minor">
+            <a:schemeClr val="lt1"/>
+          </a:fontRef>
+        </p:style>
+        <p:txBody>
+          <a:bodyPr rtlCol="0" anchor="ctr"/>
+          <a:lstStyle/>
+          <a:p>
+            <a:pPr marL="0" marR="0" lvl="0" indent="0" algn="ctr" defTabSz="914400" rtl="0" eaLnBrk="1" fontAlgn="auto" latinLnBrk="0" hangingPunct="1">
+              <a:lnSpc>
+                <a:spcPct val="100000"/>
+              </a:lnSpc>
+              <a:spcBef>
+                <a:spcPts val="0"/>
+              </a:spcBef>
+              <a:spcAft>
+                <a:spcPts val="0"/>
+              </a:spcAft>
+              <a:buClrTx/>
+              <a:buSzTx/>
+              <a:buFontTx/>
+              <a:buNone/>
+              <a:tabLst/>
+              <a:defRPr/>
+            </a:pPr>
+            <a:endParaRPr kumimoji="0" lang="en-US" sz="1800" b="0" i="0" u="none" strike="noStrike" kern="1200" cap="none" spc="0" normalizeH="0" baseline="0" noProof="0">
+              <a:ln>
+                <a:noFill/>
+              </a:ln>
+              <a:solidFill>
+                <a:srgbClr val="FFFFFF"/>
+              </a:solidFill>
+              <a:effectLst/>
+              <a:uLnTx/>
+              <a:uFillTx/>
+              <a:latin typeface="Calibri" panose="020F0502020204030204"/>
+              <a:ea typeface="+mn-ea"/>
+              <a:cs typeface="+mn-cs"/>
+            </a:endParaRPr>
+          </a:p>
+        </p:txBody>
+      </p:sp>
+      <p:sp>
+        <p:nvSpPr>
+          <p:cNvPr id="36" name="Rectangle 35">
+            <a:extLst>
+              <a:ext uri="{FF2B5EF4-FFF2-40B4-BE49-F238E27FC236}">
+                <a16:creationId xmlns:a16="http://schemas.microsoft.com/office/drawing/2014/main" id="{1A882A9F-F4E9-4E23-8F0B-20B5DF42EAA9}"/>
+              </a:ext>
+              <a:ext uri="{C183D7F6-B498-43B3-948B-1728B52AA6E4}">
+                <adec:decorative xmlns:adec="http://schemas.microsoft.com/office/drawing/2017/decorative" val="1"/>
+              </a:ext>
+            </a:extLst>
+          </p:cNvPr>
+          <p:cNvSpPr>
+            <a:spLocks noGrp="1" noRot="1" noChangeAspect="1" noMove="1" noResize="1" noEditPoints="1" noAdjustHandles="1" noChangeArrowheads="1" noChangeShapeType="1" noTextEdit="1"/>
+          </p:cNvSpPr>
+          <p:nvPr>
+            <p:extLst>
+              <p:ext uri="{386F3935-93C4-4BCD-93E2-E3B085C9AB24}">
+                <p16:designElem xmlns:p16="http://schemas.microsoft.com/office/powerpoint/2015/main" val="1"/>
+              </p:ext>
+            </p:extLst>
+          </p:nvPr>
+        </p:nvSpPr>
+        <p:spPr>
+          <a:xfrm>
+            <a:off x="3017520" y="4835010"/>
+            <a:ext cx="1349026" cy="1572768"/>
+          </a:xfrm>
+          <a:prstGeom prst="rect">
+            <a:avLst/>
+          </a:prstGeom>
+          <a:solidFill>
+            <a:srgbClr val="A5A5A5"/>
+          </a:solidFill>
+          <a:ln w="25400">
+            <a:noFill/>
+          </a:ln>
+        </p:spPr>
+        <p:style>
+          <a:lnRef idx="2">
+            <a:schemeClr val="accent1">
+              <a:shade val="50000"/>
+            </a:schemeClr>
+          </a:lnRef>
+          <a:fillRef idx="1">
+            <a:schemeClr val="accent1"/>
+          </a:fillRef>
+          <a:effectRef idx="0">
+            <a:schemeClr val="accent1"/>
+          </a:effectRef>
+          <a:fontRef idx="minor">
+            <a:schemeClr val="lt1"/>
+          </a:fontRef>
+        </p:style>
+        <p:txBody>
+          <a:bodyPr rtlCol="0" anchor="ctr"/>
+          <a:lstStyle/>
+          <a:p>
+            <a:pPr marL="0" marR="0" lvl="0" indent="0" algn="ctr" defTabSz="914400" rtl="0" eaLnBrk="1" fontAlgn="auto" latinLnBrk="0" hangingPunct="1">
+              <a:lnSpc>
+                <a:spcPct val="100000"/>
+              </a:lnSpc>
+              <a:spcBef>
+                <a:spcPts val="0"/>
+              </a:spcBef>
+              <a:spcAft>
+                <a:spcPts val="0"/>
+              </a:spcAft>
+              <a:buClrTx/>
+              <a:buSzTx/>
+              <a:buFontTx/>
+              <a:buNone/>
+              <a:tabLst/>
+              <a:defRPr/>
+            </a:pPr>
+            <a:endParaRPr kumimoji="0" lang="en-US" sz="1800" b="0" i="0" u="none" strike="noStrike" kern="1200" cap="none" spc="0" normalizeH="0" baseline="0" noProof="0">
+              <a:ln>
+                <a:noFill/>
+              </a:ln>
+              <a:solidFill>
+                <a:srgbClr val="FFFFFF"/>
+              </a:solidFill>
+              <a:effectLst/>
+              <a:uLnTx/>
+              <a:uFillTx/>
+              <a:latin typeface="Calibri" panose="020F0502020204030204"/>
+              <a:ea typeface="+mn-ea"/>
+              <a:cs typeface="+mn-cs"/>
+            </a:endParaRPr>
+          </a:p>
+        </p:txBody>
+      </p:sp>
+      <p:sp>
+        <p:nvSpPr>
+          <p:cNvPr id="38" name="Título 1">
+            <a:extLst>
+              <a:ext uri="{FF2B5EF4-FFF2-40B4-BE49-F238E27FC236}">
+                <a16:creationId xmlns:a16="http://schemas.microsoft.com/office/drawing/2014/main" id="{CA4169E5-9120-9091-CC2A-25C84492C2F1}"/>
+              </a:ext>
+            </a:extLst>
+          </p:cNvPr>
+          <p:cNvSpPr txBox="1">
+            <a:spLocks/>
+          </p:cNvSpPr>
+          <p:nvPr/>
+        </p:nvSpPr>
+        <p:spPr>
+          <a:xfrm>
+            <a:off x="2939795" y="4851843"/>
+            <a:ext cx="1504475" cy="1555935"/>
+          </a:xfrm>
+          <a:prstGeom prst="rect">
+            <a:avLst/>
+          </a:prstGeom>
+        </p:spPr>
+        <p:txBody>
+          <a:bodyPr vert="horz" lIns="91440" tIns="45720" rIns="91440" bIns="45720" rtlCol="0" anchor="ctr">
+            <a:normAutofit/>
+          </a:bodyPr>
+          <a:lstStyle>
+            <a:lvl1pPr algn="l" defTabSz="914400" rtl="0" eaLnBrk="1" latinLnBrk="0" hangingPunct="1">
+              <a:lnSpc>
+                <a:spcPct val="90000"/>
+              </a:lnSpc>
+              <a:spcBef>
+                <a:spcPct val="0"/>
+              </a:spcBef>
+              <a:buNone/>
+              <a:defRPr sz="4400" kern="1200">
+                <a:solidFill>
+                  <a:schemeClr val="tx1"/>
+                </a:solidFill>
+                <a:latin typeface="+mj-lt"/>
+                <a:ea typeface="+mj-ea"/>
+                <a:cs typeface="+mj-cs"/>
+              </a:defRPr>
+            </a:lvl1pPr>
+          </a:lstStyle>
+          <a:p>
+            <a:pPr algn="ctr">
+              <a:spcBef>
+                <a:spcPts val="1000"/>
+              </a:spcBef>
+              <a:spcAft>
+                <a:spcPts val="600"/>
+              </a:spcAft>
+            </a:pPr>
+            <a:r>
+              <a:rPr lang="en-US" sz="1200" b="1" dirty="0">
+                <a:solidFill>
+                  <a:srgbClr val="FFFFFF"/>
+                </a:solidFill>
+                <a:latin typeface="+mn-lt"/>
+                <a:ea typeface="+mn-ea"/>
+                <a:cs typeface="+mn-cs"/>
+              </a:rPr>
+              <a:t>ANALISIS</a:t>
+            </a:r>
+            <a:endParaRPr lang="en-US" sz="1200" kern="1200" dirty="0">
+              <a:solidFill>
+                <a:srgbClr val="FFFFFF"/>
+              </a:solidFill>
+              <a:latin typeface="+mn-lt"/>
+              <a:ea typeface="+mn-ea"/>
+              <a:cs typeface="+mn-cs"/>
+            </a:endParaRPr>
+          </a:p>
+        </p:txBody>
+      </p:sp>
+      <p:sp>
+        <p:nvSpPr>
+          <p:cNvPr id="4" name="CuadroTexto 3">
+            <a:extLst>
+              <a:ext uri="{FF2B5EF4-FFF2-40B4-BE49-F238E27FC236}">
+                <a16:creationId xmlns:a16="http://schemas.microsoft.com/office/drawing/2014/main" id="{F51D6295-97C2-8AE6-70F1-9E4E399E67E6}"/>
+              </a:ext>
+            </a:extLst>
+          </p:cNvPr>
+          <p:cNvSpPr txBox="1"/>
+          <p:nvPr/>
+        </p:nvSpPr>
+        <p:spPr>
+          <a:xfrm>
+            <a:off x="4758691" y="823180"/>
+            <a:ext cx="6094476" cy="584775"/>
+          </a:xfrm>
+          <a:prstGeom prst="rect">
+            <a:avLst/>
+          </a:prstGeom>
+          <a:noFill/>
+        </p:spPr>
+        <p:txBody>
+          <a:bodyPr wrap="square">
+            <a:spAutoFit/>
+          </a:bodyPr>
+          <a:lstStyle/>
+          <a:p>
+            <a:pPr marL="285750" indent="-285750">
+              <a:buFont typeface="Arial" panose="020B0604020202020204" pitchFamily="34" charset="0"/>
+              <a:buChar char="•"/>
+            </a:pPr>
+            <a:r>
+              <a:rPr lang="es-ES" sz="1600" dirty="0">
+                <a:latin typeface="Calibri" panose="020F0502020204030204" pitchFamily="34" charset="0"/>
+                <a:cs typeface="Times New Roman" panose="02020603050405020304" pitchFamily="18" charset="0"/>
+              </a:rPr>
+              <a:t>Permite mirar los datos, y explicar los que esta pasando, mediante los siguientes tipos :</a:t>
+            </a:r>
+            <a:endParaRPr lang="es-ES" sz="1600" dirty="0"/>
+          </a:p>
+        </p:txBody>
+      </p:sp>
+      <p:sp>
+        <p:nvSpPr>
+          <p:cNvPr id="5" name="CuadroTexto 4">
+            <a:extLst>
+              <a:ext uri="{FF2B5EF4-FFF2-40B4-BE49-F238E27FC236}">
+                <a16:creationId xmlns:a16="http://schemas.microsoft.com/office/drawing/2014/main" id="{F66509A1-CE9E-11C9-7CBF-66896160AFDD}"/>
+              </a:ext>
+            </a:extLst>
+          </p:cNvPr>
+          <p:cNvSpPr txBox="1"/>
+          <p:nvPr/>
+        </p:nvSpPr>
+        <p:spPr>
+          <a:xfrm>
+            <a:off x="4758691" y="1772585"/>
+            <a:ext cx="6094476" cy="607539"/>
+          </a:xfrm>
+          <a:prstGeom prst="rect">
+            <a:avLst/>
+          </a:prstGeom>
+          <a:noFill/>
+        </p:spPr>
+        <p:txBody>
+          <a:bodyPr wrap="square">
+            <a:spAutoFit/>
+          </a:bodyPr>
+          <a:lstStyle/>
+          <a:p>
+            <a:pPr marL="285750" indent="-285750">
+              <a:lnSpc>
+                <a:spcPct val="107000"/>
+              </a:lnSpc>
+              <a:spcAft>
+                <a:spcPts val="800"/>
+              </a:spcAft>
+              <a:buFont typeface="Wingdings" panose="05000000000000000000" pitchFamily="2" charset="2"/>
+              <a:buChar char="ü"/>
+            </a:pPr>
+            <a:r>
+              <a:rPr lang="es-ES" sz="1600" b="1" dirty="0">
+                <a:effectLst/>
+                <a:ea typeface="Times New Roman" panose="02020603050405020304" pitchFamily="18" charset="0"/>
+                <a:cs typeface="Times New Roman" panose="02020603050405020304" pitchFamily="18" charset="0"/>
+              </a:rPr>
+              <a:t>Asociación</a:t>
+            </a:r>
+            <a:r>
+              <a:rPr lang="es-ES" sz="1600" dirty="0">
+                <a:effectLst/>
+                <a:ea typeface="Times New Roman" panose="02020603050405020304" pitchFamily="18" charset="0"/>
+                <a:cs typeface="Times New Roman" panose="02020603050405020304" pitchFamily="18" charset="0"/>
+              </a:rPr>
+              <a:t>: Son relaciones entre diferentes variables, permitiendo encontrar una predicción en el comportamiento de otras variables</a:t>
+            </a:r>
+            <a:endParaRPr lang="es-ES" sz="1600" dirty="0">
+              <a:effectLst/>
+              <a:ea typeface="Calibri" panose="020F0502020204030204" pitchFamily="34" charset="0"/>
+              <a:cs typeface="Times New Roman" panose="02020603050405020304" pitchFamily="18" charset="0"/>
+            </a:endParaRPr>
+          </a:p>
+        </p:txBody>
+      </p:sp>
+      <p:sp>
+        <p:nvSpPr>
+          <p:cNvPr id="8" name="CuadroTexto 7">
+            <a:extLst>
+              <a:ext uri="{FF2B5EF4-FFF2-40B4-BE49-F238E27FC236}">
+                <a16:creationId xmlns:a16="http://schemas.microsoft.com/office/drawing/2014/main" id="{B00BDDAF-B4CF-36B9-8161-81CCC351A1F9}"/>
+              </a:ext>
+            </a:extLst>
+          </p:cNvPr>
+          <p:cNvSpPr txBox="1"/>
+          <p:nvPr/>
+        </p:nvSpPr>
+        <p:spPr>
+          <a:xfrm>
+            <a:off x="4758691" y="2578667"/>
+            <a:ext cx="6094476" cy="871008"/>
+          </a:xfrm>
+          <a:prstGeom prst="rect">
+            <a:avLst/>
+          </a:prstGeom>
+          <a:noFill/>
+        </p:spPr>
+        <p:txBody>
+          <a:bodyPr wrap="square">
+            <a:spAutoFit/>
+          </a:bodyPr>
+          <a:lstStyle/>
+          <a:p>
+            <a:pPr marL="285750" indent="-285750">
+              <a:lnSpc>
+                <a:spcPct val="107000"/>
+              </a:lnSpc>
+              <a:spcAft>
+                <a:spcPts val="800"/>
+              </a:spcAft>
+              <a:buFont typeface="Wingdings" panose="05000000000000000000" pitchFamily="2" charset="2"/>
+              <a:buChar char="ü"/>
+            </a:pPr>
+            <a:r>
+              <a:rPr lang="es-ES" sz="1600" b="1" dirty="0">
+                <a:effectLst/>
+                <a:ea typeface="Times New Roman" panose="02020603050405020304" pitchFamily="18" charset="0"/>
+                <a:cs typeface="Times New Roman" panose="02020603050405020304" pitchFamily="18" charset="0"/>
+              </a:rPr>
+              <a:t>Minería de datos</a:t>
+            </a:r>
+            <a:r>
+              <a:rPr lang="es-ES" sz="1600" dirty="0">
+                <a:effectLst/>
+                <a:ea typeface="Times New Roman" panose="02020603050405020304" pitchFamily="18" charset="0"/>
+                <a:cs typeface="Times New Roman" panose="02020603050405020304" pitchFamily="18" charset="0"/>
+              </a:rPr>
+              <a:t>: Su objetivo es encontrar comportamientos predictivos, combina productos estadísticos y de aprendizaje automático con almacenamiento en las bases de datos</a:t>
+            </a:r>
+            <a:endParaRPr lang="es-ES" sz="1600" dirty="0">
+              <a:effectLst/>
+              <a:ea typeface="Calibri" panose="020F0502020204030204" pitchFamily="34" charset="0"/>
+              <a:cs typeface="Times New Roman" panose="02020603050405020304" pitchFamily="18" charset="0"/>
+            </a:endParaRPr>
+          </a:p>
+        </p:txBody>
+      </p:sp>
+      <p:sp>
+        <p:nvSpPr>
+          <p:cNvPr id="10" name="CuadroTexto 9">
+            <a:extLst>
+              <a:ext uri="{FF2B5EF4-FFF2-40B4-BE49-F238E27FC236}">
+                <a16:creationId xmlns:a16="http://schemas.microsoft.com/office/drawing/2014/main" id="{5AB6A6EE-E3F2-AFD8-2C2B-09DEFB1D2687}"/>
+              </a:ext>
+            </a:extLst>
+          </p:cNvPr>
+          <p:cNvSpPr txBox="1"/>
+          <p:nvPr/>
+        </p:nvSpPr>
+        <p:spPr>
+          <a:xfrm>
+            <a:off x="4758691" y="3583015"/>
+            <a:ext cx="6094476" cy="1167371"/>
+          </a:xfrm>
+          <a:prstGeom prst="rect">
+            <a:avLst/>
+          </a:prstGeom>
+          <a:noFill/>
+        </p:spPr>
+        <p:txBody>
+          <a:bodyPr wrap="square">
+            <a:spAutoFit/>
+          </a:bodyPr>
+          <a:lstStyle/>
+          <a:p>
+            <a:pPr marL="285750" indent="-285750">
+              <a:lnSpc>
+                <a:spcPct val="107000"/>
+              </a:lnSpc>
+              <a:spcAft>
+                <a:spcPts val="800"/>
+              </a:spcAft>
+              <a:buFont typeface="Wingdings" panose="05000000000000000000" pitchFamily="2" charset="2"/>
+              <a:buChar char="ü"/>
+            </a:pPr>
+            <a:r>
+              <a:rPr lang="es-ES" sz="1600" b="1" dirty="0">
+                <a:effectLst/>
+                <a:ea typeface="Times New Roman" panose="02020603050405020304" pitchFamily="18" charset="0"/>
+                <a:cs typeface="Times New Roman" panose="02020603050405020304" pitchFamily="18" charset="0"/>
+              </a:rPr>
+              <a:t>Agrupación: </a:t>
+            </a:r>
+            <a:r>
+              <a:rPr lang="es-ES" sz="1600" dirty="0">
+                <a:effectLst/>
+                <a:ea typeface="Calibri" panose="020F0502020204030204" pitchFamily="34" charset="0"/>
+              </a:rPr>
+              <a:t>Un tipo de minería de datos que divide grandes grupos de individuos en grupos más pequeños, su</a:t>
+            </a:r>
+            <a:r>
+              <a:rPr lang="es-ES" sz="1800" dirty="0">
+                <a:effectLst/>
+                <a:latin typeface="Calibri" panose="020F0502020204030204" pitchFamily="34" charset="0"/>
+                <a:ea typeface="Calibri" panose="020F0502020204030204" pitchFamily="34" charset="0"/>
+              </a:rPr>
+              <a:t> </a:t>
+            </a:r>
+            <a:r>
+              <a:rPr lang="es-ES" sz="1600" dirty="0">
+                <a:effectLst/>
+                <a:ea typeface="Calibri" panose="020F0502020204030204" pitchFamily="34" charset="0"/>
+              </a:rPr>
+              <a:t>propósito es encontrar similitudes entre estos grupos, y descubrir nuevos, conociendo cuáles son las cualidades que los definen.</a:t>
+            </a:r>
+            <a:endParaRPr lang="es-ES" sz="1600" dirty="0">
+              <a:effectLst/>
+              <a:ea typeface="Calibri" panose="020F0502020204030204" pitchFamily="34" charset="0"/>
+              <a:cs typeface="Times New Roman" panose="02020603050405020304" pitchFamily="18" charset="0"/>
+            </a:endParaRPr>
+          </a:p>
+        </p:txBody>
+      </p:sp>
+      <p:sp>
+        <p:nvSpPr>
+          <p:cNvPr id="12" name="CuadroTexto 11">
+            <a:extLst>
+              <a:ext uri="{FF2B5EF4-FFF2-40B4-BE49-F238E27FC236}">
+                <a16:creationId xmlns:a16="http://schemas.microsoft.com/office/drawing/2014/main" id="{FA9D423B-92DA-CF0D-86F3-06F3548E0219}"/>
+              </a:ext>
+            </a:extLst>
+          </p:cNvPr>
+          <p:cNvSpPr txBox="1"/>
+          <p:nvPr/>
+        </p:nvSpPr>
+        <p:spPr>
+          <a:xfrm>
+            <a:off x="4758691" y="4883726"/>
+            <a:ext cx="6094476" cy="871008"/>
+          </a:xfrm>
+          <a:prstGeom prst="rect">
+            <a:avLst/>
+          </a:prstGeom>
+          <a:noFill/>
+        </p:spPr>
+        <p:txBody>
+          <a:bodyPr wrap="square">
+            <a:spAutoFit/>
+          </a:bodyPr>
+          <a:lstStyle/>
+          <a:p>
+            <a:pPr marL="285750" indent="-285750">
+              <a:lnSpc>
+                <a:spcPct val="107000"/>
+              </a:lnSpc>
+              <a:spcAft>
+                <a:spcPts val="800"/>
+              </a:spcAft>
+              <a:buFont typeface="Wingdings" panose="05000000000000000000" pitchFamily="2" charset="2"/>
+              <a:buChar char="ü"/>
+            </a:pPr>
+            <a:r>
+              <a:rPr lang="es-ES" sz="1600" b="1" dirty="0"/>
+              <a:t>Análisis de texto</a:t>
+            </a:r>
+            <a:r>
+              <a:rPr lang="es-ES" sz="1600" dirty="0"/>
+              <a:t>: </a:t>
+            </a:r>
+            <a:r>
+              <a:rPr lang="es-ES" sz="1600" dirty="0">
+                <a:effectLst/>
+                <a:ea typeface="Calibri" panose="020F0502020204030204" pitchFamily="34" charset="0"/>
+                <a:cs typeface="Calibri" panose="020F0502020204030204" pitchFamily="34" charset="0"/>
+              </a:rPr>
+              <a:t>Esta metodología permite extraer información de los textos generados por personas y así modelar temas y asuntos o predecir palabras.</a:t>
+            </a:r>
+            <a:endParaRPr lang="es-ES" sz="1600" dirty="0">
+              <a:effectLst/>
+              <a:ea typeface="Calibri" panose="020F0502020204030204" pitchFamily="34" charset="0"/>
+              <a:cs typeface="Times New Roman" panose="02020603050405020304" pitchFamily="18" charset="0"/>
+            </a:endParaRPr>
+          </a:p>
+        </p:txBody>
+      </p:sp>
+      <p:sp>
+        <p:nvSpPr>
+          <p:cNvPr id="7" name="CuadroTexto 6">
+            <a:extLst>
+              <a:ext uri="{FF2B5EF4-FFF2-40B4-BE49-F238E27FC236}">
+                <a16:creationId xmlns:a16="http://schemas.microsoft.com/office/drawing/2014/main" id="{9125BEFB-4299-C316-B927-85086C122959}"/>
+              </a:ext>
+            </a:extLst>
+          </p:cNvPr>
+          <p:cNvSpPr txBox="1"/>
+          <p:nvPr/>
+        </p:nvSpPr>
+        <p:spPr>
+          <a:xfrm>
+            <a:off x="4778218" y="5754734"/>
+            <a:ext cx="6094476" cy="973600"/>
+          </a:xfrm>
+          <a:prstGeom prst="rect">
+            <a:avLst/>
+          </a:prstGeom>
+          <a:noFill/>
+        </p:spPr>
+        <p:txBody>
+          <a:bodyPr wrap="square">
+            <a:spAutoFit/>
+          </a:bodyPr>
+          <a:lstStyle/>
+          <a:p>
+            <a:pPr marL="285750" indent="-285750">
+              <a:lnSpc>
+                <a:spcPct val="107000"/>
+              </a:lnSpc>
+              <a:spcAft>
+                <a:spcPts val="800"/>
+              </a:spcAft>
+              <a:buFont typeface="Wingdings" panose="05000000000000000000" pitchFamily="2" charset="2"/>
+              <a:buChar char="ü"/>
+            </a:pPr>
+            <a:r>
+              <a:rPr lang="es-ES" sz="1600" b="1" dirty="0"/>
+              <a:t>Metodología: </a:t>
+            </a:r>
+            <a:r>
+              <a:rPr lang="es-ES" sz="1600" dirty="0">
+                <a:effectLst/>
+                <a:ea typeface="Calibri" panose="020F0502020204030204" pitchFamily="34" charset="0"/>
+                <a:cs typeface="Calibri" panose="020F0502020204030204" pitchFamily="34" charset="0"/>
+              </a:rPr>
+              <a:t>Permite extraer información de los textos generados por personas y así modelar temas y asuntos o predecir palabras.</a:t>
+            </a:r>
+            <a:endParaRPr lang="es-ES" sz="1600" dirty="0">
+              <a:effectLst/>
+              <a:ea typeface="Calibri" panose="020F0502020204030204" pitchFamily="34" charset="0"/>
+              <a:cs typeface="Times New Roman" panose="02020603050405020304" pitchFamily="18" charset="0"/>
+            </a:endParaRPr>
+          </a:p>
+          <a:p>
+            <a:pPr marL="285750" indent="-285750">
+              <a:lnSpc>
+                <a:spcPct val="107000"/>
+              </a:lnSpc>
+              <a:spcAft>
+                <a:spcPts val="800"/>
+              </a:spcAft>
+              <a:buFont typeface="Wingdings" panose="05000000000000000000" pitchFamily="2" charset="2"/>
+              <a:buChar char="ü"/>
+            </a:pPr>
+            <a:endParaRPr lang="es-ES" sz="1600" dirty="0">
+              <a:effectLst/>
+              <a:ea typeface="Calibri" panose="020F0502020204030204" pitchFamily="34" charset="0"/>
+              <a:cs typeface="Times New Roman" panose="02020603050405020304" pitchFamily="18" charset="0"/>
+            </a:endParaRPr>
+          </a:p>
+        </p:txBody>
+      </p:sp>
+    </p:spTree>
+    <p:extLst>
+      <p:ext uri="{BB962C8B-B14F-4D97-AF65-F5344CB8AC3E}">
+        <p14:creationId xmlns:p14="http://schemas.microsoft.com/office/powerpoint/2010/main" val="613202933"/>
+      </p:ext>
+    </p:extLst>
+  </p:cSld>
+  <p:clrMapOvr>
+    <a:masterClrMapping/>
+  </p:clrMapOvr>
+  <p:timing>
+    <p:tnLst>
+      <p:par>
+        <p:cTn id="1" dur="indefinite" restart="never" nodeType="tmRoot">
+          <p:childTnLst>
+            <p:seq concurrent="1" nextAc="seek">
+              <p:cTn id="2" dur="indefinite" nodeType="mainSeq">
+                <p:childTnLst>
+                  <p:par>
+                    <p:cTn id="3" fill="hold">
+                      <p:stCondLst>
+                        <p:cond delay="indefinite"/>
+                        <p:cond evt="onBegin" delay="0">
+                          <p:tn val="2"/>
+                        </p:cond>
+                      </p:stCondLst>
+                      <p:childTnLst>
+                        <p:par>
+                          <p:cTn id="4" fill="hold">
+                            <p:stCondLst>
+                              <p:cond delay="0"/>
+                            </p:stCondLst>
+                            <p:childTnLst>
+                              <p:par>
+                                <p:cTn id="5" presetID="10" presetClass="entr" presetSubtype="0" fill="hold" grpId="0" nodeType="withEffect">
+                                  <p:stCondLst>
+                                    <p:cond delay="0"/>
+                                  </p:stCondLst>
+                                  <p:childTnLst>
+                                    <p:set>
+                                      <p:cBhvr>
+                                        <p:cTn id="6" dur="1" fill="hold">
+                                          <p:stCondLst>
+                                            <p:cond delay="0"/>
+                                          </p:stCondLst>
+                                        </p:cTn>
+                                        <p:tgtEl>
+                                          <p:spTgt spid="25"/>
+                                        </p:tgtEl>
+                                        <p:attrNameLst>
+                                          <p:attrName>style.visibility</p:attrName>
+                                        </p:attrNameLst>
+                                      </p:cBhvr>
+                                      <p:to>
+                                        <p:strVal val="visible"/>
+                                      </p:to>
+                                    </p:set>
+                                    <p:animEffect transition="in" filter="fade">
+                                      <p:cBhvr>
+                                        <p:cTn id="7" dur="10"/>
+                                        <p:tgtEl>
+                                          <p:spTgt spid="25"/>
+                                        </p:tgtEl>
+                                      </p:cBhvr>
+                                    </p:animEffect>
+                                  </p:childTnLst>
+                                </p:cTn>
+                              </p:par>
+                              <p:par>
+                                <p:cTn id="8" presetID="10" presetClass="entr" presetSubtype="0" fill="hold" grpId="0" nodeType="withEffect">
+                                  <p:stCondLst>
+                                    <p:cond delay="0"/>
+                                  </p:stCondLst>
+                                  <p:childTnLst>
+                                    <p:set>
+                                      <p:cBhvr>
+                                        <p:cTn id="9" dur="1" fill="hold">
+                                          <p:stCondLst>
+                                            <p:cond delay="0"/>
+                                          </p:stCondLst>
+                                        </p:cTn>
+                                        <p:tgtEl>
+                                          <p:spTgt spid="38"/>
+                                        </p:tgtEl>
+                                        <p:attrNameLst>
+                                          <p:attrName>style.visibility</p:attrName>
+                                        </p:attrNameLst>
+                                      </p:cBhvr>
+                                      <p:to>
+                                        <p:strVal val="visible"/>
+                                      </p:to>
+                                    </p:set>
+                                    <p:animEffect transition="in" filter="fade">
+                                      <p:cBhvr>
+                                        <p:cTn id="10" dur="10"/>
+                                        <p:tgtEl>
+                                          <p:spTgt spid="38"/>
+                                        </p:tgtEl>
+                                      </p:cBhvr>
+                                    </p:animEffect>
+                                  </p:childTnLst>
+                                </p:cTn>
+                              </p:par>
+                            </p:childTnLst>
+                          </p:cTn>
+                        </p:par>
+                      </p:childTnLst>
+                    </p:cTn>
+                  </p:par>
+                </p:childTnLst>
+              </p:cTn>
+              <p:prevCondLst>
+                <p:cond evt="onPrev" delay="0">
+                  <p:tgtEl>
+                    <p:sldTgt/>
+                  </p:tgtEl>
+                </p:cond>
+              </p:prevCondLst>
+              <p:nextCondLst>
+                <p:cond evt="onNext" delay="0">
+                  <p:tgtEl>
+                    <p:sldTgt/>
+                  </p:tgtEl>
+                </p:cond>
+              </p:nextCondLst>
+            </p:seq>
+          </p:childTnLst>
+        </p:cTn>
+      </p:par>
+    </p:tnLst>
+    <p:bldLst>
+      <p:bldP spid="25" grpId="0"/>
+      <p:bldP spid="38" grpId="0"/>
+    </p:bldLst>
+  </p:timing>
+</p:sld>
+</file>
+
+<file path=ppt/slides/slide14.xml><?xml version="1.0" encoding="utf-8"?>
+<p:sld xmlns:a="http://schemas.openxmlformats.org/drawingml/2006/main" xmlns:r="http://schemas.openxmlformats.org/officeDocument/2006/relationships" xmlns:p="http://schemas.openxmlformats.org/presentationml/2006/main">
+  <p:cSld>
+    <p:bg>
+      <p:bgPr>
+        <a:solidFill>
+          <a:schemeClr val="bg1"/>
+        </a:solidFill>
+        <a:effectLst/>
+      </p:bgPr>
+    </p:bg>
+    <p:spTree>
+      <p:nvGrpSpPr>
+        <p:cNvPr id="1" name=""/>
+        <p:cNvGrpSpPr/>
+        <p:nvPr/>
+      </p:nvGrpSpPr>
+      <p:grpSpPr>
+        <a:xfrm>
+          <a:off x="0" y="0"/>
+          <a:ext cx="0" cy="0"/>
+          <a:chOff x="0" y="0"/>
+          <a:chExt cx="0" cy="0"/>
+        </a:xfrm>
+      </p:grpSpPr>
+      <p:sp>
+        <p:nvSpPr>
+          <p:cNvPr id="13" name="Rectangle 12">
+            <a:extLst>
+              <a:ext uri="{FF2B5EF4-FFF2-40B4-BE49-F238E27FC236}">
+                <a16:creationId xmlns:a16="http://schemas.microsoft.com/office/drawing/2014/main" id="{4281BC32-FF58-4898-A6B5-7B3D059BCEB0}"/>
+              </a:ext>
+              <a:ext uri="{C183D7F6-B498-43B3-948B-1728B52AA6E4}">
+                <adec:decorative xmlns:adec="http://schemas.microsoft.com/office/drawing/2017/decorative" val="1"/>
+              </a:ext>
+            </a:extLst>
+          </p:cNvPr>
+          <p:cNvSpPr>
+            <a:spLocks noGrp="1" noRot="1" noChangeAspect="1" noMove="1" noResize="1" noEditPoints="1" noAdjustHandles="1" noChangeArrowheads="1" noChangeShapeType="1" noTextEdit="1"/>
+          </p:cNvSpPr>
+          <p:nvPr>
+            <p:extLst>
+              <p:ext uri="{386F3935-93C4-4BCD-93E2-E3B085C9AB24}">
+                <p16:designElem xmlns:p16="http://schemas.microsoft.com/office/powerpoint/2015/main" val="1"/>
+              </p:ext>
+            </p:extLst>
+          </p:nvPr>
+        </p:nvSpPr>
+        <p:spPr>
+          <a:xfrm>
+            <a:off x="0" y="0"/>
+            <a:ext cx="12192000" cy="6858000"/>
+          </a:xfrm>
+          <a:prstGeom prst="rect">
+            <a:avLst/>
+          </a:prstGeom>
+          <a:solidFill>
+            <a:schemeClr val="bg2"/>
+          </a:solidFill>
+          <a:ln>
+            <a:noFill/>
+          </a:ln>
+        </p:spPr>
+        <p:style>
+          <a:lnRef idx="2">
+            <a:schemeClr val="accent1">
+              <a:shade val="50000"/>
+            </a:schemeClr>
+          </a:lnRef>
+          <a:fillRef idx="1">
+            <a:schemeClr val="accent1"/>
+          </a:fillRef>
+          <a:effectRef idx="0">
+            <a:schemeClr val="accent1"/>
+          </a:effectRef>
+          <a:fontRef idx="minor">
+            <a:schemeClr val="lt1"/>
+          </a:fontRef>
+        </p:style>
+        <p:txBody>
+          <a:bodyPr rtlCol="0" anchor="ctr"/>
+          <a:lstStyle/>
+          <a:p>
+            <a:pPr algn="ctr"/>
+            <a:endParaRPr lang="en-US"/>
+          </a:p>
+        </p:txBody>
+      </p:sp>
+      <p:sp>
+        <p:nvSpPr>
+          <p:cNvPr id="15" name="Rectangle 14">
+            <a:extLst>
+              <a:ext uri="{FF2B5EF4-FFF2-40B4-BE49-F238E27FC236}">
+                <a16:creationId xmlns:a16="http://schemas.microsoft.com/office/drawing/2014/main" id="{0D614406-135F-4875-9C87-53822CB19ABB}"/>
+              </a:ext>
+              <a:ext uri="{C183D7F6-B498-43B3-948B-1728B52AA6E4}">
+                <adec:decorative xmlns:adec="http://schemas.microsoft.com/office/drawing/2017/decorative" val="1"/>
+              </a:ext>
+            </a:extLst>
+          </p:cNvPr>
+          <p:cNvSpPr>
+            <a:spLocks noGrp="1" noRot="1" noChangeAspect="1" noMove="1" noResize="1" noEditPoints="1" noAdjustHandles="1" noChangeArrowheads="1" noChangeShapeType="1" noTextEdit="1"/>
+          </p:cNvSpPr>
+          <p:nvPr>
+            <p:extLst>
+              <p:ext uri="{386F3935-93C4-4BCD-93E2-E3B085C9AB24}">
+                <p16:designElem xmlns:p16="http://schemas.microsoft.com/office/powerpoint/2015/main" val="1"/>
+              </p:ext>
+            </p:extLst>
+          </p:nvPr>
+        </p:nvSpPr>
+        <p:spPr>
+          <a:xfrm>
+            <a:off x="0" y="1"/>
+            <a:ext cx="12191999" cy="2139694"/>
+          </a:xfrm>
+          <a:prstGeom prst="rect">
+            <a:avLst/>
+          </a:prstGeom>
+          <a:solidFill>
+            <a:schemeClr val="tx1">
+              <a:lumMod val="75000"/>
+              <a:lumOff val="25000"/>
+            </a:schemeClr>
+          </a:solidFill>
+          <a:ln>
+            <a:noFill/>
+          </a:ln>
+        </p:spPr>
+        <p:style>
+          <a:lnRef idx="2">
+            <a:schemeClr val="accent1">
+              <a:shade val="50000"/>
+            </a:schemeClr>
+          </a:lnRef>
+          <a:fillRef idx="1">
+            <a:schemeClr val="accent1"/>
+          </a:fillRef>
+          <a:effectRef idx="0">
+            <a:schemeClr val="accent1"/>
+          </a:effectRef>
+          <a:fontRef idx="minor">
+            <a:schemeClr val="lt1"/>
+          </a:fontRef>
+        </p:style>
+        <p:txBody>
+          <a:bodyPr rtlCol="0" anchor="ctr"/>
+          <a:lstStyle/>
+          <a:p>
+            <a:pPr algn="ctr"/>
+            <a:endParaRPr lang="en-US">
+              <a:solidFill>
+                <a:prstClr val="white"/>
+              </a:solidFill>
+              <a:latin typeface="Calibri" panose="020F0502020204030204"/>
+            </a:endParaRPr>
+          </a:p>
+        </p:txBody>
+      </p:sp>
+      <p:sp>
+        <p:nvSpPr>
+          <p:cNvPr id="17" name="Rectangle 16">
+            <a:extLst>
+              <a:ext uri="{FF2B5EF4-FFF2-40B4-BE49-F238E27FC236}">
+                <a16:creationId xmlns:a16="http://schemas.microsoft.com/office/drawing/2014/main" id="{A47020BD-3785-4628-8C5E-A4011B43EF88}"/>
+              </a:ext>
+              <a:ext uri="{C183D7F6-B498-43B3-948B-1728B52AA6E4}">
+                <adec:decorative xmlns:adec="http://schemas.microsoft.com/office/drawing/2017/decorative" val="1"/>
+              </a:ext>
+            </a:extLst>
+          </p:cNvPr>
+          <p:cNvSpPr>
+            <a:spLocks noGrp="1" noRot="1" noChangeAspect="1" noMove="1" noResize="1" noEditPoints="1" noAdjustHandles="1" noChangeArrowheads="1" noChangeShapeType="1" noTextEdit="1"/>
+          </p:cNvSpPr>
+          <p:nvPr>
+            <p:extLst>
+              <p:ext uri="{386F3935-93C4-4BCD-93E2-E3B085C9AB24}">
+                <p16:designElem xmlns:p16="http://schemas.microsoft.com/office/powerpoint/2015/main" val="1"/>
+              </p:ext>
+            </p:extLst>
+          </p:nvPr>
+        </p:nvSpPr>
+        <p:spPr>
+          <a:xfrm>
+            <a:off x="0" y="2139694"/>
+            <a:ext cx="12192000" cy="146304"/>
+          </a:xfrm>
+          <a:prstGeom prst="rect">
+            <a:avLst/>
+          </a:prstGeom>
+          <a:solidFill>
+            <a:schemeClr val="tx1">
+              <a:alpha val="20000"/>
+            </a:schemeClr>
+          </a:solidFill>
+          <a:ln>
+            <a:noFill/>
+          </a:ln>
+        </p:spPr>
+        <p:style>
+          <a:lnRef idx="2">
+            <a:schemeClr val="accent1">
+              <a:shade val="50000"/>
+            </a:schemeClr>
+          </a:lnRef>
+          <a:fillRef idx="1">
+            <a:schemeClr val="accent1"/>
+          </a:fillRef>
+          <a:effectRef idx="0">
+            <a:schemeClr val="accent1"/>
+          </a:effectRef>
+          <a:fontRef idx="minor">
+            <a:schemeClr val="lt1"/>
+          </a:fontRef>
+        </p:style>
+        <p:txBody>
+          <a:bodyPr rtlCol="0" anchor="ctr"/>
+          <a:lstStyle/>
+          <a:p>
+            <a:pPr algn="ctr"/>
+            <a:endParaRPr lang="en-US" dirty="0"/>
+          </a:p>
+        </p:txBody>
+      </p:sp>
+      <p:sp>
+        <p:nvSpPr>
+          <p:cNvPr id="8" name="CuadroTexto 7">
+            <a:extLst>
+              <a:ext uri="{FF2B5EF4-FFF2-40B4-BE49-F238E27FC236}">
+                <a16:creationId xmlns:a16="http://schemas.microsoft.com/office/drawing/2014/main" id="{5CE639B4-4005-E7BB-E84A-9A2596C1C72D}"/>
+              </a:ext>
+            </a:extLst>
+          </p:cNvPr>
+          <p:cNvSpPr txBox="1"/>
+          <p:nvPr/>
+        </p:nvSpPr>
+        <p:spPr>
+          <a:xfrm>
+            <a:off x="958850" y="2916238"/>
+            <a:ext cx="5133975" cy="2986088"/>
+          </a:xfrm>
+          <a:prstGeom prst="rect">
+            <a:avLst/>
+          </a:prstGeom>
+          <a:noFill/>
+        </p:spPr>
+        <p:txBody>
+          <a:bodyPr wrap="square" anchor="t">
+            <a:normAutofit/>
+          </a:bodyPr>
+          <a:lstStyle/>
+          <a:p>
+            <a:pPr marL="735330" indent="-285750" algn="just">
+              <a:lnSpc>
+                <a:spcPct val="97000"/>
+              </a:lnSpc>
+              <a:spcAft>
+                <a:spcPts val="800"/>
+              </a:spcAft>
+              <a:buFont typeface="Wingdings" panose="05000000000000000000" pitchFamily="2" charset="2"/>
+              <a:buChar char="ü"/>
+            </a:pPr>
+            <a:r>
+              <a:rPr lang="es-ES" b="1" dirty="0">
+                <a:effectLst/>
+                <a:latin typeface="Calibri" panose="020F0502020204030204" pitchFamily="34" charset="0"/>
+                <a:ea typeface="Calibri" panose="020F0502020204030204" pitchFamily="34" charset="0"/>
+                <a:cs typeface="Calibri" panose="020F0502020204030204" pitchFamily="34" charset="0"/>
+              </a:rPr>
+              <a:t>Gobierno</a:t>
+            </a:r>
+          </a:p>
+          <a:p>
+            <a:pPr marL="735330" indent="-285750" algn="just">
+              <a:lnSpc>
+                <a:spcPct val="97000"/>
+              </a:lnSpc>
+              <a:spcAft>
+                <a:spcPts val="800"/>
+              </a:spcAft>
+              <a:buFont typeface="Wingdings" panose="05000000000000000000" pitchFamily="2" charset="2"/>
+              <a:buChar char="ü"/>
+            </a:pPr>
+            <a:r>
+              <a:rPr lang="es-ES" b="1" dirty="0">
+                <a:effectLst/>
+                <a:latin typeface="Calibri" panose="020F0502020204030204" pitchFamily="34" charset="0"/>
+                <a:ea typeface="Calibri" panose="020F0502020204030204" pitchFamily="34" charset="0"/>
+                <a:cs typeface="Calibri" panose="020F0502020204030204" pitchFamily="34" charset="0"/>
+              </a:rPr>
+              <a:t>Desarrollo internacional</a:t>
+            </a:r>
+            <a:endParaRPr lang="es-ES" dirty="0">
+              <a:effectLst/>
+              <a:latin typeface="Calibri" panose="020F0502020204030204" pitchFamily="34" charset="0"/>
+              <a:ea typeface="Calibri" panose="020F0502020204030204" pitchFamily="34" charset="0"/>
+              <a:cs typeface="Times New Roman" panose="02020603050405020304" pitchFamily="18" charset="0"/>
+            </a:endParaRPr>
+          </a:p>
+          <a:p>
+            <a:pPr marL="735330" indent="-285750" algn="just">
+              <a:lnSpc>
+                <a:spcPct val="97000"/>
+              </a:lnSpc>
+              <a:spcAft>
+                <a:spcPts val="800"/>
+              </a:spcAft>
+              <a:buFont typeface="Wingdings" panose="05000000000000000000" pitchFamily="2" charset="2"/>
+              <a:buChar char="ü"/>
+            </a:pPr>
+            <a:r>
+              <a:rPr lang="es-ES" b="1" dirty="0">
+                <a:effectLst/>
+                <a:latin typeface="Calibri" panose="020F0502020204030204" pitchFamily="34" charset="0"/>
+                <a:ea typeface="Calibri" panose="020F0502020204030204" pitchFamily="34" charset="0"/>
+                <a:cs typeface="Calibri" panose="020F0502020204030204" pitchFamily="34" charset="0"/>
+              </a:rPr>
+              <a:t>Industria</a:t>
+            </a:r>
+            <a:endParaRPr lang="es-ES" dirty="0">
+              <a:effectLst/>
+              <a:latin typeface="Calibri" panose="020F0502020204030204" pitchFamily="34" charset="0"/>
+              <a:ea typeface="Calibri" panose="020F0502020204030204" pitchFamily="34" charset="0"/>
+              <a:cs typeface="Times New Roman" panose="02020603050405020304" pitchFamily="18" charset="0"/>
+            </a:endParaRPr>
+          </a:p>
+          <a:p>
+            <a:pPr marL="735330" indent="-285750" algn="just">
+              <a:lnSpc>
+                <a:spcPct val="97000"/>
+              </a:lnSpc>
+              <a:spcAft>
+                <a:spcPts val="800"/>
+              </a:spcAft>
+              <a:buFont typeface="Wingdings" panose="05000000000000000000" pitchFamily="2" charset="2"/>
+              <a:buChar char="ü"/>
+            </a:pPr>
+            <a:r>
+              <a:rPr lang="es-ES" b="1" dirty="0">
+                <a:effectLst/>
+                <a:latin typeface="Calibri" panose="020F0502020204030204" pitchFamily="34" charset="0"/>
+                <a:ea typeface="Calibri" panose="020F0502020204030204" pitchFamily="34" charset="0"/>
+                <a:cs typeface="Calibri" panose="020F0502020204030204" pitchFamily="34" charset="0"/>
+              </a:rPr>
+              <a:t>Medios</a:t>
+            </a:r>
+            <a:endParaRPr lang="es-ES" dirty="0">
+              <a:effectLst/>
+              <a:latin typeface="Calibri" panose="020F0502020204030204" pitchFamily="34" charset="0"/>
+              <a:ea typeface="Calibri" panose="020F0502020204030204" pitchFamily="34" charset="0"/>
+              <a:cs typeface="Times New Roman" panose="02020603050405020304" pitchFamily="18" charset="0"/>
+            </a:endParaRPr>
+          </a:p>
+          <a:p>
+            <a:pPr marL="735330" indent="-285750" algn="just">
+              <a:lnSpc>
+                <a:spcPct val="97000"/>
+              </a:lnSpc>
+              <a:spcAft>
+                <a:spcPts val="800"/>
+              </a:spcAft>
+              <a:buFont typeface="Wingdings" panose="05000000000000000000" pitchFamily="2" charset="2"/>
+              <a:buChar char="ü"/>
+            </a:pPr>
+            <a:r>
+              <a:rPr lang="es-ES" b="1" dirty="0">
+                <a:effectLst/>
+                <a:latin typeface="Calibri" panose="020F0502020204030204" pitchFamily="34" charset="0"/>
+                <a:ea typeface="Calibri" panose="020F0502020204030204" pitchFamily="34" charset="0"/>
+                <a:cs typeface="Calibri" panose="020F0502020204030204" pitchFamily="34" charset="0"/>
+              </a:rPr>
+              <a:t>Seguros</a:t>
+            </a:r>
+            <a:endParaRPr lang="es-ES" dirty="0">
+              <a:effectLst/>
+              <a:latin typeface="Calibri" panose="020F0502020204030204" pitchFamily="34" charset="0"/>
+              <a:ea typeface="Calibri" panose="020F0502020204030204" pitchFamily="34" charset="0"/>
+              <a:cs typeface="Times New Roman" panose="02020603050405020304" pitchFamily="18" charset="0"/>
+            </a:endParaRPr>
+          </a:p>
+          <a:p>
+            <a:pPr marL="735330" indent="-285750" algn="just">
+              <a:lnSpc>
+                <a:spcPct val="97000"/>
+              </a:lnSpc>
+              <a:spcAft>
+                <a:spcPts val="800"/>
+              </a:spcAft>
+              <a:buFont typeface="Wingdings" panose="05000000000000000000" pitchFamily="2" charset="2"/>
+              <a:buChar char="ü"/>
+            </a:pPr>
+            <a:r>
+              <a:rPr lang="es-ES" b="1" dirty="0">
+                <a:effectLst/>
+                <a:latin typeface="Calibri" panose="020F0502020204030204" pitchFamily="34" charset="0"/>
+                <a:ea typeface="Calibri" panose="020F0502020204030204" pitchFamily="34" charset="0"/>
+                <a:cs typeface="Calibri" panose="020F0502020204030204" pitchFamily="34" charset="0"/>
+              </a:rPr>
+              <a:t>Deportes</a:t>
+            </a:r>
+            <a:endParaRPr lang="es-ES" dirty="0">
+              <a:effectLst/>
+              <a:latin typeface="Calibri" panose="020F0502020204030204" pitchFamily="34" charset="0"/>
+              <a:ea typeface="Calibri" panose="020F0502020204030204" pitchFamily="34" charset="0"/>
+              <a:cs typeface="Times New Roman" panose="02020603050405020304" pitchFamily="18" charset="0"/>
+            </a:endParaRPr>
+          </a:p>
+          <a:p>
+            <a:pPr marL="735330" indent="-285750" algn="just">
+              <a:lnSpc>
+                <a:spcPct val="97000"/>
+              </a:lnSpc>
+              <a:spcAft>
+                <a:spcPts val="800"/>
+              </a:spcAft>
+              <a:buFont typeface="Wingdings" panose="05000000000000000000" pitchFamily="2" charset="2"/>
+              <a:buChar char="ü"/>
+            </a:pPr>
+            <a:r>
+              <a:rPr lang="es-ES" b="1" dirty="0">
+                <a:effectLst/>
+                <a:latin typeface="Calibri" panose="020F0502020204030204" pitchFamily="34" charset="0"/>
+                <a:ea typeface="Calibri" panose="020F0502020204030204" pitchFamily="34" charset="0"/>
+                <a:cs typeface="Calibri" panose="020F0502020204030204" pitchFamily="34" charset="0"/>
+              </a:rPr>
+              <a:t>Finanzas</a:t>
+            </a:r>
+            <a:endParaRPr lang="es-ES" dirty="0">
+              <a:effectLst/>
+              <a:latin typeface="Calibri" panose="020F0502020204030204" pitchFamily="34" charset="0"/>
+              <a:ea typeface="Calibri" panose="020F0502020204030204" pitchFamily="34" charset="0"/>
+              <a:cs typeface="Times New Roman" panose="02020603050405020304" pitchFamily="18" charset="0"/>
+            </a:endParaRPr>
+          </a:p>
+          <a:p>
+            <a:pPr marL="735330" indent="-285750" algn="just">
+              <a:lnSpc>
+                <a:spcPct val="97000"/>
+              </a:lnSpc>
+              <a:spcAft>
+                <a:spcPts val="800"/>
+              </a:spcAft>
+              <a:buFont typeface="Wingdings" panose="05000000000000000000" pitchFamily="2" charset="2"/>
+              <a:buChar char="ü"/>
+            </a:pPr>
+            <a:r>
+              <a:rPr lang="es-ES" b="1" dirty="0">
+                <a:effectLst/>
+                <a:latin typeface="Calibri" panose="020F0502020204030204" pitchFamily="34" charset="0"/>
+                <a:ea typeface="Calibri" panose="020F0502020204030204" pitchFamily="34" charset="0"/>
+                <a:cs typeface="Calibri" panose="020F0502020204030204" pitchFamily="34" charset="0"/>
+              </a:rPr>
+              <a:t>Mercadotecnia y ventas</a:t>
+            </a:r>
+            <a:endParaRPr lang="es-ES" dirty="0">
+              <a:effectLst/>
+              <a:latin typeface="Calibri" panose="020F0502020204030204" pitchFamily="34" charset="0"/>
+              <a:ea typeface="Calibri" panose="020F0502020204030204" pitchFamily="34" charset="0"/>
+              <a:cs typeface="Times New Roman" panose="02020603050405020304" pitchFamily="18" charset="0"/>
+            </a:endParaRPr>
+          </a:p>
+        </p:txBody>
+      </p:sp>
+      <p:sp>
+        <p:nvSpPr>
+          <p:cNvPr id="2" name="Título 1">
+            <a:extLst>
+              <a:ext uri="{FF2B5EF4-FFF2-40B4-BE49-F238E27FC236}">
+                <a16:creationId xmlns:a16="http://schemas.microsoft.com/office/drawing/2014/main" id="{62F8E520-52DC-0807-E034-7790173089E5}"/>
+              </a:ext>
+            </a:extLst>
+          </p:cNvPr>
+          <p:cNvSpPr>
+            <a:spLocks noGrp="1"/>
+          </p:cNvSpPr>
+          <p:nvPr>
+            <p:ph type="title"/>
+          </p:nvPr>
+        </p:nvSpPr>
+        <p:spPr>
+          <a:xfrm>
+            <a:off x="960120" y="434101"/>
+            <a:ext cx="10279971" cy="1362042"/>
+          </a:xfrm>
+        </p:spPr>
+        <p:txBody>
+          <a:bodyPr vert="horz" lIns="91440" tIns="45720" rIns="91440" bIns="45720" rtlCol="0" anchor="b">
+            <a:normAutofit/>
+          </a:bodyPr>
+          <a:lstStyle/>
+          <a:p>
+            <a:r>
+              <a:rPr lang="en-US" sz="4800" kern="1200">
+                <a:solidFill>
+                  <a:schemeClr val="bg1"/>
+                </a:solidFill>
+                <a:latin typeface="+mj-lt"/>
+                <a:ea typeface="+mj-ea"/>
+                <a:cs typeface="+mj-cs"/>
+              </a:rPr>
+              <a:t>APLICACIONES</a:t>
+            </a:r>
+          </a:p>
+        </p:txBody>
+      </p:sp>
+      <p:sp>
+        <p:nvSpPr>
+          <p:cNvPr id="9" name="Título 1">
+            <a:extLst>
+              <a:ext uri="{FF2B5EF4-FFF2-40B4-BE49-F238E27FC236}">
+                <a16:creationId xmlns:a16="http://schemas.microsoft.com/office/drawing/2014/main" id="{2C3D27E8-C7AC-D100-AC43-992D28FC520C}"/>
+              </a:ext>
+            </a:extLst>
+          </p:cNvPr>
+          <p:cNvSpPr txBox="1">
+            <a:spLocks/>
+          </p:cNvSpPr>
+          <p:nvPr/>
+        </p:nvSpPr>
+        <p:spPr>
+          <a:xfrm>
+            <a:off x="6893043" y="5816630"/>
+            <a:ext cx="5298957" cy="906733"/>
+          </a:xfrm>
+          <a:prstGeom prst="rect">
+            <a:avLst/>
+          </a:prstGeom>
+        </p:spPr>
+        <p:txBody>
+          <a:bodyPr vert="horz" lIns="91440" tIns="45720" rIns="91440" bIns="45720" rtlCol="0" anchor="b">
+            <a:noAutofit/>
+          </a:bodyPr>
+          <a:lstStyle>
+            <a:lvl1pPr algn="l" defTabSz="914400" rtl="0" eaLnBrk="1" latinLnBrk="0" hangingPunct="1">
+              <a:lnSpc>
+                <a:spcPct val="90000"/>
+              </a:lnSpc>
+              <a:spcBef>
+                <a:spcPct val="0"/>
+              </a:spcBef>
+              <a:buNone/>
+              <a:defRPr sz="4400" kern="1200">
+                <a:solidFill>
+                  <a:schemeClr val="tx1"/>
+                </a:solidFill>
+                <a:latin typeface="+mj-lt"/>
+                <a:ea typeface="+mj-ea"/>
+                <a:cs typeface="+mj-cs"/>
+              </a:defRPr>
+            </a:lvl1pPr>
+          </a:lstStyle>
+          <a:p>
+            <a:pPr algn="ctr">
+              <a:spcAft>
+                <a:spcPts val="600"/>
+              </a:spcAft>
+            </a:pPr>
+            <a:r>
+              <a:rPr lang="es-ES" sz="1600" b="1" dirty="0">
+                <a:cs typeface="Calibri Light" panose="020F0302020204030204"/>
+              </a:rPr>
+              <a:t>EDUARDO MARTÍN-SONSECA</a:t>
+            </a:r>
+            <a:br>
+              <a:rPr lang="es-ES" sz="1600" b="1" dirty="0">
+                <a:cs typeface="Calibri Light" panose="020F0302020204030204"/>
+              </a:rPr>
+            </a:br>
+            <a:r>
+              <a:rPr lang="es-ES" sz="1600" b="1" dirty="0">
+                <a:cs typeface="Calibri Light" panose="020F0302020204030204"/>
+              </a:rPr>
+              <a:t>LUIS FERNANDEZ CASTELO</a:t>
+            </a:r>
+            <a:br>
+              <a:rPr lang="es-ES" sz="1600" b="1" dirty="0">
+                <a:cs typeface="Calibri Light" panose="020F0302020204030204"/>
+              </a:rPr>
+            </a:br>
+            <a:r>
+              <a:rPr lang="es-ES" sz="1600" b="1" dirty="0">
+                <a:cs typeface="Calibri Light" panose="020F0302020204030204"/>
+              </a:rPr>
+              <a:t>1º DESARROLLO DE APLICACIONES MULTIPLATAFORMA</a:t>
+            </a:r>
+            <a:endParaRPr lang="es-ES" sz="1600" dirty="0">
+              <a:cs typeface="Calibri Light"/>
+            </a:endParaRPr>
+          </a:p>
+        </p:txBody>
+      </p:sp>
+    </p:spTree>
+    <p:extLst>
+      <p:ext uri="{BB962C8B-B14F-4D97-AF65-F5344CB8AC3E}">
+        <p14:creationId xmlns:p14="http://schemas.microsoft.com/office/powerpoint/2010/main" val="339404012"/>
+      </p:ext>
+    </p:extLst>
+  </p:cSld>
+  <p:clrMapOvr>
+    <a:masterClrMapping/>
+  </p:clrMapOvr>
+  <p:timing>
+    <p:tnLst>
+      <p:par>
+        <p:cTn id="1" dur="indefinite" restart="never" nodeType="tmRoot">
+          <p:childTnLst>
+            <p:seq concurrent="1" nextAc="seek">
+              <p:cTn id="2" dur="indefinite" nodeType="mainSeq">
+                <p:childTnLst>
+                  <p:par>
+                    <p:cTn id="3" fill="hold">
+                      <p:stCondLst>
+                        <p:cond delay="indefinite"/>
+                        <p:cond evt="onBegin" delay="0">
+                          <p:tn val="2"/>
+                        </p:cond>
+                      </p:stCondLst>
+                      <p:childTnLst>
+                        <p:par>
+                          <p:cTn id="4" fill="hold">
+                            <p:stCondLst>
+                              <p:cond delay="0"/>
+                            </p:stCondLst>
+                            <p:childTnLst>
+                              <p:par>
+                                <p:cTn id="5" presetID="10" presetClass="entr" presetSubtype="0" fill="hold" grpId="0" nodeType="withEffect">
+                                  <p:stCondLst>
+                                    <p:cond delay="0"/>
+                                  </p:stCondLst>
+                                  <p:childTnLst>
+                                    <p:set>
+                                      <p:cBhvr>
+                                        <p:cTn id="6" dur="1" fill="hold">
+                                          <p:stCondLst>
+                                            <p:cond delay="0"/>
+                                          </p:stCondLst>
+                                        </p:cTn>
+                                        <p:tgtEl>
+                                          <p:spTgt spid="9"/>
+                                        </p:tgtEl>
+                                        <p:attrNameLst>
+                                          <p:attrName>style.visibility</p:attrName>
+                                        </p:attrNameLst>
+                                      </p:cBhvr>
+                                      <p:to>
+                                        <p:strVal val="visible"/>
+                                      </p:to>
+                                    </p:set>
+                                    <p:animEffect transition="in" filter="fade">
+                                      <p:cBhvr>
+                                        <p:cTn id="7" dur="10"/>
+                                        <p:tgtEl>
+                                          <p:spTgt spid="9"/>
+                                        </p:tgtEl>
+                                      </p:cBhvr>
+                                    </p:animEffect>
+                                  </p:childTnLst>
+                                </p:cTn>
+                              </p:par>
+                            </p:childTnLst>
+                          </p:cTn>
+                        </p:par>
+                      </p:childTnLst>
+                    </p:cTn>
+                  </p:par>
+                </p:childTnLst>
+              </p:cTn>
+              <p:prevCondLst>
+                <p:cond evt="onPrev" delay="0">
+                  <p:tgtEl>
+                    <p:sldTgt/>
+                  </p:tgtEl>
+                </p:cond>
+              </p:prevCondLst>
+              <p:nextCondLst>
+                <p:cond evt="onNext" delay="0">
+                  <p:tgtEl>
+                    <p:sldTgt/>
+                  </p:tgtEl>
+                </p:cond>
+              </p:nextCondLst>
+            </p:seq>
+          </p:childTnLst>
+        </p:cTn>
+      </p:par>
+    </p:tnLst>
+    <p:bldLst>
+      <p:bldP spid="9" grpId="0"/>
+    </p:bldLst>
+  </p:timing>
+</p:sld>
+</file>
+
+<file path=ppt/slides/slide15.xml><?xml version="1.0" encoding="utf-8"?>
+<p:sld xmlns:a="http://schemas.openxmlformats.org/drawingml/2006/main" xmlns:r="http://schemas.openxmlformats.org/officeDocument/2006/relationships" xmlns:p="http://schemas.openxmlformats.org/presentationml/2006/main">
+  <p:cSld>
+    <p:bg>
+      <p:bgPr>
+        <a:solidFill>
+          <a:schemeClr val="bg1"/>
+        </a:solidFill>
+        <a:effectLst/>
+      </p:bgPr>
+    </p:bg>
+    <p:spTree>
+      <p:nvGrpSpPr>
+        <p:cNvPr id="1" name=""/>
+        <p:cNvGrpSpPr/>
+        <p:nvPr/>
+      </p:nvGrpSpPr>
+      <p:grpSpPr>
+        <a:xfrm>
+          <a:off x="0" y="0"/>
+          <a:ext cx="0" cy="0"/>
+          <a:chOff x="0" y="0"/>
+          <a:chExt cx="0" cy="0"/>
+        </a:xfrm>
+      </p:grpSpPr>
+      <p:sp>
+        <p:nvSpPr>
+          <p:cNvPr id="11" name="Rectangle 10">
+            <a:extLst>
+              <a:ext uri="{FF2B5EF4-FFF2-40B4-BE49-F238E27FC236}">
+                <a16:creationId xmlns:a16="http://schemas.microsoft.com/office/drawing/2014/main" id="{4281BC32-FF58-4898-A6B5-7B3D059BCEB0}"/>
+              </a:ext>
+              <a:ext uri="{C183D7F6-B498-43B3-948B-1728B52AA6E4}">
+                <adec:decorative xmlns:adec="http://schemas.microsoft.com/office/drawing/2017/decorative" val="1"/>
+              </a:ext>
+            </a:extLst>
+          </p:cNvPr>
+          <p:cNvSpPr>
+            <a:spLocks noGrp="1" noRot="1" noChangeAspect="1" noMove="1" noResize="1" noEditPoints="1" noAdjustHandles="1" noChangeArrowheads="1" noChangeShapeType="1" noTextEdit="1"/>
+          </p:cNvSpPr>
+          <p:nvPr>
+            <p:extLst>
+              <p:ext uri="{386F3935-93C4-4BCD-93E2-E3B085C9AB24}">
+                <p16:designElem xmlns:p16="http://schemas.microsoft.com/office/powerpoint/2015/main" val="1"/>
+              </p:ext>
+            </p:extLst>
+          </p:nvPr>
+        </p:nvSpPr>
+        <p:spPr>
+          <a:xfrm>
+            <a:off x="0" y="0"/>
+            <a:ext cx="12192000" cy="6858000"/>
+          </a:xfrm>
+          <a:prstGeom prst="rect">
+            <a:avLst/>
+          </a:prstGeom>
+          <a:solidFill>
+            <a:schemeClr val="bg2"/>
+          </a:solidFill>
+          <a:ln>
+            <a:noFill/>
+          </a:ln>
+        </p:spPr>
+        <p:style>
+          <a:lnRef idx="2">
+            <a:schemeClr val="accent1">
+              <a:shade val="50000"/>
+            </a:schemeClr>
+          </a:lnRef>
+          <a:fillRef idx="1">
+            <a:schemeClr val="accent1"/>
+          </a:fillRef>
+          <a:effectRef idx="0">
+            <a:schemeClr val="accent1"/>
+          </a:effectRef>
+          <a:fontRef idx="minor">
+            <a:schemeClr val="lt1"/>
+          </a:fontRef>
+        </p:style>
+        <p:txBody>
+          <a:bodyPr rtlCol="0" anchor="ctr"/>
+          <a:lstStyle/>
+          <a:p>
+            <a:pPr algn="ctr"/>
+            <a:endParaRPr lang="en-US"/>
+          </a:p>
+        </p:txBody>
+      </p:sp>
+      <p:sp>
+        <p:nvSpPr>
+          <p:cNvPr id="13" name="Rectangle 12">
+            <a:extLst>
+              <a:ext uri="{FF2B5EF4-FFF2-40B4-BE49-F238E27FC236}">
+                <a16:creationId xmlns:a16="http://schemas.microsoft.com/office/drawing/2014/main" id="{0D614406-135F-4875-9C87-53822CB19ABB}"/>
+              </a:ext>
+              <a:ext uri="{C183D7F6-B498-43B3-948B-1728B52AA6E4}">
+                <adec:decorative xmlns:adec="http://schemas.microsoft.com/office/drawing/2017/decorative" val="1"/>
+              </a:ext>
+            </a:extLst>
+          </p:cNvPr>
+          <p:cNvSpPr>
+            <a:spLocks noGrp="1" noRot="1" noChangeAspect="1" noMove="1" noResize="1" noEditPoints="1" noAdjustHandles="1" noChangeArrowheads="1" noChangeShapeType="1" noTextEdit="1"/>
+          </p:cNvSpPr>
+          <p:nvPr>
+            <p:extLst>
+              <p:ext uri="{386F3935-93C4-4BCD-93E2-E3B085C9AB24}">
+                <p16:designElem xmlns:p16="http://schemas.microsoft.com/office/powerpoint/2015/main" val="1"/>
+              </p:ext>
+            </p:extLst>
+          </p:nvPr>
+        </p:nvSpPr>
+        <p:spPr>
+          <a:xfrm>
+            <a:off x="0" y="1"/>
+            <a:ext cx="12191999" cy="2139694"/>
+          </a:xfrm>
+          <a:prstGeom prst="rect">
+            <a:avLst/>
+          </a:prstGeom>
+          <a:solidFill>
+            <a:schemeClr val="tx1">
+              <a:lumMod val="75000"/>
+              <a:lumOff val="25000"/>
+            </a:schemeClr>
+          </a:solidFill>
+          <a:ln>
+            <a:noFill/>
+          </a:ln>
+        </p:spPr>
+        <p:style>
+          <a:lnRef idx="2">
+            <a:schemeClr val="accent1">
+              <a:shade val="50000"/>
+            </a:schemeClr>
+          </a:lnRef>
+          <a:fillRef idx="1">
+            <a:schemeClr val="accent1"/>
+          </a:fillRef>
+          <a:effectRef idx="0">
+            <a:schemeClr val="accent1"/>
+          </a:effectRef>
+          <a:fontRef idx="minor">
+            <a:schemeClr val="lt1"/>
+          </a:fontRef>
+        </p:style>
+        <p:txBody>
+          <a:bodyPr rtlCol="0" anchor="ctr"/>
+          <a:lstStyle/>
+          <a:p>
+            <a:pPr algn="ctr"/>
+            <a:endParaRPr lang="en-US">
+              <a:solidFill>
+                <a:prstClr val="white"/>
+              </a:solidFill>
+              <a:latin typeface="Calibri" panose="020F0502020204030204"/>
+            </a:endParaRPr>
+          </a:p>
+        </p:txBody>
+      </p:sp>
+      <p:sp>
+        <p:nvSpPr>
+          <p:cNvPr id="15" name="Rectangle 14">
+            <a:extLst>
+              <a:ext uri="{FF2B5EF4-FFF2-40B4-BE49-F238E27FC236}">
+                <a16:creationId xmlns:a16="http://schemas.microsoft.com/office/drawing/2014/main" id="{A47020BD-3785-4628-8C5E-A4011B43EF88}"/>
+              </a:ext>
+              <a:ext uri="{C183D7F6-B498-43B3-948B-1728B52AA6E4}">
+                <adec:decorative xmlns:adec="http://schemas.microsoft.com/office/drawing/2017/decorative" val="1"/>
+              </a:ext>
+            </a:extLst>
+          </p:cNvPr>
+          <p:cNvSpPr>
+            <a:spLocks noGrp="1" noRot="1" noChangeAspect="1" noMove="1" noResize="1" noEditPoints="1" noAdjustHandles="1" noChangeArrowheads="1" noChangeShapeType="1" noTextEdit="1"/>
+          </p:cNvSpPr>
+          <p:nvPr>
+            <p:extLst>
+              <p:ext uri="{386F3935-93C4-4BCD-93E2-E3B085C9AB24}">
+                <p16:designElem xmlns:p16="http://schemas.microsoft.com/office/powerpoint/2015/main" val="1"/>
+              </p:ext>
+            </p:extLst>
+          </p:nvPr>
+        </p:nvSpPr>
+        <p:spPr>
+          <a:xfrm>
+            <a:off x="0" y="2139694"/>
+            <a:ext cx="12192000" cy="146304"/>
+          </a:xfrm>
+          <a:prstGeom prst="rect">
+            <a:avLst/>
+          </a:prstGeom>
+          <a:solidFill>
+            <a:schemeClr val="tx1">
+              <a:alpha val="20000"/>
+            </a:schemeClr>
+          </a:solidFill>
+          <a:ln>
+            <a:noFill/>
+          </a:ln>
+        </p:spPr>
+        <p:style>
+          <a:lnRef idx="2">
+            <a:schemeClr val="accent1">
+              <a:shade val="50000"/>
+            </a:schemeClr>
+          </a:lnRef>
+          <a:fillRef idx="1">
+            <a:schemeClr val="accent1"/>
+          </a:fillRef>
+          <a:effectRef idx="0">
+            <a:schemeClr val="accent1"/>
+          </a:effectRef>
+          <a:fontRef idx="minor">
+            <a:schemeClr val="lt1"/>
+          </a:fontRef>
+        </p:style>
+        <p:txBody>
+          <a:bodyPr rtlCol="0" anchor="ctr"/>
+          <a:lstStyle/>
+          <a:p>
+            <a:pPr algn="ctr"/>
+            <a:endParaRPr lang="en-US" dirty="0"/>
+          </a:p>
+        </p:txBody>
+      </p:sp>
+      <p:sp>
+        <p:nvSpPr>
+          <p:cNvPr id="6" name="CuadroTexto 5">
+            <a:extLst>
+              <a:ext uri="{FF2B5EF4-FFF2-40B4-BE49-F238E27FC236}">
+                <a16:creationId xmlns:a16="http://schemas.microsoft.com/office/drawing/2014/main" id="{96F7F26F-F2C6-7957-FF63-E74B3106DDED}"/>
+              </a:ext>
+            </a:extLst>
+          </p:cNvPr>
+          <p:cNvSpPr txBox="1"/>
+          <p:nvPr/>
+        </p:nvSpPr>
+        <p:spPr>
+          <a:xfrm>
+            <a:off x="958851" y="2916238"/>
+            <a:ext cx="3841750" cy="1397000"/>
+          </a:xfrm>
+          <a:prstGeom prst="rect">
+            <a:avLst/>
+          </a:prstGeom>
+          <a:noFill/>
+        </p:spPr>
+        <p:txBody>
+          <a:bodyPr wrap="square" anchor="t">
+            <a:normAutofit lnSpcReduction="10000"/>
+          </a:bodyPr>
+          <a:lstStyle/>
+          <a:p>
+            <a:pPr marL="285750" indent="-285750">
+              <a:lnSpc>
+                <a:spcPct val="97000"/>
+              </a:lnSpc>
+              <a:spcAft>
+                <a:spcPts val="800"/>
+              </a:spcAft>
+              <a:buFont typeface="Wingdings" panose="05000000000000000000" pitchFamily="2" charset="2"/>
+              <a:buChar char="ü"/>
+            </a:pPr>
+            <a:r>
+              <a:rPr lang="es-ES" b="1" dirty="0">
+                <a:effectLst/>
+                <a:ea typeface="Times New Roman" panose="02020603050405020304" pitchFamily="18" charset="0"/>
+                <a:cs typeface="Times New Roman" panose="02020603050405020304" pitchFamily="18" charset="0"/>
+              </a:rPr>
+              <a:t>El almacenamiento</a:t>
+            </a:r>
+            <a:endParaRPr lang="es-ES" dirty="0">
+              <a:effectLst/>
+              <a:ea typeface="Calibri" panose="020F0502020204030204" pitchFamily="34" charset="0"/>
+              <a:cs typeface="Times New Roman" panose="02020603050405020304" pitchFamily="18" charset="0"/>
+            </a:endParaRPr>
+          </a:p>
+          <a:p>
+            <a:pPr marL="285750" indent="-285750">
+              <a:lnSpc>
+                <a:spcPct val="97000"/>
+              </a:lnSpc>
+              <a:spcAft>
+                <a:spcPts val="800"/>
+              </a:spcAft>
+              <a:buFont typeface="Wingdings" panose="05000000000000000000" pitchFamily="2" charset="2"/>
+              <a:buChar char="ü"/>
+            </a:pPr>
+            <a:r>
+              <a:rPr lang="es-ES" b="1" dirty="0">
+                <a:effectLst/>
+                <a:ea typeface="Times New Roman" panose="02020603050405020304" pitchFamily="18" charset="0"/>
+                <a:cs typeface="Times New Roman" panose="02020603050405020304" pitchFamily="18" charset="0"/>
+              </a:rPr>
+              <a:t>El coste</a:t>
+            </a:r>
+            <a:r>
+              <a:rPr lang="es-ES" dirty="0">
+                <a:effectLst/>
+                <a:ea typeface="Times New Roman" panose="02020603050405020304" pitchFamily="18" charset="0"/>
+                <a:cs typeface="Times New Roman" panose="02020603050405020304" pitchFamily="18" charset="0"/>
+              </a:rPr>
+              <a:t> </a:t>
+            </a:r>
+            <a:endParaRPr lang="es-ES" dirty="0">
+              <a:effectLst/>
+              <a:ea typeface="Calibri" panose="020F0502020204030204" pitchFamily="34" charset="0"/>
+              <a:cs typeface="Times New Roman" panose="02020603050405020304" pitchFamily="18" charset="0"/>
+            </a:endParaRPr>
+          </a:p>
+          <a:p>
+            <a:pPr marL="285750" indent="-285750">
+              <a:lnSpc>
+                <a:spcPct val="97000"/>
+              </a:lnSpc>
+              <a:spcAft>
+                <a:spcPts val="800"/>
+              </a:spcAft>
+              <a:buFont typeface="Wingdings" panose="05000000000000000000" pitchFamily="2" charset="2"/>
+              <a:buChar char="ü"/>
+            </a:pPr>
+            <a:r>
+              <a:rPr lang="es-ES" b="1" dirty="0">
+                <a:effectLst/>
+                <a:ea typeface="Times New Roman" panose="02020603050405020304" pitchFamily="18" charset="0"/>
+                <a:cs typeface="Times New Roman" panose="02020603050405020304" pitchFamily="18" charset="0"/>
+              </a:rPr>
+              <a:t>La redundancia de la información</a:t>
+            </a:r>
+            <a:endParaRPr lang="es-ES" dirty="0">
+              <a:effectLst/>
+              <a:ea typeface="Calibri" panose="020F0502020204030204" pitchFamily="34" charset="0"/>
+              <a:cs typeface="Times New Roman" panose="02020603050405020304" pitchFamily="18" charset="0"/>
+            </a:endParaRPr>
+          </a:p>
+          <a:p>
+            <a:pPr marL="285750" indent="-285750">
+              <a:lnSpc>
+                <a:spcPct val="97000"/>
+              </a:lnSpc>
+              <a:spcAft>
+                <a:spcPts val="800"/>
+              </a:spcAft>
+              <a:buFont typeface="Wingdings" panose="05000000000000000000" pitchFamily="2" charset="2"/>
+              <a:buChar char="ü"/>
+            </a:pPr>
+            <a:r>
+              <a:rPr lang="es-ES" b="1" dirty="0">
+                <a:effectLst/>
+                <a:ea typeface="Times New Roman" panose="02020603050405020304" pitchFamily="18" charset="0"/>
+                <a:cs typeface="Times New Roman" panose="02020603050405020304" pitchFamily="18" charset="0"/>
+              </a:rPr>
+              <a:t>La selección de los datos</a:t>
+            </a:r>
+            <a:endParaRPr lang="es-ES" dirty="0">
+              <a:effectLst/>
+              <a:ea typeface="Calibri" panose="020F0502020204030204" pitchFamily="34" charset="0"/>
+              <a:cs typeface="Times New Roman" panose="02020603050405020304" pitchFamily="18" charset="0"/>
+            </a:endParaRPr>
+          </a:p>
+        </p:txBody>
+      </p:sp>
+      <p:sp>
+        <p:nvSpPr>
           <p:cNvPr id="2" name="Título 1">
             <a:extLst>
               <a:ext uri="{FF2B5EF4-FFF2-40B4-BE49-F238E27FC236}">
@@ -9713,14 +15533,27 @@
             <p:ph type="title"/>
           </p:nvPr>
         </p:nvSpPr>
-        <p:spPr/>
+        <p:spPr>
+          <a:xfrm>
+            <a:off x="960120" y="434101"/>
+            <a:ext cx="10279971" cy="1362042"/>
+          </a:xfrm>
+        </p:spPr>
         <p:txBody>
-          <a:bodyPr/>
+          <a:bodyPr vert="horz" lIns="91440" tIns="45720" rIns="91440" bIns="45720" rtlCol="0" anchor="b">
+            <a:normAutofit/>
+          </a:bodyPr>
           <a:lstStyle/>
           <a:p>
-            <a:pPr algn="ctr"/>
-            <a:r>
-              <a:rPr lang="es-ES" dirty="0"/>
+            <a:r>
+              <a:rPr lang="en-US" sz="4800" kern="1200">
+                <a:solidFill>
+                  <a:schemeClr val="bg1"/>
+                </a:solidFill>
+                <a:latin typeface="+mj-lt"/>
+                <a:ea typeface="+mj-ea"/>
+                <a:cs typeface="+mj-cs"/>
+              </a:rPr>
               <a:t>DESAFIOS</a:t>
             </a:r>
           </a:p>
@@ -9728,35 +15561,10 @@
       </p:sp>
       <p:sp>
         <p:nvSpPr>
-          <p:cNvPr id="3" name="Marcador de contenido 2">
+          <p:cNvPr id="7" name="Título 1">
             <a:extLst>
               <a:ext uri="{FF2B5EF4-FFF2-40B4-BE49-F238E27FC236}">
-                <a16:creationId xmlns:a16="http://schemas.microsoft.com/office/drawing/2014/main" id="{C852E464-83C1-F6D1-E15D-28524028C9F1}"/>
-              </a:ext>
-            </a:extLst>
-          </p:cNvPr>
-          <p:cNvSpPr>
-            <a:spLocks noGrp="1"/>
-          </p:cNvSpPr>
-          <p:nvPr>
-            <p:ph idx="1"/>
-          </p:nvPr>
-        </p:nvSpPr>
-        <p:spPr/>
-        <p:txBody>
-          <a:bodyPr/>
-          <a:lstStyle/>
-          <a:p>
-            <a:endParaRPr lang="es-ES"/>
-          </a:p>
-        </p:txBody>
-      </p:sp>
-      <p:sp>
-        <p:nvSpPr>
-          <p:cNvPr id="4" name="Título 1">
-            <a:extLst>
-              <a:ext uri="{FF2B5EF4-FFF2-40B4-BE49-F238E27FC236}">
-                <a16:creationId xmlns:a16="http://schemas.microsoft.com/office/drawing/2014/main" id="{458A7921-403F-ED21-3E2F-51270E6BAA2B}"/>
+                <a16:creationId xmlns:a16="http://schemas.microsoft.com/office/drawing/2014/main" id="{4D1FE0E6-D1CE-E33F-24E6-CB73D732F6F7}"/>
               </a:ext>
             </a:extLst>
           </p:cNvPr>
@@ -9767,8 +15575,8 @@
         </p:nvSpPr>
         <p:spPr>
           <a:xfrm>
-            <a:off x="6893043" y="5952744"/>
-            <a:ext cx="5298957" cy="770619"/>
+            <a:off x="6893043" y="5816630"/>
+            <a:ext cx="5298957" cy="906733"/>
           </a:xfrm>
           <a:prstGeom prst="rect">
             <a:avLst/>
@@ -9884,7 +15692,7 @@
                                           </p:stCondLst>
                                         </p:cTn>
                                         <p:tgtEl>
-                                          <p:spTgt spid="4"/>
+                                          <p:spTgt spid="7"/>
                                         </p:tgtEl>
                                         <p:attrNameLst>
                                           <p:attrName>style.visibility</p:attrName>
@@ -9898,7 +15706,7 @@
                                       <p:cBhvr>
                                         <p:cTn id="7" dur="10"/>
                                         <p:tgtEl>
-                                          <p:spTgt spid="4"/>
+                                          <p:spTgt spid="7"/>
                                         </p:tgtEl>
                                       </p:cBhvr>
                                     </p:animEffect>
@@ -9933,15 +15741,23 @@
       </p:par>
     </p:tnLst>
     <p:bldLst>
-      <p:bldP spid="4" grpId="0"/>
+      <p:bldP spid="7" grpId="0"/>
     </p:bldLst>
   </p:timing>
 </p:sld>
 </file>
 
-<file path=ppt/slides/slide12.xml><?xml version="1.0" encoding="utf-8"?>
+<file path=ppt/slides/slide16.xml><?xml version="1.0" encoding="utf-8"?>
 <p:sld xmlns:a="http://schemas.openxmlformats.org/drawingml/2006/main" xmlns:r="http://schemas.openxmlformats.org/officeDocument/2006/relationships" xmlns:p="http://schemas.openxmlformats.org/presentationml/2006/main">
   <p:cSld>
+    <p:bg>
+      <p:bgPr>
+        <a:solidFill>
+          <a:schemeClr val="bg1"/>
+        </a:solidFill>
+        <a:effectLst/>
+      </p:bgPr>
+    </p:bg>
     <p:spTree>
       <p:nvGrpSpPr>
         <p:cNvPr id="1" name=""/>
@@ -9956,265 +15772,129 @@
           <a:chExt cx="0" cy="0"/>
         </a:xfrm>
       </p:grpSpPr>
-      <p:sp>
+      <p:sp useBgFill="1">
         <p:nvSpPr>
-          <p:cNvPr id="2" name="Título 1">
+          <p:cNvPr id="11" name="Rectangle 10">
             <a:extLst>
               <a:ext uri="{FF2B5EF4-FFF2-40B4-BE49-F238E27FC236}">
-                <a16:creationId xmlns:a16="http://schemas.microsoft.com/office/drawing/2014/main" id="{8607B768-0810-B456-80FF-C4AE6555F84F}"/>
+                <a16:creationId xmlns:a16="http://schemas.microsoft.com/office/drawing/2014/main" id="{C2554CA6-288E-4202-BC52-2E5A8F0C0AED}"/>
+              </a:ext>
+              <a:ext uri="{C183D7F6-B498-43B3-948B-1728B52AA6E4}">
+                <adec:decorative xmlns:adec="http://schemas.microsoft.com/office/drawing/2017/decorative" val="1"/>
               </a:ext>
             </a:extLst>
           </p:cNvPr>
           <p:cNvSpPr>
-            <a:spLocks noGrp="1"/>
+            <a:spLocks noGrp="1" noRot="1" noChangeAspect="1" noMove="1" noResize="1" noEditPoints="1" noAdjustHandles="1" noChangeArrowheads="1" noChangeShapeType="1" noTextEdit="1"/>
           </p:cNvSpPr>
           <p:nvPr>
-            <p:ph type="title"/>
+            <p:extLst>
+              <p:ext uri="{386F3935-93C4-4BCD-93E2-E3B085C9AB24}">
+                <p16:designElem xmlns:p16="http://schemas.microsoft.com/office/powerpoint/2015/main" val="1"/>
+              </p:ext>
+            </p:extLst>
           </p:nvPr>
         </p:nvSpPr>
-        <p:spPr/>
+        <p:spPr>
+          <a:xfrm>
+            <a:off x="3048" y="0"/>
+            <a:ext cx="12188952" cy="6858000"/>
+          </a:xfrm>
+          <a:prstGeom prst="rect">
+            <a:avLst/>
+          </a:prstGeom>
+          <a:ln>
+            <a:noFill/>
+          </a:ln>
+        </p:spPr>
+        <p:style>
+          <a:lnRef idx="2">
+            <a:schemeClr val="accent1">
+              <a:shade val="50000"/>
+            </a:schemeClr>
+          </a:lnRef>
+          <a:fillRef idx="1">
+            <a:schemeClr val="accent1"/>
+          </a:fillRef>
+          <a:effectRef idx="0">
+            <a:schemeClr val="accent1"/>
+          </a:effectRef>
+          <a:fontRef idx="minor">
+            <a:schemeClr val="lt1"/>
+          </a:fontRef>
+        </p:style>
         <p:txBody>
-          <a:bodyPr/>
+          <a:bodyPr rtlCol="0" anchor="ctr"/>
           <a:lstStyle/>
           <a:p>
             <a:pPr algn="ctr"/>
-            <a:r>
-              <a:rPr lang="es-ES" dirty="0"/>
-              <a:t>MEJORES PRACTICAS</a:t>
-            </a:r>
+            <a:endParaRPr lang="en-US"/>
           </a:p>
         </p:txBody>
       </p:sp>
       <p:sp>
         <p:nvSpPr>
-          <p:cNvPr id="3" name="Marcador de contenido 2">
+          <p:cNvPr id="13" name="Oval 12">
             <a:extLst>
               <a:ext uri="{FF2B5EF4-FFF2-40B4-BE49-F238E27FC236}">
-                <a16:creationId xmlns:a16="http://schemas.microsoft.com/office/drawing/2014/main" id="{41D81B99-2D68-EAFF-6209-27B8EC39288F}"/>
+                <a16:creationId xmlns:a16="http://schemas.microsoft.com/office/drawing/2014/main" id="{B10BB131-AC8E-4A8E-A5D1-36260F720C3B}"/>
+              </a:ext>
+              <a:ext uri="{C183D7F6-B498-43B3-948B-1728B52AA6E4}">
+                <adec:decorative xmlns:adec="http://schemas.microsoft.com/office/drawing/2017/decorative" val="1"/>
               </a:ext>
             </a:extLst>
           </p:cNvPr>
           <p:cNvSpPr>
-            <a:spLocks noGrp="1"/>
+            <a:spLocks noGrp="1" noRot="1" noChangeAspect="1" noMove="1" noResize="1" noEditPoints="1" noAdjustHandles="1" noChangeArrowheads="1" noChangeShapeType="1" noTextEdit="1"/>
           </p:cNvSpPr>
           <p:nvPr>
-            <p:ph idx="1"/>
+            <p:extLst>
+              <p:ext uri="{386F3935-93C4-4BCD-93E2-E3B085C9AB24}">
+                <p16:designElem xmlns:p16="http://schemas.microsoft.com/office/powerpoint/2015/main" val="1"/>
+              </p:ext>
+            </p:extLst>
           </p:nvPr>
         </p:nvSpPr>
-        <p:spPr/>
+        <p:spPr>
+          <a:xfrm>
+            <a:off x="489189" y="1119031"/>
+            <a:ext cx="4619938" cy="4619938"/>
+          </a:xfrm>
+          <a:prstGeom prst="ellipse">
+            <a:avLst/>
+          </a:prstGeom>
+          <a:solidFill>
+            <a:schemeClr val="accent2"/>
+          </a:solidFill>
+          <a:ln>
+            <a:noFill/>
+          </a:ln>
+        </p:spPr>
+        <p:style>
+          <a:lnRef idx="2">
+            <a:schemeClr val="accent1">
+              <a:shade val="50000"/>
+            </a:schemeClr>
+          </a:lnRef>
+          <a:fillRef idx="1">
+            <a:schemeClr val="accent1"/>
+          </a:fillRef>
+          <a:effectRef idx="0">
+            <a:schemeClr val="accent1"/>
+          </a:effectRef>
+          <a:fontRef idx="minor">
+            <a:schemeClr val="lt1"/>
+          </a:fontRef>
+        </p:style>
         <p:txBody>
-          <a:bodyPr/>
+          <a:bodyPr rtlCol="0" anchor="ctr"/>
           <a:lstStyle/>
           <a:p>
-            <a:endParaRPr lang="es-ES"/>
+            <a:pPr algn="ctr"/>
+            <a:endParaRPr lang="en-US"/>
           </a:p>
         </p:txBody>
       </p:sp>
-      <p:sp>
-        <p:nvSpPr>
-          <p:cNvPr id="4" name="Título 1">
-            <a:extLst>
-              <a:ext uri="{FF2B5EF4-FFF2-40B4-BE49-F238E27FC236}">
-                <a16:creationId xmlns:a16="http://schemas.microsoft.com/office/drawing/2014/main" id="{3E441317-6587-C5CB-E408-F463C0E185BF}"/>
-              </a:ext>
-            </a:extLst>
-          </p:cNvPr>
-          <p:cNvSpPr txBox="1">
-            <a:spLocks/>
-          </p:cNvSpPr>
-          <p:nvPr/>
-        </p:nvSpPr>
-        <p:spPr>
-          <a:xfrm>
-            <a:off x="6893043" y="5952744"/>
-            <a:ext cx="5298957" cy="770619"/>
-          </a:xfrm>
-          <a:prstGeom prst="rect">
-            <a:avLst/>
-          </a:prstGeom>
-        </p:spPr>
-        <p:txBody>
-          <a:bodyPr vert="horz" lIns="91440" tIns="45720" rIns="91440" bIns="45720" rtlCol="0" anchor="b">
-            <a:noAutofit/>
-          </a:bodyPr>
-          <a:lstStyle>
-            <a:lvl1pPr algn="l" defTabSz="914400" rtl="0" eaLnBrk="1" latinLnBrk="0" hangingPunct="1">
-              <a:lnSpc>
-                <a:spcPct val="90000"/>
-              </a:lnSpc>
-              <a:spcBef>
-                <a:spcPct val="0"/>
-              </a:spcBef>
-              <a:buNone/>
-              <a:defRPr sz="4400" kern="1200">
-                <a:solidFill>
-                  <a:schemeClr val="tx1"/>
-                </a:solidFill>
-                <a:latin typeface="+mj-lt"/>
-                <a:ea typeface="+mj-ea"/>
-                <a:cs typeface="+mj-cs"/>
-              </a:defRPr>
-            </a:lvl1pPr>
-          </a:lstStyle>
-          <a:p>
-            <a:pPr algn="ctr">
-              <a:spcAft>
-                <a:spcPts val="600"/>
-              </a:spcAft>
-            </a:pPr>
-            <a:r>
-              <a:rPr lang="es-ES" sz="1600" b="1" dirty="0">
-                <a:cs typeface="Calibri Light" panose="020F0302020204030204"/>
-              </a:rPr>
-              <a:t>EDUARDO MARTÍN-SONSECA</a:t>
-            </a:r>
-            <a:br>
-              <a:rPr lang="es-ES" sz="1600" b="1" dirty="0">
-                <a:cs typeface="Calibri Light" panose="020F0302020204030204"/>
-              </a:rPr>
-            </a:br>
-            <a:r>
-              <a:rPr lang="es-ES" sz="1600" b="1" dirty="0">
-                <a:cs typeface="Calibri Light" panose="020F0302020204030204"/>
-              </a:rPr>
-              <a:t>LUIS FERNANDEZ CASTELO</a:t>
-            </a:r>
-            <a:br>
-              <a:rPr lang="es-ES" sz="1600" b="1" dirty="0">
-                <a:cs typeface="Calibri Light" panose="020F0302020204030204"/>
-              </a:rPr>
-            </a:br>
-            <a:r>
-              <a:rPr lang="es-ES" sz="1600" b="1" dirty="0">
-                <a:cs typeface="Calibri Light" panose="020F0302020204030204"/>
-              </a:rPr>
-              <a:t>1º DESARROLLO DE APLICACIONES MULTIPLATAFORMA</a:t>
-            </a:r>
-            <a:endParaRPr lang="es-ES" sz="1600" dirty="0">
-              <a:cs typeface="Calibri Light"/>
-            </a:endParaRPr>
-          </a:p>
-        </p:txBody>
-      </p:sp>
-    </p:spTree>
-    <p:extLst>
-      <p:ext uri="{BB962C8B-B14F-4D97-AF65-F5344CB8AC3E}">
-        <p14:creationId xmlns:p14="http://schemas.microsoft.com/office/powerpoint/2010/main" val="2542492578"/>
-      </p:ext>
-    </p:extLst>
-  </p:cSld>
-  <p:clrMapOvr>
-    <a:masterClrMapping/>
-  </p:clrMapOvr>
-  <p:timing>
-    <p:tnLst>
-      <p:par>
-        <p:cTn id="1" dur="indefinite" restart="never" nodeType="tmRoot">
-          <p:childTnLst>
-            <p:seq concurrent="1" nextAc="seek">
-              <p:cTn id="2" dur="indefinite" nodeType="mainSeq">
-                <p:childTnLst>
-                  <p:par>
-                    <p:cTn id="3" fill="hold">
-                      <p:stCondLst>
-                        <p:cond delay="indefinite"/>
-                        <p:cond evt="onBegin" delay="0">
-                          <p:tn val="2"/>
-                        </p:cond>
-                      </p:stCondLst>
-                      <p:childTnLst>
-                        <p:par>
-                          <p:cTn id="4" fill="hold">
-                            <p:stCondLst>
-                              <p:cond delay="0"/>
-                            </p:stCondLst>
-                            <p:childTnLst>
-                              <p:par>
-                                <p:cTn id="5" presetID="10" presetClass="entr" presetSubtype="0" fill="hold" grpId="0" nodeType="withEffect">
-                                  <p:stCondLst>
-                                    <p:cond delay="0"/>
-                                  </p:stCondLst>
-                                  <p:childTnLst>
-                                    <p:set>
-                                      <p:cBhvr>
-                                        <p:cTn id="6" dur="1" fill="hold">
-                                          <p:stCondLst>
-                                            <p:cond delay="0"/>
-                                          </p:stCondLst>
-                                        </p:cTn>
-                                        <p:tgtEl>
-                                          <p:spTgt spid="4"/>
-                                        </p:tgtEl>
-                                        <p:attrNameLst>
-                                          <p:attrName>style.visibility</p:attrName>
-                                        </p:attrNameLst>
-                                      </p:cBhvr>
-                                      <p:to>
-                                        <p:strVal val="visible"/>
-                                      </p:to>
-                                    </p:set>
-                                    <p:animEffect transition="in" filter="fade">
-                                      <p:cBhvr>
-                                        <p:cTn id="7" dur="10"/>
-                                        <p:tgtEl>
-                                          <p:spTgt spid="4"/>
-                                        </p:tgtEl>
-                                      </p:cBhvr>
-                                    </p:animEffect>
-                                  </p:childTnLst>
-                                </p:cTn>
-                              </p:par>
-                            </p:childTnLst>
-                          </p:cTn>
-                        </p:par>
-                      </p:childTnLst>
-                    </p:cTn>
-                  </p:par>
-                </p:childTnLst>
-              </p:cTn>
-              <p:prevCondLst>
-                <p:cond evt="onPrev" delay="0">
-                  <p:tgtEl>
-                    <p:sldTgt/>
-                  </p:tgtEl>
-                </p:cond>
-              </p:prevCondLst>
-              <p:nextCondLst>
-                <p:cond evt="onNext" delay="0">
-                  <p:tgtEl>
-                    <p:sldTgt/>
-                  </p:tgtEl>
-                </p:cond>
-              </p:nextCondLst>
-            </p:seq>
-          </p:childTnLst>
-        </p:cTn>
-      </p:par>
-    </p:tnLst>
-    <p:bldLst>
-      <p:bldP spid="4" grpId="0"/>
-    </p:bldLst>
-  </p:timing>
-</p:sld>
-</file>
-
-<file path=ppt/slides/slide13.xml><?xml version="1.0" encoding="utf-8"?>
-<p:sld xmlns:a="http://schemas.openxmlformats.org/drawingml/2006/main" xmlns:r="http://schemas.openxmlformats.org/officeDocument/2006/relationships" xmlns:p="http://schemas.openxmlformats.org/presentationml/2006/main">
-  <p:cSld>
-    <p:spTree>
-      <p:nvGrpSpPr>
-        <p:cNvPr id="1" name=""/>
-        <p:cNvGrpSpPr/>
-        <p:nvPr/>
-      </p:nvGrpSpPr>
-      <p:grpSpPr>
-        <a:xfrm>
-          <a:off x="0" y="0"/>
-          <a:ext cx="0" cy="0"/>
-          <a:chOff x="0" y="0"/>
-          <a:chExt cx="0" cy="0"/>
-        </a:xfrm>
-      </p:grpSpPr>
       <p:sp>
         <p:nvSpPr>
           <p:cNvPr id="2" name="Título 1">
@@ -10231,14 +15911,27 @@
             <p:ph type="title"/>
           </p:nvPr>
         </p:nvSpPr>
-        <p:spPr/>
+        <p:spPr>
+          <a:xfrm>
+            <a:off x="1171074" y="1396686"/>
+            <a:ext cx="3240506" cy="4064628"/>
+          </a:xfrm>
+        </p:spPr>
         <p:txBody>
-          <a:bodyPr/>
+          <a:bodyPr vert="horz" lIns="91440" tIns="45720" rIns="91440" bIns="45720" rtlCol="0" anchor="ctr">
+            <a:normAutofit/>
+          </a:bodyPr>
           <a:lstStyle/>
           <a:p>
-            <a:pPr algn="ctr"/>
-            <a:r>
-              <a:rPr lang="es-ES" dirty="0"/>
+            <a:r>
+              <a:rPr lang="en-US" sz="3700" kern="1200">
+                <a:solidFill>
+                  <a:srgbClr val="FFFFFF"/>
+                </a:solidFill>
+                <a:latin typeface="+mj-lt"/>
+                <a:ea typeface="+mj-ea"/>
+                <a:cs typeface="+mj-cs"/>
+              </a:rPr>
               <a:t>CONCLUSIONES</a:t>
             </a:r>
           </a:p>
@@ -10246,26 +15939,791 @@
       </p:sp>
       <p:sp>
         <p:nvSpPr>
-          <p:cNvPr id="3" name="Marcador de contenido 2">
+          <p:cNvPr id="15" name="Arc 14">
             <a:extLst>
               <a:ext uri="{FF2B5EF4-FFF2-40B4-BE49-F238E27FC236}">
-                <a16:creationId xmlns:a16="http://schemas.microsoft.com/office/drawing/2014/main" id="{C99A62D3-153B-DF03-D089-BF6ACF462784}"/>
+                <a16:creationId xmlns:a16="http://schemas.microsoft.com/office/drawing/2014/main" id="{5B7778FC-632E-4DCA-A7CB-0D7731CCF970}"/>
+              </a:ext>
+              <a:ext uri="{C183D7F6-B498-43B3-948B-1728B52AA6E4}">
+                <adec:decorative xmlns:adec="http://schemas.microsoft.com/office/drawing/2017/decorative" val="1"/>
               </a:ext>
             </a:extLst>
           </p:cNvPr>
           <p:cNvSpPr>
-            <a:spLocks noGrp="1"/>
+            <a:spLocks noGrp="1" noRot="1" noChangeAspect="1" noMove="1" noResize="1" noEditPoints="1" noAdjustHandles="1" noChangeArrowheads="1" noChangeShapeType="1" noTextEdit="1"/>
           </p:cNvSpPr>
           <p:nvPr>
-            <p:ph idx="1"/>
+            <p:extLst>
+              <p:ext uri="{386F3935-93C4-4BCD-93E2-E3B085C9AB24}">
+                <p16:designElem xmlns:p16="http://schemas.microsoft.com/office/powerpoint/2015/main" val="1"/>
+              </p:ext>
+            </p:extLst>
           </p:nvPr>
         </p:nvSpPr>
-        <p:spPr/>
+        <p:spPr>
+          <a:xfrm rot="19809111">
+            <a:off x="8683720" y="941148"/>
+            <a:ext cx="2987899" cy="2987899"/>
+          </a:xfrm>
+          <a:prstGeom prst="arc">
+            <a:avLst>
+              <a:gd name="adj1" fmla="val 15817365"/>
+              <a:gd name="adj2" fmla="val 1781380"/>
+            </a:avLst>
+          </a:prstGeom>
+          <a:ln w="127000" cap="rnd">
+            <a:solidFill>
+              <a:schemeClr val="accent4"/>
+            </a:solidFill>
+            <a:prstDash val="dash"/>
+            <a:miter lim="800000"/>
+          </a:ln>
+        </p:spPr>
+        <p:style>
+          <a:lnRef idx="1">
+            <a:schemeClr val="accent1"/>
+          </a:lnRef>
+          <a:fillRef idx="0">
+            <a:schemeClr val="accent1"/>
+          </a:fillRef>
+          <a:effectRef idx="0">
+            <a:schemeClr val="accent1"/>
+          </a:effectRef>
+          <a:fontRef idx="minor">
+            <a:schemeClr val="tx1"/>
+          </a:fontRef>
+        </p:style>
         <p:txBody>
-          <a:bodyPr/>
+          <a:bodyPr rtlCol="0" anchor="ctr"/>
           <a:lstStyle/>
           <a:p>
-            <a:endParaRPr lang="es-ES"/>
+            <a:pPr marL="0" marR="0" lvl="0" indent="0" algn="ctr" defTabSz="914400" rtl="0" eaLnBrk="1" fontAlgn="auto" latinLnBrk="0" hangingPunct="1">
+              <a:lnSpc>
+                <a:spcPct val="100000"/>
+              </a:lnSpc>
+              <a:spcBef>
+                <a:spcPts val="0"/>
+              </a:spcBef>
+              <a:spcAft>
+                <a:spcPts val="0"/>
+              </a:spcAft>
+              <a:buClrTx/>
+              <a:buSzTx/>
+              <a:buFontTx/>
+              <a:buNone/>
+              <a:tabLst/>
+              <a:defRPr/>
+            </a:pPr>
+            <a:endParaRPr kumimoji="0" lang="en-US" sz="1800" b="0" i="0" u="none" strike="noStrike" kern="1200" cap="none" spc="0" normalizeH="0" baseline="0" noProof="0">
+              <a:ln>
+                <a:noFill/>
+              </a:ln>
+              <a:solidFill>
+                <a:srgbClr val="000000"/>
+              </a:solidFill>
+              <a:effectLst/>
+              <a:uLnTx/>
+              <a:uFillTx/>
+              <a:latin typeface="Calibri" panose="020F0502020204030204"/>
+              <a:ea typeface="+mn-ea"/>
+              <a:cs typeface="+mn-cs"/>
+            </a:endParaRPr>
+          </a:p>
+        </p:txBody>
+      </p:sp>
+      <p:sp>
+        <p:nvSpPr>
+          <p:cNvPr id="17" name="Oval 16">
+            <a:extLst>
+              <a:ext uri="{FF2B5EF4-FFF2-40B4-BE49-F238E27FC236}">
+                <a16:creationId xmlns:a16="http://schemas.microsoft.com/office/drawing/2014/main" id="{FA23A907-97FB-4A8F-880A-DD77401C4296}"/>
+              </a:ext>
+              <a:ext uri="{C183D7F6-B498-43B3-948B-1728B52AA6E4}">
+                <adec:decorative xmlns:adec="http://schemas.microsoft.com/office/drawing/2017/decorative" val="1"/>
+              </a:ext>
+            </a:extLst>
+          </p:cNvPr>
+          <p:cNvSpPr>
+            <a:spLocks noGrp="1" noRot="1" noChangeAspect="1" noMove="1" noResize="1" noEditPoints="1" noAdjustHandles="1" noChangeArrowheads="1" noChangeShapeType="1" noTextEdit="1"/>
+          </p:cNvSpPr>
+          <p:nvPr>
+            <p:extLst>
+              <p:ext uri="{386F3935-93C4-4BCD-93E2-E3B085C9AB24}">
+                <p16:designElem xmlns:p16="http://schemas.microsoft.com/office/powerpoint/2015/main" val="1"/>
+              </p:ext>
+            </p:extLst>
+          </p:nvPr>
+        </p:nvSpPr>
+        <p:spPr>
+          <a:xfrm>
+            <a:off x="910048" y="4780992"/>
+            <a:ext cx="546100" cy="546100"/>
+          </a:xfrm>
+          <a:prstGeom prst="ellipse">
+            <a:avLst/>
+          </a:prstGeom>
+          <a:solidFill>
+            <a:schemeClr val="accent5"/>
+          </a:solidFill>
+          <a:ln>
+            <a:noFill/>
+          </a:ln>
+        </p:spPr>
+        <p:style>
+          <a:lnRef idx="2">
+            <a:schemeClr val="accent1">
+              <a:shade val="50000"/>
+            </a:schemeClr>
+          </a:lnRef>
+          <a:fillRef idx="1">
+            <a:schemeClr val="accent1"/>
+          </a:fillRef>
+          <a:effectRef idx="0">
+            <a:schemeClr val="accent1"/>
+          </a:effectRef>
+          <a:fontRef idx="minor">
+            <a:schemeClr val="lt1"/>
+          </a:fontRef>
+        </p:style>
+        <p:txBody>
+          <a:bodyPr rtlCol="0" anchor="ctr"/>
+          <a:lstStyle/>
+          <a:p>
+            <a:pPr marL="0" marR="0" lvl="0" indent="0" algn="ctr" defTabSz="914400" rtl="0" eaLnBrk="1" fontAlgn="auto" latinLnBrk="0" hangingPunct="1">
+              <a:lnSpc>
+                <a:spcPct val="100000"/>
+              </a:lnSpc>
+              <a:spcBef>
+                <a:spcPts val="0"/>
+              </a:spcBef>
+              <a:spcAft>
+                <a:spcPts val="0"/>
+              </a:spcAft>
+              <a:buClrTx/>
+              <a:buSzTx/>
+              <a:buFontTx/>
+              <a:buNone/>
+              <a:tabLst/>
+              <a:defRPr/>
+            </a:pPr>
+            <a:endParaRPr kumimoji="0" lang="en-US" sz="1800" b="0" i="0" u="none" strike="noStrike" kern="1200" cap="none" spc="0" normalizeH="0" baseline="0" noProof="0">
+              <a:ln>
+                <a:noFill/>
+              </a:ln>
+              <a:solidFill>
+                <a:srgbClr val="FFFFFF"/>
+              </a:solidFill>
+              <a:effectLst/>
+              <a:uLnTx/>
+              <a:uFillTx/>
+              <a:latin typeface="Calibri" panose="020F0502020204030204"/>
+              <a:ea typeface="+mn-ea"/>
+              <a:cs typeface="+mn-cs"/>
+            </a:endParaRPr>
+          </a:p>
+        </p:txBody>
+      </p:sp>
+      <p:sp>
+        <p:nvSpPr>
+          <p:cNvPr id="6" name="CuadroTexto 5">
+            <a:extLst>
+              <a:ext uri="{FF2B5EF4-FFF2-40B4-BE49-F238E27FC236}">
+                <a16:creationId xmlns:a16="http://schemas.microsoft.com/office/drawing/2014/main" id="{3A214500-B530-2654-9FC2-679349A85AB5}"/>
+              </a:ext>
+            </a:extLst>
+          </p:cNvPr>
+          <p:cNvSpPr txBox="1"/>
+          <p:nvPr/>
+        </p:nvSpPr>
+        <p:spPr>
+          <a:xfrm>
+            <a:off x="5370153" y="1526033"/>
+            <a:ext cx="5536397" cy="2654081"/>
+          </a:xfrm>
+          <a:prstGeom prst="rect">
+            <a:avLst/>
+          </a:prstGeom>
+        </p:spPr>
+        <p:txBody>
+          <a:bodyPr vert="horz" lIns="91440" tIns="45720" rIns="91440" bIns="45720" rtlCol="0">
+            <a:normAutofit/>
+          </a:bodyPr>
+          <a:lstStyle/>
+          <a:p>
+            <a:pPr indent="-228600">
+              <a:lnSpc>
+                <a:spcPct val="90000"/>
+              </a:lnSpc>
+              <a:spcAft>
+                <a:spcPts val="800"/>
+              </a:spcAft>
+              <a:buFont typeface="Arial" panose="020B0604020202020204" pitchFamily="34" charset="0"/>
+              <a:buChar char="•"/>
+            </a:pPr>
+            <a:r>
+              <a:rPr lang="en-US" b="1" dirty="0">
+                <a:effectLst/>
+              </a:rPr>
+              <a:t>Big Data se </a:t>
+            </a:r>
+            <a:r>
+              <a:rPr lang="en-US" b="1" dirty="0" err="1">
+                <a:effectLst/>
+              </a:rPr>
+              <a:t>refiere</a:t>
+            </a:r>
+            <a:r>
+              <a:rPr lang="en-US" b="1" dirty="0">
+                <a:effectLst/>
+              </a:rPr>
+              <a:t> a la gran </a:t>
+            </a:r>
+            <a:r>
+              <a:rPr lang="en-US" b="1" dirty="0" err="1">
+                <a:effectLst/>
+              </a:rPr>
+              <a:t>cantidad</a:t>
+            </a:r>
+            <a:r>
+              <a:rPr lang="en-US" b="1" dirty="0">
+                <a:effectLst/>
+              </a:rPr>
+              <a:t> de </a:t>
+            </a:r>
+            <a:r>
+              <a:rPr lang="en-US" b="1" dirty="0" err="1">
+                <a:effectLst/>
+              </a:rPr>
+              <a:t>datos</a:t>
+            </a:r>
+            <a:r>
+              <a:rPr lang="en-US" b="1" dirty="0">
+                <a:effectLst/>
+              </a:rPr>
+              <a:t> que </a:t>
+            </a:r>
+            <a:r>
+              <a:rPr lang="en-US" b="1" dirty="0" err="1">
+                <a:effectLst/>
+              </a:rPr>
+              <a:t>recopilan</a:t>
+            </a:r>
+            <a:r>
+              <a:rPr lang="en-US" b="1" dirty="0">
+                <a:effectLst/>
+              </a:rPr>
+              <a:t> las </a:t>
+            </a:r>
+            <a:r>
+              <a:rPr lang="en-US" b="1" dirty="0" err="1">
+                <a:effectLst/>
+              </a:rPr>
+              <a:t>diferentes</a:t>
+            </a:r>
+            <a:r>
+              <a:rPr lang="en-US" b="1" dirty="0">
+                <a:effectLst/>
+              </a:rPr>
+              <a:t> </a:t>
+            </a:r>
+            <a:r>
+              <a:rPr lang="en-US" b="1" dirty="0" err="1">
+                <a:effectLst/>
+              </a:rPr>
+              <a:t>organizaciones</a:t>
+            </a:r>
+            <a:r>
+              <a:rPr lang="en-US" b="1" dirty="0">
+                <a:effectLst/>
+              </a:rPr>
+              <a:t> día </a:t>
+            </a:r>
+            <a:r>
+              <a:rPr lang="en-US" b="1" dirty="0" err="1">
+                <a:effectLst/>
+              </a:rPr>
+              <a:t>tras</a:t>
+            </a:r>
+            <a:r>
+              <a:rPr lang="en-US" b="1" dirty="0">
+                <a:effectLst/>
+              </a:rPr>
+              <a:t> día. </a:t>
+            </a:r>
+            <a:r>
+              <a:rPr lang="en-US" dirty="0">
+                <a:effectLst/>
+              </a:rPr>
+              <a:t>Pero, en el Big Data lo </a:t>
+            </a:r>
+            <a:r>
+              <a:rPr lang="en-US" dirty="0" err="1">
+                <a:effectLst/>
+              </a:rPr>
+              <a:t>importante</a:t>
+            </a:r>
+            <a:r>
+              <a:rPr lang="en-US" dirty="0">
+                <a:effectLst/>
+              </a:rPr>
+              <a:t> no es </a:t>
+            </a:r>
+            <a:r>
+              <a:rPr lang="en-US" dirty="0" err="1">
+                <a:effectLst/>
+              </a:rPr>
+              <a:t>únicamente</a:t>
+            </a:r>
+            <a:r>
+              <a:rPr lang="en-US" dirty="0">
+                <a:effectLst/>
+              </a:rPr>
+              <a:t> la </a:t>
+            </a:r>
+            <a:r>
+              <a:rPr lang="en-US" dirty="0" err="1">
+                <a:effectLst/>
+              </a:rPr>
+              <a:t>cantidad</a:t>
+            </a:r>
+            <a:r>
+              <a:rPr lang="en-US" dirty="0">
+                <a:effectLst/>
+              </a:rPr>
+              <a:t> de </a:t>
+            </a:r>
+            <a:r>
+              <a:rPr lang="en-US" dirty="0" err="1">
+                <a:effectLst/>
+              </a:rPr>
+              <a:t>los</a:t>
+            </a:r>
+            <a:r>
+              <a:rPr lang="en-US" dirty="0">
+                <a:effectLst/>
+              </a:rPr>
+              <a:t> </a:t>
+            </a:r>
+            <a:r>
+              <a:rPr lang="en-US" dirty="0" err="1">
+                <a:effectLst/>
+              </a:rPr>
+              <a:t>datos</a:t>
+            </a:r>
+            <a:r>
+              <a:rPr lang="en-US" dirty="0">
+                <a:effectLst/>
+              </a:rPr>
+              <a:t> a </a:t>
+            </a:r>
+            <a:r>
+              <a:rPr lang="en-US" dirty="0" err="1">
+                <a:effectLst/>
+              </a:rPr>
+              <a:t>recoger</a:t>
+            </a:r>
+            <a:r>
+              <a:rPr lang="en-US" dirty="0">
+                <a:effectLst/>
+              </a:rPr>
+              <a:t>, </a:t>
+            </a:r>
+            <a:r>
+              <a:rPr lang="en-US" dirty="0" err="1">
+                <a:effectLst/>
+              </a:rPr>
+              <a:t>sino</a:t>
+            </a:r>
+            <a:r>
+              <a:rPr lang="en-US" dirty="0">
+                <a:effectLst/>
+              </a:rPr>
+              <a:t>, </a:t>
+            </a:r>
+            <a:r>
+              <a:rPr lang="en-US" dirty="0" err="1">
+                <a:effectLst/>
+              </a:rPr>
+              <a:t>también</a:t>
+            </a:r>
+            <a:r>
+              <a:rPr lang="en-US" dirty="0">
+                <a:effectLst/>
+              </a:rPr>
+              <a:t>, </a:t>
+            </a:r>
+            <a:r>
+              <a:rPr lang="en-US" dirty="0" err="1">
+                <a:effectLst/>
+              </a:rPr>
+              <a:t>cómo</a:t>
+            </a:r>
+            <a:r>
+              <a:rPr lang="en-US" dirty="0">
+                <a:effectLst/>
+              </a:rPr>
+              <a:t> se </a:t>
+            </a:r>
+            <a:r>
+              <a:rPr lang="en-US" dirty="0" err="1">
+                <a:effectLst/>
+              </a:rPr>
+              <a:t>organizan</a:t>
+            </a:r>
+            <a:r>
+              <a:rPr lang="en-US" dirty="0">
+                <a:effectLst/>
+              </a:rPr>
+              <a:t> </a:t>
+            </a:r>
+            <a:r>
+              <a:rPr lang="en-US" dirty="0" err="1">
+                <a:effectLst/>
+              </a:rPr>
+              <a:t>esos</a:t>
+            </a:r>
+            <a:r>
+              <a:rPr lang="en-US" dirty="0">
+                <a:effectLst/>
+              </a:rPr>
+              <a:t> </a:t>
+            </a:r>
+            <a:r>
+              <a:rPr lang="en-US" dirty="0" err="1">
+                <a:effectLst/>
+              </a:rPr>
+              <a:t>datos</a:t>
+            </a:r>
+            <a:r>
+              <a:rPr lang="en-US" dirty="0">
+                <a:effectLst/>
+              </a:rPr>
+              <a:t>, </a:t>
+            </a:r>
+            <a:r>
+              <a:rPr lang="en-US" dirty="0" err="1">
+                <a:effectLst/>
+              </a:rPr>
+              <a:t>cómo</a:t>
+            </a:r>
+            <a:r>
+              <a:rPr lang="en-US" dirty="0">
+                <a:effectLst/>
+              </a:rPr>
+              <a:t> se </a:t>
+            </a:r>
+            <a:r>
+              <a:rPr lang="en-US" dirty="0" err="1">
+                <a:effectLst/>
+              </a:rPr>
+              <a:t>analizan</a:t>
+            </a:r>
+            <a:r>
+              <a:rPr lang="en-US" dirty="0">
+                <a:effectLst/>
+              </a:rPr>
+              <a:t> y </a:t>
+            </a:r>
+            <a:r>
+              <a:rPr lang="en-US" dirty="0" err="1">
+                <a:effectLst/>
+              </a:rPr>
+              <a:t>cómo</a:t>
+            </a:r>
+            <a:r>
+              <a:rPr lang="en-US" dirty="0">
+                <a:effectLst/>
+              </a:rPr>
+              <a:t> y </a:t>
+            </a:r>
+            <a:r>
+              <a:rPr lang="en-US" dirty="0" err="1">
+                <a:effectLst/>
+              </a:rPr>
+              <a:t>cuándo</a:t>
+            </a:r>
+            <a:r>
+              <a:rPr lang="en-US" dirty="0">
+                <a:effectLst/>
+              </a:rPr>
+              <a:t> se </a:t>
+            </a:r>
+            <a:r>
+              <a:rPr lang="en-US" dirty="0" err="1">
+                <a:effectLst/>
+              </a:rPr>
+              <a:t>utilizan</a:t>
+            </a:r>
+            <a:r>
+              <a:rPr lang="en-US" dirty="0">
+                <a:effectLst/>
+              </a:rPr>
+              <a:t>. Sin </a:t>
+            </a:r>
+            <a:r>
+              <a:rPr lang="en-US" dirty="0" err="1">
+                <a:effectLst/>
+              </a:rPr>
+              <a:t>estos</a:t>
+            </a:r>
+            <a:r>
+              <a:rPr lang="en-US" dirty="0">
+                <a:effectLst/>
+              </a:rPr>
+              <a:t> </a:t>
+            </a:r>
+            <a:r>
+              <a:rPr lang="en-US" dirty="0" err="1">
+                <a:effectLst/>
+              </a:rPr>
+              <a:t>procesos</a:t>
+            </a:r>
+            <a:r>
+              <a:rPr lang="en-US" dirty="0">
+                <a:effectLst/>
+              </a:rPr>
+              <a:t>, entre </a:t>
+            </a:r>
+            <a:r>
+              <a:rPr lang="en-US" dirty="0" err="1">
+                <a:effectLst/>
+              </a:rPr>
+              <a:t>estas</a:t>
+            </a:r>
+            <a:r>
+              <a:rPr lang="en-US" dirty="0">
+                <a:effectLst/>
+              </a:rPr>
+              <a:t> </a:t>
+            </a:r>
+            <a:r>
+              <a:rPr lang="en-US" dirty="0" err="1">
+                <a:effectLst/>
+              </a:rPr>
+              <a:t>inmensas</a:t>
+            </a:r>
+            <a:r>
+              <a:rPr lang="en-US" dirty="0">
+                <a:effectLst/>
+              </a:rPr>
+              <a:t> </a:t>
+            </a:r>
+            <a:r>
+              <a:rPr lang="en-US" dirty="0" err="1">
+                <a:effectLst/>
+              </a:rPr>
+              <a:t>cantidades</a:t>
+            </a:r>
+            <a:r>
+              <a:rPr lang="en-US" dirty="0">
+                <a:effectLst/>
+              </a:rPr>
+              <a:t> de </a:t>
+            </a:r>
+            <a:r>
+              <a:rPr lang="en-US" dirty="0" err="1">
+                <a:effectLst/>
+              </a:rPr>
+              <a:t>información</a:t>
+            </a:r>
+            <a:r>
+              <a:rPr lang="en-US" dirty="0">
+                <a:effectLst/>
+              </a:rPr>
+              <a:t>, no </a:t>
+            </a:r>
+            <a:r>
+              <a:rPr lang="en-US" dirty="0" err="1">
+                <a:effectLst/>
+              </a:rPr>
+              <a:t>sabríamos</a:t>
+            </a:r>
+            <a:r>
+              <a:rPr lang="en-US" dirty="0">
+                <a:effectLst/>
+              </a:rPr>
+              <a:t> </a:t>
+            </a:r>
+            <a:r>
+              <a:rPr lang="en-US" dirty="0" err="1">
+                <a:effectLst/>
+              </a:rPr>
+              <a:t>distinguir</a:t>
+            </a:r>
+            <a:r>
+              <a:rPr lang="en-US" dirty="0">
+                <a:effectLst/>
+              </a:rPr>
+              <a:t> </a:t>
+            </a:r>
+            <a:r>
+              <a:rPr lang="en-US" dirty="0" err="1">
+                <a:effectLst/>
+              </a:rPr>
+              <a:t>los</a:t>
+            </a:r>
+            <a:r>
+              <a:rPr lang="en-US" dirty="0">
+                <a:effectLst/>
+              </a:rPr>
+              <a:t> </a:t>
+            </a:r>
+            <a:r>
+              <a:rPr lang="en-US" dirty="0" err="1">
+                <a:effectLst/>
+              </a:rPr>
+              <a:t>datos</a:t>
+            </a:r>
+            <a:r>
+              <a:rPr lang="en-US" dirty="0">
+                <a:effectLst/>
+              </a:rPr>
+              <a:t> </a:t>
+            </a:r>
+            <a:r>
+              <a:rPr lang="en-US" dirty="0" err="1">
+                <a:effectLst/>
+              </a:rPr>
+              <a:t>útiles</a:t>
+            </a:r>
+            <a:r>
+              <a:rPr lang="en-US" dirty="0">
+                <a:effectLst/>
+              </a:rPr>
+              <a:t> de </a:t>
+            </a:r>
+            <a:r>
+              <a:rPr lang="en-US" dirty="0" err="1">
+                <a:effectLst/>
+              </a:rPr>
+              <a:t>los</a:t>
+            </a:r>
+            <a:r>
+              <a:rPr lang="en-US" dirty="0">
+                <a:effectLst/>
+              </a:rPr>
+              <a:t> </a:t>
+            </a:r>
+            <a:r>
+              <a:rPr lang="en-US" dirty="0" err="1">
+                <a:effectLst/>
+              </a:rPr>
+              <a:t>datos</a:t>
+            </a:r>
+            <a:r>
+              <a:rPr lang="en-US" dirty="0">
+                <a:effectLst/>
+              </a:rPr>
+              <a:t> </a:t>
+            </a:r>
+            <a:r>
+              <a:rPr lang="en-US" dirty="0" err="1">
+                <a:effectLst/>
+              </a:rPr>
+              <a:t>innecesarios</a:t>
+            </a:r>
+            <a:r>
+              <a:rPr lang="en-US" dirty="0">
+                <a:effectLst/>
+              </a:rPr>
+              <a:t>. Y sin </a:t>
+            </a:r>
+            <a:r>
+              <a:rPr lang="en-US" dirty="0" err="1">
+                <a:effectLst/>
+              </a:rPr>
+              <a:t>esta</a:t>
+            </a:r>
+            <a:r>
+              <a:rPr lang="en-US" dirty="0">
+                <a:effectLst/>
+              </a:rPr>
+              <a:t> </a:t>
+            </a:r>
+            <a:r>
+              <a:rPr lang="en-US" dirty="0" err="1">
+                <a:effectLst/>
+              </a:rPr>
+              <a:t>distinción</a:t>
+            </a:r>
+            <a:r>
+              <a:rPr lang="en-US" dirty="0">
+                <a:effectLst/>
+              </a:rPr>
+              <a:t>, no </a:t>
+            </a:r>
+            <a:r>
+              <a:rPr lang="en-US" dirty="0" err="1">
+                <a:effectLst/>
+              </a:rPr>
+              <a:t>sería</a:t>
+            </a:r>
+            <a:r>
+              <a:rPr lang="en-US" dirty="0">
+                <a:effectLst/>
+              </a:rPr>
+              <a:t> </a:t>
+            </a:r>
+            <a:r>
+              <a:rPr lang="en-US" dirty="0" err="1">
+                <a:effectLst/>
+              </a:rPr>
+              <a:t>posible</a:t>
+            </a:r>
+            <a:r>
+              <a:rPr lang="en-US" dirty="0">
+                <a:effectLst/>
+              </a:rPr>
+              <a:t> </a:t>
+            </a:r>
+            <a:r>
+              <a:rPr lang="en-US" dirty="0" err="1">
+                <a:effectLst/>
+              </a:rPr>
+              <a:t>utilizar</a:t>
+            </a:r>
+            <a:r>
+              <a:rPr lang="en-US" dirty="0">
+                <a:effectLst/>
+              </a:rPr>
+              <a:t> </a:t>
+            </a:r>
+            <a:r>
+              <a:rPr lang="en-US" dirty="0" err="1">
+                <a:effectLst/>
+              </a:rPr>
+              <a:t>los</a:t>
+            </a:r>
+            <a:r>
+              <a:rPr lang="en-US" dirty="0">
+                <a:effectLst/>
+              </a:rPr>
+              <a:t> </a:t>
+            </a:r>
+            <a:r>
+              <a:rPr lang="en-US" dirty="0" err="1">
+                <a:effectLst/>
+              </a:rPr>
+              <a:t>datos</a:t>
+            </a:r>
+            <a:r>
+              <a:rPr lang="en-US" dirty="0">
+                <a:effectLst/>
+              </a:rPr>
+              <a:t> </a:t>
+            </a:r>
+            <a:r>
+              <a:rPr lang="en-US" dirty="0" err="1">
+                <a:effectLst/>
+              </a:rPr>
+              <a:t>adecuadamente</a:t>
+            </a:r>
+            <a:r>
+              <a:rPr lang="en-US" dirty="0">
+                <a:effectLst/>
+              </a:rPr>
+              <a:t>.</a:t>
+            </a:r>
           </a:p>
         </p:txBody>
       </p:sp>
@@ -10457,7 +16915,7 @@
 </p:sld>
 </file>
 
-<file path=ppt/slides/slide14.xml><?xml version="1.0" encoding="utf-8"?>
+<file path=ppt/slides/slide17.xml><?xml version="1.0" encoding="utf-8"?>
 <p:sld xmlns:a="http://schemas.openxmlformats.org/drawingml/2006/main" xmlns:r="http://schemas.openxmlformats.org/officeDocument/2006/relationships" xmlns:p="http://schemas.openxmlformats.org/presentationml/2006/main">
   <p:cSld>
     <p:spTree>
@@ -11122,7 +17580,7 @@
 </p:sld>
 </file>
 
-<file path=ppt/slides/slide15.xml><?xml version="1.0" encoding="utf-8"?>
+<file path=ppt/slides/slide18.xml><?xml version="1.0" encoding="utf-8"?>
 <p:sld xmlns:a="http://schemas.openxmlformats.org/drawingml/2006/main" xmlns:r="http://schemas.openxmlformats.org/officeDocument/2006/relationships" xmlns:p="http://schemas.openxmlformats.org/presentationml/2006/main">
   <p:cSld>
     <p:bg>
@@ -19034,29 +25492,29 @@
               </a:spcAft>
             </a:pPr>
             <a:r>
-              <a:rPr lang="es-ES" sz="1600" b="1">
+              <a:rPr lang="es-ES" sz="1600" b="1" dirty="0">
                 <a:cs typeface="Calibri Light" panose="020F0302020204030204"/>
               </a:rPr>
               <a:t>EDUARDO MARTÍN-SONSECA</a:t>
             </a:r>
             <a:br>
-              <a:rPr lang="es-ES" sz="1600" b="1">
+              <a:rPr lang="es-ES" sz="1600" b="1" dirty="0">
                 <a:cs typeface="Calibri Light" panose="020F0302020204030204"/>
               </a:rPr>
             </a:br>
             <a:r>
-              <a:rPr lang="es-ES" sz="1600" b="1">
+              <a:rPr lang="es-ES" sz="1600" b="1" dirty="0">
                 <a:cs typeface="Calibri Light" panose="020F0302020204030204"/>
               </a:rPr>
               <a:t>LUIS FERNANDEZ CASTELO</a:t>
             </a:r>
             <a:br>
-              <a:rPr lang="es-ES" sz="1600" b="1">
+              <a:rPr lang="es-ES" sz="1600" b="1" dirty="0">
                 <a:cs typeface="Calibri Light" panose="020F0302020204030204"/>
               </a:rPr>
             </a:br>
             <a:r>
-              <a:rPr lang="es-ES" sz="1600" b="1">
+              <a:rPr lang="es-ES" sz="1600" b="1" dirty="0">
                 <a:cs typeface="Calibri Light" panose="020F0302020204030204"/>
               </a:rPr>
               <a:t>1º DESARROLLO DE APLICACIONES MULTIPLATAFORMA</a:t>
@@ -19252,6 +25710,14 @@
 <file path=ppt/slides/slide9.xml><?xml version="1.0" encoding="utf-8"?>
 <p:sld xmlns:a="http://schemas.openxmlformats.org/drawingml/2006/main" xmlns:r="http://schemas.openxmlformats.org/officeDocument/2006/relationships" xmlns:p="http://schemas.openxmlformats.org/presentationml/2006/main">
   <p:cSld>
+    <p:bg>
+      <p:bgPr>
+        <a:solidFill>
+          <a:schemeClr val="bg1"/>
+        </a:solidFill>
+        <a:effectLst/>
+      </p:bgPr>
+    </p:bg>
     <p:spTree>
       <p:nvGrpSpPr>
         <p:cNvPr id="1" name=""/>
@@ -19268,6 +25734,98 @@
       </p:grpSpPr>
       <p:sp>
         <p:nvSpPr>
+          <p:cNvPr id="35" name="Rectangle 29">
+            <a:extLst>
+              <a:ext uri="{FF2B5EF4-FFF2-40B4-BE49-F238E27FC236}">
+                <a16:creationId xmlns:a16="http://schemas.microsoft.com/office/drawing/2014/main" id="{CDA1A2E9-63FE-408D-A803-8E306ECAB4B3}"/>
+              </a:ext>
+              <a:ext uri="{C183D7F6-B498-43B3-948B-1728B52AA6E4}">
+                <adec:decorative xmlns:adec="http://schemas.microsoft.com/office/drawing/2017/decorative" val="1"/>
+              </a:ext>
+            </a:extLst>
+          </p:cNvPr>
+          <p:cNvSpPr>
+            <a:spLocks noGrp="1" noRot="1" noChangeAspect="1" noMove="1" noResize="1" noEditPoints="1" noAdjustHandles="1" noChangeArrowheads="1" noChangeShapeType="1" noTextEdit="1"/>
+          </p:cNvSpPr>
+          <p:nvPr>
+            <p:extLst>
+              <p:ext uri="{386F3935-93C4-4BCD-93E2-E3B085C9AB24}">
+                <p16:designElem xmlns:p16="http://schemas.microsoft.com/office/powerpoint/2015/main" val="1"/>
+              </p:ext>
+            </p:extLst>
+          </p:nvPr>
+        </p:nvSpPr>
+        <p:spPr>
+          <a:xfrm>
+            <a:off x="462058" y="450220"/>
+            <a:ext cx="3904488" cy="4233672"/>
+          </a:xfrm>
+          <a:prstGeom prst="rect">
+            <a:avLst/>
+          </a:prstGeom>
+          <a:solidFill>
+            <a:srgbClr val="595959"/>
+          </a:solidFill>
+          <a:ln w="25400">
+            <a:noFill/>
+          </a:ln>
+        </p:spPr>
+        <p:style>
+          <a:lnRef idx="2">
+            <a:schemeClr val="accent1">
+              <a:shade val="50000"/>
+            </a:schemeClr>
+          </a:lnRef>
+          <a:fillRef idx="1">
+            <a:schemeClr val="accent1"/>
+          </a:fillRef>
+          <a:effectRef idx="0">
+            <a:schemeClr val="accent1"/>
+          </a:effectRef>
+          <a:fontRef idx="minor">
+            <a:schemeClr val="lt1"/>
+          </a:fontRef>
+        </p:style>
+        <p:txBody>
+          <a:bodyPr rtlCol="0" anchor="ctr"/>
+          <a:lstStyle/>
+          <a:p>
+            <a:pPr marL="0" marR="0" lvl="0" indent="0" algn="ctr" defTabSz="914400" rtl="0" eaLnBrk="1" fontAlgn="auto" latinLnBrk="0" hangingPunct="1">
+              <a:lnSpc>
+                <a:spcPct val="100000"/>
+              </a:lnSpc>
+              <a:spcBef>
+                <a:spcPts val="0"/>
+              </a:spcBef>
+              <a:spcAft>
+                <a:spcPts val="0"/>
+              </a:spcAft>
+              <a:buClrTx/>
+              <a:buSzTx/>
+              <a:buFontTx/>
+              <a:buNone/>
+              <a:tabLst/>
+              <a:defRPr/>
+            </a:pPr>
+            <a:endParaRPr kumimoji="0" lang="en-US" sz="1800" b="0" i="0" u="none" strike="noStrike" kern="1200" cap="none" spc="0" normalizeH="0" baseline="0" noProof="0">
+              <a:ln>
+                <a:noFill/>
+              </a:ln>
+              <a:solidFill>
+                <a:srgbClr val="404040"/>
+              </a:solidFill>
+              <a:effectLst/>
+              <a:uLnTx/>
+              <a:uFillTx/>
+              <a:latin typeface="Calibri" panose="020F0502020204030204"/>
+              <a:ea typeface="+mn-ea"/>
+              <a:cs typeface="+mn-cs"/>
+            </a:endParaRPr>
+          </a:p>
+        </p:txBody>
+      </p:sp>
+      <p:sp>
+        <p:nvSpPr>
           <p:cNvPr id="2" name="Título 1">
             <a:extLst>
               <a:ext uri="{FF2B5EF4-FFF2-40B4-BE49-F238E27FC236}">
@@ -19282,15 +25840,26 @@
             <p:ph type="title"/>
           </p:nvPr>
         </p:nvSpPr>
-        <p:spPr/>
+        <p:spPr>
+          <a:xfrm>
+            <a:off x="731520" y="1115568"/>
+            <a:ext cx="3364992" cy="2843784"/>
+          </a:xfrm>
+        </p:spPr>
         <p:txBody>
-          <a:bodyPr/>
+          <a:bodyPr vert="horz" lIns="91440" tIns="45720" rIns="91440" bIns="45720" rtlCol="0" anchor="ctr">
+            <a:normAutofit/>
+          </a:bodyPr>
           <a:lstStyle/>
           <a:p>
-            <a:pPr algn="ctr"/>
-            <a:r>
-              <a:rPr lang="es-ES" dirty="0">
-                <a:cs typeface="Calibri Light" panose="020F0302020204030204"/>
+            <a:r>
+              <a:rPr lang="en-US" sz="2400" kern="1200" dirty="0">
+                <a:solidFill>
+                  <a:srgbClr val="FFFFFF"/>
+                </a:solidFill>
+                <a:latin typeface="+mj-lt"/>
+                <a:ea typeface="+mj-ea"/>
+                <a:cs typeface="+mj-cs"/>
               </a:rPr>
               <a:t>FUNCIONAMIENTO</a:t>
             </a:r>
@@ -19299,40 +25868,104 @@
       </p:sp>
       <p:sp>
         <p:nvSpPr>
-          <p:cNvPr id="3" name="Marcador de contenido 2">
+          <p:cNvPr id="37" name="Rectangle 31">
             <a:extLst>
               <a:ext uri="{FF2B5EF4-FFF2-40B4-BE49-F238E27FC236}">
-                <a16:creationId xmlns:a16="http://schemas.microsoft.com/office/drawing/2014/main" id="{E7DB1CBC-1C7A-9ED6-3A0E-B1FBBE84F9DB}"/>
+                <a16:creationId xmlns:a16="http://schemas.microsoft.com/office/drawing/2014/main" id="{FBE9F90C-C163-435B-9A68-D15C92D1CF2B}"/>
+              </a:ext>
+              <a:ext uri="{C183D7F6-B498-43B3-948B-1728B52AA6E4}">
+                <adec:decorative xmlns:adec="http://schemas.microsoft.com/office/drawing/2017/decorative" val="1"/>
               </a:ext>
             </a:extLst>
           </p:cNvPr>
           <p:cNvSpPr>
-            <a:spLocks noGrp="1"/>
+            <a:spLocks noGrp="1" noRot="1" noChangeAspect="1" noMove="1" noResize="1" noEditPoints="1" noAdjustHandles="1" noChangeArrowheads="1" noChangeShapeType="1" noTextEdit="1"/>
           </p:cNvSpPr>
           <p:nvPr>
-            <p:ph idx="1"/>
+            <p:extLst>
+              <p:ext uri="{386F3935-93C4-4BCD-93E2-E3B085C9AB24}">
+                <p16:designElem xmlns:p16="http://schemas.microsoft.com/office/powerpoint/2015/main" val="1"/>
+              </p:ext>
+            </p:extLst>
           </p:nvPr>
         </p:nvSpPr>
         <p:spPr>
           <a:xfrm>
-            <a:off x="838200" y="1825625"/>
-            <a:ext cx="10515600" cy="1173942"/>
+            <a:off x="466344" y="4846320"/>
+            <a:ext cx="2395728" cy="1563624"/>
           </a:xfrm>
+          <a:prstGeom prst="rect">
+            <a:avLst/>
+          </a:prstGeom>
+          <a:solidFill>
+            <a:schemeClr val="accent1">
+              <a:alpha val="94902"/>
+            </a:schemeClr>
+          </a:solidFill>
+          <a:ln w="25400">
+            <a:noFill/>
+          </a:ln>
         </p:spPr>
+        <p:style>
+          <a:lnRef idx="2">
+            <a:schemeClr val="accent1">
+              <a:shade val="50000"/>
+            </a:schemeClr>
+          </a:lnRef>
+          <a:fillRef idx="1">
+            <a:schemeClr val="accent1"/>
+          </a:fillRef>
+          <a:effectRef idx="0">
+            <a:schemeClr val="accent1"/>
+          </a:effectRef>
+          <a:fontRef idx="minor">
+            <a:schemeClr val="lt1"/>
+          </a:fontRef>
+        </p:style>
         <p:txBody>
-          <a:bodyPr/>
+          <a:bodyPr rtlCol="0" anchor="ctr"/>
           <a:lstStyle/>
           <a:p>
-            <a:endParaRPr lang="es-ES"/>
+            <a:pPr marL="0" marR="0" lvl="0" indent="0" algn="ctr" defTabSz="914400" rtl="0" eaLnBrk="1" fontAlgn="auto" latinLnBrk="0" hangingPunct="1">
+              <a:lnSpc>
+                <a:spcPct val="100000"/>
+              </a:lnSpc>
+              <a:spcBef>
+                <a:spcPts val="0"/>
+              </a:spcBef>
+              <a:spcAft>
+                <a:spcPts val="0"/>
+              </a:spcAft>
+              <a:buClrTx/>
+              <a:buSzTx/>
+              <a:buFontTx/>
+              <a:buNone/>
+              <a:tabLst/>
+              <a:defRPr/>
+            </a:pPr>
+            <a:endParaRPr kumimoji="0" lang="en-US" sz="1800" b="0" i="0" u="none" strike="noStrike" kern="1200" cap="none" spc="0" normalizeH="0" baseline="0" noProof="0">
+              <a:ln>
+                <a:noFill/>
+              </a:ln>
+              <a:solidFill>
+                <a:srgbClr val="FFFFFF"/>
+              </a:solidFill>
+              <a:effectLst/>
+              <a:uLnTx/>
+              <a:uFillTx/>
+              <a:latin typeface="Calibri" panose="020F0502020204030204"/>
+              <a:ea typeface="+mn-ea"/>
+              <a:cs typeface="+mn-cs"/>
+            </a:endParaRPr>
           </a:p>
         </p:txBody>
       </p:sp>
       <p:sp>
         <p:nvSpPr>
-          <p:cNvPr id="4" name="Título 1">
+          <p:cNvPr id="25" name="Título 1">
             <a:extLst>
               <a:ext uri="{FF2B5EF4-FFF2-40B4-BE49-F238E27FC236}">
-                <a16:creationId xmlns:a16="http://schemas.microsoft.com/office/drawing/2014/main" id="{F1E1F019-AE81-B16F-5ABB-78D9B2DD70F3}"/>
+                <a16:creationId xmlns:a16="http://schemas.microsoft.com/office/drawing/2014/main" id="{A7DE5D37-8AA9-8EF9-EECC-6BBE4B884199}"/>
               </a:ext>
             </a:extLst>
           </p:cNvPr>
@@ -19343,16 +25976,1028 @@
         </p:nvSpPr>
         <p:spPr>
           <a:xfrm>
-            <a:off x="6893043" y="5952744"/>
-            <a:ext cx="5298957" cy="770619"/>
+            <a:off x="731520" y="5120640"/>
+            <a:ext cx="1828800" cy="1024128"/>
           </a:xfrm>
           <a:prstGeom prst="rect">
             <a:avLst/>
           </a:prstGeom>
         </p:spPr>
         <p:txBody>
-          <a:bodyPr vert="horz" lIns="91440" tIns="45720" rIns="91440" bIns="45720" rtlCol="0" anchor="b">
-            <a:noAutofit/>
+          <a:bodyPr vert="horz" lIns="91440" tIns="45720" rIns="91440" bIns="45720" rtlCol="0" anchor="ctr">
+            <a:normAutofit/>
+          </a:bodyPr>
+          <a:lstStyle>
+            <a:lvl1pPr algn="l" defTabSz="914400" rtl="0" eaLnBrk="1" latinLnBrk="0" hangingPunct="1">
+              <a:lnSpc>
+                <a:spcPct val="90000"/>
+              </a:lnSpc>
+              <a:spcBef>
+                <a:spcPct val="0"/>
+              </a:spcBef>
+              <a:buNone/>
+              <a:defRPr sz="4400" kern="1200">
+                <a:solidFill>
+                  <a:schemeClr val="tx1"/>
+                </a:solidFill>
+                <a:latin typeface="+mj-lt"/>
+                <a:ea typeface="+mj-ea"/>
+                <a:cs typeface="+mj-cs"/>
+              </a:defRPr>
+            </a:lvl1pPr>
+          </a:lstStyle>
+          <a:p>
+            <a:pPr>
+              <a:spcBef>
+                <a:spcPts val="1000"/>
+              </a:spcBef>
+              <a:spcAft>
+                <a:spcPts val="600"/>
+              </a:spcAft>
+            </a:pPr>
+            <a:r>
+              <a:rPr lang="en-US" sz="1000" b="1" kern="1200">
+                <a:solidFill>
+                  <a:srgbClr val="FFFFFF"/>
+                </a:solidFill>
+                <a:latin typeface="+mn-lt"/>
+                <a:ea typeface="+mn-ea"/>
+                <a:cs typeface="+mn-cs"/>
+              </a:rPr>
+              <a:t>EDUARDO MARTÍN-SONSECA</a:t>
+            </a:r>
+            <a:br>
+              <a:rPr lang="en-US" sz="1000" b="1" kern="1200">
+                <a:solidFill>
+                  <a:srgbClr val="FFFFFF"/>
+                </a:solidFill>
+                <a:latin typeface="+mn-lt"/>
+                <a:ea typeface="+mn-ea"/>
+                <a:cs typeface="+mn-cs"/>
+              </a:rPr>
+            </a:br>
+            <a:r>
+              <a:rPr lang="en-US" sz="1000" b="1" kern="1200">
+                <a:solidFill>
+                  <a:srgbClr val="FFFFFF"/>
+                </a:solidFill>
+                <a:latin typeface="+mn-lt"/>
+                <a:ea typeface="+mn-ea"/>
+                <a:cs typeface="+mn-cs"/>
+              </a:rPr>
+              <a:t>LUIS FERNANDEZ CASTELO</a:t>
+            </a:r>
+            <a:br>
+              <a:rPr lang="en-US" sz="1000" b="1" kern="1200">
+                <a:solidFill>
+                  <a:srgbClr val="FFFFFF"/>
+                </a:solidFill>
+                <a:latin typeface="+mn-lt"/>
+                <a:ea typeface="+mn-ea"/>
+                <a:cs typeface="+mn-cs"/>
+              </a:rPr>
+            </a:br>
+            <a:r>
+              <a:rPr lang="en-US" sz="1000" b="1" kern="1200">
+                <a:solidFill>
+                  <a:srgbClr val="FFFFFF"/>
+                </a:solidFill>
+                <a:latin typeface="+mn-lt"/>
+                <a:ea typeface="+mn-ea"/>
+                <a:cs typeface="+mn-cs"/>
+              </a:rPr>
+              <a:t>1º DESARROLLO DE APLICACIONES MULTIPLATAFORMA</a:t>
+            </a:r>
+            <a:endParaRPr lang="en-US" sz="1000" kern="1200">
+              <a:solidFill>
+                <a:srgbClr val="FFFFFF"/>
+              </a:solidFill>
+              <a:latin typeface="+mn-lt"/>
+              <a:ea typeface="+mn-ea"/>
+              <a:cs typeface="+mn-cs"/>
+            </a:endParaRPr>
+          </a:p>
+        </p:txBody>
+      </p:sp>
+      <p:sp>
+        <p:nvSpPr>
+          <p:cNvPr id="34" name="Rectangle 33">
+            <a:extLst>
+              <a:ext uri="{FF2B5EF4-FFF2-40B4-BE49-F238E27FC236}">
+                <a16:creationId xmlns:a16="http://schemas.microsoft.com/office/drawing/2014/main" id="{2C910467-8185-45DD-B8A2-A88DF20DF6E0}"/>
+              </a:ext>
+              <a:ext uri="{C183D7F6-B498-43B3-948B-1728B52AA6E4}">
+                <adec:decorative xmlns:adec="http://schemas.microsoft.com/office/drawing/2017/decorative" val="1"/>
+              </a:ext>
+            </a:extLst>
+          </p:cNvPr>
+          <p:cNvSpPr>
+            <a:spLocks noGrp="1" noRot="1" noChangeAspect="1" noMove="1" noResize="1" noEditPoints="1" noAdjustHandles="1" noChangeArrowheads="1" noChangeShapeType="1" noTextEdit="1"/>
+          </p:cNvSpPr>
+          <p:nvPr>
+            <p:extLst>
+              <p:ext uri="{386F3935-93C4-4BCD-93E2-E3B085C9AB24}">
+                <p16:designElem xmlns:p16="http://schemas.microsoft.com/office/powerpoint/2015/main" val="1"/>
+              </p:ext>
+            </p:extLst>
+          </p:nvPr>
+        </p:nvSpPr>
+        <p:spPr>
+          <a:xfrm>
+            <a:off x="4521995" y="450221"/>
+            <a:ext cx="7207948" cy="5948859"/>
+          </a:xfrm>
+          <a:prstGeom prst="rect">
+            <a:avLst/>
+          </a:prstGeom>
+          <a:solidFill>
+            <a:srgbClr val="7F7F7F">
+              <a:alpha val="24000"/>
+            </a:srgbClr>
+          </a:solidFill>
+          <a:ln w="25400">
+            <a:noFill/>
+          </a:ln>
+        </p:spPr>
+        <p:style>
+          <a:lnRef idx="2">
+            <a:schemeClr val="accent1">
+              <a:shade val="50000"/>
+            </a:schemeClr>
+          </a:lnRef>
+          <a:fillRef idx="1">
+            <a:schemeClr val="accent1"/>
+          </a:fillRef>
+          <a:effectRef idx="0">
+            <a:schemeClr val="accent1"/>
+          </a:effectRef>
+          <a:fontRef idx="minor">
+            <a:schemeClr val="lt1"/>
+          </a:fontRef>
+        </p:style>
+        <p:txBody>
+          <a:bodyPr rtlCol="0" anchor="ctr"/>
+          <a:lstStyle/>
+          <a:p>
+            <a:pPr marL="0" marR="0" lvl="0" indent="0" algn="ctr" defTabSz="914400" rtl="0" eaLnBrk="1" fontAlgn="auto" latinLnBrk="0" hangingPunct="1">
+              <a:lnSpc>
+                <a:spcPct val="100000"/>
+              </a:lnSpc>
+              <a:spcBef>
+                <a:spcPts val="0"/>
+              </a:spcBef>
+              <a:spcAft>
+                <a:spcPts val="0"/>
+              </a:spcAft>
+              <a:buClrTx/>
+              <a:buSzTx/>
+              <a:buFontTx/>
+              <a:buNone/>
+              <a:tabLst/>
+              <a:defRPr/>
+            </a:pPr>
+            <a:endParaRPr kumimoji="0" lang="en-US" sz="1800" b="0" i="0" u="none" strike="noStrike" kern="1200" cap="none" spc="0" normalizeH="0" baseline="0" noProof="0">
+              <a:ln>
+                <a:noFill/>
+              </a:ln>
+              <a:solidFill>
+                <a:srgbClr val="FFFFFF"/>
+              </a:solidFill>
+              <a:effectLst/>
+              <a:uLnTx/>
+              <a:uFillTx/>
+              <a:latin typeface="Calibri" panose="020F0502020204030204"/>
+              <a:ea typeface="+mn-ea"/>
+              <a:cs typeface="+mn-cs"/>
+            </a:endParaRPr>
+          </a:p>
+        </p:txBody>
+      </p:sp>
+      <p:sp>
+        <p:nvSpPr>
+          <p:cNvPr id="36" name="Rectangle 35">
+            <a:extLst>
+              <a:ext uri="{FF2B5EF4-FFF2-40B4-BE49-F238E27FC236}">
+                <a16:creationId xmlns:a16="http://schemas.microsoft.com/office/drawing/2014/main" id="{1A882A9F-F4E9-4E23-8F0B-20B5DF42EAA9}"/>
+              </a:ext>
+              <a:ext uri="{C183D7F6-B498-43B3-948B-1728B52AA6E4}">
+                <adec:decorative xmlns:adec="http://schemas.microsoft.com/office/drawing/2017/decorative" val="1"/>
+              </a:ext>
+            </a:extLst>
+          </p:cNvPr>
+          <p:cNvSpPr>
+            <a:spLocks noGrp="1" noRot="1" noChangeAspect="1" noMove="1" noResize="1" noEditPoints="1" noAdjustHandles="1" noChangeArrowheads="1" noChangeShapeType="1" noTextEdit="1"/>
+          </p:cNvSpPr>
+          <p:nvPr>
+            <p:extLst>
+              <p:ext uri="{386F3935-93C4-4BCD-93E2-E3B085C9AB24}">
+                <p16:designElem xmlns:p16="http://schemas.microsoft.com/office/powerpoint/2015/main" val="1"/>
+              </p:ext>
+            </p:extLst>
+          </p:nvPr>
+        </p:nvSpPr>
+        <p:spPr>
+          <a:xfrm>
+            <a:off x="3017520" y="4835010"/>
+            <a:ext cx="1349026" cy="1572768"/>
+          </a:xfrm>
+          <a:prstGeom prst="rect">
+            <a:avLst/>
+          </a:prstGeom>
+          <a:solidFill>
+            <a:srgbClr val="A5A5A5"/>
+          </a:solidFill>
+          <a:ln w="25400">
+            <a:noFill/>
+          </a:ln>
+        </p:spPr>
+        <p:style>
+          <a:lnRef idx="2">
+            <a:schemeClr val="accent1">
+              <a:shade val="50000"/>
+            </a:schemeClr>
+          </a:lnRef>
+          <a:fillRef idx="1">
+            <a:schemeClr val="accent1"/>
+          </a:fillRef>
+          <a:effectRef idx="0">
+            <a:schemeClr val="accent1"/>
+          </a:effectRef>
+          <a:fontRef idx="minor">
+            <a:schemeClr val="lt1"/>
+          </a:fontRef>
+        </p:style>
+        <p:txBody>
+          <a:bodyPr rtlCol="0" anchor="ctr"/>
+          <a:lstStyle/>
+          <a:p>
+            <a:pPr marL="0" marR="0" lvl="0" indent="0" algn="ctr" defTabSz="914400" rtl="0" eaLnBrk="1" fontAlgn="auto" latinLnBrk="0" hangingPunct="1">
+              <a:lnSpc>
+                <a:spcPct val="100000"/>
+              </a:lnSpc>
+              <a:spcBef>
+                <a:spcPts val="0"/>
+              </a:spcBef>
+              <a:spcAft>
+                <a:spcPts val="0"/>
+              </a:spcAft>
+              <a:buClrTx/>
+              <a:buSzTx/>
+              <a:buFontTx/>
+              <a:buNone/>
+              <a:tabLst/>
+              <a:defRPr/>
+            </a:pPr>
+            <a:endParaRPr kumimoji="0" lang="en-US" sz="1800" b="0" i="0" u="none" strike="noStrike" kern="1200" cap="none" spc="0" normalizeH="0" baseline="0" noProof="0">
+              <a:ln>
+                <a:noFill/>
+              </a:ln>
+              <a:solidFill>
+                <a:srgbClr val="FFFFFF"/>
+              </a:solidFill>
+              <a:effectLst/>
+              <a:uLnTx/>
+              <a:uFillTx/>
+              <a:latin typeface="Calibri" panose="020F0502020204030204"/>
+              <a:ea typeface="+mn-ea"/>
+              <a:cs typeface="+mn-cs"/>
+            </a:endParaRPr>
+          </a:p>
+        </p:txBody>
+      </p:sp>
+      <p:sp>
+        <p:nvSpPr>
+          <p:cNvPr id="5" name="Marcador de contenido 2">
+            <a:extLst>
+              <a:ext uri="{FF2B5EF4-FFF2-40B4-BE49-F238E27FC236}">
+                <a16:creationId xmlns:a16="http://schemas.microsoft.com/office/drawing/2014/main" id="{4C43AC7E-1E6A-A806-6F01-694C1FEAE49C}"/>
+              </a:ext>
+            </a:extLst>
+          </p:cNvPr>
+          <p:cNvSpPr txBox="1">
+            <a:spLocks/>
+          </p:cNvSpPr>
+          <p:nvPr/>
+        </p:nvSpPr>
+        <p:spPr>
+          <a:xfrm>
+            <a:off x="5224297" y="1127633"/>
+            <a:ext cx="4934688" cy="1194943"/>
+          </a:xfrm>
+          <a:prstGeom prst="rect">
+            <a:avLst/>
+          </a:prstGeom>
+        </p:spPr>
+        <p:txBody>
+          <a:bodyPr vert="horz" lIns="91440" tIns="45720" rIns="91440" bIns="45720" rtlCol="0" anchor="ctr">
+            <a:normAutofit/>
+          </a:bodyPr>
+          <a:lstStyle>
+            <a:lvl1pPr marL="228600" indent="-228600" algn="l" defTabSz="914400" rtl="0" eaLnBrk="1" latinLnBrk="0" hangingPunct="1">
+              <a:lnSpc>
+                <a:spcPct val="90000"/>
+              </a:lnSpc>
+              <a:spcBef>
+                <a:spcPts val="1000"/>
+              </a:spcBef>
+              <a:buFont typeface="Arial" panose="020B0604020202020204" pitchFamily="34" charset="0"/>
+              <a:buChar char="•"/>
+              <a:defRPr sz="2800" kern="1200">
+                <a:solidFill>
+                  <a:schemeClr val="tx1"/>
+                </a:solidFill>
+                <a:latin typeface="+mn-lt"/>
+                <a:ea typeface="+mn-ea"/>
+                <a:cs typeface="+mn-cs"/>
+              </a:defRPr>
+            </a:lvl1pPr>
+            <a:lvl2pPr marL="685800" indent="-228600" algn="l" defTabSz="914400" rtl="0" eaLnBrk="1" latinLnBrk="0" hangingPunct="1">
+              <a:lnSpc>
+                <a:spcPct val="90000"/>
+              </a:lnSpc>
+              <a:spcBef>
+                <a:spcPts val="500"/>
+              </a:spcBef>
+              <a:buFont typeface="Arial" panose="020B0604020202020204" pitchFamily="34" charset="0"/>
+              <a:buChar char="•"/>
+              <a:defRPr sz="2400" kern="1200">
+                <a:solidFill>
+                  <a:schemeClr val="tx1"/>
+                </a:solidFill>
+                <a:latin typeface="+mn-lt"/>
+                <a:ea typeface="+mn-ea"/>
+                <a:cs typeface="+mn-cs"/>
+              </a:defRPr>
+            </a:lvl2pPr>
+            <a:lvl3pPr marL="1143000" indent="-228600" algn="l" defTabSz="914400" rtl="0" eaLnBrk="1" latinLnBrk="0" hangingPunct="1">
+              <a:lnSpc>
+                <a:spcPct val="90000"/>
+              </a:lnSpc>
+              <a:spcBef>
+                <a:spcPts val="500"/>
+              </a:spcBef>
+              <a:buFont typeface="Arial" panose="020B0604020202020204" pitchFamily="34" charset="0"/>
+              <a:buChar char="•"/>
+              <a:defRPr sz="2000" kern="1200">
+                <a:solidFill>
+                  <a:schemeClr val="tx1"/>
+                </a:solidFill>
+                <a:latin typeface="+mn-lt"/>
+                <a:ea typeface="+mn-ea"/>
+                <a:cs typeface="+mn-cs"/>
+              </a:defRPr>
+            </a:lvl3pPr>
+            <a:lvl4pPr marL="1600200" indent="-228600" algn="l" defTabSz="914400" rtl="0" eaLnBrk="1" latinLnBrk="0" hangingPunct="1">
+              <a:lnSpc>
+                <a:spcPct val="90000"/>
+              </a:lnSpc>
+              <a:spcBef>
+                <a:spcPts val="500"/>
+              </a:spcBef>
+              <a:buFont typeface="Arial" panose="020B0604020202020204" pitchFamily="34" charset="0"/>
+              <a:buChar char="•"/>
+              <a:defRPr sz="1800" kern="1200">
+                <a:solidFill>
+                  <a:schemeClr val="tx1"/>
+                </a:solidFill>
+                <a:latin typeface="+mn-lt"/>
+                <a:ea typeface="+mn-ea"/>
+                <a:cs typeface="+mn-cs"/>
+              </a:defRPr>
+            </a:lvl4pPr>
+            <a:lvl5pPr marL="2057400" indent="-228600" algn="l" defTabSz="914400" rtl="0" eaLnBrk="1" latinLnBrk="0" hangingPunct="1">
+              <a:lnSpc>
+                <a:spcPct val="90000"/>
+              </a:lnSpc>
+              <a:spcBef>
+                <a:spcPts val="500"/>
+              </a:spcBef>
+              <a:buFont typeface="Arial" panose="020B0604020202020204" pitchFamily="34" charset="0"/>
+              <a:buChar char="•"/>
+              <a:defRPr sz="1800" kern="1200">
+                <a:solidFill>
+                  <a:schemeClr val="tx1"/>
+                </a:solidFill>
+                <a:latin typeface="+mn-lt"/>
+                <a:ea typeface="+mn-ea"/>
+                <a:cs typeface="+mn-cs"/>
+              </a:defRPr>
+            </a:lvl5pPr>
+            <a:lvl6pPr marL="2514600" indent="-228600" algn="l" defTabSz="914400" rtl="0" eaLnBrk="1" latinLnBrk="0" hangingPunct="1">
+              <a:lnSpc>
+                <a:spcPct val="90000"/>
+              </a:lnSpc>
+              <a:spcBef>
+                <a:spcPts val="500"/>
+              </a:spcBef>
+              <a:buFont typeface="Arial" panose="020B0604020202020204" pitchFamily="34" charset="0"/>
+              <a:buChar char="•"/>
+              <a:defRPr sz="1800" kern="1200">
+                <a:solidFill>
+                  <a:schemeClr val="tx1"/>
+                </a:solidFill>
+                <a:latin typeface="+mn-lt"/>
+                <a:ea typeface="+mn-ea"/>
+                <a:cs typeface="+mn-cs"/>
+              </a:defRPr>
+            </a:lvl6pPr>
+            <a:lvl7pPr marL="2971800" indent="-228600" algn="l" defTabSz="914400" rtl="0" eaLnBrk="1" latinLnBrk="0" hangingPunct="1">
+              <a:lnSpc>
+                <a:spcPct val="90000"/>
+              </a:lnSpc>
+              <a:spcBef>
+                <a:spcPts val="500"/>
+              </a:spcBef>
+              <a:buFont typeface="Arial" panose="020B0604020202020204" pitchFamily="34" charset="0"/>
+              <a:buChar char="•"/>
+              <a:defRPr sz="1800" kern="1200">
+                <a:solidFill>
+                  <a:schemeClr val="tx1"/>
+                </a:solidFill>
+                <a:latin typeface="+mn-lt"/>
+                <a:ea typeface="+mn-ea"/>
+                <a:cs typeface="+mn-cs"/>
+              </a:defRPr>
+            </a:lvl7pPr>
+            <a:lvl8pPr marL="3429000" indent="-228600" algn="l" defTabSz="914400" rtl="0" eaLnBrk="1" latinLnBrk="0" hangingPunct="1">
+              <a:lnSpc>
+                <a:spcPct val="90000"/>
+              </a:lnSpc>
+              <a:spcBef>
+                <a:spcPts val="500"/>
+              </a:spcBef>
+              <a:buFont typeface="Arial" panose="020B0604020202020204" pitchFamily="34" charset="0"/>
+              <a:buChar char="•"/>
+              <a:defRPr sz="1800" kern="1200">
+                <a:solidFill>
+                  <a:schemeClr val="tx1"/>
+                </a:solidFill>
+                <a:latin typeface="+mn-lt"/>
+                <a:ea typeface="+mn-ea"/>
+                <a:cs typeface="+mn-cs"/>
+              </a:defRPr>
+            </a:lvl8pPr>
+            <a:lvl9pPr marL="3886200" indent="-228600" algn="l" defTabSz="914400" rtl="0" eaLnBrk="1" latinLnBrk="0" hangingPunct="1">
+              <a:lnSpc>
+                <a:spcPct val="90000"/>
+              </a:lnSpc>
+              <a:spcBef>
+                <a:spcPts val="500"/>
+              </a:spcBef>
+              <a:buFont typeface="Arial" panose="020B0604020202020204" pitchFamily="34" charset="0"/>
+              <a:buChar char="•"/>
+              <a:defRPr sz="1800" kern="1200">
+                <a:solidFill>
+                  <a:schemeClr val="tx1"/>
+                </a:solidFill>
+                <a:latin typeface="+mn-lt"/>
+                <a:ea typeface="+mn-ea"/>
+                <a:cs typeface="+mn-cs"/>
+              </a:defRPr>
+            </a:lvl9pPr>
+          </a:lstStyle>
+          <a:p>
+            <a:r>
+              <a:rPr lang="en-US" sz="2400" dirty="0" err="1"/>
+              <a:t>Estructurados</a:t>
+            </a:r>
+            <a:endParaRPr lang="en-US" sz="2400" dirty="0"/>
+          </a:p>
+          <a:p>
+            <a:pPr lvl="1">
+              <a:buFont typeface="Wingdings" panose="05000000000000000000" pitchFamily="2" charset="2"/>
+              <a:buChar char="ü"/>
+            </a:pPr>
+            <a:r>
+              <a:rPr lang="en-US" sz="1500" dirty="0" err="1"/>
+              <a:t>Datos</a:t>
+            </a:r>
+            <a:r>
+              <a:rPr lang="en-US" sz="1500" dirty="0"/>
+              <a:t> con </a:t>
+            </a:r>
+            <a:r>
+              <a:rPr lang="en-US" sz="1500" dirty="0" err="1"/>
+              <a:t>longitud</a:t>
+            </a:r>
+            <a:r>
+              <a:rPr lang="en-US" sz="1500" dirty="0"/>
+              <a:t> y </a:t>
+            </a:r>
+            <a:r>
+              <a:rPr lang="en-US" sz="1500" dirty="0" err="1"/>
+              <a:t>formato</a:t>
+            </a:r>
+            <a:r>
+              <a:rPr lang="en-US" sz="1500" dirty="0"/>
+              <a:t> </a:t>
+            </a:r>
+            <a:r>
+              <a:rPr lang="en-US" sz="1500" dirty="0" err="1"/>
+              <a:t>determinado</a:t>
+            </a:r>
+            <a:r>
+              <a:rPr lang="en-US" sz="1500" dirty="0"/>
+              <a:t>.</a:t>
+            </a:r>
+          </a:p>
+          <a:p>
+            <a:pPr lvl="1">
+              <a:buFont typeface="Wingdings" panose="05000000000000000000" pitchFamily="2" charset="2"/>
+              <a:buChar char="ü"/>
+            </a:pPr>
+            <a:r>
+              <a:rPr lang="en-US" sz="1500" dirty="0"/>
+              <a:t>Se </a:t>
+            </a:r>
+            <a:r>
+              <a:rPr lang="en-US" sz="1500" dirty="0" err="1"/>
+              <a:t>almacenan</a:t>
+            </a:r>
+            <a:r>
+              <a:rPr lang="en-US" sz="1500" dirty="0"/>
+              <a:t> en tablas (BD </a:t>
+            </a:r>
+            <a:r>
+              <a:rPr lang="en-US" sz="1500" dirty="0" err="1"/>
+              <a:t>relacionales</a:t>
+            </a:r>
+            <a:r>
+              <a:rPr lang="en-US" sz="1500" dirty="0"/>
+              <a:t>).</a:t>
+            </a:r>
+          </a:p>
+        </p:txBody>
+      </p:sp>
+      <p:sp>
+        <p:nvSpPr>
+          <p:cNvPr id="28" name="Marcador de contenido 2">
+            <a:extLst>
+              <a:ext uri="{FF2B5EF4-FFF2-40B4-BE49-F238E27FC236}">
+                <a16:creationId xmlns:a16="http://schemas.microsoft.com/office/drawing/2014/main" id="{71DD8969-159A-661E-C6F7-DDFB1B537A91}"/>
+              </a:ext>
+            </a:extLst>
+          </p:cNvPr>
+          <p:cNvSpPr txBox="1">
+            <a:spLocks/>
+          </p:cNvSpPr>
+          <p:nvPr/>
+        </p:nvSpPr>
+        <p:spPr>
+          <a:xfrm>
+            <a:off x="5221249" y="3008249"/>
+            <a:ext cx="4934688" cy="1194943"/>
+          </a:xfrm>
+          <a:prstGeom prst="rect">
+            <a:avLst/>
+          </a:prstGeom>
+        </p:spPr>
+        <p:txBody>
+          <a:bodyPr vert="horz" lIns="91440" tIns="45720" rIns="91440" bIns="45720" rtlCol="0" anchor="ctr">
+            <a:normAutofit fontScale="62500" lnSpcReduction="20000"/>
+          </a:bodyPr>
+          <a:lstStyle>
+            <a:lvl1pPr marL="228600" indent="-228600" algn="l" defTabSz="914400" rtl="0" eaLnBrk="1" latinLnBrk="0" hangingPunct="1">
+              <a:lnSpc>
+                <a:spcPct val="90000"/>
+              </a:lnSpc>
+              <a:spcBef>
+                <a:spcPts val="1000"/>
+              </a:spcBef>
+              <a:buFont typeface="Arial" panose="020B0604020202020204" pitchFamily="34" charset="0"/>
+              <a:buChar char="•"/>
+              <a:defRPr sz="2800" kern="1200">
+                <a:solidFill>
+                  <a:schemeClr val="tx1"/>
+                </a:solidFill>
+                <a:latin typeface="+mn-lt"/>
+                <a:ea typeface="+mn-ea"/>
+                <a:cs typeface="+mn-cs"/>
+              </a:defRPr>
+            </a:lvl1pPr>
+            <a:lvl2pPr marL="685800" indent="-228600" algn="l" defTabSz="914400" rtl="0" eaLnBrk="1" latinLnBrk="0" hangingPunct="1">
+              <a:lnSpc>
+                <a:spcPct val="90000"/>
+              </a:lnSpc>
+              <a:spcBef>
+                <a:spcPts val="500"/>
+              </a:spcBef>
+              <a:buFont typeface="Arial" panose="020B0604020202020204" pitchFamily="34" charset="0"/>
+              <a:buChar char="•"/>
+              <a:defRPr sz="2400" kern="1200">
+                <a:solidFill>
+                  <a:schemeClr val="tx1"/>
+                </a:solidFill>
+                <a:latin typeface="+mn-lt"/>
+                <a:ea typeface="+mn-ea"/>
+                <a:cs typeface="+mn-cs"/>
+              </a:defRPr>
+            </a:lvl2pPr>
+            <a:lvl3pPr marL="1143000" indent="-228600" algn="l" defTabSz="914400" rtl="0" eaLnBrk="1" latinLnBrk="0" hangingPunct="1">
+              <a:lnSpc>
+                <a:spcPct val="90000"/>
+              </a:lnSpc>
+              <a:spcBef>
+                <a:spcPts val="500"/>
+              </a:spcBef>
+              <a:buFont typeface="Arial" panose="020B0604020202020204" pitchFamily="34" charset="0"/>
+              <a:buChar char="•"/>
+              <a:defRPr sz="2000" kern="1200">
+                <a:solidFill>
+                  <a:schemeClr val="tx1"/>
+                </a:solidFill>
+                <a:latin typeface="+mn-lt"/>
+                <a:ea typeface="+mn-ea"/>
+                <a:cs typeface="+mn-cs"/>
+              </a:defRPr>
+            </a:lvl3pPr>
+            <a:lvl4pPr marL="1600200" indent="-228600" algn="l" defTabSz="914400" rtl="0" eaLnBrk="1" latinLnBrk="0" hangingPunct="1">
+              <a:lnSpc>
+                <a:spcPct val="90000"/>
+              </a:lnSpc>
+              <a:spcBef>
+                <a:spcPts val="500"/>
+              </a:spcBef>
+              <a:buFont typeface="Arial" panose="020B0604020202020204" pitchFamily="34" charset="0"/>
+              <a:buChar char="•"/>
+              <a:defRPr sz="1800" kern="1200">
+                <a:solidFill>
+                  <a:schemeClr val="tx1"/>
+                </a:solidFill>
+                <a:latin typeface="+mn-lt"/>
+                <a:ea typeface="+mn-ea"/>
+                <a:cs typeface="+mn-cs"/>
+              </a:defRPr>
+            </a:lvl4pPr>
+            <a:lvl5pPr marL="2057400" indent="-228600" algn="l" defTabSz="914400" rtl="0" eaLnBrk="1" latinLnBrk="0" hangingPunct="1">
+              <a:lnSpc>
+                <a:spcPct val="90000"/>
+              </a:lnSpc>
+              <a:spcBef>
+                <a:spcPts val="500"/>
+              </a:spcBef>
+              <a:buFont typeface="Arial" panose="020B0604020202020204" pitchFamily="34" charset="0"/>
+              <a:buChar char="•"/>
+              <a:defRPr sz="1800" kern="1200">
+                <a:solidFill>
+                  <a:schemeClr val="tx1"/>
+                </a:solidFill>
+                <a:latin typeface="+mn-lt"/>
+                <a:ea typeface="+mn-ea"/>
+                <a:cs typeface="+mn-cs"/>
+              </a:defRPr>
+            </a:lvl5pPr>
+            <a:lvl6pPr marL="2514600" indent="-228600" algn="l" defTabSz="914400" rtl="0" eaLnBrk="1" latinLnBrk="0" hangingPunct="1">
+              <a:lnSpc>
+                <a:spcPct val="90000"/>
+              </a:lnSpc>
+              <a:spcBef>
+                <a:spcPts val="500"/>
+              </a:spcBef>
+              <a:buFont typeface="Arial" panose="020B0604020202020204" pitchFamily="34" charset="0"/>
+              <a:buChar char="•"/>
+              <a:defRPr sz="1800" kern="1200">
+                <a:solidFill>
+                  <a:schemeClr val="tx1"/>
+                </a:solidFill>
+                <a:latin typeface="+mn-lt"/>
+                <a:ea typeface="+mn-ea"/>
+                <a:cs typeface="+mn-cs"/>
+              </a:defRPr>
+            </a:lvl6pPr>
+            <a:lvl7pPr marL="2971800" indent="-228600" algn="l" defTabSz="914400" rtl="0" eaLnBrk="1" latinLnBrk="0" hangingPunct="1">
+              <a:lnSpc>
+                <a:spcPct val="90000"/>
+              </a:lnSpc>
+              <a:spcBef>
+                <a:spcPts val="500"/>
+              </a:spcBef>
+              <a:buFont typeface="Arial" panose="020B0604020202020204" pitchFamily="34" charset="0"/>
+              <a:buChar char="•"/>
+              <a:defRPr sz="1800" kern="1200">
+                <a:solidFill>
+                  <a:schemeClr val="tx1"/>
+                </a:solidFill>
+                <a:latin typeface="+mn-lt"/>
+                <a:ea typeface="+mn-ea"/>
+                <a:cs typeface="+mn-cs"/>
+              </a:defRPr>
+            </a:lvl7pPr>
+            <a:lvl8pPr marL="3429000" indent="-228600" algn="l" defTabSz="914400" rtl="0" eaLnBrk="1" latinLnBrk="0" hangingPunct="1">
+              <a:lnSpc>
+                <a:spcPct val="90000"/>
+              </a:lnSpc>
+              <a:spcBef>
+                <a:spcPts val="500"/>
+              </a:spcBef>
+              <a:buFont typeface="Arial" panose="020B0604020202020204" pitchFamily="34" charset="0"/>
+              <a:buChar char="•"/>
+              <a:defRPr sz="1800" kern="1200">
+                <a:solidFill>
+                  <a:schemeClr val="tx1"/>
+                </a:solidFill>
+                <a:latin typeface="+mn-lt"/>
+                <a:ea typeface="+mn-ea"/>
+                <a:cs typeface="+mn-cs"/>
+              </a:defRPr>
+            </a:lvl8pPr>
+            <a:lvl9pPr marL="3886200" indent="-228600" algn="l" defTabSz="914400" rtl="0" eaLnBrk="1" latinLnBrk="0" hangingPunct="1">
+              <a:lnSpc>
+                <a:spcPct val="90000"/>
+              </a:lnSpc>
+              <a:spcBef>
+                <a:spcPts val="500"/>
+              </a:spcBef>
+              <a:buFont typeface="Arial" panose="020B0604020202020204" pitchFamily="34" charset="0"/>
+              <a:buChar char="•"/>
+              <a:defRPr sz="1800" kern="1200">
+                <a:solidFill>
+                  <a:schemeClr val="tx1"/>
+                </a:solidFill>
+                <a:latin typeface="+mn-lt"/>
+                <a:ea typeface="+mn-ea"/>
+                <a:cs typeface="+mn-cs"/>
+              </a:defRPr>
+            </a:lvl9pPr>
+          </a:lstStyle>
+          <a:p>
+            <a:r>
+              <a:rPr lang="en-US" sz="3800" dirty="0"/>
+              <a:t>No </a:t>
+            </a:r>
+            <a:r>
+              <a:rPr lang="en-US" sz="3800" dirty="0" err="1"/>
+              <a:t>estructurados</a:t>
+            </a:r>
+            <a:endParaRPr lang="en-US" sz="3800" dirty="0"/>
+          </a:p>
+          <a:p>
+            <a:pPr lvl="1">
+              <a:buFont typeface="Wingdings" panose="05000000000000000000" pitchFamily="2" charset="2"/>
+              <a:buChar char="ü"/>
+            </a:pPr>
+            <a:r>
+              <a:rPr lang="es-ES" sz="2400" dirty="0"/>
+              <a:t>Datos con el formato de recolección, no tienen un formato especifico.</a:t>
+            </a:r>
+          </a:p>
+          <a:p>
+            <a:pPr lvl="1">
+              <a:buFont typeface="Wingdings" panose="05000000000000000000" pitchFamily="2" charset="2"/>
+              <a:buChar char="ü"/>
+            </a:pPr>
+            <a:r>
+              <a:rPr lang="es-ES" dirty="0"/>
+              <a:t>No se pueden almacenar en tablas (documentos multimedia, imágenes…).</a:t>
+            </a:r>
+          </a:p>
+        </p:txBody>
+      </p:sp>
+      <p:sp>
+        <p:nvSpPr>
+          <p:cNvPr id="33" name="Marcador de contenido 2">
+            <a:extLst>
+              <a:ext uri="{FF2B5EF4-FFF2-40B4-BE49-F238E27FC236}">
+                <a16:creationId xmlns:a16="http://schemas.microsoft.com/office/drawing/2014/main" id="{DE956C8E-1F49-127B-D31A-7047D13A4C2E}"/>
+              </a:ext>
+            </a:extLst>
+          </p:cNvPr>
+          <p:cNvSpPr txBox="1">
+            <a:spLocks/>
+          </p:cNvSpPr>
+          <p:nvPr/>
+        </p:nvSpPr>
+        <p:spPr>
+          <a:xfrm>
+            <a:off x="5221249" y="4843145"/>
+            <a:ext cx="4934688" cy="1194943"/>
+          </a:xfrm>
+          <a:prstGeom prst="rect">
+            <a:avLst/>
+          </a:prstGeom>
+        </p:spPr>
+        <p:txBody>
+          <a:bodyPr vert="horz" lIns="91440" tIns="45720" rIns="91440" bIns="45720" rtlCol="0" anchor="ctr">
+            <a:normAutofit fontScale="85000" lnSpcReduction="20000"/>
+          </a:bodyPr>
+          <a:lstStyle>
+            <a:lvl1pPr marL="228600" indent="-228600" algn="l" defTabSz="914400" rtl="0" eaLnBrk="1" latinLnBrk="0" hangingPunct="1">
+              <a:lnSpc>
+                <a:spcPct val="90000"/>
+              </a:lnSpc>
+              <a:spcBef>
+                <a:spcPts val="1000"/>
+              </a:spcBef>
+              <a:buFont typeface="Arial" panose="020B0604020202020204" pitchFamily="34" charset="0"/>
+              <a:buChar char="•"/>
+              <a:defRPr sz="2800" kern="1200">
+                <a:solidFill>
+                  <a:schemeClr val="tx1"/>
+                </a:solidFill>
+                <a:latin typeface="+mn-lt"/>
+                <a:ea typeface="+mn-ea"/>
+                <a:cs typeface="+mn-cs"/>
+              </a:defRPr>
+            </a:lvl1pPr>
+            <a:lvl2pPr marL="685800" indent="-228600" algn="l" defTabSz="914400" rtl="0" eaLnBrk="1" latinLnBrk="0" hangingPunct="1">
+              <a:lnSpc>
+                <a:spcPct val="90000"/>
+              </a:lnSpc>
+              <a:spcBef>
+                <a:spcPts val="500"/>
+              </a:spcBef>
+              <a:buFont typeface="Arial" panose="020B0604020202020204" pitchFamily="34" charset="0"/>
+              <a:buChar char="•"/>
+              <a:defRPr sz="2400" kern="1200">
+                <a:solidFill>
+                  <a:schemeClr val="tx1"/>
+                </a:solidFill>
+                <a:latin typeface="+mn-lt"/>
+                <a:ea typeface="+mn-ea"/>
+                <a:cs typeface="+mn-cs"/>
+              </a:defRPr>
+            </a:lvl2pPr>
+            <a:lvl3pPr marL="1143000" indent="-228600" algn="l" defTabSz="914400" rtl="0" eaLnBrk="1" latinLnBrk="0" hangingPunct="1">
+              <a:lnSpc>
+                <a:spcPct val="90000"/>
+              </a:lnSpc>
+              <a:spcBef>
+                <a:spcPts val="500"/>
+              </a:spcBef>
+              <a:buFont typeface="Arial" panose="020B0604020202020204" pitchFamily="34" charset="0"/>
+              <a:buChar char="•"/>
+              <a:defRPr sz="2000" kern="1200">
+                <a:solidFill>
+                  <a:schemeClr val="tx1"/>
+                </a:solidFill>
+                <a:latin typeface="+mn-lt"/>
+                <a:ea typeface="+mn-ea"/>
+                <a:cs typeface="+mn-cs"/>
+              </a:defRPr>
+            </a:lvl3pPr>
+            <a:lvl4pPr marL="1600200" indent="-228600" algn="l" defTabSz="914400" rtl="0" eaLnBrk="1" latinLnBrk="0" hangingPunct="1">
+              <a:lnSpc>
+                <a:spcPct val="90000"/>
+              </a:lnSpc>
+              <a:spcBef>
+                <a:spcPts val="500"/>
+              </a:spcBef>
+              <a:buFont typeface="Arial" panose="020B0604020202020204" pitchFamily="34" charset="0"/>
+              <a:buChar char="•"/>
+              <a:defRPr sz="1800" kern="1200">
+                <a:solidFill>
+                  <a:schemeClr val="tx1"/>
+                </a:solidFill>
+                <a:latin typeface="+mn-lt"/>
+                <a:ea typeface="+mn-ea"/>
+                <a:cs typeface="+mn-cs"/>
+              </a:defRPr>
+            </a:lvl4pPr>
+            <a:lvl5pPr marL="2057400" indent="-228600" algn="l" defTabSz="914400" rtl="0" eaLnBrk="1" latinLnBrk="0" hangingPunct="1">
+              <a:lnSpc>
+                <a:spcPct val="90000"/>
+              </a:lnSpc>
+              <a:spcBef>
+                <a:spcPts val="500"/>
+              </a:spcBef>
+              <a:buFont typeface="Arial" panose="020B0604020202020204" pitchFamily="34" charset="0"/>
+              <a:buChar char="•"/>
+              <a:defRPr sz="1800" kern="1200">
+                <a:solidFill>
+                  <a:schemeClr val="tx1"/>
+                </a:solidFill>
+                <a:latin typeface="+mn-lt"/>
+                <a:ea typeface="+mn-ea"/>
+                <a:cs typeface="+mn-cs"/>
+              </a:defRPr>
+            </a:lvl5pPr>
+            <a:lvl6pPr marL="2514600" indent="-228600" algn="l" defTabSz="914400" rtl="0" eaLnBrk="1" latinLnBrk="0" hangingPunct="1">
+              <a:lnSpc>
+                <a:spcPct val="90000"/>
+              </a:lnSpc>
+              <a:spcBef>
+                <a:spcPts val="500"/>
+              </a:spcBef>
+              <a:buFont typeface="Arial" panose="020B0604020202020204" pitchFamily="34" charset="0"/>
+              <a:buChar char="•"/>
+              <a:defRPr sz="1800" kern="1200">
+                <a:solidFill>
+                  <a:schemeClr val="tx1"/>
+                </a:solidFill>
+                <a:latin typeface="+mn-lt"/>
+                <a:ea typeface="+mn-ea"/>
+                <a:cs typeface="+mn-cs"/>
+              </a:defRPr>
+            </a:lvl6pPr>
+            <a:lvl7pPr marL="2971800" indent="-228600" algn="l" defTabSz="914400" rtl="0" eaLnBrk="1" latinLnBrk="0" hangingPunct="1">
+              <a:lnSpc>
+                <a:spcPct val="90000"/>
+              </a:lnSpc>
+              <a:spcBef>
+                <a:spcPts val="500"/>
+              </a:spcBef>
+              <a:buFont typeface="Arial" panose="020B0604020202020204" pitchFamily="34" charset="0"/>
+              <a:buChar char="•"/>
+              <a:defRPr sz="1800" kern="1200">
+                <a:solidFill>
+                  <a:schemeClr val="tx1"/>
+                </a:solidFill>
+                <a:latin typeface="+mn-lt"/>
+                <a:ea typeface="+mn-ea"/>
+                <a:cs typeface="+mn-cs"/>
+              </a:defRPr>
+            </a:lvl7pPr>
+            <a:lvl8pPr marL="3429000" indent="-228600" algn="l" defTabSz="914400" rtl="0" eaLnBrk="1" latinLnBrk="0" hangingPunct="1">
+              <a:lnSpc>
+                <a:spcPct val="90000"/>
+              </a:lnSpc>
+              <a:spcBef>
+                <a:spcPts val="500"/>
+              </a:spcBef>
+              <a:buFont typeface="Arial" panose="020B0604020202020204" pitchFamily="34" charset="0"/>
+              <a:buChar char="•"/>
+              <a:defRPr sz="1800" kern="1200">
+                <a:solidFill>
+                  <a:schemeClr val="tx1"/>
+                </a:solidFill>
+                <a:latin typeface="+mn-lt"/>
+                <a:ea typeface="+mn-ea"/>
+                <a:cs typeface="+mn-cs"/>
+              </a:defRPr>
+            </a:lvl8pPr>
+            <a:lvl9pPr marL="3886200" indent="-228600" algn="l" defTabSz="914400" rtl="0" eaLnBrk="1" latinLnBrk="0" hangingPunct="1">
+              <a:lnSpc>
+                <a:spcPct val="90000"/>
+              </a:lnSpc>
+              <a:spcBef>
+                <a:spcPts val="500"/>
+              </a:spcBef>
+              <a:buFont typeface="Arial" panose="020B0604020202020204" pitchFamily="34" charset="0"/>
+              <a:buChar char="•"/>
+              <a:defRPr sz="1800" kern="1200">
+                <a:solidFill>
+                  <a:schemeClr val="tx1"/>
+                </a:solidFill>
+                <a:latin typeface="+mn-lt"/>
+                <a:ea typeface="+mn-ea"/>
+                <a:cs typeface="+mn-cs"/>
+              </a:defRPr>
+            </a:lvl9pPr>
+          </a:lstStyle>
+          <a:p>
+            <a:r>
+              <a:rPr lang="es-ES" dirty="0"/>
+              <a:t>Semiestructurados</a:t>
+            </a:r>
+          </a:p>
+          <a:p>
+            <a:pPr lvl="1">
+              <a:buFont typeface="Wingdings" panose="05000000000000000000" pitchFamily="2" charset="2"/>
+              <a:buChar char="ü"/>
+            </a:pPr>
+            <a:r>
+              <a:rPr lang="es-ES" sz="1600" dirty="0"/>
+              <a:t>Datos de diferentes campos, pero con marcadores para la separación de elementos.</a:t>
+            </a:r>
+          </a:p>
+          <a:p>
+            <a:pPr lvl="1">
+              <a:buFont typeface="Wingdings" panose="05000000000000000000" pitchFamily="2" charset="2"/>
+              <a:buChar char="ü"/>
+            </a:pPr>
+            <a:r>
+              <a:rPr lang="es-ES" sz="1600" dirty="0"/>
+              <a:t>No se puede gestionar de forma estándar, poseen sus propios metadatos (archivos HTML).</a:t>
+            </a:r>
+          </a:p>
+        </p:txBody>
+      </p:sp>
+      <p:sp>
+        <p:nvSpPr>
+          <p:cNvPr id="38" name="Título 1">
+            <a:extLst>
+              <a:ext uri="{FF2B5EF4-FFF2-40B4-BE49-F238E27FC236}">
+                <a16:creationId xmlns:a16="http://schemas.microsoft.com/office/drawing/2014/main" id="{CA4169E5-9120-9091-CC2A-25C84492C2F1}"/>
+              </a:ext>
+            </a:extLst>
+          </p:cNvPr>
+          <p:cNvSpPr txBox="1">
+            <a:spLocks/>
+          </p:cNvSpPr>
+          <p:nvPr/>
+        </p:nvSpPr>
+        <p:spPr>
+          <a:xfrm>
+            <a:off x="3017520" y="4843145"/>
+            <a:ext cx="1349026" cy="1555935"/>
+          </a:xfrm>
+          <a:prstGeom prst="rect">
+            <a:avLst/>
+          </a:prstGeom>
+        </p:spPr>
+        <p:txBody>
+          <a:bodyPr vert="horz" lIns="91440" tIns="45720" rIns="91440" bIns="45720" rtlCol="0" anchor="ctr">
+            <a:normAutofit/>
           </a:bodyPr>
           <a:lstStyle>
             <a:lvl1pPr algn="l" defTabSz="914400" rtl="0" eaLnBrk="1" latinLnBrk="0" hangingPunct="1">
@@ -19375,40 +27020,31 @@
           </a:lstStyle>
           <a:p>
             <a:pPr algn="ctr">
+              <a:spcBef>
+                <a:spcPts val="1000"/>
+              </a:spcBef>
               <a:spcAft>
                 <a:spcPts val="600"/>
               </a:spcAft>
             </a:pPr>
             <a:r>
-              <a:rPr lang="es-ES" sz="1600" b="1" dirty="0">
-                <a:cs typeface="Calibri Light" panose="020F0302020204030204"/>
+              <a:rPr lang="en-US" sz="1200" b="1" dirty="0">
+                <a:solidFill>
+                  <a:srgbClr val="FFFFFF"/>
+                </a:solidFill>
+                <a:latin typeface="+mn-lt"/>
+                <a:ea typeface="+mn-ea"/>
+                <a:cs typeface="+mn-cs"/>
               </a:rPr>
-              <a:t>EDUARDO MARTÍN-SONSECA</a:t>
-            </a:r>
-            <a:br>
-              <a:rPr lang="es-ES" sz="1600" b="1" dirty="0">
-                <a:cs typeface="Calibri Light" panose="020F0302020204030204"/>
-              </a:rPr>
-            </a:br>
-            <a:r>
-              <a:rPr lang="es-ES" sz="1600" b="1" dirty="0">
-                <a:cs typeface="Calibri Light" panose="020F0302020204030204"/>
-              </a:rPr>
-              <a:t>LUIS FERNANDEZ CASTELO</a:t>
-            </a:r>
-            <a:br>
-              <a:rPr lang="es-ES" sz="1600" b="1" dirty="0">
-                <a:cs typeface="Calibri Light" panose="020F0302020204030204"/>
-              </a:rPr>
-            </a:br>
-            <a:r>
-              <a:rPr lang="es-ES" sz="1600" b="1" dirty="0">
-                <a:cs typeface="Calibri Light" panose="020F0302020204030204"/>
-              </a:rPr>
-              <a:t>1º DESARROLLO DE APLICACIONES MULTIPLATAFORMA</a:t>
-            </a:r>
-            <a:endParaRPr lang="es-ES" sz="1600" dirty="0">
-              <a:cs typeface="Calibri Light"/>
+              <a:t>TIPOS DE DATOS</a:t>
+            </a:r>
+            <a:endParaRPr lang="en-US" sz="1200" kern="1200" dirty="0">
+              <a:solidFill>
+                <a:srgbClr val="FFFFFF"/>
+              </a:solidFill>
+              <a:latin typeface="+mn-lt"/>
+              <a:ea typeface="+mn-ea"/>
+              <a:cs typeface="+mn-cs"/>
             </a:endParaRPr>
           </a:p>
         </p:txBody>
@@ -19460,7 +27096,7 @@
                                           </p:stCondLst>
                                         </p:cTn>
                                         <p:tgtEl>
-                                          <p:spTgt spid="4"/>
+                                          <p:spTgt spid="25"/>
                                         </p:tgtEl>
                                         <p:attrNameLst>
                                           <p:attrName>style.visibility</p:attrName>
@@ -19474,7 +27110,42 @@
                                       <p:cBhvr>
                                         <p:cTn id="7" dur="10"/>
                                         <p:tgtEl>
-                                          <p:spTgt spid="4"/>
+                                          <p:spTgt spid="25"/>
+                                        </p:tgtEl>
+                                      </p:cBhvr>
+                                    </p:animEffect>
+                                  </p:childTnLst>
+                                </p:cTn>
+                              </p:par>
+                              <p:par>
+                                <p:cTn id="8" presetID="10" presetClass="entr" presetSubtype="0" fill="hold" grpId="0" nodeType="withEffect">
+                                  <p:stCondLst>
+                                    <p:cond delay="0"/>
+                                  </p:stCondLst>
+                                  <p:childTnLst>
+                                    <p:set>
+                                      <p:cBhvr>
+                                        <p:cTn id="9" dur="1" fill="hold">
+                                          <p:stCondLst>
+                                            <p:cond delay="0"/>
+                                          </p:stCondLst>
+                                        </p:cTn>
+                                        <p:tgtEl>
+                                          <p:spTgt spid="38"/>
+                                        </p:tgtEl>
+                                        <p:attrNameLst>
+                                          <p:attrName>style.visibility</p:attrName>
+                                        </p:attrNameLst>
+                                      </p:cBhvr>
+                                      <p:to>
+                                        <p:strVal val="visible"/>
+                                      </p:to>
+                                    </p:set>
+                                    <p:animEffect transition="in" filter="fade">
+                                      <p:cBhvr>
+                                        <p:cTn id="10" dur="10"/>
+                                        <p:tgtEl>
+                                          <p:spTgt spid="38"/>
                                         </p:tgtEl>
                                       </p:cBhvr>
                                     </p:animEffect>
@@ -19509,7 +27180,8 @@
       </p:par>
     </p:tnLst>
     <p:bldLst>
-      <p:bldP spid="4" grpId="0"/>
+      <p:bldP spid="25" grpId="0"/>
+      <p:bldP spid="38" grpId="0"/>
     </p:bldLst>
   </p:timing>
 </p:sld>

--- a/Bases de Datos/1º Evaluación/Ejercicios/Ejercicio2/Explotación de bases de datos Big Data.pptx
+++ b/Bases de Datos/1º Evaluación/Ejercicios/Ejercicio2/Explotación de bases de datos Big Data.pptx
@@ -132,6 +132,14 @@
 </p:presentation>
 </file>
 
+<file path=ppt/revisionInfo.xml><?xml version="1.0" encoding="utf-8"?>
+<p1510:revInfo xmlns:a="http://schemas.openxmlformats.org/drawingml/2006/main" xmlns:r="http://schemas.openxmlformats.org/officeDocument/2006/relationships" xmlns:p1510="http://schemas.microsoft.com/office/powerpoint/2015/10/main">
+  <p1510:revLst>
+    <p1510:client id="{A203E74F-1EE2-4FCE-BC2F-A4A3BCBBB559}" v="58" dt="2022-10-05T18:53:26.893"/>
+  </p1510:revLst>
+</p1510:revInfo>
+</file>
+
 <file path=ppt/changesInfos/changesInfo1.xml><?xml version="1.0" encoding="utf-8"?>
 <pc:chgInfo xmlns:a="http://schemas.openxmlformats.org/drawingml/2006/main" xmlns:r="http://schemas.openxmlformats.org/officeDocument/2006/relationships" xmlns:ac="http://schemas.microsoft.com/office/drawing/2013/main/command" xmlns:pc="http://schemas.microsoft.com/office/powerpoint/2013/main/command">
   <pc:docChgLst>
@@ -281,6 +289,3175 @@
             <ac:picMk id="6" creationId="{5796F568-A919-5CD1-743C-7ED9D36AB8D1}"/>
           </ac:picMkLst>
         </pc:picChg>
+      </pc:sldChg>
+    </pc:docChg>
+  </pc:docChgLst>
+  <pc:docChgLst>
+    <pc:chgData name="Eduardo Martín-Sonseca.Alonso" userId="044a8a39323ca9b2" providerId="Windows Live" clId="Web-{FF7F459F-C0C5-489C-9C21-CFBC7B56CB8A}"/>
+    <pc:docChg chg="addSld modSld addMainMaster delMainMaster">
+      <pc:chgData name="Eduardo Martín-Sonseca.Alonso" userId="044a8a39323ca9b2" providerId="Windows Live" clId="Web-{FF7F459F-C0C5-489C-9C21-CFBC7B56CB8A}" dt="2022-10-04T11:33:19.174" v="59" actId="14100"/>
+      <pc:docMkLst>
+        <pc:docMk/>
+      </pc:docMkLst>
+      <pc:sldChg chg="addSp delSp modSp mod modClrScheme delDesignElem chgLayout">
+        <pc:chgData name="Eduardo Martín-Sonseca.Alonso" userId="044a8a39323ca9b2" providerId="Windows Live" clId="Web-{FF7F459F-C0C5-489C-9C21-CFBC7B56CB8A}" dt="2022-10-04T11:32:21.469" v="49"/>
+        <pc:sldMkLst>
+          <pc:docMk/>
+          <pc:sldMk cId="1479924629" sldId="258"/>
+        </pc:sldMkLst>
+        <pc:spChg chg="mod ord">
+          <ac:chgData name="Eduardo Martín-Sonseca.Alonso" userId="044a8a39323ca9b2" providerId="Windows Live" clId="Web-{FF7F459F-C0C5-489C-9C21-CFBC7B56CB8A}" dt="2022-10-04T11:32:21.469" v="49"/>
+          <ac:spMkLst>
+            <pc:docMk/>
+            <pc:sldMk cId="1479924629" sldId="258"/>
+            <ac:spMk id="6" creationId="{FFE44297-5AAD-CA6F-4064-C2621A1C9AF8}"/>
+          </ac:spMkLst>
+        </pc:spChg>
+        <pc:spChg chg="add del">
+          <ac:chgData name="Eduardo Martín-Sonseca.Alonso" userId="044a8a39323ca9b2" providerId="Windows Live" clId="Web-{FF7F459F-C0C5-489C-9C21-CFBC7B56CB8A}" dt="2022-10-04T11:32:21.469" v="49"/>
+          <ac:spMkLst>
+            <pc:docMk/>
+            <pc:sldMk cId="1479924629" sldId="258"/>
+            <ac:spMk id="64" creationId="{0671A8AE-40A1-4631-A6B8-581AFF065482}"/>
+          </ac:spMkLst>
+        </pc:spChg>
+        <pc:spChg chg="add del">
+          <ac:chgData name="Eduardo Martín-Sonseca.Alonso" userId="044a8a39323ca9b2" providerId="Windows Live" clId="Web-{FF7F459F-C0C5-489C-9C21-CFBC7B56CB8A}" dt="2022-10-04T11:32:21.469" v="49"/>
+          <ac:spMkLst>
+            <pc:docMk/>
+            <pc:sldMk cId="1479924629" sldId="258"/>
+            <ac:spMk id="65" creationId="{AB58EF07-17C2-48CF-ABB0-EEF1F17CB8F0}"/>
+          </ac:spMkLst>
+        </pc:spChg>
+        <pc:spChg chg="add del">
+          <ac:chgData name="Eduardo Martín-Sonseca.Alonso" userId="044a8a39323ca9b2" providerId="Windows Live" clId="Web-{FF7F459F-C0C5-489C-9C21-CFBC7B56CB8A}" dt="2022-10-04T11:32:21.469" v="49"/>
+          <ac:spMkLst>
+            <pc:docMk/>
+            <pc:sldMk cId="1479924629" sldId="258"/>
+            <ac:spMk id="66" creationId="{AF2F604E-43BE-4DC3-B983-E071523364F8}"/>
+          </ac:spMkLst>
+        </pc:spChg>
+        <pc:spChg chg="add del">
+          <ac:chgData name="Eduardo Martín-Sonseca.Alonso" userId="044a8a39323ca9b2" providerId="Windows Live" clId="Web-{FF7F459F-C0C5-489C-9C21-CFBC7B56CB8A}" dt="2022-10-04T11:32:21.469" v="49"/>
+          <ac:spMkLst>
+            <pc:docMk/>
+            <pc:sldMk cId="1479924629" sldId="258"/>
+            <ac:spMk id="67" creationId="{08C9B587-E65E-4B52-B37C-ABEBB6E87928}"/>
+          </ac:spMkLst>
+        </pc:spChg>
+      </pc:sldChg>
+      <pc:sldChg chg="addSp delSp modSp mod modClrScheme delDesignElem chgLayout">
+        <pc:chgData name="Eduardo Martín-Sonseca.Alonso" userId="044a8a39323ca9b2" providerId="Windows Live" clId="Web-{FF7F459F-C0C5-489C-9C21-CFBC7B56CB8A}" dt="2022-10-04T11:32:21.469" v="49"/>
+        <pc:sldMkLst>
+          <pc:docMk/>
+          <pc:sldMk cId="992274193" sldId="259"/>
+        </pc:sldMkLst>
+        <pc:spChg chg="mod ord">
+          <ac:chgData name="Eduardo Martín-Sonseca.Alonso" userId="044a8a39323ca9b2" providerId="Windows Live" clId="Web-{FF7F459F-C0C5-489C-9C21-CFBC7B56CB8A}" dt="2022-10-04T11:32:21.469" v="49"/>
+          <ac:spMkLst>
+            <pc:docMk/>
+            <pc:sldMk cId="992274193" sldId="259"/>
+            <ac:spMk id="2" creationId="{628FDEE3-6B92-DAEF-19AC-BCA134854A22}"/>
+          </ac:spMkLst>
+        </pc:spChg>
+        <pc:cxnChg chg="add del">
+          <ac:chgData name="Eduardo Martín-Sonseca.Alonso" userId="044a8a39323ca9b2" providerId="Windows Live" clId="Web-{FF7F459F-C0C5-489C-9C21-CFBC7B56CB8A}" dt="2022-10-04T11:32:21.469" v="49"/>
+          <ac:cxnSpMkLst>
+            <pc:docMk/>
+            <pc:sldMk cId="992274193" sldId="259"/>
+            <ac:cxnSpMk id="9" creationId="{A7F400EE-A8A5-48AF-B4D6-291B52C6F0B0}"/>
+          </ac:cxnSpMkLst>
+        </pc:cxnChg>
+      </pc:sldChg>
+      <pc:sldChg chg="addSp delSp modSp mod modClrScheme addAnim setClrOvrMap delDesignElem chgLayout">
+        <pc:chgData name="Eduardo Martín-Sonseca.Alonso" userId="044a8a39323ca9b2" providerId="Windows Live" clId="Web-{FF7F459F-C0C5-489C-9C21-CFBC7B56CB8A}" dt="2022-10-04T11:32:21.469" v="49"/>
+        <pc:sldMkLst>
+          <pc:docMk/>
+          <pc:sldMk cId="3613378253" sldId="260"/>
+        </pc:sldMkLst>
+        <pc:spChg chg="mod ord">
+          <ac:chgData name="Eduardo Martín-Sonseca.Alonso" userId="044a8a39323ca9b2" providerId="Windows Live" clId="Web-{FF7F459F-C0C5-489C-9C21-CFBC7B56CB8A}" dt="2022-10-04T11:32:21.469" v="49"/>
+          <ac:spMkLst>
+            <pc:docMk/>
+            <pc:sldMk cId="3613378253" sldId="260"/>
+            <ac:spMk id="2" creationId="{4AFA984B-9B6C-188A-245A-53C0CE93CEFC}"/>
+          </ac:spMkLst>
+        </pc:spChg>
+        <pc:spChg chg="mod ord">
+          <ac:chgData name="Eduardo Martín-Sonseca.Alonso" userId="044a8a39323ca9b2" providerId="Windows Live" clId="Web-{FF7F459F-C0C5-489C-9C21-CFBC7B56CB8A}" dt="2022-10-04T11:32:21.469" v="49"/>
+          <ac:spMkLst>
+            <pc:docMk/>
+            <pc:sldMk cId="3613378253" sldId="260"/>
+            <ac:spMk id="3" creationId="{0B689B0C-0352-F4BE-7C0D-2367A8469F10}"/>
+          </ac:spMkLst>
+        </pc:spChg>
+        <pc:spChg chg="add del mod">
+          <ac:chgData name="Eduardo Martín-Sonseca.Alonso" userId="044a8a39323ca9b2" providerId="Windows Live" clId="Web-{FF7F459F-C0C5-489C-9C21-CFBC7B56CB8A}" dt="2022-10-04T11:28:12.243" v="24"/>
+          <ac:spMkLst>
+            <pc:docMk/>
+            <pc:sldMk cId="3613378253" sldId="260"/>
+            <ac:spMk id="4" creationId="{CBF0323E-98F4-604C-6B4D-944BFA69AE10}"/>
+          </ac:spMkLst>
+        </pc:spChg>
+        <pc:spChg chg="add mod">
+          <ac:chgData name="Eduardo Martín-Sonseca.Alonso" userId="044a8a39323ca9b2" providerId="Windows Live" clId="Web-{FF7F459F-C0C5-489C-9C21-CFBC7B56CB8A}" dt="2022-10-04T11:28:42.931" v="29" actId="14100"/>
+          <ac:spMkLst>
+            <pc:docMk/>
+            <pc:sldMk cId="3613378253" sldId="260"/>
+            <ac:spMk id="7" creationId="{2D45CEAC-93C7-0627-350D-E3CBBE52B83F}"/>
+          </ac:spMkLst>
+        </pc:spChg>
+        <pc:spChg chg="del">
+          <ac:chgData name="Eduardo Martín-Sonseca.Alonso" userId="044a8a39323ca9b2" providerId="Windows Live" clId="Web-{FF7F459F-C0C5-489C-9C21-CFBC7B56CB8A}" dt="2022-10-04T11:27:18.882" v="14"/>
+          <ac:spMkLst>
+            <pc:docMk/>
+            <pc:sldMk cId="3613378253" sldId="260"/>
+            <ac:spMk id="9" creationId="{9AA72BD9-2C5A-4EDC-931F-5AA08EACA0F3}"/>
+          </ac:spMkLst>
+        </pc:spChg>
+        <pc:spChg chg="add">
+          <ac:chgData name="Eduardo Martín-Sonseca.Alonso" userId="044a8a39323ca9b2" providerId="Windows Live" clId="Web-{FF7F459F-C0C5-489C-9C21-CFBC7B56CB8A}" dt="2022-10-04T11:29:54.449" v="31"/>
+          <ac:spMkLst>
+            <pc:docMk/>
+            <pc:sldMk cId="3613378253" sldId="260"/>
+            <ac:spMk id="10" creationId="{A793CD3C-BE55-4407-783B-C4B04D1C50A5}"/>
+          </ac:spMkLst>
+        </pc:spChg>
+        <pc:spChg chg="del">
+          <ac:chgData name="Eduardo Martín-Sonseca.Alonso" userId="044a8a39323ca9b2" providerId="Windows Live" clId="Web-{FF7F459F-C0C5-489C-9C21-CFBC7B56CB8A}" dt="2022-10-04T11:27:18.882" v="14"/>
+          <ac:spMkLst>
+            <pc:docMk/>
+            <pc:sldMk cId="3613378253" sldId="260"/>
+            <ac:spMk id="11" creationId="{DD3981AC-7B61-4947-BCF3-F7AA7FA385B9}"/>
+          </ac:spMkLst>
+        </pc:spChg>
+        <pc:spChg chg="add del mod">
+          <ac:chgData name="Eduardo Martín-Sonseca.Alonso" userId="044a8a39323ca9b2" providerId="Windows Live" clId="Web-{FF7F459F-C0C5-489C-9C21-CFBC7B56CB8A}" dt="2022-10-04T11:28:50.134" v="30" actId="14100"/>
+          <ac:spMkLst>
+            <pc:docMk/>
+            <pc:sldMk cId="3613378253" sldId="260"/>
+            <ac:spMk id="12" creationId="{76275126-45BA-6A76-5623-AF9CD62282F8}"/>
+          </ac:spMkLst>
+        </pc:spChg>
+        <pc:spChg chg="del">
+          <ac:chgData name="Eduardo Martín-Sonseca.Alonso" userId="044a8a39323ca9b2" providerId="Windows Live" clId="Web-{FF7F459F-C0C5-489C-9C21-CFBC7B56CB8A}" dt="2022-10-04T11:27:18.882" v="14"/>
+          <ac:spMkLst>
+            <pc:docMk/>
+            <pc:sldMk cId="3613378253" sldId="260"/>
+            <ac:spMk id="13" creationId="{55D4142C-5077-457F-A6AD-3FECFDB39685}"/>
+          </ac:spMkLst>
+        </pc:spChg>
+        <pc:spChg chg="add del">
+          <ac:chgData name="Eduardo Martín-Sonseca.Alonso" userId="044a8a39323ca9b2" providerId="Windows Live" clId="Web-{FF7F459F-C0C5-489C-9C21-CFBC7B56CB8A}" dt="2022-10-04T11:27:10.397" v="13"/>
+          <ac:spMkLst>
+            <pc:docMk/>
+            <pc:sldMk cId="3613378253" sldId="260"/>
+            <ac:spMk id="14" creationId="{406D5093-AC3A-9236-0CCE-F99A15DD90EE}"/>
+          </ac:spMkLst>
+        </pc:spChg>
+        <pc:spChg chg="del">
+          <ac:chgData name="Eduardo Martín-Sonseca.Alonso" userId="044a8a39323ca9b2" providerId="Windows Live" clId="Web-{FF7F459F-C0C5-489C-9C21-CFBC7B56CB8A}" dt="2022-10-04T11:27:18.882" v="14"/>
+          <ac:spMkLst>
+            <pc:docMk/>
+            <pc:sldMk cId="3613378253" sldId="260"/>
+            <ac:spMk id="15" creationId="{7A5F0580-5EE9-419F-96EE-B6529EF6E7D0}"/>
+          </ac:spMkLst>
+        </pc:spChg>
+        <pc:spChg chg="add del">
+          <ac:chgData name="Eduardo Martín-Sonseca.Alonso" userId="044a8a39323ca9b2" providerId="Windows Live" clId="Web-{FF7F459F-C0C5-489C-9C21-CFBC7B56CB8A}" dt="2022-10-04T11:32:21.469" v="49"/>
+          <ac:spMkLst>
+            <pc:docMk/>
+            <pc:sldMk cId="3613378253" sldId="260"/>
+            <ac:spMk id="20" creationId="{4C608BEB-860E-4094-8511-78603564A75E}"/>
+          </ac:spMkLst>
+        </pc:spChg>
+        <pc:picChg chg="del">
+          <ac:chgData name="Eduardo Martín-Sonseca.Alonso" userId="044a8a39323ca9b2" providerId="Windows Live" clId="Web-{FF7F459F-C0C5-489C-9C21-CFBC7B56CB8A}" dt="2022-10-04T11:26:49.896" v="6"/>
+          <ac:picMkLst>
+            <pc:docMk/>
+            <pc:sldMk cId="3613378253" sldId="260"/>
+            <ac:picMk id="6" creationId="{5796F568-A919-5CD1-743C-7ED9D36AB8D1}"/>
+          </ac:picMkLst>
+        </pc:picChg>
+        <pc:cxnChg chg="add del">
+          <ac:chgData name="Eduardo Martín-Sonseca.Alonso" userId="044a8a39323ca9b2" providerId="Windows Live" clId="Web-{FF7F459F-C0C5-489C-9C21-CFBC7B56CB8A}" dt="2022-10-04T11:32:21.469" v="49"/>
+          <ac:cxnSpMkLst>
+            <pc:docMk/>
+            <pc:sldMk cId="3613378253" sldId="260"/>
+            <ac:cxnSpMk id="22" creationId="{1F16A8D4-FE87-4604-88B2-394B5D1EB437}"/>
+          </ac:cxnSpMkLst>
+        </pc:cxnChg>
+      </pc:sldChg>
+      <pc:sldChg chg="addSp delSp modSp mod setBg modClrScheme addAnim delDesignElem chgLayout">
+        <pc:chgData name="Eduardo Martín-Sonseca.Alonso" userId="044a8a39323ca9b2" providerId="Windows Live" clId="Web-{FF7F459F-C0C5-489C-9C21-CFBC7B56CB8A}" dt="2022-10-04T11:32:21.469" v="49"/>
+        <pc:sldMkLst>
+          <pc:docMk/>
+          <pc:sldMk cId="1106986487" sldId="261"/>
+        </pc:sldMkLst>
+        <pc:spChg chg="mod ord">
+          <ac:chgData name="Eduardo Martín-Sonseca.Alonso" userId="044a8a39323ca9b2" providerId="Windows Live" clId="Web-{FF7F459F-C0C5-489C-9C21-CFBC7B56CB8A}" dt="2022-10-04T11:32:21.469" v="49"/>
+          <ac:spMkLst>
+            <pc:docMk/>
+            <pc:sldMk cId="1106986487" sldId="261"/>
+            <ac:spMk id="2" creationId="{71AEC653-CF21-4A83-8228-4AB13A9E6A67}"/>
+          </ac:spMkLst>
+        </pc:spChg>
+        <pc:spChg chg="mod ord">
+          <ac:chgData name="Eduardo Martín-Sonseca.Alonso" userId="044a8a39323ca9b2" providerId="Windows Live" clId="Web-{FF7F459F-C0C5-489C-9C21-CFBC7B56CB8A}" dt="2022-10-04T11:32:21.469" v="49"/>
+          <ac:spMkLst>
+            <pc:docMk/>
+            <pc:sldMk cId="1106986487" sldId="261"/>
+            <ac:spMk id="3" creationId="{FDA276B4-AFA8-445E-BF46-D797C1B3F0B0}"/>
+          </ac:spMkLst>
+        </pc:spChg>
+        <pc:spChg chg="add mod">
+          <ac:chgData name="Eduardo Martín-Sonseca.Alonso" userId="044a8a39323ca9b2" providerId="Windows Live" clId="Web-{FF7F459F-C0C5-489C-9C21-CFBC7B56CB8A}" dt="2022-10-04T11:30:17.981" v="36" actId="20577"/>
+          <ac:spMkLst>
+            <pc:docMk/>
+            <pc:sldMk cId="1106986487" sldId="261"/>
+            <ac:spMk id="6" creationId="{22E9BD6E-B7AB-7C53-4EB4-0ACEDFFA89B2}"/>
+          </ac:spMkLst>
+        </pc:spChg>
+        <pc:spChg chg="add del">
+          <ac:chgData name="Eduardo Martín-Sonseca.Alonso" userId="044a8a39323ca9b2" providerId="Windows Live" clId="Web-{FF7F459F-C0C5-489C-9C21-CFBC7B56CB8A}" dt="2022-10-04T11:32:21.469" v="49"/>
+          <ac:spMkLst>
+            <pc:docMk/>
+            <pc:sldMk cId="1106986487" sldId="261"/>
+            <ac:spMk id="14" creationId="{F13C74B1-5B17-4795-BED0-7140497B445A}"/>
+          </ac:spMkLst>
+        </pc:spChg>
+        <pc:spChg chg="add del">
+          <ac:chgData name="Eduardo Martín-Sonseca.Alonso" userId="044a8a39323ca9b2" providerId="Windows Live" clId="Web-{FF7F459F-C0C5-489C-9C21-CFBC7B56CB8A}" dt="2022-10-04T11:32:21.469" v="49"/>
+          <ac:spMkLst>
+            <pc:docMk/>
+            <pc:sldMk cId="1106986487" sldId="261"/>
+            <ac:spMk id="16" creationId="{D4974D33-8DC5-464E-8C6D-BE58F0669C17}"/>
+          </ac:spMkLst>
+        </pc:spChg>
+        <pc:picChg chg="add mod">
+          <ac:chgData name="Eduardo Martín-Sonseca.Alonso" userId="044a8a39323ca9b2" providerId="Windows Live" clId="Web-{FF7F459F-C0C5-489C-9C21-CFBC7B56CB8A}" dt="2022-10-04T11:26:30.474" v="4"/>
+          <ac:picMkLst>
+            <pc:docMk/>
+            <pc:sldMk cId="1106986487" sldId="261"/>
+            <ac:picMk id="5" creationId="{21B6396A-5947-91FB-1762-0DA1EB72CEC5}"/>
+          </ac:picMkLst>
+        </pc:picChg>
+        <pc:cxnChg chg="add del">
+          <ac:chgData name="Eduardo Martín-Sonseca.Alonso" userId="044a8a39323ca9b2" providerId="Windows Live" clId="Web-{FF7F459F-C0C5-489C-9C21-CFBC7B56CB8A}" dt="2022-10-04T11:26:30.474" v="4"/>
+          <ac:cxnSpMkLst>
+            <pc:docMk/>
+            <pc:sldMk cId="1106986487" sldId="261"/>
+            <ac:cxnSpMk id="9" creationId="{A7F400EE-A8A5-48AF-B4D6-291B52C6F0B0}"/>
+          </ac:cxnSpMkLst>
+        </pc:cxnChg>
+      </pc:sldChg>
+      <pc:sldChg chg="addSp delSp modSp mod setBg modClrScheme addAnim delDesignElem chgLayout">
+        <pc:chgData name="Eduardo Martín-Sonseca.Alonso" userId="044a8a39323ca9b2" providerId="Windows Live" clId="Web-{FF7F459F-C0C5-489C-9C21-CFBC7B56CB8A}" dt="2022-10-04T11:32:21.469" v="49"/>
+        <pc:sldMkLst>
+          <pc:docMk/>
+          <pc:sldMk cId="1015946967" sldId="262"/>
+        </pc:sldMkLst>
+        <pc:spChg chg="mod ord">
+          <ac:chgData name="Eduardo Martín-Sonseca.Alonso" userId="044a8a39323ca9b2" providerId="Windows Live" clId="Web-{FF7F459F-C0C5-489C-9C21-CFBC7B56CB8A}" dt="2022-10-04T11:32:21.469" v="49"/>
+          <ac:spMkLst>
+            <pc:docMk/>
+            <pc:sldMk cId="1015946967" sldId="262"/>
+            <ac:spMk id="2" creationId="{EEFFF1FB-241B-4CF4-A2C7-CFE2DA1A9AD1}"/>
+          </ac:spMkLst>
+        </pc:spChg>
+        <pc:spChg chg="mod">
+          <ac:chgData name="Eduardo Martín-Sonseca.Alonso" userId="044a8a39323ca9b2" providerId="Windows Live" clId="Web-{FF7F459F-C0C5-489C-9C21-CFBC7B56CB8A}" dt="2022-10-04T11:25:24.394" v="1"/>
+          <ac:spMkLst>
+            <pc:docMk/>
+            <pc:sldMk cId="1015946967" sldId="262"/>
+            <ac:spMk id="4" creationId="{547BDE46-D058-433A-9BA3-B8680CF7D8BA}"/>
+          </ac:spMkLst>
+        </pc:spChg>
+        <pc:spChg chg="add mod">
+          <ac:chgData name="Eduardo Martín-Sonseca.Alonso" userId="044a8a39323ca9b2" providerId="Windows Live" clId="Web-{FF7F459F-C0C5-489C-9C21-CFBC7B56CB8A}" dt="2022-10-04T11:31:08.717" v="41" actId="20577"/>
+          <ac:spMkLst>
+            <pc:docMk/>
+            <pc:sldMk cId="1015946967" sldId="262"/>
+            <ac:spMk id="5" creationId="{2F231072-B2C6-E633-9900-F8FF8ECC359A}"/>
+          </ac:spMkLst>
+        </pc:spChg>
+        <pc:spChg chg="add del">
+          <ac:chgData name="Eduardo Martín-Sonseca.Alonso" userId="044a8a39323ca9b2" providerId="Windows Live" clId="Web-{FF7F459F-C0C5-489C-9C21-CFBC7B56CB8A}" dt="2022-10-04T11:32:21.469" v="49"/>
+          <ac:spMkLst>
+            <pc:docMk/>
+            <pc:sldMk cId="1015946967" sldId="262"/>
+            <ac:spMk id="10" creationId="{F13C74B1-5B17-4795-BED0-7140497B445A}"/>
+          </ac:spMkLst>
+        </pc:spChg>
+        <pc:spChg chg="add del">
+          <ac:chgData name="Eduardo Martín-Sonseca.Alonso" userId="044a8a39323ca9b2" providerId="Windows Live" clId="Web-{FF7F459F-C0C5-489C-9C21-CFBC7B56CB8A}" dt="2022-10-04T11:32:21.469" v="49"/>
+          <ac:spMkLst>
+            <pc:docMk/>
+            <pc:sldMk cId="1015946967" sldId="262"/>
+            <ac:spMk id="12" creationId="{D4974D33-8DC5-464E-8C6D-BE58F0669C17}"/>
+          </ac:spMkLst>
+        </pc:spChg>
+        <pc:picChg chg="add">
+          <ac:chgData name="Eduardo Martín-Sonseca.Alonso" userId="044a8a39323ca9b2" providerId="Windows Live" clId="Web-{FF7F459F-C0C5-489C-9C21-CFBC7B56CB8A}" dt="2022-10-04T11:25:24.394" v="1"/>
+          <ac:picMkLst>
+            <pc:docMk/>
+            <pc:sldMk cId="1015946967" sldId="262"/>
+            <ac:picMk id="6" creationId="{79AA5A64-38BA-1418-E9EA-6EB7A8A88E30}"/>
+          </ac:picMkLst>
+        </pc:picChg>
+      </pc:sldChg>
+      <pc:sldChg chg="addSp delSp modSp mod setBg modClrScheme addAnim delAnim delDesignElem chgLayout">
+        <pc:chgData name="Eduardo Martín-Sonseca.Alonso" userId="044a8a39323ca9b2" providerId="Windows Live" clId="Web-{FF7F459F-C0C5-489C-9C21-CFBC7B56CB8A}" dt="2022-10-04T11:32:21.469" v="49"/>
+        <pc:sldMkLst>
+          <pc:docMk/>
+          <pc:sldMk cId="3858405899" sldId="263"/>
+        </pc:sldMkLst>
+        <pc:spChg chg="mod ord">
+          <ac:chgData name="Eduardo Martín-Sonseca.Alonso" userId="044a8a39323ca9b2" providerId="Windows Live" clId="Web-{FF7F459F-C0C5-489C-9C21-CFBC7B56CB8A}" dt="2022-10-04T11:32:21.469" v="49"/>
+          <ac:spMkLst>
+            <pc:docMk/>
+            <pc:sldMk cId="3858405899" sldId="263"/>
+            <ac:spMk id="2" creationId="{0CD28B4F-CA59-40E4-9706-0BB2A315AE0A}"/>
+          </ac:spMkLst>
+        </pc:spChg>
+        <pc:spChg chg="mod">
+          <ac:chgData name="Eduardo Martín-Sonseca.Alonso" userId="044a8a39323ca9b2" providerId="Windows Live" clId="Web-{FF7F459F-C0C5-489C-9C21-CFBC7B56CB8A}" dt="2022-10-04T11:25:34.191" v="2"/>
+          <ac:spMkLst>
+            <pc:docMk/>
+            <pc:sldMk cId="3858405899" sldId="263"/>
+            <ac:spMk id="4" creationId="{A779A601-EB60-48FD-93E8-41E0FF30C6FB}"/>
+          </ac:spMkLst>
+        </pc:spChg>
+        <pc:spChg chg="add mod">
+          <ac:chgData name="Eduardo Martín-Sonseca.Alonso" userId="044a8a39323ca9b2" providerId="Windows Live" clId="Web-{FF7F459F-C0C5-489C-9C21-CFBC7B56CB8A}" dt="2022-10-04T11:31:24.905" v="43" actId="20577"/>
+          <ac:spMkLst>
+            <pc:docMk/>
+            <pc:sldMk cId="3858405899" sldId="263"/>
+            <ac:spMk id="5" creationId="{4EC31237-2825-272C-F90A-1D1E8B2AA3C2}"/>
+          </ac:spMkLst>
+        </pc:spChg>
+        <pc:spChg chg="add del mod">
+          <ac:chgData name="Eduardo Martín-Sonseca.Alonso" userId="044a8a39323ca9b2" providerId="Windows Live" clId="Web-{FF7F459F-C0C5-489C-9C21-CFBC7B56CB8A}" dt="2022-10-04T11:31:18.998" v="42"/>
+          <ac:spMkLst>
+            <pc:docMk/>
+            <pc:sldMk cId="3858405899" sldId="263"/>
+            <ac:spMk id="8" creationId="{DA4D4A62-D537-3B3D-2E0F-B58A8657ABD3}"/>
+          </ac:spMkLst>
+        </pc:spChg>
+        <pc:spChg chg="add del">
+          <ac:chgData name="Eduardo Martín-Sonseca.Alonso" userId="044a8a39323ca9b2" providerId="Windows Live" clId="Web-{FF7F459F-C0C5-489C-9C21-CFBC7B56CB8A}" dt="2022-10-04T11:32:21.469" v="49"/>
+          <ac:spMkLst>
+            <pc:docMk/>
+            <pc:sldMk cId="3858405899" sldId="263"/>
+            <ac:spMk id="10" creationId="{F13C74B1-5B17-4795-BED0-7140497B445A}"/>
+          </ac:spMkLst>
+        </pc:spChg>
+        <pc:spChg chg="add del">
+          <ac:chgData name="Eduardo Martín-Sonseca.Alonso" userId="044a8a39323ca9b2" providerId="Windows Live" clId="Web-{FF7F459F-C0C5-489C-9C21-CFBC7B56CB8A}" dt="2022-10-04T11:32:21.469" v="49"/>
+          <ac:spMkLst>
+            <pc:docMk/>
+            <pc:sldMk cId="3858405899" sldId="263"/>
+            <ac:spMk id="12" creationId="{D4974D33-8DC5-464E-8C6D-BE58F0669C17}"/>
+          </ac:spMkLst>
+        </pc:spChg>
+        <pc:picChg chg="add">
+          <ac:chgData name="Eduardo Martín-Sonseca.Alonso" userId="044a8a39323ca9b2" providerId="Windows Live" clId="Web-{FF7F459F-C0C5-489C-9C21-CFBC7B56CB8A}" dt="2022-10-04T11:25:34.191" v="2"/>
+          <ac:picMkLst>
+            <pc:docMk/>
+            <pc:sldMk cId="3858405899" sldId="263"/>
+            <ac:picMk id="6" creationId="{C263EEF0-96AD-EB64-177B-B07104601C26}"/>
+          </ac:picMkLst>
+        </pc:picChg>
+      </pc:sldChg>
+      <pc:sldChg chg="addSp delSp modSp mod setBg modClrScheme addAnim delDesignElem chgLayout">
+        <pc:chgData name="Eduardo Martín-Sonseca.Alonso" userId="044a8a39323ca9b2" providerId="Windows Live" clId="Web-{FF7F459F-C0C5-489C-9C21-CFBC7B56CB8A}" dt="2022-10-04T11:32:21.469" v="49"/>
+        <pc:sldMkLst>
+          <pc:docMk/>
+          <pc:sldMk cId="3580276719" sldId="264"/>
+        </pc:sldMkLst>
+        <pc:spChg chg="mod ord">
+          <ac:chgData name="Eduardo Martín-Sonseca.Alonso" userId="044a8a39323ca9b2" providerId="Windows Live" clId="Web-{FF7F459F-C0C5-489C-9C21-CFBC7B56CB8A}" dt="2022-10-04T11:32:21.469" v="49"/>
+          <ac:spMkLst>
+            <pc:docMk/>
+            <pc:sldMk cId="3580276719" sldId="264"/>
+            <ac:spMk id="2" creationId="{8BC7EFD9-5CAF-431F-A9FF-09DE566F3543}"/>
+          </ac:spMkLst>
+        </pc:spChg>
+        <pc:spChg chg="mod ord">
+          <ac:chgData name="Eduardo Martín-Sonseca.Alonso" userId="044a8a39323ca9b2" providerId="Windows Live" clId="Web-{FF7F459F-C0C5-489C-9C21-CFBC7B56CB8A}" dt="2022-10-04T11:32:21.469" v="49"/>
+          <ac:spMkLst>
+            <pc:docMk/>
+            <pc:sldMk cId="3580276719" sldId="264"/>
+            <ac:spMk id="3" creationId="{29A8ECE2-FE08-4C93-9877-2C065094BC53}"/>
+          </ac:spMkLst>
+        </pc:spChg>
+        <pc:spChg chg="add mod">
+          <ac:chgData name="Eduardo Martín-Sonseca.Alonso" userId="044a8a39323ca9b2" providerId="Windows Live" clId="Web-{FF7F459F-C0C5-489C-9C21-CFBC7B56CB8A}" dt="2022-10-04T11:30:35.716" v="37" actId="20577"/>
+          <ac:spMkLst>
+            <pc:docMk/>
+            <pc:sldMk cId="3580276719" sldId="264"/>
+            <ac:spMk id="6" creationId="{B874E851-3741-DC66-BAFA-79EB38E71B4C}"/>
+          </ac:spMkLst>
+        </pc:spChg>
+        <pc:spChg chg="add del">
+          <ac:chgData name="Eduardo Martín-Sonseca.Alonso" userId="044a8a39323ca9b2" providerId="Windows Live" clId="Web-{FF7F459F-C0C5-489C-9C21-CFBC7B56CB8A}" dt="2022-10-04T11:26:36.099" v="5"/>
+          <ac:spMkLst>
+            <pc:docMk/>
+            <pc:sldMk cId="3580276719" sldId="264"/>
+            <ac:spMk id="9" creationId="{E10650BA-D090-4A23-98E3-B48BBAEA9201}"/>
+          </ac:spMkLst>
+        </pc:spChg>
+        <pc:spChg chg="add del">
+          <ac:chgData name="Eduardo Martín-Sonseca.Alonso" userId="044a8a39323ca9b2" providerId="Windows Live" clId="Web-{FF7F459F-C0C5-489C-9C21-CFBC7B56CB8A}" dt="2022-10-04T11:32:21.469" v="49"/>
+          <ac:spMkLst>
+            <pc:docMk/>
+            <pc:sldMk cId="3580276719" sldId="264"/>
+            <ac:spMk id="21" creationId="{F13C74B1-5B17-4795-BED0-7140497B445A}"/>
+          </ac:spMkLst>
+        </pc:spChg>
+        <pc:spChg chg="add del">
+          <ac:chgData name="Eduardo Martín-Sonseca.Alonso" userId="044a8a39323ca9b2" providerId="Windows Live" clId="Web-{FF7F459F-C0C5-489C-9C21-CFBC7B56CB8A}" dt="2022-10-04T11:32:21.469" v="49"/>
+          <ac:spMkLst>
+            <pc:docMk/>
+            <pc:sldMk cId="3580276719" sldId="264"/>
+            <ac:spMk id="23" creationId="{D4974D33-8DC5-464E-8C6D-BE58F0669C17}"/>
+          </ac:spMkLst>
+        </pc:spChg>
+        <pc:grpChg chg="add del">
+          <ac:chgData name="Eduardo Martín-Sonseca.Alonso" userId="044a8a39323ca9b2" providerId="Windows Live" clId="Web-{FF7F459F-C0C5-489C-9C21-CFBC7B56CB8A}" dt="2022-10-04T11:26:36.099" v="5"/>
+          <ac:grpSpMkLst>
+            <pc:docMk/>
+            <pc:sldMk cId="3580276719" sldId="264"/>
+            <ac:grpSpMk id="11" creationId="{FFB939B9-73CE-4644-87BB-72AEBF001142}"/>
+          </ac:grpSpMkLst>
+        </pc:grpChg>
+        <pc:picChg chg="add mod ord">
+          <ac:chgData name="Eduardo Martín-Sonseca.Alonso" userId="044a8a39323ca9b2" providerId="Windows Live" clId="Web-{FF7F459F-C0C5-489C-9C21-CFBC7B56CB8A}" dt="2022-10-04T11:26:36.099" v="5"/>
+          <ac:picMkLst>
+            <pc:docMk/>
+            <pc:sldMk cId="3580276719" sldId="264"/>
+            <ac:picMk id="5" creationId="{5331785D-2CFF-B332-5634-22F0E76967B1}"/>
+          </ac:picMkLst>
+        </pc:picChg>
+      </pc:sldChg>
+      <pc:sldChg chg="modSp new">
+        <pc:chgData name="Eduardo Martín-Sonseca.Alonso" userId="044a8a39323ca9b2" providerId="Windows Live" clId="Web-{FF7F459F-C0C5-489C-9C21-CFBC7B56CB8A}" dt="2022-10-04T11:33:19.174" v="59" actId="14100"/>
+        <pc:sldMkLst>
+          <pc:docMk/>
+          <pc:sldMk cId="4137332662" sldId="265"/>
+        </pc:sldMkLst>
+        <pc:spChg chg="mod">
+          <ac:chgData name="Eduardo Martín-Sonseca.Alonso" userId="044a8a39323ca9b2" providerId="Windows Live" clId="Web-{FF7F459F-C0C5-489C-9C21-CFBC7B56CB8A}" dt="2022-10-04T11:33:12.486" v="58" actId="20577"/>
+          <ac:spMkLst>
+            <pc:docMk/>
+            <pc:sldMk cId="4137332662" sldId="265"/>
+            <ac:spMk id="2" creationId="{2A7DC3FE-66EB-750C-3214-9159D346F772}"/>
+          </ac:spMkLst>
+        </pc:spChg>
+        <pc:spChg chg="mod">
+          <ac:chgData name="Eduardo Martín-Sonseca.Alonso" userId="044a8a39323ca9b2" providerId="Windows Live" clId="Web-{FF7F459F-C0C5-489C-9C21-CFBC7B56CB8A}" dt="2022-10-04T11:33:19.174" v="59" actId="14100"/>
+          <ac:spMkLst>
+            <pc:docMk/>
+            <pc:sldMk cId="4137332662" sldId="265"/>
+            <ac:spMk id="3" creationId="{E7DB1CBC-1C7A-9ED6-3A0E-B1FBBE84F9DB}"/>
+          </ac:spMkLst>
+        </pc:spChg>
+      </pc:sldChg>
+      <pc:sldMasterChg chg="add del addSldLayout delSldLayout">
+        <pc:chgData name="Eduardo Martín-Sonseca.Alonso" userId="044a8a39323ca9b2" providerId="Windows Live" clId="Web-{FF7F459F-C0C5-489C-9C21-CFBC7B56CB8A}" dt="2022-10-04T11:32:21.469" v="49"/>
+        <pc:sldMasterMkLst>
+          <pc:docMk/>
+          <pc:sldMasterMk cId="1205917560" sldId="2147483788"/>
+        </pc:sldMasterMkLst>
+        <pc:sldLayoutChg chg="add del">
+          <pc:chgData name="Eduardo Martín-Sonseca.Alonso" userId="044a8a39323ca9b2" providerId="Windows Live" clId="Web-{FF7F459F-C0C5-489C-9C21-CFBC7B56CB8A}" dt="2022-10-04T11:32:21.469" v="49"/>
+          <pc:sldLayoutMkLst>
+            <pc:docMk/>
+            <pc:sldMasterMk cId="1205917560" sldId="2147483788"/>
+            <pc:sldLayoutMk cId="3012381462" sldId="2147483789"/>
+          </pc:sldLayoutMkLst>
+        </pc:sldLayoutChg>
+        <pc:sldLayoutChg chg="add del">
+          <pc:chgData name="Eduardo Martín-Sonseca.Alonso" userId="044a8a39323ca9b2" providerId="Windows Live" clId="Web-{FF7F459F-C0C5-489C-9C21-CFBC7B56CB8A}" dt="2022-10-04T11:32:21.469" v="49"/>
+          <pc:sldLayoutMkLst>
+            <pc:docMk/>
+            <pc:sldMasterMk cId="1205917560" sldId="2147483788"/>
+            <pc:sldLayoutMk cId="357021676" sldId="2147483790"/>
+          </pc:sldLayoutMkLst>
+        </pc:sldLayoutChg>
+        <pc:sldLayoutChg chg="add del">
+          <pc:chgData name="Eduardo Martín-Sonseca.Alonso" userId="044a8a39323ca9b2" providerId="Windows Live" clId="Web-{FF7F459F-C0C5-489C-9C21-CFBC7B56CB8A}" dt="2022-10-04T11:32:21.469" v="49"/>
+          <pc:sldLayoutMkLst>
+            <pc:docMk/>
+            <pc:sldMasterMk cId="1205917560" sldId="2147483788"/>
+            <pc:sldLayoutMk cId="4104304197" sldId="2147483791"/>
+          </pc:sldLayoutMkLst>
+        </pc:sldLayoutChg>
+        <pc:sldLayoutChg chg="add del">
+          <pc:chgData name="Eduardo Martín-Sonseca.Alonso" userId="044a8a39323ca9b2" providerId="Windows Live" clId="Web-{FF7F459F-C0C5-489C-9C21-CFBC7B56CB8A}" dt="2022-10-04T11:32:21.469" v="49"/>
+          <pc:sldLayoutMkLst>
+            <pc:docMk/>
+            <pc:sldMasterMk cId="1205917560" sldId="2147483788"/>
+            <pc:sldLayoutMk cId="2381794433" sldId="2147483792"/>
+          </pc:sldLayoutMkLst>
+        </pc:sldLayoutChg>
+        <pc:sldLayoutChg chg="add del">
+          <pc:chgData name="Eduardo Martín-Sonseca.Alonso" userId="044a8a39323ca9b2" providerId="Windows Live" clId="Web-{FF7F459F-C0C5-489C-9C21-CFBC7B56CB8A}" dt="2022-10-04T11:32:21.469" v="49"/>
+          <pc:sldLayoutMkLst>
+            <pc:docMk/>
+            <pc:sldMasterMk cId="1205917560" sldId="2147483788"/>
+            <pc:sldLayoutMk cId="2079659331" sldId="2147483793"/>
+          </pc:sldLayoutMkLst>
+        </pc:sldLayoutChg>
+        <pc:sldLayoutChg chg="add del">
+          <pc:chgData name="Eduardo Martín-Sonseca.Alonso" userId="044a8a39323ca9b2" providerId="Windows Live" clId="Web-{FF7F459F-C0C5-489C-9C21-CFBC7B56CB8A}" dt="2022-10-04T11:32:21.469" v="49"/>
+          <pc:sldLayoutMkLst>
+            <pc:docMk/>
+            <pc:sldMasterMk cId="1205917560" sldId="2147483788"/>
+            <pc:sldLayoutMk cId="3727211798" sldId="2147483794"/>
+          </pc:sldLayoutMkLst>
+        </pc:sldLayoutChg>
+        <pc:sldLayoutChg chg="add del">
+          <pc:chgData name="Eduardo Martín-Sonseca.Alonso" userId="044a8a39323ca9b2" providerId="Windows Live" clId="Web-{FF7F459F-C0C5-489C-9C21-CFBC7B56CB8A}" dt="2022-10-04T11:32:21.469" v="49"/>
+          <pc:sldLayoutMkLst>
+            <pc:docMk/>
+            <pc:sldMasterMk cId="1205917560" sldId="2147483788"/>
+            <pc:sldLayoutMk cId="3106048504" sldId="2147483795"/>
+          </pc:sldLayoutMkLst>
+        </pc:sldLayoutChg>
+        <pc:sldLayoutChg chg="add del">
+          <pc:chgData name="Eduardo Martín-Sonseca.Alonso" userId="044a8a39323ca9b2" providerId="Windows Live" clId="Web-{FF7F459F-C0C5-489C-9C21-CFBC7B56CB8A}" dt="2022-10-04T11:32:21.469" v="49"/>
+          <pc:sldLayoutMkLst>
+            <pc:docMk/>
+            <pc:sldMasterMk cId="1205917560" sldId="2147483788"/>
+            <pc:sldLayoutMk cId="1686705761" sldId="2147483796"/>
+          </pc:sldLayoutMkLst>
+        </pc:sldLayoutChg>
+        <pc:sldLayoutChg chg="add del">
+          <pc:chgData name="Eduardo Martín-Sonseca.Alonso" userId="044a8a39323ca9b2" providerId="Windows Live" clId="Web-{FF7F459F-C0C5-489C-9C21-CFBC7B56CB8A}" dt="2022-10-04T11:32:21.469" v="49"/>
+          <pc:sldLayoutMkLst>
+            <pc:docMk/>
+            <pc:sldMasterMk cId="1205917560" sldId="2147483788"/>
+            <pc:sldLayoutMk cId="3474598918" sldId="2147483797"/>
+          </pc:sldLayoutMkLst>
+        </pc:sldLayoutChg>
+        <pc:sldLayoutChg chg="add del">
+          <pc:chgData name="Eduardo Martín-Sonseca.Alonso" userId="044a8a39323ca9b2" providerId="Windows Live" clId="Web-{FF7F459F-C0C5-489C-9C21-CFBC7B56CB8A}" dt="2022-10-04T11:32:21.469" v="49"/>
+          <pc:sldLayoutMkLst>
+            <pc:docMk/>
+            <pc:sldMasterMk cId="1205917560" sldId="2147483788"/>
+            <pc:sldLayoutMk cId="1148505147" sldId="2147483798"/>
+          </pc:sldLayoutMkLst>
+        </pc:sldLayoutChg>
+        <pc:sldLayoutChg chg="add del">
+          <pc:chgData name="Eduardo Martín-Sonseca.Alonso" userId="044a8a39323ca9b2" providerId="Windows Live" clId="Web-{FF7F459F-C0C5-489C-9C21-CFBC7B56CB8A}" dt="2022-10-04T11:32:21.469" v="49"/>
+          <pc:sldLayoutMkLst>
+            <pc:docMk/>
+            <pc:sldMasterMk cId="1205917560" sldId="2147483788"/>
+            <pc:sldLayoutMk cId="473027413" sldId="2147483799"/>
+          </pc:sldLayoutMkLst>
+        </pc:sldLayoutChg>
+      </pc:sldMasterChg>
+      <pc:sldMasterChg chg="add del addSldLayout delSldLayout modSldLayout">
+        <pc:chgData name="Eduardo Martín-Sonseca.Alonso" userId="044a8a39323ca9b2" providerId="Windows Live" clId="Web-{FF7F459F-C0C5-489C-9C21-CFBC7B56CB8A}" dt="2022-10-04T11:32:21.469" v="49"/>
+        <pc:sldMasterMkLst>
+          <pc:docMk/>
+          <pc:sldMasterMk cId="265808583" sldId="2147483800"/>
+        </pc:sldMasterMkLst>
+        <pc:sldLayoutChg chg="add del mod replId">
+          <pc:chgData name="Eduardo Martín-Sonseca.Alonso" userId="044a8a39323ca9b2" providerId="Windows Live" clId="Web-{FF7F459F-C0C5-489C-9C21-CFBC7B56CB8A}" dt="2022-10-04T11:32:21.469" v="49"/>
+          <pc:sldLayoutMkLst>
+            <pc:docMk/>
+            <pc:sldMasterMk cId="265808583" sldId="2147483800"/>
+            <pc:sldLayoutMk cId="2811768358" sldId="2147483801"/>
+          </pc:sldLayoutMkLst>
+        </pc:sldLayoutChg>
+        <pc:sldLayoutChg chg="add del mod replId">
+          <pc:chgData name="Eduardo Martín-Sonseca.Alonso" userId="044a8a39323ca9b2" providerId="Windows Live" clId="Web-{FF7F459F-C0C5-489C-9C21-CFBC7B56CB8A}" dt="2022-10-04T11:32:21.469" v="49"/>
+          <pc:sldLayoutMkLst>
+            <pc:docMk/>
+            <pc:sldMasterMk cId="265808583" sldId="2147483800"/>
+            <pc:sldLayoutMk cId="1987964374" sldId="2147483802"/>
+          </pc:sldLayoutMkLst>
+        </pc:sldLayoutChg>
+        <pc:sldLayoutChg chg="add del mod replId">
+          <pc:chgData name="Eduardo Martín-Sonseca.Alonso" userId="044a8a39323ca9b2" providerId="Windows Live" clId="Web-{FF7F459F-C0C5-489C-9C21-CFBC7B56CB8A}" dt="2022-10-04T11:32:21.469" v="49"/>
+          <pc:sldLayoutMkLst>
+            <pc:docMk/>
+            <pc:sldMasterMk cId="265808583" sldId="2147483800"/>
+            <pc:sldLayoutMk cId="787945337" sldId="2147483803"/>
+          </pc:sldLayoutMkLst>
+        </pc:sldLayoutChg>
+        <pc:sldLayoutChg chg="add del mod replId">
+          <pc:chgData name="Eduardo Martín-Sonseca.Alonso" userId="044a8a39323ca9b2" providerId="Windows Live" clId="Web-{FF7F459F-C0C5-489C-9C21-CFBC7B56CB8A}" dt="2022-10-04T11:32:21.469" v="49"/>
+          <pc:sldLayoutMkLst>
+            <pc:docMk/>
+            <pc:sldMasterMk cId="265808583" sldId="2147483800"/>
+            <pc:sldLayoutMk cId="3997568310" sldId="2147483804"/>
+          </pc:sldLayoutMkLst>
+        </pc:sldLayoutChg>
+        <pc:sldLayoutChg chg="add del mod replId">
+          <pc:chgData name="Eduardo Martín-Sonseca.Alonso" userId="044a8a39323ca9b2" providerId="Windows Live" clId="Web-{FF7F459F-C0C5-489C-9C21-CFBC7B56CB8A}" dt="2022-10-04T11:32:21.469" v="49"/>
+          <pc:sldLayoutMkLst>
+            <pc:docMk/>
+            <pc:sldMasterMk cId="265808583" sldId="2147483800"/>
+            <pc:sldLayoutMk cId="1284615772" sldId="2147483805"/>
+          </pc:sldLayoutMkLst>
+        </pc:sldLayoutChg>
+        <pc:sldLayoutChg chg="add del mod replId">
+          <pc:chgData name="Eduardo Martín-Sonseca.Alonso" userId="044a8a39323ca9b2" providerId="Windows Live" clId="Web-{FF7F459F-C0C5-489C-9C21-CFBC7B56CB8A}" dt="2022-10-04T11:32:21.469" v="49"/>
+          <pc:sldLayoutMkLst>
+            <pc:docMk/>
+            <pc:sldMasterMk cId="265808583" sldId="2147483800"/>
+            <pc:sldLayoutMk cId="3198153845" sldId="2147483806"/>
+          </pc:sldLayoutMkLst>
+        </pc:sldLayoutChg>
+        <pc:sldLayoutChg chg="add del mod replId">
+          <pc:chgData name="Eduardo Martín-Sonseca.Alonso" userId="044a8a39323ca9b2" providerId="Windows Live" clId="Web-{FF7F459F-C0C5-489C-9C21-CFBC7B56CB8A}" dt="2022-10-04T11:32:21.469" v="49"/>
+          <pc:sldLayoutMkLst>
+            <pc:docMk/>
+            <pc:sldMasterMk cId="265808583" sldId="2147483800"/>
+            <pc:sldLayoutMk cId="2929563302" sldId="2147483807"/>
+          </pc:sldLayoutMkLst>
+        </pc:sldLayoutChg>
+        <pc:sldLayoutChg chg="add del mod replId">
+          <pc:chgData name="Eduardo Martín-Sonseca.Alonso" userId="044a8a39323ca9b2" providerId="Windows Live" clId="Web-{FF7F459F-C0C5-489C-9C21-CFBC7B56CB8A}" dt="2022-10-04T11:32:21.469" v="49"/>
+          <pc:sldLayoutMkLst>
+            <pc:docMk/>
+            <pc:sldMasterMk cId="265808583" sldId="2147483800"/>
+            <pc:sldLayoutMk cId="3472562711" sldId="2147483808"/>
+          </pc:sldLayoutMkLst>
+        </pc:sldLayoutChg>
+        <pc:sldLayoutChg chg="add del mod replId">
+          <pc:chgData name="Eduardo Martín-Sonseca.Alonso" userId="044a8a39323ca9b2" providerId="Windows Live" clId="Web-{FF7F459F-C0C5-489C-9C21-CFBC7B56CB8A}" dt="2022-10-04T11:32:21.469" v="49"/>
+          <pc:sldLayoutMkLst>
+            <pc:docMk/>
+            <pc:sldMasterMk cId="265808583" sldId="2147483800"/>
+            <pc:sldLayoutMk cId="2839513260" sldId="2147483809"/>
+          </pc:sldLayoutMkLst>
+        </pc:sldLayoutChg>
+        <pc:sldLayoutChg chg="add del mod replId">
+          <pc:chgData name="Eduardo Martín-Sonseca.Alonso" userId="044a8a39323ca9b2" providerId="Windows Live" clId="Web-{FF7F459F-C0C5-489C-9C21-CFBC7B56CB8A}" dt="2022-10-04T11:32:21.469" v="49"/>
+          <pc:sldLayoutMkLst>
+            <pc:docMk/>
+            <pc:sldMasterMk cId="265808583" sldId="2147483800"/>
+            <pc:sldLayoutMk cId="3218672789" sldId="2147483810"/>
+          </pc:sldLayoutMkLst>
+        </pc:sldLayoutChg>
+        <pc:sldLayoutChg chg="add del mod replId">
+          <pc:chgData name="Eduardo Martín-Sonseca.Alonso" userId="044a8a39323ca9b2" providerId="Windows Live" clId="Web-{FF7F459F-C0C5-489C-9C21-CFBC7B56CB8A}" dt="2022-10-04T11:32:21.469" v="49"/>
+          <pc:sldLayoutMkLst>
+            <pc:docMk/>
+            <pc:sldMasterMk cId="265808583" sldId="2147483800"/>
+            <pc:sldLayoutMk cId="2294596450" sldId="2147483811"/>
+          </pc:sldLayoutMkLst>
+        </pc:sldLayoutChg>
+      </pc:sldMasterChg>
+      <pc:sldMasterChg chg="add del addSldLayout delSldLayout modSldLayout">
+        <pc:chgData name="Eduardo Martín-Sonseca.Alonso" userId="044a8a39323ca9b2" providerId="Windows Live" clId="Web-{FF7F459F-C0C5-489C-9C21-CFBC7B56CB8A}" dt="2022-10-04T11:32:15.516" v="48"/>
+        <pc:sldMasterMkLst>
+          <pc:docMk/>
+          <pc:sldMasterMk cId="1803897833" sldId="2147483812"/>
+        </pc:sldMasterMkLst>
+        <pc:sldLayoutChg chg="add del mod replId">
+          <pc:chgData name="Eduardo Martín-Sonseca.Alonso" userId="044a8a39323ca9b2" providerId="Windows Live" clId="Web-{FF7F459F-C0C5-489C-9C21-CFBC7B56CB8A}" dt="2022-10-04T11:32:15.516" v="48"/>
+          <pc:sldLayoutMkLst>
+            <pc:docMk/>
+            <pc:sldMasterMk cId="1803897833" sldId="2147483812"/>
+            <pc:sldLayoutMk cId="424787055" sldId="2147483813"/>
+          </pc:sldLayoutMkLst>
+        </pc:sldLayoutChg>
+        <pc:sldLayoutChg chg="add del mod replId">
+          <pc:chgData name="Eduardo Martín-Sonseca.Alonso" userId="044a8a39323ca9b2" providerId="Windows Live" clId="Web-{FF7F459F-C0C5-489C-9C21-CFBC7B56CB8A}" dt="2022-10-04T11:32:15.516" v="48"/>
+          <pc:sldLayoutMkLst>
+            <pc:docMk/>
+            <pc:sldMasterMk cId="1803897833" sldId="2147483812"/>
+            <pc:sldLayoutMk cId="261703896" sldId="2147483814"/>
+          </pc:sldLayoutMkLst>
+        </pc:sldLayoutChg>
+        <pc:sldLayoutChg chg="add del mod replId">
+          <pc:chgData name="Eduardo Martín-Sonseca.Alonso" userId="044a8a39323ca9b2" providerId="Windows Live" clId="Web-{FF7F459F-C0C5-489C-9C21-CFBC7B56CB8A}" dt="2022-10-04T11:32:15.516" v="48"/>
+          <pc:sldLayoutMkLst>
+            <pc:docMk/>
+            <pc:sldMasterMk cId="1803897833" sldId="2147483812"/>
+            <pc:sldLayoutMk cId="96301140" sldId="2147483815"/>
+          </pc:sldLayoutMkLst>
+        </pc:sldLayoutChg>
+        <pc:sldLayoutChg chg="add del mod replId">
+          <pc:chgData name="Eduardo Martín-Sonseca.Alonso" userId="044a8a39323ca9b2" providerId="Windows Live" clId="Web-{FF7F459F-C0C5-489C-9C21-CFBC7B56CB8A}" dt="2022-10-04T11:32:15.516" v="48"/>
+          <pc:sldLayoutMkLst>
+            <pc:docMk/>
+            <pc:sldMasterMk cId="1803897833" sldId="2147483812"/>
+            <pc:sldLayoutMk cId="3143717024" sldId="2147483816"/>
+          </pc:sldLayoutMkLst>
+        </pc:sldLayoutChg>
+        <pc:sldLayoutChg chg="add del mod replId">
+          <pc:chgData name="Eduardo Martín-Sonseca.Alonso" userId="044a8a39323ca9b2" providerId="Windows Live" clId="Web-{FF7F459F-C0C5-489C-9C21-CFBC7B56CB8A}" dt="2022-10-04T11:32:15.516" v="48"/>
+          <pc:sldLayoutMkLst>
+            <pc:docMk/>
+            <pc:sldMasterMk cId="1803897833" sldId="2147483812"/>
+            <pc:sldLayoutMk cId="2896566901" sldId="2147483817"/>
+          </pc:sldLayoutMkLst>
+        </pc:sldLayoutChg>
+        <pc:sldLayoutChg chg="add del mod replId">
+          <pc:chgData name="Eduardo Martín-Sonseca.Alonso" userId="044a8a39323ca9b2" providerId="Windows Live" clId="Web-{FF7F459F-C0C5-489C-9C21-CFBC7B56CB8A}" dt="2022-10-04T11:32:15.516" v="48"/>
+          <pc:sldLayoutMkLst>
+            <pc:docMk/>
+            <pc:sldMasterMk cId="1803897833" sldId="2147483812"/>
+            <pc:sldLayoutMk cId="3094981124" sldId="2147483818"/>
+          </pc:sldLayoutMkLst>
+        </pc:sldLayoutChg>
+        <pc:sldLayoutChg chg="add del mod replId">
+          <pc:chgData name="Eduardo Martín-Sonseca.Alonso" userId="044a8a39323ca9b2" providerId="Windows Live" clId="Web-{FF7F459F-C0C5-489C-9C21-CFBC7B56CB8A}" dt="2022-10-04T11:32:15.516" v="48"/>
+          <pc:sldLayoutMkLst>
+            <pc:docMk/>
+            <pc:sldMasterMk cId="1803897833" sldId="2147483812"/>
+            <pc:sldLayoutMk cId="4093723973" sldId="2147483819"/>
+          </pc:sldLayoutMkLst>
+        </pc:sldLayoutChg>
+        <pc:sldLayoutChg chg="add del mod replId">
+          <pc:chgData name="Eduardo Martín-Sonseca.Alonso" userId="044a8a39323ca9b2" providerId="Windows Live" clId="Web-{FF7F459F-C0C5-489C-9C21-CFBC7B56CB8A}" dt="2022-10-04T11:32:15.516" v="48"/>
+          <pc:sldLayoutMkLst>
+            <pc:docMk/>
+            <pc:sldMasterMk cId="1803897833" sldId="2147483812"/>
+            <pc:sldLayoutMk cId="4034946311" sldId="2147483820"/>
+          </pc:sldLayoutMkLst>
+        </pc:sldLayoutChg>
+        <pc:sldLayoutChg chg="add del mod replId">
+          <pc:chgData name="Eduardo Martín-Sonseca.Alonso" userId="044a8a39323ca9b2" providerId="Windows Live" clId="Web-{FF7F459F-C0C5-489C-9C21-CFBC7B56CB8A}" dt="2022-10-04T11:32:15.516" v="48"/>
+          <pc:sldLayoutMkLst>
+            <pc:docMk/>
+            <pc:sldMasterMk cId="1803897833" sldId="2147483812"/>
+            <pc:sldLayoutMk cId="2343210587" sldId="2147483821"/>
+          </pc:sldLayoutMkLst>
+        </pc:sldLayoutChg>
+        <pc:sldLayoutChg chg="add del mod replId">
+          <pc:chgData name="Eduardo Martín-Sonseca.Alonso" userId="044a8a39323ca9b2" providerId="Windows Live" clId="Web-{FF7F459F-C0C5-489C-9C21-CFBC7B56CB8A}" dt="2022-10-04T11:32:15.516" v="48"/>
+          <pc:sldLayoutMkLst>
+            <pc:docMk/>
+            <pc:sldMasterMk cId="1803897833" sldId="2147483812"/>
+            <pc:sldLayoutMk cId="880344305" sldId="2147483822"/>
+          </pc:sldLayoutMkLst>
+        </pc:sldLayoutChg>
+        <pc:sldLayoutChg chg="add del mod replId">
+          <pc:chgData name="Eduardo Martín-Sonseca.Alonso" userId="044a8a39323ca9b2" providerId="Windows Live" clId="Web-{FF7F459F-C0C5-489C-9C21-CFBC7B56CB8A}" dt="2022-10-04T11:32:15.516" v="48"/>
+          <pc:sldLayoutMkLst>
+            <pc:docMk/>
+            <pc:sldMasterMk cId="1803897833" sldId="2147483812"/>
+            <pc:sldLayoutMk cId="3620790868" sldId="2147483823"/>
+          </pc:sldLayoutMkLst>
+        </pc:sldLayoutChg>
+      </pc:sldMasterChg>
+      <pc:sldMasterChg chg="add del addSldLayout delSldLayout modSldLayout">
+        <pc:chgData name="Eduardo Martín-Sonseca.Alonso" userId="044a8a39323ca9b2" providerId="Windows Live" clId="Web-{FF7F459F-C0C5-489C-9C21-CFBC7B56CB8A}" dt="2022-10-04T11:32:11.890" v="47"/>
+        <pc:sldMasterMkLst>
+          <pc:docMk/>
+          <pc:sldMasterMk cId="2621713332" sldId="2147483824"/>
+        </pc:sldMasterMkLst>
+        <pc:sldLayoutChg chg="add del mod replId">
+          <pc:chgData name="Eduardo Martín-Sonseca.Alonso" userId="044a8a39323ca9b2" providerId="Windows Live" clId="Web-{FF7F459F-C0C5-489C-9C21-CFBC7B56CB8A}" dt="2022-10-04T11:32:11.890" v="47"/>
+          <pc:sldLayoutMkLst>
+            <pc:docMk/>
+            <pc:sldMasterMk cId="2621713332" sldId="2147483824"/>
+            <pc:sldLayoutMk cId="3164127980" sldId="2147483825"/>
+          </pc:sldLayoutMkLst>
+        </pc:sldLayoutChg>
+        <pc:sldLayoutChg chg="add del mod replId">
+          <pc:chgData name="Eduardo Martín-Sonseca.Alonso" userId="044a8a39323ca9b2" providerId="Windows Live" clId="Web-{FF7F459F-C0C5-489C-9C21-CFBC7B56CB8A}" dt="2022-10-04T11:32:11.890" v="47"/>
+          <pc:sldLayoutMkLst>
+            <pc:docMk/>
+            <pc:sldMasterMk cId="2621713332" sldId="2147483824"/>
+            <pc:sldLayoutMk cId="3392017605" sldId="2147483826"/>
+          </pc:sldLayoutMkLst>
+        </pc:sldLayoutChg>
+        <pc:sldLayoutChg chg="add del mod replId">
+          <pc:chgData name="Eduardo Martín-Sonseca.Alonso" userId="044a8a39323ca9b2" providerId="Windows Live" clId="Web-{FF7F459F-C0C5-489C-9C21-CFBC7B56CB8A}" dt="2022-10-04T11:32:11.890" v="47"/>
+          <pc:sldLayoutMkLst>
+            <pc:docMk/>
+            <pc:sldMasterMk cId="2621713332" sldId="2147483824"/>
+            <pc:sldLayoutMk cId="1980754366" sldId="2147483827"/>
+          </pc:sldLayoutMkLst>
+        </pc:sldLayoutChg>
+        <pc:sldLayoutChg chg="add del mod replId">
+          <pc:chgData name="Eduardo Martín-Sonseca.Alonso" userId="044a8a39323ca9b2" providerId="Windows Live" clId="Web-{FF7F459F-C0C5-489C-9C21-CFBC7B56CB8A}" dt="2022-10-04T11:32:11.890" v="47"/>
+          <pc:sldLayoutMkLst>
+            <pc:docMk/>
+            <pc:sldMasterMk cId="2621713332" sldId="2147483824"/>
+            <pc:sldLayoutMk cId="3701638341" sldId="2147483828"/>
+          </pc:sldLayoutMkLst>
+        </pc:sldLayoutChg>
+        <pc:sldLayoutChg chg="add del mod replId">
+          <pc:chgData name="Eduardo Martín-Sonseca.Alonso" userId="044a8a39323ca9b2" providerId="Windows Live" clId="Web-{FF7F459F-C0C5-489C-9C21-CFBC7B56CB8A}" dt="2022-10-04T11:32:11.890" v="47"/>
+          <pc:sldLayoutMkLst>
+            <pc:docMk/>
+            <pc:sldMasterMk cId="2621713332" sldId="2147483824"/>
+            <pc:sldLayoutMk cId="4169862701" sldId="2147483829"/>
+          </pc:sldLayoutMkLst>
+        </pc:sldLayoutChg>
+        <pc:sldLayoutChg chg="add del mod replId">
+          <pc:chgData name="Eduardo Martín-Sonseca.Alonso" userId="044a8a39323ca9b2" providerId="Windows Live" clId="Web-{FF7F459F-C0C5-489C-9C21-CFBC7B56CB8A}" dt="2022-10-04T11:32:11.890" v="47"/>
+          <pc:sldLayoutMkLst>
+            <pc:docMk/>
+            <pc:sldMasterMk cId="2621713332" sldId="2147483824"/>
+            <pc:sldLayoutMk cId="1508246956" sldId="2147483830"/>
+          </pc:sldLayoutMkLst>
+        </pc:sldLayoutChg>
+        <pc:sldLayoutChg chg="add del mod replId">
+          <pc:chgData name="Eduardo Martín-Sonseca.Alonso" userId="044a8a39323ca9b2" providerId="Windows Live" clId="Web-{FF7F459F-C0C5-489C-9C21-CFBC7B56CB8A}" dt="2022-10-04T11:32:11.890" v="47"/>
+          <pc:sldLayoutMkLst>
+            <pc:docMk/>
+            <pc:sldMasterMk cId="2621713332" sldId="2147483824"/>
+            <pc:sldLayoutMk cId="1035822049" sldId="2147483831"/>
+          </pc:sldLayoutMkLst>
+        </pc:sldLayoutChg>
+        <pc:sldLayoutChg chg="add del mod replId">
+          <pc:chgData name="Eduardo Martín-Sonseca.Alonso" userId="044a8a39323ca9b2" providerId="Windows Live" clId="Web-{FF7F459F-C0C5-489C-9C21-CFBC7B56CB8A}" dt="2022-10-04T11:32:11.890" v="47"/>
+          <pc:sldLayoutMkLst>
+            <pc:docMk/>
+            <pc:sldMasterMk cId="2621713332" sldId="2147483824"/>
+            <pc:sldLayoutMk cId="377709715" sldId="2147483832"/>
+          </pc:sldLayoutMkLst>
+        </pc:sldLayoutChg>
+        <pc:sldLayoutChg chg="add del mod replId">
+          <pc:chgData name="Eduardo Martín-Sonseca.Alonso" userId="044a8a39323ca9b2" providerId="Windows Live" clId="Web-{FF7F459F-C0C5-489C-9C21-CFBC7B56CB8A}" dt="2022-10-04T11:32:11.890" v="47"/>
+          <pc:sldLayoutMkLst>
+            <pc:docMk/>
+            <pc:sldMasterMk cId="2621713332" sldId="2147483824"/>
+            <pc:sldLayoutMk cId="1789459702" sldId="2147483833"/>
+          </pc:sldLayoutMkLst>
+        </pc:sldLayoutChg>
+        <pc:sldLayoutChg chg="add del mod replId">
+          <pc:chgData name="Eduardo Martín-Sonseca.Alonso" userId="044a8a39323ca9b2" providerId="Windows Live" clId="Web-{FF7F459F-C0C5-489C-9C21-CFBC7B56CB8A}" dt="2022-10-04T11:32:11.890" v="47"/>
+          <pc:sldLayoutMkLst>
+            <pc:docMk/>
+            <pc:sldMasterMk cId="2621713332" sldId="2147483824"/>
+            <pc:sldLayoutMk cId="61645377" sldId="2147483834"/>
+          </pc:sldLayoutMkLst>
+        </pc:sldLayoutChg>
+        <pc:sldLayoutChg chg="add del mod replId">
+          <pc:chgData name="Eduardo Martín-Sonseca.Alonso" userId="044a8a39323ca9b2" providerId="Windows Live" clId="Web-{FF7F459F-C0C5-489C-9C21-CFBC7B56CB8A}" dt="2022-10-04T11:32:11.890" v="47"/>
+          <pc:sldLayoutMkLst>
+            <pc:docMk/>
+            <pc:sldMasterMk cId="2621713332" sldId="2147483824"/>
+            <pc:sldLayoutMk cId="963203533" sldId="2147483835"/>
+          </pc:sldLayoutMkLst>
+        </pc:sldLayoutChg>
+      </pc:sldMasterChg>
+    </pc:docChg>
+  </pc:docChgLst>
+  <pc:docChgLst>
+    <pc:chgData name="Eduardo Martín-Sonseca.Alonso" userId="044a8a39323ca9b2" providerId="LiveId" clId="{37839B77-9B63-4AAE-801F-3EFA7B99B021}"/>
+    <pc:docChg chg="undo redo custSel addSld delSld modSld sldOrd">
+      <pc:chgData name="Eduardo Martín-Sonseca.Alonso" userId="044a8a39323ca9b2" providerId="LiveId" clId="{37839B77-9B63-4AAE-801F-3EFA7B99B021}" dt="2022-10-05T18:52:47.166" v="3251"/>
+      <pc:docMkLst>
+        <pc:docMk/>
+      </pc:docMkLst>
+      <pc:sldChg chg="addSp delSp delDesignElem">
+        <pc:chgData name="Eduardo Martín-Sonseca.Alonso" userId="044a8a39323ca9b2" providerId="LiveId" clId="{37839B77-9B63-4AAE-801F-3EFA7B99B021}" dt="2022-10-05T17:33:25.819" v="85"/>
+        <pc:sldMkLst>
+          <pc:docMk/>
+          <pc:sldMk cId="1479924629" sldId="258"/>
+        </pc:sldMkLst>
+        <pc:spChg chg="add del">
+          <ac:chgData name="Eduardo Martín-Sonseca.Alonso" userId="044a8a39323ca9b2" providerId="LiveId" clId="{37839B77-9B63-4AAE-801F-3EFA7B99B021}" dt="2022-10-05T17:33:25.819" v="85"/>
+          <ac:spMkLst>
+            <pc:docMk/>
+            <pc:sldMk cId="1479924629" sldId="258"/>
+            <ac:spMk id="64" creationId="{0671A8AE-40A1-4631-A6B8-581AFF065482}"/>
+          </ac:spMkLst>
+        </pc:spChg>
+        <pc:spChg chg="add del">
+          <ac:chgData name="Eduardo Martín-Sonseca.Alonso" userId="044a8a39323ca9b2" providerId="LiveId" clId="{37839B77-9B63-4AAE-801F-3EFA7B99B021}" dt="2022-10-05T17:33:25.819" v="85"/>
+          <ac:spMkLst>
+            <pc:docMk/>
+            <pc:sldMk cId="1479924629" sldId="258"/>
+            <ac:spMk id="65" creationId="{AB58EF07-17C2-48CF-ABB0-EEF1F17CB8F0}"/>
+          </ac:spMkLst>
+        </pc:spChg>
+        <pc:spChg chg="add del">
+          <ac:chgData name="Eduardo Martín-Sonseca.Alonso" userId="044a8a39323ca9b2" providerId="LiveId" clId="{37839B77-9B63-4AAE-801F-3EFA7B99B021}" dt="2022-10-05T17:33:25.819" v="85"/>
+          <ac:spMkLst>
+            <pc:docMk/>
+            <pc:sldMk cId="1479924629" sldId="258"/>
+            <ac:spMk id="66" creationId="{AF2F604E-43BE-4DC3-B983-E071523364F8}"/>
+          </ac:spMkLst>
+        </pc:spChg>
+        <pc:spChg chg="add del">
+          <ac:chgData name="Eduardo Martín-Sonseca.Alonso" userId="044a8a39323ca9b2" providerId="LiveId" clId="{37839B77-9B63-4AAE-801F-3EFA7B99B021}" dt="2022-10-05T17:33:25.819" v="85"/>
+          <ac:spMkLst>
+            <pc:docMk/>
+            <pc:sldMk cId="1479924629" sldId="258"/>
+            <ac:spMk id="67" creationId="{08C9B587-E65E-4B52-B37C-ABEBB6E87928}"/>
+          </ac:spMkLst>
+        </pc:spChg>
+      </pc:sldChg>
+      <pc:sldChg chg="addSp delSp modSp modAnim delDesignElem">
+        <pc:chgData name="Eduardo Martín-Sonseca.Alonso" userId="044a8a39323ca9b2" providerId="LiveId" clId="{37839B77-9B63-4AAE-801F-3EFA7B99B021}" dt="2022-10-05T18:52:34.025" v="3248"/>
+        <pc:sldMkLst>
+          <pc:docMk/>
+          <pc:sldMk cId="992274193" sldId="259"/>
+        </pc:sldMkLst>
+        <pc:spChg chg="mod">
+          <ac:chgData name="Eduardo Martín-Sonseca.Alonso" userId="044a8a39323ca9b2" providerId="LiveId" clId="{37839B77-9B63-4AAE-801F-3EFA7B99B021}" dt="2022-10-05T18:51:53.212" v="3245"/>
+          <ac:spMkLst>
+            <pc:docMk/>
+            <pc:sldMk cId="992274193" sldId="259"/>
+            <ac:spMk id="21" creationId="{21A386AB-C18D-BC64-063B-3AFE29BF8A08}"/>
+          </ac:spMkLst>
+        </pc:spChg>
+        <pc:spChg chg="mod">
+          <ac:chgData name="Eduardo Martín-Sonseca.Alonso" userId="044a8a39323ca9b2" providerId="LiveId" clId="{37839B77-9B63-4AAE-801F-3EFA7B99B021}" dt="2022-10-05T18:51:25.852" v="3244"/>
+          <ac:spMkLst>
+            <pc:docMk/>
+            <pc:sldMk cId="992274193" sldId="259"/>
+            <ac:spMk id="22" creationId="{B7C2F746-E774-2736-EAF4-5B45C160D561}"/>
+          </ac:spMkLst>
+        </pc:spChg>
+        <pc:spChg chg="mod">
+          <ac:chgData name="Eduardo Martín-Sonseca.Alonso" userId="044a8a39323ca9b2" providerId="LiveId" clId="{37839B77-9B63-4AAE-801F-3EFA7B99B021}" dt="2022-10-05T18:52:03.122" v="3246"/>
+          <ac:spMkLst>
+            <pc:docMk/>
+            <pc:sldMk cId="992274193" sldId="259"/>
+            <ac:spMk id="24" creationId="{66F25F73-9EC2-2F10-8F63-4E4BC279D6FB}"/>
+          </ac:spMkLst>
+        </pc:spChg>
+        <pc:spChg chg="mod">
+          <ac:chgData name="Eduardo Martín-Sonseca.Alonso" userId="044a8a39323ca9b2" providerId="LiveId" clId="{37839B77-9B63-4AAE-801F-3EFA7B99B021}" dt="2022-10-05T18:52:22.058" v="3247"/>
+          <ac:spMkLst>
+            <pc:docMk/>
+            <pc:sldMk cId="992274193" sldId="259"/>
+            <ac:spMk id="25" creationId="{BFED4D29-C50E-6B24-3F8C-1704D1089DD8}"/>
+          </ac:spMkLst>
+        </pc:spChg>
+        <pc:spChg chg="mod">
+          <ac:chgData name="Eduardo Martín-Sonseca.Alonso" userId="044a8a39323ca9b2" providerId="LiveId" clId="{37839B77-9B63-4AAE-801F-3EFA7B99B021}" dt="2022-10-05T18:52:34.025" v="3248"/>
+          <ac:spMkLst>
+            <pc:docMk/>
+            <pc:sldMk cId="992274193" sldId="259"/>
+            <ac:spMk id="26" creationId="{7C8434F3-8A38-DCBB-AA79-8A5A8F9B6E20}"/>
+          </ac:spMkLst>
+        </pc:spChg>
+        <pc:cxnChg chg="add del">
+          <ac:chgData name="Eduardo Martín-Sonseca.Alonso" userId="044a8a39323ca9b2" providerId="LiveId" clId="{37839B77-9B63-4AAE-801F-3EFA7B99B021}" dt="2022-10-05T17:33:25.819" v="85"/>
+          <ac:cxnSpMkLst>
+            <pc:docMk/>
+            <pc:sldMk cId="992274193" sldId="259"/>
+            <ac:cxnSpMk id="9" creationId="{A7F400EE-A8A5-48AF-B4D6-291B52C6F0B0}"/>
+          </ac:cxnSpMkLst>
+        </pc:cxnChg>
+      </pc:sldChg>
+      <pc:sldChg chg="addSp delSp delDesignElem">
+        <pc:chgData name="Eduardo Martín-Sonseca.Alonso" userId="044a8a39323ca9b2" providerId="LiveId" clId="{37839B77-9B63-4AAE-801F-3EFA7B99B021}" dt="2022-10-05T17:33:25.819" v="85"/>
+        <pc:sldMkLst>
+          <pc:docMk/>
+          <pc:sldMk cId="3613378253" sldId="260"/>
+        </pc:sldMkLst>
+        <pc:spChg chg="add del">
+          <ac:chgData name="Eduardo Martín-Sonseca.Alonso" userId="044a8a39323ca9b2" providerId="LiveId" clId="{37839B77-9B63-4AAE-801F-3EFA7B99B021}" dt="2022-10-05T17:33:25.819" v="85"/>
+          <ac:spMkLst>
+            <pc:docMk/>
+            <pc:sldMk cId="3613378253" sldId="260"/>
+            <ac:spMk id="20" creationId="{4C608BEB-860E-4094-8511-78603564A75E}"/>
+          </ac:spMkLst>
+        </pc:spChg>
+        <pc:cxnChg chg="add del">
+          <ac:chgData name="Eduardo Martín-Sonseca.Alonso" userId="044a8a39323ca9b2" providerId="LiveId" clId="{37839B77-9B63-4AAE-801F-3EFA7B99B021}" dt="2022-10-05T17:33:25.819" v="85"/>
+          <ac:cxnSpMkLst>
+            <pc:docMk/>
+            <pc:sldMk cId="3613378253" sldId="260"/>
+            <ac:cxnSpMk id="22" creationId="{1F16A8D4-FE87-4604-88B2-394B5D1EB437}"/>
+          </ac:cxnSpMkLst>
+        </pc:cxnChg>
+      </pc:sldChg>
+      <pc:sldChg chg="addSp delSp modSp mod modTransition addAnim delAnim modAnim delDesignElem">
+        <pc:chgData name="Eduardo Martín-Sonseca.Alonso" userId="044a8a39323ca9b2" providerId="LiveId" clId="{37839B77-9B63-4AAE-801F-3EFA7B99B021}" dt="2022-10-05T18:48:46.692" v="3206"/>
+        <pc:sldMkLst>
+          <pc:docMk/>
+          <pc:sldMk cId="1106986487" sldId="261"/>
+        </pc:sldMkLst>
+        <pc:spChg chg="mod">
+          <ac:chgData name="Eduardo Martín-Sonseca.Alonso" userId="044a8a39323ca9b2" providerId="LiveId" clId="{37839B77-9B63-4AAE-801F-3EFA7B99B021}" dt="2022-10-05T17:22:51.958" v="4" actId="26606"/>
+          <ac:spMkLst>
+            <pc:docMk/>
+            <pc:sldMk cId="1106986487" sldId="261"/>
+            <ac:spMk id="2" creationId="{71AEC653-CF21-4A83-8228-4AB13A9E6A67}"/>
+          </ac:spMkLst>
+        </pc:spChg>
+        <pc:spChg chg="mod">
+          <ac:chgData name="Eduardo Martín-Sonseca.Alonso" userId="044a8a39323ca9b2" providerId="LiveId" clId="{37839B77-9B63-4AAE-801F-3EFA7B99B021}" dt="2022-10-05T17:31:51.157" v="59" actId="26606"/>
+          <ac:spMkLst>
+            <pc:docMk/>
+            <pc:sldMk cId="1106986487" sldId="261"/>
+            <ac:spMk id="3" creationId="{FDA276B4-AFA8-445E-BF46-D797C1B3F0B0}"/>
+          </ac:spMkLst>
+        </pc:spChg>
+        <pc:spChg chg="add del mod">
+          <ac:chgData name="Eduardo Martín-Sonseca.Alonso" userId="044a8a39323ca9b2" providerId="LiveId" clId="{37839B77-9B63-4AAE-801F-3EFA7B99B021}" dt="2022-10-05T17:31:51.157" v="59" actId="26606"/>
+          <ac:spMkLst>
+            <pc:docMk/>
+            <pc:sldMk cId="1106986487" sldId="261"/>
+            <ac:spMk id="4" creationId="{75B968D6-146C-6378-708B-BDE1E6CBAE62}"/>
+          </ac:spMkLst>
+        </pc:spChg>
+        <pc:spChg chg="add del mod">
+          <ac:chgData name="Eduardo Martín-Sonseca.Alonso" userId="044a8a39323ca9b2" providerId="LiveId" clId="{37839B77-9B63-4AAE-801F-3EFA7B99B021}" dt="2022-10-05T17:31:51.063" v="57"/>
+          <ac:spMkLst>
+            <pc:docMk/>
+            <pc:sldMk cId="1106986487" sldId="261"/>
+            <ac:spMk id="5" creationId="{5CE761B8-D3BC-47B2-A21B-724C24430DE5}"/>
+          </ac:spMkLst>
+        </pc:spChg>
+        <pc:spChg chg="del mod">
+          <ac:chgData name="Eduardo Martín-Sonseca.Alonso" userId="044a8a39323ca9b2" providerId="LiveId" clId="{37839B77-9B63-4AAE-801F-3EFA7B99B021}" dt="2022-10-05T17:23:01.905" v="7" actId="478"/>
+          <ac:spMkLst>
+            <pc:docMk/>
+            <pc:sldMk cId="1106986487" sldId="261"/>
+            <ac:spMk id="6" creationId="{22E9BD6E-B7AB-7C53-4EB4-0ACEDFFA89B2}"/>
+          </ac:spMkLst>
+        </pc:spChg>
+        <pc:spChg chg="add del mod">
+          <ac:chgData name="Eduardo Martín-Sonseca.Alonso" userId="044a8a39323ca9b2" providerId="LiveId" clId="{37839B77-9B63-4AAE-801F-3EFA7B99B021}" dt="2022-10-05T17:31:50.340" v="50"/>
+          <ac:spMkLst>
+            <pc:docMk/>
+            <pc:sldMk cId="1106986487" sldId="261"/>
+            <ac:spMk id="6" creationId="{D81C4451-76C7-98E5-B193-FD8DC79B85BE}"/>
+          </ac:spMkLst>
+        </pc:spChg>
+        <pc:spChg chg="add del">
+          <ac:chgData name="Eduardo Martín-Sonseca.Alonso" userId="044a8a39323ca9b2" providerId="LiveId" clId="{37839B77-9B63-4AAE-801F-3EFA7B99B021}" dt="2022-10-05T17:31:51.157" v="59" actId="26606"/>
+          <ac:spMkLst>
+            <pc:docMk/>
+            <pc:sldMk cId="1106986487" sldId="261"/>
+            <ac:spMk id="7" creationId="{8CA06CD6-90CA-4C45-856C-6771339E1E22}"/>
+          </ac:spMkLst>
+        </pc:spChg>
+        <pc:spChg chg="add del">
+          <ac:chgData name="Eduardo Martín-Sonseca.Alonso" userId="044a8a39323ca9b2" providerId="LiveId" clId="{37839B77-9B63-4AAE-801F-3EFA7B99B021}" dt="2022-10-05T17:31:50.843" v="52" actId="26606"/>
+          <ac:spMkLst>
+            <pc:docMk/>
+            <pc:sldMk cId="1106986487" sldId="261"/>
+            <ac:spMk id="10" creationId="{8CA06CD6-90CA-4C45-856C-6771339E1E22}"/>
+          </ac:spMkLst>
+        </pc:spChg>
+        <pc:spChg chg="del">
+          <ac:chgData name="Eduardo Martín-Sonseca.Alonso" userId="044a8a39323ca9b2" providerId="LiveId" clId="{37839B77-9B63-4AAE-801F-3EFA7B99B021}" dt="2022-10-05T17:22:51.958" v="4" actId="26606"/>
+          <ac:spMkLst>
+            <pc:docMk/>
+            <pc:sldMk cId="1106986487" sldId="261"/>
+            <ac:spMk id="21" creationId="{04812C46-200A-4DEB-A05E-3ED6C68C2387}"/>
+          </ac:spMkLst>
+        </pc:spChg>
+        <pc:spChg chg="del">
+          <ac:chgData name="Eduardo Martín-Sonseca.Alonso" userId="044a8a39323ca9b2" providerId="LiveId" clId="{37839B77-9B63-4AAE-801F-3EFA7B99B021}" dt="2022-10-05T17:22:51.958" v="4" actId="26606"/>
+          <ac:spMkLst>
+            <pc:docMk/>
+            <pc:sldMk cId="1106986487" sldId="261"/>
+            <ac:spMk id="23" creationId="{D1EA859B-E555-4109-94F3-6700E046E008}"/>
+          </ac:spMkLst>
+        </pc:spChg>
+        <pc:spChg chg="add del">
+          <ac:chgData name="Eduardo Martín-Sonseca.Alonso" userId="044a8a39323ca9b2" providerId="LiveId" clId="{37839B77-9B63-4AAE-801F-3EFA7B99B021}" dt="2022-10-05T17:33:25.819" v="85"/>
+          <ac:spMkLst>
+            <pc:docMk/>
+            <pc:sldMk cId="1106986487" sldId="261"/>
+            <ac:spMk id="25" creationId="{8CA06CD6-90CA-4C45-856C-6771339E1E22}"/>
+          </ac:spMkLst>
+        </pc:spChg>
+        <pc:cxnChg chg="add del">
+          <ac:chgData name="Eduardo Martín-Sonseca.Alonso" userId="044a8a39323ca9b2" providerId="LiveId" clId="{37839B77-9B63-4AAE-801F-3EFA7B99B021}" dt="2022-10-05T17:31:51.157" v="59" actId="26606"/>
+          <ac:cxnSpMkLst>
+            <pc:docMk/>
+            <pc:sldMk cId="1106986487" sldId="261"/>
+            <ac:cxnSpMk id="11" creationId="{5021601D-2758-4B15-A31C-FDA184C51B3A}"/>
+          </ac:cxnSpMkLst>
+        </pc:cxnChg>
+        <pc:cxnChg chg="add del">
+          <ac:chgData name="Eduardo Martín-Sonseca.Alonso" userId="044a8a39323ca9b2" providerId="LiveId" clId="{37839B77-9B63-4AAE-801F-3EFA7B99B021}" dt="2022-10-05T17:31:50.843" v="52" actId="26606"/>
+          <ac:cxnSpMkLst>
+            <pc:docMk/>
+            <pc:sldMk cId="1106986487" sldId="261"/>
+            <ac:cxnSpMk id="12" creationId="{5021601D-2758-4B15-A31C-FDA184C51B3A}"/>
+          </ac:cxnSpMkLst>
+        </pc:cxnChg>
+        <pc:cxnChg chg="add del">
+          <ac:chgData name="Eduardo Martín-Sonseca.Alonso" userId="044a8a39323ca9b2" providerId="LiveId" clId="{37839B77-9B63-4AAE-801F-3EFA7B99B021}" dt="2022-10-05T17:33:25.819" v="85"/>
+          <ac:cxnSpMkLst>
+            <pc:docMk/>
+            <pc:sldMk cId="1106986487" sldId="261"/>
+            <ac:cxnSpMk id="26" creationId="{5021601D-2758-4B15-A31C-FDA184C51B3A}"/>
+          </ac:cxnSpMkLst>
+        </pc:cxnChg>
+      </pc:sldChg>
+      <pc:sldChg chg="addSp delSp modSp del mod setBg addAnim delAnim modAnim setClrOvrMap delDesignElem">
+        <pc:chgData name="Eduardo Martín-Sonseca.Alonso" userId="044a8a39323ca9b2" providerId="LiveId" clId="{37839B77-9B63-4AAE-801F-3EFA7B99B021}" dt="2022-10-05T17:33:57.706" v="98" actId="47"/>
+        <pc:sldMkLst>
+          <pc:docMk/>
+          <pc:sldMk cId="1015946967" sldId="262"/>
+        </pc:sldMkLst>
+        <pc:spChg chg="mod">
+          <ac:chgData name="Eduardo Martín-Sonseca.Alonso" userId="044a8a39323ca9b2" providerId="LiveId" clId="{37839B77-9B63-4AAE-801F-3EFA7B99B021}" dt="2022-10-05T17:31:50.906" v="53" actId="26606"/>
+          <ac:spMkLst>
+            <pc:docMk/>
+            <pc:sldMk cId="1015946967" sldId="262"/>
+            <ac:spMk id="2" creationId="{EEFFF1FB-241B-4CF4-A2C7-CFE2DA1A9AD1}"/>
+          </ac:spMkLst>
+        </pc:spChg>
+        <pc:spChg chg="add del mod">
+          <ac:chgData name="Eduardo Martín-Sonseca.Alonso" userId="044a8a39323ca9b2" providerId="LiveId" clId="{37839B77-9B63-4AAE-801F-3EFA7B99B021}" dt="2022-10-05T17:31:50.906" v="53" actId="26606"/>
+          <ac:spMkLst>
+            <pc:docMk/>
+            <pc:sldMk cId="1015946967" sldId="262"/>
+            <ac:spMk id="3" creationId="{15C30D99-9D1D-F818-E779-B99040BA66C5}"/>
+          </ac:spMkLst>
+        </pc:spChg>
+        <pc:spChg chg="mod ord">
+          <ac:chgData name="Eduardo Martín-Sonseca.Alonso" userId="044a8a39323ca9b2" providerId="LiveId" clId="{37839B77-9B63-4AAE-801F-3EFA7B99B021}" dt="2022-10-05T17:33:48.072" v="96" actId="21"/>
+          <ac:spMkLst>
+            <pc:docMk/>
+            <pc:sldMk cId="1015946967" sldId="262"/>
+            <ac:spMk id="4" creationId="{547BDE46-D058-433A-9BA3-B8680CF7D8BA}"/>
+          </ac:spMkLst>
+        </pc:spChg>
+        <pc:spChg chg="del">
+          <ac:chgData name="Eduardo Martín-Sonseca.Alonso" userId="044a8a39323ca9b2" providerId="LiveId" clId="{37839B77-9B63-4AAE-801F-3EFA7B99B021}" dt="2022-10-05T17:28:36.937" v="11" actId="478"/>
+          <ac:spMkLst>
+            <pc:docMk/>
+            <pc:sldMk cId="1015946967" sldId="262"/>
+            <ac:spMk id="5" creationId="{2F231072-B2C6-E633-9900-F8FF8ECC359A}"/>
+          </ac:spMkLst>
+        </pc:spChg>
+        <pc:spChg chg="add del">
+          <ac:chgData name="Eduardo Martín-Sonseca.Alonso" userId="044a8a39323ca9b2" providerId="LiveId" clId="{37839B77-9B63-4AAE-801F-3EFA7B99B021}" dt="2022-10-05T17:31:50.906" v="53" actId="26606"/>
+          <ac:spMkLst>
+            <pc:docMk/>
+            <pc:sldMk cId="1015946967" sldId="262"/>
+            <ac:spMk id="9" creationId="{87CC2527-562A-4F69-B487-4371E5B243E7}"/>
+          </ac:spMkLst>
+        </pc:spChg>
+        <pc:spChg chg="del">
+          <ac:chgData name="Eduardo Martín-Sonseca.Alonso" userId="044a8a39323ca9b2" providerId="LiveId" clId="{37839B77-9B63-4AAE-801F-3EFA7B99B021}" dt="2022-10-05T17:28:56.768" v="12" actId="26606"/>
+          <ac:spMkLst>
+            <pc:docMk/>
+            <pc:sldMk cId="1015946967" sldId="262"/>
+            <ac:spMk id="17" creationId="{04812C46-200A-4DEB-A05E-3ED6C68C2387}"/>
+          </ac:spMkLst>
+        </pc:spChg>
+        <pc:spChg chg="del">
+          <ac:chgData name="Eduardo Martín-Sonseca.Alonso" userId="044a8a39323ca9b2" providerId="LiveId" clId="{37839B77-9B63-4AAE-801F-3EFA7B99B021}" dt="2022-10-05T17:28:56.768" v="12" actId="26606"/>
+          <ac:spMkLst>
+            <pc:docMk/>
+            <pc:sldMk cId="1015946967" sldId="262"/>
+            <ac:spMk id="19" creationId="{D1EA859B-E555-4109-94F3-6700E046E008}"/>
+          </ac:spMkLst>
+        </pc:spChg>
+        <pc:spChg chg="add del">
+          <ac:chgData name="Eduardo Martín-Sonseca.Alonso" userId="044a8a39323ca9b2" providerId="LiveId" clId="{37839B77-9B63-4AAE-801F-3EFA7B99B021}" dt="2022-10-05T17:33:25.819" v="85"/>
+          <ac:spMkLst>
+            <pc:docMk/>
+            <pc:sldMk cId="1015946967" sldId="262"/>
+            <ac:spMk id="24" creationId="{AD72D4D1-076F-49D3-9889-EFC4F6D7CA66}"/>
+          </ac:spMkLst>
+        </pc:spChg>
+        <pc:cxnChg chg="add del">
+          <ac:chgData name="Eduardo Martín-Sonseca.Alonso" userId="044a8a39323ca9b2" providerId="LiveId" clId="{37839B77-9B63-4AAE-801F-3EFA7B99B021}" dt="2022-10-05T17:31:50.906" v="53" actId="26606"/>
+          <ac:cxnSpMkLst>
+            <pc:docMk/>
+            <pc:sldMk cId="1015946967" sldId="262"/>
+            <ac:cxnSpMk id="11" creationId="{BCDAEC91-5BCE-4B55-9CC0-43EF94CB734B}"/>
+          </ac:cxnSpMkLst>
+        </pc:cxnChg>
+        <pc:cxnChg chg="add del">
+          <ac:chgData name="Eduardo Martín-Sonseca.Alonso" userId="044a8a39323ca9b2" providerId="LiveId" clId="{37839B77-9B63-4AAE-801F-3EFA7B99B021}" dt="2022-10-05T17:33:25.819" v="85"/>
+          <ac:cxnSpMkLst>
+            <pc:docMk/>
+            <pc:sldMk cId="1015946967" sldId="262"/>
+            <ac:cxnSpMk id="26" creationId="{2D72A2C9-F3CA-4216-8BAD-FA4C970C3C4E}"/>
+          </ac:cxnSpMkLst>
+        </pc:cxnChg>
+      </pc:sldChg>
+      <pc:sldChg chg="addSp delSp del delDesignElem">
+        <pc:chgData name="Eduardo Martín-Sonseca.Alonso" userId="044a8a39323ca9b2" providerId="LiveId" clId="{37839B77-9B63-4AAE-801F-3EFA7B99B021}" dt="2022-10-05T17:34:33.034" v="120" actId="47"/>
+        <pc:sldMkLst>
+          <pc:docMk/>
+          <pc:sldMk cId="3858405899" sldId="263"/>
+        </pc:sldMkLst>
+        <pc:spChg chg="add del">
+          <ac:chgData name="Eduardo Martín-Sonseca.Alonso" userId="044a8a39323ca9b2" providerId="LiveId" clId="{37839B77-9B63-4AAE-801F-3EFA7B99B021}" dt="2022-10-05T17:33:25.819" v="85"/>
+          <ac:spMkLst>
+            <pc:docMk/>
+            <pc:sldMk cId="3858405899" sldId="263"/>
+            <ac:spMk id="33" creationId="{04812C46-200A-4DEB-A05E-3ED6C68C2387}"/>
+          </ac:spMkLst>
+        </pc:spChg>
+        <pc:spChg chg="add del">
+          <ac:chgData name="Eduardo Martín-Sonseca.Alonso" userId="044a8a39323ca9b2" providerId="LiveId" clId="{37839B77-9B63-4AAE-801F-3EFA7B99B021}" dt="2022-10-05T17:33:25.819" v="85"/>
+          <ac:spMkLst>
+            <pc:docMk/>
+            <pc:sldMk cId="3858405899" sldId="263"/>
+            <ac:spMk id="35" creationId="{D1EA859B-E555-4109-94F3-6700E046E008}"/>
+          </ac:spMkLst>
+        </pc:spChg>
+      </pc:sldChg>
+      <pc:sldChg chg="addSp delSp del delDesignElem">
+        <pc:chgData name="Eduardo Martín-Sonseca.Alonso" userId="044a8a39323ca9b2" providerId="LiveId" clId="{37839B77-9B63-4AAE-801F-3EFA7B99B021}" dt="2022-10-05T17:35:04.820" v="133" actId="47"/>
+        <pc:sldMkLst>
+          <pc:docMk/>
+          <pc:sldMk cId="3580276719" sldId="264"/>
+        </pc:sldMkLst>
+        <pc:spChg chg="add del">
+          <ac:chgData name="Eduardo Martín-Sonseca.Alonso" userId="044a8a39323ca9b2" providerId="LiveId" clId="{37839B77-9B63-4AAE-801F-3EFA7B99B021}" dt="2022-10-05T17:33:25.819" v="85"/>
+          <ac:spMkLst>
+            <pc:docMk/>
+            <pc:sldMk cId="3580276719" sldId="264"/>
+            <ac:spMk id="28" creationId="{04812C46-200A-4DEB-A05E-3ED6C68C2387}"/>
+          </ac:spMkLst>
+        </pc:spChg>
+        <pc:spChg chg="add del">
+          <ac:chgData name="Eduardo Martín-Sonseca.Alonso" userId="044a8a39323ca9b2" providerId="LiveId" clId="{37839B77-9B63-4AAE-801F-3EFA7B99B021}" dt="2022-10-05T17:33:25.819" v="85"/>
+          <ac:spMkLst>
+            <pc:docMk/>
+            <pc:sldMk cId="3580276719" sldId="264"/>
+            <ac:spMk id="30" creationId="{D1EA859B-E555-4109-94F3-6700E046E008}"/>
+          </ac:spMkLst>
+        </pc:spChg>
+      </pc:sldChg>
+      <pc:sldChg chg="addSp delSp modSp mod ord modTransition setBg delAnim modAnim setClrOvrMap">
+        <pc:chgData name="Eduardo Martín-Sonseca.Alonso" userId="044a8a39323ca9b2" providerId="LiveId" clId="{37839B77-9B63-4AAE-801F-3EFA7B99B021}" dt="2022-10-05T18:49:52.343" v="3209"/>
+        <pc:sldMkLst>
+          <pc:docMk/>
+          <pc:sldMk cId="4137332662" sldId="265"/>
+        </pc:sldMkLst>
+        <pc:spChg chg="mod">
+          <ac:chgData name="Eduardo Martín-Sonseca.Alonso" userId="044a8a39323ca9b2" providerId="LiveId" clId="{37839B77-9B63-4AAE-801F-3EFA7B99B021}" dt="2022-10-05T17:57:28.176" v="1167" actId="122"/>
+          <ac:spMkLst>
+            <pc:docMk/>
+            <pc:sldMk cId="4137332662" sldId="265"/>
+            <ac:spMk id="2" creationId="{2A7DC3FE-66EB-750C-3214-9159D346F772}"/>
+          </ac:spMkLst>
+        </pc:spChg>
+        <pc:spChg chg="del mod">
+          <ac:chgData name="Eduardo Martín-Sonseca.Alonso" userId="044a8a39323ca9b2" providerId="LiveId" clId="{37839B77-9B63-4AAE-801F-3EFA7B99B021}" dt="2022-10-05T17:47:14.022" v="824" actId="21"/>
+          <ac:spMkLst>
+            <pc:docMk/>
+            <pc:sldMk cId="4137332662" sldId="265"/>
+            <ac:spMk id="3" creationId="{E7DB1CBC-1C7A-9ED6-3A0E-B1FBBE84F9DB}"/>
+          </ac:spMkLst>
+        </pc:spChg>
+        <pc:spChg chg="del mod ord">
+          <ac:chgData name="Eduardo Martín-Sonseca.Alonso" userId="044a8a39323ca9b2" providerId="LiveId" clId="{37839B77-9B63-4AAE-801F-3EFA7B99B021}" dt="2022-10-05T17:48:07.413" v="832" actId="478"/>
+          <ac:spMkLst>
+            <pc:docMk/>
+            <pc:sldMk cId="4137332662" sldId="265"/>
+            <ac:spMk id="4" creationId="{F1E1F019-AE81-B16F-5ABB-78D9B2DD70F3}"/>
+          </ac:spMkLst>
+        </pc:spChg>
+        <pc:spChg chg="add del mod ord">
+          <ac:chgData name="Eduardo Martín-Sonseca.Alonso" userId="044a8a39323ca9b2" providerId="LiveId" clId="{37839B77-9B63-4AAE-801F-3EFA7B99B021}" dt="2022-10-05T18:04:37.681" v="1412" actId="20577"/>
+          <ac:spMkLst>
+            <pc:docMk/>
+            <pc:sldMk cId="4137332662" sldId="265"/>
+            <ac:spMk id="5" creationId="{4C43AC7E-1E6A-A806-6F01-694C1FEAE49C}"/>
+          </ac:spMkLst>
+        </pc:spChg>
+        <pc:spChg chg="add del mod">
+          <ac:chgData name="Eduardo Martín-Sonseca.Alonso" userId="044a8a39323ca9b2" providerId="LiveId" clId="{37839B77-9B63-4AAE-801F-3EFA7B99B021}" dt="2022-10-05T17:47:14.022" v="824" actId="21"/>
+          <ac:spMkLst>
+            <pc:docMk/>
+            <pc:sldMk cId="4137332662" sldId="265"/>
+            <ac:spMk id="6" creationId="{EC5FE7F7-1A78-F41C-E25A-80F60A59C04E}"/>
+          </ac:spMkLst>
+        </pc:spChg>
+        <pc:spChg chg="add del mod">
+          <ac:chgData name="Eduardo Martín-Sonseca.Alonso" userId="044a8a39323ca9b2" providerId="LiveId" clId="{37839B77-9B63-4AAE-801F-3EFA7B99B021}" dt="2022-10-05T17:47:18.768" v="825" actId="478"/>
+          <ac:spMkLst>
+            <pc:docMk/>
+            <pc:sldMk cId="4137332662" sldId="265"/>
+            <ac:spMk id="8" creationId="{F412C287-ADBF-9643-2507-17542D8FD001}"/>
+          </ac:spMkLst>
+        </pc:spChg>
+        <pc:spChg chg="add del">
+          <ac:chgData name="Eduardo Martín-Sonseca.Alonso" userId="044a8a39323ca9b2" providerId="LiveId" clId="{37839B77-9B63-4AAE-801F-3EFA7B99B021}" dt="2022-10-05T17:47:04.581" v="822" actId="26606"/>
+          <ac:spMkLst>
+            <pc:docMk/>
+            <pc:sldMk cId="4137332662" sldId="265"/>
+            <ac:spMk id="9" creationId="{10F24D38-B79E-44B4-830E-043F45D96DC2}"/>
+          </ac:spMkLst>
+        </pc:spChg>
+        <pc:spChg chg="add del">
+          <ac:chgData name="Eduardo Martín-Sonseca.Alonso" userId="044a8a39323ca9b2" providerId="LiveId" clId="{37839B77-9B63-4AAE-801F-3EFA7B99B021}" dt="2022-10-05T17:48:17.393" v="833" actId="26606"/>
+          <ac:spMkLst>
+            <pc:docMk/>
+            <pc:sldMk cId="4137332662" sldId="265"/>
+            <ac:spMk id="10" creationId="{E89ACC69-ADF2-492B-84C5-EA2CC16071F3}"/>
+          </ac:spMkLst>
+        </pc:spChg>
+        <pc:spChg chg="add del mod">
+          <ac:chgData name="Eduardo Martín-Sonseca.Alonso" userId="044a8a39323ca9b2" providerId="LiveId" clId="{37839B77-9B63-4AAE-801F-3EFA7B99B021}" dt="2022-10-05T17:48:00.351" v="830"/>
+          <ac:spMkLst>
+            <pc:docMk/>
+            <pc:sldMk cId="4137332662" sldId="265"/>
+            <ac:spMk id="13" creationId="{8A64DD66-8CAE-7344-44F1-D1C2EC7D7C2E}"/>
+          </ac:spMkLst>
+        </pc:spChg>
+        <pc:spChg chg="add del mod">
+          <ac:chgData name="Eduardo Martín-Sonseca.Alonso" userId="044a8a39323ca9b2" providerId="LiveId" clId="{37839B77-9B63-4AAE-801F-3EFA7B99B021}" dt="2022-10-05T17:48:00.351" v="830"/>
+          <ac:spMkLst>
+            <pc:docMk/>
+            <pc:sldMk cId="4137332662" sldId="265"/>
+            <ac:spMk id="14" creationId="{1EDA2029-6D09-4405-05E5-3BB7CF2AC049}"/>
+          </ac:spMkLst>
+        </pc:spChg>
+        <pc:spChg chg="add del">
+          <ac:chgData name="Eduardo Martín-Sonseca.Alonso" userId="044a8a39323ca9b2" providerId="LiveId" clId="{37839B77-9B63-4AAE-801F-3EFA7B99B021}" dt="2022-10-05T17:49:26.903" v="844" actId="26606"/>
+          <ac:spMkLst>
+            <pc:docMk/>
+            <pc:sldMk cId="4137332662" sldId="265"/>
+            <ac:spMk id="15" creationId="{B775CD93-9DF2-48CB-9F57-1BCA9A46C7FA}"/>
+          </ac:spMkLst>
+        </pc:spChg>
+        <pc:spChg chg="add del">
+          <ac:chgData name="Eduardo Martín-Sonseca.Alonso" userId="044a8a39323ca9b2" providerId="LiveId" clId="{37839B77-9B63-4AAE-801F-3EFA7B99B021}" dt="2022-10-05T17:49:26.903" v="844" actId="26606"/>
+          <ac:spMkLst>
+            <pc:docMk/>
+            <pc:sldMk cId="4137332662" sldId="265"/>
+            <ac:spMk id="16" creationId="{6166C6D1-23AC-49C4-BA07-238E4E9F8CEB}"/>
+          </ac:spMkLst>
+        </pc:spChg>
+        <pc:spChg chg="add del">
+          <ac:chgData name="Eduardo Martín-Sonseca.Alonso" userId="044a8a39323ca9b2" providerId="LiveId" clId="{37839B77-9B63-4AAE-801F-3EFA7B99B021}" dt="2022-10-05T17:47:46.647" v="828" actId="26606"/>
+          <ac:spMkLst>
+            <pc:docMk/>
+            <pc:sldMk cId="4137332662" sldId="265"/>
+            <ac:spMk id="17" creationId="{71CFE9EA-50D8-4028-BE42-DC2D813BEA66}"/>
+          </ac:spMkLst>
+        </pc:spChg>
+        <pc:spChg chg="add del mod">
+          <ac:chgData name="Eduardo Martín-Sonseca.Alonso" userId="044a8a39323ca9b2" providerId="LiveId" clId="{37839B77-9B63-4AAE-801F-3EFA7B99B021}" dt="2022-10-05T17:48:35.207" v="835" actId="21"/>
+          <ac:spMkLst>
+            <pc:docMk/>
+            <pc:sldMk cId="4137332662" sldId="265"/>
+            <ac:spMk id="18" creationId="{31CC7FA7-1C63-39ED-23A3-2CD5D4DE9096}"/>
+          </ac:spMkLst>
+        </pc:spChg>
+        <pc:spChg chg="add del mod">
+          <ac:chgData name="Eduardo Martín-Sonseca.Alonso" userId="044a8a39323ca9b2" providerId="LiveId" clId="{37839B77-9B63-4AAE-801F-3EFA7B99B021}" dt="2022-10-05T17:48:35.207" v="835" actId="21"/>
+          <ac:spMkLst>
+            <pc:docMk/>
+            <pc:sldMk cId="4137332662" sldId="265"/>
+            <ac:spMk id="20" creationId="{2F47839A-C9C4-4962-D7B1-7812C94F7418}"/>
+          </ac:spMkLst>
+        </pc:spChg>
+        <pc:spChg chg="add del">
+          <ac:chgData name="Eduardo Martín-Sonseca.Alonso" userId="044a8a39323ca9b2" providerId="LiveId" clId="{37839B77-9B63-4AAE-801F-3EFA7B99B021}" dt="2022-10-05T17:49:26.903" v="844" actId="26606"/>
+          <ac:spMkLst>
+            <pc:docMk/>
+            <pc:sldMk cId="4137332662" sldId="265"/>
+            <ac:spMk id="21" creationId="{E186B68C-84BC-4A6E-99D1-EE87483C1349}"/>
+          </ac:spMkLst>
+        </pc:spChg>
+        <pc:spChg chg="add del">
+          <ac:chgData name="Eduardo Martín-Sonseca.Alonso" userId="044a8a39323ca9b2" providerId="LiveId" clId="{37839B77-9B63-4AAE-801F-3EFA7B99B021}" dt="2022-10-05T17:49:26.903" v="844" actId="26606"/>
+          <ac:spMkLst>
+            <pc:docMk/>
+            <pc:sldMk cId="4137332662" sldId="265"/>
+            <ac:spMk id="23" creationId="{1C091803-41C2-48E0-9228-5148460C7479}"/>
+          </ac:spMkLst>
+        </pc:spChg>
+        <pc:spChg chg="add del mod">
+          <ac:chgData name="Eduardo Martín-Sonseca.Alonso" userId="044a8a39323ca9b2" providerId="LiveId" clId="{37839B77-9B63-4AAE-801F-3EFA7B99B021}" dt="2022-10-05T17:49:06.666" v="838" actId="478"/>
+          <ac:spMkLst>
+            <pc:docMk/>
+            <pc:sldMk cId="4137332662" sldId="265"/>
+            <ac:spMk id="24" creationId="{50709DB1-30DA-4B4A-826C-EF26F20143F3}"/>
+          </ac:spMkLst>
+        </pc:spChg>
+        <pc:spChg chg="add mod">
+          <ac:chgData name="Eduardo Martín-Sonseca.Alonso" userId="044a8a39323ca9b2" providerId="LiveId" clId="{37839B77-9B63-4AAE-801F-3EFA7B99B021}" dt="2022-10-05T17:49:26.903" v="844" actId="26606"/>
+          <ac:spMkLst>
+            <pc:docMk/>
+            <pc:sldMk cId="4137332662" sldId="265"/>
+            <ac:spMk id="25" creationId="{A7DE5D37-8AA9-8EF9-EECC-6BBE4B884199}"/>
+          </ac:spMkLst>
+        </pc:spChg>
+        <pc:spChg chg="add del mod">
+          <ac:chgData name="Eduardo Martín-Sonseca.Alonso" userId="044a8a39323ca9b2" providerId="LiveId" clId="{37839B77-9B63-4AAE-801F-3EFA7B99B021}" dt="2022-10-05T17:54:27.398" v="1028" actId="478"/>
+          <ac:spMkLst>
+            <pc:docMk/>
+            <pc:sldMk cId="4137332662" sldId="265"/>
+            <ac:spMk id="26" creationId="{E41C29E7-553A-39B4-E47C-50759FE35043}"/>
+          </ac:spMkLst>
+        </pc:spChg>
+        <pc:spChg chg="add del mod">
+          <ac:chgData name="Eduardo Martín-Sonseca.Alonso" userId="044a8a39323ca9b2" providerId="LiveId" clId="{37839B77-9B63-4AAE-801F-3EFA7B99B021}" dt="2022-10-05T17:56:12.282" v="1149" actId="478"/>
+          <ac:spMkLst>
+            <pc:docMk/>
+            <pc:sldMk cId="4137332662" sldId="265"/>
+            <ac:spMk id="27" creationId="{700E91C5-F49F-6E19-8185-FDE68ECE335F}"/>
+          </ac:spMkLst>
+        </pc:spChg>
+        <pc:spChg chg="add mod">
+          <ac:chgData name="Eduardo Martín-Sonseca.Alonso" userId="044a8a39323ca9b2" providerId="LiveId" clId="{37839B77-9B63-4AAE-801F-3EFA7B99B021}" dt="2022-10-05T18:04:39.762" v="1413" actId="20577"/>
+          <ac:spMkLst>
+            <pc:docMk/>
+            <pc:sldMk cId="4137332662" sldId="265"/>
+            <ac:spMk id="28" creationId="{71DD8969-159A-661E-C6F7-DDFB1B537A91}"/>
+          </ac:spMkLst>
+        </pc:spChg>
+        <pc:spChg chg="add del">
+          <ac:chgData name="Eduardo Martín-Sonseca.Alonso" userId="044a8a39323ca9b2" providerId="LiveId" clId="{37839B77-9B63-4AAE-801F-3EFA7B99B021}" dt="2022-10-05T17:49:26.872" v="843" actId="26606"/>
+          <ac:spMkLst>
+            <pc:docMk/>
+            <pc:sldMk cId="4137332662" sldId="265"/>
+            <ac:spMk id="30" creationId="{8537B233-9CDD-4A90-AABB-A8963DEE4FBC}"/>
+          </ac:spMkLst>
+        </pc:spChg>
+        <pc:spChg chg="add del">
+          <ac:chgData name="Eduardo Martín-Sonseca.Alonso" userId="044a8a39323ca9b2" providerId="LiveId" clId="{37839B77-9B63-4AAE-801F-3EFA7B99B021}" dt="2022-10-05T17:55:13.263" v="1038" actId="22"/>
+          <ac:spMkLst>
+            <pc:docMk/>
+            <pc:sldMk cId="4137332662" sldId="265"/>
+            <ac:spMk id="31" creationId="{F85C1F48-5F2F-91AD-6E36-52A7BBC07C8A}"/>
+          </ac:spMkLst>
+        </pc:spChg>
+        <pc:spChg chg="add mod">
+          <ac:chgData name="Eduardo Martín-Sonseca.Alonso" userId="044a8a39323ca9b2" providerId="LiveId" clId="{37839B77-9B63-4AAE-801F-3EFA7B99B021}" dt="2022-10-05T18:04:42.873" v="1414" actId="20577"/>
+          <ac:spMkLst>
+            <pc:docMk/>
+            <pc:sldMk cId="4137332662" sldId="265"/>
+            <ac:spMk id="33" creationId="{DE956C8E-1F49-127B-D31A-7047D13A4C2E}"/>
+          </ac:spMkLst>
+        </pc:spChg>
+        <pc:spChg chg="add">
+          <ac:chgData name="Eduardo Martín-Sonseca.Alonso" userId="044a8a39323ca9b2" providerId="LiveId" clId="{37839B77-9B63-4AAE-801F-3EFA7B99B021}" dt="2022-10-05T17:49:26.903" v="844" actId="26606"/>
+          <ac:spMkLst>
+            <pc:docMk/>
+            <pc:sldMk cId="4137332662" sldId="265"/>
+            <ac:spMk id="34" creationId="{2C910467-8185-45DD-B8A2-A88DF20DF6E0}"/>
+          </ac:spMkLst>
+        </pc:spChg>
+        <pc:spChg chg="add">
+          <ac:chgData name="Eduardo Martín-Sonseca.Alonso" userId="044a8a39323ca9b2" providerId="LiveId" clId="{37839B77-9B63-4AAE-801F-3EFA7B99B021}" dt="2022-10-05T17:49:26.903" v="844" actId="26606"/>
+          <ac:spMkLst>
+            <pc:docMk/>
+            <pc:sldMk cId="4137332662" sldId="265"/>
+            <ac:spMk id="35" creationId="{CDA1A2E9-63FE-408D-A803-8E306ECAB4B3}"/>
+          </ac:spMkLst>
+        </pc:spChg>
+        <pc:spChg chg="add">
+          <ac:chgData name="Eduardo Martín-Sonseca.Alonso" userId="044a8a39323ca9b2" providerId="LiveId" clId="{37839B77-9B63-4AAE-801F-3EFA7B99B021}" dt="2022-10-05T17:49:26.903" v="844" actId="26606"/>
+          <ac:spMkLst>
+            <pc:docMk/>
+            <pc:sldMk cId="4137332662" sldId="265"/>
+            <ac:spMk id="36" creationId="{1A882A9F-F4E9-4E23-8F0B-20B5DF42EAA9}"/>
+          </ac:spMkLst>
+        </pc:spChg>
+        <pc:spChg chg="add">
+          <ac:chgData name="Eduardo Martín-Sonseca.Alonso" userId="044a8a39323ca9b2" providerId="LiveId" clId="{37839B77-9B63-4AAE-801F-3EFA7B99B021}" dt="2022-10-05T17:49:26.903" v="844" actId="26606"/>
+          <ac:spMkLst>
+            <pc:docMk/>
+            <pc:sldMk cId="4137332662" sldId="265"/>
+            <ac:spMk id="37" creationId="{FBE9F90C-C163-435B-9A68-D15C92D1CF2B}"/>
+          </ac:spMkLst>
+        </pc:spChg>
+        <pc:spChg chg="add mod">
+          <ac:chgData name="Eduardo Martín-Sonseca.Alonso" userId="044a8a39323ca9b2" providerId="LiveId" clId="{37839B77-9B63-4AAE-801F-3EFA7B99B021}" dt="2022-10-05T17:58:40.052" v="1214" actId="404"/>
+          <ac:spMkLst>
+            <pc:docMk/>
+            <pc:sldMk cId="4137332662" sldId="265"/>
+            <ac:spMk id="38" creationId="{CA4169E5-9120-9091-CC2A-25C84492C2F1}"/>
+          </ac:spMkLst>
+        </pc:spChg>
+        <pc:cxnChg chg="add del">
+          <ac:chgData name="Eduardo Martín-Sonseca.Alonso" userId="044a8a39323ca9b2" providerId="LiveId" clId="{37839B77-9B63-4AAE-801F-3EFA7B99B021}" dt="2022-10-05T17:47:04.581" v="822" actId="26606"/>
+          <ac:cxnSpMkLst>
+            <pc:docMk/>
+            <pc:sldMk cId="4137332662" sldId="265"/>
+            <ac:cxnSpMk id="11" creationId="{FC469874-256B-45B3-A79C-7591B4BA1ECC}"/>
+          </ac:cxnSpMkLst>
+        </pc:cxnChg>
+        <pc:cxnChg chg="add del">
+          <ac:chgData name="Eduardo Martín-Sonseca.Alonso" userId="044a8a39323ca9b2" providerId="LiveId" clId="{37839B77-9B63-4AAE-801F-3EFA7B99B021}" dt="2022-10-05T17:48:17.393" v="833" actId="26606"/>
+          <ac:cxnSpMkLst>
+            <pc:docMk/>
+            <pc:sldMk cId="4137332662" sldId="265"/>
+            <ac:cxnSpMk id="12" creationId="{F2AE495E-2AAF-4BC1-87A5-331009D82896}"/>
+          </ac:cxnSpMkLst>
+        </pc:cxnChg>
+        <pc:cxnChg chg="add del">
+          <ac:chgData name="Eduardo Martín-Sonseca.Alonso" userId="044a8a39323ca9b2" providerId="LiveId" clId="{37839B77-9B63-4AAE-801F-3EFA7B99B021}" dt="2022-10-05T17:47:46.647" v="828" actId="26606"/>
+          <ac:cxnSpMkLst>
+            <pc:docMk/>
+            <pc:sldMk cId="4137332662" sldId="265"/>
+            <ac:cxnSpMk id="19" creationId="{9A218DD6-0CC7-465B-B80F-747F97B4021F}"/>
+          </ac:cxnSpMkLst>
+        </pc:cxnChg>
+        <pc:cxnChg chg="add del">
+          <ac:chgData name="Eduardo Martín-Sonseca.Alonso" userId="044a8a39323ca9b2" providerId="LiveId" clId="{37839B77-9B63-4AAE-801F-3EFA7B99B021}" dt="2022-10-05T17:49:26.872" v="843" actId="26606"/>
+          <ac:cxnSpMkLst>
+            <pc:docMk/>
+            <pc:sldMk cId="4137332662" sldId="265"/>
+            <ac:cxnSpMk id="32" creationId="{040575EE-C594-4566-BC00-663004E52AB5}"/>
+          </ac:cxnSpMkLst>
+        </pc:cxnChg>
+      </pc:sldChg>
+      <pc:sldChg chg="addSp delSp modSp del mod">
+        <pc:chgData name="Eduardo Martín-Sonseca.Alonso" userId="044a8a39323ca9b2" providerId="LiveId" clId="{37839B77-9B63-4AAE-801F-3EFA7B99B021}" dt="2022-10-05T18:30:39.830" v="3087" actId="47"/>
+        <pc:sldMkLst>
+          <pc:docMk/>
+          <pc:sldMk cId="1986842871" sldId="266"/>
+        </pc:sldMkLst>
+        <pc:spChg chg="add del mod">
+          <ac:chgData name="Eduardo Martín-Sonseca.Alonso" userId="044a8a39323ca9b2" providerId="LiveId" clId="{37839B77-9B63-4AAE-801F-3EFA7B99B021}" dt="2022-10-05T17:50:05.042" v="852" actId="478"/>
+          <ac:spMkLst>
+            <pc:docMk/>
+            <pc:sldMk cId="1986842871" sldId="266"/>
+            <ac:spMk id="2" creationId="{F0C22993-4CD9-EBAF-934E-DB27FCD13528}"/>
+          </ac:spMkLst>
+        </pc:spChg>
+        <pc:spChg chg="mod">
+          <ac:chgData name="Eduardo Martín-Sonseca.Alonso" userId="044a8a39323ca9b2" providerId="LiveId" clId="{37839B77-9B63-4AAE-801F-3EFA7B99B021}" dt="2022-10-05T17:33:25.819" v="85"/>
+          <ac:spMkLst>
+            <pc:docMk/>
+            <pc:sldMk cId="1986842871" sldId="266"/>
+            <ac:spMk id="3" creationId="{00F9F412-0DEC-BB8A-A779-2A4092B186BE}"/>
+          </ac:spMkLst>
+        </pc:spChg>
+        <pc:spChg chg="add del mod">
+          <ac:chgData name="Eduardo Martín-Sonseca.Alonso" userId="044a8a39323ca9b2" providerId="LiveId" clId="{37839B77-9B63-4AAE-801F-3EFA7B99B021}" dt="2022-10-05T17:50:13.792" v="853" actId="21"/>
+          <ac:spMkLst>
+            <pc:docMk/>
+            <pc:sldMk cId="1986842871" sldId="266"/>
+            <ac:spMk id="5" creationId="{C563AFCC-40F6-F39C-A219-1887C68AAC3A}"/>
+          </ac:spMkLst>
+        </pc:spChg>
+        <pc:spChg chg="add del mod">
+          <ac:chgData name="Eduardo Martín-Sonseca.Alonso" userId="044a8a39323ca9b2" providerId="LiveId" clId="{37839B77-9B63-4AAE-801F-3EFA7B99B021}" dt="2022-10-05T17:50:13.792" v="853" actId="21"/>
+          <ac:spMkLst>
+            <pc:docMk/>
+            <pc:sldMk cId="1986842871" sldId="266"/>
+            <ac:spMk id="6" creationId="{F0B328CB-B0CF-A792-2845-505DF487E672}"/>
+          </ac:spMkLst>
+        </pc:spChg>
+        <pc:spChg chg="add del mod">
+          <ac:chgData name="Eduardo Martín-Sonseca.Alonso" userId="044a8a39323ca9b2" providerId="LiveId" clId="{37839B77-9B63-4AAE-801F-3EFA7B99B021}" dt="2022-10-05T17:50:05.042" v="852" actId="478"/>
+          <ac:spMkLst>
+            <pc:docMk/>
+            <pc:sldMk cId="1986842871" sldId="266"/>
+            <ac:spMk id="8" creationId="{7AD29718-E66A-A633-77C8-5BF212C44625}"/>
+          </ac:spMkLst>
+        </pc:spChg>
+      </pc:sldChg>
+      <pc:sldChg chg="addSp delSp modSp mod modTransition setBg delAnim modAnim">
+        <pc:chgData name="Eduardo Martín-Sonseca.Alonso" userId="044a8a39323ca9b2" providerId="LiveId" clId="{37839B77-9B63-4AAE-801F-3EFA7B99B021}" dt="2022-10-05T18:49:52.343" v="3209"/>
+        <pc:sldMkLst>
+          <pc:docMk/>
+          <pc:sldMk cId="147166308" sldId="267"/>
+        </pc:sldMkLst>
+        <pc:spChg chg="mod ord">
+          <ac:chgData name="Eduardo Martín-Sonseca.Alonso" userId="044a8a39323ca9b2" providerId="LiveId" clId="{37839B77-9B63-4AAE-801F-3EFA7B99B021}" dt="2022-10-05T18:37:29.938" v="3184" actId="26606"/>
+          <ac:spMkLst>
+            <pc:docMk/>
+            <pc:sldMk cId="147166308" sldId="267"/>
+            <ac:spMk id="2" creationId="{AF782538-6BA3-40E9-97C7-BA07F82D710C}"/>
+          </ac:spMkLst>
+        </pc:spChg>
+        <pc:spChg chg="del mod">
+          <ac:chgData name="Eduardo Martín-Sonseca.Alonso" userId="044a8a39323ca9b2" providerId="LiveId" clId="{37839B77-9B63-4AAE-801F-3EFA7B99B021}" dt="2022-10-05T18:34:22.831" v="3157" actId="478"/>
+          <ac:spMkLst>
+            <pc:docMk/>
+            <pc:sldMk cId="147166308" sldId="267"/>
+            <ac:spMk id="3" creationId="{C852E464-83C1-F6D1-E15D-28524028C9F1}"/>
+          </ac:spMkLst>
+        </pc:spChg>
+        <pc:spChg chg="del mod ord">
+          <ac:chgData name="Eduardo Martín-Sonseca.Alonso" userId="044a8a39323ca9b2" providerId="LiveId" clId="{37839B77-9B63-4AAE-801F-3EFA7B99B021}" dt="2022-10-05T18:37:34.368" v="3185" actId="478"/>
+          <ac:spMkLst>
+            <pc:docMk/>
+            <pc:sldMk cId="147166308" sldId="267"/>
+            <ac:spMk id="4" creationId="{458A7921-403F-ED21-3E2F-51270E6BAA2B}"/>
+          </ac:spMkLst>
+        </pc:spChg>
+        <pc:spChg chg="add mod">
+          <ac:chgData name="Eduardo Martín-Sonseca.Alonso" userId="044a8a39323ca9b2" providerId="LiveId" clId="{37839B77-9B63-4AAE-801F-3EFA7B99B021}" dt="2022-10-05T18:38:16.884" v="3193" actId="14100"/>
+          <ac:spMkLst>
+            <pc:docMk/>
+            <pc:sldMk cId="147166308" sldId="267"/>
+            <ac:spMk id="6" creationId="{96F7F26F-F2C6-7957-FF63-E74B3106DDED}"/>
+          </ac:spMkLst>
+        </pc:spChg>
+        <pc:spChg chg="add mod">
+          <ac:chgData name="Eduardo Martín-Sonseca.Alonso" userId="044a8a39323ca9b2" providerId="LiveId" clId="{37839B77-9B63-4AAE-801F-3EFA7B99B021}" dt="2022-10-05T18:37:45.374" v="3186"/>
+          <ac:spMkLst>
+            <pc:docMk/>
+            <pc:sldMk cId="147166308" sldId="267"/>
+            <ac:spMk id="7" creationId="{4D1FE0E6-D1CE-E33F-24E6-CB73D732F6F7}"/>
+          </ac:spMkLst>
+        </pc:spChg>
+        <pc:spChg chg="add">
+          <ac:chgData name="Eduardo Martín-Sonseca.Alonso" userId="044a8a39323ca9b2" providerId="LiveId" clId="{37839B77-9B63-4AAE-801F-3EFA7B99B021}" dt="2022-10-05T18:37:29.938" v="3184" actId="26606"/>
+          <ac:spMkLst>
+            <pc:docMk/>
+            <pc:sldMk cId="147166308" sldId="267"/>
+            <ac:spMk id="11" creationId="{4281BC32-FF58-4898-A6B5-7B3D059BCEB0}"/>
+          </ac:spMkLst>
+        </pc:spChg>
+        <pc:spChg chg="add">
+          <ac:chgData name="Eduardo Martín-Sonseca.Alonso" userId="044a8a39323ca9b2" providerId="LiveId" clId="{37839B77-9B63-4AAE-801F-3EFA7B99B021}" dt="2022-10-05T18:37:29.938" v="3184" actId="26606"/>
+          <ac:spMkLst>
+            <pc:docMk/>
+            <pc:sldMk cId="147166308" sldId="267"/>
+            <ac:spMk id="13" creationId="{0D614406-135F-4875-9C87-53822CB19ABB}"/>
+          </ac:spMkLst>
+        </pc:spChg>
+        <pc:spChg chg="add">
+          <ac:chgData name="Eduardo Martín-Sonseca.Alonso" userId="044a8a39323ca9b2" providerId="LiveId" clId="{37839B77-9B63-4AAE-801F-3EFA7B99B021}" dt="2022-10-05T18:37:29.938" v="3184" actId="26606"/>
+          <ac:spMkLst>
+            <pc:docMk/>
+            <pc:sldMk cId="147166308" sldId="267"/>
+            <ac:spMk id="15" creationId="{A47020BD-3785-4628-8C5E-A4011B43EF88}"/>
+          </ac:spMkLst>
+        </pc:spChg>
+      </pc:sldChg>
+      <pc:sldChg chg="modSp del">
+        <pc:chgData name="Eduardo Martín-Sonseca.Alonso" userId="044a8a39323ca9b2" providerId="LiveId" clId="{37839B77-9B63-4AAE-801F-3EFA7B99B021}" dt="2022-10-05T18:05:09.514" v="1415" actId="47"/>
+        <pc:sldMkLst>
+          <pc:docMk/>
+          <pc:sldMk cId="2542492578" sldId="268"/>
+        </pc:sldMkLst>
+        <pc:spChg chg="mod">
+          <ac:chgData name="Eduardo Martín-Sonseca.Alonso" userId="044a8a39323ca9b2" providerId="LiveId" clId="{37839B77-9B63-4AAE-801F-3EFA7B99B021}" dt="2022-10-05T17:33:25.819" v="85"/>
+          <ac:spMkLst>
+            <pc:docMk/>
+            <pc:sldMk cId="2542492578" sldId="268"/>
+            <ac:spMk id="2" creationId="{8607B768-0810-B456-80FF-C4AE6555F84F}"/>
+          </ac:spMkLst>
+        </pc:spChg>
+        <pc:spChg chg="mod">
+          <ac:chgData name="Eduardo Martín-Sonseca.Alonso" userId="044a8a39323ca9b2" providerId="LiveId" clId="{37839B77-9B63-4AAE-801F-3EFA7B99B021}" dt="2022-10-05T17:33:25.819" v="85"/>
+          <ac:spMkLst>
+            <pc:docMk/>
+            <pc:sldMk cId="2542492578" sldId="268"/>
+            <ac:spMk id="3" creationId="{41D81B99-2D68-EAFF-6209-27B8EC39288F}"/>
+          </ac:spMkLst>
+        </pc:spChg>
+      </pc:sldChg>
+      <pc:sldChg chg="addSp delSp modSp mod setBg">
+        <pc:chgData name="Eduardo Martín-Sonseca.Alonso" userId="044a8a39323ca9b2" providerId="LiveId" clId="{37839B77-9B63-4AAE-801F-3EFA7B99B021}" dt="2022-10-05T18:47:01.934" v="3198" actId="113"/>
+        <pc:sldMkLst>
+          <pc:docMk/>
+          <pc:sldMk cId="2049985783" sldId="269"/>
+        </pc:sldMkLst>
+        <pc:spChg chg="mod">
+          <ac:chgData name="Eduardo Martín-Sonseca.Alonso" userId="044a8a39323ca9b2" providerId="LiveId" clId="{37839B77-9B63-4AAE-801F-3EFA7B99B021}" dt="2022-10-05T18:38:50.542" v="3196" actId="26606"/>
+          <ac:spMkLst>
+            <pc:docMk/>
+            <pc:sldMk cId="2049985783" sldId="269"/>
+            <ac:spMk id="2" creationId="{C72BE69A-9CC3-B6DB-D96B-D5B859E8B1E0}"/>
+          </ac:spMkLst>
+        </pc:spChg>
+        <pc:spChg chg="del mod">
+          <ac:chgData name="Eduardo Martín-Sonseca.Alonso" userId="044a8a39323ca9b2" providerId="LiveId" clId="{37839B77-9B63-4AAE-801F-3EFA7B99B021}" dt="2022-10-05T18:38:40.760" v="3194" actId="478"/>
+          <ac:spMkLst>
+            <pc:docMk/>
+            <pc:sldMk cId="2049985783" sldId="269"/>
+            <ac:spMk id="3" creationId="{C99A62D3-153B-DF03-D089-BF6ACF462784}"/>
+          </ac:spMkLst>
+        </pc:spChg>
+        <pc:spChg chg="ord">
+          <ac:chgData name="Eduardo Martín-Sonseca.Alonso" userId="044a8a39323ca9b2" providerId="LiveId" clId="{37839B77-9B63-4AAE-801F-3EFA7B99B021}" dt="2022-10-05T18:38:50.542" v="3196" actId="26606"/>
+          <ac:spMkLst>
+            <pc:docMk/>
+            <pc:sldMk cId="2049985783" sldId="269"/>
+            <ac:spMk id="4" creationId="{DD183648-FD5B-F4B3-C1E9-1BEB2C4915DD}"/>
+          </ac:spMkLst>
+        </pc:spChg>
+        <pc:spChg chg="add mod">
+          <ac:chgData name="Eduardo Martín-Sonseca.Alonso" userId="044a8a39323ca9b2" providerId="LiveId" clId="{37839B77-9B63-4AAE-801F-3EFA7B99B021}" dt="2022-10-05T18:47:01.934" v="3198" actId="113"/>
+          <ac:spMkLst>
+            <pc:docMk/>
+            <pc:sldMk cId="2049985783" sldId="269"/>
+            <ac:spMk id="6" creationId="{3A214500-B530-2654-9FC2-679349A85AB5}"/>
+          </ac:spMkLst>
+        </pc:spChg>
+        <pc:spChg chg="add">
+          <ac:chgData name="Eduardo Martín-Sonseca.Alonso" userId="044a8a39323ca9b2" providerId="LiveId" clId="{37839B77-9B63-4AAE-801F-3EFA7B99B021}" dt="2022-10-05T18:38:50.542" v="3196" actId="26606"/>
+          <ac:spMkLst>
+            <pc:docMk/>
+            <pc:sldMk cId="2049985783" sldId="269"/>
+            <ac:spMk id="11" creationId="{C2554CA6-288E-4202-BC52-2E5A8F0C0AED}"/>
+          </ac:spMkLst>
+        </pc:spChg>
+        <pc:spChg chg="add">
+          <ac:chgData name="Eduardo Martín-Sonseca.Alonso" userId="044a8a39323ca9b2" providerId="LiveId" clId="{37839B77-9B63-4AAE-801F-3EFA7B99B021}" dt="2022-10-05T18:38:50.542" v="3196" actId="26606"/>
+          <ac:spMkLst>
+            <pc:docMk/>
+            <pc:sldMk cId="2049985783" sldId="269"/>
+            <ac:spMk id="13" creationId="{B10BB131-AC8E-4A8E-A5D1-36260F720C3B}"/>
+          </ac:spMkLst>
+        </pc:spChg>
+        <pc:spChg chg="add">
+          <ac:chgData name="Eduardo Martín-Sonseca.Alonso" userId="044a8a39323ca9b2" providerId="LiveId" clId="{37839B77-9B63-4AAE-801F-3EFA7B99B021}" dt="2022-10-05T18:38:50.542" v="3196" actId="26606"/>
+          <ac:spMkLst>
+            <pc:docMk/>
+            <pc:sldMk cId="2049985783" sldId="269"/>
+            <ac:spMk id="15" creationId="{5B7778FC-632E-4DCA-A7CB-0D7731CCF970}"/>
+          </ac:spMkLst>
+        </pc:spChg>
+        <pc:spChg chg="add">
+          <ac:chgData name="Eduardo Martín-Sonseca.Alonso" userId="044a8a39323ca9b2" providerId="LiveId" clId="{37839B77-9B63-4AAE-801F-3EFA7B99B021}" dt="2022-10-05T18:38:50.542" v="3196" actId="26606"/>
+          <ac:spMkLst>
+            <pc:docMk/>
+            <pc:sldMk cId="2049985783" sldId="269"/>
+            <ac:spMk id="17" creationId="{FA23A907-97FB-4A8F-880A-DD77401C4296}"/>
+          </ac:spMkLst>
+        </pc:spChg>
+      </pc:sldChg>
+      <pc:sldChg chg="modSp">
+        <pc:chgData name="Eduardo Martín-Sonseca.Alonso" userId="044a8a39323ca9b2" providerId="LiveId" clId="{37839B77-9B63-4AAE-801F-3EFA7B99B021}" dt="2022-10-05T17:33:25.819" v="85"/>
+        <pc:sldMkLst>
+          <pc:docMk/>
+          <pc:sldMk cId="43089264" sldId="270"/>
+        </pc:sldMkLst>
+        <pc:spChg chg="mod">
+          <ac:chgData name="Eduardo Martín-Sonseca.Alonso" userId="044a8a39323ca9b2" providerId="LiveId" clId="{37839B77-9B63-4AAE-801F-3EFA7B99B021}" dt="2022-10-05T17:33:25.819" v="85"/>
+          <ac:spMkLst>
+            <pc:docMk/>
+            <pc:sldMk cId="43089264" sldId="270"/>
+            <ac:spMk id="2" creationId="{45FB622A-3735-1AE0-8C20-270A97E71FEC}"/>
+          </ac:spMkLst>
+        </pc:spChg>
+      </pc:sldChg>
+      <pc:sldChg chg="addSp delSp modSp delDesignElem">
+        <pc:chgData name="Eduardo Martín-Sonseca.Alonso" userId="044a8a39323ca9b2" providerId="LiveId" clId="{37839B77-9B63-4AAE-801F-3EFA7B99B021}" dt="2022-10-05T18:52:47.166" v="3251"/>
+        <pc:sldMkLst>
+          <pc:docMk/>
+          <pc:sldMk cId="2585561534" sldId="271"/>
+        </pc:sldMkLst>
+        <pc:spChg chg="add del mod">
+          <ac:chgData name="Eduardo Martín-Sonseca.Alonso" userId="044a8a39323ca9b2" providerId="LiveId" clId="{37839B77-9B63-4AAE-801F-3EFA7B99B021}" dt="2022-10-05T18:52:47.166" v="3251"/>
+          <ac:spMkLst>
+            <pc:docMk/>
+            <pc:sldMk cId="2585561534" sldId="271"/>
+            <ac:spMk id="2" creationId="{E7603FB8-F519-D73E-2B61-71FBE03F3533}"/>
+          </ac:spMkLst>
+        </pc:spChg>
+        <pc:spChg chg="mod">
+          <ac:chgData name="Eduardo Martín-Sonseca.Alonso" userId="044a8a39323ca9b2" providerId="LiveId" clId="{37839B77-9B63-4AAE-801F-3EFA7B99B021}" dt="2022-10-05T18:52:47.166" v="3251"/>
+          <ac:spMkLst>
+            <pc:docMk/>
+            <pc:sldMk cId="2585561534" sldId="271"/>
+            <ac:spMk id="3" creationId="{AC322D12-B8C2-CD13-C768-6FAFCE0E11A1}"/>
+          </ac:spMkLst>
+        </pc:spChg>
+        <pc:spChg chg="add del mod">
+          <ac:chgData name="Eduardo Martín-Sonseca.Alonso" userId="044a8a39323ca9b2" providerId="LiveId" clId="{37839B77-9B63-4AAE-801F-3EFA7B99B021}" dt="2022-10-05T18:52:47.166" v="3251"/>
+          <ac:spMkLst>
+            <pc:docMk/>
+            <pc:sldMk cId="2585561534" sldId="271"/>
+            <ac:spMk id="6" creationId="{84019DE4-B6C7-3C3A-3D0C-E843415A6B7F}"/>
+          </ac:spMkLst>
+        </pc:spChg>
+        <pc:spChg chg="add del">
+          <ac:chgData name="Eduardo Martín-Sonseca.Alonso" userId="044a8a39323ca9b2" providerId="LiveId" clId="{37839B77-9B63-4AAE-801F-3EFA7B99B021}" dt="2022-10-05T18:52:47.166" v="3251"/>
+          <ac:spMkLst>
+            <pc:docMk/>
+            <pc:sldMk cId="2585561534" sldId="271"/>
+            <ac:spMk id="71" creationId="{E862BE82-D00D-42C1-BF16-93AA37870C32}"/>
+          </ac:spMkLst>
+        </pc:spChg>
+        <pc:spChg chg="add del">
+          <ac:chgData name="Eduardo Martín-Sonseca.Alonso" userId="044a8a39323ca9b2" providerId="LiveId" clId="{37839B77-9B63-4AAE-801F-3EFA7B99B021}" dt="2022-10-05T18:52:47.166" v="3251"/>
+          <ac:spMkLst>
+            <pc:docMk/>
+            <pc:sldMk cId="2585561534" sldId="271"/>
+            <ac:spMk id="72" creationId="{F6D92C2D-1D3D-4974-918C-06579FB354A9}"/>
+          </ac:spMkLst>
+        </pc:spChg>
+      </pc:sldChg>
+      <pc:sldChg chg="addSp delSp del delDesignElem">
+        <pc:chgData name="Eduardo Martín-Sonseca.Alonso" userId="044a8a39323ca9b2" providerId="LiveId" clId="{37839B77-9B63-4AAE-801F-3EFA7B99B021}" dt="2022-10-05T17:35:39.363" v="144" actId="47"/>
+        <pc:sldMkLst>
+          <pc:docMk/>
+          <pc:sldMk cId="3255652957" sldId="273"/>
+        </pc:sldMkLst>
+        <pc:spChg chg="add del">
+          <ac:chgData name="Eduardo Martín-Sonseca.Alonso" userId="044a8a39323ca9b2" providerId="LiveId" clId="{37839B77-9B63-4AAE-801F-3EFA7B99B021}" dt="2022-10-05T17:33:25.819" v="85"/>
+          <ac:spMkLst>
+            <pc:docMk/>
+            <pc:sldMk cId="3255652957" sldId="273"/>
+            <ac:spMk id="24" creationId="{04812C46-200A-4DEB-A05E-3ED6C68C2387}"/>
+          </ac:spMkLst>
+        </pc:spChg>
+        <pc:spChg chg="add del">
+          <ac:chgData name="Eduardo Martín-Sonseca.Alonso" userId="044a8a39323ca9b2" providerId="LiveId" clId="{37839B77-9B63-4AAE-801F-3EFA7B99B021}" dt="2022-10-05T17:33:25.819" v="85"/>
+          <ac:spMkLst>
+            <pc:docMk/>
+            <pc:sldMk cId="3255652957" sldId="273"/>
+            <ac:spMk id="26" creationId="{D1EA859B-E555-4109-94F3-6700E046E008}"/>
+          </ac:spMkLst>
+        </pc:spChg>
+      </pc:sldChg>
+      <pc:sldChg chg="add del">
+        <pc:chgData name="Eduardo Martín-Sonseca.Alonso" userId="044a8a39323ca9b2" providerId="LiveId" clId="{37839B77-9B63-4AAE-801F-3EFA7B99B021}" dt="2022-10-05T17:31:49.020" v="47" actId="2890"/>
+        <pc:sldMkLst>
+          <pc:docMk/>
+          <pc:sldMk cId="942453371" sldId="274"/>
+        </pc:sldMkLst>
+      </pc:sldChg>
+      <pc:sldChg chg="modSp add ord modTransition modAnim">
+        <pc:chgData name="Eduardo Martín-Sonseca.Alonso" userId="044a8a39323ca9b2" providerId="LiveId" clId="{37839B77-9B63-4AAE-801F-3EFA7B99B021}" dt="2022-10-05T18:49:52.343" v="3209"/>
+        <pc:sldMkLst>
+          <pc:docMk/>
+          <pc:sldMk cId="4144329613" sldId="274"/>
+        </pc:sldMkLst>
+        <pc:spChg chg="mod">
+          <ac:chgData name="Eduardo Martín-Sonseca.Alonso" userId="044a8a39323ca9b2" providerId="LiveId" clId="{37839B77-9B63-4AAE-801F-3EFA7B99B021}" dt="2022-10-05T17:33:40.157" v="95" actId="20577"/>
+          <ac:spMkLst>
+            <pc:docMk/>
+            <pc:sldMk cId="4144329613" sldId="274"/>
+            <ac:spMk id="2" creationId="{71AEC653-CF21-4A83-8228-4AB13A9E6A67}"/>
+          </ac:spMkLst>
+        </pc:spChg>
+        <pc:spChg chg="mod">
+          <ac:chgData name="Eduardo Martín-Sonseca.Alonso" userId="044a8a39323ca9b2" providerId="LiveId" clId="{37839B77-9B63-4AAE-801F-3EFA7B99B021}" dt="2022-10-05T17:33:52.236" v="97"/>
+          <ac:spMkLst>
+            <pc:docMk/>
+            <pc:sldMk cId="4144329613" sldId="274"/>
+            <ac:spMk id="3" creationId="{FDA276B4-AFA8-445E-BF46-D797C1B3F0B0}"/>
+          </ac:spMkLst>
+        </pc:spChg>
+      </pc:sldChg>
+      <pc:sldChg chg="modSp add mod ord modTransition modAnim">
+        <pc:chgData name="Eduardo Martín-Sonseca.Alonso" userId="044a8a39323ca9b2" providerId="LiveId" clId="{37839B77-9B63-4AAE-801F-3EFA7B99B021}" dt="2022-10-05T18:49:52.343" v="3209"/>
+        <pc:sldMkLst>
+          <pc:docMk/>
+          <pc:sldMk cId="3603837440" sldId="275"/>
+        </pc:sldMkLst>
+        <pc:spChg chg="mod">
+          <ac:chgData name="Eduardo Martín-Sonseca.Alonso" userId="044a8a39323ca9b2" providerId="LiveId" clId="{37839B77-9B63-4AAE-801F-3EFA7B99B021}" dt="2022-10-05T17:34:09.980" v="113" actId="20577"/>
+          <ac:spMkLst>
+            <pc:docMk/>
+            <pc:sldMk cId="3603837440" sldId="275"/>
+            <ac:spMk id="2" creationId="{71AEC653-CF21-4A83-8228-4AB13A9E6A67}"/>
+          </ac:spMkLst>
+        </pc:spChg>
+        <pc:spChg chg="mod">
+          <ac:chgData name="Eduardo Martín-Sonseca.Alonso" userId="044a8a39323ca9b2" providerId="LiveId" clId="{37839B77-9B63-4AAE-801F-3EFA7B99B021}" dt="2022-10-05T17:34:28.732" v="119" actId="27636"/>
+          <ac:spMkLst>
+            <pc:docMk/>
+            <pc:sldMk cId="3603837440" sldId="275"/>
+            <ac:spMk id="3" creationId="{FDA276B4-AFA8-445E-BF46-D797C1B3F0B0}"/>
+          </ac:spMkLst>
+        </pc:spChg>
+      </pc:sldChg>
+      <pc:sldChg chg="modSp add mod ord modTransition modAnim">
+        <pc:chgData name="Eduardo Martín-Sonseca.Alonso" userId="044a8a39323ca9b2" providerId="LiveId" clId="{37839B77-9B63-4AAE-801F-3EFA7B99B021}" dt="2022-10-05T18:49:52.343" v="3209"/>
+        <pc:sldMkLst>
+          <pc:docMk/>
+          <pc:sldMk cId="2957840866" sldId="276"/>
+        </pc:sldMkLst>
+        <pc:spChg chg="mod">
+          <ac:chgData name="Eduardo Martín-Sonseca.Alonso" userId="044a8a39323ca9b2" providerId="LiveId" clId="{37839B77-9B63-4AAE-801F-3EFA7B99B021}" dt="2022-10-05T17:34:49.344" v="130" actId="20577"/>
+          <ac:spMkLst>
+            <pc:docMk/>
+            <pc:sldMk cId="2957840866" sldId="276"/>
+            <ac:spMk id="2" creationId="{71AEC653-CF21-4A83-8228-4AB13A9E6A67}"/>
+          </ac:spMkLst>
+        </pc:spChg>
+        <pc:spChg chg="mod">
+          <ac:chgData name="Eduardo Martín-Sonseca.Alonso" userId="044a8a39323ca9b2" providerId="LiveId" clId="{37839B77-9B63-4AAE-801F-3EFA7B99B021}" dt="2022-10-05T17:34:57.560" v="132" actId="27636"/>
+          <ac:spMkLst>
+            <pc:docMk/>
+            <pc:sldMk cId="2957840866" sldId="276"/>
+            <ac:spMk id="3" creationId="{FDA276B4-AFA8-445E-BF46-D797C1B3F0B0}"/>
+          </ac:spMkLst>
+        </pc:spChg>
+      </pc:sldChg>
+      <pc:sldChg chg="modSp add mod ord modTransition modAnim">
+        <pc:chgData name="Eduardo Martín-Sonseca.Alonso" userId="044a8a39323ca9b2" providerId="LiveId" clId="{37839B77-9B63-4AAE-801F-3EFA7B99B021}" dt="2022-10-05T18:49:52.343" v="3209"/>
+        <pc:sldMkLst>
+          <pc:docMk/>
+          <pc:sldMk cId="3340421590" sldId="277"/>
+        </pc:sldMkLst>
+        <pc:spChg chg="mod">
+          <ac:chgData name="Eduardo Martín-Sonseca.Alonso" userId="044a8a39323ca9b2" providerId="LiveId" clId="{37839B77-9B63-4AAE-801F-3EFA7B99B021}" dt="2022-10-05T17:35:18.999" v="139" actId="20577"/>
+          <ac:spMkLst>
+            <pc:docMk/>
+            <pc:sldMk cId="3340421590" sldId="277"/>
+            <ac:spMk id="2" creationId="{71AEC653-CF21-4A83-8228-4AB13A9E6A67}"/>
+          </ac:spMkLst>
+        </pc:spChg>
+        <pc:spChg chg="mod">
+          <ac:chgData name="Eduardo Martín-Sonseca.Alonso" userId="044a8a39323ca9b2" providerId="LiveId" clId="{37839B77-9B63-4AAE-801F-3EFA7B99B021}" dt="2022-10-05T17:35:34.493" v="143" actId="1076"/>
+          <ac:spMkLst>
+            <pc:docMk/>
+            <pc:sldMk cId="3340421590" sldId="277"/>
+            <ac:spMk id="3" creationId="{FDA276B4-AFA8-445E-BF46-D797C1B3F0B0}"/>
+          </ac:spMkLst>
+        </pc:spChg>
+      </pc:sldChg>
+      <pc:sldChg chg="delSp modSp add mod ord modTransition">
+        <pc:chgData name="Eduardo Martín-Sonseca.Alonso" userId="044a8a39323ca9b2" providerId="LiveId" clId="{37839B77-9B63-4AAE-801F-3EFA7B99B021}" dt="2022-10-05T18:49:52.343" v="3209"/>
+        <pc:sldMkLst>
+          <pc:docMk/>
+          <pc:sldMk cId="316164814" sldId="278"/>
+        </pc:sldMkLst>
+        <pc:spChg chg="mod">
+          <ac:chgData name="Eduardo Martín-Sonseca.Alonso" userId="044a8a39323ca9b2" providerId="LiveId" clId="{37839B77-9B63-4AAE-801F-3EFA7B99B021}" dt="2022-10-05T18:09:24.673" v="1694" actId="1076"/>
+          <ac:spMkLst>
+            <pc:docMk/>
+            <pc:sldMk cId="316164814" sldId="278"/>
+            <ac:spMk id="5" creationId="{4C43AC7E-1E6A-A806-6F01-694C1FEAE49C}"/>
+          </ac:spMkLst>
+        </pc:spChg>
+        <pc:spChg chg="del">
+          <ac:chgData name="Eduardo Martín-Sonseca.Alonso" userId="044a8a39323ca9b2" providerId="LiveId" clId="{37839B77-9B63-4AAE-801F-3EFA7B99B021}" dt="2022-10-05T17:59:34.480" v="1230" actId="478"/>
+          <ac:spMkLst>
+            <pc:docMk/>
+            <pc:sldMk cId="316164814" sldId="278"/>
+    